--- a/Präsentation_Vorlage.pptx
+++ b/Präsentation_Vorlage.pptx
@@ -9,10 +9,15 @@
     <p:sldId id="309" r:id="rId3"/>
     <p:sldId id="348" r:id="rId4"/>
     <p:sldId id="261" r:id="rId5"/>
-    <p:sldId id="346" r:id="rId6"/>
-    <p:sldId id="275" r:id="rId7"/>
-    <p:sldId id="318" r:id="rId8"/>
-    <p:sldId id="347" r:id="rId9"/>
+    <p:sldId id="353" r:id="rId6"/>
+    <p:sldId id="352" r:id="rId7"/>
+    <p:sldId id="349" r:id="rId8"/>
+    <p:sldId id="350" r:id="rId9"/>
+    <p:sldId id="351" r:id="rId10"/>
+    <p:sldId id="346" r:id="rId11"/>
+    <p:sldId id="275" r:id="rId12"/>
+    <p:sldId id="318" r:id="rId13"/>
+    <p:sldId id="347" r:id="rId14"/>
   </p:sldIdLst>
   <p:sldSz cx="12192000" cy="6858000"/>
   <p:notesSz cx="6858000" cy="9144000"/>
@@ -816,7 +821,7 @@
           <a:lstStyle>
             <a:lvl1pPr marL="0" indent="0" algn="ctr">
               <a:buNone/>
-              <a:defRPr sz="4800">
+              <a:defRPr sz="4800" b="1">
                 <a:solidFill>
                   <a:srgbClr val="002060"/>
                 </a:solidFill>
@@ -862,7 +867,7 @@
           <a:lstStyle>
             <a:lvl1pPr marL="0" indent="0" algn="ctr">
               <a:buNone/>
-              <a:defRPr>
+              <a:defRPr b="1">
                 <a:solidFill>
                   <a:srgbClr val="002060"/>
                 </a:solidFill>
@@ -974,7 +979,7 @@
           <a:lstStyle>
             <a:lvl1pPr marL="0" indent="0" algn="ctr">
               <a:buNone/>
-              <a:defRPr sz="4800">
+              <a:defRPr sz="4800" b="1">
                 <a:solidFill>
                   <a:srgbClr val="002060"/>
                 </a:solidFill>
@@ -1085,7 +1090,7 @@
           <a:lstStyle>
             <a:lvl1pPr marL="0" indent="0" algn="ctr">
               <a:buNone/>
-              <a:defRPr sz="4800">
+              <a:defRPr sz="4800" b="1">
                 <a:solidFill>
                   <a:srgbClr val="002060"/>
                 </a:solidFill>
@@ -1568,12 +1573,9 @@
                 <a:spcPct val="100000"/>
               </a:lnSpc>
               <a:buNone/>
-              <a:defRPr sz="5400" b="0" baseline="0">
+              <a:defRPr sz="5400" b="1" baseline="0">
                 <a:solidFill>
-                  <a:schemeClr val="tx1">
-                    <a:lumMod val="75000"/>
-                    <a:lumOff val="25000"/>
-                  </a:schemeClr>
+                  <a:srgbClr val="002060"/>
                 </a:solidFill>
                 <a:latin typeface="+mj-lt"/>
                 <a:cs typeface="Arial" pitchFamily="34" charset="0"/>
@@ -2408,7 +2410,7 @@
           <a:lstStyle>
             <a:lvl1pPr marL="0" indent="0" algn="l">
               <a:buNone/>
-              <a:defRPr sz="5400" b="0" baseline="0">
+              <a:defRPr sz="5400" b="1" baseline="0">
                 <a:solidFill>
                   <a:schemeClr val="bg1"/>
                 </a:solidFill>
@@ -4046,7 +4048,7 @@
           <a:p>
             <a:pPr algn="ctr"/>
             <a:r>
-              <a:rPr lang="de-DE" altLang="ko-KR" sz="6000" dirty="0">
+              <a:rPr lang="de-DE" altLang="ko-KR" sz="6000" b="1" dirty="0">
                 <a:solidFill>
                   <a:schemeClr val="tx2">
                     <a:lumMod val="75000"/>
@@ -4075,8 +4077,8 @@
         </p:nvSpPr>
         <p:spPr>
           <a:xfrm>
-            <a:off x="7379561" y="3346372"/>
-            <a:ext cx="3821271" cy="2313582"/>
+            <a:off x="7379561" y="3262531"/>
+            <a:ext cx="3821271" cy="2898358"/>
           </a:xfrm>
           <a:prstGeom prst="rect">
             <a:avLst/>
@@ -4097,7 +4099,7 @@
                     <a:lumMod val="75000"/>
                   </a:schemeClr>
                 </a:solidFill>
-                <a:latin typeface="Aptos SemiBold" panose="020F0502020204030204" pitchFamily="34" charset="0"/>
+                <a:latin typeface="Bahnschrift SemiLight" panose="020B0502040204020203" pitchFamily="34" charset="0"/>
                 <a:cs typeface="Aptos Serif" panose="020B0502040204020203" pitchFamily="18" charset="0"/>
               </a:rPr>
               <a:t>Analyse der Gebrauchtwagen und deren Preise in Deutschland</a:t>
@@ -4136,7 +4138,7 @@
                     <a:lumMod val="75000"/>
                   </a:schemeClr>
                 </a:solidFill>
-                <a:latin typeface="Aptos SemiBold" panose="020F0502020204030204" pitchFamily="34" charset="0"/>
+                <a:latin typeface="Bahnschrift SemiLight" panose="020B0502040204020203" pitchFamily="34" charset="0"/>
                 <a:cs typeface="Aptos Serif" panose="020B0502040204020203" pitchFamily="18" charset="0"/>
               </a:rPr>
               <a:t>Vorgestellt von</a:t>
@@ -4150,7 +4152,7 @@
                   <a:lumMod val="75000"/>
                 </a:schemeClr>
               </a:solidFill>
-              <a:latin typeface="Aptos SemiBold" panose="020F0502020204030204" pitchFamily="34" charset="0"/>
+              <a:latin typeface="Bahnschrift SemiLight" panose="020B0502040204020203" pitchFamily="34" charset="0"/>
               <a:cs typeface="Aptos Serif" panose="020B0502040204020203" pitchFamily="18" charset="0"/>
             </a:endParaRPr>
           </a:p>
@@ -4163,7 +4165,7 @@
                     <a:lumMod val="75000"/>
                   </a:schemeClr>
                 </a:solidFill>
-                <a:latin typeface="Aptos SemiBold" panose="020F0502020204030204" pitchFamily="34" charset="0"/>
+                <a:latin typeface="Bahnschrift SemiLight" panose="020B0502040204020203" pitchFamily="34" charset="0"/>
                 <a:cs typeface="Aptos Serif" panose="020B0502040204020203" pitchFamily="18" charset="0"/>
               </a:rPr>
               <a:t>Peter Okruhlica</a:t>
@@ -4178,18 +4180,36 @@
                     <a:lumMod val="75000"/>
                   </a:schemeClr>
                 </a:solidFill>
-                <a:latin typeface="Aptos SemiBold" panose="020F0502020204030204" pitchFamily="34" charset="0"/>
+                <a:latin typeface="Bahnschrift SemiLight" panose="020B0502040204020203" pitchFamily="34" charset="0"/>
                 <a:cs typeface="Aptos Serif" panose="020B0502040204020203" pitchFamily="18" charset="0"/>
               </a:rPr>
               <a:t>Nico Dilger</a:t>
             </a:r>
+          </a:p>
+          <a:p>
+            <a:pPr algn="ctr"/>
+            <a:r>
+              <a:rPr lang="de-DE" altLang="ko-KR" sz="1900" dirty="0">
+                <a:solidFill>
+                  <a:schemeClr val="tx2">
+                    <a:lumMod val="75000"/>
+                  </a:schemeClr>
+                </a:solidFill>
+                <a:latin typeface="Bahnschrift SemiLight" panose="020B0502040204020203" pitchFamily="34" charset="0"/>
+                <a:cs typeface="Aptos Serif" panose="020B0502040204020203" pitchFamily="18" charset="0"/>
+              </a:rPr>
+              <a:t>am xx.xx.2025</a:t>
+            </a:r>
+          </a:p>
+          <a:p>
+            <a:pPr algn="ctr"/>
             <a:endParaRPr lang="ko-KR" altLang="en-US" sz="1900" dirty="0">
               <a:solidFill>
                 <a:schemeClr val="tx2">
                   <a:lumMod val="75000"/>
                 </a:schemeClr>
               </a:solidFill>
-              <a:latin typeface="Aptos SemiBold" panose="020F0502020204030204" pitchFamily="34" charset="0"/>
+              <a:latin typeface="Bahnschrift SemiLight" panose="020B0502040204020203" pitchFamily="34" charset="0"/>
               <a:cs typeface="Aptos Serif" panose="020B0502040204020203" pitchFamily="18" charset="0"/>
             </a:endParaRPr>
           </a:p>
@@ -4205,1393 +4225,10 @@
   <p:clrMapOvr>
     <a:masterClrMapping/>
   </p:clrMapOvr>
-  <mc:AlternateContent xmlns:mc="http://schemas.openxmlformats.org/markup-compatibility/2006" xmlns:p15="http://schemas.microsoft.com/office/powerpoint/2012/main">
-    <mc:Choice Requires="p15">
-      <p:transition xmlns:p14="http://schemas.microsoft.com/office/powerpoint/2010/main" spd="slow" p14:dur="6000">
-        <p15:prstTrans prst="curtains"/>
-      </p:transition>
-    </mc:Choice>
-    <mc:Fallback xmlns="">
-      <p:transition spd="slow">
-        <p:fade/>
-      </p:transition>
-    </mc:Fallback>
-  </mc:AlternateContent>
 </p:sld>
 </file>
 
-<file path=ppt/slides/slide2.xml><?xml version="1.0" encoding="utf-8"?>
-<p:sld xmlns:a="http://schemas.openxmlformats.org/drawingml/2006/main" xmlns:r="http://schemas.openxmlformats.org/officeDocument/2006/relationships" xmlns:p="http://schemas.openxmlformats.org/presentationml/2006/main">
-  <p:cSld>
-    <p:spTree>
-      <p:nvGrpSpPr>
-        <p:cNvPr id="1" name=""/>
-        <p:cNvGrpSpPr/>
-        <p:nvPr/>
-      </p:nvGrpSpPr>
-      <p:grpSpPr>
-        <a:xfrm>
-          <a:off x="0" y="0"/>
-          <a:ext cx="0" cy="0"/>
-          <a:chOff x="0" y="0"/>
-          <a:chExt cx="0" cy="0"/>
-        </a:xfrm>
-      </p:grpSpPr>
-      <p:sp>
-        <p:nvSpPr>
-          <p:cNvPr id="3" name="TextBox 3">
-            <a:extLst>
-              <a:ext uri="{FF2B5EF4-FFF2-40B4-BE49-F238E27FC236}">
-                <a16:creationId xmlns:a16="http://schemas.microsoft.com/office/drawing/2014/main" id="{8CBCD8AC-1A5A-0A80-75BE-EF7CFC0E3370}"/>
-              </a:ext>
-            </a:extLst>
-          </p:cNvPr>
-          <p:cNvSpPr txBox="1"/>
-          <p:nvPr/>
-        </p:nvSpPr>
-        <p:spPr>
-          <a:xfrm>
-            <a:off x="0" y="444145"/>
-            <a:ext cx="5446295" cy="842538"/>
-          </a:xfrm>
-          <a:prstGeom prst="rect">
-            <a:avLst/>
-          </a:prstGeom>
-          <a:noFill/>
-        </p:spPr>
-        <p:txBody>
-          <a:bodyPr wrap="square" rtlCol="0" anchor="ctr">
-            <a:spAutoFit/>
-          </a:bodyPr>
-          <a:lstStyle/>
-          <a:p>
-            <a:pPr algn="ctr">
-              <a:lnSpc>
-                <a:spcPts val="5400"/>
-              </a:lnSpc>
-            </a:pPr>
-            <a:r>
-              <a:rPr lang="de-DE" altLang="ko-KR" sz="6000" dirty="0">
-                <a:solidFill>
-                  <a:srgbClr val="002060"/>
-                </a:solidFill>
-                <a:latin typeface="CMU Serif" panose="02000803000000000000" pitchFamily="2" charset="0"/>
-                <a:ea typeface="CMU Serif" panose="02000803000000000000" pitchFamily="2" charset="0"/>
-                <a:cs typeface="CMU Serif" panose="02000803000000000000" pitchFamily="2" charset="0"/>
-              </a:rPr>
-              <a:t>Gliederung</a:t>
-            </a:r>
-            <a:endParaRPr lang="de-DE" altLang="ko-KR" sz="6000" dirty="0">
-              <a:solidFill>
-                <a:schemeClr val="accent1"/>
-              </a:solidFill>
-              <a:latin typeface="CMU Serif" panose="02000803000000000000" pitchFamily="2" charset="0"/>
-              <a:ea typeface="CMU Serif" panose="02000803000000000000" pitchFamily="2" charset="0"/>
-              <a:cs typeface="CMU Serif" panose="02000803000000000000" pitchFamily="2" charset="0"/>
-            </a:endParaRPr>
-          </a:p>
-        </p:txBody>
-      </p:sp>
-    </p:spTree>
-    <p:extLst>
-      <p:ext uri="{BB962C8B-B14F-4D97-AF65-F5344CB8AC3E}">
-        <p14:creationId xmlns:p14="http://schemas.microsoft.com/office/powerpoint/2010/main" val="1706006787"/>
-      </p:ext>
-    </p:extLst>
-  </p:cSld>
-  <p:clrMapOvr>
-    <a:masterClrMapping/>
-  </p:clrMapOvr>
-</p:sld>
-</file>
-
-<file path=ppt/slides/slide3.xml><?xml version="1.0" encoding="utf-8"?>
-<p:sld xmlns:a="http://schemas.openxmlformats.org/drawingml/2006/main" xmlns:r="http://schemas.openxmlformats.org/officeDocument/2006/relationships" xmlns:p="http://schemas.openxmlformats.org/presentationml/2006/main">
-  <p:cSld>
-    <p:spTree>
-      <p:nvGrpSpPr>
-        <p:cNvPr id="1" name=""/>
-        <p:cNvGrpSpPr/>
-        <p:nvPr/>
-      </p:nvGrpSpPr>
-      <p:grpSpPr>
-        <a:xfrm>
-          <a:off x="0" y="0"/>
-          <a:ext cx="0" cy="0"/>
-          <a:chOff x="0" y="0"/>
-          <a:chExt cx="0" cy="0"/>
-        </a:xfrm>
-      </p:grpSpPr>
-      <p:sp>
-        <p:nvSpPr>
-          <p:cNvPr id="4" name="TextBox 3">
-            <a:extLst>
-              <a:ext uri="{FF2B5EF4-FFF2-40B4-BE49-F238E27FC236}">
-                <a16:creationId xmlns:a16="http://schemas.microsoft.com/office/drawing/2014/main" id="{948A2979-A456-4286-B8FC-8FF4C0C58EFD}"/>
-              </a:ext>
-            </a:extLst>
-          </p:cNvPr>
-          <p:cNvSpPr txBox="1"/>
-          <p:nvPr/>
-        </p:nvSpPr>
-        <p:spPr>
-          <a:xfrm>
-            <a:off x="6096000" y="3007730"/>
-            <a:ext cx="5446295" cy="842538"/>
-          </a:xfrm>
-          <a:prstGeom prst="rect">
-            <a:avLst/>
-          </a:prstGeom>
-          <a:noFill/>
-        </p:spPr>
-        <p:txBody>
-          <a:bodyPr wrap="square" rtlCol="0" anchor="ctr">
-            <a:spAutoFit/>
-          </a:bodyPr>
-          <a:lstStyle/>
-          <a:p>
-            <a:pPr algn="ctr">
-              <a:lnSpc>
-                <a:spcPts val="5400"/>
-              </a:lnSpc>
-            </a:pPr>
-            <a:r>
-              <a:rPr lang="de-DE" altLang="ko-KR" sz="6000" dirty="0">
-                <a:solidFill>
-                  <a:srgbClr val="002060"/>
-                </a:solidFill>
-                <a:latin typeface="CMU Serif" panose="02000803000000000000" pitchFamily="2" charset="0"/>
-                <a:ea typeface="CMU Serif" panose="02000803000000000000" pitchFamily="2" charset="0"/>
-                <a:cs typeface="CMU Serif" panose="02000803000000000000" pitchFamily="2" charset="0"/>
-              </a:rPr>
-              <a:t>Titel</a:t>
-            </a:r>
-            <a:endParaRPr lang="de-DE" altLang="ko-KR" sz="6000" dirty="0">
-              <a:solidFill>
-                <a:schemeClr val="accent1"/>
-              </a:solidFill>
-              <a:latin typeface="CMU Serif" panose="02000803000000000000" pitchFamily="2" charset="0"/>
-              <a:ea typeface="CMU Serif" panose="02000803000000000000" pitchFamily="2" charset="0"/>
-              <a:cs typeface="CMU Serif" panose="02000803000000000000" pitchFamily="2" charset="0"/>
-            </a:endParaRPr>
-          </a:p>
-        </p:txBody>
-      </p:sp>
-      <p:sp>
-        <p:nvSpPr>
-          <p:cNvPr id="153" name="Freeform: Shape 152">
-            <a:extLst>
-              <a:ext uri="{FF2B5EF4-FFF2-40B4-BE49-F238E27FC236}">
-                <a16:creationId xmlns:a16="http://schemas.microsoft.com/office/drawing/2014/main" id="{F3B4A34E-C246-47F5-A863-109A43C0757D}"/>
-              </a:ext>
-            </a:extLst>
-          </p:cNvPr>
-          <p:cNvSpPr/>
-          <p:nvPr/>
-        </p:nvSpPr>
-        <p:spPr>
-          <a:xfrm>
-            <a:off x="649705" y="1752268"/>
-            <a:ext cx="5086770" cy="3128874"/>
-          </a:xfrm>
-          <a:custGeom>
-            <a:avLst/>
-            <a:gdLst>
-              <a:gd name="connsiteX0" fmla="*/ 5086770 w 5086770"/>
-              <a:gd name="connsiteY0" fmla="*/ 1174706 h 3128874"/>
-              <a:gd name="connsiteX1" fmla="*/ 5086770 w 5086770"/>
-              <a:gd name="connsiteY1" fmla="*/ 1184663 h 3128874"/>
-              <a:gd name="connsiteX2" fmla="*/ 5079830 w 5086770"/>
-              <a:gd name="connsiteY2" fmla="*/ 1185820 h 3128874"/>
-              <a:gd name="connsiteX3" fmla="*/ 5078289 w 5086770"/>
-              <a:gd name="connsiteY3" fmla="*/ 1182737 h 3128874"/>
-              <a:gd name="connsiteX4" fmla="*/ 5078289 w 5086770"/>
-              <a:gd name="connsiteY4" fmla="*/ 1179654 h 3128874"/>
-              <a:gd name="connsiteX5" fmla="*/ 1690658 w 5086770"/>
-              <a:gd name="connsiteY5" fmla="*/ 810655 h 3128874"/>
-              <a:gd name="connsiteX6" fmla="*/ 1349061 w 5086770"/>
-              <a:gd name="connsiteY6" fmla="*/ 1934928 h 3128874"/>
-              <a:gd name="connsiteX7" fmla="*/ 2035854 w 5086770"/>
-              <a:gd name="connsiteY7" fmla="*/ 1934928 h 3128874"/>
-              <a:gd name="connsiteX8" fmla="*/ 3765314 w 5086770"/>
-              <a:gd name="connsiteY8" fmla="*/ 0 h 3128874"/>
-              <a:gd name="connsiteX9" fmla="*/ 4465138 w 5086770"/>
-              <a:gd name="connsiteY9" fmla="*/ 0 h 3128874"/>
-              <a:gd name="connsiteX10" fmla="*/ 4675955 w 5086770"/>
-              <a:gd name="connsiteY10" fmla="*/ 0 h 3128874"/>
-              <a:gd name="connsiteX11" fmla="*/ 4659036 w 5086770"/>
-              <a:gd name="connsiteY11" fmla="*/ 34412 h 3128874"/>
-              <a:gd name="connsiteX12" fmla="*/ 4651327 w 5086770"/>
-              <a:gd name="connsiteY12" fmla="*/ 45203 h 3128874"/>
-              <a:gd name="connsiteX13" fmla="*/ 4648245 w 5086770"/>
-              <a:gd name="connsiteY13" fmla="*/ 51368 h 3128874"/>
-              <a:gd name="connsiteX14" fmla="*/ 4483319 w 5086770"/>
-              <a:gd name="connsiteY14" fmla="*/ 361184 h 3128874"/>
-              <a:gd name="connsiteX15" fmla="*/ 4480236 w 5086770"/>
-              <a:gd name="connsiteY15" fmla="*/ 373515 h 3128874"/>
-              <a:gd name="connsiteX16" fmla="*/ 4474071 w 5086770"/>
-              <a:gd name="connsiteY16" fmla="*/ 398176 h 3128874"/>
-              <a:gd name="connsiteX17" fmla="*/ 4450950 w 5086770"/>
-              <a:gd name="connsiteY17" fmla="*/ 498367 h 3128874"/>
-              <a:gd name="connsiteX18" fmla="*/ 4440161 w 5086770"/>
-              <a:gd name="connsiteY18" fmla="*/ 527652 h 3128874"/>
-              <a:gd name="connsiteX19" fmla="*/ 4441700 w 5086770"/>
-              <a:gd name="connsiteY19" fmla="*/ 539983 h 3128874"/>
-              <a:gd name="connsiteX20" fmla="*/ 4437078 w 5086770"/>
-              <a:gd name="connsiteY20" fmla="*/ 561562 h 3128874"/>
-              <a:gd name="connsiteX21" fmla="*/ 4433995 w 5086770"/>
-              <a:gd name="connsiteY21" fmla="*/ 576976 h 3128874"/>
-              <a:gd name="connsiteX22" fmla="*/ 4433994 w 5086770"/>
-              <a:gd name="connsiteY22" fmla="*/ 578519 h 3128874"/>
-              <a:gd name="connsiteX23" fmla="*/ 4413956 w 5086770"/>
-              <a:gd name="connsiteY23" fmla="*/ 797393 h 3128874"/>
-              <a:gd name="connsiteX24" fmla="*/ 4438619 w 5086770"/>
-              <a:gd name="connsiteY24" fmla="*/ 996230 h 3128874"/>
-              <a:gd name="connsiteX25" fmla="*/ 4433995 w 5086770"/>
-              <a:gd name="connsiteY25" fmla="*/ 1016268 h 3128874"/>
-              <a:gd name="connsiteX26" fmla="*/ 4435536 w 5086770"/>
-              <a:gd name="connsiteY26" fmla="*/ 1025517 h 3128874"/>
-              <a:gd name="connsiteX27" fmla="*/ 4437078 w 5086770"/>
-              <a:gd name="connsiteY27" fmla="*/ 1027057 h 3128874"/>
-              <a:gd name="connsiteX28" fmla="*/ 4432452 w 5086770"/>
-              <a:gd name="connsiteY28" fmla="*/ 1048636 h 3128874"/>
-              <a:gd name="connsiteX29" fmla="*/ 4413956 w 5086770"/>
-              <a:gd name="connsiteY29" fmla="*/ 1085630 h 3128874"/>
-              <a:gd name="connsiteX30" fmla="*/ 4196623 w 5086770"/>
-              <a:gd name="connsiteY30" fmla="*/ 1389280 h 3128874"/>
-              <a:gd name="connsiteX31" fmla="*/ 4085645 w 5086770"/>
-              <a:gd name="connsiteY31" fmla="*/ 1597365 h 3128874"/>
-              <a:gd name="connsiteX32" fmla="*/ 4216661 w 5086770"/>
-              <a:gd name="connsiteY32" fmla="*/ 1697556 h 3128874"/>
-              <a:gd name="connsiteX33" fmla="*/ 4250571 w 5086770"/>
-              <a:gd name="connsiteY33" fmla="*/ 1811617 h 3128874"/>
-              <a:gd name="connsiteX34" fmla="*/ 4173502 w 5086770"/>
-              <a:gd name="connsiteY34" fmla="*/ 1888685 h 3128874"/>
-              <a:gd name="connsiteX35" fmla="*/ 4213578 w 5086770"/>
-              <a:gd name="connsiteY35" fmla="*/ 2022784 h 3128874"/>
-              <a:gd name="connsiteX36" fmla="*/ 4347678 w 5086770"/>
-              <a:gd name="connsiteY36" fmla="*/ 2090605 h 3128874"/>
-              <a:gd name="connsiteX37" fmla="*/ 4233616 w 5086770"/>
-              <a:gd name="connsiteY37" fmla="*/ 2138388 h 3128874"/>
-              <a:gd name="connsiteX38" fmla="*/ 4227451 w 5086770"/>
-              <a:gd name="connsiteY38" fmla="*/ 2258616 h 3128874"/>
-              <a:gd name="connsiteX39" fmla="*/ 4350761 w 5086770"/>
-              <a:gd name="connsiteY39" fmla="*/ 2320270 h 3128874"/>
-              <a:gd name="connsiteX40" fmla="*/ 4333805 w 5086770"/>
-              <a:gd name="connsiteY40" fmla="*/ 2462077 h 3128874"/>
-              <a:gd name="connsiteX41" fmla="*/ 4467905 w 5086770"/>
-              <a:gd name="connsiteY41" fmla="*/ 2719486 h 3128874"/>
-              <a:gd name="connsiteX42" fmla="*/ 4800655 w 5086770"/>
-              <a:gd name="connsiteY42" fmla="*/ 2748491 h 3128874"/>
-              <a:gd name="connsiteX43" fmla="*/ 4838191 w 5086770"/>
-              <a:gd name="connsiteY43" fmla="*/ 2744074 h 3128874"/>
-              <a:gd name="connsiteX44" fmla="*/ 4863823 w 5086770"/>
-              <a:gd name="connsiteY44" fmla="*/ 2765476 h 3128874"/>
-              <a:gd name="connsiteX45" fmla="*/ 4934321 w 5086770"/>
-              <a:gd name="connsiteY45" fmla="*/ 2911083 h 3128874"/>
-              <a:gd name="connsiteX46" fmla="*/ 4964162 w 5086770"/>
-              <a:gd name="connsiteY46" fmla="*/ 3074402 h 3128874"/>
-              <a:gd name="connsiteX47" fmla="*/ 4967647 w 5086770"/>
-              <a:gd name="connsiteY47" fmla="*/ 3128874 h 3128874"/>
-              <a:gd name="connsiteX48" fmla="*/ 4465138 w 5086770"/>
-              <a:gd name="connsiteY48" fmla="*/ 3128874 h 3128874"/>
-              <a:gd name="connsiteX49" fmla="*/ 4465138 w 5086770"/>
-              <a:gd name="connsiteY49" fmla="*/ 3127460 h 3128874"/>
-              <a:gd name="connsiteX50" fmla="*/ 3765314 w 5086770"/>
-              <a:gd name="connsiteY50" fmla="*/ 3127460 h 3128874"/>
-              <a:gd name="connsiteX51" fmla="*/ 1175459 w 5086770"/>
-              <a:gd name="connsiteY51" fmla="*/ 0 h 3128874"/>
-              <a:gd name="connsiteX52" fmla="*/ 2229594 w 5086770"/>
-              <a:gd name="connsiteY52" fmla="*/ 0 h 3128874"/>
-              <a:gd name="connsiteX53" fmla="*/ 3404781 w 5086770"/>
-              <a:gd name="connsiteY53" fmla="*/ 3127460 h 3128874"/>
-              <a:gd name="connsiteX54" fmla="*/ 2392789 w 5086770"/>
-              <a:gd name="connsiteY54" fmla="*/ 3127460 h 3128874"/>
-              <a:gd name="connsiteX55" fmla="*/ 2236317 w 5086770"/>
-              <a:gd name="connsiteY55" fmla="*/ 2611186 h 3128874"/>
-              <a:gd name="connsiteX56" fmla="*/ 1139165 w 5086770"/>
-              <a:gd name="connsiteY56" fmla="*/ 2611186 h 3128874"/>
-              <a:gd name="connsiteX57" fmla="*/ 986721 w 5086770"/>
-              <a:gd name="connsiteY57" fmla="*/ 3127460 h 3128874"/>
-              <a:gd name="connsiteX58" fmla="*/ 0 w 5086770"/>
-              <a:gd name="connsiteY58" fmla="*/ 3127460 h 3128874"/>
-            </a:gdLst>
-            <a:ahLst/>
-            <a:cxnLst>
-              <a:cxn ang="0">
-                <a:pos x="connsiteX0" y="connsiteY0"/>
-              </a:cxn>
-              <a:cxn ang="0">
-                <a:pos x="connsiteX1" y="connsiteY1"/>
-              </a:cxn>
-              <a:cxn ang="0">
-                <a:pos x="connsiteX2" y="connsiteY2"/>
-              </a:cxn>
-              <a:cxn ang="0">
-                <a:pos x="connsiteX3" y="connsiteY3"/>
-              </a:cxn>
-              <a:cxn ang="0">
-                <a:pos x="connsiteX4" y="connsiteY4"/>
-              </a:cxn>
-              <a:cxn ang="0">
-                <a:pos x="connsiteX5" y="connsiteY5"/>
-              </a:cxn>
-              <a:cxn ang="0">
-                <a:pos x="connsiteX6" y="connsiteY6"/>
-              </a:cxn>
-              <a:cxn ang="0">
-                <a:pos x="connsiteX7" y="connsiteY7"/>
-              </a:cxn>
-              <a:cxn ang="0">
-                <a:pos x="connsiteX8" y="connsiteY8"/>
-              </a:cxn>
-              <a:cxn ang="0">
-                <a:pos x="connsiteX9" y="connsiteY9"/>
-              </a:cxn>
-              <a:cxn ang="0">
-                <a:pos x="connsiteX10" y="connsiteY10"/>
-              </a:cxn>
-              <a:cxn ang="0">
-                <a:pos x="connsiteX11" y="connsiteY11"/>
-              </a:cxn>
-              <a:cxn ang="0">
-                <a:pos x="connsiteX12" y="connsiteY12"/>
-              </a:cxn>
-              <a:cxn ang="0">
-                <a:pos x="connsiteX13" y="connsiteY13"/>
-              </a:cxn>
-              <a:cxn ang="0">
-                <a:pos x="connsiteX14" y="connsiteY14"/>
-              </a:cxn>
-              <a:cxn ang="0">
-                <a:pos x="connsiteX15" y="connsiteY15"/>
-              </a:cxn>
-              <a:cxn ang="0">
-                <a:pos x="connsiteX16" y="connsiteY16"/>
-              </a:cxn>
-              <a:cxn ang="0">
-                <a:pos x="connsiteX17" y="connsiteY17"/>
-              </a:cxn>
-              <a:cxn ang="0">
-                <a:pos x="connsiteX18" y="connsiteY18"/>
-              </a:cxn>
-              <a:cxn ang="0">
-                <a:pos x="connsiteX19" y="connsiteY19"/>
-              </a:cxn>
-              <a:cxn ang="0">
-                <a:pos x="connsiteX20" y="connsiteY20"/>
-              </a:cxn>
-              <a:cxn ang="0">
-                <a:pos x="connsiteX21" y="connsiteY21"/>
-              </a:cxn>
-              <a:cxn ang="0">
-                <a:pos x="connsiteX22" y="connsiteY22"/>
-              </a:cxn>
-              <a:cxn ang="0">
-                <a:pos x="connsiteX23" y="connsiteY23"/>
-              </a:cxn>
-              <a:cxn ang="0">
-                <a:pos x="connsiteX24" y="connsiteY24"/>
-              </a:cxn>
-              <a:cxn ang="0">
-                <a:pos x="connsiteX25" y="connsiteY25"/>
-              </a:cxn>
-              <a:cxn ang="0">
-                <a:pos x="connsiteX26" y="connsiteY26"/>
-              </a:cxn>
-              <a:cxn ang="0">
-                <a:pos x="connsiteX27" y="connsiteY27"/>
-              </a:cxn>
-              <a:cxn ang="0">
-                <a:pos x="connsiteX28" y="connsiteY28"/>
-              </a:cxn>
-              <a:cxn ang="0">
-                <a:pos x="connsiteX29" y="connsiteY29"/>
-              </a:cxn>
-              <a:cxn ang="0">
-                <a:pos x="connsiteX30" y="connsiteY30"/>
-              </a:cxn>
-              <a:cxn ang="0">
-                <a:pos x="connsiteX31" y="connsiteY31"/>
-              </a:cxn>
-              <a:cxn ang="0">
-                <a:pos x="connsiteX32" y="connsiteY32"/>
-              </a:cxn>
-              <a:cxn ang="0">
-                <a:pos x="connsiteX33" y="connsiteY33"/>
-              </a:cxn>
-              <a:cxn ang="0">
-                <a:pos x="connsiteX34" y="connsiteY34"/>
-              </a:cxn>
-              <a:cxn ang="0">
-                <a:pos x="connsiteX35" y="connsiteY35"/>
-              </a:cxn>
-              <a:cxn ang="0">
-                <a:pos x="connsiteX36" y="connsiteY36"/>
-              </a:cxn>
-              <a:cxn ang="0">
-                <a:pos x="connsiteX37" y="connsiteY37"/>
-              </a:cxn>
-              <a:cxn ang="0">
-                <a:pos x="connsiteX38" y="connsiteY38"/>
-              </a:cxn>
-              <a:cxn ang="0">
-                <a:pos x="connsiteX39" y="connsiteY39"/>
-              </a:cxn>
-              <a:cxn ang="0">
-                <a:pos x="connsiteX40" y="connsiteY40"/>
-              </a:cxn>
-              <a:cxn ang="0">
-                <a:pos x="connsiteX41" y="connsiteY41"/>
-              </a:cxn>
-              <a:cxn ang="0">
-                <a:pos x="connsiteX42" y="connsiteY42"/>
-              </a:cxn>
-              <a:cxn ang="0">
-                <a:pos x="connsiteX43" y="connsiteY43"/>
-              </a:cxn>
-              <a:cxn ang="0">
-                <a:pos x="connsiteX44" y="connsiteY44"/>
-              </a:cxn>
-              <a:cxn ang="0">
-                <a:pos x="connsiteX45" y="connsiteY45"/>
-              </a:cxn>
-              <a:cxn ang="0">
-                <a:pos x="connsiteX46" y="connsiteY46"/>
-              </a:cxn>
-              <a:cxn ang="0">
-                <a:pos x="connsiteX47" y="connsiteY47"/>
-              </a:cxn>
-              <a:cxn ang="0">
-                <a:pos x="connsiteX48" y="connsiteY48"/>
-              </a:cxn>
-              <a:cxn ang="0">
-                <a:pos x="connsiteX49" y="connsiteY49"/>
-              </a:cxn>
-              <a:cxn ang="0">
-                <a:pos x="connsiteX50" y="connsiteY50"/>
-              </a:cxn>
-              <a:cxn ang="0">
-                <a:pos x="connsiteX51" y="connsiteY51"/>
-              </a:cxn>
-              <a:cxn ang="0">
-                <a:pos x="connsiteX52" y="connsiteY52"/>
-              </a:cxn>
-              <a:cxn ang="0">
-                <a:pos x="connsiteX53" y="connsiteY53"/>
-              </a:cxn>
-              <a:cxn ang="0">
-                <a:pos x="connsiteX54" y="connsiteY54"/>
-              </a:cxn>
-              <a:cxn ang="0">
-                <a:pos x="connsiteX55" y="connsiteY55"/>
-              </a:cxn>
-              <a:cxn ang="0">
-                <a:pos x="connsiteX56" y="connsiteY56"/>
-              </a:cxn>
-              <a:cxn ang="0">
-                <a:pos x="connsiteX57" y="connsiteY57"/>
-              </a:cxn>
-              <a:cxn ang="0">
-                <a:pos x="connsiteX58" y="connsiteY58"/>
-              </a:cxn>
-            </a:cxnLst>
-            <a:rect l="l" t="t" r="r" b="b"/>
-            <a:pathLst>
-              <a:path w="5086770" h="3128874">
-                <a:moveTo>
-                  <a:pt x="5086770" y="1174706"/>
-                </a:moveTo>
-                <a:lnTo>
-                  <a:pt x="5086770" y="1184663"/>
-                </a:lnTo>
-                <a:lnTo>
-                  <a:pt x="5079830" y="1185820"/>
-                </a:lnTo>
-                <a:cubicBezTo>
-                  <a:pt x="5079829" y="1184277"/>
-                  <a:pt x="5078289" y="1184277"/>
-                  <a:pt x="5078289" y="1182737"/>
-                </a:cubicBezTo>
-                <a:lnTo>
-                  <a:pt x="5078289" y="1179654"/>
-                </a:lnTo>
-                <a:close/>
-                <a:moveTo>
-                  <a:pt x="1690658" y="810655"/>
-                </a:moveTo>
-                <a:lnTo>
-                  <a:pt x="1349061" y="1934928"/>
-                </a:lnTo>
-                <a:lnTo>
-                  <a:pt x="2035854" y="1934928"/>
-                </a:lnTo>
-                <a:close/>
-                <a:moveTo>
-                  <a:pt x="3765314" y="0"/>
-                </a:moveTo>
-                <a:lnTo>
-                  <a:pt x="4465138" y="0"/>
-                </a:lnTo>
-                <a:lnTo>
-                  <a:pt x="4675955" y="0"/>
-                </a:lnTo>
-                <a:lnTo>
-                  <a:pt x="4659036" y="34412"/>
-                </a:lnTo>
-                <a:cubicBezTo>
-                  <a:pt x="4655952" y="37496"/>
-                  <a:pt x="4652870" y="40578"/>
-                  <a:pt x="4651327" y="45203"/>
-                </a:cubicBezTo>
-                <a:cubicBezTo>
-                  <a:pt x="4649787" y="48285"/>
-                  <a:pt x="4649788" y="49827"/>
-                  <a:pt x="4648245" y="51368"/>
-                </a:cubicBezTo>
-                <a:cubicBezTo>
-                  <a:pt x="4632831" y="72947"/>
-                  <a:pt x="4528018" y="224002"/>
-                  <a:pt x="4483319" y="361184"/>
-                </a:cubicBezTo>
-                <a:cubicBezTo>
-                  <a:pt x="4481777" y="365808"/>
-                  <a:pt x="4480236" y="368891"/>
-                  <a:pt x="4480236" y="373515"/>
-                </a:cubicBezTo>
-                <a:cubicBezTo>
-                  <a:pt x="4478694" y="381223"/>
-                  <a:pt x="4475612" y="390471"/>
-                  <a:pt x="4474071" y="398176"/>
-                </a:cubicBezTo>
-                <a:cubicBezTo>
-                  <a:pt x="4466362" y="432087"/>
-                  <a:pt x="4458657" y="465997"/>
-                  <a:pt x="4450950" y="498367"/>
-                </a:cubicBezTo>
-                <a:cubicBezTo>
-                  <a:pt x="4444783" y="506073"/>
-                  <a:pt x="4440160" y="516863"/>
-                  <a:pt x="4440161" y="527652"/>
-                </a:cubicBezTo>
-                <a:cubicBezTo>
-                  <a:pt x="4440160" y="532277"/>
-                  <a:pt x="4440160" y="535360"/>
-                  <a:pt x="4441700" y="539983"/>
-                </a:cubicBezTo>
-                <a:cubicBezTo>
-                  <a:pt x="4440161" y="547691"/>
-                  <a:pt x="4438618" y="555397"/>
-                  <a:pt x="4437078" y="561562"/>
-                </a:cubicBezTo>
-                <a:cubicBezTo>
-                  <a:pt x="4435535" y="566187"/>
-                  <a:pt x="4433995" y="570810"/>
-                  <a:pt x="4433995" y="576976"/>
-                </a:cubicBezTo>
-                <a:cubicBezTo>
-                  <a:pt x="4433995" y="576976"/>
-                  <a:pt x="4433994" y="578519"/>
-                  <a:pt x="4433994" y="578519"/>
-                </a:cubicBezTo>
-                <a:cubicBezTo>
-                  <a:pt x="4417039" y="674083"/>
-                  <a:pt x="4407790" y="755776"/>
-                  <a:pt x="4413956" y="797393"/>
-                </a:cubicBezTo>
-                <a:cubicBezTo>
-                  <a:pt x="4421664" y="846717"/>
-                  <a:pt x="4440160" y="929951"/>
-                  <a:pt x="4438619" y="996230"/>
-                </a:cubicBezTo>
-                <a:cubicBezTo>
-                  <a:pt x="4435535" y="1002395"/>
-                  <a:pt x="4433995" y="1008560"/>
-                  <a:pt x="4433995" y="1016268"/>
-                </a:cubicBezTo>
-                <a:cubicBezTo>
-                  <a:pt x="4433995" y="1019351"/>
-                  <a:pt x="4435536" y="1022434"/>
-                  <a:pt x="4435536" y="1025517"/>
-                </a:cubicBezTo>
-                <a:cubicBezTo>
-                  <a:pt x="4435536" y="1025517"/>
-                  <a:pt x="4435535" y="1027057"/>
-                  <a:pt x="4437078" y="1027057"/>
-                </a:cubicBezTo>
-                <a:cubicBezTo>
-                  <a:pt x="4435536" y="1034764"/>
-                  <a:pt x="4433994" y="1042471"/>
-                  <a:pt x="4432452" y="1048636"/>
-                </a:cubicBezTo>
-                <a:lnTo>
-                  <a:pt x="4413956" y="1085630"/>
-                </a:lnTo>
-                <a:cubicBezTo>
-                  <a:pt x="4369257" y="1164240"/>
-                  <a:pt x="4258278" y="1339957"/>
-                  <a:pt x="4196623" y="1389280"/>
-                </a:cubicBezTo>
-                <a:cubicBezTo>
-                  <a:pt x="4128802" y="1441687"/>
-                  <a:pt x="4062523" y="1538793"/>
-                  <a:pt x="4085645" y="1597365"/>
-                </a:cubicBezTo>
-                <a:cubicBezTo>
-                  <a:pt x="4119555" y="1660562"/>
-                  <a:pt x="4181210" y="1688307"/>
-                  <a:pt x="4216661" y="1697556"/>
-                </a:cubicBezTo>
-                <a:cubicBezTo>
-                  <a:pt x="4252112" y="1706804"/>
-                  <a:pt x="4275233" y="1779247"/>
-                  <a:pt x="4250571" y="1811617"/>
-                </a:cubicBezTo>
-                <a:cubicBezTo>
-                  <a:pt x="4225909" y="1843985"/>
-                  <a:pt x="4187375" y="1853233"/>
-                  <a:pt x="4173502" y="1888685"/>
-                </a:cubicBezTo>
-                <a:cubicBezTo>
-                  <a:pt x="4159630" y="1924137"/>
-                  <a:pt x="4153465" y="1998123"/>
-                  <a:pt x="4213578" y="2022784"/>
-                </a:cubicBezTo>
-                <a:cubicBezTo>
-                  <a:pt x="4259818" y="2041281"/>
-                  <a:pt x="4349219" y="2081356"/>
-                  <a:pt x="4347678" y="2090605"/>
-                </a:cubicBezTo>
-                <a:cubicBezTo>
-                  <a:pt x="4346136" y="2099853"/>
-                  <a:pt x="4250570" y="2107561"/>
-                  <a:pt x="4233616" y="2138388"/>
-                </a:cubicBezTo>
-                <a:cubicBezTo>
-                  <a:pt x="4216660" y="2169216"/>
-                  <a:pt x="4204330" y="2220080"/>
-                  <a:pt x="4227451" y="2258616"/>
-                </a:cubicBezTo>
-                <a:cubicBezTo>
-                  <a:pt x="4250571" y="2297149"/>
-                  <a:pt x="4332264" y="2292526"/>
-                  <a:pt x="4350761" y="2320270"/>
-                </a:cubicBezTo>
-                <a:cubicBezTo>
-                  <a:pt x="4381588" y="2371135"/>
-                  <a:pt x="4358466" y="2378843"/>
-                  <a:pt x="4333805" y="2462077"/>
-                </a:cubicBezTo>
-                <a:cubicBezTo>
-                  <a:pt x="4306060" y="2551476"/>
-                  <a:pt x="4302977" y="2650125"/>
-                  <a:pt x="4467905" y="2719486"/>
-                </a:cubicBezTo>
-                <a:cubicBezTo>
-                  <a:pt x="4562314" y="2758983"/>
-                  <a:pt x="4694054" y="2758743"/>
-                  <a:pt x="4800655" y="2748491"/>
-                </a:cubicBezTo>
-                <a:lnTo>
-                  <a:pt x="4838191" y="2744074"/>
-                </a:lnTo>
-                <a:lnTo>
-                  <a:pt x="4863823" y="2765476"/>
-                </a:lnTo>
-                <a:cubicBezTo>
-                  <a:pt x="4895578" y="2799449"/>
-                  <a:pt x="4917344" y="2847230"/>
-                  <a:pt x="4934321" y="2911083"/>
-                </a:cubicBezTo>
-                <a:cubicBezTo>
-                  <a:pt x="4945640" y="2953651"/>
-                  <a:pt x="4957371" y="3013267"/>
-                  <a:pt x="4964162" y="3074402"/>
-                </a:cubicBezTo>
-                <a:lnTo>
-                  <a:pt x="4967647" y="3128874"/>
-                </a:lnTo>
-                <a:lnTo>
-                  <a:pt x="4465138" y="3128874"/>
-                </a:lnTo>
-                <a:lnTo>
-                  <a:pt x="4465138" y="3127460"/>
-                </a:lnTo>
-                <a:lnTo>
-                  <a:pt x="3765314" y="3127460"/>
-                </a:lnTo>
-                <a:close/>
-                <a:moveTo>
-                  <a:pt x="1175459" y="0"/>
-                </a:moveTo>
-                <a:lnTo>
-                  <a:pt x="2229594" y="0"/>
-                </a:lnTo>
-                <a:lnTo>
-                  <a:pt x="3404781" y="3127460"/>
-                </a:lnTo>
-                <a:lnTo>
-                  <a:pt x="2392789" y="3127460"/>
-                </a:lnTo>
-                <a:lnTo>
-                  <a:pt x="2236317" y="2611186"/>
-                </a:lnTo>
-                <a:lnTo>
-                  <a:pt x="1139165" y="2611186"/>
-                </a:lnTo>
-                <a:lnTo>
-                  <a:pt x="986721" y="3127460"/>
-                </a:lnTo>
-                <a:lnTo>
-                  <a:pt x="0" y="3127460"/>
-                </a:lnTo>
-                <a:close/>
-              </a:path>
-            </a:pathLst>
-          </a:custGeom>
-          <a:solidFill>
-            <a:srgbClr val="002060"/>
-          </a:solidFill>
-          <a:ln>
-            <a:noFill/>
-          </a:ln>
-        </p:spPr>
-        <p:style>
-          <a:lnRef idx="2">
-            <a:schemeClr val="accent1">
-              <a:shade val="50000"/>
-            </a:schemeClr>
-          </a:lnRef>
-          <a:fillRef idx="1">
-            <a:schemeClr val="accent1"/>
-          </a:fillRef>
-          <a:effectRef idx="0">
-            <a:schemeClr val="accent1"/>
-          </a:effectRef>
-          <a:fontRef idx="minor">
-            <a:schemeClr val="lt1"/>
-          </a:fontRef>
-        </p:style>
-        <p:txBody>
-          <a:bodyPr rtlCol="0" anchor="ctr"/>
-          <a:lstStyle/>
-          <a:p>
-            <a:pPr algn="ctr"/>
-            <a:endParaRPr lang="en-US"/>
-          </a:p>
-        </p:txBody>
-      </p:sp>
-      <p:sp>
-        <p:nvSpPr>
-          <p:cNvPr id="2" name="Rechteck 1">
-            <a:extLst>
-              <a:ext uri="{FF2B5EF4-FFF2-40B4-BE49-F238E27FC236}">
-                <a16:creationId xmlns:a16="http://schemas.microsoft.com/office/drawing/2014/main" id="{96AA9A24-87CF-4FD9-A062-3E8FD5FCE155}"/>
-              </a:ext>
-            </a:extLst>
-          </p:cNvPr>
-          <p:cNvSpPr/>
-          <p:nvPr/>
-        </p:nvSpPr>
-        <p:spPr>
-          <a:xfrm>
-            <a:off x="-39394" y="6497053"/>
-            <a:ext cx="12270787" cy="425115"/>
-          </a:xfrm>
-          <a:prstGeom prst="rect">
-            <a:avLst/>
-          </a:prstGeom>
-          <a:solidFill>
-            <a:srgbClr val="AA313F"/>
-          </a:solidFill>
-          <a:ln>
-            <a:noFill/>
-          </a:ln>
-        </p:spPr>
-        <p:style>
-          <a:lnRef idx="2">
-            <a:schemeClr val="accent1">
-              <a:shade val="50000"/>
-            </a:schemeClr>
-          </a:lnRef>
-          <a:fillRef idx="1">
-            <a:schemeClr val="accent1"/>
-          </a:fillRef>
-          <a:effectRef idx="0">
-            <a:schemeClr val="accent1"/>
-          </a:effectRef>
-          <a:fontRef idx="minor">
-            <a:schemeClr val="lt1"/>
-          </a:fontRef>
-        </p:style>
-        <p:txBody>
-          <a:bodyPr rtlCol="0" anchor="ctr"/>
-          <a:lstStyle/>
-          <a:p>
-            <a:pPr algn="ctr"/>
-            <a:endParaRPr lang="de-DE"/>
-          </a:p>
-        </p:txBody>
-      </p:sp>
-    </p:spTree>
-    <p:extLst>
-      <p:ext uri="{BB962C8B-B14F-4D97-AF65-F5344CB8AC3E}">
-        <p14:creationId xmlns:p14="http://schemas.microsoft.com/office/powerpoint/2010/main" val="1100588271"/>
-      </p:ext>
-    </p:extLst>
-  </p:cSld>
-  <p:clrMapOvr>
-    <a:masterClrMapping/>
-  </p:clrMapOvr>
-  <p:transition spd="slow">
-    <p:push dir="u"/>
-  </p:transition>
-</p:sld>
-</file>
-
-<file path=ppt/slides/slide4.xml><?xml version="1.0" encoding="utf-8"?>
-<p:sld xmlns:a="http://schemas.openxmlformats.org/drawingml/2006/main" xmlns:r="http://schemas.openxmlformats.org/officeDocument/2006/relationships" xmlns:p="http://schemas.openxmlformats.org/presentationml/2006/main">
-  <p:cSld>
-    <p:spTree>
-      <p:nvGrpSpPr>
-        <p:cNvPr id="1" name=""/>
-        <p:cNvGrpSpPr/>
-        <p:nvPr/>
-      </p:nvGrpSpPr>
-      <p:grpSpPr>
-        <a:xfrm>
-          <a:off x="0" y="0"/>
-          <a:ext cx="0" cy="0"/>
-          <a:chOff x="0" y="0"/>
-          <a:chExt cx="0" cy="0"/>
-        </a:xfrm>
-      </p:grpSpPr>
-      <p:sp>
-        <p:nvSpPr>
-          <p:cNvPr id="2" name="Textplatzhalter 1">
-            <a:extLst>
-              <a:ext uri="{FF2B5EF4-FFF2-40B4-BE49-F238E27FC236}">
-                <a16:creationId xmlns:a16="http://schemas.microsoft.com/office/drawing/2014/main" id="{B27C9638-79CE-43F1-92DA-86FCEFC519D7}"/>
-              </a:ext>
-            </a:extLst>
-          </p:cNvPr>
-          <p:cNvSpPr>
-            <a:spLocks noGrp="1"/>
-          </p:cNvSpPr>
-          <p:nvPr>
-            <p:ph type="body" sz="quarter" idx="10"/>
-          </p:nvPr>
-        </p:nvSpPr>
-        <p:spPr>
-          <a:xfrm>
-            <a:off x="690813" y="349106"/>
-            <a:ext cx="3407657" cy="792605"/>
-          </a:xfrm>
-        </p:spPr>
-        <p:txBody>
-          <a:bodyPr/>
-          <a:lstStyle/>
-          <a:p>
-            <a:r>
-              <a:rPr lang="de-DE" dirty="0">
-                <a:solidFill>
-                  <a:srgbClr val="002060"/>
-                </a:solidFill>
-                <a:latin typeface="Aptos SemiBold" panose="020B0004020202020204" pitchFamily="34" charset="0"/>
-              </a:rPr>
-              <a:t>Content</a:t>
-            </a:r>
-          </a:p>
-        </p:txBody>
-      </p:sp>
-      <p:sp>
-        <p:nvSpPr>
-          <p:cNvPr id="4" name="Textplatzhalter 1">
-            <a:extLst>
-              <a:ext uri="{FF2B5EF4-FFF2-40B4-BE49-F238E27FC236}">
-                <a16:creationId xmlns:a16="http://schemas.microsoft.com/office/drawing/2014/main" id="{44CB5F3D-4CF2-C96F-5407-6D6E49F19E2E}"/>
-              </a:ext>
-            </a:extLst>
-          </p:cNvPr>
-          <p:cNvSpPr txBox="1">
-            <a:spLocks/>
-          </p:cNvSpPr>
-          <p:nvPr/>
-        </p:nvSpPr>
-        <p:spPr>
-          <a:xfrm>
-            <a:off x="5390721" y="349106"/>
-            <a:ext cx="3407657" cy="792605"/>
-          </a:xfrm>
-          <a:prstGeom prst="rect">
-            <a:avLst/>
-          </a:prstGeom>
-        </p:spPr>
-        <p:txBody>
-          <a:bodyPr anchor="ctr"/>
-          <a:lstStyle>
-            <a:lvl1pPr marL="0" indent="0" algn="ctr" defTabSz="914423" rtl="0" eaLnBrk="1" latinLnBrk="0" hangingPunct="1">
-              <a:lnSpc>
-                <a:spcPct val="100000"/>
-              </a:lnSpc>
-              <a:spcBef>
-                <a:spcPts val="1000"/>
-              </a:spcBef>
-              <a:buFont typeface="Arial" panose="020B0604020202020204" pitchFamily="34" charset="0"/>
-              <a:buNone/>
-              <a:defRPr sz="5400" b="0" kern="1200" baseline="0">
-                <a:solidFill>
-                  <a:schemeClr val="tx1">
-                    <a:lumMod val="75000"/>
-                    <a:lumOff val="25000"/>
-                  </a:schemeClr>
-                </a:solidFill>
-                <a:latin typeface="+mj-lt"/>
-                <a:ea typeface="+mn-ea"/>
-                <a:cs typeface="Arial" pitchFamily="34" charset="0"/>
-              </a:defRPr>
-            </a:lvl1pPr>
-            <a:lvl2pPr marL="685818" indent="-228605" algn="l" defTabSz="914423" rtl="0" eaLnBrk="1" latinLnBrk="0" hangingPunct="1">
-              <a:lnSpc>
-                <a:spcPct val="90000"/>
-              </a:lnSpc>
-              <a:spcBef>
-                <a:spcPts val="500"/>
-              </a:spcBef>
-              <a:buFont typeface="Arial" panose="020B0604020202020204" pitchFamily="34" charset="0"/>
-              <a:buChar char="•"/>
-              <a:defRPr sz="2400" kern="1200">
-                <a:solidFill>
-                  <a:schemeClr val="tx1"/>
-                </a:solidFill>
-                <a:latin typeface="+mn-lt"/>
-                <a:ea typeface="+mn-ea"/>
-                <a:cs typeface="+mn-cs"/>
-              </a:defRPr>
-            </a:lvl2pPr>
-            <a:lvl3pPr marL="1143028" indent="-228605" algn="l" defTabSz="914423" rtl="0" eaLnBrk="1" latinLnBrk="0" hangingPunct="1">
-              <a:lnSpc>
-                <a:spcPct val="90000"/>
-              </a:lnSpc>
-              <a:spcBef>
-                <a:spcPts val="500"/>
-              </a:spcBef>
-              <a:buFont typeface="Arial" panose="020B0604020202020204" pitchFamily="34" charset="0"/>
-              <a:buChar char="•"/>
-              <a:defRPr sz="2000" kern="1200">
-                <a:solidFill>
-                  <a:schemeClr val="tx1"/>
-                </a:solidFill>
-                <a:latin typeface="+mn-lt"/>
-                <a:ea typeface="+mn-ea"/>
-                <a:cs typeface="+mn-cs"/>
-              </a:defRPr>
-            </a:lvl3pPr>
-            <a:lvl4pPr marL="1600240" indent="-228605" algn="l" defTabSz="914423" rtl="0" eaLnBrk="1" latinLnBrk="0" hangingPunct="1">
-              <a:lnSpc>
-                <a:spcPct val="90000"/>
-              </a:lnSpc>
-              <a:spcBef>
-                <a:spcPts val="500"/>
-              </a:spcBef>
-              <a:buFont typeface="Arial" panose="020B0604020202020204" pitchFamily="34" charset="0"/>
-              <a:buChar char="•"/>
-              <a:defRPr sz="1800" kern="1200">
-                <a:solidFill>
-                  <a:schemeClr val="tx1"/>
-                </a:solidFill>
-                <a:latin typeface="+mn-lt"/>
-                <a:ea typeface="+mn-ea"/>
-                <a:cs typeface="+mn-cs"/>
-              </a:defRPr>
-            </a:lvl4pPr>
-            <a:lvl5pPr marL="2057452" indent="-228605" algn="l" defTabSz="914423" rtl="0" eaLnBrk="1" latinLnBrk="0" hangingPunct="1">
-              <a:lnSpc>
-                <a:spcPct val="90000"/>
-              </a:lnSpc>
-              <a:spcBef>
-                <a:spcPts val="500"/>
-              </a:spcBef>
-              <a:buFont typeface="Arial" panose="020B0604020202020204" pitchFamily="34" charset="0"/>
-              <a:buChar char="•"/>
-              <a:defRPr sz="1800" kern="1200">
-                <a:solidFill>
-                  <a:schemeClr val="tx1"/>
-                </a:solidFill>
-                <a:latin typeface="+mn-lt"/>
-                <a:ea typeface="+mn-ea"/>
-                <a:cs typeface="+mn-cs"/>
-              </a:defRPr>
-            </a:lvl5pPr>
-            <a:lvl6pPr marL="2514663" indent="-228605" algn="l" defTabSz="914423" rtl="0" eaLnBrk="1" latinLnBrk="0" hangingPunct="1">
-              <a:lnSpc>
-                <a:spcPct val="90000"/>
-              </a:lnSpc>
-              <a:spcBef>
-                <a:spcPts val="500"/>
-              </a:spcBef>
-              <a:buFont typeface="Arial" panose="020B0604020202020204" pitchFamily="34" charset="0"/>
-              <a:buChar char="•"/>
-              <a:defRPr sz="1800" kern="1200">
-                <a:solidFill>
-                  <a:schemeClr val="tx1"/>
-                </a:solidFill>
-                <a:latin typeface="+mn-lt"/>
-                <a:ea typeface="+mn-ea"/>
-                <a:cs typeface="+mn-cs"/>
-              </a:defRPr>
-            </a:lvl6pPr>
-            <a:lvl7pPr marL="2971875" indent="-228605" algn="l" defTabSz="914423" rtl="0" eaLnBrk="1" latinLnBrk="0" hangingPunct="1">
-              <a:lnSpc>
-                <a:spcPct val="90000"/>
-              </a:lnSpc>
-              <a:spcBef>
-                <a:spcPts val="500"/>
-              </a:spcBef>
-              <a:buFont typeface="Arial" panose="020B0604020202020204" pitchFamily="34" charset="0"/>
-              <a:buChar char="•"/>
-              <a:defRPr sz="1800" kern="1200">
-                <a:solidFill>
-                  <a:schemeClr val="tx1"/>
-                </a:solidFill>
-                <a:latin typeface="+mn-lt"/>
-                <a:ea typeface="+mn-ea"/>
-                <a:cs typeface="+mn-cs"/>
-              </a:defRPr>
-            </a:lvl7pPr>
-            <a:lvl8pPr marL="3429085" indent="-228605" algn="l" defTabSz="914423" rtl="0" eaLnBrk="1" latinLnBrk="0" hangingPunct="1">
-              <a:lnSpc>
-                <a:spcPct val="90000"/>
-              </a:lnSpc>
-              <a:spcBef>
-                <a:spcPts val="500"/>
-              </a:spcBef>
-              <a:buFont typeface="Arial" panose="020B0604020202020204" pitchFamily="34" charset="0"/>
-              <a:buChar char="•"/>
-              <a:defRPr sz="1800" kern="1200">
-                <a:solidFill>
-                  <a:schemeClr val="tx1"/>
-                </a:solidFill>
-                <a:latin typeface="+mn-lt"/>
-                <a:ea typeface="+mn-ea"/>
-                <a:cs typeface="+mn-cs"/>
-              </a:defRPr>
-            </a:lvl8pPr>
-            <a:lvl9pPr marL="3886298" indent="-228605" algn="l" defTabSz="914423" rtl="0" eaLnBrk="1" latinLnBrk="0" hangingPunct="1">
-              <a:lnSpc>
-                <a:spcPct val="90000"/>
-              </a:lnSpc>
-              <a:spcBef>
-                <a:spcPts val="500"/>
-              </a:spcBef>
-              <a:buFont typeface="Arial" panose="020B0604020202020204" pitchFamily="34" charset="0"/>
-              <a:buChar char="•"/>
-              <a:defRPr sz="1800" kern="1200">
-                <a:solidFill>
-                  <a:schemeClr val="tx1"/>
-                </a:solidFill>
-                <a:latin typeface="+mn-lt"/>
-                <a:ea typeface="+mn-ea"/>
-                <a:cs typeface="+mn-cs"/>
-              </a:defRPr>
-            </a:lvl9pPr>
-          </a:lstStyle>
-          <a:p>
-            <a:r>
-              <a:rPr lang="de-DE" dirty="0">
-                <a:solidFill>
-                  <a:srgbClr val="002060"/>
-                </a:solidFill>
-                <a:latin typeface="CMU Serif" panose="02000803000000000000" pitchFamily="2" charset="0"/>
-                <a:ea typeface="CMU Serif" panose="02000803000000000000" pitchFamily="2" charset="0"/>
-                <a:cs typeface="CMU Serif" panose="02000803000000000000" pitchFamily="2" charset="0"/>
-              </a:rPr>
-              <a:t>Content</a:t>
-            </a:r>
-          </a:p>
-        </p:txBody>
-      </p:sp>
-    </p:spTree>
-    <p:extLst>
-      <p:ext uri="{BB962C8B-B14F-4D97-AF65-F5344CB8AC3E}">
-        <p14:creationId xmlns:p14="http://schemas.microsoft.com/office/powerpoint/2010/main" val="1248381680"/>
-      </p:ext>
-    </p:extLst>
-  </p:cSld>
-  <p:clrMapOvr>
-    <a:masterClrMapping/>
-  </p:clrMapOvr>
-  <p:transition spd="slow">
-    <p:push dir="u"/>
-  </p:transition>
-  <p:timing>
-    <p:tnLst>
-      <p:par>
-        <p:cTn id="1" dur="indefinite" restart="never" nodeType="tmRoot">
-          <p:childTnLst>
-            <p:seq concurrent="1" nextAc="seek">
-              <p:cTn id="2" dur="indefinite" nodeType="mainSeq">
-                <p:childTnLst>
-                  <p:par>
-                    <p:cTn id="3" fill="hold">
-                      <p:stCondLst>
-                        <p:cond delay="indefinite"/>
-                      </p:stCondLst>
-                      <p:childTnLst>
-                        <p:par>
-                          <p:cTn id="4" fill="hold">
-                            <p:stCondLst>
-                              <p:cond delay="0"/>
-                            </p:stCondLst>
-                            <p:childTnLst>
-                              <p:par>
-                                <p:cTn id="5" presetID="42" presetClass="entr" presetSubtype="0" fill="hold" grpId="0" nodeType="clickEffect">
-                                  <p:stCondLst>
-                                    <p:cond delay="0"/>
-                                  </p:stCondLst>
-                                  <p:childTnLst>
-                                    <p:set>
-                                      <p:cBhvr>
-                                        <p:cTn id="6" dur="1" fill="hold">
-                                          <p:stCondLst>
-                                            <p:cond delay="0"/>
-                                          </p:stCondLst>
-                                        </p:cTn>
-                                        <p:tgtEl>
-                                          <p:spTgt spid="2">
-                                            <p:txEl>
-                                              <p:pRg st="0" end="0"/>
-                                            </p:txEl>
-                                          </p:spTgt>
-                                        </p:tgtEl>
-                                        <p:attrNameLst>
-                                          <p:attrName>style.visibility</p:attrName>
-                                        </p:attrNameLst>
-                                      </p:cBhvr>
-                                      <p:to>
-                                        <p:strVal val="visible"/>
-                                      </p:to>
-                                    </p:set>
-                                    <p:animEffect transition="in" filter="fade">
-                                      <p:cBhvr>
-                                        <p:cTn id="7" dur="1000"/>
-                                        <p:tgtEl>
-                                          <p:spTgt spid="2">
-                                            <p:txEl>
-                                              <p:pRg st="0" end="0"/>
-                                            </p:txEl>
-                                          </p:spTgt>
-                                        </p:tgtEl>
-                                      </p:cBhvr>
-                                    </p:animEffect>
-                                    <p:anim calcmode="lin" valueType="num">
-                                      <p:cBhvr>
-                                        <p:cTn id="8" dur="1000" fill="hold"/>
-                                        <p:tgtEl>
-                                          <p:spTgt spid="2">
-                                            <p:txEl>
-                                              <p:pRg st="0" end="0"/>
-                                            </p:txEl>
-                                          </p:spTgt>
-                                        </p:tgtEl>
-                                        <p:attrNameLst>
-                                          <p:attrName>ppt_x</p:attrName>
-                                        </p:attrNameLst>
-                                      </p:cBhvr>
-                                      <p:tavLst>
-                                        <p:tav tm="0">
-                                          <p:val>
-                                            <p:strVal val="#ppt_x"/>
-                                          </p:val>
-                                        </p:tav>
-                                        <p:tav tm="100000">
-                                          <p:val>
-                                            <p:strVal val="#ppt_x"/>
-                                          </p:val>
-                                        </p:tav>
-                                      </p:tavLst>
-                                    </p:anim>
-                                    <p:anim calcmode="lin" valueType="num">
-                                      <p:cBhvr>
-                                        <p:cTn id="9" dur="1000" fill="hold"/>
-                                        <p:tgtEl>
-                                          <p:spTgt spid="2">
-                                            <p:txEl>
-                                              <p:pRg st="0" end="0"/>
-                                            </p:txEl>
-                                          </p:spTgt>
-                                        </p:tgtEl>
-                                        <p:attrNameLst>
-                                          <p:attrName>ppt_y</p:attrName>
-                                        </p:attrNameLst>
-                                      </p:cBhvr>
-                                      <p:tavLst>
-                                        <p:tav tm="0">
-                                          <p:val>
-                                            <p:strVal val="#ppt_y+.1"/>
-                                          </p:val>
-                                        </p:tav>
-                                        <p:tav tm="100000">
-                                          <p:val>
-                                            <p:strVal val="#ppt_y"/>
-                                          </p:val>
-                                        </p:tav>
-                                      </p:tavLst>
-                                    </p:anim>
-                                  </p:childTnLst>
-                                </p:cTn>
-                              </p:par>
-                            </p:childTnLst>
-                          </p:cTn>
-                        </p:par>
-                      </p:childTnLst>
-                    </p:cTn>
-                  </p:par>
-                  <p:par>
-                    <p:cTn id="10" fill="hold">
-                      <p:stCondLst>
-                        <p:cond delay="indefinite"/>
-                      </p:stCondLst>
-                      <p:childTnLst>
-                        <p:par>
-                          <p:cTn id="11" fill="hold">
-                            <p:stCondLst>
-                              <p:cond delay="0"/>
-                            </p:stCondLst>
-                            <p:childTnLst>
-                              <p:par>
-                                <p:cTn id="12" presetID="42" presetClass="entr" presetSubtype="0" fill="hold" grpId="0" nodeType="clickEffect">
-                                  <p:stCondLst>
-                                    <p:cond delay="0"/>
-                                  </p:stCondLst>
-                                  <p:childTnLst>
-                                    <p:set>
-                                      <p:cBhvr>
-                                        <p:cTn id="13" dur="1" fill="hold">
-                                          <p:stCondLst>
-                                            <p:cond delay="0"/>
-                                          </p:stCondLst>
-                                        </p:cTn>
-                                        <p:tgtEl>
-                                          <p:spTgt spid="4">
-                                            <p:txEl>
-                                              <p:pRg st="0" end="0"/>
-                                            </p:txEl>
-                                          </p:spTgt>
-                                        </p:tgtEl>
-                                        <p:attrNameLst>
-                                          <p:attrName>style.visibility</p:attrName>
-                                        </p:attrNameLst>
-                                      </p:cBhvr>
-                                      <p:to>
-                                        <p:strVal val="visible"/>
-                                      </p:to>
-                                    </p:set>
-                                    <p:animEffect transition="in" filter="fade">
-                                      <p:cBhvr>
-                                        <p:cTn id="14" dur="1000"/>
-                                        <p:tgtEl>
-                                          <p:spTgt spid="4">
-                                            <p:txEl>
-                                              <p:pRg st="0" end="0"/>
-                                            </p:txEl>
-                                          </p:spTgt>
-                                        </p:tgtEl>
-                                      </p:cBhvr>
-                                    </p:animEffect>
-                                    <p:anim calcmode="lin" valueType="num">
-                                      <p:cBhvr>
-                                        <p:cTn id="15" dur="1000" fill="hold"/>
-                                        <p:tgtEl>
-                                          <p:spTgt spid="4">
-                                            <p:txEl>
-                                              <p:pRg st="0" end="0"/>
-                                            </p:txEl>
-                                          </p:spTgt>
-                                        </p:tgtEl>
-                                        <p:attrNameLst>
-                                          <p:attrName>ppt_x</p:attrName>
-                                        </p:attrNameLst>
-                                      </p:cBhvr>
-                                      <p:tavLst>
-                                        <p:tav tm="0">
-                                          <p:val>
-                                            <p:strVal val="#ppt_x"/>
-                                          </p:val>
-                                        </p:tav>
-                                        <p:tav tm="100000">
-                                          <p:val>
-                                            <p:strVal val="#ppt_x"/>
-                                          </p:val>
-                                        </p:tav>
-                                      </p:tavLst>
-                                    </p:anim>
-                                    <p:anim calcmode="lin" valueType="num">
-                                      <p:cBhvr>
-                                        <p:cTn id="16" dur="1000" fill="hold"/>
-                                        <p:tgtEl>
-                                          <p:spTgt spid="4">
-                                            <p:txEl>
-                                              <p:pRg st="0" end="0"/>
-                                            </p:txEl>
-                                          </p:spTgt>
-                                        </p:tgtEl>
-                                        <p:attrNameLst>
-                                          <p:attrName>ppt_y</p:attrName>
-                                        </p:attrNameLst>
-                                      </p:cBhvr>
-                                      <p:tavLst>
-                                        <p:tav tm="0">
-                                          <p:val>
-                                            <p:strVal val="#ppt_y+.1"/>
-                                          </p:val>
-                                        </p:tav>
-                                        <p:tav tm="100000">
-                                          <p:val>
-                                            <p:strVal val="#ppt_y"/>
-                                          </p:val>
-                                        </p:tav>
-                                      </p:tavLst>
-                                    </p:anim>
-                                  </p:childTnLst>
-                                </p:cTn>
-                              </p:par>
-                            </p:childTnLst>
-                          </p:cTn>
-                        </p:par>
-                      </p:childTnLst>
-                    </p:cTn>
-                  </p:par>
-                </p:childTnLst>
-              </p:cTn>
-              <p:prevCondLst>
-                <p:cond evt="onPrev" delay="0">
-                  <p:tgtEl>
-                    <p:sldTgt/>
-                  </p:tgtEl>
-                </p:cond>
-              </p:prevCondLst>
-              <p:nextCondLst>
-                <p:cond evt="onNext" delay="0">
-                  <p:tgtEl>
-                    <p:sldTgt/>
-                  </p:tgtEl>
-                </p:cond>
-              </p:nextCondLst>
-            </p:seq>
-          </p:childTnLst>
-        </p:cTn>
-      </p:par>
-    </p:tnLst>
-    <p:bldLst>
-      <p:bldP spid="2" grpId="0" build="p"/>
-      <p:bldP spid="4" grpId="0" build="p"/>
-    </p:bldLst>
-  </p:timing>
-</p:sld>
-</file>
-
-<file path=ppt/slides/slide5.xml><?xml version="1.0" encoding="utf-8"?>
+<file path=ppt/slides/slide10.xml><?xml version="1.0" encoding="utf-8"?>
 <p:sld xmlns:a="http://schemas.openxmlformats.org/drawingml/2006/main" xmlns:r="http://schemas.openxmlformats.org/officeDocument/2006/relationships" xmlns:p="http://schemas.openxmlformats.org/presentationml/2006/main" show="0">
   <p:cSld>
     <p:spTree>
@@ -7460,7 +6097,7 @@
 </p:sld>
 </file>
 
-<file path=ppt/slides/slide6.xml><?xml version="1.0" encoding="utf-8"?>
+<file path=ppt/slides/slide11.xml><?xml version="1.0" encoding="utf-8"?>
 <p:sld xmlns:a="http://schemas.openxmlformats.org/drawingml/2006/main" xmlns:r="http://schemas.openxmlformats.org/officeDocument/2006/relationships" xmlns:p="http://schemas.openxmlformats.org/presentationml/2006/main">
   <p:cSld>
     <p:spTree>
@@ -7501,7 +6138,7 @@
           <a:p>
             <a:pPr algn="ctr"/>
             <a:r>
-              <a:rPr lang="de-DE" sz="5400" dirty="0">
+              <a:rPr lang="de-DE" sz="5400" b="1" dirty="0">
                 <a:ln w="12700">
                   <a:noFill/>
                 </a:ln>
@@ -7511,7 +6148,7 @@
               </a:rPr>
               <a:t>Titel</a:t>
             </a:r>
-            <a:endParaRPr lang="en-US" dirty="0">
+            <a:endParaRPr lang="en-US" b="1" dirty="0">
               <a:ln w="12700">
                 <a:noFill/>
               </a:ln>
@@ -7532,13 +6169,10 @@
   <p:clrMapOvr>
     <a:masterClrMapping/>
   </p:clrMapOvr>
-  <p:transition spd="slow">
-    <p:push dir="r"/>
-  </p:transition>
 </p:sld>
 </file>
 
-<file path=ppt/slides/slide7.xml><?xml version="1.0" encoding="utf-8"?>
+<file path=ppt/slides/slide12.xml><?xml version="1.0" encoding="utf-8"?>
 <p:sld xmlns:a="http://schemas.openxmlformats.org/drawingml/2006/main" xmlns:r="http://schemas.openxmlformats.org/officeDocument/2006/relationships" xmlns:p="http://schemas.openxmlformats.org/presentationml/2006/main">
   <p:cSld>
     <p:spTree>
@@ -7596,7 +6230,7 @@
           <a:p>
             <a:pPr algn="ctr"/>
             <a:r>
-              <a:rPr lang="de-DE" altLang="ko-KR" sz="4000" dirty="0">
+              <a:rPr lang="de-DE" altLang="ko-KR" sz="4000" b="1" dirty="0">
                 <a:solidFill>
                   <a:srgbClr val="002060"/>
                 </a:solidFill>
@@ -7610,7 +6244,7 @@
           <a:p>
             <a:pPr algn="ctr"/>
             <a:r>
-              <a:rPr lang="de-DE" altLang="ko-KR" sz="4000" dirty="0">
+              <a:rPr lang="de-DE" altLang="ko-KR" sz="4000" b="1" dirty="0">
                 <a:solidFill>
                   <a:srgbClr val="002060"/>
                 </a:solidFill>
@@ -7620,7 +6254,7 @@
               </a:rPr>
               <a:t>Aufmerksamkeit</a:t>
             </a:r>
-            <a:endParaRPr lang="de-DE" altLang="ko-KR" sz="5400" dirty="0">
+            <a:endParaRPr lang="de-DE" altLang="ko-KR" sz="5400" b="1" dirty="0">
               <a:solidFill>
                 <a:srgbClr val="002060"/>
               </a:solidFill>
@@ -7635,6 +6269,3802 @@
     <p:extLst>
       <p:ext uri="{BB962C8B-B14F-4D97-AF65-F5344CB8AC3E}">
         <p14:creationId xmlns:p14="http://schemas.microsoft.com/office/powerpoint/2010/main" val="3228147156"/>
+      </p:ext>
+    </p:extLst>
+  </p:cSld>
+  <p:clrMapOvr>
+    <a:masterClrMapping/>
+  </p:clrMapOvr>
+</p:sld>
+</file>
+
+<file path=ppt/slides/slide2.xml><?xml version="1.0" encoding="utf-8"?>
+<p:sld xmlns:a="http://schemas.openxmlformats.org/drawingml/2006/main" xmlns:r="http://schemas.openxmlformats.org/officeDocument/2006/relationships" xmlns:p="http://schemas.openxmlformats.org/presentationml/2006/main">
+  <p:cSld>
+    <p:spTree>
+      <p:nvGrpSpPr>
+        <p:cNvPr id="1" name=""/>
+        <p:cNvGrpSpPr/>
+        <p:nvPr/>
+      </p:nvGrpSpPr>
+      <p:grpSpPr>
+        <a:xfrm>
+          <a:off x="0" y="0"/>
+          <a:ext cx="0" cy="0"/>
+          <a:chOff x="0" y="0"/>
+          <a:chExt cx="0" cy="0"/>
+        </a:xfrm>
+      </p:grpSpPr>
+      <p:sp>
+        <p:nvSpPr>
+          <p:cNvPr id="3" name="TextBox 3">
+            <a:extLst>
+              <a:ext uri="{FF2B5EF4-FFF2-40B4-BE49-F238E27FC236}">
+                <a16:creationId xmlns:a16="http://schemas.microsoft.com/office/drawing/2014/main" id="{8CBCD8AC-1A5A-0A80-75BE-EF7CFC0E3370}"/>
+              </a:ext>
+            </a:extLst>
+          </p:cNvPr>
+          <p:cNvSpPr txBox="1"/>
+          <p:nvPr/>
+        </p:nvSpPr>
+        <p:spPr>
+          <a:xfrm>
+            <a:off x="0" y="444145"/>
+            <a:ext cx="5446295" cy="842538"/>
+          </a:xfrm>
+          <a:prstGeom prst="rect">
+            <a:avLst/>
+          </a:prstGeom>
+          <a:noFill/>
+        </p:spPr>
+        <p:txBody>
+          <a:bodyPr wrap="square" rtlCol="0" anchor="ctr">
+            <a:spAutoFit/>
+          </a:bodyPr>
+          <a:lstStyle/>
+          <a:p>
+            <a:pPr algn="ctr">
+              <a:lnSpc>
+                <a:spcPts val="5400"/>
+              </a:lnSpc>
+            </a:pPr>
+            <a:r>
+              <a:rPr lang="de-DE" altLang="ko-KR" sz="6000" b="1" dirty="0">
+                <a:solidFill>
+                  <a:srgbClr val="002060"/>
+                </a:solidFill>
+                <a:latin typeface="CMU Serif" panose="02000803000000000000" pitchFamily="2" charset="0"/>
+                <a:ea typeface="CMU Serif" panose="02000803000000000000" pitchFamily="2" charset="0"/>
+                <a:cs typeface="CMU Serif" panose="02000803000000000000" pitchFamily="2" charset="0"/>
+              </a:rPr>
+              <a:t>Gliederung</a:t>
+            </a:r>
+            <a:endParaRPr lang="de-DE" altLang="ko-KR" sz="6000" b="1" dirty="0">
+              <a:solidFill>
+                <a:schemeClr val="accent1"/>
+              </a:solidFill>
+              <a:latin typeface="CMU Serif" panose="02000803000000000000" pitchFamily="2" charset="0"/>
+              <a:ea typeface="CMU Serif" panose="02000803000000000000" pitchFamily="2" charset="0"/>
+              <a:cs typeface="CMU Serif" panose="02000803000000000000" pitchFamily="2" charset="0"/>
+            </a:endParaRPr>
+          </a:p>
+        </p:txBody>
+      </p:sp>
+      <p:sp>
+        <p:nvSpPr>
+          <p:cNvPr id="2" name="Textfeld 1">
+            <a:extLst>
+              <a:ext uri="{FF2B5EF4-FFF2-40B4-BE49-F238E27FC236}">
+                <a16:creationId xmlns:a16="http://schemas.microsoft.com/office/drawing/2014/main" id="{5416969B-CB20-490A-B9C4-BD3ACAC43A1D}"/>
+              </a:ext>
+            </a:extLst>
+          </p:cNvPr>
+          <p:cNvSpPr txBox="1"/>
+          <p:nvPr/>
+        </p:nvSpPr>
+        <p:spPr>
+          <a:xfrm>
+            <a:off x="762000" y="1355558"/>
+            <a:ext cx="8847221" cy="2031325"/>
+          </a:xfrm>
+          <a:prstGeom prst="rect">
+            <a:avLst/>
+          </a:prstGeom>
+          <a:noFill/>
+        </p:spPr>
+        <p:txBody>
+          <a:bodyPr wrap="square" rtlCol="0">
+            <a:spAutoFit/>
+          </a:bodyPr>
+          <a:lstStyle/>
+          <a:p>
+            <a:r>
+              <a:rPr lang="de-DE" dirty="0">
+                <a:latin typeface="Bahnschrift SemiLight" panose="020B0502040204020203" pitchFamily="34" charset="0"/>
+              </a:rPr>
+              <a:t>Vorstellung des Datensatzes und Zweck der Analyse</a:t>
+            </a:r>
+          </a:p>
+          <a:p>
+            <a:r>
+              <a:rPr lang="de-DE" dirty="0">
+                <a:latin typeface="Bahnschrift SemiLight" panose="020B0502040204020203" pitchFamily="34" charset="0"/>
+              </a:rPr>
+              <a:t>Deskriptive Datenanalyse</a:t>
+            </a:r>
+          </a:p>
+          <a:p>
+            <a:r>
+              <a:rPr lang="de-DE" dirty="0">
+                <a:latin typeface="Bahnschrift SemiLight" panose="020B0502040204020203" pitchFamily="34" charset="0"/>
+              </a:rPr>
+              <a:t>3 Maschinelle Lernverfahren</a:t>
+            </a:r>
+          </a:p>
+          <a:p>
+            <a:r>
+              <a:rPr lang="de-DE" dirty="0">
+                <a:latin typeface="Bahnschrift SemiLight" panose="020B0502040204020203" pitchFamily="34" charset="0"/>
+              </a:rPr>
+              <a:t>	Maschinelles Lernverfahren 1</a:t>
+            </a:r>
+          </a:p>
+          <a:p>
+            <a:r>
+              <a:rPr lang="de-DE" dirty="0">
+                <a:latin typeface="Bahnschrift SemiLight" panose="020B0502040204020203" pitchFamily="34" charset="0"/>
+              </a:rPr>
+              <a:t>	Maschinelles Lernverfahren 2</a:t>
+            </a:r>
+          </a:p>
+          <a:p>
+            <a:r>
+              <a:rPr lang="de-DE" dirty="0">
+                <a:latin typeface="Bahnschrift SemiLight" panose="020B0502040204020203" pitchFamily="34" charset="0"/>
+              </a:rPr>
+              <a:t>	Maschinelles Lernverfahren 3</a:t>
+            </a:r>
+          </a:p>
+          <a:p>
+            <a:endParaRPr lang="de-DE" dirty="0"/>
+          </a:p>
+        </p:txBody>
+      </p:sp>
+    </p:spTree>
+    <p:extLst>
+      <p:ext uri="{BB962C8B-B14F-4D97-AF65-F5344CB8AC3E}">
+        <p14:creationId xmlns:p14="http://schemas.microsoft.com/office/powerpoint/2010/main" val="1706006787"/>
+      </p:ext>
+    </p:extLst>
+  </p:cSld>
+  <p:clrMapOvr>
+    <a:masterClrMapping/>
+  </p:clrMapOvr>
+</p:sld>
+</file>
+
+<file path=ppt/slides/slide3.xml><?xml version="1.0" encoding="utf-8"?>
+<p:sld xmlns:a="http://schemas.openxmlformats.org/drawingml/2006/main" xmlns:r="http://schemas.openxmlformats.org/officeDocument/2006/relationships" xmlns:p="http://schemas.openxmlformats.org/presentationml/2006/main">
+  <p:cSld>
+    <p:spTree>
+      <p:nvGrpSpPr>
+        <p:cNvPr id="1" name=""/>
+        <p:cNvGrpSpPr/>
+        <p:nvPr/>
+      </p:nvGrpSpPr>
+      <p:grpSpPr>
+        <a:xfrm>
+          <a:off x="0" y="0"/>
+          <a:ext cx="0" cy="0"/>
+          <a:chOff x="0" y="0"/>
+          <a:chExt cx="0" cy="0"/>
+        </a:xfrm>
+      </p:grpSpPr>
+      <p:sp>
+        <p:nvSpPr>
+          <p:cNvPr id="4" name="TextBox 3">
+            <a:extLst>
+              <a:ext uri="{FF2B5EF4-FFF2-40B4-BE49-F238E27FC236}">
+                <a16:creationId xmlns:a16="http://schemas.microsoft.com/office/drawing/2014/main" id="{948A2979-A456-4286-B8FC-8FF4C0C58EFD}"/>
+              </a:ext>
+            </a:extLst>
+          </p:cNvPr>
+          <p:cNvSpPr txBox="1"/>
+          <p:nvPr/>
+        </p:nvSpPr>
+        <p:spPr>
+          <a:xfrm>
+            <a:off x="5959642" y="2549187"/>
+            <a:ext cx="5887453" cy="1535036"/>
+          </a:xfrm>
+          <a:prstGeom prst="rect">
+            <a:avLst/>
+          </a:prstGeom>
+          <a:noFill/>
+        </p:spPr>
+        <p:txBody>
+          <a:bodyPr wrap="square" rtlCol="0" anchor="ctr">
+            <a:spAutoFit/>
+          </a:bodyPr>
+          <a:lstStyle/>
+          <a:p>
+            <a:pPr algn="ctr">
+              <a:lnSpc>
+                <a:spcPts val="5400"/>
+              </a:lnSpc>
+              <a:spcAft>
+                <a:spcPts val="600"/>
+              </a:spcAft>
+            </a:pPr>
+            <a:r>
+              <a:rPr lang="de-DE" altLang="ko-KR" sz="6000" b="1" dirty="0">
+                <a:solidFill>
+                  <a:srgbClr val="002060"/>
+                </a:solidFill>
+                <a:latin typeface="CMU Serif" panose="02000803000000000000" pitchFamily="2" charset="0"/>
+                <a:ea typeface="CMU Serif" panose="02000803000000000000" pitchFamily="2" charset="0"/>
+                <a:cs typeface="CMU Serif" panose="02000803000000000000" pitchFamily="2" charset="0"/>
+              </a:rPr>
+              <a:t>1. Deskriptive</a:t>
+            </a:r>
+            <a:br>
+              <a:rPr lang="de-DE" altLang="ko-KR" sz="6000" b="1" dirty="0">
+                <a:solidFill>
+                  <a:srgbClr val="002060"/>
+                </a:solidFill>
+                <a:latin typeface="CMU Serif" panose="02000803000000000000" pitchFamily="2" charset="0"/>
+                <a:ea typeface="CMU Serif" panose="02000803000000000000" pitchFamily="2" charset="0"/>
+                <a:cs typeface="CMU Serif" panose="02000803000000000000" pitchFamily="2" charset="0"/>
+              </a:rPr>
+            </a:br>
+            <a:r>
+              <a:rPr lang="de-DE" altLang="ko-KR" sz="6000" b="1" dirty="0">
+                <a:solidFill>
+                  <a:srgbClr val="002060"/>
+                </a:solidFill>
+                <a:latin typeface="CMU Serif" panose="02000803000000000000" pitchFamily="2" charset="0"/>
+                <a:ea typeface="CMU Serif" panose="02000803000000000000" pitchFamily="2" charset="0"/>
+                <a:cs typeface="CMU Serif" panose="02000803000000000000" pitchFamily="2" charset="0"/>
+              </a:rPr>
+              <a:t>Datenanalyse</a:t>
+            </a:r>
+            <a:endParaRPr lang="de-DE" altLang="ko-KR" sz="6000" b="1" dirty="0">
+              <a:solidFill>
+                <a:schemeClr val="accent1"/>
+              </a:solidFill>
+              <a:latin typeface="CMU Serif" panose="02000803000000000000" pitchFamily="2" charset="0"/>
+              <a:ea typeface="CMU Serif" panose="02000803000000000000" pitchFamily="2" charset="0"/>
+              <a:cs typeface="CMU Serif" panose="02000803000000000000" pitchFamily="2" charset="0"/>
+            </a:endParaRPr>
+          </a:p>
+        </p:txBody>
+      </p:sp>
+      <p:sp>
+        <p:nvSpPr>
+          <p:cNvPr id="153" name="Freeform: Shape 152">
+            <a:extLst>
+              <a:ext uri="{FF2B5EF4-FFF2-40B4-BE49-F238E27FC236}">
+                <a16:creationId xmlns:a16="http://schemas.microsoft.com/office/drawing/2014/main" id="{F3B4A34E-C246-47F5-A863-109A43C0757D}"/>
+              </a:ext>
+            </a:extLst>
+          </p:cNvPr>
+          <p:cNvSpPr/>
+          <p:nvPr/>
+        </p:nvSpPr>
+        <p:spPr>
+          <a:xfrm>
+            <a:off x="673768" y="1688100"/>
+            <a:ext cx="5086770" cy="3128874"/>
+          </a:xfrm>
+          <a:custGeom>
+            <a:avLst/>
+            <a:gdLst>
+              <a:gd name="connsiteX0" fmla="*/ 5086770 w 5086770"/>
+              <a:gd name="connsiteY0" fmla="*/ 1174706 h 3128874"/>
+              <a:gd name="connsiteX1" fmla="*/ 5086770 w 5086770"/>
+              <a:gd name="connsiteY1" fmla="*/ 1184663 h 3128874"/>
+              <a:gd name="connsiteX2" fmla="*/ 5079830 w 5086770"/>
+              <a:gd name="connsiteY2" fmla="*/ 1185820 h 3128874"/>
+              <a:gd name="connsiteX3" fmla="*/ 5078289 w 5086770"/>
+              <a:gd name="connsiteY3" fmla="*/ 1182737 h 3128874"/>
+              <a:gd name="connsiteX4" fmla="*/ 5078289 w 5086770"/>
+              <a:gd name="connsiteY4" fmla="*/ 1179654 h 3128874"/>
+              <a:gd name="connsiteX5" fmla="*/ 1690658 w 5086770"/>
+              <a:gd name="connsiteY5" fmla="*/ 810655 h 3128874"/>
+              <a:gd name="connsiteX6" fmla="*/ 1349061 w 5086770"/>
+              <a:gd name="connsiteY6" fmla="*/ 1934928 h 3128874"/>
+              <a:gd name="connsiteX7" fmla="*/ 2035854 w 5086770"/>
+              <a:gd name="connsiteY7" fmla="*/ 1934928 h 3128874"/>
+              <a:gd name="connsiteX8" fmla="*/ 3765314 w 5086770"/>
+              <a:gd name="connsiteY8" fmla="*/ 0 h 3128874"/>
+              <a:gd name="connsiteX9" fmla="*/ 4465138 w 5086770"/>
+              <a:gd name="connsiteY9" fmla="*/ 0 h 3128874"/>
+              <a:gd name="connsiteX10" fmla="*/ 4675955 w 5086770"/>
+              <a:gd name="connsiteY10" fmla="*/ 0 h 3128874"/>
+              <a:gd name="connsiteX11" fmla="*/ 4659036 w 5086770"/>
+              <a:gd name="connsiteY11" fmla="*/ 34412 h 3128874"/>
+              <a:gd name="connsiteX12" fmla="*/ 4651327 w 5086770"/>
+              <a:gd name="connsiteY12" fmla="*/ 45203 h 3128874"/>
+              <a:gd name="connsiteX13" fmla="*/ 4648245 w 5086770"/>
+              <a:gd name="connsiteY13" fmla="*/ 51368 h 3128874"/>
+              <a:gd name="connsiteX14" fmla="*/ 4483319 w 5086770"/>
+              <a:gd name="connsiteY14" fmla="*/ 361184 h 3128874"/>
+              <a:gd name="connsiteX15" fmla="*/ 4480236 w 5086770"/>
+              <a:gd name="connsiteY15" fmla="*/ 373515 h 3128874"/>
+              <a:gd name="connsiteX16" fmla="*/ 4474071 w 5086770"/>
+              <a:gd name="connsiteY16" fmla="*/ 398176 h 3128874"/>
+              <a:gd name="connsiteX17" fmla="*/ 4450950 w 5086770"/>
+              <a:gd name="connsiteY17" fmla="*/ 498367 h 3128874"/>
+              <a:gd name="connsiteX18" fmla="*/ 4440161 w 5086770"/>
+              <a:gd name="connsiteY18" fmla="*/ 527652 h 3128874"/>
+              <a:gd name="connsiteX19" fmla="*/ 4441700 w 5086770"/>
+              <a:gd name="connsiteY19" fmla="*/ 539983 h 3128874"/>
+              <a:gd name="connsiteX20" fmla="*/ 4437078 w 5086770"/>
+              <a:gd name="connsiteY20" fmla="*/ 561562 h 3128874"/>
+              <a:gd name="connsiteX21" fmla="*/ 4433995 w 5086770"/>
+              <a:gd name="connsiteY21" fmla="*/ 576976 h 3128874"/>
+              <a:gd name="connsiteX22" fmla="*/ 4433994 w 5086770"/>
+              <a:gd name="connsiteY22" fmla="*/ 578519 h 3128874"/>
+              <a:gd name="connsiteX23" fmla="*/ 4413956 w 5086770"/>
+              <a:gd name="connsiteY23" fmla="*/ 797393 h 3128874"/>
+              <a:gd name="connsiteX24" fmla="*/ 4438619 w 5086770"/>
+              <a:gd name="connsiteY24" fmla="*/ 996230 h 3128874"/>
+              <a:gd name="connsiteX25" fmla="*/ 4433995 w 5086770"/>
+              <a:gd name="connsiteY25" fmla="*/ 1016268 h 3128874"/>
+              <a:gd name="connsiteX26" fmla="*/ 4435536 w 5086770"/>
+              <a:gd name="connsiteY26" fmla="*/ 1025517 h 3128874"/>
+              <a:gd name="connsiteX27" fmla="*/ 4437078 w 5086770"/>
+              <a:gd name="connsiteY27" fmla="*/ 1027057 h 3128874"/>
+              <a:gd name="connsiteX28" fmla="*/ 4432452 w 5086770"/>
+              <a:gd name="connsiteY28" fmla="*/ 1048636 h 3128874"/>
+              <a:gd name="connsiteX29" fmla="*/ 4413956 w 5086770"/>
+              <a:gd name="connsiteY29" fmla="*/ 1085630 h 3128874"/>
+              <a:gd name="connsiteX30" fmla="*/ 4196623 w 5086770"/>
+              <a:gd name="connsiteY30" fmla="*/ 1389280 h 3128874"/>
+              <a:gd name="connsiteX31" fmla="*/ 4085645 w 5086770"/>
+              <a:gd name="connsiteY31" fmla="*/ 1597365 h 3128874"/>
+              <a:gd name="connsiteX32" fmla="*/ 4216661 w 5086770"/>
+              <a:gd name="connsiteY32" fmla="*/ 1697556 h 3128874"/>
+              <a:gd name="connsiteX33" fmla="*/ 4250571 w 5086770"/>
+              <a:gd name="connsiteY33" fmla="*/ 1811617 h 3128874"/>
+              <a:gd name="connsiteX34" fmla="*/ 4173502 w 5086770"/>
+              <a:gd name="connsiteY34" fmla="*/ 1888685 h 3128874"/>
+              <a:gd name="connsiteX35" fmla="*/ 4213578 w 5086770"/>
+              <a:gd name="connsiteY35" fmla="*/ 2022784 h 3128874"/>
+              <a:gd name="connsiteX36" fmla="*/ 4347678 w 5086770"/>
+              <a:gd name="connsiteY36" fmla="*/ 2090605 h 3128874"/>
+              <a:gd name="connsiteX37" fmla="*/ 4233616 w 5086770"/>
+              <a:gd name="connsiteY37" fmla="*/ 2138388 h 3128874"/>
+              <a:gd name="connsiteX38" fmla="*/ 4227451 w 5086770"/>
+              <a:gd name="connsiteY38" fmla="*/ 2258616 h 3128874"/>
+              <a:gd name="connsiteX39" fmla="*/ 4350761 w 5086770"/>
+              <a:gd name="connsiteY39" fmla="*/ 2320270 h 3128874"/>
+              <a:gd name="connsiteX40" fmla="*/ 4333805 w 5086770"/>
+              <a:gd name="connsiteY40" fmla="*/ 2462077 h 3128874"/>
+              <a:gd name="connsiteX41" fmla="*/ 4467905 w 5086770"/>
+              <a:gd name="connsiteY41" fmla="*/ 2719486 h 3128874"/>
+              <a:gd name="connsiteX42" fmla="*/ 4800655 w 5086770"/>
+              <a:gd name="connsiteY42" fmla="*/ 2748491 h 3128874"/>
+              <a:gd name="connsiteX43" fmla="*/ 4838191 w 5086770"/>
+              <a:gd name="connsiteY43" fmla="*/ 2744074 h 3128874"/>
+              <a:gd name="connsiteX44" fmla="*/ 4863823 w 5086770"/>
+              <a:gd name="connsiteY44" fmla="*/ 2765476 h 3128874"/>
+              <a:gd name="connsiteX45" fmla="*/ 4934321 w 5086770"/>
+              <a:gd name="connsiteY45" fmla="*/ 2911083 h 3128874"/>
+              <a:gd name="connsiteX46" fmla="*/ 4964162 w 5086770"/>
+              <a:gd name="connsiteY46" fmla="*/ 3074402 h 3128874"/>
+              <a:gd name="connsiteX47" fmla="*/ 4967647 w 5086770"/>
+              <a:gd name="connsiteY47" fmla="*/ 3128874 h 3128874"/>
+              <a:gd name="connsiteX48" fmla="*/ 4465138 w 5086770"/>
+              <a:gd name="connsiteY48" fmla="*/ 3128874 h 3128874"/>
+              <a:gd name="connsiteX49" fmla="*/ 4465138 w 5086770"/>
+              <a:gd name="connsiteY49" fmla="*/ 3127460 h 3128874"/>
+              <a:gd name="connsiteX50" fmla="*/ 3765314 w 5086770"/>
+              <a:gd name="connsiteY50" fmla="*/ 3127460 h 3128874"/>
+              <a:gd name="connsiteX51" fmla="*/ 1175459 w 5086770"/>
+              <a:gd name="connsiteY51" fmla="*/ 0 h 3128874"/>
+              <a:gd name="connsiteX52" fmla="*/ 2229594 w 5086770"/>
+              <a:gd name="connsiteY52" fmla="*/ 0 h 3128874"/>
+              <a:gd name="connsiteX53" fmla="*/ 3404781 w 5086770"/>
+              <a:gd name="connsiteY53" fmla="*/ 3127460 h 3128874"/>
+              <a:gd name="connsiteX54" fmla="*/ 2392789 w 5086770"/>
+              <a:gd name="connsiteY54" fmla="*/ 3127460 h 3128874"/>
+              <a:gd name="connsiteX55" fmla="*/ 2236317 w 5086770"/>
+              <a:gd name="connsiteY55" fmla="*/ 2611186 h 3128874"/>
+              <a:gd name="connsiteX56" fmla="*/ 1139165 w 5086770"/>
+              <a:gd name="connsiteY56" fmla="*/ 2611186 h 3128874"/>
+              <a:gd name="connsiteX57" fmla="*/ 986721 w 5086770"/>
+              <a:gd name="connsiteY57" fmla="*/ 3127460 h 3128874"/>
+              <a:gd name="connsiteX58" fmla="*/ 0 w 5086770"/>
+              <a:gd name="connsiteY58" fmla="*/ 3127460 h 3128874"/>
+            </a:gdLst>
+            <a:ahLst/>
+            <a:cxnLst>
+              <a:cxn ang="0">
+                <a:pos x="connsiteX0" y="connsiteY0"/>
+              </a:cxn>
+              <a:cxn ang="0">
+                <a:pos x="connsiteX1" y="connsiteY1"/>
+              </a:cxn>
+              <a:cxn ang="0">
+                <a:pos x="connsiteX2" y="connsiteY2"/>
+              </a:cxn>
+              <a:cxn ang="0">
+                <a:pos x="connsiteX3" y="connsiteY3"/>
+              </a:cxn>
+              <a:cxn ang="0">
+                <a:pos x="connsiteX4" y="connsiteY4"/>
+              </a:cxn>
+              <a:cxn ang="0">
+                <a:pos x="connsiteX5" y="connsiteY5"/>
+              </a:cxn>
+              <a:cxn ang="0">
+                <a:pos x="connsiteX6" y="connsiteY6"/>
+              </a:cxn>
+              <a:cxn ang="0">
+                <a:pos x="connsiteX7" y="connsiteY7"/>
+              </a:cxn>
+              <a:cxn ang="0">
+                <a:pos x="connsiteX8" y="connsiteY8"/>
+              </a:cxn>
+              <a:cxn ang="0">
+                <a:pos x="connsiteX9" y="connsiteY9"/>
+              </a:cxn>
+              <a:cxn ang="0">
+                <a:pos x="connsiteX10" y="connsiteY10"/>
+              </a:cxn>
+              <a:cxn ang="0">
+                <a:pos x="connsiteX11" y="connsiteY11"/>
+              </a:cxn>
+              <a:cxn ang="0">
+                <a:pos x="connsiteX12" y="connsiteY12"/>
+              </a:cxn>
+              <a:cxn ang="0">
+                <a:pos x="connsiteX13" y="connsiteY13"/>
+              </a:cxn>
+              <a:cxn ang="0">
+                <a:pos x="connsiteX14" y="connsiteY14"/>
+              </a:cxn>
+              <a:cxn ang="0">
+                <a:pos x="connsiteX15" y="connsiteY15"/>
+              </a:cxn>
+              <a:cxn ang="0">
+                <a:pos x="connsiteX16" y="connsiteY16"/>
+              </a:cxn>
+              <a:cxn ang="0">
+                <a:pos x="connsiteX17" y="connsiteY17"/>
+              </a:cxn>
+              <a:cxn ang="0">
+                <a:pos x="connsiteX18" y="connsiteY18"/>
+              </a:cxn>
+              <a:cxn ang="0">
+                <a:pos x="connsiteX19" y="connsiteY19"/>
+              </a:cxn>
+              <a:cxn ang="0">
+                <a:pos x="connsiteX20" y="connsiteY20"/>
+              </a:cxn>
+              <a:cxn ang="0">
+                <a:pos x="connsiteX21" y="connsiteY21"/>
+              </a:cxn>
+              <a:cxn ang="0">
+                <a:pos x="connsiteX22" y="connsiteY22"/>
+              </a:cxn>
+              <a:cxn ang="0">
+                <a:pos x="connsiteX23" y="connsiteY23"/>
+              </a:cxn>
+              <a:cxn ang="0">
+                <a:pos x="connsiteX24" y="connsiteY24"/>
+              </a:cxn>
+              <a:cxn ang="0">
+                <a:pos x="connsiteX25" y="connsiteY25"/>
+              </a:cxn>
+              <a:cxn ang="0">
+                <a:pos x="connsiteX26" y="connsiteY26"/>
+              </a:cxn>
+              <a:cxn ang="0">
+                <a:pos x="connsiteX27" y="connsiteY27"/>
+              </a:cxn>
+              <a:cxn ang="0">
+                <a:pos x="connsiteX28" y="connsiteY28"/>
+              </a:cxn>
+              <a:cxn ang="0">
+                <a:pos x="connsiteX29" y="connsiteY29"/>
+              </a:cxn>
+              <a:cxn ang="0">
+                <a:pos x="connsiteX30" y="connsiteY30"/>
+              </a:cxn>
+              <a:cxn ang="0">
+                <a:pos x="connsiteX31" y="connsiteY31"/>
+              </a:cxn>
+              <a:cxn ang="0">
+                <a:pos x="connsiteX32" y="connsiteY32"/>
+              </a:cxn>
+              <a:cxn ang="0">
+                <a:pos x="connsiteX33" y="connsiteY33"/>
+              </a:cxn>
+              <a:cxn ang="0">
+                <a:pos x="connsiteX34" y="connsiteY34"/>
+              </a:cxn>
+              <a:cxn ang="0">
+                <a:pos x="connsiteX35" y="connsiteY35"/>
+              </a:cxn>
+              <a:cxn ang="0">
+                <a:pos x="connsiteX36" y="connsiteY36"/>
+              </a:cxn>
+              <a:cxn ang="0">
+                <a:pos x="connsiteX37" y="connsiteY37"/>
+              </a:cxn>
+              <a:cxn ang="0">
+                <a:pos x="connsiteX38" y="connsiteY38"/>
+              </a:cxn>
+              <a:cxn ang="0">
+                <a:pos x="connsiteX39" y="connsiteY39"/>
+              </a:cxn>
+              <a:cxn ang="0">
+                <a:pos x="connsiteX40" y="connsiteY40"/>
+              </a:cxn>
+              <a:cxn ang="0">
+                <a:pos x="connsiteX41" y="connsiteY41"/>
+              </a:cxn>
+              <a:cxn ang="0">
+                <a:pos x="connsiteX42" y="connsiteY42"/>
+              </a:cxn>
+              <a:cxn ang="0">
+                <a:pos x="connsiteX43" y="connsiteY43"/>
+              </a:cxn>
+              <a:cxn ang="0">
+                <a:pos x="connsiteX44" y="connsiteY44"/>
+              </a:cxn>
+              <a:cxn ang="0">
+                <a:pos x="connsiteX45" y="connsiteY45"/>
+              </a:cxn>
+              <a:cxn ang="0">
+                <a:pos x="connsiteX46" y="connsiteY46"/>
+              </a:cxn>
+              <a:cxn ang="0">
+                <a:pos x="connsiteX47" y="connsiteY47"/>
+              </a:cxn>
+              <a:cxn ang="0">
+                <a:pos x="connsiteX48" y="connsiteY48"/>
+              </a:cxn>
+              <a:cxn ang="0">
+                <a:pos x="connsiteX49" y="connsiteY49"/>
+              </a:cxn>
+              <a:cxn ang="0">
+                <a:pos x="connsiteX50" y="connsiteY50"/>
+              </a:cxn>
+              <a:cxn ang="0">
+                <a:pos x="connsiteX51" y="connsiteY51"/>
+              </a:cxn>
+              <a:cxn ang="0">
+                <a:pos x="connsiteX52" y="connsiteY52"/>
+              </a:cxn>
+              <a:cxn ang="0">
+                <a:pos x="connsiteX53" y="connsiteY53"/>
+              </a:cxn>
+              <a:cxn ang="0">
+                <a:pos x="connsiteX54" y="connsiteY54"/>
+              </a:cxn>
+              <a:cxn ang="0">
+                <a:pos x="connsiteX55" y="connsiteY55"/>
+              </a:cxn>
+              <a:cxn ang="0">
+                <a:pos x="connsiteX56" y="connsiteY56"/>
+              </a:cxn>
+              <a:cxn ang="0">
+                <a:pos x="connsiteX57" y="connsiteY57"/>
+              </a:cxn>
+              <a:cxn ang="0">
+                <a:pos x="connsiteX58" y="connsiteY58"/>
+              </a:cxn>
+            </a:cxnLst>
+            <a:rect l="l" t="t" r="r" b="b"/>
+            <a:pathLst>
+              <a:path w="5086770" h="3128874">
+                <a:moveTo>
+                  <a:pt x="5086770" y="1174706"/>
+                </a:moveTo>
+                <a:lnTo>
+                  <a:pt x="5086770" y="1184663"/>
+                </a:lnTo>
+                <a:lnTo>
+                  <a:pt x="5079830" y="1185820"/>
+                </a:lnTo>
+                <a:cubicBezTo>
+                  <a:pt x="5079829" y="1184277"/>
+                  <a:pt x="5078289" y="1184277"/>
+                  <a:pt x="5078289" y="1182737"/>
+                </a:cubicBezTo>
+                <a:lnTo>
+                  <a:pt x="5078289" y="1179654"/>
+                </a:lnTo>
+                <a:close/>
+                <a:moveTo>
+                  <a:pt x="1690658" y="810655"/>
+                </a:moveTo>
+                <a:lnTo>
+                  <a:pt x="1349061" y="1934928"/>
+                </a:lnTo>
+                <a:lnTo>
+                  <a:pt x="2035854" y="1934928"/>
+                </a:lnTo>
+                <a:close/>
+                <a:moveTo>
+                  <a:pt x="3765314" y="0"/>
+                </a:moveTo>
+                <a:lnTo>
+                  <a:pt x="4465138" y="0"/>
+                </a:lnTo>
+                <a:lnTo>
+                  <a:pt x="4675955" y="0"/>
+                </a:lnTo>
+                <a:lnTo>
+                  <a:pt x="4659036" y="34412"/>
+                </a:lnTo>
+                <a:cubicBezTo>
+                  <a:pt x="4655952" y="37496"/>
+                  <a:pt x="4652870" y="40578"/>
+                  <a:pt x="4651327" y="45203"/>
+                </a:cubicBezTo>
+                <a:cubicBezTo>
+                  <a:pt x="4649787" y="48285"/>
+                  <a:pt x="4649788" y="49827"/>
+                  <a:pt x="4648245" y="51368"/>
+                </a:cubicBezTo>
+                <a:cubicBezTo>
+                  <a:pt x="4632831" y="72947"/>
+                  <a:pt x="4528018" y="224002"/>
+                  <a:pt x="4483319" y="361184"/>
+                </a:cubicBezTo>
+                <a:cubicBezTo>
+                  <a:pt x="4481777" y="365808"/>
+                  <a:pt x="4480236" y="368891"/>
+                  <a:pt x="4480236" y="373515"/>
+                </a:cubicBezTo>
+                <a:cubicBezTo>
+                  <a:pt x="4478694" y="381223"/>
+                  <a:pt x="4475612" y="390471"/>
+                  <a:pt x="4474071" y="398176"/>
+                </a:cubicBezTo>
+                <a:cubicBezTo>
+                  <a:pt x="4466362" y="432087"/>
+                  <a:pt x="4458657" y="465997"/>
+                  <a:pt x="4450950" y="498367"/>
+                </a:cubicBezTo>
+                <a:cubicBezTo>
+                  <a:pt x="4444783" y="506073"/>
+                  <a:pt x="4440160" y="516863"/>
+                  <a:pt x="4440161" y="527652"/>
+                </a:cubicBezTo>
+                <a:cubicBezTo>
+                  <a:pt x="4440160" y="532277"/>
+                  <a:pt x="4440160" y="535360"/>
+                  <a:pt x="4441700" y="539983"/>
+                </a:cubicBezTo>
+                <a:cubicBezTo>
+                  <a:pt x="4440161" y="547691"/>
+                  <a:pt x="4438618" y="555397"/>
+                  <a:pt x="4437078" y="561562"/>
+                </a:cubicBezTo>
+                <a:cubicBezTo>
+                  <a:pt x="4435535" y="566187"/>
+                  <a:pt x="4433995" y="570810"/>
+                  <a:pt x="4433995" y="576976"/>
+                </a:cubicBezTo>
+                <a:cubicBezTo>
+                  <a:pt x="4433995" y="576976"/>
+                  <a:pt x="4433994" y="578519"/>
+                  <a:pt x="4433994" y="578519"/>
+                </a:cubicBezTo>
+                <a:cubicBezTo>
+                  <a:pt x="4417039" y="674083"/>
+                  <a:pt x="4407790" y="755776"/>
+                  <a:pt x="4413956" y="797393"/>
+                </a:cubicBezTo>
+                <a:cubicBezTo>
+                  <a:pt x="4421664" y="846717"/>
+                  <a:pt x="4440160" y="929951"/>
+                  <a:pt x="4438619" y="996230"/>
+                </a:cubicBezTo>
+                <a:cubicBezTo>
+                  <a:pt x="4435535" y="1002395"/>
+                  <a:pt x="4433995" y="1008560"/>
+                  <a:pt x="4433995" y="1016268"/>
+                </a:cubicBezTo>
+                <a:cubicBezTo>
+                  <a:pt x="4433995" y="1019351"/>
+                  <a:pt x="4435536" y="1022434"/>
+                  <a:pt x="4435536" y="1025517"/>
+                </a:cubicBezTo>
+                <a:cubicBezTo>
+                  <a:pt x="4435536" y="1025517"/>
+                  <a:pt x="4435535" y="1027057"/>
+                  <a:pt x="4437078" y="1027057"/>
+                </a:cubicBezTo>
+                <a:cubicBezTo>
+                  <a:pt x="4435536" y="1034764"/>
+                  <a:pt x="4433994" y="1042471"/>
+                  <a:pt x="4432452" y="1048636"/>
+                </a:cubicBezTo>
+                <a:lnTo>
+                  <a:pt x="4413956" y="1085630"/>
+                </a:lnTo>
+                <a:cubicBezTo>
+                  <a:pt x="4369257" y="1164240"/>
+                  <a:pt x="4258278" y="1339957"/>
+                  <a:pt x="4196623" y="1389280"/>
+                </a:cubicBezTo>
+                <a:cubicBezTo>
+                  <a:pt x="4128802" y="1441687"/>
+                  <a:pt x="4062523" y="1538793"/>
+                  <a:pt x="4085645" y="1597365"/>
+                </a:cubicBezTo>
+                <a:cubicBezTo>
+                  <a:pt x="4119555" y="1660562"/>
+                  <a:pt x="4181210" y="1688307"/>
+                  <a:pt x="4216661" y="1697556"/>
+                </a:cubicBezTo>
+                <a:cubicBezTo>
+                  <a:pt x="4252112" y="1706804"/>
+                  <a:pt x="4275233" y="1779247"/>
+                  <a:pt x="4250571" y="1811617"/>
+                </a:cubicBezTo>
+                <a:cubicBezTo>
+                  <a:pt x="4225909" y="1843985"/>
+                  <a:pt x="4187375" y="1853233"/>
+                  <a:pt x="4173502" y="1888685"/>
+                </a:cubicBezTo>
+                <a:cubicBezTo>
+                  <a:pt x="4159630" y="1924137"/>
+                  <a:pt x="4153465" y="1998123"/>
+                  <a:pt x="4213578" y="2022784"/>
+                </a:cubicBezTo>
+                <a:cubicBezTo>
+                  <a:pt x="4259818" y="2041281"/>
+                  <a:pt x="4349219" y="2081356"/>
+                  <a:pt x="4347678" y="2090605"/>
+                </a:cubicBezTo>
+                <a:cubicBezTo>
+                  <a:pt x="4346136" y="2099853"/>
+                  <a:pt x="4250570" y="2107561"/>
+                  <a:pt x="4233616" y="2138388"/>
+                </a:cubicBezTo>
+                <a:cubicBezTo>
+                  <a:pt x="4216660" y="2169216"/>
+                  <a:pt x="4204330" y="2220080"/>
+                  <a:pt x="4227451" y="2258616"/>
+                </a:cubicBezTo>
+                <a:cubicBezTo>
+                  <a:pt x="4250571" y="2297149"/>
+                  <a:pt x="4332264" y="2292526"/>
+                  <a:pt x="4350761" y="2320270"/>
+                </a:cubicBezTo>
+                <a:cubicBezTo>
+                  <a:pt x="4381588" y="2371135"/>
+                  <a:pt x="4358466" y="2378843"/>
+                  <a:pt x="4333805" y="2462077"/>
+                </a:cubicBezTo>
+                <a:cubicBezTo>
+                  <a:pt x="4306060" y="2551476"/>
+                  <a:pt x="4302977" y="2650125"/>
+                  <a:pt x="4467905" y="2719486"/>
+                </a:cubicBezTo>
+                <a:cubicBezTo>
+                  <a:pt x="4562314" y="2758983"/>
+                  <a:pt x="4694054" y="2758743"/>
+                  <a:pt x="4800655" y="2748491"/>
+                </a:cubicBezTo>
+                <a:lnTo>
+                  <a:pt x="4838191" y="2744074"/>
+                </a:lnTo>
+                <a:lnTo>
+                  <a:pt x="4863823" y="2765476"/>
+                </a:lnTo>
+                <a:cubicBezTo>
+                  <a:pt x="4895578" y="2799449"/>
+                  <a:pt x="4917344" y="2847230"/>
+                  <a:pt x="4934321" y="2911083"/>
+                </a:cubicBezTo>
+                <a:cubicBezTo>
+                  <a:pt x="4945640" y="2953651"/>
+                  <a:pt x="4957371" y="3013267"/>
+                  <a:pt x="4964162" y="3074402"/>
+                </a:cubicBezTo>
+                <a:lnTo>
+                  <a:pt x="4967647" y="3128874"/>
+                </a:lnTo>
+                <a:lnTo>
+                  <a:pt x="4465138" y="3128874"/>
+                </a:lnTo>
+                <a:lnTo>
+                  <a:pt x="4465138" y="3127460"/>
+                </a:lnTo>
+                <a:lnTo>
+                  <a:pt x="3765314" y="3127460"/>
+                </a:lnTo>
+                <a:close/>
+                <a:moveTo>
+                  <a:pt x="1175459" y="0"/>
+                </a:moveTo>
+                <a:lnTo>
+                  <a:pt x="2229594" y="0"/>
+                </a:lnTo>
+                <a:lnTo>
+                  <a:pt x="3404781" y="3127460"/>
+                </a:lnTo>
+                <a:lnTo>
+                  <a:pt x="2392789" y="3127460"/>
+                </a:lnTo>
+                <a:lnTo>
+                  <a:pt x="2236317" y="2611186"/>
+                </a:lnTo>
+                <a:lnTo>
+                  <a:pt x="1139165" y="2611186"/>
+                </a:lnTo>
+                <a:lnTo>
+                  <a:pt x="986721" y="3127460"/>
+                </a:lnTo>
+                <a:lnTo>
+                  <a:pt x="0" y="3127460"/>
+                </a:lnTo>
+                <a:close/>
+              </a:path>
+            </a:pathLst>
+          </a:custGeom>
+          <a:solidFill>
+            <a:srgbClr val="002060"/>
+          </a:solidFill>
+          <a:ln>
+            <a:noFill/>
+          </a:ln>
+        </p:spPr>
+        <p:style>
+          <a:lnRef idx="2">
+            <a:schemeClr val="accent1">
+              <a:shade val="50000"/>
+            </a:schemeClr>
+          </a:lnRef>
+          <a:fillRef idx="1">
+            <a:schemeClr val="accent1"/>
+          </a:fillRef>
+          <a:effectRef idx="0">
+            <a:schemeClr val="accent1"/>
+          </a:effectRef>
+          <a:fontRef idx="minor">
+            <a:schemeClr val="lt1"/>
+          </a:fontRef>
+        </p:style>
+        <p:txBody>
+          <a:bodyPr rtlCol="0" anchor="ctr"/>
+          <a:lstStyle/>
+          <a:p>
+            <a:pPr algn="ctr"/>
+            <a:endParaRPr lang="en-US"/>
+          </a:p>
+        </p:txBody>
+      </p:sp>
+      <p:sp>
+        <p:nvSpPr>
+          <p:cNvPr id="2" name="Rechteck 1">
+            <a:extLst>
+              <a:ext uri="{FF2B5EF4-FFF2-40B4-BE49-F238E27FC236}">
+                <a16:creationId xmlns:a16="http://schemas.microsoft.com/office/drawing/2014/main" id="{96AA9A24-87CF-4FD9-A062-3E8FD5FCE155}"/>
+              </a:ext>
+            </a:extLst>
+          </p:cNvPr>
+          <p:cNvSpPr/>
+          <p:nvPr/>
+        </p:nvSpPr>
+        <p:spPr>
+          <a:xfrm>
+            <a:off x="-39394" y="6497053"/>
+            <a:ext cx="12270787" cy="425115"/>
+          </a:xfrm>
+          <a:prstGeom prst="rect">
+            <a:avLst/>
+          </a:prstGeom>
+          <a:solidFill>
+            <a:srgbClr val="AA313F"/>
+          </a:solidFill>
+          <a:ln>
+            <a:noFill/>
+          </a:ln>
+        </p:spPr>
+        <p:style>
+          <a:lnRef idx="2">
+            <a:schemeClr val="accent1">
+              <a:shade val="50000"/>
+            </a:schemeClr>
+          </a:lnRef>
+          <a:fillRef idx="1">
+            <a:schemeClr val="accent1"/>
+          </a:fillRef>
+          <a:effectRef idx="0">
+            <a:schemeClr val="accent1"/>
+          </a:effectRef>
+          <a:fontRef idx="minor">
+            <a:schemeClr val="lt1"/>
+          </a:fontRef>
+        </p:style>
+        <p:txBody>
+          <a:bodyPr rtlCol="0" anchor="ctr"/>
+          <a:lstStyle/>
+          <a:p>
+            <a:pPr algn="ctr"/>
+            <a:endParaRPr lang="de-DE"/>
+          </a:p>
+        </p:txBody>
+      </p:sp>
+    </p:spTree>
+    <p:extLst>
+      <p:ext uri="{BB962C8B-B14F-4D97-AF65-F5344CB8AC3E}">
+        <p14:creationId xmlns:p14="http://schemas.microsoft.com/office/powerpoint/2010/main" val="1100588271"/>
+      </p:ext>
+    </p:extLst>
+  </p:cSld>
+  <p:clrMapOvr>
+    <a:masterClrMapping/>
+  </p:clrMapOvr>
+</p:sld>
+</file>
+
+<file path=ppt/slides/slide4.xml><?xml version="1.0" encoding="utf-8"?>
+<p:sld xmlns:a="http://schemas.openxmlformats.org/drawingml/2006/main" xmlns:r="http://schemas.openxmlformats.org/officeDocument/2006/relationships" xmlns:p="http://schemas.openxmlformats.org/presentationml/2006/main">
+  <p:cSld>
+    <p:spTree>
+      <p:nvGrpSpPr>
+        <p:cNvPr id="1" name=""/>
+        <p:cNvGrpSpPr/>
+        <p:nvPr/>
+      </p:nvGrpSpPr>
+      <p:grpSpPr>
+        <a:xfrm>
+          <a:off x="0" y="0"/>
+          <a:ext cx="0" cy="0"/>
+          <a:chOff x="0" y="0"/>
+          <a:chExt cx="0" cy="0"/>
+        </a:xfrm>
+      </p:grpSpPr>
+      <p:sp>
+        <p:nvSpPr>
+          <p:cNvPr id="2" name="Text Placeholder 1"/>
+          <p:cNvSpPr>
+            <a:spLocks noGrp="1"/>
+          </p:cNvSpPr>
+          <p:nvPr>
+            <p:ph type="body" sz="quarter" idx="10"/>
+          </p:nvPr>
+        </p:nvSpPr>
+        <p:spPr>
+          <a:xfrm>
+            <a:off x="1983935" y="380280"/>
+            <a:ext cx="8066002" cy="681077"/>
+          </a:xfrm>
+        </p:spPr>
+        <p:txBody>
+          <a:bodyPr>
+            <a:normAutofit fontScale="85000" lnSpcReduction="20000"/>
+          </a:bodyPr>
+          <a:lstStyle/>
+          <a:p>
+            <a:pPr algn="ctr"/>
+            <a:r>
+              <a:rPr lang="de-DE" sz="5400" b="1" dirty="0">
+                <a:ln w="12700">
+                  <a:noFill/>
+                </a:ln>
+                <a:latin typeface="CMU Serif" panose="02000803000000000000" pitchFamily="2" charset="0"/>
+                <a:ea typeface="CMU Serif" panose="02000803000000000000" pitchFamily="2" charset="0"/>
+                <a:cs typeface="CMU Serif" panose="02000803000000000000" pitchFamily="2" charset="0"/>
+              </a:rPr>
+              <a:t>Titel</a:t>
+            </a:r>
+            <a:endParaRPr lang="en-US" b="1" dirty="0">
+              <a:ln w="12700">
+                <a:noFill/>
+              </a:ln>
+              <a:latin typeface="CMU Serif" panose="02000803000000000000" pitchFamily="2" charset="0"/>
+              <a:ea typeface="CMU Serif" panose="02000803000000000000" pitchFamily="2" charset="0"/>
+              <a:cs typeface="CMU Serif" panose="02000803000000000000" pitchFamily="2" charset="0"/>
+            </a:endParaRPr>
+          </a:p>
+        </p:txBody>
+      </p:sp>
+    </p:spTree>
+    <p:extLst>
+      <p:ext uri="{BB962C8B-B14F-4D97-AF65-F5344CB8AC3E}">
+        <p14:creationId xmlns:p14="http://schemas.microsoft.com/office/powerpoint/2010/main" val="1389367324"/>
+      </p:ext>
+    </p:extLst>
+  </p:cSld>
+  <p:clrMapOvr>
+    <a:masterClrMapping/>
+  </p:clrMapOvr>
+</p:sld>
+</file>
+
+<file path=ppt/slides/slide5.xml><?xml version="1.0" encoding="utf-8"?>
+<p:sld xmlns:a="http://schemas.openxmlformats.org/drawingml/2006/main" xmlns:r="http://schemas.openxmlformats.org/officeDocument/2006/relationships" xmlns:p="http://schemas.openxmlformats.org/presentationml/2006/main">
+  <p:cSld>
+    <p:spTree>
+      <p:nvGrpSpPr>
+        <p:cNvPr id="1" name=""/>
+        <p:cNvGrpSpPr/>
+        <p:nvPr/>
+      </p:nvGrpSpPr>
+      <p:grpSpPr>
+        <a:xfrm>
+          <a:off x="0" y="0"/>
+          <a:ext cx="0" cy="0"/>
+          <a:chOff x="0" y="0"/>
+          <a:chExt cx="0" cy="0"/>
+        </a:xfrm>
+      </p:grpSpPr>
+      <p:sp>
+        <p:nvSpPr>
+          <p:cNvPr id="2" name="Text Placeholder 1"/>
+          <p:cNvSpPr>
+            <a:spLocks noGrp="1"/>
+          </p:cNvSpPr>
+          <p:nvPr>
+            <p:ph type="body" sz="quarter" idx="10"/>
+          </p:nvPr>
+        </p:nvSpPr>
+        <p:spPr>
+          <a:xfrm>
+            <a:off x="2062999" y="460491"/>
+            <a:ext cx="8066002" cy="646331"/>
+          </a:xfrm>
+        </p:spPr>
+        <p:txBody>
+          <a:bodyPr>
+            <a:normAutofit fontScale="85000" lnSpcReduction="20000"/>
+          </a:bodyPr>
+          <a:lstStyle/>
+          <a:p>
+            <a:r>
+              <a:rPr lang="de-DE" sz="5400" b="1" dirty="0">
+                <a:ln w="12700">
+                  <a:noFill/>
+                </a:ln>
+                <a:latin typeface="CMU Serif" panose="02000803000000000000" pitchFamily="2" charset="0"/>
+                <a:ea typeface="CMU Serif" panose="02000803000000000000" pitchFamily="2" charset="0"/>
+                <a:cs typeface="CMU Serif" panose="02000803000000000000" pitchFamily="2" charset="0"/>
+              </a:rPr>
+              <a:t>Bereinigung der Daten</a:t>
+            </a:r>
+            <a:endParaRPr lang="en-US" b="1" dirty="0">
+              <a:ln w="12700">
+                <a:noFill/>
+              </a:ln>
+              <a:latin typeface="CMU Serif" panose="02000803000000000000" pitchFamily="2" charset="0"/>
+              <a:ea typeface="CMU Serif" panose="02000803000000000000" pitchFamily="2" charset="0"/>
+              <a:cs typeface="CMU Serif" panose="02000803000000000000" pitchFamily="2" charset="0"/>
+            </a:endParaRPr>
+          </a:p>
+        </p:txBody>
+      </p:sp>
+      <p:sp>
+        <p:nvSpPr>
+          <p:cNvPr id="3" name="Textfeld 2">
+            <a:extLst>
+              <a:ext uri="{FF2B5EF4-FFF2-40B4-BE49-F238E27FC236}">
+                <a16:creationId xmlns:a16="http://schemas.microsoft.com/office/drawing/2014/main" id="{9B3FB237-EAB2-420A-B049-9367A89DFA41}"/>
+              </a:ext>
+            </a:extLst>
+          </p:cNvPr>
+          <p:cNvSpPr txBox="1"/>
+          <p:nvPr/>
+        </p:nvSpPr>
+        <p:spPr>
+          <a:xfrm>
+            <a:off x="561474" y="1836821"/>
+            <a:ext cx="9954126" cy="3416320"/>
+          </a:xfrm>
+          <a:prstGeom prst="rect">
+            <a:avLst/>
+          </a:prstGeom>
+          <a:noFill/>
+        </p:spPr>
+        <p:txBody>
+          <a:bodyPr wrap="square" rtlCol="0">
+            <a:spAutoFit/>
+          </a:bodyPr>
+          <a:lstStyle/>
+          <a:p>
+            <a:r>
+              <a:rPr lang="de-DE" b="1" dirty="0">
+                <a:latin typeface="Bahnschrift SemiLight" panose="020B0502040204020203" pitchFamily="34" charset="0"/>
+              </a:rPr>
+              <a:t>Entfernung der Spalte „Unnamed..0“</a:t>
+            </a:r>
+          </a:p>
+          <a:p>
+            <a:pPr marL="285750" indent="-285750">
+              <a:buFont typeface="Arial" panose="020B0604020202020204" pitchFamily="34" charset="0"/>
+              <a:buChar char="•"/>
+            </a:pPr>
+            <a:r>
+              <a:rPr lang="de-DE" dirty="0">
+                <a:latin typeface="Bahnschrift SemiLight" panose="020B0502040204020203" pitchFamily="34" charset="0"/>
+              </a:rPr>
+              <a:t>Spalte hat keine Relevanz, sie ist reine Nummerierung der Zeilen.</a:t>
+            </a:r>
+          </a:p>
+          <a:p>
+            <a:endParaRPr lang="de-DE" dirty="0">
+              <a:latin typeface="Bahnschrift SemiLight" panose="020B0502040204020203" pitchFamily="34" charset="0"/>
+            </a:endParaRPr>
+          </a:p>
+          <a:p>
+            <a:endParaRPr lang="de-DE" dirty="0">
+              <a:latin typeface="Bahnschrift SemiLight" panose="020B0502040204020203" pitchFamily="34" charset="0"/>
+            </a:endParaRPr>
+          </a:p>
+          <a:p>
+            <a:endParaRPr lang="de-DE" dirty="0">
+              <a:latin typeface="Bahnschrift SemiLight" panose="020B0502040204020203" pitchFamily="34" charset="0"/>
+            </a:endParaRPr>
+          </a:p>
+          <a:p>
+            <a:r>
+              <a:rPr lang="de-DE" b="1" dirty="0">
+                <a:latin typeface="Bahnschrift SemiLight" panose="020B0502040204020203" pitchFamily="34" charset="0"/>
+              </a:rPr>
+              <a:t>Entfernung der Spalte „</a:t>
+            </a:r>
+            <a:r>
+              <a:rPr lang="de-DE" b="1" dirty="0" err="1">
+                <a:latin typeface="Bahnschrift SemiLight" panose="020B0502040204020203" pitchFamily="34" charset="0"/>
+              </a:rPr>
+              <a:t>offer_description</a:t>
+            </a:r>
+            <a:r>
+              <a:rPr lang="de-DE" b="1" dirty="0">
+                <a:latin typeface="Bahnschrift SemiLight" panose="020B0502040204020203" pitchFamily="34" charset="0"/>
+              </a:rPr>
+              <a:t>“</a:t>
+            </a:r>
+          </a:p>
+          <a:p>
+            <a:pPr marL="285750" indent="-285750">
+              <a:buFont typeface="Arial" panose="020B0604020202020204" pitchFamily="34" charset="0"/>
+              <a:buChar char="•"/>
+            </a:pPr>
+            <a:r>
+              <a:rPr lang="de-DE" dirty="0">
+                <a:latin typeface="Bahnschrift SemiLight" panose="020B0502040204020203" pitchFamily="34" charset="0"/>
+              </a:rPr>
+              <a:t>Es wurde geschaut, ob in der Spalte </a:t>
+            </a:r>
+            <a:r>
+              <a:rPr lang="de-DE" dirty="0" err="1">
+                <a:latin typeface="Bahnschrift SemiLight" panose="020B0502040204020203" pitchFamily="34" charset="0"/>
+              </a:rPr>
+              <a:t>offer_description</a:t>
+            </a:r>
+            <a:r>
+              <a:rPr lang="de-DE" dirty="0">
+                <a:latin typeface="Bahnschrift SemiLight" panose="020B0502040204020203" pitchFamily="34" charset="0"/>
+              </a:rPr>
+              <a:t> Wort unfallfrei steht, dies war auch der Fall aber nur bei 48 Einträgen von 100 000. D.h.: wir wollten schauen, ob man aus dieser Spalte zusätzliche Informationen </a:t>
+            </a:r>
+            <a:r>
+              <a:rPr lang="de-DE">
+                <a:latin typeface="Bahnschrift SemiLight" panose="020B0502040204020203" pitchFamily="34" charset="0"/>
+              </a:rPr>
+              <a:t>gewinnen kann.</a:t>
+            </a:r>
+            <a:endParaRPr lang="de-DE" dirty="0">
+              <a:latin typeface="Bahnschrift SemiLight" panose="020B0502040204020203" pitchFamily="34" charset="0"/>
+            </a:endParaRPr>
+          </a:p>
+          <a:p>
+            <a:pPr marL="285750" indent="-285750">
+              <a:buFont typeface="Arial" panose="020B0604020202020204" pitchFamily="34" charset="0"/>
+              <a:buChar char="•"/>
+            </a:pPr>
+            <a:endParaRPr lang="de-DE" dirty="0">
+              <a:latin typeface="Bahnschrift SemiLight" panose="020B0502040204020203" pitchFamily="34" charset="0"/>
+            </a:endParaRPr>
+          </a:p>
+          <a:p>
+            <a:pPr marL="285750" indent="-285750">
+              <a:buFont typeface="Arial" panose="020B0604020202020204" pitchFamily="34" charset="0"/>
+              <a:buChar char="•"/>
+            </a:pPr>
+            <a:r>
+              <a:rPr lang="de-DE" dirty="0">
+                <a:latin typeface="Bahnschrift SemiLight" panose="020B0502040204020203" pitchFamily="34" charset="0"/>
+              </a:rPr>
+              <a:t>Spalte liefert daher keine aufschlussreiche Informationen für die Analyse</a:t>
+            </a:r>
+          </a:p>
+          <a:p>
+            <a:pPr marL="285750" indent="-285750">
+              <a:buFont typeface="Arial" panose="020B0604020202020204" pitchFamily="34" charset="0"/>
+              <a:buChar char="•"/>
+            </a:pPr>
+            <a:endParaRPr lang="de-DE" dirty="0">
+              <a:latin typeface="Bahnschrift SemiLight" panose="020B0502040204020203" pitchFamily="34" charset="0"/>
+            </a:endParaRPr>
+          </a:p>
+        </p:txBody>
+      </p:sp>
+    </p:spTree>
+    <p:extLst>
+      <p:ext uri="{BB962C8B-B14F-4D97-AF65-F5344CB8AC3E}">
+        <p14:creationId xmlns:p14="http://schemas.microsoft.com/office/powerpoint/2010/main" val="3629068096"/>
+      </p:ext>
+    </p:extLst>
+  </p:cSld>
+  <p:clrMapOvr>
+    <a:masterClrMapping/>
+  </p:clrMapOvr>
+</p:sld>
+</file>
+
+<file path=ppt/slides/slide6.xml><?xml version="1.0" encoding="utf-8"?>
+<p:sld xmlns:a="http://schemas.openxmlformats.org/drawingml/2006/main" xmlns:r="http://schemas.openxmlformats.org/officeDocument/2006/relationships" xmlns:p="http://schemas.openxmlformats.org/presentationml/2006/main">
+  <p:cSld>
+    <p:spTree>
+      <p:nvGrpSpPr>
+        <p:cNvPr id="1" name=""/>
+        <p:cNvGrpSpPr/>
+        <p:nvPr/>
+      </p:nvGrpSpPr>
+      <p:grpSpPr>
+        <a:xfrm>
+          <a:off x="0" y="0"/>
+          <a:ext cx="0" cy="0"/>
+          <a:chOff x="0" y="0"/>
+          <a:chExt cx="0" cy="0"/>
+        </a:xfrm>
+      </p:grpSpPr>
+      <p:sp>
+        <p:nvSpPr>
+          <p:cNvPr id="4" name="TextBox 3">
+            <a:extLst>
+              <a:ext uri="{FF2B5EF4-FFF2-40B4-BE49-F238E27FC236}">
+                <a16:creationId xmlns:a16="http://schemas.microsoft.com/office/drawing/2014/main" id="{948A2979-A456-4286-B8FC-8FF4C0C58EFD}"/>
+              </a:ext>
+            </a:extLst>
+          </p:cNvPr>
+          <p:cNvSpPr txBox="1"/>
+          <p:nvPr/>
+        </p:nvSpPr>
+        <p:spPr>
+          <a:xfrm>
+            <a:off x="5686926" y="2623010"/>
+            <a:ext cx="6328611" cy="1611980"/>
+          </a:xfrm>
+          <a:prstGeom prst="rect">
+            <a:avLst/>
+          </a:prstGeom>
+          <a:noFill/>
+        </p:spPr>
+        <p:txBody>
+          <a:bodyPr wrap="square" rtlCol="0" anchor="ctr">
+            <a:spAutoFit/>
+          </a:bodyPr>
+          <a:lstStyle/>
+          <a:p>
+            <a:pPr algn="ctr">
+              <a:lnSpc>
+                <a:spcPts val="5400"/>
+              </a:lnSpc>
+              <a:spcAft>
+                <a:spcPts val="600"/>
+              </a:spcAft>
+            </a:pPr>
+            <a:r>
+              <a:rPr lang="de-DE" altLang="ko-KR" sz="5500" b="1" dirty="0">
+                <a:solidFill>
+                  <a:srgbClr val="002060"/>
+                </a:solidFill>
+                <a:latin typeface="CMU Serif" panose="02000803000000000000" pitchFamily="2" charset="0"/>
+                <a:ea typeface="CMU Serif" panose="02000803000000000000" pitchFamily="2" charset="0"/>
+                <a:cs typeface="CMU Serif" panose="02000803000000000000" pitchFamily="2" charset="0"/>
+              </a:rPr>
+              <a:t>2. Maschinelles </a:t>
+            </a:r>
+          </a:p>
+          <a:p>
+            <a:pPr algn="ctr">
+              <a:lnSpc>
+                <a:spcPts val="5400"/>
+              </a:lnSpc>
+              <a:spcAft>
+                <a:spcPts val="600"/>
+              </a:spcAft>
+            </a:pPr>
+            <a:r>
+              <a:rPr lang="de-DE" altLang="ko-KR" sz="5500" b="1" dirty="0">
+                <a:solidFill>
+                  <a:srgbClr val="002060"/>
+                </a:solidFill>
+                <a:latin typeface="CMU Serif" panose="02000803000000000000" pitchFamily="2" charset="0"/>
+                <a:ea typeface="CMU Serif" panose="02000803000000000000" pitchFamily="2" charset="0"/>
+                <a:cs typeface="CMU Serif" panose="02000803000000000000" pitchFamily="2" charset="0"/>
+              </a:rPr>
+              <a:t>Lernverfahren 1</a:t>
+            </a:r>
+            <a:endParaRPr lang="de-DE" altLang="ko-KR" sz="5500" b="1" dirty="0">
+              <a:solidFill>
+                <a:schemeClr val="accent1"/>
+              </a:solidFill>
+              <a:latin typeface="CMU Serif" panose="02000803000000000000" pitchFamily="2" charset="0"/>
+              <a:ea typeface="CMU Serif" panose="02000803000000000000" pitchFamily="2" charset="0"/>
+              <a:cs typeface="CMU Serif" panose="02000803000000000000" pitchFamily="2" charset="0"/>
+            </a:endParaRPr>
+          </a:p>
+        </p:txBody>
+      </p:sp>
+      <p:sp>
+        <p:nvSpPr>
+          <p:cNvPr id="153" name="Freeform: Shape 152">
+            <a:extLst>
+              <a:ext uri="{FF2B5EF4-FFF2-40B4-BE49-F238E27FC236}">
+                <a16:creationId xmlns:a16="http://schemas.microsoft.com/office/drawing/2014/main" id="{F3B4A34E-C246-47F5-A863-109A43C0757D}"/>
+              </a:ext>
+            </a:extLst>
+          </p:cNvPr>
+          <p:cNvSpPr/>
+          <p:nvPr/>
+        </p:nvSpPr>
+        <p:spPr>
+          <a:xfrm>
+            <a:off x="673768" y="1688100"/>
+            <a:ext cx="5086770" cy="3128874"/>
+          </a:xfrm>
+          <a:custGeom>
+            <a:avLst/>
+            <a:gdLst>
+              <a:gd name="connsiteX0" fmla="*/ 5086770 w 5086770"/>
+              <a:gd name="connsiteY0" fmla="*/ 1174706 h 3128874"/>
+              <a:gd name="connsiteX1" fmla="*/ 5086770 w 5086770"/>
+              <a:gd name="connsiteY1" fmla="*/ 1184663 h 3128874"/>
+              <a:gd name="connsiteX2" fmla="*/ 5079830 w 5086770"/>
+              <a:gd name="connsiteY2" fmla="*/ 1185820 h 3128874"/>
+              <a:gd name="connsiteX3" fmla="*/ 5078289 w 5086770"/>
+              <a:gd name="connsiteY3" fmla="*/ 1182737 h 3128874"/>
+              <a:gd name="connsiteX4" fmla="*/ 5078289 w 5086770"/>
+              <a:gd name="connsiteY4" fmla="*/ 1179654 h 3128874"/>
+              <a:gd name="connsiteX5" fmla="*/ 1690658 w 5086770"/>
+              <a:gd name="connsiteY5" fmla="*/ 810655 h 3128874"/>
+              <a:gd name="connsiteX6" fmla="*/ 1349061 w 5086770"/>
+              <a:gd name="connsiteY6" fmla="*/ 1934928 h 3128874"/>
+              <a:gd name="connsiteX7" fmla="*/ 2035854 w 5086770"/>
+              <a:gd name="connsiteY7" fmla="*/ 1934928 h 3128874"/>
+              <a:gd name="connsiteX8" fmla="*/ 3765314 w 5086770"/>
+              <a:gd name="connsiteY8" fmla="*/ 0 h 3128874"/>
+              <a:gd name="connsiteX9" fmla="*/ 4465138 w 5086770"/>
+              <a:gd name="connsiteY9" fmla="*/ 0 h 3128874"/>
+              <a:gd name="connsiteX10" fmla="*/ 4675955 w 5086770"/>
+              <a:gd name="connsiteY10" fmla="*/ 0 h 3128874"/>
+              <a:gd name="connsiteX11" fmla="*/ 4659036 w 5086770"/>
+              <a:gd name="connsiteY11" fmla="*/ 34412 h 3128874"/>
+              <a:gd name="connsiteX12" fmla="*/ 4651327 w 5086770"/>
+              <a:gd name="connsiteY12" fmla="*/ 45203 h 3128874"/>
+              <a:gd name="connsiteX13" fmla="*/ 4648245 w 5086770"/>
+              <a:gd name="connsiteY13" fmla="*/ 51368 h 3128874"/>
+              <a:gd name="connsiteX14" fmla="*/ 4483319 w 5086770"/>
+              <a:gd name="connsiteY14" fmla="*/ 361184 h 3128874"/>
+              <a:gd name="connsiteX15" fmla="*/ 4480236 w 5086770"/>
+              <a:gd name="connsiteY15" fmla="*/ 373515 h 3128874"/>
+              <a:gd name="connsiteX16" fmla="*/ 4474071 w 5086770"/>
+              <a:gd name="connsiteY16" fmla="*/ 398176 h 3128874"/>
+              <a:gd name="connsiteX17" fmla="*/ 4450950 w 5086770"/>
+              <a:gd name="connsiteY17" fmla="*/ 498367 h 3128874"/>
+              <a:gd name="connsiteX18" fmla="*/ 4440161 w 5086770"/>
+              <a:gd name="connsiteY18" fmla="*/ 527652 h 3128874"/>
+              <a:gd name="connsiteX19" fmla="*/ 4441700 w 5086770"/>
+              <a:gd name="connsiteY19" fmla="*/ 539983 h 3128874"/>
+              <a:gd name="connsiteX20" fmla="*/ 4437078 w 5086770"/>
+              <a:gd name="connsiteY20" fmla="*/ 561562 h 3128874"/>
+              <a:gd name="connsiteX21" fmla="*/ 4433995 w 5086770"/>
+              <a:gd name="connsiteY21" fmla="*/ 576976 h 3128874"/>
+              <a:gd name="connsiteX22" fmla="*/ 4433994 w 5086770"/>
+              <a:gd name="connsiteY22" fmla="*/ 578519 h 3128874"/>
+              <a:gd name="connsiteX23" fmla="*/ 4413956 w 5086770"/>
+              <a:gd name="connsiteY23" fmla="*/ 797393 h 3128874"/>
+              <a:gd name="connsiteX24" fmla="*/ 4438619 w 5086770"/>
+              <a:gd name="connsiteY24" fmla="*/ 996230 h 3128874"/>
+              <a:gd name="connsiteX25" fmla="*/ 4433995 w 5086770"/>
+              <a:gd name="connsiteY25" fmla="*/ 1016268 h 3128874"/>
+              <a:gd name="connsiteX26" fmla="*/ 4435536 w 5086770"/>
+              <a:gd name="connsiteY26" fmla="*/ 1025517 h 3128874"/>
+              <a:gd name="connsiteX27" fmla="*/ 4437078 w 5086770"/>
+              <a:gd name="connsiteY27" fmla="*/ 1027057 h 3128874"/>
+              <a:gd name="connsiteX28" fmla="*/ 4432452 w 5086770"/>
+              <a:gd name="connsiteY28" fmla="*/ 1048636 h 3128874"/>
+              <a:gd name="connsiteX29" fmla="*/ 4413956 w 5086770"/>
+              <a:gd name="connsiteY29" fmla="*/ 1085630 h 3128874"/>
+              <a:gd name="connsiteX30" fmla="*/ 4196623 w 5086770"/>
+              <a:gd name="connsiteY30" fmla="*/ 1389280 h 3128874"/>
+              <a:gd name="connsiteX31" fmla="*/ 4085645 w 5086770"/>
+              <a:gd name="connsiteY31" fmla="*/ 1597365 h 3128874"/>
+              <a:gd name="connsiteX32" fmla="*/ 4216661 w 5086770"/>
+              <a:gd name="connsiteY32" fmla="*/ 1697556 h 3128874"/>
+              <a:gd name="connsiteX33" fmla="*/ 4250571 w 5086770"/>
+              <a:gd name="connsiteY33" fmla="*/ 1811617 h 3128874"/>
+              <a:gd name="connsiteX34" fmla="*/ 4173502 w 5086770"/>
+              <a:gd name="connsiteY34" fmla="*/ 1888685 h 3128874"/>
+              <a:gd name="connsiteX35" fmla="*/ 4213578 w 5086770"/>
+              <a:gd name="connsiteY35" fmla="*/ 2022784 h 3128874"/>
+              <a:gd name="connsiteX36" fmla="*/ 4347678 w 5086770"/>
+              <a:gd name="connsiteY36" fmla="*/ 2090605 h 3128874"/>
+              <a:gd name="connsiteX37" fmla="*/ 4233616 w 5086770"/>
+              <a:gd name="connsiteY37" fmla="*/ 2138388 h 3128874"/>
+              <a:gd name="connsiteX38" fmla="*/ 4227451 w 5086770"/>
+              <a:gd name="connsiteY38" fmla="*/ 2258616 h 3128874"/>
+              <a:gd name="connsiteX39" fmla="*/ 4350761 w 5086770"/>
+              <a:gd name="connsiteY39" fmla="*/ 2320270 h 3128874"/>
+              <a:gd name="connsiteX40" fmla="*/ 4333805 w 5086770"/>
+              <a:gd name="connsiteY40" fmla="*/ 2462077 h 3128874"/>
+              <a:gd name="connsiteX41" fmla="*/ 4467905 w 5086770"/>
+              <a:gd name="connsiteY41" fmla="*/ 2719486 h 3128874"/>
+              <a:gd name="connsiteX42" fmla="*/ 4800655 w 5086770"/>
+              <a:gd name="connsiteY42" fmla="*/ 2748491 h 3128874"/>
+              <a:gd name="connsiteX43" fmla="*/ 4838191 w 5086770"/>
+              <a:gd name="connsiteY43" fmla="*/ 2744074 h 3128874"/>
+              <a:gd name="connsiteX44" fmla="*/ 4863823 w 5086770"/>
+              <a:gd name="connsiteY44" fmla="*/ 2765476 h 3128874"/>
+              <a:gd name="connsiteX45" fmla="*/ 4934321 w 5086770"/>
+              <a:gd name="connsiteY45" fmla="*/ 2911083 h 3128874"/>
+              <a:gd name="connsiteX46" fmla="*/ 4964162 w 5086770"/>
+              <a:gd name="connsiteY46" fmla="*/ 3074402 h 3128874"/>
+              <a:gd name="connsiteX47" fmla="*/ 4967647 w 5086770"/>
+              <a:gd name="connsiteY47" fmla="*/ 3128874 h 3128874"/>
+              <a:gd name="connsiteX48" fmla="*/ 4465138 w 5086770"/>
+              <a:gd name="connsiteY48" fmla="*/ 3128874 h 3128874"/>
+              <a:gd name="connsiteX49" fmla="*/ 4465138 w 5086770"/>
+              <a:gd name="connsiteY49" fmla="*/ 3127460 h 3128874"/>
+              <a:gd name="connsiteX50" fmla="*/ 3765314 w 5086770"/>
+              <a:gd name="connsiteY50" fmla="*/ 3127460 h 3128874"/>
+              <a:gd name="connsiteX51" fmla="*/ 1175459 w 5086770"/>
+              <a:gd name="connsiteY51" fmla="*/ 0 h 3128874"/>
+              <a:gd name="connsiteX52" fmla="*/ 2229594 w 5086770"/>
+              <a:gd name="connsiteY52" fmla="*/ 0 h 3128874"/>
+              <a:gd name="connsiteX53" fmla="*/ 3404781 w 5086770"/>
+              <a:gd name="connsiteY53" fmla="*/ 3127460 h 3128874"/>
+              <a:gd name="connsiteX54" fmla="*/ 2392789 w 5086770"/>
+              <a:gd name="connsiteY54" fmla="*/ 3127460 h 3128874"/>
+              <a:gd name="connsiteX55" fmla="*/ 2236317 w 5086770"/>
+              <a:gd name="connsiteY55" fmla="*/ 2611186 h 3128874"/>
+              <a:gd name="connsiteX56" fmla="*/ 1139165 w 5086770"/>
+              <a:gd name="connsiteY56" fmla="*/ 2611186 h 3128874"/>
+              <a:gd name="connsiteX57" fmla="*/ 986721 w 5086770"/>
+              <a:gd name="connsiteY57" fmla="*/ 3127460 h 3128874"/>
+              <a:gd name="connsiteX58" fmla="*/ 0 w 5086770"/>
+              <a:gd name="connsiteY58" fmla="*/ 3127460 h 3128874"/>
+            </a:gdLst>
+            <a:ahLst/>
+            <a:cxnLst>
+              <a:cxn ang="0">
+                <a:pos x="connsiteX0" y="connsiteY0"/>
+              </a:cxn>
+              <a:cxn ang="0">
+                <a:pos x="connsiteX1" y="connsiteY1"/>
+              </a:cxn>
+              <a:cxn ang="0">
+                <a:pos x="connsiteX2" y="connsiteY2"/>
+              </a:cxn>
+              <a:cxn ang="0">
+                <a:pos x="connsiteX3" y="connsiteY3"/>
+              </a:cxn>
+              <a:cxn ang="0">
+                <a:pos x="connsiteX4" y="connsiteY4"/>
+              </a:cxn>
+              <a:cxn ang="0">
+                <a:pos x="connsiteX5" y="connsiteY5"/>
+              </a:cxn>
+              <a:cxn ang="0">
+                <a:pos x="connsiteX6" y="connsiteY6"/>
+              </a:cxn>
+              <a:cxn ang="0">
+                <a:pos x="connsiteX7" y="connsiteY7"/>
+              </a:cxn>
+              <a:cxn ang="0">
+                <a:pos x="connsiteX8" y="connsiteY8"/>
+              </a:cxn>
+              <a:cxn ang="0">
+                <a:pos x="connsiteX9" y="connsiteY9"/>
+              </a:cxn>
+              <a:cxn ang="0">
+                <a:pos x="connsiteX10" y="connsiteY10"/>
+              </a:cxn>
+              <a:cxn ang="0">
+                <a:pos x="connsiteX11" y="connsiteY11"/>
+              </a:cxn>
+              <a:cxn ang="0">
+                <a:pos x="connsiteX12" y="connsiteY12"/>
+              </a:cxn>
+              <a:cxn ang="0">
+                <a:pos x="connsiteX13" y="connsiteY13"/>
+              </a:cxn>
+              <a:cxn ang="0">
+                <a:pos x="connsiteX14" y="connsiteY14"/>
+              </a:cxn>
+              <a:cxn ang="0">
+                <a:pos x="connsiteX15" y="connsiteY15"/>
+              </a:cxn>
+              <a:cxn ang="0">
+                <a:pos x="connsiteX16" y="connsiteY16"/>
+              </a:cxn>
+              <a:cxn ang="0">
+                <a:pos x="connsiteX17" y="connsiteY17"/>
+              </a:cxn>
+              <a:cxn ang="0">
+                <a:pos x="connsiteX18" y="connsiteY18"/>
+              </a:cxn>
+              <a:cxn ang="0">
+                <a:pos x="connsiteX19" y="connsiteY19"/>
+              </a:cxn>
+              <a:cxn ang="0">
+                <a:pos x="connsiteX20" y="connsiteY20"/>
+              </a:cxn>
+              <a:cxn ang="0">
+                <a:pos x="connsiteX21" y="connsiteY21"/>
+              </a:cxn>
+              <a:cxn ang="0">
+                <a:pos x="connsiteX22" y="connsiteY22"/>
+              </a:cxn>
+              <a:cxn ang="0">
+                <a:pos x="connsiteX23" y="connsiteY23"/>
+              </a:cxn>
+              <a:cxn ang="0">
+                <a:pos x="connsiteX24" y="connsiteY24"/>
+              </a:cxn>
+              <a:cxn ang="0">
+                <a:pos x="connsiteX25" y="connsiteY25"/>
+              </a:cxn>
+              <a:cxn ang="0">
+                <a:pos x="connsiteX26" y="connsiteY26"/>
+              </a:cxn>
+              <a:cxn ang="0">
+                <a:pos x="connsiteX27" y="connsiteY27"/>
+              </a:cxn>
+              <a:cxn ang="0">
+                <a:pos x="connsiteX28" y="connsiteY28"/>
+              </a:cxn>
+              <a:cxn ang="0">
+                <a:pos x="connsiteX29" y="connsiteY29"/>
+              </a:cxn>
+              <a:cxn ang="0">
+                <a:pos x="connsiteX30" y="connsiteY30"/>
+              </a:cxn>
+              <a:cxn ang="0">
+                <a:pos x="connsiteX31" y="connsiteY31"/>
+              </a:cxn>
+              <a:cxn ang="0">
+                <a:pos x="connsiteX32" y="connsiteY32"/>
+              </a:cxn>
+              <a:cxn ang="0">
+                <a:pos x="connsiteX33" y="connsiteY33"/>
+              </a:cxn>
+              <a:cxn ang="0">
+                <a:pos x="connsiteX34" y="connsiteY34"/>
+              </a:cxn>
+              <a:cxn ang="0">
+                <a:pos x="connsiteX35" y="connsiteY35"/>
+              </a:cxn>
+              <a:cxn ang="0">
+                <a:pos x="connsiteX36" y="connsiteY36"/>
+              </a:cxn>
+              <a:cxn ang="0">
+                <a:pos x="connsiteX37" y="connsiteY37"/>
+              </a:cxn>
+              <a:cxn ang="0">
+                <a:pos x="connsiteX38" y="connsiteY38"/>
+              </a:cxn>
+              <a:cxn ang="0">
+                <a:pos x="connsiteX39" y="connsiteY39"/>
+              </a:cxn>
+              <a:cxn ang="0">
+                <a:pos x="connsiteX40" y="connsiteY40"/>
+              </a:cxn>
+              <a:cxn ang="0">
+                <a:pos x="connsiteX41" y="connsiteY41"/>
+              </a:cxn>
+              <a:cxn ang="0">
+                <a:pos x="connsiteX42" y="connsiteY42"/>
+              </a:cxn>
+              <a:cxn ang="0">
+                <a:pos x="connsiteX43" y="connsiteY43"/>
+              </a:cxn>
+              <a:cxn ang="0">
+                <a:pos x="connsiteX44" y="connsiteY44"/>
+              </a:cxn>
+              <a:cxn ang="0">
+                <a:pos x="connsiteX45" y="connsiteY45"/>
+              </a:cxn>
+              <a:cxn ang="0">
+                <a:pos x="connsiteX46" y="connsiteY46"/>
+              </a:cxn>
+              <a:cxn ang="0">
+                <a:pos x="connsiteX47" y="connsiteY47"/>
+              </a:cxn>
+              <a:cxn ang="0">
+                <a:pos x="connsiteX48" y="connsiteY48"/>
+              </a:cxn>
+              <a:cxn ang="0">
+                <a:pos x="connsiteX49" y="connsiteY49"/>
+              </a:cxn>
+              <a:cxn ang="0">
+                <a:pos x="connsiteX50" y="connsiteY50"/>
+              </a:cxn>
+              <a:cxn ang="0">
+                <a:pos x="connsiteX51" y="connsiteY51"/>
+              </a:cxn>
+              <a:cxn ang="0">
+                <a:pos x="connsiteX52" y="connsiteY52"/>
+              </a:cxn>
+              <a:cxn ang="0">
+                <a:pos x="connsiteX53" y="connsiteY53"/>
+              </a:cxn>
+              <a:cxn ang="0">
+                <a:pos x="connsiteX54" y="connsiteY54"/>
+              </a:cxn>
+              <a:cxn ang="0">
+                <a:pos x="connsiteX55" y="connsiteY55"/>
+              </a:cxn>
+              <a:cxn ang="0">
+                <a:pos x="connsiteX56" y="connsiteY56"/>
+              </a:cxn>
+              <a:cxn ang="0">
+                <a:pos x="connsiteX57" y="connsiteY57"/>
+              </a:cxn>
+              <a:cxn ang="0">
+                <a:pos x="connsiteX58" y="connsiteY58"/>
+              </a:cxn>
+            </a:cxnLst>
+            <a:rect l="l" t="t" r="r" b="b"/>
+            <a:pathLst>
+              <a:path w="5086770" h="3128874">
+                <a:moveTo>
+                  <a:pt x="5086770" y="1174706"/>
+                </a:moveTo>
+                <a:lnTo>
+                  <a:pt x="5086770" y="1184663"/>
+                </a:lnTo>
+                <a:lnTo>
+                  <a:pt x="5079830" y="1185820"/>
+                </a:lnTo>
+                <a:cubicBezTo>
+                  <a:pt x="5079829" y="1184277"/>
+                  <a:pt x="5078289" y="1184277"/>
+                  <a:pt x="5078289" y="1182737"/>
+                </a:cubicBezTo>
+                <a:lnTo>
+                  <a:pt x="5078289" y="1179654"/>
+                </a:lnTo>
+                <a:close/>
+                <a:moveTo>
+                  <a:pt x="1690658" y="810655"/>
+                </a:moveTo>
+                <a:lnTo>
+                  <a:pt x="1349061" y="1934928"/>
+                </a:lnTo>
+                <a:lnTo>
+                  <a:pt x="2035854" y="1934928"/>
+                </a:lnTo>
+                <a:close/>
+                <a:moveTo>
+                  <a:pt x="3765314" y="0"/>
+                </a:moveTo>
+                <a:lnTo>
+                  <a:pt x="4465138" y="0"/>
+                </a:lnTo>
+                <a:lnTo>
+                  <a:pt x="4675955" y="0"/>
+                </a:lnTo>
+                <a:lnTo>
+                  <a:pt x="4659036" y="34412"/>
+                </a:lnTo>
+                <a:cubicBezTo>
+                  <a:pt x="4655952" y="37496"/>
+                  <a:pt x="4652870" y="40578"/>
+                  <a:pt x="4651327" y="45203"/>
+                </a:cubicBezTo>
+                <a:cubicBezTo>
+                  <a:pt x="4649787" y="48285"/>
+                  <a:pt x="4649788" y="49827"/>
+                  <a:pt x="4648245" y="51368"/>
+                </a:cubicBezTo>
+                <a:cubicBezTo>
+                  <a:pt x="4632831" y="72947"/>
+                  <a:pt x="4528018" y="224002"/>
+                  <a:pt x="4483319" y="361184"/>
+                </a:cubicBezTo>
+                <a:cubicBezTo>
+                  <a:pt x="4481777" y="365808"/>
+                  <a:pt x="4480236" y="368891"/>
+                  <a:pt x="4480236" y="373515"/>
+                </a:cubicBezTo>
+                <a:cubicBezTo>
+                  <a:pt x="4478694" y="381223"/>
+                  <a:pt x="4475612" y="390471"/>
+                  <a:pt x="4474071" y="398176"/>
+                </a:cubicBezTo>
+                <a:cubicBezTo>
+                  <a:pt x="4466362" y="432087"/>
+                  <a:pt x="4458657" y="465997"/>
+                  <a:pt x="4450950" y="498367"/>
+                </a:cubicBezTo>
+                <a:cubicBezTo>
+                  <a:pt x="4444783" y="506073"/>
+                  <a:pt x="4440160" y="516863"/>
+                  <a:pt x="4440161" y="527652"/>
+                </a:cubicBezTo>
+                <a:cubicBezTo>
+                  <a:pt x="4440160" y="532277"/>
+                  <a:pt x="4440160" y="535360"/>
+                  <a:pt x="4441700" y="539983"/>
+                </a:cubicBezTo>
+                <a:cubicBezTo>
+                  <a:pt x="4440161" y="547691"/>
+                  <a:pt x="4438618" y="555397"/>
+                  <a:pt x="4437078" y="561562"/>
+                </a:cubicBezTo>
+                <a:cubicBezTo>
+                  <a:pt x="4435535" y="566187"/>
+                  <a:pt x="4433995" y="570810"/>
+                  <a:pt x="4433995" y="576976"/>
+                </a:cubicBezTo>
+                <a:cubicBezTo>
+                  <a:pt x="4433995" y="576976"/>
+                  <a:pt x="4433994" y="578519"/>
+                  <a:pt x="4433994" y="578519"/>
+                </a:cubicBezTo>
+                <a:cubicBezTo>
+                  <a:pt x="4417039" y="674083"/>
+                  <a:pt x="4407790" y="755776"/>
+                  <a:pt x="4413956" y="797393"/>
+                </a:cubicBezTo>
+                <a:cubicBezTo>
+                  <a:pt x="4421664" y="846717"/>
+                  <a:pt x="4440160" y="929951"/>
+                  <a:pt x="4438619" y="996230"/>
+                </a:cubicBezTo>
+                <a:cubicBezTo>
+                  <a:pt x="4435535" y="1002395"/>
+                  <a:pt x="4433995" y="1008560"/>
+                  <a:pt x="4433995" y="1016268"/>
+                </a:cubicBezTo>
+                <a:cubicBezTo>
+                  <a:pt x="4433995" y="1019351"/>
+                  <a:pt x="4435536" y="1022434"/>
+                  <a:pt x="4435536" y="1025517"/>
+                </a:cubicBezTo>
+                <a:cubicBezTo>
+                  <a:pt x="4435536" y="1025517"/>
+                  <a:pt x="4435535" y="1027057"/>
+                  <a:pt x="4437078" y="1027057"/>
+                </a:cubicBezTo>
+                <a:cubicBezTo>
+                  <a:pt x="4435536" y="1034764"/>
+                  <a:pt x="4433994" y="1042471"/>
+                  <a:pt x="4432452" y="1048636"/>
+                </a:cubicBezTo>
+                <a:lnTo>
+                  <a:pt x="4413956" y="1085630"/>
+                </a:lnTo>
+                <a:cubicBezTo>
+                  <a:pt x="4369257" y="1164240"/>
+                  <a:pt x="4258278" y="1339957"/>
+                  <a:pt x="4196623" y="1389280"/>
+                </a:cubicBezTo>
+                <a:cubicBezTo>
+                  <a:pt x="4128802" y="1441687"/>
+                  <a:pt x="4062523" y="1538793"/>
+                  <a:pt x="4085645" y="1597365"/>
+                </a:cubicBezTo>
+                <a:cubicBezTo>
+                  <a:pt x="4119555" y="1660562"/>
+                  <a:pt x="4181210" y="1688307"/>
+                  <a:pt x="4216661" y="1697556"/>
+                </a:cubicBezTo>
+                <a:cubicBezTo>
+                  <a:pt x="4252112" y="1706804"/>
+                  <a:pt x="4275233" y="1779247"/>
+                  <a:pt x="4250571" y="1811617"/>
+                </a:cubicBezTo>
+                <a:cubicBezTo>
+                  <a:pt x="4225909" y="1843985"/>
+                  <a:pt x="4187375" y="1853233"/>
+                  <a:pt x="4173502" y="1888685"/>
+                </a:cubicBezTo>
+                <a:cubicBezTo>
+                  <a:pt x="4159630" y="1924137"/>
+                  <a:pt x="4153465" y="1998123"/>
+                  <a:pt x="4213578" y="2022784"/>
+                </a:cubicBezTo>
+                <a:cubicBezTo>
+                  <a:pt x="4259818" y="2041281"/>
+                  <a:pt x="4349219" y="2081356"/>
+                  <a:pt x="4347678" y="2090605"/>
+                </a:cubicBezTo>
+                <a:cubicBezTo>
+                  <a:pt x="4346136" y="2099853"/>
+                  <a:pt x="4250570" y="2107561"/>
+                  <a:pt x="4233616" y="2138388"/>
+                </a:cubicBezTo>
+                <a:cubicBezTo>
+                  <a:pt x="4216660" y="2169216"/>
+                  <a:pt x="4204330" y="2220080"/>
+                  <a:pt x="4227451" y="2258616"/>
+                </a:cubicBezTo>
+                <a:cubicBezTo>
+                  <a:pt x="4250571" y="2297149"/>
+                  <a:pt x="4332264" y="2292526"/>
+                  <a:pt x="4350761" y="2320270"/>
+                </a:cubicBezTo>
+                <a:cubicBezTo>
+                  <a:pt x="4381588" y="2371135"/>
+                  <a:pt x="4358466" y="2378843"/>
+                  <a:pt x="4333805" y="2462077"/>
+                </a:cubicBezTo>
+                <a:cubicBezTo>
+                  <a:pt x="4306060" y="2551476"/>
+                  <a:pt x="4302977" y="2650125"/>
+                  <a:pt x="4467905" y="2719486"/>
+                </a:cubicBezTo>
+                <a:cubicBezTo>
+                  <a:pt x="4562314" y="2758983"/>
+                  <a:pt x="4694054" y="2758743"/>
+                  <a:pt x="4800655" y="2748491"/>
+                </a:cubicBezTo>
+                <a:lnTo>
+                  <a:pt x="4838191" y="2744074"/>
+                </a:lnTo>
+                <a:lnTo>
+                  <a:pt x="4863823" y="2765476"/>
+                </a:lnTo>
+                <a:cubicBezTo>
+                  <a:pt x="4895578" y="2799449"/>
+                  <a:pt x="4917344" y="2847230"/>
+                  <a:pt x="4934321" y="2911083"/>
+                </a:cubicBezTo>
+                <a:cubicBezTo>
+                  <a:pt x="4945640" y="2953651"/>
+                  <a:pt x="4957371" y="3013267"/>
+                  <a:pt x="4964162" y="3074402"/>
+                </a:cubicBezTo>
+                <a:lnTo>
+                  <a:pt x="4967647" y="3128874"/>
+                </a:lnTo>
+                <a:lnTo>
+                  <a:pt x="4465138" y="3128874"/>
+                </a:lnTo>
+                <a:lnTo>
+                  <a:pt x="4465138" y="3127460"/>
+                </a:lnTo>
+                <a:lnTo>
+                  <a:pt x="3765314" y="3127460"/>
+                </a:lnTo>
+                <a:close/>
+                <a:moveTo>
+                  <a:pt x="1175459" y="0"/>
+                </a:moveTo>
+                <a:lnTo>
+                  <a:pt x="2229594" y="0"/>
+                </a:lnTo>
+                <a:lnTo>
+                  <a:pt x="3404781" y="3127460"/>
+                </a:lnTo>
+                <a:lnTo>
+                  <a:pt x="2392789" y="3127460"/>
+                </a:lnTo>
+                <a:lnTo>
+                  <a:pt x="2236317" y="2611186"/>
+                </a:lnTo>
+                <a:lnTo>
+                  <a:pt x="1139165" y="2611186"/>
+                </a:lnTo>
+                <a:lnTo>
+                  <a:pt x="986721" y="3127460"/>
+                </a:lnTo>
+                <a:lnTo>
+                  <a:pt x="0" y="3127460"/>
+                </a:lnTo>
+                <a:close/>
+              </a:path>
+            </a:pathLst>
+          </a:custGeom>
+          <a:solidFill>
+            <a:srgbClr val="002060"/>
+          </a:solidFill>
+          <a:ln>
+            <a:noFill/>
+          </a:ln>
+        </p:spPr>
+        <p:style>
+          <a:lnRef idx="2">
+            <a:schemeClr val="accent1">
+              <a:shade val="50000"/>
+            </a:schemeClr>
+          </a:lnRef>
+          <a:fillRef idx="1">
+            <a:schemeClr val="accent1"/>
+          </a:fillRef>
+          <a:effectRef idx="0">
+            <a:schemeClr val="accent1"/>
+          </a:effectRef>
+          <a:fontRef idx="minor">
+            <a:schemeClr val="lt1"/>
+          </a:fontRef>
+        </p:style>
+        <p:txBody>
+          <a:bodyPr rtlCol="0" anchor="ctr"/>
+          <a:lstStyle/>
+          <a:p>
+            <a:pPr algn="ctr"/>
+            <a:endParaRPr lang="en-US"/>
+          </a:p>
+        </p:txBody>
+      </p:sp>
+      <p:sp>
+        <p:nvSpPr>
+          <p:cNvPr id="2" name="Rechteck 1">
+            <a:extLst>
+              <a:ext uri="{FF2B5EF4-FFF2-40B4-BE49-F238E27FC236}">
+                <a16:creationId xmlns:a16="http://schemas.microsoft.com/office/drawing/2014/main" id="{96AA9A24-87CF-4FD9-A062-3E8FD5FCE155}"/>
+              </a:ext>
+            </a:extLst>
+          </p:cNvPr>
+          <p:cNvSpPr/>
+          <p:nvPr/>
+        </p:nvSpPr>
+        <p:spPr>
+          <a:xfrm>
+            <a:off x="-39394" y="6497053"/>
+            <a:ext cx="12270787" cy="425115"/>
+          </a:xfrm>
+          <a:prstGeom prst="rect">
+            <a:avLst/>
+          </a:prstGeom>
+          <a:solidFill>
+            <a:srgbClr val="AA313F"/>
+          </a:solidFill>
+          <a:ln>
+            <a:noFill/>
+          </a:ln>
+        </p:spPr>
+        <p:style>
+          <a:lnRef idx="2">
+            <a:schemeClr val="accent1">
+              <a:shade val="50000"/>
+            </a:schemeClr>
+          </a:lnRef>
+          <a:fillRef idx="1">
+            <a:schemeClr val="accent1"/>
+          </a:fillRef>
+          <a:effectRef idx="0">
+            <a:schemeClr val="accent1"/>
+          </a:effectRef>
+          <a:fontRef idx="minor">
+            <a:schemeClr val="lt1"/>
+          </a:fontRef>
+        </p:style>
+        <p:txBody>
+          <a:bodyPr rtlCol="0" anchor="ctr"/>
+          <a:lstStyle/>
+          <a:p>
+            <a:pPr algn="ctr"/>
+            <a:endParaRPr lang="de-DE"/>
+          </a:p>
+        </p:txBody>
+      </p:sp>
+    </p:spTree>
+    <p:extLst>
+      <p:ext uri="{BB962C8B-B14F-4D97-AF65-F5344CB8AC3E}">
+        <p14:creationId xmlns:p14="http://schemas.microsoft.com/office/powerpoint/2010/main" val="1968519819"/>
+      </p:ext>
+    </p:extLst>
+  </p:cSld>
+  <p:clrMapOvr>
+    <a:masterClrMapping/>
+  </p:clrMapOvr>
+</p:sld>
+</file>
+
+<file path=ppt/slides/slide7.xml><?xml version="1.0" encoding="utf-8"?>
+<p:sld xmlns:a="http://schemas.openxmlformats.org/drawingml/2006/main" xmlns:r="http://schemas.openxmlformats.org/officeDocument/2006/relationships" xmlns:p="http://schemas.openxmlformats.org/presentationml/2006/main">
+  <p:cSld>
+    <p:spTree>
+      <p:nvGrpSpPr>
+        <p:cNvPr id="1" name=""/>
+        <p:cNvGrpSpPr/>
+        <p:nvPr/>
+      </p:nvGrpSpPr>
+      <p:grpSpPr>
+        <a:xfrm>
+          <a:off x="0" y="0"/>
+          <a:ext cx="0" cy="0"/>
+          <a:chOff x="0" y="0"/>
+          <a:chExt cx="0" cy="0"/>
+        </a:xfrm>
+      </p:grpSpPr>
+      <p:sp>
+        <p:nvSpPr>
+          <p:cNvPr id="4" name="TextBox 3">
+            <a:extLst>
+              <a:ext uri="{FF2B5EF4-FFF2-40B4-BE49-F238E27FC236}">
+                <a16:creationId xmlns:a16="http://schemas.microsoft.com/office/drawing/2014/main" id="{948A2979-A456-4286-B8FC-8FF4C0C58EFD}"/>
+              </a:ext>
+            </a:extLst>
+          </p:cNvPr>
+          <p:cNvSpPr txBox="1"/>
+          <p:nvPr/>
+        </p:nvSpPr>
+        <p:spPr>
+          <a:xfrm>
+            <a:off x="5686926" y="2623010"/>
+            <a:ext cx="6328611" cy="1611980"/>
+          </a:xfrm>
+          <a:prstGeom prst="rect">
+            <a:avLst/>
+          </a:prstGeom>
+          <a:noFill/>
+        </p:spPr>
+        <p:txBody>
+          <a:bodyPr wrap="square" rtlCol="0" anchor="ctr">
+            <a:spAutoFit/>
+          </a:bodyPr>
+          <a:lstStyle/>
+          <a:p>
+            <a:pPr algn="ctr">
+              <a:lnSpc>
+                <a:spcPts val="5400"/>
+              </a:lnSpc>
+              <a:spcAft>
+                <a:spcPts val="600"/>
+              </a:spcAft>
+            </a:pPr>
+            <a:r>
+              <a:rPr lang="de-DE" altLang="ko-KR" sz="5500" b="1" dirty="0">
+                <a:solidFill>
+                  <a:srgbClr val="002060"/>
+                </a:solidFill>
+                <a:latin typeface="CMU Serif" panose="02000803000000000000" pitchFamily="2" charset="0"/>
+                <a:ea typeface="CMU Serif" panose="02000803000000000000" pitchFamily="2" charset="0"/>
+                <a:cs typeface="CMU Serif" panose="02000803000000000000" pitchFamily="2" charset="0"/>
+              </a:rPr>
+              <a:t>3. Maschinelles </a:t>
+            </a:r>
+          </a:p>
+          <a:p>
+            <a:pPr algn="ctr">
+              <a:lnSpc>
+                <a:spcPts val="5400"/>
+              </a:lnSpc>
+              <a:spcAft>
+                <a:spcPts val="600"/>
+              </a:spcAft>
+            </a:pPr>
+            <a:r>
+              <a:rPr lang="de-DE" altLang="ko-KR" sz="5500" b="1" dirty="0">
+                <a:solidFill>
+                  <a:srgbClr val="002060"/>
+                </a:solidFill>
+                <a:latin typeface="CMU Serif" panose="02000803000000000000" pitchFamily="2" charset="0"/>
+                <a:ea typeface="CMU Serif" panose="02000803000000000000" pitchFamily="2" charset="0"/>
+                <a:cs typeface="CMU Serif" panose="02000803000000000000" pitchFamily="2" charset="0"/>
+              </a:rPr>
+              <a:t>Lernverfahren 2</a:t>
+            </a:r>
+            <a:endParaRPr lang="de-DE" altLang="ko-KR" sz="5500" b="1" dirty="0">
+              <a:solidFill>
+                <a:schemeClr val="accent1"/>
+              </a:solidFill>
+              <a:latin typeface="CMU Serif" panose="02000803000000000000" pitchFamily="2" charset="0"/>
+              <a:ea typeface="CMU Serif" panose="02000803000000000000" pitchFamily="2" charset="0"/>
+              <a:cs typeface="CMU Serif" panose="02000803000000000000" pitchFamily="2" charset="0"/>
+            </a:endParaRPr>
+          </a:p>
+        </p:txBody>
+      </p:sp>
+      <p:sp>
+        <p:nvSpPr>
+          <p:cNvPr id="153" name="Freeform: Shape 152">
+            <a:extLst>
+              <a:ext uri="{FF2B5EF4-FFF2-40B4-BE49-F238E27FC236}">
+                <a16:creationId xmlns:a16="http://schemas.microsoft.com/office/drawing/2014/main" id="{F3B4A34E-C246-47F5-A863-109A43C0757D}"/>
+              </a:ext>
+            </a:extLst>
+          </p:cNvPr>
+          <p:cNvSpPr/>
+          <p:nvPr/>
+        </p:nvSpPr>
+        <p:spPr>
+          <a:xfrm>
+            <a:off x="673768" y="1688100"/>
+            <a:ext cx="5086770" cy="3128874"/>
+          </a:xfrm>
+          <a:custGeom>
+            <a:avLst/>
+            <a:gdLst>
+              <a:gd name="connsiteX0" fmla="*/ 5086770 w 5086770"/>
+              <a:gd name="connsiteY0" fmla="*/ 1174706 h 3128874"/>
+              <a:gd name="connsiteX1" fmla="*/ 5086770 w 5086770"/>
+              <a:gd name="connsiteY1" fmla="*/ 1184663 h 3128874"/>
+              <a:gd name="connsiteX2" fmla="*/ 5079830 w 5086770"/>
+              <a:gd name="connsiteY2" fmla="*/ 1185820 h 3128874"/>
+              <a:gd name="connsiteX3" fmla="*/ 5078289 w 5086770"/>
+              <a:gd name="connsiteY3" fmla="*/ 1182737 h 3128874"/>
+              <a:gd name="connsiteX4" fmla="*/ 5078289 w 5086770"/>
+              <a:gd name="connsiteY4" fmla="*/ 1179654 h 3128874"/>
+              <a:gd name="connsiteX5" fmla="*/ 1690658 w 5086770"/>
+              <a:gd name="connsiteY5" fmla="*/ 810655 h 3128874"/>
+              <a:gd name="connsiteX6" fmla="*/ 1349061 w 5086770"/>
+              <a:gd name="connsiteY6" fmla="*/ 1934928 h 3128874"/>
+              <a:gd name="connsiteX7" fmla="*/ 2035854 w 5086770"/>
+              <a:gd name="connsiteY7" fmla="*/ 1934928 h 3128874"/>
+              <a:gd name="connsiteX8" fmla="*/ 3765314 w 5086770"/>
+              <a:gd name="connsiteY8" fmla="*/ 0 h 3128874"/>
+              <a:gd name="connsiteX9" fmla="*/ 4465138 w 5086770"/>
+              <a:gd name="connsiteY9" fmla="*/ 0 h 3128874"/>
+              <a:gd name="connsiteX10" fmla="*/ 4675955 w 5086770"/>
+              <a:gd name="connsiteY10" fmla="*/ 0 h 3128874"/>
+              <a:gd name="connsiteX11" fmla="*/ 4659036 w 5086770"/>
+              <a:gd name="connsiteY11" fmla="*/ 34412 h 3128874"/>
+              <a:gd name="connsiteX12" fmla="*/ 4651327 w 5086770"/>
+              <a:gd name="connsiteY12" fmla="*/ 45203 h 3128874"/>
+              <a:gd name="connsiteX13" fmla="*/ 4648245 w 5086770"/>
+              <a:gd name="connsiteY13" fmla="*/ 51368 h 3128874"/>
+              <a:gd name="connsiteX14" fmla="*/ 4483319 w 5086770"/>
+              <a:gd name="connsiteY14" fmla="*/ 361184 h 3128874"/>
+              <a:gd name="connsiteX15" fmla="*/ 4480236 w 5086770"/>
+              <a:gd name="connsiteY15" fmla="*/ 373515 h 3128874"/>
+              <a:gd name="connsiteX16" fmla="*/ 4474071 w 5086770"/>
+              <a:gd name="connsiteY16" fmla="*/ 398176 h 3128874"/>
+              <a:gd name="connsiteX17" fmla="*/ 4450950 w 5086770"/>
+              <a:gd name="connsiteY17" fmla="*/ 498367 h 3128874"/>
+              <a:gd name="connsiteX18" fmla="*/ 4440161 w 5086770"/>
+              <a:gd name="connsiteY18" fmla="*/ 527652 h 3128874"/>
+              <a:gd name="connsiteX19" fmla="*/ 4441700 w 5086770"/>
+              <a:gd name="connsiteY19" fmla="*/ 539983 h 3128874"/>
+              <a:gd name="connsiteX20" fmla="*/ 4437078 w 5086770"/>
+              <a:gd name="connsiteY20" fmla="*/ 561562 h 3128874"/>
+              <a:gd name="connsiteX21" fmla="*/ 4433995 w 5086770"/>
+              <a:gd name="connsiteY21" fmla="*/ 576976 h 3128874"/>
+              <a:gd name="connsiteX22" fmla="*/ 4433994 w 5086770"/>
+              <a:gd name="connsiteY22" fmla="*/ 578519 h 3128874"/>
+              <a:gd name="connsiteX23" fmla="*/ 4413956 w 5086770"/>
+              <a:gd name="connsiteY23" fmla="*/ 797393 h 3128874"/>
+              <a:gd name="connsiteX24" fmla="*/ 4438619 w 5086770"/>
+              <a:gd name="connsiteY24" fmla="*/ 996230 h 3128874"/>
+              <a:gd name="connsiteX25" fmla="*/ 4433995 w 5086770"/>
+              <a:gd name="connsiteY25" fmla="*/ 1016268 h 3128874"/>
+              <a:gd name="connsiteX26" fmla="*/ 4435536 w 5086770"/>
+              <a:gd name="connsiteY26" fmla="*/ 1025517 h 3128874"/>
+              <a:gd name="connsiteX27" fmla="*/ 4437078 w 5086770"/>
+              <a:gd name="connsiteY27" fmla="*/ 1027057 h 3128874"/>
+              <a:gd name="connsiteX28" fmla="*/ 4432452 w 5086770"/>
+              <a:gd name="connsiteY28" fmla="*/ 1048636 h 3128874"/>
+              <a:gd name="connsiteX29" fmla="*/ 4413956 w 5086770"/>
+              <a:gd name="connsiteY29" fmla="*/ 1085630 h 3128874"/>
+              <a:gd name="connsiteX30" fmla="*/ 4196623 w 5086770"/>
+              <a:gd name="connsiteY30" fmla="*/ 1389280 h 3128874"/>
+              <a:gd name="connsiteX31" fmla="*/ 4085645 w 5086770"/>
+              <a:gd name="connsiteY31" fmla="*/ 1597365 h 3128874"/>
+              <a:gd name="connsiteX32" fmla="*/ 4216661 w 5086770"/>
+              <a:gd name="connsiteY32" fmla="*/ 1697556 h 3128874"/>
+              <a:gd name="connsiteX33" fmla="*/ 4250571 w 5086770"/>
+              <a:gd name="connsiteY33" fmla="*/ 1811617 h 3128874"/>
+              <a:gd name="connsiteX34" fmla="*/ 4173502 w 5086770"/>
+              <a:gd name="connsiteY34" fmla="*/ 1888685 h 3128874"/>
+              <a:gd name="connsiteX35" fmla="*/ 4213578 w 5086770"/>
+              <a:gd name="connsiteY35" fmla="*/ 2022784 h 3128874"/>
+              <a:gd name="connsiteX36" fmla="*/ 4347678 w 5086770"/>
+              <a:gd name="connsiteY36" fmla="*/ 2090605 h 3128874"/>
+              <a:gd name="connsiteX37" fmla="*/ 4233616 w 5086770"/>
+              <a:gd name="connsiteY37" fmla="*/ 2138388 h 3128874"/>
+              <a:gd name="connsiteX38" fmla="*/ 4227451 w 5086770"/>
+              <a:gd name="connsiteY38" fmla="*/ 2258616 h 3128874"/>
+              <a:gd name="connsiteX39" fmla="*/ 4350761 w 5086770"/>
+              <a:gd name="connsiteY39" fmla="*/ 2320270 h 3128874"/>
+              <a:gd name="connsiteX40" fmla="*/ 4333805 w 5086770"/>
+              <a:gd name="connsiteY40" fmla="*/ 2462077 h 3128874"/>
+              <a:gd name="connsiteX41" fmla="*/ 4467905 w 5086770"/>
+              <a:gd name="connsiteY41" fmla="*/ 2719486 h 3128874"/>
+              <a:gd name="connsiteX42" fmla="*/ 4800655 w 5086770"/>
+              <a:gd name="connsiteY42" fmla="*/ 2748491 h 3128874"/>
+              <a:gd name="connsiteX43" fmla="*/ 4838191 w 5086770"/>
+              <a:gd name="connsiteY43" fmla="*/ 2744074 h 3128874"/>
+              <a:gd name="connsiteX44" fmla="*/ 4863823 w 5086770"/>
+              <a:gd name="connsiteY44" fmla="*/ 2765476 h 3128874"/>
+              <a:gd name="connsiteX45" fmla="*/ 4934321 w 5086770"/>
+              <a:gd name="connsiteY45" fmla="*/ 2911083 h 3128874"/>
+              <a:gd name="connsiteX46" fmla="*/ 4964162 w 5086770"/>
+              <a:gd name="connsiteY46" fmla="*/ 3074402 h 3128874"/>
+              <a:gd name="connsiteX47" fmla="*/ 4967647 w 5086770"/>
+              <a:gd name="connsiteY47" fmla="*/ 3128874 h 3128874"/>
+              <a:gd name="connsiteX48" fmla="*/ 4465138 w 5086770"/>
+              <a:gd name="connsiteY48" fmla="*/ 3128874 h 3128874"/>
+              <a:gd name="connsiteX49" fmla="*/ 4465138 w 5086770"/>
+              <a:gd name="connsiteY49" fmla="*/ 3127460 h 3128874"/>
+              <a:gd name="connsiteX50" fmla="*/ 3765314 w 5086770"/>
+              <a:gd name="connsiteY50" fmla="*/ 3127460 h 3128874"/>
+              <a:gd name="connsiteX51" fmla="*/ 1175459 w 5086770"/>
+              <a:gd name="connsiteY51" fmla="*/ 0 h 3128874"/>
+              <a:gd name="connsiteX52" fmla="*/ 2229594 w 5086770"/>
+              <a:gd name="connsiteY52" fmla="*/ 0 h 3128874"/>
+              <a:gd name="connsiteX53" fmla="*/ 3404781 w 5086770"/>
+              <a:gd name="connsiteY53" fmla="*/ 3127460 h 3128874"/>
+              <a:gd name="connsiteX54" fmla="*/ 2392789 w 5086770"/>
+              <a:gd name="connsiteY54" fmla="*/ 3127460 h 3128874"/>
+              <a:gd name="connsiteX55" fmla="*/ 2236317 w 5086770"/>
+              <a:gd name="connsiteY55" fmla="*/ 2611186 h 3128874"/>
+              <a:gd name="connsiteX56" fmla="*/ 1139165 w 5086770"/>
+              <a:gd name="connsiteY56" fmla="*/ 2611186 h 3128874"/>
+              <a:gd name="connsiteX57" fmla="*/ 986721 w 5086770"/>
+              <a:gd name="connsiteY57" fmla="*/ 3127460 h 3128874"/>
+              <a:gd name="connsiteX58" fmla="*/ 0 w 5086770"/>
+              <a:gd name="connsiteY58" fmla="*/ 3127460 h 3128874"/>
+            </a:gdLst>
+            <a:ahLst/>
+            <a:cxnLst>
+              <a:cxn ang="0">
+                <a:pos x="connsiteX0" y="connsiteY0"/>
+              </a:cxn>
+              <a:cxn ang="0">
+                <a:pos x="connsiteX1" y="connsiteY1"/>
+              </a:cxn>
+              <a:cxn ang="0">
+                <a:pos x="connsiteX2" y="connsiteY2"/>
+              </a:cxn>
+              <a:cxn ang="0">
+                <a:pos x="connsiteX3" y="connsiteY3"/>
+              </a:cxn>
+              <a:cxn ang="0">
+                <a:pos x="connsiteX4" y="connsiteY4"/>
+              </a:cxn>
+              <a:cxn ang="0">
+                <a:pos x="connsiteX5" y="connsiteY5"/>
+              </a:cxn>
+              <a:cxn ang="0">
+                <a:pos x="connsiteX6" y="connsiteY6"/>
+              </a:cxn>
+              <a:cxn ang="0">
+                <a:pos x="connsiteX7" y="connsiteY7"/>
+              </a:cxn>
+              <a:cxn ang="0">
+                <a:pos x="connsiteX8" y="connsiteY8"/>
+              </a:cxn>
+              <a:cxn ang="0">
+                <a:pos x="connsiteX9" y="connsiteY9"/>
+              </a:cxn>
+              <a:cxn ang="0">
+                <a:pos x="connsiteX10" y="connsiteY10"/>
+              </a:cxn>
+              <a:cxn ang="0">
+                <a:pos x="connsiteX11" y="connsiteY11"/>
+              </a:cxn>
+              <a:cxn ang="0">
+                <a:pos x="connsiteX12" y="connsiteY12"/>
+              </a:cxn>
+              <a:cxn ang="0">
+                <a:pos x="connsiteX13" y="connsiteY13"/>
+              </a:cxn>
+              <a:cxn ang="0">
+                <a:pos x="connsiteX14" y="connsiteY14"/>
+              </a:cxn>
+              <a:cxn ang="0">
+                <a:pos x="connsiteX15" y="connsiteY15"/>
+              </a:cxn>
+              <a:cxn ang="0">
+                <a:pos x="connsiteX16" y="connsiteY16"/>
+              </a:cxn>
+              <a:cxn ang="0">
+                <a:pos x="connsiteX17" y="connsiteY17"/>
+              </a:cxn>
+              <a:cxn ang="0">
+                <a:pos x="connsiteX18" y="connsiteY18"/>
+              </a:cxn>
+              <a:cxn ang="0">
+                <a:pos x="connsiteX19" y="connsiteY19"/>
+              </a:cxn>
+              <a:cxn ang="0">
+                <a:pos x="connsiteX20" y="connsiteY20"/>
+              </a:cxn>
+              <a:cxn ang="0">
+                <a:pos x="connsiteX21" y="connsiteY21"/>
+              </a:cxn>
+              <a:cxn ang="0">
+                <a:pos x="connsiteX22" y="connsiteY22"/>
+              </a:cxn>
+              <a:cxn ang="0">
+                <a:pos x="connsiteX23" y="connsiteY23"/>
+              </a:cxn>
+              <a:cxn ang="0">
+                <a:pos x="connsiteX24" y="connsiteY24"/>
+              </a:cxn>
+              <a:cxn ang="0">
+                <a:pos x="connsiteX25" y="connsiteY25"/>
+              </a:cxn>
+              <a:cxn ang="0">
+                <a:pos x="connsiteX26" y="connsiteY26"/>
+              </a:cxn>
+              <a:cxn ang="0">
+                <a:pos x="connsiteX27" y="connsiteY27"/>
+              </a:cxn>
+              <a:cxn ang="0">
+                <a:pos x="connsiteX28" y="connsiteY28"/>
+              </a:cxn>
+              <a:cxn ang="0">
+                <a:pos x="connsiteX29" y="connsiteY29"/>
+              </a:cxn>
+              <a:cxn ang="0">
+                <a:pos x="connsiteX30" y="connsiteY30"/>
+              </a:cxn>
+              <a:cxn ang="0">
+                <a:pos x="connsiteX31" y="connsiteY31"/>
+              </a:cxn>
+              <a:cxn ang="0">
+                <a:pos x="connsiteX32" y="connsiteY32"/>
+              </a:cxn>
+              <a:cxn ang="0">
+                <a:pos x="connsiteX33" y="connsiteY33"/>
+              </a:cxn>
+              <a:cxn ang="0">
+                <a:pos x="connsiteX34" y="connsiteY34"/>
+              </a:cxn>
+              <a:cxn ang="0">
+                <a:pos x="connsiteX35" y="connsiteY35"/>
+              </a:cxn>
+              <a:cxn ang="0">
+                <a:pos x="connsiteX36" y="connsiteY36"/>
+              </a:cxn>
+              <a:cxn ang="0">
+                <a:pos x="connsiteX37" y="connsiteY37"/>
+              </a:cxn>
+              <a:cxn ang="0">
+                <a:pos x="connsiteX38" y="connsiteY38"/>
+              </a:cxn>
+              <a:cxn ang="0">
+                <a:pos x="connsiteX39" y="connsiteY39"/>
+              </a:cxn>
+              <a:cxn ang="0">
+                <a:pos x="connsiteX40" y="connsiteY40"/>
+              </a:cxn>
+              <a:cxn ang="0">
+                <a:pos x="connsiteX41" y="connsiteY41"/>
+              </a:cxn>
+              <a:cxn ang="0">
+                <a:pos x="connsiteX42" y="connsiteY42"/>
+              </a:cxn>
+              <a:cxn ang="0">
+                <a:pos x="connsiteX43" y="connsiteY43"/>
+              </a:cxn>
+              <a:cxn ang="0">
+                <a:pos x="connsiteX44" y="connsiteY44"/>
+              </a:cxn>
+              <a:cxn ang="0">
+                <a:pos x="connsiteX45" y="connsiteY45"/>
+              </a:cxn>
+              <a:cxn ang="0">
+                <a:pos x="connsiteX46" y="connsiteY46"/>
+              </a:cxn>
+              <a:cxn ang="0">
+                <a:pos x="connsiteX47" y="connsiteY47"/>
+              </a:cxn>
+              <a:cxn ang="0">
+                <a:pos x="connsiteX48" y="connsiteY48"/>
+              </a:cxn>
+              <a:cxn ang="0">
+                <a:pos x="connsiteX49" y="connsiteY49"/>
+              </a:cxn>
+              <a:cxn ang="0">
+                <a:pos x="connsiteX50" y="connsiteY50"/>
+              </a:cxn>
+              <a:cxn ang="0">
+                <a:pos x="connsiteX51" y="connsiteY51"/>
+              </a:cxn>
+              <a:cxn ang="0">
+                <a:pos x="connsiteX52" y="connsiteY52"/>
+              </a:cxn>
+              <a:cxn ang="0">
+                <a:pos x="connsiteX53" y="connsiteY53"/>
+              </a:cxn>
+              <a:cxn ang="0">
+                <a:pos x="connsiteX54" y="connsiteY54"/>
+              </a:cxn>
+              <a:cxn ang="0">
+                <a:pos x="connsiteX55" y="connsiteY55"/>
+              </a:cxn>
+              <a:cxn ang="0">
+                <a:pos x="connsiteX56" y="connsiteY56"/>
+              </a:cxn>
+              <a:cxn ang="0">
+                <a:pos x="connsiteX57" y="connsiteY57"/>
+              </a:cxn>
+              <a:cxn ang="0">
+                <a:pos x="connsiteX58" y="connsiteY58"/>
+              </a:cxn>
+            </a:cxnLst>
+            <a:rect l="l" t="t" r="r" b="b"/>
+            <a:pathLst>
+              <a:path w="5086770" h="3128874">
+                <a:moveTo>
+                  <a:pt x="5086770" y="1174706"/>
+                </a:moveTo>
+                <a:lnTo>
+                  <a:pt x="5086770" y="1184663"/>
+                </a:lnTo>
+                <a:lnTo>
+                  <a:pt x="5079830" y="1185820"/>
+                </a:lnTo>
+                <a:cubicBezTo>
+                  <a:pt x="5079829" y="1184277"/>
+                  <a:pt x="5078289" y="1184277"/>
+                  <a:pt x="5078289" y="1182737"/>
+                </a:cubicBezTo>
+                <a:lnTo>
+                  <a:pt x="5078289" y="1179654"/>
+                </a:lnTo>
+                <a:close/>
+                <a:moveTo>
+                  <a:pt x="1690658" y="810655"/>
+                </a:moveTo>
+                <a:lnTo>
+                  <a:pt x="1349061" y="1934928"/>
+                </a:lnTo>
+                <a:lnTo>
+                  <a:pt x="2035854" y="1934928"/>
+                </a:lnTo>
+                <a:close/>
+                <a:moveTo>
+                  <a:pt x="3765314" y="0"/>
+                </a:moveTo>
+                <a:lnTo>
+                  <a:pt x="4465138" y="0"/>
+                </a:lnTo>
+                <a:lnTo>
+                  <a:pt x="4675955" y="0"/>
+                </a:lnTo>
+                <a:lnTo>
+                  <a:pt x="4659036" y="34412"/>
+                </a:lnTo>
+                <a:cubicBezTo>
+                  <a:pt x="4655952" y="37496"/>
+                  <a:pt x="4652870" y="40578"/>
+                  <a:pt x="4651327" y="45203"/>
+                </a:cubicBezTo>
+                <a:cubicBezTo>
+                  <a:pt x="4649787" y="48285"/>
+                  <a:pt x="4649788" y="49827"/>
+                  <a:pt x="4648245" y="51368"/>
+                </a:cubicBezTo>
+                <a:cubicBezTo>
+                  <a:pt x="4632831" y="72947"/>
+                  <a:pt x="4528018" y="224002"/>
+                  <a:pt x="4483319" y="361184"/>
+                </a:cubicBezTo>
+                <a:cubicBezTo>
+                  <a:pt x="4481777" y="365808"/>
+                  <a:pt x="4480236" y="368891"/>
+                  <a:pt x="4480236" y="373515"/>
+                </a:cubicBezTo>
+                <a:cubicBezTo>
+                  <a:pt x="4478694" y="381223"/>
+                  <a:pt x="4475612" y="390471"/>
+                  <a:pt x="4474071" y="398176"/>
+                </a:cubicBezTo>
+                <a:cubicBezTo>
+                  <a:pt x="4466362" y="432087"/>
+                  <a:pt x="4458657" y="465997"/>
+                  <a:pt x="4450950" y="498367"/>
+                </a:cubicBezTo>
+                <a:cubicBezTo>
+                  <a:pt x="4444783" y="506073"/>
+                  <a:pt x="4440160" y="516863"/>
+                  <a:pt x="4440161" y="527652"/>
+                </a:cubicBezTo>
+                <a:cubicBezTo>
+                  <a:pt x="4440160" y="532277"/>
+                  <a:pt x="4440160" y="535360"/>
+                  <a:pt x="4441700" y="539983"/>
+                </a:cubicBezTo>
+                <a:cubicBezTo>
+                  <a:pt x="4440161" y="547691"/>
+                  <a:pt x="4438618" y="555397"/>
+                  <a:pt x="4437078" y="561562"/>
+                </a:cubicBezTo>
+                <a:cubicBezTo>
+                  <a:pt x="4435535" y="566187"/>
+                  <a:pt x="4433995" y="570810"/>
+                  <a:pt x="4433995" y="576976"/>
+                </a:cubicBezTo>
+                <a:cubicBezTo>
+                  <a:pt x="4433995" y="576976"/>
+                  <a:pt x="4433994" y="578519"/>
+                  <a:pt x="4433994" y="578519"/>
+                </a:cubicBezTo>
+                <a:cubicBezTo>
+                  <a:pt x="4417039" y="674083"/>
+                  <a:pt x="4407790" y="755776"/>
+                  <a:pt x="4413956" y="797393"/>
+                </a:cubicBezTo>
+                <a:cubicBezTo>
+                  <a:pt x="4421664" y="846717"/>
+                  <a:pt x="4440160" y="929951"/>
+                  <a:pt x="4438619" y="996230"/>
+                </a:cubicBezTo>
+                <a:cubicBezTo>
+                  <a:pt x="4435535" y="1002395"/>
+                  <a:pt x="4433995" y="1008560"/>
+                  <a:pt x="4433995" y="1016268"/>
+                </a:cubicBezTo>
+                <a:cubicBezTo>
+                  <a:pt x="4433995" y="1019351"/>
+                  <a:pt x="4435536" y="1022434"/>
+                  <a:pt x="4435536" y="1025517"/>
+                </a:cubicBezTo>
+                <a:cubicBezTo>
+                  <a:pt x="4435536" y="1025517"/>
+                  <a:pt x="4435535" y="1027057"/>
+                  <a:pt x="4437078" y="1027057"/>
+                </a:cubicBezTo>
+                <a:cubicBezTo>
+                  <a:pt x="4435536" y="1034764"/>
+                  <a:pt x="4433994" y="1042471"/>
+                  <a:pt x="4432452" y="1048636"/>
+                </a:cubicBezTo>
+                <a:lnTo>
+                  <a:pt x="4413956" y="1085630"/>
+                </a:lnTo>
+                <a:cubicBezTo>
+                  <a:pt x="4369257" y="1164240"/>
+                  <a:pt x="4258278" y="1339957"/>
+                  <a:pt x="4196623" y="1389280"/>
+                </a:cubicBezTo>
+                <a:cubicBezTo>
+                  <a:pt x="4128802" y="1441687"/>
+                  <a:pt x="4062523" y="1538793"/>
+                  <a:pt x="4085645" y="1597365"/>
+                </a:cubicBezTo>
+                <a:cubicBezTo>
+                  <a:pt x="4119555" y="1660562"/>
+                  <a:pt x="4181210" y="1688307"/>
+                  <a:pt x="4216661" y="1697556"/>
+                </a:cubicBezTo>
+                <a:cubicBezTo>
+                  <a:pt x="4252112" y="1706804"/>
+                  <a:pt x="4275233" y="1779247"/>
+                  <a:pt x="4250571" y="1811617"/>
+                </a:cubicBezTo>
+                <a:cubicBezTo>
+                  <a:pt x="4225909" y="1843985"/>
+                  <a:pt x="4187375" y="1853233"/>
+                  <a:pt x="4173502" y="1888685"/>
+                </a:cubicBezTo>
+                <a:cubicBezTo>
+                  <a:pt x="4159630" y="1924137"/>
+                  <a:pt x="4153465" y="1998123"/>
+                  <a:pt x="4213578" y="2022784"/>
+                </a:cubicBezTo>
+                <a:cubicBezTo>
+                  <a:pt x="4259818" y="2041281"/>
+                  <a:pt x="4349219" y="2081356"/>
+                  <a:pt x="4347678" y="2090605"/>
+                </a:cubicBezTo>
+                <a:cubicBezTo>
+                  <a:pt x="4346136" y="2099853"/>
+                  <a:pt x="4250570" y="2107561"/>
+                  <a:pt x="4233616" y="2138388"/>
+                </a:cubicBezTo>
+                <a:cubicBezTo>
+                  <a:pt x="4216660" y="2169216"/>
+                  <a:pt x="4204330" y="2220080"/>
+                  <a:pt x="4227451" y="2258616"/>
+                </a:cubicBezTo>
+                <a:cubicBezTo>
+                  <a:pt x="4250571" y="2297149"/>
+                  <a:pt x="4332264" y="2292526"/>
+                  <a:pt x="4350761" y="2320270"/>
+                </a:cubicBezTo>
+                <a:cubicBezTo>
+                  <a:pt x="4381588" y="2371135"/>
+                  <a:pt x="4358466" y="2378843"/>
+                  <a:pt x="4333805" y="2462077"/>
+                </a:cubicBezTo>
+                <a:cubicBezTo>
+                  <a:pt x="4306060" y="2551476"/>
+                  <a:pt x="4302977" y="2650125"/>
+                  <a:pt x="4467905" y="2719486"/>
+                </a:cubicBezTo>
+                <a:cubicBezTo>
+                  <a:pt x="4562314" y="2758983"/>
+                  <a:pt x="4694054" y="2758743"/>
+                  <a:pt x="4800655" y="2748491"/>
+                </a:cubicBezTo>
+                <a:lnTo>
+                  <a:pt x="4838191" y="2744074"/>
+                </a:lnTo>
+                <a:lnTo>
+                  <a:pt x="4863823" y="2765476"/>
+                </a:lnTo>
+                <a:cubicBezTo>
+                  <a:pt x="4895578" y="2799449"/>
+                  <a:pt x="4917344" y="2847230"/>
+                  <a:pt x="4934321" y="2911083"/>
+                </a:cubicBezTo>
+                <a:cubicBezTo>
+                  <a:pt x="4945640" y="2953651"/>
+                  <a:pt x="4957371" y="3013267"/>
+                  <a:pt x="4964162" y="3074402"/>
+                </a:cubicBezTo>
+                <a:lnTo>
+                  <a:pt x="4967647" y="3128874"/>
+                </a:lnTo>
+                <a:lnTo>
+                  <a:pt x="4465138" y="3128874"/>
+                </a:lnTo>
+                <a:lnTo>
+                  <a:pt x="4465138" y="3127460"/>
+                </a:lnTo>
+                <a:lnTo>
+                  <a:pt x="3765314" y="3127460"/>
+                </a:lnTo>
+                <a:close/>
+                <a:moveTo>
+                  <a:pt x="1175459" y="0"/>
+                </a:moveTo>
+                <a:lnTo>
+                  <a:pt x="2229594" y="0"/>
+                </a:lnTo>
+                <a:lnTo>
+                  <a:pt x="3404781" y="3127460"/>
+                </a:lnTo>
+                <a:lnTo>
+                  <a:pt x="2392789" y="3127460"/>
+                </a:lnTo>
+                <a:lnTo>
+                  <a:pt x="2236317" y="2611186"/>
+                </a:lnTo>
+                <a:lnTo>
+                  <a:pt x="1139165" y="2611186"/>
+                </a:lnTo>
+                <a:lnTo>
+                  <a:pt x="986721" y="3127460"/>
+                </a:lnTo>
+                <a:lnTo>
+                  <a:pt x="0" y="3127460"/>
+                </a:lnTo>
+                <a:close/>
+              </a:path>
+            </a:pathLst>
+          </a:custGeom>
+          <a:solidFill>
+            <a:srgbClr val="002060"/>
+          </a:solidFill>
+          <a:ln>
+            <a:noFill/>
+          </a:ln>
+        </p:spPr>
+        <p:style>
+          <a:lnRef idx="2">
+            <a:schemeClr val="accent1">
+              <a:shade val="50000"/>
+            </a:schemeClr>
+          </a:lnRef>
+          <a:fillRef idx="1">
+            <a:schemeClr val="accent1"/>
+          </a:fillRef>
+          <a:effectRef idx="0">
+            <a:schemeClr val="accent1"/>
+          </a:effectRef>
+          <a:fontRef idx="minor">
+            <a:schemeClr val="lt1"/>
+          </a:fontRef>
+        </p:style>
+        <p:txBody>
+          <a:bodyPr rtlCol="0" anchor="ctr"/>
+          <a:lstStyle/>
+          <a:p>
+            <a:pPr algn="ctr"/>
+            <a:endParaRPr lang="en-US"/>
+          </a:p>
+        </p:txBody>
+      </p:sp>
+      <p:sp>
+        <p:nvSpPr>
+          <p:cNvPr id="2" name="Rechteck 1">
+            <a:extLst>
+              <a:ext uri="{FF2B5EF4-FFF2-40B4-BE49-F238E27FC236}">
+                <a16:creationId xmlns:a16="http://schemas.microsoft.com/office/drawing/2014/main" id="{96AA9A24-87CF-4FD9-A062-3E8FD5FCE155}"/>
+              </a:ext>
+            </a:extLst>
+          </p:cNvPr>
+          <p:cNvSpPr/>
+          <p:nvPr/>
+        </p:nvSpPr>
+        <p:spPr>
+          <a:xfrm>
+            <a:off x="-39394" y="6497053"/>
+            <a:ext cx="12270787" cy="425115"/>
+          </a:xfrm>
+          <a:prstGeom prst="rect">
+            <a:avLst/>
+          </a:prstGeom>
+          <a:solidFill>
+            <a:srgbClr val="AA313F"/>
+          </a:solidFill>
+          <a:ln>
+            <a:noFill/>
+          </a:ln>
+        </p:spPr>
+        <p:style>
+          <a:lnRef idx="2">
+            <a:schemeClr val="accent1">
+              <a:shade val="50000"/>
+            </a:schemeClr>
+          </a:lnRef>
+          <a:fillRef idx="1">
+            <a:schemeClr val="accent1"/>
+          </a:fillRef>
+          <a:effectRef idx="0">
+            <a:schemeClr val="accent1"/>
+          </a:effectRef>
+          <a:fontRef idx="minor">
+            <a:schemeClr val="lt1"/>
+          </a:fontRef>
+        </p:style>
+        <p:txBody>
+          <a:bodyPr rtlCol="0" anchor="ctr"/>
+          <a:lstStyle/>
+          <a:p>
+            <a:pPr algn="ctr"/>
+            <a:endParaRPr lang="de-DE"/>
+          </a:p>
+        </p:txBody>
+      </p:sp>
+    </p:spTree>
+    <p:extLst>
+      <p:ext uri="{BB962C8B-B14F-4D97-AF65-F5344CB8AC3E}">
+        <p14:creationId xmlns:p14="http://schemas.microsoft.com/office/powerpoint/2010/main" val="1785347479"/>
+      </p:ext>
+    </p:extLst>
+  </p:cSld>
+  <p:clrMapOvr>
+    <a:masterClrMapping/>
+  </p:clrMapOvr>
+</p:sld>
+</file>
+
+<file path=ppt/slides/slide8.xml><?xml version="1.0" encoding="utf-8"?>
+<p:sld xmlns:a="http://schemas.openxmlformats.org/drawingml/2006/main" xmlns:r="http://schemas.openxmlformats.org/officeDocument/2006/relationships" xmlns:p="http://schemas.openxmlformats.org/presentationml/2006/main">
+  <p:cSld>
+    <p:spTree>
+      <p:nvGrpSpPr>
+        <p:cNvPr id="1" name=""/>
+        <p:cNvGrpSpPr/>
+        <p:nvPr/>
+      </p:nvGrpSpPr>
+      <p:grpSpPr>
+        <a:xfrm>
+          <a:off x="0" y="0"/>
+          <a:ext cx="0" cy="0"/>
+          <a:chOff x="0" y="0"/>
+          <a:chExt cx="0" cy="0"/>
+        </a:xfrm>
+      </p:grpSpPr>
+      <p:sp>
+        <p:nvSpPr>
+          <p:cNvPr id="4" name="TextBox 3">
+            <a:extLst>
+              <a:ext uri="{FF2B5EF4-FFF2-40B4-BE49-F238E27FC236}">
+                <a16:creationId xmlns:a16="http://schemas.microsoft.com/office/drawing/2014/main" id="{948A2979-A456-4286-B8FC-8FF4C0C58EFD}"/>
+              </a:ext>
+            </a:extLst>
+          </p:cNvPr>
+          <p:cNvSpPr txBox="1"/>
+          <p:nvPr/>
+        </p:nvSpPr>
+        <p:spPr>
+          <a:xfrm>
+            <a:off x="5686926" y="2623010"/>
+            <a:ext cx="6328611" cy="1611980"/>
+          </a:xfrm>
+          <a:prstGeom prst="rect">
+            <a:avLst/>
+          </a:prstGeom>
+          <a:noFill/>
+        </p:spPr>
+        <p:txBody>
+          <a:bodyPr wrap="square" rtlCol="0" anchor="ctr">
+            <a:spAutoFit/>
+          </a:bodyPr>
+          <a:lstStyle/>
+          <a:p>
+            <a:pPr algn="ctr">
+              <a:lnSpc>
+                <a:spcPts val="5400"/>
+              </a:lnSpc>
+              <a:spcAft>
+                <a:spcPts val="600"/>
+              </a:spcAft>
+            </a:pPr>
+            <a:r>
+              <a:rPr lang="de-DE" altLang="ko-KR" sz="5500" b="1" dirty="0">
+                <a:solidFill>
+                  <a:srgbClr val="002060"/>
+                </a:solidFill>
+                <a:latin typeface="CMU Serif" panose="02000803000000000000" pitchFamily="2" charset="0"/>
+                <a:ea typeface="CMU Serif" panose="02000803000000000000" pitchFamily="2" charset="0"/>
+                <a:cs typeface="CMU Serif" panose="02000803000000000000" pitchFamily="2" charset="0"/>
+              </a:rPr>
+              <a:t>4. Maschinelles </a:t>
+            </a:r>
+          </a:p>
+          <a:p>
+            <a:pPr algn="ctr">
+              <a:lnSpc>
+                <a:spcPts val="5400"/>
+              </a:lnSpc>
+              <a:spcAft>
+                <a:spcPts val="600"/>
+              </a:spcAft>
+            </a:pPr>
+            <a:r>
+              <a:rPr lang="de-DE" altLang="ko-KR" sz="5500" b="1" dirty="0">
+                <a:solidFill>
+                  <a:srgbClr val="002060"/>
+                </a:solidFill>
+                <a:latin typeface="CMU Serif" panose="02000803000000000000" pitchFamily="2" charset="0"/>
+                <a:ea typeface="CMU Serif" panose="02000803000000000000" pitchFamily="2" charset="0"/>
+                <a:cs typeface="CMU Serif" panose="02000803000000000000" pitchFamily="2" charset="0"/>
+              </a:rPr>
+              <a:t>Lernverfahren 3</a:t>
+            </a:r>
+            <a:endParaRPr lang="de-DE" altLang="ko-KR" sz="5500" b="1" dirty="0">
+              <a:solidFill>
+                <a:schemeClr val="accent1"/>
+              </a:solidFill>
+              <a:latin typeface="CMU Serif" panose="02000803000000000000" pitchFamily="2" charset="0"/>
+              <a:ea typeface="CMU Serif" panose="02000803000000000000" pitchFamily="2" charset="0"/>
+              <a:cs typeface="CMU Serif" panose="02000803000000000000" pitchFamily="2" charset="0"/>
+            </a:endParaRPr>
+          </a:p>
+        </p:txBody>
+      </p:sp>
+      <p:sp>
+        <p:nvSpPr>
+          <p:cNvPr id="153" name="Freeform: Shape 152">
+            <a:extLst>
+              <a:ext uri="{FF2B5EF4-FFF2-40B4-BE49-F238E27FC236}">
+                <a16:creationId xmlns:a16="http://schemas.microsoft.com/office/drawing/2014/main" id="{F3B4A34E-C246-47F5-A863-109A43C0757D}"/>
+              </a:ext>
+            </a:extLst>
+          </p:cNvPr>
+          <p:cNvSpPr/>
+          <p:nvPr/>
+        </p:nvSpPr>
+        <p:spPr>
+          <a:xfrm>
+            <a:off x="673768" y="1688100"/>
+            <a:ext cx="5086770" cy="3128874"/>
+          </a:xfrm>
+          <a:custGeom>
+            <a:avLst/>
+            <a:gdLst>
+              <a:gd name="connsiteX0" fmla="*/ 5086770 w 5086770"/>
+              <a:gd name="connsiteY0" fmla="*/ 1174706 h 3128874"/>
+              <a:gd name="connsiteX1" fmla="*/ 5086770 w 5086770"/>
+              <a:gd name="connsiteY1" fmla="*/ 1184663 h 3128874"/>
+              <a:gd name="connsiteX2" fmla="*/ 5079830 w 5086770"/>
+              <a:gd name="connsiteY2" fmla="*/ 1185820 h 3128874"/>
+              <a:gd name="connsiteX3" fmla="*/ 5078289 w 5086770"/>
+              <a:gd name="connsiteY3" fmla="*/ 1182737 h 3128874"/>
+              <a:gd name="connsiteX4" fmla="*/ 5078289 w 5086770"/>
+              <a:gd name="connsiteY4" fmla="*/ 1179654 h 3128874"/>
+              <a:gd name="connsiteX5" fmla="*/ 1690658 w 5086770"/>
+              <a:gd name="connsiteY5" fmla="*/ 810655 h 3128874"/>
+              <a:gd name="connsiteX6" fmla="*/ 1349061 w 5086770"/>
+              <a:gd name="connsiteY6" fmla="*/ 1934928 h 3128874"/>
+              <a:gd name="connsiteX7" fmla="*/ 2035854 w 5086770"/>
+              <a:gd name="connsiteY7" fmla="*/ 1934928 h 3128874"/>
+              <a:gd name="connsiteX8" fmla="*/ 3765314 w 5086770"/>
+              <a:gd name="connsiteY8" fmla="*/ 0 h 3128874"/>
+              <a:gd name="connsiteX9" fmla="*/ 4465138 w 5086770"/>
+              <a:gd name="connsiteY9" fmla="*/ 0 h 3128874"/>
+              <a:gd name="connsiteX10" fmla="*/ 4675955 w 5086770"/>
+              <a:gd name="connsiteY10" fmla="*/ 0 h 3128874"/>
+              <a:gd name="connsiteX11" fmla="*/ 4659036 w 5086770"/>
+              <a:gd name="connsiteY11" fmla="*/ 34412 h 3128874"/>
+              <a:gd name="connsiteX12" fmla="*/ 4651327 w 5086770"/>
+              <a:gd name="connsiteY12" fmla="*/ 45203 h 3128874"/>
+              <a:gd name="connsiteX13" fmla="*/ 4648245 w 5086770"/>
+              <a:gd name="connsiteY13" fmla="*/ 51368 h 3128874"/>
+              <a:gd name="connsiteX14" fmla="*/ 4483319 w 5086770"/>
+              <a:gd name="connsiteY14" fmla="*/ 361184 h 3128874"/>
+              <a:gd name="connsiteX15" fmla="*/ 4480236 w 5086770"/>
+              <a:gd name="connsiteY15" fmla="*/ 373515 h 3128874"/>
+              <a:gd name="connsiteX16" fmla="*/ 4474071 w 5086770"/>
+              <a:gd name="connsiteY16" fmla="*/ 398176 h 3128874"/>
+              <a:gd name="connsiteX17" fmla="*/ 4450950 w 5086770"/>
+              <a:gd name="connsiteY17" fmla="*/ 498367 h 3128874"/>
+              <a:gd name="connsiteX18" fmla="*/ 4440161 w 5086770"/>
+              <a:gd name="connsiteY18" fmla="*/ 527652 h 3128874"/>
+              <a:gd name="connsiteX19" fmla="*/ 4441700 w 5086770"/>
+              <a:gd name="connsiteY19" fmla="*/ 539983 h 3128874"/>
+              <a:gd name="connsiteX20" fmla="*/ 4437078 w 5086770"/>
+              <a:gd name="connsiteY20" fmla="*/ 561562 h 3128874"/>
+              <a:gd name="connsiteX21" fmla="*/ 4433995 w 5086770"/>
+              <a:gd name="connsiteY21" fmla="*/ 576976 h 3128874"/>
+              <a:gd name="connsiteX22" fmla="*/ 4433994 w 5086770"/>
+              <a:gd name="connsiteY22" fmla="*/ 578519 h 3128874"/>
+              <a:gd name="connsiteX23" fmla="*/ 4413956 w 5086770"/>
+              <a:gd name="connsiteY23" fmla="*/ 797393 h 3128874"/>
+              <a:gd name="connsiteX24" fmla="*/ 4438619 w 5086770"/>
+              <a:gd name="connsiteY24" fmla="*/ 996230 h 3128874"/>
+              <a:gd name="connsiteX25" fmla="*/ 4433995 w 5086770"/>
+              <a:gd name="connsiteY25" fmla="*/ 1016268 h 3128874"/>
+              <a:gd name="connsiteX26" fmla="*/ 4435536 w 5086770"/>
+              <a:gd name="connsiteY26" fmla="*/ 1025517 h 3128874"/>
+              <a:gd name="connsiteX27" fmla="*/ 4437078 w 5086770"/>
+              <a:gd name="connsiteY27" fmla="*/ 1027057 h 3128874"/>
+              <a:gd name="connsiteX28" fmla="*/ 4432452 w 5086770"/>
+              <a:gd name="connsiteY28" fmla="*/ 1048636 h 3128874"/>
+              <a:gd name="connsiteX29" fmla="*/ 4413956 w 5086770"/>
+              <a:gd name="connsiteY29" fmla="*/ 1085630 h 3128874"/>
+              <a:gd name="connsiteX30" fmla="*/ 4196623 w 5086770"/>
+              <a:gd name="connsiteY30" fmla="*/ 1389280 h 3128874"/>
+              <a:gd name="connsiteX31" fmla="*/ 4085645 w 5086770"/>
+              <a:gd name="connsiteY31" fmla="*/ 1597365 h 3128874"/>
+              <a:gd name="connsiteX32" fmla="*/ 4216661 w 5086770"/>
+              <a:gd name="connsiteY32" fmla="*/ 1697556 h 3128874"/>
+              <a:gd name="connsiteX33" fmla="*/ 4250571 w 5086770"/>
+              <a:gd name="connsiteY33" fmla="*/ 1811617 h 3128874"/>
+              <a:gd name="connsiteX34" fmla="*/ 4173502 w 5086770"/>
+              <a:gd name="connsiteY34" fmla="*/ 1888685 h 3128874"/>
+              <a:gd name="connsiteX35" fmla="*/ 4213578 w 5086770"/>
+              <a:gd name="connsiteY35" fmla="*/ 2022784 h 3128874"/>
+              <a:gd name="connsiteX36" fmla="*/ 4347678 w 5086770"/>
+              <a:gd name="connsiteY36" fmla="*/ 2090605 h 3128874"/>
+              <a:gd name="connsiteX37" fmla="*/ 4233616 w 5086770"/>
+              <a:gd name="connsiteY37" fmla="*/ 2138388 h 3128874"/>
+              <a:gd name="connsiteX38" fmla="*/ 4227451 w 5086770"/>
+              <a:gd name="connsiteY38" fmla="*/ 2258616 h 3128874"/>
+              <a:gd name="connsiteX39" fmla="*/ 4350761 w 5086770"/>
+              <a:gd name="connsiteY39" fmla="*/ 2320270 h 3128874"/>
+              <a:gd name="connsiteX40" fmla="*/ 4333805 w 5086770"/>
+              <a:gd name="connsiteY40" fmla="*/ 2462077 h 3128874"/>
+              <a:gd name="connsiteX41" fmla="*/ 4467905 w 5086770"/>
+              <a:gd name="connsiteY41" fmla="*/ 2719486 h 3128874"/>
+              <a:gd name="connsiteX42" fmla="*/ 4800655 w 5086770"/>
+              <a:gd name="connsiteY42" fmla="*/ 2748491 h 3128874"/>
+              <a:gd name="connsiteX43" fmla="*/ 4838191 w 5086770"/>
+              <a:gd name="connsiteY43" fmla="*/ 2744074 h 3128874"/>
+              <a:gd name="connsiteX44" fmla="*/ 4863823 w 5086770"/>
+              <a:gd name="connsiteY44" fmla="*/ 2765476 h 3128874"/>
+              <a:gd name="connsiteX45" fmla="*/ 4934321 w 5086770"/>
+              <a:gd name="connsiteY45" fmla="*/ 2911083 h 3128874"/>
+              <a:gd name="connsiteX46" fmla="*/ 4964162 w 5086770"/>
+              <a:gd name="connsiteY46" fmla="*/ 3074402 h 3128874"/>
+              <a:gd name="connsiteX47" fmla="*/ 4967647 w 5086770"/>
+              <a:gd name="connsiteY47" fmla="*/ 3128874 h 3128874"/>
+              <a:gd name="connsiteX48" fmla="*/ 4465138 w 5086770"/>
+              <a:gd name="connsiteY48" fmla="*/ 3128874 h 3128874"/>
+              <a:gd name="connsiteX49" fmla="*/ 4465138 w 5086770"/>
+              <a:gd name="connsiteY49" fmla="*/ 3127460 h 3128874"/>
+              <a:gd name="connsiteX50" fmla="*/ 3765314 w 5086770"/>
+              <a:gd name="connsiteY50" fmla="*/ 3127460 h 3128874"/>
+              <a:gd name="connsiteX51" fmla="*/ 1175459 w 5086770"/>
+              <a:gd name="connsiteY51" fmla="*/ 0 h 3128874"/>
+              <a:gd name="connsiteX52" fmla="*/ 2229594 w 5086770"/>
+              <a:gd name="connsiteY52" fmla="*/ 0 h 3128874"/>
+              <a:gd name="connsiteX53" fmla="*/ 3404781 w 5086770"/>
+              <a:gd name="connsiteY53" fmla="*/ 3127460 h 3128874"/>
+              <a:gd name="connsiteX54" fmla="*/ 2392789 w 5086770"/>
+              <a:gd name="connsiteY54" fmla="*/ 3127460 h 3128874"/>
+              <a:gd name="connsiteX55" fmla="*/ 2236317 w 5086770"/>
+              <a:gd name="connsiteY55" fmla="*/ 2611186 h 3128874"/>
+              <a:gd name="connsiteX56" fmla="*/ 1139165 w 5086770"/>
+              <a:gd name="connsiteY56" fmla="*/ 2611186 h 3128874"/>
+              <a:gd name="connsiteX57" fmla="*/ 986721 w 5086770"/>
+              <a:gd name="connsiteY57" fmla="*/ 3127460 h 3128874"/>
+              <a:gd name="connsiteX58" fmla="*/ 0 w 5086770"/>
+              <a:gd name="connsiteY58" fmla="*/ 3127460 h 3128874"/>
+            </a:gdLst>
+            <a:ahLst/>
+            <a:cxnLst>
+              <a:cxn ang="0">
+                <a:pos x="connsiteX0" y="connsiteY0"/>
+              </a:cxn>
+              <a:cxn ang="0">
+                <a:pos x="connsiteX1" y="connsiteY1"/>
+              </a:cxn>
+              <a:cxn ang="0">
+                <a:pos x="connsiteX2" y="connsiteY2"/>
+              </a:cxn>
+              <a:cxn ang="0">
+                <a:pos x="connsiteX3" y="connsiteY3"/>
+              </a:cxn>
+              <a:cxn ang="0">
+                <a:pos x="connsiteX4" y="connsiteY4"/>
+              </a:cxn>
+              <a:cxn ang="0">
+                <a:pos x="connsiteX5" y="connsiteY5"/>
+              </a:cxn>
+              <a:cxn ang="0">
+                <a:pos x="connsiteX6" y="connsiteY6"/>
+              </a:cxn>
+              <a:cxn ang="0">
+                <a:pos x="connsiteX7" y="connsiteY7"/>
+              </a:cxn>
+              <a:cxn ang="0">
+                <a:pos x="connsiteX8" y="connsiteY8"/>
+              </a:cxn>
+              <a:cxn ang="0">
+                <a:pos x="connsiteX9" y="connsiteY9"/>
+              </a:cxn>
+              <a:cxn ang="0">
+                <a:pos x="connsiteX10" y="connsiteY10"/>
+              </a:cxn>
+              <a:cxn ang="0">
+                <a:pos x="connsiteX11" y="connsiteY11"/>
+              </a:cxn>
+              <a:cxn ang="0">
+                <a:pos x="connsiteX12" y="connsiteY12"/>
+              </a:cxn>
+              <a:cxn ang="0">
+                <a:pos x="connsiteX13" y="connsiteY13"/>
+              </a:cxn>
+              <a:cxn ang="0">
+                <a:pos x="connsiteX14" y="connsiteY14"/>
+              </a:cxn>
+              <a:cxn ang="0">
+                <a:pos x="connsiteX15" y="connsiteY15"/>
+              </a:cxn>
+              <a:cxn ang="0">
+                <a:pos x="connsiteX16" y="connsiteY16"/>
+              </a:cxn>
+              <a:cxn ang="0">
+                <a:pos x="connsiteX17" y="connsiteY17"/>
+              </a:cxn>
+              <a:cxn ang="0">
+                <a:pos x="connsiteX18" y="connsiteY18"/>
+              </a:cxn>
+              <a:cxn ang="0">
+                <a:pos x="connsiteX19" y="connsiteY19"/>
+              </a:cxn>
+              <a:cxn ang="0">
+                <a:pos x="connsiteX20" y="connsiteY20"/>
+              </a:cxn>
+              <a:cxn ang="0">
+                <a:pos x="connsiteX21" y="connsiteY21"/>
+              </a:cxn>
+              <a:cxn ang="0">
+                <a:pos x="connsiteX22" y="connsiteY22"/>
+              </a:cxn>
+              <a:cxn ang="0">
+                <a:pos x="connsiteX23" y="connsiteY23"/>
+              </a:cxn>
+              <a:cxn ang="0">
+                <a:pos x="connsiteX24" y="connsiteY24"/>
+              </a:cxn>
+              <a:cxn ang="0">
+                <a:pos x="connsiteX25" y="connsiteY25"/>
+              </a:cxn>
+              <a:cxn ang="0">
+                <a:pos x="connsiteX26" y="connsiteY26"/>
+              </a:cxn>
+              <a:cxn ang="0">
+                <a:pos x="connsiteX27" y="connsiteY27"/>
+              </a:cxn>
+              <a:cxn ang="0">
+                <a:pos x="connsiteX28" y="connsiteY28"/>
+              </a:cxn>
+              <a:cxn ang="0">
+                <a:pos x="connsiteX29" y="connsiteY29"/>
+              </a:cxn>
+              <a:cxn ang="0">
+                <a:pos x="connsiteX30" y="connsiteY30"/>
+              </a:cxn>
+              <a:cxn ang="0">
+                <a:pos x="connsiteX31" y="connsiteY31"/>
+              </a:cxn>
+              <a:cxn ang="0">
+                <a:pos x="connsiteX32" y="connsiteY32"/>
+              </a:cxn>
+              <a:cxn ang="0">
+                <a:pos x="connsiteX33" y="connsiteY33"/>
+              </a:cxn>
+              <a:cxn ang="0">
+                <a:pos x="connsiteX34" y="connsiteY34"/>
+              </a:cxn>
+              <a:cxn ang="0">
+                <a:pos x="connsiteX35" y="connsiteY35"/>
+              </a:cxn>
+              <a:cxn ang="0">
+                <a:pos x="connsiteX36" y="connsiteY36"/>
+              </a:cxn>
+              <a:cxn ang="0">
+                <a:pos x="connsiteX37" y="connsiteY37"/>
+              </a:cxn>
+              <a:cxn ang="0">
+                <a:pos x="connsiteX38" y="connsiteY38"/>
+              </a:cxn>
+              <a:cxn ang="0">
+                <a:pos x="connsiteX39" y="connsiteY39"/>
+              </a:cxn>
+              <a:cxn ang="0">
+                <a:pos x="connsiteX40" y="connsiteY40"/>
+              </a:cxn>
+              <a:cxn ang="0">
+                <a:pos x="connsiteX41" y="connsiteY41"/>
+              </a:cxn>
+              <a:cxn ang="0">
+                <a:pos x="connsiteX42" y="connsiteY42"/>
+              </a:cxn>
+              <a:cxn ang="0">
+                <a:pos x="connsiteX43" y="connsiteY43"/>
+              </a:cxn>
+              <a:cxn ang="0">
+                <a:pos x="connsiteX44" y="connsiteY44"/>
+              </a:cxn>
+              <a:cxn ang="0">
+                <a:pos x="connsiteX45" y="connsiteY45"/>
+              </a:cxn>
+              <a:cxn ang="0">
+                <a:pos x="connsiteX46" y="connsiteY46"/>
+              </a:cxn>
+              <a:cxn ang="0">
+                <a:pos x="connsiteX47" y="connsiteY47"/>
+              </a:cxn>
+              <a:cxn ang="0">
+                <a:pos x="connsiteX48" y="connsiteY48"/>
+              </a:cxn>
+              <a:cxn ang="0">
+                <a:pos x="connsiteX49" y="connsiteY49"/>
+              </a:cxn>
+              <a:cxn ang="0">
+                <a:pos x="connsiteX50" y="connsiteY50"/>
+              </a:cxn>
+              <a:cxn ang="0">
+                <a:pos x="connsiteX51" y="connsiteY51"/>
+              </a:cxn>
+              <a:cxn ang="0">
+                <a:pos x="connsiteX52" y="connsiteY52"/>
+              </a:cxn>
+              <a:cxn ang="0">
+                <a:pos x="connsiteX53" y="connsiteY53"/>
+              </a:cxn>
+              <a:cxn ang="0">
+                <a:pos x="connsiteX54" y="connsiteY54"/>
+              </a:cxn>
+              <a:cxn ang="0">
+                <a:pos x="connsiteX55" y="connsiteY55"/>
+              </a:cxn>
+              <a:cxn ang="0">
+                <a:pos x="connsiteX56" y="connsiteY56"/>
+              </a:cxn>
+              <a:cxn ang="0">
+                <a:pos x="connsiteX57" y="connsiteY57"/>
+              </a:cxn>
+              <a:cxn ang="0">
+                <a:pos x="connsiteX58" y="connsiteY58"/>
+              </a:cxn>
+            </a:cxnLst>
+            <a:rect l="l" t="t" r="r" b="b"/>
+            <a:pathLst>
+              <a:path w="5086770" h="3128874">
+                <a:moveTo>
+                  <a:pt x="5086770" y="1174706"/>
+                </a:moveTo>
+                <a:lnTo>
+                  <a:pt x="5086770" y="1184663"/>
+                </a:lnTo>
+                <a:lnTo>
+                  <a:pt x="5079830" y="1185820"/>
+                </a:lnTo>
+                <a:cubicBezTo>
+                  <a:pt x="5079829" y="1184277"/>
+                  <a:pt x="5078289" y="1184277"/>
+                  <a:pt x="5078289" y="1182737"/>
+                </a:cubicBezTo>
+                <a:lnTo>
+                  <a:pt x="5078289" y="1179654"/>
+                </a:lnTo>
+                <a:close/>
+                <a:moveTo>
+                  <a:pt x="1690658" y="810655"/>
+                </a:moveTo>
+                <a:lnTo>
+                  <a:pt x="1349061" y="1934928"/>
+                </a:lnTo>
+                <a:lnTo>
+                  <a:pt x="2035854" y="1934928"/>
+                </a:lnTo>
+                <a:close/>
+                <a:moveTo>
+                  <a:pt x="3765314" y="0"/>
+                </a:moveTo>
+                <a:lnTo>
+                  <a:pt x="4465138" y="0"/>
+                </a:lnTo>
+                <a:lnTo>
+                  <a:pt x="4675955" y="0"/>
+                </a:lnTo>
+                <a:lnTo>
+                  <a:pt x="4659036" y="34412"/>
+                </a:lnTo>
+                <a:cubicBezTo>
+                  <a:pt x="4655952" y="37496"/>
+                  <a:pt x="4652870" y="40578"/>
+                  <a:pt x="4651327" y="45203"/>
+                </a:cubicBezTo>
+                <a:cubicBezTo>
+                  <a:pt x="4649787" y="48285"/>
+                  <a:pt x="4649788" y="49827"/>
+                  <a:pt x="4648245" y="51368"/>
+                </a:cubicBezTo>
+                <a:cubicBezTo>
+                  <a:pt x="4632831" y="72947"/>
+                  <a:pt x="4528018" y="224002"/>
+                  <a:pt x="4483319" y="361184"/>
+                </a:cubicBezTo>
+                <a:cubicBezTo>
+                  <a:pt x="4481777" y="365808"/>
+                  <a:pt x="4480236" y="368891"/>
+                  <a:pt x="4480236" y="373515"/>
+                </a:cubicBezTo>
+                <a:cubicBezTo>
+                  <a:pt x="4478694" y="381223"/>
+                  <a:pt x="4475612" y="390471"/>
+                  <a:pt x="4474071" y="398176"/>
+                </a:cubicBezTo>
+                <a:cubicBezTo>
+                  <a:pt x="4466362" y="432087"/>
+                  <a:pt x="4458657" y="465997"/>
+                  <a:pt x="4450950" y="498367"/>
+                </a:cubicBezTo>
+                <a:cubicBezTo>
+                  <a:pt x="4444783" y="506073"/>
+                  <a:pt x="4440160" y="516863"/>
+                  <a:pt x="4440161" y="527652"/>
+                </a:cubicBezTo>
+                <a:cubicBezTo>
+                  <a:pt x="4440160" y="532277"/>
+                  <a:pt x="4440160" y="535360"/>
+                  <a:pt x="4441700" y="539983"/>
+                </a:cubicBezTo>
+                <a:cubicBezTo>
+                  <a:pt x="4440161" y="547691"/>
+                  <a:pt x="4438618" y="555397"/>
+                  <a:pt x="4437078" y="561562"/>
+                </a:cubicBezTo>
+                <a:cubicBezTo>
+                  <a:pt x="4435535" y="566187"/>
+                  <a:pt x="4433995" y="570810"/>
+                  <a:pt x="4433995" y="576976"/>
+                </a:cubicBezTo>
+                <a:cubicBezTo>
+                  <a:pt x="4433995" y="576976"/>
+                  <a:pt x="4433994" y="578519"/>
+                  <a:pt x="4433994" y="578519"/>
+                </a:cubicBezTo>
+                <a:cubicBezTo>
+                  <a:pt x="4417039" y="674083"/>
+                  <a:pt x="4407790" y="755776"/>
+                  <a:pt x="4413956" y="797393"/>
+                </a:cubicBezTo>
+                <a:cubicBezTo>
+                  <a:pt x="4421664" y="846717"/>
+                  <a:pt x="4440160" y="929951"/>
+                  <a:pt x="4438619" y="996230"/>
+                </a:cubicBezTo>
+                <a:cubicBezTo>
+                  <a:pt x="4435535" y="1002395"/>
+                  <a:pt x="4433995" y="1008560"/>
+                  <a:pt x="4433995" y="1016268"/>
+                </a:cubicBezTo>
+                <a:cubicBezTo>
+                  <a:pt x="4433995" y="1019351"/>
+                  <a:pt x="4435536" y="1022434"/>
+                  <a:pt x="4435536" y="1025517"/>
+                </a:cubicBezTo>
+                <a:cubicBezTo>
+                  <a:pt x="4435536" y="1025517"/>
+                  <a:pt x="4435535" y="1027057"/>
+                  <a:pt x="4437078" y="1027057"/>
+                </a:cubicBezTo>
+                <a:cubicBezTo>
+                  <a:pt x="4435536" y="1034764"/>
+                  <a:pt x="4433994" y="1042471"/>
+                  <a:pt x="4432452" y="1048636"/>
+                </a:cubicBezTo>
+                <a:lnTo>
+                  <a:pt x="4413956" y="1085630"/>
+                </a:lnTo>
+                <a:cubicBezTo>
+                  <a:pt x="4369257" y="1164240"/>
+                  <a:pt x="4258278" y="1339957"/>
+                  <a:pt x="4196623" y="1389280"/>
+                </a:cubicBezTo>
+                <a:cubicBezTo>
+                  <a:pt x="4128802" y="1441687"/>
+                  <a:pt x="4062523" y="1538793"/>
+                  <a:pt x="4085645" y="1597365"/>
+                </a:cubicBezTo>
+                <a:cubicBezTo>
+                  <a:pt x="4119555" y="1660562"/>
+                  <a:pt x="4181210" y="1688307"/>
+                  <a:pt x="4216661" y="1697556"/>
+                </a:cubicBezTo>
+                <a:cubicBezTo>
+                  <a:pt x="4252112" y="1706804"/>
+                  <a:pt x="4275233" y="1779247"/>
+                  <a:pt x="4250571" y="1811617"/>
+                </a:cubicBezTo>
+                <a:cubicBezTo>
+                  <a:pt x="4225909" y="1843985"/>
+                  <a:pt x="4187375" y="1853233"/>
+                  <a:pt x="4173502" y="1888685"/>
+                </a:cubicBezTo>
+                <a:cubicBezTo>
+                  <a:pt x="4159630" y="1924137"/>
+                  <a:pt x="4153465" y="1998123"/>
+                  <a:pt x="4213578" y="2022784"/>
+                </a:cubicBezTo>
+                <a:cubicBezTo>
+                  <a:pt x="4259818" y="2041281"/>
+                  <a:pt x="4349219" y="2081356"/>
+                  <a:pt x="4347678" y="2090605"/>
+                </a:cubicBezTo>
+                <a:cubicBezTo>
+                  <a:pt x="4346136" y="2099853"/>
+                  <a:pt x="4250570" y="2107561"/>
+                  <a:pt x="4233616" y="2138388"/>
+                </a:cubicBezTo>
+                <a:cubicBezTo>
+                  <a:pt x="4216660" y="2169216"/>
+                  <a:pt x="4204330" y="2220080"/>
+                  <a:pt x="4227451" y="2258616"/>
+                </a:cubicBezTo>
+                <a:cubicBezTo>
+                  <a:pt x="4250571" y="2297149"/>
+                  <a:pt x="4332264" y="2292526"/>
+                  <a:pt x="4350761" y="2320270"/>
+                </a:cubicBezTo>
+                <a:cubicBezTo>
+                  <a:pt x="4381588" y="2371135"/>
+                  <a:pt x="4358466" y="2378843"/>
+                  <a:pt x="4333805" y="2462077"/>
+                </a:cubicBezTo>
+                <a:cubicBezTo>
+                  <a:pt x="4306060" y="2551476"/>
+                  <a:pt x="4302977" y="2650125"/>
+                  <a:pt x="4467905" y="2719486"/>
+                </a:cubicBezTo>
+                <a:cubicBezTo>
+                  <a:pt x="4562314" y="2758983"/>
+                  <a:pt x="4694054" y="2758743"/>
+                  <a:pt x="4800655" y="2748491"/>
+                </a:cubicBezTo>
+                <a:lnTo>
+                  <a:pt x="4838191" y="2744074"/>
+                </a:lnTo>
+                <a:lnTo>
+                  <a:pt x="4863823" y="2765476"/>
+                </a:lnTo>
+                <a:cubicBezTo>
+                  <a:pt x="4895578" y="2799449"/>
+                  <a:pt x="4917344" y="2847230"/>
+                  <a:pt x="4934321" y="2911083"/>
+                </a:cubicBezTo>
+                <a:cubicBezTo>
+                  <a:pt x="4945640" y="2953651"/>
+                  <a:pt x="4957371" y="3013267"/>
+                  <a:pt x="4964162" y="3074402"/>
+                </a:cubicBezTo>
+                <a:lnTo>
+                  <a:pt x="4967647" y="3128874"/>
+                </a:lnTo>
+                <a:lnTo>
+                  <a:pt x="4465138" y="3128874"/>
+                </a:lnTo>
+                <a:lnTo>
+                  <a:pt x="4465138" y="3127460"/>
+                </a:lnTo>
+                <a:lnTo>
+                  <a:pt x="3765314" y="3127460"/>
+                </a:lnTo>
+                <a:close/>
+                <a:moveTo>
+                  <a:pt x="1175459" y="0"/>
+                </a:moveTo>
+                <a:lnTo>
+                  <a:pt x="2229594" y="0"/>
+                </a:lnTo>
+                <a:lnTo>
+                  <a:pt x="3404781" y="3127460"/>
+                </a:lnTo>
+                <a:lnTo>
+                  <a:pt x="2392789" y="3127460"/>
+                </a:lnTo>
+                <a:lnTo>
+                  <a:pt x="2236317" y="2611186"/>
+                </a:lnTo>
+                <a:lnTo>
+                  <a:pt x="1139165" y="2611186"/>
+                </a:lnTo>
+                <a:lnTo>
+                  <a:pt x="986721" y="3127460"/>
+                </a:lnTo>
+                <a:lnTo>
+                  <a:pt x="0" y="3127460"/>
+                </a:lnTo>
+                <a:close/>
+              </a:path>
+            </a:pathLst>
+          </a:custGeom>
+          <a:solidFill>
+            <a:srgbClr val="002060"/>
+          </a:solidFill>
+          <a:ln>
+            <a:noFill/>
+          </a:ln>
+        </p:spPr>
+        <p:style>
+          <a:lnRef idx="2">
+            <a:schemeClr val="accent1">
+              <a:shade val="50000"/>
+            </a:schemeClr>
+          </a:lnRef>
+          <a:fillRef idx="1">
+            <a:schemeClr val="accent1"/>
+          </a:fillRef>
+          <a:effectRef idx="0">
+            <a:schemeClr val="accent1"/>
+          </a:effectRef>
+          <a:fontRef idx="minor">
+            <a:schemeClr val="lt1"/>
+          </a:fontRef>
+        </p:style>
+        <p:txBody>
+          <a:bodyPr rtlCol="0" anchor="ctr"/>
+          <a:lstStyle/>
+          <a:p>
+            <a:pPr algn="ctr"/>
+            <a:endParaRPr lang="en-US"/>
+          </a:p>
+        </p:txBody>
+      </p:sp>
+      <p:sp>
+        <p:nvSpPr>
+          <p:cNvPr id="2" name="Rechteck 1">
+            <a:extLst>
+              <a:ext uri="{FF2B5EF4-FFF2-40B4-BE49-F238E27FC236}">
+                <a16:creationId xmlns:a16="http://schemas.microsoft.com/office/drawing/2014/main" id="{96AA9A24-87CF-4FD9-A062-3E8FD5FCE155}"/>
+              </a:ext>
+            </a:extLst>
+          </p:cNvPr>
+          <p:cNvSpPr/>
+          <p:nvPr/>
+        </p:nvSpPr>
+        <p:spPr>
+          <a:xfrm>
+            <a:off x="-39394" y="6497053"/>
+            <a:ext cx="12270787" cy="425115"/>
+          </a:xfrm>
+          <a:prstGeom prst="rect">
+            <a:avLst/>
+          </a:prstGeom>
+          <a:solidFill>
+            <a:srgbClr val="AA313F"/>
+          </a:solidFill>
+          <a:ln>
+            <a:noFill/>
+          </a:ln>
+        </p:spPr>
+        <p:style>
+          <a:lnRef idx="2">
+            <a:schemeClr val="accent1">
+              <a:shade val="50000"/>
+            </a:schemeClr>
+          </a:lnRef>
+          <a:fillRef idx="1">
+            <a:schemeClr val="accent1"/>
+          </a:fillRef>
+          <a:effectRef idx="0">
+            <a:schemeClr val="accent1"/>
+          </a:effectRef>
+          <a:fontRef idx="minor">
+            <a:schemeClr val="lt1"/>
+          </a:fontRef>
+        </p:style>
+        <p:txBody>
+          <a:bodyPr rtlCol="0" anchor="ctr"/>
+          <a:lstStyle/>
+          <a:p>
+            <a:pPr algn="ctr"/>
+            <a:endParaRPr lang="de-DE"/>
+          </a:p>
+        </p:txBody>
+      </p:sp>
+    </p:spTree>
+    <p:extLst>
+      <p:ext uri="{BB962C8B-B14F-4D97-AF65-F5344CB8AC3E}">
+        <p14:creationId xmlns:p14="http://schemas.microsoft.com/office/powerpoint/2010/main" val="3413826450"/>
+      </p:ext>
+    </p:extLst>
+  </p:cSld>
+  <p:clrMapOvr>
+    <a:masterClrMapping/>
+  </p:clrMapOvr>
+</p:sld>
+</file>
+
+<file path=ppt/slides/slide9.xml><?xml version="1.0" encoding="utf-8"?>
+<p:sld xmlns:a="http://schemas.openxmlformats.org/drawingml/2006/main" xmlns:r="http://schemas.openxmlformats.org/officeDocument/2006/relationships" xmlns:p="http://schemas.openxmlformats.org/presentationml/2006/main">
+  <p:cSld>
+    <p:spTree>
+      <p:nvGrpSpPr>
+        <p:cNvPr id="1" name=""/>
+        <p:cNvGrpSpPr/>
+        <p:nvPr/>
+      </p:nvGrpSpPr>
+      <p:grpSpPr>
+        <a:xfrm>
+          <a:off x="0" y="0"/>
+          <a:ext cx="0" cy="0"/>
+          <a:chOff x="0" y="0"/>
+          <a:chExt cx="0" cy="0"/>
+        </a:xfrm>
+      </p:grpSpPr>
+      <p:sp>
+        <p:nvSpPr>
+          <p:cNvPr id="2" name="Textplatzhalter 1">
+            <a:extLst>
+              <a:ext uri="{FF2B5EF4-FFF2-40B4-BE49-F238E27FC236}">
+                <a16:creationId xmlns:a16="http://schemas.microsoft.com/office/drawing/2014/main" id="{B27C9638-79CE-43F1-92DA-86FCEFC519D7}"/>
+              </a:ext>
+            </a:extLst>
+          </p:cNvPr>
+          <p:cNvSpPr>
+            <a:spLocks noGrp="1"/>
+          </p:cNvSpPr>
+          <p:nvPr>
+            <p:ph type="body" sz="quarter" idx="10"/>
+          </p:nvPr>
+        </p:nvSpPr>
+        <p:spPr>
+          <a:xfrm>
+            <a:off x="690813" y="349106"/>
+            <a:ext cx="3407657" cy="792605"/>
+          </a:xfrm>
+        </p:spPr>
+        <p:txBody>
+          <a:bodyPr/>
+          <a:lstStyle/>
+          <a:p>
+            <a:r>
+              <a:rPr lang="de-DE" dirty="0">
+                <a:solidFill>
+                  <a:srgbClr val="002060"/>
+                </a:solidFill>
+                <a:latin typeface="Bahnschrift SemiLight" panose="020B0502040204020203" pitchFamily="34" charset="0"/>
+              </a:rPr>
+              <a:t>Content</a:t>
+            </a:r>
+          </a:p>
+        </p:txBody>
+      </p:sp>
+      <p:sp>
+        <p:nvSpPr>
+          <p:cNvPr id="4" name="Textplatzhalter 1">
+            <a:extLst>
+              <a:ext uri="{FF2B5EF4-FFF2-40B4-BE49-F238E27FC236}">
+                <a16:creationId xmlns:a16="http://schemas.microsoft.com/office/drawing/2014/main" id="{44CB5F3D-4CF2-C96F-5407-6D6E49F19E2E}"/>
+              </a:ext>
+            </a:extLst>
+          </p:cNvPr>
+          <p:cNvSpPr txBox="1">
+            <a:spLocks/>
+          </p:cNvSpPr>
+          <p:nvPr/>
+        </p:nvSpPr>
+        <p:spPr>
+          <a:xfrm>
+            <a:off x="5390721" y="349106"/>
+            <a:ext cx="3407657" cy="792605"/>
+          </a:xfrm>
+          <a:prstGeom prst="rect">
+            <a:avLst/>
+          </a:prstGeom>
+        </p:spPr>
+        <p:txBody>
+          <a:bodyPr anchor="ctr"/>
+          <a:lstStyle>
+            <a:lvl1pPr marL="0" indent="0" algn="ctr" defTabSz="914423" rtl="0" eaLnBrk="1" latinLnBrk="0" hangingPunct="1">
+              <a:lnSpc>
+                <a:spcPct val="100000"/>
+              </a:lnSpc>
+              <a:spcBef>
+                <a:spcPts val="1000"/>
+              </a:spcBef>
+              <a:buFont typeface="Arial" panose="020B0604020202020204" pitchFamily="34" charset="0"/>
+              <a:buNone/>
+              <a:defRPr sz="5400" b="0" kern="1200" baseline="0">
+                <a:solidFill>
+                  <a:schemeClr val="tx1">
+                    <a:lumMod val="75000"/>
+                    <a:lumOff val="25000"/>
+                  </a:schemeClr>
+                </a:solidFill>
+                <a:latin typeface="+mj-lt"/>
+                <a:ea typeface="+mn-ea"/>
+                <a:cs typeface="Arial" pitchFamily="34" charset="0"/>
+              </a:defRPr>
+            </a:lvl1pPr>
+            <a:lvl2pPr marL="685818" indent="-228605" algn="l" defTabSz="914423" rtl="0" eaLnBrk="1" latinLnBrk="0" hangingPunct="1">
+              <a:lnSpc>
+                <a:spcPct val="90000"/>
+              </a:lnSpc>
+              <a:spcBef>
+                <a:spcPts val="500"/>
+              </a:spcBef>
+              <a:buFont typeface="Arial" panose="020B0604020202020204" pitchFamily="34" charset="0"/>
+              <a:buChar char="•"/>
+              <a:defRPr sz="2400" kern="1200">
+                <a:solidFill>
+                  <a:schemeClr val="tx1"/>
+                </a:solidFill>
+                <a:latin typeface="+mn-lt"/>
+                <a:ea typeface="+mn-ea"/>
+                <a:cs typeface="+mn-cs"/>
+              </a:defRPr>
+            </a:lvl2pPr>
+            <a:lvl3pPr marL="1143028" indent="-228605" algn="l" defTabSz="914423" rtl="0" eaLnBrk="1" latinLnBrk="0" hangingPunct="1">
+              <a:lnSpc>
+                <a:spcPct val="90000"/>
+              </a:lnSpc>
+              <a:spcBef>
+                <a:spcPts val="500"/>
+              </a:spcBef>
+              <a:buFont typeface="Arial" panose="020B0604020202020204" pitchFamily="34" charset="0"/>
+              <a:buChar char="•"/>
+              <a:defRPr sz="2000" kern="1200">
+                <a:solidFill>
+                  <a:schemeClr val="tx1"/>
+                </a:solidFill>
+                <a:latin typeface="+mn-lt"/>
+                <a:ea typeface="+mn-ea"/>
+                <a:cs typeface="+mn-cs"/>
+              </a:defRPr>
+            </a:lvl3pPr>
+            <a:lvl4pPr marL="1600240" indent="-228605" algn="l" defTabSz="914423" rtl="0" eaLnBrk="1" latinLnBrk="0" hangingPunct="1">
+              <a:lnSpc>
+                <a:spcPct val="90000"/>
+              </a:lnSpc>
+              <a:spcBef>
+                <a:spcPts val="500"/>
+              </a:spcBef>
+              <a:buFont typeface="Arial" panose="020B0604020202020204" pitchFamily="34" charset="0"/>
+              <a:buChar char="•"/>
+              <a:defRPr sz="1800" kern="1200">
+                <a:solidFill>
+                  <a:schemeClr val="tx1"/>
+                </a:solidFill>
+                <a:latin typeface="+mn-lt"/>
+                <a:ea typeface="+mn-ea"/>
+                <a:cs typeface="+mn-cs"/>
+              </a:defRPr>
+            </a:lvl4pPr>
+            <a:lvl5pPr marL="2057452" indent="-228605" algn="l" defTabSz="914423" rtl="0" eaLnBrk="1" latinLnBrk="0" hangingPunct="1">
+              <a:lnSpc>
+                <a:spcPct val="90000"/>
+              </a:lnSpc>
+              <a:spcBef>
+                <a:spcPts val="500"/>
+              </a:spcBef>
+              <a:buFont typeface="Arial" panose="020B0604020202020204" pitchFamily="34" charset="0"/>
+              <a:buChar char="•"/>
+              <a:defRPr sz="1800" kern="1200">
+                <a:solidFill>
+                  <a:schemeClr val="tx1"/>
+                </a:solidFill>
+                <a:latin typeface="+mn-lt"/>
+                <a:ea typeface="+mn-ea"/>
+                <a:cs typeface="+mn-cs"/>
+              </a:defRPr>
+            </a:lvl5pPr>
+            <a:lvl6pPr marL="2514663" indent="-228605" algn="l" defTabSz="914423" rtl="0" eaLnBrk="1" latinLnBrk="0" hangingPunct="1">
+              <a:lnSpc>
+                <a:spcPct val="90000"/>
+              </a:lnSpc>
+              <a:spcBef>
+                <a:spcPts val="500"/>
+              </a:spcBef>
+              <a:buFont typeface="Arial" panose="020B0604020202020204" pitchFamily="34" charset="0"/>
+              <a:buChar char="•"/>
+              <a:defRPr sz="1800" kern="1200">
+                <a:solidFill>
+                  <a:schemeClr val="tx1"/>
+                </a:solidFill>
+                <a:latin typeface="+mn-lt"/>
+                <a:ea typeface="+mn-ea"/>
+                <a:cs typeface="+mn-cs"/>
+              </a:defRPr>
+            </a:lvl6pPr>
+            <a:lvl7pPr marL="2971875" indent="-228605" algn="l" defTabSz="914423" rtl="0" eaLnBrk="1" latinLnBrk="0" hangingPunct="1">
+              <a:lnSpc>
+                <a:spcPct val="90000"/>
+              </a:lnSpc>
+              <a:spcBef>
+                <a:spcPts val="500"/>
+              </a:spcBef>
+              <a:buFont typeface="Arial" panose="020B0604020202020204" pitchFamily="34" charset="0"/>
+              <a:buChar char="•"/>
+              <a:defRPr sz="1800" kern="1200">
+                <a:solidFill>
+                  <a:schemeClr val="tx1"/>
+                </a:solidFill>
+                <a:latin typeface="+mn-lt"/>
+                <a:ea typeface="+mn-ea"/>
+                <a:cs typeface="+mn-cs"/>
+              </a:defRPr>
+            </a:lvl7pPr>
+            <a:lvl8pPr marL="3429085" indent="-228605" algn="l" defTabSz="914423" rtl="0" eaLnBrk="1" latinLnBrk="0" hangingPunct="1">
+              <a:lnSpc>
+                <a:spcPct val="90000"/>
+              </a:lnSpc>
+              <a:spcBef>
+                <a:spcPts val="500"/>
+              </a:spcBef>
+              <a:buFont typeface="Arial" panose="020B0604020202020204" pitchFamily="34" charset="0"/>
+              <a:buChar char="•"/>
+              <a:defRPr sz="1800" kern="1200">
+                <a:solidFill>
+                  <a:schemeClr val="tx1"/>
+                </a:solidFill>
+                <a:latin typeface="+mn-lt"/>
+                <a:ea typeface="+mn-ea"/>
+                <a:cs typeface="+mn-cs"/>
+              </a:defRPr>
+            </a:lvl8pPr>
+            <a:lvl9pPr marL="3886298" indent="-228605" algn="l" defTabSz="914423" rtl="0" eaLnBrk="1" latinLnBrk="0" hangingPunct="1">
+              <a:lnSpc>
+                <a:spcPct val="90000"/>
+              </a:lnSpc>
+              <a:spcBef>
+                <a:spcPts val="500"/>
+              </a:spcBef>
+              <a:buFont typeface="Arial" panose="020B0604020202020204" pitchFamily="34" charset="0"/>
+              <a:buChar char="•"/>
+              <a:defRPr sz="1800" kern="1200">
+                <a:solidFill>
+                  <a:schemeClr val="tx1"/>
+                </a:solidFill>
+                <a:latin typeface="+mn-lt"/>
+                <a:ea typeface="+mn-ea"/>
+                <a:cs typeface="+mn-cs"/>
+              </a:defRPr>
+            </a:lvl9pPr>
+          </a:lstStyle>
+          <a:p>
+            <a:r>
+              <a:rPr lang="de-DE" b="1" dirty="0">
+                <a:solidFill>
+                  <a:srgbClr val="002060"/>
+                </a:solidFill>
+                <a:latin typeface="CMU Serif" panose="02000803000000000000" pitchFamily="2" charset="0"/>
+                <a:ea typeface="CMU Serif" panose="02000803000000000000" pitchFamily="2" charset="0"/>
+                <a:cs typeface="CMU Serif" panose="02000803000000000000" pitchFamily="2" charset="0"/>
+              </a:rPr>
+              <a:t>Content</a:t>
+            </a:r>
+          </a:p>
+        </p:txBody>
+      </p:sp>
+    </p:spTree>
+    <p:extLst>
+      <p:ext uri="{BB962C8B-B14F-4D97-AF65-F5344CB8AC3E}">
+        <p14:creationId xmlns:p14="http://schemas.microsoft.com/office/powerpoint/2010/main" val="1248381680"/>
       </p:ext>
     </p:extLst>
   </p:cSld>

--- a/Präsentation_Vorlage.pptx
+++ b/Präsentation_Vorlage.pptx
@@ -8,16 +8,17 @@
   <p:sldIdLst>
     <p:sldId id="309" r:id="rId3"/>
     <p:sldId id="348" r:id="rId4"/>
-    <p:sldId id="261" r:id="rId5"/>
-    <p:sldId id="353" r:id="rId6"/>
-    <p:sldId id="352" r:id="rId7"/>
-    <p:sldId id="349" r:id="rId8"/>
-    <p:sldId id="350" r:id="rId9"/>
-    <p:sldId id="351" r:id="rId10"/>
-    <p:sldId id="346" r:id="rId11"/>
+    <p:sldId id="353" r:id="rId5"/>
+    <p:sldId id="352" r:id="rId6"/>
+    <p:sldId id="354" r:id="rId7"/>
+    <p:sldId id="261" r:id="rId8"/>
+    <p:sldId id="349" r:id="rId9"/>
+    <p:sldId id="350" r:id="rId10"/>
+    <p:sldId id="351" r:id="rId11"/>
     <p:sldId id="275" r:id="rId12"/>
-    <p:sldId id="318" r:id="rId13"/>
-    <p:sldId id="347" r:id="rId14"/>
+    <p:sldId id="346" r:id="rId13"/>
+    <p:sldId id="318" r:id="rId14"/>
+    <p:sldId id="347" r:id="rId15"/>
   </p:sldIdLst>
   <p:sldSz cx="12192000" cy="6858000"/>
   <p:notesSz cx="6858000" cy="9144000"/>
@@ -6116,3708 +6117,6 @@
       </p:grpSpPr>
       <p:sp>
         <p:nvSpPr>
-          <p:cNvPr id="2" name="Text Placeholder 1"/>
-          <p:cNvSpPr>
-            <a:spLocks noGrp="1"/>
-          </p:cNvSpPr>
-          <p:nvPr>
-            <p:ph type="body" sz="quarter" idx="10"/>
-          </p:nvPr>
-        </p:nvSpPr>
-        <p:spPr>
-          <a:xfrm>
-            <a:off x="1983935" y="380280"/>
-            <a:ext cx="8066002" cy="681077"/>
-          </a:xfrm>
-        </p:spPr>
-        <p:txBody>
-          <a:bodyPr>
-            <a:normAutofit fontScale="85000" lnSpcReduction="20000"/>
-          </a:bodyPr>
-          <a:lstStyle/>
-          <a:p>
-            <a:pPr algn="ctr"/>
-            <a:r>
-              <a:rPr lang="de-DE" sz="5400" b="1" dirty="0">
-                <a:ln w="12700">
-                  <a:noFill/>
-                </a:ln>
-                <a:latin typeface="CMU Serif" panose="02000803000000000000" pitchFamily="2" charset="0"/>
-                <a:ea typeface="CMU Serif" panose="02000803000000000000" pitchFamily="2" charset="0"/>
-                <a:cs typeface="CMU Serif" panose="02000803000000000000" pitchFamily="2" charset="0"/>
-              </a:rPr>
-              <a:t>Titel</a:t>
-            </a:r>
-            <a:endParaRPr lang="en-US" b="1" dirty="0">
-              <a:ln w="12700">
-                <a:noFill/>
-              </a:ln>
-              <a:latin typeface="CMU Serif" panose="02000803000000000000" pitchFamily="2" charset="0"/>
-              <a:ea typeface="CMU Serif" panose="02000803000000000000" pitchFamily="2" charset="0"/>
-              <a:cs typeface="CMU Serif" panose="02000803000000000000" pitchFamily="2" charset="0"/>
-            </a:endParaRPr>
-          </a:p>
-        </p:txBody>
-      </p:sp>
-    </p:spTree>
-    <p:extLst>
-      <p:ext uri="{BB962C8B-B14F-4D97-AF65-F5344CB8AC3E}">
-        <p14:creationId xmlns:p14="http://schemas.microsoft.com/office/powerpoint/2010/main" val="4093972382"/>
-      </p:ext>
-    </p:extLst>
-  </p:cSld>
-  <p:clrMapOvr>
-    <a:masterClrMapping/>
-  </p:clrMapOvr>
-</p:sld>
-</file>
-
-<file path=ppt/slides/slide12.xml><?xml version="1.0" encoding="utf-8"?>
-<p:sld xmlns:a="http://schemas.openxmlformats.org/drawingml/2006/main" xmlns:r="http://schemas.openxmlformats.org/officeDocument/2006/relationships" xmlns:p="http://schemas.openxmlformats.org/presentationml/2006/main">
-  <p:cSld>
-    <p:spTree>
-      <p:nvGrpSpPr>
-        <p:cNvPr id="1" name=""/>
-        <p:cNvGrpSpPr/>
-        <p:nvPr/>
-      </p:nvGrpSpPr>
-      <p:grpSpPr>
-        <a:xfrm>
-          <a:off x="0" y="0"/>
-          <a:ext cx="0" cy="0"/>
-          <a:chOff x="0" y="0"/>
-          <a:chExt cx="0" cy="0"/>
-        </a:xfrm>
-      </p:grpSpPr>
-      <p:sp>
-        <p:nvSpPr>
-          <p:cNvPr id="3" name="TextBox 12">
-            <a:extLst>
-              <a:ext uri="{FF2B5EF4-FFF2-40B4-BE49-F238E27FC236}">
-                <a16:creationId xmlns:a16="http://schemas.microsoft.com/office/drawing/2014/main" id="{061C4418-2F26-5D3F-FD31-282B435BC65D}"/>
-              </a:ext>
-            </a:extLst>
-          </p:cNvPr>
-          <p:cNvSpPr txBox="1"/>
-          <p:nvPr/>
-        </p:nvSpPr>
-        <p:spPr>
-          <a:xfrm>
-            <a:off x="354563" y="4197204"/>
-            <a:ext cx="4794951" cy="1485022"/>
-          </a:xfrm>
-          <a:prstGeom prst="rect">
-            <a:avLst/>
-          </a:prstGeom>
-          <a:noFill/>
-        </p:spPr>
-        <p:txBody>
-          <a:bodyPr wrap="square" rtlCol="0" anchor="ctr">
-            <a:spAutoFit/>
-          </a:bodyPr>
-          <a:lstStyle/>
-          <a:p>
-            <a:pPr algn="ctr"/>
-            <a:endParaRPr lang="de-DE" altLang="ko-KR" sz="1050" i="1" dirty="0">
-              <a:solidFill>
-                <a:srgbClr val="002060"/>
-              </a:solidFill>
-              <a:latin typeface="CMU Serif" panose="02000803000000000000" pitchFamily="2" charset="0"/>
-              <a:ea typeface="CMU Serif" panose="02000803000000000000" pitchFamily="2" charset="0"/>
-              <a:cs typeface="CMU Serif" panose="02000803000000000000" pitchFamily="2" charset="0"/>
-            </a:endParaRPr>
-          </a:p>
-          <a:p>
-            <a:pPr algn="ctr"/>
-            <a:r>
-              <a:rPr lang="de-DE" altLang="ko-KR" sz="4000" b="1" dirty="0">
-                <a:solidFill>
-                  <a:srgbClr val="002060"/>
-                </a:solidFill>
-                <a:latin typeface="CMU Serif" panose="02000803000000000000" pitchFamily="2" charset="0"/>
-                <a:ea typeface="CMU Serif" panose="02000803000000000000" pitchFamily="2" charset="0"/>
-                <a:cs typeface="CMU Serif" panose="02000803000000000000" pitchFamily="2" charset="0"/>
-              </a:rPr>
-              <a:t>Vielen Dank für </a:t>
-            </a:r>
-          </a:p>
-          <a:p>
-            <a:pPr algn="ctr"/>
-            <a:r>
-              <a:rPr lang="de-DE" altLang="ko-KR" sz="4000" b="1" dirty="0">
-                <a:solidFill>
-                  <a:srgbClr val="002060"/>
-                </a:solidFill>
-                <a:latin typeface="CMU Serif" panose="02000803000000000000" pitchFamily="2" charset="0"/>
-                <a:ea typeface="CMU Serif" panose="02000803000000000000" pitchFamily="2" charset="0"/>
-                <a:cs typeface="CMU Serif" panose="02000803000000000000" pitchFamily="2" charset="0"/>
-              </a:rPr>
-              <a:t>Aufmerksamkeit</a:t>
-            </a:r>
-            <a:endParaRPr lang="de-DE" altLang="ko-KR" sz="5400" b="1" dirty="0">
-              <a:solidFill>
-                <a:srgbClr val="002060"/>
-              </a:solidFill>
-              <a:latin typeface="CMU Serif" panose="02000803000000000000" pitchFamily="2" charset="0"/>
-              <a:ea typeface="CMU Serif" panose="02000803000000000000" pitchFamily="2" charset="0"/>
-              <a:cs typeface="CMU Serif" panose="02000803000000000000" pitchFamily="2" charset="0"/>
-            </a:endParaRPr>
-          </a:p>
-        </p:txBody>
-      </p:sp>
-    </p:spTree>
-    <p:extLst>
-      <p:ext uri="{BB962C8B-B14F-4D97-AF65-F5344CB8AC3E}">
-        <p14:creationId xmlns:p14="http://schemas.microsoft.com/office/powerpoint/2010/main" val="3228147156"/>
-      </p:ext>
-    </p:extLst>
-  </p:cSld>
-  <p:clrMapOvr>
-    <a:masterClrMapping/>
-  </p:clrMapOvr>
-</p:sld>
-</file>
-
-<file path=ppt/slides/slide2.xml><?xml version="1.0" encoding="utf-8"?>
-<p:sld xmlns:a="http://schemas.openxmlformats.org/drawingml/2006/main" xmlns:r="http://schemas.openxmlformats.org/officeDocument/2006/relationships" xmlns:p="http://schemas.openxmlformats.org/presentationml/2006/main">
-  <p:cSld>
-    <p:spTree>
-      <p:nvGrpSpPr>
-        <p:cNvPr id="1" name=""/>
-        <p:cNvGrpSpPr/>
-        <p:nvPr/>
-      </p:nvGrpSpPr>
-      <p:grpSpPr>
-        <a:xfrm>
-          <a:off x="0" y="0"/>
-          <a:ext cx="0" cy="0"/>
-          <a:chOff x="0" y="0"/>
-          <a:chExt cx="0" cy="0"/>
-        </a:xfrm>
-      </p:grpSpPr>
-      <p:sp>
-        <p:nvSpPr>
-          <p:cNvPr id="3" name="TextBox 3">
-            <a:extLst>
-              <a:ext uri="{FF2B5EF4-FFF2-40B4-BE49-F238E27FC236}">
-                <a16:creationId xmlns:a16="http://schemas.microsoft.com/office/drawing/2014/main" id="{8CBCD8AC-1A5A-0A80-75BE-EF7CFC0E3370}"/>
-              </a:ext>
-            </a:extLst>
-          </p:cNvPr>
-          <p:cNvSpPr txBox="1"/>
-          <p:nvPr/>
-        </p:nvSpPr>
-        <p:spPr>
-          <a:xfrm>
-            <a:off x="0" y="444145"/>
-            <a:ext cx="5446295" cy="842538"/>
-          </a:xfrm>
-          <a:prstGeom prst="rect">
-            <a:avLst/>
-          </a:prstGeom>
-          <a:noFill/>
-        </p:spPr>
-        <p:txBody>
-          <a:bodyPr wrap="square" rtlCol="0" anchor="ctr">
-            <a:spAutoFit/>
-          </a:bodyPr>
-          <a:lstStyle/>
-          <a:p>
-            <a:pPr algn="ctr">
-              <a:lnSpc>
-                <a:spcPts val="5400"/>
-              </a:lnSpc>
-            </a:pPr>
-            <a:r>
-              <a:rPr lang="de-DE" altLang="ko-KR" sz="6000" b="1" dirty="0">
-                <a:solidFill>
-                  <a:srgbClr val="002060"/>
-                </a:solidFill>
-                <a:latin typeface="CMU Serif" panose="02000803000000000000" pitchFamily="2" charset="0"/>
-                <a:ea typeface="CMU Serif" panose="02000803000000000000" pitchFamily="2" charset="0"/>
-                <a:cs typeface="CMU Serif" panose="02000803000000000000" pitchFamily="2" charset="0"/>
-              </a:rPr>
-              <a:t>Gliederung</a:t>
-            </a:r>
-            <a:endParaRPr lang="de-DE" altLang="ko-KR" sz="6000" b="1" dirty="0">
-              <a:solidFill>
-                <a:schemeClr val="accent1"/>
-              </a:solidFill>
-              <a:latin typeface="CMU Serif" panose="02000803000000000000" pitchFamily="2" charset="0"/>
-              <a:ea typeface="CMU Serif" panose="02000803000000000000" pitchFamily="2" charset="0"/>
-              <a:cs typeface="CMU Serif" panose="02000803000000000000" pitchFamily="2" charset="0"/>
-            </a:endParaRPr>
-          </a:p>
-        </p:txBody>
-      </p:sp>
-      <p:sp>
-        <p:nvSpPr>
-          <p:cNvPr id="2" name="Textfeld 1">
-            <a:extLst>
-              <a:ext uri="{FF2B5EF4-FFF2-40B4-BE49-F238E27FC236}">
-                <a16:creationId xmlns:a16="http://schemas.microsoft.com/office/drawing/2014/main" id="{5416969B-CB20-490A-B9C4-BD3ACAC43A1D}"/>
-              </a:ext>
-            </a:extLst>
-          </p:cNvPr>
-          <p:cNvSpPr txBox="1"/>
-          <p:nvPr/>
-        </p:nvSpPr>
-        <p:spPr>
-          <a:xfrm>
-            <a:off x="762000" y="1355558"/>
-            <a:ext cx="8847221" cy="2031325"/>
-          </a:xfrm>
-          <a:prstGeom prst="rect">
-            <a:avLst/>
-          </a:prstGeom>
-          <a:noFill/>
-        </p:spPr>
-        <p:txBody>
-          <a:bodyPr wrap="square" rtlCol="0">
-            <a:spAutoFit/>
-          </a:bodyPr>
-          <a:lstStyle/>
-          <a:p>
-            <a:r>
-              <a:rPr lang="de-DE" dirty="0">
-                <a:latin typeface="Bahnschrift SemiLight" panose="020B0502040204020203" pitchFamily="34" charset="0"/>
-              </a:rPr>
-              <a:t>Vorstellung des Datensatzes und Zweck der Analyse</a:t>
-            </a:r>
-          </a:p>
-          <a:p>
-            <a:r>
-              <a:rPr lang="de-DE" dirty="0">
-                <a:latin typeface="Bahnschrift SemiLight" panose="020B0502040204020203" pitchFamily="34" charset="0"/>
-              </a:rPr>
-              <a:t>Deskriptive Datenanalyse</a:t>
-            </a:r>
-          </a:p>
-          <a:p>
-            <a:r>
-              <a:rPr lang="de-DE" dirty="0">
-                <a:latin typeface="Bahnschrift SemiLight" panose="020B0502040204020203" pitchFamily="34" charset="0"/>
-              </a:rPr>
-              <a:t>3 Maschinelle Lernverfahren</a:t>
-            </a:r>
-          </a:p>
-          <a:p>
-            <a:r>
-              <a:rPr lang="de-DE" dirty="0">
-                <a:latin typeface="Bahnschrift SemiLight" panose="020B0502040204020203" pitchFamily="34" charset="0"/>
-              </a:rPr>
-              <a:t>	Maschinelles Lernverfahren 1</a:t>
-            </a:r>
-          </a:p>
-          <a:p>
-            <a:r>
-              <a:rPr lang="de-DE" dirty="0">
-                <a:latin typeface="Bahnschrift SemiLight" panose="020B0502040204020203" pitchFamily="34" charset="0"/>
-              </a:rPr>
-              <a:t>	Maschinelles Lernverfahren 2</a:t>
-            </a:r>
-          </a:p>
-          <a:p>
-            <a:r>
-              <a:rPr lang="de-DE" dirty="0">
-                <a:latin typeface="Bahnschrift SemiLight" panose="020B0502040204020203" pitchFamily="34" charset="0"/>
-              </a:rPr>
-              <a:t>	Maschinelles Lernverfahren 3</a:t>
-            </a:r>
-          </a:p>
-          <a:p>
-            <a:endParaRPr lang="de-DE" dirty="0"/>
-          </a:p>
-        </p:txBody>
-      </p:sp>
-    </p:spTree>
-    <p:extLst>
-      <p:ext uri="{BB962C8B-B14F-4D97-AF65-F5344CB8AC3E}">
-        <p14:creationId xmlns:p14="http://schemas.microsoft.com/office/powerpoint/2010/main" val="1706006787"/>
-      </p:ext>
-    </p:extLst>
-  </p:cSld>
-  <p:clrMapOvr>
-    <a:masterClrMapping/>
-  </p:clrMapOvr>
-</p:sld>
-</file>
-
-<file path=ppt/slides/slide3.xml><?xml version="1.0" encoding="utf-8"?>
-<p:sld xmlns:a="http://schemas.openxmlformats.org/drawingml/2006/main" xmlns:r="http://schemas.openxmlformats.org/officeDocument/2006/relationships" xmlns:p="http://schemas.openxmlformats.org/presentationml/2006/main">
-  <p:cSld>
-    <p:spTree>
-      <p:nvGrpSpPr>
-        <p:cNvPr id="1" name=""/>
-        <p:cNvGrpSpPr/>
-        <p:nvPr/>
-      </p:nvGrpSpPr>
-      <p:grpSpPr>
-        <a:xfrm>
-          <a:off x="0" y="0"/>
-          <a:ext cx="0" cy="0"/>
-          <a:chOff x="0" y="0"/>
-          <a:chExt cx="0" cy="0"/>
-        </a:xfrm>
-      </p:grpSpPr>
-      <p:sp>
-        <p:nvSpPr>
-          <p:cNvPr id="4" name="TextBox 3">
-            <a:extLst>
-              <a:ext uri="{FF2B5EF4-FFF2-40B4-BE49-F238E27FC236}">
-                <a16:creationId xmlns:a16="http://schemas.microsoft.com/office/drawing/2014/main" id="{948A2979-A456-4286-B8FC-8FF4C0C58EFD}"/>
-              </a:ext>
-            </a:extLst>
-          </p:cNvPr>
-          <p:cNvSpPr txBox="1"/>
-          <p:nvPr/>
-        </p:nvSpPr>
-        <p:spPr>
-          <a:xfrm>
-            <a:off x="5959642" y="2549187"/>
-            <a:ext cx="5887453" cy="1535036"/>
-          </a:xfrm>
-          <a:prstGeom prst="rect">
-            <a:avLst/>
-          </a:prstGeom>
-          <a:noFill/>
-        </p:spPr>
-        <p:txBody>
-          <a:bodyPr wrap="square" rtlCol="0" anchor="ctr">
-            <a:spAutoFit/>
-          </a:bodyPr>
-          <a:lstStyle/>
-          <a:p>
-            <a:pPr algn="ctr">
-              <a:lnSpc>
-                <a:spcPts val="5400"/>
-              </a:lnSpc>
-              <a:spcAft>
-                <a:spcPts val="600"/>
-              </a:spcAft>
-            </a:pPr>
-            <a:r>
-              <a:rPr lang="de-DE" altLang="ko-KR" sz="6000" b="1" dirty="0">
-                <a:solidFill>
-                  <a:srgbClr val="002060"/>
-                </a:solidFill>
-                <a:latin typeface="CMU Serif" panose="02000803000000000000" pitchFamily="2" charset="0"/>
-                <a:ea typeface="CMU Serif" panose="02000803000000000000" pitchFamily="2" charset="0"/>
-                <a:cs typeface="CMU Serif" panose="02000803000000000000" pitchFamily="2" charset="0"/>
-              </a:rPr>
-              <a:t>1. Deskriptive</a:t>
-            </a:r>
-            <a:br>
-              <a:rPr lang="de-DE" altLang="ko-KR" sz="6000" b="1" dirty="0">
-                <a:solidFill>
-                  <a:srgbClr val="002060"/>
-                </a:solidFill>
-                <a:latin typeface="CMU Serif" panose="02000803000000000000" pitchFamily="2" charset="0"/>
-                <a:ea typeface="CMU Serif" panose="02000803000000000000" pitchFamily="2" charset="0"/>
-                <a:cs typeface="CMU Serif" panose="02000803000000000000" pitchFamily="2" charset="0"/>
-              </a:rPr>
-            </a:br>
-            <a:r>
-              <a:rPr lang="de-DE" altLang="ko-KR" sz="6000" b="1" dirty="0">
-                <a:solidFill>
-                  <a:srgbClr val="002060"/>
-                </a:solidFill>
-                <a:latin typeface="CMU Serif" panose="02000803000000000000" pitchFamily="2" charset="0"/>
-                <a:ea typeface="CMU Serif" panose="02000803000000000000" pitchFamily="2" charset="0"/>
-                <a:cs typeface="CMU Serif" panose="02000803000000000000" pitchFamily="2" charset="0"/>
-              </a:rPr>
-              <a:t>Datenanalyse</a:t>
-            </a:r>
-            <a:endParaRPr lang="de-DE" altLang="ko-KR" sz="6000" b="1" dirty="0">
-              <a:solidFill>
-                <a:schemeClr val="accent1"/>
-              </a:solidFill>
-              <a:latin typeface="CMU Serif" panose="02000803000000000000" pitchFamily="2" charset="0"/>
-              <a:ea typeface="CMU Serif" panose="02000803000000000000" pitchFamily="2" charset="0"/>
-              <a:cs typeface="CMU Serif" panose="02000803000000000000" pitchFamily="2" charset="0"/>
-            </a:endParaRPr>
-          </a:p>
-        </p:txBody>
-      </p:sp>
-      <p:sp>
-        <p:nvSpPr>
-          <p:cNvPr id="153" name="Freeform: Shape 152">
-            <a:extLst>
-              <a:ext uri="{FF2B5EF4-FFF2-40B4-BE49-F238E27FC236}">
-                <a16:creationId xmlns:a16="http://schemas.microsoft.com/office/drawing/2014/main" id="{F3B4A34E-C246-47F5-A863-109A43C0757D}"/>
-              </a:ext>
-            </a:extLst>
-          </p:cNvPr>
-          <p:cNvSpPr/>
-          <p:nvPr/>
-        </p:nvSpPr>
-        <p:spPr>
-          <a:xfrm>
-            <a:off x="673768" y="1688100"/>
-            <a:ext cx="5086770" cy="3128874"/>
-          </a:xfrm>
-          <a:custGeom>
-            <a:avLst/>
-            <a:gdLst>
-              <a:gd name="connsiteX0" fmla="*/ 5086770 w 5086770"/>
-              <a:gd name="connsiteY0" fmla="*/ 1174706 h 3128874"/>
-              <a:gd name="connsiteX1" fmla="*/ 5086770 w 5086770"/>
-              <a:gd name="connsiteY1" fmla="*/ 1184663 h 3128874"/>
-              <a:gd name="connsiteX2" fmla="*/ 5079830 w 5086770"/>
-              <a:gd name="connsiteY2" fmla="*/ 1185820 h 3128874"/>
-              <a:gd name="connsiteX3" fmla="*/ 5078289 w 5086770"/>
-              <a:gd name="connsiteY3" fmla="*/ 1182737 h 3128874"/>
-              <a:gd name="connsiteX4" fmla="*/ 5078289 w 5086770"/>
-              <a:gd name="connsiteY4" fmla="*/ 1179654 h 3128874"/>
-              <a:gd name="connsiteX5" fmla="*/ 1690658 w 5086770"/>
-              <a:gd name="connsiteY5" fmla="*/ 810655 h 3128874"/>
-              <a:gd name="connsiteX6" fmla="*/ 1349061 w 5086770"/>
-              <a:gd name="connsiteY6" fmla="*/ 1934928 h 3128874"/>
-              <a:gd name="connsiteX7" fmla="*/ 2035854 w 5086770"/>
-              <a:gd name="connsiteY7" fmla="*/ 1934928 h 3128874"/>
-              <a:gd name="connsiteX8" fmla="*/ 3765314 w 5086770"/>
-              <a:gd name="connsiteY8" fmla="*/ 0 h 3128874"/>
-              <a:gd name="connsiteX9" fmla="*/ 4465138 w 5086770"/>
-              <a:gd name="connsiteY9" fmla="*/ 0 h 3128874"/>
-              <a:gd name="connsiteX10" fmla="*/ 4675955 w 5086770"/>
-              <a:gd name="connsiteY10" fmla="*/ 0 h 3128874"/>
-              <a:gd name="connsiteX11" fmla="*/ 4659036 w 5086770"/>
-              <a:gd name="connsiteY11" fmla="*/ 34412 h 3128874"/>
-              <a:gd name="connsiteX12" fmla="*/ 4651327 w 5086770"/>
-              <a:gd name="connsiteY12" fmla="*/ 45203 h 3128874"/>
-              <a:gd name="connsiteX13" fmla="*/ 4648245 w 5086770"/>
-              <a:gd name="connsiteY13" fmla="*/ 51368 h 3128874"/>
-              <a:gd name="connsiteX14" fmla="*/ 4483319 w 5086770"/>
-              <a:gd name="connsiteY14" fmla="*/ 361184 h 3128874"/>
-              <a:gd name="connsiteX15" fmla="*/ 4480236 w 5086770"/>
-              <a:gd name="connsiteY15" fmla="*/ 373515 h 3128874"/>
-              <a:gd name="connsiteX16" fmla="*/ 4474071 w 5086770"/>
-              <a:gd name="connsiteY16" fmla="*/ 398176 h 3128874"/>
-              <a:gd name="connsiteX17" fmla="*/ 4450950 w 5086770"/>
-              <a:gd name="connsiteY17" fmla="*/ 498367 h 3128874"/>
-              <a:gd name="connsiteX18" fmla="*/ 4440161 w 5086770"/>
-              <a:gd name="connsiteY18" fmla="*/ 527652 h 3128874"/>
-              <a:gd name="connsiteX19" fmla="*/ 4441700 w 5086770"/>
-              <a:gd name="connsiteY19" fmla="*/ 539983 h 3128874"/>
-              <a:gd name="connsiteX20" fmla="*/ 4437078 w 5086770"/>
-              <a:gd name="connsiteY20" fmla="*/ 561562 h 3128874"/>
-              <a:gd name="connsiteX21" fmla="*/ 4433995 w 5086770"/>
-              <a:gd name="connsiteY21" fmla="*/ 576976 h 3128874"/>
-              <a:gd name="connsiteX22" fmla="*/ 4433994 w 5086770"/>
-              <a:gd name="connsiteY22" fmla="*/ 578519 h 3128874"/>
-              <a:gd name="connsiteX23" fmla="*/ 4413956 w 5086770"/>
-              <a:gd name="connsiteY23" fmla="*/ 797393 h 3128874"/>
-              <a:gd name="connsiteX24" fmla="*/ 4438619 w 5086770"/>
-              <a:gd name="connsiteY24" fmla="*/ 996230 h 3128874"/>
-              <a:gd name="connsiteX25" fmla="*/ 4433995 w 5086770"/>
-              <a:gd name="connsiteY25" fmla="*/ 1016268 h 3128874"/>
-              <a:gd name="connsiteX26" fmla="*/ 4435536 w 5086770"/>
-              <a:gd name="connsiteY26" fmla="*/ 1025517 h 3128874"/>
-              <a:gd name="connsiteX27" fmla="*/ 4437078 w 5086770"/>
-              <a:gd name="connsiteY27" fmla="*/ 1027057 h 3128874"/>
-              <a:gd name="connsiteX28" fmla="*/ 4432452 w 5086770"/>
-              <a:gd name="connsiteY28" fmla="*/ 1048636 h 3128874"/>
-              <a:gd name="connsiteX29" fmla="*/ 4413956 w 5086770"/>
-              <a:gd name="connsiteY29" fmla="*/ 1085630 h 3128874"/>
-              <a:gd name="connsiteX30" fmla="*/ 4196623 w 5086770"/>
-              <a:gd name="connsiteY30" fmla="*/ 1389280 h 3128874"/>
-              <a:gd name="connsiteX31" fmla="*/ 4085645 w 5086770"/>
-              <a:gd name="connsiteY31" fmla="*/ 1597365 h 3128874"/>
-              <a:gd name="connsiteX32" fmla="*/ 4216661 w 5086770"/>
-              <a:gd name="connsiteY32" fmla="*/ 1697556 h 3128874"/>
-              <a:gd name="connsiteX33" fmla="*/ 4250571 w 5086770"/>
-              <a:gd name="connsiteY33" fmla="*/ 1811617 h 3128874"/>
-              <a:gd name="connsiteX34" fmla="*/ 4173502 w 5086770"/>
-              <a:gd name="connsiteY34" fmla="*/ 1888685 h 3128874"/>
-              <a:gd name="connsiteX35" fmla="*/ 4213578 w 5086770"/>
-              <a:gd name="connsiteY35" fmla="*/ 2022784 h 3128874"/>
-              <a:gd name="connsiteX36" fmla="*/ 4347678 w 5086770"/>
-              <a:gd name="connsiteY36" fmla="*/ 2090605 h 3128874"/>
-              <a:gd name="connsiteX37" fmla="*/ 4233616 w 5086770"/>
-              <a:gd name="connsiteY37" fmla="*/ 2138388 h 3128874"/>
-              <a:gd name="connsiteX38" fmla="*/ 4227451 w 5086770"/>
-              <a:gd name="connsiteY38" fmla="*/ 2258616 h 3128874"/>
-              <a:gd name="connsiteX39" fmla="*/ 4350761 w 5086770"/>
-              <a:gd name="connsiteY39" fmla="*/ 2320270 h 3128874"/>
-              <a:gd name="connsiteX40" fmla="*/ 4333805 w 5086770"/>
-              <a:gd name="connsiteY40" fmla="*/ 2462077 h 3128874"/>
-              <a:gd name="connsiteX41" fmla="*/ 4467905 w 5086770"/>
-              <a:gd name="connsiteY41" fmla="*/ 2719486 h 3128874"/>
-              <a:gd name="connsiteX42" fmla="*/ 4800655 w 5086770"/>
-              <a:gd name="connsiteY42" fmla="*/ 2748491 h 3128874"/>
-              <a:gd name="connsiteX43" fmla="*/ 4838191 w 5086770"/>
-              <a:gd name="connsiteY43" fmla="*/ 2744074 h 3128874"/>
-              <a:gd name="connsiteX44" fmla="*/ 4863823 w 5086770"/>
-              <a:gd name="connsiteY44" fmla="*/ 2765476 h 3128874"/>
-              <a:gd name="connsiteX45" fmla="*/ 4934321 w 5086770"/>
-              <a:gd name="connsiteY45" fmla="*/ 2911083 h 3128874"/>
-              <a:gd name="connsiteX46" fmla="*/ 4964162 w 5086770"/>
-              <a:gd name="connsiteY46" fmla="*/ 3074402 h 3128874"/>
-              <a:gd name="connsiteX47" fmla="*/ 4967647 w 5086770"/>
-              <a:gd name="connsiteY47" fmla="*/ 3128874 h 3128874"/>
-              <a:gd name="connsiteX48" fmla="*/ 4465138 w 5086770"/>
-              <a:gd name="connsiteY48" fmla="*/ 3128874 h 3128874"/>
-              <a:gd name="connsiteX49" fmla="*/ 4465138 w 5086770"/>
-              <a:gd name="connsiteY49" fmla="*/ 3127460 h 3128874"/>
-              <a:gd name="connsiteX50" fmla="*/ 3765314 w 5086770"/>
-              <a:gd name="connsiteY50" fmla="*/ 3127460 h 3128874"/>
-              <a:gd name="connsiteX51" fmla="*/ 1175459 w 5086770"/>
-              <a:gd name="connsiteY51" fmla="*/ 0 h 3128874"/>
-              <a:gd name="connsiteX52" fmla="*/ 2229594 w 5086770"/>
-              <a:gd name="connsiteY52" fmla="*/ 0 h 3128874"/>
-              <a:gd name="connsiteX53" fmla="*/ 3404781 w 5086770"/>
-              <a:gd name="connsiteY53" fmla="*/ 3127460 h 3128874"/>
-              <a:gd name="connsiteX54" fmla="*/ 2392789 w 5086770"/>
-              <a:gd name="connsiteY54" fmla="*/ 3127460 h 3128874"/>
-              <a:gd name="connsiteX55" fmla="*/ 2236317 w 5086770"/>
-              <a:gd name="connsiteY55" fmla="*/ 2611186 h 3128874"/>
-              <a:gd name="connsiteX56" fmla="*/ 1139165 w 5086770"/>
-              <a:gd name="connsiteY56" fmla="*/ 2611186 h 3128874"/>
-              <a:gd name="connsiteX57" fmla="*/ 986721 w 5086770"/>
-              <a:gd name="connsiteY57" fmla="*/ 3127460 h 3128874"/>
-              <a:gd name="connsiteX58" fmla="*/ 0 w 5086770"/>
-              <a:gd name="connsiteY58" fmla="*/ 3127460 h 3128874"/>
-            </a:gdLst>
-            <a:ahLst/>
-            <a:cxnLst>
-              <a:cxn ang="0">
-                <a:pos x="connsiteX0" y="connsiteY0"/>
-              </a:cxn>
-              <a:cxn ang="0">
-                <a:pos x="connsiteX1" y="connsiteY1"/>
-              </a:cxn>
-              <a:cxn ang="0">
-                <a:pos x="connsiteX2" y="connsiteY2"/>
-              </a:cxn>
-              <a:cxn ang="0">
-                <a:pos x="connsiteX3" y="connsiteY3"/>
-              </a:cxn>
-              <a:cxn ang="0">
-                <a:pos x="connsiteX4" y="connsiteY4"/>
-              </a:cxn>
-              <a:cxn ang="0">
-                <a:pos x="connsiteX5" y="connsiteY5"/>
-              </a:cxn>
-              <a:cxn ang="0">
-                <a:pos x="connsiteX6" y="connsiteY6"/>
-              </a:cxn>
-              <a:cxn ang="0">
-                <a:pos x="connsiteX7" y="connsiteY7"/>
-              </a:cxn>
-              <a:cxn ang="0">
-                <a:pos x="connsiteX8" y="connsiteY8"/>
-              </a:cxn>
-              <a:cxn ang="0">
-                <a:pos x="connsiteX9" y="connsiteY9"/>
-              </a:cxn>
-              <a:cxn ang="0">
-                <a:pos x="connsiteX10" y="connsiteY10"/>
-              </a:cxn>
-              <a:cxn ang="0">
-                <a:pos x="connsiteX11" y="connsiteY11"/>
-              </a:cxn>
-              <a:cxn ang="0">
-                <a:pos x="connsiteX12" y="connsiteY12"/>
-              </a:cxn>
-              <a:cxn ang="0">
-                <a:pos x="connsiteX13" y="connsiteY13"/>
-              </a:cxn>
-              <a:cxn ang="0">
-                <a:pos x="connsiteX14" y="connsiteY14"/>
-              </a:cxn>
-              <a:cxn ang="0">
-                <a:pos x="connsiteX15" y="connsiteY15"/>
-              </a:cxn>
-              <a:cxn ang="0">
-                <a:pos x="connsiteX16" y="connsiteY16"/>
-              </a:cxn>
-              <a:cxn ang="0">
-                <a:pos x="connsiteX17" y="connsiteY17"/>
-              </a:cxn>
-              <a:cxn ang="0">
-                <a:pos x="connsiteX18" y="connsiteY18"/>
-              </a:cxn>
-              <a:cxn ang="0">
-                <a:pos x="connsiteX19" y="connsiteY19"/>
-              </a:cxn>
-              <a:cxn ang="0">
-                <a:pos x="connsiteX20" y="connsiteY20"/>
-              </a:cxn>
-              <a:cxn ang="0">
-                <a:pos x="connsiteX21" y="connsiteY21"/>
-              </a:cxn>
-              <a:cxn ang="0">
-                <a:pos x="connsiteX22" y="connsiteY22"/>
-              </a:cxn>
-              <a:cxn ang="0">
-                <a:pos x="connsiteX23" y="connsiteY23"/>
-              </a:cxn>
-              <a:cxn ang="0">
-                <a:pos x="connsiteX24" y="connsiteY24"/>
-              </a:cxn>
-              <a:cxn ang="0">
-                <a:pos x="connsiteX25" y="connsiteY25"/>
-              </a:cxn>
-              <a:cxn ang="0">
-                <a:pos x="connsiteX26" y="connsiteY26"/>
-              </a:cxn>
-              <a:cxn ang="0">
-                <a:pos x="connsiteX27" y="connsiteY27"/>
-              </a:cxn>
-              <a:cxn ang="0">
-                <a:pos x="connsiteX28" y="connsiteY28"/>
-              </a:cxn>
-              <a:cxn ang="0">
-                <a:pos x="connsiteX29" y="connsiteY29"/>
-              </a:cxn>
-              <a:cxn ang="0">
-                <a:pos x="connsiteX30" y="connsiteY30"/>
-              </a:cxn>
-              <a:cxn ang="0">
-                <a:pos x="connsiteX31" y="connsiteY31"/>
-              </a:cxn>
-              <a:cxn ang="0">
-                <a:pos x="connsiteX32" y="connsiteY32"/>
-              </a:cxn>
-              <a:cxn ang="0">
-                <a:pos x="connsiteX33" y="connsiteY33"/>
-              </a:cxn>
-              <a:cxn ang="0">
-                <a:pos x="connsiteX34" y="connsiteY34"/>
-              </a:cxn>
-              <a:cxn ang="0">
-                <a:pos x="connsiteX35" y="connsiteY35"/>
-              </a:cxn>
-              <a:cxn ang="0">
-                <a:pos x="connsiteX36" y="connsiteY36"/>
-              </a:cxn>
-              <a:cxn ang="0">
-                <a:pos x="connsiteX37" y="connsiteY37"/>
-              </a:cxn>
-              <a:cxn ang="0">
-                <a:pos x="connsiteX38" y="connsiteY38"/>
-              </a:cxn>
-              <a:cxn ang="0">
-                <a:pos x="connsiteX39" y="connsiteY39"/>
-              </a:cxn>
-              <a:cxn ang="0">
-                <a:pos x="connsiteX40" y="connsiteY40"/>
-              </a:cxn>
-              <a:cxn ang="0">
-                <a:pos x="connsiteX41" y="connsiteY41"/>
-              </a:cxn>
-              <a:cxn ang="0">
-                <a:pos x="connsiteX42" y="connsiteY42"/>
-              </a:cxn>
-              <a:cxn ang="0">
-                <a:pos x="connsiteX43" y="connsiteY43"/>
-              </a:cxn>
-              <a:cxn ang="0">
-                <a:pos x="connsiteX44" y="connsiteY44"/>
-              </a:cxn>
-              <a:cxn ang="0">
-                <a:pos x="connsiteX45" y="connsiteY45"/>
-              </a:cxn>
-              <a:cxn ang="0">
-                <a:pos x="connsiteX46" y="connsiteY46"/>
-              </a:cxn>
-              <a:cxn ang="0">
-                <a:pos x="connsiteX47" y="connsiteY47"/>
-              </a:cxn>
-              <a:cxn ang="0">
-                <a:pos x="connsiteX48" y="connsiteY48"/>
-              </a:cxn>
-              <a:cxn ang="0">
-                <a:pos x="connsiteX49" y="connsiteY49"/>
-              </a:cxn>
-              <a:cxn ang="0">
-                <a:pos x="connsiteX50" y="connsiteY50"/>
-              </a:cxn>
-              <a:cxn ang="0">
-                <a:pos x="connsiteX51" y="connsiteY51"/>
-              </a:cxn>
-              <a:cxn ang="0">
-                <a:pos x="connsiteX52" y="connsiteY52"/>
-              </a:cxn>
-              <a:cxn ang="0">
-                <a:pos x="connsiteX53" y="connsiteY53"/>
-              </a:cxn>
-              <a:cxn ang="0">
-                <a:pos x="connsiteX54" y="connsiteY54"/>
-              </a:cxn>
-              <a:cxn ang="0">
-                <a:pos x="connsiteX55" y="connsiteY55"/>
-              </a:cxn>
-              <a:cxn ang="0">
-                <a:pos x="connsiteX56" y="connsiteY56"/>
-              </a:cxn>
-              <a:cxn ang="0">
-                <a:pos x="connsiteX57" y="connsiteY57"/>
-              </a:cxn>
-              <a:cxn ang="0">
-                <a:pos x="connsiteX58" y="connsiteY58"/>
-              </a:cxn>
-            </a:cxnLst>
-            <a:rect l="l" t="t" r="r" b="b"/>
-            <a:pathLst>
-              <a:path w="5086770" h="3128874">
-                <a:moveTo>
-                  <a:pt x="5086770" y="1174706"/>
-                </a:moveTo>
-                <a:lnTo>
-                  <a:pt x="5086770" y="1184663"/>
-                </a:lnTo>
-                <a:lnTo>
-                  <a:pt x="5079830" y="1185820"/>
-                </a:lnTo>
-                <a:cubicBezTo>
-                  <a:pt x="5079829" y="1184277"/>
-                  <a:pt x="5078289" y="1184277"/>
-                  <a:pt x="5078289" y="1182737"/>
-                </a:cubicBezTo>
-                <a:lnTo>
-                  <a:pt x="5078289" y="1179654"/>
-                </a:lnTo>
-                <a:close/>
-                <a:moveTo>
-                  <a:pt x="1690658" y="810655"/>
-                </a:moveTo>
-                <a:lnTo>
-                  <a:pt x="1349061" y="1934928"/>
-                </a:lnTo>
-                <a:lnTo>
-                  <a:pt x="2035854" y="1934928"/>
-                </a:lnTo>
-                <a:close/>
-                <a:moveTo>
-                  <a:pt x="3765314" y="0"/>
-                </a:moveTo>
-                <a:lnTo>
-                  <a:pt x="4465138" y="0"/>
-                </a:lnTo>
-                <a:lnTo>
-                  <a:pt x="4675955" y="0"/>
-                </a:lnTo>
-                <a:lnTo>
-                  <a:pt x="4659036" y="34412"/>
-                </a:lnTo>
-                <a:cubicBezTo>
-                  <a:pt x="4655952" y="37496"/>
-                  <a:pt x="4652870" y="40578"/>
-                  <a:pt x="4651327" y="45203"/>
-                </a:cubicBezTo>
-                <a:cubicBezTo>
-                  <a:pt x="4649787" y="48285"/>
-                  <a:pt x="4649788" y="49827"/>
-                  <a:pt x="4648245" y="51368"/>
-                </a:cubicBezTo>
-                <a:cubicBezTo>
-                  <a:pt x="4632831" y="72947"/>
-                  <a:pt x="4528018" y="224002"/>
-                  <a:pt x="4483319" y="361184"/>
-                </a:cubicBezTo>
-                <a:cubicBezTo>
-                  <a:pt x="4481777" y="365808"/>
-                  <a:pt x="4480236" y="368891"/>
-                  <a:pt x="4480236" y="373515"/>
-                </a:cubicBezTo>
-                <a:cubicBezTo>
-                  <a:pt x="4478694" y="381223"/>
-                  <a:pt x="4475612" y="390471"/>
-                  <a:pt x="4474071" y="398176"/>
-                </a:cubicBezTo>
-                <a:cubicBezTo>
-                  <a:pt x="4466362" y="432087"/>
-                  <a:pt x="4458657" y="465997"/>
-                  <a:pt x="4450950" y="498367"/>
-                </a:cubicBezTo>
-                <a:cubicBezTo>
-                  <a:pt x="4444783" y="506073"/>
-                  <a:pt x="4440160" y="516863"/>
-                  <a:pt x="4440161" y="527652"/>
-                </a:cubicBezTo>
-                <a:cubicBezTo>
-                  <a:pt x="4440160" y="532277"/>
-                  <a:pt x="4440160" y="535360"/>
-                  <a:pt x="4441700" y="539983"/>
-                </a:cubicBezTo>
-                <a:cubicBezTo>
-                  <a:pt x="4440161" y="547691"/>
-                  <a:pt x="4438618" y="555397"/>
-                  <a:pt x="4437078" y="561562"/>
-                </a:cubicBezTo>
-                <a:cubicBezTo>
-                  <a:pt x="4435535" y="566187"/>
-                  <a:pt x="4433995" y="570810"/>
-                  <a:pt x="4433995" y="576976"/>
-                </a:cubicBezTo>
-                <a:cubicBezTo>
-                  <a:pt x="4433995" y="576976"/>
-                  <a:pt x="4433994" y="578519"/>
-                  <a:pt x="4433994" y="578519"/>
-                </a:cubicBezTo>
-                <a:cubicBezTo>
-                  <a:pt x="4417039" y="674083"/>
-                  <a:pt x="4407790" y="755776"/>
-                  <a:pt x="4413956" y="797393"/>
-                </a:cubicBezTo>
-                <a:cubicBezTo>
-                  <a:pt x="4421664" y="846717"/>
-                  <a:pt x="4440160" y="929951"/>
-                  <a:pt x="4438619" y="996230"/>
-                </a:cubicBezTo>
-                <a:cubicBezTo>
-                  <a:pt x="4435535" y="1002395"/>
-                  <a:pt x="4433995" y="1008560"/>
-                  <a:pt x="4433995" y="1016268"/>
-                </a:cubicBezTo>
-                <a:cubicBezTo>
-                  <a:pt x="4433995" y="1019351"/>
-                  <a:pt x="4435536" y="1022434"/>
-                  <a:pt x="4435536" y="1025517"/>
-                </a:cubicBezTo>
-                <a:cubicBezTo>
-                  <a:pt x="4435536" y="1025517"/>
-                  <a:pt x="4435535" y="1027057"/>
-                  <a:pt x="4437078" y="1027057"/>
-                </a:cubicBezTo>
-                <a:cubicBezTo>
-                  <a:pt x="4435536" y="1034764"/>
-                  <a:pt x="4433994" y="1042471"/>
-                  <a:pt x="4432452" y="1048636"/>
-                </a:cubicBezTo>
-                <a:lnTo>
-                  <a:pt x="4413956" y="1085630"/>
-                </a:lnTo>
-                <a:cubicBezTo>
-                  <a:pt x="4369257" y="1164240"/>
-                  <a:pt x="4258278" y="1339957"/>
-                  <a:pt x="4196623" y="1389280"/>
-                </a:cubicBezTo>
-                <a:cubicBezTo>
-                  <a:pt x="4128802" y="1441687"/>
-                  <a:pt x="4062523" y="1538793"/>
-                  <a:pt x="4085645" y="1597365"/>
-                </a:cubicBezTo>
-                <a:cubicBezTo>
-                  <a:pt x="4119555" y="1660562"/>
-                  <a:pt x="4181210" y="1688307"/>
-                  <a:pt x="4216661" y="1697556"/>
-                </a:cubicBezTo>
-                <a:cubicBezTo>
-                  <a:pt x="4252112" y="1706804"/>
-                  <a:pt x="4275233" y="1779247"/>
-                  <a:pt x="4250571" y="1811617"/>
-                </a:cubicBezTo>
-                <a:cubicBezTo>
-                  <a:pt x="4225909" y="1843985"/>
-                  <a:pt x="4187375" y="1853233"/>
-                  <a:pt x="4173502" y="1888685"/>
-                </a:cubicBezTo>
-                <a:cubicBezTo>
-                  <a:pt x="4159630" y="1924137"/>
-                  <a:pt x="4153465" y="1998123"/>
-                  <a:pt x="4213578" y="2022784"/>
-                </a:cubicBezTo>
-                <a:cubicBezTo>
-                  <a:pt x="4259818" y="2041281"/>
-                  <a:pt x="4349219" y="2081356"/>
-                  <a:pt x="4347678" y="2090605"/>
-                </a:cubicBezTo>
-                <a:cubicBezTo>
-                  <a:pt x="4346136" y="2099853"/>
-                  <a:pt x="4250570" y="2107561"/>
-                  <a:pt x="4233616" y="2138388"/>
-                </a:cubicBezTo>
-                <a:cubicBezTo>
-                  <a:pt x="4216660" y="2169216"/>
-                  <a:pt x="4204330" y="2220080"/>
-                  <a:pt x="4227451" y="2258616"/>
-                </a:cubicBezTo>
-                <a:cubicBezTo>
-                  <a:pt x="4250571" y="2297149"/>
-                  <a:pt x="4332264" y="2292526"/>
-                  <a:pt x="4350761" y="2320270"/>
-                </a:cubicBezTo>
-                <a:cubicBezTo>
-                  <a:pt x="4381588" y="2371135"/>
-                  <a:pt x="4358466" y="2378843"/>
-                  <a:pt x="4333805" y="2462077"/>
-                </a:cubicBezTo>
-                <a:cubicBezTo>
-                  <a:pt x="4306060" y="2551476"/>
-                  <a:pt x="4302977" y="2650125"/>
-                  <a:pt x="4467905" y="2719486"/>
-                </a:cubicBezTo>
-                <a:cubicBezTo>
-                  <a:pt x="4562314" y="2758983"/>
-                  <a:pt x="4694054" y="2758743"/>
-                  <a:pt x="4800655" y="2748491"/>
-                </a:cubicBezTo>
-                <a:lnTo>
-                  <a:pt x="4838191" y="2744074"/>
-                </a:lnTo>
-                <a:lnTo>
-                  <a:pt x="4863823" y="2765476"/>
-                </a:lnTo>
-                <a:cubicBezTo>
-                  <a:pt x="4895578" y="2799449"/>
-                  <a:pt x="4917344" y="2847230"/>
-                  <a:pt x="4934321" y="2911083"/>
-                </a:cubicBezTo>
-                <a:cubicBezTo>
-                  <a:pt x="4945640" y="2953651"/>
-                  <a:pt x="4957371" y="3013267"/>
-                  <a:pt x="4964162" y="3074402"/>
-                </a:cubicBezTo>
-                <a:lnTo>
-                  <a:pt x="4967647" y="3128874"/>
-                </a:lnTo>
-                <a:lnTo>
-                  <a:pt x="4465138" y="3128874"/>
-                </a:lnTo>
-                <a:lnTo>
-                  <a:pt x="4465138" y="3127460"/>
-                </a:lnTo>
-                <a:lnTo>
-                  <a:pt x="3765314" y="3127460"/>
-                </a:lnTo>
-                <a:close/>
-                <a:moveTo>
-                  <a:pt x="1175459" y="0"/>
-                </a:moveTo>
-                <a:lnTo>
-                  <a:pt x="2229594" y="0"/>
-                </a:lnTo>
-                <a:lnTo>
-                  <a:pt x="3404781" y="3127460"/>
-                </a:lnTo>
-                <a:lnTo>
-                  <a:pt x="2392789" y="3127460"/>
-                </a:lnTo>
-                <a:lnTo>
-                  <a:pt x="2236317" y="2611186"/>
-                </a:lnTo>
-                <a:lnTo>
-                  <a:pt x="1139165" y="2611186"/>
-                </a:lnTo>
-                <a:lnTo>
-                  <a:pt x="986721" y="3127460"/>
-                </a:lnTo>
-                <a:lnTo>
-                  <a:pt x="0" y="3127460"/>
-                </a:lnTo>
-                <a:close/>
-              </a:path>
-            </a:pathLst>
-          </a:custGeom>
-          <a:solidFill>
-            <a:srgbClr val="002060"/>
-          </a:solidFill>
-          <a:ln>
-            <a:noFill/>
-          </a:ln>
-        </p:spPr>
-        <p:style>
-          <a:lnRef idx="2">
-            <a:schemeClr val="accent1">
-              <a:shade val="50000"/>
-            </a:schemeClr>
-          </a:lnRef>
-          <a:fillRef idx="1">
-            <a:schemeClr val="accent1"/>
-          </a:fillRef>
-          <a:effectRef idx="0">
-            <a:schemeClr val="accent1"/>
-          </a:effectRef>
-          <a:fontRef idx="minor">
-            <a:schemeClr val="lt1"/>
-          </a:fontRef>
-        </p:style>
-        <p:txBody>
-          <a:bodyPr rtlCol="0" anchor="ctr"/>
-          <a:lstStyle/>
-          <a:p>
-            <a:pPr algn="ctr"/>
-            <a:endParaRPr lang="en-US"/>
-          </a:p>
-        </p:txBody>
-      </p:sp>
-      <p:sp>
-        <p:nvSpPr>
-          <p:cNvPr id="2" name="Rechteck 1">
-            <a:extLst>
-              <a:ext uri="{FF2B5EF4-FFF2-40B4-BE49-F238E27FC236}">
-                <a16:creationId xmlns:a16="http://schemas.microsoft.com/office/drawing/2014/main" id="{96AA9A24-87CF-4FD9-A062-3E8FD5FCE155}"/>
-              </a:ext>
-            </a:extLst>
-          </p:cNvPr>
-          <p:cNvSpPr/>
-          <p:nvPr/>
-        </p:nvSpPr>
-        <p:spPr>
-          <a:xfrm>
-            <a:off x="-39394" y="6497053"/>
-            <a:ext cx="12270787" cy="425115"/>
-          </a:xfrm>
-          <a:prstGeom prst="rect">
-            <a:avLst/>
-          </a:prstGeom>
-          <a:solidFill>
-            <a:srgbClr val="AA313F"/>
-          </a:solidFill>
-          <a:ln>
-            <a:noFill/>
-          </a:ln>
-        </p:spPr>
-        <p:style>
-          <a:lnRef idx="2">
-            <a:schemeClr val="accent1">
-              <a:shade val="50000"/>
-            </a:schemeClr>
-          </a:lnRef>
-          <a:fillRef idx="1">
-            <a:schemeClr val="accent1"/>
-          </a:fillRef>
-          <a:effectRef idx="0">
-            <a:schemeClr val="accent1"/>
-          </a:effectRef>
-          <a:fontRef idx="minor">
-            <a:schemeClr val="lt1"/>
-          </a:fontRef>
-        </p:style>
-        <p:txBody>
-          <a:bodyPr rtlCol="0" anchor="ctr"/>
-          <a:lstStyle/>
-          <a:p>
-            <a:pPr algn="ctr"/>
-            <a:endParaRPr lang="de-DE"/>
-          </a:p>
-        </p:txBody>
-      </p:sp>
-    </p:spTree>
-    <p:extLst>
-      <p:ext uri="{BB962C8B-B14F-4D97-AF65-F5344CB8AC3E}">
-        <p14:creationId xmlns:p14="http://schemas.microsoft.com/office/powerpoint/2010/main" val="1100588271"/>
-      </p:ext>
-    </p:extLst>
-  </p:cSld>
-  <p:clrMapOvr>
-    <a:masterClrMapping/>
-  </p:clrMapOvr>
-</p:sld>
-</file>
-
-<file path=ppt/slides/slide4.xml><?xml version="1.0" encoding="utf-8"?>
-<p:sld xmlns:a="http://schemas.openxmlformats.org/drawingml/2006/main" xmlns:r="http://schemas.openxmlformats.org/officeDocument/2006/relationships" xmlns:p="http://schemas.openxmlformats.org/presentationml/2006/main">
-  <p:cSld>
-    <p:spTree>
-      <p:nvGrpSpPr>
-        <p:cNvPr id="1" name=""/>
-        <p:cNvGrpSpPr/>
-        <p:nvPr/>
-      </p:nvGrpSpPr>
-      <p:grpSpPr>
-        <a:xfrm>
-          <a:off x="0" y="0"/>
-          <a:ext cx="0" cy="0"/>
-          <a:chOff x="0" y="0"/>
-          <a:chExt cx="0" cy="0"/>
-        </a:xfrm>
-      </p:grpSpPr>
-      <p:sp>
-        <p:nvSpPr>
-          <p:cNvPr id="2" name="Text Placeholder 1"/>
-          <p:cNvSpPr>
-            <a:spLocks noGrp="1"/>
-          </p:cNvSpPr>
-          <p:nvPr>
-            <p:ph type="body" sz="quarter" idx="10"/>
-          </p:nvPr>
-        </p:nvSpPr>
-        <p:spPr>
-          <a:xfrm>
-            <a:off x="1983935" y="380280"/>
-            <a:ext cx="8066002" cy="681077"/>
-          </a:xfrm>
-        </p:spPr>
-        <p:txBody>
-          <a:bodyPr>
-            <a:normAutofit fontScale="85000" lnSpcReduction="20000"/>
-          </a:bodyPr>
-          <a:lstStyle/>
-          <a:p>
-            <a:pPr algn="ctr"/>
-            <a:r>
-              <a:rPr lang="de-DE" sz="5400" b="1" dirty="0">
-                <a:ln w="12700">
-                  <a:noFill/>
-                </a:ln>
-                <a:latin typeface="CMU Serif" panose="02000803000000000000" pitchFamily="2" charset="0"/>
-                <a:ea typeface="CMU Serif" panose="02000803000000000000" pitchFamily="2" charset="0"/>
-                <a:cs typeface="CMU Serif" panose="02000803000000000000" pitchFamily="2" charset="0"/>
-              </a:rPr>
-              <a:t>Titel</a:t>
-            </a:r>
-            <a:endParaRPr lang="en-US" b="1" dirty="0">
-              <a:ln w="12700">
-                <a:noFill/>
-              </a:ln>
-              <a:latin typeface="CMU Serif" panose="02000803000000000000" pitchFamily="2" charset="0"/>
-              <a:ea typeface="CMU Serif" panose="02000803000000000000" pitchFamily="2" charset="0"/>
-              <a:cs typeface="CMU Serif" panose="02000803000000000000" pitchFamily="2" charset="0"/>
-            </a:endParaRPr>
-          </a:p>
-        </p:txBody>
-      </p:sp>
-    </p:spTree>
-    <p:extLst>
-      <p:ext uri="{BB962C8B-B14F-4D97-AF65-F5344CB8AC3E}">
-        <p14:creationId xmlns:p14="http://schemas.microsoft.com/office/powerpoint/2010/main" val="1389367324"/>
-      </p:ext>
-    </p:extLst>
-  </p:cSld>
-  <p:clrMapOvr>
-    <a:masterClrMapping/>
-  </p:clrMapOvr>
-</p:sld>
-</file>
-
-<file path=ppt/slides/slide5.xml><?xml version="1.0" encoding="utf-8"?>
-<p:sld xmlns:a="http://schemas.openxmlformats.org/drawingml/2006/main" xmlns:r="http://schemas.openxmlformats.org/officeDocument/2006/relationships" xmlns:p="http://schemas.openxmlformats.org/presentationml/2006/main">
-  <p:cSld>
-    <p:spTree>
-      <p:nvGrpSpPr>
-        <p:cNvPr id="1" name=""/>
-        <p:cNvGrpSpPr/>
-        <p:nvPr/>
-      </p:nvGrpSpPr>
-      <p:grpSpPr>
-        <a:xfrm>
-          <a:off x="0" y="0"/>
-          <a:ext cx="0" cy="0"/>
-          <a:chOff x="0" y="0"/>
-          <a:chExt cx="0" cy="0"/>
-        </a:xfrm>
-      </p:grpSpPr>
-      <p:sp>
-        <p:nvSpPr>
-          <p:cNvPr id="2" name="Text Placeholder 1"/>
-          <p:cNvSpPr>
-            <a:spLocks noGrp="1"/>
-          </p:cNvSpPr>
-          <p:nvPr>
-            <p:ph type="body" sz="quarter" idx="10"/>
-          </p:nvPr>
-        </p:nvSpPr>
-        <p:spPr>
-          <a:xfrm>
-            <a:off x="2062999" y="460491"/>
-            <a:ext cx="8066002" cy="646331"/>
-          </a:xfrm>
-        </p:spPr>
-        <p:txBody>
-          <a:bodyPr>
-            <a:normAutofit fontScale="85000" lnSpcReduction="20000"/>
-          </a:bodyPr>
-          <a:lstStyle/>
-          <a:p>
-            <a:r>
-              <a:rPr lang="de-DE" sz="5400" b="1" dirty="0">
-                <a:ln w="12700">
-                  <a:noFill/>
-                </a:ln>
-                <a:latin typeface="CMU Serif" panose="02000803000000000000" pitchFamily="2" charset="0"/>
-                <a:ea typeface="CMU Serif" panose="02000803000000000000" pitchFamily="2" charset="0"/>
-                <a:cs typeface="CMU Serif" panose="02000803000000000000" pitchFamily="2" charset="0"/>
-              </a:rPr>
-              <a:t>Bereinigung der Daten</a:t>
-            </a:r>
-            <a:endParaRPr lang="en-US" b="1" dirty="0">
-              <a:ln w="12700">
-                <a:noFill/>
-              </a:ln>
-              <a:latin typeface="CMU Serif" panose="02000803000000000000" pitchFamily="2" charset="0"/>
-              <a:ea typeface="CMU Serif" panose="02000803000000000000" pitchFamily="2" charset="0"/>
-              <a:cs typeface="CMU Serif" panose="02000803000000000000" pitchFamily="2" charset="0"/>
-            </a:endParaRPr>
-          </a:p>
-        </p:txBody>
-      </p:sp>
-      <p:sp>
-        <p:nvSpPr>
-          <p:cNvPr id="3" name="Textfeld 2">
-            <a:extLst>
-              <a:ext uri="{FF2B5EF4-FFF2-40B4-BE49-F238E27FC236}">
-                <a16:creationId xmlns:a16="http://schemas.microsoft.com/office/drawing/2014/main" id="{9B3FB237-EAB2-420A-B049-9367A89DFA41}"/>
-              </a:ext>
-            </a:extLst>
-          </p:cNvPr>
-          <p:cNvSpPr txBox="1"/>
-          <p:nvPr/>
-        </p:nvSpPr>
-        <p:spPr>
-          <a:xfrm>
-            <a:off x="561474" y="1836821"/>
-            <a:ext cx="9954126" cy="3416320"/>
-          </a:xfrm>
-          <a:prstGeom prst="rect">
-            <a:avLst/>
-          </a:prstGeom>
-          <a:noFill/>
-        </p:spPr>
-        <p:txBody>
-          <a:bodyPr wrap="square" rtlCol="0">
-            <a:spAutoFit/>
-          </a:bodyPr>
-          <a:lstStyle/>
-          <a:p>
-            <a:r>
-              <a:rPr lang="de-DE" b="1" dirty="0">
-                <a:latin typeface="Bahnschrift SemiLight" panose="020B0502040204020203" pitchFamily="34" charset="0"/>
-              </a:rPr>
-              <a:t>Entfernung der Spalte „Unnamed..0“</a:t>
-            </a:r>
-          </a:p>
-          <a:p>
-            <a:pPr marL="285750" indent="-285750">
-              <a:buFont typeface="Arial" panose="020B0604020202020204" pitchFamily="34" charset="0"/>
-              <a:buChar char="•"/>
-            </a:pPr>
-            <a:r>
-              <a:rPr lang="de-DE" dirty="0">
-                <a:latin typeface="Bahnschrift SemiLight" panose="020B0502040204020203" pitchFamily="34" charset="0"/>
-              </a:rPr>
-              <a:t>Spalte hat keine Relevanz, sie ist reine Nummerierung der Zeilen.</a:t>
-            </a:r>
-          </a:p>
-          <a:p>
-            <a:endParaRPr lang="de-DE" dirty="0">
-              <a:latin typeface="Bahnschrift SemiLight" panose="020B0502040204020203" pitchFamily="34" charset="0"/>
-            </a:endParaRPr>
-          </a:p>
-          <a:p>
-            <a:endParaRPr lang="de-DE" dirty="0">
-              <a:latin typeface="Bahnschrift SemiLight" panose="020B0502040204020203" pitchFamily="34" charset="0"/>
-            </a:endParaRPr>
-          </a:p>
-          <a:p>
-            <a:endParaRPr lang="de-DE" dirty="0">
-              <a:latin typeface="Bahnschrift SemiLight" panose="020B0502040204020203" pitchFamily="34" charset="0"/>
-            </a:endParaRPr>
-          </a:p>
-          <a:p>
-            <a:r>
-              <a:rPr lang="de-DE" b="1" dirty="0">
-                <a:latin typeface="Bahnschrift SemiLight" panose="020B0502040204020203" pitchFamily="34" charset="0"/>
-              </a:rPr>
-              <a:t>Entfernung der Spalte „</a:t>
-            </a:r>
-            <a:r>
-              <a:rPr lang="de-DE" b="1" dirty="0" err="1">
-                <a:latin typeface="Bahnschrift SemiLight" panose="020B0502040204020203" pitchFamily="34" charset="0"/>
-              </a:rPr>
-              <a:t>offer_description</a:t>
-            </a:r>
-            <a:r>
-              <a:rPr lang="de-DE" b="1" dirty="0">
-                <a:latin typeface="Bahnschrift SemiLight" panose="020B0502040204020203" pitchFamily="34" charset="0"/>
-              </a:rPr>
-              <a:t>“</a:t>
-            </a:r>
-          </a:p>
-          <a:p>
-            <a:pPr marL="285750" indent="-285750">
-              <a:buFont typeface="Arial" panose="020B0604020202020204" pitchFamily="34" charset="0"/>
-              <a:buChar char="•"/>
-            </a:pPr>
-            <a:r>
-              <a:rPr lang="de-DE" dirty="0">
-                <a:latin typeface="Bahnschrift SemiLight" panose="020B0502040204020203" pitchFamily="34" charset="0"/>
-              </a:rPr>
-              <a:t>Es wurde geschaut, ob in der Spalte </a:t>
-            </a:r>
-            <a:r>
-              <a:rPr lang="de-DE" dirty="0" err="1">
-                <a:latin typeface="Bahnschrift SemiLight" panose="020B0502040204020203" pitchFamily="34" charset="0"/>
-              </a:rPr>
-              <a:t>offer_description</a:t>
-            </a:r>
-            <a:r>
-              <a:rPr lang="de-DE" dirty="0">
-                <a:latin typeface="Bahnschrift SemiLight" panose="020B0502040204020203" pitchFamily="34" charset="0"/>
-              </a:rPr>
-              <a:t> Wort unfallfrei steht, dies war auch der Fall aber nur bei 48 Einträgen von 100 000. D.h.: wir wollten schauen, ob man aus dieser Spalte zusätzliche Informationen </a:t>
-            </a:r>
-            <a:r>
-              <a:rPr lang="de-DE">
-                <a:latin typeface="Bahnschrift SemiLight" panose="020B0502040204020203" pitchFamily="34" charset="0"/>
-              </a:rPr>
-              <a:t>gewinnen kann.</a:t>
-            </a:r>
-            <a:endParaRPr lang="de-DE" dirty="0">
-              <a:latin typeface="Bahnschrift SemiLight" panose="020B0502040204020203" pitchFamily="34" charset="0"/>
-            </a:endParaRPr>
-          </a:p>
-          <a:p>
-            <a:pPr marL="285750" indent="-285750">
-              <a:buFont typeface="Arial" panose="020B0604020202020204" pitchFamily="34" charset="0"/>
-              <a:buChar char="•"/>
-            </a:pPr>
-            <a:endParaRPr lang="de-DE" dirty="0">
-              <a:latin typeface="Bahnschrift SemiLight" panose="020B0502040204020203" pitchFamily="34" charset="0"/>
-            </a:endParaRPr>
-          </a:p>
-          <a:p>
-            <a:pPr marL="285750" indent="-285750">
-              <a:buFont typeface="Arial" panose="020B0604020202020204" pitchFamily="34" charset="0"/>
-              <a:buChar char="•"/>
-            </a:pPr>
-            <a:r>
-              <a:rPr lang="de-DE" dirty="0">
-                <a:latin typeface="Bahnschrift SemiLight" panose="020B0502040204020203" pitchFamily="34" charset="0"/>
-              </a:rPr>
-              <a:t>Spalte liefert daher keine aufschlussreiche Informationen für die Analyse</a:t>
-            </a:r>
-          </a:p>
-          <a:p>
-            <a:pPr marL="285750" indent="-285750">
-              <a:buFont typeface="Arial" panose="020B0604020202020204" pitchFamily="34" charset="0"/>
-              <a:buChar char="•"/>
-            </a:pPr>
-            <a:endParaRPr lang="de-DE" dirty="0">
-              <a:latin typeface="Bahnschrift SemiLight" panose="020B0502040204020203" pitchFamily="34" charset="0"/>
-            </a:endParaRPr>
-          </a:p>
-        </p:txBody>
-      </p:sp>
-    </p:spTree>
-    <p:extLst>
-      <p:ext uri="{BB962C8B-B14F-4D97-AF65-F5344CB8AC3E}">
-        <p14:creationId xmlns:p14="http://schemas.microsoft.com/office/powerpoint/2010/main" val="3629068096"/>
-      </p:ext>
-    </p:extLst>
-  </p:cSld>
-  <p:clrMapOvr>
-    <a:masterClrMapping/>
-  </p:clrMapOvr>
-</p:sld>
-</file>
-
-<file path=ppt/slides/slide6.xml><?xml version="1.0" encoding="utf-8"?>
-<p:sld xmlns:a="http://schemas.openxmlformats.org/drawingml/2006/main" xmlns:r="http://schemas.openxmlformats.org/officeDocument/2006/relationships" xmlns:p="http://schemas.openxmlformats.org/presentationml/2006/main">
-  <p:cSld>
-    <p:spTree>
-      <p:nvGrpSpPr>
-        <p:cNvPr id="1" name=""/>
-        <p:cNvGrpSpPr/>
-        <p:nvPr/>
-      </p:nvGrpSpPr>
-      <p:grpSpPr>
-        <a:xfrm>
-          <a:off x="0" y="0"/>
-          <a:ext cx="0" cy="0"/>
-          <a:chOff x="0" y="0"/>
-          <a:chExt cx="0" cy="0"/>
-        </a:xfrm>
-      </p:grpSpPr>
-      <p:sp>
-        <p:nvSpPr>
-          <p:cNvPr id="4" name="TextBox 3">
-            <a:extLst>
-              <a:ext uri="{FF2B5EF4-FFF2-40B4-BE49-F238E27FC236}">
-                <a16:creationId xmlns:a16="http://schemas.microsoft.com/office/drawing/2014/main" id="{948A2979-A456-4286-B8FC-8FF4C0C58EFD}"/>
-              </a:ext>
-            </a:extLst>
-          </p:cNvPr>
-          <p:cNvSpPr txBox="1"/>
-          <p:nvPr/>
-        </p:nvSpPr>
-        <p:spPr>
-          <a:xfrm>
-            <a:off x="5686926" y="2623010"/>
-            <a:ext cx="6328611" cy="1611980"/>
-          </a:xfrm>
-          <a:prstGeom prst="rect">
-            <a:avLst/>
-          </a:prstGeom>
-          <a:noFill/>
-        </p:spPr>
-        <p:txBody>
-          <a:bodyPr wrap="square" rtlCol="0" anchor="ctr">
-            <a:spAutoFit/>
-          </a:bodyPr>
-          <a:lstStyle/>
-          <a:p>
-            <a:pPr algn="ctr">
-              <a:lnSpc>
-                <a:spcPts val="5400"/>
-              </a:lnSpc>
-              <a:spcAft>
-                <a:spcPts val="600"/>
-              </a:spcAft>
-            </a:pPr>
-            <a:r>
-              <a:rPr lang="de-DE" altLang="ko-KR" sz="5500" b="1" dirty="0">
-                <a:solidFill>
-                  <a:srgbClr val="002060"/>
-                </a:solidFill>
-                <a:latin typeface="CMU Serif" panose="02000803000000000000" pitchFamily="2" charset="0"/>
-                <a:ea typeface="CMU Serif" panose="02000803000000000000" pitchFamily="2" charset="0"/>
-                <a:cs typeface="CMU Serif" panose="02000803000000000000" pitchFamily="2" charset="0"/>
-              </a:rPr>
-              <a:t>2. Maschinelles </a:t>
-            </a:r>
-          </a:p>
-          <a:p>
-            <a:pPr algn="ctr">
-              <a:lnSpc>
-                <a:spcPts val="5400"/>
-              </a:lnSpc>
-              <a:spcAft>
-                <a:spcPts val="600"/>
-              </a:spcAft>
-            </a:pPr>
-            <a:r>
-              <a:rPr lang="de-DE" altLang="ko-KR" sz="5500" b="1" dirty="0">
-                <a:solidFill>
-                  <a:srgbClr val="002060"/>
-                </a:solidFill>
-                <a:latin typeface="CMU Serif" panose="02000803000000000000" pitchFamily="2" charset="0"/>
-                <a:ea typeface="CMU Serif" panose="02000803000000000000" pitchFamily="2" charset="0"/>
-                <a:cs typeface="CMU Serif" panose="02000803000000000000" pitchFamily="2" charset="0"/>
-              </a:rPr>
-              <a:t>Lernverfahren 1</a:t>
-            </a:r>
-            <a:endParaRPr lang="de-DE" altLang="ko-KR" sz="5500" b="1" dirty="0">
-              <a:solidFill>
-                <a:schemeClr val="accent1"/>
-              </a:solidFill>
-              <a:latin typeface="CMU Serif" panose="02000803000000000000" pitchFamily="2" charset="0"/>
-              <a:ea typeface="CMU Serif" panose="02000803000000000000" pitchFamily="2" charset="0"/>
-              <a:cs typeface="CMU Serif" panose="02000803000000000000" pitchFamily="2" charset="0"/>
-            </a:endParaRPr>
-          </a:p>
-        </p:txBody>
-      </p:sp>
-      <p:sp>
-        <p:nvSpPr>
-          <p:cNvPr id="153" name="Freeform: Shape 152">
-            <a:extLst>
-              <a:ext uri="{FF2B5EF4-FFF2-40B4-BE49-F238E27FC236}">
-                <a16:creationId xmlns:a16="http://schemas.microsoft.com/office/drawing/2014/main" id="{F3B4A34E-C246-47F5-A863-109A43C0757D}"/>
-              </a:ext>
-            </a:extLst>
-          </p:cNvPr>
-          <p:cNvSpPr/>
-          <p:nvPr/>
-        </p:nvSpPr>
-        <p:spPr>
-          <a:xfrm>
-            <a:off x="673768" y="1688100"/>
-            <a:ext cx="5086770" cy="3128874"/>
-          </a:xfrm>
-          <a:custGeom>
-            <a:avLst/>
-            <a:gdLst>
-              <a:gd name="connsiteX0" fmla="*/ 5086770 w 5086770"/>
-              <a:gd name="connsiteY0" fmla="*/ 1174706 h 3128874"/>
-              <a:gd name="connsiteX1" fmla="*/ 5086770 w 5086770"/>
-              <a:gd name="connsiteY1" fmla="*/ 1184663 h 3128874"/>
-              <a:gd name="connsiteX2" fmla="*/ 5079830 w 5086770"/>
-              <a:gd name="connsiteY2" fmla="*/ 1185820 h 3128874"/>
-              <a:gd name="connsiteX3" fmla="*/ 5078289 w 5086770"/>
-              <a:gd name="connsiteY3" fmla="*/ 1182737 h 3128874"/>
-              <a:gd name="connsiteX4" fmla="*/ 5078289 w 5086770"/>
-              <a:gd name="connsiteY4" fmla="*/ 1179654 h 3128874"/>
-              <a:gd name="connsiteX5" fmla="*/ 1690658 w 5086770"/>
-              <a:gd name="connsiteY5" fmla="*/ 810655 h 3128874"/>
-              <a:gd name="connsiteX6" fmla="*/ 1349061 w 5086770"/>
-              <a:gd name="connsiteY6" fmla="*/ 1934928 h 3128874"/>
-              <a:gd name="connsiteX7" fmla="*/ 2035854 w 5086770"/>
-              <a:gd name="connsiteY7" fmla="*/ 1934928 h 3128874"/>
-              <a:gd name="connsiteX8" fmla="*/ 3765314 w 5086770"/>
-              <a:gd name="connsiteY8" fmla="*/ 0 h 3128874"/>
-              <a:gd name="connsiteX9" fmla="*/ 4465138 w 5086770"/>
-              <a:gd name="connsiteY9" fmla="*/ 0 h 3128874"/>
-              <a:gd name="connsiteX10" fmla="*/ 4675955 w 5086770"/>
-              <a:gd name="connsiteY10" fmla="*/ 0 h 3128874"/>
-              <a:gd name="connsiteX11" fmla="*/ 4659036 w 5086770"/>
-              <a:gd name="connsiteY11" fmla="*/ 34412 h 3128874"/>
-              <a:gd name="connsiteX12" fmla="*/ 4651327 w 5086770"/>
-              <a:gd name="connsiteY12" fmla="*/ 45203 h 3128874"/>
-              <a:gd name="connsiteX13" fmla="*/ 4648245 w 5086770"/>
-              <a:gd name="connsiteY13" fmla="*/ 51368 h 3128874"/>
-              <a:gd name="connsiteX14" fmla="*/ 4483319 w 5086770"/>
-              <a:gd name="connsiteY14" fmla="*/ 361184 h 3128874"/>
-              <a:gd name="connsiteX15" fmla="*/ 4480236 w 5086770"/>
-              <a:gd name="connsiteY15" fmla="*/ 373515 h 3128874"/>
-              <a:gd name="connsiteX16" fmla="*/ 4474071 w 5086770"/>
-              <a:gd name="connsiteY16" fmla="*/ 398176 h 3128874"/>
-              <a:gd name="connsiteX17" fmla="*/ 4450950 w 5086770"/>
-              <a:gd name="connsiteY17" fmla="*/ 498367 h 3128874"/>
-              <a:gd name="connsiteX18" fmla="*/ 4440161 w 5086770"/>
-              <a:gd name="connsiteY18" fmla="*/ 527652 h 3128874"/>
-              <a:gd name="connsiteX19" fmla="*/ 4441700 w 5086770"/>
-              <a:gd name="connsiteY19" fmla="*/ 539983 h 3128874"/>
-              <a:gd name="connsiteX20" fmla="*/ 4437078 w 5086770"/>
-              <a:gd name="connsiteY20" fmla="*/ 561562 h 3128874"/>
-              <a:gd name="connsiteX21" fmla="*/ 4433995 w 5086770"/>
-              <a:gd name="connsiteY21" fmla="*/ 576976 h 3128874"/>
-              <a:gd name="connsiteX22" fmla="*/ 4433994 w 5086770"/>
-              <a:gd name="connsiteY22" fmla="*/ 578519 h 3128874"/>
-              <a:gd name="connsiteX23" fmla="*/ 4413956 w 5086770"/>
-              <a:gd name="connsiteY23" fmla="*/ 797393 h 3128874"/>
-              <a:gd name="connsiteX24" fmla="*/ 4438619 w 5086770"/>
-              <a:gd name="connsiteY24" fmla="*/ 996230 h 3128874"/>
-              <a:gd name="connsiteX25" fmla="*/ 4433995 w 5086770"/>
-              <a:gd name="connsiteY25" fmla="*/ 1016268 h 3128874"/>
-              <a:gd name="connsiteX26" fmla="*/ 4435536 w 5086770"/>
-              <a:gd name="connsiteY26" fmla="*/ 1025517 h 3128874"/>
-              <a:gd name="connsiteX27" fmla="*/ 4437078 w 5086770"/>
-              <a:gd name="connsiteY27" fmla="*/ 1027057 h 3128874"/>
-              <a:gd name="connsiteX28" fmla="*/ 4432452 w 5086770"/>
-              <a:gd name="connsiteY28" fmla="*/ 1048636 h 3128874"/>
-              <a:gd name="connsiteX29" fmla="*/ 4413956 w 5086770"/>
-              <a:gd name="connsiteY29" fmla="*/ 1085630 h 3128874"/>
-              <a:gd name="connsiteX30" fmla="*/ 4196623 w 5086770"/>
-              <a:gd name="connsiteY30" fmla="*/ 1389280 h 3128874"/>
-              <a:gd name="connsiteX31" fmla="*/ 4085645 w 5086770"/>
-              <a:gd name="connsiteY31" fmla="*/ 1597365 h 3128874"/>
-              <a:gd name="connsiteX32" fmla="*/ 4216661 w 5086770"/>
-              <a:gd name="connsiteY32" fmla="*/ 1697556 h 3128874"/>
-              <a:gd name="connsiteX33" fmla="*/ 4250571 w 5086770"/>
-              <a:gd name="connsiteY33" fmla="*/ 1811617 h 3128874"/>
-              <a:gd name="connsiteX34" fmla="*/ 4173502 w 5086770"/>
-              <a:gd name="connsiteY34" fmla="*/ 1888685 h 3128874"/>
-              <a:gd name="connsiteX35" fmla="*/ 4213578 w 5086770"/>
-              <a:gd name="connsiteY35" fmla="*/ 2022784 h 3128874"/>
-              <a:gd name="connsiteX36" fmla="*/ 4347678 w 5086770"/>
-              <a:gd name="connsiteY36" fmla="*/ 2090605 h 3128874"/>
-              <a:gd name="connsiteX37" fmla="*/ 4233616 w 5086770"/>
-              <a:gd name="connsiteY37" fmla="*/ 2138388 h 3128874"/>
-              <a:gd name="connsiteX38" fmla="*/ 4227451 w 5086770"/>
-              <a:gd name="connsiteY38" fmla="*/ 2258616 h 3128874"/>
-              <a:gd name="connsiteX39" fmla="*/ 4350761 w 5086770"/>
-              <a:gd name="connsiteY39" fmla="*/ 2320270 h 3128874"/>
-              <a:gd name="connsiteX40" fmla="*/ 4333805 w 5086770"/>
-              <a:gd name="connsiteY40" fmla="*/ 2462077 h 3128874"/>
-              <a:gd name="connsiteX41" fmla="*/ 4467905 w 5086770"/>
-              <a:gd name="connsiteY41" fmla="*/ 2719486 h 3128874"/>
-              <a:gd name="connsiteX42" fmla="*/ 4800655 w 5086770"/>
-              <a:gd name="connsiteY42" fmla="*/ 2748491 h 3128874"/>
-              <a:gd name="connsiteX43" fmla="*/ 4838191 w 5086770"/>
-              <a:gd name="connsiteY43" fmla="*/ 2744074 h 3128874"/>
-              <a:gd name="connsiteX44" fmla="*/ 4863823 w 5086770"/>
-              <a:gd name="connsiteY44" fmla="*/ 2765476 h 3128874"/>
-              <a:gd name="connsiteX45" fmla="*/ 4934321 w 5086770"/>
-              <a:gd name="connsiteY45" fmla="*/ 2911083 h 3128874"/>
-              <a:gd name="connsiteX46" fmla="*/ 4964162 w 5086770"/>
-              <a:gd name="connsiteY46" fmla="*/ 3074402 h 3128874"/>
-              <a:gd name="connsiteX47" fmla="*/ 4967647 w 5086770"/>
-              <a:gd name="connsiteY47" fmla="*/ 3128874 h 3128874"/>
-              <a:gd name="connsiteX48" fmla="*/ 4465138 w 5086770"/>
-              <a:gd name="connsiteY48" fmla="*/ 3128874 h 3128874"/>
-              <a:gd name="connsiteX49" fmla="*/ 4465138 w 5086770"/>
-              <a:gd name="connsiteY49" fmla="*/ 3127460 h 3128874"/>
-              <a:gd name="connsiteX50" fmla="*/ 3765314 w 5086770"/>
-              <a:gd name="connsiteY50" fmla="*/ 3127460 h 3128874"/>
-              <a:gd name="connsiteX51" fmla="*/ 1175459 w 5086770"/>
-              <a:gd name="connsiteY51" fmla="*/ 0 h 3128874"/>
-              <a:gd name="connsiteX52" fmla="*/ 2229594 w 5086770"/>
-              <a:gd name="connsiteY52" fmla="*/ 0 h 3128874"/>
-              <a:gd name="connsiteX53" fmla="*/ 3404781 w 5086770"/>
-              <a:gd name="connsiteY53" fmla="*/ 3127460 h 3128874"/>
-              <a:gd name="connsiteX54" fmla="*/ 2392789 w 5086770"/>
-              <a:gd name="connsiteY54" fmla="*/ 3127460 h 3128874"/>
-              <a:gd name="connsiteX55" fmla="*/ 2236317 w 5086770"/>
-              <a:gd name="connsiteY55" fmla="*/ 2611186 h 3128874"/>
-              <a:gd name="connsiteX56" fmla="*/ 1139165 w 5086770"/>
-              <a:gd name="connsiteY56" fmla="*/ 2611186 h 3128874"/>
-              <a:gd name="connsiteX57" fmla="*/ 986721 w 5086770"/>
-              <a:gd name="connsiteY57" fmla="*/ 3127460 h 3128874"/>
-              <a:gd name="connsiteX58" fmla="*/ 0 w 5086770"/>
-              <a:gd name="connsiteY58" fmla="*/ 3127460 h 3128874"/>
-            </a:gdLst>
-            <a:ahLst/>
-            <a:cxnLst>
-              <a:cxn ang="0">
-                <a:pos x="connsiteX0" y="connsiteY0"/>
-              </a:cxn>
-              <a:cxn ang="0">
-                <a:pos x="connsiteX1" y="connsiteY1"/>
-              </a:cxn>
-              <a:cxn ang="0">
-                <a:pos x="connsiteX2" y="connsiteY2"/>
-              </a:cxn>
-              <a:cxn ang="0">
-                <a:pos x="connsiteX3" y="connsiteY3"/>
-              </a:cxn>
-              <a:cxn ang="0">
-                <a:pos x="connsiteX4" y="connsiteY4"/>
-              </a:cxn>
-              <a:cxn ang="0">
-                <a:pos x="connsiteX5" y="connsiteY5"/>
-              </a:cxn>
-              <a:cxn ang="0">
-                <a:pos x="connsiteX6" y="connsiteY6"/>
-              </a:cxn>
-              <a:cxn ang="0">
-                <a:pos x="connsiteX7" y="connsiteY7"/>
-              </a:cxn>
-              <a:cxn ang="0">
-                <a:pos x="connsiteX8" y="connsiteY8"/>
-              </a:cxn>
-              <a:cxn ang="0">
-                <a:pos x="connsiteX9" y="connsiteY9"/>
-              </a:cxn>
-              <a:cxn ang="0">
-                <a:pos x="connsiteX10" y="connsiteY10"/>
-              </a:cxn>
-              <a:cxn ang="0">
-                <a:pos x="connsiteX11" y="connsiteY11"/>
-              </a:cxn>
-              <a:cxn ang="0">
-                <a:pos x="connsiteX12" y="connsiteY12"/>
-              </a:cxn>
-              <a:cxn ang="0">
-                <a:pos x="connsiteX13" y="connsiteY13"/>
-              </a:cxn>
-              <a:cxn ang="0">
-                <a:pos x="connsiteX14" y="connsiteY14"/>
-              </a:cxn>
-              <a:cxn ang="0">
-                <a:pos x="connsiteX15" y="connsiteY15"/>
-              </a:cxn>
-              <a:cxn ang="0">
-                <a:pos x="connsiteX16" y="connsiteY16"/>
-              </a:cxn>
-              <a:cxn ang="0">
-                <a:pos x="connsiteX17" y="connsiteY17"/>
-              </a:cxn>
-              <a:cxn ang="0">
-                <a:pos x="connsiteX18" y="connsiteY18"/>
-              </a:cxn>
-              <a:cxn ang="0">
-                <a:pos x="connsiteX19" y="connsiteY19"/>
-              </a:cxn>
-              <a:cxn ang="0">
-                <a:pos x="connsiteX20" y="connsiteY20"/>
-              </a:cxn>
-              <a:cxn ang="0">
-                <a:pos x="connsiteX21" y="connsiteY21"/>
-              </a:cxn>
-              <a:cxn ang="0">
-                <a:pos x="connsiteX22" y="connsiteY22"/>
-              </a:cxn>
-              <a:cxn ang="0">
-                <a:pos x="connsiteX23" y="connsiteY23"/>
-              </a:cxn>
-              <a:cxn ang="0">
-                <a:pos x="connsiteX24" y="connsiteY24"/>
-              </a:cxn>
-              <a:cxn ang="0">
-                <a:pos x="connsiteX25" y="connsiteY25"/>
-              </a:cxn>
-              <a:cxn ang="0">
-                <a:pos x="connsiteX26" y="connsiteY26"/>
-              </a:cxn>
-              <a:cxn ang="0">
-                <a:pos x="connsiteX27" y="connsiteY27"/>
-              </a:cxn>
-              <a:cxn ang="0">
-                <a:pos x="connsiteX28" y="connsiteY28"/>
-              </a:cxn>
-              <a:cxn ang="0">
-                <a:pos x="connsiteX29" y="connsiteY29"/>
-              </a:cxn>
-              <a:cxn ang="0">
-                <a:pos x="connsiteX30" y="connsiteY30"/>
-              </a:cxn>
-              <a:cxn ang="0">
-                <a:pos x="connsiteX31" y="connsiteY31"/>
-              </a:cxn>
-              <a:cxn ang="0">
-                <a:pos x="connsiteX32" y="connsiteY32"/>
-              </a:cxn>
-              <a:cxn ang="0">
-                <a:pos x="connsiteX33" y="connsiteY33"/>
-              </a:cxn>
-              <a:cxn ang="0">
-                <a:pos x="connsiteX34" y="connsiteY34"/>
-              </a:cxn>
-              <a:cxn ang="0">
-                <a:pos x="connsiteX35" y="connsiteY35"/>
-              </a:cxn>
-              <a:cxn ang="0">
-                <a:pos x="connsiteX36" y="connsiteY36"/>
-              </a:cxn>
-              <a:cxn ang="0">
-                <a:pos x="connsiteX37" y="connsiteY37"/>
-              </a:cxn>
-              <a:cxn ang="0">
-                <a:pos x="connsiteX38" y="connsiteY38"/>
-              </a:cxn>
-              <a:cxn ang="0">
-                <a:pos x="connsiteX39" y="connsiteY39"/>
-              </a:cxn>
-              <a:cxn ang="0">
-                <a:pos x="connsiteX40" y="connsiteY40"/>
-              </a:cxn>
-              <a:cxn ang="0">
-                <a:pos x="connsiteX41" y="connsiteY41"/>
-              </a:cxn>
-              <a:cxn ang="0">
-                <a:pos x="connsiteX42" y="connsiteY42"/>
-              </a:cxn>
-              <a:cxn ang="0">
-                <a:pos x="connsiteX43" y="connsiteY43"/>
-              </a:cxn>
-              <a:cxn ang="0">
-                <a:pos x="connsiteX44" y="connsiteY44"/>
-              </a:cxn>
-              <a:cxn ang="0">
-                <a:pos x="connsiteX45" y="connsiteY45"/>
-              </a:cxn>
-              <a:cxn ang="0">
-                <a:pos x="connsiteX46" y="connsiteY46"/>
-              </a:cxn>
-              <a:cxn ang="0">
-                <a:pos x="connsiteX47" y="connsiteY47"/>
-              </a:cxn>
-              <a:cxn ang="0">
-                <a:pos x="connsiteX48" y="connsiteY48"/>
-              </a:cxn>
-              <a:cxn ang="0">
-                <a:pos x="connsiteX49" y="connsiteY49"/>
-              </a:cxn>
-              <a:cxn ang="0">
-                <a:pos x="connsiteX50" y="connsiteY50"/>
-              </a:cxn>
-              <a:cxn ang="0">
-                <a:pos x="connsiteX51" y="connsiteY51"/>
-              </a:cxn>
-              <a:cxn ang="0">
-                <a:pos x="connsiteX52" y="connsiteY52"/>
-              </a:cxn>
-              <a:cxn ang="0">
-                <a:pos x="connsiteX53" y="connsiteY53"/>
-              </a:cxn>
-              <a:cxn ang="0">
-                <a:pos x="connsiteX54" y="connsiteY54"/>
-              </a:cxn>
-              <a:cxn ang="0">
-                <a:pos x="connsiteX55" y="connsiteY55"/>
-              </a:cxn>
-              <a:cxn ang="0">
-                <a:pos x="connsiteX56" y="connsiteY56"/>
-              </a:cxn>
-              <a:cxn ang="0">
-                <a:pos x="connsiteX57" y="connsiteY57"/>
-              </a:cxn>
-              <a:cxn ang="0">
-                <a:pos x="connsiteX58" y="connsiteY58"/>
-              </a:cxn>
-            </a:cxnLst>
-            <a:rect l="l" t="t" r="r" b="b"/>
-            <a:pathLst>
-              <a:path w="5086770" h="3128874">
-                <a:moveTo>
-                  <a:pt x="5086770" y="1174706"/>
-                </a:moveTo>
-                <a:lnTo>
-                  <a:pt x="5086770" y="1184663"/>
-                </a:lnTo>
-                <a:lnTo>
-                  <a:pt x="5079830" y="1185820"/>
-                </a:lnTo>
-                <a:cubicBezTo>
-                  <a:pt x="5079829" y="1184277"/>
-                  <a:pt x="5078289" y="1184277"/>
-                  <a:pt x="5078289" y="1182737"/>
-                </a:cubicBezTo>
-                <a:lnTo>
-                  <a:pt x="5078289" y="1179654"/>
-                </a:lnTo>
-                <a:close/>
-                <a:moveTo>
-                  <a:pt x="1690658" y="810655"/>
-                </a:moveTo>
-                <a:lnTo>
-                  <a:pt x="1349061" y="1934928"/>
-                </a:lnTo>
-                <a:lnTo>
-                  <a:pt x="2035854" y="1934928"/>
-                </a:lnTo>
-                <a:close/>
-                <a:moveTo>
-                  <a:pt x="3765314" y="0"/>
-                </a:moveTo>
-                <a:lnTo>
-                  <a:pt x="4465138" y="0"/>
-                </a:lnTo>
-                <a:lnTo>
-                  <a:pt x="4675955" y="0"/>
-                </a:lnTo>
-                <a:lnTo>
-                  <a:pt x="4659036" y="34412"/>
-                </a:lnTo>
-                <a:cubicBezTo>
-                  <a:pt x="4655952" y="37496"/>
-                  <a:pt x="4652870" y="40578"/>
-                  <a:pt x="4651327" y="45203"/>
-                </a:cubicBezTo>
-                <a:cubicBezTo>
-                  <a:pt x="4649787" y="48285"/>
-                  <a:pt x="4649788" y="49827"/>
-                  <a:pt x="4648245" y="51368"/>
-                </a:cubicBezTo>
-                <a:cubicBezTo>
-                  <a:pt x="4632831" y="72947"/>
-                  <a:pt x="4528018" y="224002"/>
-                  <a:pt x="4483319" y="361184"/>
-                </a:cubicBezTo>
-                <a:cubicBezTo>
-                  <a:pt x="4481777" y="365808"/>
-                  <a:pt x="4480236" y="368891"/>
-                  <a:pt x="4480236" y="373515"/>
-                </a:cubicBezTo>
-                <a:cubicBezTo>
-                  <a:pt x="4478694" y="381223"/>
-                  <a:pt x="4475612" y="390471"/>
-                  <a:pt x="4474071" y="398176"/>
-                </a:cubicBezTo>
-                <a:cubicBezTo>
-                  <a:pt x="4466362" y="432087"/>
-                  <a:pt x="4458657" y="465997"/>
-                  <a:pt x="4450950" y="498367"/>
-                </a:cubicBezTo>
-                <a:cubicBezTo>
-                  <a:pt x="4444783" y="506073"/>
-                  <a:pt x="4440160" y="516863"/>
-                  <a:pt x="4440161" y="527652"/>
-                </a:cubicBezTo>
-                <a:cubicBezTo>
-                  <a:pt x="4440160" y="532277"/>
-                  <a:pt x="4440160" y="535360"/>
-                  <a:pt x="4441700" y="539983"/>
-                </a:cubicBezTo>
-                <a:cubicBezTo>
-                  <a:pt x="4440161" y="547691"/>
-                  <a:pt x="4438618" y="555397"/>
-                  <a:pt x="4437078" y="561562"/>
-                </a:cubicBezTo>
-                <a:cubicBezTo>
-                  <a:pt x="4435535" y="566187"/>
-                  <a:pt x="4433995" y="570810"/>
-                  <a:pt x="4433995" y="576976"/>
-                </a:cubicBezTo>
-                <a:cubicBezTo>
-                  <a:pt x="4433995" y="576976"/>
-                  <a:pt x="4433994" y="578519"/>
-                  <a:pt x="4433994" y="578519"/>
-                </a:cubicBezTo>
-                <a:cubicBezTo>
-                  <a:pt x="4417039" y="674083"/>
-                  <a:pt x="4407790" y="755776"/>
-                  <a:pt x="4413956" y="797393"/>
-                </a:cubicBezTo>
-                <a:cubicBezTo>
-                  <a:pt x="4421664" y="846717"/>
-                  <a:pt x="4440160" y="929951"/>
-                  <a:pt x="4438619" y="996230"/>
-                </a:cubicBezTo>
-                <a:cubicBezTo>
-                  <a:pt x="4435535" y="1002395"/>
-                  <a:pt x="4433995" y="1008560"/>
-                  <a:pt x="4433995" y="1016268"/>
-                </a:cubicBezTo>
-                <a:cubicBezTo>
-                  <a:pt x="4433995" y="1019351"/>
-                  <a:pt x="4435536" y="1022434"/>
-                  <a:pt x="4435536" y="1025517"/>
-                </a:cubicBezTo>
-                <a:cubicBezTo>
-                  <a:pt x="4435536" y="1025517"/>
-                  <a:pt x="4435535" y="1027057"/>
-                  <a:pt x="4437078" y="1027057"/>
-                </a:cubicBezTo>
-                <a:cubicBezTo>
-                  <a:pt x="4435536" y="1034764"/>
-                  <a:pt x="4433994" y="1042471"/>
-                  <a:pt x="4432452" y="1048636"/>
-                </a:cubicBezTo>
-                <a:lnTo>
-                  <a:pt x="4413956" y="1085630"/>
-                </a:lnTo>
-                <a:cubicBezTo>
-                  <a:pt x="4369257" y="1164240"/>
-                  <a:pt x="4258278" y="1339957"/>
-                  <a:pt x="4196623" y="1389280"/>
-                </a:cubicBezTo>
-                <a:cubicBezTo>
-                  <a:pt x="4128802" y="1441687"/>
-                  <a:pt x="4062523" y="1538793"/>
-                  <a:pt x="4085645" y="1597365"/>
-                </a:cubicBezTo>
-                <a:cubicBezTo>
-                  <a:pt x="4119555" y="1660562"/>
-                  <a:pt x="4181210" y="1688307"/>
-                  <a:pt x="4216661" y="1697556"/>
-                </a:cubicBezTo>
-                <a:cubicBezTo>
-                  <a:pt x="4252112" y="1706804"/>
-                  <a:pt x="4275233" y="1779247"/>
-                  <a:pt x="4250571" y="1811617"/>
-                </a:cubicBezTo>
-                <a:cubicBezTo>
-                  <a:pt x="4225909" y="1843985"/>
-                  <a:pt x="4187375" y="1853233"/>
-                  <a:pt x="4173502" y="1888685"/>
-                </a:cubicBezTo>
-                <a:cubicBezTo>
-                  <a:pt x="4159630" y="1924137"/>
-                  <a:pt x="4153465" y="1998123"/>
-                  <a:pt x="4213578" y="2022784"/>
-                </a:cubicBezTo>
-                <a:cubicBezTo>
-                  <a:pt x="4259818" y="2041281"/>
-                  <a:pt x="4349219" y="2081356"/>
-                  <a:pt x="4347678" y="2090605"/>
-                </a:cubicBezTo>
-                <a:cubicBezTo>
-                  <a:pt x="4346136" y="2099853"/>
-                  <a:pt x="4250570" y="2107561"/>
-                  <a:pt x="4233616" y="2138388"/>
-                </a:cubicBezTo>
-                <a:cubicBezTo>
-                  <a:pt x="4216660" y="2169216"/>
-                  <a:pt x="4204330" y="2220080"/>
-                  <a:pt x="4227451" y="2258616"/>
-                </a:cubicBezTo>
-                <a:cubicBezTo>
-                  <a:pt x="4250571" y="2297149"/>
-                  <a:pt x="4332264" y="2292526"/>
-                  <a:pt x="4350761" y="2320270"/>
-                </a:cubicBezTo>
-                <a:cubicBezTo>
-                  <a:pt x="4381588" y="2371135"/>
-                  <a:pt x="4358466" y="2378843"/>
-                  <a:pt x="4333805" y="2462077"/>
-                </a:cubicBezTo>
-                <a:cubicBezTo>
-                  <a:pt x="4306060" y="2551476"/>
-                  <a:pt x="4302977" y="2650125"/>
-                  <a:pt x="4467905" y="2719486"/>
-                </a:cubicBezTo>
-                <a:cubicBezTo>
-                  <a:pt x="4562314" y="2758983"/>
-                  <a:pt x="4694054" y="2758743"/>
-                  <a:pt x="4800655" y="2748491"/>
-                </a:cubicBezTo>
-                <a:lnTo>
-                  <a:pt x="4838191" y="2744074"/>
-                </a:lnTo>
-                <a:lnTo>
-                  <a:pt x="4863823" y="2765476"/>
-                </a:lnTo>
-                <a:cubicBezTo>
-                  <a:pt x="4895578" y="2799449"/>
-                  <a:pt x="4917344" y="2847230"/>
-                  <a:pt x="4934321" y="2911083"/>
-                </a:cubicBezTo>
-                <a:cubicBezTo>
-                  <a:pt x="4945640" y="2953651"/>
-                  <a:pt x="4957371" y="3013267"/>
-                  <a:pt x="4964162" y="3074402"/>
-                </a:cubicBezTo>
-                <a:lnTo>
-                  <a:pt x="4967647" y="3128874"/>
-                </a:lnTo>
-                <a:lnTo>
-                  <a:pt x="4465138" y="3128874"/>
-                </a:lnTo>
-                <a:lnTo>
-                  <a:pt x="4465138" y="3127460"/>
-                </a:lnTo>
-                <a:lnTo>
-                  <a:pt x="3765314" y="3127460"/>
-                </a:lnTo>
-                <a:close/>
-                <a:moveTo>
-                  <a:pt x="1175459" y="0"/>
-                </a:moveTo>
-                <a:lnTo>
-                  <a:pt x="2229594" y="0"/>
-                </a:lnTo>
-                <a:lnTo>
-                  <a:pt x="3404781" y="3127460"/>
-                </a:lnTo>
-                <a:lnTo>
-                  <a:pt x="2392789" y="3127460"/>
-                </a:lnTo>
-                <a:lnTo>
-                  <a:pt x="2236317" y="2611186"/>
-                </a:lnTo>
-                <a:lnTo>
-                  <a:pt x="1139165" y="2611186"/>
-                </a:lnTo>
-                <a:lnTo>
-                  <a:pt x="986721" y="3127460"/>
-                </a:lnTo>
-                <a:lnTo>
-                  <a:pt x="0" y="3127460"/>
-                </a:lnTo>
-                <a:close/>
-              </a:path>
-            </a:pathLst>
-          </a:custGeom>
-          <a:solidFill>
-            <a:srgbClr val="002060"/>
-          </a:solidFill>
-          <a:ln>
-            <a:noFill/>
-          </a:ln>
-        </p:spPr>
-        <p:style>
-          <a:lnRef idx="2">
-            <a:schemeClr val="accent1">
-              <a:shade val="50000"/>
-            </a:schemeClr>
-          </a:lnRef>
-          <a:fillRef idx="1">
-            <a:schemeClr val="accent1"/>
-          </a:fillRef>
-          <a:effectRef idx="0">
-            <a:schemeClr val="accent1"/>
-          </a:effectRef>
-          <a:fontRef idx="minor">
-            <a:schemeClr val="lt1"/>
-          </a:fontRef>
-        </p:style>
-        <p:txBody>
-          <a:bodyPr rtlCol="0" anchor="ctr"/>
-          <a:lstStyle/>
-          <a:p>
-            <a:pPr algn="ctr"/>
-            <a:endParaRPr lang="en-US"/>
-          </a:p>
-        </p:txBody>
-      </p:sp>
-      <p:sp>
-        <p:nvSpPr>
-          <p:cNvPr id="2" name="Rechteck 1">
-            <a:extLst>
-              <a:ext uri="{FF2B5EF4-FFF2-40B4-BE49-F238E27FC236}">
-                <a16:creationId xmlns:a16="http://schemas.microsoft.com/office/drawing/2014/main" id="{96AA9A24-87CF-4FD9-A062-3E8FD5FCE155}"/>
-              </a:ext>
-            </a:extLst>
-          </p:cNvPr>
-          <p:cNvSpPr/>
-          <p:nvPr/>
-        </p:nvSpPr>
-        <p:spPr>
-          <a:xfrm>
-            <a:off x="-39394" y="6497053"/>
-            <a:ext cx="12270787" cy="425115"/>
-          </a:xfrm>
-          <a:prstGeom prst="rect">
-            <a:avLst/>
-          </a:prstGeom>
-          <a:solidFill>
-            <a:srgbClr val="AA313F"/>
-          </a:solidFill>
-          <a:ln>
-            <a:noFill/>
-          </a:ln>
-        </p:spPr>
-        <p:style>
-          <a:lnRef idx="2">
-            <a:schemeClr val="accent1">
-              <a:shade val="50000"/>
-            </a:schemeClr>
-          </a:lnRef>
-          <a:fillRef idx="1">
-            <a:schemeClr val="accent1"/>
-          </a:fillRef>
-          <a:effectRef idx="0">
-            <a:schemeClr val="accent1"/>
-          </a:effectRef>
-          <a:fontRef idx="minor">
-            <a:schemeClr val="lt1"/>
-          </a:fontRef>
-        </p:style>
-        <p:txBody>
-          <a:bodyPr rtlCol="0" anchor="ctr"/>
-          <a:lstStyle/>
-          <a:p>
-            <a:pPr algn="ctr"/>
-            <a:endParaRPr lang="de-DE"/>
-          </a:p>
-        </p:txBody>
-      </p:sp>
-    </p:spTree>
-    <p:extLst>
-      <p:ext uri="{BB962C8B-B14F-4D97-AF65-F5344CB8AC3E}">
-        <p14:creationId xmlns:p14="http://schemas.microsoft.com/office/powerpoint/2010/main" val="1968519819"/>
-      </p:ext>
-    </p:extLst>
-  </p:cSld>
-  <p:clrMapOvr>
-    <a:masterClrMapping/>
-  </p:clrMapOvr>
-</p:sld>
-</file>
-
-<file path=ppt/slides/slide7.xml><?xml version="1.0" encoding="utf-8"?>
-<p:sld xmlns:a="http://schemas.openxmlformats.org/drawingml/2006/main" xmlns:r="http://schemas.openxmlformats.org/officeDocument/2006/relationships" xmlns:p="http://schemas.openxmlformats.org/presentationml/2006/main">
-  <p:cSld>
-    <p:spTree>
-      <p:nvGrpSpPr>
-        <p:cNvPr id="1" name=""/>
-        <p:cNvGrpSpPr/>
-        <p:nvPr/>
-      </p:nvGrpSpPr>
-      <p:grpSpPr>
-        <a:xfrm>
-          <a:off x="0" y="0"/>
-          <a:ext cx="0" cy="0"/>
-          <a:chOff x="0" y="0"/>
-          <a:chExt cx="0" cy="0"/>
-        </a:xfrm>
-      </p:grpSpPr>
-      <p:sp>
-        <p:nvSpPr>
-          <p:cNvPr id="4" name="TextBox 3">
-            <a:extLst>
-              <a:ext uri="{FF2B5EF4-FFF2-40B4-BE49-F238E27FC236}">
-                <a16:creationId xmlns:a16="http://schemas.microsoft.com/office/drawing/2014/main" id="{948A2979-A456-4286-B8FC-8FF4C0C58EFD}"/>
-              </a:ext>
-            </a:extLst>
-          </p:cNvPr>
-          <p:cNvSpPr txBox="1"/>
-          <p:nvPr/>
-        </p:nvSpPr>
-        <p:spPr>
-          <a:xfrm>
-            <a:off x="5686926" y="2623010"/>
-            <a:ext cx="6328611" cy="1611980"/>
-          </a:xfrm>
-          <a:prstGeom prst="rect">
-            <a:avLst/>
-          </a:prstGeom>
-          <a:noFill/>
-        </p:spPr>
-        <p:txBody>
-          <a:bodyPr wrap="square" rtlCol="0" anchor="ctr">
-            <a:spAutoFit/>
-          </a:bodyPr>
-          <a:lstStyle/>
-          <a:p>
-            <a:pPr algn="ctr">
-              <a:lnSpc>
-                <a:spcPts val="5400"/>
-              </a:lnSpc>
-              <a:spcAft>
-                <a:spcPts val="600"/>
-              </a:spcAft>
-            </a:pPr>
-            <a:r>
-              <a:rPr lang="de-DE" altLang="ko-KR" sz="5500" b="1" dirty="0">
-                <a:solidFill>
-                  <a:srgbClr val="002060"/>
-                </a:solidFill>
-                <a:latin typeface="CMU Serif" panose="02000803000000000000" pitchFamily="2" charset="0"/>
-                <a:ea typeface="CMU Serif" panose="02000803000000000000" pitchFamily="2" charset="0"/>
-                <a:cs typeface="CMU Serif" panose="02000803000000000000" pitchFamily="2" charset="0"/>
-              </a:rPr>
-              <a:t>3. Maschinelles </a:t>
-            </a:r>
-          </a:p>
-          <a:p>
-            <a:pPr algn="ctr">
-              <a:lnSpc>
-                <a:spcPts val="5400"/>
-              </a:lnSpc>
-              <a:spcAft>
-                <a:spcPts val="600"/>
-              </a:spcAft>
-            </a:pPr>
-            <a:r>
-              <a:rPr lang="de-DE" altLang="ko-KR" sz="5500" b="1" dirty="0">
-                <a:solidFill>
-                  <a:srgbClr val="002060"/>
-                </a:solidFill>
-                <a:latin typeface="CMU Serif" panose="02000803000000000000" pitchFamily="2" charset="0"/>
-                <a:ea typeface="CMU Serif" panose="02000803000000000000" pitchFamily="2" charset="0"/>
-                <a:cs typeface="CMU Serif" panose="02000803000000000000" pitchFamily="2" charset="0"/>
-              </a:rPr>
-              <a:t>Lernverfahren 2</a:t>
-            </a:r>
-            <a:endParaRPr lang="de-DE" altLang="ko-KR" sz="5500" b="1" dirty="0">
-              <a:solidFill>
-                <a:schemeClr val="accent1"/>
-              </a:solidFill>
-              <a:latin typeface="CMU Serif" panose="02000803000000000000" pitchFamily="2" charset="0"/>
-              <a:ea typeface="CMU Serif" panose="02000803000000000000" pitchFamily="2" charset="0"/>
-              <a:cs typeface="CMU Serif" panose="02000803000000000000" pitchFamily="2" charset="0"/>
-            </a:endParaRPr>
-          </a:p>
-        </p:txBody>
-      </p:sp>
-      <p:sp>
-        <p:nvSpPr>
-          <p:cNvPr id="153" name="Freeform: Shape 152">
-            <a:extLst>
-              <a:ext uri="{FF2B5EF4-FFF2-40B4-BE49-F238E27FC236}">
-                <a16:creationId xmlns:a16="http://schemas.microsoft.com/office/drawing/2014/main" id="{F3B4A34E-C246-47F5-A863-109A43C0757D}"/>
-              </a:ext>
-            </a:extLst>
-          </p:cNvPr>
-          <p:cNvSpPr/>
-          <p:nvPr/>
-        </p:nvSpPr>
-        <p:spPr>
-          <a:xfrm>
-            <a:off x="673768" y="1688100"/>
-            <a:ext cx="5086770" cy="3128874"/>
-          </a:xfrm>
-          <a:custGeom>
-            <a:avLst/>
-            <a:gdLst>
-              <a:gd name="connsiteX0" fmla="*/ 5086770 w 5086770"/>
-              <a:gd name="connsiteY0" fmla="*/ 1174706 h 3128874"/>
-              <a:gd name="connsiteX1" fmla="*/ 5086770 w 5086770"/>
-              <a:gd name="connsiteY1" fmla="*/ 1184663 h 3128874"/>
-              <a:gd name="connsiteX2" fmla="*/ 5079830 w 5086770"/>
-              <a:gd name="connsiteY2" fmla="*/ 1185820 h 3128874"/>
-              <a:gd name="connsiteX3" fmla="*/ 5078289 w 5086770"/>
-              <a:gd name="connsiteY3" fmla="*/ 1182737 h 3128874"/>
-              <a:gd name="connsiteX4" fmla="*/ 5078289 w 5086770"/>
-              <a:gd name="connsiteY4" fmla="*/ 1179654 h 3128874"/>
-              <a:gd name="connsiteX5" fmla="*/ 1690658 w 5086770"/>
-              <a:gd name="connsiteY5" fmla="*/ 810655 h 3128874"/>
-              <a:gd name="connsiteX6" fmla="*/ 1349061 w 5086770"/>
-              <a:gd name="connsiteY6" fmla="*/ 1934928 h 3128874"/>
-              <a:gd name="connsiteX7" fmla="*/ 2035854 w 5086770"/>
-              <a:gd name="connsiteY7" fmla="*/ 1934928 h 3128874"/>
-              <a:gd name="connsiteX8" fmla="*/ 3765314 w 5086770"/>
-              <a:gd name="connsiteY8" fmla="*/ 0 h 3128874"/>
-              <a:gd name="connsiteX9" fmla="*/ 4465138 w 5086770"/>
-              <a:gd name="connsiteY9" fmla="*/ 0 h 3128874"/>
-              <a:gd name="connsiteX10" fmla="*/ 4675955 w 5086770"/>
-              <a:gd name="connsiteY10" fmla="*/ 0 h 3128874"/>
-              <a:gd name="connsiteX11" fmla="*/ 4659036 w 5086770"/>
-              <a:gd name="connsiteY11" fmla="*/ 34412 h 3128874"/>
-              <a:gd name="connsiteX12" fmla="*/ 4651327 w 5086770"/>
-              <a:gd name="connsiteY12" fmla="*/ 45203 h 3128874"/>
-              <a:gd name="connsiteX13" fmla="*/ 4648245 w 5086770"/>
-              <a:gd name="connsiteY13" fmla="*/ 51368 h 3128874"/>
-              <a:gd name="connsiteX14" fmla="*/ 4483319 w 5086770"/>
-              <a:gd name="connsiteY14" fmla="*/ 361184 h 3128874"/>
-              <a:gd name="connsiteX15" fmla="*/ 4480236 w 5086770"/>
-              <a:gd name="connsiteY15" fmla="*/ 373515 h 3128874"/>
-              <a:gd name="connsiteX16" fmla="*/ 4474071 w 5086770"/>
-              <a:gd name="connsiteY16" fmla="*/ 398176 h 3128874"/>
-              <a:gd name="connsiteX17" fmla="*/ 4450950 w 5086770"/>
-              <a:gd name="connsiteY17" fmla="*/ 498367 h 3128874"/>
-              <a:gd name="connsiteX18" fmla="*/ 4440161 w 5086770"/>
-              <a:gd name="connsiteY18" fmla="*/ 527652 h 3128874"/>
-              <a:gd name="connsiteX19" fmla="*/ 4441700 w 5086770"/>
-              <a:gd name="connsiteY19" fmla="*/ 539983 h 3128874"/>
-              <a:gd name="connsiteX20" fmla="*/ 4437078 w 5086770"/>
-              <a:gd name="connsiteY20" fmla="*/ 561562 h 3128874"/>
-              <a:gd name="connsiteX21" fmla="*/ 4433995 w 5086770"/>
-              <a:gd name="connsiteY21" fmla="*/ 576976 h 3128874"/>
-              <a:gd name="connsiteX22" fmla="*/ 4433994 w 5086770"/>
-              <a:gd name="connsiteY22" fmla="*/ 578519 h 3128874"/>
-              <a:gd name="connsiteX23" fmla="*/ 4413956 w 5086770"/>
-              <a:gd name="connsiteY23" fmla="*/ 797393 h 3128874"/>
-              <a:gd name="connsiteX24" fmla="*/ 4438619 w 5086770"/>
-              <a:gd name="connsiteY24" fmla="*/ 996230 h 3128874"/>
-              <a:gd name="connsiteX25" fmla="*/ 4433995 w 5086770"/>
-              <a:gd name="connsiteY25" fmla="*/ 1016268 h 3128874"/>
-              <a:gd name="connsiteX26" fmla="*/ 4435536 w 5086770"/>
-              <a:gd name="connsiteY26" fmla="*/ 1025517 h 3128874"/>
-              <a:gd name="connsiteX27" fmla="*/ 4437078 w 5086770"/>
-              <a:gd name="connsiteY27" fmla="*/ 1027057 h 3128874"/>
-              <a:gd name="connsiteX28" fmla="*/ 4432452 w 5086770"/>
-              <a:gd name="connsiteY28" fmla="*/ 1048636 h 3128874"/>
-              <a:gd name="connsiteX29" fmla="*/ 4413956 w 5086770"/>
-              <a:gd name="connsiteY29" fmla="*/ 1085630 h 3128874"/>
-              <a:gd name="connsiteX30" fmla="*/ 4196623 w 5086770"/>
-              <a:gd name="connsiteY30" fmla="*/ 1389280 h 3128874"/>
-              <a:gd name="connsiteX31" fmla="*/ 4085645 w 5086770"/>
-              <a:gd name="connsiteY31" fmla="*/ 1597365 h 3128874"/>
-              <a:gd name="connsiteX32" fmla="*/ 4216661 w 5086770"/>
-              <a:gd name="connsiteY32" fmla="*/ 1697556 h 3128874"/>
-              <a:gd name="connsiteX33" fmla="*/ 4250571 w 5086770"/>
-              <a:gd name="connsiteY33" fmla="*/ 1811617 h 3128874"/>
-              <a:gd name="connsiteX34" fmla="*/ 4173502 w 5086770"/>
-              <a:gd name="connsiteY34" fmla="*/ 1888685 h 3128874"/>
-              <a:gd name="connsiteX35" fmla="*/ 4213578 w 5086770"/>
-              <a:gd name="connsiteY35" fmla="*/ 2022784 h 3128874"/>
-              <a:gd name="connsiteX36" fmla="*/ 4347678 w 5086770"/>
-              <a:gd name="connsiteY36" fmla="*/ 2090605 h 3128874"/>
-              <a:gd name="connsiteX37" fmla="*/ 4233616 w 5086770"/>
-              <a:gd name="connsiteY37" fmla="*/ 2138388 h 3128874"/>
-              <a:gd name="connsiteX38" fmla="*/ 4227451 w 5086770"/>
-              <a:gd name="connsiteY38" fmla="*/ 2258616 h 3128874"/>
-              <a:gd name="connsiteX39" fmla="*/ 4350761 w 5086770"/>
-              <a:gd name="connsiteY39" fmla="*/ 2320270 h 3128874"/>
-              <a:gd name="connsiteX40" fmla="*/ 4333805 w 5086770"/>
-              <a:gd name="connsiteY40" fmla="*/ 2462077 h 3128874"/>
-              <a:gd name="connsiteX41" fmla="*/ 4467905 w 5086770"/>
-              <a:gd name="connsiteY41" fmla="*/ 2719486 h 3128874"/>
-              <a:gd name="connsiteX42" fmla="*/ 4800655 w 5086770"/>
-              <a:gd name="connsiteY42" fmla="*/ 2748491 h 3128874"/>
-              <a:gd name="connsiteX43" fmla="*/ 4838191 w 5086770"/>
-              <a:gd name="connsiteY43" fmla="*/ 2744074 h 3128874"/>
-              <a:gd name="connsiteX44" fmla="*/ 4863823 w 5086770"/>
-              <a:gd name="connsiteY44" fmla="*/ 2765476 h 3128874"/>
-              <a:gd name="connsiteX45" fmla="*/ 4934321 w 5086770"/>
-              <a:gd name="connsiteY45" fmla="*/ 2911083 h 3128874"/>
-              <a:gd name="connsiteX46" fmla="*/ 4964162 w 5086770"/>
-              <a:gd name="connsiteY46" fmla="*/ 3074402 h 3128874"/>
-              <a:gd name="connsiteX47" fmla="*/ 4967647 w 5086770"/>
-              <a:gd name="connsiteY47" fmla="*/ 3128874 h 3128874"/>
-              <a:gd name="connsiteX48" fmla="*/ 4465138 w 5086770"/>
-              <a:gd name="connsiteY48" fmla="*/ 3128874 h 3128874"/>
-              <a:gd name="connsiteX49" fmla="*/ 4465138 w 5086770"/>
-              <a:gd name="connsiteY49" fmla="*/ 3127460 h 3128874"/>
-              <a:gd name="connsiteX50" fmla="*/ 3765314 w 5086770"/>
-              <a:gd name="connsiteY50" fmla="*/ 3127460 h 3128874"/>
-              <a:gd name="connsiteX51" fmla="*/ 1175459 w 5086770"/>
-              <a:gd name="connsiteY51" fmla="*/ 0 h 3128874"/>
-              <a:gd name="connsiteX52" fmla="*/ 2229594 w 5086770"/>
-              <a:gd name="connsiteY52" fmla="*/ 0 h 3128874"/>
-              <a:gd name="connsiteX53" fmla="*/ 3404781 w 5086770"/>
-              <a:gd name="connsiteY53" fmla="*/ 3127460 h 3128874"/>
-              <a:gd name="connsiteX54" fmla="*/ 2392789 w 5086770"/>
-              <a:gd name="connsiteY54" fmla="*/ 3127460 h 3128874"/>
-              <a:gd name="connsiteX55" fmla="*/ 2236317 w 5086770"/>
-              <a:gd name="connsiteY55" fmla="*/ 2611186 h 3128874"/>
-              <a:gd name="connsiteX56" fmla="*/ 1139165 w 5086770"/>
-              <a:gd name="connsiteY56" fmla="*/ 2611186 h 3128874"/>
-              <a:gd name="connsiteX57" fmla="*/ 986721 w 5086770"/>
-              <a:gd name="connsiteY57" fmla="*/ 3127460 h 3128874"/>
-              <a:gd name="connsiteX58" fmla="*/ 0 w 5086770"/>
-              <a:gd name="connsiteY58" fmla="*/ 3127460 h 3128874"/>
-            </a:gdLst>
-            <a:ahLst/>
-            <a:cxnLst>
-              <a:cxn ang="0">
-                <a:pos x="connsiteX0" y="connsiteY0"/>
-              </a:cxn>
-              <a:cxn ang="0">
-                <a:pos x="connsiteX1" y="connsiteY1"/>
-              </a:cxn>
-              <a:cxn ang="0">
-                <a:pos x="connsiteX2" y="connsiteY2"/>
-              </a:cxn>
-              <a:cxn ang="0">
-                <a:pos x="connsiteX3" y="connsiteY3"/>
-              </a:cxn>
-              <a:cxn ang="0">
-                <a:pos x="connsiteX4" y="connsiteY4"/>
-              </a:cxn>
-              <a:cxn ang="0">
-                <a:pos x="connsiteX5" y="connsiteY5"/>
-              </a:cxn>
-              <a:cxn ang="0">
-                <a:pos x="connsiteX6" y="connsiteY6"/>
-              </a:cxn>
-              <a:cxn ang="0">
-                <a:pos x="connsiteX7" y="connsiteY7"/>
-              </a:cxn>
-              <a:cxn ang="0">
-                <a:pos x="connsiteX8" y="connsiteY8"/>
-              </a:cxn>
-              <a:cxn ang="0">
-                <a:pos x="connsiteX9" y="connsiteY9"/>
-              </a:cxn>
-              <a:cxn ang="0">
-                <a:pos x="connsiteX10" y="connsiteY10"/>
-              </a:cxn>
-              <a:cxn ang="0">
-                <a:pos x="connsiteX11" y="connsiteY11"/>
-              </a:cxn>
-              <a:cxn ang="0">
-                <a:pos x="connsiteX12" y="connsiteY12"/>
-              </a:cxn>
-              <a:cxn ang="0">
-                <a:pos x="connsiteX13" y="connsiteY13"/>
-              </a:cxn>
-              <a:cxn ang="0">
-                <a:pos x="connsiteX14" y="connsiteY14"/>
-              </a:cxn>
-              <a:cxn ang="0">
-                <a:pos x="connsiteX15" y="connsiteY15"/>
-              </a:cxn>
-              <a:cxn ang="0">
-                <a:pos x="connsiteX16" y="connsiteY16"/>
-              </a:cxn>
-              <a:cxn ang="0">
-                <a:pos x="connsiteX17" y="connsiteY17"/>
-              </a:cxn>
-              <a:cxn ang="0">
-                <a:pos x="connsiteX18" y="connsiteY18"/>
-              </a:cxn>
-              <a:cxn ang="0">
-                <a:pos x="connsiteX19" y="connsiteY19"/>
-              </a:cxn>
-              <a:cxn ang="0">
-                <a:pos x="connsiteX20" y="connsiteY20"/>
-              </a:cxn>
-              <a:cxn ang="0">
-                <a:pos x="connsiteX21" y="connsiteY21"/>
-              </a:cxn>
-              <a:cxn ang="0">
-                <a:pos x="connsiteX22" y="connsiteY22"/>
-              </a:cxn>
-              <a:cxn ang="0">
-                <a:pos x="connsiteX23" y="connsiteY23"/>
-              </a:cxn>
-              <a:cxn ang="0">
-                <a:pos x="connsiteX24" y="connsiteY24"/>
-              </a:cxn>
-              <a:cxn ang="0">
-                <a:pos x="connsiteX25" y="connsiteY25"/>
-              </a:cxn>
-              <a:cxn ang="0">
-                <a:pos x="connsiteX26" y="connsiteY26"/>
-              </a:cxn>
-              <a:cxn ang="0">
-                <a:pos x="connsiteX27" y="connsiteY27"/>
-              </a:cxn>
-              <a:cxn ang="0">
-                <a:pos x="connsiteX28" y="connsiteY28"/>
-              </a:cxn>
-              <a:cxn ang="0">
-                <a:pos x="connsiteX29" y="connsiteY29"/>
-              </a:cxn>
-              <a:cxn ang="0">
-                <a:pos x="connsiteX30" y="connsiteY30"/>
-              </a:cxn>
-              <a:cxn ang="0">
-                <a:pos x="connsiteX31" y="connsiteY31"/>
-              </a:cxn>
-              <a:cxn ang="0">
-                <a:pos x="connsiteX32" y="connsiteY32"/>
-              </a:cxn>
-              <a:cxn ang="0">
-                <a:pos x="connsiteX33" y="connsiteY33"/>
-              </a:cxn>
-              <a:cxn ang="0">
-                <a:pos x="connsiteX34" y="connsiteY34"/>
-              </a:cxn>
-              <a:cxn ang="0">
-                <a:pos x="connsiteX35" y="connsiteY35"/>
-              </a:cxn>
-              <a:cxn ang="0">
-                <a:pos x="connsiteX36" y="connsiteY36"/>
-              </a:cxn>
-              <a:cxn ang="0">
-                <a:pos x="connsiteX37" y="connsiteY37"/>
-              </a:cxn>
-              <a:cxn ang="0">
-                <a:pos x="connsiteX38" y="connsiteY38"/>
-              </a:cxn>
-              <a:cxn ang="0">
-                <a:pos x="connsiteX39" y="connsiteY39"/>
-              </a:cxn>
-              <a:cxn ang="0">
-                <a:pos x="connsiteX40" y="connsiteY40"/>
-              </a:cxn>
-              <a:cxn ang="0">
-                <a:pos x="connsiteX41" y="connsiteY41"/>
-              </a:cxn>
-              <a:cxn ang="0">
-                <a:pos x="connsiteX42" y="connsiteY42"/>
-              </a:cxn>
-              <a:cxn ang="0">
-                <a:pos x="connsiteX43" y="connsiteY43"/>
-              </a:cxn>
-              <a:cxn ang="0">
-                <a:pos x="connsiteX44" y="connsiteY44"/>
-              </a:cxn>
-              <a:cxn ang="0">
-                <a:pos x="connsiteX45" y="connsiteY45"/>
-              </a:cxn>
-              <a:cxn ang="0">
-                <a:pos x="connsiteX46" y="connsiteY46"/>
-              </a:cxn>
-              <a:cxn ang="0">
-                <a:pos x="connsiteX47" y="connsiteY47"/>
-              </a:cxn>
-              <a:cxn ang="0">
-                <a:pos x="connsiteX48" y="connsiteY48"/>
-              </a:cxn>
-              <a:cxn ang="0">
-                <a:pos x="connsiteX49" y="connsiteY49"/>
-              </a:cxn>
-              <a:cxn ang="0">
-                <a:pos x="connsiteX50" y="connsiteY50"/>
-              </a:cxn>
-              <a:cxn ang="0">
-                <a:pos x="connsiteX51" y="connsiteY51"/>
-              </a:cxn>
-              <a:cxn ang="0">
-                <a:pos x="connsiteX52" y="connsiteY52"/>
-              </a:cxn>
-              <a:cxn ang="0">
-                <a:pos x="connsiteX53" y="connsiteY53"/>
-              </a:cxn>
-              <a:cxn ang="0">
-                <a:pos x="connsiteX54" y="connsiteY54"/>
-              </a:cxn>
-              <a:cxn ang="0">
-                <a:pos x="connsiteX55" y="connsiteY55"/>
-              </a:cxn>
-              <a:cxn ang="0">
-                <a:pos x="connsiteX56" y="connsiteY56"/>
-              </a:cxn>
-              <a:cxn ang="0">
-                <a:pos x="connsiteX57" y="connsiteY57"/>
-              </a:cxn>
-              <a:cxn ang="0">
-                <a:pos x="connsiteX58" y="connsiteY58"/>
-              </a:cxn>
-            </a:cxnLst>
-            <a:rect l="l" t="t" r="r" b="b"/>
-            <a:pathLst>
-              <a:path w="5086770" h="3128874">
-                <a:moveTo>
-                  <a:pt x="5086770" y="1174706"/>
-                </a:moveTo>
-                <a:lnTo>
-                  <a:pt x="5086770" y="1184663"/>
-                </a:lnTo>
-                <a:lnTo>
-                  <a:pt x="5079830" y="1185820"/>
-                </a:lnTo>
-                <a:cubicBezTo>
-                  <a:pt x="5079829" y="1184277"/>
-                  <a:pt x="5078289" y="1184277"/>
-                  <a:pt x="5078289" y="1182737"/>
-                </a:cubicBezTo>
-                <a:lnTo>
-                  <a:pt x="5078289" y="1179654"/>
-                </a:lnTo>
-                <a:close/>
-                <a:moveTo>
-                  <a:pt x="1690658" y="810655"/>
-                </a:moveTo>
-                <a:lnTo>
-                  <a:pt x="1349061" y="1934928"/>
-                </a:lnTo>
-                <a:lnTo>
-                  <a:pt x="2035854" y="1934928"/>
-                </a:lnTo>
-                <a:close/>
-                <a:moveTo>
-                  <a:pt x="3765314" y="0"/>
-                </a:moveTo>
-                <a:lnTo>
-                  <a:pt x="4465138" y="0"/>
-                </a:lnTo>
-                <a:lnTo>
-                  <a:pt x="4675955" y="0"/>
-                </a:lnTo>
-                <a:lnTo>
-                  <a:pt x="4659036" y="34412"/>
-                </a:lnTo>
-                <a:cubicBezTo>
-                  <a:pt x="4655952" y="37496"/>
-                  <a:pt x="4652870" y="40578"/>
-                  <a:pt x="4651327" y="45203"/>
-                </a:cubicBezTo>
-                <a:cubicBezTo>
-                  <a:pt x="4649787" y="48285"/>
-                  <a:pt x="4649788" y="49827"/>
-                  <a:pt x="4648245" y="51368"/>
-                </a:cubicBezTo>
-                <a:cubicBezTo>
-                  <a:pt x="4632831" y="72947"/>
-                  <a:pt x="4528018" y="224002"/>
-                  <a:pt x="4483319" y="361184"/>
-                </a:cubicBezTo>
-                <a:cubicBezTo>
-                  <a:pt x="4481777" y="365808"/>
-                  <a:pt x="4480236" y="368891"/>
-                  <a:pt x="4480236" y="373515"/>
-                </a:cubicBezTo>
-                <a:cubicBezTo>
-                  <a:pt x="4478694" y="381223"/>
-                  <a:pt x="4475612" y="390471"/>
-                  <a:pt x="4474071" y="398176"/>
-                </a:cubicBezTo>
-                <a:cubicBezTo>
-                  <a:pt x="4466362" y="432087"/>
-                  <a:pt x="4458657" y="465997"/>
-                  <a:pt x="4450950" y="498367"/>
-                </a:cubicBezTo>
-                <a:cubicBezTo>
-                  <a:pt x="4444783" y="506073"/>
-                  <a:pt x="4440160" y="516863"/>
-                  <a:pt x="4440161" y="527652"/>
-                </a:cubicBezTo>
-                <a:cubicBezTo>
-                  <a:pt x="4440160" y="532277"/>
-                  <a:pt x="4440160" y="535360"/>
-                  <a:pt x="4441700" y="539983"/>
-                </a:cubicBezTo>
-                <a:cubicBezTo>
-                  <a:pt x="4440161" y="547691"/>
-                  <a:pt x="4438618" y="555397"/>
-                  <a:pt x="4437078" y="561562"/>
-                </a:cubicBezTo>
-                <a:cubicBezTo>
-                  <a:pt x="4435535" y="566187"/>
-                  <a:pt x="4433995" y="570810"/>
-                  <a:pt x="4433995" y="576976"/>
-                </a:cubicBezTo>
-                <a:cubicBezTo>
-                  <a:pt x="4433995" y="576976"/>
-                  <a:pt x="4433994" y="578519"/>
-                  <a:pt x="4433994" y="578519"/>
-                </a:cubicBezTo>
-                <a:cubicBezTo>
-                  <a:pt x="4417039" y="674083"/>
-                  <a:pt x="4407790" y="755776"/>
-                  <a:pt x="4413956" y="797393"/>
-                </a:cubicBezTo>
-                <a:cubicBezTo>
-                  <a:pt x="4421664" y="846717"/>
-                  <a:pt x="4440160" y="929951"/>
-                  <a:pt x="4438619" y="996230"/>
-                </a:cubicBezTo>
-                <a:cubicBezTo>
-                  <a:pt x="4435535" y="1002395"/>
-                  <a:pt x="4433995" y="1008560"/>
-                  <a:pt x="4433995" y="1016268"/>
-                </a:cubicBezTo>
-                <a:cubicBezTo>
-                  <a:pt x="4433995" y="1019351"/>
-                  <a:pt x="4435536" y="1022434"/>
-                  <a:pt x="4435536" y="1025517"/>
-                </a:cubicBezTo>
-                <a:cubicBezTo>
-                  <a:pt x="4435536" y="1025517"/>
-                  <a:pt x="4435535" y="1027057"/>
-                  <a:pt x="4437078" y="1027057"/>
-                </a:cubicBezTo>
-                <a:cubicBezTo>
-                  <a:pt x="4435536" y="1034764"/>
-                  <a:pt x="4433994" y="1042471"/>
-                  <a:pt x="4432452" y="1048636"/>
-                </a:cubicBezTo>
-                <a:lnTo>
-                  <a:pt x="4413956" y="1085630"/>
-                </a:lnTo>
-                <a:cubicBezTo>
-                  <a:pt x="4369257" y="1164240"/>
-                  <a:pt x="4258278" y="1339957"/>
-                  <a:pt x="4196623" y="1389280"/>
-                </a:cubicBezTo>
-                <a:cubicBezTo>
-                  <a:pt x="4128802" y="1441687"/>
-                  <a:pt x="4062523" y="1538793"/>
-                  <a:pt x="4085645" y="1597365"/>
-                </a:cubicBezTo>
-                <a:cubicBezTo>
-                  <a:pt x="4119555" y="1660562"/>
-                  <a:pt x="4181210" y="1688307"/>
-                  <a:pt x="4216661" y="1697556"/>
-                </a:cubicBezTo>
-                <a:cubicBezTo>
-                  <a:pt x="4252112" y="1706804"/>
-                  <a:pt x="4275233" y="1779247"/>
-                  <a:pt x="4250571" y="1811617"/>
-                </a:cubicBezTo>
-                <a:cubicBezTo>
-                  <a:pt x="4225909" y="1843985"/>
-                  <a:pt x="4187375" y="1853233"/>
-                  <a:pt x="4173502" y="1888685"/>
-                </a:cubicBezTo>
-                <a:cubicBezTo>
-                  <a:pt x="4159630" y="1924137"/>
-                  <a:pt x="4153465" y="1998123"/>
-                  <a:pt x="4213578" y="2022784"/>
-                </a:cubicBezTo>
-                <a:cubicBezTo>
-                  <a:pt x="4259818" y="2041281"/>
-                  <a:pt x="4349219" y="2081356"/>
-                  <a:pt x="4347678" y="2090605"/>
-                </a:cubicBezTo>
-                <a:cubicBezTo>
-                  <a:pt x="4346136" y="2099853"/>
-                  <a:pt x="4250570" y="2107561"/>
-                  <a:pt x="4233616" y="2138388"/>
-                </a:cubicBezTo>
-                <a:cubicBezTo>
-                  <a:pt x="4216660" y="2169216"/>
-                  <a:pt x="4204330" y="2220080"/>
-                  <a:pt x="4227451" y="2258616"/>
-                </a:cubicBezTo>
-                <a:cubicBezTo>
-                  <a:pt x="4250571" y="2297149"/>
-                  <a:pt x="4332264" y="2292526"/>
-                  <a:pt x="4350761" y="2320270"/>
-                </a:cubicBezTo>
-                <a:cubicBezTo>
-                  <a:pt x="4381588" y="2371135"/>
-                  <a:pt x="4358466" y="2378843"/>
-                  <a:pt x="4333805" y="2462077"/>
-                </a:cubicBezTo>
-                <a:cubicBezTo>
-                  <a:pt x="4306060" y="2551476"/>
-                  <a:pt x="4302977" y="2650125"/>
-                  <a:pt x="4467905" y="2719486"/>
-                </a:cubicBezTo>
-                <a:cubicBezTo>
-                  <a:pt x="4562314" y="2758983"/>
-                  <a:pt x="4694054" y="2758743"/>
-                  <a:pt x="4800655" y="2748491"/>
-                </a:cubicBezTo>
-                <a:lnTo>
-                  <a:pt x="4838191" y="2744074"/>
-                </a:lnTo>
-                <a:lnTo>
-                  <a:pt x="4863823" y="2765476"/>
-                </a:lnTo>
-                <a:cubicBezTo>
-                  <a:pt x="4895578" y="2799449"/>
-                  <a:pt x="4917344" y="2847230"/>
-                  <a:pt x="4934321" y="2911083"/>
-                </a:cubicBezTo>
-                <a:cubicBezTo>
-                  <a:pt x="4945640" y="2953651"/>
-                  <a:pt x="4957371" y="3013267"/>
-                  <a:pt x="4964162" y="3074402"/>
-                </a:cubicBezTo>
-                <a:lnTo>
-                  <a:pt x="4967647" y="3128874"/>
-                </a:lnTo>
-                <a:lnTo>
-                  <a:pt x="4465138" y="3128874"/>
-                </a:lnTo>
-                <a:lnTo>
-                  <a:pt x="4465138" y="3127460"/>
-                </a:lnTo>
-                <a:lnTo>
-                  <a:pt x="3765314" y="3127460"/>
-                </a:lnTo>
-                <a:close/>
-                <a:moveTo>
-                  <a:pt x="1175459" y="0"/>
-                </a:moveTo>
-                <a:lnTo>
-                  <a:pt x="2229594" y="0"/>
-                </a:lnTo>
-                <a:lnTo>
-                  <a:pt x="3404781" y="3127460"/>
-                </a:lnTo>
-                <a:lnTo>
-                  <a:pt x="2392789" y="3127460"/>
-                </a:lnTo>
-                <a:lnTo>
-                  <a:pt x="2236317" y="2611186"/>
-                </a:lnTo>
-                <a:lnTo>
-                  <a:pt x="1139165" y="2611186"/>
-                </a:lnTo>
-                <a:lnTo>
-                  <a:pt x="986721" y="3127460"/>
-                </a:lnTo>
-                <a:lnTo>
-                  <a:pt x="0" y="3127460"/>
-                </a:lnTo>
-                <a:close/>
-              </a:path>
-            </a:pathLst>
-          </a:custGeom>
-          <a:solidFill>
-            <a:srgbClr val="002060"/>
-          </a:solidFill>
-          <a:ln>
-            <a:noFill/>
-          </a:ln>
-        </p:spPr>
-        <p:style>
-          <a:lnRef idx="2">
-            <a:schemeClr val="accent1">
-              <a:shade val="50000"/>
-            </a:schemeClr>
-          </a:lnRef>
-          <a:fillRef idx="1">
-            <a:schemeClr val="accent1"/>
-          </a:fillRef>
-          <a:effectRef idx="0">
-            <a:schemeClr val="accent1"/>
-          </a:effectRef>
-          <a:fontRef idx="minor">
-            <a:schemeClr val="lt1"/>
-          </a:fontRef>
-        </p:style>
-        <p:txBody>
-          <a:bodyPr rtlCol="0" anchor="ctr"/>
-          <a:lstStyle/>
-          <a:p>
-            <a:pPr algn="ctr"/>
-            <a:endParaRPr lang="en-US"/>
-          </a:p>
-        </p:txBody>
-      </p:sp>
-      <p:sp>
-        <p:nvSpPr>
-          <p:cNvPr id="2" name="Rechteck 1">
-            <a:extLst>
-              <a:ext uri="{FF2B5EF4-FFF2-40B4-BE49-F238E27FC236}">
-                <a16:creationId xmlns:a16="http://schemas.microsoft.com/office/drawing/2014/main" id="{96AA9A24-87CF-4FD9-A062-3E8FD5FCE155}"/>
-              </a:ext>
-            </a:extLst>
-          </p:cNvPr>
-          <p:cNvSpPr/>
-          <p:nvPr/>
-        </p:nvSpPr>
-        <p:spPr>
-          <a:xfrm>
-            <a:off x="-39394" y="6497053"/>
-            <a:ext cx="12270787" cy="425115"/>
-          </a:xfrm>
-          <a:prstGeom prst="rect">
-            <a:avLst/>
-          </a:prstGeom>
-          <a:solidFill>
-            <a:srgbClr val="AA313F"/>
-          </a:solidFill>
-          <a:ln>
-            <a:noFill/>
-          </a:ln>
-        </p:spPr>
-        <p:style>
-          <a:lnRef idx="2">
-            <a:schemeClr val="accent1">
-              <a:shade val="50000"/>
-            </a:schemeClr>
-          </a:lnRef>
-          <a:fillRef idx="1">
-            <a:schemeClr val="accent1"/>
-          </a:fillRef>
-          <a:effectRef idx="0">
-            <a:schemeClr val="accent1"/>
-          </a:effectRef>
-          <a:fontRef idx="minor">
-            <a:schemeClr val="lt1"/>
-          </a:fontRef>
-        </p:style>
-        <p:txBody>
-          <a:bodyPr rtlCol="0" anchor="ctr"/>
-          <a:lstStyle/>
-          <a:p>
-            <a:pPr algn="ctr"/>
-            <a:endParaRPr lang="de-DE"/>
-          </a:p>
-        </p:txBody>
-      </p:sp>
-    </p:spTree>
-    <p:extLst>
-      <p:ext uri="{BB962C8B-B14F-4D97-AF65-F5344CB8AC3E}">
-        <p14:creationId xmlns:p14="http://schemas.microsoft.com/office/powerpoint/2010/main" val="1785347479"/>
-      </p:ext>
-    </p:extLst>
-  </p:cSld>
-  <p:clrMapOvr>
-    <a:masterClrMapping/>
-  </p:clrMapOvr>
-</p:sld>
-</file>
-
-<file path=ppt/slides/slide8.xml><?xml version="1.0" encoding="utf-8"?>
-<p:sld xmlns:a="http://schemas.openxmlformats.org/drawingml/2006/main" xmlns:r="http://schemas.openxmlformats.org/officeDocument/2006/relationships" xmlns:p="http://schemas.openxmlformats.org/presentationml/2006/main">
-  <p:cSld>
-    <p:spTree>
-      <p:nvGrpSpPr>
-        <p:cNvPr id="1" name=""/>
-        <p:cNvGrpSpPr/>
-        <p:nvPr/>
-      </p:nvGrpSpPr>
-      <p:grpSpPr>
-        <a:xfrm>
-          <a:off x="0" y="0"/>
-          <a:ext cx="0" cy="0"/>
-          <a:chOff x="0" y="0"/>
-          <a:chExt cx="0" cy="0"/>
-        </a:xfrm>
-      </p:grpSpPr>
-      <p:sp>
-        <p:nvSpPr>
-          <p:cNvPr id="4" name="TextBox 3">
-            <a:extLst>
-              <a:ext uri="{FF2B5EF4-FFF2-40B4-BE49-F238E27FC236}">
-                <a16:creationId xmlns:a16="http://schemas.microsoft.com/office/drawing/2014/main" id="{948A2979-A456-4286-B8FC-8FF4C0C58EFD}"/>
-              </a:ext>
-            </a:extLst>
-          </p:cNvPr>
-          <p:cNvSpPr txBox="1"/>
-          <p:nvPr/>
-        </p:nvSpPr>
-        <p:spPr>
-          <a:xfrm>
-            <a:off x="5686926" y="2623010"/>
-            <a:ext cx="6328611" cy="1611980"/>
-          </a:xfrm>
-          <a:prstGeom prst="rect">
-            <a:avLst/>
-          </a:prstGeom>
-          <a:noFill/>
-        </p:spPr>
-        <p:txBody>
-          <a:bodyPr wrap="square" rtlCol="0" anchor="ctr">
-            <a:spAutoFit/>
-          </a:bodyPr>
-          <a:lstStyle/>
-          <a:p>
-            <a:pPr algn="ctr">
-              <a:lnSpc>
-                <a:spcPts val="5400"/>
-              </a:lnSpc>
-              <a:spcAft>
-                <a:spcPts val="600"/>
-              </a:spcAft>
-            </a:pPr>
-            <a:r>
-              <a:rPr lang="de-DE" altLang="ko-KR" sz="5500" b="1" dirty="0">
-                <a:solidFill>
-                  <a:srgbClr val="002060"/>
-                </a:solidFill>
-                <a:latin typeface="CMU Serif" panose="02000803000000000000" pitchFamily="2" charset="0"/>
-                <a:ea typeface="CMU Serif" panose="02000803000000000000" pitchFamily="2" charset="0"/>
-                <a:cs typeface="CMU Serif" panose="02000803000000000000" pitchFamily="2" charset="0"/>
-              </a:rPr>
-              <a:t>4. Maschinelles </a:t>
-            </a:r>
-          </a:p>
-          <a:p>
-            <a:pPr algn="ctr">
-              <a:lnSpc>
-                <a:spcPts val="5400"/>
-              </a:lnSpc>
-              <a:spcAft>
-                <a:spcPts val="600"/>
-              </a:spcAft>
-            </a:pPr>
-            <a:r>
-              <a:rPr lang="de-DE" altLang="ko-KR" sz="5500" b="1" dirty="0">
-                <a:solidFill>
-                  <a:srgbClr val="002060"/>
-                </a:solidFill>
-                <a:latin typeface="CMU Serif" panose="02000803000000000000" pitchFamily="2" charset="0"/>
-                <a:ea typeface="CMU Serif" panose="02000803000000000000" pitchFamily="2" charset="0"/>
-                <a:cs typeface="CMU Serif" panose="02000803000000000000" pitchFamily="2" charset="0"/>
-              </a:rPr>
-              <a:t>Lernverfahren 3</a:t>
-            </a:r>
-            <a:endParaRPr lang="de-DE" altLang="ko-KR" sz="5500" b="1" dirty="0">
-              <a:solidFill>
-                <a:schemeClr val="accent1"/>
-              </a:solidFill>
-              <a:latin typeface="CMU Serif" panose="02000803000000000000" pitchFamily="2" charset="0"/>
-              <a:ea typeface="CMU Serif" panose="02000803000000000000" pitchFamily="2" charset="0"/>
-              <a:cs typeface="CMU Serif" panose="02000803000000000000" pitchFamily="2" charset="0"/>
-            </a:endParaRPr>
-          </a:p>
-        </p:txBody>
-      </p:sp>
-      <p:sp>
-        <p:nvSpPr>
-          <p:cNvPr id="153" name="Freeform: Shape 152">
-            <a:extLst>
-              <a:ext uri="{FF2B5EF4-FFF2-40B4-BE49-F238E27FC236}">
-                <a16:creationId xmlns:a16="http://schemas.microsoft.com/office/drawing/2014/main" id="{F3B4A34E-C246-47F5-A863-109A43C0757D}"/>
-              </a:ext>
-            </a:extLst>
-          </p:cNvPr>
-          <p:cNvSpPr/>
-          <p:nvPr/>
-        </p:nvSpPr>
-        <p:spPr>
-          <a:xfrm>
-            <a:off x="673768" y="1688100"/>
-            <a:ext cx="5086770" cy="3128874"/>
-          </a:xfrm>
-          <a:custGeom>
-            <a:avLst/>
-            <a:gdLst>
-              <a:gd name="connsiteX0" fmla="*/ 5086770 w 5086770"/>
-              <a:gd name="connsiteY0" fmla="*/ 1174706 h 3128874"/>
-              <a:gd name="connsiteX1" fmla="*/ 5086770 w 5086770"/>
-              <a:gd name="connsiteY1" fmla="*/ 1184663 h 3128874"/>
-              <a:gd name="connsiteX2" fmla="*/ 5079830 w 5086770"/>
-              <a:gd name="connsiteY2" fmla="*/ 1185820 h 3128874"/>
-              <a:gd name="connsiteX3" fmla="*/ 5078289 w 5086770"/>
-              <a:gd name="connsiteY3" fmla="*/ 1182737 h 3128874"/>
-              <a:gd name="connsiteX4" fmla="*/ 5078289 w 5086770"/>
-              <a:gd name="connsiteY4" fmla="*/ 1179654 h 3128874"/>
-              <a:gd name="connsiteX5" fmla="*/ 1690658 w 5086770"/>
-              <a:gd name="connsiteY5" fmla="*/ 810655 h 3128874"/>
-              <a:gd name="connsiteX6" fmla="*/ 1349061 w 5086770"/>
-              <a:gd name="connsiteY6" fmla="*/ 1934928 h 3128874"/>
-              <a:gd name="connsiteX7" fmla="*/ 2035854 w 5086770"/>
-              <a:gd name="connsiteY7" fmla="*/ 1934928 h 3128874"/>
-              <a:gd name="connsiteX8" fmla="*/ 3765314 w 5086770"/>
-              <a:gd name="connsiteY8" fmla="*/ 0 h 3128874"/>
-              <a:gd name="connsiteX9" fmla="*/ 4465138 w 5086770"/>
-              <a:gd name="connsiteY9" fmla="*/ 0 h 3128874"/>
-              <a:gd name="connsiteX10" fmla="*/ 4675955 w 5086770"/>
-              <a:gd name="connsiteY10" fmla="*/ 0 h 3128874"/>
-              <a:gd name="connsiteX11" fmla="*/ 4659036 w 5086770"/>
-              <a:gd name="connsiteY11" fmla="*/ 34412 h 3128874"/>
-              <a:gd name="connsiteX12" fmla="*/ 4651327 w 5086770"/>
-              <a:gd name="connsiteY12" fmla="*/ 45203 h 3128874"/>
-              <a:gd name="connsiteX13" fmla="*/ 4648245 w 5086770"/>
-              <a:gd name="connsiteY13" fmla="*/ 51368 h 3128874"/>
-              <a:gd name="connsiteX14" fmla="*/ 4483319 w 5086770"/>
-              <a:gd name="connsiteY14" fmla="*/ 361184 h 3128874"/>
-              <a:gd name="connsiteX15" fmla="*/ 4480236 w 5086770"/>
-              <a:gd name="connsiteY15" fmla="*/ 373515 h 3128874"/>
-              <a:gd name="connsiteX16" fmla="*/ 4474071 w 5086770"/>
-              <a:gd name="connsiteY16" fmla="*/ 398176 h 3128874"/>
-              <a:gd name="connsiteX17" fmla="*/ 4450950 w 5086770"/>
-              <a:gd name="connsiteY17" fmla="*/ 498367 h 3128874"/>
-              <a:gd name="connsiteX18" fmla="*/ 4440161 w 5086770"/>
-              <a:gd name="connsiteY18" fmla="*/ 527652 h 3128874"/>
-              <a:gd name="connsiteX19" fmla="*/ 4441700 w 5086770"/>
-              <a:gd name="connsiteY19" fmla="*/ 539983 h 3128874"/>
-              <a:gd name="connsiteX20" fmla="*/ 4437078 w 5086770"/>
-              <a:gd name="connsiteY20" fmla="*/ 561562 h 3128874"/>
-              <a:gd name="connsiteX21" fmla="*/ 4433995 w 5086770"/>
-              <a:gd name="connsiteY21" fmla="*/ 576976 h 3128874"/>
-              <a:gd name="connsiteX22" fmla="*/ 4433994 w 5086770"/>
-              <a:gd name="connsiteY22" fmla="*/ 578519 h 3128874"/>
-              <a:gd name="connsiteX23" fmla="*/ 4413956 w 5086770"/>
-              <a:gd name="connsiteY23" fmla="*/ 797393 h 3128874"/>
-              <a:gd name="connsiteX24" fmla="*/ 4438619 w 5086770"/>
-              <a:gd name="connsiteY24" fmla="*/ 996230 h 3128874"/>
-              <a:gd name="connsiteX25" fmla="*/ 4433995 w 5086770"/>
-              <a:gd name="connsiteY25" fmla="*/ 1016268 h 3128874"/>
-              <a:gd name="connsiteX26" fmla="*/ 4435536 w 5086770"/>
-              <a:gd name="connsiteY26" fmla="*/ 1025517 h 3128874"/>
-              <a:gd name="connsiteX27" fmla="*/ 4437078 w 5086770"/>
-              <a:gd name="connsiteY27" fmla="*/ 1027057 h 3128874"/>
-              <a:gd name="connsiteX28" fmla="*/ 4432452 w 5086770"/>
-              <a:gd name="connsiteY28" fmla="*/ 1048636 h 3128874"/>
-              <a:gd name="connsiteX29" fmla="*/ 4413956 w 5086770"/>
-              <a:gd name="connsiteY29" fmla="*/ 1085630 h 3128874"/>
-              <a:gd name="connsiteX30" fmla="*/ 4196623 w 5086770"/>
-              <a:gd name="connsiteY30" fmla="*/ 1389280 h 3128874"/>
-              <a:gd name="connsiteX31" fmla="*/ 4085645 w 5086770"/>
-              <a:gd name="connsiteY31" fmla="*/ 1597365 h 3128874"/>
-              <a:gd name="connsiteX32" fmla="*/ 4216661 w 5086770"/>
-              <a:gd name="connsiteY32" fmla="*/ 1697556 h 3128874"/>
-              <a:gd name="connsiteX33" fmla="*/ 4250571 w 5086770"/>
-              <a:gd name="connsiteY33" fmla="*/ 1811617 h 3128874"/>
-              <a:gd name="connsiteX34" fmla="*/ 4173502 w 5086770"/>
-              <a:gd name="connsiteY34" fmla="*/ 1888685 h 3128874"/>
-              <a:gd name="connsiteX35" fmla="*/ 4213578 w 5086770"/>
-              <a:gd name="connsiteY35" fmla="*/ 2022784 h 3128874"/>
-              <a:gd name="connsiteX36" fmla="*/ 4347678 w 5086770"/>
-              <a:gd name="connsiteY36" fmla="*/ 2090605 h 3128874"/>
-              <a:gd name="connsiteX37" fmla="*/ 4233616 w 5086770"/>
-              <a:gd name="connsiteY37" fmla="*/ 2138388 h 3128874"/>
-              <a:gd name="connsiteX38" fmla="*/ 4227451 w 5086770"/>
-              <a:gd name="connsiteY38" fmla="*/ 2258616 h 3128874"/>
-              <a:gd name="connsiteX39" fmla="*/ 4350761 w 5086770"/>
-              <a:gd name="connsiteY39" fmla="*/ 2320270 h 3128874"/>
-              <a:gd name="connsiteX40" fmla="*/ 4333805 w 5086770"/>
-              <a:gd name="connsiteY40" fmla="*/ 2462077 h 3128874"/>
-              <a:gd name="connsiteX41" fmla="*/ 4467905 w 5086770"/>
-              <a:gd name="connsiteY41" fmla="*/ 2719486 h 3128874"/>
-              <a:gd name="connsiteX42" fmla="*/ 4800655 w 5086770"/>
-              <a:gd name="connsiteY42" fmla="*/ 2748491 h 3128874"/>
-              <a:gd name="connsiteX43" fmla="*/ 4838191 w 5086770"/>
-              <a:gd name="connsiteY43" fmla="*/ 2744074 h 3128874"/>
-              <a:gd name="connsiteX44" fmla="*/ 4863823 w 5086770"/>
-              <a:gd name="connsiteY44" fmla="*/ 2765476 h 3128874"/>
-              <a:gd name="connsiteX45" fmla="*/ 4934321 w 5086770"/>
-              <a:gd name="connsiteY45" fmla="*/ 2911083 h 3128874"/>
-              <a:gd name="connsiteX46" fmla="*/ 4964162 w 5086770"/>
-              <a:gd name="connsiteY46" fmla="*/ 3074402 h 3128874"/>
-              <a:gd name="connsiteX47" fmla="*/ 4967647 w 5086770"/>
-              <a:gd name="connsiteY47" fmla="*/ 3128874 h 3128874"/>
-              <a:gd name="connsiteX48" fmla="*/ 4465138 w 5086770"/>
-              <a:gd name="connsiteY48" fmla="*/ 3128874 h 3128874"/>
-              <a:gd name="connsiteX49" fmla="*/ 4465138 w 5086770"/>
-              <a:gd name="connsiteY49" fmla="*/ 3127460 h 3128874"/>
-              <a:gd name="connsiteX50" fmla="*/ 3765314 w 5086770"/>
-              <a:gd name="connsiteY50" fmla="*/ 3127460 h 3128874"/>
-              <a:gd name="connsiteX51" fmla="*/ 1175459 w 5086770"/>
-              <a:gd name="connsiteY51" fmla="*/ 0 h 3128874"/>
-              <a:gd name="connsiteX52" fmla="*/ 2229594 w 5086770"/>
-              <a:gd name="connsiteY52" fmla="*/ 0 h 3128874"/>
-              <a:gd name="connsiteX53" fmla="*/ 3404781 w 5086770"/>
-              <a:gd name="connsiteY53" fmla="*/ 3127460 h 3128874"/>
-              <a:gd name="connsiteX54" fmla="*/ 2392789 w 5086770"/>
-              <a:gd name="connsiteY54" fmla="*/ 3127460 h 3128874"/>
-              <a:gd name="connsiteX55" fmla="*/ 2236317 w 5086770"/>
-              <a:gd name="connsiteY55" fmla="*/ 2611186 h 3128874"/>
-              <a:gd name="connsiteX56" fmla="*/ 1139165 w 5086770"/>
-              <a:gd name="connsiteY56" fmla="*/ 2611186 h 3128874"/>
-              <a:gd name="connsiteX57" fmla="*/ 986721 w 5086770"/>
-              <a:gd name="connsiteY57" fmla="*/ 3127460 h 3128874"/>
-              <a:gd name="connsiteX58" fmla="*/ 0 w 5086770"/>
-              <a:gd name="connsiteY58" fmla="*/ 3127460 h 3128874"/>
-            </a:gdLst>
-            <a:ahLst/>
-            <a:cxnLst>
-              <a:cxn ang="0">
-                <a:pos x="connsiteX0" y="connsiteY0"/>
-              </a:cxn>
-              <a:cxn ang="0">
-                <a:pos x="connsiteX1" y="connsiteY1"/>
-              </a:cxn>
-              <a:cxn ang="0">
-                <a:pos x="connsiteX2" y="connsiteY2"/>
-              </a:cxn>
-              <a:cxn ang="0">
-                <a:pos x="connsiteX3" y="connsiteY3"/>
-              </a:cxn>
-              <a:cxn ang="0">
-                <a:pos x="connsiteX4" y="connsiteY4"/>
-              </a:cxn>
-              <a:cxn ang="0">
-                <a:pos x="connsiteX5" y="connsiteY5"/>
-              </a:cxn>
-              <a:cxn ang="0">
-                <a:pos x="connsiteX6" y="connsiteY6"/>
-              </a:cxn>
-              <a:cxn ang="0">
-                <a:pos x="connsiteX7" y="connsiteY7"/>
-              </a:cxn>
-              <a:cxn ang="0">
-                <a:pos x="connsiteX8" y="connsiteY8"/>
-              </a:cxn>
-              <a:cxn ang="0">
-                <a:pos x="connsiteX9" y="connsiteY9"/>
-              </a:cxn>
-              <a:cxn ang="0">
-                <a:pos x="connsiteX10" y="connsiteY10"/>
-              </a:cxn>
-              <a:cxn ang="0">
-                <a:pos x="connsiteX11" y="connsiteY11"/>
-              </a:cxn>
-              <a:cxn ang="0">
-                <a:pos x="connsiteX12" y="connsiteY12"/>
-              </a:cxn>
-              <a:cxn ang="0">
-                <a:pos x="connsiteX13" y="connsiteY13"/>
-              </a:cxn>
-              <a:cxn ang="0">
-                <a:pos x="connsiteX14" y="connsiteY14"/>
-              </a:cxn>
-              <a:cxn ang="0">
-                <a:pos x="connsiteX15" y="connsiteY15"/>
-              </a:cxn>
-              <a:cxn ang="0">
-                <a:pos x="connsiteX16" y="connsiteY16"/>
-              </a:cxn>
-              <a:cxn ang="0">
-                <a:pos x="connsiteX17" y="connsiteY17"/>
-              </a:cxn>
-              <a:cxn ang="0">
-                <a:pos x="connsiteX18" y="connsiteY18"/>
-              </a:cxn>
-              <a:cxn ang="0">
-                <a:pos x="connsiteX19" y="connsiteY19"/>
-              </a:cxn>
-              <a:cxn ang="0">
-                <a:pos x="connsiteX20" y="connsiteY20"/>
-              </a:cxn>
-              <a:cxn ang="0">
-                <a:pos x="connsiteX21" y="connsiteY21"/>
-              </a:cxn>
-              <a:cxn ang="0">
-                <a:pos x="connsiteX22" y="connsiteY22"/>
-              </a:cxn>
-              <a:cxn ang="0">
-                <a:pos x="connsiteX23" y="connsiteY23"/>
-              </a:cxn>
-              <a:cxn ang="0">
-                <a:pos x="connsiteX24" y="connsiteY24"/>
-              </a:cxn>
-              <a:cxn ang="0">
-                <a:pos x="connsiteX25" y="connsiteY25"/>
-              </a:cxn>
-              <a:cxn ang="0">
-                <a:pos x="connsiteX26" y="connsiteY26"/>
-              </a:cxn>
-              <a:cxn ang="0">
-                <a:pos x="connsiteX27" y="connsiteY27"/>
-              </a:cxn>
-              <a:cxn ang="0">
-                <a:pos x="connsiteX28" y="connsiteY28"/>
-              </a:cxn>
-              <a:cxn ang="0">
-                <a:pos x="connsiteX29" y="connsiteY29"/>
-              </a:cxn>
-              <a:cxn ang="0">
-                <a:pos x="connsiteX30" y="connsiteY30"/>
-              </a:cxn>
-              <a:cxn ang="0">
-                <a:pos x="connsiteX31" y="connsiteY31"/>
-              </a:cxn>
-              <a:cxn ang="0">
-                <a:pos x="connsiteX32" y="connsiteY32"/>
-              </a:cxn>
-              <a:cxn ang="0">
-                <a:pos x="connsiteX33" y="connsiteY33"/>
-              </a:cxn>
-              <a:cxn ang="0">
-                <a:pos x="connsiteX34" y="connsiteY34"/>
-              </a:cxn>
-              <a:cxn ang="0">
-                <a:pos x="connsiteX35" y="connsiteY35"/>
-              </a:cxn>
-              <a:cxn ang="0">
-                <a:pos x="connsiteX36" y="connsiteY36"/>
-              </a:cxn>
-              <a:cxn ang="0">
-                <a:pos x="connsiteX37" y="connsiteY37"/>
-              </a:cxn>
-              <a:cxn ang="0">
-                <a:pos x="connsiteX38" y="connsiteY38"/>
-              </a:cxn>
-              <a:cxn ang="0">
-                <a:pos x="connsiteX39" y="connsiteY39"/>
-              </a:cxn>
-              <a:cxn ang="0">
-                <a:pos x="connsiteX40" y="connsiteY40"/>
-              </a:cxn>
-              <a:cxn ang="0">
-                <a:pos x="connsiteX41" y="connsiteY41"/>
-              </a:cxn>
-              <a:cxn ang="0">
-                <a:pos x="connsiteX42" y="connsiteY42"/>
-              </a:cxn>
-              <a:cxn ang="0">
-                <a:pos x="connsiteX43" y="connsiteY43"/>
-              </a:cxn>
-              <a:cxn ang="0">
-                <a:pos x="connsiteX44" y="connsiteY44"/>
-              </a:cxn>
-              <a:cxn ang="0">
-                <a:pos x="connsiteX45" y="connsiteY45"/>
-              </a:cxn>
-              <a:cxn ang="0">
-                <a:pos x="connsiteX46" y="connsiteY46"/>
-              </a:cxn>
-              <a:cxn ang="0">
-                <a:pos x="connsiteX47" y="connsiteY47"/>
-              </a:cxn>
-              <a:cxn ang="0">
-                <a:pos x="connsiteX48" y="connsiteY48"/>
-              </a:cxn>
-              <a:cxn ang="0">
-                <a:pos x="connsiteX49" y="connsiteY49"/>
-              </a:cxn>
-              <a:cxn ang="0">
-                <a:pos x="connsiteX50" y="connsiteY50"/>
-              </a:cxn>
-              <a:cxn ang="0">
-                <a:pos x="connsiteX51" y="connsiteY51"/>
-              </a:cxn>
-              <a:cxn ang="0">
-                <a:pos x="connsiteX52" y="connsiteY52"/>
-              </a:cxn>
-              <a:cxn ang="0">
-                <a:pos x="connsiteX53" y="connsiteY53"/>
-              </a:cxn>
-              <a:cxn ang="0">
-                <a:pos x="connsiteX54" y="connsiteY54"/>
-              </a:cxn>
-              <a:cxn ang="0">
-                <a:pos x="connsiteX55" y="connsiteY55"/>
-              </a:cxn>
-              <a:cxn ang="0">
-                <a:pos x="connsiteX56" y="connsiteY56"/>
-              </a:cxn>
-              <a:cxn ang="0">
-                <a:pos x="connsiteX57" y="connsiteY57"/>
-              </a:cxn>
-              <a:cxn ang="0">
-                <a:pos x="connsiteX58" y="connsiteY58"/>
-              </a:cxn>
-            </a:cxnLst>
-            <a:rect l="l" t="t" r="r" b="b"/>
-            <a:pathLst>
-              <a:path w="5086770" h="3128874">
-                <a:moveTo>
-                  <a:pt x="5086770" y="1174706"/>
-                </a:moveTo>
-                <a:lnTo>
-                  <a:pt x="5086770" y="1184663"/>
-                </a:lnTo>
-                <a:lnTo>
-                  <a:pt x="5079830" y="1185820"/>
-                </a:lnTo>
-                <a:cubicBezTo>
-                  <a:pt x="5079829" y="1184277"/>
-                  <a:pt x="5078289" y="1184277"/>
-                  <a:pt x="5078289" y="1182737"/>
-                </a:cubicBezTo>
-                <a:lnTo>
-                  <a:pt x="5078289" y="1179654"/>
-                </a:lnTo>
-                <a:close/>
-                <a:moveTo>
-                  <a:pt x="1690658" y="810655"/>
-                </a:moveTo>
-                <a:lnTo>
-                  <a:pt x="1349061" y="1934928"/>
-                </a:lnTo>
-                <a:lnTo>
-                  <a:pt x="2035854" y="1934928"/>
-                </a:lnTo>
-                <a:close/>
-                <a:moveTo>
-                  <a:pt x="3765314" y="0"/>
-                </a:moveTo>
-                <a:lnTo>
-                  <a:pt x="4465138" y="0"/>
-                </a:lnTo>
-                <a:lnTo>
-                  <a:pt x="4675955" y="0"/>
-                </a:lnTo>
-                <a:lnTo>
-                  <a:pt x="4659036" y="34412"/>
-                </a:lnTo>
-                <a:cubicBezTo>
-                  <a:pt x="4655952" y="37496"/>
-                  <a:pt x="4652870" y="40578"/>
-                  <a:pt x="4651327" y="45203"/>
-                </a:cubicBezTo>
-                <a:cubicBezTo>
-                  <a:pt x="4649787" y="48285"/>
-                  <a:pt x="4649788" y="49827"/>
-                  <a:pt x="4648245" y="51368"/>
-                </a:cubicBezTo>
-                <a:cubicBezTo>
-                  <a:pt x="4632831" y="72947"/>
-                  <a:pt x="4528018" y="224002"/>
-                  <a:pt x="4483319" y="361184"/>
-                </a:cubicBezTo>
-                <a:cubicBezTo>
-                  <a:pt x="4481777" y="365808"/>
-                  <a:pt x="4480236" y="368891"/>
-                  <a:pt x="4480236" y="373515"/>
-                </a:cubicBezTo>
-                <a:cubicBezTo>
-                  <a:pt x="4478694" y="381223"/>
-                  <a:pt x="4475612" y="390471"/>
-                  <a:pt x="4474071" y="398176"/>
-                </a:cubicBezTo>
-                <a:cubicBezTo>
-                  <a:pt x="4466362" y="432087"/>
-                  <a:pt x="4458657" y="465997"/>
-                  <a:pt x="4450950" y="498367"/>
-                </a:cubicBezTo>
-                <a:cubicBezTo>
-                  <a:pt x="4444783" y="506073"/>
-                  <a:pt x="4440160" y="516863"/>
-                  <a:pt x="4440161" y="527652"/>
-                </a:cubicBezTo>
-                <a:cubicBezTo>
-                  <a:pt x="4440160" y="532277"/>
-                  <a:pt x="4440160" y="535360"/>
-                  <a:pt x="4441700" y="539983"/>
-                </a:cubicBezTo>
-                <a:cubicBezTo>
-                  <a:pt x="4440161" y="547691"/>
-                  <a:pt x="4438618" y="555397"/>
-                  <a:pt x="4437078" y="561562"/>
-                </a:cubicBezTo>
-                <a:cubicBezTo>
-                  <a:pt x="4435535" y="566187"/>
-                  <a:pt x="4433995" y="570810"/>
-                  <a:pt x="4433995" y="576976"/>
-                </a:cubicBezTo>
-                <a:cubicBezTo>
-                  <a:pt x="4433995" y="576976"/>
-                  <a:pt x="4433994" y="578519"/>
-                  <a:pt x="4433994" y="578519"/>
-                </a:cubicBezTo>
-                <a:cubicBezTo>
-                  <a:pt x="4417039" y="674083"/>
-                  <a:pt x="4407790" y="755776"/>
-                  <a:pt x="4413956" y="797393"/>
-                </a:cubicBezTo>
-                <a:cubicBezTo>
-                  <a:pt x="4421664" y="846717"/>
-                  <a:pt x="4440160" y="929951"/>
-                  <a:pt x="4438619" y="996230"/>
-                </a:cubicBezTo>
-                <a:cubicBezTo>
-                  <a:pt x="4435535" y="1002395"/>
-                  <a:pt x="4433995" y="1008560"/>
-                  <a:pt x="4433995" y="1016268"/>
-                </a:cubicBezTo>
-                <a:cubicBezTo>
-                  <a:pt x="4433995" y="1019351"/>
-                  <a:pt x="4435536" y="1022434"/>
-                  <a:pt x="4435536" y="1025517"/>
-                </a:cubicBezTo>
-                <a:cubicBezTo>
-                  <a:pt x="4435536" y="1025517"/>
-                  <a:pt x="4435535" y="1027057"/>
-                  <a:pt x="4437078" y="1027057"/>
-                </a:cubicBezTo>
-                <a:cubicBezTo>
-                  <a:pt x="4435536" y="1034764"/>
-                  <a:pt x="4433994" y="1042471"/>
-                  <a:pt x="4432452" y="1048636"/>
-                </a:cubicBezTo>
-                <a:lnTo>
-                  <a:pt x="4413956" y="1085630"/>
-                </a:lnTo>
-                <a:cubicBezTo>
-                  <a:pt x="4369257" y="1164240"/>
-                  <a:pt x="4258278" y="1339957"/>
-                  <a:pt x="4196623" y="1389280"/>
-                </a:cubicBezTo>
-                <a:cubicBezTo>
-                  <a:pt x="4128802" y="1441687"/>
-                  <a:pt x="4062523" y="1538793"/>
-                  <a:pt x="4085645" y="1597365"/>
-                </a:cubicBezTo>
-                <a:cubicBezTo>
-                  <a:pt x="4119555" y="1660562"/>
-                  <a:pt x="4181210" y="1688307"/>
-                  <a:pt x="4216661" y="1697556"/>
-                </a:cubicBezTo>
-                <a:cubicBezTo>
-                  <a:pt x="4252112" y="1706804"/>
-                  <a:pt x="4275233" y="1779247"/>
-                  <a:pt x="4250571" y="1811617"/>
-                </a:cubicBezTo>
-                <a:cubicBezTo>
-                  <a:pt x="4225909" y="1843985"/>
-                  <a:pt x="4187375" y="1853233"/>
-                  <a:pt x="4173502" y="1888685"/>
-                </a:cubicBezTo>
-                <a:cubicBezTo>
-                  <a:pt x="4159630" y="1924137"/>
-                  <a:pt x="4153465" y="1998123"/>
-                  <a:pt x="4213578" y="2022784"/>
-                </a:cubicBezTo>
-                <a:cubicBezTo>
-                  <a:pt x="4259818" y="2041281"/>
-                  <a:pt x="4349219" y="2081356"/>
-                  <a:pt x="4347678" y="2090605"/>
-                </a:cubicBezTo>
-                <a:cubicBezTo>
-                  <a:pt x="4346136" y="2099853"/>
-                  <a:pt x="4250570" y="2107561"/>
-                  <a:pt x="4233616" y="2138388"/>
-                </a:cubicBezTo>
-                <a:cubicBezTo>
-                  <a:pt x="4216660" y="2169216"/>
-                  <a:pt x="4204330" y="2220080"/>
-                  <a:pt x="4227451" y="2258616"/>
-                </a:cubicBezTo>
-                <a:cubicBezTo>
-                  <a:pt x="4250571" y="2297149"/>
-                  <a:pt x="4332264" y="2292526"/>
-                  <a:pt x="4350761" y="2320270"/>
-                </a:cubicBezTo>
-                <a:cubicBezTo>
-                  <a:pt x="4381588" y="2371135"/>
-                  <a:pt x="4358466" y="2378843"/>
-                  <a:pt x="4333805" y="2462077"/>
-                </a:cubicBezTo>
-                <a:cubicBezTo>
-                  <a:pt x="4306060" y="2551476"/>
-                  <a:pt x="4302977" y="2650125"/>
-                  <a:pt x="4467905" y="2719486"/>
-                </a:cubicBezTo>
-                <a:cubicBezTo>
-                  <a:pt x="4562314" y="2758983"/>
-                  <a:pt x="4694054" y="2758743"/>
-                  <a:pt x="4800655" y="2748491"/>
-                </a:cubicBezTo>
-                <a:lnTo>
-                  <a:pt x="4838191" y="2744074"/>
-                </a:lnTo>
-                <a:lnTo>
-                  <a:pt x="4863823" y="2765476"/>
-                </a:lnTo>
-                <a:cubicBezTo>
-                  <a:pt x="4895578" y="2799449"/>
-                  <a:pt x="4917344" y="2847230"/>
-                  <a:pt x="4934321" y="2911083"/>
-                </a:cubicBezTo>
-                <a:cubicBezTo>
-                  <a:pt x="4945640" y="2953651"/>
-                  <a:pt x="4957371" y="3013267"/>
-                  <a:pt x="4964162" y="3074402"/>
-                </a:cubicBezTo>
-                <a:lnTo>
-                  <a:pt x="4967647" y="3128874"/>
-                </a:lnTo>
-                <a:lnTo>
-                  <a:pt x="4465138" y="3128874"/>
-                </a:lnTo>
-                <a:lnTo>
-                  <a:pt x="4465138" y="3127460"/>
-                </a:lnTo>
-                <a:lnTo>
-                  <a:pt x="3765314" y="3127460"/>
-                </a:lnTo>
-                <a:close/>
-                <a:moveTo>
-                  <a:pt x="1175459" y="0"/>
-                </a:moveTo>
-                <a:lnTo>
-                  <a:pt x="2229594" y="0"/>
-                </a:lnTo>
-                <a:lnTo>
-                  <a:pt x="3404781" y="3127460"/>
-                </a:lnTo>
-                <a:lnTo>
-                  <a:pt x="2392789" y="3127460"/>
-                </a:lnTo>
-                <a:lnTo>
-                  <a:pt x="2236317" y="2611186"/>
-                </a:lnTo>
-                <a:lnTo>
-                  <a:pt x="1139165" y="2611186"/>
-                </a:lnTo>
-                <a:lnTo>
-                  <a:pt x="986721" y="3127460"/>
-                </a:lnTo>
-                <a:lnTo>
-                  <a:pt x="0" y="3127460"/>
-                </a:lnTo>
-                <a:close/>
-              </a:path>
-            </a:pathLst>
-          </a:custGeom>
-          <a:solidFill>
-            <a:srgbClr val="002060"/>
-          </a:solidFill>
-          <a:ln>
-            <a:noFill/>
-          </a:ln>
-        </p:spPr>
-        <p:style>
-          <a:lnRef idx="2">
-            <a:schemeClr val="accent1">
-              <a:shade val="50000"/>
-            </a:schemeClr>
-          </a:lnRef>
-          <a:fillRef idx="1">
-            <a:schemeClr val="accent1"/>
-          </a:fillRef>
-          <a:effectRef idx="0">
-            <a:schemeClr val="accent1"/>
-          </a:effectRef>
-          <a:fontRef idx="minor">
-            <a:schemeClr val="lt1"/>
-          </a:fontRef>
-        </p:style>
-        <p:txBody>
-          <a:bodyPr rtlCol="0" anchor="ctr"/>
-          <a:lstStyle/>
-          <a:p>
-            <a:pPr algn="ctr"/>
-            <a:endParaRPr lang="en-US"/>
-          </a:p>
-        </p:txBody>
-      </p:sp>
-      <p:sp>
-        <p:nvSpPr>
-          <p:cNvPr id="2" name="Rechteck 1">
-            <a:extLst>
-              <a:ext uri="{FF2B5EF4-FFF2-40B4-BE49-F238E27FC236}">
-                <a16:creationId xmlns:a16="http://schemas.microsoft.com/office/drawing/2014/main" id="{96AA9A24-87CF-4FD9-A062-3E8FD5FCE155}"/>
-              </a:ext>
-            </a:extLst>
-          </p:cNvPr>
-          <p:cNvSpPr/>
-          <p:nvPr/>
-        </p:nvSpPr>
-        <p:spPr>
-          <a:xfrm>
-            <a:off x="-39394" y="6497053"/>
-            <a:ext cx="12270787" cy="425115"/>
-          </a:xfrm>
-          <a:prstGeom prst="rect">
-            <a:avLst/>
-          </a:prstGeom>
-          <a:solidFill>
-            <a:srgbClr val="AA313F"/>
-          </a:solidFill>
-          <a:ln>
-            <a:noFill/>
-          </a:ln>
-        </p:spPr>
-        <p:style>
-          <a:lnRef idx="2">
-            <a:schemeClr val="accent1">
-              <a:shade val="50000"/>
-            </a:schemeClr>
-          </a:lnRef>
-          <a:fillRef idx="1">
-            <a:schemeClr val="accent1"/>
-          </a:fillRef>
-          <a:effectRef idx="0">
-            <a:schemeClr val="accent1"/>
-          </a:effectRef>
-          <a:fontRef idx="minor">
-            <a:schemeClr val="lt1"/>
-          </a:fontRef>
-        </p:style>
-        <p:txBody>
-          <a:bodyPr rtlCol="0" anchor="ctr"/>
-          <a:lstStyle/>
-          <a:p>
-            <a:pPr algn="ctr"/>
-            <a:endParaRPr lang="de-DE"/>
-          </a:p>
-        </p:txBody>
-      </p:sp>
-    </p:spTree>
-    <p:extLst>
-      <p:ext uri="{BB962C8B-B14F-4D97-AF65-F5344CB8AC3E}">
-        <p14:creationId xmlns:p14="http://schemas.microsoft.com/office/powerpoint/2010/main" val="3413826450"/>
-      </p:ext>
-    </p:extLst>
-  </p:cSld>
-  <p:clrMapOvr>
-    <a:masterClrMapping/>
-  </p:clrMapOvr>
-</p:sld>
-</file>
-
-<file path=ppt/slides/slide9.xml><?xml version="1.0" encoding="utf-8"?>
-<p:sld xmlns:a="http://schemas.openxmlformats.org/drawingml/2006/main" xmlns:r="http://schemas.openxmlformats.org/officeDocument/2006/relationships" xmlns:p="http://schemas.openxmlformats.org/presentationml/2006/main">
-  <p:cSld>
-    <p:spTree>
-      <p:nvGrpSpPr>
-        <p:cNvPr id="1" name=""/>
-        <p:cNvGrpSpPr/>
-        <p:nvPr/>
-      </p:nvGrpSpPr>
-      <p:grpSpPr>
-        <a:xfrm>
-          <a:off x="0" y="0"/>
-          <a:ext cx="0" cy="0"/>
-          <a:chOff x="0" y="0"/>
-          <a:chExt cx="0" cy="0"/>
-        </a:xfrm>
-      </p:grpSpPr>
-      <p:sp>
-        <p:nvSpPr>
           <p:cNvPr id="2" name="Textplatzhalter 1">
             <a:extLst>
               <a:ext uri="{FF2B5EF4-FFF2-40B4-BE49-F238E27FC236}">
@@ -10065,6 +6364,3906 @@
     <p:extLst>
       <p:ext uri="{BB962C8B-B14F-4D97-AF65-F5344CB8AC3E}">
         <p14:creationId xmlns:p14="http://schemas.microsoft.com/office/powerpoint/2010/main" val="1248381680"/>
+      </p:ext>
+    </p:extLst>
+  </p:cSld>
+  <p:clrMapOvr>
+    <a:masterClrMapping/>
+  </p:clrMapOvr>
+</p:sld>
+</file>
+
+<file path=ppt/slides/slide12.xml><?xml version="1.0" encoding="utf-8"?>
+<p:sld xmlns:a="http://schemas.openxmlformats.org/drawingml/2006/main" xmlns:r="http://schemas.openxmlformats.org/officeDocument/2006/relationships" xmlns:p="http://schemas.openxmlformats.org/presentationml/2006/main">
+  <p:cSld>
+    <p:spTree>
+      <p:nvGrpSpPr>
+        <p:cNvPr id="1" name=""/>
+        <p:cNvGrpSpPr/>
+        <p:nvPr/>
+      </p:nvGrpSpPr>
+      <p:grpSpPr>
+        <a:xfrm>
+          <a:off x="0" y="0"/>
+          <a:ext cx="0" cy="0"/>
+          <a:chOff x="0" y="0"/>
+          <a:chExt cx="0" cy="0"/>
+        </a:xfrm>
+      </p:grpSpPr>
+      <p:sp>
+        <p:nvSpPr>
+          <p:cNvPr id="2" name="Text Placeholder 1"/>
+          <p:cNvSpPr>
+            <a:spLocks noGrp="1"/>
+          </p:cNvSpPr>
+          <p:nvPr>
+            <p:ph type="body" sz="quarter" idx="10"/>
+          </p:nvPr>
+        </p:nvSpPr>
+        <p:spPr>
+          <a:xfrm>
+            <a:off x="1983935" y="380280"/>
+            <a:ext cx="8066002" cy="681077"/>
+          </a:xfrm>
+        </p:spPr>
+        <p:txBody>
+          <a:bodyPr>
+            <a:normAutofit fontScale="85000" lnSpcReduction="20000"/>
+          </a:bodyPr>
+          <a:lstStyle/>
+          <a:p>
+            <a:pPr algn="ctr"/>
+            <a:r>
+              <a:rPr lang="de-DE" sz="5400" b="1" dirty="0">
+                <a:ln w="12700">
+                  <a:noFill/>
+                </a:ln>
+                <a:latin typeface="CMU Serif" panose="02000803000000000000" pitchFamily="2" charset="0"/>
+                <a:ea typeface="CMU Serif" panose="02000803000000000000" pitchFamily="2" charset="0"/>
+                <a:cs typeface="CMU Serif" panose="02000803000000000000" pitchFamily="2" charset="0"/>
+              </a:rPr>
+              <a:t>Titel</a:t>
+            </a:r>
+            <a:endParaRPr lang="en-US" b="1" dirty="0">
+              <a:ln w="12700">
+                <a:noFill/>
+              </a:ln>
+              <a:latin typeface="CMU Serif" panose="02000803000000000000" pitchFamily="2" charset="0"/>
+              <a:ea typeface="CMU Serif" panose="02000803000000000000" pitchFamily="2" charset="0"/>
+              <a:cs typeface="CMU Serif" panose="02000803000000000000" pitchFamily="2" charset="0"/>
+            </a:endParaRPr>
+          </a:p>
+        </p:txBody>
+      </p:sp>
+    </p:spTree>
+    <p:extLst>
+      <p:ext uri="{BB962C8B-B14F-4D97-AF65-F5344CB8AC3E}">
+        <p14:creationId xmlns:p14="http://schemas.microsoft.com/office/powerpoint/2010/main" val="4093972382"/>
+      </p:ext>
+    </p:extLst>
+  </p:cSld>
+  <p:clrMapOvr>
+    <a:masterClrMapping/>
+  </p:clrMapOvr>
+</p:sld>
+</file>
+
+<file path=ppt/slides/slide13.xml><?xml version="1.0" encoding="utf-8"?>
+<p:sld xmlns:a="http://schemas.openxmlformats.org/drawingml/2006/main" xmlns:r="http://schemas.openxmlformats.org/officeDocument/2006/relationships" xmlns:p="http://schemas.openxmlformats.org/presentationml/2006/main">
+  <p:cSld>
+    <p:spTree>
+      <p:nvGrpSpPr>
+        <p:cNvPr id="1" name=""/>
+        <p:cNvGrpSpPr/>
+        <p:nvPr/>
+      </p:nvGrpSpPr>
+      <p:grpSpPr>
+        <a:xfrm>
+          <a:off x="0" y="0"/>
+          <a:ext cx="0" cy="0"/>
+          <a:chOff x="0" y="0"/>
+          <a:chExt cx="0" cy="0"/>
+        </a:xfrm>
+      </p:grpSpPr>
+      <p:sp>
+        <p:nvSpPr>
+          <p:cNvPr id="3" name="TextBox 12">
+            <a:extLst>
+              <a:ext uri="{FF2B5EF4-FFF2-40B4-BE49-F238E27FC236}">
+                <a16:creationId xmlns:a16="http://schemas.microsoft.com/office/drawing/2014/main" id="{061C4418-2F26-5D3F-FD31-282B435BC65D}"/>
+              </a:ext>
+            </a:extLst>
+          </p:cNvPr>
+          <p:cNvSpPr txBox="1"/>
+          <p:nvPr/>
+        </p:nvSpPr>
+        <p:spPr>
+          <a:xfrm>
+            <a:off x="354563" y="4197204"/>
+            <a:ext cx="4794951" cy="1485022"/>
+          </a:xfrm>
+          <a:prstGeom prst="rect">
+            <a:avLst/>
+          </a:prstGeom>
+          <a:noFill/>
+        </p:spPr>
+        <p:txBody>
+          <a:bodyPr wrap="square" rtlCol="0" anchor="ctr">
+            <a:spAutoFit/>
+          </a:bodyPr>
+          <a:lstStyle/>
+          <a:p>
+            <a:pPr algn="ctr"/>
+            <a:endParaRPr lang="de-DE" altLang="ko-KR" sz="1050" i="1" dirty="0">
+              <a:solidFill>
+                <a:srgbClr val="002060"/>
+              </a:solidFill>
+              <a:latin typeface="CMU Serif" panose="02000803000000000000" pitchFamily="2" charset="0"/>
+              <a:ea typeface="CMU Serif" panose="02000803000000000000" pitchFamily="2" charset="0"/>
+              <a:cs typeface="CMU Serif" panose="02000803000000000000" pitchFamily="2" charset="0"/>
+            </a:endParaRPr>
+          </a:p>
+          <a:p>
+            <a:pPr algn="ctr"/>
+            <a:r>
+              <a:rPr lang="de-DE" altLang="ko-KR" sz="4000" b="1" dirty="0">
+                <a:solidFill>
+                  <a:srgbClr val="002060"/>
+                </a:solidFill>
+                <a:latin typeface="CMU Serif" panose="02000803000000000000" pitchFamily="2" charset="0"/>
+                <a:ea typeface="CMU Serif" panose="02000803000000000000" pitchFamily="2" charset="0"/>
+                <a:cs typeface="CMU Serif" panose="02000803000000000000" pitchFamily="2" charset="0"/>
+              </a:rPr>
+              <a:t>Vielen Dank für </a:t>
+            </a:r>
+          </a:p>
+          <a:p>
+            <a:pPr algn="ctr"/>
+            <a:r>
+              <a:rPr lang="de-DE" altLang="ko-KR" sz="4000" b="1" dirty="0">
+                <a:solidFill>
+                  <a:srgbClr val="002060"/>
+                </a:solidFill>
+                <a:latin typeface="CMU Serif" panose="02000803000000000000" pitchFamily="2" charset="0"/>
+                <a:ea typeface="CMU Serif" panose="02000803000000000000" pitchFamily="2" charset="0"/>
+                <a:cs typeface="CMU Serif" panose="02000803000000000000" pitchFamily="2" charset="0"/>
+              </a:rPr>
+              <a:t>Aufmerksamkeit</a:t>
+            </a:r>
+            <a:endParaRPr lang="de-DE" altLang="ko-KR" sz="5400" b="1" dirty="0">
+              <a:solidFill>
+                <a:srgbClr val="002060"/>
+              </a:solidFill>
+              <a:latin typeface="CMU Serif" panose="02000803000000000000" pitchFamily="2" charset="0"/>
+              <a:ea typeface="CMU Serif" panose="02000803000000000000" pitchFamily="2" charset="0"/>
+              <a:cs typeface="CMU Serif" panose="02000803000000000000" pitchFamily="2" charset="0"/>
+            </a:endParaRPr>
+          </a:p>
+        </p:txBody>
+      </p:sp>
+    </p:spTree>
+    <p:extLst>
+      <p:ext uri="{BB962C8B-B14F-4D97-AF65-F5344CB8AC3E}">
+        <p14:creationId xmlns:p14="http://schemas.microsoft.com/office/powerpoint/2010/main" val="3228147156"/>
+      </p:ext>
+    </p:extLst>
+  </p:cSld>
+  <p:clrMapOvr>
+    <a:masterClrMapping/>
+  </p:clrMapOvr>
+</p:sld>
+</file>
+
+<file path=ppt/slides/slide2.xml><?xml version="1.0" encoding="utf-8"?>
+<p:sld xmlns:a="http://schemas.openxmlformats.org/drawingml/2006/main" xmlns:r="http://schemas.openxmlformats.org/officeDocument/2006/relationships" xmlns:p="http://schemas.openxmlformats.org/presentationml/2006/main">
+  <p:cSld>
+    <p:spTree>
+      <p:nvGrpSpPr>
+        <p:cNvPr id="1" name=""/>
+        <p:cNvGrpSpPr/>
+        <p:nvPr/>
+      </p:nvGrpSpPr>
+      <p:grpSpPr>
+        <a:xfrm>
+          <a:off x="0" y="0"/>
+          <a:ext cx="0" cy="0"/>
+          <a:chOff x="0" y="0"/>
+          <a:chExt cx="0" cy="0"/>
+        </a:xfrm>
+      </p:grpSpPr>
+      <p:sp>
+        <p:nvSpPr>
+          <p:cNvPr id="3" name="TextBox 3">
+            <a:extLst>
+              <a:ext uri="{FF2B5EF4-FFF2-40B4-BE49-F238E27FC236}">
+                <a16:creationId xmlns:a16="http://schemas.microsoft.com/office/drawing/2014/main" id="{8CBCD8AC-1A5A-0A80-75BE-EF7CFC0E3370}"/>
+              </a:ext>
+            </a:extLst>
+          </p:cNvPr>
+          <p:cNvSpPr txBox="1"/>
+          <p:nvPr/>
+        </p:nvSpPr>
+        <p:spPr>
+          <a:xfrm>
+            <a:off x="0" y="444145"/>
+            <a:ext cx="5446295" cy="842538"/>
+          </a:xfrm>
+          <a:prstGeom prst="rect">
+            <a:avLst/>
+          </a:prstGeom>
+          <a:noFill/>
+        </p:spPr>
+        <p:txBody>
+          <a:bodyPr wrap="square" rtlCol="0" anchor="ctr">
+            <a:spAutoFit/>
+          </a:bodyPr>
+          <a:lstStyle/>
+          <a:p>
+            <a:pPr algn="ctr">
+              <a:lnSpc>
+                <a:spcPts val="5400"/>
+              </a:lnSpc>
+            </a:pPr>
+            <a:r>
+              <a:rPr lang="de-DE" altLang="ko-KR" sz="6000" b="1" dirty="0">
+                <a:solidFill>
+                  <a:srgbClr val="002060"/>
+                </a:solidFill>
+                <a:latin typeface="CMU Serif" panose="02000803000000000000" pitchFamily="2" charset="0"/>
+                <a:ea typeface="CMU Serif" panose="02000803000000000000" pitchFamily="2" charset="0"/>
+                <a:cs typeface="CMU Serif" panose="02000803000000000000" pitchFamily="2" charset="0"/>
+              </a:rPr>
+              <a:t>Gliederung</a:t>
+            </a:r>
+            <a:endParaRPr lang="de-DE" altLang="ko-KR" sz="6000" b="1" dirty="0">
+              <a:solidFill>
+                <a:schemeClr val="accent1"/>
+              </a:solidFill>
+              <a:latin typeface="CMU Serif" panose="02000803000000000000" pitchFamily="2" charset="0"/>
+              <a:ea typeface="CMU Serif" panose="02000803000000000000" pitchFamily="2" charset="0"/>
+              <a:cs typeface="CMU Serif" panose="02000803000000000000" pitchFamily="2" charset="0"/>
+            </a:endParaRPr>
+          </a:p>
+        </p:txBody>
+      </p:sp>
+      <p:sp>
+        <p:nvSpPr>
+          <p:cNvPr id="2" name="Textfeld 1">
+            <a:extLst>
+              <a:ext uri="{FF2B5EF4-FFF2-40B4-BE49-F238E27FC236}">
+                <a16:creationId xmlns:a16="http://schemas.microsoft.com/office/drawing/2014/main" id="{5416969B-CB20-490A-B9C4-BD3ACAC43A1D}"/>
+              </a:ext>
+            </a:extLst>
+          </p:cNvPr>
+          <p:cNvSpPr txBox="1"/>
+          <p:nvPr/>
+        </p:nvSpPr>
+        <p:spPr>
+          <a:xfrm>
+            <a:off x="762000" y="1355558"/>
+            <a:ext cx="8847221" cy="2308324"/>
+          </a:xfrm>
+          <a:prstGeom prst="rect">
+            <a:avLst/>
+          </a:prstGeom>
+          <a:noFill/>
+        </p:spPr>
+        <p:txBody>
+          <a:bodyPr wrap="square" rtlCol="0">
+            <a:spAutoFit/>
+          </a:bodyPr>
+          <a:lstStyle/>
+          <a:p>
+            <a:r>
+              <a:rPr lang="de-DE" dirty="0">
+                <a:latin typeface="Bahnschrift SemiLight" panose="020B0502040204020203" pitchFamily="34" charset="0"/>
+              </a:rPr>
+              <a:t>Vorstellung des Datensatzes und Zweck der Analyse</a:t>
+            </a:r>
+          </a:p>
+          <a:p>
+            <a:r>
+              <a:rPr lang="de-DE" dirty="0">
+                <a:latin typeface="Bahnschrift SemiLight" panose="020B0502040204020203" pitchFamily="34" charset="0"/>
+              </a:rPr>
+              <a:t>Bereinigung des Datensatzes</a:t>
+            </a:r>
+          </a:p>
+          <a:p>
+            <a:r>
+              <a:rPr lang="de-DE" dirty="0">
+                <a:latin typeface="Bahnschrift SemiLight" panose="020B0502040204020203" pitchFamily="34" charset="0"/>
+              </a:rPr>
+              <a:t>Deskriptive Datenanalyse</a:t>
+            </a:r>
+          </a:p>
+          <a:p>
+            <a:r>
+              <a:rPr lang="de-DE" dirty="0">
+                <a:latin typeface="Bahnschrift SemiLight" panose="020B0502040204020203" pitchFamily="34" charset="0"/>
+              </a:rPr>
+              <a:t>3 Maschinelle Lernverfahren</a:t>
+            </a:r>
+          </a:p>
+          <a:p>
+            <a:r>
+              <a:rPr lang="de-DE" dirty="0">
+                <a:latin typeface="Bahnschrift SemiLight" panose="020B0502040204020203" pitchFamily="34" charset="0"/>
+              </a:rPr>
+              <a:t>	Maschinelles Lernverfahren 1</a:t>
+            </a:r>
+          </a:p>
+          <a:p>
+            <a:r>
+              <a:rPr lang="de-DE" dirty="0">
+                <a:latin typeface="Bahnschrift SemiLight" panose="020B0502040204020203" pitchFamily="34" charset="0"/>
+              </a:rPr>
+              <a:t>	Maschinelles Lernverfahren 2</a:t>
+            </a:r>
+          </a:p>
+          <a:p>
+            <a:r>
+              <a:rPr lang="de-DE" dirty="0">
+                <a:latin typeface="Bahnschrift SemiLight" panose="020B0502040204020203" pitchFamily="34" charset="0"/>
+              </a:rPr>
+              <a:t>	Maschinelles Lernverfahren 3</a:t>
+            </a:r>
+          </a:p>
+          <a:p>
+            <a:endParaRPr lang="de-DE" dirty="0"/>
+          </a:p>
+        </p:txBody>
+      </p:sp>
+    </p:spTree>
+    <p:extLst>
+      <p:ext uri="{BB962C8B-B14F-4D97-AF65-F5344CB8AC3E}">
+        <p14:creationId xmlns:p14="http://schemas.microsoft.com/office/powerpoint/2010/main" val="1706006787"/>
+      </p:ext>
+    </p:extLst>
+  </p:cSld>
+  <p:clrMapOvr>
+    <a:masterClrMapping/>
+  </p:clrMapOvr>
+</p:sld>
+</file>
+
+<file path=ppt/slides/slide3.xml><?xml version="1.0" encoding="utf-8"?>
+<p:sld xmlns:a="http://schemas.openxmlformats.org/drawingml/2006/main" xmlns:r="http://schemas.openxmlformats.org/officeDocument/2006/relationships" xmlns:p="http://schemas.openxmlformats.org/presentationml/2006/main">
+  <p:cSld>
+    <p:spTree>
+      <p:nvGrpSpPr>
+        <p:cNvPr id="1" name=""/>
+        <p:cNvGrpSpPr/>
+        <p:nvPr/>
+      </p:nvGrpSpPr>
+      <p:grpSpPr>
+        <a:xfrm>
+          <a:off x="0" y="0"/>
+          <a:ext cx="0" cy="0"/>
+          <a:chOff x="0" y="0"/>
+          <a:chExt cx="0" cy="0"/>
+        </a:xfrm>
+      </p:grpSpPr>
+      <p:sp>
+        <p:nvSpPr>
+          <p:cNvPr id="2" name="Text Placeholder 1"/>
+          <p:cNvSpPr>
+            <a:spLocks noGrp="1"/>
+          </p:cNvSpPr>
+          <p:nvPr>
+            <p:ph type="body" sz="quarter" idx="10"/>
+          </p:nvPr>
+        </p:nvSpPr>
+        <p:spPr>
+          <a:xfrm>
+            <a:off x="1983935" y="380280"/>
+            <a:ext cx="8066002" cy="681077"/>
+          </a:xfrm>
+        </p:spPr>
+        <p:txBody>
+          <a:bodyPr>
+            <a:normAutofit fontScale="85000" lnSpcReduction="20000"/>
+          </a:bodyPr>
+          <a:lstStyle/>
+          <a:p>
+            <a:pPr algn="ctr"/>
+            <a:r>
+              <a:rPr lang="de-DE" sz="5400" b="1" dirty="0">
+                <a:ln w="12700">
+                  <a:noFill/>
+                </a:ln>
+                <a:latin typeface="CMU Serif" panose="02000803000000000000" pitchFamily="2" charset="0"/>
+                <a:ea typeface="CMU Serif" panose="02000803000000000000" pitchFamily="2" charset="0"/>
+                <a:cs typeface="CMU Serif" panose="02000803000000000000" pitchFamily="2" charset="0"/>
+              </a:rPr>
+              <a:t>Titel</a:t>
+            </a:r>
+            <a:endParaRPr lang="en-US" b="1" dirty="0">
+              <a:ln w="12700">
+                <a:noFill/>
+              </a:ln>
+              <a:latin typeface="CMU Serif" panose="02000803000000000000" pitchFamily="2" charset="0"/>
+              <a:ea typeface="CMU Serif" panose="02000803000000000000" pitchFamily="2" charset="0"/>
+              <a:cs typeface="CMU Serif" panose="02000803000000000000" pitchFamily="2" charset="0"/>
+            </a:endParaRPr>
+          </a:p>
+        </p:txBody>
+      </p:sp>
+    </p:spTree>
+    <p:extLst>
+      <p:ext uri="{BB962C8B-B14F-4D97-AF65-F5344CB8AC3E}">
+        <p14:creationId xmlns:p14="http://schemas.microsoft.com/office/powerpoint/2010/main" val="1389367324"/>
+      </p:ext>
+    </p:extLst>
+  </p:cSld>
+  <p:clrMapOvr>
+    <a:masterClrMapping/>
+  </p:clrMapOvr>
+</p:sld>
+</file>
+
+<file path=ppt/slides/slide4.xml><?xml version="1.0" encoding="utf-8"?>
+<p:sld xmlns:a="http://schemas.openxmlformats.org/drawingml/2006/main" xmlns:r="http://schemas.openxmlformats.org/officeDocument/2006/relationships" xmlns:p="http://schemas.openxmlformats.org/presentationml/2006/main">
+  <p:cSld>
+    <p:spTree>
+      <p:nvGrpSpPr>
+        <p:cNvPr id="1" name=""/>
+        <p:cNvGrpSpPr/>
+        <p:nvPr/>
+      </p:nvGrpSpPr>
+      <p:grpSpPr>
+        <a:xfrm>
+          <a:off x="0" y="0"/>
+          <a:ext cx="0" cy="0"/>
+          <a:chOff x="0" y="0"/>
+          <a:chExt cx="0" cy="0"/>
+        </a:xfrm>
+      </p:grpSpPr>
+      <p:sp>
+        <p:nvSpPr>
+          <p:cNvPr id="2" name="Text Placeholder 1"/>
+          <p:cNvSpPr>
+            <a:spLocks noGrp="1"/>
+          </p:cNvSpPr>
+          <p:nvPr>
+            <p:ph type="body" sz="quarter" idx="10"/>
+          </p:nvPr>
+        </p:nvSpPr>
+        <p:spPr>
+          <a:xfrm>
+            <a:off x="2062999" y="460491"/>
+            <a:ext cx="8066002" cy="646331"/>
+          </a:xfrm>
+        </p:spPr>
+        <p:txBody>
+          <a:bodyPr>
+            <a:normAutofit fontScale="85000" lnSpcReduction="20000"/>
+          </a:bodyPr>
+          <a:lstStyle/>
+          <a:p>
+            <a:r>
+              <a:rPr lang="de-DE" sz="5400" b="1" dirty="0">
+                <a:ln w="12700">
+                  <a:noFill/>
+                </a:ln>
+                <a:latin typeface="CMU Serif" panose="02000803000000000000" pitchFamily="2" charset="0"/>
+                <a:ea typeface="CMU Serif" panose="02000803000000000000" pitchFamily="2" charset="0"/>
+                <a:cs typeface="CMU Serif" panose="02000803000000000000" pitchFamily="2" charset="0"/>
+              </a:rPr>
+              <a:t>Bereinigung der Daten 1</a:t>
+            </a:r>
+            <a:endParaRPr lang="en-US" b="1" dirty="0">
+              <a:ln w="12700">
+                <a:noFill/>
+              </a:ln>
+              <a:latin typeface="CMU Serif" panose="02000803000000000000" pitchFamily="2" charset="0"/>
+              <a:ea typeface="CMU Serif" panose="02000803000000000000" pitchFamily="2" charset="0"/>
+              <a:cs typeface="CMU Serif" panose="02000803000000000000" pitchFamily="2" charset="0"/>
+            </a:endParaRPr>
+          </a:p>
+        </p:txBody>
+      </p:sp>
+      <p:sp>
+        <p:nvSpPr>
+          <p:cNvPr id="3" name="Textfeld 2">
+            <a:extLst>
+              <a:ext uri="{FF2B5EF4-FFF2-40B4-BE49-F238E27FC236}">
+                <a16:creationId xmlns:a16="http://schemas.microsoft.com/office/drawing/2014/main" id="{9B3FB237-EAB2-420A-B049-9367A89DFA41}"/>
+              </a:ext>
+            </a:extLst>
+          </p:cNvPr>
+          <p:cNvSpPr txBox="1"/>
+          <p:nvPr/>
+        </p:nvSpPr>
+        <p:spPr>
+          <a:xfrm>
+            <a:off x="585537" y="1788695"/>
+            <a:ext cx="9954126" cy="4801314"/>
+          </a:xfrm>
+          <a:prstGeom prst="rect">
+            <a:avLst/>
+          </a:prstGeom>
+          <a:noFill/>
+        </p:spPr>
+        <p:txBody>
+          <a:bodyPr wrap="square" rtlCol="0">
+            <a:spAutoFit/>
+          </a:bodyPr>
+          <a:lstStyle/>
+          <a:p>
+            <a:r>
+              <a:rPr lang="de-DE" b="1" dirty="0">
+                <a:latin typeface="Bahnschrift SemiLight" panose="020B0502040204020203" pitchFamily="34" charset="0"/>
+              </a:rPr>
+              <a:t>Entfernung der Spalte „Unnamed..0“</a:t>
+            </a:r>
+          </a:p>
+          <a:p>
+            <a:pPr marL="285750" indent="-285750">
+              <a:buFont typeface="Arial" panose="020B0604020202020204" pitchFamily="34" charset="0"/>
+              <a:buChar char="•"/>
+            </a:pPr>
+            <a:r>
+              <a:rPr lang="de-DE" dirty="0">
+                <a:latin typeface="Bahnschrift SemiLight" panose="020B0502040204020203" pitchFamily="34" charset="0"/>
+              </a:rPr>
+              <a:t>Spalte hat keine Relevanz, sie ist reine Nummerierung der Zeilen.</a:t>
+            </a:r>
+          </a:p>
+          <a:p>
+            <a:endParaRPr lang="de-DE" dirty="0">
+              <a:latin typeface="Bahnschrift SemiLight" panose="020B0502040204020203" pitchFamily="34" charset="0"/>
+            </a:endParaRPr>
+          </a:p>
+          <a:p>
+            <a:endParaRPr lang="de-DE" dirty="0">
+              <a:latin typeface="Bahnschrift SemiLight" panose="020B0502040204020203" pitchFamily="34" charset="0"/>
+            </a:endParaRPr>
+          </a:p>
+          <a:p>
+            <a:r>
+              <a:rPr lang="de-DE" b="1" dirty="0">
+                <a:latin typeface="Bahnschrift SemiLight" panose="020B0502040204020203" pitchFamily="34" charset="0"/>
+              </a:rPr>
+              <a:t>Entfernung der Spalte „</a:t>
+            </a:r>
+            <a:r>
+              <a:rPr lang="de-DE" b="1" dirty="0" err="1">
+                <a:latin typeface="Bahnschrift SemiLight" panose="020B0502040204020203" pitchFamily="34" charset="0"/>
+              </a:rPr>
+              <a:t>offer_description</a:t>
+            </a:r>
+            <a:r>
+              <a:rPr lang="de-DE" b="1" dirty="0">
+                <a:latin typeface="Bahnschrift SemiLight" panose="020B0502040204020203" pitchFamily="34" charset="0"/>
+              </a:rPr>
+              <a:t>“</a:t>
+            </a:r>
+          </a:p>
+          <a:p>
+            <a:pPr marL="285750" indent="-285750">
+              <a:buFont typeface="Arial" panose="020B0604020202020204" pitchFamily="34" charset="0"/>
+              <a:buChar char="•"/>
+            </a:pPr>
+            <a:r>
+              <a:rPr lang="de-DE" dirty="0">
+                <a:latin typeface="Bahnschrift SemiLight" panose="020B0502040204020203" pitchFamily="34" charset="0"/>
+              </a:rPr>
+              <a:t>Z.B.: wurde geschaut, ob in der Spalte </a:t>
+            </a:r>
+            <a:r>
+              <a:rPr lang="de-DE" dirty="0" err="1">
+                <a:latin typeface="Bahnschrift SemiLight" panose="020B0502040204020203" pitchFamily="34" charset="0"/>
+              </a:rPr>
+              <a:t>offer_description</a:t>
+            </a:r>
+            <a:r>
+              <a:rPr lang="de-DE" dirty="0">
+                <a:latin typeface="Bahnschrift SemiLight" panose="020B0502040204020203" pitchFamily="34" charset="0"/>
+              </a:rPr>
+              <a:t> Wort unfallfrei steht, dies war auch der Fall aber nur bei 48 Einträgen von 100 000. D.h.: wir wollten schauen, ob man aus dieser Spalte zusätzliche Informationen gewinnen kann.</a:t>
+            </a:r>
+          </a:p>
+          <a:p>
+            <a:pPr marL="285750" indent="-285750">
+              <a:buFont typeface="Arial" panose="020B0604020202020204" pitchFamily="34" charset="0"/>
+              <a:buChar char="•"/>
+            </a:pPr>
+            <a:endParaRPr lang="de-DE" dirty="0">
+              <a:latin typeface="Bahnschrift SemiLight" panose="020B0502040204020203" pitchFamily="34" charset="0"/>
+            </a:endParaRPr>
+          </a:p>
+          <a:p>
+            <a:pPr marL="285750" indent="-285750">
+              <a:buFont typeface="Arial" panose="020B0604020202020204" pitchFamily="34" charset="0"/>
+              <a:buChar char="•"/>
+            </a:pPr>
+            <a:r>
+              <a:rPr lang="de-DE" dirty="0">
+                <a:latin typeface="Bahnschrift SemiLight" panose="020B0502040204020203" pitchFamily="34" charset="0"/>
+              </a:rPr>
+              <a:t>Spalte liefert daher keine aufschlussreiche Informationen für weitere Analyse.</a:t>
+            </a:r>
+          </a:p>
+          <a:p>
+            <a:endParaRPr lang="de-DE" dirty="0">
+              <a:latin typeface="Bahnschrift SemiLight" panose="020B0502040204020203" pitchFamily="34" charset="0"/>
+            </a:endParaRPr>
+          </a:p>
+          <a:p>
+            <a:r>
+              <a:rPr lang="de-DE" b="1" dirty="0">
+                <a:latin typeface="Bahnschrift SemiLight" panose="020B0502040204020203" pitchFamily="34" charset="0"/>
+              </a:rPr>
+              <a:t>Entfernung der Spalte „</a:t>
+            </a:r>
+            <a:r>
+              <a:rPr lang="de-DE" b="1" dirty="0" err="1">
+                <a:latin typeface="Bahnschrift SemiLight" panose="020B0502040204020203" pitchFamily="34" charset="0"/>
+              </a:rPr>
+              <a:t>power_ps</a:t>
+            </a:r>
+            <a:r>
+              <a:rPr lang="de-DE" b="1" dirty="0">
+                <a:latin typeface="Bahnschrift SemiLight" panose="020B0502040204020203" pitchFamily="34" charset="0"/>
+              </a:rPr>
+              <a:t>“</a:t>
+            </a:r>
+          </a:p>
+          <a:p>
+            <a:pPr marL="285750" indent="-285750">
+              <a:buFont typeface="Arial" panose="020B0604020202020204" pitchFamily="34" charset="0"/>
+              <a:buChar char="•"/>
+            </a:pPr>
+            <a:r>
+              <a:rPr lang="de-DE" dirty="0">
+                <a:latin typeface="Bahnschrift SemiLight" panose="020B0502040204020203" pitchFamily="34" charset="0"/>
+              </a:rPr>
+              <a:t>Die Pferdestärke kann auch aus „</a:t>
+            </a:r>
+            <a:r>
+              <a:rPr lang="de-DE" dirty="0" err="1">
+                <a:latin typeface="Bahnschrift SemiLight" panose="020B0502040204020203" pitchFamily="34" charset="0"/>
+              </a:rPr>
+              <a:t>power_kw</a:t>
+            </a:r>
+            <a:r>
+              <a:rPr lang="de-DE" dirty="0">
+                <a:latin typeface="Bahnschrift SemiLight" panose="020B0502040204020203" pitchFamily="34" charset="0"/>
+              </a:rPr>
+              <a:t>“ durch Umwandlung gewonnen werden.</a:t>
+            </a:r>
+          </a:p>
+          <a:p>
+            <a:pPr marL="285750" indent="-285750">
+              <a:buFont typeface="Arial" panose="020B0604020202020204" pitchFamily="34" charset="0"/>
+              <a:buChar char="•"/>
+            </a:pPr>
+            <a:endParaRPr lang="de-DE" dirty="0">
+              <a:latin typeface="Bahnschrift SemiLight" panose="020B0502040204020203" pitchFamily="34" charset="0"/>
+            </a:endParaRPr>
+          </a:p>
+          <a:p>
+            <a:pPr marL="285750" indent="-285750">
+              <a:buFont typeface="Arial" panose="020B0604020202020204" pitchFamily="34" charset="0"/>
+              <a:buChar char="•"/>
+            </a:pPr>
+            <a:r>
+              <a:rPr lang="de-DE" dirty="0">
+                <a:latin typeface="Bahnschrift SemiLight" panose="020B0502040204020203" pitchFamily="34" charset="0"/>
+              </a:rPr>
+              <a:t>Spalte ist daher überflüssig für die weitere Analyse.</a:t>
+            </a:r>
+          </a:p>
+          <a:p>
+            <a:pPr marL="285750" indent="-285750">
+              <a:buFont typeface="Arial" panose="020B0604020202020204" pitchFamily="34" charset="0"/>
+              <a:buChar char="•"/>
+            </a:pPr>
+            <a:endParaRPr lang="de-DE" dirty="0">
+              <a:latin typeface="Bahnschrift SemiLight" panose="020B0502040204020203" pitchFamily="34" charset="0"/>
+            </a:endParaRPr>
+          </a:p>
+          <a:p>
+            <a:endParaRPr lang="de-DE" dirty="0">
+              <a:latin typeface="Bahnschrift SemiLight" panose="020B0502040204020203" pitchFamily="34" charset="0"/>
+            </a:endParaRPr>
+          </a:p>
+        </p:txBody>
+      </p:sp>
+    </p:spTree>
+    <p:extLst>
+      <p:ext uri="{BB962C8B-B14F-4D97-AF65-F5344CB8AC3E}">
+        <p14:creationId xmlns:p14="http://schemas.microsoft.com/office/powerpoint/2010/main" val="3629068096"/>
+      </p:ext>
+    </p:extLst>
+  </p:cSld>
+  <p:clrMapOvr>
+    <a:masterClrMapping/>
+  </p:clrMapOvr>
+</p:sld>
+</file>
+
+<file path=ppt/slides/slide5.xml><?xml version="1.0" encoding="utf-8"?>
+<p:sld xmlns:a="http://schemas.openxmlformats.org/drawingml/2006/main" xmlns:r="http://schemas.openxmlformats.org/officeDocument/2006/relationships" xmlns:p="http://schemas.openxmlformats.org/presentationml/2006/main">
+  <p:cSld>
+    <p:spTree>
+      <p:nvGrpSpPr>
+        <p:cNvPr id="1" name=""/>
+        <p:cNvGrpSpPr/>
+        <p:nvPr/>
+      </p:nvGrpSpPr>
+      <p:grpSpPr>
+        <a:xfrm>
+          <a:off x="0" y="0"/>
+          <a:ext cx="0" cy="0"/>
+          <a:chOff x="0" y="0"/>
+          <a:chExt cx="0" cy="0"/>
+        </a:xfrm>
+      </p:grpSpPr>
+      <p:sp>
+        <p:nvSpPr>
+          <p:cNvPr id="2" name="Text Placeholder 1"/>
+          <p:cNvSpPr>
+            <a:spLocks noGrp="1"/>
+          </p:cNvSpPr>
+          <p:nvPr>
+            <p:ph type="body" sz="quarter" idx="10"/>
+          </p:nvPr>
+        </p:nvSpPr>
+        <p:spPr>
+          <a:xfrm>
+            <a:off x="2062999" y="460491"/>
+            <a:ext cx="8066002" cy="646331"/>
+          </a:xfrm>
+        </p:spPr>
+        <p:txBody>
+          <a:bodyPr>
+            <a:normAutofit fontScale="85000" lnSpcReduction="20000"/>
+          </a:bodyPr>
+          <a:lstStyle/>
+          <a:p>
+            <a:r>
+              <a:rPr lang="de-DE" sz="5400" b="1" dirty="0">
+                <a:ln w="12700">
+                  <a:noFill/>
+                </a:ln>
+                <a:latin typeface="CMU Serif" panose="02000803000000000000" pitchFamily="2" charset="0"/>
+                <a:ea typeface="CMU Serif" panose="02000803000000000000" pitchFamily="2" charset="0"/>
+                <a:cs typeface="CMU Serif" panose="02000803000000000000" pitchFamily="2" charset="0"/>
+              </a:rPr>
+              <a:t>Bereinigung der Daten 2</a:t>
+            </a:r>
+            <a:endParaRPr lang="en-US" b="1" dirty="0">
+              <a:ln w="12700">
+                <a:noFill/>
+              </a:ln>
+              <a:latin typeface="CMU Serif" panose="02000803000000000000" pitchFamily="2" charset="0"/>
+              <a:ea typeface="CMU Serif" panose="02000803000000000000" pitchFamily="2" charset="0"/>
+              <a:cs typeface="CMU Serif" panose="02000803000000000000" pitchFamily="2" charset="0"/>
+            </a:endParaRPr>
+          </a:p>
+        </p:txBody>
+      </p:sp>
+      <p:sp>
+        <p:nvSpPr>
+          <p:cNvPr id="3" name="Textfeld 2">
+            <a:extLst>
+              <a:ext uri="{FF2B5EF4-FFF2-40B4-BE49-F238E27FC236}">
+                <a16:creationId xmlns:a16="http://schemas.microsoft.com/office/drawing/2014/main" id="{9B3FB237-EAB2-420A-B049-9367A89DFA41}"/>
+              </a:ext>
+            </a:extLst>
+          </p:cNvPr>
+          <p:cNvSpPr txBox="1"/>
+          <p:nvPr/>
+        </p:nvSpPr>
+        <p:spPr>
+          <a:xfrm>
+            <a:off x="585537" y="1788695"/>
+            <a:ext cx="9954126" cy="646331"/>
+          </a:xfrm>
+          <a:prstGeom prst="rect">
+            <a:avLst/>
+          </a:prstGeom>
+          <a:noFill/>
+        </p:spPr>
+        <p:txBody>
+          <a:bodyPr wrap="square" rtlCol="0">
+            <a:spAutoFit/>
+          </a:bodyPr>
+          <a:lstStyle/>
+          <a:p>
+            <a:pPr marL="285750" indent="-285750">
+              <a:buFont typeface="Arial" panose="020B0604020202020204" pitchFamily="34" charset="0"/>
+              <a:buChar char="•"/>
+            </a:pPr>
+            <a:r>
+              <a:rPr lang="de-DE" dirty="0">
+                <a:latin typeface="Bahnschrift SemiLight" panose="020B0502040204020203" pitchFamily="34" charset="0"/>
+              </a:rPr>
+              <a:t>C&lt;</a:t>
+            </a:r>
+            <a:r>
+              <a:rPr lang="de-DE" dirty="0" err="1">
+                <a:latin typeface="Bahnschrift SemiLight" panose="020B0502040204020203" pitchFamily="34" charset="0"/>
+              </a:rPr>
+              <a:t>yxcyx</a:t>
+            </a:r>
+            <a:endParaRPr lang="de-DE" dirty="0">
+              <a:latin typeface="Bahnschrift SemiLight" panose="020B0502040204020203" pitchFamily="34" charset="0"/>
+            </a:endParaRPr>
+          </a:p>
+          <a:p>
+            <a:endParaRPr lang="de-DE" dirty="0">
+              <a:latin typeface="Bahnschrift SemiLight" panose="020B0502040204020203" pitchFamily="34" charset="0"/>
+            </a:endParaRPr>
+          </a:p>
+        </p:txBody>
+      </p:sp>
+    </p:spTree>
+    <p:extLst>
+      <p:ext uri="{BB962C8B-B14F-4D97-AF65-F5344CB8AC3E}">
+        <p14:creationId xmlns:p14="http://schemas.microsoft.com/office/powerpoint/2010/main" val="467550155"/>
+      </p:ext>
+    </p:extLst>
+  </p:cSld>
+  <p:clrMapOvr>
+    <a:masterClrMapping/>
+  </p:clrMapOvr>
+</p:sld>
+</file>
+
+<file path=ppt/slides/slide6.xml><?xml version="1.0" encoding="utf-8"?>
+<p:sld xmlns:a="http://schemas.openxmlformats.org/drawingml/2006/main" xmlns:r="http://schemas.openxmlformats.org/officeDocument/2006/relationships" xmlns:p="http://schemas.openxmlformats.org/presentationml/2006/main">
+  <p:cSld>
+    <p:spTree>
+      <p:nvGrpSpPr>
+        <p:cNvPr id="1" name=""/>
+        <p:cNvGrpSpPr/>
+        <p:nvPr/>
+      </p:nvGrpSpPr>
+      <p:grpSpPr>
+        <a:xfrm>
+          <a:off x="0" y="0"/>
+          <a:ext cx="0" cy="0"/>
+          <a:chOff x="0" y="0"/>
+          <a:chExt cx="0" cy="0"/>
+        </a:xfrm>
+      </p:grpSpPr>
+      <p:sp>
+        <p:nvSpPr>
+          <p:cNvPr id="4" name="TextBox 3">
+            <a:extLst>
+              <a:ext uri="{FF2B5EF4-FFF2-40B4-BE49-F238E27FC236}">
+                <a16:creationId xmlns:a16="http://schemas.microsoft.com/office/drawing/2014/main" id="{948A2979-A456-4286-B8FC-8FF4C0C58EFD}"/>
+              </a:ext>
+            </a:extLst>
+          </p:cNvPr>
+          <p:cNvSpPr txBox="1"/>
+          <p:nvPr/>
+        </p:nvSpPr>
+        <p:spPr>
+          <a:xfrm>
+            <a:off x="5959642" y="2549187"/>
+            <a:ext cx="5887453" cy="1535036"/>
+          </a:xfrm>
+          <a:prstGeom prst="rect">
+            <a:avLst/>
+          </a:prstGeom>
+          <a:noFill/>
+        </p:spPr>
+        <p:txBody>
+          <a:bodyPr wrap="square" rtlCol="0" anchor="ctr">
+            <a:spAutoFit/>
+          </a:bodyPr>
+          <a:lstStyle/>
+          <a:p>
+            <a:pPr algn="ctr">
+              <a:lnSpc>
+                <a:spcPts val="5400"/>
+              </a:lnSpc>
+              <a:spcAft>
+                <a:spcPts val="600"/>
+              </a:spcAft>
+            </a:pPr>
+            <a:r>
+              <a:rPr lang="de-DE" altLang="ko-KR" sz="6000" b="1" dirty="0">
+                <a:solidFill>
+                  <a:srgbClr val="002060"/>
+                </a:solidFill>
+                <a:latin typeface="CMU Serif" panose="02000803000000000000" pitchFamily="2" charset="0"/>
+                <a:ea typeface="CMU Serif" panose="02000803000000000000" pitchFamily="2" charset="0"/>
+                <a:cs typeface="CMU Serif" panose="02000803000000000000" pitchFamily="2" charset="0"/>
+              </a:rPr>
+              <a:t>1. Deskriptive</a:t>
+            </a:r>
+            <a:br>
+              <a:rPr lang="de-DE" altLang="ko-KR" sz="6000" b="1" dirty="0">
+                <a:solidFill>
+                  <a:srgbClr val="002060"/>
+                </a:solidFill>
+                <a:latin typeface="CMU Serif" panose="02000803000000000000" pitchFamily="2" charset="0"/>
+                <a:ea typeface="CMU Serif" panose="02000803000000000000" pitchFamily="2" charset="0"/>
+                <a:cs typeface="CMU Serif" panose="02000803000000000000" pitchFamily="2" charset="0"/>
+              </a:rPr>
+            </a:br>
+            <a:r>
+              <a:rPr lang="de-DE" altLang="ko-KR" sz="6000" b="1" dirty="0">
+                <a:solidFill>
+                  <a:srgbClr val="002060"/>
+                </a:solidFill>
+                <a:latin typeface="CMU Serif" panose="02000803000000000000" pitchFamily="2" charset="0"/>
+                <a:ea typeface="CMU Serif" panose="02000803000000000000" pitchFamily="2" charset="0"/>
+                <a:cs typeface="CMU Serif" panose="02000803000000000000" pitchFamily="2" charset="0"/>
+              </a:rPr>
+              <a:t>Datenanalyse</a:t>
+            </a:r>
+            <a:endParaRPr lang="de-DE" altLang="ko-KR" sz="6000" b="1" dirty="0">
+              <a:solidFill>
+                <a:schemeClr val="accent1"/>
+              </a:solidFill>
+              <a:latin typeface="CMU Serif" panose="02000803000000000000" pitchFamily="2" charset="0"/>
+              <a:ea typeface="CMU Serif" panose="02000803000000000000" pitchFamily="2" charset="0"/>
+              <a:cs typeface="CMU Serif" panose="02000803000000000000" pitchFamily="2" charset="0"/>
+            </a:endParaRPr>
+          </a:p>
+        </p:txBody>
+      </p:sp>
+      <p:sp>
+        <p:nvSpPr>
+          <p:cNvPr id="153" name="Freeform: Shape 152">
+            <a:extLst>
+              <a:ext uri="{FF2B5EF4-FFF2-40B4-BE49-F238E27FC236}">
+                <a16:creationId xmlns:a16="http://schemas.microsoft.com/office/drawing/2014/main" id="{F3B4A34E-C246-47F5-A863-109A43C0757D}"/>
+              </a:ext>
+            </a:extLst>
+          </p:cNvPr>
+          <p:cNvSpPr/>
+          <p:nvPr/>
+        </p:nvSpPr>
+        <p:spPr>
+          <a:xfrm>
+            <a:off x="673768" y="1688100"/>
+            <a:ext cx="5086770" cy="3128874"/>
+          </a:xfrm>
+          <a:custGeom>
+            <a:avLst/>
+            <a:gdLst>
+              <a:gd name="connsiteX0" fmla="*/ 5086770 w 5086770"/>
+              <a:gd name="connsiteY0" fmla="*/ 1174706 h 3128874"/>
+              <a:gd name="connsiteX1" fmla="*/ 5086770 w 5086770"/>
+              <a:gd name="connsiteY1" fmla="*/ 1184663 h 3128874"/>
+              <a:gd name="connsiteX2" fmla="*/ 5079830 w 5086770"/>
+              <a:gd name="connsiteY2" fmla="*/ 1185820 h 3128874"/>
+              <a:gd name="connsiteX3" fmla="*/ 5078289 w 5086770"/>
+              <a:gd name="connsiteY3" fmla="*/ 1182737 h 3128874"/>
+              <a:gd name="connsiteX4" fmla="*/ 5078289 w 5086770"/>
+              <a:gd name="connsiteY4" fmla="*/ 1179654 h 3128874"/>
+              <a:gd name="connsiteX5" fmla="*/ 1690658 w 5086770"/>
+              <a:gd name="connsiteY5" fmla="*/ 810655 h 3128874"/>
+              <a:gd name="connsiteX6" fmla="*/ 1349061 w 5086770"/>
+              <a:gd name="connsiteY6" fmla="*/ 1934928 h 3128874"/>
+              <a:gd name="connsiteX7" fmla="*/ 2035854 w 5086770"/>
+              <a:gd name="connsiteY7" fmla="*/ 1934928 h 3128874"/>
+              <a:gd name="connsiteX8" fmla="*/ 3765314 w 5086770"/>
+              <a:gd name="connsiteY8" fmla="*/ 0 h 3128874"/>
+              <a:gd name="connsiteX9" fmla="*/ 4465138 w 5086770"/>
+              <a:gd name="connsiteY9" fmla="*/ 0 h 3128874"/>
+              <a:gd name="connsiteX10" fmla="*/ 4675955 w 5086770"/>
+              <a:gd name="connsiteY10" fmla="*/ 0 h 3128874"/>
+              <a:gd name="connsiteX11" fmla="*/ 4659036 w 5086770"/>
+              <a:gd name="connsiteY11" fmla="*/ 34412 h 3128874"/>
+              <a:gd name="connsiteX12" fmla="*/ 4651327 w 5086770"/>
+              <a:gd name="connsiteY12" fmla="*/ 45203 h 3128874"/>
+              <a:gd name="connsiteX13" fmla="*/ 4648245 w 5086770"/>
+              <a:gd name="connsiteY13" fmla="*/ 51368 h 3128874"/>
+              <a:gd name="connsiteX14" fmla="*/ 4483319 w 5086770"/>
+              <a:gd name="connsiteY14" fmla="*/ 361184 h 3128874"/>
+              <a:gd name="connsiteX15" fmla="*/ 4480236 w 5086770"/>
+              <a:gd name="connsiteY15" fmla="*/ 373515 h 3128874"/>
+              <a:gd name="connsiteX16" fmla="*/ 4474071 w 5086770"/>
+              <a:gd name="connsiteY16" fmla="*/ 398176 h 3128874"/>
+              <a:gd name="connsiteX17" fmla="*/ 4450950 w 5086770"/>
+              <a:gd name="connsiteY17" fmla="*/ 498367 h 3128874"/>
+              <a:gd name="connsiteX18" fmla="*/ 4440161 w 5086770"/>
+              <a:gd name="connsiteY18" fmla="*/ 527652 h 3128874"/>
+              <a:gd name="connsiteX19" fmla="*/ 4441700 w 5086770"/>
+              <a:gd name="connsiteY19" fmla="*/ 539983 h 3128874"/>
+              <a:gd name="connsiteX20" fmla="*/ 4437078 w 5086770"/>
+              <a:gd name="connsiteY20" fmla="*/ 561562 h 3128874"/>
+              <a:gd name="connsiteX21" fmla="*/ 4433995 w 5086770"/>
+              <a:gd name="connsiteY21" fmla="*/ 576976 h 3128874"/>
+              <a:gd name="connsiteX22" fmla="*/ 4433994 w 5086770"/>
+              <a:gd name="connsiteY22" fmla="*/ 578519 h 3128874"/>
+              <a:gd name="connsiteX23" fmla="*/ 4413956 w 5086770"/>
+              <a:gd name="connsiteY23" fmla="*/ 797393 h 3128874"/>
+              <a:gd name="connsiteX24" fmla="*/ 4438619 w 5086770"/>
+              <a:gd name="connsiteY24" fmla="*/ 996230 h 3128874"/>
+              <a:gd name="connsiteX25" fmla="*/ 4433995 w 5086770"/>
+              <a:gd name="connsiteY25" fmla="*/ 1016268 h 3128874"/>
+              <a:gd name="connsiteX26" fmla="*/ 4435536 w 5086770"/>
+              <a:gd name="connsiteY26" fmla="*/ 1025517 h 3128874"/>
+              <a:gd name="connsiteX27" fmla="*/ 4437078 w 5086770"/>
+              <a:gd name="connsiteY27" fmla="*/ 1027057 h 3128874"/>
+              <a:gd name="connsiteX28" fmla="*/ 4432452 w 5086770"/>
+              <a:gd name="connsiteY28" fmla="*/ 1048636 h 3128874"/>
+              <a:gd name="connsiteX29" fmla="*/ 4413956 w 5086770"/>
+              <a:gd name="connsiteY29" fmla="*/ 1085630 h 3128874"/>
+              <a:gd name="connsiteX30" fmla="*/ 4196623 w 5086770"/>
+              <a:gd name="connsiteY30" fmla="*/ 1389280 h 3128874"/>
+              <a:gd name="connsiteX31" fmla="*/ 4085645 w 5086770"/>
+              <a:gd name="connsiteY31" fmla="*/ 1597365 h 3128874"/>
+              <a:gd name="connsiteX32" fmla="*/ 4216661 w 5086770"/>
+              <a:gd name="connsiteY32" fmla="*/ 1697556 h 3128874"/>
+              <a:gd name="connsiteX33" fmla="*/ 4250571 w 5086770"/>
+              <a:gd name="connsiteY33" fmla="*/ 1811617 h 3128874"/>
+              <a:gd name="connsiteX34" fmla="*/ 4173502 w 5086770"/>
+              <a:gd name="connsiteY34" fmla="*/ 1888685 h 3128874"/>
+              <a:gd name="connsiteX35" fmla="*/ 4213578 w 5086770"/>
+              <a:gd name="connsiteY35" fmla="*/ 2022784 h 3128874"/>
+              <a:gd name="connsiteX36" fmla="*/ 4347678 w 5086770"/>
+              <a:gd name="connsiteY36" fmla="*/ 2090605 h 3128874"/>
+              <a:gd name="connsiteX37" fmla="*/ 4233616 w 5086770"/>
+              <a:gd name="connsiteY37" fmla="*/ 2138388 h 3128874"/>
+              <a:gd name="connsiteX38" fmla="*/ 4227451 w 5086770"/>
+              <a:gd name="connsiteY38" fmla="*/ 2258616 h 3128874"/>
+              <a:gd name="connsiteX39" fmla="*/ 4350761 w 5086770"/>
+              <a:gd name="connsiteY39" fmla="*/ 2320270 h 3128874"/>
+              <a:gd name="connsiteX40" fmla="*/ 4333805 w 5086770"/>
+              <a:gd name="connsiteY40" fmla="*/ 2462077 h 3128874"/>
+              <a:gd name="connsiteX41" fmla="*/ 4467905 w 5086770"/>
+              <a:gd name="connsiteY41" fmla="*/ 2719486 h 3128874"/>
+              <a:gd name="connsiteX42" fmla="*/ 4800655 w 5086770"/>
+              <a:gd name="connsiteY42" fmla="*/ 2748491 h 3128874"/>
+              <a:gd name="connsiteX43" fmla="*/ 4838191 w 5086770"/>
+              <a:gd name="connsiteY43" fmla="*/ 2744074 h 3128874"/>
+              <a:gd name="connsiteX44" fmla="*/ 4863823 w 5086770"/>
+              <a:gd name="connsiteY44" fmla="*/ 2765476 h 3128874"/>
+              <a:gd name="connsiteX45" fmla="*/ 4934321 w 5086770"/>
+              <a:gd name="connsiteY45" fmla="*/ 2911083 h 3128874"/>
+              <a:gd name="connsiteX46" fmla="*/ 4964162 w 5086770"/>
+              <a:gd name="connsiteY46" fmla="*/ 3074402 h 3128874"/>
+              <a:gd name="connsiteX47" fmla="*/ 4967647 w 5086770"/>
+              <a:gd name="connsiteY47" fmla="*/ 3128874 h 3128874"/>
+              <a:gd name="connsiteX48" fmla="*/ 4465138 w 5086770"/>
+              <a:gd name="connsiteY48" fmla="*/ 3128874 h 3128874"/>
+              <a:gd name="connsiteX49" fmla="*/ 4465138 w 5086770"/>
+              <a:gd name="connsiteY49" fmla="*/ 3127460 h 3128874"/>
+              <a:gd name="connsiteX50" fmla="*/ 3765314 w 5086770"/>
+              <a:gd name="connsiteY50" fmla="*/ 3127460 h 3128874"/>
+              <a:gd name="connsiteX51" fmla="*/ 1175459 w 5086770"/>
+              <a:gd name="connsiteY51" fmla="*/ 0 h 3128874"/>
+              <a:gd name="connsiteX52" fmla="*/ 2229594 w 5086770"/>
+              <a:gd name="connsiteY52" fmla="*/ 0 h 3128874"/>
+              <a:gd name="connsiteX53" fmla="*/ 3404781 w 5086770"/>
+              <a:gd name="connsiteY53" fmla="*/ 3127460 h 3128874"/>
+              <a:gd name="connsiteX54" fmla="*/ 2392789 w 5086770"/>
+              <a:gd name="connsiteY54" fmla="*/ 3127460 h 3128874"/>
+              <a:gd name="connsiteX55" fmla="*/ 2236317 w 5086770"/>
+              <a:gd name="connsiteY55" fmla="*/ 2611186 h 3128874"/>
+              <a:gd name="connsiteX56" fmla="*/ 1139165 w 5086770"/>
+              <a:gd name="connsiteY56" fmla="*/ 2611186 h 3128874"/>
+              <a:gd name="connsiteX57" fmla="*/ 986721 w 5086770"/>
+              <a:gd name="connsiteY57" fmla="*/ 3127460 h 3128874"/>
+              <a:gd name="connsiteX58" fmla="*/ 0 w 5086770"/>
+              <a:gd name="connsiteY58" fmla="*/ 3127460 h 3128874"/>
+            </a:gdLst>
+            <a:ahLst/>
+            <a:cxnLst>
+              <a:cxn ang="0">
+                <a:pos x="connsiteX0" y="connsiteY0"/>
+              </a:cxn>
+              <a:cxn ang="0">
+                <a:pos x="connsiteX1" y="connsiteY1"/>
+              </a:cxn>
+              <a:cxn ang="0">
+                <a:pos x="connsiteX2" y="connsiteY2"/>
+              </a:cxn>
+              <a:cxn ang="0">
+                <a:pos x="connsiteX3" y="connsiteY3"/>
+              </a:cxn>
+              <a:cxn ang="0">
+                <a:pos x="connsiteX4" y="connsiteY4"/>
+              </a:cxn>
+              <a:cxn ang="0">
+                <a:pos x="connsiteX5" y="connsiteY5"/>
+              </a:cxn>
+              <a:cxn ang="0">
+                <a:pos x="connsiteX6" y="connsiteY6"/>
+              </a:cxn>
+              <a:cxn ang="0">
+                <a:pos x="connsiteX7" y="connsiteY7"/>
+              </a:cxn>
+              <a:cxn ang="0">
+                <a:pos x="connsiteX8" y="connsiteY8"/>
+              </a:cxn>
+              <a:cxn ang="0">
+                <a:pos x="connsiteX9" y="connsiteY9"/>
+              </a:cxn>
+              <a:cxn ang="0">
+                <a:pos x="connsiteX10" y="connsiteY10"/>
+              </a:cxn>
+              <a:cxn ang="0">
+                <a:pos x="connsiteX11" y="connsiteY11"/>
+              </a:cxn>
+              <a:cxn ang="0">
+                <a:pos x="connsiteX12" y="connsiteY12"/>
+              </a:cxn>
+              <a:cxn ang="0">
+                <a:pos x="connsiteX13" y="connsiteY13"/>
+              </a:cxn>
+              <a:cxn ang="0">
+                <a:pos x="connsiteX14" y="connsiteY14"/>
+              </a:cxn>
+              <a:cxn ang="0">
+                <a:pos x="connsiteX15" y="connsiteY15"/>
+              </a:cxn>
+              <a:cxn ang="0">
+                <a:pos x="connsiteX16" y="connsiteY16"/>
+              </a:cxn>
+              <a:cxn ang="0">
+                <a:pos x="connsiteX17" y="connsiteY17"/>
+              </a:cxn>
+              <a:cxn ang="0">
+                <a:pos x="connsiteX18" y="connsiteY18"/>
+              </a:cxn>
+              <a:cxn ang="0">
+                <a:pos x="connsiteX19" y="connsiteY19"/>
+              </a:cxn>
+              <a:cxn ang="0">
+                <a:pos x="connsiteX20" y="connsiteY20"/>
+              </a:cxn>
+              <a:cxn ang="0">
+                <a:pos x="connsiteX21" y="connsiteY21"/>
+              </a:cxn>
+              <a:cxn ang="0">
+                <a:pos x="connsiteX22" y="connsiteY22"/>
+              </a:cxn>
+              <a:cxn ang="0">
+                <a:pos x="connsiteX23" y="connsiteY23"/>
+              </a:cxn>
+              <a:cxn ang="0">
+                <a:pos x="connsiteX24" y="connsiteY24"/>
+              </a:cxn>
+              <a:cxn ang="0">
+                <a:pos x="connsiteX25" y="connsiteY25"/>
+              </a:cxn>
+              <a:cxn ang="0">
+                <a:pos x="connsiteX26" y="connsiteY26"/>
+              </a:cxn>
+              <a:cxn ang="0">
+                <a:pos x="connsiteX27" y="connsiteY27"/>
+              </a:cxn>
+              <a:cxn ang="0">
+                <a:pos x="connsiteX28" y="connsiteY28"/>
+              </a:cxn>
+              <a:cxn ang="0">
+                <a:pos x="connsiteX29" y="connsiteY29"/>
+              </a:cxn>
+              <a:cxn ang="0">
+                <a:pos x="connsiteX30" y="connsiteY30"/>
+              </a:cxn>
+              <a:cxn ang="0">
+                <a:pos x="connsiteX31" y="connsiteY31"/>
+              </a:cxn>
+              <a:cxn ang="0">
+                <a:pos x="connsiteX32" y="connsiteY32"/>
+              </a:cxn>
+              <a:cxn ang="0">
+                <a:pos x="connsiteX33" y="connsiteY33"/>
+              </a:cxn>
+              <a:cxn ang="0">
+                <a:pos x="connsiteX34" y="connsiteY34"/>
+              </a:cxn>
+              <a:cxn ang="0">
+                <a:pos x="connsiteX35" y="connsiteY35"/>
+              </a:cxn>
+              <a:cxn ang="0">
+                <a:pos x="connsiteX36" y="connsiteY36"/>
+              </a:cxn>
+              <a:cxn ang="0">
+                <a:pos x="connsiteX37" y="connsiteY37"/>
+              </a:cxn>
+              <a:cxn ang="0">
+                <a:pos x="connsiteX38" y="connsiteY38"/>
+              </a:cxn>
+              <a:cxn ang="0">
+                <a:pos x="connsiteX39" y="connsiteY39"/>
+              </a:cxn>
+              <a:cxn ang="0">
+                <a:pos x="connsiteX40" y="connsiteY40"/>
+              </a:cxn>
+              <a:cxn ang="0">
+                <a:pos x="connsiteX41" y="connsiteY41"/>
+              </a:cxn>
+              <a:cxn ang="0">
+                <a:pos x="connsiteX42" y="connsiteY42"/>
+              </a:cxn>
+              <a:cxn ang="0">
+                <a:pos x="connsiteX43" y="connsiteY43"/>
+              </a:cxn>
+              <a:cxn ang="0">
+                <a:pos x="connsiteX44" y="connsiteY44"/>
+              </a:cxn>
+              <a:cxn ang="0">
+                <a:pos x="connsiteX45" y="connsiteY45"/>
+              </a:cxn>
+              <a:cxn ang="0">
+                <a:pos x="connsiteX46" y="connsiteY46"/>
+              </a:cxn>
+              <a:cxn ang="0">
+                <a:pos x="connsiteX47" y="connsiteY47"/>
+              </a:cxn>
+              <a:cxn ang="0">
+                <a:pos x="connsiteX48" y="connsiteY48"/>
+              </a:cxn>
+              <a:cxn ang="0">
+                <a:pos x="connsiteX49" y="connsiteY49"/>
+              </a:cxn>
+              <a:cxn ang="0">
+                <a:pos x="connsiteX50" y="connsiteY50"/>
+              </a:cxn>
+              <a:cxn ang="0">
+                <a:pos x="connsiteX51" y="connsiteY51"/>
+              </a:cxn>
+              <a:cxn ang="0">
+                <a:pos x="connsiteX52" y="connsiteY52"/>
+              </a:cxn>
+              <a:cxn ang="0">
+                <a:pos x="connsiteX53" y="connsiteY53"/>
+              </a:cxn>
+              <a:cxn ang="0">
+                <a:pos x="connsiteX54" y="connsiteY54"/>
+              </a:cxn>
+              <a:cxn ang="0">
+                <a:pos x="connsiteX55" y="connsiteY55"/>
+              </a:cxn>
+              <a:cxn ang="0">
+                <a:pos x="connsiteX56" y="connsiteY56"/>
+              </a:cxn>
+              <a:cxn ang="0">
+                <a:pos x="connsiteX57" y="connsiteY57"/>
+              </a:cxn>
+              <a:cxn ang="0">
+                <a:pos x="connsiteX58" y="connsiteY58"/>
+              </a:cxn>
+            </a:cxnLst>
+            <a:rect l="l" t="t" r="r" b="b"/>
+            <a:pathLst>
+              <a:path w="5086770" h="3128874">
+                <a:moveTo>
+                  <a:pt x="5086770" y="1174706"/>
+                </a:moveTo>
+                <a:lnTo>
+                  <a:pt x="5086770" y="1184663"/>
+                </a:lnTo>
+                <a:lnTo>
+                  <a:pt x="5079830" y="1185820"/>
+                </a:lnTo>
+                <a:cubicBezTo>
+                  <a:pt x="5079829" y="1184277"/>
+                  <a:pt x="5078289" y="1184277"/>
+                  <a:pt x="5078289" y="1182737"/>
+                </a:cubicBezTo>
+                <a:lnTo>
+                  <a:pt x="5078289" y="1179654"/>
+                </a:lnTo>
+                <a:close/>
+                <a:moveTo>
+                  <a:pt x="1690658" y="810655"/>
+                </a:moveTo>
+                <a:lnTo>
+                  <a:pt x="1349061" y="1934928"/>
+                </a:lnTo>
+                <a:lnTo>
+                  <a:pt x="2035854" y="1934928"/>
+                </a:lnTo>
+                <a:close/>
+                <a:moveTo>
+                  <a:pt x="3765314" y="0"/>
+                </a:moveTo>
+                <a:lnTo>
+                  <a:pt x="4465138" y="0"/>
+                </a:lnTo>
+                <a:lnTo>
+                  <a:pt x="4675955" y="0"/>
+                </a:lnTo>
+                <a:lnTo>
+                  <a:pt x="4659036" y="34412"/>
+                </a:lnTo>
+                <a:cubicBezTo>
+                  <a:pt x="4655952" y="37496"/>
+                  <a:pt x="4652870" y="40578"/>
+                  <a:pt x="4651327" y="45203"/>
+                </a:cubicBezTo>
+                <a:cubicBezTo>
+                  <a:pt x="4649787" y="48285"/>
+                  <a:pt x="4649788" y="49827"/>
+                  <a:pt x="4648245" y="51368"/>
+                </a:cubicBezTo>
+                <a:cubicBezTo>
+                  <a:pt x="4632831" y="72947"/>
+                  <a:pt x="4528018" y="224002"/>
+                  <a:pt x="4483319" y="361184"/>
+                </a:cubicBezTo>
+                <a:cubicBezTo>
+                  <a:pt x="4481777" y="365808"/>
+                  <a:pt x="4480236" y="368891"/>
+                  <a:pt x="4480236" y="373515"/>
+                </a:cubicBezTo>
+                <a:cubicBezTo>
+                  <a:pt x="4478694" y="381223"/>
+                  <a:pt x="4475612" y="390471"/>
+                  <a:pt x="4474071" y="398176"/>
+                </a:cubicBezTo>
+                <a:cubicBezTo>
+                  <a:pt x="4466362" y="432087"/>
+                  <a:pt x="4458657" y="465997"/>
+                  <a:pt x="4450950" y="498367"/>
+                </a:cubicBezTo>
+                <a:cubicBezTo>
+                  <a:pt x="4444783" y="506073"/>
+                  <a:pt x="4440160" y="516863"/>
+                  <a:pt x="4440161" y="527652"/>
+                </a:cubicBezTo>
+                <a:cubicBezTo>
+                  <a:pt x="4440160" y="532277"/>
+                  <a:pt x="4440160" y="535360"/>
+                  <a:pt x="4441700" y="539983"/>
+                </a:cubicBezTo>
+                <a:cubicBezTo>
+                  <a:pt x="4440161" y="547691"/>
+                  <a:pt x="4438618" y="555397"/>
+                  <a:pt x="4437078" y="561562"/>
+                </a:cubicBezTo>
+                <a:cubicBezTo>
+                  <a:pt x="4435535" y="566187"/>
+                  <a:pt x="4433995" y="570810"/>
+                  <a:pt x="4433995" y="576976"/>
+                </a:cubicBezTo>
+                <a:cubicBezTo>
+                  <a:pt x="4433995" y="576976"/>
+                  <a:pt x="4433994" y="578519"/>
+                  <a:pt x="4433994" y="578519"/>
+                </a:cubicBezTo>
+                <a:cubicBezTo>
+                  <a:pt x="4417039" y="674083"/>
+                  <a:pt x="4407790" y="755776"/>
+                  <a:pt x="4413956" y="797393"/>
+                </a:cubicBezTo>
+                <a:cubicBezTo>
+                  <a:pt x="4421664" y="846717"/>
+                  <a:pt x="4440160" y="929951"/>
+                  <a:pt x="4438619" y="996230"/>
+                </a:cubicBezTo>
+                <a:cubicBezTo>
+                  <a:pt x="4435535" y="1002395"/>
+                  <a:pt x="4433995" y="1008560"/>
+                  <a:pt x="4433995" y="1016268"/>
+                </a:cubicBezTo>
+                <a:cubicBezTo>
+                  <a:pt x="4433995" y="1019351"/>
+                  <a:pt x="4435536" y="1022434"/>
+                  <a:pt x="4435536" y="1025517"/>
+                </a:cubicBezTo>
+                <a:cubicBezTo>
+                  <a:pt x="4435536" y="1025517"/>
+                  <a:pt x="4435535" y="1027057"/>
+                  <a:pt x="4437078" y="1027057"/>
+                </a:cubicBezTo>
+                <a:cubicBezTo>
+                  <a:pt x="4435536" y="1034764"/>
+                  <a:pt x="4433994" y="1042471"/>
+                  <a:pt x="4432452" y="1048636"/>
+                </a:cubicBezTo>
+                <a:lnTo>
+                  <a:pt x="4413956" y="1085630"/>
+                </a:lnTo>
+                <a:cubicBezTo>
+                  <a:pt x="4369257" y="1164240"/>
+                  <a:pt x="4258278" y="1339957"/>
+                  <a:pt x="4196623" y="1389280"/>
+                </a:cubicBezTo>
+                <a:cubicBezTo>
+                  <a:pt x="4128802" y="1441687"/>
+                  <a:pt x="4062523" y="1538793"/>
+                  <a:pt x="4085645" y="1597365"/>
+                </a:cubicBezTo>
+                <a:cubicBezTo>
+                  <a:pt x="4119555" y="1660562"/>
+                  <a:pt x="4181210" y="1688307"/>
+                  <a:pt x="4216661" y="1697556"/>
+                </a:cubicBezTo>
+                <a:cubicBezTo>
+                  <a:pt x="4252112" y="1706804"/>
+                  <a:pt x="4275233" y="1779247"/>
+                  <a:pt x="4250571" y="1811617"/>
+                </a:cubicBezTo>
+                <a:cubicBezTo>
+                  <a:pt x="4225909" y="1843985"/>
+                  <a:pt x="4187375" y="1853233"/>
+                  <a:pt x="4173502" y="1888685"/>
+                </a:cubicBezTo>
+                <a:cubicBezTo>
+                  <a:pt x="4159630" y="1924137"/>
+                  <a:pt x="4153465" y="1998123"/>
+                  <a:pt x="4213578" y="2022784"/>
+                </a:cubicBezTo>
+                <a:cubicBezTo>
+                  <a:pt x="4259818" y="2041281"/>
+                  <a:pt x="4349219" y="2081356"/>
+                  <a:pt x="4347678" y="2090605"/>
+                </a:cubicBezTo>
+                <a:cubicBezTo>
+                  <a:pt x="4346136" y="2099853"/>
+                  <a:pt x="4250570" y="2107561"/>
+                  <a:pt x="4233616" y="2138388"/>
+                </a:cubicBezTo>
+                <a:cubicBezTo>
+                  <a:pt x="4216660" y="2169216"/>
+                  <a:pt x="4204330" y="2220080"/>
+                  <a:pt x="4227451" y="2258616"/>
+                </a:cubicBezTo>
+                <a:cubicBezTo>
+                  <a:pt x="4250571" y="2297149"/>
+                  <a:pt x="4332264" y="2292526"/>
+                  <a:pt x="4350761" y="2320270"/>
+                </a:cubicBezTo>
+                <a:cubicBezTo>
+                  <a:pt x="4381588" y="2371135"/>
+                  <a:pt x="4358466" y="2378843"/>
+                  <a:pt x="4333805" y="2462077"/>
+                </a:cubicBezTo>
+                <a:cubicBezTo>
+                  <a:pt x="4306060" y="2551476"/>
+                  <a:pt x="4302977" y="2650125"/>
+                  <a:pt x="4467905" y="2719486"/>
+                </a:cubicBezTo>
+                <a:cubicBezTo>
+                  <a:pt x="4562314" y="2758983"/>
+                  <a:pt x="4694054" y="2758743"/>
+                  <a:pt x="4800655" y="2748491"/>
+                </a:cubicBezTo>
+                <a:lnTo>
+                  <a:pt x="4838191" y="2744074"/>
+                </a:lnTo>
+                <a:lnTo>
+                  <a:pt x="4863823" y="2765476"/>
+                </a:lnTo>
+                <a:cubicBezTo>
+                  <a:pt x="4895578" y="2799449"/>
+                  <a:pt x="4917344" y="2847230"/>
+                  <a:pt x="4934321" y="2911083"/>
+                </a:cubicBezTo>
+                <a:cubicBezTo>
+                  <a:pt x="4945640" y="2953651"/>
+                  <a:pt x="4957371" y="3013267"/>
+                  <a:pt x="4964162" y="3074402"/>
+                </a:cubicBezTo>
+                <a:lnTo>
+                  <a:pt x="4967647" y="3128874"/>
+                </a:lnTo>
+                <a:lnTo>
+                  <a:pt x="4465138" y="3128874"/>
+                </a:lnTo>
+                <a:lnTo>
+                  <a:pt x="4465138" y="3127460"/>
+                </a:lnTo>
+                <a:lnTo>
+                  <a:pt x="3765314" y="3127460"/>
+                </a:lnTo>
+                <a:close/>
+                <a:moveTo>
+                  <a:pt x="1175459" y="0"/>
+                </a:moveTo>
+                <a:lnTo>
+                  <a:pt x="2229594" y="0"/>
+                </a:lnTo>
+                <a:lnTo>
+                  <a:pt x="3404781" y="3127460"/>
+                </a:lnTo>
+                <a:lnTo>
+                  <a:pt x="2392789" y="3127460"/>
+                </a:lnTo>
+                <a:lnTo>
+                  <a:pt x="2236317" y="2611186"/>
+                </a:lnTo>
+                <a:lnTo>
+                  <a:pt x="1139165" y="2611186"/>
+                </a:lnTo>
+                <a:lnTo>
+                  <a:pt x="986721" y="3127460"/>
+                </a:lnTo>
+                <a:lnTo>
+                  <a:pt x="0" y="3127460"/>
+                </a:lnTo>
+                <a:close/>
+              </a:path>
+            </a:pathLst>
+          </a:custGeom>
+          <a:solidFill>
+            <a:srgbClr val="002060"/>
+          </a:solidFill>
+          <a:ln>
+            <a:noFill/>
+          </a:ln>
+        </p:spPr>
+        <p:style>
+          <a:lnRef idx="2">
+            <a:schemeClr val="accent1">
+              <a:shade val="50000"/>
+            </a:schemeClr>
+          </a:lnRef>
+          <a:fillRef idx="1">
+            <a:schemeClr val="accent1"/>
+          </a:fillRef>
+          <a:effectRef idx="0">
+            <a:schemeClr val="accent1"/>
+          </a:effectRef>
+          <a:fontRef idx="minor">
+            <a:schemeClr val="lt1"/>
+          </a:fontRef>
+        </p:style>
+        <p:txBody>
+          <a:bodyPr rtlCol="0" anchor="ctr"/>
+          <a:lstStyle/>
+          <a:p>
+            <a:pPr algn="ctr"/>
+            <a:endParaRPr lang="en-US"/>
+          </a:p>
+        </p:txBody>
+      </p:sp>
+      <p:sp>
+        <p:nvSpPr>
+          <p:cNvPr id="2" name="Rechteck 1">
+            <a:extLst>
+              <a:ext uri="{FF2B5EF4-FFF2-40B4-BE49-F238E27FC236}">
+                <a16:creationId xmlns:a16="http://schemas.microsoft.com/office/drawing/2014/main" id="{96AA9A24-87CF-4FD9-A062-3E8FD5FCE155}"/>
+              </a:ext>
+            </a:extLst>
+          </p:cNvPr>
+          <p:cNvSpPr/>
+          <p:nvPr/>
+        </p:nvSpPr>
+        <p:spPr>
+          <a:xfrm>
+            <a:off x="-39394" y="6497053"/>
+            <a:ext cx="12270787" cy="425115"/>
+          </a:xfrm>
+          <a:prstGeom prst="rect">
+            <a:avLst/>
+          </a:prstGeom>
+          <a:solidFill>
+            <a:srgbClr val="AA313F"/>
+          </a:solidFill>
+          <a:ln>
+            <a:noFill/>
+          </a:ln>
+        </p:spPr>
+        <p:style>
+          <a:lnRef idx="2">
+            <a:schemeClr val="accent1">
+              <a:shade val="50000"/>
+            </a:schemeClr>
+          </a:lnRef>
+          <a:fillRef idx="1">
+            <a:schemeClr val="accent1"/>
+          </a:fillRef>
+          <a:effectRef idx="0">
+            <a:schemeClr val="accent1"/>
+          </a:effectRef>
+          <a:fontRef idx="minor">
+            <a:schemeClr val="lt1"/>
+          </a:fontRef>
+        </p:style>
+        <p:txBody>
+          <a:bodyPr rtlCol="0" anchor="ctr"/>
+          <a:lstStyle/>
+          <a:p>
+            <a:pPr algn="ctr"/>
+            <a:endParaRPr lang="de-DE"/>
+          </a:p>
+        </p:txBody>
+      </p:sp>
+    </p:spTree>
+    <p:extLst>
+      <p:ext uri="{BB962C8B-B14F-4D97-AF65-F5344CB8AC3E}">
+        <p14:creationId xmlns:p14="http://schemas.microsoft.com/office/powerpoint/2010/main" val="1100588271"/>
+      </p:ext>
+    </p:extLst>
+  </p:cSld>
+  <p:clrMapOvr>
+    <a:masterClrMapping/>
+  </p:clrMapOvr>
+</p:sld>
+</file>
+
+<file path=ppt/slides/slide7.xml><?xml version="1.0" encoding="utf-8"?>
+<p:sld xmlns:a="http://schemas.openxmlformats.org/drawingml/2006/main" xmlns:r="http://schemas.openxmlformats.org/officeDocument/2006/relationships" xmlns:p="http://schemas.openxmlformats.org/presentationml/2006/main">
+  <p:cSld>
+    <p:spTree>
+      <p:nvGrpSpPr>
+        <p:cNvPr id="1" name=""/>
+        <p:cNvGrpSpPr/>
+        <p:nvPr/>
+      </p:nvGrpSpPr>
+      <p:grpSpPr>
+        <a:xfrm>
+          <a:off x="0" y="0"/>
+          <a:ext cx="0" cy="0"/>
+          <a:chOff x="0" y="0"/>
+          <a:chExt cx="0" cy="0"/>
+        </a:xfrm>
+      </p:grpSpPr>
+      <p:sp>
+        <p:nvSpPr>
+          <p:cNvPr id="4" name="TextBox 3">
+            <a:extLst>
+              <a:ext uri="{FF2B5EF4-FFF2-40B4-BE49-F238E27FC236}">
+                <a16:creationId xmlns:a16="http://schemas.microsoft.com/office/drawing/2014/main" id="{948A2979-A456-4286-B8FC-8FF4C0C58EFD}"/>
+              </a:ext>
+            </a:extLst>
+          </p:cNvPr>
+          <p:cNvSpPr txBox="1"/>
+          <p:nvPr/>
+        </p:nvSpPr>
+        <p:spPr>
+          <a:xfrm>
+            <a:off x="5686926" y="2623010"/>
+            <a:ext cx="6328611" cy="1611980"/>
+          </a:xfrm>
+          <a:prstGeom prst="rect">
+            <a:avLst/>
+          </a:prstGeom>
+          <a:noFill/>
+        </p:spPr>
+        <p:txBody>
+          <a:bodyPr wrap="square" rtlCol="0" anchor="ctr">
+            <a:spAutoFit/>
+          </a:bodyPr>
+          <a:lstStyle/>
+          <a:p>
+            <a:pPr algn="ctr">
+              <a:lnSpc>
+                <a:spcPts val="5400"/>
+              </a:lnSpc>
+              <a:spcAft>
+                <a:spcPts val="600"/>
+              </a:spcAft>
+            </a:pPr>
+            <a:r>
+              <a:rPr lang="de-DE" altLang="ko-KR" sz="5500" b="1" dirty="0">
+                <a:solidFill>
+                  <a:srgbClr val="002060"/>
+                </a:solidFill>
+                <a:latin typeface="CMU Serif" panose="02000803000000000000" pitchFamily="2" charset="0"/>
+                <a:ea typeface="CMU Serif" panose="02000803000000000000" pitchFamily="2" charset="0"/>
+                <a:cs typeface="CMU Serif" panose="02000803000000000000" pitchFamily="2" charset="0"/>
+              </a:rPr>
+              <a:t>2. Maschinelles </a:t>
+            </a:r>
+          </a:p>
+          <a:p>
+            <a:pPr algn="ctr">
+              <a:lnSpc>
+                <a:spcPts val="5400"/>
+              </a:lnSpc>
+              <a:spcAft>
+                <a:spcPts val="600"/>
+              </a:spcAft>
+            </a:pPr>
+            <a:r>
+              <a:rPr lang="de-DE" altLang="ko-KR" sz="5500" b="1" dirty="0">
+                <a:solidFill>
+                  <a:srgbClr val="002060"/>
+                </a:solidFill>
+                <a:latin typeface="CMU Serif" panose="02000803000000000000" pitchFamily="2" charset="0"/>
+                <a:ea typeface="CMU Serif" panose="02000803000000000000" pitchFamily="2" charset="0"/>
+                <a:cs typeface="CMU Serif" panose="02000803000000000000" pitchFamily="2" charset="0"/>
+              </a:rPr>
+              <a:t>Lernverfahren 1</a:t>
+            </a:r>
+            <a:endParaRPr lang="de-DE" altLang="ko-KR" sz="5500" b="1" dirty="0">
+              <a:solidFill>
+                <a:schemeClr val="accent1"/>
+              </a:solidFill>
+              <a:latin typeface="CMU Serif" panose="02000803000000000000" pitchFamily="2" charset="0"/>
+              <a:ea typeface="CMU Serif" panose="02000803000000000000" pitchFamily="2" charset="0"/>
+              <a:cs typeface="CMU Serif" panose="02000803000000000000" pitchFamily="2" charset="0"/>
+            </a:endParaRPr>
+          </a:p>
+        </p:txBody>
+      </p:sp>
+      <p:sp>
+        <p:nvSpPr>
+          <p:cNvPr id="153" name="Freeform: Shape 152">
+            <a:extLst>
+              <a:ext uri="{FF2B5EF4-FFF2-40B4-BE49-F238E27FC236}">
+                <a16:creationId xmlns:a16="http://schemas.microsoft.com/office/drawing/2014/main" id="{F3B4A34E-C246-47F5-A863-109A43C0757D}"/>
+              </a:ext>
+            </a:extLst>
+          </p:cNvPr>
+          <p:cNvSpPr/>
+          <p:nvPr/>
+        </p:nvSpPr>
+        <p:spPr>
+          <a:xfrm>
+            <a:off x="673768" y="1688100"/>
+            <a:ext cx="5086770" cy="3128874"/>
+          </a:xfrm>
+          <a:custGeom>
+            <a:avLst/>
+            <a:gdLst>
+              <a:gd name="connsiteX0" fmla="*/ 5086770 w 5086770"/>
+              <a:gd name="connsiteY0" fmla="*/ 1174706 h 3128874"/>
+              <a:gd name="connsiteX1" fmla="*/ 5086770 w 5086770"/>
+              <a:gd name="connsiteY1" fmla="*/ 1184663 h 3128874"/>
+              <a:gd name="connsiteX2" fmla="*/ 5079830 w 5086770"/>
+              <a:gd name="connsiteY2" fmla="*/ 1185820 h 3128874"/>
+              <a:gd name="connsiteX3" fmla="*/ 5078289 w 5086770"/>
+              <a:gd name="connsiteY3" fmla="*/ 1182737 h 3128874"/>
+              <a:gd name="connsiteX4" fmla="*/ 5078289 w 5086770"/>
+              <a:gd name="connsiteY4" fmla="*/ 1179654 h 3128874"/>
+              <a:gd name="connsiteX5" fmla="*/ 1690658 w 5086770"/>
+              <a:gd name="connsiteY5" fmla="*/ 810655 h 3128874"/>
+              <a:gd name="connsiteX6" fmla="*/ 1349061 w 5086770"/>
+              <a:gd name="connsiteY6" fmla="*/ 1934928 h 3128874"/>
+              <a:gd name="connsiteX7" fmla="*/ 2035854 w 5086770"/>
+              <a:gd name="connsiteY7" fmla="*/ 1934928 h 3128874"/>
+              <a:gd name="connsiteX8" fmla="*/ 3765314 w 5086770"/>
+              <a:gd name="connsiteY8" fmla="*/ 0 h 3128874"/>
+              <a:gd name="connsiteX9" fmla="*/ 4465138 w 5086770"/>
+              <a:gd name="connsiteY9" fmla="*/ 0 h 3128874"/>
+              <a:gd name="connsiteX10" fmla="*/ 4675955 w 5086770"/>
+              <a:gd name="connsiteY10" fmla="*/ 0 h 3128874"/>
+              <a:gd name="connsiteX11" fmla="*/ 4659036 w 5086770"/>
+              <a:gd name="connsiteY11" fmla="*/ 34412 h 3128874"/>
+              <a:gd name="connsiteX12" fmla="*/ 4651327 w 5086770"/>
+              <a:gd name="connsiteY12" fmla="*/ 45203 h 3128874"/>
+              <a:gd name="connsiteX13" fmla="*/ 4648245 w 5086770"/>
+              <a:gd name="connsiteY13" fmla="*/ 51368 h 3128874"/>
+              <a:gd name="connsiteX14" fmla="*/ 4483319 w 5086770"/>
+              <a:gd name="connsiteY14" fmla="*/ 361184 h 3128874"/>
+              <a:gd name="connsiteX15" fmla="*/ 4480236 w 5086770"/>
+              <a:gd name="connsiteY15" fmla="*/ 373515 h 3128874"/>
+              <a:gd name="connsiteX16" fmla="*/ 4474071 w 5086770"/>
+              <a:gd name="connsiteY16" fmla="*/ 398176 h 3128874"/>
+              <a:gd name="connsiteX17" fmla="*/ 4450950 w 5086770"/>
+              <a:gd name="connsiteY17" fmla="*/ 498367 h 3128874"/>
+              <a:gd name="connsiteX18" fmla="*/ 4440161 w 5086770"/>
+              <a:gd name="connsiteY18" fmla="*/ 527652 h 3128874"/>
+              <a:gd name="connsiteX19" fmla="*/ 4441700 w 5086770"/>
+              <a:gd name="connsiteY19" fmla="*/ 539983 h 3128874"/>
+              <a:gd name="connsiteX20" fmla="*/ 4437078 w 5086770"/>
+              <a:gd name="connsiteY20" fmla="*/ 561562 h 3128874"/>
+              <a:gd name="connsiteX21" fmla="*/ 4433995 w 5086770"/>
+              <a:gd name="connsiteY21" fmla="*/ 576976 h 3128874"/>
+              <a:gd name="connsiteX22" fmla="*/ 4433994 w 5086770"/>
+              <a:gd name="connsiteY22" fmla="*/ 578519 h 3128874"/>
+              <a:gd name="connsiteX23" fmla="*/ 4413956 w 5086770"/>
+              <a:gd name="connsiteY23" fmla="*/ 797393 h 3128874"/>
+              <a:gd name="connsiteX24" fmla="*/ 4438619 w 5086770"/>
+              <a:gd name="connsiteY24" fmla="*/ 996230 h 3128874"/>
+              <a:gd name="connsiteX25" fmla="*/ 4433995 w 5086770"/>
+              <a:gd name="connsiteY25" fmla="*/ 1016268 h 3128874"/>
+              <a:gd name="connsiteX26" fmla="*/ 4435536 w 5086770"/>
+              <a:gd name="connsiteY26" fmla="*/ 1025517 h 3128874"/>
+              <a:gd name="connsiteX27" fmla="*/ 4437078 w 5086770"/>
+              <a:gd name="connsiteY27" fmla="*/ 1027057 h 3128874"/>
+              <a:gd name="connsiteX28" fmla="*/ 4432452 w 5086770"/>
+              <a:gd name="connsiteY28" fmla="*/ 1048636 h 3128874"/>
+              <a:gd name="connsiteX29" fmla="*/ 4413956 w 5086770"/>
+              <a:gd name="connsiteY29" fmla="*/ 1085630 h 3128874"/>
+              <a:gd name="connsiteX30" fmla="*/ 4196623 w 5086770"/>
+              <a:gd name="connsiteY30" fmla="*/ 1389280 h 3128874"/>
+              <a:gd name="connsiteX31" fmla="*/ 4085645 w 5086770"/>
+              <a:gd name="connsiteY31" fmla="*/ 1597365 h 3128874"/>
+              <a:gd name="connsiteX32" fmla="*/ 4216661 w 5086770"/>
+              <a:gd name="connsiteY32" fmla="*/ 1697556 h 3128874"/>
+              <a:gd name="connsiteX33" fmla="*/ 4250571 w 5086770"/>
+              <a:gd name="connsiteY33" fmla="*/ 1811617 h 3128874"/>
+              <a:gd name="connsiteX34" fmla="*/ 4173502 w 5086770"/>
+              <a:gd name="connsiteY34" fmla="*/ 1888685 h 3128874"/>
+              <a:gd name="connsiteX35" fmla="*/ 4213578 w 5086770"/>
+              <a:gd name="connsiteY35" fmla="*/ 2022784 h 3128874"/>
+              <a:gd name="connsiteX36" fmla="*/ 4347678 w 5086770"/>
+              <a:gd name="connsiteY36" fmla="*/ 2090605 h 3128874"/>
+              <a:gd name="connsiteX37" fmla="*/ 4233616 w 5086770"/>
+              <a:gd name="connsiteY37" fmla="*/ 2138388 h 3128874"/>
+              <a:gd name="connsiteX38" fmla="*/ 4227451 w 5086770"/>
+              <a:gd name="connsiteY38" fmla="*/ 2258616 h 3128874"/>
+              <a:gd name="connsiteX39" fmla="*/ 4350761 w 5086770"/>
+              <a:gd name="connsiteY39" fmla="*/ 2320270 h 3128874"/>
+              <a:gd name="connsiteX40" fmla="*/ 4333805 w 5086770"/>
+              <a:gd name="connsiteY40" fmla="*/ 2462077 h 3128874"/>
+              <a:gd name="connsiteX41" fmla="*/ 4467905 w 5086770"/>
+              <a:gd name="connsiteY41" fmla="*/ 2719486 h 3128874"/>
+              <a:gd name="connsiteX42" fmla="*/ 4800655 w 5086770"/>
+              <a:gd name="connsiteY42" fmla="*/ 2748491 h 3128874"/>
+              <a:gd name="connsiteX43" fmla="*/ 4838191 w 5086770"/>
+              <a:gd name="connsiteY43" fmla="*/ 2744074 h 3128874"/>
+              <a:gd name="connsiteX44" fmla="*/ 4863823 w 5086770"/>
+              <a:gd name="connsiteY44" fmla="*/ 2765476 h 3128874"/>
+              <a:gd name="connsiteX45" fmla="*/ 4934321 w 5086770"/>
+              <a:gd name="connsiteY45" fmla="*/ 2911083 h 3128874"/>
+              <a:gd name="connsiteX46" fmla="*/ 4964162 w 5086770"/>
+              <a:gd name="connsiteY46" fmla="*/ 3074402 h 3128874"/>
+              <a:gd name="connsiteX47" fmla="*/ 4967647 w 5086770"/>
+              <a:gd name="connsiteY47" fmla="*/ 3128874 h 3128874"/>
+              <a:gd name="connsiteX48" fmla="*/ 4465138 w 5086770"/>
+              <a:gd name="connsiteY48" fmla="*/ 3128874 h 3128874"/>
+              <a:gd name="connsiteX49" fmla="*/ 4465138 w 5086770"/>
+              <a:gd name="connsiteY49" fmla="*/ 3127460 h 3128874"/>
+              <a:gd name="connsiteX50" fmla="*/ 3765314 w 5086770"/>
+              <a:gd name="connsiteY50" fmla="*/ 3127460 h 3128874"/>
+              <a:gd name="connsiteX51" fmla="*/ 1175459 w 5086770"/>
+              <a:gd name="connsiteY51" fmla="*/ 0 h 3128874"/>
+              <a:gd name="connsiteX52" fmla="*/ 2229594 w 5086770"/>
+              <a:gd name="connsiteY52" fmla="*/ 0 h 3128874"/>
+              <a:gd name="connsiteX53" fmla="*/ 3404781 w 5086770"/>
+              <a:gd name="connsiteY53" fmla="*/ 3127460 h 3128874"/>
+              <a:gd name="connsiteX54" fmla="*/ 2392789 w 5086770"/>
+              <a:gd name="connsiteY54" fmla="*/ 3127460 h 3128874"/>
+              <a:gd name="connsiteX55" fmla="*/ 2236317 w 5086770"/>
+              <a:gd name="connsiteY55" fmla="*/ 2611186 h 3128874"/>
+              <a:gd name="connsiteX56" fmla="*/ 1139165 w 5086770"/>
+              <a:gd name="connsiteY56" fmla="*/ 2611186 h 3128874"/>
+              <a:gd name="connsiteX57" fmla="*/ 986721 w 5086770"/>
+              <a:gd name="connsiteY57" fmla="*/ 3127460 h 3128874"/>
+              <a:gd name="connsiteX58" fmla="*/ 0 w 5086770"/>
+              <a:gd name="connsiteY58" fmla="*/ 3127460 h 3128874"/>
+            </a:gdLst>
+            <a:ahLst/>
+            <a:cxnLst>
+              <a:cxn ang="0">
+                <a:pos x="connsiteX0" y="connsiteY0"/>
+              </a:cxn>
+              <a:cxn ang="0">
+                <a:pos x="connsiteX1" y="connsiteY1"/>
+              </a:cxn>
+              <a:cxn ang="0">
+                <a:pos x="connsiteX2" y="connsiteY2"/>
+              </a:cxn>
+              <a:cxn ang="0">
+                <a:pos x="connsiteX3" y="connsiteY3"/>
+              </a:cxn>
+              <a:cxn ang="0">
+                <a:pos x="connsiteX4" y="connsiteY4"/>
+              </a:cxn>
+              <a:cxn ang="0">
+                <a:pos x="connsiteX5" y="connsiteY5"/>
+              </a:cxn>
+              <a:cxn ang="0">
+                <a:pos x="connsiteX6" y="connsiteY6"/>
+              </a:cxn>
+              <a:cxn ang="0">
+                <a:pos x="connsiteX7" y="connsiteY7"/>
+              </a:cxn>
+              <a:cxn ang="0">
+                <a:pos x="connsiteX8" y="connsiteY8"/>
+              </a:cxn>
+              <a:cxn ang="0">
+                <a:pos x="connsiteX9" y="connsiteY9"/>
+              </a:cxn>
+              <a:cxn ang="0">
+                <a:pos x="connsiteX10" y="connsiteY10"/>
+              </a:cxn>
+              <a:cxn ang="0">
+                <a:pos x="connsiteX11" y="connsiteY11"/>
+              </a:cxn>
+              <a:cxn ang="0">
+                <a:pos x="connsiteX12" y="connsiteY12"/>
+              </a:cxn>
+              <a:cxn ang="0">
+                <a:pos x="connsiteX13" y="connsiteY13"/>
+              </a:cxn>
+              <a:cxn ang="0">
+                <a:pos x="connsiteX14" y="connsiteY14"/>
+              </a:cxn>
+              <a:cxn ang="0">
+                <a:pos x="connsiteX15" y="connsiteY15"/>
+              </a:cxn>
+              <a:cxn ang="0">
+                <a:pos x="connsiteX16" y="connsiteY16"/>
+              </a:cxn>
+              <a:cxn ang="0">
+                <a:pos x="connsiteX17" y="connsiteY17"/>
+              </a:cxn>
+              <a:cxn ang="0">
+                <a:pos x="connsiteX18" y="connsiteY18"/>
+              </a:cxn>
+              <a:cxn ang="0">
+                <a:pos x="connsiteX19" y="connsiteY19"/>
+              </a:cxn>
+              <a:cxn ang="0">
+                <a:pos x="connsiteX20" y="connsiteY20"/>
+              </a:cxn>
+              <a:cxn ang="0">
+                <a:pos x="connsiteX21" y="connsiteY21"/>
+              </a:cxn>
+              <a:cxn ang="0">
+                <a:pos x="connsiteX22" y="connsiteY22"/>
+              </a:cxn>
+              <a:cxn ang="0">
+                <a:pos x="connsiteX23" y="connsiteY23"/>
+              </a:cxn>
+              <a:cxn ang="0">
+                <a:pos x="connsiteX24" y="connsiteY24"/>
+              </a:cxn>
+              <a:cxn ang="0">
+                <a:pos x="connsiteX25" y="connsiteY25"/>
+              </a:cxn>
+              <a:cxn ang="0">
+                <a:pos x="connsiteX26" y="connsiteY26"/>
+              </a:cxn>
+              <a:cxn ang="0">
+                <a:pos x="connsiteX27" y="connsiteY27"/>
+              </a:cxn>
+              <a:cxn ang="0">
+                <a:pos x="connsiteX28" y="connsiteY28"/>
+              </a:cxn>
+              <a:cxn ang="0">
+                <a:pos x="connsiteX29" y="connsiteY29"/>
+              </a:cxn>
+              <a:cxn ang="0">
+                <a:pos x="connsiteX30" y="connsiteY30"/>
+              </a:cxn>
+              <a:cxn ang="0">
+                <a:pos x="connsiteX31" y="connsiteY31"/>
+              </a:cxn>
+              <a:cxn ang="0">
+                <a:pos x="connsiteX32" y="connsiteY32"/>
+              </a:cxn>
+              <a:cxn ang="0">
+                <a:pos x="connsiteX33" y="connsiteY33"/>
+              </a:cxn>
+              <a:cxn ang="0">
+                <a:pos x="connsiteX34" y="connsiteY34"/>
+              </a:cxn>
+              <a:cxn ang="0">
+                <a:pos x="connsiteX35" y="connsiteY35"/>
+              </a:cxn>
+              <a:cxn ang="0">
+                <a:pos x="connsiteX36" y="connsiteY36"/>
+              </a:cxn>
+              <a:cxn ang="0">
+                <a:pos x="connsiteX37" y="connsiteY37"/>
+              </a:cxn>
+              <a:cxn ang="0">
+                <a:pos x="connsiteX38" y="connsiteY38"/>
+              </a:cxn>
+              <a:cxn ang="0">
+                <a:pos x="connsiteX39" y="connsiteY39"/>
+              </a:cxn>
+              <a:cxn ang="0">
+                <a:pos x="connsiteX40" y="connsiteY40"/>
+              </a:cxn>
+              <a:cxn ang="0">
+                <a:pos x="connsiteX41" y="connsiteY41"/>
+              </a:cxn>
+              <a:cxn ang="0">
+                <a:pos x="connsiteX42" y="connsiteY42"/>
+              </a:cxn>
+              <a:cxn ang="0">
+                <a:pos x="connsiteX43" y="connsiteY43"/>
+              </a:cxn>
+              <a:cxn ang="0">
+                <a:pos x="connsiteX44" y="connsiteY44"/>
+              </a:cxn>
+              <a:cxn ang="0">
+                <a:pos x="connsiteX45" y="connsiteY45"/>
+              </a:cxn>
+              <a:cxn ang="0">
+                <a:pos x="connsiteX46" y="connsiteY46"/>
+              </a:cxn>
+              <a:cxn ang="0">
+                <a:pos x="connsiteX47" y="connsiteY47"/>
+              </a:cxn>
+              <a:cxn ang="0">
+                <a:pos x="connsiteX48" y="connsiteY48"/>
+              </a:cxn>
+              <a:cxn ang="0">
+                <a:pos x="connsiteX49" y="connsiteY49"/>
+              </a:cxn>
+              <a:cxn ang="0">
+                <a:pos x="connsiteX50" y="connsiteY50"/>
+              </a:cxn>
+              <a:cxn ang="0">
+                <a:pos x="connsiteX51" y="connsiteY51"/>
+              </a:cxn>
+              <a:cxn ang="0">
+                <a:pos x="connsiteX52" y="connsiteY52"/>
+              </a:cxn>
+              <a:cxn ang="0">
+                <a:pos x="connsiteX53" y="connsiteY53"/>
+              </a:cxn>
+              <a:cxn ang="0">
+                <a:pos x="connsiteX54" y="connsiteY54"/>
+              </a:cxn>
+              <a:cxn ang="0">
+                <a:pos x="connsiteX55" y="connsiteY55"/>
+              </a:cxn>
+              <a:cxn ang="0">
+                <a:pos x="connsiteX56" y="connsiteY56"/>
+              </a:cxn>
+              <a:cxn ang="0">
+                <a:pos x="connsiteX57" y="connsiteY57"/>
+              </a:cxn>
+              <a:cxn ang="0">
+                <a:pos x="connsiteX58" y="connsiteY58"/>
+              </a:cxn>
+            </a:cxnLst>
+            <a:rect l="l" t="t" r="r" b="b"/>
+            <a:pathLst>
+              <a:path w="5086770" h="3128874">
+                <a:moveTo>
+                  <a:pt x="5086770" y="1174706"/>
+                </a:moveTo>
+                <a:lnTo>
+                  <a:pt x="5086770" y="1184663"/>
+                </a:lnTo>
+                <a:lnTo>
+                  <a:pt x="5079830" y="1185820"/>
+                </a:lnTo>
+                <a:cubicBezTo>
+                  <a:pt x="5079829" y="1184277"/>
+                  <a:pt x="5078289" y="1184277"/>
+                  <a:pt x="5078289" y="1182737"/>
+                </a:cubicBezTo>
+                <a:lnTo>
+                  <a:pt x="5078289" y="1179654"/>
+                </a:lnTo>
+                <a:close/>
+                <a:moveTo>
+                  <a:pt x="1690658" y="810655"/>
+                </a:moveTo>
+                <a:lnTo>
+                  <a:pt x="1349061" y="1934928"/>
+                </a:lnTo>
+                <a:lnTo>
+                  <a:pt x="2035854" y="1934928"/>
+                </a:lnTo>
+                <a:close/>
+                <a:moveTo>
+                  <a:pt x="3765314" y="0"/>
+                </a:moveTo>
+                <a:lnTo>
+                  <a:pt x="4465138" y="0"/>
+                </a:lnTo>
+                <a:lnTo>
+                  <a:pt x="4675955" y="0"/>
+                </a:lnTo>
+                <a:lnTo>
+                  <a:pt x="4659036" y="34412"/>
+                </a:lnTo>
+                <a:cubicBezTo>
+                  <a:pt x="4655952" y="37496"/>
+                  <a:pt x="4652870" y="40578"/>
+                  <a:pt x="4651327" y="45203"/>
+                </a:cubicBezTo>
+                <a:cubicBezTo>
+                  <a:pt x="4649787" y="48285"/>
+                  <a:pt x="4649788" y="49827"/>
+                  <a:pt x="4648245" y="51368"/>
+                </a:cubicBezTo>
+                <a:cubicBezTo>
+                  <a:pt x="4632831" y="72947"/>
+                  <a:pt x="4528018" y="224002"/>
+                  <a:pt x="4483319" y="361184"/>
+                </a:cubicBezTo>
+                <a:cubicBezTo>
+                  <a:pt x="4481777" y="365808"/>
+                  <a:pt x="4480236" y="368891"/>
+                  <a:pt x="4480236" y="373515"/>
+                </a:cubicBezTo>
+                <a:cubicBezTo>
+                  <a:pt x="4478694" y="381223"/>
+                  <a:pt x="4475612" y="390471"/>
+                  <a:pt x="4474071" y="398176"/>
+                </a:cubicBezTo>
+                <a:cubicBezTo>
+                  <a:pt x="4466362" y="432087"/>
+                  <a:pt x="4458657" y="465997"/>
+                  <a:pt x="4450950" y="498367"/>
+                </a:cubicBezTo>
+                <a:cubicBezTo>
+                  <a:pt x="4444783" y="506073"/>
+                  <a:pt x="4440160" y="516863"/>
+                  <a:pt x="4440161" y="527652"/>
+                </a:cubicBezTo>
+                <a:cubicBezTo>
+                  <a:pt x="4440160" y="532277"/>
+                  <a:pt x="4440160" y="535360"/>
+                  <a:pt x="4441700" y="539983"/>
+                </a:cubicBezTo>
+                <a:cubicBezTo>
+                  <a:pt x="4440161" y="547691"/>
+                  <a:pt x="4438618" y="555397"/>
+                  <a:pt x="4437078" y="561562"/>
+                </a:cubicBezTo>
+                <a:cubicBezTo>
+                  <a:pt x="4435535" y="566187"/>
+                  <a:pt x="4433995" y="570810"/>
+                  <a:pt x="4433995" y="576976"/>
+                </a:cubicBezTo>
+                <a:cubicBezTo>
+                  <a:pt x="4433995" y="576976"/>
+                  <a:pt x="4433994" y="578519"/>
+                  <a:pt x="4433994" y="578519"/>
+                </a:cubicBezTo>
+                <a:cubicBezTo>
+                  <a:pt x="4417039" y="674083"/>
+                  <a:pt x="4407790" y="755776"/>
+                  <a:pt x="4413956" y="797393"/>
+                </a:cubicBezTo>
+                <a:cubicBezTo>
+                  <a:pt x="4421664" y="846717"/>
+                  <a:pt x="4440160" y="929951"/>
+                  <a:pt x="4438619" y="996230"/>
+                </a:cubicBezTo>
+                <a:cubicBezTo>
+                  <a:pt x="4435535" y="1002395"/>
+                  <a:pt x="4433995" y="1008560"/>
+                  <a:pt x="4433995" y="1016268"/>
+                </a:cubicBezTo>
+                <a:cubicBezTo>
+                  <a:pt x="4433995" y="1019351"/>
+                  <a:pt x="4435536" y="1022434"/>
+                  <a:pt x="4435536" y="1025517"/>
+                </a:cubicBezTo>
+                <a:cubicBezTo>
+                  <a:pt x="4435536" y="1025517"/>
+                  <a:pt x="4435535" y="1027057"/>
+                  <a:pt x="4437078" y="1027057"/>
+                </a:cubicBezTo>
+                <a:cubicBezTo>
+                  <a:pt x="4435536" y="1034764"/>
+                  <a:pt x="4433994" y="1042471"/>
+                  <a:pt x="4432452" y="1048636"/>
+                </a:cubicBezTo>
+                <a:lnTo>
+                  <a:pt x="4413956" y="1085630"/>
+                </a:lnTo>
+                <a:cubicBezTo>
+                  <a:pt x="4369257" y="1164240"/>
+                  <a:pt x="4258278" y="1339957"/>
+                  <a:pt x="4196623" y="1389280"/>
+                </a:cubicBezTo>
+                <a:cubicBezTo>
+                  <a:pt x="4128802" y="1441687"/>
+                  <a:pt x="4062523" y="1538793"/>
+                  <a:pt x="4085645" y="1597365"/>
+                </a:cubicBezTo>
+                <a:cubicBezTo>
+                  <a:pt x="4119555" y="1660562"/>
+                  <a:pt x="4181210" y="1688307"/>
+                  <a:pt x="4216661" y="1697556"/>
+                </a:cubicBezTo>
+                <a:cubicBezTo>
+                  <a:pt x="4252112" y="1706804"/>
+                  <a:pt x="4275233" y="1779247"/>
+                  <a:pt x="4250571" y="1811617"/>
+                </a:cubicBezTo>
+                <a:cubicBezTo>
+                  <a:pt x="4225909" y="1843985"/>
+                  <a:pt x="4187375" y="1853233"/>
+                  <a:pt x="4173502" y="1888685"/>
+                </a:cubicBezTo>
+                <a:cubicBezTo>
+                  <a:pt x="4159630" y="1924137"/>
+                  <a:pt x="4153465" y="1998123"/>
+                  <a:pt x="4213578" y="2022784"/>
+                </a:cubicBezTo>
+                <a:cubicBezTo>
+                  <a:pt x="4259818" y="2041281"/>
+                  <a:pt x="4349219" y="2081356"/>
+                  <a:pt x="4347678" y="2090605"/>
+                </a:cubicBezTo>
+                <a:cubicBezTo>
+                  <a:pt x="4346136" y="2099853"/>
+                  <a:pt x="4250570" y="2107561"/>
+                  <a:pt x="4233616" y="2138388"/>
+                </a:cubicBezTo>
+                <a:cubicBezTo>
+                  <a:pt x="4216660" y="2169216"/>
+                  <a:pt x="4204330" y="2220080"/>
+                  <a:pt x="4227451" y="2258616"/>
+                </a:cubicBezTo>
+                <a:cubicBezTo>
+                  <a:pt x="4250571" y="2297149"/>
+                  <a:pt x="4332264" y="2292526"/>
+                  <a:pt x="4350761" y="2320270"/>
+                </a:cubicBezTo>
+                <a:cubicBezTo>
+                  <a:pt x="4381588" y="2371135"/>
+                  <a:pt x="4358466" y="2378843"/>
+                  <a:pt x="4333805" y="2462077"/>
+                </a:cubicBezTo>
+                <a:cubicBezTo>
+                  <a:pt x="4306060" y="2551476"/>
+                  <a:pt x="4302977" y="2650125"/>
+                  <a:pt x="4467905" y="2719486"/>
+                </a:cubicBezTo>
+                <a:cubicBezTo>
+                  <a:pt x="4562314" y="2758983"/>
+                  <a:pt x="4694054" y="2758743"/>
+                  <a:pt x="4800655" y="2748491"/>
+                </a:cubicBezTo>
+                <a:lnTo>
+                  <a:pt x="4838191" y="2744074"/>
+                </a:lnTo>
+                <a:lnTo>
+                  <a:pt x="4863823" y="2765476"/>
+                </a:lnTo>
+                <a:cubicBezTo>
+                  <a:pt x="4895578" y="2799449"/>
+                  <a:pt x="4917344" y="2847230"/>
+                  <a:pt x="4934321" y="2911083"/>
+                </a:cubicBezTo>
+                <a:cubicBezTo>
+                  <a:pt x="4945640" y="2953651"/>
+                  <a:pt x="4957371" y="3013267"/>
+                  <a:pt x="4964162" y="3074402"/>
+                </a:cubicBezTo>
+                <a:lnTo>
+                  <a:pt x="4967647" y="3128874"/>
+                </a:lnTo>
+                <a:lnTo>
+                  <a:pt x="4465138" y="3128874"/>
+                </a:lnTo>
+                <a:lnTo>
+                  <a:pt x="4465138" y="3127460"/>
+                </a:lnTo>
+                <a:lnTo>
+                  <a:pt x="3765314" y="3127460"/>
+                </a:lnTo>
+                <a:close/>
+                <a:moveTo>
+                  <a:pt x="1175459" y="0"/>
+                </a:moveTo>
+                <a:lnTo>
+                  <a:pt x="2229594" y="0"/>
+                </a:lnTo>
+                <a:lnTo>
+                  <a:pt x="3404781" y="3127460"/>
+                </a:lnTo>
+                <a:lnTo>
+                  <a:pt x="2392789" y="3127460"/>
+                </a:lnTo>
+                <a:lnTo>
+                  <a:pt x="2236317" y="2611186"/>
+                </a:lnTo>
+                <a:lnTo>
+                  <a:pt x="1139165" y="2611186"/>
+                </a:lnTo>
+                <a:lnTo>
+                  <a:pt x="986721" y="3127460"/>
+                </a:lnTo>
+                <a:lnTo>
+                  <a:pt x="0" y="3127460"/>
+                </a:lnTo>
+                <a:close/>
+              </a:path>
+            </a:pathLst>
+          </a:custGeom>
+          <a:solidFill>
+            <a:srgbClr val="002060"/>
+          </a:solidFill>
+          <a:ln>
+            <a:noFill/>
+          </a:ln>
+        </p:spPr>
+        <p:style>
+          <a:lnRef idx="2">
+            <a:schemeClr val="accent1">
+              <a:shade val="50000"/>
+            </a:schemeClr>
+          </a:lnRef>
+          <a:fillRef idx="1">
+            <a:schemeClr val="accent1"/>
+          </a:fillRef>
+          <a:effectRef idx="0">
+            <a:schemeClr val="accent1"/>
+          </a:effectRef>
+          <a:fontRef idx="minor">
+            <a:schemeClr val="lt1"/>
+          </a:fontRef>
+        </p:style>
+        <p:txBody>
+          <a:bodyPr rtlCol="0" anchor="ctr"/>
+          <a:lstStyle/>
+          <a:p>
+            <a:pPr algn="ctr"/>
+            <a:endParaRPr lang="en-US"/>
+          </a:p>
+        </p:txBody>
+      </p:sp>
+      <p:sp>
+        <p:nvSpPr>
+          <p:cNvPr id="2" name="Rechteck 1">
+            <a:extLst>
+              <a:ext uri="{FF2B5EF4-FFF2-40B4-BE49-F238E27FC236}">
+                <a16:creationId xmlns:a16="http://schemas.microsoft.com/office/drawing/2014/main" id="{96AA9A24-87CF-4FD9-A062-3E8FD5FCE155}"/>
+              </a:ext>
+            </a:extLst>
+          </p:cNvPr>
+          <p:cNvSpPr/>
+          <p:nvPr/>
+        </p:nvSpPr>
+        <p:spPr>
+          <a:xfrm>
+            <a:off x="-39394" y="6497053"/>
+            <a:ext cx="12270787" cy="425115"/>
+          </a:xfrm>
+          <a:prstGeom prst="rect">
+            <a:avLst/>
+          </a:prstGeom>
+          <a:solidFill>
+            <a:srgbClr val="AA313F"/>
+          </a:solidFill>
+          <a:ln>
+            <a:noFill/>
+          </a:ln>
+        </p:spPr>
+        <p:style>
+          <a:lnRef idx="2">
+            <a:schemeClr val="accent1">
+              <a:shade val="50000"/>
+            </a:schemeClr>
+          </a:lnRef>
+          <a:fillRef idx="1">
+            <a:schemeClr val="accent1"/>
+          </a:fillRef>
+          <a:effectRef idx="0">
+            <a:schemeClr val="accent1"/>
+          </a:effectRef>
+          <a:fontRef idx="minor">
+            <a:schemeClr val="lt1"/>
+          </a:fontRef>
+        </p:style>
+        <p:txBody>
+          <a:bodyPr rtlCol="0" anchor="ctr"/>
+          <a:lstStyle/>
+          <a:p>
+            <a:pPr algn="ctr"/>
+            <a:endParaRPr lang="de-DE"/>
+          </a:p>
+        </p:txBody>
+      </p:sp>
+    </p:spTree>
+    <p:extLst>
+      <p:ext uri="{BB962C8B-B14F-4D97-AF65-F5344CB8AC3E}">
+        <p14:creationId xmlns:p14="http://schemas.microsoft.com/office/powerpoint/2010/main" val="1968519819"/>
+      </p:ext>
+    </p:extLst>
+  </p:cSld>
+  <p:clrMapOvr>
+    <a:masterClrMapping/>
+  </p:clrMapOvr>
+</p:sld>
+</file>
+
+<file path=ppt/slides/slide8.xml><?xml version="1.0" encoding="utf-8"?>
+<p:sld xmlns:a="http://schemas.openxmlformats.org/drawingml/2006/main" xmlns:r="http://schemas.openxmlformats.org/officeDocument/2006/relationships" xmlns:p="http://schemas.openxmlformats.org/presentationml/2006/main">
+  <p:cSld>
+    <p:spTree>
+      <p:nvGrpSpPr>
+        <p:cNvPr id="1" name=""/>
+        <p:cNvGrpSpPr/>
+        <p:nvPr/>
+      </p:nvGrpSpPr>
+      <p:grpSpPr>
+        <a:xfrm>
+          <a:off x="0" y="0"/>
+          <a:ext cx="0" cy="0"/>
+          <a:chOff x="0" y="0"/>
+          <a:chExt cx="0" cy="0"/>
+        </a:xfrm>
+      </p:grpSpPr>
+      <p:sp>
+        <p:nvSpPr>
+          <p:cNvPr id="4" name="TextBox 3">
+            <a:extLst>
+              <a:ext uri="{FF2B5EF4-FFF2-40B4-BE49-F238E27FC236}">
+                <a16:creationId xmlns:a16="http://schemas.microsoft.com/office/drawing/2014/main" id="{948A2979-A456-4286-B8FC-8FF4C0C58EFD}"/>
+              </a:ext>
+            </a:extLst>
+          </p:cNvPr>
+          <p:cNvSpPr txBox="1"/>
+          <p:nvPr/>
+        </p:nvSpPr>
+        <p:spPr>
+          <a:xfrm>
+            <a:off x="5686926" y="2623010"/>
+            <a:ext cx="6328611" cy="1611980"/>
+          </a:xfrm>
+          <a:prstGeom prst="rect">
+            <a:avLst/>
+          </a:prstGeom>
+          <a:noFill/>
+        </p:spPr>
+        <p:txBody>
+          <a:bodyPr wrap="square" rtlCol="0" anchor="ctr">
+            <a:spAutoFit/>
+          </a:bodyPr>
+          <a:lstStyle/>
+          <a:p>
+            <a:pPr algn="ctr">
+              <a:lnSpc>
+                <a:spcPts val="5400"/>
+              </a:lnSpc>
+              <a:spcAft>
+                <a:spcPts val="600"/>
+              </a:spcAft>
+            </a:pPr>
+            <a:r>
+              <a:rPr lang="de-DE" altLang="ko-KR" sz="5500" b="1" dirty="0">
+                <a:solidFill>
+                  <a:srgbClr val="002060"/>
+                </a:solidFill>
+                <a:latin typeface="CMU Serif" panose="02000803000000000000" pitchFamily="2" charset="0"/>
+                <a:ea typeface="CMU Serif" panose="02000803000000000000" pitchFamily="2" charset="0"/>
+                <a:cs typeface="CMU Serif" panose="02000803000000000000" pitchFamily="2" charset="0"/>
+              </a:rPr>
+              <a:t>3. Maschinelles </a:t>
+            </a:r>
+          </a:p>
+          <a:p>
+            <a:pPr algn="ctr">
+              <a:lnSpc>
+                <a:spcPts val="5400"/>
+              </a:lnSpc>
+              <a:spcAft>
+                <a:spcPts val="600"/>
+              </a:spcAft>
+            </a:pPr>
+            <a:r>
+              <a:rPr lang="de-DE" altLang="ko-KR" sz="5500" b="1" dirty="0">
+                <a:solidFill>
+                  <a:srgbClr val="002060"/>
+                </a:solidFill>
+                <a:latin typeface="CMU Serif" panose="02000803000000000000" pitchFamily="2" charset="0"/>
+                <a:ea typeface="CMU Serif" panose="02000803000000000000" pitchFamily="2" charset="0"/>
+                <a:cs typeface="CMU Serif" panose="02000803000000000000" pitchFamily="2" charset="0"/>
+              </a:rPr>
+              <a:t>Lernverfahren 2</a:t>
+            </a:r>
+            <a:endParaRPr lang="de-DE" altLang="ko-KR" sz="5500" b="1" dirty="0">
+              <a:solidFill>
+                <a:schemeClr val="accent1"/>
+              </a:solidFill>
+              <a:latin typeface="CMU Serif" panose="02000803000000000000" pitchFamily="2" charset="0"/>
+              <a:ea typeface="CMU Serif" panose="02000803000000000000" pitchFamily="2" charset="0"/>
+              <a:cs typeface="CMU Serif" panose="02000803000000000000" pitchFamily="2" charset="0"/>
+            </a:endParaRPr>
+          </a:p>
+        </p:txBody>
+      </p:sp>
+      <p:sp>
+        <p:nvSpPr>
+          <p:cNvPr id="153" name="Freeform: Shape 152">
+            <a:extLst>
+              <a:ext uri="{FF2B5EF4-FFF2-40B4-BE49-F238E27FC236}">
+                <a16:creationId xmlns:a16="http://schemas.microsoft.com/office/drawing/2014/main" id="{F3B4A34E-C246-47F5-A863-109A43C0757D}"/>
+              </a:ext>
+            </a:extLst>
+          </p:cNvPr>
+          <p:cNvSpPr/>
+          <p:nvPr/>
+        </p:nvSpPr>
+        <p:spPr>
+          <a:xfrm>
+            <a:off x="673768" y="1688100"/>
+            <a:ext cx="5086770" cy="3128874"/>
+          </a:xfrm>
+          <a:custGeom>
+            <a:avLst/>
+            <a:gdLst>
+              <a:gd name="connsiteX0" fmla="*/ 5086770 w 5086770"/>
+              <a:gd name="connsiteY0" fmla="*/ 1174706 h 3128874"/>
+              <a:gd name="connsiteX1" fmla="*/ 5086770 w 5086770"/>
+              <a:gd name="connsiteY1" fmla="*/ 1184663 h 3128874"/>
+              <a:gd name="connsiteX2" fmla="*/ 5079830 w 5086770"/>
+              <a:gd name="connsiteY2" fmla="*/ 1185820 h 3128874"/>
+              <a:gd name="connsiteX3" fmla="*/ 5078289 w 5086770"/>
+              <a:gd name="connsiteY3" fmla="*/ 1182737 h 3128874"/>
+              <a:gd name="connsiteX4" fmla="*/ 5078289 w 5086770"/>
+              <a:gd name="connsiteY4" fmla="*/ 1179654 h 3128874"/>
+              <a:gd name="connsiteX5" fmla="*/ 1690658 w 5086770"/>
+              <a:gd name="connsiteY5" fmla="*/ 810655 h 3128874"/>
+              <a:gd name="connsiteX6" fmla="*/ 1349061 w 5086770"/>
+              <a:gd name="connsiteY6" fmla="*/ 1934928 h 3128874"/>
+              <a:gd name="connsiteX7" fmla="*/ 2035854 w 5086770"/>
+              <a:gd name="connsiteY7" fmla="*/ 1934928 h 3128874"/>
+              <a:gd name="connsiteX8" fmla="*/ 3765314 w 5086770"/>
+              <a:gd name="connsiteY8" fmla="*/ 0 h 3128874"/>
+              <a:gd name="connsiteX9" fmla="*/ 4465138 w 5086770"/>
+              <a:gd name="connsiteY9" fmla="*/ 0 h 3128874"/>
+              <a:gd name="connsiteX10" fmla="*/ 4675955 w 5086770"/>
+              <a:gd name="connsiteY10" fmla="*/ 0 h 3128874"/>
+              <a:gd name="connsiteX11" fmla="*/ 4659036 w 5086770"/>
+              <a:gd name="connsiteY11" fmla="*/ 34412 h 3128874"/>
+              <a:gd name="connsiteX12" fmla="*/ 4651327 w 5086770"/>
+              <a:gd name="connsiteY12" fmla="*/ 45203 h 3128874"/>
+              <a:gd name="connsiteX13" fmla="*/ 4648245 w 5086770"/>
+              <a:gd name="connsiteY13" fmla="*/ 51368 h 3128874"/>
+              <a:gd name="connsiteX14" fmla="*/ 4483319 w 5086770"/>
+              <a:gd name="connsiteY14" fmla="*/ 361184 h 3128874"/>
+              <a:gd name="connsiteX15" fmla="*/ 4480236 w 5086770"/>
+              <a:gd name="connsiteY15" fmla="*/ 373515 h 3128874"/>
+              <a:gd name="connsiteX16" fmla="*/ 4474071 w 5086770"/>
+              <a:gd name="connsiteY16" fmla="*/ 398176 h 3128874"/>
+              <a:gd name="connsiteX17" fmla="*/ 4450950 w 5086770"/>
+              <a:gd name="connsiteY17" fmla="*/ 498367 h 3128874"/>
+              <a:gd name="connsiteX18" fmla="*/ 4440161 w 5086770"/>
+              <a:gd name="connsiteY18" fmla="*/ 527652 h 3128874"/>
+              <a:gd name="connsiteX19" fmla="*/ 4441700 w 5086770"/>
+              <a:gd name="connsiteY19" fmla="*/ 539983 h 3128874"/>
+              <a:gd name="connsiteX20" fmla="*/ 4437078 w 5086770"/>
+              <a:gd name="connsiteY20" fmla="*/ 561562 h 3128874"/>
+              <a:gd name="connsiteX21" fmla="*/ 4433995 w 5086770"/>
+              <a:gd name="connsiteY21" fmla="*/ 576976 h 3128874"/>
+              <a:gd name="connsiteX22" fmla="*/ 4433994 w 5086770"/>
+              <a:gd name="connsiteY22" fmla="*/ 578519 h 3128874"/>
+              <a:gd name="connsiteX23" fmla="*/ 4413956 w 5086770"/>
+              <a:gd name="connsiteY23" fmla="*/ 797393 h 3128874"/>
+              <a:gd name="connsiteX24" fmla="*/ 4438619 w 5086770"/>
+              <a:gd name="connsiteY24" fmla="*/ 996230 h 3128874"/>
+              <a:gd name="connsiteX25" fmla="*/ 4433995 w 5086770"/>
+              <a:gd name="connsiteY25" fmla="*/ 1016268 h 3128874"/>
+              <a:gd name="connsiteX26" fmla="*/ 4435536 w 5086770"/>
+              <a:gd name="connsiteY26" fmla="*/ 1025517 h 3128874"/>
+              <a:gd name="connsiteX27" fmla="*/ 4437078 w 5086770"/>
+              <a:gd name="connsiteY27" fmla="*/ 1027057 h 3128874"/>
+              <a:gd name="connsiteX28" fmla="*/ 4432452 w 5086770"/>
+              <a:gd name="connsiteY28" fmla="*/ 1048636 h 3128874"/>
+              <a:gd name="connsiteX29" fmla="*/ 4413956 w 5086770"/>
+              <a:gd name="connsiteY29" fmla="*/ 1085630 h 3128874"/>
+              <a:gd name="connsiteX30" fmla="*/ 4196623 w 5086770"/>
+              <a:gd name="connsiteY30" fmla="*/ 1389280 h 3128874"/>
+              <a:gd name="connsiteX31" fmla="*/ 4085645 w 5086770"/>
+              <a:gd name="connsiteY31" fmla="*/ 1597365 h 3128874"/>
+              <a:gd name="connsiteX32" fmla="*/ 4216661 w 5086770"/>
+              <a:gd name="connsiteY32" fmla="*/ 1697556 h 3128874"/>
+              <a:gd name="connsiteX33" fmla="*/ 4250571 w 5086770"/>
+              <a:gd name="connsiteY33" fmla="*/ 1811617 h 3128874"/>
+              <a:gd name="connsiteX34" fmla="*/ 4173502 w 5086770"/>
+              <a:gd name="connsiteY34" fmla="*/ 1888685 h 3128874"/>
+              <a:gd name="connsiteX35" fmla="*/ 4213578 w 5086770"/>
+              <a:gd name="connsiteY35" fmla="*/ 2022784 h 3128874"/>
+              <a:gd name="connsiteX36" fmla="*/ 4347678 w 5086770"/>
+              <a:gd name="connsiteY36" fmla="*/ 2090605 h 3128874"/>
+              <a:gd name="connsiteX37" fmla="*/ 4233616 w 5086770"/>
+              <a:gd name="connsiteY37" fmla="*/ 2138388 h 3128874"/>
+              <a:gd name="connsiteX38" fmla="*/ 4227451 w 5086770"/>
+              <a:gd name="connsiteY38" fmla="*/ 2258616 h 3128874"/>
+              <a:gd name="connsiteX39" fmla="*/ 4350761 w 5086770"/>
+              <a:gd name="connsiteY39" fmla="*/ 2320270 h 3128874"/>
+              <a:gd name="connsiteX40" fmla="*/ 4333805 w 5086770"/>
+              <a:gd name="connsiteY40" fmla="*/ 2462077 h 3128874"/>
+              <a:gd name="connsiteX41" fmla="*/ 4467905 w 5086770"/>
+              <a:gd name="connsiteY41" fmla="*/ 2719486 h 3128874"/>
+              <a:gd name="connsiteX42" fmla="*/ 4800655 w 5086770"/>
+              <a:gd name="connsiteY42" fmla="*/ 2748491 h 3128874"/>
+              <a:gd name="connsiteX43" fmla="*/ 4838191 w 5086770"/>
+              <a:gd name="connsiteY43" fmla="*/ 2744074 h 3128874"/>
+              <a:gd name="connsiteX44" fmla="*/ 4863823 w 5086770"/>
+              <a:gd name="connsiteY44" fmla="*/ 2765476 h 3128874"/>
+              <a:gd name="connsiteX45" fmla="*/ 4934321 w 5086770"/>
+              <a:gd name="connsiteY45" fmla="*/ 2911083 h 3128874"/>
+              <a:gd name="connsiteX46" fmla="*/ 4964162 w 5086770"/>
+              <a:gd name="connsiteY46" fmla="*/ 3074402 h 3128874"/>
+              <a:gd name="connsiteX47" fmla="*/ 4967647 w 5086770"/>
+              <a:gd name="connsiteY47" fmla="*/ 3128874 h 3128874"/>
+              <a:gd name="connsiteX48" fmla="*/ 4465138 w 5086770"/>
+              <a:gd name="connsiteY48" fmla="*/ 3128874 h 3128874"/>
+              <a:gd name="connsiteX49" fmla="*/ 4465138 w 5086770"/>
+              <a:gd name="connsiteY49" fmla="*/ 3127460 h 3128874"/>
+              <a:gd name="connsiteX50" fmla="*/ 3765314 w 5086770"/>
+              <a:gd name="connsiteY50" fmla="*/ 3127460 h 3128874"/>
+              <a:gd name="connsiteX51" fmla="*/ 1175459 w 5086770"/>
+              <a:gd name="connsiteY51" fmla="*/ 0 h 3128874"/>
+              <a:gd name="connsiteX52" fmla="*/ 2229594 w 5086770"/>
+              <a:gd name="connsiteY52" fmla="*/ 0 h 3128874"/>
+              <a:gd name="connsiteX53" fmla="*/ 3404781 w 5086770"/>
+              <a:gd name="connsiteY53" fmla="*/ 3127460 h 3128874"/>
+              <a:gd name="connsiteX54" fmla="*/ 2392789 w 5086770"/>
+              <a:gd name="connsiteY54" fmla="*/ 3127460 h 3128874"/>
+              <a:gd name="connsiteX55" fmla="*/ 2236317 w 5086770"/>
+              <a:gd name="connsiteY55" fmla="*/ 2611186 h 3128874"/>
+              <a:gd name="connsiteX56" fmla="*/ 1139165 w 5086770"/>
+              <a:gd name="connsiteY56" fmla="*/ 2611186 h 3128874"/>
+              <a:gd name="connsiteX57" fmla="*/ 986721 w 5086770"/>
+              <a:gd name="connsiteY57" fmla="*/ 3127460 h 3128874"/>
+              <a:gd name="connsiteX58" fmla="*/ 0 w 5086770"/>
+              <a:gd name="connsiteY58" fmla="*/ 3127460 h 3128874"/>
+            </a:gdLst>
+            <a:ahLst/>
+            <a:cxnLst>
+              <a:cxn ang="0">
+                <a:pos x="connsiteX0" y="connsiteY0"/>
+              </a:cxn>
+              <a:cxn ang="0">
+                <a:pos x="connsiteX1" y="connsiteY1"/>
+              </a:cxn>
+              <a:cxn ang="0">
+                <a:pos x="connsiteX2" y="connsiteY2"/>
+              </a:cxn>
+              <a:cxn ang="0">
+                <a:pos x="connsiteX3" y="connsiteY3"/>
+              </a:cxn>
+              <a:cxn ang="0">
+                <a:pos x="connsiteX4" y="connsiteY4"/>
+              </a:cxn>
+              <a:cxn ang="0">
+                <a:pos x="connsiteX5" y="connsiteY5"/>
+              </a:cxn>
+              <a:cxn ang="0">
+                <a:pos x="connsiteX6" y="connsiteY6"/>
+              </a:cxn>
+              <a:cxn ang="0">
+                <a:pos x="connsiteX7" y="connsiteY7"/>
+              </a:cxn>
+              <a:cxn ang="0">
+                <a:pos x="connsiteX8" y="connsiteY8"/>
+              </a:cxn>
+              <a:cxn ang="0">
+                <a:pos x="connsiteX9" y="connsiteY9"/>
+              </a:cxn>
+              <a:cxn ang="0">
+                <a:pos x="connsiteX10" y="connsiteY10"/>
+              </a:cxn>
+              <a:cxn ang="0">
+                <a:pos x="connsiteX11" y="connsiteY11"/>
+              </a:cxn>
+              <a:cxn ang="0">
+                <a:pos x="connsiteX12" y="connsiteY12"/>
+              </a:cxn>
+              <a:cxn ang="0">
+                <a:pos x="connsiteX13" y="connsiteY13"/>
+              </a:cxn>
+              <a:cxn ang="0">
+                <a:pos x="connsiteX14" y="connsiteY14"/>
+              </a:cxn>
+              <a:cxn ang="0">
+                <a:pos x="connsiteX15" y="connsiteY15"/>
+              </a:cxn>
+              <a:cxn ang="0">
+                <a:pos x="connsiteX16" y="connsiteY16"/>
+              </a:cxn>
+              <a:cxn ang="0">
+                <a:pos x="connsiteX17" y="connsiteY17"/>
+              </a:cxn>
+              <a:cxn ang="0">
+                <a:pos x="connsiteX18" y="connsiteY18"/>
+              </a:cxn>
+              <a:cxn ang="0">
+                <a:pos x="connsiteX19" y="connsiteY19"/>
+              </a:cxn>
+              <a:cxn ang="0">
+                <a:pos x="connsiteX20" y="connsiteY20"/>
+              </a:cxn>
+              <a:cxn ang="0">
+                <a:pos x="connsiteX21" y="connsiteY21"/>
+              </a:cxn>
+              <a:cxn ang="0">
+                <a:pos x="connsiteX22" y="connsiteY22"/>
+              </a:cxn>
+              <a:cxn ang="0">
+                <a:pos x="connsiteX23" y="connsiteY23"/>
+              </a:cxn>
+              <a:cxn ang="0">
+                <a:pos x="connsiteX24" y="connsiteY24"/>
+              </a:cxn>
+              <a:cxn ang="0">
+                <a:pos x="connsiteX25" y="connsiteY25"/>
+              </a:cxn>
+              <a:cxn ang="0">
+                <a:pos x="connsiteX26" y="connsiteY26"/>
+              </a:cxn>
+              <a:cxn ang="0">
+                <a:pos x="connsiteX27" y="connsiteY27"/>
+              </a:cxn>
+              <a:cxn ang="0">
+                <a:pos x="connsiteX28" y="connsiteY28"/>
+              </a:cxn>
+              <a:cxn ang="0">
+                <a:pos x="connsiteX29" y="connsiteY29"/>
+              </a:cxn>
+              <a:cxn ang="0">
+                <a:pos x="connsiteX30" y="connsiteY30"/>
+              </a:cxn>
+              <a:cxn ang="0">
+                <a:pos x="connsiteX31" y="connsiteY31"/>
+              </a:cxn>
+              <a:cxn ang="0">
+                <a:pos x="connsiteX32" y="connsiteY32"/>
+              </a:cxn>
+              <a:cxn ang="0">
+                <a:pos x="connsiteX33" y="connsiteY33"/>
+              </a:cxn>
+              <a:cxn ang="0">
+                <a:pos x="connsiteX34" y="connsiteY34"/>
+              </a:cxn>
+              <a:cxn ang="0">
+                <a:pos x="connsiteX35" y="connsiteY35"/>
+              </a:cxn>
+              <a:cxn ang="0">
+                <a:pos x="connsiteX36" y="connsiteY36"/>
+              </a:cxn>
+              <a:cxn ang="0">
+                <a:pos x="connsiteX37" y="connsiteY37"/>
+              </a:cxn>
+              <a:cxn ang="0">
+                <a:pos x="connsiteX38" y="connsiteY38"/>
+              </a:cxn>
+              <a:cxn ang="0">
+                <a:pos x="connsiteX39" y="connsiteY39"/>
+              </a:cxn>
+              <a:cxn ang="0">
+                <a:pos x="connsiteX40" y="connsiteY40"/>
+              </a:cxn>
+              <a:cxn ang="0">
+                <a:pos x="connsiteX41" y="connsiteY41"/>
+              </a:cxn>
+              <a:cxn ang="0">
+                <a:pos x="connsiteX42" y="connsiteY42"/>
+              </a:cxn>
+              <a:cxn ang="0">
+                <a:pos x="connsiteX43" y="connsiteY43"/>
+              </a:cxn>
+              <a:cxn ang="0">
+                <a:pos x="connsiteX44" y="connsiteY44"/>
+              </a:cxn>
+              <a:cxn ang="0">
+                <a:pos x="connsiteX45" y="connsiteY45"/>
+              </a:cxn>
+              <a:cxn ang="0">
+                <a:pos x="connsiteX46" y="connsiteY46"/>
+              </a:cxn>
+              <a:cxn ang="0">
+                <a:pos x="connsiteX47" y="connsiteY47"/>
+              </a:cxn>
+              <a:cxn ang="0">
+                <a:pos x="connsiteX48" y="connsiteY48"/>
+              </a:cxn>
+              <a:cxn ang="0">
+                <a:pos x="connsiteX49" y="connsiteY49"/>
+              </a:cxn>
+              <a:cxn ang="0">
+                <a:pos x="connsiteX50" y="connsiteY50"/>
+              </a:cxn>
+              <a:cxn ang="0">
+                <a:pos x="connsiteX51" y="connsiteY51"/>
+              </a:cxn>
+              <a:cxn ang="0">
+                <a:pos x="connsiteX52" y="connsiteY52"/>
+              </a:cxn>
+              <a:cxn ang="0">
+                <a:pos x="connsiteX53" y="connsiteY53"/>
+              </a:cxn>
+              <a:cxn ang="0">
+                <a:pos x="connsiteX54" y="connsiteY54"/>
+              </a:cxn>
+              <a:cxn ang="0">
+                <a:pos x="connsiteX55" y="connsiteY55"/>
+              </a:cxn>
+              <a:cxn ang="0">
+                <a:pos x="connsiteX56" y="connsiteY56"/>
+              </a:cxn>
+              <a:cxn ang="0">
+                <a:pos x="connsiteX57" y="connsiteY57"/>
+              </a:cxn>
+              <a:cxn ang="0">
+                <a:pos x="connsiteX58" y="connsiteY58"/>
+              </a:cxn>
+            </a:cxnLst>
+            <a:rect l="l" t="t" r="r" b="b"/>
+            <a:pathLst>
+              <a:path w="5086770" h="3128874">
+                <a:moveTo>
+                  <a:pt x="5086770" y="1174706"/>
+                </a:moveTo>
+                <a:lnTo>
+                  <a:pt x="5086770" y="1184663"/>
+                </a:lnTo>
+                <a:lnTo>
+                  <a:pt x="5079830" y="1185820"/>
+                </a:lnTo>
+                <a:cubicBezTo>
+                  <a:pt x="5079829" y="1184277"/>
+                  <a:pt x="5078289" y="1184277"/>
+                  <a:pt x="5078289" y="1182737"/>
+                </a:cubicBezTo>
+                <a:lnTo>
+                  <a:pt x="5078289" y="1179654"/>
+                </a:lnTo>
+                <a:close/>
+                <a:moveTo>
+                  <a:pt x="1690658" y="810655"/>
+                </a:moveTo>
+                <a:lnTo>
+                  <a:pt x="1349061" y="1934928"/>
+                </a:lnTo>
+                <a:lnTo>
+                  <a:pt x="2035854" y="1934928"/>
+                </a:lnTo>
+                <a:close/>
+                <a:moveTo>
+                  <a:pt x="3765314" y="0"/>
+                </a:moveTo>
+                <a:lnTo>
+                  <a:pt x="4465138" y="0"/>
+                </a:lnTo>
+                <a:lnTo>
+                  <a:pt x="4675955" y="0"/>
+                </a:lnTo>
+                <a:lnTo>
+                  <a:pt x="4659036" y="34412"/>
+                </a:lnTo>
+                <a:cubicBezTo>
+                  <a:pt x="4655952" y="37496"/>
+                  <a:pt x="4652870" y="40578"/>
+                  <a:pt x="4651327" y="45203"/>
+                </a:cubicBezTo>
+                <a:cubicBezTo>
+                  <a:pt x="4649787" y="48285"/>
+                  <a:pt x="4649788" y="49827"/>
+                  <a:pt x="4648245" y="51368"/>
+                </a:cubicBezTo>
+                <a:cubicBezTo>
+                  <a:pt x="4632831" y="72947"/>
+                  <a:pt x="4528018" y="224002"/>
+                  <a:pt x="4483319" y="361184"/>
+                </a:cubicBezTo>
+                <a:cubicBezTo>
+                  <a:pt x="4481777" y="365808"/>
+                  <a:pt x="4480236" y="368891"/>
+                  <a:pt x="4480236" y="373515"/>
+                </a:cubicBezTo>
+                <a:cubicBezTo>
+                  <a:pt x="4478694" y="381223"/>
+                  <a:pt x="4475612" y="390471"/>
+                  <a:pt x="4474071" y="398176"/>
+                </a:cubicBezTo>
+                <a:cubicBezTo>
+                  <a:pt x="4466362" y="432087"/>
+                  <a:pt x="4458657" y="465997"/>
+                  <a:pt x="4450950" y="498367"/>
+                </a:cubicBezTo>
+                <a:cubicBezTo>
+                  <a:pt x="4444783" y="506073"/>
+                  <a:pt x="4440160" y="516863"/>
+                  <a:pt x="4440161" y="527652"/>
+                </a:cubicBezTo>
+                <a:cubicBezTo>
+                  <a:pt x="4440160" y="532277"/>
+                  <a:pt x="4440160" y="535360"/>
+                  <a:pt x="4441700" y="539983"/>
+                </a:cubicBezTo>
+                <a:cubicBezTo>
+                  <a:pt x="4440161" y="547691"/>
+                  <a:pt x="4438618" y="555397"/>
+                  <a:pt x="4437078" y="561562"/>
+                </a:cubicBezTo>
+                <a:cubicBezTo>
+                  <a:pt x="4435535" y="566187"/>
+                  <a:pt x="4433995" y="570810"/>
+                  <a:pt x="4433995" y="576976"/>
+                </a:cubicBezTo>
+                <a:cubicBezTo>
+                  <a:pt x="4433995" y="576976"/>
+                  <a:pt x="4433994" y="578519"/>
+                  <a:pt x="4433994" y="578519"/>
+                </a:cubicBezTo>
+                <a:cubicBezTo>
+                  <a:pt x="4417039" y="674083"/>
+                  <a:pt x="4407790" y="755776"/>
+                  <a:pt x="4413956" y="797393"/>
+                </a:cubicBezTo>
+                <a:cubicBezTo>
+                  <a:pt x="4421664" y="846717"/>
+                  <a:pt x="4440160" y="929951"/>
+                  <a:pt x="4438619" y="996230"/>
+                </a:cubicBezTo>
+                <a:cubicBezTo>
+                  <a:pt x="4435535" y="1002395"/>
+                  <a:pt x="4433995" y="1008560"/>
+                  <a:pt x="4433995" y="1016268"/>
+                </a:cubicBezTo>
+                <a:cubicBezTo>
+                  <a:pt x="4433995" y="1019351"/>
+                  <a:pt x="4435536" y="1022434"/>
+                  <a:pt x="4435536" y="1025517"/>
+                </a:cubicBezTo>
+                <a:cubicBezTo>
+                  <a:pt x="4435536" y="1025517"/>
+                  <a:pt x="4435535" y="1027057"/>
+                  <a:pt x="4437078" y="1027057"/>
+                </a:cubicBezTo>
+                <a:cubicBezTo>
+                  <a:pt x="4435536" y="1034764"/>
+                  <a:pt x="4433994" y="1042471"/>
+                  <a:pt x="4432452" y="1048636"/>
+                </a:cubicBezTo>
+                <a:lnTo>
+                  <a:pt x="4413956" y="1085630"/>
+                </a:lnTo>
+                <a:cubicBezTo>
+                  <a:pt x="4369257" y="1164240"/>
+                  <a:pt x="4258278" y="1339957"/>
+                  <a:pt x="4196623" y="1389280"/>
+                </a:cubicBezTo>
+                <a:cubicBezTo>
+                  <a:pt x="4128802" y="1441687"/>
+                  <a:pt x="4062523" y="1538793"/>
+                  <a:pt x="4085645" y="1597365"/>
+                </a:cubicBezTo>
+                <a:cubicBezTo>
+                  <a:pt x="4119555" y="1660562"/>
+                  <a:pt x="4181210" y="1688307"/>
+                  <a:pt x="4216661" y="1697556"/>
+                </a:cubicBezTo>
+                <a:cubicBezTo>
+                  <a:pt x="4252112" y="1706804"/>
+                  <a:pt x="4275233" y="1779247"/>
+                  <a:pt x="4250571" y="1811617"/>
+                </a:cubicBezTo>
+                <a:cubicBezTo>
+                  <a:pt x="4225909" y="1843985"/>
+                  <a:pt x="4187375" y="1853233"/>
+                  <a:pt x="4173502" y="1888685"/>
+                </a:cubicBezTo>
+                <a:cubicBezTo>
+                  <a:pt x="4159630" y="1924137"/>
+                  <a:pt x="4153465" y="1998123"/>
+                  <a:pt x="4213578" y="2022784"/>
+                </a:cubicBezTo>
+                <a:cubicBezTo>
+                  <a:pt x="4259818" y="2041281"/>
+                  <a:pt x="4349219" y="2081356"/>
+                  <a:pt x="4347678" y="2090605"/>
+                </a:cubicBezTo>
+                <a:cubicBezTo>
+                  <a:pt x="4346136" y="2099853"/>
+                  <a:pt x="4250570" y="2107561"/>
+                  <a:pt x="4233616" y="2138388"/>
+                </a:cubicBezTo>
+                <a:cubicBezTo>
+                  <a:pt x="4216660" y="2169216"/>
+                  <a:pt x="4204330" y="2220080"/>
+                  <a:pt x="4227451" y="2258616"/>
+                </a:cubicBezTo>
+                <a:cubicBezTo>
+                  <a:pt x="4250571" y="2297149"/>
+                  <a:pt x="4332264" y="2292526"/>
+                  <a:pt x="4350761" y="2320270"/>
+                </a:cubicBezTo>
+                <a:cubicBezTo>
+                  <a:pt x="4381588" y="2371135"/>
+                  <a:pt x="4358466" y="2378843"/>
+                  <a:pt x="4333805" y="2462077"/>
+                </a:cubicBezTo>
+                <a:cubicBezTo>
+                  <a:pt x="4306060" y="2551476"/>
+                  <a:pt x="4302977" y="2650125"/>
+                  <a:pt x="4467905" y="2719486"/>
+                </a:cubicBezTo>
+                <a:cubicBezTo>
+                  <a:pt x="4562314" y="2758983"/>
+                  <a:pt x="4694054" y="2758743"/>
+                  <a:pt x="4800655" y="2748491"/>
+                </a:cubicBezTo>
+                <a:lnTo>
+                  <a:pt x="4838191" y="2744074"/>
+                </a:lnTo>
+                <a:lnTo>
+                  <a:pt x="4863823" y="2765476"/>
+                </a:lnTo>
+                <a:cubicBezTo>
+                  <a:pt x="4895578" y="2799449"/>
+                  <a:pt x="4917344" y="2847230"/>
+                  <a:pt x="4934321" y="2911083"/>
+                </a:cubicBezTo>
+                <a:cubicBezTo>
+                  <a:pt x="4945640" y="2953651"/>
+                  <a:pt x="4957371" y="3013267"/>
+                  <a:pt x="4964162" y="3074402"/>
+                </a:cubicBezTo>
+                <a:lnTo>
+                  <a:pt x="4967647" y="3128874"/>
+                </a:lnTo>
+                <a:lnTo>
+                  <a:pt x="4465138" y="3128874"/>
+                </a:lnTo>
+                <a:lnTo>
+                  <a:pt x="4465138" y="3127460"/>
+                </a:lnTo>
+                <a:lnTo>
+                  <a:pt x="3765314" y="3127460"/>
+                </a:lnTo>
+                <a:close/>
+                <a:moveTo>
+                  <a:pt x="1175459" y="0"/>
+                </a:moveTo>
+                <a:lnTo>
+                  <a:pt x="2229594" y="0"/>
+                </a:lnTo>
+                <a:lnTo>
+                  <a:pt x="3404781" y="3127460"/>
+                </a:lnTo>
+                <a:lnTo>
+                  <a:pt x="2392789" y="3127460"/>
+                </a:lnTo>
+                <a:lnTo>
+                  <a:pt x="2236317" y="2611186"/>
+                </a:lnTo>
+                <a:lnTo>
+                  <a:pt x="1139165" y="2611186"/>
+                </a:lnTo>
+                <a:lnTo>
+                  <a:pt x="986721" y="3127460"/>
+                </a:lnTo>
+                <a:lnTo>
+                  <a:pt x="0" y="3127460"/>
+                </a:lnTo>
+                <a:close/>
+              </a:path>
+            </a:pathLst>
+          </a:custGeom>
+          <a:solidFill>
+            <a:srgbClr val="002060"/>
+          </a:solidFill>
+          <a:ln>
+            <a:noFill/>
+          </a:ln>
+        </p:spPr>
+        <p:style>
+          <a:lnRef idx="2">
+            <a:schemeClr val="accent1">
+              <a:shade val="50000"/>
+            </a:schemeClr>
+          </a:lnRef>
+          <a:fillRef idx="1">
+            <a:schemeClr val="accent1"/>
+          </a:fillRef>
+          <a:effectRef idx="0">
+            <a:schemeClr val="accent1"/>
+          </a:effectRef>
+          <a:fontRef idx="minor">
+            <a:schemeClr val="lt1"/>
+          </a:fontRef>
+        </p:style>
+        <p:txBody>
+          <a:bodyPr rtlCol="0" anchor="ctr"/>
+          <a:lstStyle/>
+          <a:p>
+            <a:pPr algn="ctr"/>
+            <a:endParaRPr lang="en-US"/>
+          </a:p>
+        </p:txBody>
+      </p:sp>
+      <p:sp>
+        <p:nvSpPr>
+          <p:cNvPr id="2" name="Rechteck 1">
+            <a:extLst>
+              <a:ext uri="{FF2B5EF4-FFF2-40B4-BE49-F238E27FC236}">
+                <a16:creationId xmlns:a16="http://schemas.microsoft.com/office/drawing/2014/main" id="{96AA9A24-87CF-4FD9-A062-3E8FD5FCE155}"/>
+              </a:ext>
+            </a:extLst>
+          </p:cNvPr>
+          <p:cNvSpPr/>
+          <p:nvPr/>
+        </p:nvSpPr>
+        <p:spPr>
+          <a:xfrm>
+            <a:off x="-39394" y="6497053"/>
+            <a:ext cx="12270787" cy="425115"/>
+          </a:xfrm>
+          <a:prstGeom prst="rect">
+            <a:avLst/>
+          </a:prstGeom>
+          <a:solidFill>
+            <a:srgbClr val="AA313F"/>
+          </a:solidFill>
+          <a:ln>
+            <a:noFill/>
+          </a:ln>
+        </p:spPr>
+        <p:style>
+          <a:lnRef idx="2">
+            <a:schemeClr val="accent1">
+              <a:shade val="50000"/>
+            </a:schemeClr>
+          </a:lnRef>
+          <a:fillRef idx="1">
+            <a:schemeClr val="accent1"/>
+          </a:fillRef>
+          <a:effectRef idx="0">
+            <a:schemeClr val="accent1"/>
+          </a:effectRef>
+          <a:fontRef idx="minor">
+            <a:schemeClr val="lt1"/>
+          </a:fontRef>
+        </p:style>
+        <p:txBody>
+          <a:bodyPr rtlCol="0" anchor="ctr"/>
+          <a:lstStyle/>
+          <a:p>
+            <a:pPr algn="ctr"/>
+            <a:endParaRPr lang="de-DE"/>
+          </a:p>
+        </p:txBody>
+      </p:sp>
+    </p:spTree>
+    <p:extLst>
+      <p:ext uri="{BB962C8B-B14F-4D97-AF65-F5344CB8AC3E}">
+        <p14:creationId xmlns:p14="http://schemas.microsoft.com/office/powerpoint/2010/main" val="1785347479"/>
+      </p:ext>
+    </p:extLst>
+  </p:cSld>
+  <p:clrMapOvr>
+    <a:masterClrMapping/>
+  </p:clrMapOvr>
+</p:sld>
+</file>
+
+<file path=ppt/slides/slide9.xml><?xml version="1.0" encoding="utf-8"?>
+<p:sld xmlns:a="http://schemas.openxmlformats.org/drawingml/2006/main" xmlns:r="http://schemas.openxmlformats.org/officeDocument/2006/relationships" xmlns:p="http://schemas.openxmlformats.org/presentationml/2006/main">
+  <p:cSld>
+    <p:spTree>
+      <p:nvGrpSpPr>
+        <p:cNvPr id="1" name=""/>
+        <p:cNvGrpSpPr/>
+        <p:nvPr/>
+      </p:nvGrpSpPr>
+      <p:grpSpPr>
+        <a:xfrm>
+          <a:off x="0" y="0"/>
+          <a:ext cx="0" cy="0"/>
+          <a:chOff x="0" y="0"/>
+          <a:chExt cx="0" cy="0"/>
+        </a:xfrm>
+      </p:grpSpPr>
+      <p:sp>
+        <p:nvSpPr>
+          <p:cNvPr id="4" name="TextBox 3">
+            <a:extLst>
+              <a:ext uri="{FF2B5EF4-FFF2-40B4-BE49-F238E27FC236}">
+                <a16:creationId xmlns:a16="http://schemas.microsoft.com/office/drawing/2014/main" id="{948A2979-A456-4286-B8FC-8FF4C0C58EFD}"/>
+              </a:ext>
+            </a:extLst>
+          </p:cNvPr>
+          <p:cNvSpPr txBox="1"/>
+          <p:nvPr/>
+        </p:nvSpPr>
+        <p:spPr>
+          <a:xfrm>
+            <a:off x="5686926" y="2623010"/>
+            <a:ext cx="6328611" cy="1611980"/>
+          </a:xfrm>
+          <a:prstGeom prst="rect">
+            <a:avLst/>
+          </a:prstGeom>
+          <a:noFill/>
+        </p:spPr>
+        <p:txBody>
+          <a:bodyPr wrap="square" rtlCol="0" anchor="ctr">
+            <a:spAutoFit/>
+          </a:bodyPr>
+          <a:lstStyle/>
+          <a:p>
+            <a:pPr algn="ctr">
+              <a:lnSpc>
+                <a:spcPts val="5400"/>
+              </a:lnSpc>
+              <a:spcAft>
+                <a:spcPts val="600"/>
+              </a:spcAft>
+            </a:pPr>
+            <a:r>
+              <a:rPr lang="de-DE" altLang="ko-KR" sz="5500" b="1" dirty="0">
+                <a:solidFill>
+                  <a:srgbClr val="002060"/>
+                </a:solidFill>
+                <a:latin typeface="CMU Serif" panose="02000803000000000000" pitchFamily="2" charset="0"/>
+                <a:ea typeface="CMU Serif" panose="02000803000000000000" pitchFamily="2" charset="0"/>
+                <a:cs typeface="CMU Serif" panose="02000803000000000000" pitchFamily="2" charset="0"/>
+              </a:rPr>
+              <a:t>4. Maschinelles </a:t>
+            </a:r>
+          </a:p>
+          <a:p>
+            <a:pPr algn="ctr">
+              <a:lnSpc>
+                <a:spcPts val="5400"/>
+              </a:lnSpc>
+              <a:spcAft>
+                <a:spcPts val="600"/>
+              </a:spcAft>
+            </a:pPr>
+            <a:r>
+              <a:rPr lang="de-DE" altLang="ko-KR" sz="5500" b="1" dirty="0">
+                <a:solidFill>
+                  <a:srgbClr val="002060"/>
+                </a:solidFill>
+                <a:latin typeface="CMU Serif" panose="02000803000000000000" pitchFamily="2" charset="0"/>
+                <a:ea typeface="CMU Serif" panose="02000803000000000000" pitchFamily="2" charset="0"/>
+                <a:cs typeface="CMU Serif" panose="02000803000000000000" pitchFamily="2" charset="0"/>
+              </a:rPr>
+              <a:t>Lernverfahren 3</a:t>
+            </a:r>
+            <a:endParaRPr lang="de-DE" altLang="ko-KR" sz="5500" b="1" dirty="0">
+              <a:solidFill>
+                <a:schemeClr val="accent1"/>
+              </a:solidFill>
+              <a:latin typeface="CMU Serif" panose="02000803000000000000" pitchFamily="2" charset="0"/>
+              <a:ea typeface="CMU Serif" panose="02000803000000000000" pitchFamily="2" charset="0"/>
+              <a:cs typeface="CMU Serif" panose="02000803000000000000" pitchFamily="2" charset="0"/>
+            </a:endParaRPr>
+          </a:p>
+        </p:txBody>
+      </p:sp>
+      <p:sp>
+        <p:nvSpPr>
+          <p:cNvPr id="153" name="Freeform: Shape 152">
+            <a:extLst>
+              <a:ext uri="{FF2B5EF4-FFF2-40B4-BE49-F238E27FC236}">
+                <a16:creationId xmlns:a16="http://schemas.microsoft.com/office/drawing/2014/main" id="{F3B4A34E-C246-47F5-A863-109A43C0757D}"/>
+              </a:ext>
+            </a:extLst>
+          </p:cNvPr>
+          <p:cNvSpPr/>
+          <p:nvPr/>
+        </p:nvSpPr>
+        <p:spPr>
+          <a:xfrm>
+            <a:off x="673768" y="1688100"/>
+            <a:ext cx="5086770" cy="3128874"/>
+          </a:xfrm>
+          <a:custGeom>
+            <a:avLst/>
+            <a:gdLst>
+              <a:gd name="connsiteX0" fmla="*/ 5086770 w 5086770"/>
+              <a:gd name="connsiteY0" fmla="*/ 1174706 h 3128874"/>
+              <a:gd name="connsiteX1" fmla="*/ 5086770 w 5086770"/>
+              <a:gd name="connsiteY1" fmla="*/ 1184663 h 3128874"/>
+              <a:gd name="connsiteX2" fmla="*/ 5079830 w 5086770"/>
+              <a:gd name="connsiteY2" fmla="*/ 1185820 h 3128874"/>
+              <a:gd name="connsiteX3" fmla="*/ 5078289 w 5086770"/>
+              <a:gd name="connsiteY3" fmla="*/ 1182737 h 3128874"/>
+              <a:gd name="connsiteX4" fmla="*/ 5078289 w 5086770"/>
+              <a:gd name="connsiteY4" fmla="*/ 1179654 h 3128874"/>
+              <a:gd name="connsiteX5" fmla="*/ 1690658 w 5086770"/>
+              <a:gd name="connsiteY5" fmla="*/ 810655 h 3128874"/>
+              <a:gd name="connsiteX6" fmla="*/ 1349061 w 5086770"/>
+              <a:gd name="connsiteY6" fmla="*/ 1934928 h 3128874"/>
+              <a:gd name="connsiteX7" fmla="*/ 2035854 w 5086770"/>
+              <a:gd name="connsiteY7" fmla="*/ 1934928 h 3128874"/>
+              <a:gd name="connsiteX8" fmla="*/ 3765314 w 5086770"/>
+              <a:gd name="connsiteY8" fmla="*/ 0 h 3128874"/>
+              <a:gd name="connsiteX9" fmla="*/ 4465138 w 5086770"/>
+              <a:gd name="connsiteY9" fmla="*/ 0 h 3128874"/>
+              <a:gd name="connsiteX10" fmla="*/ 4675955 w 5086770"/>
+              <a:gd name="connsiteY10" fmla="*/ 0 h 3128874"/>
+              <a:gd name="connsiteX11" fmla="*/ 4659036 w 5086770"/>
+              <a:gd name="connsiteY11" fmla="*/ 34412 h 3128874"/>
+              <a:gd name="connsiteX12" fmla="*/ 4651327 w 5086770"/>
+              <a:gd name="connsiteY12" fmla="*/ 45203 h 3128874"/>
+              <a:gd name="connsiteX13" fmla="*/ 4648245 w 5086770"/>
+              <a:gd name="connsiteY13" fmla="*/ 51368 h 3128874"/>
+              <a:gd name="connsiteX14" fmla="*/ 4483319 w 5086770"/>
+              <a:gd name="connsiteY14" fmla="*/ 361184 h 3128874"/>
+              <a:gd name="connsiteX15" fmla="*/ 4480236 w 5086770"/>
+              <a:gd name="connsiteY15" fmla="*/ 373515 h 3128874"/>
+              <a:gd name="connsiteX16" fmla="*/ 4474071 w 5086770"/>
+              <a:gd name="connsiteY16" fmla="*/ 398176 h 3128874"/>
+              <a:gd name="connsiteX17" fmla="*/ 4450950 w 5086770"/>
+              <a:gd name="connsiteY17" fmla="*/ 498367 h 3128874"/>
+              <a:gd name="connsiteX18" fmla="*/ 4440161 w 5086770"/>
+              <a:gd name="connsiteY18" fmla="*/ 527652 h 3128874"/>
+              <a:gd name="connsiteX19" fmla="*/ 4441700 w 5086770"/>
+              <a:gd name="connsiteY19" fmla="*/ 539983 h 3128874"/>
+              <a:gd name="connsiteX20" fmla="*/ 4437078 w 5086770"/>
+              <a:gd name="connsiteY20" fmla="*/ 561562 h 3128874"/>
+              <a:gd name="connsiteX21" fmla="*/ 4433995 w 5086770"/>
+              <a:gd name="connsiteY21" fmla="*/ 576976 h 3128874"/>
+              <a:gd name="connsiteX22" fmla="*/ 4433994 w 5086770"/>
+              <a:gd name="connsiteY22" fmla="*/ 578519 h 3128874"/>
+              <a:gd name="connsiteX23" fmla="*/ 4413956 w 5086770"/>
+              <a:gd name="connsiteY23" fmla="*/ 797393 h 3128874"/>
+              <a:gd name="connsiteX24" fmla="*/ 4438619 w 5086770"/>
+              <a:gd name="connsiteY24" fmla="*/ 996230 h 3128874"/>
+              <a:gd name="connsiteX25" fmla="*/ 4433995 w 5086770"/>
+              <a:gd name="connsiteY25" fmla="*/ 1016268 h 3128874"/>
+              <a:gd name="connsiteX26" fmla="*/ 4435536 w 5086770"/>
+              <a:gd name="connsiteY26" fmla="*/ 1025517 h 3128874"/>
+              <a:gd name="connsiteX27" fmla="*/ 4437078 w 5086770"/>
+              <a:gd name="connsiteY27" fmla="*/ 1027057 h 3128874"/>
+              <a:gd name="connsiteX28" fmla="*/ 4432452 w 5086770"/>
+              <a:gd name="connsiteY28" fmla="*/ 1048636 h 3128874"/>
+              <a:gd name="connsiteX29" fmla="*/ 4413956 w 5086770"/>
+              <a:gd name="connsiteY29" fmla="*/ 1085630 h 3128874"/>
+              <a:gd name="connsiteX30" fmla="*/ 4196623 w 5086770"/>
+              <a:gd name="connsiteY30" fmla="*/ 1389280 h 3128874"/>
+              <a:gd name="connsiteX31" fmla="*/ 4085645 w 5086770"/>
+              <a:gd name="connsiteY31" fmla="*/ 1597365 h 3128874"/>
+              <a:gd name="connsiteX32" fmla="*/ 4216661 w 5086770"/>
+              <a:gd name="connsiteY32" fmla="*/ 1697556 h 3128874"/>
+              <a:gd name="connsiteX33" fmla="*/ 4250571 w 5086770"/>
+              <a:gd name="connsiteY33" fmla="*/ 1811617 h 3128874"/>
+              <a:gd name="connsiteX34" fmla="*/ 4173502 w 5086770"/>
+              <a:gd name="connsiteY34" fmla="*/ 1888685 h 3128874"/>
+              <a:gd name="connsiteX35" fmla="*/ 4213578 w 5086770"/>
+              <a:gd name="connsiteY35" fmla="*/ 2022784 h 3128874"/>
+              <a:gd name="connsiteX36" fmla="*/ 4347678 w 5086770"/>
+              <a:gd name="connsiteY36" fmla="*/ 2090605 h 3128874"/>
+              <a:gd name="connsiteX37" fmla="*/ 4233616 w 5086770"/>
+              <a:gd name="connsiteY37" fmla="*/ 2138388 h 3128874"/>
+              <a:gd name="connsiteX38" fmla="*/ 4227451 w 5086770"/>
+              <a:gd name="connsiteY38" fmla="*/ 2258616 h 3128874"/>
+              <a:gd name="connsiteX39" fmla="*/ 4350761 w 5086770"/>
+              <a:gd name="connsiteY39" fmla="*/ 2320270 h 3128874"/>
+              <a:gd name="connsiteX40" fmla="*/ 4333805 w 5086770"/>
+              <a:gd name="connsiteY40" fmla="*/ 2462077 h 3128874"/>
+              <a:gd name="connsiteX41" fmla="*/ 4467905 w 5086770"/>
+              <a:gd name="connsiteY41" fmla="*/ 2719486 h 3128874"/>
+              <a:gd name="connsiteX42" fmla="*/ 4800655 w 5086770"/>
+              <a:gd name="connsiteY42" fmla="*/ 2748491 h 3128874"/>
+              <a:gd name="connsiteX43" fmla="*/ 4838191 w 5086770"/>
+              <a:gd name="connsiteY43" fmla="*/ 2744074 h 3128874"/>
+              <a:gd name="connsiteX44" fmla="*/ 4863823 w 5086770"/>
+              <a:gd name="connsiteY44" fmla="*/ 2765476 h 3128874"/>
+              <a:gd name="connsiteX45" fmla="*/ 4934321 w 5086770"/>
+              <a:gd name="connsiteY45" fmla="*/ 2911083 h 3128874"/>
+              <a:gd name="connsiteX46" fmla="*/ 4964162 w 5086770"/>
+              <a:gd name="connsiteY46" fmla="*/ 3074402 h 3128874"/>
+              <a:gd name="connsiteX47" fmla="*/ 4967647 w 5086770"/>
+              <a:gd name="connsiteY47" fmla="*/ 3128874 h 3128874"/>
+              <a:gd name="connsiteX48" fmla="*/ 4465138 w 5086770"/>
+              <a:gd name="connsiteY48" fmla="*/ 3128874 h 3128874"/>
+              <a:gd name="connsiteX49" fmla="*/ 4465138 w 5086770"/>
+              <a:gd name="connsiteY49" fmla="*/ 3127460 h 3128874"/>
+              <a:gd name="connsiteX50" fmla="*/ 3765314 w 5086770"/>
+              <a:gd name="connsiteY50" fmla="*/ 3127460 h 3128874"/>
+              <a:gd name="connsiteX51" fmla="*/ 1175459 w 5086770"/>
+              <a:gd name="connsiteY51" fmla="*/ 0 h 3128874"/>
+              <a:gd name="connsiteX52" fmla="*/ 2229594 w 5086770"/>
+              <a:gd name="connsiteY52" fmla="*/ 0 h 3128874"/>
+              <a:gd name="connsiteX53" fmla="*/ 3404781 w 5086770"/>
+              <a:gd name="connsiteY53" fmla="*/ 3127460 h 3128874"/>
+              <a:gd name="connsiteX54" fmla="*/ 2392789 w 5086770"/>
+              <a:gd name="connsiteY54" fmla="*/ 3127460 h 3128874"/>
+              <a:gd name="connsiteX55" fmla="*/ 2236317 w 5086770"/>
+              <a:gd name="connsiteY55" fmla="*/ 2611186 h 3128874"/>
+              <a:gd name="connsiteX56" fmla="*/ 1139165 w 5086770"/>
+              <a:gd name="connsiteY56" fmla="*/ 2611186 h 3128874"/>
+              <a:gd name="connsiteX57" fmla="*/ 986721 w 5086770"/>
+              <a:gd name="connsiteY57" fmla="*/ 3127460 h 3128874"/>
+              <a:gd name="connsiteX58" fmla="*/ 0 w 5086770"/>
+              <a:gd name="connsiteY58" fmla="*/ 3127460 h 3128874"/>
+            </a:gdLst>
+            <a:ahLst/>
+            <a:cxnLst>
+              <a:cxn ang="0">
+                <a:pos x="connsiteX0" y="connsiteY0"/>
+              </a:cxn>
+              <a:cxn ang="0">
+                <a:pos x="connsiteX1" y="connsiteY1"/>
+              </a:cxn>
+              <a:cxn ang="0">
+                <a:pos x="connsiteX2" y="connsiteY2"/>
+              </a:cxn>
+              <a:cxn ang="0">
+                <a:pos x="connsiteX3" y="connsiteY3"/>
+              </a:cxn>
+              <a:cxn ang="0">
+                <a:pos x="connsiteX4" y="connsiteY4"/>
+              </a:cxn>
+              <a:cxn ang="0">
+                <a:pos x="connsiteX5" y="connsiteY5"/>
+              </a:cxn>
+              <a:cxn ang="0">
+                <a:pos x="connsiteX6" y="connsiteY6"/>
+              </a:cxn>
+              <a:cxn ang="0">
+                <a:pos x="connsiteX7" y="connsiteY7"/>
+              </a:cxn>
+              <a:cxn ang="0">
+                <a:pos x="connsiteX8" y="connsiteY8"/>
+              </a:cxn>
+              <a:cxn ang="0">
+                <a:pos x="connsiteX9" y="connsiteY9"/>
+              </a:cxn>
+              <a:cxn ang="0">
+                <a:pos x="connsiteX10" y="connsiteY10"/>
+              </a:cxn>
+              <a:cxn ang="0">
+                <a:pos x="connsiteX11" y="connsiteY11"/>
+              </a:cxn>
+              <a:cxn ang="0">
+                <a:pos x="connsiteX12" y="connsiteY12"/>
+              </a:cxn>
+              <a:cxn ang="0">
+                <a:pos x="connsiteX13" y="connsiteY13"/>
+              </a:cxn>
+              <a:cxn ang="0">
+                <a:pos x="connsiteX14" y="connsiteY14"/>
+              </a:cxn>
+              <a:cxn ang="0">
+                <a:pos x="connsiteX15" y="connsiteY15"/>
+              </a:cxn>
+              <a:cxn ang="0">
+                <a:pos x="connsiteX16" y="connsiteY16"/>
+              </a:cxn>
+              <a:cxn ang="0">
+                <a:pos x="connsiteX17" y="connsiteY17"/>
+              </a:cxn>
+              <a:cxn ang="0">
+                <a:pos x="connsiteX18" y="connsiteY18"/>
+              </a:cxn>
+              <a:cxn ang="0">
+                <a:pos x="connsiteX19" y="connsiteY19"/>
+              </a:cxn>
+              <a:cxn ang="0">
+                <a:pos x="connsiteX20" y="connsiteY20"/>
+              </a:cxn>
+              <a:cxn ang="0">
+                <a:pos x="connsiteX21" y="connsiteY21"/>
+              </a:cxn>
+              <a:cxn ang="0">
+                <a:pos x="connsiteX22" y="connsiteY22"/>
+              </a:cxn>
+              <a:cxn ang="0">
+                <a:pos x="connsiteX23" y="connsiteY23"/>
+              </a:cxn>
+              <a:cxn ang="0">
+                <a:pos x="connsiteX24" y="connsiteY24"/>
+              </a:cxn>
+              <a:cxn ang="0">
+                <a:pos x="connsiteX25" y="connsiteY25"/>
+              </a:cxn>
+              <a:cxn ang="0">
+                <a:pos x="connsiteX26" y="connsiteY26"/>
+              </a:cxn>
+              <a:cxn ang="0">
+                <a:pos x="connsiteX27" y="connsiteY27"/>
+              </a:cxn>
+              <a:cxn ang="0">
+                <a:pos x="connsiteX28" y="connsiteY28"/>
+              </a:cxn>
+              <a:cxn ang="0">
+                <a:pos x="connsiteX29" y="connsiteY29"/>
+              </a:cxn>
+              <a:cxn ang="0">
+                <a:pos x="connsiteX30" y="connsiteY30"/>
+              </a:cxn>
+              <a:cxn ang="0">
+                <a:pos x="connsiteX31" y="connsiteY31"/>
+              </a:cxn>
+              <a:cxn ang="0">
+                <a:pos x="connsiteX32" y="connsiteY32"/>
+              </a:cxn>
+              <a:cxn ang="0">
+                <a:pos x="connsiteX33" y="connsiteY33"/>
+              </a:cxn>
+              <a:cxn ang="0">
+                <a:pos x="connsiteX34" y="connsiteY34"/>
+              </a:cxn>
+              <a:cxn ang="0">
+                <a:pos x="connsiteX35" y="connsiteY35"/>
+              </a:cxn>
+              <a:cxn ang="0">
+                <a:pos x="connsiteX36" y="connsiteY36"/>
+              </a:cxn>
+              <a:cxn ang="0">
+                <a:pos x="connsiteX37" y="connsiteY37"/>
+              </a:cxn>
+              <a:cxn ang="0">
+                <a:pos x="connsiteX38" y="connsiteY38"/>
+              </a:cxn>
+              <a:cxn ang="0">
+                <a:pos x="connsiteX39" y="connsiteY39"/>
+              </a:cxn>
+              <a:cxn ang="0">
+                <a:pos x="connsiteX40" y="connsiteY40"/>
+              </a:cxn>
+              <a:cxn ang="0">
+                <a:pos x="connsiteX41" y="connsiteY41"/>
+              </a:cxn>
+              <a:cxn ang="0">
+                <a:pos x="connsiteX42" y="connsiteY42"/>
+              </a:cxn>
+              <a:cxn ang="0">
+                <a:pos x="connsiteX43" y="connsiteY43"/>
+              </a:cxn>
+              <a:cxn ang="0">
+                <a:pos x="connsiteX44" y="connsiteY44"/>
+              </a:cxn>
+              <a:cxn ang="0">
+                <a:pos x="connsiteX45" y="connsiteY45"/>
+              </a:cxn>
+              <a:cxn ang="0">
+                <a:pos x="connsiteX46" y="connsiteY46"/>
+              </a:cxn>
+              <a:cxn ang="0">
+                <a:pos x="connsiteX47" y="connsiteY47"/>
+              </a:cxn>
+              <a:cxn ang="0">
+                <a:pos x="connsiteX48" y="connsiteY48"/>
+              </a:cxn>
+              <a:cxn ang="0">
+                <a:pos x="connsiteX49" y="connsiteY49"/>
+              </a:cxn>
+              <a:cxn ang="0">
+                <a:pos x="connsiteX50" y="connsiteY50"/>
+              </a:cxn>
+              <a:cxn ang="0">
+                <a:pos x="connsiteX51" y="connsiteY51"/>
+              </a:cxn>
+              <a:cxn ang="0">
+                <a:pos x="connsiteX52" y="connsiteY52"/>
+              </a:cxn>
+              <a:cxn ang="0">
+                <a:pos x="connsiteX53" y="connsiteY53"/>
+              </a:cxn>
+              <a:cxn ang="0">
+                <a:pos x="connsiteX54" y="connsiteY54"/>
+              </a:cxn>
+              <a:cxn ang="0">
+                <a:pos x="connsiteX55" y="connsiteY55"/>
+              </a:cxn>
+              <a:cxn ang="0">
+                <a:pos x="connsiteX56" y="connsiteY56"/>
+              </a:cxn>
+              <a:cxn ang="0">
+                <a:pos x="connsiteX57" y="connsiteY57"/>
+              </a:cxn>
+              <a:cxn ang="0">
+                <a:pos x="connsiteX58" y="connsiteY58"/>
+              </a:cxn>
+            </a:cxnLst>
+            <a:rect l="l" t="t" r="r" b="b"/>
+            <a:pathLst>
+              <a:path w="5086770" h="3128874">
+                <a:moveTo>
+                  <a:pt x="5086770" y="1174706"/>
+                </a:moveTo>
+                <a:lnTo>
+                  <a:pt x="5086770" y="1184663"/>
+                </a:lnTo>
+                <a:lnTo>
+                  <a:pt x="5079830" y="1185820"/>
+                </a:lnTo>
+                <a:cubicBezTo>
+                  <a:pt x="5079829" y="1184277"/>
+                  <a:pt x="5078289" y="1184277"/>
+                  <a:pt x="5078289" y="1182737"/>
+                </a:cubicBezTo>
+                <a:lnTo>
+                  <a:pt x="5078289" y="1179654"/>
+                </a:lnTo>
+                <a:close/>
+                <a:moveTo>
+                  <a:pt x="1690658" y="810655"/>
+                </a:moveTo>
+                <a:lnTo>
+                  <a:pt x="1349061" y="1934928"/>
+                </a:lnTo>
+                <a:lnTo>
+                  <a:pt x="2035854" y="1934928"/>
+                </a:lnTo>
+                <a:close/>
+                <a:moveTo>
+                  <a:pt x="3765314" y="0"/>
+                </a:moveTo>
+                <a:lnTo>
+                  <a:pt x="4465138" y="0"/>
+                </a:lnTo>
+                <a:lnTo>
+                  <a:pt x="4675955" y="0"/>
+                </a:lnTo>
+                <a:lnTo>
+                  <a:pt x="4659036" y="34412"/>
+                </a:lnTo>
+                <a:cubicBezTo>
+                  <a:pt x="4655952" y="37496"/>
+                  <a:pt x="4652870" y="40578"/>
+                  <a:pt x="4651327" y="45203"/>
+                </a:cubicBezTo>
+                <a:cubicBezTo>
+                  <a:pt x="4649787" y="48285"/>
+                  <a:pt x="4649788" y="49827"/>
+                  <a:pt x="4648245" y="51368"/>
+                </a:cubicBezTo>
+                <a:cubicBezTo>
+                  <a:pt x="4632831" y="72947"/>
+                  <a:pt x="4528018" y="224002"/>
+                  <a:pt x="4483319" y="361184"/>
+                </a:cubicBezTo>
+                <a:cubicBezTo>
+                  <a:pt x="4481777" y="365808"/>
+                  <a:pt x="4480236" y="368891"/>
+                  <a:pt x="4480236" y="373515"/>
+                </a:cubicBezTo>
+                <a:cubicBezTo>
+                  <a:pt x="4478694" y="381223"/>
+                  <a:pt x="4475612" y="390471"/>
+                  <a:pt x="4474071" y="398176"/>
+                </a:cubicBezTo>
+                <a:cubicBezTo>
+                  <a:pt x="4466362" y="432087"/>
+                  <a:pt x="4458657" y="465997"/>
+                  <a:pt x="4450950" y="498367"/>
+                </a:cubicBezTo>
+                <a:cubicBezTo>
+                  <a:pt x="4444783" y="506073"/>
+                  <a:pt x="4440160" y="516863"/>
+                  <a:pt x="4440161" y="527652"/>
+                </a:cubicBezTo>
+                <a:cubicBezTo>
+                  <a:pt x="4440160" y="532277"/>
+                  <a:pt x="4440160" y="535360"/>
+                  <a:pt x="4441700" y="539983"/>
+                </a:cubicBezTo>
+                <a:cubicBezTo>
+                  <a:pt x="4440161" y="547691"/>
+                  <a:pt x="4438618" y="555397"/>
+                  <a:pt x="4437078" y="561562"/>
+                </a:cubicBezTo>
+                <a:cubicBezTo>
+                  <a:pt x="4435535" y="566187"/>
+                  <a:pt x="4433995" y="570810"/>
+                  <a:pt x="4433995" y="576976"/>
+                </a:cubicBezTo>
+                <a:cubicBezTo>
+                  <a:pt x="4433995" y="576976"/>
+                  <a:pt x="4433994" y="578519"/>
+                  <a:pt x="4433994" y="578519"/>
+                </a:cubicBezTo>
+                <a:cubicBezTo>
+                  <a:pt x="4417039" y="674083"/>
+                  <a:pt x="4407790" y="755776"/>
+                  <a:pt x="4413956" y="797393"/>
+                </a:cubicBezTo>
+                <a:cubicBezTo>
+                  <a:pt x="4421664" y="846717"/>
+                  <a:pt x="4440160" y="929951"/>
+                  <a:pt x="4438619" y="996230"/>
+                </a:cubicBezTo>
+                <a:cubicBezTo>
+                  <a:pt x="4435535" y="1002395"/>
+                  <a:pt x="4433995" y="1008560"/>
+                  <a:pt x="4433995" y="1016268"/>
+                </a:cubicBezTo>
+                <a:cubicBezTo>
+                  <a:pt x="4433995" y="1019351"/>
+                  <a:pt x="4435536" y="1022434"/>
+                  <a:pt x="4435536" y="1025517"/>
+                </a:cubicBezTo>
+                <a:cubicBezTo>
+                  <a:pt x="4435536" y="1025517"/>
+                  <a:pt x="4435535" y="1027057"/>
+                  <a:pt x="4437078" y="1027057"/>
+                </a:cubicBezTo>
+                <a:cubicBezTo>
+                  <a:pt x="4435536" y="1034764"/>
+                  <a:pt x="4433994" y="1042471"/>
+                  <a:pt x="4432452" y="1048636"/>
+                </a:cubicBezTo>
+                <a:lnTo>
+                  <a:pt x="4413956" y="1085630"/>
+                </a:lnTo>
+                <a:cubicBezTo>
+                  <a:pt x="4369257" y="1164240"/>
+                  <a:pt x="4258278" y="1339957"/>
+                  <a:pt x="4196623" y="1389280"/>
+                </a:cubicBezTo>
+                <a:cubicBezTo>
+                  <a:pt x="4128802" y="1441687"/>
+                  <a:pt x="4062523" y="1538793"/>
+                  <a:pt x="4085645" y="1597365"/>
+                </a:cubicBezTo>
+                <a:cubicBezTo>
+                  <a:pt x="4119555" y="1660562"/>
+                  <a:pt x="4181210" y="1688307"/>
+                  <a:pt x="4216661" y="1697556"/>
+                </a:cubicBezTo>
+                <a:cubicBezTo>
+                  <a:pt x="4252112" y="1706804"/>
+                  <a:pt x="4275233" y="1779247"/>
+                  <a:pt x="4250571" y="1811617"/>
+                </a:cubicBezTo>
+                <a:cubicBezTo>
+                  <a:pt x="4225909" y="1843985"/>
+                  <a:pt x="4187375" y="1853233"/>
+                  <a:pt x="4173502" y="1888685"/>
+                </a:cubicBezTo>
+                <a:cubicBezTo>
+                  <a:pt x="4159630" y="1924137"/>
+                  <a:pt x="4153465" y="1998123"/>
+                  <a:pt x="4213578" y="2022784"/>
+                </a:cubicBezTo>
+                <a:cubicBezTo>
+                  <a:pt x="4259818" y="2041281"/>
+                  <a:pt x="4349219" y="2081356"/>
+                  <a:pt x="4347678" y="2090605"/>
+                </a:cubicBezTo>
+                <a:cubicBezTo>
+                  <a:pt x="4346136" y="2099853"/>
+                  <a:pt x="4250570" y="2107561"/>
+                  <a:pt x="4233616" y="2138388"/>
+                </a:cubicBezTo>
+                <a:cubicBezTo>
+                  <a:pt x="4216660" y="2169216"/>
+                  <a:pt x="4204330" y="2220080"/>
+                  <a:pt x="4227451" y="2258616"/>
+                </a:cubicBezTo>
+                <a:cubicBezTo>
+                  <a:pt x="4250571" y="2297149"/>
+                  <a:pt x="4332264" y="2292526"/>
+                  <a:pt x="4350761" y="2320270"/>
+                </a:cubicBezTo>
+                <a:cubicBezTo>
+                  <a:pt x="4381588" y="2371135"/>
+                  <a:pt x="4358466" y="2378843"/>
+                  <a:pt x="4333805" y="2462077"/>
+                </a:cubicBezTo>
+                <a:cubicBezTo>
+                  <a:pt x="4306060" y="2551476"/>
+                  <a:pt x="4302977" y="2650125"/>
+                  <a:pt x="4467905" y="2719486"/>
+                </a:cubicBezTo>
+                <a:cubicBezTo>
+                  <a:pt x="4562314" y="2758983"/>
+                  <a:pt x="4694054" y="2758743"/>
+                  <a:pt x="4800655" y="2748491"/>
+                </a:cubicBezTo>
+                <a:lnTo>
+                  <a:pt x="4838191" y="2744074"/>
+                </a:lnTo>
+                <a:lnTo>
+                  <a:pt x="4863823" y="2765476"/>
+                </a:lnTo>
+                <a:cubicBezTo>
+                  <a:pt x="4895578" y="2799449"/>
+                  <a:pt x="4917344" y="2847230"/>
+                  <a:pt x="4934321" y="2911083"/>
+                </a:cubicBezTo>
+                <a:cubicBezTo>
+                  <a:pt x="4945640" y="2953651"/>
+                  <a:pt x="4957371" y="3013267"/>
+                  <a:pt x="4964162" y="3074402"/>
+                </a:cubicBezTo>
+                <a:lnTo>
+                  <a:pt x="4967647" y="3128874"/>
+                </a:lnTo>
+                <a:lnTo>
+                  <a:pt x="4465138" y="3128874"/>
+                </a:lnTo>
+                <a:lnTo>
+                  <a:pt x="4465138" y="3127460"/>
+                </a:lnTo>
+                <a:lnTo>
+                  <a:pt x="3765314" y="3127460"/>
+                </a:lnTo>
+                <a:close/>
+                <a:moveTo>
+                  <a:pt x="1175459" y="0"/>
+                </a:moveTo>
+                <a:lnTo>
+                  <a:pt x="2229594" y="0"/>
+                </a:lnTo>
+                <a:lnTo>
+                  <a:pt x="3404781" y="3127460"/>
+                </a:lnTo>
+                <a:lnTo>
+                  <a:pt x="2392789" y="3127460"/>
+                </a:lnTo>
+                <a:lnTo>
+                  <a:pt x="2236317" y="2611186"/>
+                </a:lnTo>
+                <a:lnTo>
+                  <a:pt x="1139165" y="2611186"/>
+                </a:lnTo>
+                <a:lnTo>
+                  <a:pt x="986721" y="3127460"/>
+                </a:lnTo>
+                <a:lnTo>
+                  <a:pt x="0" y="3127460"/>
+                </a:lnTo>
+                <a:close/>
+              </a:path>
+            </a:pathLst>
+          </a:custGeom>
+          <a:solidFill>
+            <a:srgbClr val="002060"/>
+          </a:solidFill>
+          <a:ln>
+            <a:noFill/>
+          </a:ln>
+        </p:spPr>
+        <p:style>
+          <a:lnRef idx="2">
+            <a:schemeClr val="accent1">
+              <a:shade val="50000"/>
+            </a:schemeClr>
+          </a:lnRef>
+          <a:fillRef idx="1">
+            <a:schemeClr val="accent1"/>
+          </a:fillRef>
+          <a:effectRef idx="0">
+            <a:schemeClr val="accent1"/>
+          </a:effectRef>
+          <a:fontRef idx="minor">
+            <a:schemeClr val="lt1"/>
+          </a:fontRef>
+        </p:style>
+        <p:txBody>
+          <a:bodyPr rtlCol="0" anchor="ctr"/>
+          <a:lstStyle/>
+          <a:p>
+            <a:pPr algn="ctr"/>
+            <a:endParaRPr lang="en-US"/>
+          </a:p>
+        </p:txBody>
+      </p:sp>
+      <p:sp>
+        <p:nvSpPr>
+          <p:cNvPr id="2" name="Rechteck 1">
+            <a:extLst>
+              <a:ext uri="{FF2B5EF4-FFF2-40B4-BE49-F238E27FC236}">
+                <a16:creationId xmlns:a16="http://schemas.microsoft.com/office/drawing/2014/main" id="{96AA9A24-87CF-4FD9-A062-3E8FD5FCE155}"/>
+              </a:ext>
+            </a:extLst>
+          </p:cNvPr>
+          <p:cNvSpPr/>
+          <p:nvPr/>
+        </p:nvSpPr>
+        <p:spPr>
+          <a:xfrm>
+            <a:off x="-39394" y="6497053"/>
+            <a:ext cx="12270787" cy="425115"/>
+          </a:xfrm>
+          <a:prstGeom prst="rect">
+            <a:avLst/>
+          </a:prstGeom>
+          <a:solidFill>
+            <a:srgbClr val="AA313F"/>
+          </a:solidFill>
+          <a:ln>
+            <a:noFill/>
+          </a:ln>
+        </p:spPr>
+        <p:style>
+          <a:lnRef idx="2">
+            <a:schemeClr val="accent1">
+              <a:shade val="50000"/>
+            </a:schemeClr>
+          </a:lnRef>
+          <a:fillRef idx="1">
+            <a:schemeClr val="accent1"/>
+          </a:fillRef>
+          <a:effectRef idx="0">
+            <a:schemeClr val="accent1"/>
+          </a:effectRef>
+          <a:fontRef idx="minor">
+            <a:schemeClr val="lt1"/>
+          </a:fontRef>
+        </p:style>
+        <p:txBody>
+          <a:bodyPr rtlCol="0" anchor="ctr"/>
+          <a:lstStyle/>
+          <a:p>
+            <a:pPr algn="ctr"/>
+            <a:endParaRPr lang="de-DE"/>
+          </a:p>
+        </p:txBody>
+      </p:sp>
+    </p:spTree>
+    <p:extLst>
+      <p:ext uri="{BB962C8B-B14F-4D97-AF65-F5344CB8AC3E}">
+        <p14:creationId xmlns:p14="http://schemas.microsoft.com/office/powerpoint/2010/main" val="3413826450"/>
       </p:ext>
     </p:extLst>
   </p:cSld>

--- a/Präsentation_Vorlage.pptx
+++ b/Präsentation_Vorlage.pptx
@@ -6682,7 +6682,7 @@
               <a:rPr lang="de-DE" dirty="0">
                 <a:latin typeface="Bahnschrift SemiLight" panose="020B0502040204020203" pitchFamily="34" charset="0"/>
               </a:rPr>
-              <a:t>3 Maschinelle Lernverfahren</a:t>
+              <a:t>3 Maschinelle Lernverfahren:</a:t>
             </a:r>
           </a:p>
           <a:p>
@@ -6756,19 +6756,19 @@
         </p:nvSpPr>
         <p:spPr>
           <a:xfrm>
-            <a:off x="1983935" y="380280"/>
-            <a:ext cx="8066002" cy="681077"/>
+            <a:off x="1590904" y="240634"/>
+            <a:ext cx="8066002" cy="1018672"/>
           </a:xfrm>
         </p:spPr>
         <p:txBody>
           <a:bodyPr>
-            <a:normAutofit fontScale="85000" lnSpcReduction="20000"/>
+            <a:normAutofit/>
           </a:bodyPr>
           <a:lstStyle/>
           <a:p>
             <a:pPr algn="ctr"/>
             <a:r>
-              <a:rPr lang="de-DE" sz="5400" b="1" dirty="0">
+              <a:rPr lang="de-DE" sz="4600" b="1" dirty="0">
                 <a:ln w="12700">
                   <a:noFill/>
                 </a:ln>
@@ -6776,9 +6776,9 @@
                 <a:ea typeface="CMU Serif" panose="02000803000000000000" pitchFamily="2" charset="0"/>
                 <a:cs typeface="CMU Serif" panose="02000803000000000000" pitchFamily="2" charset="0"/>
               </a:rPr>
-              <a:t>Titel</a:t>
+              <a:t>Datensatz</a:t>
             </a:r>
-            <a:endParaRPr lang="en-US" b="1" dirty="0">
+            <a:endParaRPr lang="en-US" sz="4600" b="1" dirty="0">
               <a:ln w="12700">
                 <a:noFill/>
               </a:ln>
@@ -6789,6 +6789,886 @@
           </a:p>
         </p:txBody>
       </p:sp>
+      <p:sp>
+        <p:nvSpPr>
+          <p:cNvPr id="3" name="Textfeld 2">
+            <a:extLst>
+              <a:ext uri="{FF2B5EF4-FFF2-40B4-BE49-F238E27FC236}">
+                <a16:creationId xmlns:a16="http://schemas.microsoft.com/office/drawing/2014/main" id="{E5CD1534-88B0-4789-9729-6F86E25FDDF8}"/>
+              </a:ext>
+            </a:extLst>
+          </p:cNvPr>
+          <p:cNvSpPr txBox="1"/>
+          <p:nvPr/>
+        </p:nvSpPr>
+        <p:spPr>
+          <a:xfrm>
+            <a:off x="596136" y="1539053"/>
+            <a:ext cx="10999727" cy="5078313"/>
+          </a:xfrm>
+          <a:prstGeom prst="rect">
+            <a:avLst/>
+          </a:prstGeom>
+          <a:noFill/>
+        </p:spPr>
+        <p:txBody>
+          <a:bodyPr wrap="square" rtlCol="0">
+            <a:spAutoFit/>
+          </a:bodyPr>
+          <a:lstStyle/>
+          <a:p>
+            <a:pPr marL="285750" indent="-285750">
+              <a:buFont typeface="Arial" panose="020B0604020202020204" pitchFamily="34" charset="0"/>
+              <a:buChar char="•"/>
+            </a:pPr>
+            <a:r>
+              <a:rPr lang="de-DE" dirty="0">
+                <a:latin typeface="Bahnschrift SemiLight" panose="020B0502040204020203" pitchFamily="34" charset="0"/>
+              </a:rPr>
+              <a:t>Der Datensatz wurde unter </a:t>
+            </a:r>
+            <a:r>
+              <a:rPr lang="de-DE" dirty="0">
+                <a:latin typeface="Bahnschrift SemiLight" panose="020B0502040204020203" pitchFamily="34" charset="0"/>
+                <a:hlinkClick r:id="rId2"/>
+              </a:rPr>
+              <a:t>https://www.kaggle.com/datasets/yaminh/german-car-insights</a:t>
+            </a:r>
+            <a:r>
+              <a:rPr lang="de-DE" dirty="0">
+                <a:latin typeface="Bahnschrift SemiLight" panose="020B0502040204020203" pitchFamily="34" charset="0"/>
+              </a:rPr>
+              <a:t> heruntergeladen.</a:t>
+            </a:r>
+          </a:p>
+          <a:p>
+            <a:pPr marL="285750" indent="-285750">
+              <a:buFont typeface="Arial" panose="020B0604020202020204" pitchFamily="34" charset="0"/>
+              <a:buChar char="•"/>
+            </a:pPr>
+            <a:r>
+              <a:rPr lang="de-DE" dirty="0">
+                <a:latin typeface="Bahnschrift SemiLight" panose="020B0502040204020203" pitchFamily="34" charset="0"/>
+              </a:rPr>
+              <a:t>Beinhaltet 100.000 Einträge zu Gebrauchtwagen auf dem deutschen Markt zwischen den Jahren    1995-2023</a:t>
+            </a:r>
+          </a:p>
+          <a:p>
+            <a:endParaRPr lang="de-DE" dirty="0">
+              <a:latin typeface="Bahnschrift SemiLight" panose="020B0502040204020203" pitchFamily="34" charset="0"/>
+            </a:endParaRPr>
+          </a:p>
+          <a:p>
+            <a:pPr marL="285750" indent="-285750">
+              <a:buFont typeface="Arial" panose="020B0604020202020204" pitchFamily="34" charset="0"/>
+              <a:buChar char="•"/>
+            </a:pPr>
+            <a:endParaRPr lang="de-DE" dirty="0">
+              <a:latin typeface="Bahnschrift SemiLight" panose="020B0502040204020203" pitchFamily="34" charset="0"/>
+            </a:endParaRPr>
+          </a:p>
+          <a:p>
+            <a:pPr marL="285750" indent="-285750">
+              <a:buFont typeface="Arial" panose="020B0604020202020204" pitchFamily="34" charset="0"/>
+              <a:buChar char="•"/>
+            </a:pPr>
+            <a:endParaRPr lang="de-DE" dirty="0">
+              <a:latin typeface="Bahnschrift SemiLight" panose="020B0502040204020203" pitchFamily="34" charset="0"/>
+            </a:endParaRPr>
+          </a:p>
+          <a:p>
+            <a:pPr marL="285750" indent="-285750">
+              <a:buFont typeface="Arial" panose="020B0604020202020204" pitchFamily="34" charset="0"/>
+              <a:buChar char="•"/>
+            </a:pPr>
+            <a:endParaRPr lang="de-DE" dirty="0">
+              <a:latin typeface="Bahnschrift SemiLight" panose="020B0502040204020203" pitchFamily="34" charset="0"/>
+            </a:endParaRPr>
+          </a:p>
+          <a:p>
+            <a:pPr marL="285750" indent="-285750">
+              <a:buFont typeface="Arial" panose="020B0604020202020204" pitchFamily="34" charset="0"/>
+              <a:buChar char="•"/>
+            </a:pPr>
+            <a:endParaRPr lang="de-DE" dirty="0">
+              <a:latin typeface="Bahnschrift SemiLight" panose="020B0502040204020203" pitchFamily="34" charset="0"/>
+            </a:endParaRPr>
+          </a:p>
+          <a:p>
+            <a:pPr marL="285750" indent="-285750">
+              <a:buFont typeface="Arial" panose="020B0604020202020204" pitchFamily="34" charset="0"/>
+              <a:buChar char="•"/>
+            </a:pPr>
+            <a:endParaRPr lang="de-DE" dirty="0">
+              <a:latin typeface="Bahnschrift SemiLight" panose="020B0502040204020203" pitchFamily="34" charset="0"/>
+            </a:endParaRPr>
+          </a:p>
+          <a:p>
+            <a:pPr marL="285750" indent="-285750">
+              <a:buFont typeface="Arial" panose="020B0604020202020204" pitchFamily="34" charset="0"/>
+              <a:buChar char="•"/>
+            </a:pPr>
+            <a:endParaRPr lang="de-DE" dirty="0">
+              <a:latin typeface="Bahnschrift SemiLight" panose="020B0502040204020203" pitchFamily="34" charset="0"/>
+            </a:endParaRPr>
+          </a:p>
+          <a:p>
+            <a:pPr marL="285750" indent="-285750">
+              <a:buFont typeface="Arial" panose="020B0604020202020204" pitchFamily="34" charset="0"/>
+              <a:buChar char="•"/>
+            </a:pPr>
+            <a:endParaRPr lang="de-DE" dirty="0">
+              <a:latin typeface="Bahnschrift SemiLight" panose="020B0502040204020203" pitchFamily="34" charset="0"/>
+            </a:endParaRPr>
+          </a:p>
+          <a:p>
+            <a:pPr marL="285750" indent="-285750">
+              <a:buFont typeface="Arial" panose="020B0604020202020204" pitchFamily="34" charset="0"/>
+              <a:buChar char="•"/>
+            </a:pPr>
+            <a:endParaRPr lang="de-DE" dirty="0">
+              <a:latin typeface="Bahnschrift SemiLight" panose="020B0502040204020203" pitchFamily="34" charset="0"/>
+            </a:endParaRPr>
+          </a:p>
+          <a:p>
+            <a:pPr marL="285750" indent="-285750">
+              <a:buFont typeface="Arial" panose="020B0604020202020204" pitchFamily="34" charset="0"/>
+              <a:buChar char="•"/>
+            </a:pPr>
+            <a:endParaRPr lang="de-DE" dirty="0">
+              <a:latin typeface="Bahnschrift SemiLight" panose="020B0502040204020203" pitchFamily="34" charset="0"/>
+            </a:endParaRPr>
+          </a:p>
+          <a:p>
+            <a:pPr marL="285750" indent="-285750">
+              <a:buFont typeface="Arial" panose="020B0604020202020204" pitchFamily="34" charset="0"/>
+              <a:buChar char="•"/>
+            </a:pPr>
+            <a:endParaRPr lang="de-DE" dirty="0">
+              <a:latin typeface="Bahnschrift SemiLight" panose="020B0502040204020203" pitchFamily="34" charset="0"/>
+            </a:endParaRPr>
+          </a:p>
+          <a:p>
+            <a:pPr marL="285750" indent="-285750">
+              <a:buFont typeface="Arial" panose="020B0604020202020204" pitchFamily="34" charset="0"/>
+              <a:buChar char="•"/>
+            </a:pPr>
+            <a:endParaRPr lang="de-DE" dirty="0">
+              <a:latin typeface="Bahnschrift SemiLight" panose="020B0502040204020203" pitchFamily="34" charset="0"/>
+            </a:endParaRPr>
+          </a:p>
+          <a:p>
+            <a:pPr marL="285750" indent="-285750">
+              <a:buFont typeface="Arial" panose="020B0604020202020204" pitchFamily="34" charset="0"/>
+              <a:buChar char="•"/>
+            </a:pPr>
+            <a:r>
+              <a:rPr lang="de-DE" b="1" dirty="0">
+                <a:latin typeface="Bahnschrift SemiLight" panose="020B0502040204020203" pitchFamily="34" charset="0"/>
+              </a:rPr>
+              <a:t>Use Cases: </a:t>
+            </a:r>
+            <a:r>
+              <a:rPr lang="de-DE" dirty="0">
+                <a:latin typeface="Bahnschrift SemiLight" panose="020B0502040204020203" pitchFamily="34" charset="0"/>
+              </a:rPr>
+              <a:t>Trendanalyse der Automobilindustrie, Realistische Preiseinschätzung eines Gebrauchtwagens</a:t>
+            </a:r>
+            <a:endParaRPr lang="de-DE" b="1" dirty="0">
+              <a:latin typeface="Bahnschrift SemiLight" panose="020B0502040204020203" pitchFamily="34" charset="0"/>
+            </a:endParaRPr>
+          </a:p>
+        </p:txBody>
+      </p:sp>
+      <p:graphicFrame>
+        <p:nvGraphicFramePr>
+          <p:cNvPr id="4" name="Tabelle 4">
+            <a:extLst>
+              <a:ext uri="{FF2B5EF4-FFF2-40B4-BE49-F238E27FC236}">
+                <a16:creationId xmlns:a16="http://schemas.microsoft.com/office/drawing/2014/main" id="{E713FFF1-A9C6-4492-AD6C-C6F3814A06DD}"/>
+              </a:ext>
+            </a:extLst>
+          </p:cNvPr>
+          <p:cNvGraphicFramePr>
+            <a:graphicFrameLocks noGrp="1"/>
+          </p:cNvGraphicFramePr>
+          <p:nvPr>
+            <p:extLst>
+              <p:ext uri="{D42A27DB-BD31-4B8C-83A1-F6EECF244321}">
+                <p14:modId xmlns:p14="http://schemas.microsoft.com/office/powerpoint/2010/main" val="3703096268"/>
+              </p:ext>
+            </p:extLst>
+          </p:nvPr>
+        </p:nvGraphicFramePr>
+        <p:xfrm>
+          <a:off x="935597" y="2885619"/>
+          <a:ext cx="4406424" cy="2972512"/>
+        </p:xfrm>
+        <a:graphic>
+          <a:graphicData uri="http://schemas.openxmlformats.org/drawingml/2006/table">
+            <a:tbl>
+              <a:tblPr firstRow="1" bandRow="1">
+                <a:tableStyleId>{5C22544A-7EE6-4342-B048-85BDC9FD1C3A}</a:tableStyleId>
+              </a:tblPr>
+              <a:tblGrid>
+                <a:gridCol w="2203212">
+                  <a:extLst>
+                    <a:ext uri="{9D8B030D-6E8A-4147-A177-3AD203B41FA5}">
+                      <a16:colId xmlns:a16="http://schemas.microsoft.com/office/drawing/2014/main" val="3252619035"/>
+                    </a:ext>
+                  </a:extLst>
+                </a:gridCol>
+                <a:gridCol w="2203212">
+                  <a:extLst>
+                    <a:ext uri="{9D8B030D-6E8A-4147-A177-3AD203B41FA5}">
+                      <a16:colId xmlns:a16="http://schemas.microsoft.com/office/drawing/2014/main" val="865412684"/>
+                    </a:ext>
+                  </a:extLst>
+                </a:gridCol>
+              </a:tblGrid>
+              <a:tr h="376632">
+                <a:tc>
+                  <a:txBody>
+                    <a:bodyPr/>
+                    <a:lstStyle/>
+                    <a:p>
+                      <a:pPr algn="ctr"/>
+                      <a:r>
+                        <a:rPr lang="de-DE" dirty="0"/>
+                        <a:t>Variable</a:t>
+                      </a:r>
+                    </a:p>
+                  </a:txBody>
+                  <a:tcPr/>
+                </a:tc>
+                <a:tc>
+                  <a:txBody>
+                    <a:bodyPr/>
+                    <a:lstStyle/>
+                    <a:p>
+                      <a:pPr algn="ctr"/>
+                      <a:r>
+                        <a:rPr lang="de-DE" dirty="0"/>
+                        <a:t>Typ</a:t>
+                      </a:r>
+                    </a:p>
+                  </a:txBody>
+                  <a:tcPr/>
+                </a:tc>
+                <a:extLst>
+                  <a:ext uri="{0D108BD9-81ED-4DB2-BD59-A6C34878D82A}">
+                    <a16:rowId xmlns:a16="http://schemas.microsoft.com/office/drawing/2014/main" val="3448095639"/>
+                  </a:ext>
+                </a:extLst>
+              </a:tr>
+              <a:tr h="370840">
+                <a:tc>
+                  <a:txBody>
+                    <a:bodyPr/>
+                    <a:lstStyle/>
+                    <a:p>
+                      <a:r>
+                        <a:rPr lang="de-DE" dirty="0" err="1"/>
+                        <a:t>Unnamed</a:t>
+                      </a:r>
+                      <a:r>
+                        <a:rPr lang="de-DE" dirty="0"/>
+                        <a:t>: 0</a:t>
+                      </a:r>
+                    </a:p>
+                  </a:txBody>
+                  <a:tcPr/>
+                </a:tc>
+                <a:tc>
+                  <a:txBody>
+                    <a:bodyPr/>
+                    <a:lstStyle/>
+                    <a:p>
+                      <a:r>
+                        <a:rPr lang="de-DE" dirty="0" err="1"/>
+                        <a:t>Int</a:t>
+                      </a:r>
+                      <a:endParaRPr lang="de-DE" dirty="0"/>
+                    </a:p>
+                  </a:txBody>
+                  <a:tcPr/>
+                </a:tc>
+                <a:extLst>
+                  <a:ext uri="{0D108BD9-81ED-4DB2-BD59-A6C34878D82A}">
+                    <a16:rowId xmlns:a16="http://schemas.microsoft.com/office/drawing/2014/main" val="83874143"/>
+                  </a:ext>
+                </a:extLst>
+              </a:tr>
+              <a:tr h="370840">
+                <a:tc>
+                  <a:txBody>
+                    <a:bodyPr/>
+                    <a:lstStyle/>
+                    <a:p>
+                      <a:r>
+                        <a:rPr lang="de-DE" dirty="0"/>
+                        <a:t>Brand</a:t>
+                      </a:r>
+                    </a:p>
+                  </a:txBody>
+                  <a:tcPr/>
+                </a:tc>
+                <a:tc>
+                  <a:txBody>
+                    <a:bodyPr/>
+                    <a:lstStyle/>
+                    <a:p>
+                      <a:r>
+                        <a:rPr lang="de-DE" dirty="0" err="1"/>
+                        <a:t>Factor</a:t>
+                      </a:r>
+                      <a:endParaRPr lang="de-DE" dirty="0"/>
+                    </a:p>
+                  </a:txBody>
+                  <a:tcPr/>
+                </a:tc>
+                <a:extLst>
+                  <a:ext uri="{0D108BD9-81ED-4DB2-BD59-A6C34878D82A}">
+                    <a16:rowId xmlns:a16="http://schemas.microsoft.com/office/drawing/2014/main" val="4272205614"/>
+                  </a:ext>
+                </a:extLst>
+              </a:tr>
+              <a:tr h="370840">
+                <a:tc>
+                  <a:txBody>
+                    <a:bodyPr/>
+                    <a:lstStyle/>
+                    <a:p>
+                      <a:r>
+                        <a:rPr lang="de-DE" dirty="0"/>
+                        <a:t>Model</a:t>
+                      </a:r>
+                    </a:p>
+                  </a:txBody>
+                  <a:tcPr/>
+                </a:tc>
+                <a:tc>
+                  <a:txBody>
+                    <a:bodyPr/>
+                    <a:lstStyle/>
+                    <a:p>
+                      <a:r>
+                        <a:rPr lang="de-DE" dirty="0" err="1"/>
+                        <a:t>Factor</a:t>
+                      </a:r>
+                      <a:endParaRPr lang="de-DE" dirty="0"/>
+                    </a:p>
+                  </a:txBody>
+                  <a:tcPr/>
+                </a:tc>
+                <a:extLst>
+                  <a:ext uri="{0D108BD9-81ED-4DB2-BD59-A6C34878D82A}">
+                    <a16:rowId xmlns:a16="http://schemas.microsoft.com/office/drawing/2014/main" val="1628455890"/>
+                  </a:ext>
+                </a:extLst>
+              </a:tr>
+              <a:tr h="370840">
+                <a:tc>
+                  <a:txBody>
+                    <a:bodyPr/>
+                    <a:lstStyle/>
+                    <a:p>
+                      <a:r>
+                        <a:rPr lang="de-DE" dirty="0"/>
+                        <a:t>Color</a:t>
+                      </a:r>
+                    </a:p>
+                  </a:txBody>
+                  <a:tcPr/>
+                </a:tc>
+                <a:tc>
+                  <a:txBody>
+                    <a:bodyPr/>
+                    <a:lstStyle/>
+                    <a:p>
+                      <a:r>
+                        <a:rPr lang="de-DE" dirty="0" err="1"/>
+                        <a:t>Factor</a:t>
+                      </a:r>
+                      <a:endParaRPr lang="de-DE" dirty="0"/>
+                    </a:p>
+                  </a:txBody>
+                  <a:tcPr/>
+                </a:tc>
+                <a:extLst>
+                  <a:ext uri="{0D108BD9-81ED-4DB2-BD59-A6C34878D82A}">
+                    <a16:rowId xmlns:a16="http://schemas.microsoft.com/office/drawing/2014/main" val="1099671739"/>
+                  </a:ext>
+                </a:extLst>
+              </a:tr>
+              <a:tr h="370840">
+                <a:tc>
+                  <a:txBody>
+                    <a:bodyPr/>
+                    <a:lstStyle/>
+                    <a:p>
+                      <a:r>
+                        <a:rPr lang="de-DE" dirty="0" err="1"/>
+                        <a:t>Registration_date</a:t>
+                      </a:r>
+                      <a:endParaRPr lang="de-DE" dirty="0"/>
+                    </a:p>
+                  </a:txBody>
+                  <a:tcPr/>
+                </a:tc>
+                <a:tc>
+                  <a:txBody>
+                    <a:bodyPr/>
+                    <a:lstStyle/>
+                    <a:p>
+                      <a:r>
+                        <a:rPr lang="de-DE" dirty="0"/>
+                        <a:t>String</a:t>
+                      </a:r>
+                    </a:p>
+                  </a:txBody>
+                  <a:tcPr/>
+                </a:tc>
+                <a:extLst>
+                  <a:ext uri="{0D108BD9-81ED-4DB2-BD59-A6C34878D82A}">
+                    <a16:rowId xmlns:a16="http://schemas.microsoft.com/office/drawing/2014/main" val="383747894"/>
+                  </a:ext>
+                </a:extLst>
+              </a:tr>
+              <a:tr h="370840">
+                <a:tc>
+                  <a:txBody>
+                    <a:bodyPr/>
+                    <a:lstStyle/>
+                    <a:p>
+                      <a:r>
+                        <a:rPr lang="de-DE" dirty="0"/>
+                        <a:t>Year</a:t>
+                      </a:r>
+                    </a:p>
+                  </a:txBody>
+                  <a:tcPr/>
+                </a:tc>
+                <a:tc>
+                  <a:txBody>
+                    <a:bodyPr/>
+                    <a:lstStyle/>
+                    <a:p>
+                      <a:r>
+                        <a:rPr lang="de-DE" dirty="0" err="1"/>
+                        <a:t>Int</a:t>
+                      </a:r>
+                      <a:endParaRPr lang="de-DE" dirty="0"/>
+                    </a:p>
+                  </a:txBody>
+                  <a:tcPr/>
+                </a:tc>
+                <a:extLst>
+                  <a:ext uri="{0D108BD9-81ED-4DB2-BD59-A6C34878D82A}">
+                    <a16:rowId xmlns:a16="http://schemas.microsoft.com/office/drawing/2014/main" val="2123247223"/>
+                  </a:ext>
+                </a:extLst>
+              </a:tr>
+              <a:tr h="370840">
+                <a:tc>
+                  <a:txBody>
+                    <a:bodyPr/>
+                    <a:lstStyle/>
+                    <a:p>
+                      <a:r>
+                        <a:rPr lang="de-DE" dirty="0" err="1"/>
+                        <a:t>Price_in_euro</a:t>
+                      </a:r>
+                      <a:endParaRPr lang="de-DE" dirty="0"/>
+                    </a:p>
+                  </a:txBody>
+                  <a:tcPr/>
+                </a:tc>
+                <a:tc>
+                  <a:txBody>
+                    <a:bodyPr/>
+                    <a:lstStyle/>
+                    <a:p>
+                      <a:r>
+                        <a:rPr lang="de-DE" dirty="0" err="1"/>
+                        <a:t>Int</a:t>
+                      </a:r>
+                      <a:endParaRPr lang="de-DE" dirty="0"/>
+                    </a:p>
+                  </a:txBody>
+                  <a:tcPr/>
+                </a:tc>
+                <a:extLst>
+                  <a:ext uri="{0D108BD9-81ED-4DB2-BD59-A6C34878D82A}">
+                    <a16:rowId xmlns:a16="http://schemas.microsoft.com/office/drawing/2014/main" val="1056082822"/>
+                  </a:ext>
+                </a:extLst>
+              </a:tr>
+            </a:tbl>
+          </a:graphicData>
+        </a:graphic>
+      </p:graphicFrame>
+      <p:graphicFrame>
+        <p:nvGraphicFramePr>
+          <p:cNvPr id="5" name="Tabelle 5">
+            <a:extLst>
+              <a:ext uri="{FF2B5EF4-FFF2-40B4-BE49-F238E27FC236}">
+                <a16:creationId xmlns:a16="http://schemas.microsoft.com/office/drawing/2014/main" id="{E2B7D954-603E-4AB1-8D4D-14C1CC1378ED}"/>
+              </a:ext>
+            </a:extLst>
+          </p:cNvPr>
+          <p:cNvGraphicFramePr>
+            <a:graphicFrameLocks noGrp="1"/>
+          </p:cNvGraphicFramePr>
+          <p:nvPr>
+            <p:extLst>
+              <p:ext uri="{D42A27DB-BD31-4B8C-83A1-F6EECF244321}">
+                <p14:modId xmlns:p14="http://schemas.microsoft.com/office/powerpoint/2010/main" val="608124363"/>
+              </p:ext>
+            </p:extLst>
+          </p:nvPr>
+        </p:nvGraphicFramePr>
+        <p:xfrm>
+          <a:off x="6058616" y="2520571"/>
+          <a:ext cx="4820652" cy="3337560"/>
+        </p:xfrm>
+        <a:graphic>
+          <a:graphicData uri="http://schemas.openxmlformats.org/drawingml/2006/table">
+            <a:tbl>
+              <a:tblPr firstRow="1" bandRow="1">
+                <a:tableStyleId>{5C22544A-7EE6-4342-B048-85BDC9FD1C3A}</a:tableStyleId>
+              </a:tblPr>
+              <a:tblGrid>
+                <a:gridCol w="3368654">
+                  <a:extLst>
+                    <a:ext uri="{9D8B030D-6E8A-4147-A177-3AD203B41FA5}">
+                      <a16:colId xmlns:a16="http://schemas.microsoft.com/office/drawing/2014/main" val="2113753867"/>
+                    </a:ext>
+                  </a:extLst>
+                </a:gridCol>
+                <a:gridCol w="1451998">
+                  <a:extLst>
+                    <a:ext uri="{9D8B030D-6E8A-4147-A177-3AD203B41FA5}">
+                      <a16:colId xmlns:a16="http://schemas.microsoft.com/office/drawing/2014/main" val="2633606079"/>
+                    </a:ext>
+                  </a:extLst>
+                </a:gridCol>
+              </a:tblGrid>
+              <a:tr h="370840">
+                <a:tc>
+                  <a:txBody>
+                    <a:bodyPr/>
+                    <a:lstStyle/>
+                    <a:p>
+                      <a:pPr algn="ctr"/>
+                      <a:r>
+                        <a:rPr lang="de-DE" i="0" dirty="0"/>
+                        <a:t>Variable</a:t>
+                      </a:r>
+                    </a:p>
+                  </a:txBody>
+                  <a:tcPr/>
+                </a:tc>
+                <a:tc>
+                  <a:txBody>
+                    <a:bodyPr/>
+                    <a:lstStyle/>
+                    <a:p>
+                      <a:pPr algn="ctr"/>
+                      <a:r>
+                        <a:rPr lang="de-DE" i="0" dirty="0"/>
+                        <a:t>Typ</a:t>
+                      </a:r>
+                    </a:p>
+                  </a:txBody>
+                  <a:tcPr/>
+                </a:tc>
+                <a:extLst>
+                  <a:ext uri="{0D108BD9-81ED-4DB2-BD59-A6C34878D82A}">
+                    <a16:rowId xmlns:a16="http://schemas.microsoft.com/office/drawing/2014/main" val="1622309611"/>
+                  </a:ext>
+                </a:extLst>
+              </a:tr>
+              <a:tr h="370840">
+                <a:tc>
+                  <a:txBody>
+                    <a:bodyPr/>
+                    <a:lstStyle/>
+                    <a:p>
+                      <a:r>
+                        <a:rPr lang="de-DE" dirty="0" err="1"/>
+                        <a:t>Power_kw</a:t>
+                      </a:r>
+                      <a:endParaRPr lang="de-DE" dirty="0"/>
+                    </a:p>
+                  </a:txBody>
+                  <a:tcPr/>
+                </a:tc>
+                <a:tc>
+                  <a:txBody>
+                    <a:bodyPr/>
+                    <a:lstStyle/>
+                    <a:p>
+                      <a:r>
+                        <a:rPr lang="de-DE" dirty="0" err="1"/>
+                        <a:t>Int</a:t>
+                      </a:r>
+                      <a:endParaRPr lang="de-DE" dirty="0"/>
+                    </a:p>
+                  </a:txBody>
+                  <a:tcPr/>
+                </a:tc>
+                <a:extLst>
+                  <a:ext uri="{0D108BD9-81ED-4DB2-BD59-A6C34878D82A}">
+                    <a16:rowId xmlns:a16="http://schemas.microsoft.com/office/drawing/2014/main" val="3273059273"/>
+                  </a:ext>
+                </a:extLst>
+              </a:tr>
+              <a:tr h="370840">
+                <a:tc>
+                  <a:txBody>
+                    <a:bodyPr/>
+                    <a:lstStyle/>
+                    <a:p>
+                      <a:r>
+                        <a:rPr lang="de-DE" dirty="0" err="1"/>
+                        <a:t>Power_ps</a:t>
+                      </a:r>
+                      <a:endParaRPr lang="de-DE" dirty="0"/>
+                    </a:p>
+                  </a:txBody>
+                  <a:tcPr/>
+                </a:tc>
+                <a:tc>
+                  <a:txBody>
+                    <a:bodyPr/>
+                    <a:lstStyle/>
+                    <a:p>
+                      <a:r>
+                        <a:rPr lang="de-DE" dirty="0" err="1"/>
+                        <a:t>Int</a:t>
+                      </a:r>
+                      <a:endParaRPr lang="de-DE" dirty="0"/>
+                    </a:p>
+                  </a:txBody>
+                  <a:tcPr/>
+                </a:tc>
+                <a:extLst>
+                  <a:ext uri="{0D108BD9-81ED-4DB2-BD59-A6C34878D82A}">
+                    <a16:rowId xmlns:a16="http://schemas.microsoft.com/office/drawing/2014/main" val="3795066394"/>
+                  </a:ext>
+                </a:extLst>
+              </a:tr>
+              <a:tr h="370840">
+                <a:tc>
+                  <a:txBody>
+                    <a:bodyPr/>
+                    <a:lstStyle/>
+                    <a:p>
+                      <a:r>
+                        <a:rPr lang="de-DE" dirty="0" err="1"/>
+                        <a:t>Transmission_type</a:t>
+                      </a:r>
+                      <a:endParaRPr lang="de-DE" dirty="0"/>
+                    </a:p>
+                  </a:txBody>
+                  <a:tcPr/>
+                </a:tc>
+                <a:tc>
+                  <a:txBody>
+                    <a:bodyPr/>
+                    <a:lstStyle/>
+                    <a:p>
+                      <a:r>
+                        <a:rPr lang="de-DE" dirty="0" err="1"/>
+                        <a:t>Factor</a:t>
+                      </a:r>
+                      <a:endParaRPr lang="de-DE" dirty="0"/>
+                    </a:p>
+                  </a:txBody>
+                  <a:tcPr/>
+                </a:tc>
+                <a:extLst>
+                  <a:ext uri="{0D108BD9-81ED-4DB2-BD59-A6C34878D82A}">
+                    <a16:rowId xmlns:a16="http://schemas.microsoft.com/office/drawing/2014/main" val="2911105227"/>
+                  </a:ext>
+                </a:extLst>
+              </a:tr>
+              <a:tr h="370840">
+                <a:tc>
+                  <a:txBody>
+                    <a:bodyPr/>
+                    <a:lstStyle/>
+                    <a:p>
+                      <a:r>
+                        <a:rPr lang="de-DE" dirty="0" err="1"/>
+                        <a:t>Fuel_type</a:t>
+                      </a:r>
+                      <a:endParaRPr lang="de-DE" dirty="0"/>
+                    </a:p>
+                  </a:txBody>
+                  <a:tcPr/>
+                </a:tc>
+                <a:tc>
+                  <a:txBody>
+                    <a:bodyPr/>
+                    <a:lstStyle/>
+                    <a:p>
+                      <a:r>
+                        <a:rPr lang="de-DE" dirty="0" err="1"/>
+                        <a:t>Factor</a:t>
+                      </a:r>
+                      <a:endParaRPr lang="de-DE" dirty="0"/>
+                    </a:p>
+                  </a:txBody>
+                  <a:tcPr/>
+                </a:tc>
+                <a:extLst>
+                  <a:ext uri="{0D108BD9-81ED-4DB2-BD59-A6C34878D82A}">
+                    <a16:rowId xmlns:a16="http://schemas.microsoft.com/office/drawing/2014/main" val="2871991838"/>
+                  </a:ext>
+                </a:extLst>
+              </a:tr>
+              <a:tr h="370840">
+                <a:tc>
+                  <a:txBody>
+                    <a:bodyPr/>
+                    <a:lstStyle/>
+                    <a:p>
+                      <a:r>
+                        <a:rPr lang="de-DE" dirty="0"/>
+                        <a:t>Fuel_consumption_l_100km</a:t>
+                      </a:r>
+                    </a:p>
+                  </a:txBody>
+                  <a:tcPr/>
+                </a:tc>
+                <a:tc>
+                  <a:txBody>
+                    <a:bodyPr/>
+                    <a:lstStyle/>
+                    <a:p>
+                      <a:r>
+                        <a:rPr lang="de-DE" dirty="0"/>
+                        <a:t>String</a:t>
+                      </a:r>
+                    </a:p>
+                  </a:txBody>
+                  <a:tcPr/>
+                </a:tc>
+                <a:extLst>
+                  <a:ext uri="{0D108BD9-81ED-4DB2-BD59-A6C34878D82A}">
+                    <a16:rowId xmlns:a16="http://schemas.microsoft.com/office/drawing/2014/main" val="4193806802"/>
+                  </a:ext>
+                </a:extLst>
+              </a:tr>
+              <a:tr h="370840">
+                <a:tc>
+                  <a:txBody>
+                    <a:bodyPr/>
+                    <a:lstStyle/>
+                    <a:p>
+                      <a:r>
+                        <a:rPr lang="de-DE" dirty="0" err="1"/>
+                        <a:t>Fuel_consumption_g_km</a:t>
+                      </a:r>
+                      <a:endParaRPr lang="de-DE" dirty="0"/>
+                    </a:p>
+                  </a:txBody>
+                  <a:tcPr/>
+                </a:tc>
+                <a:tc>
+                  <a:txBody>
+                    <a:bodyPr/>
+                    <a:lstStyle/>
+                    <a:p>
+                      <a:r>
+                        <a:rPr lang="de-DE" dirty="0"/>
+                        <a:t>String</a:t>
+                      </a:r>
+                    </a:p>
+                  </a:txBody>
+                  <a:tcPr/>
+                </a:tc>
+                <a:extLst>
+                  <a:ext uri="{0D108BD9-81ED-4DB2-BD59-A6C34878D82A}">
+                    <a16:rowId xmlns:a16="http://schemas.microsoft.com/office/drawing/2014/main" val="1442880730"/>
+                  </a:ext>
+                </a:extLst>
+              </a:tr>
+              <a:tr h="370840">
+                <a:tc>
+                  <a:txBody>
+                    <a:bodyPr/>
+                    <a:lstStyle/>
+                    <a:p>
+                      <a:r>
+                        <a:rPr lang="de-DE" dirty="0" err="1"/>
+                        <a:t>Mileage_in_km</a:t>
+                      </a:r>
+                      <a:endParaRPr lang="de-DE" dirty="0"/>
+                    </a:p>
+                  </a:txBody>
+                  <a:tcPr/>
+                </a:tc>
+                <a:tc>
+                  <a:txBody>
+                    <a:bodyPr/>
+                    <a:lstStyle/>
+                    <a:p>
+                      <a:r>
+                        <a:rPr lang="de-DE" dirty="0" err="1"/>
+                        <a:t>Int</a:t>
+                      </a:r>
+                      <a:endParaRPr lang="de-DE" dirty="0"/>
+                    </a:p>
+                  </a:txBody>
+                  <a:tcPr/>
+                </a:tc>
+                <a:extLst>
+                  <a:ext uri="{0D108BD9-81ED-4DB2-BD59-A6C34878D82A}">
+                    <a16:rowId xmlns:a16="http://schemas.microsoft.com/office/drawing/2014/main" val="1908846476"/>
+                  </a:ext>
+                </a:extLst>
+              </a:tr>
+              <a:tr h="370840">
+                <a:tc>
+                  <a:txBody>
+                    <a:bodyPr/>
+                    <a:lstStyle/>
+                    <a:p>
+                      <a:r>
+                        <a:rPr lang="de-DE" dirty="0" err="1"/>
+                        <a:t>Offer_description</a:t>
+                      </a:r>
+                      <a:endParaRPr lang="de-DE" dirty="0"/>
+                    </a:p>
+                  </a:txBody>
+                  <a:tcPr/>
+                </a:tc>
+                <a:tc>
+                  <a:txBody>
+                    <a:bodyPr/>
+                    <a:lstStyle/>
+                    <a:p>
+                      <a:r>
+                        <a:rPr lang="de-DE" dirty="0"/>
+                        <a:t>String</a:t>
+                      </a:r>
+                    </a:p>
+                  </a:txBody>
+                  <a:tcPr/>
+                </a:tc>
+                <a:extLst>
+                  <a:ext uri="{0D108BD9-81ED-4DB2-BD59-A6C34878D82A}">
+                    <a16:rowId xmlns:a16="http://schemas.microsoft.com/office/drawing/2014/main" val="4084210728"/>
+                  </a:ext>
+                </a:extLst>
+              </a:tr>
+            </a:tbl>
+          </a:graphicData>
+        </a:graphic>
+      </p:graphicFrame>
     </p:spTree>
     <p:extLst>
       <p:ext uri="{BB962C8B-B14F-4D97-AF65-F5344CB8AC3E}">
@@ -6961,7 +7841,7 @@
               <a:rPr lang="de-DE" dirty="0">
                 <a:latin typeface="Bahnschrift SemiLight" panose="020B0502040204020203" pitchFamily="34" charset="0"/>
               </a:rPr>
-              <a:t> Wort unfallfrei steht, dies war auch der Fall aber nur bei 48 Einträgen von 100 000. D.h.: wir wollten schauen, ob man aus dieser Spalte zusätzliche Informationen gewinnen kann.</a:t>
+              <a:t> Wort unfallfrei steht, dies war auch der Fall aber nur bei 48 Einträgen von 100 000. D.h.: wir wollten wissen, ob man aus dieser Spalte zusätzliche Informationen gewinnen kann.</a:t>
             </a:r>
           </a:p>
           <a:p>

--- a/Präsentation_Vorlage.pptx
+++ b/Präsentation_Vorlage.pptx
@@ -13,10 +13,10 @@
     <p:sldId id="256" r:id="rId7"/>
     <p:sldId id="257" r:id="rId8"/>
     <p:sldId id="258" r:id="rId9"/>
-    <p:sldId id="259" r:id="rId10"/>
-    <p:sldId id="260" r:id="rId11"/>
-    <p:sldId id="269" r:id="rId12"/>
-    <p:sldId id="261" r:id="rId13"/>
+    <p:sldId id="261" r:id="rId10"/>
+    <p:sldId id="259" r:id="rId11"/>
+    <p:sldId id="260" r:id="rId12"/>
+    <p:sldId id="269" r:id="rId13"/>
     <p:sldId id="262" r:id="rId14"/>
     <p:sldId id="263" r:id="rId15"/>
     <p:sldId id="264" r:id="rId16"/>
@@ -122,6 +122,11 @@
       </a:defRPr>
     </a:lvl9pPr>
   </p:defaultTextStyle>
+  <p:extLst>
+    <p:ext uri="{EFAFB233-063F-42B5-8137-9DF3F51BA10A}">
+      <p15:sldGuideLst xmlns:p15="http://schemas.microsoft.com/office/powerpoint/2012/main"/>
+    </p:ext>
+  </p:extLst>
 </p:presentation>
 </file>
 
@@ -20466,74 +20471,14 @@
       </p:grpSpPr>
       <p:sp>
         <p:nvSpPr>
-          <p:cNvPr id="244" name="PlaceHolder 1"/>
-          <p:cNvSpPr>
-            <a:spLocks noGrp="1"/>
-          </p:cNvSpPr>
-          <p:nvPr>
-            <p:ph/>
-          </p:nvPr>
-        </p:nvSpPr>
-        <p:spPr>
-          <a:xfrm>
-            <a:off x="2063160" y="460440"/>
-            <a:ext cx="8065800" cy="645840"/>
-          </a:xfrm>
-          <a:prstGeom prst="rect">
-            <a:avLst/>
-          </a:prstGeom>
-          <a:noFill/>
-          <a:ln w="0">
-            <a:noFill/>
-          </a:ln>
-        </p:spPr>
-        <p:txBody>
-          <a:bodyPr lIns="90000" tIns="45000" rIns="90000" bIns="45000" anchor="ctr">
-            <a:normAutofit fontScale="74000" lnSpcReduction="10000"/>
-          </a:bodyPr>
-          <a:lstStyle/>
-          <a:p>
-            <a:pPr indent="0">
-              <a:lnSpc>
-                <a:spcPct val="90000"/>
-              </a:lnSpc>
-              <a:spcBef>
-                <a:spcPts val="1001"/>
-              </a:spcBef>
-              <a:buNone/>
-              <a:tabLst>
-                <a:tab pos="0" algn="l"/>
-              </a:tabLst>
-            </a:pPr>
-            <a:r>
-              <a:rPr lang="de-DE" sz="5400" b="1" strike="noStrike" spc="-1">
-                <a:solidFill>
-                  <a:srgbClr val="FFFFFF"/>
-                </a:solidFill>
-                <a:latin typeface="CMU Serif"/>
-                <a:ea typeface="CMU Serif"/>
-              </a:rPr>
-              <a:t>Bereinigung der Daten 1</a:t>
-            </a:r>
-            <a:endParaRPr lang="en-US" sz="5400" b="0" strike="noStrike" spc="-1">
-              <a:solidFill>
-                <a:srgbClr val="000000"/>
-              </a:solidFill>
-              <a:latin typeface="CMU Serif"/>
-            </a:endParaRPr>
-          </a:p>
-        </p:txBody>
-      </p:sp>
-      <p:sp>
-        <p:nvSpPr>
-          <p:cNvPr id="245" name="Textfeld 2"/>
+          <p:cNvPr id="249" name="TextBox 3"/>
           <p:cNvSpPr/>
           <p:nvPr/>
         </p:nvSpPr>
         <p:spPr>
           <a:xfrm>
-            <a:off x="585360" y="1788840"/>
-            <a:ext cx="9953640" cy="3968864"/>
+            <a:off x="5959800" y="1857033"/>
+            <a:ext cx="5887080" cy="2918576"/>
           </a:xfrm>
           <a:prstGeom prst="rect">
             <a:avLst/>
@@ -20556,1271 +20501,6 @@
           <a:fontRef idx="minor"/>
         </p:style>
         <p:txBody>
-          <a:bodyPr lIns="90000" tIns="45000" rIns="90000" bIns="45000" anchor="t">
-            <a:spAutoFit/>
-          </a:bodyPr>
-          <a:lstStyle/>
-          <a:p>
-            <a:pPr>
-              <a:lnSpc>
-                <a:spcPct val="100000"/>
-              </a:lnSpc>
-            </a:pPr>
-            <a:r>
-              <a:rPr lang="de-DE" sz="1800" b="1" strike="noStrike" spc="-1" dirty="0">
-                <a:solidFill>
-                  <a:srgbClr val="000000"/>
-                </a:solidFill>
-                <a:latin typeface="Bahnschrift SemiLight"/>
-                <a:ea typeface="Arial Unicode MS"/>
-              </a:rPr>
-              <a:t>Entfernung der Spalte „Unnamed..0“</a:t>
-            </a:r>
-            <a:endParaRPr lang="de-DE" sz="1800" b="0" strike="noStrike" spc="-1" dirty="0">
-              <a:solidFill>
-                <a:srgbClr val="000000"/>
-              </a:solidFill>
-              <a:latin typeface="Arial"/>
-            </a:endParaRPr>
-          </a:p>
-          <a:p>
-            <a:pPr marL="285840" indent="-285840">
-              <a:lnSpc>
-                <a:spcPct val="100000"/>
-              </a:lnSpc>
-              <a:buClr>
-                <a:srgbClr val="000000"/>
-              </a:buClr>
-              <a:buFont typeface="Arial"/>
-              <a:buChar char="•"/>
-            </a:pPr>
-            <a:r>
-              <a:rPr lang="de-DE" sz="1800" b="0" strike="noStrike" spc="-1" dirty="0">
-                <a:solidFill>
-                  <a:srgbClr val="000000"/>
-                </a:solidFill>
-                <a:latin typeface="Bahnschrift SemiLight"/>
-                <a:ea typeface="Arial Unicode MS"/>
-              </a:rPr>
-              <a:t>Spalte hat keine Relevanz, sie ist reine Nummerierung der Zeilen.</a:t>
-            </a:r>
-            <a:endParaRPr lang="de-DE" sz="1800" b="0" strike="noStrike" spc="-1" dirty="0">
-              <a:solidFill>
-                <a:srgbClr val="000000"/>
-              </a:solidFill>
-              <a:latin typeface="Arial"/>
-            </a:endParaRPr>
-          </a:p>
-          <a:p>
-            <a:pPr>
-              <a:lnSpc>
-                <a:spcPct val="100000"/>
-              </a:lnSpc>
-            </a:pPr>
-            <a:endParaRPr lang="de-DE" sz="1800" b="0" strike="noStrike" spc="-1" dirty="0">
-              <a:solidFill>
-                <a:srgbClr val="000000"/>
-              </a:solidFill>
-              <a:latin typeface="Arial"/>
-            </a:endParaRPr>
-          </a:p>
-          <a:p>
-            <a:pPr>
-              <a:lnSpc>
-                <a:spcPct val="100000"/>
-              </a:lnSpc>
-            </a:pPr>
-            <a:endParaRPr lang="de-DE" sz="1800" b="0" strike="noStrike" spc="-1" dirty="0">
-              <a:solidFill>
-                <a:srgbClr val="000000"/>
-              </a:solidFill>
-              <a:latin typeface="Arial"/>
-            </a:endParaRPr>
-          </a:p>
-          <a:p>
-            <a:pPr>
-              <a:lnSpc>
-                <a:spcPct val="100000"/>
-              </a:lnSpc>
-            </a:pPr>
-            <a:r>
-              <a:rPr lang="de-DE" sz="1800" b="1" strike="noStrike" spc="-1" dirty="0">
-                <a:solidFill>
-                  <a:srgbClr val="000000"/>
-                </a:solidFill>
-                <a:latin typeface="Bahnschrift SemiLight"/>
-                <a:ea typeface="Arial Unicode MS"/>
-              </a:rPr>
-              <a:t>Entfernung der Spalte „</a:t>
-            </a:r>
-            <a:r>
-              <a:rPr lang="de-DE" sz="1800" b="1" strike="noStrike" spc="-1" dirty="0" err="1">
-                <a:solidFill>
-                  <a:srgbClr val="000000"/>
-                </a:solidFill>
-                <a:latin typeface="Bahnschrift SemiLight"/>
-                <a:ea typeface="Arial Unicode MS"/>
-              </a:rPr>
-              <a:t>offer_description</a:t>
-            </a:r>
-            <a:r>
-              <a:rPr lang="de-DE" sz="1800" b="1" strike="noStrike" spc="-1" dirty="0">
-                <a:solidFill>
-                  <a:srgbClr val="000000"/>
-                </a:solidFill>
-                <a:latin typeface="Bahnschrift SemiLight"/>
-                <a:ea typeface="Arial Unicode MS"/>
-              </a:rPr>
-              <a:t>“</a:t>
-            </a:r>
-            <a:endParaRPr lang="de-DE" sz="1800" b="0" strike="noStrike" spc="-1" dirty="0">
-              <a:solidFill>
-                <a:srgbClr val="000000"/>
-              </a:solidFill>
-              <a:latin typeface="Arial"/>
-            </a:endParaRPr>
-          </a:p>
-          <a:p>
-            <a:pPr marL="285840" indent="-285840">
-              <a:lnSpc>
-                <a:spcPct val="100000"/>
-              </a:lnSpc>
-              <a:buClr>
-                <a:srgbClr val="000000"/>
-              </a:buClr>
-              <a:buFont typeface="Arial"/>
-              <a:buChar char="•"/>
-            </a:pPr>
-            <a:r>
-              <a:rPr lang="de-DE" sz="1800" b="0" strike="noStrike" spc="-1" dirty="0">
-                <a:solidFill>
-                  <a:srgbClr val="000000"/>
-                </a:solidFill>
-                <a:latin typeface="Bahnschrift SemiLight"/>
-                <a:ea typeface="Arial Unicode MS"/>
-              </a:rPr>
-              <a:t>Z.B.: wurde geschaut, ob in der Spalte </a:t>
-            </a:r>
-            <a:r>
-              <a:rPr lang="de-DE" sz="1800" b="0" strike="noStrike" spc="-1" dirty="0" err="1">
-                <a:solidFill>
-                  <a:srgbClr val="000000"/>
-                </a:solidFill>
-                <a:latin typeface="Bahnschrift SemiLight"/>
-                <a:ea typeface="Arial Unicode MS"/>
-              </a:rPr>
-              <a:t>offer_description</a:t>
-            </a:r>
-            <a:r>
-              <a:rPr lang="de-DE" sz="1800" b="0" strike="noStrike" spc="-1" dirty="0">
-                <a:solidFill>
-                  <a:srgbClr val="000000"/>
-                </a:solidFill>
-                <a:latin typeface="Bahnschrift SemiLight"/>
-                <a:ea typeface="Arial Unicode MS"/>
-              </a:rPr>
-              <a:t> Wort unfallfrei, </a:t>
-            </a:r>
-            <a:r>
-              <a:rPr lang="de-DE" sz="1800" b="0" strike="noStrike" spc="-1" dirty="0" err="1">
-                <a:solidFill>
-                  <a:srgbClr val="000000"/>
-                </a:solidFill>
-                <a:latin typeface="Bahnschrift SemiLight"/>
-                <a:ea typeface="Arial Unicode MS"/>
-              </a:rPr>
-              <a:t>sport</a:t>
-            </a:r>
-            <a:r>
-              <a:rPr lang="de-DE" sz="1800" b="0" strike="noStrike" spc="-1" dirty="0">
-                <a:solidFill>
-                  <a:srgbClr val="000000"/>
-                </a:solidFill>
-                <a:latin typeface="Bahnschrift SemiLight"/>
-                <a:ea typeface="Arial Unicode MS"/>
-              </a:rPr>
-              <a:t>, 4x4 usw. steht.</a:t>
-            </a:r>
-          </a:p>
-          <a:p>
-            <a:pPr marL="285840" indent="-285840">
-              <a:lnSpc>
-                <a:spcPct val="100000"/>
-              </a:lnSpc>
-              <a:buClr>
-                <a:srgbClr val="000000"/>
-              </a:buClr>
-              <a:buFont typeface="Arial"/>
-              <a:buChar char="•"/>
-            </a:pPr>
-            <a:r>
-              <a:rPr lang="de-DE" spc="-1" dirty="0">
-                <a:solidFill>
-                  <a:srgbClr val="000000"/>
-                </a:solidFill>
-                <a:latin typeface="Bahnschrift SemiLight"/>
-                <a:ea typeface="Arial Unicode MS"/>
-              </a:rPr>
-              <a:t>Dies war auch der Fall bei </a:t>
-            </a:r>
-            <a:r>
-              <a:rPr lang="de-DE" spc="-1" dirty="0" err="1">
-                <a:solidFill>
-                  <a:srgbClr val="000000"/>
-                </a:solidFill>
-                <a:latin typeface="Bahnschrift SemiLight"/>
-                <a:ea typeface="Arial Unicode MS"/>
-              </a:rPr>
-              <a:t>sport</a:t>
-            </a:r>
-            <a:r>
-              <a:rPr lang="de-DE" spc="-1" dirty="0">
-                <a:solidFill>
-                  <a:srgbClr val="000000"/>
-                </a:solidFill>
-                <a:latin typeface="Bahnschrift SemiLight"/>
-                <a:ea typeface="Arial Unicode MS"/>
-              </a:rPr>
-              <a:t> bzw. 4x4 -&gt; neue Spalte erzeugt.</a:t>
-            </a:r>
-            <a:endParaRPr lang="de-DE" sz="1800" b="0" strike="noStrike" spc="-1" dirty="0">
-              <a:solidFill>
-                <a:srgbClr val="000000"/>
-              </a:solidFill>
-              <a:latin typeface="Bahnschrift SemiLight"/>
-              <a:ea typeface="Arial Unicode MS"/>
-            </a:endParaRPr>
-          </a:p>
-          <a:p>
-            <a:pPr>
-              <a:lnSpc>
-                <a:spcPct val="100000"/>
-              </a:lnSpc>
-            </a:pPr>
-            <a:endParaRPr lang="de-DE" sz="1800" b="0" strike="noStrike" spc="-1" dirty="0">
-              <a:solidFill>
-                <a:srgbClr val="000000"/>
-              </a:solidFill>
-              <a:latin typeface="Arial"/>
-            </a:endParaRPr>
-          </a:p>
-          <a:p>
-            <a:pPr>
-              <a:lnSpc>
-                <a:spcPct val="100000"/>
-              </a:lnSpc>
-            </a:pPr>
-            <a:r>
-              <a:rPr lang="de-DE" sz="1800" b="1" strike="noStrike" spc="-1" dirty="0">
-                <a:solidFill>
-                  <a:srgbClr val="000000"/>
-                </a:solidFill>
-                <a:latin typeface="Bahnschrift SemiLight"/>
-                <a:ea typeface="Arial Unicode MS"/>
-              </a:rPr>
-              <a:t>Entfernung der Spalte „</a:t>
-            </a:r>
-            <a:r>
-              <a:rPr lang="de-DE" sz="1800" b="1" strike="noStrike" spc="-1" dirty="0" err="1">
-                <a:solidFill>
-                  <a:srgbClr val="000000"/>
-                </a:solidFill>
-                <a:latin typeface="Bahnschrift SemiLight"/>
-                <a:ea typeface="Arial Unicode MS"/>
-              </a:rPr>
-              <a:t>power_ps</a:t>
-            </a:r>
-            <a:r>
-              <a:rPr lang="de-DE" sz="1800" b="1" strike="noStrike" spc="-1" dirty="0">
-                <a:solidFill>
-                  <a:srgbClr val="000000"/>
-                </a:solidFill>
-                <a:latin typeface="Bahnschrift SemiLight"/>
-                <a:ea typeface="Arial Unicode MS"/>
-              </a:rPr>
-              <a:t>“</a:t>
-            </a:r>
-            <a:endParaRPr lang="de-DE" sz="1800" b="0" strike="noStrike" spc="-1" dirty="0">
-              <a:solidFill>
-                <a:srgbClr val="000000"/>
-              </a:solidFill>
-              <a:latin typeface="Arial"/>
-            </a:endParaRPr>
-          </a:p>
-          <a:p>
-            <a:pPr marL="285840" indent="-285840">
-              <a:lnSpc>
-                <a:spcPct val="100000"/>
-              </a:lnSpc>
-              <a:buClr>
-                <a:srgbClr val="000000"/>
-              </a:buClr>
-              <a:buFont typeface="Arial"/>
-              <a:buChar char="•"/>
-            </a:pPr>
-            <a:r>
-              <a:rPr lang="de-DE" sz="1800" b="0" strike="noStrike" spc="-1" dirty="0">
-                <a:solidFill>
-                  <a:srgbClr val="000000"/>
-                </a:solidFill>
-                <a:latin typeface="Bahnschrift SemiLight"/>
-                <a:ea typeface="Arial Unicode MS"/>
-              </a:rPr>
-              <a:t>Die Pferdestärke kann auch aus „</a:t>
-            </a:r>
-            <a:r>
-              <a:rPr lang="de-DE" sz="1800" b="0" strike="noStrike" spc="-1" dirty="0" err="1">
-                <a:solidFill>
-                  <a:srgbClr val="000000"/>
-                </a:solidFill>
-                <a:latin typeface="Bahnschrift SemiLight"/>
-                <a:ea typeface="Arial Unicode MS"/>
-              </a:rPr>
-              <a:t>power_kw</a:t>
-            </a:r>
-            <a:r>
-              <a:rPr lang="de-DE" sz="1800" b="0" strike="noStrike" spc="-1" dirty="0">
-                <a:solidFill>
-                  <a:srgbClr val="000000"/>
-                </a:solidFill>
-                <a:latin typeface="Bahnschrift SemiLight"/>
-                <a:ea typeface="Arial Unicode MS"/>
-              </a:rPr>
-              <a:t>“ durch Umwandlung gewonnen werden.</a:t>
-            </a:r>
-            <a:endParaRPr lang="de-DE" sz="1800" b="0" strike="noStrike" spc="-1" dirty="0">
-              <a:solidFill>
-                <a:srgbClr val="000000"/>
-              </a:solidFill>
-              <a:latin typeface="Arial"/>
-            </a:endParaRPr>
-          </a:p>
-          <a:p>
-            <a:pPr marL="285840" indent="-285840">
-              <a:lnSpc>
-                <a:spcPct val="100000"/>
-              </a:lnSpc>
-              <a:buClr>
-                <a:srgbClr val="000000"/>
-              </a:buClr>
-              <a:buFont typeface="Arial"/>
-              <a:buChar char="•"/>
-            </a:pPr>
-            <a:r>
-              <a:rPr lang="de-DE" sz="1800" b="0" strike="noStrike" spc="-1" dirty="0">
-                <a:solidFill>
-                  <a:srgbClr val="000000"/>
-                </a:solidFill>
-                <a:latin typeface="Bahnschrift SemiLight"/>
-                <a:ea typeface="Arial Unicode MS"/>
-              </a:rPr>
-              <a:t>Spalte ist daher überflüssig für die weitere Analyse.</a:t>
-            </a:r>
-            <a:endParaRPr lang="de-DE" sz="1800" b="0" strike="noStrike" spc="-1" dirty="0">
-              <a:solidFill>
-                <a:srgbClr val="000000"/>
-              </a:solidFill>
-              <a:latin typeface="Arial"/>
-            </a:endParaRPr>
-          </a:p>
-          <a:p>
-            <a:pPr>
-              <a:lnSpc>
-                <a:spcPct val="100000"/>
-              </a:lnSpc>
-            </a:pPr>
-            <a:endParaRPr lang="de-DE" sz="1800" b="0" strike="noStrike" spc="-1" dirty="0">
-              <a:solidFill>
-                <a:srgbClr val="000000"/>
-              </a:solidFill>
-              <a:latin typeface="Arial"/>
-            </a:endParaRPr>
-          </a:p>
-          <a:p>
-            <a:pPr>
-              <a:lnSpc>
-                <a:spcPct val="100000"/>
-              </a:lnSpc>
-            </a:pPr>
-            <a:endParaRPr lang="de-DE" sz="1800" b="0" strike="noStrike" spc="-1" dirty="0">
-              <a:solidFill>
-                <a:srgbClr val="000000"/>
-              </a:solidFill>
-              <a:latin typeface="Arial"/>
-            </a:endParaRPr>
-          </a:p>
-        </p:txBody>
-      </p:sp>
-    </p:spTree>
-  </p:cSld>
-  <p:clrMapOvr>
-    <a:masterClrMapping/>
-  </p:clrMapOvr>
-</p:sld>
-</file>
-
-<file path=ppt/slides/slide5.xml><?xml version="1.0" encoding="utf-8"?>
-<p:sld xmlns:a="http://schemas.openxmlformats.org/drawingml/2006/main" xmlns:r="http://schemas.openxmlformats.org/officeDocument/2006/relationships" xmlns:p="http://schemas.openxmlformats.org/presentationml/2006/main">
-  <p:cSld>
-    <p:spTree>
-      <p:nvGrpSpPr>
-        <p:cNvPr id="1" name=""/>
-        <p:cNvGrpSpPr/>
-        <p:nvPr/>
-      </p:nvGrpSpPr>
-      <p:grpSpPr>
-        <a:xfrm>
-          <a:off x="0" y="0"/>
-          <a:ext cx="0" cy="0"/>
-          <a:chOff x="0" y="0"/>
-          <a:chExt cx="0" cy="0"/>
-        </a:xfrm>
-      </p:grpSpPr>
-      <p:sp>
-        <p:nvSpPr>
-          <p:cNvPr id="246" name="PlaceHolder 1"/>
-          <p:cNvSpPr>
-            <a:spLocks noGrp="1"/>
-          </p:cNvSpPr>
-          <p:nvPr>
-            <p:ph/>
-          </p:nvPr>
-        </p:nvSpPr>
-        <p:spPr>
-          <a:xfrm>
-            <a:off x="2063160" y="460440"/>
-            <a:ext cx="8065800" cy="645840"/>
-          </a:xfrm>
-          <a:prstGeom prst="rect">
-            <a:avLst/>
-          </a:prstGeom>
-          <a:noFill/>
-          <a:ln w="0">
-            <a:noFill/>
-          </a:ln>
-        </p:spPr>
-        <p:txBody>
-          <a:bodyPr lIns="90000" tIns="45000" rIns="90000" bIns="45000" anchor="ctr">
-            <a:normAutofit fontScale="74000" lnSpcReduction="10000"/>
-          </a:bodyPr>
-          <a:lstStyle/>
-          <a:p>
-            <a:pPr indent="0">
-              <a:lnSpc>
-                <a:spcPct val="90000"/>
-              </a:lnSpc>
-              <a:spcBef>
-                <a:spcPts val="1001"/>
-              </a:spcBef>
-              <a:buNone/>
-              <a:tabLst>
-                <a:tab pos="0" algn="l"/>
-              </a:tabLst>
-            </a:pPr>
-            <a:r>
-              <a:rPr lang="de-DE" sz="5400" b="1" strike="noStrike" spc="-1">
-                <a:solidFill>
-                  <a:srgbClr val="FFFFFF"/>
-                </a:solidFill>
-                <a:latin typeface="CMU Serif"/>
-                <a:ea typeface="CMU Serif"/>
-              </a:rPr>
-              <a:t>Bereinigung der Daten 2</a:t>
-            </a:r>
-            <a:endParaRPr lang="en-US" sz="5400" b="0" strike="noStrike" spc="-1">
-              <a:solidFill>
-                <a:srgbClr val="000000"/>
-              </a:solidFill>
-              <a:latin typeface="CMU Serif"/>
-            </a:endParaRPr>
-          </a:p>
-        </p:txBody>
-      </p:sp>
-      <p:sp>
-        <p:nvSpPr>
-          <p:cNvPr id="247" name="Textfeld 2"/>
-          <p:cNvSpPr/>
-          <p:nvPr/>
-        </p:nvSpPr>
-        <p:spPr>
-          <a:xfrm>
-            <a:off x="585360" y="1788840"/>
-            <a:ext cx="9953640" cy="5076859"/>
-          </a:xfrm>
-          <a:prstGeom prst="rect">
-            <a:avLst/>
-          </a:prstGeom>
-          <a:noFill/>
-          <a:ln w="0">
-            <a:noFill/>
-          </a:ln>
-        </p:spPr>
-        <p:style>
-          <a:lnRef idx="0">
-            <a:scrgbClr r="0" g="0" b="0"/>
-          </a:lnRef>
-          <a:fillRef idx="0">
-            <a:scrgbClr r="0" g="0" b="0"/>
-          </a:fillRef>
-          <a:effectRef idx="0">
-            <a:scrgbClr r="0" g="0" b="0"/>
-          </a:effectRef>
-          <a:fontRef idx="minor"/>
-        </p:style>
-        <p:txBody>
-          <a:bodyPr lIns="90000" tIns="45000" rIns="90000" bIns="45000" anchor="t">
-            <a:spAutoFit/>
-          </a:bodyPr>
-          <a:lstStyle/>
-          <a:p>
-            <a:pPr>
-              <a:lnSpc>
-                <a:spcPct val="100000"/>
-              </a:lnSpc>
-            </a:pPr>
-            <a:r>
-              <a:rPr lang="de-DE" sz="1800" b="1" strike="noStrike" spc="-1" dirty="0">
-                <a:solidFill>
-                  <a:srgbClr val="000000"/>
-                </a:solidFill>
-                <a:latin typeface="Bahnschrift SemiLight"/>
-                <a:ea typeface="Arial Unicode MS"/>
-              </a:rPr>
-              <a:t>Entfernung der Spalte „</a:t>
-            </a:r>
-            <a:r>
-              <a:rPr lang="de-DE" sz="1800" b="1" strike="noStrike" spc="-1" dirty="0" err="1">
-                <a:solidFill>
-                  <a:srgbClr val="000000"/>
-                </a:solidFill>
-                <a:latin typeface="Bahnschrift SemiLight"/>
-                <a:ea typeface="Arial Unicode MS"/>
-              </a:rPr>
-              <a:t>fuel_consumption_g_km</a:t>
-            </a:r>
-            <a:r>
-              <a:rPr lang="de-DE" sz="1800" b="1" strike="noStrike" spc="-1" dirty="0">
-                <a:solidFill>
-                  <a:srgbClr val="000000"/>
-                </a:solidFill>
-                <a:latin typeface="Bahnschrift SemiLight"/>
-                <a:ea typeface="Arial Unicode MS"/>
-              </a:rPr>
-              <a:t>“</a:t>
-            </a:r>
-            <a:endParaRPr lang="de-DE" sz="1800" b="0" strike="noStrike" spc="-1" dirty="0">
-              <a:solidFill>
-                <a:srgbClr val="000000"/>
-              </a:solidFill>
-              <a:latin typeface="Arial"/>
-            </a:endParaRPr>
-          </a:p>
-          <a:p>
-            <a:pPr marL="285750" indent="-285750">
-              <a:lnSpc>
-                <a:spcPct val="100000"/>
-              </a:lnSpc>
-              <a:buFont typeface="Arial" panose="020B0604020202020204" pitchFamily="34" charset="0"/>
-              <a:buChar char="•"/>
-            </a:pPr>
-            <a:r>
-              <a:rPr lang="de-DE" sz="1800" b="0" strike="noStrike" spc="-1" dirty="0">
-                <a:solidFill>
-                  <a:srgbClr val="000000"/>
-                </a:solidFill>
-                <a:latin typeface="Bahnschrift SemiLight"/>
-                <a:ea typeface="Arial Unicode MS"/>
-              </a:rPr>
-              <a:t>nur sinnvoll befüllt für </a:t>
-            </a:r>
-            <a:r>
-              <a:rPr lang="de-DE" sz="1800" b="0" strike="noStrike" spc="-1" dirty="0" err="1">
-                <a:solidFill>
-                  <a:srgbClr val="000000"/>
-                </a:solidFill>
-                <a:latin typeface="Bahnschrift SemiLight"/>
-                <a:ea typeface="Arial Unicode MS"/>
-              </a:rPr>
-              <a:t>fuel_type</a:t>
-            </a:r>
-            <a:r>
-              <a:rPr lang="de-DE" sz="1800" b="0" strike="noStrike" spc="-1" dirty="0">
-                <a:solidFill>
-                  <a:srgbClr val="000000"/>
-                </a:solidFill>
-                <a:latin typeface="Bahnschrift SemiLight"/>
-                <a:ea typeface="Arial Unicode MS"/>
-              </a:rPr>
-              <a:t> Diesel oder Benzin, nicht für alternative Antriebsarten</a:t>
-            </a:r>
-            <a:endParaRPr lang="de-DE" sz="1800" b="0" strike="noStrike" spc="-1" dirty="0">
-              <a:solidFill>
-                <a:srgbClr val="000000"/>
-              </a:solidFill>
-              <a:latin typeface="Arial"/>
-            </a:endParaRPr>
-          </a:p>
-          <a:p>
-            <a:pPr marL="285750" indent="-285750">
-              <a:lnSpc>
-                <a:spcPct val="100000"/>
-              </a:lnSpc>
-              <a:buFont typeface="Arial" panose="020B0604020202020204" pitchFamily="34" charset="0"/>
-              <a:buChar char="•"/>
-            </a:pPr>
-            <a:r>
-              <a:rPr lang="de-DE" sz="1800" b="0" strike="noStrike" spc="-1" dirty="0" err="1">
-                <a:solidFill>
-                  <a:srgbClr val="000000"/>
-                </a:solidFill>
-                <a:latin typeface="Bahnschrift SemiLight"/>
-                <a:ea typeface="Arial Unicode MS"/>
-              </a:rPr>
-              <a:t>fuel_type</a:t>
-            </a:r>
-            <a:r>
-              <a:rPr lang="de-DE" sz="1800" b="0" strike="noStrike" spc="-1" dirty="0">
-                <a:solidFill>
-                  <a:srgbClr val="000000"/>
-                </a:solidFill>
-                <a:latin typeface="Bahnschrift SemiLight"/>
-                <a:ea typeface="Arial Unicode MS"/>
-              </a:rPr>
-              <a:t> zu wichtig für Zielvariable</a:t>
-            </a:r>
-          </a:p>
-          <a:p>
-            <a:pPr marL="285750" indent="-285750">
-              <a:lnSpc>
-                <a:spcPct val="100000"/>
-              </a:lnSpc>
-              <a:buFont typeface="Arial" panose="020B0604020202020204" pitchFamily="34" charset="0"/>
-              <a:buChar char="•"/>
-            </a:pPr>
-            <a:endParaRPr lang="de-DE" spc="-1" dirty="0">
-              <a:solidFill>
-                <a:srgbClr val="000000"/>
-              </a:solidFill>
-              <a:latin typeface="Bahnschrift SemiLight"/>
-            </a:endParaRPr>
-          </a:p>
-          <a:p>
-            <a:pPr marL="285750" indent="-285750">
-              <a:lnSpc>
-                <a:spcPct val="100000"/>
-              </a:lnSpc>
-              <a:buFont typeface="Arial" panose="020B0604020202020204" pitchFamily="34" charset="0"/>
-              <a:buChar char="•"/>
-            </a:pPr>
-            <a:endParaRPr lang="de-DE" sz="1800" b="0" strike="noStrike" spc="-1" dirty="0">
-              <a:solidFill>
-                <a:srgbClr val="000000"/>
-              </a:solidFill>
-              <a:latin typeface="Bahnschrift SemiLight"/>
-            </a:endParaRPr>
-          </a:p>
-          <a:p>
-            <a:pPr marL="285750" indent="-285750">
-              <a:lnSpc>
-                <a:spcPct val="100000"/>
-              </a:lnSpc>
-              <a:buFont typeface="Arial" panose="020B0604020202020204" pitchFamily="34" charset="0"/>
-              <a:buChar char="•"/>
-            </a:pPr>
-            <a:endParaRPr lang="de-DE" spc="-1" dirty="0">
-              <a:solidFill>
-                <a:srgbClr val="000000"/>
-              </a:solidFill>
-              <a:latin typeface="Bahnschrift SemiLight"/>
-            </a:endParaRPr>
-          </a:p>
-          <a:p>
-            <a:pPr marL="285750" indent="-285750">
-              <a:lnSpc>
-                <a:spcPct val="100000"/>
-              </a:lnSpc>
-              <a:buFont typeface="Arial" panose="020B0604020202020204" pitchFamily="34" charset="0"/>
-              <a:buChar char="•"/>
-            </a:pPr>
-            <a:endParaRPr lang="de-DE" sz="1800" b="0" strike="noStrike" spc="-1" dirty="0">
-              <a:solidFill>
-                <a:srgbClr val="000000"/>
-              </a:solidFill>
-              <a:latin typeface="Bahnschrift SemiLight"/>
-            </a:endParaRPr>
-          </a:p>
-          <a:p>
-            <a:pPr marL="285750" indent="-285750">
-              <a:lnSpc>
-                <a:spcPct val="100000"/>
-              </a:lnSpc>
-              <a:buFont typeface="Arial" panose="020B0604020202020204" pitchFamily="34" charset="0"/>
-              <a:buChar char="•"/>
-            </a:pPr>
-            <a:endParaRPr lang="de-DE" spc="-1" dirty="0">
-              <a:solidFill>
-                <a:srgbClr val="000000"/>
-              </a:solidFill>
-              <a:latin typeface="Bahnschrift SemiLight"/>
-            </a:endParaRPr>
-          </a:p>
-          <a:p>
-            <a:pPr marL="285750" indent="-285750">
-              <a:lnSpc>
-                <a:spcPct val="100000"/>
-              </a:lnSpc>
-              <a:buFont typeface="Arial" panose="020B0604020202020204" pitchFamily="34" charset="0"/>
-              <a:buChar char="•"/>
-            </a:pPr>
-            <a:endParaRPr lang="de-DE" sz="1800" b="0" strike="noStrike" spc="-1" dirty="0">
-              <a:solidFill>
-                <a:srgbClr val="000000"/>
-              </a:solidFill>
-              <a:latin typeface="Bahnschrift SemiLight"/>
-            </a:endParaRPr>
-          </a:p>
-          <a:p>
-            <a:pPr marL="285750" indent="-285750">
-              <a:lnSpc>
-                <a:spcPct val="100000"/>
-              </a:lnSpc>
-              <a:buFont typeface="Arial" panose="020B0604020202020204" pitchFamily="34" charset="0"/>
-              <a:buChar char="•"/>
-            </a:pPr>
-            <a:endParaRPr lang="de-DE" spc="-1" dirty="0">
-              <a:solidFill>
-                <a:srgbClr val="000000"/>
-              </a:solidFill>
-              <a:latin typeface="Bahnschrift SemiLight"/>
-            </a:endParaRPr>
-          </a:p>
-          <a:p>
-            <a:pPr marL="285750" indent="-285750">
-              <a:lnSpc>
-                <a:spcPct val="100000"/>
-              </a:lnSpc>
-              <a:buFont typeface="Arial" panose="020B0604020202020204" pitchFamily="34" charset="0"/>
-              <a:buChar char="•"/>
-            </a:pPr>
-            <a:endParaRPr lang="de-DE" sz="1800" b="0" strike="noStrike" spc="-1" dirty="0">
-              <a:solidFill>
-                <a:srgbClr val="000000"/>
-              </a:solidFill>
-              <a:latin typeface="Bahnschrift SemiLight"/>
-            </a:endParaRPr>
-          </a:p>
-          <a:p>
-            <a:pPr marL="285750" indent="-285750">
-              <a:lnSpc>
-                <a:spcPct val="100000"/>
-              </a:lnSpc>
-              <a:buFont typeface="Arial" panose="020B0604020202020204" pitchFamily="34" charset="0"/>
-              <a:buChar char="•"/>
-            </a:pPr>
-            <a:endParaRPr lang="de-DE" spc="-1" dirty="0">
-              <a:solidFill>
-                <a:srgbClr val="000000"/>
-              </a:solidFill>
-              <a:latin typeface="Bahnschrift SemiLight"/>
-            </a:endParaRPr>
-          </a:p>
-          <a:p>
-            <a:pPr marL="285750" indent="-285750">
-              <a:lnSpc>
-                <a:spcPct val="100000"/>
-              </a:lnSpc>
-              <a:buFont typeface="Arial" panose="020B0604020202020204" pitchFamily="34" charset="0"/>
-              <a:buChar char="•"/>
-            </a:pPr>
-            <a:endParaRPr lang="de-DE" sz="1800" b="0" strike="noStrike" spc="-1" dirty="0">
-              <a:solidFill>
-                <a:srgbClr val="000000"/>
-              </a:solidFill>
-              <a:latin typeface="Bahnschrift SemiLight"/>
-            </a:endParaRPr>
-          </a:p>
-          <a:p>
-            <a:pPr marL="285750" indent="-285750">
-              <a:lnSpc>
-                <a:spcPct val="100000"/>
-              </a:lnSpc>
-              <a:buFont typeface="Arial" panose="020B0604020202020204" pitchFamily="34" charset="0"/>
-              <a:buChar char="•"/>
-            </a:pPr>
-            <a:endParaRPr lang="de-DE" spc="-1" dirty="0">
-              <a:solidFill>
-                <a:srgbClr val="000000"/>
-              </a:solidFill>
-              <a:latin typeface="Bahnschrift SemiLight"/>
-            </a:endParaRPr>
-          </a:p>
-          <a:p>
-            <a:pPr marL="285750" indent="-285750">
-              <a:lnSpc>
-                <a:spcPct val="100000"/>
-              </a:lnSpc>
-              <a:buFont typeface="Arial" panose="020B0604020202020204" pitchFamily="34" charset="0"/>
-              <a:buChar char="•"/>
-            </a:pPr>
-            <a:r>
-              <a:rPr lang="de-DE" sz="1800" b="1" strike="noStrike" spc="-1" dirty="0">
-                <a:solidFill>
-                  <a:srgbClr val="000000"/>
-                </a:solidFill>
-                <a:latin typeface="Bahnschrift SemiLight"/>
-              </a:rPr>
-              <a:t>Entfernung der Gebrauchtwagen älter als 2003</a:t>
-            </a:r>
-          </a:p>
-          <a:p>
-            <a:pPr marL="285750" indent="-285750">
-              <a:lnSpc>
-                <a:spcPct val="100000"/>
-              </a:lnSpc>
-              <a:buFont typeface="Arial" panose="020B0604020202020204" pitchFamily="34" charset="0"/>
-              <a:buChar char="•"/>
-            </a:pPr>
-            <a:endParaRPr lang="de-DE" b="1" spc="-1" dirty="0">
-              <a:solidFill>
-                <a:srgbClr val="000000"/>
-              </a:solidFill>
-              <a:latin typeface="Bahnschrift SemiLight"/>
-            </a:endParaRPr>
-          </a:p>
-          <a:p>
-            <a:pPr marL="285750" indent="-285750">
-              <a:lnSpc>
-                <a:spcPct val="100000"/>
-              </a:lnSpc>
-              <a:buFont typeface="Arial" panose="020B0604020202020204" pitchFamily="34" charset="0"/>
-              <a:buChar char="•"/>
-            </a:pPr>
-            <a:r>
-              <a:rPr lang="de-DE" sz="1800" b="1" strike="noStrike" spc="-1" dirty="0">
-                <a:solidFill>
-                  <a:srgbClr val="000000"/>
-                </a:solidFill>
-                <a:latin typeface="Bahnschrift SemiLight"/>
-              </a:rPr>
-              <a:t>Entfernung der Gebrauchtwagen deren Kilometerstand über 500.000 km liegt</a:t>
-            </a:r>
-            <a:endParaRPr lang="de-DE" sz="1800" b="1" strike="noStrike" spc="-1" dirty="0">
-              <a:solidFill>
-                <a:srgbClr val="000000"/>
-              </a:solidFill>
-              <a:latin typeface="Arial"/>
-            </a:endParaRPr>
-          </a:p>
-          <a:p>
-            <a:pPr>
-              <a:lnSpc>
-                <a:spcPct val="100000"/>
-              </a:lnSpc>
-            </a:pPr>
-            <a:endParaRPr lang="de-DE" sz="1800" b="0" strike="noStrike" spc="-1" dirty="0">
-              <a:solidFill>
-                <a:srgbClr val="000000"/>
-              </a:solidFill>
-              <a:latin typeface="Arial"/>
-            </a:endParaRPr>
-          </a:p>
-        </p:txBody>
-      </p:sp>
-      <p:pic>
-        <p:nvPicPr>
-          <p:cNvPr id="248" name="Grafik 247"/>
-          <p:cNvPicPr/>
-          <p:nvPr/>
-        </p:nvPicPr>
-        <p:blipFill>
-          <a:blip r:embed="rId2"/>
-          <a:stretch/>
-        </p:blipFill>
-        <p:spPr>
-          <a:xfrm>
-            <a:off x="5248912" y="2556419"/>
-            <a:ext cx="3792933" cy="2627733"/>
-          </a:xfrm>
-          <a:prstGeom prst="rect">
-            <a:avLst/>
-          </a:prstGeom>
-          <a:ln w="0">
-            <a:noFill/>
-          </a:ln>
-        </p:spPr>
-      </p:pic>
-    </p:spTree>
-  </p:cSld>
-  <p:clrMapOvr>
-    <a:masterClrMapping/>
-  </p:clrMapOvr>
-</p:sld>
-</file>
-
-<file path=ppt/slides/slide6.xml><?xml version="1.0" encoding="utf-8"?>
-<p:sld xmlns:a="http://schemas.openxmlformats.org/drawingml/2006/main" xmlns:r="http://schemas.openxmlformats.org/officeDocument/2006/relationships" xmlns:p="http://schemas.openxmlformats.org/presentationml/2006/main">
-  <p:cSld>
-    <p:spTree>
-      <p:nvGrpSpPr>
-        <p:cNvPr id="1" name=""/>
-        <p:cNvGrpSpPr/>
-        <p:nvPr/>
-      </p:nvGrpSpPr>
-      <p:grpSpPr>
-        <a:xfrm>
-          <a:off x="0" y="0"/>
-          <a:ext cx="0" cy="0"/>
-          <a:chOff x="0" y="0"/>
-          <a:chExt cx="0" cy="0"/>
-        </a:xfrm>
-      </p:grpSpPr>
-      <p:sp>
-        <p:nvSpPr>
-          <p:cNvPr id="246" name="PlaceHolder 1"/>
-          <p:cNvSpPr>
-            <a:spLocks noGrp="1"/>
-          </p:cNvSpPr>
-          <p:nvPr>
-            <p:ph/>
-          </p:nvPr>
-        </p:nvSpPr>
-        <p:spPr>
-          <a:xfrm>
-            <a:off x="2063160" y="460440"/>
-            <a:ext cx="8065800" cy="645840"/>
-          </a:xfrm>
-          <a:prstGeom prst="rect">
-            <a:avLst/>
-          </a:prstGeom>
-          <a:noFill/>
-          <a:ln w="0">
-            <a:noFill/>
-          </a:ln>
-        </p:spPr>
-        <p:txBody>
-          <a:bodyPr lIns="90000" tIns="45000" rIns="90000" bIns="45000" anchor="ctr">
-            <a:normAutofit fontScale="81500" lnSpcReduction="20000"/>
-          </a:bodyPr>
-          <a:lstStyle/>
-          <a:p>
-            <a:pPr indent="0">
-              <a:lnSpc>
-                <a:spcPct val="90000"/>
-              </a:lnSpc>
-              <a:spcBef>
-                <a:spcPts val="1001"/>
-              </a:spcBef>
-              <a:buNone/>
-              <a:tabLst>
-                <a:tab pos="0" algn="l"/>
-              </a:tabLst>
-            </a:pPr>
-            <a:r>
-              <a:rPr lang="de-DE" sz="5400" b="1" strike="noStrike" spc="-1" dirty="0">
-                <a:solidFill>
-                  <a:srgbClr val="FFFFFF"/>
-                </a:solidFill>
-                <a:latin typeface="CMU Serif"/>
-                <a:ea typeface="CMU Serif"/>
-              </a:rPr>
-              <a:t>Bereinigung der Daten 3</a:t>
-            </a:r>
-            <a:endParaRPr lang="en-US" sz="5400" b="0" strike="noStrike" spc="-1" dirty="0">
-              <a:solidFill>
-                <a:srgbClr val="000000"/>
-              </a:solidFill>
-              <a:latin typeface="CMU Serif"/>
-            </a:endParaRPr>
-          </a:p>
-        </p:txBody>
-      </p:sp>
-      <p:sp>
-        <p:nvSpPr>
-          <p:cNvPr id="247" name="Textfeld 2"/>
-          <p:cNvSpPr/>
-          <p:nvPr/>
-        </p:nvSpPr>
-        <p:spPr>
-          <a:xfrm>
-            <a:off x="585360" y="1507548"/>
-            <a:ext cx="9953640" cy="644877"/>
-          </a:xfrm>
-          <a:prstGeom prst="rect">
-            <a:avLst/>
-          </a:prstGeom>
-          <a:noFill/>
-          <a:ln w="0">
-            <a:noFill/>
-          </a:ln>
-        </p:spPr>
-        <p:style>
-          <a:lnRef idx="0">
-            <a:scrgbClr r="0" g="0" b="0"/>
-          </a:lnRef>
-          <a:fillRef idx="0">
-            <a:scrgbClr r="0" g="0" b="0"/>
-          </a:fillRef>
-          <a:effectRef idx="0">
-            <a:scrgbClr r="0" g="0" b="0"/>
-          </a:effectRef>
-          <a:fontRef idx="minor"/>
-        </p:style>
-        <p:txBody>
-          <a:bodyPr lIns="90000" tIns="45000" rIns="90000" bIns="45000" anchor="t">
-            <a:spAutoFit/>
-          </a:bodyPr>
-          <a:lstStyle/>
-          <a:p>
-            <a:pPr>
-              <a:lnSpc>
-                <a:spcPct val="100000"/>
-              </a:lnSpc>
-            </a:pPr>
-            <a:r>
-              <a:rPr lang="de-DE" sz="1800" b="1" strike="noStrike" spc="-1" dirty="0">
-                <a:solidFill>
-                  <a:srgbClr val="000000"/>
-                </a:solidFill>
-                <a:latin typeface="Bahnschrift SemiLight"/>
-                <a:ea typeface="Arial Unicode MS"/>
-              </a:rPr>
-              <a:t>Entfernung der </a:t>
-            </a:r>
-            <a:r>
-              <a:rPr lang="de-DE" b="1" spc="-1" dirty="0">
-                <a:solidFill>
-                  <a:srgbClr val="000000"/>
-                </a:solidFill>
-                <a:latin typeface="Bahnschrift SemiLight"/>
-                <a:ea typeface="Arial Unicode MS"/>
-              </a:rPr>
-              <a:t>Ausreißer in „</a:t>
-            </a:r>
-            <a:r>
-              <a:rPr lang="de-DE" b="1" spc="-1" dirty="0" err="1">
-                <a:solidFill>
-                  <a:srgbClr val="000000"/>
-                </a:solidFill>
-                <a:latin typeface="Bahnschrift SemiLight"/>
-                <a:ea typeface="Arial Unicode MS"/>
-              </a:rPr>
-              <a:t>price_in_euro</a:t>
-            </a:r>
-            <a:r>
-              <a:rPr lang="de-DE" sz="1800" b="1" strike="noStrike" spc="-1" dirty="0">
-                <a:solidFill>
-                  <a:srgbClr val="000000"/>
-                </a:solidFill>
-                <a:latin typeface="Bahnschrift SemiLight"/>
-                <a:ea typeface="Arial Unicode MS"/>
-              </a:rPr>
-              <a:t>“</a:t>
-            </a:r>
-            <a:endParaRPr lang="de-DE" sz="1800" b="0" strike="noStrike" spc="-1" dirty="0">
-              <a:solidFill>
-                <a:srgbClr val="000000"/>
-              </a:solidFill>
-              <a:latin typeface="Arial"/>
-            </a:endParaRPr>
-          </a:p>
-          <a:p>
-            <a:pPr marL="285750" indent="-285750">
-              <a:lnSpc>
-                <a:spcPct val="100000"/>
-              </a:lnSpc>
-              <a:buFont typeface="Arial" panose="020B0604020202020204" pitchFamily="34" charset="0"/>
-              <a:buChar char="•"/>
-            </a:pPr>
-            <a:r>
-              <a:rPr lang="de-DE" sz="1800" b="0" strike="noStrike" spc="-1" dirty="0">
-                <a:solidFill>
-                  <a:srgbClr val="000000"/>
-                </a:solidFill>
-                <a:latin typeface="Bahnschrift SemiLight" panose="020B0502040204020203" pitchFamily="34" charset="0"/>
-              </a:rPr>
-              <a:t>Setzen eines vernünftigen Höchstpreises für ein Gebrauchtwagen (60.000 €) </a:t>
-            </a:r>
-          </a:p>
-        </p:txBody>
-      </p:sp>
-      <p:pic>
-        <p:nvPicPr>
-          <p:cNvPr id="5" name="Grafik 4">
-            <a:extLst>
-              <a:ext uri="{FF2B5EF4-FFF2-40B4-BE49-F238E27FC236}">
-                <a16:creationId xmlns:a16="http://schemas.microsoft.com/office/drawing/2014/main" id="{3124E57C-DFD7-4E4E-B509-3D541CCFF6BD}"/>
-              </a:ext>
-            </a:extLst>
-          </p:cNvPr>
-          <p:cNvPicPr>
-            <a:picLocks noChangeAspect="1"/>
-          </p:cNvPicPr>
-          <p:nvPr/>
-        </p:nvPicPr>
-        <p:blipFill rotWithShape="1">
-          <a:blip r:embed="rId2">
-            <a:extLst>
-              <a:ext uri="{28A0092B-C50C-407E-A947-70E740481C1C}">
-                <a14:useLocalDpi xmlns:a14="http://schemas.microsoft.com/office/drawing/2010/main" val="0"/>
-              </a:ext>
-            </a:extLst>
-          </a:blip>
-          <a:srcRect l="3454" t="3589" r="53066" b="14612"/>
-          <a:stretch/>
-        </p:blipFill>
-        <p:spPr>
-          <a:xfrm>
-            <a:off x="585360" y="2443627"/>
-            <a:ext cx="3213783" cy="3843866"/>
-          </a:xfrm>
-          <a:prstGeom prst="rect">
-            <a:avLst/>
-          </a:prstGeom>
-        </p:spPr>
-      </p:pic>
-      <p:pic>
-        <p:nvPicPr>
-          <p:cNvPr id="8" name="Grafik 7">
-            <a:extLst>
-              <a:ext uri="{FF2B5EF4-FFF2-40B4-BE49-F238E27FC236}">
-                <a16:creationId xmlns:a16="http://schemas.microsoft.com/office/drawing/2014/main" id="{4298E3DC-E525-4FE9-9FB2-5CA9D069B2E1}"/>
-              </a:ext>
-            </a:extLst>
-          </p:cNvPr>
-          <p:cNvPicPr>
-            <a:picLocks noChangeAspect="1"/>
-          </p:cNvPicPr>
-          <p:nvPr/>
-        </p:nvPicPr>
-        <p:blipFill rotWithShape="1">
-          <a:blip r:embed="rId3">
-            <a:extLst>
-              <a:ext uri="{28A0092B-C50C-407E-A947-70E740481C1C}">
-                <a14:useLocalDpi xmlns:a14="http://schemas.microsoft.com/office/drawing/2010/main" val="0"/>
-              </a:ext>
-            </a:extLst>
-          </a:blip>
-          <a:srcRect l="3474" t="4040" r="52240" b="13658"/>
-          <a:stretch/>
-        </p:blipFill>
-        <p:spPr>
-          <a:xfrm>
-            <a:off x="6339143" y="2553694"/>
-            <a:ext cx="3253438" cy="3843866"/>
-          </a:xfrm>
-          <a:prstGeom prst="rect">
-            <a:avLst/>
-          </a:prstGeom>
-        </p:spPr>
-      </p:pic>
-      <p:sp>
-        <p:nvSpPr>
-          <p:cNvPr id="9" name="Pfeil: nach rechts 8">
-            <a:extLst>
-              <a:ext uri="{FF2B5EF4-FFF2-40B4-BE49-F238E27FC236}">
-                <a16:creationId xmlns:a16="http://schemas.microsoft.com/office/drawing/2014/main" id="{09E7BCCA-3644-4124-B5AB-1399E6BAEA06}"/>
-              </a:ext>
-            </a:extLst>
-          </p:cNvPr>
-          <p:cNvSpPr/>
-          <p:nvPr/>
-        </p:nvSpPr>
-        <p:spPr>
-          <a:xfrm>
-            <a:off x="4048910" y="4169206"/>
-            <a:ext cx="2040466" cy="392707"/>
-          </a:xfrm>
-          <a:prstGeom prst="rightArrow">
-            <a:avLst/>
-          </a:prstGeom>
-        </p:spPr>
-        <p:style>
-          <a:lnRef idx="2">
-            <a:schemeClr val="accent1">
-              <a:shade val="50000"/>
-            </a:schemeClr>
-          </a:lnRef>
-          <a:fillRef idx="1">
-            <a:schemeClr val="accent1"/>
-          </a:fillRef>
-          <a:effectRef idx="0">
-            <a:schemeClr val="accent1"/>
-          </a:effectRef>
-          <a:fontRef idx="minor">
-            <a:schemeClr val="lt1"/>
-          </a:fontRef>
-        </p:style>
-        <p:txBody>
-          <a:bodyPr rtlCol="0" anchor="ctr"/>
-          <a:lstStyle/>
-          <a:p>
-            <a:pPr algn="ctr"/>
-            <a:endParaRPr lang="de-DE"/>
-          </a:p>
-        </p:txBody>
-      </p:sp>
-    </p:spTree>
-    <p:extLst>
-      <p:ext uri="{BB962C8B-B14F-4D97-AF65-F5344CB8AC3E}">
-        <p14:creationId xmlns:p14="http://schemas.microsoft.com/office/powerpoint/2010/main" val="3286589072"/>
-      </p:ext>
-    </p:extLst>
-  </p:cSld>
-  <p:clrMapOvr>
-    <a:masterClrMapping/>
-  </p:clrMapOvr>
-</p:sld>
-</file>
-
-<file path=ppt/slides/slide7.xml><?xml version="1.0" encoding="utf-8"?>
-<p:sld xmlns:a="http://schemas.openxmlformats.org/drawingml/2006/main" xmlns:r="http://schemas.openxmlformats.org/officeDocument/2006/relationships" xmlns:p="http://schemas.openxmlformats.org/presentationml/2006/main">
-  <p:cSld>
-    <p:spTree>
-      <p:nvGrpSpPr>
-        <p:cNvPr id="1" name=""/>
-        <p:cNvGrpSpPr/>
-        <p:nvPr/>
-      </p:nvGrpSpPr>
-      <p:grpSpPr>
-        <a:xfrm>
-          <a:off x="0" y="0"/>
-          <a:ext cx="0" cy="0"/>
-          <a:chOff x="0" y="0"/>
-          <a:chExt cx="0" cy="0"/>
-        </a:xfrm>
-      </p:grpSpPr>
-      <p:sp>
-        <p:nvSpPr>
-          <p:cNvPr id="249" name="TextBox 3"/>
-          <p:cNvSpPr/>
-          <p:nvPr/>
-        </p:nvSpPr>
-        <p:spPr>
-          <a:xfrm>
-            <a:off x="5959800" y="2585880"/>
-            <a:ext cx="5887080" cy="1460880"/>
-          </a:xfrm>
-          <a:prstGeom prst="rect">
-            <a:avLst/>
-          </a:prstGeom>
-          <a:noFill/>
-          <a:ln w="0">
-            <a:noFill/>
-          </a:ln>
-        </p:spPr>
-        <p:style>
-          <a:lnRef idx="0">
-            <a:scrgbClr r="0" g="0" b="0"/>
-          </a:lnRef>
-          <a:fillRef idx="0">
-            <a:scrgbClr r="0" g="0" b="0"/>
-          </a:fillRef>
-          <a:effectRef idx="0">
-            <a:scrgbClr r="0" g="0" b="0"/>
-          </a:effectRef>
-          <a:fontRef idx="minor"/>
-        </p:style>
-        <p:txBody>
           <a:bodyPr lIns="90000" tIns="45000" rIns="90000" bIns="45000" anchor="ctr">
             <a:spAutoFit/>
           </a:bodyPr>
@@ -21835,20 +20515,20 @@
               </a:spcAft>
             </a:pPr>
             <a:r>
-              <a:rPr lang="de-DE" sz="6000" b="1" strike="noStrike" spc="-1">
+              <a:rPr lang="de-DE" sz="6000" b="1" strike="noStrike" spc="-1" dirty="0">
                 <a:solidFill>
                   <a:srgbClr val="002060"/>
                 </a:solidFill>
                 <a:latin typeface="CMU Serif"/>
                 <a:ea typeface="CMU Serif"/>
               </a:rPr>
-              <a:t>1. Deskriptive</a:t>
+              <a:t>1. Bereinigung und deskriptive</a:t>
             </a:r>
             <a:br>
-              <a:rPr sz="6000"/>
+              <a:rPr sz="6000" dirty="0"/>
             </a:br>
             <a:r>
-              <a:rPr lang="de-DE" sz="6000" b="1" strike="noStrike" spc="-1">
+              <a:rPr lang="de-DE" sz="6000" b="1" strike="noStrike" spc="-1" dirty="0">
                 <a:solidFill>
                   <a:srgbClr val="002060"/>
                 </a:solidFill>
@@ -21857,7 +20537,7 @@
               </a:rPr>
               <a:t>Datenanalyse</a:t>
             </a:r>
-            <a:endParaRPr lang="de-DE" sz="6000" b="0" strike="noStrike" spc="-1">
+            <a:endParaRPr lang="de-DE" sz="6000" b="0" strike="noStrike" spc="-1" dirty="0">
               <a:solidFill>
                 <a:srgbClr val="000000"/>
               </a:solidFill>
@@ -22239,6 +20919,1312 @@
         </p:txBody>
       </p:sp>
     </p:spTree>
+  </p:cSld>
+  <p:clrMapOvr>
+    <a:masterClrMapping/>
+  </p:clrMapOvr>
+</p:sld>
+</file>
+
+<file path=ppt/slides/slide5.xml><?xml version="1.0" encoding="utf-8"?>
+<p:sld xmlns:a="http://schemas.openxmlformats.org/drawingml/2006/main" xmlns:r="http://schemas.openxmlformats.org/officeDocument/2006/relationships" xmlns:p="http://schemas.openxmlformats.org/presentationml/2006/main">
+  <p:cSld>
+    <p:spTree>
+      <p:nvGrpSpPr>
+        <p:cNvPr id="1" name=""/>
+        <p:cNvGrpSpPr/>
+        <p:nvPr/>
+      </p:nvGrpSpPr>
+      <p:grpSpPr>
+        <a:xfrm>
+          <a:off x="0" y="0"/>
+          <a:ext cx="0" cy="0"/>
+          <a:chOff x="0" y="0"/>
+          <a:chExt cx="0" cy="0"/>
+        </a:xfrm>
+      </p:grpSpPr>
+      <p:sp>
+        <p:nvSpPr>
+          <p:cNvPr id="244" name="PlaceHolder 1"/>
+          <p:cNvSpPr>
+            <a:spLocks noGrp="1"/>
+          </p:cNvSpPr>
+          <p:nvPr>
+            <p:ph/>
+          </p:nvPr>
+        </p:nvSpPr>
+        <p:spPr>
+          <a:xfrm>
+            <a:off x="2063160" y="460440"/>
+            <a:ext cx="8065800" cy="645840"/>
+          </a:xfrm>
+          <a:prstGeom prst="rect">
+            <a:avLst/>
+          </a:prstGeom>
+          <a:noFill/>
+          <a:ln w="0">
+            <a:noFill/>
+          </a:ln>
+        </p:spPr>
+        <p:txBody>
+          <a:bodyPr lIns="90000" tIns="45000" rIns="90000" bIns="45000" anchor="ctr">
+            <a:normAutofit fontScale="74000" lnSpcReduction="10000"/>
+          </a:bodyPr>
+          <a:lstStyle/>
+          <a:p>
+            <a:pPr indent="0">
+              <a:lnSpc>
+                <a:spcPct val="90000"/>
+              </a:lnSpc>
+              <a:spcBef>
+                <a:spcPts val="1001"/>
+              </a:spcBef>
+              <a:buNone/>
+              <a:tabLst>
+                <a:tab pos="0" algn="l"/>
+              </a:tabLst>
+            </a:pPr>
+            <a:r>
+              <a:rPr lang="de-DE" sz="5400" b="1" strike="noStrike" spc="-1">
+                <a:solidFill>
+                  <a:srgbClr val="FFFFFF"/>
+                </a:solidFill>
+                <a:latin typeface="CMU Serif"/>
+                <a:ea typeface="CMU Serif"/>
+              </a:rPr>
+              <a:t>Bereinigung der Daten 1</a:t>
+            </a:r>
+            <a:endParaRPr lang="en-US" sz="5400" b="0" strike="noStrike" spc="-1">
+              <a:solidFill>
+                <a:srgbClr val="000000"/>
+              </a:solidFill>
+              <a:latin typeface="CMU Serif"/>
+            </a:endParaRPr>
+          </a:p>
+        </p:txBody>
+      </p:sp>
+      <p:sp>
+        <p:nvSpPr>
+          <p:cNvPr id="245" name="Textfeld 2"/>
+          <p:cNvSpPr/>
+          <p:nvPr/>
+        </p:nvSpPr>
+        <p:spPr>
+          <a:xfrm>
+            <a:off x="585360" y="1788840"/>
+            <a:ext cx="9953640" cy="3691865"/>
+          </a:xfrm>
+          <a:prstGeom prst="rect">
+            <a:avLst/>
+          </a:prstGeom>
+          <a:noFill/>
+          <a:ln w="0">
+            <a:noFill/>
+          </a:ln>
+        </p:spPr>
+        <p:style>
+          <a:lnRef idx="0">
+            <a:scrgbClr r="0" g="0" b="0"/>
+          </a:lnRef>
+          <a:fillRef idx="0">
+            <a:scrgbClr r="0" g="0" b="0"/>
+          </a:fillRef>
+          <a:effectRef idx="0">
+            <a:scrgbClr r="0" g="0" b="0"/>
+          </a:effectRef>
+          <a:fontRef idx="minor"/>
+        </p:style>
+        <p:txBody>
+          <a:bodyPr lIns="90000" tIns="45000" rIns="90000" bIns="45000" anchor="t">
+            <a:spAutoFit/>
+          </a:bodyPr>
+          <a:lstStyle/>
+          <a:p>
+            <a:pPr>
+              <a:lnSpc>
+                <a:spcPct val="100000"/>
+              </a:lnSpc>
+            </a:pPr>
+            <a:r>
+              <a:rPr lang="de-DE" sz="1800" b="1" strike="noStrike" spc="-1" dirty="0">
+                <a:solidFill>
+                  <a:srgbClr val="000000"/>
+                </a:solidFill>
+                <a:latin typeface="Bahnschrift SemiLight"/>
+                <a:ea typeface="Arial Unicode MS"/>
+              </a:rPr>
+              <a:t>Entfernung der Spalte „Unnamed..0“</a:t>
+            </a:r>
+            <a:endParaRPr lang="de-DE" sz="1800" b="0" strike="noStrike" spc="-1" dirty="0">
+              <a:solidFill>
+                <a:srgbClr val="000000"/>
+              </a:solidFill>
+              <a:latin typeface="Arial"/>
+            </a:endParaRPr>
+          </a:p>
+          <a:p>
+            <a:pPr marL="285840" indent="-285840">
+              <a:lnSpc>
+                <a:spcPct val="100000"/>
+              </a:lnSpc>
+              <a:buClr>
+                <a:srgbClr val="000000"/>
+              </a:buClr>
+              <a:buFont typeface="Arial"/>
+              <a:buChar char="•"/>
+            </a:pPr>
+            <a:r>
+              <a:rPr lang="de-DE" sz="1800" b="0" strike="noStrike" spc="-1" dirty="0">
+                <a:solidFill>
+                  <a:srgbClr val="000000"/>
+                </a:solidFill>
+                <a:latin typeface="Bahnschrift SemiLight"/>
+                <a:ea typeface="Arial Unicode MS"/>
+              </a:rPr>
+              <a:t>Spalte hat keine Relevanz, sie ist reine Nummerierung der Zeilen.</a:t>
+            </a:r>
+            <a:endParaRPr lang="de-DE" sz="1800" b="0" strike="noStrike" spc="-1" dirty="0">
+              <a:solidFill>
+                <a:srgbClr val="000000"/>
+              </a:solidFill>
+              <a:latin typeface="Arial"/>
+            </a:endParaRPr>
+          </a:p>
+          <a:p>
+            <a:pPr>
+              <a:lnSpc>
+                <a:spcPct val="100000"/>
+              </a:lnSpc>
+            </a:pPr>
+            <a:endParaRPr lang="de-DE" sz="1800" b="0" strike="noStrike" spc="-1" dirty="0">
+              <a:solidFill>
+                <a:srgbClr val="000000"/>
+              </a:solidFill>
+              <a:latin typeface="Arial"/>
+            </a:endParaRPr>
+          </a:p>
+          <a:p>
+            <a:pPr>
+              <a:lnSpc>
+                <a:spcPct val="100000"/>
+              </a:lnSpc>
+            </a:pPr>
+            <a:r>
+              <a:rPr lang="de-DE" sz="1800" b="1" strike="noStrike" spc="-1" dirty="0">
+                <a:solidFill>
+                  <a:srgbClr val="000000"/>
+                </a:solidFill>
+                <a:latin typeface="Bahnschrift SemiLight"/>
+                <a:ea typeface="Arial Unicode MS"/>
+              </a:rPr>
+              <a:t>Entfernung der Spalte „</a:t>
+            </a:r>
+            <a:r>
+              <a:rPr lang="de-DE" sz="1800" b="1" strike="noStrike" spc="-1" dirty="0" err="1">
+                <a:solidFill>
+                  <a:srgbClr val="000000"/>
+                </a:solidFill>
+                <a:latin typeface="Bahnschrift SemiLight"/>
+                <a:ea typeface="Arial Unicode MS"/>
+              </a:rPr>
+              <a:t>offer_description</a:t>
+            </a:r>
+            <a:r>
+              <a:rPr lang="de-DE" sz="1800" b="1" strike="noStrike" spc="-1" dirty="0">
+                <a:solidFill>
+                  <a:srgbClr val="000000"/>
+                </a:solidFill>
+                <a:latin typeface="Bahnschrift SemiLight"/>
+                <a:ea typeface="Arial Unicode MS"/>
+              </a:rPr>
+              <a:t>“</a:t>
+            </a:r>
+            <a:endParaRPr lang="de-DE" sz="1800" b="0" strike="noStrike" spc="-1" dirty="0">
+              <a:solidFill>
+                <a:srgbClr val="000000"/>
+              </a:solidFill>
+              <a:latin typeface="Arial"/>
+            </a:endParaRPr>
+          </a:p>
+          <a:p>
+            <a:pPr marL="285840" indent="-285840">
+              <a:lnSpc>
+                <a:spcPct val="100000"/>
+              </a:lnSpc>
+              <a:buClr>
+                <a:srgbClr val="000000"/>
+              </a:buClr>
+              <a:buFont typeface="Arial"/>
+              <a:buChar char="•"/>
+            </a:pPr>
+            <a:r>
+              <a:rPr lang="de-DE" sz="1800" b="0" strike="noStrike" spc="-1" dirty="0">
+                <a:solidFill>
+                  <a:srgbClr val="000000"/>
+                </a:solidFill>
+                <a:latin typeface="Bahnschrift SemiLight"/>
+                <a:ea typeface="Arial Unicode MS"/>
+              </a:rPr>
+              <a:t>Z.B.: wurde geschaut, ob in der Spalte </a:t>
+            </a:r>
+            <a:r>
+              <a:rPr lang="de-DE" sz="1800" b="0" strike="noStrike" spc="-1" dirty="0" err="1">
+                <a:solidFill>
+                  <a:srgbClr val="000000"/>
+                </a:solidFill>
+                <a:latin typeface="Bahnschrift SemiLight"/>
+                <a:ea typeface="Arial Unicode MS"/>
+              </a:rPr>
+              <a:t>offer_description</a:t>
+            </a:r>
+            <a:r>
+              <a:rPr lang="de-DE" sz="1800" b="0" strike="noStrike" spc="-1" dirty="0">
+                <a:solidFill>
+                  <a:srgbClr val="000000"/>
+                </a:solidFill>
+                <a:latin typeface="Bahnschrift SemiLight"/>
+                <a:ea typeface="Arial Unicode MS"/>
+              </a:rPr>
+              <a:t> Wort unfallfrei, </a:t>
+            </a:r>
+            <a:r>
+              <a:rPr lang="de-DE" sz="1800" b="0" strike="noStrike" spc="-1" dirty="0" err="1">
+                <a:solidFill>
+                  <a:srgbClr val="000000"/>
+                </a:solidFill>
+                <a:latin typeface="Bahnschrift SemiLight"/>
+                <a:ea typeface="Arial Unicode MS"/>
+              </a:rPr>
+              <a:t>sport</a:t>
+            </a:r>
+            <a:r>
+              <a:rPr lang="de-DE" sz="1800" b="0" strike="noStrike" spc="-1" dirty="0">
+                <a:solidFill>
+                  <a:srgbClr val="000000"/>
+                </a:solidFill>
+                <a:latin typeface="Bahnschrift SemiLight"/>
+                <a:ea typeface="Arial Unicode MS"/>
+              </a:rPr>
+              <a:t>, 4x4 usw. steht.</a:t>
+            </a:r>
+          </a:p>
+          <a:p>
+            <a:pPr marL="285840" indent="-285840">
+              <a:lnSpc>
+                <a:spcPct val="100000"/>
+              </a:lnSpc>
+              <a:buClr>
+                <a:srgbClr val="000000"/>
+              </a:buClr>
+              <a:buFont typeface="Arial"/>
+              <a:buChar char="•"/>
+            </a:pPr>
+            <a:r>
+              <a:rPr lang="de-DE" spc="-1" dirty="0">
+                <a:solidFill>
+                  <a:srgbClr val="000000"/>
+                </a:solidFill>
+                <a:latin typeface="Bahnschrift SemiLight"/>
+                <a:ea typeface="Arial Unicode MS"/>
+              </a:rPr>
+              <a:t>Dies war auch der Fall bei </a:t>
+            </a:r>
+            <a:r>
+              <a:rPr lang="de-DE" spc="-1" dirty="0" err="1">
+                <a:solidFill>
+                  <a:srgbClr val="000000"/>
+                </a:solidFill>
+                <a:latin typeface="Bahnschrift SemiLight"/>
+                <a:ea typeface="Arial Unicode MS"/>
+              </a:rPr>
+              <a:t>sport</a:t>
+            </a:r>
+            <a:r>
+              <a:rPr lang="de-DE" spc="-1" dirty="0">
+                <a:solidFill>
+                  <a:srgbClr val="000000"/>
+                </a:solidFill>
+                <a:latin typeface="Bahnschrift SemiLight"/>
+                <a:ea typeface="Arial Unicode MS"/>
+              </a:rPr>
+              <a:t> bzw. 4x4 -&gt; neue Spalte erzeugt.</a:t>
+            </a:r>
+            <a:endParaRPr lang="de-DE" sz="1800" b="0" strike="noStrike" spc="-1" dirty="0">
+              <a:solidFill>
+                <a:srgbClr val="000000"/>
+              </a:solidFill>
+              <a:latin typeface="Bahnschrift SemiLight"/>
+              <a:ea typeface="Arial Unicode MS"/>
+            </a:endParaRPr>
+          </a:p>
+          <a:p>
+            <a:pPr>
+              <a:lnSpc>
+                <a:spcPct val="100000"/>
+              </a:lnSpc>
+            </a:pPr>
+            <a:endParaRPr lang="de-DE" sz="1800" b="0" strike="noStrike" spc="-1" dirty="0">
+              <a:solidFill>
+                <a:srgbClr val="000000"/>
+              </a:solidFill>
+              <a:latin typeface="Arial"/>
+            </a:endParaRPr>
+          </a:p>
+          <a:p>
+            <a:pPr>
+              <a:lnSpc>
+                <a:spcPct val="100000"/>
+              </a:lnSpc>
+            </a:pPr>
+            <a:r>
+              <a:rPr lang="de-DE" sz="1800" b="1" strike="noStrike" spc="-1" dirty="0">
+                <a:solidFill>
+                  <a:srgbClr val="000000"/>
+                </a:solidFill>
+                <a:latin typeface="Bahnschrift SemiLight"/>
+                <a:ea typeface="Arial Unicode MS"/>
+              </a:rPr>
+              <a:t>Entfernung der Spalte „</a:t>
+            </a:r>
+            <a:r>
+              <a:rPr lang="de-DE" sz="1800" b="1" strike="noStrike" spc="-1" dirty="0" err="1">
+                <a:solidFill>
+                  <a:srgbClr val="000000"/>
+                </a:solidFill>
+                <a:latin typeface="Bahnschrift SemiLight"/>
+                <a:ea typeface="Arial Unicode MS"/>
+              </a:rPr>
+              <a:t>power_ps</a:t>
+            </a:r>
+            <a:r>
+              <a:rPr lang="de-DE" sz="1800" b="1" strike="noStrike" spc="-1" dirty="0">
+                <a:solidFill>
+                  <a:srgbClr val="000000"/>
+                </a:solidFill>
+                <a:latin typeface="Bahnschrift SemiLight"/>
+                <a:ea typeface="Arial Unicode MS"/>
+              </a:rPr>
+              <a:t>“</a:t>
+            </a:r>
+            <a:endParaRPr lang="de-DE" sz="1800" b="0" strike="noStrike" spc="-1" dirty="0">
+              <a:solidFill>
+                <a:srgbClr val="000000"/>
+              </a:solidFill>
+              <a:latin typeface="Arial"/>
+            </a:endParaRPr>
+          </a:p>
+          <a:p>
+            <a:pPr marL="285840" indent="-285840">
+              <a:lnSpc>
+                <a:spcPct val="100000"/>
+              </a:lnSpc>
+              <a:buClr>
+                <a:srgbClr val="000000"/>
+              </a:buClr>
+              <a:buFont typeface="Arial"/>
+              <a:buChar char="•"/>
+            </a:pPr>
+            <a:r>
+              <a:rPr lang="de-DE" sz="1800" b="0" strike="noStrike" spc="-1" dirty="0">
+                <a:solidFill>
+                  <a:srgbClr val="000000"/>
+                </a:solidFill>
+                <a:latin typeface="Bahnschrift SemiLight"/>
+                <a:ea typeface="Arial Unicode MS"/>
+              </a:rPr>
+              <a:t>Die Pferdestärke kann auch aus „</a:t>
+            </a:r>
+            <a:r>
+              <a:rPr lang="de-DE" sz="1800" b="0" strike="noStrike" spc="-1" dirty="0" err="1">
+                <a:solidFill>
+                  <a:srgbClr val="000000"/>
+                </a:solidFill>
+                <a:latin typeface="Bahnschrift SemiLight"/>
+                <a:ea typeface="Arial Unicode MS"/>
+              </a:rPr>
+              <a:t>power_kw</a:t>
+            </a:r>
+            <a:r>
+              <a:rPr lang="de-DE" sz="1800" b="0" strike="noStrike" spc="-1" dirty="0">
+                <a:solidFill>
+                  <a:srgbClr val="000000"/>
+                </a:solidFill>
+                <a:latin typeface="Bahnschrift SemiLight"/>
+                <a:ea typeface="Arial Unicode MS"/>
+              </a:rPr>
+              <a:t>“ durch Umwandlung gewonnen werden.</a:t>
+            </a:r>
+            <a:endParaRPr lang="de-DE" sz="1800" b="0" strike="noStrike" spc="-1" dirty="0">
+              <a:solidFill>
+                <a:srgbClr val="000000"/>
+              </a:solidFill>
+              <a:latin typeface="Arial"/>
+            </a:endParaRPr>
+          </a:p>
+          <a:p>
+            <a:pPr marL="285840" indent="-285840">
+              <a:lnSpc>
+                <a:spcPct val="100000"/>
+              </a:lnSpc>
+              <a:buClr>
+                <a:srgbClr val="000000"/>
+              </a:buClr>
+              <a:buFont typeface="Arial"/>
+              <a:buChar char="•"/>
+            </a:pPr>
+            <a:r>
+              <a:rPr lang="de-DE" sz="1800" b="0" strike="noStrike" spc="-1" dirty="0">
+                <a:solidFill>
+                  <a:srgbClr val="000000"/>
+                </a:solidFill>
+                <a:latin typeface="Bahnschrift SemiLight"/>
+                <a:ea typeface="Arial Unicode MS"/>
+              </a:rPr>
+              <a:t>Spalte ist daher überflüssig für die weitere Analyse.</a:t>
+            </a:r>
+          </a:p>
+          <a:p>
+            <a:pPr>
+              <a:lnSpc>
+                <a:spcPct val="100000"/>
+              </a:lnSpc>
+            </a:pPr>
+            <a:endParaRPr lang="de-DE" sz="1800" b="0" strike="noStrike" spc="-1" dirty="0">
+              <a:solidFill>
+                <a:srgbClr val="000000"/>
+              </a:solidFill>
+              <a:latin typeface="Arial"/>
+            </a:endParaRPr>
+          </a:p>
+          <a:p>
+            <a:pPr>
+              <a:lnSpc>
+                <a:spcPct val="100000"/>
+              </a:lnSpc>
+            </a:pPr>
+            <a:endParaRPr lang="de-DE" sz="1800" b="0" strike="noStrike" spc="-1" dirty="0">
+              <a:solidFill>
+                <a:srgbClr val="000000"/>
+              </a:solidFill>
+              <a:latin typeface="Arial"/>
+            </a:endParaRPr>
+          </a:p>
+        </p:txBody>
+      </p:sp>
+    </p:spTree>
+  </p:cSld>
+  <p:clrMapOvr>
+    <a:masterClrMapping/>
+  </p:clrMapOvr>
+</p:sld>
+</file>
+
+<file path=ppt/slides/slide6.xml><?xml version="1.0" encoding="utf-8"?>
+<p:sld xmlns:a="http://schemas.openxmlformats.org/drawingml/2006/main" xmlns:r="http://schemas.openxmlformats.org/officeDocument/2006/relationships" xmlns:p="http://schemas.openxmlformats.org/presentationml/2006/main">
+  <p:cSld>
+    <p:spTree>
+      <p:nvGrpSpPr>
+        <p:cNvPr id="1" name=""/>
+        <p:cNvGrpSpPr/>
+        <p:nvPr/>
+      </p:nvGrpSpPr>
+      <p:grpSpPr>
+        <a:xfrm>
+          <a:off x="0" y="0"/>
+          <a:ext cx="0" cy="0"/>
+          <a:chOff x="0" y="0"/>
+          <a:chExt cx="0" cy="0"/>
+        </a:xfrm>
+      </p:grpSpPr>
+      <p:sp>
+        <p:nvSpPr>
+          <p:cNvPr id="246" name="PlaceHolder 1"/>
+          <p:cNvSpPr>
+            <a:spLocks noGrp="1"/>
+          </p:cNvSpPr>
+          <p:nvPr>
+            <p:ph/>
+          </p:nvPr>
+        </p:nvSpPr>
+        <p:spPr>
+          <a:xfrm>
+            <a:off x="2063160" y="460440"/>
+            <a:ext cx="8065800" cy="645840"/>
+          </a:xfrm>
+          <a:prstGeom prst="rect">
+            <a:avLst/>
+          </a:prstGeom>
+          <a:noFill/>
+          <a:ln w="0">
+            <a:noFill/>
+          </a:ln>
+        </p:spPr>
+        <p:txBody>
+          <a:bodyPr lIns="90000" tIns="45000" rIns="90000" bIns="45000" anchor="ctr">
+            <a:normAutofit fontScale="74000" lnSpcReduction="10000"/>
+          </a:bodyPr>
+          <a:lstStyle/>
+          <a:p>
+            <a:pPr indent="0">
+              <a:lnSpc>
+                <a:spcPct val="90000"/>
+              </a:lnSpc>
+              <a:spcBef>
+                <a:spcPts val="1001"/>
+              </a:spcBef>
+              <a:buNone/>
+              <a:tabLst>
+                <a:tab pos="0" algn="l"/>
+              </a:tabLst>
+            </a:pPr>
+            <a:r>
+              <a:rPr lang="de-DE" sz="5400" b="1" strike="noStrike" spc="-1" dirty="0">
+                <a:solidFill>
+                  <a:srgbClr val="FFFFFF"/>
+                </a:solidFill>
+                <a:latin typeface="CMU Serif"/>
+                <a:ea typeface="CMU Serif"/>
+              </a:rPr>
+              <a:t>Bereinigung der Daten 2</a:t>
+            </a:r>
+            <a:endParaRPr lang="en-US" sz="5400" b="0" strike="noStrike" spc="-1" dirty="0">
+              <a:solidFill>
+                <a:srgbClr val="000000"/>
+              </a:solidFill>
+              <a:latin typeface="CMU Serif"/>
+            </a:endParaRPr>
+          </a:p>
+        </p:txBody>
+      </p:sp>
+      <p:sp>
+        <p:nvSpPr>
+          <p:cNvPr id="247" name="Textfeld 2"/>
+          <p:cNvSpPr/>
+          <p:nvPr/>
+        </p:nvSpPr>
+        <p:spPr>
+          <a:xfrm>
+            <a:off x="585360" y="1788840"/>
+            <a:ext cx="9953640" cy="5076859"/>
+          </a:xfrm>
+          <a:prstGeom prst="rect">
+            <a:avLst/>
+          </a:prstGeom>
+          <a:noFill/>
+          <a:ln w="0">
+            <a:noFill/>
+          </a:ln>
+        </p:spPr>
+        <p:style>
+          <a:lnRef idx="0">
+            <a:scrgbClr r="0" g="0" b="0"/>
+          </a:lnRef>
+          <a:fillRef idx="0">
+            <a:scrgbClr r="0" g="0" b="0"/>
+          </a:fillRef>
+          <a:effectRef idx="0">
+            <a:scrgbClr r="0" g="0" b="0"/>
+          </a:effectRef>
+          <a:fontRef idx="minor"/>
+        </p:style>
+        <p:txBody>
+          <a:bodyPr lIns="90000" tIns="45000" rIns="90000" bIns="45000" anchor="t">
+            <a:spAutoFit/>
+          </a:bodyPr>
+          <a:lstStyle/>
+          <a:p>
+            <a:pPr>
+              <a:lnSpc>
+                <a:spcPct val="100000"/>
+              </a:lnSpc>
+            </a:pPr>
+            <a:r>
+              <a:rPr lang="de-DE" sz="1800" b="1" strike="noStrike" spc="-1" dirty="0">
+                <a:solidFill>
+                  <a:srgbClr val="000000"/>
+                </a:solidFill>
+                <a:latin typeface="Bahnschrift SemiLight"/>
+                <a:ea typeface="Arial Unicode MS"/>
+              </a:rPr>
+              <a:t>Entfernung der Spalte „</a:t>
+            </a:r>
+            <a:r>
+              <a:rPr lang="de-DE" sz="1800" b="1" strike="noStrike" spc="-1" dirty="0" err="1">
+                <a:solidFill>
+                  <a:srgbClr val="000000"/>
+                </a:solidFill>
+                <a:latin typeface="Bahnschrift SemiLight"/>
+                <a:ea typeface="Arial Unicode MS"/>
+              </a:rPr>
+              <a:t>fuel_consumption_g_km</a:t>
+            </a:r>
+            <a:r>
+              <a:rPr lang="de-DE" sz="1800" b="1" strike="noStrike" spc="-1" dirty="0">
+                <a:solidFill>
+                  <a:srgbClr val="000000"/>
+                </a:solidFill>
+                <a:latin typeface="Bahnschrift SemiLight"/>
+                <a:ea typeface="Arial Unicode MS"/>
+              </a:rPr>
+              <a:t>“</a:t>
+            </a:r>
+            <a:endParaRPr lang="de-DE" sz="1800" b="0" strike="noStrike" spc="-1" dirty="0">
+              <a:solidFill>
+                <a:srgbClr val="000000"/>
+              </a:solidFill>
+              <a:latin typeface="Arial"/>
+            </a:endParaRPr>
+          </a:p>
+          <a:p>
+            <a:pPr marL="285750" indent="-285750">
+              <a:lnSpc>
+                <a:spcPct val="100000"/>
+              </a:lnSpc>
+              <a:buFont typeface="Arial" panose="020B0604020202020204" pitchFamily="34" charset="0"/>
+              <a:buChar char="•"/>
+            </a:pPr>
+            <a:r>
+              <a:rPr lang="de-DE" sz="1800" b="0" strike="noStrike" spc="-1" dirty="0">
+                <a:solidFill>
+                  <a:srgbClr val="000000"/>
+                </a:solidFill>
+                <a:latin typeface="Bahnschrift SemiLight"/>
+                <a:ea typeface="Arial Unicode MS"/>
+              </a:rPr>
+              <a:t>nur sinnvoll befüllt für </a:t>
+            </a:r>
+            <a:r>
+              <a:rPr lang="de-DE" sz="1800" b="0" strike="noStrike" spc="-1" dirty="0" err="1">
+                <a:solidFill>
+                  <a:srgbClr val="000000"/>
+                </a:solidFill>
+                <a:latin typeface="Bahnschrift SemiLight"/>
+                <a:ea typeface="Arial Unicode MS"/>
+              </a:rPr>
+              <a:t>fuel_type</a:t>
+            </a:r>
+            <a:r>
+              <a:rPr lang="de-DE" sz="1800" b="0" strike="noStrike" spc="-1" dirty="0">
+                <a:solidFill>
+                  <a:srgbClr val="000000"/>
+                </a:solidFill>
+                <a:latin typeface="Bahnschrift SemiLight"/>
+                <a:ea typeface="Arial Unicode MS"/>
+              </a:rPr>
+              <a:t> Diesel oder Benzin, nicht für alternative Antriebsarten</a:t>
+            </a:r>
+            <a:endParaRPr lang="de-DE" sz="1800" b="0" strike="noStrike" spc="-1" dirty="0">
+              <a:solidFill>
+                <a:srgbClr val="000000"/>
+              </a:solidFill>
+              <a:latin typeface="Arial"/>
+            </a:endParaRPr>
+          </a:p>
+          <a:p>
+            <a:pPr marL="285750" indent="-285750">
+              <a:lnSpc>
+                <a:spcPct val="100000"/>
+              </a:lnSpc>
+              <a:buFont typeface="Arial" panose="020B0604020202020204" pitchFamily="34" charset="0"/>
+              <a:buChar char="•"/>
+            </a:pPr>
+            <a:r>
+              <a:rPr lang="de-DE" sz="1800" b="0" strike="noStrike" spc="-1" dirty="0" err="1">
+                <a:solidFill>
+                  <a:srgbClr val="000000"/>
+                </a:solidFill>
+                <a:latin typeface="Bahnschrift SemiLight"/>
+                <a:ea typeface="Arial Unicode MS"/>
+              </a:rPr>
+              <a:t>fuel_type</a:t>
+            </a:r>
+            <a:r>
+              <a:rPr lang="de-DE" sz="1800" b="0" strike="noStrike" spc="-1" dirty="0">
+                <a:solidFill>
+                  <a:srgbClr val="000000"/>
+                </a:solidFill>
+                <a:latin typeface="Bahnschrift SemiLight"/>
+                <a:ea typeface="Arial Unicode MS"/>
+              </a:rPr>
+              <a:t> zu wichtig für Zielvariable</a:t>
+            </a:r>
+          </a:p>
+          <a:p>
+            <a:pPr marL="285750" indent="-285750">
+              <a:lnSpc>
+                <a:spcPct val="100000"/>
+              </a:lnSpc>
+              <a:buFont typeface="Arial" panose="020B0604020202020204" pitchFamily="34" charset="0"/>
+              <a:buChar char="•"/>
+            </a:pPr>
+            <a:endParaRPr lang="de-DE" spc="-1" dirty="0">
+              <a:solidFill>
+                <a:srgbClr val="000000"/>
+              </a:solidFill>
+              <a:latin typeface="Bahnschrift SemiLight"/>
+            </a:endParaRPr>
+          </a:p>
+          <a:p>
+            <a:pPr marL="285750" indent="-285750">
+              <a:lnSpc>
+                <a:spcPct val="100000"/>
+              </a:lnSpc>
+              <a:buFont typeface="Arial" panose="020B0604020202020204" pitchFamily="34" charset="0"/>
+              <a:buChar char="•"/>
+            </a:pPr>
+            <a:endParaRPr lang="de-DE" sz="1800" b="0" strike="noStrike" spc="-1" dirty="0">
+              <a:solidFill>
+                <a:srgbClr val="000000"/>
+              </a:solidFill>
+              <a:latin typeface="Bahnschrift SemiLight"/>
+            </a:endParaRPr>
+          </a:p>
+          <a:p>
+            <a:pPr marL="285750" indent="-285750">
+              <a:lnSpc>
+                <a:spcPct val="100000"/>
+              </a:lnSpc>
+              <a:buFont typeface="Arial" panose="020B0604020202020204" pitchFamily="34" charset="0"/>
+              <a:buChar char="•"/>
+            </a:pPr>
+            <a:endParaRPr lang="de-DE" spc="-1" dirty="0">
+              <a:solidFill>
+                <a:srgbClr val="000000"/>
+              </a:solidFill>
+              <a:latin typeface="Bahnschrift SemiLight"/>
+            </a:endParaRPr>
+          </a:p>
+          <a:p>
+            <a:pPr marL="285750" indent="-285750">
+              <a:lnSpc>
+                <a:spcPct val="100000"/>
+              </a:lnSpc>
+              <a:buFont typeface="Arial" panose="020B0604020202020204" pitchFamily="34" charset="0"/>
+              <a:buChar char="•"/>
+            </a:pPr>
+            <a:endParaRPr lang="de-DE" sz="1800" b="0" strike="noStrike" spc="-1" dirty="0">
+              <a:solidFill>
+                <a:srgbClr val="000000"/>
+              </a:solidFill>
+              <a:latin typeface="Bahnschrift SemiLight"/>
+            </a:endParaRPr>
+          </a:p>
+          <a:p>
+            <a:pPr marL="285750" indent="-285750">
+              <a:lnSpc>
+                <a:spcPct val="100000"/>
+              </a:lnSpc>
+              <a:buFont typeface="Arial" panose="020B0604020202020204" pitchFamily="34" charset="0"/>
+              <a:buChar char="•"/>
+            </a:pPr>
+            <a:endParaRPr lang="de-DE" spc="-1" dirty="0">
+              <a:solidFill>
+                <a:srgbClr val="000000"/>
+              </a:solidFill>
+              <a:latin typeface="Bahnschrift SemiLight"/>
+            </a:endParaRPr>
+          </a:p>
+          <a:p>
+            <a:pPr marL="285750" indent="-285750">
+              <a:lnSpc>
+                <a:spcPct val="100000"/>
+              </a:lnSpc>
+              <a:buFont typeface="Arial" panose="020B0604020202020204" pitchFamily="34" charset="0"/>
+              <a:buChar char="•"/>
+            </a:pPr>
+            <a:endParaRPr lang="de-DE" sz="1800" b="0" strike="noStrike" spc="-1" dirty="0">
+              <a:solidFill>
+                <a:srgbClr val="000000"/>
+              </a:solidFill>
+              <a:latin typeface="Bahnschrift SemiLight"/>
+            </a:endParaRPr>
+          </a:p>
+          <a:p>
+            <a:pPr marL="285750" indent="-285750">
+              <a:lnSpc>
+                <a:spcPct val="100000"/>
+              </a:lnSpc>
+              <a:buFont typeface="Arial" panose="020B0604020202020204" pitchFamily="34" charset="0"/>
+              <a:buChar char="•"/>
+            </a:pPr>
+            <a:endParaRPr lang="de-DE" spc="-1" dirty="0">
+              <a:solidFill>
+                <a:srgbClr val="000000"/>
+              </a:solidFill>
+              <a:latin typeface="Bahnschrift SemiLight"/>
+            </a:endParaRPr>
+          </a:p>
+          <a:p>
+            <a:pPr marL="285750" indent="-285750">
+              <a:lnSpc>
+                <a:spcPct val="100000"/>
+              </a:lnSpc>
+              <a:buFont typeface="Arial" panose="020B0604020202020204" pitchFamily="34" charset="0"/>
+              <a:buChar char="•"/>
+            </a:pPr>
+            <a:endParaRPr lang="de-DE" sz="1800" b="0" strike="noStrike" spc="-1" dirty="0">
+              <a:solidFill>
+                <a:srgbClr val="000000"/>
+              </a:solidFill>
+              <a:latin typeface="Bahnschrift SemiLight"/>
+            </a:endParaRPr>
+          </a:p>
+          <a:p>
+            <a:pPr marL="285750" indent="-285750">
+              <a:lnSpc>
+                <a:spcPct val="100000"/>
+              </a:lnSpc>
+              <a:buFont typeface="Arial" panose="020B0604020202020204" pitchFamily="34" charset="0"/>
+              <a:buChar char="•"/>
+            </a:pPr>
+            <a:endParaRPr lang="de-DE" spc="-1" dirty="0">
+              <a:solidFill>
+                <a:srgbClr val="000000"/>
+              </a:solidFill>
+              <a:latin typeface="Bahnschrift SemiLight"/>
+            </a:endParaRPr>
+          </a:p>
+          <a:p>
+            <a:pPr marL="285750" indent="-285750">
+              <a:lnSpc>
+                <a:spcPct val="100000"/>
+              </a:lnSpc>
+              <a:buFont typeface="Arial" panose="020B0604020202020204" pitchFamily="34" charset="0"/>
+              <a:buChar char="•"/>
+            </a:pPr>
+            <a:endParaRPr lang="de-DE" sz="1800" b="0" strike="noStrike" spc="-1" dirty="0">
+              <a:solidFill>
+                <a:srgbClr val="000000"/>
+              </a:solidFill>
+              <a:latin typeface="Bahnschrift SemiLight"/>
+            </a:endParaRPr>
+          </a:p>
+          <a:p>
+            <a:pPr marL="285750" indent="-285750">
+              <a:lnSpc>
+                <a:spcPct val="100000"/>
+              </a:lnSpc>
+              <a:buFont typeface="Arial" panose="020B0604020202020204" pitchFamily="34" charset="0"/>
+              <a:buChar char="•"/>
+            </a:pPr>
+            <a:endParaRPr lang="de-DE" spc="-1" dirty="0">
+              <a:solidFill>
+                <a:srgbClr val="000000"/>
+              </a:solidFill>
+              <a:latin typeface="Bahnschrift SemiLight"/>
+            </a:endParaRPr>
+          </a:p>
+          <a:p>
+            <a:pPr marL="285750" indent="-285750">
+              <a:lnSpc>
+                <a:spcPct val="100000"/>
+              </a:lnSpc>
+              <a:buFont typeface="Arial" panose="020B0604020202020204" pitchFamily="34" charset="0"/>
+              <a:buChar char="•"/>
+            </a:pPr>
+            <a:r>
+              <a:rPr lang="de-DE" sz="1800" b="1" strike="noStrike" spc="-1" dirty="0">
+                <a:solidFill>
+                  <a:srgbClr val="000000"/>
+                </a:solidFill>
+                <a:latin typeface="Bahnschrift SemiLight"/>
+              </a:rPr>
+              <a:t>Entfernung der Gebrauchtwagen älter als 2003</a:t>
+            </a:r>
+          </a:p>
+          <a:p>
+            <a:pPr marL="285750" indent="-285750">
+              <a:lnSpc>
+                <a:spcPct val="100000"/>
+              </a:lnSpc>
+              <a:buFont typeface="Arial" panose="020B0604020202020204" pitchFamily="34" charset="0"/>
+              <a:buChar char="•"/>
+            </a:pPr>
+            <a:endParaRPr lang="de-DE" b="1" spc="-1" dirty="0">
+              <a:solidFill>
+                <a:srgbClr val="000000"/>
+              </a:solidFill>
+              <a:latin typeface="Bahnschrift SemiLight"/>
+            </a:endParaRPr>
+          </a:p>
+          <a:p>
+            <a:pPr marL="285750" indent="-285750">
+              <a:lnSpc>
+                <a:spcPct val="100000"/>
+              </a:lnSpc>
+              <a:buFont typeface="Arial" panose="020B0604020202020204" pitchFamily="34" charset="0"/>
+              <a:buChar char="•"/>
+            </a:pPr>
+            <a:r>
+              <a:rPr lang="de-DE" sz="1800" b="1" strike="noStrike" spc="-1" dirty="0">
+                <a:solidFill>
+                  <a:srgbClr val="000000"/>
+                </a:solidFill>
+                <a:latin typeface="Bahnschrift SemiLight"/>
+              </a:rPr>
+              <a:t>Entfernung der Gebrauchtwagen deren Kilometerstand über 500.000 km liegt</a:t>
+            </a:r>
+            <a:endParaRPr lang="de-DE" sz="1800" b="1" strike="noStrike" spc="-1" dirty="0">
+              <a:solidFill>
+                <a:srgbClr val="000000"/>
+              </a:solidFill>
+              <a:latin typeface="Arial"/>
+            </a:endParaRPr>
+          </a:p>
+          <a:p>
+            <a:pPr>
+              <a:lnSpc>
+                <a:spcPct val="100000"/>
+              </a:lnSpc>
+            </a:pPr>
+            <a:endParaRPr lang="de-DE" sz="1800" b="0" strike="noStrike" spc="-1" dirty="0">
+              <a:solidFill>
+                <a:srgbClr val="000000"/>
+              </a:solidFill>
+              <a:latin typeface="Arial"/>
+            </a:endParaRPr>
+          </a:p>
+        </p:txBody>
+      </p:sp>
+      <p:pic>
+        <p:nvPicPr>
+          <p:cNvPr id="248" name="Grafik 247"/>
+          <p:cNvPicPr/>
+          <p:nvPr/>
+        </p:nvPicPr>
+        <p:blipFill>
+          <a:blip r:embed="rId2"/>
+          <a:stretch/>
+        </p:blipFill>
+        <p:spPr>
+          <a:xfrm>
+            <a:off x="5248912" y="2556419"/>
+            <a:ext cx="3792933" cy="2627733"/>
+          </a:xfrm>
+          <a:prstGeom prst="rect">
+            <a:avLst/>
+          </a:prstGeom>
+          <a:ln w="0">
+            <a:noFill/>
+          </a:ln>
+        </p:spPr>
+      </p:pic>
+    </p:spTree>
+  </p:cSld>
+  <p:clrMapOvr>
+    <a:masterClrMapping/>
+  </p:clrMapOvr>
+</p:sld>
+</file>
+
+<file path=ppt/slides/slide7.xml><?xml version="1.0" encoding="utf-8"?>
+<p:sld xmlns:a="http://schemas.openxmlformats.org/drawingml/2006/main" xmlns:r="http://schemas.openxmlformats.org/officeDocument/2006/relationships" xmlns:p="http://schemas.openxmlformats.org/presentationml/2006/main">
+  <p:cSld>
+    <p:spTree>
+      <p:nvGrpSpPr>
+        <p:cNvPr id="1" name=""/>
+        <p:cNvGrpSpPr/>
+        <p:nvPr/>
+      </p:nvGrpSpPr>
+      <p:grpSpPr>
+        <a:xfrm>
+          <a:off x="0" y="0"/>
+          <a:ext cx="0" cy="0"/>
+          <a:chOff x="0" y="0"/>
+          <a:chExt cx="0" cy="0"/>
+        </a:xfrm>
+      </p:grpSpPr>
+      <p:sp>
+        <p:nvSpPr>
+          <p:cNvPr id="246" name="PlaceHolder 1"/>
+          <p:cNvSpPr>
+            <a:spLocks noGrp="1"/>
+          </p:cNvSpPr>
+          <p:nvPr>
+            <p:ph/>
+          </p:nvPr>
+        </p:nvSpPr>
+        <p:spPr>
+          <a:xfrm>
+            <a:off x="2063160" y="443506"/>
+            <a:ext cx="8065800" cy="645840"/>
+          </a:xfrm>
+          <a:prstGeom prst="rect">
+            <a:avLst/>
+          </a:prstGeom>
+          <a:noFill/>
+          <a:ln w="0">
+            <a:noFill/>
+          </a:ln>
+        </p:spPr>
+        <p:txBody>
+          <a:bodyPr lIns="90000" tIns="45000" rIns="90000" bIns="45000" anchor="ctr">
+            <a:noAutofit/>
+          </a:bodyPr>
+          <a:lstStyle/>
+          <a:p>
+            <a:pPr indent="0">
+              <a:lnSpc>
+                <a:spcPct val="90000"/>
+              </a:lnSpc>
+              <a:spcBef>
+                <a:spcPts val="1001"/>
+              </a:spcBef>
+              <a:buNone/>
+              <a:tabLst>
+                <a:tab pos="0" algn="l"/>
+              </a:tabLst>
+            </a:pPr>
+            <a:r>
+              <a:rPr lang="de-DE" sz="4000" b="1" strike="noStrike" spc="-1" dirty="0">
+                <a:solidFill>
+                  <a:srgbClr val="FFFFFF"/>
+                </a:solidFill>
+                <a:latin typeface="CMU Serif"/>
+                <a:ea typeface="CMU Serif"/>
+              </a:rPr>
+              <a:t>Bereinigung der Daten 3</a:t>
+            </a:r>
+            <a:endParaRPr lang="en-US" sz="4000" b="0" strike="noStrike" spc="-1" dirty="0">
+              <a:solidFill>
+                <a:srgbClr val="000000"/>
+              </a:solidFill>
+              <a:latin typeface="CMU Serif"/>
+            </a:endParaRPr>
+          </a:p>
+        </p:txBody>
+      </p:sp>
+      <p:sp>
+        <p:nvSpPr>
+          <p:cNvPr id="247" name="Textfeld 2"/>
+          <p:cNvSpPr/>
+          <p:nvPr/>
+        </p:nvSpPr>
+        <p:spPr>
+          <a:xfrm>
+            <a:off x="585360" y="1507548"/>
+            <a:ext cx="9953640" cy="644877"/>
+          </a:xfrm>
+          <a:prstGeom prst="rect">
+            <a:avLst/>
+          </a:prstGeom>
+          <a:noFill/>
+          <a:ln w="0">
+            <a:noFill/>
+          </a:ln>
+        </p:spPr>
+        <p:style>
+          <a:lnRef idx="0">
+            <a:scrgbClr r="0" g="0" b="0"/>
+          </a:lnRef>
+          <a:fillRef idx="0">
+            <a:scrgbClr r="0" g="0" b="0"/>
+          </a:fillRef>
+          <a:effectRef idx="0">
+            <a:scrgbClr r="0" g="0" b="0"/>
+          </a:effectRef>
+          <a:fontRef idx="minor"/>
+        </p:style>
+        <p:txBody>
+          <a:bodyPr lIns="90000" tIns="45000" rIns="90000" bIns="45000" anchor="t">
+            <a:spAutoFit/>
+          </a:bodyPr>
+          <a:lstStyle/>
+          <a:p>
+            <a:pPr>
+              <a:lnSpc>
+                <a:spcPct val="100000"/>
+              </a:lnSpc>
+            </a:pPr>
+            <a:r>
+              <a:rPr lang="de-DE" sz="1800" b="1" strike="noStrike" spc="-1" dirty="0">
+                <a:solidFill>
+                  <a:srgbClr val="000000"/>
+                </a:solidFill>
+                <a:latin typeface="Bahnschrift SemiLight"/>
+                <a:ea typeface="Arial Unicode MS"/>
+              </a:rPr>
+              <a:t>Entfernung der </a:t>
+            </a:r>
+            <a:r>
+              <a:rPr lang="de-DE" b="1" spc="-1" dirty="0">
+                <a:solidFill>
+                  <a:srgbClr val="000000"/>
+                </a:solidFill>
+                <a:latin typeface="Bahnschrift SemiLight"/>
+                <a:ea typeface="Arial Unicode MS"/>
+              </a:rPr>
+              <a:t>Ausreißer in „</a:t>
+            </a:r>
+            <a:r>
+              <a:rPr lang="de-DE" b="1" spc="-1" dirty="0" err="1">
+                <a:solidFill>
+                  <a:srgbClr val="000000"/>
+                </a:solidFill>
+                <a:latin typeface="Bahnschrift SemiLight"/>
+                <a:ea typeface="Arial Unicode MS"/>
+              </a:rPr>
+              <a:t>price_in_euro</a:t>
+            </a:r>
+            <a:r>
+              <a:rPr lang="de-DE" sz="1800" b="1" strike="noStrike" spc="-1" dirty="0">
+                <a:solidFill>
+                  <a:srgbClr val="000000"/>
+                </a:solidFill>
+                <a:latin typeface="Bahnschrift SemiLight"/>
+                <a:ea typeface="Arial Unicode MS"/>
+              </a:rPr>
+              <a:t>“</a:t>
+            </a:r>
+            <a:endParaRPr lang="de-DE" sz="1800" b="0" strike="noStrike" spc="-1" dirty="0">
+              <a:solidFill>
+                <a:srgbClr val="000000"/>
+              </a:solidFill>
+              <a:latin typeface="Arial"/>
+            </a:endParaRPr>
+          </a:p>
+          <a:p>
+            <a:pPr marL="285750" indent="-285750">
+              <a:lnSpc>
+                <a:spcPct val="100000"/>
+              </a:lnSpc>
+              <a:buFont typeface="Arial" panose="020B0604020202020204" pitchFamily="34" charset="0"/>
+              <a:buChar char="•"/>
+            </a:pPr>
+            <a:r>
+              <a:rPr lang="de-DE" sz="1800" b="0" strike="noStrike" spc="-1" dirty="0">
+                <a:solidFill>
+                  <a:srgbClr val="000000"/>
+                </a:solidFill>
+                <a:latin typeface="Bahnschrift SemiLight" panose="020B0502040204020203" pitchFamily="34" charset="0"/>
+              </a:rPr>
+              <a:t>Setzen eines vernünftigen Höchstpreises für ein Gebrauchtwagen (60.000 €) </a:t>
+            </a:r>
+          </a:p>
+        </p:txBody>
+      </p:sp>
+      <p:pic>
+        <p:nvPicPr>
+          <p:cNvPr id="5" name="Grafik 4">
+            <a:extLst>
+              <a:ext uri="{FF2B5EF4-FFF2-40B4-BE49-F238E27FC236}">
+                <a16:creationId xmlns:a16="http://schemas.microsoft.com/office/drawing/2014/main" id="{3124E57C-DFD7-4E4E-B509-3D541CCFF6BD}"/>
+              </a:ext>
+            </a:extLst>
+          </p:cNvPr>
+          <p:cNvPicPr>
+            <a:picLocks noChangeAspect="1"/>
+          </p:cNvPicPr>
+          <p:nvPr/>
+        </p:nvPicPr>
+        <p:blipFill rotWithShape="1">
+          <a:blip r:embed="rId2">
+            <a:extLst>
+              <a:ext uri="{28A0092B-C50C-407E-A947-70E740481C1C}">
+                <a14:useLocalDpi xmlns:a14="http://schemas.microsoft.com/office/drawing/2010/main" val="0"/>
+              </a:ext>
+            </a:extLst>
+          </a:blip>
+          <a:srcRect l="3454" t="3589" r="53066" b="14612"/>
+          <a:stretch/>
+        </p:blipFill>
+        <p:spPr>
+          <a:xfrm>
+            <a:off x="585360" y="2443627"/>
+            <a:ext cx="3213783" cy="3843866"/>
+          </a:xfrm>
+          <a:prstGeom prst="rect">
+            <a:avLst/>
+          </a:prstGeom>
+        </p:spPr>
+      </p:pic>
+      <p:pic>
+        <p:nvPicPr>
+          <p:cNvPr id="8" name="Grafik 7">
+            <a:extLst>
+              <a:ext uri="{FF2B5EF4-FFF2-40B4-BE49-F238E27FC236}">
+                <a16:creationId xmlns:a16="http://schemas.microsoft.com/office/drawing/2014/main" id="{4298E3DC-E525-4FE9-9FB2-5CA9D069B2E1}"/>
+              </a:ext>
+            </a:extLst>
+          </p:cNvPr>
+          <p:cNvPicPr>
+            <a:picLocks noChangeAspect="1"/>
+          </p:cNvPicPr>
+          <p:nvPr/>
+        </p:nvPicPr>
+        <p:blipFill rotWithShape="1">
+          <a:blip r:embed="rId3">
+            <a:extLst>
+              <a:ext uri="{28A0092B-C50C-407E-A947-70E740481C1C}">
+                <a14:useLocalDpi xmlns:a14="http://schemas.microsoft.com/office/drawing/2010/main" val="0"/>
+              </a:ext>
+            </a:extLst>
+          </a:blip>
+          <a:srcRect l="3474" t="4040" r="52240" b="13658"/>
+          <a:stretch/>
+        </p:blipFill>
+        <p:spPr>
+          <a:xfrm>
+            <a:off x="6339143" y="2553694"/>
+            <a:ext cx="3253438" cy="3843866"/>
+          </a:xfrm>
+          <a:prstGeom prst="rect">
+            <a:avLst/>
+          </a:prstGeom>
+        </p:spPr>
+      </p:pic>
+      <p:sp>
+        <p:nvSpPr>
+          <p:cNvPr id="9" name="Pfeil: nach rechts 8">
+            <a:extLst>
+              <a:ext uri="{FF2B5EF4-FFF2-40B4-BE49-F238E27FC236}">
+                <a16:creationId xmlns:a16="http://schemas.microsoft.com/office/drawing/2014/main" id="{09E7BCCA-3644-4124-B5AB-1399E6BAEA06}"/>
+              </a:ext>
+            </a:extLst>
+          </p:cNvPr>
+          <p:cNvSpPr/>
+          <p:nvPr/>
+        </p:nvSpPr>
+        <p:spPr>
+          <a:xfrm>
+            <a:off x="4048910" y="4169206"/>
+            <a:ext cx="2040466" cy="392707"/>
+          </a:xfrm>
+          <a:prstGeom prst="rightArrow">
+            <a:avLst/>
+          </a:prstGeom>
+        </p:spPr>
+        <p:style>
+          <a:lnRef idx="2">
+            <a:schemeClr val="accent1">
+              <a:shade val="50000"/>
+            </a:schemeClr>
+          </a:lnRef>
+          <a:fillRef idx="1">
+            <a:schemeClr val="accent1"/>
+          </a:fillRef>
+          <a:effectRef idx="0">
+            <a:schemeClr val="accent1"/>
+          </a:effectRef>
+          <a:fontRef idx="minor">
+            <a:schemeClr val="lt1"/>
+          </a:fontRef>
+        </p:style>
+        <p:txBody>
+          <a:bodyPr rtlCol="0" anchor="ctr"/>
+          <a:lstStyle/>
+          <a:p>
+            <a:pPr algn="ctr"/>
+            <a:endParaRPr lang="de-DE"/>
+          </a:p>
+        </p:txBody>
+      </p:sp>
+    </p:spTree>
+    <p:extLst>
+      <p:ext uri="{BB962C8B-B14F-4D97-AF65-F5344CB8AC3E}">
+        <p14:creationId xmlns:p14="http://schemas.microsoft.com/office/powerpoint/2010/main" val="3286589072"/>
+      </p:ext>
+    </p:extLst>
   </p:cSld>
   <p:clrMapOvr>
     <a:masterClrMapping/>

--- a/Präsentation_Vorlage.pptx
+++ b/Präsentation_Vorlage.pptx
@@ -17,13 +17,14 @@
     <p:sldId id="259" r:id="rId11"/>
     <p:sldId id="260" r:id="rId12"/>
     <p:sldId id="269" r:id="rId13"/>
-    <p:sldId id="262" r:id="rId14"/>
-    <p:sldId id="263" r:id="rId15"/>
-    <p:sldId id="264" r:id="rId16"/>
-    <p:sldId id="265" r:id="rId17"/>
-    <p:sldId id="266" r:id="rId18"/>
-    <p:sldId id="267" r:id="rId19"/>
-    <p:sldId id="268" r:id="rId20"/>
+    <p:sldId id="270" r:id="rId14"/>
+    <p:sldId id="262" r:id="rId15"/>
+    <p:sldId id="263" r:id="rId16"/>
+    <p:sldId id="264" r:id="rId17"/>
+    <p:sldId id="265" r:id="rId18"/>
+    <p:sldId id="266" r:id="rId19"/>
+    <p:sldId id="267" r:id="rId20"/>
+    <p:sldId id="268" r:id="rId21"/>
   </p:sldIdLst>
   <p:sldSz cx="12192000" cy="6858000"/>
   <p:notesSz cx="7559675" cy="10691813"/>
@@ -15944,7 +15945,7 @@
       </p:grpSpPr>
       <p:sp>
         <p:nvSpPr>
-          <p:cNvPr id="258" name="TextBox 3"/>
+          <p:cNvPr id="255" name="TextBox 3"/>
           <p:cNvSpPr/>
           <p:nvPr/>
         </p:nvSpPr>
@@ -15995,7 +15996,7 @@
                 <a:latin typeface="CMU Serif"/>
                 <a:ea typeface="CMU Serif"/>
               </a:rPr>
-              <a:t>4. Maschinelles </a:t>
+              <a:t>3. Maschinelles </a:t>
             </a:r>
             <a:endParaRPr lang="de-DE" sz="5500" b="0" strike="noStrike" spc="-1">
               <a:solidFill>
@@ -16021,7 +16022,7 @@
                 <a:latin typeface="CMU Serif"/>
                 <a:ea typeface="CMU Serif"/>
               </a:rPr>
-              <a:t>Lernverfahren 3</a:t>
+              <a:t>Lernverfahren 2</a:t>
             </a:r>
             <a:endParaRPr lang="de-DE" sz="5500" b="0" strike="noStrike" spc="-1">
               <a:solidFill>
@@ -16034,7 +16035,7 @@
       </p:sp>
       <p:sp>
         <p:nvSpPr>
-          <p:cNvPr id="259" name="Freeform: Shape 152"/>
+          <p:cNvPr id="256" name="Freeform: Shape 152"/>
           <p:cNvSpPr/>
           <p:nvPr/>
         </p:nvSpPr>
@@ -16350,7 +16351,7 @@
       </p:sp>
       <p:sp>
         <p:nvSpPr>
-          <p:cNvPr id="260" name="Rechteck 1"/>
+          <p:cNvPr id="257" name="Rechteck 1"/>
           <p:cNvSpPr/>
           <p:nvPr/>
         </p:nvSpPr>
@@ -16413,6 +16414,493 @@
 </file>
 
 <file path=ppt/slides/slide11.xml><?xml version="1.0" encoding="utf-8"?>
+<p:sld xmlns:a="http://schemas.openxmlformats.org/drawingml/2006/main" xmlns:r="http://schemas.openxmlformats.org/officeDocument/2006/relationships" xmlns:p="http://schemas.openxmlformats.org/presentationml/2006/main">
+  <p:cSld>
+    <p:spTree>
+      <p:nvGrpSpPr>
+        <p:cNvPr id="1" name=""/>
+        <p:cNvGrpSpPr/>
+        <p:nvPr/>
+      </p:nvGrpSpPr>
+      <p:grpSpPr>
+        <a:xfrm>
+          <a:off x="0" y="0"/>
+          <a:ext cx="0" cy="0"/>
+          <a:chOff x="0" y="0"/>
+          <a:chExt cx="0" cy="0"/>
+        </a:xfrm>
+      </p:grpSpPr>
+      <p:sp>
+        <p:nvSpPr>
+          <p:cNvPr id="258" name="TextBox 3"/>
+          <p:cNvSpPr/>
+          <p:nvPr/>
+        </p:nvSpPr>
+        <p:spPr>
+          <a:xfrm>
+            <a:off x="5686920" y="2660040"/>
+            <a:ext cx="6328080" cy="1537200"/>
+          </a:xfrm>
+          <a:prstGeom prst="rect">
+            <a:avLst/>
+          </a:prstGeom>
+          <a:noFill/>
+          <a:ln w="0">
+            <a:noFill/>
+          </a:ln>
+        </p:spPr>
+        <p:style>
+          <a:lnRef idx="0">
+            <a:scrgbClr r="0" g="0" b="0"/>
+          </a:lnRef>
+          <a:fillRef idx="0">
+            <a:scrgbClr r="0" g="0" b="0"/>
+          </a:fillRef>
+          <a:effectRef idx="0">
+            <a:scrgbClr r="0" g="0" b="0"/>
+          </a:effectRef>
+          <a:fontRef idx="minor"/>
+        </p:style>
+        <p:txBody>
+          <a:bodyPr lIns="90000" tIns="45000" rIns="90000" bIns="45000" anchor="ctr">
+            <a:spAutoFit/>
+          </a:bodyPr>
+          <a:lstStyle/>
+          <a:p>
+            <a:pPr algn="ctr">
+              <a:lnSpc>
+                <a:spcPts val="5400"/>
+              </a:lnSpc>
+              <a:spcAft>
+                <a:spcPts val="601"/>
+              </a:spcAft>
+            </a:pPr>
+            <a:r>
+              <a:rPr lang="de-DE" sz="5500" b="1" strike="noStrike" spc="-1">
+                <a:solidFill>
+                  <a:srgbClr val="002060"/>
+                </a:solidFill>
+                <a:latin typeface="CMU Serif"/>
+                <a:ea typeface="CMU Serif"/>
+              </a:rPr>
+              <a:t>4. Maschinelles </a:t>
+            </a:r>
+            <a:endParaRPr lang="de-DE" sz="5500" b="0" strike="noStrike" spc="-1">
+              <a:solidFill>
+                <a:srgbClr val="000000"/>
+              </a:solidFill>
+              <a:latin typeface="Arial"/>
+            </a:endParaRPr>
+          </a:p>
+          <a:p>
+            <a:pPr algn="ctr">
+              <a:lnSpc>
+                <a:spcPts val="5400"/>
+              </a:lnSpc>
+              <a:spcAft>
+                <a:spcPts val="601"/>
+              </a:spcAft>
+            </a:pPr>
+            <a:r>
+              <a:rPr lang="de-DE" sz="5500" b="1" strike="noStrike" spc="-1">
+                <a:solidFill>
+                  <a:srgbClr val="002060"/>
+                </a:solidFill>
+                <a:latin typeface="CMU Serif"/>
+                <a:ea typeface="CMU Serif"/>
+              </a:rPr>
+              <a:t>Lernverfahren 3</a:t>
+            </a:r>
+            <a:endParaRPr lang="de-DE" sz="5500" b="0" strike="noStrike" spc="-1">
+              <a:solidFill>
+                <a:srgbClr val="000000"/>
+              </a:solidFill>
+              <a:latin typeface="Arial"/>
+            </a:endParaRPr>
+          </a:p>
+        </p:txBody>
+      </p:sp>
+      <p:sp>
+        <p:nvSpPr>
+          <p:cNvPr id="259" name="Freeform: Shape 152"/>
+          <p:cNvSpPr/>
+          <p:nvPr/>
+        </p:nvSpPr>
+        <p:spPr>
+          <a:xfrm>
+            <a:off x="673920" y="1688040"/>
+            <a:ext cx="5086440" cy="3128400"/>
+          </a:xfrm>
+          <a:custGeom>
+            <a:avLst/>
+            <a:gdLst>
+              <a:gd name="textAreaLeft" fmla="*/ 0 w 5086440"/>
+              <a:gd name="textAreaRight" fmla="*/ 5086800 w 5086440"/>
+              <a:gd name="textAreaTop" fmla="*/ 0 h 3128400"/>
+              <a:gd name="textAreaBottom" fmla="*/ 3128760 h 3128400"/>
+            </a:gdLst>
+            <a:ahLst/>
+            <a:cxnLst/>
+            <a:rect l="textAreaLeft" t="textAreaTop" r="textAreaRight" b="textAreaBottom"/>
+            <a:pathLst>
+              <a:path w="5086770" h="3128874">
+                <a:moveTo>
+                  <a:pt x="5086770" y="1174706"/>
+                </a:moveTo>
+                <a:lnTo>
+                  <a:pt x="5086770" y="1184663"/>
+                </a:lnTo>
+                <a:lnTo>
+                  <a:pt x="5079830" y="1185820"/>
+                </a:lnTo>
+                <a:cubicBezTo>
+                  <a:pt x="5079829" y="1184277"/>
+                  <a:pt x="5078289" y="1184277"/>
+                  <a:pt x="5078289" y="1182737"/>
+                </a:cubicBezTo>
+                <a:lnTo>
+                  <a:pt x="5078289" y="1179654"/>
+                </a:lnTo>
+                <a:close/>
+                <a:moveTo>
+                  <a:pt x="1690658" y="810655"/>
+                </a:moveTo>
+                <a:lnTo>
+                  <a:pt x="1349061" y="1934928"/>
+                </a:lnTo>
+                <a:lnTo>
+                  <a:pt x="2035854" y="1934928"/>
+                </a:lnTo>
+                <a:close/>
+                <a:moveTo>
+                  <a:pt x="3765314" y="0"/>
+                </a:moveTo>
+                <a:lnTo>
+                  <a:pt x="4465138" y="0"/>
+                </a:lnTo>
+                <a:lnTo>
+                  <a:pt x="4675955" y="0"/>
+                </a:lnTo>
+                <a:lnTo>
+                  <a:pt x="4659036" y="34412"/>
+                </a:lnTo>
+                <a:cubicBezTo>
+                  <a:pt x="4655952" y="37496"/>
+                  <a:pt x="4652870" y="40578"/>
+                  <a:pt x="4651327" y="45203"/>
+                </a:cubicBezTo>
+                <a:cubicBezTo>
+                  <a:pt x="4649787" y="48285"/>
+                  <a:pt x="4649788" y="49827"/>
+                  <a:pt x="4648245" y="51368"/>
+                </a:cubicBezTo>
+                <a:cubicBezTo>
+                  <a:pt x="4632831" y="72947"/>
+                  <a:pt x="4528018" y="224002"/>
+                  <a:pt x="4483319" y="361184"/>
+                </a:cubicBezTo>
+                <a:cubicBezTo>
+                  <a:pt x="4481777" y="365808"/>
+                  <a:pt x="4480236" y="368891"/>
+                  <a:pt x="4480236" y="373515"/>
+                </a:cubicBezTo>
+                <a:cubicBezTo>
+                  <a:pt x="4478694" y="381223"/>
+                  <a:pt x="4475612" y="390471"/>
+                  <a:pt x="4474071" y="398176"/>
+                </a:cubicBezTo>
+                <a:cubicBezTo>
+                  <a:pt x="4466362" y="432087"/>
+                  <a:pt x="4458657" y="465997"/>
+                  <a:pt x="4450950" y="498367"/>
+                </a:cubicBezTo>
+                <a:cubicBezTo>
+                  <a:pt x="4444783" y="506073"/>
+                  <a:pt x="4440160" y="516863"/>
+                  <a:pt x="4440161" y="527652"/>
+                </a:cubicBezTo>
+                <a:cubicBezTo>
+                  <a:pt x="4440160" y="532277"/>
+                  <a:pt x="4440160" y="535360"/>
+                  <a:pt x="4441700" y="539983"/>
+                </a:cubicBezTo>
+                <a:cubicBezTo>
+                  <a:pt x="4440161" y="547691"/>
+                  <a:pt x="4438618" y="555397"/>
+                  <a:pt x="4437078" y="561562"/>
+                </a:cubicBezTo>
+                <a:cubicBezTo>
+                  <a:pt x="4435535" y="566187"/>
+                  <a:pt x="4433995" y="570810"/>
+                  <a:pt x="4433995" y="576976"/>
+                </a:cubicBezTo>
+                <a:cubicBezTo>
+                  <a:pt x="4433995" y="576976"/>
+                  <a:pt x="4433994" y="578519"/>
+                  <a:pt x="4433994" y="578519"/>
+                </a:cubicBezTo>
+                <a:cubicBezTo>
+                  <a:pt x="4417039" y="674083"/>
+                  <a:pt x="4407790" y="755776"/>
+                  <a:pt x="4413956" y="797393"/>
+                </a:cubicBezTo>
+                <a:cubicBezTo>
+                  <a:pt x="4421664" y="846717"/>
+                  <a:pt x="4440160" y="929951"/>
+                  <a:pt x="4438619" y="996230"/>
+                </a:cubicBezTo>
+                <a:cubicBezTo>
+                  <a:pt x="4435535" y="1002395"/>
+                  <a:pt x="4433995" y="1008560"/>
+                  <a:pt x="4433995" y="1016268"/>
+                </a:cubicBezTo>
+                <a:cubicBezTo>
+                  <a:pt x="4433995" y="1019351"/>
+                  <a:pt x="4435536" y="1022434"/>
+                  <a:pt x="4435536" y="1025517"/>
+                </a:cubicBezTo>
+                <a:cubicBezTo>
+                  <a:pt x="4435536" y="1025517"/>
+                  <a:pt x="4435535" y="1027057"/>
+                  <a:pt x="4437078" y="1027057"/>
+                </a:cubicBezTo>
+                <a:cubicBezTo>
+                  <a:pt x="4435536" y="1034764"/>
+                  <a:pt x="4433994" y="1042471"/>
+                  <a:pt x="4432452" y="1048636"/>
+                </a:cubicBezTo>
+                <a:lnTo>
+                  <a:pt x="4413956" y="1085630"/>
+                </a:lnTo>
+                <a:cubicBezTo>
+                  <a:pt x="4369257" y="1164240"/>
+                  <a:pt x="4258278" y="1339957"/>
+                  <a:pt x="4196623" y="1389280"/>
+                </a:cubicBezTo>
+                <a:cubicBezTo>
+                  <a:pt x="4128802" y="1441687"/>
+                  <a:pt x="4062523" y="1538793"/>
+                  <a:pt x="4085645" y="1597365"/>
+                </a:cubicBezTo>
+                <a:cubicBezTo>
+                  <a:pt x="4119555" y="1660562"/>
+                  <a:pt x="4181210" y="1688307"/>
+                  <a:pt x="4216661" y="1697556"/>
+                </a:cubicBezTo>
+                <a:cubicBezTo>
+                  <a:pt x="4252112" y="1706804"/>
+                  <a:pt x="4275233" y="1779247"/>
+                  <a:pt x="4250571" y="1811617"/>
+                </a:cubicBezTo>
+                <a:cubicBezTo>
+                  <a:pt x="4225909" y="1843985"/>
+                  <a:pt x="4187375" y="1853233"/>
+                  <a:pt x="4173502" y="1888685"/>
+                </a:cubicBezTo>
+                <a:cubicBezTo>
+                  <a:pt x="4159630" y="1924137"/>
+                  <a:pt x="4153465" y="1998123"/>
+                  <a:pt x="4213578" y="2022784"/>
+                </a:cubicBezTo>
+                <a:cubicBezTo>
+                  <a:pt x="4259818" y="2041281"/>
+                  <a:pt x="4349219" y="2081356"/>
+                  <a:pt x="4347678" y="2090605"/>
+                </a:cubicBezTo>
+                <a:cubicBezTo>
+                  <a:pt x="4346136" y="2099853"/>
+                  <a:pt x="4250570" y="2107561"/>
+                  <a:pt x="4233616" y="2138388"/>
+                </a:cubicBezTo>
+                <a:cubicBezTo>
+                  <a:pt x="4216660" y="2169216"/>
+                  <a:pt x="4204330" y="2220080"/>
+                  <a:pt x="4227451" y="2258616"/>
+                </a:cubicBezTo>
+                <a:cubicBezTo>
+                  <a:pt x="4250571" y="2297149"/>
+                  <a:pt x="4332264" y="2292526"/>
+                  <a:pt x="4350761" y="2320270"/>
+                </a:cubicBezTo>
+                <a:cubicBezTo>
+                  <a:pt x="4381588" y="2371135"/>
+                  <a:pt x="4358466" y="2378843"/>
+                  <a:pt x="4333805" y="2462077"/>
+                </a:cubicBezTo>
+                <a:cubicBezTo>
+                  <a:pt x="4306060" y="2551476"/>
+                  <a:pt x="4302977" y="2650125"/>
+                  <a:pt x="4467905" y="2719486"/>
+                </a:cubicBezTo>
+                <a:cubicBezTo>
+                  <a:pt x="4562314" y="2758983"/>
+                  <a:pt x="4694054" y="2758743"/>
+                  <a:pt x="4800655" y="2748491"/>
+                </a:cubicBezTo>
+                <a:lnTo>
+                  <a:pt x="4838191" y="2744074"/>
+                </a:lnTo>
+                <a:lnTo>
+                  <a:pt x="4863823" y="2765476"/>
+                </a:lnTo>
+                <a:cubicBezTo>
+                  <a:pt x="4895578" y="2799449"/>
+                  <a:pt x="4917344" y="2847230"/>
+                  <a:pt x="4934321" y="2911083"/>
+                </a:cubicBezTo>
+                <a:cubicBezTo>
+                  <a:pt x="4945640" y="2953651"/>
+                  <a:pt x="4957371" y="3013267"/>
+                  <a:pt x="4964162" y="3074402"/>
+                </a:cubicBezTo>
+                <a:lnTo>
+                  <a:pt x="4967647" y="3128874"/>
+                </a:lnTo>
+                <a:lnTo>
+                  <a:pt x="4465138" y="3128874"/>
+                </a:lnTo>
+                <a:lnTo>
+                  <a:pt x="4465138" y="3127460"/>
+                </a:lnTo>
+                <a:lnTo>
+                  <a:pt x="3765314" y="3127460"/>
+                </a:lnTo>
+                <a:close/>
+                <a:moveTo>
+                  <a:pt x="1175459" y="0"/>
+                </a:moveTo>
+                <a:lnTo>
+                  <a:pt x="2229594" y="0"/>
+                </a:lnTo>
+                <a:lnTo>
+                  <a:pt x="3404781" y="3127460"/>
+                </a:lnTo>
+                <a:lnTo>
+                  <a:pt x="2392789" y="3127460"/>
+                </a:lnTo>
+                <a:lnTo>
+                  <a:pt x="2236317" y="2611186"/>
+                </a:lnTo>
+                <a:lnTo>
+                  <a:pt x="1139165" y="2611186"/>
+                </a:lnTo>
+                <a:lnTo>
+                  <a:pt x="986721" y="3127460"/>
+                </a:lnTo>
+                <a:lnTo>
+                  <a:pt x="0" y="3127460"/>
+                </a:lnTo>
+                <a:close/>
+              </a:path>
+            </a:pathLst>
+          </a:custGeom>
+          <a:solidFill>
+            <a:srgbClr val="002060"/>
+          </a:solidFill>
+          <a:ln>
+            <a:noFill/>
+          </a:ln>
+        </p:spPr>
+        <p:style>
+          <a:lnRef idx="2">
+            <a:schemeClr val="accent1">
+              <a:shade val="50000"/>
+            </a:schemeClr>
+          </a:lnRef>
+          <a:fillRef idx="1">
+            <a:schemeClr val="accent1"/>
+          </a:fillRef>
+          <a:effectRef idx="0">
+            <a:schemeClr val="accent1"/>
+          </a:effectRef>
+          <a:fontRef idx="minor"/>
+        </p:style>
+        <p:txBody>
+          <a:bodyPr lIns="90000" tIns="45000" rIns="90000" bIns="45000" anchor="ctr">
+            <a:noAutofit/>
+          </a:bodyPr>
+          <a:lstStyle/>
+          <a:p>
+            <a:pPr algn="ctr">
+              <a:lnSpc>
+                <a:spcPct val="100000"/>
+              </a:lnSpc>
+            </a:pPr>
+            <a:endParaRPr lang="en-US" sz="1800" b="0" strike="noStrike" spc="-1">
+              <a:solidFill>
+                <a:schemeClr val="lt1"/>
+              </a:solidFill>
+              <a:latin typeface="CMU Serif"/>
+              <a:ea typeface="Arial Unicode MS"/>
+            </a:endParaRPr>
+          </a:p>
+        </p:txBody>
+      </p:sp>
+      <p:sp>
+        <p:nvSpPr>
+          <p:cNvPr id="260" name="Rechteck 1"/>
+          <p:cNvSpPr/>
+          <p:nvPr/>
+        </p:nvSpPr>
+        <p:spPr>
+          <a:xfrm>
+            <a:off x="-39240" y="6496920"/>
+            <a:ext cx="12270600" cy="424800"/>
+          </a:xfrm>
+          <a:prstGeom prst="rect">
+            <a:avLst/>
+          </a:prstGeom>
+          <a:solidFill>
+            <a:srgbClr val="AA313F"/>
+          </a:solidFill>
+          <a:ln>
+            <a:noFill/>
+          </a:ln>
+        </p:spPr>
+        <p:style>
+          <a:lnRef idx="2">
+            <a:schemeClr val="accent1">
+              <a:shade val="50000"/>
+            </a:schemeClr>
+          </a:lnRef>
+          <a:fillRef idx="1">
+            <a:schemeClr val="accent1"/>
+          </a:fillRef>
+          <a:effectRef idx="0">
+            <a:schemeClr val="accent1"/>
+          </a:effectRef>
+          <a:fontRef idx="minor"/>
+        </p:style>
+        <p:txBody>
+          <a:bodyPr lIns="90000" tIns="45000" rIns="90000" bIns="45000" anchor="ctr">
+            <a:noAutofit/>
+          </a:bodyPr>
+          <a:lstStyle/>
+          <a:p>
+            <a:pPr algn="ctr">
+              <a:lnSpc>
+                <a:spcPct val="100000"/>
+              </a:lnSpc>
+            </a:pPr>
+            <a:endParaRPr lang="de-DE" sz="1800" b="0" strike="noStrike" spc="-1">
+              <a:solidFill>
+                <a:schemeClr val="lt1"/>
+              </a:solidFill>
+              <a:latin typeface="CMU Serif"/>
+              <a:ea typeface="Arial Unicode MS"/>
+            </a:endParaRPr>
+          </a:p>
+        </p:txBody>
+      </p:sp>
+    </p:spTree>
+  </p:cSld>
+  <p:clrMapOvr>
+    <a:masterClrMapping/>
+  </p:clrMapOvr>
+</p:sld>
+</file>
+
+<file path=ppt/slides/slide12.xml><?xml version="1.0" encoding="utf-8"?>
 <p:sld xmlns:a="http://schemas.openxmlformats.org/drawingml/2006/main" xmlns:r="http://schemas.openxmlformats.org/officeDocument/2006/relationships" xmlns:p="http://schemas.openxmlformats.org/presentationml/2006/main" show="0">
   <p:cSld>
     <p:spTree>
@@ -17361,158 +17849,6 @@
 </p:sld>
 </file>
 
-<file path=ppt/slides/slide12.xml><?xml version="1.0" encoding="utf-8"?>
-<p:sld xmlns:a="http://schemas.openxmlformats.org/drawingml/2006/main" xmlns:r="http://schemas.openxmlformats.org/officeDocument/2006/relationships" xmlns:p="http://schemas.openxmlformats.org/presentationml/2006/main">
-  <p:cSld>
-    <p:spTree>
-      <p:nvGrpSpPr>
-        <p:cNvPr id="1" name=""/>
-        <p:cNvGrpSpPr/>
-        <p:nvPr/>
-      </p:nvGrpSpPr>
-      <p:grpSpPr>
-        <a:xfrm>
-          <a:off x="0" y="0"/>
-          <a:ext cx="0" cy="0"/>
-          <a:chOff x="0" y="0"/>
-          <a:chExt cx="0" cy="0"/>
-        </a:xfrm>
-      </p:grpSpPr>
-      <p:sp>
-        <p:nvSpPr>
-          <p:cNvPr id="268" name="PlaceHolder 1"/>
-          <p:cNvSpPr>
-            <a:spLocks noGrp="1"/>
-          </p:cNvSpPr>
-          <p:nvPr>
-            <p:ph/>
-          </p:nvPr>
-        </p:nvSpPr>
-        <p:spPr>
-          <a:xfrm>
-            <a:off x="690840" y="349200"/>
-            <a:ext cx="3407400" cy="792360"/>
-          </a:xfrm>
-          <a:prstGeom prst="rect">
-            <a:avLst/>
-          </a:prstGeom>
-          <a:noFill/>
-          <a:ln w="0">
-            <a:noFill/>
-          </a:ln>
-        </p:spPr>
-        <p:txBody>
-          <a:bodyPr lIns="90000" tIns="45000" rIns="90000" bIns="45000" anchor="ctr">
-            <a:noAutofit/>
-          </a:bodyPr>
-          <a:lstStyle/>
-          <a:p>
-            <a:pPr indent="0" algn="ctr">
-              <a:lnSpc>
-                <a:spcPct val="100000"/>
-              </a:lnSpc>
-              <a:spcBef>
-                <a:spcPts val="1001"/>
-              </a:spcBef>
-              <a:buNone/>
-              <a:tabLst>
-                <a:tab pos="0" algn="l"/>
-              </a:tabLst>
-            </a:pPr>
-            <a:r>
-              <a:rPr lang="de-DE" sz="5400" b="1" strike="noStrike" spc="-1">
-                <a:solidFill>
-                  <a:srgbClr val="002060"/>
-                </a:solidFill>
-                <a:latin typeface="Bahnschrift SemiLight"/>
-                <a:ea typeface="Arial Unicode MS"/>
-              </a:rPr>
-              <a:t>Content</a:t>
-            </a:r>
-            <a:endParaRPr lang="en-US" sz="5400" b="0" strike="noStrike" spc="-1">
-              <a:solidFill>
-                <a:srgbClr val="000000"/>
-              </a:solidFill>
-              <a:latin typeface="CMU Serif"/>
-            </a:endParaRPr>
-          </a:p>
-        </p:txBody>
-      </p:sp>
-      <p:sp>
-        <p:nvSpPr>
-          <p:cNvPr id="269" name="Textplatzhalter 1"/>
-          <p:cNvSpPr/>
-          <p:nvPr/>
-        </p:nvSpPr>
-        <p:spPr>
-          <a:xfrm>
-            <a:off x="5390640" y="349200"/>
-            <a:ext cx="3407400" cy="792360"/>
-          </a:xfrm>
-          <a:prstGeom prst="rect">
-            <a:avLst/>
-          </a:prstGeom>
-          <a:noFill/>
-          <a:ln w="0">
-            <a:noFill/>
-          </a:ln>
-        </p:spPr>
-        <p:style>
-          <a:lnRef idx="0">
-            <a:scrgbClr r="0" g="0" b="0"/>
-          </a:lnRef>
-          <a:fillRef idx="0">
-            <a:scrgbClr r="0" g="0" b="0"/>
-          </a:fillRef>
-          <a:effectRef idx="0">
-            <a:scrgbClr r="0" g="0" b="0"/>
-          </a:effectRef>
-          <a:fontRef idx="minor"/>
-        </p:style>
-        <p:txBody>
-          <a:bodyPr lIns="90000" tIns="45000" rIns="90000" bIns="45000" anchor="ctr">
-            <a:noAutofit/>
-          </a:bodyPr>
-          <a:lstStyle/>
-          <a:p>
-            <a:pPr algn="ctr">
-              <a:lnSpc>
-                <a:spcPct val="100000"/>
-              </a:lnSpc>
-              <a:spcBef>
-                <a:spcPts val="1001"/>
-              </a:spcBef>
-              <a:tabLst>
-                <a:tab pos="0" algn="l"/>
-              </a:tabLst>
-            </a:pPr>
-            <a:r>
-              <a:rPr lang="de-DE" sz="5400" b="1" strike="noStrike" spc="-1">
-                <a:solidFill>
-                  <a:srgbClr val="002060"/>
-                </a:solidFill>
-                <a:latin typeface="CMU Serif"/>
-                <a:ea typeface="CMU Serif"/>
-              </a:rPr>
-              <a:t>Content</a:t>
-            </a:r>
-            <a:endParaRPr lang="de-DE" sz="5400" b="0" strike="noStrike" spc="-1">
-              <a:solidFill>
-                <a:srgbClr val="000000"/>
-              </a:solidFill>
-              <a:latin typeface="Arial"/>
-            </a:endParaRPr>
-          </a:p>
-        </p:txBody>
-      </p:sp>
-    </p:spTree>
-  </p:cSld>
-  <p:clrMapOvr>
-    <a:masterClrMapping/>
-  </p:clrMapOvr>
-</p:sld>
-</file>
-
 <file path=ppt/slides/slide13.xml><?xml version="1.0" encoding="utf-8"?>
 <p:sld xmlns:a="http://schemas.openxmlformats.org/drawingml/2006/main" xmlns:r="http://schemas.openxmlformats.org/officeDocument/2006/relationships" xmlns:p="http://schemas.openxmlformats.org/presentationml/2006/main">
   <p:cSld>
@@ -17532,6 +17868,158 @@
       </p:grpSpPr>
       <p:sp>
         <p:nvSpPr>
+          <p:cNvPr id="268" name="PlaceHolder 1"/>
+          <p:cNvSpPr>
+            <a:spLocks noGrp="1"/>
+          </p:cNvSpPr>
+          <p:nvPr>
+            <p:ph/>
+          </p:nvPr>
+        </p:nvSpPr>
+        <p:spPr>
+          <a:xfrm>
+            <a:off x="690840" y="349200"/>
+            <a:ext cx="3407400" cy="792360"/>
+          </a:xfrm>
+          <a:prstGeom prst="rect">
+            <a:avLst/>
+          </a:prstGeom>
+          <a:noFill/>
+          <a:ln w="0">
+            <a:noFill/>
+          </a:ln>
+        </p:spPr>
+        <p:txBody>
+          <a:bodyPr lIns="90000" tIns="45000" rIns="90000" bIns="45000" anchor="ctr">
+            <a:noAutofit/>
+          </a:bodyPr>
+          <a:lstStyle/>
+          <a:p>
+            <a:pPr indent="0" algn="ctr">
+              <a:lnSpc>
+                <a:spcPct val="100000"/>
+              </a:lnSpc>
+              <a:spcBef>
+                <a:spcPts val="1001"/>
+              </a:spcBef>
+              <a:buNone/>
+              <a:tabLst>
+                <a:tab pos="0" algn="l"/>
+              </a:tabLst>
+            </a:pPr>
+            <a:r>
+              <a:rPr lang="de-DE" sz="5400" b="1" strike="noStrike" spc="-1">
+                <a:solidFill>
+                  <a:srgbClr val="002060"/>
+                </a:solidFill>
+                <a:latin typeface="Bahnschrift SemiLight"/>
+                <a:ea typeface="Arial Unicode MS"/>
+              </a:rPr>
+              <a:t>Content</a:t>
+            </a:r>
+            <a:endParaRPr lang="en-US" sz="5400" b="0" strike="noStrike" spc="-1">
+              <a:solidFill>
+                <a:srgbClr val="000000"/>
+              </a:solidFill>
+              <a:latin typeface="CMU Serif"/>
+            </a:endParaRPr>
+          </a:p>
+        </p:txBody>
+      </p:sp>
+      <p:sp>
+        <p:nvSpPr>
+          <p:cNvPr id="269" name="Textplatzhalter 1"/>
+          <p:cNvSpPr/>
+          <p:nvPr/>
+        </p:nvSpPr>
+        <p:spPr>
+          <a:xfrm>
+            <a:off x="5390640" y="349200"/>
+            <a:ext cx="3407400" cy="792360"/>
+          </a:xfrm>
+          <a:prstGeom prst="rect">
+            <a:avLst/>
+          </a:prstGeom>
+          <a:noFill/>
+          <a:ln w="0">
+            <a:noFill/>
+          </a:ln>
+        </p:spPr>
+        <p:style>
+          <a:lnRef idx="0">
+            <a:scrgbClr r="0" g="0" b="0"/>
+          </a:lnRef>
+          <a:fillRef idx="0">
+            <a:scrgbClr r="0" g="0" b="0"/>
+          </a:fillRef>
+          <a:effectRef idx="0">
+            <a:scrgbClr r="0" g="0" b="0"/>
+          </a:effectRef>
+          <a:fontRef idx="minor"/>
+        </p:style>
+        <p:txBody>
+          <a:bodyPr lIns="90000" tIns="45000" rIns="90000" bIns="45000" anchor="ctr">
+            <a:noAutofit/>
+          </a:bodyPr>
+          <a:lstStyle/>
+          <a:p>
+            <a:pPr algn="ctr">
+              <a:lnSpc>
+                <a:spcPct val="100000"/>
+              </a:lnSpc>
+              <a:spcBef>
+                <a:spcPts val="1001"/>
+              </a:spcBef>
+              <a:tabLst>
+                <a:tab pos="0" algn="l"/>
+              </a:tabLst>
+            </a:pPr>
+            <a:r>
+              <a:rPr lang="de-DE" sz="5400" b="1" strike="noStrike" spc="-1">
+                <a:solidFill>
+                  <a:srgbClr val="002060"/>
+                </a:solidFill>
+                <a:latin typeface="CMU Serif"/>
+                <a:ea typeface="CMU Serif"/>
+              </a:rPr>
+              <a:t>Content</a:t>
+            </a:r>
+            <a:endParaRPr lang="de-DE" sz="5400" b="0" strike="noStrike" spc="-1">
+              <a:solidFill>
+                <a:srgbClr val="000000"/>
+              </a:solidFill>
+              <a:latin typeface="Arial"/>
+            </a:endParaRPr>
+          </a:p>
+        </p:txBody>
+      </p:sp>
+    </p:spTree>
+  </p:cSld>
+  <p:clrMapOvr>
+    <a:masterClrMapping/>
+  </p:clrMapOvr>
+</p:sld>
+</file>
+
+<file path=ppt/slides/slide14.xml><?xml version="1.0" encoding="utf-8"?>
+<p:sld xmlns:a="http://schemas.openxmlformats.org/drawingml/2006/main" xmlns:r="http://schemas.openxmlformats.org/officeDocument/2006/relationships" xmlns:p="http://schemas.openxmlformats.org/presentationml/2006/main">
+  <p:cSld>
+    <p:spTree>
+      <p:nvGrpSpPr>
+        <p:cNvPr id="1" name=""/>
+        <p:cNvGrpSpPr/>
+        <p:nvPr/>
+      </p:nvGrpSpPr>
+      <p:grpSpPr>
+        <a:xfrm>
+          <a:off x="0" y="0"/>
+          <a:ext cx="0" cy="0"/>
+          <a:chOff x="0" y="0"/>
+          <a:chExt cx="0" cy="0"/>
+        </a:xfrm>
+      </p:grpSpPr>
+      <p:sp>
+        <p:nvSpPr>
           <p:cNvPr id="270" name="PlaceHolder 1"/>
           <p:cNvSpPr>
             <a:spLocks noGrp="1"/>
@@ -17555,7 +18043,7 @@
         </p:spPr>
         <p:txBody>
           <a:bodyPr lIns="90000" tIns="45000" rIns="90000" bIns="45000" anchor="ctr">
-            <a:normAutofit fontScale="79000" lnSpcReduction="10000"/>
+            <a:normAutofit fontScale="86500" lnSpcReduction="20000"/>
           </a:bodyPr>
           <a:lstStyle/>
           <a:p>
@@ -17598,7 +18086,7 @@
 </p:sld>
 </file>
 
-<file path=ppt/slides/slide14.xml><?xml version="1.0" encoding="utf-8"?>
+<file path=ppt/slides/slide15.xml><?xml version="1.0" encoding="utf-8"?>
 <p:sld xmlns:a="http://schemas.openxmlformats.org/drawingml/2006/main" xmlns:r="http://schemas.openxmlformats.org/officeDocument/2006/relationships" xmlns:p="http://schemas.openxmlformats.org/presentationml/2006/main">
   <p:cSld>
     <p:spTree>
@@ -20968,7 +21456,7 @@
         </p:spPr>
         <p:txBody>
           <a:bodyPr lIns="90000" tIns="45000" rIns="90000" bIns="45000" anchor="ctr">
-            <a:normAutofit fontScale="74000" lnSpcReduction="10000"/>
+            <a:normAutofit fontScale="81500" lnSpcReduction="20000"/>
           </a:bodyPr>
           <a:lstStyle/>
           <a:p>
@@ -21461,7 +21949,7 @@
         </p:spPr>
         <p:txBody>
           <a:bodyPr lIns="90000" tIns="45000" rIns="90000" bIns="45000" anchor="ctr">
-            <a:normAutofit fontScale="74000" lnSpcReduction="10000"/>
+            <a:normAutofit fontScale="81500" lnSpcReduction="20000"/>
           </a:bodyPr>
           <a:lstStyle/>
           <a:p>
@@ -22233,6 +22721,192 @@
 </file>
 
 <file path=ppt/slides/slide8.xml><?xml version="1.0" encoding="utf-8"?>
+<p:sld xmlns:a="http://schemas.openxmlformats.org/drawingml/2006/main" xmlns:r="http://schemas.openxmlformats.org/officeDocument/2006/relationships" xmlns:p="http://schemas.openxmlformats.org/presentationml/2006/main">
+  <p:cSld>
+    <p:spTree>
+      <p:nvGrpSpPr>
+        <p:cNvPr id="1" name=""/>
+        <p:cNvGrpSpPr/>
+        <p:nvPr/>
+      </p:nvGrpSpPr>
+      <p:grpSpPr>
+        <a:xfrm>
+          <a:off x="0" y="0"/>
+          <a:ext cx="0" cy="0"/>
+          <a:chOff x="0" y="0"/>
+          <a:chExt cx="0" cy="0"/>
+        </a:xfrm>
+      </p:grpSpPr>
+      <p:sp>
+        <p:nvSpPr>
+          <p:cNvPr id="246" name="PlaceHolder 1"/>
+          <p:cNvSpPr>
+            <a:spLocks noGrp="1"/>
+          </p:cNvSpPr>
+          <p:nvPr>
+            <p:ph/>
+          </p:nvPr>
+        </p:nvSpPr>
+        <p:spPr>
+          <a:xfrm>
+            <a:off x="2063160" y="443506"/>
+            <a:ext cx="8065800" cy="645840"/>
+          </a:xfrm>
+          <a:prstGeom prst="rect">
+            <a:avLst/>
+          </a:prstGeom>
+          <a:noFill/>
+          <a:ln w="0">
+            <a:noFill/>
+          </a:ln>
+        </p:spPr>
+        <p:txBody>
+          <a:bodyPr lIns="90000" tIns="45000" rIns="90000" bIns="45000" anchor="ctr">
+            <a:noAutofit/>
+          </a:bodyPr>
+          <a:lstStyle/>
+          <a:p>
+            <a:pPr indent="0">
+              <a:lnSpc>
+                <a:spcPct val="90000"/>
+              </a:lnSpc>
+              <a:spcBef>
+                <a:spcPts val="1001"/>
+              </a:spcBef>
+              <a:buNone/>
+              <a:tabLst>
+                <a:tab pos="0" algn="l"/>
+              </a:tabLst>
+            </a:pPr>
+            <a:r>
+              <a:rPr lang="de-DE" sz="4000" b="1" strike="noStrike" spc="-1" dirty="0">
+                <a:solidFill>
+                  <a:srgbClr val="FFFFFF"/>
+                </a:solidFill>
+                <a:latin typeface="CMU Serif"/>
+                <a:ea typeface="CMU Serif"/>
+              </a:rPr>
+              <a:t>Bereinigung der Daten 4</a:t>
+            </a:r>
+            <a:endParaRPr lang="en-US" sz="4000" b="0" strike="noStrike" spc="-1" dirty="0">
+              <a:solidFill>
+                <a:srgbClr val="000000"/>
+              </a:solidFill>
+              <a:latin typeface="CMU Serif"/>
+            </a:endParaRPr>
+          </a:p>
+        </p:txBody>
+      </p:sp>
+      <p:sp>
+        <p:nvSpPr>
+          <p:cNvPr id="247" name="Textfeld 2"/>
+          <p:cNvSpPr/>
+          <p:nvPr/>
+        </p:nvSpPr>
+        <p:spPr>
+          <a:xfrm>
+            <a:off x="585360" y="1507548"/>
+            <a:ext cx="9953640" cy="367878"/>
+          </a:xfrm>
+          <a:prstGeom prst="rect">
+            <a:avLst/>
+          </a:prstGeom>
+          <a:noFill/>
+          <a:ln w="0">
+            <a:noFill/>
+          </a:ln>
+        </p:spPr>
+        <p:style>
+          <a:lnRef idx="0">
+            <a:scrgbClr r="0" g="0" b="0"/>
+          </a:lnRef>
+          <a:fillRef idx="0">
+            <a:scrgbClr r="0" g="0" b="0"/>
+          </a:fillRef>
+          <a:effectRef idx="0">
+            <a:scrgbClr r="0" g="0" b="0"/>
+          </a:effectRef>
+          <a:fontRef idx="minor"/>
+        </p:style>
+        <p:txBody>
+          <a:bodyPr lIns="90000" tIns="45000" rIns="90000" bIns="45000" anchor="t">
+            <a:spAutoFit/>
+          </a:bodyPr>
+          <a:lstStyle/>
+          <a:p>
+            <a:pPr>
+              <a:lnSpc>
+                <a:spcPct val="100000"/>
+              </a:lnSpc>
+            </a:pPr>
+            <a:r>
+              <a:rPr lang="de-DE" sz="1800" b="1" strike="noStrike" spc="-1" dirty="0">
+                <a:solidFill>
+                  <a:srgbClr val="000000"/>
+                </a:solidFill>
+                <a:latin typeface="Bahnschrift SemiLight"/>
+                <a:ea typeface="Arial Unicode MS"/>
+              </a:rPr>
+              <a:t>Zusammenfassung von „Color“</a:t>
+            </a:r>
+            <a:endParaRPr lang="de-DE" sz="1800" b="0" strike="noStrike" spc="-1" dirty="0">
+              <a:solidFill>
+                <a:srgbClr val="000000"/>
+              </a:solidFill>
+              <a:latin typeface="Arial"/>
+            </a:endParaRPr>
+          </a:p>
+        </p:txBody>
+      </p:sp>
+      <p:pic>
+        <p:nvPicPr>
+          <p:cNvPr id="6" name="Grafik 5">
+            <a:extLst>
+              <a:ext uri="{FF2B5EF4-FFF2-40B4-BE49-F238E27FC236}">
+                <a16:creationId xmlns:a16="http://schemas.microsoft.com/office/drawing/2014/main" id="{46476479-F540-4A3C-8DFC-D0523E96C2F0}"/>
+              </a:ext>
+            </a:extLst>
+          </p:cNvPr>
+          <p:cNvPicPr>
+            <a:picLocks noChangeAspect="1"/>
+          </p:cNvPicPr>
+          <p:nvPr/>
+        </p:nvPicPr>
+        <p:blipFill rotWithShape="1">
+          <a:blip r:embed="rId2">
+            <a:extLst>
+              <a:ext uri="{28A0092B-C50C-407E-A947-70E740481C1C}">
+                <a14:useLocalDpi xmlns:a14="http://schemas.microsoft.com/office/drawing/2010/main" val="0"/>
+              </a:ext>
+            </a:extLst>
+          </a:blip>
+          <a:srcRect t="2444" b="2102"/>
+          <a:stretch/>
+        </p:blipFill>
+        <p:spPr>
+          <a:xfrm>
+            <a:off x="1375358" y="1875426"/>
+            <a:ext cx="8373644" cy="4792135"/>
+          </a:xfrm>
+          <a:prstGeom prst="rect">
+            <a:avLst/>
+          </a:prstGeom>
+        </p:spPr>
+      </p:pic>
+    </p:spTree>
+    <p:extLst>
+      <p:ext uri="{BB962C8B-B14F-4D97-AF65-F5344CB8AC3E}">
+        <p14:creationId xmlns:p14="http://schemas.microsoft.com/office/powerpoint/2010/main" val="28657778"/>
+      </p:ext>
+    </p:extLst>
+  </p:cSld>
+  <p:clrMapOvr>
+    <a:masterClrMapping/>
+  </p:clrMapOvr>
+</p:sld>
+</file>
+
+<file path=ppt/slides/slide9.xml><?xml version="1.0" encoding="utf-8"?>
 <p:sld xmlns:a="http://schemas.openxmlformats.org/drawingml/2006/main" xmlns:r="http://schemas.openxmlformats.org/officeDocument/2006/relationships" xmlns:p="http://schemas.openxmlformats.org/presentationml/2006/main">
   <p:cSld>
     <p:spTree>
@@ -22658,493 +23332,6 @@
       <p:sp>
         <p:nvSpPr>
           <p:cNvPr id="254" name="Rechteck 1"/>
-          <p:cNvSpPr/>
-          <p:nvPr/>
-        </p:nvSpPr>
-        <p:spPr>
-          <a:xfrm>
-            <a:off x="-39240" y="6496920"/>
-            <a:ext cx="12270600" cy="424800"/>
-          </a:xfrm>
-          <a:prstGeom prst="rect">
-            <a:avLst/>
-          </a:prstGeom>
-          <a:solidFill>
-            <a:srgbClr val="AA313F"/>
-          </a:solidFill>
-          <a:ln>
-            <a:noFill/>
-          </a:ln>
-        </p:spPr>
-        <p:style>
-          <a:lnRef idx="2">
-            <a:schemeClr val="accent1">
-              <a:shade val="50000"/>
-            </a:schemeClr>
-          </a:lnRef>
-          <a:fillRef idx="1">
-            <a:schemeClr val="accent1"/>
-          </a:fillRef>
-          <a:effectRef idx="0">
-            <a:schemeClr val="accent1"/>
-          </a:effectRef>
-          <a:fontRef idx="minor"/>
-        </p:style>
-        <p:txBody>
-          <a:bodyPr lIns="90000" tIns="45000" rIns="90000" bIns="45000" anchor="ctr">
-            <a:noAutofit/>
-          </a:bodyPr>
-          <a:lstStyle/>
-          <a:p>
-            <a:pPr algn="ctr">
-              <a:lnSpc>
-                <a:spcPct val="100000"/>
-              </a:lnSpc>
-            </a:pPr>
-            <a:endParaRPr lang="de-DE" sz="1800" b="0" strike="noStrike" spc="-1">
-              <a:solidFill>
-                <a:schemeClr val="lt1"/>
-              </a:solidFill>
-              <a:latin typeface="CMU Serif"/>
-              <a:ea typeface="Arial Unicode MS"/>
-            </a:endParaRPr>
-          </a:p>
-        </p:txBody>
-      </p:sp>
-    </p:spTree>
-  </p:cSld>
-  <p:clrMapOvr>
-    <a:masterClrMapping/>
-  </p:clrMapOvr>
-</p:sld>
-</file>
-
-<file path=ppt/slides/slide9.xml><?xml version="1.0" encoding="utf-8"?>
-<p:sld xmlns:a="http://schemas.openxmlformats.org/drawingml/2006/main" xmlns:r="http://schemas.openxmlformats.org/officeDocument/2006/relationships" xmlns:p="http://schemas.openxmlformats.org/presentationml/2006/main">
-  <p:cSld>
-    <p:spTree>
-      <p:nvGrpSpPr>
-        <p:cNvPr id="1" name=""/>
-        <p:cNvGrpSpPr/>
-        <p:nvPr/>
-      </p:nvGrpSpPr>
-      <p:grpSpPr>
-        <a:xfrm>
-          <a:off x="0" y="0"/>
-          <a:ext cx="0" cy="0"/>
-          <a:chOff x="0" y="0"/>
-          <a:chExt cx="0" cy="0"/>
-        </a:xfrm>
-      </p:grpSpPr>
-      <p:sp>
-        <p:nvSpPr>
-          <p:cNvPr id="255" name="TextBox 3"/>
-          <p:cNvSpPr/>
-          <p:nvPr/>
-        </p:nvSpPr>
-        <p:spPr>
-          <a:xfrm>
-            <a:off x="5686920" y="2660040"/>
-            <a:ext cx="6328080" cy="1537200"/>
-          </a:xfrm>
-          <a:prstGeom prst="rect">
-            <a:avLst/>
-          </a:prstGeom>
-          <a:noFill/>
-          <a:ln w="0">
-            <a:noFill/>
-          </a:ln>
-        </p:spPr>
-        <p:style>
-          <a:lnRef idx="0">
-            <a:scrgbClr r="0" g="0" b="0"/>
-          </a:lnRef>
-          <a:fillRef idx="0">
-            <a:scrgbClr r="0" g="0" b="0"/>
-          </a:fillRef>
-          <a:effectRef idx="0">
-            <a:scrgbClr r="0" g="0" b="0"/>
-          </a:effectRef>
-          <a:fontRef idx="minor"/>
-        </p:style>
-        <p:txBody>
-          <a:bodyPr lIns="90000" tIns="45000" rIns="90000" bIns="45000" anchor="ctr">
-            <a:spAutoFit/>
-          </a:bodyPr>
-          <a:lstStyle/>
-          <a:p>
-            <a:pPr algn="ctr">
-              <a:lnSpc>
-                <a:spcPts val="5400"/>
-              </a:lnSpc>
-              <a:spcAft>
-                <a:spcPts val="601"/>
-              </a:spcAft>
-            </a:pPr>
-            <a:r>
-              <a:rPr lang="de-DE" sz="5500" b="1" strike="noStrike" spc="-1">
-                <a:solidFill>
-                  <a:srgbClr val="002060"/>
-                </a:solidFill>
-                <a:latin typeface="CMU Serif"/>
-                <a:ea typeface="CMU Serif"/>
-              </a:rPr>
-              <a:t>3. Maschinelles </a:t>
-            </a:r>
-            <a:endParaRPr lang="de-DE" sz="5500" b="0" strike="noStrike" spc="-1">
-              <a:solidFill>
-                <a:srgbClr val="000000"/>
-              </a:solidFill>
-              <a:latin typeface="Arial"/>
-            </a:endParaRPr>
-          </a:p>
-          <a:p>
-            <a:pPr algn="ctr">
-              <a:lnSpc>
-                <a:spcPts val="5400"/>
-              </a:lnSpc>
-              <a:spcAft>
-                <a:spcPts val="601"/>
-              </a:spcAft>
-            </a:pPr>
-            <a:r>
-              <a:rPr lang="de-DE" sz="5500" b="1" strike="noStrike" spc="-1">
-                <a:solidFill>
-                  <a:srgbClr val="002060"/>
-                </a:solidFill>
-                <a:latin typeface="CMU Serif"/>
-                <a:ea typeface="CMU Serif"/>
-              </a:rPr>
-              <a:t>Lernverfahren 2</a:t>
-            </a:r>
-            <a:endParaRPr lang="de-DE" sz="5500" b="0" strike="noStrike" spc="-1">
-              <a:solidFill>
-                <a:srgbClr val="000000"/>
-              </a:solidFill>
-              <a:latin typeface="Arial"/>
-            </a:endParaRPr>
-          </a:p>
-        </p:txBody>
-      </p:sp>
-      <p:sp>
-        <p:nvSpPr>
-          <p:cNvPr id="256" name="Freeform: Shape 152"/>
-          <p:cNvSpPr/>
-          <p:nvPr/>
-        </p:nvSpPr>
-        <p:spPr>
-          <a:xfrm>
-            <a:off x="673920" y="1688040"/>
-            <a:ext cx="5086440" cy="3128400"/>
-          </a:xfrm>
-          <a:custGeom>
-            <a:avLst/>
-            <a:gdLst>
-              <a:gd name="textAreaLeft" fmla="*/ 0 w 5086440"/>
-              <a:gd name="textAreaRight" fmla="*/ 5086800 w 5086440"/>
-              <a:gd name="textAreaTop" fmla="*/ 0 h 3128400"/>
-              <a:gd name="textAreaBottom" fmla="*/ 3128760 h 3128400"/>
-            </a:gdLst>
-            <a:ahLst/>
-            <a:cxnLst/>
-            <a:rect l="textAreaLeft" t="textAreaTop" r="textAreaRight" b="textAreaBottom"/>
-            <a:pathLst>
-              <a:path w="5086770" h="3128874">
-                <a:moveTo>
-                  <a:pt x="5086770" y="1174706"/>
-                </a:moveTo>
-                <a:lnTo>
-                  <a:pt x="5086770" y="1184663"/>
-                </a:lnTo>
-                <a:lnTo>
-                  <a:pt x="5079830" y="1185820"/>
-                </a:lnTo>
-                <a:cubicBezTo>
-                  <a:pt x="5079829" y="1184277"/>
-                  <a:pt x="5078289" y="1184277"/>
-                  <a:pt x="5078289" y="1182737"/>
-                </a:cubicBezTo>
-                <a:lnTo>
-                  <a:pt x="5078289" y="1179654"/>
-                </a:lnTo>
-                <a:close/>
-                <a:moveTo>
-                  <a:pt x="1690658" y="810655"/>
-                </a:moveTo>
-                <a:lnTo>
-                  <a:pt x="1349061" y="1934928"/>
-                </a:lnTo>
-                <a:lnTo>
-                  <a:pt x="2035854" y="1934928"/>
-                </a:lnTo>
-                <a:close/>
-                <a:moveTo>
-                  <a:pt x="3765314" y="0"/>
-                </a:moveTo>
-                <a:lnTo>
-                  <a:pt x="4465138" y="0"/>
-                </a:lnTo>
-                <a:lnTo>
-                  <a:pt x="4675955" y="0"/>
-                </a:lnTo>
-                <a:lnTo>
-                  <a:pt x="4659036" y="34412"/>
-                </a:lnTo>
-                <a:cubicBezTo>
-                  <a:pt x="4655952" y="37496"/>
-                  <a:pt x="4652870" y="40578"/>
-                  <a:pt x="4651327" y="45203"/>
-                </a:cubicBezTo>
-                <a:cubicBezTo>
-                  <a:pt x="4649787" y="48285"/>
-                  <a:pt x="4649788" y="49827"/>
-                  <a:pt x="4648245" y="51368"/>
-                </a:cubicBezTo>
-                <a:cubicBezTo>
-                  <a:pt x="4632831" y="72947"/>
-                  <a:pt x="4528018" y="224002"/>
-                  <a:pt x="4483319" y="361184"/>
-                </a:cubicBezTo>
-                <a:cubicBezTo>
-                  <a:pt x="4481777" y="365808"/>
-                  <a:pt x="4480236" y="368891"/>
-                  <a:pt x="4480236" y="373515"/>
-                </a:cubicBezTo>
-                <a:cubicBezTo>
-                  <a:pt x="4478694" y="381223"/>
-                  <a:pt x="4475612" y="390471"/>
-                  <a:pt x="4474071" y="398176"/>
-                </a:cubicBezTo>
-                <a:cubicBezTo>
-                  <a:pt x="4466362" y="432087"/>
-                  <a:pt x="4458657" y="465997"/>
-                  <a:pt x="4450950" y="498367"/>
-                </a:cubicBezTo>
-                <a:cubicBezTo>
-                  <a:pt x="4444783" y="506073"/>
-                  <a:pt x="4440160" y="516863"/>
-                  <a:pt x="4440161" y="527652"/>
-                </a:cubicBezTo>
-                <a:cubicBezTo>
-                  <a:pt x="4440160" y="532277"/>
-                  <a:pt x="4440160" y="535360"/>
-                  <a:pt x="4441700" y="539983"/>
-                </a:cubicBezTo>
-                <a:cubicBezTo>
-                  <a:pt x="4440161" y="547691"/>
-                  <a:pt x="4438618" y="555397"/>
-                  <a:pt x="4437078" y="561562"/>
-                </a:cubicBezTo>
-                <a:cubicBezTo>
-                  <a:pt x="4435535" y="566187"/>
-                  <a:pt x="4433995" y="570810"/>
-                  <a:pt x="4433995" y="576976"/>
-                </a:cubicBezTo>
-                <a:cubicBezTo>
-                  <a:pt x="4433995" y="576976"/>
-                  <a:pt x="4433994" y="578519"/>
-                  <a:pt x="4433994" y="578519"/>
-                </a:cubicBezTo>
-                <a:cubicBezTo>
-                  <a:pt x="4417039" y="674083"/>
-                  <a:pt x="4407790" y="755776"/>
-                  <a:pt x="4413956" y="797393"/>
-                </a:cubicBezTo>
-                <a:cubicBezTo>
-                  <a:pt x="4421664" y="846717"/>
-                  <a:pt x="4440160" y="929951"/>
-                  <a:pt x="4438619" y="996230"/>
-                </a:cubicBezTo>
-                <a:cubicBezTo>
-                  <a:pt x="4435535" y="1002395"/>
-                  <a:pt x="4433995" y="1008560"/>
-                  <a:pt x="4433995" y="1016268"/>
-                </a:cubicBezTo>
-                <a:cubicBezTo>
-                  <a:pt x="4433995" y="1019351"/>
-                  <a:pt x="4435536" y="1022434"/>
-                  <a:pt x="4435536" y="1025517"/>
-                </a:cubicBezTo>
-                <a:cubicBezTo>
-                  <a:pt x="4435536" y="1025517"/>
-                  <a:pt x="4435535" y="1027057"/>
-                  <a:pt x="4437078" y="1027057"/>
-                </a:cubicBezTo>
-                <a:cubicBezTo>
-                  <a:pt x="4435536" y="1034764"/>
-                  <a:pt x="4433994" y="1042471"/>
-                  <a:pt x="4432452" y="1048636"/>
-                </a:cubicBezTo>
-                <a:lnTo>
-                  <a:pt x="4413956" y="1085630"/>
-                </a:lnTo>
-                <a:cubicBezTo>
-                  <a:pt x="4369257" y="1164240"/>
-                  <a:pt x="4258278" y="1339957"/>
-                  <a:pt x="4196623" y="1389280"/>
-                </a:cubicBezTo>
-                <a:cubicBezTo>
-                  <a:pt x="4128802" y="1441687"/>
-                  <a:pt x="4062523" y="1538793"/>
-                  <a:pt x="4085645" y="1597365"/>
-                </a:cubicBezTo>
-                <a:cubicBezTo>
-                  <a:pt x="4119555" y="1660562"/>
-                  <a:pt x="4181210" y="1688307"/>
-                  <a:pt x="4216661" y="1697556"/>
-                </a:cubicBezTo>
-                <a:cubicBezTo>
-                  <a:pt x="4252112" y="1706804"/>
-                  <a:pt x="4275233" y="1779247"/>
-                  <a:pt x="4250571" y="1811617"/>
-                </a:cubicBezTo>
-                <a:cubicBezTo>
-                  <a:pt x="4225909" y="1843985"/>
-                  <a:pt x="4187375" y="1853233"/>
-                  <a:pt x="4173502" y="1888685"/>
-                </a:cubicBezTo>
-                <a:cubicBezTo>
-                  <a:pt x="4159630" y="1924137"/>
-                  <a:pt x="4153465" y="1998123"/>
-                  <a:pt x="4213578" y="2022784"/>
-                </a:cubicBezTo>
-                <a:cubicBezTo>
-                  <a:pt x="4259818" y="2041281"/>
-                  <a:pt x="4349219" y="2081356"/>
-                  <a:pt x="4347678" y="2090605"/>
-                </a:cubicBezTo>
-                <a:cubicBezTo>
-                  <a:pt x="4346136" y="2099853"/>
-                  <a:pt x="4250570" y="2107561"/>
-                  <a:pt x="4233616" y="2138388"/>
-                </a:cubicBezTo>
-                <a:cubicBezTo>
-                  <a:pt x="4216660" y="2169216"/>
-                  <a:pt x="4204330" y="2220080"/>
-                  <a:pt x="4227451" y="2258616"/>
-                </a:cubicBezTo>
-                <a:cubicBezTo>
-                  <a:pt x="4250571" y="2297149"/>
-                  <a:pt x="4332264" y="2292526"/>
-                  <a:pt x="4350761" y="2320270"/>
-                </a:cubicBezTo>
-                <a:cubicBezTo>
-                  <a:pt x="4381588" y="2371135"/>
-                  <a:pt x="4358466" y="2378843"/>
-                  <a:pt x="4333805" y="2462077"/>
-                </a:cubicBezTo>
-                <a:cubicBezTo>
-                  <a:pt x="4306060" y="2551476"/>
-                  <a:pt x="4302977" y="2650125"/>
-                  <a:pt x="4467905" y="2719486"/>
-                </a:cubicBezTo>
-                <a:cubicBezTo>
-                  <a:pt x="4562314" y="2758983"/>
-                  <a:pt x="4694054" y="2758743"/>
-                  <a:pt x="4800655" y="2748491"/>
-                </a:cubicBezTo>
-                <a:lnTo>
-                  <a:pt x="4838191" y="2744074"/>
-                </a:lnTo>
-                <a:lnTo>
-                  <a:pt x="4863823" y="2765476"/>
-                </a:lnTo>
-                <a:cubicBezTo>
-                  <a:pt x="4895578" y="2799449"/>
-                  <a:pt x="4917344" y="2847230"/>
-                  <a:pt x="4934321" y="2911083"/>
-                </a:cubicBezTo>
-                <a:cubicBezTo>
-                  <a:pt x="4945640" y="2953651"/>
-                  <a:pt x="4957371" y="3013267"/>
-                  <a:pt x="4964162" y="3074402"/>
-                </a:cubicBezTo>
-                <a:lnTo>
-                  <a:pt x="4967647" y="3128874"/>
-                </a:lnTo>
-                <a:lnTo>
-                  <a:pt x="4465138" y="3128874"/>
-                </a:lnTo>
-                <a:lnTo>
-                  <a:pt x="4465138" y="3127460"/>
-                </a:lnTo>
-                <a:lnTo>
-                  <a:pt x="3765314" y="3127460"/>
-                </a:lnTo>
-                <a:close/>
-                <a:moveTo>
-                  <a:pt x="1175459" y="0"/>
-                </a:moveTo>
-                <a:lnTo>
-                  <a:pt x="2229594" y="0"/>
-                </a:lnTo>
-                <a:lnTo>
-                  <a:pt x="3404781" y="3127460"/>
-                </a:lnTo>
-                <a:lnTo>
-                  <a:pt x="2392789" y="3127460"/>
-                </a:lnTo>
-                <a:lnTo>
-                  <a:pt x="2236317" y="2611186"/>
-                </a:lnTo>
-                <a:lnTo>
-                  <a:pt x="1139165" y="2611186"/>
-                </a:lnTo>
-                <a:lnTo>
-                  <a:pt x="986721" y="3127460"/>
-                </a:lnTo>
-                <a:lnTo>
-                  <a:pt x="0" y="3127460"/>
-                </a:lnTo>
-                <a:close/>
-              </a:path>
-            </a:pathLst>
-          </a:custGeom>
-          <a:solidFill>
-            <a:srgbClr val="002060"/>
-          </a:solidFill>
-          <a:ln>
-            <a:noFill/>
-          </a:ln>
-        </p:spPr>
-        <p:style>
-          <a:lnRef idx="2">
-            <a:schemeClr val="accent1">
-              <a:shade val="50000"/>
-            </a:schemeClr>
-          </a:lnRef>
-          <a:fillRef idx="1">
-            <a:schemeClr val="accent1"/>
-          </a:fillRef>
-          <a:effectRef idx="0">
-            <a:schemeClr val="accent1"/>
-          </a:effectRef>
-          <a:fontRef idx="minor"/>
-        </p:style>
-        <p:txBody>
-          <a:bodyPr lIns="90000" tIns="45000" rIns="90000" bIns="45000" anchor="ctr">
-            <a:noAutofit/>
-          </a:bodyPr>
-          <a:lstStyle/>
-          <a:p>
-            <a:pPr algn="ctr">
-              <a:lnSpc>
-                <a:spcPct val="100000"/>
-              </a:lnSpc>
-            </a:pPr>
-            <a:endParaRPr lang="en-US" sz="1800" b="0" strike="noStrike" spc="-1">
-              <a:solidFill>
-                <a:schemeClr val="lt1"/>
-              </a:solidFill>
-              <a:latin typeface="CMU Serif"/>
-              <a:ea typeface="Arial Unicode MS"/>
-            </a:endParaRPr>
-          </a:p>
-        </p:txBody>
-      </p:sp>
-      <p:sp>
-        <p:nvSpPr>
-          <p:cNvPr id="257" name="Rechteck 1"/>
           <p:cNvSpPr/>
           <p:nvPr/>
         </p:nvSpPr>

--- a/Präsentation_Vorlage.pptx
+++ b/Präsentation_Vorlage.pptx
@@ -22737,127 +22737,6 @@
           <a:chExt cx="0" cy="0"/>
         </a:xfrm>
       </p:grpSpPr>
-      <p:sp>
-        <p:nvSpPr>
-          <p:cNvPr id="246" name="PlaceHolder 1"/>
-          <p:cNvSpPr>
-            <a:spLocks noGrp="1"/>
-          </p:cNvSpPr>
-          <p:nvPr>
-            <p:ph/>
-          </p:nvPr>
-        </p:nvSpPr>
-        <p:spPr>
-          <a:xfrm>
-            <a:off x="2063160" y="443506"/>
-            <a:ext cx="8065800" cy="645840"/>
-          </a:xfrm>
-          <a:prstGeom prst="rect">
-            <a:avLst/>
-          </a:prstGeom>
-          <a:noFill/>
-          <a:ln w="0">
-            <a:noFill/>
-          </a:ln>
-        </p:spPr>
-        <p:txBody>
-          <a:bodyPr lIns="90000" tIns="45000" rIns="90000" bIns="45000" anchor="ctr">
-            <a:noAutofit/>
-          </a:bodyPr>
-          <a:lstStyle/>
-          <a:p>
-            <a:pPr indent="0">
-              <a:lnSpc>
-                <a:spcPct val="90000"/>
-              </a:lnSpc>
-              <a:spcBef>
-                <a:spcPts val="1001"/>
-              </a:spcBef>
-              <a:buNone/>
-              <a:tabLst>
-                <a:tab pos="0" algn="l"/>
-              </a:tabLst>
-            </a:pPr>
-            <a:r>
-              <a:rPr lang="de-DE" sz="4000" b="1" strike="noStrike" spc="-1" dirty="0">
-                <a:solidFill>
-                  <a:srgbClr val="FFFFFF"/>
-                </a:solidFill>
-                <a:latin typeface="CMU Serif"/>
-                <a:ea typeface="CMU Serif"/>
-              </a:rPr>
-              <a:t>Bereinigung der Daten 4</a:t>
-            </a:r>
-            <a:endParaRPr lang="en-US" sz="4000" b="0" strike="noStrike" spc="-1" dirty="0">
-              <a:solidFill>
-                <a:srgbClr val="000000"/>
-              </a:solidFill>
-              <a:latin typeface="CMU Serif"/>
-            </a:endParaRPr>
-          </a:p>
-        </p:txBody>
-      </p:sp>
-      <p:sp>
-        <p:nvSpPr>
-          <p:cNvPr id="247" name="Textfeld 2"/>
-          <p:cNvSpPr/>
-          <p:nvPr/>
-        </p:nvSpPr>
-        <p:spPr>
-          <a:xfrm>
-            <a:off x="585360" y="1507548"/>
-            <a:ext cx="9953640" cy="367878"/>
-          </a:xfrm>
-          <a:prstGeom prst="rect">
-            <a:avLst/>
-          </a:prstGeom>
-          <a:noFill/>
-          <a:ln w="0">
-            <a:noFill/>
-          </a:ln>
-        </p:spPr>
-        <p:style>
-          <a:lnRef idx="0">
-            <a:scrgbClr r="0" g="0" b="0"/>
-          </a:lnRef>
-          <a:fillRef idx="0">
-            <a:scrgbClr r="0" g="0" b="0"/>
-          </a:fillRef>
-          <a:effectRef idx="0">
-            <a:scrgbClr r="0" g="0" b="0"/>
-          </a:effectRef>
-          <a:fontRef idx="minor"/>
-        </p:style>
-        <p:txBody>
-          <a:bodyPr lIns="90000" tIns="45000" rIns="90000" bIns="45000" anchor="t">
-            <a:spAutoFit/>
-          </a:bodyPr>
-          <a:lstStyle/>
-          <a:p>
-            <a:pPr>
-              <a:lnSpc>
-                <a:spcPct val="100000"/>
-              </a:lnSpc>
-            </a:pPr>
-            <a:r>
-              <a:rPr lang="de-DE" sz="1800" b="1" strike="noStrike" spc="-1" dirty="0">
-                <a:solidFill>
-                  <a:srgbClr val="000000"/>
-                </a:solidFill>
-                <a:latin typeface="Bahnschrift SemiLight"/>
-                <a:ea typeface="Arial Unicode MS"/>
-              </a:rPr>
-              <a:t>Zusammenfassung von „Color“</a:t>
-            </a:r>
-            <a:endParaRPr lang="de-DE" sz="1800" b="0" strike="noStrike" spc="-1" dirty="0">
-              <a:solidFill>
-                <a:srgbClr val="000000"/>
-              </a:solidFill>
-              <a:latin typeface="Arial"/>
-            </a:endParaRPr>
-          </a:p>
-        </p:txBody>
-      </p:sp>
       <p:pic>
         <p:nvPicPr>
           <p:cNvPr id="6" name="Grafik 5">
@@ -22885,14 +22764,207 @@
         </p:blipFill>
         <p:spPr>
           <a:xfrm>
-            <a:off x="1375358" y="1875426"/>
-            <a:ext cx="8373644" cy="4792135"/>
+            <a:off x="1662464" y="2282337"/>
+            <a:ext cx="7799432" cy="4463520"/>
           </a:xfrm>
           <a:prstGeom prst="rect">
             <a:avLst/>
           </a:prstGeom>
         </p:spPr>
       </p:pic>
+      <p:sp>
+        <p:nvSpPr>
+          <p:cNvPr id="246" name="PlaceHolder 1"/>
+          <p:cNvSpPr>
+            <a:spLocks noGrp="1"/>
+          </p:cNvSpPr>
+          <p:nvPr>
+            <p:ph/>
+          </p:nvPr>
+        </p:nvSpPr>
+        <p:spPr>
+          <a:xfrm>
+            <a:off x="2063160" y="443506"/>
+            <a:ext cx="8065800" cy="645840"/>
+          </a:xfrm>
+          <a:prstGeom prst="rect">
+            <a:avLst/>
+          </a:prstGeom>
+          <a:noFill/>
+          <a:ln w="0">
+            <a:noFill/>
+          </a:ln>
+        </p:spPr>
+        <p:txBody>
+          <a:bodyPr lIns="90000" tIns="45000" rIns="90000" bIns="45000" anchor="ctr">
+            <a:noAutofit/>
+          </a:bodyPr>
+          <a:lstStyle/>
+          <a:p>
+            <a:pPr indent="0">
+              <a:lnSpc>
+                <a:spcPct val="90000"/>
+              </a:lnSpc>
+              <a:spcBef>
+                <a:spcPts val="1001"/>
+              </a:spcBef>
+              <a:buNone/>
+              <a:tabLst>
+                <a:tab pos="0" algn="l"/>
+              </a:tabLst>
+            </a:pPr>
+            <a:r>
+              <a:rPr lang="de-DE" sz="4000" b="1" strike="noStrike" spc="-1" dirty="0">
+                <a:solidFill>
+                  <a:srgbClr val="FFFFFF"/>
+                </a:solidFill>
+                <a:latin typeface="CMU Serif"/>
+                <a:ea typeface="CMU Serif"/>
+              </a:rPr>
+              <a:t>Bereinigung der Daten 4</a:t>
+            </a:r>
+            <a:endParaRPr lang="en-US" sz="4000" b="0" strike="noStrike" spc="-1" dirty="0">
+              <a:solidFill>
+                <a:srgbClr val="000000"/>
+              </a:solidFill>
+              <a:latin typeface="CMU Serif"/>
+            </a:endParaRPr>
+          </a:p>
+        </p:txBody>
+      </p:sp>
+      <p:sp>
+        <p:nvSpPr>
+          <p:cNvPr id="247" name="Textfeld 2"/>
+          <p:cNvSpPr/>
+          <p:nvPr/>
+        </p:nvSpPr>
+        <p:spPr>
+          <a:xfrm>
+            <a:off x="585360" y="1552987"/>
+            <a:ext cx="9953640" cy="644877"/>
+          </a:xfrm>
+          <a:prstGeom prst="rect">
+            <a:avLst/>
+          </a:prstGeom>
+          <a:noFill/>
+          <a:ln w="0">
+            <a:noFill/>
+          </a:ln>
+        </p:spPr>
+        <p:style>
+          <a:lnRef idx="0">
+            <a:scrgbClr r="0" g="0" b="0"/>
+          </a:lnRef>
+          <a:fillRef idx="0">
+            <a:scrgbClr r="0" g="0" b="0"/>
+          </a:fillRef>
+          <a:effectRef idx="0">
+            <a:scrgbClr r="0" g="0" b="0"/>
+          </a:effectRef>
+          <a:fontRef idx="minor"/>
+        </p:style>
+        <p:txBody>
+          <a:bodyPr lIns="90000" tIns="45000" rIns="90000" bIns="45000" anchor="t">
+            <a:spAutoFit/>
+          </a:bodyPr>
+          <a:lstStyle/>
+          <a:p>
+            <a:pPr>
+              <a:lnSpc>
+                <a:spcPct val="100000"/>
+              </a:lnSpc>
+            </a:pPr>
+            <a:r>
+              <a:rPr lang="de-DE" sz="1800" b="1" strike="noStrike" spc="-1" dirty="0">
+                <a:solidFill>
+                  <a:srgbClr val="000000"/>
+                </a:solidFill>
+                <a:latin typeface="Bahnschrift SemiLight"/>
+                <a:ea typeface="Arial Unicode MS"/>
+              </a:rPr>
+              <a:t>Entfernung der Spalte „Color“</a:t>
+            </a:r>
+          </a:p>
+          <a:p>
+            <a:pPr marL="285750" indent="-285750">
+              <a:lnSpc>
+                <a:spcPct val="100000"/>
+              </a:lnSpc>
+              <a:buFont typeface="Arial" panose="020B0604020202020204" pitchFamily="34" charset="0"/>
+              <a:buChar char="•"/>
+            </a:pPr>
+            <a:r>
+              <a:rPr lang="de-DE" sz="1800" strike="noStrike" spc="-1" dirty="0">
+                <a:solidFill>
+                  <a:srgbClr val="000000"/>
+                </a:solidFill>
+                <a:latin typeface="Bahnschrift SemiLight"/>
+              </a:rPr>
+              <a:t>Die </a:t>
+            </a:r>
+            <a:r>
+              <a:rPr lang="de-DE" spc="-1" dirty="0">
+                <a:solidFill>
+                  <a:srgbClr val="000000"/>
+                </a:solidFill>
+                <a:latin typeface="Bahnschrift SemiLight"/>
+              </a:rPr>
+              <a:t>F</a:t>
+            </a:r>
+            <a:r>
+              <a:rPr lang="de-DE" sz="1800" strike="noStrike" spc="-1" dirty="0">
+                <a:solidFill>
+                  <a:srgbClr val="000000"/>
+                </a:solidFill>
+                <a:latin typeface="Bahnschrift SemiLight"/>
+              </a:rPr>
+              <a:t>arbe hat fast keinen Einfluss auf den Preis, Farben wie </a:t>
+            </a:r>
+            <a:r>
+              <a:rPr lang="de-DE" sz="1800" strike="noStrike" spc="-1" dirty="0" err="1">
+                <a:solidFill>
+                  <a:srgbClr val="000000"/>
+                </a:solidFill>
+                <a:latin typeface="Bahnschrift SemiLight"/>
+              </a:rPr>
+              <a:t>gold</a:t>
+            </a:r>
+            <a:r>
+              <a:rPr lang="de-DE" spc="-1" dirty="0">
+                <a:solidFill>
+                  <a:srgbClr val="000000"/>
+                </a:solidFill>
+                <a:latin typeface="Bahnschrift SemiLight"/>
+              </a:rPr>
+              <a:t>, </a:t>
+            </a:r>
+            <a:r>
+              <a:rPr lang="de-DE" spc="-1" dirty="0" err="1">
+                <a:solidFill>
+                  <a:srgbClr val="000000"/>
+                </a:solidFill>
+                <a:latin typeface="Bahnschrift SemiLight"/>
+              </a:rPr>
+              <a:t>green</a:t>
+            </a:r>
+            <a:r>
+              <a:rPr lang="de-DE" spc="-1" dirty="0">
+                <a:solidFill>
+                  <a:srgbClr val="000000"/>
+                </a:solidFill>
+                <a:latin typeface="Bahnschrift SemiLight"/>
+              </a:rPr>
+              <a:t> etc. wenig vertreten</a:t>
+            </a:r>
+            <a:endParaRPr lang="de-DE" sz="1800" strike="noStrike" spc="-1" dirty="0">
+              <a:solidFill>
+                <a:srgbClr val="000000"/>
+              </a:solidFill>
+              <a:latin typeface="Arial"/>
+            </a:endParaRPr>
+          </a:p>
+        </p:txBody>
+      </p:sp>
     </p:spTree>
     <p:extLst>
       <p:ext uri="{BB962C8B-B14F-4D97-AF65-F5344CB8AC3E}">

--- a/Präsentation_Vorlage.pptx
+++ b/Präsentation_Vorlage.pptx
@@ -18,13 +18,16 @@
     <p:sldId id="260" r:id="rId12"/>
     <p:sldId id="269" r:id="rId13"/>
     <p:sldId id="270" r:id="rId14"/>
-    <p:sldId id="262" r:id="rId15"/>
-    <p:sldId id="263" r:id="rId16"/>
-    <p:sldId id="264" r:id="rId17"/>
-    <p:sldId id="265" r:id="rId18"/>
-    <p:sldId id="266" r:id="rId19"/>
-    <p:sldId id="267" r:id="rId20"/>
-    <p:sldId id="268" r:id="rId21"/>
+    <p:sldId id="271" r:id="rId15"/>
+    <p:sldId id="272" r:id="rId16"/>
+    <p:sldId id="273" r:id="rId17"/>
+    <p:sldId id="262" r:id="rId18"/>
+    <p:sldId id="263" r:id="rId19"/>
+    <p:sldId id="264" r:id="rId20"/>
+    <p:sldId id="265" r:id="rId21"/>
+    <p:sldId id="266" r:id="rId22"/>
+    <p:sldId id="267" r:id="rId23"/>
+    <p:sldId id="268" r:id="rId24"/>
   </p:sldIdLst>
   <p:sldSz cx="12192000" cy="6858000"/>
   <p:notesSz cx="7559675" cy="10691813"/>
@@ -15931,6 +15934,425 @@
   <p:cSld>
     <p:spTree>
       <p:nvGrpSpPr>
+        <p:cNvPr id="1" name="">
+          <a:extLst>
+            <a:ext uri="{FF2B5EF4-FFF2-40B4-BE49-F238E27FC236}">
+              <a16:creationId xmlns:a16="http://schemas.microsoft.com/office/drawing/2014/main" id="{7EB00023-4243-E8EE-6970-DB924E4DCDBF}"/>
+            </a:ext>
+          </a:extLst>
+        </p:cNvPr>
+        <p:cNvGrpSpPr/>
+        <p:nvPr/>
+      </p:nvGrpSpPr>
+      <p:grpSpPr>
+        <a:xfrm>
+          <a:off x="0" y="0"/>
+          <a:ext cx="0" cy="0"/>
+          <a:chOff x="0" y="0"/>
+          <a:chExt cx="0" cy="0"/>
+        </a:xfrm>
+      </p:grpSpPr>
+      <p:sp>
+        <p:nvSpPr>
+          <p:cNvPr id="246" name="PlaceHolder 1">
+            <a:extLst>
+              <a:ext uri="{FF2B5EF4-FFF2-40B4-BE49-F238E27FC236}">
+                <a16:creationId xmlns:a16="http://schemas.microsoft.com/office/drawing/2014/main" id="{D44F8EDF-4AAB-B7D1-2F24-AB3EF8F771AC}"/>
+              </a:ext>
+            </a:extLst>
+          </p:cNvPr>
+          <p:cNvSpPr>
+            <a:spLocks noGrp="1"/>
+          </p:cNvSpPr>
+          <p:nvPr>
+            <p:ph/>
+          </p:nvPr>
+        </p:nvSpPr>
+        <p:spPr>
+          <a:xfrm>
+            <a:off x="2063160" y="443506"/>
+            <a:ext cx="8065800" cy="645840"/>
+          </a:xfrm>
+          <a:prstGeom prst="rect">
+            <a:avLst/>
+          </a:prstGeom>
+          <a:noFill/>
+          <a:ln w="0">
+            <a:noFill/>
+          </a:ln>
+        </p:spPr>
+        <p:txBody>
+          <a:bodyPr lIns="90000" tIns="45000" rIns="90000" bIns="45000" anchor="ctr">
+            <a:noAutofit/>
+          </a:bodyPr>
+          <a:lstStyle/>
+          <a:p>
+            <a:pPr indent="0">
+              <a:lnSpc>
+                <a:spcPct val="90000"/>
+              </a:lnSpc>
+              <a:spcBef>
+                <a:spcPts val="1001"/>
+              </a:spcBef>
+              <a:buNone/>
+              <a:tabLst>
+                <a:tab pos="0" algn="l"/>
+              </a:tabLst>
+            </a:pPr>
+            <a:r>
+              <a:rPr lang="de-DE" sz="4000" b="1" strike="noStrike" spc="-1" dirty="0">
+                <a:solidFill>
+                  <a:srgbClr val="FFFFFF"/>
+                </a:solidFill>
+                <a:latin typeface="CMU Serif"/>
+                <a:ea typeface="CMU Serif"/>
+              </a:rPr>
+              <a:t>Bereinigung der Daten 5</a:t>
+            </a:r>
+            <a:endParaRPr lang="en-US" sz="4000" b="0" strike="noStrike" spc="-1" dirty="0">
+              <a:solidFill>
+                <a:srgbClr val="000000"/>
+              </a:solidFill>
+              <a:latin typeface="CMU Serif"/>
+            </a:endParaRPr>
+          </a:p>
+        </p:txBody>
+      </p:sp>
+      <p:pic>
+        <p:nvPicPr>
+          <p:cNvPr id="4" name="Grafik 3" descr="Ein Bild, das Text, Diagramm, Reihe, parallel enthält.&#10;&#10;KI-generierte Inhalte können fehlerhaft sein.">
+            <a:extLst>
+              <a:ext uri="{FF2B5EF4-FFF2-40B4-BE49-F238E27FC236}">
+                <a16:creationId xmlns:a16="http://schemas.microsoft.com/office/drawing/2014/main" id="{43BF5F40-1174-0B89-6A03-32FB0001F7AE}"/>
+              </a:ext>
+            </a:extLst>
+          </p:cNvPr>
+          <p:cNvPicPr>
+            <a:picLocks noChangeAspect="1"/>
+          </p:cNvPicPr>
+          <p:nvPr/>
+        </p:nvPicPr>
+        <p:blipFill>
+          <a:blip r:embed="rId2">
+            <a:extLst>
+              <a:ext uri="{28A0092B-C50C-407E-A947-70E740481C1C}">
+                <a14:useLocalDpi xmlns:a14="http://schemas.microsoft.com/office/drawing/2010/main" val="0"/>
+              </a:ext>
+            </a:extLst>
+          </a:blip>
+          <a:srcRect t="3594"/>
+          <a:stretch/>
+        </p:blipFill>
+        <p:spPr>
+          <a:xfrm>
+            <a:off x="2352756" y="1268084"/>
+            <a:ext cx="7486488" cy="4850925"/>
+          </a:xfrm>
+          <a:prstGeom prst="rect">
+            <a:avLst/>
+          </a:prstGeom>
+        </p:spPr>
+      </p:pic>
+      <p:sp>
+        <p:nvSpPr>
+          <p:cNvPr id="5" name="Textfeld 2">
+            <a:extLst>
+              <a:ext uri="{FF2B5EF4-FFF2-40B4-BE49-F238E27FC236}">
+                <a16:creationId xmlns:a16="http://schemas.microsoft.com/office/drawing/2014/main" id="{3F5172F2-469F-A67D-7C3B-4A3B7826856C}"/>
+              </a:ext>
+            </a:extLst>
+          </p:cNvPr>
+          <p:cNvSpPr/>
+          <p:nvPr/>
+        </p:nvSpPr>
+        <p:spPr>
+          <a:xfrm>
+            <a:off x="637117" y="6230555"/>
+            <a:ext cx="9953640" cy="367878"/>
+          </a:xfrm>
+          <a:prstGeom prst="rect">
+            <a:avLst/>
+          </a:prstGeom>
+          <a:noFill/>
+          <a:ln w="0">
+            <a:noFill/>
+          </a:ln>
+        </p:spPr>
+        <p:style>
+          <a:lnRef idx="0">
+            <a:scrgbClr r="0" g="0" b="0"/>
+          </a:lnRef>
+          <a:fillRef idx="0">
+            <a:scrgbClr r="0" g="0" b="0"/>
+          </a:fillRef>
+          <a:effectRef idx="0">
+            <a:scrgbClr r="0" g="0" b="0"/>
+          </a:effectRef>
+          <a:fontRef idx="minor"/>
+        </p:style>
+        <p:txBody>
+          <a:bodyPr lIns="90000" tIns="45000" rIns="90000" bIns="45000" anchor="t">
+            <a:spAutoFit/>
+          </a:bodyPr>
+          <a:lstStyle/>
+          <a:p>
+            <a:pPr>
+              <a:lnSpc>
+                <a:spcPct val="100000"/>
+              </a:lnSpc>
+            </a:pPr>
+            <a:r>
+              <a:rPr lang="de-DE" sz="1800" b="1" strike="noStrike" spc="-1" dirty="0">
+                <a:solidFill>
+                  <a:srgbClr val="000000"/>
+                </a:solidFill>
+                <a:latin typeface="Bahnschrift SemiLight"/>
+                <a:ea typeface="Arial Unicode MS"/>
+              </a:rPr>
+              <a:t>Der Sprung beträgt ca. 7000 €</a:t>
+            </a:r>
+          </a:p>
+        </p:txBody>
+      </p:sp>
+    </p:spTree>
+    <p:extLst>
+      <p:ext uri="{BB962C8B-B14F-4D97-AF65-F5344CB8AC3E}">
+        <p14:creationId xmlns:p14="http://schemas.microsoft.com/office/powerpoint/2010/main" val="487950149"/>
+      </p:ext>
+    </p:extLst>
+  </p:cSld>
+  <p:clrMapOvr>
+    <a:masterClrMapping/>
+  </p:clrMapOvr>
+</p:sld>
+</file>
+
+<file path=ppt/slides/slide11.xml><?xml version="1.0" encoding="utf-8"?>
+<p:sld xmlns:a="http://schemas.openxmlformats.org/drawingml/2006/main" xmlns:r="http://schemas.openxmlformats.org/officeDocument/2006/relationships" xmlns:p="http://schemas.openxmlformats.org/presentationml/2006/main">
+  <p:cSld>
+    <p:spTree>
+      <p:nvGrpSpPr>
+        <p:cNvPr id="1" name="">
+          <a:extLst>
+            <a:ext uri="{FF2B5EF4-FFF2-40B4-BE49-F238E27FC236}">
+              <a16:creationId xmlns:a16="http://schemas.microsoft.com/office/drawing/2014/main" id="{659B945F-9009-762F-5765-50ECCCA8A35A}"/>
+            </a:ext>
+          </a:extLst>
+        </p:cNvPr>
+        <p:cNvGrpSpPr/>
+        <p:nvPr/>
+      </p:nvGrpSpPr>
+      <p:grpSpPr>
+        <a:xfrm>
+          <a:off x="0" y="0"/>
+          <a:ext cx="0" cy="0"/>
+          <a:chOff x="0" y="0"/>
+          <a:chExt cx="0" cy="0"/>
+        </a:xfrm>
+      </p:grpSpPr>
+      <p:sp>
+        <p:nvSpPr>
+          <p:cNvPr id="246" name="PlaceHolder 1">
+            <a:extLst>
+              <a:ext uri="{FF2B5EF4-FFF2-40B4-BE49-F238E27FC236}">
+                <a16:creationId xmlns:a16="http://schemas.microsoft.com/office/drawing/2014/main" id="{E76E4109-241D-FB39-E28C-E6B6C171C53B}"/>
+              </a:ext>
+            </a:extLst>
+          </p:cNvPr>
+          <p:cNvSpPr>
+            <a:spLocks noGrp="1"/>
+          </p:cNvSpPr>
+          <p:nvPr>
+            <p:ph/>
+          </p:nvPr>
+        </p:nvSpPr>
+        <p:spPr>
+          <a:xfrm>
+            <a:off x="2063160" y="443506"/>
+            <a:ext cx="8065800" cy="645840"/>
+          </a:xfrm>
+          <a:prstGeom prst="rect">
+            <a:avLst/>
+          </a:prstGeom>
+          <a:noFill/>
+          <a:ln w="0">
+            <a:noFill/>
+          </a:ln>
+        </p:spPr>
+        <p:txBody>
+          <a:bodyPr lIns="90000" tIns="45000" rIns="90000" bIns="45000" anchor="ctr">
+            <a:noAutofit/>
+          </a:bodyPr>
+          <a:lstStyle/>
+          <a:p>
+            <a:pPr indent="0">
+              <a:lnSpc>
+                <a:spcPct val="90000"/>
+              </a:lnSpc>
+              <a:spcBef>
+                <a:spcPts val="1001"/>
+              </a:spcBef>
+              <a:buNone/>
+              <a:tabLst>
+                <a:tab pos="0" algn="l"/>
+              </a:tabLst>
+            </a:pPr>
+            <a:r>
+              <a:rPr lang="de-DE" sz="4000" b="1" strike="noStrike" spc="-1" dirty="0">
+                <a:solidFill>
+                  <a:srgbClr val="FFFFFF"/>
+                </a:solidFill>
+                <a:latin typeface="CMU Serif"/>
+                <a:ea typeface="CMU Serif"/>
+              </a:rPr>
+              <a:t>Bereinigung der Daten 5</a:t>
+            </a:r>
+            <a:endParaRPr lang="en-US" sz="4000" b="0" strike="noStrike" spc="-1" dirty="0">
+              <a:solidFill>
+                <a:srgbClr val="000000"/>
+              </a:solidFill>
+              <a:latin typeface="CMU Serif"/>
+            </a:endParaRPr>
+          </a:p>
+        </p:txBody>
+      </p:sp>
+      <p:sp>
+        <p:nvSpPr>
+          <p:cNvPr id="5" name="Textfeld 2">
+            <a:extLst>
+              <a:ext uri="{FF2B5EF4-FFF2-40B4-BE49-F238E27FC236}">
+                <a16:creationId xmlns:a16="http://schemas.microsoft.com/office/drawing/2014/main" id="{1B7439C1-BD55-4C75-F0C4-997E51DADC28}"/>
+              </a:ext>
+            </a:extLst>
+          </p:cNvPr>
+          <p:cNvSpPr/>
+          <p:nvPr/>
+        </p:nvSpPr>
+        <p:spPr>
+          <a:xfrm>
+            <a:off x="628490" y="1511906"/>
+            <a:ext cx="9953640" cy="644877"/>
+          </a:xfrm>
+          <a:prstGeom prst="rect">
+            <a:avLst/>
+          </a:prstGeom>
+          <a:noFill/>
+          <a:ln w="0">
+            <a:noFill/>
+          </a:ln>
+        </p:spPr>
+        <p:style>
+          <a:lnRef idx="0">
+            <a:scrgbClr r="0" g="0" b="0"/>
+          </a:lnRef>
+          <a:fillRef idx="0">
+            <a:scrgbClr r="0" g="0" b="0"/>
+          </a:fillRef>
+          <a:effectRef idx="0">
+            <a:scrgbClr r="0" g="0" b="0"/>
+          </a:effectRef>
+          <a:fontRef idx="minor"/>
+        </p:style>
+        <p:txBody>
+          <a:bodyPr lIns="90000" tIns="45000" rIns="90000" bIns="45000" anchor="t">
+            <a:spAutoFit/>
+          </a:bodyPr>
+          <a:lstStyle/>
+          <a:p>
+            <a:pPr marL="285750" indent="-285750">
+              <a:lnSpc>
+                <a:spcPct val="100000"/>
+              </a:lnSpc>
+              <a:buFont typeface="Arial" panose="020B0604020202020204" pitchFamily="34" charset="0"/>
+              <a:buChar char="•"/>
+            </a:pPr>
+            <a:r>
+              <a:rPr lang="de-DE" sz="1800" strike="noStrike" spc="-1" dirty="0">
+                <a:solidFill>
+                  <a:srgbClr val="000000"/>
+                </a:solidFill>
+                <a:latin typeface="Bahnschrift SemiLight"/>
+                <a:ea typeface="Arial Unicode MS"/>
+              </a:rPr>
+              <a:t>Klassifiziert man die Autos anhand dieses Sprungs, wird nochmal deutlich, wie wichtig die neue Variable </a:t>
+            </a:r>
+            <a:r>
+              <a:rPr lang="de-DE" sz="1800" strike="noStrike" spc="-1" dirty="0" err="1">
+                <a:solidFill>
+                  <a:srgbClr val="000000"/>
+                </a:solidFill>
+                <a:latin typeface="Bahnschrift SemiLight"/>
+                <a:ea typeface="Arial Unicode MS"/>
+              </a:rPr>
+              <a:t>brand_type</a:t>
+            </a:r>
+            <a:r>
+              <a:rPr lang="de-DE" sz="1800" strike="noStrike" spc="-1" dirty="0">
+                <a:solidFill>
+                  <a:srgbClr val="000000"/>
+                </a:solidFill>
+                <a:latin typeface="Bahnschrift SemiLight"/>
+                <a:ea typeface="Arial Unicode MS"/>
+              </a:rPr>
+              <a:t> ist.</a:t>
+            </a:r>
+          </a:p>
+        </p:txBody>
+      </p:sp>
+      <p:pic>
+        <p:nvPicPr>
+          <p:cNvPr id="3" name="Grafik 2" descr="Ein Bild, das Text, Screenshot, Diagramm, Rechteck enthält.&#10;&#10;KI-generierte Inhalte können fehlerhaft sein.">
+            <a:extLst>
+              <a:ext uri="{FF2B5EF4-FFF2-40B4-BE49-F238E27FC236}">
+                <a16:creationId xmlns:a16="http://schemas.microsoft.com/office/drawing/2014/main" id="{FC034F54-BD61-A1F4-99A3-F2D3DA52039E}"/>
+              </a:ext>
+            </a:extLst>
+          </p:cNvPr>
+          <p:cNvPicPr>
+            <a:picLocks noChangeAspect="1"/>
+          </p:cNvPicPr>
+          <p:nvPr/>
+        </p:nvPicPr>
+        <p:blipFill>
+          <a:blip r:embed="rId2">
+            <a:extLst>
+              <a:ext uri="{28A0092B-C50C-407E-A947-70E740481C1C}">
+                <a14:useLocalDpi xmlns:a14="http://schemas.microsoft.com/office/drawing/2010/main" val="0"/>
+              </a:ext>
+            </a:extLst>
+          </a:blip>
+          <a:stretch>
+            <a:fillRect/>
+          </a:stretch>
+        </p:blipFill>
+        <p:spPr>
+          <a:xfrm>
+            <a:off x="1131859" y="2229248"/>
+            <a:ext cx="4473451" cy="4185246"/>
+          </a:xfrm>
+          <a:prstGeom prst="rect">
+            <a:avLst/>
+          </a:prstGeom>
+        </p:spPr>
+      </p:pic>
+    </p:spTree>
+    <p:extLst>
+      <p:ext uri="{BB962C8B-B14F-4D97-AF65-F5344CB8AC3E}">
+        <p14:creationId xmlns:p14="http://schemas.microsoft.com/office/powerpoint/2010/main" val="559803327"/>
+      </p:ext>
+    </p:extLst>
+  </p:cSld>
+  <p:clrMapOvr>
+    <a:masterClrMapping/>
+  </p:clrMapOvr>
+</p:sld>
+</file>
+
+<file path=ppt/slides/slide12.xml><?xml version="1.0" encoding="utf-8"?>
+<p:sld xmlns:a="http://schemas.openxmlformats.org/drawingml/2006/main" xmlns:r="http://schemas.openxmlformats.org/officeDocument/2006/relationships" xmlns:p="http://schemas.openxmlformats.org/presentationml/2006/main">
+  <p:cSld>
+    <p:spTree>
+      <p:nvGrpSpPr>
         <p:cNvPr id="1" name=""/>
         <p:cNvGrpSpPr/>
         <p:nvPr/>
@@ -15945,7 +16367,7 @@
       </p:grpSpPr>
       <p:sp>
         <p:nvSpPr>
-          <p:cNvPr id="255" name="TextBox 3"/>
+          <p:cNvPr id="252" name="TextBox 3"/>
           <p:cNvSpPr/>
           <p:nvPr/>
         </p:nvSpPr>
@@ -15996,7 +16418,7 @@
                 <a:latin typeface="CMU Serif"/>
                 <a:ea typeface="CMU Serif"/>
               </a:rPr>
-              <a:t>3. Maschinelles </a:t>
+              <a:t>2. Maschinelles </a:t>
             </a:r>
             <a:endParaRPr lang="de-DE" sz="5500" b="0" strike="noStrike" spc="-1">
               <a:solidFill>
@@ -16022,7 +16444,7 @@
                 <a:latin typeface="CMU Serif"/>
                 <a:ea typeface="CMU Serif"/>
               </a:rPr>
-              <a:t>Lernverfahren 2</a:t>
+              <a:t>Lernverfahren 1</a:t>
             </a:r>
             <a:endParaRPr lang="de-DE" sz="5500" b="0" strike="noStrike" spc="-1">
               <a:solidFill>
@@ -16035,7 +16457,7 @@
       </p:sp>
       <p:sp>
         <p:nvSpPr>
-          <p:cNvPr id="256" name="Freeform: Shape 152"/>
+          <p:cNvPr id="253" name="Freeform: Shape 152"/>
           <p:cNvSpPr/>
           <p:nvPr/>
         </p:nvSpPr>
@@ -16351,7 +16773,7 @@
       </p:sp>
       <p:sp>
         <p:nvSpPr>
-          <p:cNvPr id="257" name="Rechteck 1"/>
+          <p:cNvPr id="254" name="Rechteck 1"/>
           <p:cNvSpPr/>
           <p:nvPr/>
         </p:nvSpPr>
@@ -16413,7 +16835,7 @@
 </p:sld>
 </file>
 
-<file path=ppt/slides/slide11.xml><?xml version="1.0" encoding="utf-8"?>
+<file path=ppt/slides/slide13.xml><?xml version="1.0" encoding="utf-8"?>
 <p:sld xmlns:a="http://schemas.openxmlformats.org/drawingml/2006/main" xmlns:r="http://schemas.openxmlformats.org/officeDocument/2006/relationships" xmlns:p="http://schemas.openxmlformats.org/presentationml/2006/main">
   <p:cSld>
     <p:spTree>
@@ -16432,7 +16854,7 @@
       </p:grpSpPr>
       <p:sp>
         <p:nvSpPr>
-          <p:cNvPr id="258" name="TextBox 3"/>
+          <p:cNvPr id="255" name="TextBox 3"/>
           <p:cNvSpPr/>
           <p:nvPr/>
         </p:nvSpPr>
@@ -16483,7 +16905,7 @@
                 <a:latin typeface="CMU Serif"/>
                 <a:ea typeface="CMU Serif"/>
               </a:rPr>
-              <a:t>4. Maschinelles </a:t>
+              <a:t>3. Maschinelles </a:t>
             </a:r>
             <a:endParaRPr lang="de-DE" sz="5500" b="0" strike="noStrike" spc="-1">
               <a:solidFill>
@@ -16509,7 +16931,7 @@
                 <a:latin typeface="CMU Serif"/>
                 <a:ea typeface="CMU Serif"/>
               </a:rPr>
-              <a:t>Lernverfahren 3</a:t>
+              <a:t>Lernverfahren 2</a:t>
             </a:r>
             <a:endParaRPr lang="de-DE" sz="5500" b="0" strike="noStrike" spc="-1">
               <a:solidFill>
@@ -16522,7 +16944,7 @@
       </p:sp>
       <p:sp>
         <p:nvSpPr>
-          <p:cNvPr id="259" name="Freeform: Shape 152"/>
+          <p:cNvPr id="256" name="Freeform: Shape 152"/>
           <p:cNvSpPr/>
           <p:nvPr/>
         </p:nvSpPr>
@@ -16838,7 +17260,7 @@
       </p:sp>
       <p:sp>
         <p:nvSpPr>
-          <p:cNvPr id="260" name="Rechteck 1"/>
+          <p:cNvPr id="257" name="Rechteck 1"/>
           <p:cNvSpPr/>
           <p:nvPr/>
         </p:nvSpPr>
@@ -16900,7 +17322,494 @@
 </p:sld>
 </file>
 
-<file path=ppt/slides/slide12.xml><?xml version="1.0" encoding="utf-8"?>
+<file path=ppt/slides/slide14.xml><?xml version="1.0" encoding="utf-8"?>
+<p:sld xmlns:a="http://schemas.openxmlformats.org/drawingml/2006/main" xmlns:r="http://schemas.openxmlformats.org/officeDocument/2006/relationships" xmlns:p="http://schemas.openxmlformats.org/presentationml/2006/main">
+  <p:cSld>
+    <p:spTree>
+      <p:nvGrpSpPr>
+        <p:cNvPr id="1" name=""/>
+        <p:cNvGrpSpPr/>
+        <p:nvPr/>
+      </p:nvGrpSpPr>
+      <p:grpSpPr>
+        <a:xfrm>
+          <a:off x="0" y="0"/>
+          <a:ext cx="0" cy="0"/>
+          <a:chOff x="0" y="0"/>
+          <a:chExt cx="0" cy="0"/>
+        </a:xfrm>
+      </p:grpSpPr>
+      <p:sp>
+        <p:nvSpPr>
+          <p:cNvPr id="258" name="TextBox 3"/>
+          <p:cNvSpPr/>
+          <p:nvPr/>
+        </p:nvSpPr>
+        <p:spPr>
+          <a:xfrm>
+            <a:off x="5686920" y="2660040"/>
+            <a:ext cx="6328080" cy="1537200"/>
+          </a:xfrm>
+          <a:prstGeom prst="rect">
+            <a:avLst/>
+          </a:prstGeom>
+          <a:noFill/>
+          <a:ln w="0">
+            <a:noFill/>
+          </a:ln>
+        </p:spPr>
+        <p:style>
+          <a:lnRef idx="0">
+            <a:scrgbClr r="0" g="0" b="0"/>
+          </a:lnRef>
+          <a:fillRef idx="0">
+            <a:scrgbClr r="0" g="0" b="0"/>
+          </a:fillRef>
+          <a:effectRef idx="0">
+            <a:scrgbClr r="0" g="0" b="0"/>
+          </a:effectRef>
+          <a:fontRef idx="minor"/>
+        </p:style>
+        <p:txBody>
+          <a:bodyPr lIns="90000" tIns="45000" rIns="90000" bIns="45000" anchor="ctr">
+            <a:spAutoFit/>
+          </a:bodyPr>
+          <a:lstStyle/>
+          <a:p>
+            <a:pPr algn="ctr">
+              <a:lnSpc>
+                <a:spcPts val="5400"/>
+              </a:lnSpc>
+              <a:spcAft>
+                <a:spcPts val="601"/>
+              </a:spcAft>
+            </a:pPr>
+            <a:r>
+              <a:rPr lang="de-DE" sz="5500" b="1" strike="noStrike" spc="-1">
+                <a:solidFill>
+                  <a:srgbClr val="002060"/>
+                </a:solidFill>
+                <a:latin typeface="CMU Serif"/>
+                <a:ea typeface="CMU Serif"/>
+              </a:rPr>
+              <a:t>4. Maschinelles </a:t>
+            </a:r>
+            <a:endParaRPr lang="de-DE" sz="5500" b="0" strike="noStrike" spc="-1">
+              <a:solidFill>
+                <a:srgbClr val="000000"/>
+              </a:solidFill>
+              <a:latin typeface="Arial"/>
+            </a:endParaRPr>
+          </a:p>
+          <a:p>
+            <a:pPr algn="ctr">
+              <a:lnSpc>
+                <a:spcPts val="5400"/>
+              </a:lnSpc>
+              <a:spcAft>
+                <a:spcPts val="601"/>
+              </a:spcAft>
+            </a:pPr>
+            <a:r>
+              <a:rPr lang="de-DE" sz="5500" b="1" strike="noStrike" spc="-1">
+                <a:solidFill>
+                  <a:srgbClr val="002060"/>
+                </a:solidFill>
+                <a:latin typeface="CMU Serif"/>
+                <a:ea typeface="CMU Serif"/>
+              </a:rPr>
+              <a:t>Lernverfahren 3</a:t>
+            </a:r>
+            <a:endParaRPr lang="de-DE" sz="5500" b="0" strike="noStrike" spc="-1">
+              <a:solidFill>
+                <a:srgbClr val="000000"/>
+              </a:solidFill>
+              <a:latin typeface="Arial"/>
+            </a:endParaRPr>
+          </a:p>
+        </p:txBody>
+      </p:sp>
+      <p:sp>
+        <p:nvSpPr>
+          <p:cNvPr id="259" name="Freeform: Shape 152"/>
+          <p:cNvSpPr/>
+          <p:nvPr/>
+        </p:nvSpPr>
+        <p:spPr>
+          <a:xfrm>
+            <a:off x="673920" y="1688040"/>
+            <a:ext cx="5086440" cy="3128400"/>
+          </a:xfrm>
+          <a:custGeom>
+            <a:avLst/>
+            <a:gdLst>
+              <a:gd name="textAreaLeft" fmla="*/ 0 w 5086440"/>
+              <a:gd name="textAreaRight" fmla="*/ 5086800 w 5086440"/>
+              <a:gd name="textAreaTop" fmla="*/ 0 h 3128400"/>
+              <a:gd name="textAreaBottom" fmla="*/ 3128760 h 3128400"/>
+            </a:gdLst>
+            <a:ahLst/>
+            <a:cxnLst/>
+            <a:rect l="textAreaLeft" t="textAreaTop" r="textAreaRight" b="textAreaBottom"/>
+            <a:pathLst>
+              <a:path w="5086770" h="3128874">
+                <a:moveTo>
+                  <a:pt x="5086770" y="1174706"/>
+                </a:moveTo>
+                <a:lnTo>
+                  <a:pt x="5086770" y="1184663"/>
+                </a:lnTo>
+                <a:lnTo>
+                  <a:pt x="5079830" y="1185820"/>
+                </a:lnTo>
+                <a:cubicBezTo>
+                  <a:pt x="5079829" y="1184277"/>
+                  <a:pt x="5078289" y="1184277"/>
+                  <a:pt x="5078289" y="1182737"/>
+                </a:cubicBezTo>
+                <a:lnTo>
+                  <a:pt x="5078289" y="1179654"/>
+                </a:lnTo>
+                <a:close/>
+                <a:moveTo>
+                  <a:pt x="1690658" y="810655"/>
+                </a:moveTo>
+                <a:lnTo>
+                  <a:pt x="1349061" y="1934928"/>
+                </a:lnTo>
+                <a:lnTo>
+                  <a:pt x="2035854" y="1934928"/>
+                </a:lnTo>
+                <a:close/>
+                <a:moveTo>
+                  <a:pt x="3765314" y="0"/>
+                </a:moveTo>
+                <a:lnTo>
+                  <a:pt x="4465138" y="0"/>
+                </a:lnTo>
+                <a:lnTo>
+                  <a:pt x="4675955" y="0"/>
+                </a:lnTo>
+                <a:lnTo>
+                  <a:pt x="4659036" y="34412"/>
+                </a:lnTo>
+                <a:cubicBezTo>
+                  <a:pt x="4655952" y="37496"/>
+                  <a:pt x="4652870" y="40578"/>
+                  <a:pt x="4651327" y="45203"/>
+                </a:cubicBezTo>
+                <a:cubicBezTo>
+                  <a:pt x="4649787" y="48285"/>
+                  <a:pt x="4649788" y="49827"/>
+                  <a:pt x="4648245" y="51368"/>
+                </a:cubicBezTo>
+                <a:cubicBezTo>
+                  <a:pt x="4632831" y="72947"/>
+                  <a:pt x="4528018" y="224002"/>
+                  <a:pt x="4483319" y="361184"/>
+                </a:cubicBezTo>
+                <a:cubicBezTo>
+                  <a:pt x="4481777" y="365808"/>
+                  <a:pt x="4480236" y="368891"/>
+                  <a:pt x="4480236" y="373515"/>
+                </a:cubicBezTo>
+                <a:cubicBezTo>
+                  <a:pt x="4478694" y="381223"/>
+                  <a:pt x="4475612" y="390471"/>
+                  <a:pt x="4474071" y="398176"/>
+                </a:cubicBezTo>
+                <a:cubicBezTo>
+                  <a:pt x="4466362" y="432087"/>
+                  <a:pt x="4458657" y="465997"/>
+                  <a:pt x="4450950" y="498367"/>
+                </a:cubicBezTo>
+                <a:cubicBezTo>
+                  <a:pt x="4444783" y="506073"/>
+                  <a:pt x="4440160" y="516863"/>
+                  <a:pt x="4440161" y="527652"/>
+                </a:cubicBezTo>
+                <a:cubicBezTo>
+                  <a:pt x="4440160" y="532277"/>
+                  <a:pt x="4440160" y="535360"/>
+                  <a:pt x="4441700" y="539983"/>
+                </a:cubicBezTo>
+                <a:cubicBezTo>
+                  <a:pt x="4440161" y="547691"/>
+                  <a:pt x="4438618" y="555397"/>
+                  <a:pt x="4437078" y="561562"/>
+                </a:cubicBezTo>
+                <a:cubicBezTo>
+                  <a:pt x="4435535" y="566187"/>
+                  <a:pt x="4433995" y="570810"/>
+                  <a:pt x="4433995" y="576976"/>
+                </a:cubicBezTo>
+                <a:cubicBezTo>
+                  <a:pt x="4433995" y="576976"/>
+                  <a:pt x="4433994" y="578519"/>
+                  <a:pt x="4433994" y="578519"/>
+                </a:cubicBezTo>
+                <a:cubicBezTo>
+                  <a:pt x="4417039" y="674083"/>
+                  <a:pt x="4407790" y="755776"/>
+                  <a:pt x="4413956" y="797393"/>
+                </a:cubicBezTo>
+                <a:cubicBezTo>
+                  <a:pt x="4421664" y="846717"/>
+                  <a:pt x="4440160" y="929951"/>
+                  <a:pt x="4438619" y="996230"/>
+                </a:cubicBezTo>
+                <a:cubicBezTo>
+                  <a:pt x="4435535" y="1002395"/>
+                  <a:pt x="4433995" y="1008560"/>
+                  <a:pt x="4433995" y="1016268"/>
+                </a:cubicBezTo>
+                <a:cubicBezTo>
+                  <a:pt x="4433995" y="1019351"/>
+                  <a:pt x="4435536" y="1022434"/>
+                  <a:pt x="4435536" y="1025517"/>
+                </a:cubicBezTo>
+                <a:cubicBezTo>
+                  <a:pt x="4435536" y="1025517"/>
+                  <a:pt x="4435535" y="1027057"/>
+                  <a:pt x="4437078" y="1027057"/>
+                </a:cubicBezTo>
+                <a:cubicBezTo>
+                  <a:pt x="4435536" y="1034764"/>
+                  <a:pt x="4433994" y="1042471"/>
+                  <a:pt x="4432452" y="1048636"/>
+                </a:cubicBezTo>
+                <a:lnTo>
+                  <a:pt x="4413956" y="1085630"/>
+                </a:lnTo>
+                <a:cubicBezTo>
+                  <a:pt x="4369257" y="1164240"/>
+                  <a:pt x="4258278" y="1339957"/>
+                  <a:pt x="4196623" y="1389280"/>
+                </a:cubicBezTo>
+                <a:cubicBezTo>
+                  <a:pt x="4128802" y="1441687"/>
+                  <a:pt x="4062523" y="1538793"/>
+                  <a:pt x="4085645" y="1597365"/>
+                </a:cubicBezTo>
+                <a:cubicBezTo>
+                  <a:pt x="4119555" y="1660562"/>
+                  <a:pt x="4181210" y="1688307"/>
+                  <a:pt x="4216661" y="1697556"/>
+                </a:cubicBezTo>
+                <a:cubicBezTo>
+                  <a:pt x="4252112" y="1706804"/>
+                  <a:pt x="4275233" y="1779247"/>
+                  <a:pt x="4250571" y="1811617"/>
+                </a:cubicBezTo>
+                <a:cubicBezTo>
+                  <a:pt x="4225909" y="1843985"/>
+                  <a:pt x="4187375" y="1853233"/>
+                  <a:pt x="4173502" y="1888685"/>
+                </a:cubicBezTo>
+                <a:cubicBezTo>
+                  <a:pt x="4159630" y="1924137"/>
+                  <a:pt x="4153465" y="1998123"/>
+                  <a:pt x="4213578" y="2022784"/>
+                </a:cubicBezTo>
+                <a:cubicBezTo>
+                  <a:pt x="4259818" y="2041281"/>
+                  <a:pt x="4349219" y="2081356"/>
+                  <a:pt x="4347678" y="2090605"/>
+                </a:cubicBezTo>
+                <a:cubicBezTo>
+                  <a:pt x="4346136" y="2099853"/>
+                  <a:pt x="4250570" y="2107561"/>
+                  <a:pt x="4233616" y="2138388"/>
+                </a:cubicBezTo>
+                <a:cubicBezTo>
+                  <a:pt x="4216660" y="2169216"/>
+                  <a:pt x="4204330" y="2220080"/>
+                  <a:pt x="4227451" y="2258616"/>
+                </a:cubicBezTo>
+                <a:cubicBezTo>
+                  <a:pt x="4250571" y="2297149"/>
+                  <a:pt x="4332264" y="2292526"/>
+                  <a:pt x="4350761" y="2320270"/>
+                </a:cubicBezTo>
+                <a:cubicBezTo>
+                  <a:pt x="4381588" y="2371135"/>
+                  <a:pt x="4358466" y="2378843"/>
+                  <a:pt x="4333805" y="2462077"/>
+                </a:cubicBezTo>
+                <a:cubicBezTo>
+                  <a:pt x="4306060" y="2551476"/>
+                  <a:pt x="4302977" y="2650125"/>
+                  <a:pt x="4467905" y="2719486"/>
+                </a:cubicBezTo>
+                <a:cubicBezTo>
+                  <a:pt x="4562314" y="2758983"/>
+                  <a:pt x="4694054" y="2758743"/>
+                  <a:pt x="4800655" y="2748491"/>
+                </a:cubicBezTo>
+                <a:lnTo>
+                  <a:pt x="4838191" y="2744074"/>
+                </a:lnTo>
+                <a:lnTo>
+                  <a:pt x="4863823" y="2765476"/>
+                </a:lnTo>
+                <a:cubicBezTo>
+                  <a:pt x="4895578" y="2799449"/>
+                  <a:pt x="4917344" y="2847230"/>
+                  <a:pt x="4934321" y="2911083"/>
+                </a:cubicBezTo>
+                <a:cubicBezTo>
+                  <a:pt x="4945640" y="2953651"/>
+                  <a:pt x="4957371" y="3013267"/>
+                  <a:pt x="4964162" y="3074402"/>
+                </a:cubicBezTo>
+                <a:lnTo>
+                  <a:pt x="4967647" y="3128874"/>
+                </a:lnTo>
+                <a:lnTo>
+                  <a:pt x="4465138" y="3128874"/>
+                </a:lnTo>
+                <a:lnTo>
+                  <a:pt x="4465138" y="3127460"/>
+                </a:lnTo>
+                <a:lnTo>
+                  <a:pt x="3765314" y="3127460"/>
+                </a:lnTo>
+                <a:close/>
+                <a:moveTo>
+                  <a:pt x="1175459" y="0"/>
+                </a:moveTo>
+                <a:lnTo>
+                  <a:pt x="2229594" y="0"/>
+                </a:lnTo>
+                <a:lnTo>
+                  <a:pt x="3404781" y="3127460"/>
+                </a:lnTo>
+                <a:lnTo>
+                  <a:pt x="2392789" y="3127460"/>
+                </a:lnTo>
+                <a:lnTo>
+                  <a:pt x="2236317" y="2611186"/>
+                </a:lnTo>
+                <a:lnTo>
+                  <a:pt x="1139165" y="2611186"/>
+                </a:lnTo>
+                <a:lnTo>
+                  <a:pt x="986721" y="3127460"/>
+                </a:lnTo>
+                <a:lnTo>
+                  <a:pt x="0" y="3127460"/>
+                </a:lnTo>
+                <a:close/>
+              </a:path>
+            </a:pathLst>
+          </a:custGeom>
+          <a:solidFill>
+            <a:srgbClr val="002060"/>
+          </a:solidFill>
+          <a:ln>
+            <a:noFill/>
+          </a:ln>
+        </p:spPr>
+        <p:style>
+          <a:lnRef idx="2">
+            <a:schemeClr val="accent1">
+              <a:shade val="50000"/>
+            </a:schemeClr>
+          </a:lnRef>
+          <a:fillRef idx="1">
+            <a:schemeClr val="accent1"/>
+          </a:fillRef>
+          <a:effectRef idx="0">
+            <a:schemeClr val="accent1"/>
+          </a:effectRef>
+          <a:fontRef idx="minor"/>
+        </p:style>
+        <p:txBody>
+          <a:bodyPr lIns="90000" tIns="45000" rIns="90000" bIns="45000" anchor="ctr">
+            <a:noAutofit/>
+          </a:bodyPr>
+          <a:lstStyle/>
+          <a:p>
+            <a:pPr algn="ctr">
+              <a:lnSpc>
+                <a:spcPct val="100000"/>
+              </a:lnSpc>
+            </a:pPr>
+            <a:endParaRPr lang="en-US" sz="1800" b="0" strike="noStrike" spc="-1">
+              <a:solidFill>
+                <a:schemeClr val="lt1"/>
+              </a:solidFill>
+              <a:latin typeface="CMU Serif"/>
+              <a:ea typeface="Arial Unicode MS"/>
+            </a:endParaRPr>
+          </a:p>
+        </p:txBody>
+      </p:sp>
+      <p:sp>
+        <p:nvSpPr>
+          <p:cNvPr id="260" name="Rechteck 1"/>
+          <p:cNvSpPr/>
+          <p:nvPr/>
+        </p:nvSpPr>
+        <p:spPr>
+          <a:xfrm>
+            <a:off x="-39240" y="6496920"/>
+            <a:ext cx="12270600" cy="424800"/>
+          </a:xfrm>
+          <a:prstGeom prst="rect">
+            <a:avLst/>
+          </a:prstGeom>
+          <a:solidFill>
+            <a:srgbClr val="AA313F"/>
+          </a:solidFill>
+          <a:ln>
+            <a:noFill/>
+          </a:ln>
+        </p:spPr>
+        <p:style>
+          <a:lnRef idx="2">
+            <a:schemeClr val="accent1">
+              <a:shade val="50000"/>
+            </a:schemeClr>
+          </a:lnRef>
+          <a:fillRef idx="1">
+            <a:schemeClr val="accent1"/>
+          </a:fillRef>
+          <a:effectRef idx="0">
+            <a:schemeClr val="accent1"/>
+          </a:effectRef>
+          <a:fontRef idx="minor"/>
+        </p:style>
+        <p:txBody>
+          <a:bodyPr lIns="90000" tIns="45000" rIns="90000" bIns="45000" anchor="ctr">
+            <a:noAutofit/>
+          </a:bodyPr>
+          <a:lstStyle/>
+          <a:p>
+            <a:pPr algn="ctr">
+              <a:lnSpc>
+                <a:spcPct val="100000"/>
+              </a:lnSpc>
+            </a:pPr>
+            <a:endParaRPr lang="de-DE" sz="1800" b="0" strike="noStrike" spc="-1">
+              <a:solidFill>
+                <a:schemeClr val="lt1"/>
+              </a:solidFill>
+              <a:latin typeface="CMU Serif"/>
+              <a:ea typeface="Arial Unicode MS"/>
+            </a:endParaRPr>
+          </a:p>
+        </p:txBody>
+      </p:sp>
+    </p:spTree>
+  </p:cSld>
+  <p:clrMapOvr>
+    <a:masterClrMapping/>
+  </p:clrMapOvr>
+</p:sld>
+</file>
+
+<file path=ppt/slides/slide15.xml><?xml version="1.0" encoding="utf-8"?>
 <p:sld xmlns:a="http://schemas.openxmlformats.org/drawingml/2006/main" xmlns:r="http://schemas.openxmlformats.org/officeDocument/2006/relationships" xmlns:p="http://schemas.openxmlformats.org/presentationml/2006/main" show="0">
   <p:cSld>
     <p:spTree>
@@ -17849,7 +18758,7 @@
 </p:sld>
 </file>
 
-<file path=ppt/slides/slide13.xml><?xml version="1.0" encoding="utf-8"?>
+<file path=ppt/slides/slide16.xml><?xml version="1.0" encoding="utf-8"?>
 <p:sld xmlns:a="http://schemas.openxmlformats.org/drawingml/2006/main" xmlns:r="http://schemas.openxmlformats.org/officeDocument/2006/relationships" xmlns:p="http://schemas.openxmlformats.org/presentationml/2006/main">
   <p:cSld>
     <p:spTree>
@@ -18001,7 +18910,7 @@
 </p:sld>
 </file>
 
-<file path=ppt/slides/slide14.xml><?xml version="1.0" encoding="utf-8"?>
+<file path=ppt/slides/slide17.xml><?xml version="1.0" encoding="utf-8"?>
 <p:sld xmlns:a="http://schemas.openxmlformats.org/drawingml/2006/main" xmlns:r="http://schemas.openxmlformats.org/officeDocument/2006/relationships" xmlns:p="http://schemas.openxmlformats.org/presentationml/2006/main">
   <p:cSld>
     <p:spTree>
@@ -18086,7 +18995,7 @@
 </p:sld>
 </file>
 
-<file path=ppt/slides/slide15.xml><?xml version="1.0" encoding="utf-8"?>
+<file path=ppt/slides/slide18.xml><?xml version="1.0" encoding="utf-8"?>
 <p:sld xmlns:a="http://schemas.openxmlformats.org/drawingml/2006/main" xmlns:r="http://schemas.openxmlformats.org/officeDocument/2006/relationships" xmlns:p="http://schemas.openxmlformats.org/presentationml/2006/main">
   <p:cSld>
     <p:spTree>
@@ -22983,7 +23892,13 @@
   <p:cSld>
     <p:spTree>
       <p:nvGrpSpPr>
-        <p:cNvPr id="1" name=""/>
+        <p:cNvPr id="1" name="">
+          <a:extLst>
+            <a:ext uri="{FF2B5EF4-FFF2-40B4-BE49-F238E27FC236}">
+              <a16:creationId xmlns:a16="http://schemas.microsoft.com/office/drawing/2014/main" id="{7428C9D6-2E7B-3030-7411-18442B225814}"/>
+            </a:ext>
+          </a:extLst>
+        </p:cNvPr>
         <p:cNvGrpSpPr/>
         <p:nvPr/>
       </p:nvGrpSpPr>
@@ -22997,14 +23912,86 @@
       </p:grpSpPr>
       <p:sp>
         <p:nvSpPr>
-          <p:cNvPr id="252" name="TextBox 3"/>
+          <p:cNvPr id="246" name="PlaceHolder 1">
+            <a:extLst>
+              <a:ext uri="{FF2B5EF4-FFF2-40B4-BE49-F238E27FC236}">
+                <a16:creationId xmlns:a16="http://schemas.microsoft.com/office/drawing/2014/main" id="{28A643F2-E11C-0A8C-F518-1042DE552254}"/>
+              </a:ext>
+            </a:extLst>
+          </p:cNvPr>
+          <p:cNvSpPr>
+            <a:spLocks noGrp="1"/>
+          </p:cNvSpPr>
+          <p:nvPr>
+            <p:ph/>
+          </p:nvPr>
+        </p:nvSpPr>
+        <p:spPr>
+          <a:xfrm>
+            <a:off x="2063160" y="443506"/>
+            <a:ext cx="8065800" cy="645840"/>
+          </a:xfrm>
+          <a:prstGeom prst="rect">
+            <a:avLst/>
+          </a:prstGeom>
+          <a:noFill/>
+          <a:ln w="0">
+            <a:noFill/>
+          </a:ln>
+        </p:spPr>
+        <p:txBody>
+          <a:bodyPr lIns="90000" tIns="45000" rIns="90000" bIns="45000" anchor="ctr">
+            <a:noAutofit/>
+          </a:bodyPr>
+          <a:lstStyle/>
+          <a:p>
+            <a:pPr indent="0">
+              <a:lnSpc>
+                <a:spcPct val="90000"/>
+              </a:lnSpc>
+              <a:spcBef>
+                <a:spcPts val="1001"/>
+              </a:spcBef>
+              <a:buNone/>
+              <a:tabLst>
+                <a:tab pos="0" algn="l"/>
+              </a:tabLst>
+            </a:pPr>
+            <a:r>
+              <a:rPr lang="de-DE" sz="4000" b="1" strike="noStrike" spc="-1" dirty="0">
+                <a:solidFill>
+                  <a:srgbClr val="FFFFFF"/>
+                </a:solidFill>
+                <a:latin typeface="CMU Serif"/>
+                <a:ea typeface="CMU Serif"/>
+              </a:rPr>
+              <a:t>Bereinigung der Daten 5</a:t>
+            </a:r>
+            <a:endParaRPr lang="en-US" sz="4000" b="0" strike="noStrike" spc="-1" dirty="0">
+              <a:solidFill>
+                <a:srgbClr val="000000"/>
+              </a:solidFill>
+              <a:latin typeface="CMU Serif"/>
+            </a:endParaRPr>
+          </a:p>
+        </p:txBody>
+      </p:sp>
+      <p:sp>
+        <p:nvSpPr>
+          <p:cNvPr id="247" name="Textfeld 2">
+            <a:extLst>
+              <a:ext uri="{FF2B5EF4-FFF2-40B4-BE49-F238E27FC236}">
+                <a16:creationId xmlns:a16="http://schemas.microsoft.com/office/drawing/2014/main" id="{324FBF42-58F4-FFA3-ACB0-46F6A9221BAB}"/>
+              </a:ext>
+            </a:extLst>
+          </p:cNvPr>
           <p:cNvSpPr/>
           <p:nvPr/>
         </p:nvSpPr>
         <p:spPr>
           <a:xfrm>
-            <a:off x="5686920" y="2660040"/>
-            <a:ext cx="6328080" cy="1537200"/>
+            <a:off x="585359" y="1483975"/>
+            <a:ext cx="9953640" cy="367878"/>
           </a:xfrm>
           <a:prstGeom prst="rect">
             <a:avLst/>
@@ -23027,437 +24014,70 @@
           <a:fontRef idx="minor"/>
         </p:style>
         <p:txBody>
-          <a:bodyPr lIns="90000" tIns="45000" rIns="90000" bIns="45000" anchor="ctr">
+          <a:bodyPr lIns="90000" tIns="45000" rIns="90000" bIns="45000" anchor="t">
             <a:spAutoFit/>
           </a:bodyPr>
           <a:lstStyle/>
           <a:p>
-            <a:pPr algn="ctr">
-              <a:lnSpc>
-                <a:spcPts val="5400"/>
-              </a:lnSpc>
-              <a:spcAft>
-                <a:spcPts val="601"/>
-              </a:spcAft>
+            <a:pPr>
+              <a:lnSpc>
+                <a:spcPct val="100000"/>
+              </a:lnSpc>
             </a:pPr>
             <a:r>
-              <a:rPr lang="de-DE" sz="5500" b="1" strike="noStrike" spc="-1">
+              <a:rPr lang="de-DE" sz="1800" b="1" strike="noStrike" spc="-1" dirty="0">
                 <a:solidFill>
-                  <a:srgbClr val="002060"/>
+                  <a:srgbClr val="000000"/>
                 </a:solidFill>
-                <a:latin typeface="CMU Serif"/>
-                <a:ea typeface="CMU Serif"/>
+                <a:latin typeface="Bahnschrift SemiLight"/>
+                <a:ea typeface="Arial Unicode MS"/>
               </a:rPr>
-              <a:t>2. Maschinelles </a:t>
+              <a:t>Zusammenfassung der Spalte Brand in 2 Kategorien</a:t>
             </a:r>
-            <a:endParaRPr lang="de-DE" sz="5500" b="0" strike="noStrike" spc="-1">
-              <a:solidFill>
-                <a:srgbClr val="000000"/>
-              </a:solidFill>
-              <a:latin typeface="Arial"/>
-            </a:endParaRPr>
-          </a:p>
-          <a:p>
-            <a:pPr algn="ctr">
-              <a:lnSpc>
-                <a:spcPts val="5400"/>
-              </a:lnSpc>
-              <a:spcAft>
-                <a:spcPts val="601"/>
-              </a:spcAft>
-            </a:pPr>
-            <a:r>
-              <a:rPr lang="de-DE" sz="5500" b="1" strike="noStrike" spc="-1">
-                <a:solidFill>
-                  <a:srgbClr val="002060"/>
-                </a:solidFill>
-                <a:latin typeface="CMU Serif"/>
-                <a:ea typeface="CMU Serif"/>
-              </a:rPr>
-              <a:t>Lernverfahren 1</a:t>
-            </a:r>
-            <a:endParaRPr lang="de-DE" sz="5500" b="0" strike="noStrike" spc="-1">
-              <a:solidFill>
-                <a:srgbClr val="000000"/>
-              </a:solidFill>
-              <a:latin typeface="Arial"/>
-            </a:endParaRPr>
-          </a:p>
-        </p:txBody>
-      </p:sp>
-      <p:sp>
-        <p:nvSpPr>
-          <p:cNvPr id="253" name="Freeform: Shape 152"/>
-          <p:cNvSpPr/>
+          </a:p>
+        </p:txBody>
+      </p:sp>
+      <p:pic>
+        <p:nvPicPr>
+          <p:cNvPr id="3" name="Grafik 2" descr="Ein Bild, das Text, Diagramm, Screenshot, Reihe enthält.&#10;&#10;KI-generierte Inhalte können fehlerhaft sein.">
+            <a:extLst>
+              <a:ext uri="{FF2B5EF4-FFF2-40B4-BE49-F238E27FC236}">
+                <a16:creationId xmlns:a16="http://schemas.microsoft.com/office/drawing/2014/main" id="{BB3EBC2A-7D79-02B1-2C51-A0329817195F}"/>
+              </a:ext>
+            </a:extLst>
+          </p:cNvPr>
+          <p:cNvPicPr>
+            <a:picLocks noChangeAspect="1"/>
+          </p:cNvPicPr>
           <p:nvPr/>
-        </p:nvSpPr>
-        <p:spPr>
-          <a:xfrm>
-            <a:off x="673920" y="1688040"/>
-            <a:ext cx="5086440" cy="3128400"/>
-          </a:xfrm>
-          <a:custGeom>
-            <a:avLst/>
-            <a:gdLst>
-              <a:gd name="textAreaLeft" fmla="*/ 0 w 5086440"/>
-              <a:gd name="textAreaRight" fmla="*/ 5086800 w 5086440"/>
-              <a:gd name="textAreaTop" fmla="*/ 0 h 3128400"/>
-              <a:gd name="textAreaBottom" fmla="*/ 3128760 h 3128400"/>
-            </a:gdLst>
-            <a:ahLst/>
-            <a:cxnLst/>
-            <a:rect l="textAreaLeft" t="textAreaTop" r="textAreaRight" b="textAreaBottom"/>
-            <a:pathLst>
-              <a:path w="5086770" h="3128874">
-                <a:moveTo>
-                  <a:pt x="5086770" y="1174706"/>
-                </a:moveTo>
-                <a:lnTo>
-                  <a:pt x="5086770" y="1184663"/>
-                </a:lnTo>
-                <a:lnTo>
-                  <a:pt x="5079830" y="1185820"/>
-                </a:lnTo>
-                <a:cubicBezTo>
-                  <a:pt x="5079829" y="1184277"/>
-                  <a:pt x="5078289" y="1184277"/>
-                  <a:pt x="5078289" y="1182737"/>
-                </a:cubicBezTo>
-                <a:lnTo>
-                  <a:pt x="5078289" y="1179654"/>
-                </a:lnTo>
-                <a:close/>
-                <a:moveTo>
-                  <a:pt x="1690658" y="810655"/>
-                </a:moveTo>
-                <a:lnTo>
-                  <a:pt x="1349061" y="1934928"/>
-                </a:lnTo>
-                <a:lnTo>
-                  <a:pt x="2035854" y="1934928"/>
-                </a:lnTo>
-                <a:close/>
-                <a:moveTo>
-                  <a:pt x="3765314" y="0"/>
-                </a:moveTo>
-                <a:lnTo>
-                  <a:pt x="4465138" y="0"/>
-                </a:lnTo>
-                <a:lnTo>
-                  <a:pt x="4675955" y="0"/>
-                </a:lnTo>
-                <a:lnTo>
-                  <a:pt x="4659036" y="34412"/>
-                </a:lnTo>
-                <a:cubicBezTo>
-                  <a:pt x="4655952" y="37496"/>
-                  <a:pt x="4652870" y="40578"/>
-                  <a:pt x="4651327" y="45203"/>
-                </a:cubicBezTo>
-                <a:cubicBezTo>
-                  <a:pt x="4649787" y="48285"/>
-                  <a:pt x="4649788" y="49827"/>
-                  <a:pt x="4648245" y="51368"/>
-                </a:cubicBezTo>
-                <a:cubicBezTo>
-                  <a:pt x="4632831" y="72947"/>
-                  <a:pt x="4528018" y="224002"/>
-                  <a:pt x="4483319" y="361184"/>
-                </a:cubicBezTo>
-                <a:cubicBezTo>
-                  <a:pt x="4481777" y="365808"/>
-                  <a:pt x="4480236" y="368891"/>
-                  <a:pt x="4480236" y="373515"/>
-                </a:cubicBezTo>
-                <a:cubicBezTo>
-                  <a:pt x="4478694" y="381223"/>
-                  <a:pt x="4475612" y="390471"/>
-                  <a:pt x="4474071" y="398176"/>
-                </a:cubicBezTo>
-                <a:cubicBezTo>
-                  <a:pt x="4466362" y="432087"/>
-                  <a:pt x="4458657" y="465997"/>
-                  <a:pt x="4450950" y="498367"/>
-                </a:cubicBezTo>
-                <a:cubicBezTo>
-                  <a:pt x="4444783" y="506073"/>
-                  <a:pt x="4440160" y="516863"/>
-                  <a:pt x="4440161" y="527652"/>
-                </a:cubicBezTo>
-                <a:cubicBezTo>
-                  <a:pt x="4440160" y="532277"/>
-                  <a:pt x="4440160" y="535360"/>
-                  <a:pt x="4441700" y="539983"/>
-                </a:cubicBezTo>
-                <a:cubicBezTo>
-                  <a:pt x="4440161" y="547691"/>
-                  <a:pt x="4438618" y="555397"/>
-                  <a:pt x="4437078" y="561562"/>
-                </a:cubicBezTo>
-                <a:cubicBezTo>
-                  <a:pt x="4435535" y="566187"/>
-                  <a:pt x="4433995" y="570810"/>
-                  <a:pt x="4433995" y="576976"/>
-                </a:cubicBezTo>
-                <a:cubicBezTo>
-                  <a:pt x="4433995" y="576976"/>
-                  <a:pt x="4433994" y="578519"/>
-                  <a:pt x="4433994" y="578519"/>
-                </a:cubicBezTo>
-                <a:cubicBezTo>
-                  <a:pt x="4417039" y="674083"/>
-                  <a:pt x="4407790" y="755776"/>
-                  <a:pt x="4413956" y="797393"/>
-                </a:cubicBezTo>
-                <a:cubicBezTo>
-                  <a:pt x="4421664" y="846717"/>
-                  <a:pt x="4440160" y="929951"/>
-                  <a:pt x="4438619" y="996230"/>
-                </a:cubicBezTo>
-                <a:cubicBezTo>
-                  <a:pt x="4435535" y="1002395"/>
-                  <a:pt x="4433995" y="1008560"/>
-                  <a:pt x="4433995" y="1016268"/>
-                </a:cubicBezTo>
-                <a:cubicBezTo>
-                  <a:pt x="4433995" y="1019351"/>
-                  <a:pt x="4435536" y="1022434"/>
-                  <a:pt x="4435536" y="1025517"/>
-                </a:cubicBezTo>
-                <a:cubicBezTo>
-                  <a:pt x="4435536" y="1025517"/>
-                  <a:pt x="4435535" y="1027057"/>
-                  <a:pt x="4437078" y="1027057"/>
-                </a:cubicBezTo>
-                <a:cubicBezTo>
-                  <a:pt x="4435536" y="1034764"/>
-                  <a:pt x="4433994" y="1042471"/>
-                  <a:pt x="4432452" y="1048636"/>
-                </a:cubicBezTo>
-                <a:lnTo>
-                  <a:pt x="4413956" y="1085630"/>
-                </a:lnTo>
-                <a:cubicBezTo>
-                  <a:pt x="4369257" y="1164240"/>
-                  <a:pt x="4258278" y="1339957"/>
-                  <a:pt x="4196623" y="1389280"/>
-                </a:cubicBezTo>
-                <a:cubicBezTo>
-                  <a:pt x="4128802" y="1441687"/>
-                  <a:pt x="4062523" y="1538793"/>
-                  <a:pt x="4085645" y="1597365"/>
-                </a:cubicBezTo>
-                <a:cubicBezTo>
-                  <a:pt x="4119555" y="1660562"/>
-                  <a:pt x="4181210" y="1688307"/>
-                  <a:pt x="4216661" y="1697556"/>
-                </a:cubicBezTo>
-                <a:cubicBezTo>
-                  <a:pt x="4252112" y="1706804"/>
-                  <a:pt x="4275233" y="1779247"/>
-                  <a:pt x="4250571" y="1811617"/>
-                </a:cubicBezTo>
-                <a:cubicBezTo>
-                  <a:pt x="4225909" y="1843985"/>
-                  <a:pt x="4187375" y="1853233"/>
-                  <a:pt x="4173502" y="1888685"/>
-                </a:cubicBezTo>
-                <a:cubicBezTo>
-                  <a:pt x="4159630" y="1924137"/>
-                  <a:pt x="4153465" y="1998123"/>
-                  <a:pt x="4213578" y="2022784"/>
-                </a:cubicBezTo>
-                <a:cubicBezTo>
-                  <a:pt x="4259818" y="2041281"/>
-                  <a:pt x="4349219" y="2081356"/>
-                  <a:pt x="4347678" y="2090605"/>
-                </a:cubicBezTo>
-                <a:cubicBezTo>
-                  <a:pt x="4346136" y="2099853"/>
-                  <a:pt x="4250570" y="2107561"/>
-                  <a:pt x="4233616" y="2138388"/>
-                </a:cubicBezTo>
-                <a:cubicBezTo>
-                  <a:pt x="4216660" y="2169216"/>
-                  <a:pt x="4204330" y="2220080"/>
-                  <a:pt x="4227451" y="2258616"/>
-                </a:cubicBezTo>
-                <a:cubicBezTo>
-                  <a:pt x="4250571" y="2297149"/>
-                  <a:pt x="4332264" y="2292526"/>
-                  <a:pt x="4350761" y="2320270"/>
-                </a:cubicBezTo>
-                <a:cubicBezTo>
-                  <a:pt x="4381588" y="2371135"/>
-                  <a:pt x="4358466" y="2378843"/>
-                  <a:pt x="4333805" y="2462077"/>
-                </a:cubicBezTo>
-                <a:cubicBezTo>
-                  <a:pt x="4306060" y="2551476"/>
-                  <a:pt x="4302977" y="2650125"/>
-                  <a:pt x="4467905" y="2719486"/>
-                </a:cubicBezTo>
-                <a:cubicBezTo>
-                  <a:pt x="4562314" y="2758983"/>
-                  <a:pt x="4694054" y="2758743"/>
-                  <a:pt x="4800655" y="2748491"/>
-                </a:cubicBezTo>
-                <a:lnTo>
-                  <a:pt x="4838191" y="2744074"/>
-                </a:lnTo>
-                <a:lnTo>
-                  <a:pt x="4863823" y="2765476"/>
-                </a:lnTo>
-                <a:cubicBezTo>
-                  <a:pt x="4895578" y="2799449"/>
-                  <a:pt x="4917344" y="2847230"/>
-                  <a:pt x="4934321" y="2911083"/>
-                </a:cubicBezTo>
-                <a:cubicBezTo>
-                  <a:pt x="4945640" y="2953651"/>
-                  <a:pt x="4957371" y="3013267"/>
-                  <a:pt x="4964162" y="3074402"/>
-                </a:cubicBezTo>
-                <a:lnTo>
-                  <a:pt x="4967647" y="3128874"/>
-                </a:lnTo>
-                <a:lnTo>
-                  <a:pt x="4465138" y="3128874"/>
-                </a:lnTo>
-                <a:lnTo>
-                  <a:pt x="4465138" y="3127460"/>
-                </a:lnTo>
-                <a:lnTo>
-                  <a:pt x="3765314" y="3127460"/>
-                </a:lnTo>
-                <a:close/>
-                <a:moveTo>
-                  <a:pt x="1175459" y="0"/>
-                </a:moveTo>
-                <a:lnTo>
-                  <a:pt x="2229594" y="0"/>
-                </a:lnTo>
-                <a:lnTo>
-                  <a:pt x="3404781" y="3127460"/>
-                </a:lnTo>
-                <a:lnTo>
-                  <a:pt x="2392789" y="3127460"/>
-                </a:lnTo>
-                <a:lnTo>
-                  <a:pt x="2236317" y="2611186"/>
-                </a:lnTo>
-                <a:lnTo>
-                  <a:pt x="1139165" y="2611186"/>
-                </a:lnTo>
-                <a:lnTo>
-                  <a:pt x="986721" y="3127460"/>
-                </a:lnTo>
-                <a:lnTo>
-                  <a:pt x="0" y="3127460"/>
-                </a:lnTo>
-                <a:close/>
-              </a:path>
-            </a:pathLst>
-          </a:custGeom>
-          <a:solidFill>
-            <a:srgbClr val="002060"/>
-          </a:solidFill>
-          <a:ln>
-            <a:noFill/>
-          </a:ln>
-        </p:spPr>
-        <p:style>
-          <a:lnRef idx="2">
-            <a:schemeClr val="accent1">
-              <a:shade val="50000"/>
-            </a:schemeClr>
-          </a:lnRef>
-          <a:fillRef idx="1">
-            <a:schemeClr val="accent1"/>
-          </a:fillRef>
-          <a:effectRef idx="0">
-            <a:schemeClr val="accent1"/>
-          </a:effectRef>
-          <a:fontRef idx="minor"/>
-        </p:style>
-        <p:txBody>
-          <a:bodyPr lIns="90000" tIns="45000" rIns="90000" bIns="45000" anchor="ctr">
-            <a:noAutofit/>
-          </a:bodyPr>
-          <a:lstStyle/>
-          <a:p>
-            <a:pPr algn="ctr">
-              <a:lnSpc>
-                <a:spcPct val="100000"/>
-              </a:lnSpc>
-            </a:pPr>
-            <a:endParaRPr lang="en-US" sz="1800" b="0" strike="noStrike" spc="-1">
-              <a:solidFill>
-                <a:schemeClr val="lt1"/>
-              </a:solidFill>
-              <a:latin typeface="CMU Serif"/>
-              <a:ea typeface="Arial Unicode MS"/>
-            </a:endParaRPr>
-          </a:p>
-        </p:txBody>
-      </p:sp>
-      <p:sp>
-        <p:nvSpPr>
-          <p:cNvPr id="254" name="Rechteck 1"/>
-          <p:cNvSpPr/>
-          <p:nvPr/>
-        </p:nvSpPr>
-        <p:spPr>
-          <a:xfrm>
-            <a:off x="-39240" y="6496920"/>
-            <a:ext cx="12270600" cy="424800"/>
-          </a:xfrm>
-          <a:prstGeom prst="rect">
-            <a:avLst/>
-          </a:prstGeom>
-          <a:solidFill>
-            <a:srgbClr val="AA313F"/>
-          </a:solidFill>
-          <a:ln>
-            <a:noFill/>
-          </a:ln>
-        </p:spPr>
-        <p:style>
-          <a:lnRef idx="2">
-            <a:schemeClr val="accent1">
-              <a:shade val="50000"/>
-            </a:schemeClr>
-          </a:lnRef>
-          <a:fillRef idx="1">
-            <a:schemeClr val="accent1"/>
-          </a:fillRef>
-          <a:effectRef idx="0">
-            <a:schemeClr val="accent1"/>
-          </a:effectRef>
-          <a:fontRef idx="minor"/>
-        </p:style>
-        <p:txBody>
-          <a:bodyPr lIns="90000" tIns="45000" rIns="90000" bIns="45000" anchor="ctr">
-            <a:noAutofit/>
-          </a:bodyPr>
-          <a:lstStyle/>
-          <a:p>
-            <a:pPr algn="ctr">
-              <a:lnSpc>
-                <a:spcPct val="100000"/>
-              </a:lnSpc>
-            </a:pPr>
-            <a:endParaRPr lang="de-DE" sz="1800" b="0" strike="noStrike" spc="-1">
-              <a:solidFill>
-                <a:schemeClr val="lt1"/>
-              </a:solidFill>
-              <a:latin typeface="CMU Serif"/>
-              <a:ea typeface="Arial Unicode MS"/>
-            </a:endParaRPr>
-          </a:p>
-        </p:txBody>
-      </p:sp>
+        </p:nvPicPr>
+        <p:blipFill>
+          <a:blip r:embed="rId2">
+            <a:extLst>
+              <a:ext uri="{28A0092B-C50C-407E-A947-70E740481C1C}">
+                <a14:useLocalDpi xmlns:a14="http://schemas.microsoft.com/office/drawing/2010/main" val="0"/>
+              </a:ext>
+            </a:extLst>
+          </a:blip>
+          <a:srcRect t="3741"/>
+          <a:stretch/>
+        </p:blipFill>
+        <p:spPr>
+          <a:xfrm>
+            <a:off x="1903615" y="1923691"/>
+            <a:ext cx="7317127" cy="4733948"/>
+          </a:xfrm>
+          <a:prstGeom prst="rect">
+            <a:avLst/>
+          </a:prstGeom>
+        </p:spPr>
+      </p:pic>
     </p:spTree>
+    <p:extLst>
+      <p:ext uri="{BB962C8B-B14F-4D97-AF65-F5344CB8AC3E}">
+        <p14:creationId xmlns:p14="http://schemas.microsoft.com/office/powerpoint/2010/main" val="2885403813"/>
+      </p:ext>
+    </p:extLst>
   </p:cSld>
   <p:clrMapOvr>
     <a:masterClrMapping/>

--- a/Präsentation_Vorlage.pptx
+++ b/Präsentation_Vorlage.pptx
@@ -21,13 +21,14 @@
     <p:sldId id="271" r:id="rId15"/>
     <p:sldId id="272" r:id="rId16"/>
     <p:sldId id="273" r:id="rId17"/>
-    <p:sldId id="262" r:id="rId18"/>
-    <p:sldId id="263" r:id="rId19"/>
-    <p:sldId id="264" r:id="rId20"/>
-    <p:sldId id="265" r:id="rId21"/>
-    <p:sldId id="266" r:id="rId22"/>
-    <p:sldId id="267" r:id="rId23"/>
-    <p:sldId id="268" r:id="rId24"/>
+    <p:sldId id="274" r:id="rId18"/>
+    <p:sldId id="262" r:id="rId19"/>
+    <p:sldId id="263" r:id="rId20"/>
+    <p:sldId id="264" r:id="rId21"/>
+    <p:sldId id="265" r:id="rId22"/>
+    <p:sldId id="266" r:id="rId23"/>
+    <p:sldId id="267" r:id="rId24"/>
+    <p:sldId id="268" r:id="rId25"/>
   </p:sldIdLst>
   <p:sldSz cx="12192000" cy="6858000"/>
   <p:notesSz cx="7559675" cy="10691813"/>
@@ -16353,6 +16354,232 @@
   <p:cSld>
     <p:spTree>
       <p:nvGrpSpPr>
+        <p:cNvPr id="1" name="">
+          <a:extLst>
+            <a:ext uri="{FF2B5EF4-FFF2-40B4-BE49-F238E27FC236}">
+              <a16:creationId xmlns:a16="http://schemas.microsoft.com/office/drawing/2014/main" id="{659B945F-9009-762F-5765-50ECCCA8A35A}"/>
+            </a:ext>
+          </a:extLst>
+        </p:cNvPr>
+        <p:cNvGrpSpPr/>
+        <p:nvPr/>
+      </p:nvGrpSpPr>
+      <p:grpSpPr>
+        <a:xfrm>
+          <a:off x="0" y="0"/>
+          <a:ext cx="0" cy="0"/>
+          <a:chOff x="0" y="0"/>
+          <a:chExt cx="0" cy="0"/>
+        </a:xfrm>
+      </p:grpSpPr>
+      <p:sp>
+        <p:nvSpPr>
+          <p:cNvPr id="246" name="PlaceHolder 1">
+            <a:extLst>
+              <a:ext uri="{FF2B5EF4-FFF2-40B4-BE49-F238E27FC236}">
+                <a16:creationId xmlns:a16="http://schemas.microsoft.com/office/drawing/2014/main" id="{E76E4109-241D-FB39-E28C-E6B6C171C53B}"/>
+              </a:ext>
+            </a:extLst>
+          </p:cNvPr>
+          <p:cNvSpPr>
+            <a:spLocks noGrp="1"/>
+          </p:cNvSpPr>
+          <p:nvPr>
+            <p:ph/>
+          </p:nvPr>
+        </p:nvSpPr>
+        <p:spPr>
+          <a:xfrm>
+            <a:off x="2063160" y="443506"/>
+            <a:ext cx="8065800" cy="645840"/>
+          </a:xfrm>
+          <a:prstGeom prst="rect">
+            <a:avLst/>
+          </a:prstGeom>
+          <a:noFill/>
+          <a:ln w="0">
+            <a:noFill/>
+          </a:ln>
+        </p:spPr>
+        <p:txBody>
+          <a:bodyPr lIns="90000" tIns="45000" rIns="90000" bIns="45000" anchor="ctr">
+            <a:noAutofit/>
+          </a:bodyPr>
+          <a:lstStyle/>
+          <a:p>
+            <a:pPr indent="0">
+              <a:lnSpc>
+                <a:spcPct val="90000"/>
+              </a:lnSpc>
+              <a:spcBef>
+                <a:spcPts val="1001"/>
+              </a:spcBef>
+              <a:buNone/>
+              <a:tabLst>
+                <a:tab pos="0" algn="l"/>
+              </a:tabLst>
+            </a:pPr>
+            <a:r>
+              <a:rPr lang="de-DE" sz="4000" b="1" strike="noStrike" spc="-1" dirty="0">
+                <a:solidFill>
+                  <a:srgbClr val="FFFFFF"/>
+                </a:solidFill>
+                <a:latin typeface="CMU Serif"/>
+                <a:ea typeface="CMU Serif"/>
+              </a:rPr>
+              <a:t>Ergebnis</a:t>
+            </a:r>
+            <a:endParaRPr lang="en-US" sz="4000" b="0" strike="noStrike" spc="-1" dirty="0">
+              <a:solidFill>
+                <a:srgbClr val="000000"/>
+              </a:solidFill>
+              <a:latin typeface="CMU Serif"/>
+            </a:endParaRPr>
+          </a:p>
+        </p:txBody>
+      </p:sp>
+      <p:sp>
+        <p:nvSpPr>
+          <p:cNvPr id="5" name="Textfeld 2">
+            <a:extLst>
+              <a:ext uri="{FF2B5EF4-FFF2-40B4-BE49-F238E27FC236}">
+                <a16:creationId xmlns:a16="http://schemas.microsoft.com/office/drawing/2014/main" id="{1B7439C1-BD55-4C75-F0C4-997E51DADC28}"/>
+              </a:ext>
+            </a:extLst>
+          </p:cNvPr>
+          <p:cNvSpPr/>
+          <p:nvPr/>
+        </p:nvSpPr>
+        <p:spPr>
+          <a:xfrm>
+            <a:off x="628490" y="1511906"/>
+            <a:ext cx="9953640" cy="921876"/>
+          </a:xfrm>
+          <a:prstGeom prst="rect">
+            <a:avLst/>
+          </a:prstGeom>
+          <a:noFill/>
+          <a:ln w="0">
+            <a:noFill/>
+          </a:ln>
+        </p:spPr>
+        <p:style>
+          <a:lnRef idx="0">
+            <a:scrgbClr r="0" g="0" b="0"/>
+          </a:lnRef>
+          <a:fillRef idx="0">
+            <a:scrgbClr r="0" g="0" b="0"/>
+          </a:fillRef>
+          <a:effectRef idx="0">
+            <a:scrgbClr r="0" g="0" b="0"/>
+          </a:effectRef>
+          <a:fontRef idx="minor"/>
+        </p:style>
+        <p:txBody>
+          <a:bodyPr lIns="90000" tIns="45000" rIns="90000" bIns="45000" anchor="t">
+            <a:spAutoFit/>
+          </a:bodyPr>
+          <a:lstStyle/>
+          <a:p>
+            <a:pPr marL="285750" indent="-285750">
+              <a:lnSpc>
+                <a:spcPct val="100000"/>
+              </a:lnSpc>
+              <a:buFont typeface="Arial" panose="020B0604020202020204" pitchFamily="34" charset="0"/>
+              <a:buChar char="•"/>
+            </a:pPr>
+            <a:r>
+              <a:rPr lang="de-DE" sz="1800" strike="noStrike" spc="-1" dirty="0">
+                <a:solidFill>
+                  <a:srgbClr val="000000"/>
+                </a:solidFill>
+                <a:latin typeface="Bahnschrift SemiLight"/>
+                <a:ea typeface="Arial Unicode MS"/>
+              </a:rPr>
+              <a:t>Durch unsere Analyse und Bereinigung haben wir:</a:t>
+            </a:r>
+          </a:p>
+          <a:p>
+            <a:pPr>
+              <a:lnSpc>
+                <a:spcPct val="100000"/>
+              </a:lnSpc>
+            </a:pPr>
+            <a:r>
+              <a:rPr lang="de-DE" sz="1800" strike="noStrike" spc="-1" dirty="0">
+                <a:solidFill>
+                  <a:srgbClr val="000000"/>
+                </a:solidFill>
+                <a:latin typeface="Bahnschrift SemiLight"/>
+                <a:ea typeface="Arial Unicode MS"/>
+              </a:rPr>
+              <a:t>	- die Anz</a:t>
+            </a:r>
+            <a:r>
+              <a:rPr lang="de-DE" spc="-1" dirty="0">
+                <a:solidFill>
+                  <a:srgbClr val="000000"/>
+                </a:solidFill>
+                <a:latin typeface="Bahnschrift SemiLight"/>
+                <a:ea typeface="Arial Unicode MS"/>
+              </a:rPr>
+              <a:t>ahl der Variablen reduziert von 15 -&gt; 8</a:t>
+            </a:r>
+          </a:p>
+          <a:p>
+            <a:pPr>
+              <a:lnSpc>
+                <a:spcPct val="100000"/>
+              </a:lnSpc>
+            </a:pPr>
+            <a:r>
+              <a:rPr lang="de-DE" sz="1800" strike="noStrike" spc="-1" dirty="0">
+                <a:solidFill>
+                  <a:srgbClr val="000000"/>
+                </a:solidFill>
+                <a:latin typeface="Bahnschrift SemiLight"/>
+                <a:ea typeface="Arial Unicode MS"/>
+              </a:rPr>
+              <a:t>	- </a:t>
+            </a:r>
+            <a:r>
+              <a:rPr lang="de-DE" spc="-1" dirty="0">
+                <a:solidFill>
+                  <a:srgbClr val="000000"/>
+                </a:solidFill>
+                <a:latin typeface="Bahnschrift SemiLight"/>
+                <a:ea typeface="Arial Unicode MS"/>
+              </a:rPr>
+              <a:t>die Anzahl der Einträge reduzieret von 100.000 -&gt; 88.507</a:t>
+            </a:r>
+            <a:endParaRPr lang="de-DE" sz="1800" strike="noStrike" spc="-1" dirty="0">
+              <a:solidFill>
+                <a:srgbClr val="000000"/>
+              </a:solidFill>
+              <a:latin typeface="Bahnschrift SemiLight"/>
+              <a:ea typeface="Arial Unicode MS"/>
+            </a:endParaRPr>
+          </a:p>
+        </p:txBody>
+      </p:sp>
+    </p:spTree>
+    <p:extLst>
+      <p:ext uri="{BB962C8B-B14F-4D97-AF65-F5344CB8AC3E}">
+        <p14:creationId xmlns:p14="http://schemas.microsoft.com/office/powerpoint/2010/main" val="4086471687"/>
+      </p:ext>
+    </p:extLst>
+  </p:cSld>
+  <p:clrMapOvr>
+    <a:masterClrMapping/>
+  </p:clrMapOvr>
+</p:sld>
+</file>
+
+<file path=ppt/slides/slide13.xml><?xml version="1.0" encoding="utf-8"?>
+<p:sld xmlns:a="http://schemas.openxmlformats.org/drawingml/2006/main" xmlns:r="http://schemas.openxmlformats.org/officeDocument/2006/relationships" xmlns:p="http://schemas.openxmlformats.org/presentationml/2006/main">
+  <p:cSld>
+    <p:spTree>
+      <p:nvGrpSpPr>
         <p:cNvPr id="1" name=""/>
         <p:cNvGrpSpPr/>
         <p:nvPr/>
@@ -16373,8 +16600,8 @@
         </p:nvSpPr>
         <p:spPr>
           <a:xfrm>
-            <a:off x="5686920" y="2660040"/>
-            <a:ext cx="6328080" cy="1537200"/>
+            <a:off x="5686920" y="2671467"/>
+            <a:ext cx="6328080" cy="1514346"/>
           </a:xfrm>
           <a:prstGeom prst="rect">
             <a:avLst/>
@@ -16411,42 +16638,16 @@
               </a:spcAft>
             </a:pPr>
             <a:r>
-              <a:rPr lang="de-DE" sz="5500" b="1" strike="noStrike" spc="-1">
+              <a:rPr lang="de-DE" sz="5500" b="1" strike="noStrike" spc="-1" dirty="0">
                 <a:solidFill>
                   <a:srgbClr val="002060"/>
                 </a:solidFill>
                 <a:latin typeface="CMU Serif"/>
                 <a:ea typeface="CMU Serif"/>
               </a:rPr>
-              <a:t>2. Maschinelles </a:t>
+              <a:t>2. Support Vector Machines</a:t>
             </a:r>
-            <a:endParaRPr lang="de-DE" sz="5500" b="0" strike="noStrike" spc="-1">
-              <a:solidFill>
-                <a:srgbClr val="000000"/>
-              </a:solidFill>
-              <a:latin typeface="Arial"/>
-            </a:endParaRPr>
-          </a:p>
-          <a:p>
-            <a:pPr algn="ctr">
-              <a:lnSpc>
-                <a:spcPts val="5400"/>
-              </a:lnSpc>
-              <a:spcAft>
-                <a:spcPts val="601"/>
-              </a:spcAft>
-            </a:pPr>
-            <a:r>
-              <a:rPr lang="de-DE" sz="5500" b="1" strike="noStrike" spc="-1">
-                <a:solidFill>
-                  <a:srgbClr val="002060"/>
-                </a:solidFill>
-                <a:latin typeface="CMU Serif"/>
-                <a:ea typeface="CMU Serif"/>
-              </a:rPr>
-              <a:t>Lernverfahren 1</a:t>
-            </a:r>
-            <a:endParaRPr lang="de-DE" sz="5500" b="0" strike="noStrike" spc="-1">
+            <a:endParaRPr lang="de-DE" sz="5500" b="0" strike="noStrike" spc="-1" dirty="0">
               <a:solidFill>
                 <a:srgbClr val="000000"/>
               </a:solidFill>
@@ -16835,7 +17036,7 @@
 </p:sld>
 </file>
 
-<file path=ppt/slides/slide13.xml><?xml version="1.0" encoding="utf-8"?>
+<file path=ppt/slides/slide14.xml><?xml version="1.0" encoding="utf-8"?>
 <p:sld xmlns:a="http://schemas.openxmlformats.org/drawingml/2006/main" xmlns:r="http://schemas.openxmlformats.org/officeDocument/2006/relationships" xmlns:p="http://schemas.openxmlformats.org/presentationml/2006/main">
   <p:cSld>
     <p:spTree>
@@ -16860,8 +17061,8 @@
         </p:nvSpPr>
         <p:spPr>
           <a:xfrm>
-            <a:off x="5686920" y="2660040"/>
-            <a:ext cx="6328080" cy="1537200"/>
+            <a:off x="5686920" y="3017716"/>
+            <a:ext cx="6328080" cy="821848"/>
           </a:xfrm>
           <a:prstGeom prst="rect">
             <a:avLst/>
@@ -16898,42 +17099,26 @@
               </a:spcAft>
             </a:pPr>
             <a:r>
-              <a:rPr lang="de-DE" sz="5500" b="1" strike="noStrike" spc="-1">
+              <a:rPr lang="de-DE" sz="5500" b="1" strike="noStrike" spc="-1" dirty="0">
                 <a:solidFill>
                   <a:srgbClr val="002060"/>
                 </a:solidFill>
                 <a:latin typeface="CMU Serif"/>
                 <a:ea typeface="CMU Serif"/>
               </a:rPr>
-              <a:t>3. Maschinelles </a:t>
+              <a:t>3. Learning </a:t>
             </a:r>
-            <a:endParaRPr lang="de-DE" sz="5500" b="0" strike="noStrike" spc="-1">
-              <a:solidFill>
-                <a:srgbClr val="000000"/>
-              </a:solidFill>
-              <a:latin typeface="Arial"/>
-            </a:endParaRPr>
-          </a:p>
-          <a:p>
-            <a:pPr algn="ctr">
-              <a:lnSpc>
-                <a:spcPts val="5400"/>
-              </a:lnSpc>
-              <a:spcAft>
-                <a:spcPts val="601"/>
-              </a:spcAft>
-            </a:pPr>
             <a:r>
-              <a:rPr lang="de-DE" sz="5500" b="1" strike="noStrike" spc="-1">
+              <a:rPr lang="de-DE" sz="5500" b="1" strike="noStrike" spc="-1" dirty="0" err="1">
                 <a:solidFill>
                   <a:srgbClr val="002060"/>
                 </a:solidFill>
                 <a:latin typeface="CMU Serif"/>
                 <a:ea typeface="CMU Serif"/>
               </a:rPr>
-              <a:t>Lernverfahren 2</a:t>
+              <a:t>Tree</a:t>
             </a:r>
-            <a:endParaRPr lang="de-DE" sz="5500" b="0" strike="noStrike" spc="-1">
+            <a:endParaRPr lang="de-DE" sz="5500" b="0" strike="noStrike" spc="-1" dirty="0">
               <a:solidFill>
                 <a:srgbClr val="000000"/>
               </a:solidFill>
@@ -17322,7 +17507,7 @@
 </p:sld>
 </file>
 
-<file path=ppt/slides/slide14.xml><?xml version="1.0" encoding="utf-8"?>
+<file path=ppt/slides/slide15.xml><?xml version="1.0" encoding="utf-8"?>
 <p:sld xmlns:a="http://schemas.openxmlformats.org/drawingml/2006/main" xmlns:r="http://schemas.openxmlformats.org/officeDocument/2006/relationships" xmlns:p="http://schemas.openxmlformats.org/presentationml/2006/main">
   <p:cSld>
     <p:spTree>
@@ -17347,8 +17532,8 @@
         </p:nvSpPr>
         <p:spPr>
           <a:xfrm>
-            <a:off x="5686920" y="2660040"/>
-            <a:ext cx="6328080" cy="1537200"/>
+            <a:off x="5686920" y="2671467"/>
+            <a:ext cx="6328080" cy="1514346"/>
           </a:xfrm>
           <a:prstGeom prst="rect">
             <a:avLst/>
@@ -17385,42 +17570,16 @@
               </a:spcAft>
             </a:pPr>
             <a:r>
-              <a:rPr lang="de-DE" sz="5500" b="1" strike="noStrike" spc="-1">
+              <a:rPr lang="de-DE" sz="5500" b="1" strike="noStrike" spc="-1" dirty="0">
                 <a:solidFill>
                   <a:srgbClr val="002060"/>
                 </a:solidFill>
                 <a:latin typeface="CMU Serif"/>
                 <a:ea typeface="CMU Serif"/>
               </a:rPr>
-              <a:t>4. Maschinelles </a:t>
+              <a:t>4. Neuronal Network</a:t>
             </a:r>
-            <a:endParaRPr lang="de-DE" sz="5500" b="0" strike="noStrike" spc="-1">
-              <a:solidFill>
-                <a:srgbClr val="000000"/>
-              </a:solidFill>
-              <a:latin typeface="Arial"/>
-            </a:endParaRPr>
-          </a:p>
-          <a:p>
-            <a:pPr algn="ctr">
-              <a:lnSpc>
-                <a:spcPts val="5400"/>
-              </a:lnSpc>
-              <a:spcAft>
-                <a:spcPts val="601"/>
-              </a:spcAft>
-            </a:pPr>
-            <a:r>
-              <a:rPr lang="de-DE" sz="5500" b="1" strike="noStrike" spc="-1">
-                <a:solidFill>
-                  <a:srgbClr val="002060"/>
-                </a:solidFill>
-                <a:latin typeface="CMU Serif"/>
-                <a:ea typeface="CMU Serif"/>
-              </a:rPr>
-              <a:t>Lernverfahren 3</a:t>
-            </a:r>
-            <a:endParaRPr lang="de-DE" sz="5500" b="0" strike="noStrike" spc="-1">
+            <a:endParaRPr lang="de-DE" sz="5500" b="0" strike="noStrike" spc="-1" dirty="0">
               <a:solidFill>
                 <a:srgbClr val="000000"/>
               </a:solidFill>
@@ -17809,7 +17968,7 @@
 </p:sld>
 </file>
 
-<file path=ppt/slides/slide15.xml><?xml version="1.0" encoding="utf-8"?>
+<file path=ppt/slides/slide16.xml><?xml version="1.0" encoding="utf-8"?>
 <p:sld xmlns:a="http://schemas.openxmlformats.org/drawingml/2006/main" xmlns:r="http://schemas.openxmlformats.org/officeDocument/2006/relationships" xmlns:p="http://schemas.openxmlformats.org/presentationml/2006/main" show="0">
   <p:cSld>
     <p:spTree>
@@ -18758,158 +18917,6 @@
 </p:sld>
 </file>
 
-<file path=ppt/slides/slide16.xml><?xml version="1.0" encoding="utf-8"?>
-<p:sld xmlns:a="http://schemas.openxmlformats.org/drawingml/2006/main" xmlns:r="http://schemas.openxmlformats.org/officeDocument/2006/relationships" xmlns:p="http://schemas.openxmlformats.org/presentationml/2006/main">
-  <p:cSld>
-    <p:spTree>
-      <p:nvGrpSpPr>
-        <p:cNvPr id="1" name=""/>
-        <p:cNvGrpSpPr/>
-        <p:nvPr/>
-      </p:nvGrpSpPr>
-      <p:grpSpPr>
-        <a:xfrm>
-          <a:off x="0" y="0"/>
-          <a:ext cx="0" cy="0"/>
-          <a:chOff x="0" y="0"/>
-          <a:chExt cx="0" cy="0"/>
-        </a:xfrm>
-      </p:grpSpPr>
-      <p:sp>
-        <p:nvSpPr>
-          <p:cNvPr id="268" name="PlaceHolder 1"/>
-          <p:cNvSpPr>
-            <a:spLocks noGrp="1"/>
-          </p:cNvSpPr>
-          <p:nvPr>
-            <p:ph/>
-          </p:nvPr>
-        </p:nvSpPr>
-        <p:spPr>
-          <a:xfrm>
-            <a:off x="690840" y="349200"/>
-            <a:ext cx="3407400" cy="792360"/>
-          </a:xfrm>
-          <a:prstGeom prst="rect">
-            <a:avLst/>
-          </a:prstGeom>
-          <a:noFill/>
-          <a:ln w="0">
-            <a:noFill/>
-          </a:ln>
-        </p:spPr>
-        <p:txBody>
-          <a:bodyPr lIns="90000" tIns="45000" rIns="90000" bIns="45000" anchor="ctr">
-            <a:noAutofit/>
-          </a:bodyPr>
-          <a:lstStyle/>
-          <a:p>
-            <a:pPr indent="0" algn="ctr">
-              <a:lnSpc>
-                <a:spcPct val="100000"/>
-              </a:lnSpc>
-              <a:spcBef>
-                <a:spcPts val="1001"/>
-              </a:spcBef>
-              <a:buNone/>
-              <a:tabLst>
-                <a:tab pos="0" algn="l"/>
-              </a:tabLst>
-            </a:pPr>
-            <a:r>
-              <a:rPr lang="de-DE" sz="5400" b="1" strike="noStrike" spc="-1">
-                <a:solidFill>
-                  <a:srgbClr val="002060"/>
-                </a:solidFill>
-                <a:latin typeface="Bahnschrift SemiLight"/>
-                <a:ea typeface="Arial Unicode MS"/>
-              </a:rPr>
-              <a:t>Content</a:t>
-            </a:r>
-            <a:endParaRPr lang="en-US" sz="5400" b="0" strike="noStrike" spc="-1">
-              <a:solidFill>
-                <a:srgbClr val="000000"/>
-              </a:solidFill>
-              <a:latin typeface="CMU Serif"/>
-            </a:endParaRPr>
-          </a:p>
-        </p:txBody>
-      </p:sp>
-      <p:sp>
-        <p:nvSpPr>
-          <p:cNvPr id="269" name="Textplatzhalter 1"/>
-          <p:cNvSpPr/>
-          <p:nvPr/>
-        </p:nvSpPr>
-        <p:spPr>
-          <a:xfrm>
-            <a:off x="5390640" y="349200"/>
-            <a:ext cx="3407400" cy="792360"/>
-          </a:xfrm>
-          <a:prstGeom prst="rect">
-            <a:avLst/>
-          </a:prstGeom>
-          <a:noFill/>
-          <a:ln w="0">
-            <a:noFill/>
-          </a:ln>
-        </p:spPr>
-        <p:style>
-          <a:lnRef idx="0">
-            <a:scrgbClr r="0" g="0" b="0"/>
-          </a:lnRef>
-          <a:fillRef idx="0">
-            <a:scrgbClr r="0" g="0" b="0"/>
-          </a:fillRef>
-          <a:effectRef idx="0">
-            <a:scrgbClr r="0" g="0" b="0"/>
-          </a:effectRef>
-          <a:fontRef idx="minor"/>
-        </p:style>
-        <p:txBody>
-          <a:bodyPr lIns="90000" tIns="45000" rIns="90000" bIns="45000" anchor="ctr">
-            <a:noAutofit/>
-          </a:bodyPr>
-          <a:lstStyle/>
-          <a:p>
-            <a:pPr algn="ctr">
-              <a:lnSpc>
-                <a:spcPct val="100000"/>
-              </a:lnSpc>
-              <a:spcBef>
-                <a:spcPts val="1001"/>
-              </a:spcBef>
-              <a:tabLst>
-                <a:tab pos="0" algn="l"/>
-              </a:tabLst>
-            </a:pPr>
-            <a:r>
-              <a:rPr lang="de-DE" sz="5400" b="1" strike="noStrike" spc="-1">
-                <a:solidFill>
-                  <a:srgbClr val="002060"/>
-                </a:solidFill>
-                <a:latin typeface="CMU Serif"/>
-                <a:ea typeface="CMU Serif"/>
-              </a:rPr>
-              <a:t>Content</a:t>
-            </a:r>
-            <a:endParaRPr lang="de-DE" sz="5400" b="0" strike="noStrike" spc="-1">
-              <a:solidFill>
-                <a:srgbClr val="000000"/>
-              </a:solidFill>
-              <a:latin typeface="Arial"/>
-            </a:endParaRPr>
-          </a:p>
-        </p:txBody>
-      </p:sp>
-    </p:spTree>
-  </p:cSld>
-  <p:clrMapOvr>
-    <a:masterClrMapping/>
-  </p:clrMapOvr>
-</p:sld>
-</file>
-
 <file path=ppt/slides/slide17.xml><?xml version="1.0" encoding="utf-8"?>
 <p:sld xmlns:a="http://schemas.openxmlformats.org/drawingml/2006/main" xmlns:r="http://schemas.openxmlformats.org/officeDocument/2006/relationships" xmlns:p="http://schemas.openxmlformats.org/presentationml/2006/main">
   <p:cSld>
@@ -18929,6 +18936,158 @@
       </p:grpSpPr>
       <p:sp>
         <p:nvSpPr>
+          <p:cNvPr id="268" name="PlaceHolder 1"/>
+          <p:cNvSpPr>
+            <a:spLocks noGrp="1"/>
+          </p:cNvSpPr>
+          <p:nvPr>
+            <p:ph/>
+          </p:nvPr>
+        </p:nvSpPr>
+        <p:spPr>
+          <a:xfrm>
+            <a:off x="690840" y="349200"/>
+            <a:ext cx="3407400" cy="792360"/>
+          </a:xfrm>
+          <a:prstGeom prst="rect">
+            <a:avLst/>
+          </a:prstGeom>
+          <a:noFill/>
+          <a:ln w="0">
+            <a:noFill/>
+          </a:ln>
+        </p:spPr>
+        <p:txBody>
+          <a:bodyPr lIns="90000" tIns="45000" rIns="90000" bIns="45000" anchor="ctr">
+            <a:noAutofit/>
+          </a:bodyPr>
+          <a:lstStyle/>
+          <a:p>
+            <a:pPr indent="0" algn="ctr">
+              <a:lnSpc>
+                <a:spcPct val="100000"/>
+              </a:lnSpc>
+              <a:spcBef>
+                <a:spcPts val="1001"/>
+              </a:spcBef>
+              <a:buNone/>
+              <a:tabLst>
+                <a:tab pos="0" algn="l"/>
+              </a:tabLst>
+            </a:pPr>
+            <a:r>
+              <a:rPr lang="de-DE" sz="5400" b="1" strike="noStrike" spc="-1">
+                <a:solidFill>
+                  <a:srgbClr val="002060"/>
+                </a:solidFill>
+                <a:latin typeface="Bahnschrift SemiLight"/>
+                <a:ea typeface="Arial Unicode MS"/>
+              </a:rPr>
+              <a:t>Content</a:t>
+            </a:r>
+            <a:endParaRPr lang="en-US" sz="5400" b="0" strike="noStrike" spc="-1">
+              <a:solidFill>
+                <a:srgbClr val="000000"/>
+              </a:solidFill>
+              <a:latin typeface="CMU Serif"/>
+            </a:endParaRPr>
+          </a:p>
+        </p:txBody>
+      </p:sp>
+      <p:sp>
+        <p:nvSpPr>
+          <p:cNvPr id="269" name="Textplatzhalter 1"/>
+          <p:cNvSpPr/>
+          <p:nvPr/>
+        </p:nvSpPr>
+        <p:spPr>
+          <a:xfrm>
+            <a:off x="5390640" y="349200"/>
+            <a:ext cx="3407400" cy="792360"/>
+          </a:xfrm>
+          <a:prstGeom prst="rect">
+            <a:avLst/>
+          </a:prstGeom>
+          <a:noFill/>
+          <a:ln w="0">
+            <a:noFill/>
+          </a:ln>
+        </p:spPr>
+        <p:style>
+          <a:lnRef idx="0">
+            <a:scrgbClr r="0" g="0" b="0"/>
+          </a:lnRef>
+          <a:fillRef idx="0">
+            <a:scrgbClr r="0" g="0" b="0"/>
+          </a:fillRef>
+          <a:effectRef idx="0">
+            <a:scrgbClr r="0" g="0" b="0"/>
+          </a:effectRef>
+          <a:fontRef idx="minor"/>
+        </p:style>
+        <p:txBody>
+          <a:bodyPr lIns="90000" tIns="45000" rIns="90000" bIns="45000" anchor="ctr">
+            <a:noAutofit/>
+          </a:bodyPr>
+          <a:lstStyle/>
+          <a:p>
+            <a:pPr algn="ctr">
+              <a:lnSpc>
+                <a:spcPct val="100000"/>
+              </a:lnSpc>
+              <a:spcBef>
+                <a:spcPts val="1001"/>
+              </a:spcBef>
+              <a:tabLst>
+                <a:tab pos="0" algn="l"/>
+              </a:tabLst>
+            </a:pPr>
+            <a:r>
+              <a:rPr lang="de-DE" sz="5400" b="1" strike="noStrike" spc="-1">
+                <a:solidFill>
+                  <a:srgbClr val="002060"/>
+                </a:solidFill>
+                <a:latin typeface="CMU Serif"/>
+                <a:ea typeface="CMU Serif"/>
+              </a:rPr>
+              <a:t>Content</a:t>
+            </a:r>
+            <a:endParaRPr lang="de-DE" sz="5400" b="0" strike="noStrike" spc="-1">
+              <a:solidFill>
+                <a:srgbClr val="000000"/>
+              </a:solidFill>
+              <a:latin typeface="Arial"/>
+            </a:endParaRPr>
+          </a:p>
+        </p:txBody>
+      </p:sp>
+    </p:spTree>
+  </p:cSld>
+  <p:clrMapOvr>
+    <a:masterClrMapping/>
+  </p:clrMapOvr>
+</p:sld>
+</file>
+
+<file path=ppt/slides/slide18.xml><?xml version="1.0" encoding="utf-8"?>
+<p:sld xmlns:a="http://schemas.openxmlformats.org/drawingml/2006/main" xmlns:r="http://schemas.openxmlformats.org/officeDocument/2006/relationships" xmlns:p="http://schemas.openxmlformats.org/presentationml/2006/main">
+  <p:cSld>
+    <p:spTree>
+      <p:nvGrpSpPr>
+        <p:cNvPr id="1" name=""/>
+        <p:cNvGrpSpPr/>
+        <p:nvPr/>
+      </p:nvGrpSpPr>
+      <p:grpSpPr>
+        <a:xfrm>
+          <a:off x="0" y="0"/>
+          <a:ext cx="0" cy="0"/>
+          <a:chOff x="0" y="0"/>
+          <a:chExt cx="0" cy="0"/>
+        </a:xfrm>
+      </p:grpSpPr>
+      <p:sp>
+        <p:nvSpPr>
           <p:cNvPr id="270" name="PlaceHolder 1"/>
           <p:cNvSpPr>
             <a:spLocks noGrp="1"/>
@@ -18995,7 +19154,7 @@
 </p:sld>
 </file>
 
-<file path=ppt/slides/slide18.xml><?xml version="1.0" encoding="utf-8"?>
+<file path=ppt/slides/slide19.xml><?xml version="1.0" encoding="utf-8"?>
 <p:sld xmlns:a="http://schemas.openxmlformats.org/drawingml/2006/main" xmlns:r="http://schemas.openxmlformats.org/officeDocument/2006/relationships" xmlns:p="http://schemas.openxmlformats.org/presentationml/2006/main">
   <p:cSld>
     <p:spTree>

--- a/Präsentation_Vorlage.pptx
+++ b/Präsentation_Vorlage.pptx
@@ -30,6 +30,7 @@
     <p:sldId id="273" r:id="rId25"/>
     <p:sldId id="274" r:id="rId26"/>
     <p:sldId id="275" r:id="rId27"/>
+    <p:sldId id="276" r:id="rId28"/>
   </p:sldIdLst>
   <p:sldSz cx="12192000" cy="6858000"/>
   <p:notesSz cx="7559675" cy="10691813"/>
@@ -103,10 +104,10 @@
             <a:noAutofit/>
           </a:bodyPr>
           <a:p>
-            <a:pPr indent="0">
+            <a:pPr indent="0" algn="ctr">
               <a:buNone/>
             </a:pPr>
-            <a:endParaRPr b="0" lang="de-DE" sz="1800" spc="-1" strike="noStrike">
+            <a:endParaRPr b="0" lang="de-DE" sz="4400" spc="-1" strike="noStrike">
               <a:solidFill>
                 <a:srgbClr val="000000"/>
               </a:solidFill>
@@ -144,15 +145,12 @@
           </a:bodyPr>
           <a:p>
             <a:pPr indent="0">
-              <a:lnSpc>
-                <a:spcPct val="90000"/>
-              </a:lnSpc>
               <a:spcBef>
                 <a:spcPts val="1417"/>
               </a:spcBef>
               <a:buNone/>
             </a:pPr>
-            <a:endParaRPr b="0" lang="de-DE" sz="2800" spc="-1" strike="noStrike">
+            <a:endParaRPr b="0" lang="de-DE" sz="3200" spc="-1" strike="noStrike">
               <a:solidFill>
                 <a:srgbClr val="000000"/>
               </a:solidFill>
@@ -190,15 +188,12 @@
           </a:bodyPr>
           <a:p>
             <a:pPr indent="0">
-              <a:lnSpc>
-                <a:spcPct val="90000"/>
-              </a:lnSpc>
               <a:spcBef>
                 <a:spcPts val="1417"/>
               </a:spcBef>
               <a:buNone/>
             </a:pPr>
-            <a:endParaRPr b="0" lang="de-DE" sz="2800" spc="-1" strike="noStrike">
+            <a:endParaRPr b="0" lang="de-DE" sz="3200" spc="-1" strike="noStrike">
               <a:solidFill>
                 <a:srgbClr val="000000"/>
               </a:solidFill>
@@ -257,10 +252,10 @@
             <a:noAutofit/>
           </a:bodyPr>
           <a:p>
-            <a:pPr indent="0">
+            <a:pPr indent="0" algn="ctr">
               <a:buNone/>
             </a:pPr>
-            <a:endParaRPr b="0" lang="de-DE" sz="1800" spc="-1" strike="noStrike">
+            <a:endParaRPr b="0" lang="de-DE" sz="4400" spc="-1" strike="noStrike">
               <a:solidFill>
                 <a:srgbClr val="000000"/>
               </a:solidFill>
@@ -298,15 +293,12 @@
           </a:bodyPr>
           <a:p>
             <a:pPr indent="0">
-              <a:lnSpc>
-                <a:spcPct val="90000"/>
-              </a:lnSpc>
               <a:spcBef>
                 <a:spcPts val="1417"/>
               </a:spcBef>
               <a:buNone/>
             </a:pPr>
-            <a:endParaRPr b="0" lang="de-DE" sz="2800" spc="-1" strike="noStrike">
+            <a:endParaRPr b="0" lang="de-DE" sz="3200" spc="-1" strike="noStrike">
               <a:solidFill>
                 <a:srgbClr val="000000"/>
               </a:solidFill>
@@ -344,15 +336,12 @@
           </a:bodyPr>
           <a:p>
             <a:pPr indent="0">
-              <a:lnSpc>
-                <a:spcPct val="90000"/>
-              </a:lnSpc>
               <a:spcBef>
                 <a:spcPts val="1417"/>
               </a:spcBef>
               <a:buNone/>
             </a:pPr>
-            <a:endParaRPr b="0" lang="de-DE" sz="2800" spc="-1" strike="noStrike">
+            <a:endParaRPr b="0" lang="de-DE" sz="3200" spc="-1" strike="noStrike">
               <a:solidFill>
                 <a:srgbClr val="000000"/>
               </a:solidFill>
@@ -390,15 +379,12 @@
           </a:bodyPr>
           <a:p>
             <a:pPr indent="0">
-              <a:lnSpc>
-                <a:spcPct val="90000"/>
-              </a:lnSpc>
               <a:spcBef>
                 <a:spcPts val="1417"/>
               </a:spcBef>
               <a:buNone/>
             </a:pPr>
-            <a:endParaRPr b="0" lang="de-DE" sz="2800" spc="-1" strike="noStrike">
+            <a:endParaRPr b="0" lang="de-DE" sz="3200" spc="-1" strike="noStrike">
               <a:solidFill>
                 <a:srgbClr val="000000"/>
               </a:solidFill>
@@ -436,15 +422,12 @@
           </a:bodyPr>
           <a:p>
             <a:pPr indent="0">
-              <a:lnSpc>
-                <a:spcPct val="90000"/>
-              </a:lnSpc>
               <a:spcBef>
                 <a:spcPts val="1417"/>
               </a:spcBef>
               <a:buNone/>
             </a:pPr>
-            <a:endParaRPr b="0" lang="de-DE" sz="2800" spc="-1" strike="noStrike">
+            <a:endParaRPr b="0" lang="de-DE" sz="3200" spc="-1" strike="noStrike">
               <a:solidFill>
                 <a:srgbClr val="000000"/>
               </a:solidFill>
@@ -503,10 +486,10 @@
             <a:noAutofit/>
           </a:bodyPr>
           <a:p>
-            <a:pPr indent="0">
+            <a:pPr indent="0" algn="ctr">
               <a:buNone/>
             </a:pPr>
-            <a:endParaRPr b="0" lang="de-DE" sz="1800" spc="-1" strike="noStrike">
+            <a:endParaRPr b="0" lang="de-DE" sz="4400" spc="-1" strike="noStrike">
               <a:solidFill>
                 <a:srgbClr val="000000"/>
               </a:solidFill>
@@ -544,15 +527,12 @@
           </a:bodyPr>
           <a:p>
             <a:pPr indent="0">
-              <a:lnSpc>
-                <a:spcPct val="90000"/>
-              </a:lnSpc>
               <a:spcBef>
                 <a:spcPts val="1417"/>
               </a:spcBef>
               <a:buNone/>
             </a:pPr>
-            <a:endParaRPr b="0" lang="de-DE" sz="2800" spc="-1" strike="noStrike">
+            <a:endParaRPr b="0" lang="de-DE" sz="3200" spc="-1" strike="noStrike">
               <a:solidFill>
                 <a:srgbClr val="000000"/>
               </a:solidFill>
@@ -590,15 +570,12 @@
           </a:bodyPr>
           <a:p>
             <a:pPr indent="0">
-              <a:lnSpc>
-                <a:spcPct val="90000"/>
-              </a:lnSpc>
               <a:spcBef>
                 <a:spcPts val="1417"/>
               </a:spcBef>
               <a:buNone/>
             </a:pPr>
-            <a:endParaRPr b="0" lang="de-DE" sz="2800" spc="-1" strike="noStrike">
+            <a:endParaRPr b="0" lang="de-DE" sz="3200" spc="-1" strike="noStrike">
               <a:solidFill>
                 <a:srgbClr val="000000"/>
               </a:solidFill>
@@ -636,15 +613,12 @@
           </a:bodyPr>
           <a:p>
             <a:pPr indent="0">
-              <a:lnSpc>
-                <a:spcPct val="90000"/>
-              </a:lnSpc>
               <a:spcBef>
                 <a:spcPts val="1417"/>
               </a:spcBef>
               <a:buNone/>
             </a:pPr>
-            <a:endParaRPr b="0" lang="de-DE" sz="2800" spc="-1" strike="noStrike">
+            <a:endParaRPr b="0" lang="de-DE" sz="3200" spc="-1" strike="noStrike">
               <a:solidFill>
                 <a:srgbClr val="000000"/>
               </a:solidFill>
@@ -682,15 +656,12 @@
           </a:bodyPr>
           <a:p>
             <a:pPr indent="0">
-              <a:lnSpc>
-                <a:spcPct val="90000"/>
-              </a:lnSpc>
               <a:spcBef>
                 <a:spcPts val="1417"/>
               </a:spcBef>
               <a:buNone/>
             </a:pPr>
-            <a:endParaRPr b="0" lang="de-DE" sz="2800" spc="-1" strike="noStrike">
+            <a:endParaRPr b="0" lang="de-DE" sz="3200" spc="-1" strike="noStrike">
               <a:solidFill>
                 <a:srgbClr val="000000"/>
               </a:solidFill>
@@ -728,15 +699,12 @@
           </a:bodyPr>
           <a:p>
             <a:pPr indent="0">
-              <a:lnSpc>
-                <a:spcPct val="90000"/>
-              </a:lnSpc>
               <a:spcBef>
                 <a:spcPts val="1417"/>
               </a:spcBef>
               <a:buNone/>
             </a:pPr>
-            <a:endParaRPr b="0" lang="de-DE" sz="2800" spc="-1" strike="noStrike">
+            <a:endParaRPr b="0" lang="de-DE" sz="3200" spc="-1" strike="noStrike">
               <a:solidFill>
                 <a:srgbClr val="000000"/>
               </a:solidFill>
@@ -774,15 +742,12 @@
           </a:bodyPr>
           <a:p>
             <a:pPr indent="0">
-              <a:lnSpc>
-                <a:spcPct val="90000"/>
-              </a:lnSpc>
               <a:spcBef>
                 <a:spcPts val="1417"/>
               </a:spcBef>
               <a:buNone/>
             </a:pPr>
-            <a:endParaRPr b="0" lang="de-DE" sz="2800" spc="-1" strike="noStrike">
+            <a:endParaRPr b="0" lang="de-DE" sz="3200" spc="-1" strike="noStrike">
               <a:solidFill>
                 <a:srgbClr val="000000"/>
               </a:solidFill>
@@ -863,10 +828,10 @@
             <a:noAutofit/>
           </a:bodyPr>
           <a:p>
-            <a:pPr indent="0">
+            <a:pPr indent="0" algn="ctr">
               <a:buNone/>
             </a:pPr>
-            <a:endParaRPr b="0" lang="de-DE" sz="1800" spc="-1" strike="noStrike">
+            <a:endParaRPr b="0" lang="de-DE" sz="4400" spc="-1" strike="noStrike">
               <a:solidFill>
                 <a:srgbClr val="000000"/>
               </a:solidFill>
@@ -965,10 +930,10 @@
             <a:noAutofit/>
           </a:bodyPr>
           <a:p>
-            <a:pPr indent="0">
+            <a:pPr indent="0" algn="ctr">
               <a:buNone/>
             </a:pPr>
-            <a:endParaRPr b="0" lang="de-DE" sz="1800" spc="-1" strike="noStrike">
+            <a:endParaRPr b="0" lang="de-DE" sz="4400" spc="-1" strike="noStrike">
               <a:solidFill>
                 <a:srgbClr val="000000"/>
               </a:solidFill>
@@ -1006,15 +971,12 @@
           </a:bodyPr>
           <a:p>
             <a:pPr indent="0">
-              <a:lnSpc>
-                <a:spcPct val="90000"/>
-              </a:lnSpc>
               <a:spcBef>
                 <a:spcPts val="1417"/>
               </a:spcBef>
               <a:buNone/>
             </a:pPr>
-            <a:endParaRPr b="0" lang="de-DE" sz="2800" spc="-1" strike="noStrike">
+            <a:endParaRPr b="0" lang="de-DE" sz="3200" spc="-1" strike="noStrike">
               <a:solidFill>
                 <a:srgbClr val="000000"/>
               </a:solidFill>
@@ -1073,10 +1035,10 @@
             <a:noAutofit/>
           </a:bodyPr>
           <a:p>
-            <a:pPr indent="0">
+            <a:pPr indent="0" algn="ctr">
               <a:buNone/>
             </a:pPr>
-            <a:endParaRPr b="0" lang="de-DE" sz="1800" spc="-1" strike="noStrike">
+            <a:endParaRPr b="0" lang="de-DE" sz="4400" spc="-1" strike="noStrike">
               <a:solidFill>
                 <a:srgbClr val="000000"/>
               </a:solidFill>
@@ -1114,15 +1076,12 @@
           </a:bodyPr>
           <a:p>
             <a:pPr indent="0">
-              <a:lnSpc>
-                <a:spcPct val="90000"/>
-              </a:lnSpc>
               <a:spcBef>
                 <a:spcPts val="1417"/>
               </a:spcBef>
               <a:buNone/>
             </a:pPr>
-            <a:endParaRPr b="0" lang="de-DE" sz="2800" spc="-1" strike="noStrike">
+            <a:endParaRPr b="0" lang="de-DE" sz="3200" spc="-1" strike="noStrike">
               <a:solidFill>
                 <a:srgbClr val="000000"/>
               </a:solidFill>
@@ -1160,15 +1119,12 @@
           </a:bodyPr>
           <a:p>
             <a:pPr indent="0">
-              <a:lnSpc>
-                <a:spcPct val="90000"/>
-              </a:lnSpc>
               <a:spcBef>
                 <a:spcPts val="1417"/>
               </a:spcBef>
               <a:buNone/>
             </a:pPr>
-            <a:endParaRPr b="0" lang="de-DE" sz="2800" spc="-1" strike="noStrike">
+            <a:endParaRPr b="0" lang="de-DE" sz="3200" spc="-1" strike="noStrike">
               <a:solidFill>
                 <a:srgbClr val="000000"/>
               </a:solidFill>
@@ -1227,10 +1183,10 @@
             <a:noAutofit/>
           </a:bodyPr>
           <a:p>
-            <a:pPr indent="0">
+            <a:pPr indent="0" algn="ctr">
               <a:buNone/>
             </a:pPr>
-            <a:endParaRPr b="0" lang="de-DE" sz="1800" spc="-1" strike="noStrike">
+            <a:endParaRPr b="0" lang="de-DE" sz="4400" spc="-1" strike="noStrike">
               <a:solidFill>
                 <a:srgbClr val="000000"/>
               </a:solidFill>
@@ -1349,10 +1305,10 @@
             <a:noAutofit/>
           </a:bodyPr>
           <a:p>
-            <a:pPr indent="0">
+            <a:pPr indent="0" algn="ctr">
               <a:buNone/>
             </a:pPr>
-            <a:endParaRPr b="0" lang="de-DE" sz="1800" spc="-1" strike="noStrike">
+            <a:endParaRPr b="0" lang="de-DE" sz="4400" spc="-1" strike="noStrike">
               <a:solidFill>
                 <a:srgbClr val="000000"/>
               </a:solidFill>
@@ -1390,15 +1346,12 @@
           </a:bodyPr>
           <a:p>
             <a:pPr indent="0">
-              <a:lnSpc>
-                <a:spcPct val="90000"/>
-              </a:lnSpc>
               <a:spcBef>
                 <a:spcPts val="1417"/>
               </a:spcBef>
               <a:buNone/>
             </a:pPr>
-            <a:endParaRPr b="0" lang="de-DE" sz="2800" spc="-1" strike="noStrike">
+            <a:endParaRPr b="0" lang="de-DE" sz="3200" spc="-1" strike="noStrike">
               <a:solidFill>
                 <a:srgbClr val="000000"/>
               </a:solidFill>
@@ -1436,15 +1389,12 @@
           </a:bodyPr>
           <a:p>
             <a:pPr indent="0">
-              <a:lnSpc>
-                <a:spcPct val="90000"/>
-              </a:lnSpc>
               <a:spcBef>
                 <a:spcPts val="1417"/>
               </a:spcBef>
               <a:buNone/>
             </a:pPr>
-            <a:endParaRPr b="0" lang="de-DE" sz="2800" spc="-1" strike="noStrike">
+            <a:endParaRPr b="0" lang="de-DE" sz="3200" spc="-1" strike="noStrike">
               <a:solidFill>
                 <a:srgbClr val="000000"/>
               </a:solidFill>
@@ -1482,15 +1432,12 @@
           </a:bodyPr>
           <a:p>
             <a:pPr indent="0">
-              <a:lnSpc>
-                <a:spcPct val="90000"/>
-              </a:lnSpc>
               <a:spcBef>
                 <a:spcPts val="1417"/>
               </a:spcBef>
               <a:buNone/>
             </a:pPr>
-            <a:endParaRPr b="0" lang="de-DE" sz="2800" spc="-1" strike="noStrike">
+            <a:endParaRPr b="0" lang="de-DE" sz="3200" spc="-1" strike="noStrike">
               <a:solidFill>
                 <a:srgbClr val="000000"/>
               </a:solidFill>
@@ -1549,10 +1496,10 @@
             <a:noAutofit/>
           </a:bodyPr>
           <a:p>
-            <a:pPr indent="0">
+            <a:pPr indent="0" algn="ctr">
               <a:buNone/>
             </a:pPr>
-            <a:endParaRPr b="0" lang="de-DE" sz="1800" spc="-1" strike="noStrike">
+            <a:endParaRPr b="0" lang="de-DE" sz="4400" spc="-1" strike="noStrike">
               <a:solidFill>
                 <a:srgbClr val="000000"/>
               </a:solidFill>
@@ -1651,10 +1598,10 @@
             <a:noAutofit/>
           </a:bodyPr>
           <a:p>
-            <a:pPr indent="0">
+            <a:pPr indent="0" algn="ctr">
               <a:buNone/>
             </a:pPr>
-            <a:endParaRPr b="0" lang="de-DE" sz="1800" spc="-1" strike="noStrike">
+            <a:endParaRPr b="0" lang="de-DE" sz="4400" spc="-1" strike="noStrike">
               <a:solidFill>
                 <a:srgbClr val="000000"/>
               </a:solidFill>
@@ -1692,15 +1639,12 @@
           </a:bodyPr>
           <a:p>
             <a:pPr indent="0">
-              <a:lnSpc>
-                <a:spcPct val="90000"/>
-              </a:lnSpc>
               <a:spcBef>
                 <a:spcPts val="1417"/>
               </a:spcBef>
               <a:buNone/>
             </a:pPr>
-            <a:endParaRPr b="0" lang="de-DE" sz="2800" spc="-1" strike="noStrike">
+            <a:endParaRPr b="0" lang="de-DE" sz="3200" spc="-1" strike="noStrike">
               <a:solidFill>
                 <a:srgbClr val="000000"/>
               </a:solidFill>
@@ -1738,15 +1682,12 @@
           </a:bodyPr>
           <a:p>
             <a:pPr indent="0">
-              <a:lnSpc>
-                <a:spcPct val="90000"/>
-              </a:lnSpc>
               <a:spcBef>
                 <a:spcPts val="1417"/>
               </a:spcBef>
               <a:buNone/>
             </a:pPr>
-            <a:endParaRPr b="0" lang="de-DE" sz="2800" spc="-1" strike="noStrike">
+            <a:endParaRPr b="0" lang="de-DE" sz="3200" spc="-1" strike="noStrike">
               <a:solidFill>
                 <a:srgbClr val="000000"/>
               </a:solidFill>
@@ -1784,15 +1725,12 @@
           </a:bodyPr>
           <a:p>
             <a:pPr indent="0">
-              <a:lnSpc>
-                <a:spcPct val="90000"/>
-              </a:lnSpc>
               <a:spcBef>
                 <a:spcPts val="1417"/>
               </a:spcBef>
               <a:buNone/>
             </a:pPr>
-            <a:endParaRPr b="0" lang="de-DE" sz="2800" spc="-1" strike="noStrike">
+            <a:endParaRPr b="0" lang="de-DE" sz="3200" spc="-1" strike="noStrike">
               <a:solidFill>
                 <a:srgbClr val="000000"/>
               </a:solidFill>
@@ -1851,10 +1789,10 @@
             <a:noAutofit/>
           </a:bodyPr>
           <a:p>
-            <a:pPr indent="0">
+            <a:pPr indent="0" algn="ctr">
               <a:buNone/>
             </a:pPr>
-            <a:endParaRPr b="0" lang="de-DE" sz="1800" spc="-1" strike="noStrike">
+            <a:endParaRPr b="0" lang="de-DE" sz="4400" spc="-1" strike="noStrike">
               <a:solidFill>
                 <a:srgbClr val="000000"/>
               </a:solidFill>
@@ -1892,15 +1830,12 @@
           </a:bodyPr>
           <a:p>
             <a:pPr indent="0">
-              <a:lnSpc>
-                <a:spcPct val="90000"/>
-              </a:lnSpc>
               <a:spcBef>
                 <a:spcPts val="1417"/>
               </a:spcBef>
               <a:buNone/>
             </a:pPr>
-            <a:endParaRPr b="0" lang="de-DE" sz="2800" spc="-1" strike="noStrike">
+            <a:endParaRPr b="0" lang="de-DE" sz="3200" spc="-1" strike="noStrike">
               <a:solidFill>
                 <a:srgbClr val="000000"/>
               </a:solidFill>
@@ -1938,15 +1873,12 @@
           </a:bodyPr>
           <a:p>
             <a:pPr indent="0">
-              <a:lnSpc>
-                <a:spcPct val="90000"/>
-              </a:lnSpc>
               <a:spcBef>
                 <a:spcPts val="1417"/>
               </a:spcBef>
               <a:buNone/>
             </a:pPr>
-            <a:endParaRPr b="0" lang="de-DE" sz="2800" spc="-1" strike="noStrike">
+            <a:endParaRPr b="0" lang="de-DE" sz="3200" spc="-1" strike="noStrike">
               <a:solidFill>
                 <a:srgbClr val="000000"/>
               </a:solidFill>
@@ -1984,15 +1916,12 @@
           </a:bodyPr>
           <a:p>
             <a:pPr indent="0">
-              <a:lnSpc>
-                <a:spcPct val="90000"/>
-              </a:lnSpc>
               <a:spcBef>
                 <a:spcPts val="1417"/>
               </a:spcBef>
               <a:buNone/>
             </a:pPr>
-            <a:endParaRPr b="0" lang="de-DE" sz="2800" spc="-1" strike="noStrike">
+            <a:endParaRPr b="0" lang="de-DE" sz="3200" spc="-1" strike="noStrike">
               <a:solidFill>
                 <a:srgbClr val="000000"/>
               </a:solidFill>
@@ -2051,10 +1980,10 @@
             <a:noAutofit/>
           </a:bodyPr>
           <a:p>
-            <a:pPr indent="0">
+            <a:pPr indent="0" algn="ctr">
               <a:buNone/>
             </a:pPr>
-            <a:endParaRPr b="0" lang="de-DE" sz="1800" spc="-1" strike="noStrike">
+            <a:endParaRPr b="0" lang="de-DE" sz="4400" spc="-1" strike="noStrike">
               <a:solidFill>
                 <a:srgbClr val="000000"/>
               </a:solidFill>
@@ -2092,15 +2021,12 @@
           </a:bodyPr>
           <a:p>
             <a:pPr indent="0">
-              <a:lnSpc>
-                <a:spcPct val="90000"/>
-              </a:lnSpc>
               <a:spcBef>
                 <a:spcPts val="1417"/>
               </a:spcBef>
               <a:buNone/>
             </a:pPr>
-            <a:endParaRPr b="0" lang="de-DE" sz="2800" spc="-1" strike="noStrike">
+            <a:endParaRPr b="0" lang="de-DE" sz="3200" spc="-1" strike="noStrike">
               <a:solidFill>
                 <a:srgbClr val="000000"/>
               </a:solidFill>
@@ -2138,15 +2064,12 @@
           </a:bodyPr>
           <a:p>
             <a:pPr indent="0">
-              <a:lnSpc>
-                <a:spcPct val="90000"/>
-              </a:lnSpc>
               <a:spcBef>
                 <a:spcPts val="1417"/>
               </a:spcBef>
               <a:buNone/>
             </a:pPr>
-            <a:endParaRPr b="0" lang="de-DE" sz="2800" spc="-1" strike="noStrike">
+            <a:endParaRPr b="0" lang="de-DE" sz="3200" spc="-1" strike="noStrike">
               <a:solidFill>
                 <a:srgbClr val="000000"/>
               </a:solidFill>
@@ -2205,10 +2128,10 @@
             <a:noAutofit/>
           </a:bodyPr>
           <a:p>
-            <a:pPr indent="0">
+            <a:pPr indent="0" algn="ctr">
               <a:buNone/>
             </a:pPr>
-            <a:endParaRPr b="0" lang="de-DE" sz="1800" spc="-1" strike="noStrike">
+            <a:endParaRPr b="0" lang="de-DE" sz="4400" spc="-1" strike="noStrike">
               <a:solidFill>
                 <a:srgbClr val="000000"/>
               </a:solidFill>
@@ -2246,15 +2169,12 @@
           </a:bodyPr>
           <a:p>
             <a:pPr indent="0">
-              <a:lnSpc>
-                <a:spcPct val="90000"/>
-              </a:lnSpc>
               <a:spcBef>
                 <a:spcPts val="1417"/>
               </a:spcBef>
               <a:buNone/>
             </a:pPr>
-            <a:endParaRPr b="0" lang="de-DE" sz="2800" spc="-1" strike="noStrike">
+            <a:endParaRPr b="0" lang="de-DE" sz="3200" spc="-1" strike="noStrike">
               <a:solidFill>
                 <a:srgbClr val="000000"/>
               </a:solidFill>
@@ -2292,15 +2212,12 @@
           </a:bodyPr>
           <a:p>
             <a:pPr indent="0">
-              <a:lnSpc>
-                <a:spcPct val="90000"/>
-              </a:lnSpc>
               <a:spcBef>
                 <a:spcPts val="1417"/>
               </a:spcBef>
               <a:buNone/>
             </a:pPr>
-            <a:endParaRPr b="0" lang="de-DE" sz="2800" spc="-1" strike="noStrike">
+            <a:endParaRPr b="0" lang="de-DE" sz="3200" spc="-1" strike="noStrike">
               <a:solidFill>
                 <a:srgbClr val="000000"/>
               </a:solidFill>
@@ -2338,15 +2255,12 @@
           </a:bodyPr>
           <a:p>
             <a:pPr indent="0">
-              <a:lnSpc>
-                <a:spcPct val="90000"/>
-              </a:lnSpc>
               <a:spcBef>
                 <a:spcPts val="1417"/>
               </a:spcBef>
               <a:buNone/>
             </a:pPr>
-            <a:endParaRPr b="0" lang="de-DE" sz="2800" spc="-1" strike="noStrike">
+            <a:endParaRPr b="0" lang="de-DE" sz="3200" spc="-1" strike="noStrike">
               <a:solidFill>
                 <a:srgbClr val="000000"/>
               </a:solidFill>
@@ -2384,15 +2298,12 @@
           </a:bodyPr>
           <a:p>
             <a:pPr indent="0">
-              <a:lnSpc>
-                <a:spcPct val="90000"/>
-              </a:lnSpc>
               <a:spcBef>
                 <a:spcPts val="1417"/>
               </a:spcBef>
               <a:buNone/>
             </a:pPr>
-            <a:endParaRPr b="0" lang="de-DE" sz="2800" spc="-1" strike="noStrike">
+            <a:endParaRPr b="0" lang="de-DE" sz="3200" spc="-1" strike="noStrike">
               <a:solidFill>
                 <a:srgbClr val="000000"/>
               </a:solidFill>
@@ -2451,10 +2362,10 @@
             <a:noAutofit/>
           </a:bodyPr>
           <a:p>
-            <a:pPr indent="0">
+            <a:pPr indent="0" algn="ctr">
               <a:buNone/>
             </a:pPr>
-            <a:endParaRPr b="0" lang="de-DE" sz="1800" spc="-1" strike="noStrike">
+            <a:endParaRPr b="0" lang="de-DE" sz="4400" spc="-1" strike="noStrike">
               <a:solidFill>
                 <a:srgbClr val="000000"/>
               </a:solidFill>
@@ -2492,15 +2403,12 @@
           </a:bodyPr>
           <a:p>
             <a:pPr indent="0">
-              <a:lnSpc>
-                <a:spcPct val="90000"/>
-              </a:lnSpc>
               <a:spcBef>
                 <a:spcPts val="1417"/>
               </a:spcBef>
               <a:buNone/>
             </a:pPr>
-            <a:endParaRPr b="0" lang="de-DE" sz="2800" spc="-1" strike="noStrike">
+            <a:endParaRPr b="0" lang="de-DE" sz="3200" spc="-1" strike="noStrike">
               <a:solidFill>
                 <a:srgbClr val="000000"/>
               </a:solidFill>
@@ -2538,15 +2446,12 @@
           </a:bodyPr>
           <a:p>
             <a:pPr indent="0">
-              <a:lnSpc>
-                <a:spcPct val="90000"/>
-              </a:lnSpc>
               <a:spcBef>
                 <a:spcPts val="1417"/>
               </a:spcBef>
               <a:buNone/>
             </a:pPr>
-            <a:endParaRPr b="0" lang="de-DE" sz="2800" spc="-1" strike="noStrike">
+            <a:endParaRPr b="0" lang="de-DE" sz="3200" spc="-1" strike="noStrike">
               <a:solidFill>
                 <a:srgbClr val="000000"/>
               </a:solidFill>
@@ -2584,15 +2489,12 @@
           </a:bodyPr>
           <a:p>
             <a:pPr indent="0">
-              <a:lnSpc>
-                <a:spcPct val="90000"/>
-              </a:lnSpc>
               <a:spcBef>
                 <a:spcPts val="1417"/>
               </a:spcBef>
               <a:buNone/>
             </a:pPr>
-            <a:endParaRPr b="0" lang="de-DE" sz="2800" spc="-1" strike="noStrike">
+            <a:endParaRPr b="0" lang="de-DE" sz="3200" spc="-1" strike="noStrike">
               <a:solidFill>
                 <a:srgbClr val="000000"/>
               </a:solidFill>
@@ -2630,15 +2532,12 @@
           </a:bodyPr>
           <a:p>
             <a:pPr indent="0">
-              <a:lnSpc>
-                <a:spcPct val="90000"/>
-              </a:lnSpc>
               <a:spcBef>
                 <a:spcPts val="1417"/>
               </a:spcBef>
               <a:buNone/>
             </a:pPr>
-            <a:endParaRPr b="0" lang="de-DE" sz="2800" spc="-1" strike="noStrike">
+            <a:endParaRPr b="0" lang="de-DE" sz="3200" spc="-1" strike="noStrike">
               <a:solidFill>
                 <a:srgbClr val="000000"/>
               </a:solidFill>
@@ -2676,15 +2575,12 @@
           </a:bodyPr>
           <a:p>
             <a:pPr indent="0">
-              <a:lnSpc>
-                <a:spcPct val="90000"/>
-              </a:lnSpc>
               <a:spcBef>
                 <a:spcPts val="1417"/>
               </a:spcBef>
               <a:buNone/>
             </a:pPr>
-            <a:endParaRPr b="0" lang="de-DE" sz="2800" spc="-1" strike="noStrike">
+            <a:endParaRPr b="0" lang="de-DE" sz="3200" spc="-1" strike="noStrike">
               <a:solidFill>
                 <a:srgbClr val="000000"/>
               </a:solidFill>
@@ -2722,15 +2618,12 @@
           </a:bodyPr>
           <a:p>
             <a:pPr indent="0">
-              <a:lnSpc>
-                <a:spcPct val="90000"/>
-              </a:lnSpc>
               <a:spcBef>
                 <a:spcPts val="1417"/>
               </a:spcBef>
               <a:buNone/>
             </a:pPr>
-            <a:endParaRPr b="0" lang="de-DE" sz="2800" spc="-1" strike="noStrike">
+            <a:endParaRPr b="0" lang="de-DE" sz="3200" spc="-1" strike="noStrike">
               <a:solidFill>
                 <a:srgbClr val="000000"/>
               </a:solidFill>
@@ -2811,10 +2704,10 @@
             <a:noAutofit/>
           </a:bodyPr>
           <a:p>
-            <a:pPr indent="0">
+            <a:pPr indent="0" algn="ctr">
               <a:buNone/>
             </a:pPr>
-            <a:endParaRPr b="0" lang="de-DE" sz="1800" spc="-1" strike="noStrike">
+            <a:endParaRPr b="0" lang="de-DE" sz="4400" spc="-1" strike="noStrike">
               <a:solidFill>
                 <a:srgbClr val="000000"/>
               </a:solidFill>
@@ -2913,10 +2806,10 @@
             <a:noAutofit/>
           </a:bodyPr>
           <a:p>
-            <a:pPr indent="0">
+            <a:pPr indent="0" algn="ctr">
               <a:buNone/>
             </a:pPr>
-            <a:endParaRPr b="0" lang="de-DE" sz="1800" spc="-1" strike="noStrike">
+            <a:endParaRPr b="0" lang="de-DE" sz="4400" spc="-1" strike="noStrike">
               <a:solidFill>
                 <a:srgbClr val="000000"/>
               </a:solidFill>
@@ -2954,15 +2847,12 @@
           </a:bodyPr>
           <a:p>
             <a:pPr indent="0">
-              <a:lnSpc>
-                <a:spcPct val="90000"/>
-              </a:lnSpc>
               <a:spcBef>
                 <a:spcPts val="1417"/>
               </a:spcBef>
               <a:buNone/>
             </a:pPr>
-            <a:endParaRPr b="0" lang="de-DE" sz="2800" spc="-1" strike="noStrike">
+            <a:endParaRPr b="0" lang="de-DE" sz="3200" spc="-1" strike="noStrike">
               <a:solidFill>
                 <a:srgbClr val="000000"/>
               </a:solidFill>
@@ -3021,10 +2911,10 @@
             <a:noAutofit/>
           </a:bodyPr>
           <a:p>
-            <a:pPr indent="0">
+            <a:pPr indent="0" algn="ctr">
               <a:buNone/>
             </a:pPr>
-            <a:endParaRPr b="0" lang="de-DE" sz="1800" spc="-1" strike="noStrike">
+            <a:endParaRPr b="0" lang="de-DE" sz="4400" spc="-1" strike="noStrike">
               <a:solidFill>
                 <a:srgbClr val="000000"/>
               </a:solidFill>
@@ -3062,15 +2952,12 @@
           </a:bodyPr>
           <a:p>
             <a:pPr indent="0">
-              <a:lnSpc>
-                <a:spcPct val="90000"/>
-              </a:lnSpc>
               <a:spcBef>
                 <a:spcPts val="1417"/>
               </a:spcBef>
               <a:buNone/>
             </a:pPr>
-            <a:endParaRPr b="0" lang="de-DE" sz="2800" spc="-1" strike="noStrike">
+            <a:endParaRPr b="0" lang="de-DE" sz="3200" spc="-1" strike="noStrike">
               <a:solidFill>
                 <a:srgbClr val="000000"/>
               </a:solidFill>
@@ -3108,15 +2995,12 @@
           </a:bodyPr>
           <a:p>
             <a:pPr indent="0">
-              <a:lnSpc>
-                <a:spcPct val="90000"/>
-              </a:lnSpc>
               <a:spcBef>
                 <a:spcPts val="1417"/>
               </a:spcBef>
               <a:buNone/>
             </a:pPr>
-            <a:endParaRPr b="0" lang="de-DE" sz="2800" spc="-1" strike="noStrike">
+            <a:endParaRPr b="0" lang="de-DE" sz="3200" spc="-1" strike="noStrike">
               <a:solidFill>
                 <a:srgbClr val="000000"/>
               </a:solidFill>
@@ -3175,10 +3059,10 @@
             <a:noAutofit/>
           </a:bodyPr>
           <a:p>
-            <a:pPr indent="0">
+            <a:pPr indent="0" algn="ctr">
               <a:buNone/>
             </a:pPr>
-            <a:endParaRPr b="0" lang="de-DE" sz="1800" spc="-1" strike="noStrike">
+            <a:endParaRPr b="0" lang="de-DE" sz="4400" spc="-1" strike="noStrike">
               <a:solidFill>
                 <a:srgbClr val="000000"/>
               </a:solidFill>
@@ -3237,10 +3121,10 @@
             <a:noAutofit/>
           </a:bodyPr>
           <a:p>
-            <a:pPr indent="0">
+            <a:pPr indent="0" algn="ctr">
               <a:buNone/>
             </a:pPr>
-            <a:endParaRPr b="0" lang="de-DE" sz="1800" spc="-1" strike="noStrike">
+            <a:endParaRPr b="0" lang="de-DE" sz="4400" spc="-1" strike="noStrike">
               <a:solidFill>
                 <a:srgbClr val="000000"/>
               </a:solidFill>
@@ -3278,15 +3162,12 @@
           </a:bodyPr>
           <a:p>
             <a:pPr indent="0">
-              <a:lnSpc>
-                <a:spcPct val="90000"/>
-              </a:lnSpc>
               <a:spcBef>
                 <a:spcPts val="1417"/>
               </a:spcBef>
               <a:buNone/>
             </a:pPr>
-            <a:endParaRPr b="0" lang="de-DE" sz="2800" spc="-1" strike="noStrike">
+            <a:endParaRPr b="0" lang="de-DE" sz="3200" spc="-1" strike="noStrike">
               <a:solidFill>
                 <a:srgbClr val="000000"/>
               </a:solidFill>
@@ -3405,10 +3286,10 @@
             <a:noAutofit/>
           </a:bodyPr>
           <a:p>
-            <a:pPr indent="0">
+            <a:pPr indent="0" algn="ctr">
               <a:buNone/>
             </a:pPr>
-            <a:endParaRPr b="0" lang="de-DE" sz="1800" spc="-1" strike="noStrike">
+            <a:endParaRPr b="0" lang="de-DE" sz="4400" spc="-1" strike="noStrike">
               <a:solidFill>
                 <a:srgbClr val="000000"/>
               </a:solidFill>
@@ -3446,15 +3327,12 @@
           </a:bodyPr>
           <a:p>
             <a:pPr indent="0">
-              <a:lnSpc>
-                <a:spcPct val="90000"/>
-              </a:lnSpc>
               <a:spcBef>
                 <a:spcPts val="1417"/>
               </a:spcBef>
               <a:buNone/>
             </a:pPr>
-            <a:endParaRPr b="0" lang="de-DE" sz="2800" spc="-1" strike="noStrike">
+            <a:endParaRPr b="0" lang="de-DE" sz="3200" spc="-1" strike="noStrike">
               <a:solidFill>
                 <a:srgbClr val="000000"/>
               </a:solidFill>
@@ -3492,15 +3370,12 @@
           </a:bodyPr>
           <a:p>
             <a:pPr indent="0">
-              <a:lnSpc>
-                <a:spcPct val="90000"/>
-              </a:lnSpc>
               <a:spcBef>
                 <a:spcPts val="1417"/>
               </a:spcBef>
               <a:buNone/>
             </a:pPr>
-            <a:endParaRPr b="0" lang="de-DE" sz="2800" spc="-1" strike="noStrike">
+            <a:endParaRPr b="0" lang="de-DE" sz="3200" spc="-1" strike="noStrike">
               <a:solidFill>
                 <a:srgbClr val="000000"/>
               </a:solidFill>
@@ -3538,15 +3413,12 @@
           </a:bodyPr>
           <a:p>
             <a:pPr indent="0">
-              <a:lnSpc>
-                <a:spcPct val="90000"/>
-              </a:lnSpc>
               <a:spcBef>
                 <a:spcPts val="1417"/>
               </a:spcBef>
               <a:buNone/>
             </a:pPr>
-            <a:endParaRPr b="0" lang="de-DE" sz="2800" spc="-1" strike="noStrike">
+            <a:endParaRPr b="0" lang="de-DE" sz="3200" spc="-1" strike="noStrike">
               <a:solidFill>
                 <a:srgbClr val="000000"/>
               </a:solidFill>
@@ -3605,10 +3477,10 @@
             <a:noAutofit/>
           </a:bodyPr>
           <a:p>
-            <a:pPr indent="0">
+            <a:pPr indent="0" algn="ctr">
               <a:buNone/>
             </a:pPr>
-            <a:endParaRPr b="0" lang="de-DE" sz="1800" spc="-1" strike="noStrike">
+            <a:endParaRPr b="0" lang="de-DE" sz="4400" spc="-1" strike="noStrike">
               <a:solidFill>
                 <a:srgbClr val="000000"/>
               </a:solidFill>
@@ -3646,15 +3518,12 @@
           </a:bodyPr>
           <a:p>
             <a:pPr indent="0">
-              <a:lnSpc>
-                <a:spcPct val="90000"/>
-              </a:lnSpc>
               <a:spcBef>
                 <a:spcPts val="1417"/>
               </a:spcBef>
               <a:buNone/>
             </a:pPr>
-            <a:endParaRPr b="0" lang="de-DE" sz="2800" spc="-1" strike="noStrike">
+            <a:endParaRPr b="0" lang="de-DE" sz="3200" spc="-1" strike="noStrike">
               <a:solidFill>
                 <a:srgbClr val="000000"/>
               </a:solidFill>
@@ -3692,15 +3561,12 @@
           </a:bodyPr>
           <a:p>
             <a:pPr indent="0">
-              <a:lnSpc>
-                <a:spcPct val="90000"/>
-              </a:lnSpc>
               <a:spcBef>
                 <a:spcPts val="1417"/>
               </a:spcBef>
               <a:buNone/>
             </a:pPr>
-            <a:endParaRPr b="0" lang="de-DE" sz="2800" spc="-1" strike="noStrike">
+            <a:endParaRPr b="0" lang="de-DE" sz="3200" spc="-1" strike="noStrike">
               <a:solidFill>
                 <a:srgbClr val="000000"/>
               </a:solidFill>
@@ -3738,15 +3604,12 @@
           </a:bodyPr>
           <a:p>
             <a:pPr indent="0">
-              <a:lnSpc>
-                <a:spcPct val="90000"/>
-              </a:lnSpc>
               <a:spcBef>
                 <a:spcPts val="1417"/>
               </a:spcBef>
               <a:buNone/>
             </a:pPr>
-            <a:endParaRPr b="0" lang="de-DE" sz="2800" spc="-1" strike="noStrike">
+            <a:endParaRPr b="0" lang="de-DE" sz="3200" spc="-1" strike="noStrike">
               <a:solidFill>
                 <a:srgbClr val="000000"/>
               </a:solidFill>
@@ -3805,10 +3668,10 @@
             <a:noAutofit/>
           </a:bodyPr>
           <a:p>
-            <a:pPr indent="0">
+            <a:pPr indent="0" algn="ctr">
               <a:buNone/>
             </a:pPr>
-            <a:endParaRPr b="0" lang="de-DE" sz="1800" spc="-1" strike="noStrike">
+            <a:endParaRPr b="0" lang="de-DE" sz="4400" spc="-1" strike="noStrike">
               <a:solidFill>
                 <a:srgbClr val="000000"/>
               </a:solidFill>
@@ -3846,15 +3709,12 @@
           </a:bodyPr>
           <a:p>
             <a:pPr indent="0">
-              <a:lnSpc>
-                <a:spcPct val="90000"/>
-              </a:lnSpc>
               <a:spcBef>
                 <a:spcPts val="1417"/>
               </a:spcBef>
               <a:buNone/>
             </a:pPr>
-            <a:endParaRPr b="0" lang="de-DE" sz="2800" spc="-1" strike="noStrike">
+            <a:endParaRPr b="0" lang="de-DE" sz="3200" spc="-1" strike="noStrike">
               <a:solidFill>
                 <a:srgbClr val="000000"/>
               </a:solidFill>
@@ -3892,15 +3752,12 @@
           </a:bodyPr>
           <a:p>
             <a:pPr indent="0">
-              <a:lnSpc>
-                <a:spcPct val="90000"/>
-              </a:lnSpc>
               <a:spcBef>
                 <a:spcPts val="1417"/>
               </a:spcBef>
               <a:buNone/>
             </a:pPr>
-            <a:endParaRPr b="0" lang="de-DE" sz="2800" spc="-1" strike="noStrike">
+            <a:endParaRPr b="0" lang="de-DE" sz="3200" spc="-1" strike="noStrike">
               <a:solidFill>
                 <a:srgbClr val="000000"/>
               </a:solidFill>
@@ -3938,15 +3795,12 @@
           </a:bodyPr>
           <a:p>
             <a:pPr indent="0">
-              <a:lnSpc>
-                <a:spcPct val="90000"/>
-              </a:lnSpc>
               <a:spcBef>
                 <a:spcPts val="1417"/>
               </a:spcBef>
               <a:buNone/>
             </a:pPr>
-            <a:endParaRPr b="0" lang="de-DE" sz="2800" spc="-1" strike="noStrike">
+            <a:endParaRPr b="0" lang="de-DE" sz="3200" spc="-1" strike="noStrike">
               <a:solidFill>
                 <a:srgbClr val="000000"/>
               </a:solidFill>
@@ -4005,10 +3859,10 @@
             <a:noAutofit/>
           </a:bodyPr>
           <a:p>
-            <a:pPr indent="0">
+            <a:pPr indent="0" algn="ctr">
               <a:buNone/>
             </a:pPr>
-            <a:endParaRPr b="0" lang="de-DE" sz="1800" spc="-1" strike="noStrike">
+            <a:endParaRPr b="0" lang="de-DE" sz="4400" spc="-1" strike="noStrike">
               <a:solidFill>
                 <a:srgbClr val="000000"/>
               </a:solidFill>
@@ -4046,15 +3900,12 @@
           </a:bodyPr>
           <a:p>
             <a:pPr indent="0">
-              <a:lnSpc>
-                <a:spcPct val="90000"/>
-              </a:lnSpc>
               <a:spcBef>
                 <a:spcPts val="1417"/>
               </a:spcBef>
               <a:buNone/>
             </a:pPr>
-            <a:endParaRPr b="0" lang="de-DE" sz="2800" spc="-1" strike="noStrike">
+            <a:endParaRPr b="0" lang="de-DE" sz="3200" spc="-1" strike="noStrike">
               <a:solidFill>
                 <a:srgbClr val="000000"/>
               </a:solidFill>
@@ -4092,15 +3943,12 @@
           </a:bodyPr>
           <a:p>
             <a:pPr indent="0">
-              <a:lnSpc>
-                <a:spcPct val="90000"/>
-              </a:lnSpc>
               <a:spcBef>
                 <a:spcPts val="1417"/>
               </a:spcBef>
               <a:buNone/>
             </a:pPr>
-            <a:endParaRPr b="0" lang="de-DE" sz="2800" spc="-1" strike="noStrike">
+            <a:endParaRPr b="0" lang="de-DE" sz="3200" spc="-1" strike="noStrike">
               <a:solidFill>
                 <a:srgbClr val="000000"/>
               </a:solidFill>
@@ -4159,10 +4007,10 @@
             <a:noAutofit/>
           </a:bodyPr>
           <a:p>
-            <a:pPr indent="0">
+            <a:pPr indent="0" algn="ctr">
               <a:buNone/>
             </a:pPr>
-            <a:endParaRPr b="0" lang="de-DE" sz="1800" spc="-1" strike="noStrike">
+            <a:endParaRPr b="0" lang="de-DE" sz="4400" spc="-1" strike="noStrike">
               <a:solidFill>
                 <a:srgbClr val="000000"/>
               </a:solidFill>
@@ -4200,15 +4048,12 @@
           </a:bodyPr>
           <a:p>
             <a:pPr indent="0">
-              <a:lnSpc>
-                <a:spcPct val="90000"/>
-              </a:lnSpc>
               <a:spcBef>
                 <a:spcPts val="1417"/>
               </a:spcBef>
               <a:buNone/>
             </a:pPr>
-            <a:endParaRPr b="0" lang="de-DE" sz="2800" spc="-1" strike="noStrike">
+            <a:endParaRPr b="0" lang="de-DE" sz="3200" spc="-1" strike="noStrike">
               <a:solidFill>
                 <a:srgbClr val="000000"/>
               </a:solidFill>
@@ -4246,15 +4091,12 @@
           </a:bodyPr>
           <a:p>
             <a:pPr indent="0">
-              <a:lnSpc>
-                <a:spcPct val="90000"/>
-              </a:lnSpc>
               <a:spcBef>
                 <a:spcPts val="1417"/>
               </a:spcBef>
               <a:buNone/>
             </a:pPr>
-            <a:endParaRPr b="0" lang="de-DE" sz="2800" spc="-1" strike="noStrike">
+            <a:endParaRPr b="0" lang="de-DE" sz="3200" spc="-1" strike="noStrike">
               <a:solidFill>
                 <a:srgbClr val="000000"/>
               </a:solidFill>
@@ -4292,15 +4134,12 @@
           </a:bodyPr>
           <a:p>
             <a:pPr indent="0">
-              <a:lnSpc>
-                <a:spcPct val="90000"/>
-              </a:lnSpc>
               <a:spcBef>
                 <a:spcPts val="1417"/>
               </a:spcBef>
               <a:buNone/>
             </a:pPr>
-            <a:endParaRPr b="0" lang="de-DE" sz="2800" spc="-1" strike="noStrike">
+            <a:endParaRPr b="0" lang="de-DE" sz="3200" spc="-1" strike="noStrike">
               <a:solidFill>
                 <a:srgbClr val="000000"/>
               </a:solidFill>
@@ -4338,15 +4177,12 @@
           </a:bodyPr>
           <a:p>
             <a:pPr indent="0">
-              <a:lnSpc>
-                <a:spcPct val="90000"/>
-              </a:lnSpc>
               <a:spcBef>
                 <a:spcPts val="1417"/>
               </a:spcBef>
               <a:buNone/>
             </a:pPr>
-            <a:endParaRPr b="0" lang="de-DE" sz="2800" spc="-1" strike="noStrike">
+            <a:endParaRPr b="0" lang="de-DE" sz="3200" spc="-1" strike="noStrike">
               <a:solidFill>
                 <a:srgbClr val="000000"/>
               </a:solidFill>
@@ -4405,10 +4241,10 @@
             <a:noAutofit/>
           </a:bodyPr>
           <a:p>
-            <a:pPr indent="0">
+            <a:pPr indent="0" algn="ctr">
               <a:buNone/>
             </a:pPr>
-            <a:endParaRPr b="0" lang="de-DE" sz="1800" spc="-1" strike="noStrike">
+            <a:endParaRPr b="0" lang="de-DE" sz="4400" spc="-1" strike="noStrike">
               <a:solidFill>
                 <a:srgbClr val="000000"/>
               </a:solidFill>
@@ -4446,15 +4282,12 @@
           </a:bodyPr>
           <a:p>
             <a:pPr indent="0">
-              <a:lnSpc>
-                <a:spcPct val="90000"/>
-              </a:lnSpc>
               <a:spcBef>
                 <a:spcPts val="1417"/>
               </a:spcBef>
               <a:buNone/>
             </a:pPr>
-            <a:endParaRPr b="0" lang="de-DE" sz="2800" spc="-1" strike="noStrike">
+            <a:endParaRPr b="0" lang="de-DE" sz="3200" spc="-1" strike="noStrike">
               <a:solidFill>
                 <a:srgbClr val="000000"/>
               </a:solidFill>
@@ -4492,15 +4325,12 @@
           </a:bodyPr>
           <a:p>
             <a:pPr indent="0">
-              <a:lnSpc>
-                <a:spcPct val="90000"/>
-              </a:lnSpc>
               <a:spcBef>
                 <a:spcPts val="1417"/>
               </a:spcBef>
               <a:buNone/>
             </a:pPr>
-            <a:endParaRPr b="0" lang="de-DE" sz="2800" spc="-1" strike="noStrike">
+            <a:endParaRPr b="0" lang="de-DE" sz="3200" spc="-1" strike="noStrike">
               <a:solidFill>
                 <a:srgbClr val="000000"/>
               </a:solidFill>
@@ -4538,15 +4368,12 @@
           </a:bodyPr>
           <a:p>
             <a:pPr indent="0">
-              <a:lnSpc>
-                <a:spcPct val="90000"/>
-              </a:lnSpc>
               <a:spcBef>
                 <a:spcPts val="1417"/>
               </a:spcBef>
               <a:buNone/>
             </a:pPr>
-            <a:endParaRPr b="0" lang="de-DE" sz="2800" spc="-1" strike="noStrike">
+            <a:endParaRPr b="0" lang="de-DE" sz="3200" spc="-1" strike="noStrike">
               <a:solidFill>
                 <a:srgbClr val="000000"/>
               </a:solidFill>
@@ -4584,15 +4411,12 @@
           </a:bodyPr>
           <a:p>
             <a:pPr indent="0">
-              <a:lnSpc>
-                <a:spcPct val="90000"/>
-              </a:lnSpc>
               <a:spcBef>
                 <a:spcPts val="1417"/>
               </a:spcBef>
               <a:buNone/>
             </a:pPr>
-            <a:endParaRPr b="0" lang="de-DE" sz="2800" spc="-1" strike="noStrike">
+            <a:endParaRPr b="0" lang="de-DE" sz="3200" spc="-1" strike="noStrike">
               <a:solidFill>
                 <a:srgbClr val="000000"/>
               </a:solidFill>
@@ -4630,15 +4454,12 @@
           </a:bodyPr>
           <a:p>
             <a:pPr indent="0">
-              <a:lnSpc>
-                <a:spcPct val="90000"/>
-              </a:lnSpc>
               <a:spcBef>
                 <a:spcPts val="1417"/>
               </a:spcBef>
               <a:buNone/>
             </a:pPr>
-            <a:endParaRPr b="0" lang="de-DE" sz="2800" spc="-1" strike="noStrike">
+            <a:endParaRPr b="0" lang="de-DE" sz="3200" spc="-1" strike="noStrike">
               <a:solidFill>
                 <a:srgbClr val="000000"/>
               </a:solidFill>
@@ -4676,15 +4497,12 @@
           </a:bodyPr>
           <a:p>
             <a:pPr indent="0">
-              <a:lnSpc>
-                <a:spcPct val="90000"/>
-              </a:lnSpc>
               <a:spcBef>
                 <a:spcPts val="1417"/>
               </a:spcBef>
               <a:buNone/>
             </a:pPr>
-            <a:endParaRPr b="0" lang="de-DE" sz="2800" spc="-1" strike="noStrike">
+            <a:endParaRPr b="0" lang="de-DE" sz="3200" spc="-1" strike="noStrike">
               <a:solidFill>
                 <a:srgbClr val="000000"/>
               </a:solidFill>
@@ -4765,10 +4583,10 @@
             <a:noAutofit/>
           </a:bodyPr>
           <a:p>
-            <a:pPr indent="0">
+            <a:pPr indent="0" algn="ctr">
               <a:buNone/>
             </a:pPr>
-            <a:endParaRPr b="0" lang="de-DE" sz="1800" spc="-1" strike="noStrike">
+            <a:endParaRPr b="0" lang="de-DE" sz="4400" spc="-1" strike="noStrike">
               <a:solidFill>
                 <a:srgbClr val="000000"/>
               </a:solidFill>
@@ -4867,10 +4685,10 @@
             <a:noAutofit/>
           </a:bodyPr>
           <a:p>
-            <a:pPr indent="0">
+            <a:pPr indent="0" algn="ctr">
               <a:buNone/>
             </a:pPr>
-            <a:endParaRPr b="0" lang="de-DE" sz="1800" spc="-1" strike="noStrike">
+            <a:endParaRPr b="0" lang="de-DE" sz="4400" spc="-1" strike="noStrike">
               <a:solidFill>
                 <a:srgbClr val="000000"/>
               </a:solidFill>
@@ -4908,15 +4726,12 @@
           </a:bodyPr>
           <a:p>
             <a:pPr indent="0">
-              <a:lnSpc>
-                <a:spcPct val="90000"/>
-              </a:lnSpc>
               <a:spcBef>
                 <a:spcPts val="1417"/>
               </a:spcBef>
               <a:buNone/>
             </a:pPr>
-            <a:endParaRPr b="0" lang="de-DE" sz="2800" spc="-1" strike="noStrike">
+            <a:endParaRPr b="0" lang="de-DE" sz="3200" spc="-1" strike="noStrike">
               <a:solidFill>
                 <a:srgbClr val="000000"/>
               </a:solidFill>
@@ -4975,10 +4790,10 @@
             <a:noAutofit/>
           </a:bodyPr>
           <a:p>
-            <a:pPr indent="0">
+            <a:pPr indent="0" algn="ctr">
               <a:buNone/>
             </a:pPr>
-            <a:endParaRPr b="0" lang="de-DE" sz="1800" spc="-1" strike="noStrike">
+            <a:endParaRPr b="0" lang="de-DE" sz="4400" spc="-1" strike="noStrike">
               <a:solidFill>
                 <a:srgbClr val="000000"/>
               </a:solidFill>
@@ -5016,15 +4831,12 @@
           </a:bodyPr>
           <a:p>
             <a:pPr indent="0">
-              <a:lnSpc>
-                <a:spcPct val="90000"/>
-              </a:lnSpc>
               <a:spcBef>
                 <a:spcPts val="1417"/>
               </a:spcBef>
               <a:buNone/>
             </a:pPr>
-            <a:endParaRPr b="0" lang="de-DE" sz="2800" spc="-1" strike="noStrike">
+            <a:endParaRPr b="0" lang="de-DE" sz="3200" spc="-1" strike="noStrike">
               <a:solidFill>
                 <a:srgbClr val="000000"/>
               </a:solidFill>
@@ -5062,15 +4874,12 @@
           </a:bodyPr>
           <a:p>
             <a:pPr indent="0">
-              <a:lnSpc>
-                <a:spcPct val="90000"/>
-              </a:lnSpc>
               <a:spcBef>
                 <a:spcPts val="1417"/>
               </a:spcBef>
               <a:buNone/>
             </a:pPr>
-            <a:endParaRPr b="0" lang="de-DE" sz="2800" spc="-1" strike="noStrike">
+            <a:endParaRPr b="0" lang="de-DE" sz="3200" spc="-1" strike="noStrike">
               <a:solidFill>
                 <a:srgbClr val="000000"/>
               </a:solidFill>
@@ -5129,10 +4938,10 @@
             <a:noAutofit/>
           </a:bodyPr>
           <a:p>
-            <a:pPr indent="0">
+            <a:pPr indent="0" algn="ctr">
               <a:buNone/>
             </a:pPr>
-            <a:endParaRPr b="0" lang="de-DE" sz="1800" spc="-1" strike="noStrike">
+            <a:endParaRPr b="0" lang="de-DE" sz="4400" spc="-1" strike="noStrike">
               <a:solidFill>
                 <a:srgbClr val="000000"/>
               </a:solidFill>
@@ -5170,15 +4979,12 @@
           </a:bodyPr>
           <a:p>
             <a:pPr indent="0">
-              <a:lnSpc>
-                <a:spcPct val="90000"/>
-              </a:lnSpc>
               <a:spcBef>
                 <a:spcPts val="1417"/>
               </a:spcBef>
               <a:buNone/>
             </a:pPr>
-            <a:endParaRPr b="0" lang="de-DE" sz="2800" spc="-1" strike="noStrike">
+            <a:endParaRPr b="0" lang="de-DE" sz="3200" spc="-1" strike="noStrike">
               <a:solidFill>
                 <a:srgbClr val="000000"/>
               </a:solidFill>
@@ -5216,15 +5022,12 @@
           </a:bodyPr>
           <a:p>
             <a:pPr indent="0">
-              <a:lnSpc>
-                <a:spcPct val="90000"/>
-              </a:lnSpc>
               <a:spcBef>
                 <a:spcPts val="1417"/>
               </a:spcBef>
               <a:buNone/>
             </a:pPr>
-            <a:endParaRPr b="0" lang="de-DE" sz="2800" spc="-1" strike="noStrike">
+            <a:endParaRPr b="0" lang="de-DE" sz="3200" spc="-1" strike="noStrike">
               <a:solidFill>
                 <a:srgbClr val="000000"/>
               </a:solidFill>
@@ -5283,10 +5086,10 @@
             <a:noAutofit/>
           </a:bodyPr>
           <a:p>
-            <a:pPr indent="0">
+            <a:pPr indent="0" algn="ctr">
               <a:buNone/>
             </a:pPr>
-            <a:endParaRPr b="0" lang="de-DE" sz="1800" spc="-1" strike="noStrike">
+            <a:endParaRPr b="0" lang="de-DE" sz="4400" spc="-1" strike="noStrike">
               <a:solidFill>
                 <a:srgbClr val="000000"/>
               </a:solidFill>
@@ -5405,10 +5208,10 @@
             <a:noAutofit/>
           </a:bodyPr>
           <a:p>
-            <a:pPr indent="0">
+            <a:pPr indent="0" algn="ctr">
               <a:buNone/>
             </a:pPr>
-            <a:endParaRPr b="0" lang="de-DE" sz="1800" spc="-1" strike="noStrike">
+            <a:endParaRPr b="0" lang="de-DE" sz="4400" spc="-1" strike="noStrike">
               <a:solidFill>
                 <a:srgbClr val="000000"/>
               </a:solidFill>
@@ -5446,15 +5249,12 @@
           </a:bodyPr>
           <a:p>
             <a:pPr indent="0">
-              <a:lnSpc>
-                <a:spcPct val="90000"/>
-              </a:lnSpc>
               <a:spcBef>
                 <a:spcPts val="1417"/>
               </a:spcBef>
               <a:buNone/>
             </a:pPr>
-            <a:endParaRPr b="0" lang="de-DE" sz="2800" spc="-1" strike="noStrike">
+            <a:endParaRPr b="0" lang="de-DE" sz="3200" spc="-1" strike="noStrike">
               <a:solidFill>
                 <a:srgbClr val="000000"/>
               </a:solidFill>
@@ -5492,15 +5292,12 @@
           </a:bodyPr>
           <a:p>
             <a:pPr indent="0">
-              <a:lnSpc>
-                <a:spcPct val="90000"/>
-              </a:lnSpc>
               <a:spcBef>
                 <a:spcPts val="1417"/>
               </a:spcBef>
               <a:buNone/>
             </a:pPr>
-            <a:endParaRPr b="0" lang="de-DE" sz="2800" spc="-1" strike="noStrike">
+            <a:endParaRPr b="0" lang="de-DE" sz="3200" spc="-1" strike="noStrike">
               <a:solidFill>
                 <a:srgbClr val="000000"/>
               </a:solidFill>
@@ -5538,15 +5335,12 @@
           </a:bodyPr>
           <a:p>
             <a:pPr indent="0">
-              <a:lnSpc>
-                <a:spcPct val="90000"/>
-              </a:lnSpc>
               <a:spcBef>
                 <a:spcPts val="1417"/>
               </a:spcBef>
               <a:buNone/>
             </a:pPr>
-            <a:endParaRPr b="0" lang="de-DE" sz="2800" spc="-1" strike="noStrike">
+            <a:endParaRPr b="0" lang="de-DE" sz="3200" spc="-1" strike="noStrike">
               <a:solidFill>
                 <a:srgbClr val="000000"/>
               </a:solidFill>
@@ -5605,10 +5399,10 @@
             <a:noAutofit/>
           </a:bodyPr>
           <a:p>
-            <a:pPr indent="0">
+            <a:pPr indent="0" algn="ctr">
               <a:buNone/>
             </a:pPr>
-            <a:endParaRPr b="0" lang="de-DE" sz="1800" spc="-1" strike="noStrike">
+            <a:endParaRPr b="0" lang="de-DE" sz="4400" spc="-1" strike="noStrike">
               <a:solidFill>
                 <a:srgbClr val="000000"/>
               </a:solidFill>
@@ -5646,15 +5440,12 @@
           </a:bodyPr>
           <a:p>
             <a:pPr indent="0">
-              <a:lnSpc>
-                <a:spcPct val="90000"/>
-              </a:lnSpc>
               <a:spcBef>
                 <a:spcPts val="1417"/>
               </a:spcBef>
               <a:buNone/>
             </a:pPr>
-            <a:endParaRPr b="0" lang="de-DE" sz="2800" spc="-1" strike="noStrike">
+            <a:endParaRPr b="0" lang="de-DE" sz="3200" spc="-1" strike="noStrike">
               <a:solidFill>
                 <a:srgbClr val="000000"/>
               </a:solidFill>
@@ -5692,15 +5483,12 @@
           </a:bodyPr>
           <a:p>
             <a:pPr indent="0">
-              <a:lnSpc>
-                <a:spcPct val="90000"/>
-              </a:lnSpc>
               <a:spcBef>
                 <a:spcPts val="1417"/>
               </a:spcBef>
               <a:buNone/>
             </a:pPr>
-            <a:endParaRPr b="0" lang="de-DE" sz="2800" spc="-1" strike="noStrike">
+            <a:endParaRPr b="0" lang="de-DE" sz="3200" spc="-1" strike="noStrike">
               <a:solidFill>
                 <a:srgbClr val="000000"/>
               </a:solidFill>
@@ -5738,15 +5526,12 @@
           </a:bodyPr>
           <a:p>
             <a:pPr indent="0">
-              <a:lnSpc>
-                <a:spcPct val="90000"/>
-              </a:lnSpc>
               <a:spcBef>
                 <a:spcPts val="1417"/>
               </a:spcBef>
               <a:buNone/>
             </a:pPr>
-            <a:endParaRPr b="0" lang="de-DE" sz="2800" spc="-1" strike="noStrike">
+            <a:endParaRPr b="0" lang="de-DE" sz="3200" spc="-1" strike="noStrike">
               <a:solidFill>
                 <a:srgbClr val="000000"/>
               </a:solidFill>
@@ -5805,10 +5590,10 @@
             <a:noAutofit/>
           </a:bodyPr>
           <a:p>
-            <a:pPr indent="0">
+            <a:pPr indent="0" algn="ctr">
               <a:buNone/>
             </a:pPr>
-            <a:endParaRPr b="0" lang="de-DE" sz="1800" spc="-1" strike="noStrike">
+            <a:endParaRPr b="0" lang="de-DE" sz="4400" spc="-1" strike="noStrike">
               <a:solidFill>
                 <a:srgbClr val="000000"/>
               </a:solidFill>
@@ -5846,15 +5631,12 @@
           </a:bodyPr>
           <a:p>
             <a:pPr indent="0">
-              <a:lnSpc>
-                <a:spcPct val="90000"/>
-              </a:lnSpc>
               <a:spcBef>
                 <a:spcPts val="1417"/>
               </a:spcBef>
               <a:buNone/>
             </a:pPr>
-            <a:endParaRPr b="0" lang="de-DE" sz="2800" spc="-1" strike="noStrike">
+            <a:endParaRPr b="0" lang="de-DE" sz="3200" spc="-1" strike="noStrike">
               <a:solidFill>
                 <a:srgbClr val="000000"/>
               </a:solidFill>
@@ -5892,15 +5674,12 @@
           </a:bodyPr>
           <a:p>
             <a:pPr indent="0">
-              <a:lnSpc>
-                <a:spcPct val="90000"/>
-              </a:lnSpc>
               <a:spcBef>
                 <a:spcPts val="1417"/>
               </a:spcBef>
               <a:buNone/>
             </a:pPr>
-            <a:endParaRPr b="0" lang="de-DE" sz="2800" spc="-1" strike="noStrike">
+            <a:endParaRPr b="0" lang="de-DE" sz="3200" spc="-1" strike="noStrike">
               <a:solidFill>
                 <a:srgbClr val="000000"/>
               </a:solidFill>
@@ -5938,15 +5717,12 @@
           </a:bodyPr>
           <a:p>
             <a:pPr indent="0">
-              <a:lnSpc>
-                <a:spcPct val="90000"/>
-              </a:lnSpc>
               <a:spcBef>
                 <a:spcPts val="1417"/>
               </a:spcBef>
               <a:buNone/>
             </a:pPr>
-            <a:endParaRPr b="0" lang="de-DE" sz="2800" spc="-1" strike="noStrike">
+            <a:endParaRPr b="0" lang="de-DE" sz="3200" spc="-1" strike="noStrike">
               <a:solidFill>
                 <a:srgbClr val="000000"/>
               </a:solidFill>
@@ -6005,10 +5781,10 @@
             <a:noAutofit/>
           </a:bodyPr>
           <a:p>
-            <a:pPr indent="0">
+            <a:pPr indent="0" algn="ctr">
               <a:buNone/>
             </a:pPr>
-            <a:endParaRPr b="0" lang="de-DE" sz="1800" spc="-1" strike="noStrike">
+            <a:endParaRPr b="0" lang="de-DE" sz="4400" spc="-1" strike="noStrike">
               <a:solidFill>
                 <a:srgbClr val="000000"/>
               </a:solidFill>
@@ -6046,15 +5822,12 @@
           </a:bodyPr>
           <a:p>
             <a:pPr indent="0">
-              <a:lnSpc>
-                <a:spcPct val="90000"/>
-              </a:lnSpc>
               <a:spcBef>
                 <a:spcPts val="1417"/>
               </a:spcBef>
               <a:buNone/>
             </a:pPr>
-            <a:endParaRPr b="0" lang="de-DE" sz="2800" spc="-1" strike="noStrike">
+            <a:endParaRPr b="0" lang="de-DE" sz="3200" spc="-1" strike="noStrike">
               <a:solidFill>
                 <a:srgbClr val="000000"/>
               </a:solidFill>
@@ -6092,15 +5865,12 @@
           </a:bodyPr>
           <a:p>
             <a:pPr indent="0">
-              <a:lnSpc>
-                <a:spcPct val="90000"/>
-              </a:lnSpc>
               <a:spcBef>
                 <a:spcPts val="1417"/>
               </a:spcBef>
               <a:buNone/>
             </a:pPr>
-            <a:endParaRPr b="0" lang="de-DE" sz="2800" spc="-1" strike="noStrike">
+            <a:endParaRPr b="0" lang="de-DE" sz="3200" spc="-1" strike="noStrike">
               <a:solidFill>
                 <a:srgbClr val="000000"/>
               </a:solidFill>
@@ -6159,10 +5929,10 @@
             <a:noAutofit/>
           </a:bodyPr>
           <a:p>
-            <a:pPr indent="0">
+            <a:pPr indent="0" algn="ctr">
               <a:buNone/>
             </a:pPr>
-            <a:endParaRPr b="0" lang="de-DE" sz="1800" spc="-1" strike="noStrike">
+            <a:endParaRPr b="0" lang="de-DE" sz="4400" spc="-1" strike="noStrike">
               <a:solidFill>
                 <a:srgbClr val="000000"/>
               </a:solidFill>
@@ -6200,15 +5970,12 @@
           </a:bodyPr>
           <a:p>
             <a:pPr indent="0">
-              <a:lnSpc>
-                <a:spcPct val="90000"/>
-              </a:lnSpc>
               <a:spcBef>
                 <a:spcPts val="1417"/>
               </a:spcBef>
               <a:buNone/>
             </a:pPr>
-            <a:endParaRPr b="0" lang="de-DE" sz="2800" spc="-1" strike="noStrike">
+            <a:endParaRPr b="0" lang="de-DE" sz="3200" spc="-1" strike="noStrike">
               <a:solidFill>
                 <a:srgbClr val="000000"/>
               </a:solidFill>
@@ -6246,15 +6013,12 @@
           </a:bodyPr>
           <a:p>
             <a:pPr indent="0">
-              <a:lnSpc>
-                <a:spcPct val="90000"/>
-              </a:lnSpc>
               <a:spcBef>
                 <a:spcPts val="1417"/>
               </a:spcBef>
               <a:buNone/>
             </a:pPr>
-            <a:endParaRPr b="0" lang="de-DE" sz="2800" spc="-1" strike="noStrike">
+            <a:endParaRPr b="0" lang="de-DE" sz="3200" spc="-1" strike="noStrike">
               <a:solidFill>
                 <a:srgbClr val="000000"/>
               </a:solidFill>
@@ -6292,15 +6056,12 @@
           </a:bodyPr>
           <a:p>
             <a:pPr indent="0">
-              <a:lnSpc>
-                <a:spcPct val="90000"/>
-              </a:lnSpc>
               <a:spcBef>
                 <a:spcPts val="1417"/>
               </a:spcBef>
               <a:buNone/>
             </a:pPr>
-            <a:endParaRPr b="0" lang="de-DE" sz="2800" spc="-1" strike="noStrike">
+            <a:endParaRPr b="0" lang="de-DE" sz="3200" spc="-1" strike="noStrike">
               <a:solidFill>
                 <a:srgbClr val="000000"/>
               </a:solidFill>
@@ -6338,15 +6099,12 @@
           </a:bodyPr>
           <a:p>
             <a:pPr indent="0">
-              <a:lnSpc>
-                <a:spcPct val="90000"/>
-              </a:lnSpc>
               <a:spcBef>
                 <a:spcPts val="1417"/>
               </a:spcBef>
               <a:buNone/>
             </a:pPr>
-            <a:endParaRPr b="0" lang="de-DE" sz="2800" spc="-1" strike="noStrike">
+            <a:endParaRPr b="0" lang="de-DE" sz="3200" spc="-1" strike="noStrike">
               <a:solidFill>
                 <a:srgbClr val="000000"/>
               </a:solidFill>
@@ -6405,10 +6163,10 @@
             <a:noAutofit/>
           </a:bodyPr>
           <a:p>
-            <a:pPr indent="0">
+            <a:pPr indent="0" algn="ctr">
               <a:buNone/>
             </a:pPr>
-            <a:endParaRPr b="0" lang="de-DE" sz="1800" spc="-1" strike="noStrike">
+            <a:endParaRPr b="0" lang="de-DE" sz="4400" spc="-1" strike="noStrike">
               <a:solidFill>
                 <a:srgbClr val="000000"/>
               </a:solidFill>
@@ -6446,15 +6204,12 @@
           </a:bodyPr>
           <a:p>
             <a:pPr indent="0">
-              <a:lnSpc>
-                <a:spcPct val="90000"/>
-              </a:lnSpc>
               <a:spcBef>
                 <a:spcPts val="1417"/>
               </a:spcBef>
               <a:buNone/>
             </a:pPr>
-            <a:endParaRPr b="0" lang="de-DE" sz="2800" spc="-1" strike="noStrike">
+            <a:endParaRPr b="0" lang="de-DE" sz="3200" spc="-1" strike="noStrike">
               <a:solidFill>
                 <a:srgbClr val="000000"/>
               </a:solidFill>
@@ -6492,15 +6247,12 @@
           </a:bodyPr>
           <a:p>
             <a:pPr indent="0">
-              <a:lnSpc>
-                <a:spcPct val="90000"/>
-              </a:lnSpc>
               <a:spcBef>
                 <a:spcPts val="1417"/>
               </a:spcBef>
               <a:buNone/>
             </a:pPr>
-            <a:endParaRPr b="0" lang="de-DE" sz="2800" spc="-1" strike="noStrike">
+            <a:endParaRPr b="0" lang="de-DE" sz="3200" spc="-1" strike="noStrike">
               <a:solidFill>
                 <a:srgbClr val="000000"/>
               </a:solidFill>
@@ -6538,15 +6290,12 @@
           </a:bodyPr>
           <a:p>
             <a:pPr indent="0">
-              <a:lnSpc>
-                <a:spcPct val="90000"/>
-              </a:lnSpc>
               <a:spcBef>
                 <a:spcPts val="1417"/>
               </a:spcBef>
               <a:buNone/>
             </a:pPr>
-            <a:endParaRPr b="0" lang="de-DE" sz="2800" spc="-1" strike="noStrike">
+            <a:endParaRPr b="0" lang="de-DE" sz="3200" spc="-1" strike="noStrike">
               <a:solidFill>
                 <a:srgbClr val="000000"/>
               </a:solidFill>
@@ -6584,15 +6333,12 @@
           </a:bodyPr>
           <a:p>
             <a:pPr indent="0">
-              <a:lnSpc>
-                <a:spcPct val="90000"/>
-              </a:lnSpc>
               <a:spcBef>
                 <a:spcPts val="1417"/>
               </a:spcBef>
               <a:buNone/>
             </a:pPr>
-            <a:endParaRPr b="0" lang="de-DE" sz="2800" spc="-1" strike="noStrike">
+            <a:endParaRPr b="0" lang="de-DE" sz="3200" spc="-1" strike="noStrike">
               <a:solidFill>
                 <a:srgbClr val="000000"/>
               </a:solidFill>
@@ -6630,15 +6376,12 @@
           </a:bodyPr>
           <a:p>
             <a:pPr indent="0">
-              <a:lnSpc>
-                <a:spcPct val="90000"/>
-              </a:lnSpc>
               <a:spcBef>
                 <a:spcPts val="1417"/>
               </a:spcBef>
               <a:buNone/>
             </a:pPr>
-            <a:endParaRPr b="0" lang="de-DE" sz="2800" spc="-1" strike="noStrike">
+            <a:endParaRPr b="0" lang="de-DE" sz="3200" spc="-1" strike="noStrike">
               <a:solidFill>
                 <a:srgbClr val="000000"/>
               </a:solidFill>
@@ -6676,15 +6419,12 @@
           </a:bodyPr>
           <a:p>
             <a:pPr indent="0">
-              <a:lnSpc>
-                <a:spcPct val="90000"/>
-              </a:lnSpc>
               <a:spcBef>
                 <a:spcPts val="1417"/>
               </a:spcBef>
               <a:buNone/>
             </a:pPr>
-            <a:endParaRPr b="0" lang="de-DE" sz="2800" spc="-1" strike="noStrike">
+            <a:endParaRPr b="0" lang="de-DE" sz="3200" spc="-1" strike="noStrike">
               <a:solidFill>
                 <a:srgbClr val="000000"/>
               </a:solidFill>
@@ -6765,10 +6505,10 @@
             <a:noAutofit/>
           </a:bodyPr>
           <a:p>
-            <a:pPr indent="0">
+            <a:pPr indent="0" algn="ctr">
               <a:buNone/>
             </a:pPr>
-            <a:endParaRPr b="0" lang="de-DE" sz="1800" spc="-1" strike="noStrike">
+            <a:endParaRPr b="0" lang="de-DE" sz="4400" spc="-1" strike="noStrike">
               <a:solidFill>
                 <a:srgbClr val="000000"/>
               </a:solidFill>
@@ -6827,10 +6567,10 @@
             <a:noAutofit/>
           </a:bodyPr>
           <a:p>
-            <a:pPr indent="0">
+            <a:pPr indent="0" algn="ctr">
               <a:buNone/>
             </a:pPr>
-            <a:endParaRPr b="0" lang="de-DE" sz="1800" spc="-1" strike="noStrike">
+            <a:endParaRPr b="0" lang="de-DE" sz="4400" spc="-1" strike="noStrike">
               <a:solidFill>
                 <a:srgbClr val="000000"/>
               </a:solidFill>
@@ -6929,10 +6669,10 @@
             <a:noAutofit/>
           </a:bodyPr>
           <a:p>
-            <a:pPr indent="0">
+            <a:pPr indent="0" algn="ctr">
               <a:buNone/>
             </a:pPr>
-            <a:endParaRPr b="0" lang="de-DE" sz="1800" spc="-1" strike="noStrike">
+            <a:endParaRPr b="0" lang="de-DE" sz="4400" spc="-1" strike="noStrike">
               <a:solidFill>
                 <a:srgbClr val="000000"/>
               </a:solidFill>
@@ -6970,15 +6710,12 @@
           </a:bodyPr>
           <a:p>
             <a:pPr indent="0">
-              <a:lnSpc>
-                <a:spcPct val="90000"/>
-              </a:lnSpc>
               <a:spcBef>
                 <a:spcPts val="1417"/>
               </a:spcBef>
               <a:buNone/>
             </a:pPr>
-            <a:endParaRPr b="0" lang="de-DE" sz="2800" spc="-1" strike="noStrike">
+            <a:endParaRPr b="0" lang="de-DE" sz="3200" spc="-1" strike="noStrike">
               <a:solidFill>
                 <a:srgbClr val="000000"/>
               </a:solidFill>
@@ -7037,10 +6774,10 @@
             <a:noAutofit/>
           </a:bodyPr>
           <a:p>
-            <a:pPr indent="0">
+            <a:pPr indent="0" algn="ctr">
               <a:buNone/>
             </a:pPr>
-            <a:endParaRPr b="0" lang="de-DE" sz="1800" spc="-1" strike="noStrike">
+            <a:endParaRPr b="0" lang="de-DE" sz="4400" spc="-1" strike="noStrike">
               <a:solidFill>
                 <a:srgbClr val="000000"/>
               </a:solidFill>
@@ -7078,15 +6815,12 @@
           </a:bodyPr>
           <a:p>
             <a:pPr indent="0">
-              <a:lnSpc>
-                <a:spcPct val="90000"/>
-              </a:lnSpc>
               <a:spcBef>
                 <a:spcPts val="1417"/>
               </a:spcBef>
               <a:buNone/>
             </a:pPr>
-            <a:endParaRPr b="0" lang="de-DE" sz="2800" spc="-1" strike="noStrike">
+            <a:endParaRPr b="0" lang="de-DE" sz="3200" spc="-1" strike="noStrike">
               <a:solidFill>
                 <a:srgbClr val="000000"/>
               </a:solidFill>
@@ -7124,15 +6858,12 @@
           </a:bodyPr>
           <a:p>
             <a:pPr indent="0">
-              <a:lnSpc>
-                <a:spcPct val="90000"/>
-              </a:lnSpc>
               <a:spcBef>
                 <a:spcPts val="1417"/>
               </a:spcBef>
               <a:buNone/>
             </a:pPr>
-            <a:endParaRPr b="0" lang="de-DE" sz="2800" spc="-1" strike="noStrike">
+            <a:endParaRPr b="0" lang="de-DE" sz="3200" spc="-1" strike="noStrike">
               <a:solidFill>
                 <a:srgbClr val="000000"/>
               </a:solidFill>
@@ -7191,10 +6922,10 @@
             <a:noAutofit/>
           </a:bodyPr>
           <a:p>
-            <a:pPr indent="0">
+            <a:pPr indent="0" algn="ctr">
               <a:buNone/>
             </a:pPr>
-            <a:endParaRPr b="0" lang="de-DE" sz="1800" spc="-1" strike="noStrike">
+            <a:endParaRPr b="0" lang="de-DE" sz="4400" spc="-1" strike="noStrike">
               <a:solidFill>
                 <a:srgbClr val="000000"/>
               </a:solidFill>
@@ -7313,10 +7044,10 @@
             <a:noAutofit/>
           </a:bodyPr>
           <a:p>
-            <a:pPr indent="0">
+            <a:pPr indent="0" algn="ctr">
               <a:buNone/>
             </a:pPr>
-            <a:endParaRPr b="0" lang="de-DE" sz="1800" spc="-1" strike="noStrike">
+            <a:endParaRPr b="0" lang="de-DE" sz="4400" spc="-1" strike="noStrike">
               <a:solidFill>
                 <a:srgbClr val="000000"/>
               </a:solidFill>
@@ -7354,15 +7085,12 @@
           </a:bodyPr>
           <a:p>
             <a:pPr indent="0">
-              <a:lnSpc>
-                <a:spcPct val="90000"/>
-              </a:lnSpc>
               <a:spcBef>
                 <a:spcPts val="1417"/>
               </a:spcBef>
               <a:buNone/>
             </a:pPr>
-            <a:endParaRPr b="0" lang="de-DE" sz="2800" spc="-1" strike="noStrike">
+            <a:endParaRPr b="0" lang="de-DE" sz="3200" spc="-1" strike="noStrike">
               <a:solidFill>
                 <a:srgbClr val="000000"/>
               </a:solidFill>
@@ -7400,15 +7128,12 @@
           </a:bodyPr>
           <a:p>
             <a:pPr indent="0">
-              <a:lnSpc>
-                <a:spcPct val="90000"/>
-              </a:lnSpc>
               <a:spcBef>
                 <a:spcPts val="1417"/>
               </a:spcBef>
               <a:buNone/>
             </a:pPr>
-            <a:endParaRPr b="0" lang="de-DE" sz="2800" spc="-1" strike="noStrike">
+            <a:endParaRPr b="0" lang="de-DE" sz="3200" spc="-1" strike="noStrike">
               <a:solidFill>
                 <a:srgbClr val="000000"/>
               </a:solidFill>
@@ -7446,15 +7171,12 @@
           </a:bodyPr>
           <a:p>
             <a:pPr indent="0">
-              <a:lnSpc>
-                <a:spcPct val="90000"/>
-              </a:lnSpc>
               <a:spcBef>
                 <a:spcPts val="1417"/>
               </a:spcBef>
               <a:buNone/>
             </a:pPr>
-            <a:endParaRPr b="0" lang="de-DE" sz="2800" spc="-1" strike="noStrike">
+            <a:endParaRPr b="0" lang="de-DE" sz="3200" spc="-1" strike="noStrike">
               <a:solidFill>
                 <a:srgbClr val="000000"/>
               </a:solidFill>
@@ -7513,10 +7235,10 @@
             <a:noAutofit/>
           </a:bodyPr>
           <a:p>
-            <a:pPr indent="0">
+            <a:pPr indent="0" algn="ctr">
               <a:buNone/>
             </a:pPr>
-            <a:endParaRPr b="0" lang="de-DE" sz="1800" spc="-1" strike="noStrike">
+            <a:endParaRPr b="0" lang="de-DE" sz="4400" spc="-1" strike="noStrike">
               <a:solidFill>
                 <a:srgbClr val="000000"/>
               </a:solidFill>
@@ -7554,15 +7276,12 @@
           </a:bodyPr>
           <a:p>
             <a:pPr indent="0">
-              <a:lnSpc>
-                <a:spcPct val="90000"/>
-              </a:lnSpc>
               <a:spcBef>
                 <a:spcPts val="1417"/>
               </a:spcBef>
               <a:buNone/>
             </a:pPr>
-            <a:endParaRPr b="0" lang="de-DE" sz="2800" spc="-1" strike="noStrike">
+            <a:endParaRPr b="0" lang="de-DE" sz="3200" spc="-1" strike="noStrike">
               <a:solidFill>
                 <a:srgbClr val="000000"/>
               </a:solidFill>
@@ -7600,15 +7319,12 @@
           </a:bodyPr>
           <a:p>
             <a:pPr indent="0">
-              <a:lnSpc>
-                <a:spcPct val="90000"/>
-              </a:lnSpc>
               <a:spcBef>
                 <a:spcPts val="1417"/>
               </a:spcBef>
               <a:buNone/>
             </a:pPr>
-            <a:endParaRPr b="0" lang="de-DE" sz="2800" spc="-1" strike="noStrike">
+            <a:endParaRPr b="0" lang="de-DE" sz="3200" spc="-1" strike="noStrike">
               <a:solidFill>
                 <a:srgbClr val="000000"/>
               </a:solidFill>
@@ -7646,15 +7362,12 @@
           </a:bodyPr>
           <a:p>
             <a:pPr indent="0">
-              <a:lnSpc>
-                <a:spcPct val="90000"/>
-              </a:lnSpc>
               <a:spcBef>
                 <a:spcPts val="1417"/>
               </a:spcBef>
               <a:buNone/>
             </a:pPr>
-            <a:endParaRPr b="0" lang="de-DE" sz="2800" spc="-1" strike="noStrike">
+            <a:endParaRPr b="0" lang="de-DE" sz="3200" spc="-1" strike="noStrike">
               <a:solidFill>
                 <a:srgbClr val="000000"/>
               </a:solidFill>
@@ -7713,10 +7426,10 @@
             <a:noAutofit/>
           </a:bodyPr>
           <a:p>
-            <a:pPr indent="0">
+            <a:pPr indent="0" algn="ctr">
               <a:buNone/>
             </a:pPr>
-            <a:endParaRPr b="0" lang="de-DE" sz="1800" spc="-1" strike="noStrike">
+            <a:endParaRPr b="0" lang="de-DE" sz="4400" spc="-1" strike="noStrike">
               <a:solidFill>
                 <a:srgbClr val="000000"/>
               </a:solidFill>
@@ -7754,15 +7467,12 @@
           </a:bodyPr>
           <a:p>
             <a:pPr indent="0">
-              <a:lnSpc>
-                <a:spcPct val="90000"/>
-              </a:lnSpc>
               <a:spcBef>
                 <a:spcPts val="1417"/>
               </a:spcBef>
               <a:buNone/>
             </a:pPr>
-            <a:endParaRPr b="0" lang="de-DE" sz="2800" spc="-1" strike="noStrike">
+            <a:endParaRPr b="0" lang="de-DE" sz="3200" spc="-1" strike="noStrike">
               <a:solidFill>
                 <a:srgbClr val="000000"/>
               </a:solidFill>
@@ -7800,15 +7510,12 @@
           </a:bodyPr>
           <a:p>
             <a:pPr indent="0">
-              <a:lnSpc>
-                <a:spcPct val="90000"/>
-              </a:lnSpc>
               <a:spcBef>
                 <a:spcPts val="1417"/>
               </a:spcBef>
               <a:buNone/>
             </a:pPr>
-            <a:endParaRPr b="0" lang="de-DE" sz="2800" spc="-1" strike="noStrike">
+            <a:endParaRPr b="0" lang="de-DE" sz="3200" spc="-1" strike="noStrike">
               <a:solidFill>
                 <a:srgbClr val="000000"/>
               </a:solidFill>
@@ -7846,15 +7553,12 @@
           </a:bodyPr>
           <a:p>
             <a:pPr indent="0">
-              <a:lnSpc>
-                <a:spcPct val="90000"/>
-              </a:lnSpc>
               <a:spcBef>
                 <a:spcPts val="1417"/>
               </a:spcBef>
               <a:buNone/>
             </a:pPr>
-            <a:endParaRPr b="0" lang="de-DE" sz="2800" spc="-1" strike="noStrike">
+            <a:endParaRPr b="0" lang="de-DE" sz="3200" spc="-1" strike="noStrike">
               <a:solidFill>
                 <a:srgbClr val="000000"/>
               </a:solidFill>
@@ -7913,10 +7617,10 @@
             <a:noAutofit/>
           </a:bodyPr>
           <a:p>
-            <a:pPr indent="0">
+            <a:pPr indent="0" algn="ctr">
               <a:buNone/>
             </a:pPr>
-            <a:endParaRPr b="0" lang="de-DE" sz="1800" spc="-1" strike="noStrike">
+            <a:endParaRPr b="0" lang="de-DE" sz="4400" spc="-1" strike="noStrike">
               <a:solidFill>
                 <a:srgbClr val="000000"/>
               </a:solidFill>
@@ -7954,15 +7658,12 @@
           </a:bodyPr>
           <a:p>
             <a:pPr indent="0">
-              <a:lnSpc>
-                <a:spcPct val="90000"/>
-              </a:lnSpc>
               <a:spcBef>
                 <a:spcPts val="1417"/>
               </a:spcBef>
               <a:buNone/>
             </a:pPr>
-            <a:endParaRPr b="0" lang="de-DE" sz="2800" spc="-1" strike="noStrike">
+            <a:endParaRPr b="0" lang="de-DE" sz="3200" spc="-1" strike="noStrike">
               <a:solidFill>
                 <a:srgbClr val="000000"/>
               </a:solidFill>
@@ -8000,15 +7701,12 @@
           </a:bodyPr>
           <a:p>
             <a:pPr indent="0">
-              <a:lnSpc>
-                <a:spcPct val="90000"/>
-              </a:lnSpc>
               <a:spcBef>
                 <a:spcPts val="1417"/>
               </a:spcBef>
               <a:buNone/>
             </a:pPr>
-            <a:endParaRPr b="0" lang="de-DE" sz="2800" spc="-1" strike="noStrike">
+            <a:endParaRPr b="0" lang="de-DE" sz="3200" spc="-1" strike="noStrike">
               <a:solidFill>
                 <a:srgbClr val="000000"/>
               </a:solidFill>
@@ -8067,10 +7765,10 @@
             <a:noAutofit/>
           </a:bodyPr>
           <a:p>
-            <a:pPr indent="0">
+            <a:pPr indent="0" algn="ctr">
               <a:buNone/>
             </a:pPr>
-            <a:endParaRPr b="0" lang="de-DE" sz="1800" spc="-1" strike="noStrike">
+            <a:endParaRPr b="0" lang="de-DE" sz="4400" spc="-1" strike="noStrike">
               <a:solidFill>
                 <a:srgbClr val="000000"/>
               </a:solidFill>
@@ -8108,15 +7806,12 @@
           </a:bodyPr>
           <a:p>
             <a:pPr indent="0">
-              <a:lnSpc>
-                <a:spcPct val="90000"/>
-              </a:lnSpc>
               <a:spcBef>
                 <a:spcPts val="1417"/>
               </a:spcBef>
               <a:buNone/>
             </a:pPr>
-            <a:endParaRPr b="0" lang="de-DE" sz="2800" spc="-1" strike="noStrike">
+            <a:endParaRPr b="0" lang="de-DE" sz="3200" spc="-1" strike="noStrike">
               <a:solidFill>
                 <a:srgbClr val="000000"/>
               </a:solidFill>
@@ -8154,15 +7849,12 @@
           </a:bodyPr>
           <a:p>
             <a:pPr indent="0">
-              <a:lnSpc>
-                <a:spcPct val="90000"/>
-              </a:lnSpc>
               <a:spcBef>
                 <a:spcPts val="1417"/>
               </a:spcBef>
               <a:buNone/>
             </a:pPr>
-            <a:endParaRPr b="0" lang="de-DE" sz="2800" spc="-1" strike="noStrike">
+            <a:endParaRPr b="0" lang="de-DE" sz="3200" spc="-1" strike="noStrike">
               <a:solidFill>
                 <a:srgbClr val="000000"/>
               </a:solidFill>
@@ -8200,15 +7892,12 @@
           </a:bodyPr>
           <a:p>
             <a:pPr indent="0">
-              <a:lnSpc>
-                <a:spcPct val="90000"/>
-              </a:lnSpc>
               <a:spcBef>
                 <a:spcPts val="1417"/>
               </a:spcBef>
               <a:buNone/>
             </a:pPr>
-            <a:endParaRPr b="0" lang="de-DE" sz="2800" spc="-1" strike="noStrike">
+            <a:endParaRPr b="0" lang="de-DE" sz="3200" spc="-1" strike="noStrike">
               <a:solidFill>
                 <a:srgbClr val="000000"/>
               </a:solidFill>
@@ -8246,15 +7935,12 @@
           </a:bodyPr>
           <a:p>
             <a:pPr indent="0">
-              <a:lnSpc>
-                <a:spcPct val="90000"/>
-              </a:lnSpc>
               <a:spcBef>
                 <a:spcPts val="1417"/>
               </a:spcBef>
               <a:buNone/>
             </a:pPr>
-            <a:endParaRPr b="0" lang="de-DE" sz="2800" spc="-1" strike="noStrike">
+            <a:endParaRPr b="0" lang="de-DE" sz="3200" spc="-1" strike="noStrike">
               <a:solidFill>
                 <a:srgbClr val="000000"/>
               </a:solidFill>
@@ -8373,10 +8059,10 @@
             <a:noAutofit/>
           </a:bodyPr>
           <a:p>
-            <a:pPr indent="0">
+            <a:pPr indent="0" algn="ctr">
               <a:buNone/>
             </a:pPr>
-            <a:endParaRPr b="0" lang="de-DE" sz="1800" spc="-1" strike="noStrike">
+            <a:endParaRPr b="0" lang="de-DE" sz="4400" spc="-1" strike="noStrike">
               <a:solidFill>
                 <a:srgbClr val="000000"/>
               </a:solidFill>
@@ -8414,15 +8100,12 @@
           </a:bodyPr>
           <a:p>
             <a:pPr indent="0">
-              <a:lnSpc>
-                <a:spcPct val="90000"/>
-              </a:lnSpc>
               <a:spcBef>
                 <a:spcPts val="1417"/>
               </a:spcBef>
               <a:buNone/>
             </a:pPr>
-            <a:endParaRPr b="0" lang="de-DE" sz="2800" spc="-1" strike="noStrike">
+            <a:endParaRPr b="0" lang="de-DE" sz="3200" spc="-1" strike="noStrike">
               <a:solidFill>
                 <a:srgbClr val="000000"/>
               </a:solidFill>
@@ -8460,15 +8143,12 @@
           </a:bodyPr>
           <a:p>
             <a:pPr indent="0">
-              <a:lnSpc>
-                <a:spcPct val="90000"/>
-              </a:lnSpc>
               <a:spcBef>
                 <a:spcPts val="1417"/>
               </a:spcBef>
               <a:buNone/>
             </a:pPr>
-            <a:endParaRPr b="0" lang="de-DE" sz="2800" spc="-1" strike="noStrike">
+            <a:endParaRPr b="0" lang="de-DE" sz="3200" spc="-1" strike="noStrike">
               <a:solidFill>
                 <a:srgbClr val="000000"/>
               </a:solidFill>
@@ -8506,15 +8186,12 @@
           </a:bodyPr>
           <a:p>
             <a:pPr indent="0">
-              <a:lnSpc>
-                <a:spcPct val="90000"/>
-              </a:lnSpc>
               <a:spcBef>
                 <a:spcPts val="1417"/>
               </a:spcBef>
               <a:buNone/>
             </a:pPr>
-            <a:endParaRPr b="0" lang="de-DE" sz="2800" spc="-1" strike="noStrike">
+            <a:endParaRPr b="0" lang="de-DE" sz="3200" spc="-1" strike="noStrike">
               <a:solidFill>
                 <a:srgbClr val="000000"/>
               </a:solidFill>
@@ -8552,15 +8229,12 @@
           </a:bodyPr>
           <a:p>
             <a:pPr indent="0">
-              <a:lnSpc>
-                <a:spcPct val="90000"/>
-              </a:lnSpc>
               <a:spcBef>
                 <a:spcPts val="1417"/>
               </a:spcBef>
               <a:buNone/>
             </a:pPr>
-            <a:endParaRPr b="0" lang="de-DE" sz="2800" spc="-1" strike="noStrike">
+            <a:endParaRPr b="0" lang="de-DE" sz="3200" spc="-1" strike="noStrike">
               <a:solidFill>
                 <a:srgbClr val="000000"/>
               </a:solidFill>
@@ -8598,15 +8272,12 @@
           </a:bodyPr>
           <a:p>
             <a:pPr indent="0">
-              <a:lnSpc>
-                <a:spcPct val="90000"/>
-              </a:lnSpc>
               <a:spcBef>
                 <a:spcPts val="1417"/>
               </a:spcBef>
               <a:buNone/>
             </a:pPr>
-            <a:endParaRPr b="0" lang="de-DE" sz="2800" spc="-1" strike="noStrike">
+            <a:endParaRPr b="0" lang="de-DE" sz="3200" spc="-1" strike="noStrike">
               <a:solidFill>
                 <a:srgbClr val="000000"/>
               </a:solidFill>
@@ -8644,15 +8315,12 @@
           </a:bodyPr>
           <a:p>
             <a:pPr indent="0">
-              <a:lnSpc>
-                <a:spcPct val="90000"/>
-              </a:lnSpc>
               <a:spcBef>
                 <a:spcPts val="1417"/>
               </a:spcBef>
               <a:buNone/>
             </a:pPr>
-            <a:endParaRPr b="0" lang="de-DE" sz="2800" spc="-1" strike="noStrike">
+            <a:endParaRPr b="0" lang="de-DE" sz="3200" spc="-1" strike="noStrike">
               <a:solidFill>
                 <a:srgbClr val="000000"/>
               </a:solidFill>
@@ -8733,10 +8401,10 @@
             <a:noAutofit/>
           </a:bodyPr>
           <a:p>
-            <a:pPr indent="0">
+            <a:pPr indent="0" algn="ctr">
               <a:buNone/>
             </a:pPr>
-            <a:endParaRPr b="0" lang="de-DE" sz="1800" spc="-1" strike="noStrike">
+            <a:endParaRPr b="0" lang="de-DE" sz="4400" spc="-1" strike="noStrike">
               <a:solidFill>
                 <a:srgbClr val="000000"/>
               </a:solidFill>
@@ -8835,10 +8503,10 @@
             <a:noAutofit/>
           </a:bodyPr>
           <a:p>
-            <a:pPr indent="0">
+            <a:pPr indent="0" algn="ctr">
               <a:buNone/>
             </a:pPr>
-            <a:endParaRPr b="0" lang="de-DE" sz="1800" spc="-1" strike="noStrike">
+            <a:endParaRPr b="0" lang="de-DE" sz="4400" spc="-1" strike="noStrike">
               <a:solidFill>
                 <a:srgbClr val="000000"/>
               </a:solidFill>
@@ -8876,15 +8544,12 @@
           </a:bodyPr>
           <a:p>
             <a:pPr indent="0">
-              <a:lnSpc>
-                <a:spcPct val="90000"/>
-              </a:lnSpc>
               <a:spcBef>
                 <a:spcPts val="1417"/>
               </a:spcBef>
               <a:buNone/>
             </a:pPr>
-            <a:endParaRPr b="0" lang="de-DE" sz="2800" spc="-1" strike="noStrike">
+            <a:endParaRPr b="0" lang="de-DE" sz="3200" spc="-1" strike="noStrike">
               <a:solidFill>
                 <a:srgbClr val="000000"/>
               </a:solidFill>
@@ -8943,10 +8608,10 @@
             <a:noAutofit/>
           </a:bodyPr>
           <a:p>
-            <a:pPr indent="0">
+            <a:pPr indent="0" algn="ctr">
               <a:buNone/>
             </a:pPr>
-            <a:endParaRPr b="0" lang="de-DE" sz="1800" spc="-1" strike="noStrike">
+            <a:endParaRPr b="0" lang="de-DE" sz="4400" spc="-1" strike="noStrike">
               <a:solidFill>
                 <a:srgbClr val="000000"/>
               </a:solidFill>
@@ -8984,15 +8649,12 @@
           </a:bodyPr>
           <a:p>
             <a:pPr indent="0">
-              <a:lnSpc>
-                <a:spcPct val="90000"/>
-              </a:lnSpc>
               <a:spcBef>
                 <a:spcPts val="1417"/>
               </a:spcBef>
               <a:buNone/>
             </a:pPr>
-            <a:endParaRPr b="0" lang="de-DE" sz="2800" spc="-1" strike="noStrike">
+            <a:endParaRPr b="0" lang="de-DE" sz="3200" spc="-1" strike="noStrike">
               <a:solidFill>
                 <a:srgbClr val="000000"/>
               </a:solidFill>
@@ -9030,15 +8692,12 @@
           </a:bodyPr>
           <a:p>
             <a:pPr indent="0">
-              <a:lnSpc>
-                <a:spcPct val="90000"/>
-              </a:lnSpc>
               <a:spcBef>
                 <a:spcPts val="1417"/>
               </a:spcBef>
               <a:buNone/>
             </a:pPr>
-            <a:endParaRPr b="0" lang="de-DE" sz="2800" spc="-1" strike="noStrike">
+            <a:endParaRPr b="0" lang="de-DE" sz="3200" spc="-1" strike="noStrike">
               <a:solidFill>
                 <a:srgbClr val="000000"/>
               </a:solidFill>
@@ -9097,10 +8756,10 @@
             <a:noAutofit/>
           </a:bodyPr>
           <a:p>
-            <a:pPr indent="0">
+            <a:pPr indent="0" algn="ctr">
               <a:buNone/>
             </a:pPr>
-            <a:endParaRPr b="0" lang="de-DE" sz="1800" spc="-1" strike="noStrike">
+            <a:endParaRPr b="0" lang="de-DE" sz="4400" spc="-1" strike="noStrike">
               <a:solidFill>
                 <a:srgbClr val="000000"/>
               </a:solidFill>
@@ -9219,10 +8878,10 @@
             <a:noAutofit/>
           </a:bodyPr>
           <a:p>
-            <a:pPr indent="0">
+            <a:pPr indent="0" algn="ctr">
               <a:buNone/>
             </a:pPr>
-            <a:endParaRPr b="0" lang="de-DE" sz="1800" spc="-1" strike="noStrike">
+            <a:endParaRPr b="0" lang="de-DE" sz="4400" spc="-1" strike="noStrike">
               <a:solidFill>
                 <a:srgbClr val="000000"/>
               </a:solidFill>
@@ -9260,15 +8919,12 @@
           </a:bodyPr>
           <a:p>
             <a:pPr indent="0">
-              <a:lnSpc>
-                <a:spcPct val="90000"/>
-              </a:lnSpc>
               <a:spcBef>
                 <a:spcPts val="1417"/>
               </a:spcBef>
               <a:buNone/>
             </a:pPr>
-            <a:endParaRPr b="0" lang="de-DE" sz="2800" spc="-1" strike="noStrike">
+            <a:endParaRPr b="0" lang="de-DE" sz="3200" spc="-1" strike="noStrike">
               <a:solidFill>
                 <a:srgbClr val="000000"/>
               </a:solidFill>
@@ -9306,15 +8962,12 @@
           </a:bodyPr>
           <a:p>
             <a:pPr indent="0">
-              <a:lnSpc>
-                <a:spcPct val="90000"/>
-              </a:lnSpc>
               <a:spcBef>
                 <a:spcPts val="1417"/>
               </a:spcBef>
               <a:buNone/>
             </a:pPr>
-            <a:endParaRPr b="0" lang="de-DE" sz="2800" spc="-1" strike="noStrike">
+            <a:endParaRPr b="0" lang="de-DE" sz="3200" spc="-1" strike="noStrike">
               <a:solidFill>
                 <a:srgbClr val="000000"/>
               </a:solidFill>
@@ -9352,15 +9005,12 @@
           </a:bodyPr>
           <a:p>
             <a:pPr indent="0">
-              <a:lnSpc>
-                <a:spcPct val="90000"/>
-              </a:lnSpc>
               <a:spcBef>
                 <a:spcPts val="1417"/>
               </a:spcBef>
               <a:buNone/>
             </a:pPr>
-            <a:endParaRPr b="0" lang="de-DE" sz="2800" spc="-1" strike="noStrike">
+            <a:endParaRPr b="0" lang="de-DE" sz="3200" spc="-1" strike="noStrike">
               <a:solidFill>
                 <a:srgbClr val="000000"/>
               </a:solidFill>
@@ -9419,10 +9069,10 @@
             <a:noAutofit/>
           </a:bodyPr>
           <a:p>
-            <a:pPr indent="0">
+            <a:pPr indent="0" algn="ctr">
               <a:buNone/>
             </a:pPr>
-            <a:endParaRPr b="0" lang="de-DE" sz="1800" spc="-1" strike="noStrike">
+            <a:endParaRPr b="0" lang="de-DE" sz="4400" spc="-1" strike="noStrike">
               <a:solidFill>
                 <a:srgbClr val="000000"/>
               </a:solidFill>
@@ -9460,15 +9110,12 @@
           </a:bodyPr>
           <a:p>
             <a:pPr indent="0">
-              <a:lnSpc>
-                <a:spcPct val="90000"/>
-              </a:lnSpc>
               <a:spcBef>
                 <a:spcPts val="1417"/>
               </a:spcBef>
               <a:buNone/>
             </a:pPr>
-            <a:endParaRPr b="0" lang="de-DE" sz="2800" spc="-1" strike="noStrike">
+            <a:endParaRPr b="0" lang="de-DE" sz="3200" spc="-1" strike="noStrike">
               <a:solidFill>
                 <a:srgbClr val="000000"/>
               </a:solidFill>
@@ -9506,15 +9153,12 @@
           </a:bodyPr>
           <a:p>
             <a:pPr indent="0">
-              <a:lnSpc>
-                <a:spcPct val="90000"/>
-              </a:lnSpc>
               <a:spcBef>
                 <a:spcPts val="1417"/>
               </a:spcBef>
               <a:buNone/>
             </a:pPr>
-            <a:endParaRPr b="0" lang="de-DE" sz="2800" spc="-1" strike="noStrike">
+            <a:endParaRPr b="0" lang="de-DE" sz="3200" spc="-1" strike="noStrike">
               <a:solidFill>
                 <a:srgbClr val="000000"/>
               </a:solidFill>
@@ -9552,15 +9196,12 @@
           </a:bodyPr>
           <a:p>
             <a:pPr indent="0">
-              <a:lnSpc>
-                <a:spcPct val="90000"/>
-              </a:lnSpc>
               <a:spcBef>
                 <a:spcPts val="1417"/>
               </a:spcBef>
               <a:buNone/>
             </a:pPr>
-            <a:endParaRPr b="0" lang="de-DE" sz="2800" spc="-1" strike="noStrike">
+            <a:endParaRPr b="0" lang="de-DE" sz="3200" spc="-1" strike="noStrike">
               <a:solidFill>
                 <a:srgbClr val="000000"/>
               </a:solidFill>
@@ -9619,10 +9260,10 @@
             <a:noAutofit/>
           </a:bodyPr>
           <a:p>
-            <a:pPr indent="0">
+            <a:pPr indent="0" algn="ctr">
               <a:buNone/>
             </a:pPr>
-            <a:endParaRPr b="0" lang="de-DE" sz="1800" spc="-1" strike="noStrike">
+            <a:endParaRPr b="0" lang="de-DE" sz="4400" spc="-1" strike="noStrike">
               <a:solidFill>
                 <a:srgbClr val="000000"/>
               </a:solidFill>
@@ -9660,15 +9301,12 @@
           </a:bodyPr>
           <a:p>
             <a:pPr indent="0">
-              <a:lnSpc>
-                <a:spcPct val="90000"/>
-              </a:lnSpc>
               <a:spcBef>
                 <a:spcPts val="1417"/>
               </a:spcBef>
               <a:buNone/>
             </a:pPr>
-            <a:endParaRPr b="0" lang="de-DE" sz="2800" spc="-1" strike="noStrike">
+            <a:endParaRPr b="0" lang="de-DE" sz="3200" spc="-1" strike="noStrike">
               <a:solidFill>
                 <a:srgbClr val="000000"/>
               </a:solidFill>
@@ -9706,15 +9344,12 @@
           </a:bodyPr>
           <a:p>
             <a:pPr indent="0">
-              <a:lnSpc>
-                <a:spcPct val="90000"/>
-              </a:lnSpc>
               <a:spcBef>
                 <a:spcPts val="1417"/>
               </a:spcBef>
               <a:buNone/>
             </a:pPr>
-            <a:endParaRPr b="0" lang="de-DE" sz="2800" spc="-1" strike="noStrike">
+            <a:endParaRPr b="0" lang="de-DE" sz="3200" spc="-1" strike="noStrike">
               <a:solidFill>
                 <a:srgbClr val="000000"/>
               </a:solidFill>
@@ -9752,15 +9387,12 @@
           </a:bodyPr>
           <a:p>
             <a:pPr indent="0">
-              <a:lnSpc>
-                <a:spcPct val="90000"/>
-              </a:lnSpc>
               <a:spcBef>
                 <a:spcPts val="1417"/>
               </a:spcBef>
               <a:buNone/>
             </a:pPr>
-            <a:endParaRPr b="0" lang="de-DE" sz="2800" spc="-1" strike="noStrike">
+            <a:endParaRPr b="0" lang="de-DE" sz="3200" spc="-1" strike="noStrike">
               <a:solidFill>
                 <a:srgbClr val="000000"/>
               </a:solidFill>
@@ -9819,10 +9451,10 @@
             <a:noAutofit/>
           </a:bodyPr>
           <a:p>
-            <a:pPr indent="0">
+            <a:pPr indent="0" algn="ctr">
               <a:buNone/>
             </a:pPr>
-            <a:endParaRPr b="0" lang="de-DE" sz="1800" spc="-1" strike="noStrike">
+            <a:endParaRPr b="0" lang="de-DE" sz="4400" spc="-1" strike="noStrike">
               <a:solidFill>
                 <a:srgbClr val="000000"/>
               </a:solidFill>
@@ -9860,15 +9492,12 @@
           </a:bodyPr>
           <a:p>
             <a:pPr indent="0">
-              <a:lnSpc>
-                <a:spcPct val="90000"/>
-              </a:lnSpc>
               <a:spcBef>
                 <a:spcPts val="1417"/>
               </a:spcBef>
               <a:buNone/>
             </a:pPr>
-            <a:endParaRPr b="0" lang="de-DE" sz="2800" spc="-1" strike="noStrike">
+            <a:endParaRPr b="0" lang="de-DE" sz="3200" spc="-1" strike="noStrike">
               <a:solidFill>
                 <a:srgbClr val="000000"/>
               </a:solidFill>
@@ -9906,15 +9535,12 @@
           </a:bodyPr>
           <a:p>
             <a:pPr indent="0">
-              <a:lnSpc>
-                <a:spcPct val="90000"/>
-              </a:lnSpc>
               <a:spcBef>
                 <a:spcPts val="1417"/>
               </a:spcBef>
               <a:buNone/>
             </a:pPr>
-            <a:endParaRPr b="0" lang="de-DE" sz="2800" spc="-1" strike="noStrike">
+            <a:endParaRPr b="0" lang="de-DE" sz="3200" spc="-1" strike="noStrike">
               <a:solidFill>
                 <a:srgbClr val="000000"/>
               </a:solidFill>
@@ -9952,15 +9578,12 @@
           </a:bodyPr>
           <a:p>
             <a:pPr indent="0">
-              <a:lnSpc>
-                <a:spcPct val="90000"/>
-              </a:lnSpc>
               <a:spcBef>
                 <a:spcPts val="1417"/>
               </a:spcBef>
               <a:buNone/>
             </a:pPr>
-            <a:endParaRPr b="0" lang="de-DE" sz="2800" spc="-1" strike="noStrike">
+            <a:endParaRPr b="0" lang="de-DE" sz="3200" spc="-1" strike="noStrike">
               <a:solidFill>
                 <a:srgbClr val="000000"/>
               </a:solidFill>
@@ -10019,10 +9642,10 @@
             <a:noAutofit/>
           </a:bodyPr>
           <a:p>
-            <a:pPr indent="0">
+            <a:pPr indent="0" algn="ctr">
               <a:buNone/>
             </a:pPr>
-            <a:endParaRPr b="0" lang="de-DE" sz="1800" spc="-1" strike="noStrike">
+            <a:endParaRPr b="0" lang="de-DE" sz="4400" spc="-1" strike="noStrike">
               <a:solidFill>
                 <a:srgbClr val="000000"/>
               </a:solidFill>
@@ -10060,15 +9683,12 @@
           </a:bodyPr>
           <a:p>
             <a:pPr indent="0">
-              <a:lnSpc>
-                <a:spcPct val="90000"/>
-              </a:lnSpc>
               <a:spcBef>
                 <a:spcPts val="1417"/>
               </a:spcBef>
               <a:buNone/>
             </a:pPr>
-            <a:endParaRPr b="0" lang="de-DE" sz="2800" spc="-1" strike="noStrike">
+            <a:endParaRPr b="0" lang="de-DE" sz="3200" spc="-1" strike="noStrike">
               <a:solidFill>
                 <a:srgbClr val="000000"/>
               </a:solidFill>
@@ -10106,15 +9726,12 @@
           </a:bodyPr>
           <a:p>
             <a:pPr indent="0">
-              <a:lnSpc>
-                <a:spcPct val="90000"/>
-              </a:lnSpc>
               <a:spcBef>
                 <a:spcPts val="1417"/>
               </a:spcBef>
               <a:buNone/>
             </a:pPr>
-            <a:endParaRPr b="0" lang="de-DE" sz="2800" spc="-1" strike="noStrike">
+            <a:endParaRPr b="0" lang="de-DE" sz="3200" spc="-1" strike="noStrike">
               <a:solidFill>
                 <a:srgbClr val="000000"/>
               </a:solidFill>
@@ -10173,10 +9790,10 @@
             <a:noAutofit/>
           </a:bodyPr>
           <a:p>
-            <a:pPr indent="0">
+            <a:pPr indent="0" algn="ctr">
               <a:buNone/>
             </a:pPr>
-            <a:endParaRPr b="0" lang="de-DE" sz="1800" spc="-1" strike="noStrike">
+            <a:endParaRPr b="0" lang="de-DE" sz="4400" spc="-1" strike="noStrike">
               <a:solidFill>
                 <a:srgbClr val="000000"/>
               </a:solidFill>
@@ -10214,15 +9831,12 @@
           </a:bodyPr>
           <a:p>
             <a:pPr indent="0">
-              <a:lnSpc>
-                <a:spcPct val="90000"/>
-              </a:lnSpc>
               <a:spcBef>
                 <a:spcPts val="1417"/>
               </a:spcBef>
               <a:buNone/>
             </a:pPr>
-            <a:endParaRPr b="0" lang="de-DE" sz="2800" spc="-1" strike="noStrike">
+            <a:endParaRPr b="0" lang="de-DE" sz="3200" spc="-1" strike="noStrike">
               <a:solidFill>
                 <a:srgbClr val="000000"/>
               </a:solidFill>
@@ -10260,15 +9874,12 @@
           </a:bodyPr>
           <a:p>
             <a:pPr indent="0">
-              <a:lnSpc>
-                <a:spcPct val="90000"/>
-              </a:lnSpc>
               <a:spcBef>
                 <a:spcPts val="1417"/>
               </a:spcBef>
               <a:buNone/>
             </a:pPr>
-            <a:endParaRPr b="0" lang="de-DE" sz="2800" spc="-1" strike="noStrike">
+            <a:endParaRPr b="0" lang="de-DE" sz="3200" spc="-1" strike="noStrike">
               <a:solidFill>
                 <a:srgbClr val="000000"/>
               </a:solidFill>
@@ -10306,15 +9917,12 @@
           </a:bodyPr>
           <a:p>
             <a:pPr indent="0">
-              <a:lnSpc>
-                <a:spcPct val="90000"/>
-              </a:lnSpc>
               <a:spcBef>
                 <a:spcPts val="1417"/>
               </a:spcBef>
               <a:buNone/>
             </a:pPr>
-            <a:endParaRPr b="0" lang="de-DE" sz="2800" spc="-1" strike="noStrike">
+            <a:endParaRPr b="0" lang="de-DE" sz="3200" spc="-1" strike="noStrike">
               <a:solidFill>
                 <a:srgbClr val="000000"/>
               </a:solidFill>
@@ -10352,15 +9960,12 @@
           </a:bodyPr>
           <a:p>
             <a:pPr indent="0">
-              <a:lnSpc>
-                <a:spcPct val="90000"/>
-              </a:lnSpc>
               <a:spcBef>
                 <a:spcPts val="1417"/>
               </a:spcBef>
               <a:buNone/>
             </a:pPr>
-            <a:endParaRPr b="0" lang="de-DE" sz="2800" spc="-1" strike="noStrike">
+            <a:endParaRPr b="0" lang="de-DE" sz="3200" spc="-1" strike="noStrike">
               <a:solidFill>
                 <a:srgbClr val="000000"/>
               </a:solidFill>
@@ -10419,10 +10024,10 @@
             <a:noAutofit/>
           </a:bodyPr>
           <a:p>
-            <a:pPr indent="0">
+            <a:pPr indent="0" algn="ctr">
               <a:buNone/>
             </a:pPr>
-            <a:endParaRPr b="0" lang="de-DE" sz="1800" spc="-1" strike="noStrike">
+            <a:endParaRPr b="0" lang="de-DE" sz="4400" spc="-1" strike="noStrike">
               <a:solidFill>
                 <a:srgbClr val="000000"/>
               </a:solidFill>
@@ -10460,15 +10065,12 @@
           </a:bodyPr>
           <a:p>
             <a:pPr indent="0">
-              <a:lnSpc>
-                <a:spcPct val="90000"/>
-              </a:lnSpc>
               <a:spcBef>
                 <a:spcPts val="1417"/>
               </a:spcBef>
               <a:buNone/>
             </a:pPr>
-            <a:endParaRPr b="0" lang="de-DE" sz="2800" spc="-1" strike="noStrike">
+            <a:endParaRPr b="0" lang="de-DE" sz="3200" spc="-1" strike="noStrike">
               <a:solidFill>
                 <a:srgbClr val="000000"/>
               </a:solidFill>
@@ -10506,15 +10108,12 @@
           </a:bodyPr>
           <a:p>
             <a:pPr indent="0">
-              <a:lnSpc>
-                <a:spcPct val="90000"/>
-              </a:lnSpc>
               <a:spcBef>
                 <a:spcPts val="1417"/>
               </a:spcBef>
               <a:buNone/>
             </a:pPr>
-            <a:endParaRPr b="0" lang="de-DE" sz="2800" spc="-1" strike="noStrike">
+            <a:endParaRPr b="0" lang="de-DE" sz="3200" spc="-1" strike="noStrike">
               <a:solidFill>
                 <a:srgbClr val="000000"/>
               </a:solidFill>
@@ -10552,15 +10151,12 @@
           </a:bodyPr>
           <a:p>
             <a:pPr indent="0">
-              <a:lnSpc>
-                <a:spcPct val="90000"/>
-              </a:lnSpc>
               <a:spcBef>
                 <a:spcPts val="1417"/>
               </a:spcBef>
               <a:buNone/>
             </a:pPr>
-            <a:endParaRPr b="0" lang="de-DE" sz="2800" spc="-1" strike="noStrike">
+            <a:endParaRPr b="0" lang="de-DE" sz="3200" spc="-1" strike="noStrike">
               <a:solidFill>
                 <a:srgbClr val="000000"/>
               </a:solidFill>
@@ -10598,15 +10194,12 @@
           </a:bodyPr>
           <a:p>
             <a:pPr indent="0">
-              <a:lnSpc>
-                <a:spcPct val="90000"/>
-              </a:lnSpc>
               <a:spcBef>
                 <a:spcPts val="1417"/>
               </a:spcBef>
               <a:buNone/>
             </a:pPr>
-            <a:endParaRPr b="0" lang="de-DE" sz="2800" spc="-1" strike="noStrike">
+            <a:endParaRPr b="0" lang="de-DE" sz="3200" spc="-1" strike="noStrike">
               <a:solidFill>
                 <a:srgbClr val="000000"/>
               </a:solidFill>
@@ -10644,15 +10237,12 @@
           </a:bodyPr>
           <a:p>
             <a:pPr indent="0">
-              <a:lnSpc>
-                <a:spcPct val="90000"/>
-              </a:lnSpc>
               <a:spcBef>
                 <a:spcPts val="1417"/>
               </a:spcBef>
               <a:buNone/>
             </a:pPr>
-            <a:endParaRPr b="0" lang="de-DE" sz="2800" spc="-1" strike="noStrike">
+            <a:endParaRPr b="0" lang="de-DE" sz="3200" spc="-1" strike="noStrike">
               <a:solidFill>
                 <a:srgbClr val="000000"/>
               </a:solidFill>
@@ -10690,15 +10280,12 @@
           </a:bodyPr>
           <a:p>
             <a:pPr indent="0">
-              <a:lnSpc>
-                <a:spcPct val="90000"/>
-              </a:lnSpc>
               <a:spcBef>
                 <a:spcPts val="1417"/>
               </a:spcBef>
               <a:buNone/>
             </a:pPr>
-            <a:endParaRPr b="0" lang="de-DE" sz="2800" spc="-1" strike="noStrike">
+            <a:endParaRPr b="0" lang="de-DE" sz="3200" spc="-1" strike="noStrike">
               <a:solidFill>
                 <a:srgbClr val="000000"/>
               </a:solidFill>
@@ -10757,10 +10344,10 @@
             <a:noAutofit/>
           </a:bodyPr>
           <a:p>
-            <a:pPr indent="0">
+            <a:pPr indent="0" algn="ctr">
               <a:buNone/>
             </a:pPr>
-            <a:endParaRPr b="0" lang="de-DE" sz="1800" spc="-1" strike="noStrike">
+            <a:endParaRPr b="0" lang="de-DE" sz="4400" spc="-1" strike="noStrike">
               <a:solidFill>
                 <a:srgbClr val="000000"/>
               </a:solidFill>
@@ -10798,15 +10385,12 @@
           </a:bodyPr>
           <a:p>
             <a:pPr indent="0">
-              <a:lnSpc>
-                <a:spcPct val="90000"/>
-              </a:lnSpc>
               <a:spcBef>
                 <a:spcPts val="1417"/>
               </a:spcBef>
               <a:buNone/>
             </a:pPr>
-            <a:endParaRPr b="0" lang="de-DE" sz="2800" spc="-1" strike="noStrike">
+            <a:endParaRPr b="0" lang="de-DE" sz="3200" spc="-1" strike="noStrike">
               <a:solidFill>
                 <a:srgbClr val="000000"/>
               </a:solidFill>
@@ -10844,15 +10428,12 @@
           </a:bodyPr>
           <a:p>
             <a:pPr indent="0">
-              <a:lnSpc>
-                <a:spcPct val="90000"/>
-              </a:lnSpc>
               <a:spcBef>
                 <a:spcPts val="1417"/>
               </a:spcBef>
               <a:buNone/>
             </a:pPr>
-            <a:endParaRPr b="0" lang="de-DE" sz="2800" spc="-1" strike="noStrike">
+            <a:endParaRPr b="0" lang="de-DE" sz="3200" spc="-1" strike="noStrike">
               <a:solidFill>
                 <a:srgbClr val="000000"/>
               </a:solidFill>
@@ -10890,15 +10471,12 @@
           </a:bodyPr>
           <a:p>
             <a:pPr indent="0">
-              <a:lnSpc>
-                <a:spcPct val="90000"/>
-              </a:lnSpc>
               <a:spcBef>
                 <a:spcPts val="1417"/>
               </a:spcBef>
               <a:buNone/>
             </a:pPr>
-            <a:endParaRPr b="0" lang="de-DE" sz="2800" spc="-1" strike="noStrike">
+            <a:endParaRPr b="0" lang="de-DE" sz="3200" spc="-1" strike="noStrike">
               <a:solidFill>
                 <a:srgbClr val="000000"/>
               </a:solidFill>
@@ -10957,10 +10535,10 @@
             <a:noAutofit/>
           </a:bodyPr>
           <a:p>
-            <a:pPr indent="0">
+            <a:pPr indent="0" algn="ctr">
               <a:buNone/>
             </a:pPr>
-            <a:endParaRPr b="0" lang="de-DE" sz="1800" spc="-1" strike="noStrike">
+            <a:endParaRPr b="0" lang="de-DE" sz="4400" spc="-1" strike="noStrike">
               <a:solidFill>
                 <a:srgbClr val="000000"/>
               </a:solidFill>
@@ -10998,15 +10576,12 @@
           </a:bodyPr>
           <a:p>
             <a:pPr indent="0">
-              <a:lnSpc>
-                <a:spcPct val="90000"/>
-              </a:lnSpc>
               <a:spcBef>
                 <a:spcPts val="1417"/>
               </a:spcBef>
               <a:buNone/>
             </a:pPr>
-            <a:endParaRPr b="0" lang="de-DE" sz="2800" spc="-1" strike="noStrike">
+            <a:endParaRPr b="0" lang="de-DE" sz="3200" spc="-1" strike="noStrike">
               <a:solidFill>
                 <a:srgbClr val="000000"/>
               </a:solidFill>
@@ -11044,15 +10619,12 @@
           </a:bodyPr>
           <a:p>
             <a:pPr indent="0">
-              <a:lnSpc>
-                <a:spcPct val="90000"/>
-              </a:lnSpc>
               <a:spcBef>
                 <a:spcPts val="1417"/>
               </a:spcBef>
               <a:buNone/>
             </a:pPr>
-            <a:endParaRPr b="0" lang="de-DE" sz="2800" spc="-1" strike="noStrike">
+            <a:endParaRPr b="0" lang="de-DE" sz="3200" spc="-1" strike="noStrike">
               <a:solidFill>
                 <a:srgbClr val="000000"/>
               </a:solidFill>
@@ -11090,15 +10662,12 @@
           </a:bodyPr>
           <a:p>
             <a:pPr indent="0">
-              <a:lnSpc>
-                <a:spcPct val="90000"/>
-              </a:lnSpc>
               <a:spcBef>
                 <a:spcPts val="1417"/>
               </a:spcBef>
               <a:buNone/>
             </a:pPr>
-            <a:endParaRPr b="0" lang="de-DE" sz="2800" spc="-1" strike="noStrike">
+            <a:endParaRPr b="0" lang="de-DE" sz="3200" spc="-1" strike="noStrike">
               <a:solidFill>
                 <a:srgbClr val="000000"/>
               </a:solidFill>
@@ -11164,86 +10733,93 @@
             <a:noAutofit/>
           </a:bodyPr>
           <a:p>
-            <a:pPr indent="0">
+            <a:pPr indent="0" algn="ctr">
               <a:buNone/>
             </a:pPr>
             <a:r>
-              <a:rPr b="0" lang="de-DE" sz="1800" spc="-1" strike="noStrike">
+              <a:rPr b="0" lang="de-DE" sz="4400" spc="-1" strike="noStrike">
                 <a:solidFill>
                   <a:srgbClr val="000000"/>
                 </a:solidFill>
                 <a:latin typeface="Arial"/>
               </a:rPr>
-              <a:t>Format des </a:t>
+              <a:t>Format des Titeltextes durch Klicken bearbeiten</a:t>
             </a:r>
+            <a:endParaRPr b="0" lang="de-DE" sz="4400" spc="-1" strike="noStrike">
+              <a:solidFill>
+                <a:srgbClr val="000000"/>
+              </a:solidFill>
+              <a:latin typeface="Arial"/>
+            </a:endParaRPr>
+          </a:p>
+        </p:txBody>
+      </p:sp>
+      <p:sp>
+        <p:nvSpPr>
+          <p:cNvPr id="1" name="PlaceHolder 2"/>
+          <p:cNvSpPr>
+            <a:spLocks noGrp="1"/>
+          </p:cNvSpPr>
+          <p:nvPr>
+            <p:ph type="body"/>
+          </p:nvPr>
+        </p:nvSpPr>
+        <p:spPr>
+          <a:xfrm>
+            <a:off x="609480" y="1604520"/>
+            <a:ext cx="10972440" cy="3977280"/>
+          </a:xfrm>
+          <a:prstGeom prst="rect">
+            <a:avLst/>
+          </a:prstGeom>
+          <a:noFill/>
+          <a:ln w="0">
+            <a:noFill/>
+          </a:ln>
+        </p:spPr>
+        <p:txBody>
+          <a:bodyPr lIns="0" rIns="0" tIns="0" bIns="0" anchor="t">
+            <a:normAutofit/>
+          </a:bodyPr>
+          <a:p>
+            <a:pPr marL="432000" indent="-324000">
+              <a:spcBef>
+                <a:spcPts val="1417"/>
+              </a:spcBef>
+              <a:buClr>
+                <a:srgbClr val="000000"/>
+              </a:buClr>
+              <a:buSzPct val="45000"/>
+              <a:buFont typeface="Wingdings" charset="2"/>
+              <a:buChar char=""/>
+            </a:pPr>
             <a:r>
-              <a:rPr b="0" lang="de-DE" sz="1800" spc="-1" strike="noStrike">
+              <a:rPr b="0" lang="de-DE" sz="3200" spc="-1" strike="noStrike">
                 <a:solidFill>
                   <a:srgbClr val="000000"/>
                 </a:solidFill>
                 <a:latin typeface="Arial"/>
               </a:rPr>
-              <a:t>Titeltextes durch </a:t>
+              <a:t>Format des Gliederungstextes durch Klicken bearbeiten</a:t>
             </a:r>
-            <a:r>
-              <a:rPr b="0" lang="de-DE" sz="1800" spc="-1" strike="noStrike">
-                <a:solidFill>
-                  <a:srgbClr val="000000"/>
-                </a:solidFill>
-                <a:latin typeface="Arial"/>
-              </a:rPr>
-              <a:t>Klicken bearbeiten</a:t>
-            </a:r>
-            <a:endParaRPr b="0" lang="de-DE" sz="1800" spc="-1" strike="noStrike">
-              <a:solidFill>
-                <a:srgbClr val="000000"/>
-              </a:solidFill>
-              <a:latin typeface="Arial"/>
-            </a:endParaRPr>
-          </a:p>
-        </p:txBody>
-      </p:sp>
-      <p:sp>
-        <p:nvSpPr>
-          <p:cNvPr id="1" name="PlaceHolder 2"/>
-          <p:cNvSpPr>
-            <a:spLocks noGrp="1"/>
-          </p:cNvSpPr>
-          <p:nvPr>
-            <p:ph type="body"/>
-          </p:nvPr>
-        </p:nvSpPr>
-        <p:spPr>
-          <a:xfrm>
-            <a:off x="609480" y="1604520"/>
-            <a:ext cx="10972440" cy="3977280"/>
-          </a:xfrm>
-          <a:prstGeom prst="rect">
-            <a:avLst/>
-          </a:prstGeom>
-          <a:noFill/>
-          <a:ln w="0">
-            <a:noFill/>
-          </a:ln>
-        </p:spPr>
-        <p:txBody>
-          <a:bodyPr lIns="0" rIns="0" tIns="0" bIns="0" anchor="t">
-            <a:normAutofit/>
-          </a:bodyPr>
-          <a:p>
-            <a:pPr marL="432000" indent="-324000">
-              <a:lnSpc>
-                <a:spcPct val="90000"/>
-              </a:lnSpc>
+            <a:endParaRPr b="0" lang="de-DE" sz="3200" spc="-1" strike="noStrike">
+              <a:solidFill>
+                <a:srgbClr val="000000"/>
+              </a:solidFill>
+              <a:latin typeface="Arial"/>
+            </a:endParaRPr>
+          </a:p>
+          <a:p>
+            <a:pPr lvl="1" marL="864000" indent="-324000">
               <a:spcBef>
-                <a:spcPts val="1417"/>
+                <a:spcPts val="1134"/>
               </a:spcBef>
               <a:buClr>
                 <a:srgbClr val="000000"/>
               </a:buClr>
-              <a:buSzPct val="45000"/>
-              <a:buFont typeface="Wingdings" charset="2"/>
-              <a:buChar char=""/>
+              <a:buSzPct val="75000"/>
+              <a:buFont typeface="Symbol" charset="2"/>
+              <a:buChar char=""/>
             </a:pPr>
             <a:r>
               <a:rPr b="0" lang="de-DE" sz="2800" spc="-1" strike="noStrike">
@@ -11252,7 +10828,7 @@
                 </a:solidFill>
                 <a:latin typeface="Arial"/>
               </a:rPr>
-              <a:t>Format des Gliederungstextes durch Klicken bearbeiten</a:t>
+              <a:t>Zweite Gliederungsebene</a:t>
             </a:r>
             <a:endParaRPr b="0" lang="de-DE" sz="2800" spc="-1" strike="noStrike">
               <a:solidFill>
@@ -11262,12 +10838,37 @@
             </a:endParaRPr>
           </a:p>
           <a:p>
-            <a:pPr lvl="1" marL="864000" indent="-324000">
-              <a:lnSpc>
-                <a:spcPct val="90000"/>
-              </a:lnSpc>
+            <a:pPr lvl="2" marL="1296000" indent="-288000">
               <a:spcBef>
-                <a:spcPts val="1134"/>
+                <a:spcPts val="850"/>
+              </a:spcBef>
+              <a:buClr>
+                <a:srgbClr val="000000"/>
+              </a:buClr>
+              <a:buSzPct val="45000"/>
+              <a:buFont typeface="Wingdings" charset="2"/>
+              <a:buChar char=""/>
+            </a:pPr>
+            <a:r>
+              <a:rPr b="0" lang="de-DE" sz="2400" spc="-1" strike="noStrike">
+                <a:solidFill>
+                  <a:srgbClr val="000000"/>
+                </a:solidFill>
+                <a:latin typeface="Arial"/>
+              </a:rPr>
+              <a:t>Dritte Gliederungsebene</a:t>
+            </a:r>
+            <a:endParaRPr b="0" lang="de-DE" sz="2400" spc="-1" strike="noStrike">
+              <a:solidFill>
+                <a:srgbClr val="000000"/>
+              </a:solidFill>
+              <a:latin typeface="Arial"/>
+            </a:endParaRPr>
+          </a:p>
+          <a:p>
+            <a:pPr lvl="3" marL="1728000" indent="-216000">
+              <a:spcBef>
+                <a:spcPts val="567"/>
               </a:spcBef>
               <a:buClr>
                 <a:srgbClr val="000000"/>
@@ -11283,7 +10884,7 @@
                 </a:solidFill>
                 <a:latin typeface="Arial"/>
               </a:rPr>
-              <a:t>Zweite Gliederungsebene</a:t>
+              <a:t>Vierte Gliederungsebene</a:t>
             </a:r>
             <a:endParaRPr b="0" lang="de-DE" sz="2000" spc="-1" strike="noStrike">
               <a:solidFill>
@@ -11293,72 +10894,7 @@
             </a:endParaRPr>
           </a:p>
           <a:p>
-            <a:pPr lvl="2" marL="1296000" indent="-288000">
-              <a:lnSpc>
-                <a:spcPct val="90000"/>
-              </a:lnSpc>
-              <a:spcBef>
-                <a:spcPts val="850"/>
-              </a:spcBef>
-              <a:buClr>
-                <a:srgbClr val="000000"/>
-              </a:buClr>
-              <a:buSzPct val="45000"/>
-              <a:buFont typeface="Wingdings" charset="2"/>
-              <a:buChar char=""/>
-            </a:pPr>
-            <a:r>
-              <a:rPr b="0" lang="de-DE" sz="1800" spc="-1" strike="noStrike">
-                <a:solidFill>
-                  <a:srgbClr val="000000"/>
-                </a:solidFill>
-                <a:latin typeface="Arial"/>
-              </a:rPr>
-              <a:t>Dritte Gliederungsebene</a:t>
-            </a:r>
-            <a:endParaRPr b="0" lang="de-DE" sz="1800" spc="-1" strike="noStrike">
-              <a:solidFill>
-                <a:srgbClr val="000000"/>
-              </a:solidFill>
-              <a:latin typeface="Arial"/>
-            </a:endParaRPr>
-          </a:p>
-          <a:p>
-            <a:pPr lvl="3" marL="1728000" indent="-216000">
-              <a:lnSpc>
-                <a:spcPct val="90000"/>
-              </a:lnSpc>
-              <a:spcBef>
-                <a:spcPts val="567"/>
-              </a:spcBef>
-              <a:buClr>
-                <a:srgbClr val="000000"/>
-              </a:buClr>
-              <a:buSzPct val="75000"/>
-              <a:buFont typeface="Symbol" charset="2"/>
-              <a:buChar char=""/>
-            </a:pPr>
-            <a:r>
-              <a:rPr b="0" lang="de-DE" sz="1800" spc="-1" strike="noStrike">
-                <a:solidFill>
-                  <a:srgbClr val="000000"/>
-                </a:solidFill>
-                <a:latin typeface="Arial"/>
-              </a:rPr>
-              <a:t>Vierte Gliederungsebene</a:t>
-            </a:r>
-            <a:endParaRPr b="0" lang="de-DE" sz="1800" spc="-1" strike="noStrike">
-              <a:solidFill>
-                <a:srgbClr val="000000"/>
-              </a:solidFill>
-              <a:latin typeface="Arial"/>
-            </a:endParaRPr>
-          </a:p>
-          <a:p>
             <a:pPr lvl="4" marL="2160000" indent="-216000">
-              <a:lnSpc>
-                <a:spcPct val="90000"/>
-              </a:lnSpc>
               <a:spcBef>
                 <a:spcPts val="283"/>
               </a:spcBef>
@@ -11387,9 +10923,6 @@
           </a:p>
           <a:p>
             <a:pPr lvl="5" marL="2592000" indent="-216000">
-              <a:lnSpc>
-                <a:spcPct val="90000"/>
-              </a:lnSpc>
               <a:spcBef>
                 <a:spcPts val="283"/>
               </a:spcBef>
@@ -11418,9 +10951,6 @@
           </a:p>
           <a:p>
             <a:pPr lvl="6" marL="3024000" indent="-216000">
-              <a:lnSpc>
-                <a:spcPct val="90000"/>
-              </a:lnSpc>
               <a:spcBef>
                 <a:spcPts val="283"/>
               </a:spcBef>
@@ -11502,7 +11032,7 @@
         <p:spPr>
           <a:xfrm>
             <a:off x="323640" y="6357240"/>
-            <a:ext cx="11867760" cy="338760"/>
+            <a:ext cx="11867400" cy="338400"/>
           </a:xfrm>
           <a:prstGeom prst="rect">
             <a:avLst/>
@@ -11557,15 +11087,15 @@
         <p:spPr>
           <a:xfrm>
             <a:off x="323640" y="6349320"/>
-            <a:ext cx="564480" cy="347040"/>
+            <a:ext cx="564120" cy="346680"/>
           </a:xfrm>
           <a:custGeom>
             <a:avLst/>
             <a:gdLst>
-              <a:gd name="textAreaLeft" fmla="*/ 0 w 564480"/>
-              <a:gd name="textAreaRight" fmla="*/ 565200 w 564480"/>
-              <a:gd name="textAreaTop" fmla="*/ 0 h 347040"/>
-              <a:gd name="textAreaBottom" fmla="*/ 347760 h 347040"/>
+              <a:gd name="textAreaLeft" fmla="*/ 0 w 564120"/>
+              <a:gd name="textAreaRight" fmla="*/ 565200 w 564120"/>
+              <a:gd name="textAreaTop" fmla="*/ 0 h 346680"/>
+              <a:gd name="textAreaBottom" fmla="*/ 347760 h 346680"/>
             </a:gdLst>
             <a:ahLst/>
             <a:rect l="textAreaLeft" t="textAreaTop" r="textAreaRight" b="textAreaBottom"/>
@@ -11890,20 +11420,77 @@
             <a:noAutofit/>
           </a:bodyPr>
           <a:p>
-            <a:pPr indent="0">
+            <a:pPr indent="0" algn="ctr">
               <a:buNone/>
             </a:pPr>
             <a:r>
-              <a:rPr b="0" lang="de-DE" sz="1800" spc="-1" strike="noStrike">
+              <a:rPr b="0" lang="de-DE" sz="4400" spc="-1" strike="noStrike">
                 <a:solidFill>
                   <a:srgbClr val="000000"/>
                 </a:solidFill>
                 <a:latin typeface="Arial"/>
               </a:rPr>
-              <a:t>Format des Titeltextes durch </a:t>
+              <a:t>Format des Titeltextes durch Klicken bearbeiten</a:t>
+            </a:r>
+            <a:endParaRPr b="0" lang="de-DE" sz="4400" spc="-1" strike="noStrike">
+              <a:solidFill>
+                <a:srgbClr val="000000"/>
+              </a:solidFill>
+              <a:latin typeface="Arial"/>
+            </a:endParaRPr>
+          </a:p>
+        </p:txBody>
+      </p:sp>
+      <p:sp>
+        <p:nvSpPr>
+          <p:cNvPr id="41" name="PlaceHolder 2"/>
+          <p:cNvSpPr>
+            <a:spLocks noGrp="1"/>
+          </p:cNvSpPr>
+          <p:nvPr>
+            <p:ph type="body"/>
+          </p:nvPr>
+        </p:nvSpPr>
+        <p:spPr>
+          <a:xfrm>
+            <a:off x="609480" y="1604520"/>
+            <a:ext cx="10972440" cy="3977280"/>
+          </a:xfrm>
+          <a:prstGeom prst="rect">
+            <a:avLst/>
+          </a:prstGeom>
+          <a:noFill/>
+          <a:ln w="0">
+            <a:noFill/>
+          </a:ln>
+        </p:spPr>
+        <p:txBody>
+          <a:bodyPr lIns="0" rIns="0" tIns="0" bIns="0" anchor="t">
+            <a:normAutofit/>
+          </a:bodyPr>
+          <a:p>
+            <a:pPr marL="432000" indent="-324000">
+              <a:spcBef>
+                <a:spcPts val="1417"/>
+              </a:spcBef>
+              <a:buClr>
+                <a:srgbClr val="000000"/>
+              </a:buClr>
+              <a:buSzPct val="45000"/>
+              <a:buFont typeface="Wingdings" charset="2"/>
+              <a:buChar char=""/>
+            </a:pPr>
+            <a:r>
+              <a:rPr b="0" lang="de-DE" sz="3200" spc="-1" strike="noStrike">
+                <a:solidFill>
+                  <a:srgbClr val="000000"/>
+                </a:solidFill>
+                <a:latin typeface="Arial"/>
+              </a:rPr>
+              <a:t>Format des Gliederungstextes durch </a:t>
             </a:r>
             <a:r>
-              <a:rPr b="0" lang="de-DE" sz="1800" spc="-1" strike="noStrike">
+              <a:rPr b="0" lang="de-DE" sz="3200" spc="-1" strike="noStrike">
                 <a:solidFill>
                   <a:srgbClr val="000000"/>
                 </a:solidFill>
@@ -11911,56 +11498,24 @@
               </a:rPr>
               <a:t>Klicken bearbeiten</a:t>
             </a:r>
-            <a:endParaRPr b="0" lang="de-DE" sz="1800" spc="-1" strike="noStrike">
-              <a:solidFill>
-                <a:srgbClr val="000000"/>
-              </a:solidFill>
-              <a:latin typeface="Arial"/>
-            </a:endParaRPr>
-          </a:p>
-        </p:txBody>
-      </p:sp>
-      <p:sp>
-        <p:nvSpPr>
-          <p:cNvPr id="41" name="PlaceHolder 2"/>
-          <p:cNvSpPr>
-            <a:spLocks noGrp="1"/>
-          </p:cNvSpPr>
-          <p:nvPr>
-            <p:ph type="body"/>
-          </p:nvPr>
-        </p:nvSpPr>
-        <p:spPr>
-          <a:xfrm>
-            <a:off x="609480" y="1604520"/>
-            <a:ext cx="10972440" cy="3977280"/>
-          </a:xfrm>
-          <a:prstGeom prst="rect">
-            <a:avLst/>
-          </a:prstGeom>
-          <a:noFill/>
-          <a:ln w="0">
-            <a:noFill/>
-          </a:ln>
-        </p:spPr>
-        <p:txBody>
-          <a:bodyPr lIns="0" rIns="0" tIns="0" bIns="0" anchor="t">
-            <a:normAutofit/>
-          </a:bodyPr>
-          <a:p>
-            <a:pPr marL="432000" indent="-324000">
-              <a:lnSpc>
-                <a:spcPct val="90000"/>
-              </a:lnSpc>
+            <a:endParaRPr b="0" lang="de-DE" sz="3200" spc="-1" strike="noStrike">
+              <a:solidFill>
+                <a:srgbClr val="000000"/>
+              </a:solidFill>
+              <a:latin typeface="Arial"/>
+            </a:endParaRPr>
+          </a:p>
+          <a:p>
+            <a:pPr lvl="1" marL="864000" indent="-324000">
               <a:spcBef>
-                <a:spcPts val="1417"/>
+                <a:spcPts val="1134"/>
               </a:spcBef>
               <a:buClr>
                 <a:srgbClr val="000000"/>
               </a:buClr>
-              <a:buSzPct val="45000"/>
-              <a:buFont typeface="Wingdings" charset="2"/>
-              <a:buChar char=""/>
+              <a:buSzPct val="75000"/>
+              <a:buFont typeface="Symbol" charset="2"/>
+              <a:buChar char=""/>
             </a:pPr>
             <a:r>
               <a:rPr b="0" lang="de-DE" sz="2800" spc="-1" strike="noStrike">
@@ -11969,7 +11524,7 @@
                 </a:solidFill>
                 <a:latin typeface="Arial"/>
               </a:rPr>
-              <a:t>Format des Gliederungstextes durch Klicken bearbeiten</a:t>
+              <a:t>Zweite Gliederungsebene</a:t>
             </a:r>
             <a:endParaRPr b="0" lang="de-DE" sz="2800" spc="-1" strike="noStrike">
               <a:solidFill>
@@ -11979,12 +11534,37 @@
             </a:endParaRPr>
           </a:p>
           <a:p>
-            <a:pPr lvl="1" marL="864000" indent="-324000">
-              <a:lnSpc>
-                <a:spcPct val="90000"/>
-              </a:lnSpc>
+            <a:pPr lvl="2" marL="1296000" indent="-288000">
               <a:spcBef>
-                <a:spcPts val="1134"/>
+                <a:spcPts val="850"/>
+              </a:spcBef>
+              <a:buClr>
+                <a:srgbClr val="000000"/>
+              </a:buClr>
+              <a:buSzPct val="45000"/>
+              <a:buFont typeface="Wingdings" charset="2"/>
+              <a:buChar char=""/>
+            </a:pPr>
+            <a:r>
+              <a:rPr b="0" lang="de-DE" sz="2400" spc="-1" strike="noStrike">
+                <a:solidFill>
+                  <a:srgbClr val="000000"/>
+                </a:solidFill>
+                <a:latin typeface="Arial"/>
+              </a:rPr>
+              <a:t>Dritte Gliederungsebene</a:t>
+            </a:r>
+            <a:endParaRPr b="0" lang="de-DE" sz="2400" spc="-1" strike="noStrike">
+              <a:solidFill>
+                <a:srgbClr val="000000"/>
+              </a:solidFill>
+              <a:latin typeface="Arial"/>
+            </a:endParaRPr>
+          </a:p>
+          <a:p>
+            <a:pPr lvl="3" marL="1728000" indent="-216000">
+              <a:spcBef>
+                <a:spcPts val="567"/>
               </a:spcBef>
               <a:buClr>
                 <a:srgbClr val="000000"/>
@@ -12000,7 +11580,7 @@
                 </a:solidFill>
                 <a:latin typeface="Arial"/>
               </a:rPr>
-              <a:t>Zweite Gliederungsebene</a:t>
+              <a:t>Vierte Gliederungsebene</a:t>
             </a:r>
             <a:endParaRPr b="0" lang="de-DE" sz="2000" spc="-1" strike="noStrike">
               <a:solidFill>
@@ -12010,72 +11590,7 @@
             </a:endParaRPr>
           </a:p>
           <a:p>
-            <a:pPr lvl="2" marL="1296000" indent="-288000">
-              <a:lnSpc>
-                <a:spcPct val="90000"/>
-              </a:lnSpc>
-              <a:spcBef>
-                <a:spcPts val="850"/>
-              </a:spcBef>
-              <a:buClr>
-                <a:srgbClr val="000000"/>
-              </a:buClr>
-              <a:buSzPct val="45000"/>
-              <a:buFont typeface="Wingdings" charset="2"/>
-              <a:buChar char=""/>
-            </a:pPr>
-            <a:r>
-              <a:rPr b="0" lang="de-DE" sz="1800" spc="-1" strike="noStrike">
-                <a:solidFill>
-                  <a:srgbClr val="000000"/>
-                </a:solidFill>
-                <a:latin typeface="Arial"/>
-              </a:rPr>
-              <a:t>Dritte Gliederungsebene</a:t>
-            </a:r>
-            <a:endParaRPr b="0" lang="de-DE" sz="1800" spc="-1" strike="noStrike">
-              <a:solidFill>
-                <a:srgbClr val="000000"/>
-              </a:solidFill>
-              <a:latin typeface="Arial"/>
-            </a:endParaRPr>
-          </a:p>
-          <a:p>
-            <a:pPr lvl="3" marL="1728000" indent="-216000">
-              <a:lnSpc>
-                <a:spcPct val="90000"/>
-              </a:lnSpc>
-              <a:spcBef>
-                <a:spcPts val="567"/>
-              </a:spcBef>
-              <a:buClr>
-                <a:srgbClr val="000000"/>
-              </a:buClr>
-              <a:buSzPct val="75000"/>
-              <a:buFont typeface="Symbol" charset="2"/>
-              <a:buChar char=""/>
-            </a:pPr>
-            <a:r>
-              <a:rPr b="0" lang="de-DE" sz="1800" spc="-1" strike="noStrike">
-                <a:solidFill>
-                  <a:srgbClr val="000000"/>
-                </a:solidFill>
-                <a:latin typeface="Arial"/>
-              </a:rPr>
-              <a:t>Vierte Gliederungsebene</a:t>
-            </a:r>
-            <a:endParaRPr b="0" lang="de-DE" sz="1800" spc="-1" strike="noStrike">
-              <a:solidFill>
-                <a:srgbClr val="000000"/>
-              </a:solidFill>
-              <a:latin typeface="Arial"/>
-            </a:endParaRPr>
-          </a:p>
-          <a:p>
             <a:pPr lvl="4" marL="2160000" indent="-216000">
-              <a:lnSpc>
-                <a:spcPct val="90000"/>
-              </a:lnSpc>
               <a:spcBef>
                 <a:spcPts val="283"/>
               </a:spcBef>
@@ -12104,9 +11619,6 @@
           </a:p>
           <a:p>
             <a:pPr lvl="5" marL="2592000" indent="-216000">
-              <a:lnSpc>
-                <a:spcPct val="90000"/>
-              </a:lnSpc>
               <a:spcBef>
                 <a:spcPts val="283"/>
               </a:spcBef>
@@ -12135,9 +11647,6 @@
           </a:p>
           <a:p>
             <a:pPr lvl="6" marL="3024000" indent="-216000">
-              <a:lnSpc>
-                <a:spcPct val="90000"/>
-              </a:lnSpc>
               <a:spcBef>
                 <a:spcPts val="283"/>
               </a:spcBef>
@@ -12219,15 +11728,15 @@
         <p:spPr>
           <a:xfrm>
             <a:off x="0" y="161280"/>
-            <a:ext cx="11190600" cy="1025280"/>
+            <a:ext cx="11190240" cy="1024920"/>
           </a:xfrm>
           <a:custGeom>
             <a:avLst/>
             <a:gdLst>
-              <a:gd name="textAreaLeft" fmla="*/ 0 w 11190600"/>
-              <a:gd name="textAreaRight" fmla="*/ 11191320 w 11190600"/>
-              <a:gd name="textAreaTop" fmla="*/ 0 h 1025280"/>
-              <a:gd name="textAreaBottom" fmla="*/ 1026000 h 1025280"/>
+              <a:gd name="textAreaLeft" fmla="*/ 0 w 11190240"/>
+              <a:gd name="textAreaRight" fmla="*/ 11191320 w 11190240"/>
+              <a:gd name="textAreaTop" fmla="*/ 0 h 1024920"/>
+              <a:gd name="textAreaBottom" fmla="*/ 1026000 h 1024920"/>
             </a:gdLst>
             <a:ahLst/>
             <a:rect l="textAreaLeft" t="textAreaTop" r="textAreaRight" b="textAreaBottom"/>
@@ -12306,15 +11815,15 @@
         <p:spPr>
           <a:xfrm>
             <a:off x="0" y="161280"/>
-            <a:ext cx="1667520" cy="1025280"/>
+            <a:ext cx="1667160" cy="1024920"/>
           </a:xfrm>
           <a:custGeom>
             <a:avLst/>
             <a:gdLst>
-              <a:gd name="textAreaLeft" fmla="*/ 0 w 1667520"/>
-              <a:gd name="textAreaRight" fmla="*/ 1668240 w 1667520"/>
-              <a:gd name="textAreaTop" fmla="*/ 0 h 1025280"/>
-              <a:gd name="textAreaBottom" fmla="*/ 1026000 h 1025280"/>
+              <a:gd name="textAreaLeft" fmla="*/ 0 w 1667160"/>
+              <a:gd name="textAreaRight" fmla="*/ 1668240 w 1667160"/>
+              <a:gd name="textAreaTop" fmla="*/ 0 h 1024920"/>
+              <a:gd name="textAreaBottom" fmla="*/ 1026000 h 1024920"/>
             </a:gdLst>
             <a:ahLst/>
             <a:rect l="textAreaLeft" t="textAreaTop" r="textAreaRight" b="textAreaBottom"/>
@@ -12620,15 +12129,15 @@
         <p:spPr>
           <a:xfrm>
             <a:off x="11288880" y="161280"/>
-            <a:ext cx="902160" cy="1025280"/>
+            <a:ext cx="901800" cy="1024920"/>
           </a:xfrm>
           <a:custGeom>
             <a:avLst/>
             <a:gdLst>
-              <a:gd name="textAreaLeft" fmla="*/ 0 w 902160"/>
-              <a:gd name="textAreaRight" fmla="*/ 902880 w 902160"/>
-              <a:gd name="textAreaTop" fmla="*/ 0 h 1025280"/>
-              <a:gd name="textAreaBottom" fmla="*/ 1026000 h 1025280"/>
+              <a:gd name="textAreaLeft" fmla="*/ 0 w 901800"/>
+              <a:gd name="textAreaRight" fmla="*/ 902880 w 901800"/>
+              <a:gd name="textAreaTop" fmla="*/ 0 h 1024920"/>
+              <a:gd name="textAreaBottom" fmla="*/ 1026000 h 1024920"/>
             </a:gdLst>
             <a:ahLst/>
             <a:rect l="textAreaLeft" t="textAreaTop" r="textAreaRight" b="textAreaBottom"/>
@@ -12729,20 +12238,77 @@
             <a:noAutofit/>
           </a:bodyPr>
           <a:p>
-            <a:pPr indent="0">
+            <a:pPr indent="0" algn="ctr">
               <a:buNone/>
             </a:pPr>
             <a:r>
-              <a:rPr b="0" lang="de-DE" sz="1800" spc="-1" strike="noStrike">
+              <a:rPr b="0" lang="de-DE" sz="4400" spc="-1" strike="noStrike">
                 <a:solidFill>
                   <a:srgbClr val="000000"/>
                 </a:solidFill>
                 <a:latin typeface="Arial"/>
               </a:rPr>
-              <a:t>Format des Titeltextes durch </a:t>
+              <a:t>Format des Titeltextes durch Klicken bearbeiten</a:t>
+            </a:r>
+            <a:endParaRPr b="0" lang="de-DE" sz="4400" spc="-1" strike="noStrike">
+              <a:solidFill>
+                <a:srgbClr val="000000"/>
+              </a:solidFill>
+              <a:latin typeface="Arial"/>
+            </a:endParaRPr>
+          </a:p>
+        </p:txBody>
+      </p:sp>
+      <p:sp>
+        <p:nvSpPr>
+          <p:cNvPr id="82" name="PlaceHolder 2"/>
+          <p:cNvSpPr>
+            <a:spLocks noGrp="1"/>
+          </p:cNvSpPr>
+          <p:nvPr>
+            <p:ph type="body"/>
+          </p:nvPr>
+        </p:nvSpPr>
+        <p:spPr>
+          <a:xfrm>
+            <a:off x="609480" y="1604520"/>
+            <a:ext cx="10972440" cy="3977280"/>
+          </a:xfrm>
+          <a:prstGeom prst="rect">
+            <a:avLst/>
+          </a:prstGeom>
+          <a:noFill/>
+          <a:ln w="0">
+            <a:noFill/>
+          </a:ln>
+        </p:spPr>
+        <p:txBody>
+          <a:bodyPr lIns="0" rIns="0" tIns="0" bIns="0" anchor="t">
+            <a:normAutofit/>
+          </a:bodyPr>
+          <a:p>
+            <a:pPr marL="432000" indent="-324000">
+              <a:spcBef>
+                <a:spcPts val="1417"/>
+              </a:spcBef>
+              <a:buClr>
+                <a:srgbClr val="000000"/>
+              </a:buClr>
+              <a:buSzPct val="45000"/>
+              <a:buFont typeface="Wingdings" charset="2"/>
+              <a:buChar char=""/>
+            </a:pPr>
+            <a:r>
+              <a:rPr b="0" lang="de-DE" sz="3200" spc="-1" strike="noStrike">
+                <a:solidFill>
+                  <a:srgbClr val="000000"/>
+                </a:solidFill>
+                <a:latin typeface="Arial"/>
+              </a:rPr>
+              <a:t>Format des Gliederungstextes durch </a:t>
             </a:r>
             <a:r>
-              <a:rPr b="0" lang="de-DE" sz="1800" spc="-1" strike="noStrike">
+              <a:rPr b="0" lang="de-DE" sz="3200" spc="-1" strike="noStrike">
                 <a:solidFill>
                   <a:srgbClr val="000000"/>
                 </a:solidFill>
@@ -12750,56 +12316,24 @@
               </a:rPr>
               <a:t>Klicken bearbeiten</a:t>
             </a:r>
-            <a:endParaRPr b="0" lang="de-DE" sz="1800" spc="-1" strike="noStrike">
-              <a:solidFill>
-                <a:srgbClr val="000000"/>
-              </a:solidFill>
-              <a:latin typeface="Arial"/>
-            </a:endParaRPr>
-          </a:p>
-        </p:txBody>
-      </p:sp>
-      <p:sp>
-        <p:nvSpPr>
-          <p:cNvPr id="82" name="PlaceHolder 2"/>
-          <p:cNvSpPr>
-            <a:spLocks noGrp="1"/>
-          </p:cNvSpPr>
-          <p:nvPr>
-            <p:ph type="body"/>
-          </p:nvPr>
-        </p:nvSpPr>
-        <p:spPr>
-          <a:xfrm>
-            <a:off x="609480" y="1604520"/>
-            <a:ext cx="10972440" cy="3977280"/>
-          </a:xfrm>
-          <a:prstGeom prst="rect">
-            <a:avLst/>
-          </a:prstGeom>
-          <a:noFill/>
-          <a:ln w="0">
-            <a:noFill/>
-          </a:ln>
-        </p:spPr>
-        <p:txBody>
-          <a:bodyPr lIns="0" rIns="0" tIns="0" bIns="0" anchor="t">
-            <a:normAutofit/>
-          </a:bodyPr>
-          <a:p>
-            <a:pPr marL="432000" indent="-324000">
-              <a:lnSpc>
-                <a:spcPct val="90000"/>
-              </a:lnSpc>
+            <a:endParaRPr b="0" lang="de-DE" sz="3200" spc="-1" strike="noStrike">
+              <a:solidFill>
+                <a:srgbClr val="000000"/>
+              </a:solidFill>
+              <a:latin typeface="Arial"/>
+            </a:endParaRPr>
+          </a:p>
+          <a:p>
+            <a:pPr lvl="1" marL="864000" indent="-324000">
               <a:spcBef>
-                <a:spcPts val="1417"/>
+                <a:spcPts val="1134"/>
               </a:spcBef>
               <a:buClr>
                 <a:srgbClr val="000000"/>
               </a:buClr>
-              <a:buSzPct val="45000"/>
-              <a:buFont typeface="Wingdings" charset="2"/>
-              <a:buChar char=""/>
+              <a:buSzPct val="75000"/>
+              <a:buFont typeface="Symbol" charset="2"/>
+              <a:buChar char=""/>
             </a:pPr>
             <a:r>
               <a:rPr b="0" lang="de-DE" sz="2800" spc="-1" strike="noStrike">
@@ -12808,7 +12342,7 @@
                 </a:solidFill>
                 <a:latin typeface="Arial"/>
               </a:rPr>
-              <a:t>Format des Gliederungstextes durch Klicken bearbeiten</a:t>
+              <a:t>Zweite Gliederungsebene</a:t>
             </a:r>
             <a:endParaRPr b="0" lang="de-DE" sz="2800" spc="-1" strike="noStrike">
               <a:solidFill>
@@ -12818,12 +12352,37 @@
             </a:endParaRPr>
           </a:p>
           <a:p>
-            <a:pPr lvl="1" marL="864000" indent="-324000">
-              <a:lnSpc>
-                <a:spcPct val="90000"/>
-              </a:lnSpc>
+            <a:pPr lvl="2" marL="1296000" indent="-288000">
               <a:spcBef>
-                <a:spcPts val="1134"/>
+                <a:spcPts val="850"/>
+              </a:spcBef>
+              <a:buClr>
+                <a:srgbClr val="000000"/>
+              </a:buClr>
+              <a:buSzPct val="45000"/>
+              <a:buFont typeface="Wingdings" charset="2"/>
+              <a:buChar char=""/>
+            </a:pPr>
+            <a:r>
+              <a:rPr b="0" lang="de-DE" sz="2400" spc="-1" strike="noStrike">
+                <a:solidFill>
+                  <a:srgbClr val="000000"/>
+                </a:solidFill>
+                <a:latin typeface="Arial"/>
+              </a:rPr>
+              <a:t>Dritte Gliederungsebene</a:t>
+            </a:r>
+            <a:endParaRPr b="0" lang="de-DE" sz="2400" spc="-1" strike="noStrike">
+              <a:solidFill>
+                <a:srgbClr val="000000"/>
+              </a:solidFill>
+              <a:latin typeface="Arial"/>
+            </a:endParaRPr>
+          </a:p>
+          <a:p>
+            <a:pPr lvl="3" marL="1728000" indent="-216000">
+              <a:spcBef>
+                <a:spcPts val="567"/>
               </a:spcBef>
               <a:buClr>
                 <a:srgbClr val="000000"/>
@@ -12839,7 +12398,7 @@
                 </a:solidFill>
                 <a:latin typeface="Arial"/>
               </a:rPr>
-              <a:t>Zweite Gliederungsebene</a:t>
+              <a:t>Vierte Gliederungsebene</a:t>
             </a:r>
             <a:endParaRPr b="0" lang="de-DE" sz="2000" spc="-1" strike="noStrike">
               <a:solidFill>
@@ -12849,72 +12408,7 @@
             </a:endParaRPr>
           </a:p>
           <a:p>
-            <a:pPr lvl="2" marL="1296000" indent="-288000">
-              <a:lnSpc>
-                <a:spcPct val="90000"/>
-              </a:lnSpc>
-              <a:spcBef>
-                <a:spcPts val="850"/>
-              </a:spcBef>
-              <a:buClr>
-                <a:srgbClr val="000000"/>
-              </a:buClr>
-              <a:buSzPct val="45000"/>
-              <a:buFont typeface="Wingdings" charset="2"/>
-              <a:buChar char=""/>
-            </a:pPr>
-            <a:r>
-              <a:rPr b="0" lang="de-DE" sz="1800" spc="-1" strike="noStrike">
-                <a:solidFill>
-                  <a:srgbClr val="000000"/>
-                </a:solidFill>
-                <a:latin typeface="Arial"/>
-              </a:rPr>
-              <a:t>Dritte Gliederungsebene</a:t>
-            </a:r>
-            <a:endParaRPr b="0" lang="de-DE" sz="1800" spc="-1" strike="noStrike">
-              <a:solidFill>
-                <a:srgbClr val="000000"/>
-              </a:solidFill>
-              <a:latin typeface="Arial"/>
-            </a:endParaRPr>
-          </a:p>
-          <a:p>
-            <a:pPr lvl="3" marL="1728000" indent="-216000">
-              <a:lnSpc>
-                <a:spcPct val="90000"/>
-              </a:lnSpc>
-              <a:spcBef>
-                <a:spcPts val="567"/>
-              </a:spcBef>
-              <a:buClr>
-                <a:srgbClr val="000000"/>
-              </a:buClr>
-              <a:buSzPct val="75000"/>
-              <a:buFont typeface="Symbol" charset="2"/>
-              <a:buChar char=""/>
-            </a:pPr>
-            <a:r>
-              <a:rPr b="0" lang="de-DE" sz="1800" spc="-1" strike="noStrike">
-                <a:solidFill>
-                  <a:srgbClr val="000000"/>
-                </a:solidFill>
-                <a:latin typeface="Arial"/>
-              </a:rPr>
-              <a:t>Vierte Gliederungsebene</a:t>
-            </a:r>
-            <a:endParaRPr b="0" lang="de-DE" sz="1800" spc="-1" strike="noStrike">
-              <a:solidFill>
-                <a:srgbClr val="000000"/>
-              </a:solidFill>
-              <a:latin typeface="Arial"/>
-            </a:endParaRPr>
-          </a:p>
-          <a:p>
             <a:pPr lvl="4" marL="2160000" indent="-216000">
-              <a:lnSpc>
-                <a:spcPct val="90000"/>
-              </a:lnSpc>
               <a:spcBef>
                 <a:spcPts val="283"/>
               </a:spcBef>
@@ -12943,9 +12437,6 @@
           </a:p>
           <a:p>
             <a:pPr lvl="5" marL="2592000" indent="-216000">
-              <a:lnSpc>
-                <a:spcPct val="90000"/>
-              </a:lnSpc>
               <a:spcBef>
                 <a:spcPts val="283"/>
               </a:spcBef>
@@ -12974,9 +12465,6 @@
           </a:p>
           <a:p>
             <a:pPr lvl="6" marL="3024000" indent="-216000">
-              <a:lnSpc>
-                <a:spcPct val="90000"/>
-              </a:lnSpc>
               <a:spcBef>
                 <a:spcPts val="283"/>
               </a:spcBef>
@@ -13077,77 +12565,93 @@
             <a:noAutofit/>
           </a:bodyPr>
           <a:p>
-            <a:pPr indent="0">
+            <a:pPr indent="0" algn="ctr">
               <a:buNone/>
             </a:pPr>
             <a:r>
-              <a:rPr b="0" lang="de-DE" sz="1800" spc="-1" strike="noStrike">
+              <a:rPr b="0" lang="de-DE" sz="4400" spc="-1" strike="noStrike">
                 <a:solidFill>
                   <a:srgbClr val="000000"/>
                 </a:solidFill>
                 <a:latin typeface="Arial"/>
               </a:rPr>
-              <a:t>Format des Titeltextes durch </a:t>
+              <a:t>Format des Titeltextes durch Klicken bearbeiten</a:t>
             </a:r>
+            <a:endParaRPr b="0" lang="de-DE" sz="4400" spc="-1" strike="noStrike">
+              <a:solidFill>
+                <a:srgbClr val="000000"/>
+              </a:solidFill>
+              <a:latin typeface="Arial"/>
+            </a:endParaRPr>
+          </a:p>
+        </p:txBody>
+      </p:sp>
+      <p:sp>
+        <p:nvSpPr>
+          <p:cNvPr id="120" name="PlaceHolder 2"/>
+          <p:cNvSpPr>
+            <a:spLocks noGrp="1"/>
+          </p:cNvSpPr>
+          <p:nvPr>
+            <p:ph type="body"/>
+          </p:nvPr>
+        </p:nvSpPr>
+        <p:spPr>
+          <a:xfrm>
+            <a:off x="609480" y="1604520"/>
+            <a:ext cx="10972440" cy="3977280"/>
+          </a:xfrm>
+          <a:prstGeom prst="rect">
+            <a:avLst/>
+          </a:prstGeom>
+          <a:noFill/>
+          <a:ln w="0">
+            <a:noFill/>
+          </a:ln>
+        </p:spPr>
+        <p:txBody>
+          <a:bodyPr lIns="0" rIns="0" tIns="0" bIns="0" anchor="t">
+            <a:normAutofit/>
+          </a:bodyPr>
+          <a:p>
+            <a:pPr marL="432000" indent="-324000">
+              <a:spcBef>
+                <a:spcPts val="1417"/>
+              </a:spcBef>
+              <a:buClr>
+                <a:srgbClr val="000000"/>
+              </a:buClr>
+              <a:buSzPct val="45000"/>
+              <a:buFont typeface="Wingdings" charset="2"/>
+              <a:buChar char=""/>
+            </a:pPr>
             <a:r>
-              <a:rPr b="0" lang="de-DE" sz="1800" spc="-1" strike="noStrike">
+              <a:rPr b="0" lang="de-DE" sz="3200" spc="-1" strike="noStrike">
                 <a:solidFill>
                   <a:srgbClr val="000000"/>
                 </a:solidFill>
                 <a:latin typeface="Arial"/>
               </a:rPr>
-              <a:t>Klicken bearbeiten</a:t>
+              <a:t>Format des Gliederungstextes durch Klicken bearbeiten</a:t>
             </a:r>
-            <a:endParaRPr b="0" lang="de-DE" sz="1800" spc="-1" strike="noStrike">
-              <a:solidFill>
-                <a:srgbClr val="000000"/>
-              </a:solidFill>
-              <a:latin typeface="Arial"/>
-            </a:endParaRPr>
-          </a:p>
-        </p:txBody>
-      </p:sp>
-      <p:sp>
-        <p:nvSpPr>
-          <p:cNvPr id="120" name="PlaceHolder 2"/>
-          <p:cNvSpPr>
-            <a:spLocks noGrp="1"/>
-          </p:cNvSpPr>
-          <p:nvPr>
-            <p:ph type="body"/>
-          </p:nvPr>
-        </p:nvSpPr>
-        <p:spPr>
-          <a:xfrm>
-            <a:off x="609480" y="1604520"/>
-            <a:ext cx="10972440" cy="3977280"/>
-          </a:xfrm>
-          <a:prstGeom prst="rect">
-            <a:avLst/>
-          </a:prstGeom>
-          <a:noFill/>
-          <a:ln w="0">
-            <a:noFill/>
-          </a:ln>
-        </p:spPr>
-        <p:txBody>
-          <a:bodyPr lIns="0" rIns="0" tIns="0" bIns="0" anchor="t">
-            <a:normAutofit/>
-          </a:bodyPr>
-          <a:p>
-            <a:pPr marL="432000" indent="-324000">
-              <a:lnSpc>
-                <a:spcPct val="90000"/>
-              </a:lnSpc>
+            <a:endParaRPr b="0" lang="de-DE" sz="3200" spc="-1" strike="noStrike">
+              <a:solidFill>
+                <a:srgbClr val="000000"/>
+              </a:solidFill>
+              <a:latin typeface="Arial"/>
+            </a:endParaRPr>
+          </a:p>
+          <a:p>
+            <a:pPr lvl="1" marL="864000" indent="-324000">
               <a:spcBef>
-                <a:spcPts val="1417"/>
+                <a:spcPts val="1134"/>
               </a:spcBef>
               <a:buClr>
                 <a:srgbClr val="000000"/>
               </a:buClr>
-              <a:buSzPct val="45000"/>
-              <a:buFont typeface="Wingdings" charset="2"/>
-              <a:buChar char=""/>
+              <a:buSzPct val="75000"/>
+              <a:buFont typeface="Symbol" charset="2"/>
+              <a:buChar char=""/>
             </a:pPr>
             <a:r>
               <a:rPr b="0" lang="de-DE" sz="2800" spc="-1" strike="noStrike">
@@ -13156,7 +12660,7 @@
                 </a:solidFill>
                 <a:latin typeface="Arial"/>
               </a:rPr>
-              <a:t>Format des Gliederungstextes durch Klicken bearbeiten</a:t>
+              <a:t>Zweite Gliederungsebene</a:t>
             </a:r>
             <a:endParaRPr b="0" lang="de-DE" sz="2800" spc="-1" strike="noStrike">
               <a:solidFill>
@@ -13166,12 +12670,37 @@
             </a:endParaRPr>
           </a:p>
           <a:p>
-            <a:pPr lvl="1" marL="864000" indent="-324000">
-              <a:lnSpc>
-                <a:spcPct val="90000"/>
-              </a:lnSpc>
+            <a:pPr lvl="2" marL="1296000" indent="-288000">
               <a:spcBef>
-                <a:spcPts val="1134"/>
+                <a:spcPts val="850"/>
+              </a:spcBef>
+              <a:buClr>
+                <a:srgbClr val="000000"/>
+              </a:buClr>
+              <a:buSzPct val="45000"/>
+              <a:buFont typeface="Wingdings" charset="2"/>
+              <a:buChar char=""/>
+            </a:pPr>
+            <a:r>
+              <a:rPr b="0" lang="de-DE" sz="2400" spc="-1" strike="noStrike">
+                <a:solidFill>
+                  <a:srgbClr val="000000"/>
+                </a:solidFill>
+                <a:latin typeface="Arial"/>
+              </a:rPr>
+              <a:t>Dritte Gliederungsebene</a:t>
+            </a:r>
+            <a:endParaRPr b="0" lang="de-DE" sz="2400" spc="-1" strike="noStrike">
+              <a:solidFill>
+                <a:srgbClr val="000000"/>
+              </a:solidFill>
+              <a:latin typeface="Arial"/>
+            </a:endParaRPr>
+          </a:p>
+          <a:p>
+            <a:pPr lvl="3" marL="1728000" indent="-216000">
+              <a:spcBef>
+                <a:spcPts val="567"/>
               </a:spcBef>
               <a:buClr>
                 <a:srgbClr val="000000"/>
@@ -13187,7 +12716,7 @@
                 </a:solidFill>
                 <a:latin typeface="Arial"/>
               </a:rPr>
-              <a:t>Zweite Gliederungsebene</a:t>
+              <a:t>Vierte Gliederungsebene</a:t>
             </a:r>
             <a:endParaRPr b="0" lang="de-DE" sz="2000" spc="-1" strike="noStrike">
               <a:solidFill>
@@ -13197,72 +12726,7 @@
             </a:endParaRPr>
           </a:p>
           <a:p>
-            <a:pPr lvl="2" marL="1296000" indent="-288000">
-              <a:lnSpc>
-                <a:spcPct val="90000"/>
-              </a:lnSpc>
-              <a:spcBef>
-                <a:spcPts val="850"/>
-              </a:spcBef>
-              <a:buClr>
-                <a:srgbClr val="000000"/>
-              </a:buClr>
-              <a:buSzPct val="45000"/>
-              <a:buFont typeface="Wingdings" charset="2"/>
-              <a:buChar char=""/>
-            </a:pPr>
-            <a:r>
-              <a:rPr b="0" lang="de-DE" sz="1800" spc="-1" strike="noStrike">
-                <a:solidFill>
-                  <a:srgbClr val="000000"/>
-                </a:solidFill>
-                <a:latin typeface="Arial"/>
-              </a:rPr>
-              <a:t>Dritte Gliederungsebene</a:t>
-            </a:r>
-            <a:endParaRPr b="0" lang="de-DE" sz="1800" spc="-1" strike="noStrike">
-              <a:solidFill>
-                <a:srgbClr val="000000"/>
-              </a:solidFill>
-              <a:latin typeface="Arial"/>
-            </a:endParaRPr>
-          </a:p>
-          <a:p>
-            <a:pPr lvl="3" marL="1728000" indent="-216000">
-              <a:lnSpc>
-                <a:spcPct val="90000"/>
-              </a:lnSpc>
-              <a:spcBef>
-                <a:spcPts val="567"/>
-              </a:spcBef>
-              <a:buClr>
-                <a:srgbClr val="000000"/>
-              </a:buClr>
-              <a:buSzPct val="75000"/>
-              <a:buFont typeface="Symbol" charset="2"/>
-              <a:buChar char=""/>
-            </a:pPr>
-            <a:r>
-              <a:rPr b="0" lang="de-DE" sz="1800" spc="-1" strike="noStrike">
-                <a:solidFill>
-                  <a:srgbClr val="000000"/>
-                </a:solidFill>
-                <a:latin typeface="Arial"/>
-              </a:rPr>
-              <a:t>Vierte Gliederungsebene</a:t>
-            </a:r>
-            <a:endParaRPr b="0" lang="de-DE" sz="1800" spc="-1" strike="noStrike">
-              <a:solidFill>
-                <a:srgbClr val="000000"/>
-              </a:solidFill>
-              <a:latin typeface="Arial"/>
-            </a:endParaRPr>
-          </a:p>
-          <a:p>
             <a:pPr lvl="4" marL="2160000" indent="-216000">
-              <a:lnSpc>
-                <a:spcPct val="90000"/>
-              </a:lnSpc>
               <a:spcBef>
                 <a:spcPts val="283"/>
               </a:spcBef>
@@ -13291,9 +12755,6 @@
           </a:p>
           <a:p>
             <a:pPr lvl="5" marL="2592000" indent="-216000">
-              <a:lnSpc>
-                <a:spcPct val="90000"/>
-              </a:lnSpc>
               <a:spcBef>
                 <a:spcPts val="283"/>
               </a:spcBef>
@@ -13322,9 +12783,6 @@
           </a:p>
           <a:p>
             <a:pPr lvl="6" marL="3024000" indent="-216000">
-              <a:lnSpc>
-                <a:spcPct val="90000"/>
-              </a:lnSpc>
               <a:spcBef>
                 <a:spcPts val="283"/>
               </a:spcBef>
@@ -13407,7 +12865,7 @@
         <p:spPr>
           <a:xfrm>
             <a:off x="0" y="0"/>
-            <a:ext cx="12191400" cy="6857280"/>
+            <a:ext cx="12191040" cy="6856920"/>
           </a:xfrm>
           <a:prstGeom prst="rect">
             <a:avLst/>
@@ -13495,20 +12953,77 @@
             <a:noAutofit/>
           </a:bodyPr>
           <a:p>
-            <a:pPr indent="0">
+            <a:pPr indent="0" algn="ctr">
               <a:buNone/>
             </a:pPr>
             <a:r>
-              <a:rPr b="0" lang="de-DE" sz="1800" spc="-1" strike="noStrike">
+              <a:rPr b="0" lang="de-DE" sz="4400" spc="-1" strike="noStrike">
                 <a:solidFill>
                   <a:srgbClr val="000000"/>
                 </a:solidFill>
                 <a:latin typeface="Arial"/>
               </a:rPr>
-              <a:t>Format des Titeltextes durch </a:t>
+              <a:t>Format des Titeltextes durch Klicken bearbeiten</a:t>
+            </a:r>
+            <a:endParaRPr b="0" lang="de-DE" sz="4400" spc="-1" strike="noStrike">
+              <a:solidFill>
+                <a:srgbClr val="000000"/>
+              </a:solidFill>
+              <a:latin typeface="Arial"/>
+            </a:endParaRPr>
+          </a:p>
+        </p:txBody>
+      </p:sp>
+      <p:sp>
+        <p:nvSpPr>
+          <p:cNvPr id="159" name="PlaceHolder 2"/>
+          <p:cNvSpPr>
+            <a:spLocks noGrp="1"/>
+          </p:cNvSpPr>
+          <p:nvPr>
+            <p:ph type="body"/>
+          </p:nvPr>
+        </p:nvSpPr>
+        <p:spPr>
+          <a:xfrm>
+            <a:off x="609480" y="1604520"/>
+            <a:ext cx="10972440" cy="3977280"/>
+          </a:xfrm>
+          <a:prstGeom prst="rect">
+            <a:avLst/>
+          </a:prstGeom>
+          <a:noFill/>
+          <a:ln w="0">
+            <a:noFill/>
+          </a:ln>
+        </p:spPr>
+        <p:txBody>
+          <a:bodyPr lIns="0" rIns="0" tIns="0" bIns="0" anchor="t">
+            <a:normAutofit/>
+          </a:bodyPr>
+          <a:p>
+            <a:pPr marL="432000" indent="-324000">
+              <a:spcBef>
+                <a:spcPts val="1417"/>
+              </a:spcBef>
+              <a:buClr>
+                <a:srgbClr val="000000"/>
+              </a:buClr>
+              <a:buSzPct val="45000"/>
+              <a:buFont typeface="Wingdings" charset="2"/>
+              <a:buChar char=""/>
+            </a:pPr>
+            <a:r>
+              <a:rPr b="0" lang="de-DE" sz="3200" spc="-1" strike="noStrike">
+                <a:solidFill>
+                  <a:srgbClr val="000000"/>
+                </a:solidFill>
+                <a:latin typeface="Arial"/>
+              </a:rPr>
+              <a:t>Format des Gliederungstextes durch </a:t>
             </a:r>
             <a:r>
-              <a:rPr b="0" lang="de-DE" sz="1800" spc="-1" strike="noStrike">
+              <a:rPr b="0" lang="de-DE" sz="3200" spc="-1" strike="noStrike">
                 <a:solidFill>
                   <a:srgbClr val="000000"/>
                 </a:solidFill>
@@ -13516,56 +13031,24 @@
               </a:rPr>
               <a:t>Klicken bearbeiten</a:t>
             </a:r>
-            <a:endParaRPr b="0" lang="de-DE" sz="1800" spc="-1" strike="noStrike">
-              <a:solidFill>
-                <a:srgbClr val="000000"/>
-              </a:solidFill>
-              <a:latin typeface="Arial"/>
-            </a:endParaRPr>
-          </a:p>
-        </p:txBody>
-      </p:sp>
-      <p:sp>
-        <p:nvSpPr>
-          <p:cNvPr id="159" name="PlaceHolder 2"/>
-          <p:cNvSpPr>
-            <a:spLocks noGrp="1"/>
-          </p:cNvSpPr>
-          <p:nvPr>
-            <p:ph type="body"/>
-          </p:nvPr>
-        </p:nvSpPr>
-        <p:spPr>
-          <a:xfrm>
-            <a:off x="609480" y="1604520"/>
-            <a:ext cx="10972440" cy="3977280"/>
-          </a:xfrm>
-          <a:prstGeom prst="rect">
-            <a:avLst/>
-          </a:prstGeom>
-          <a:noFill/>
-          <a:ln w="0">
-            <a:noFill/>
-          </a:ln>
-        </p:spPr>
-        <p:txBody>
-          <a:bodyPr lIns="0" rIns="0" tIns="0" bIns="0" anchor="t">
-            <a:normAutofit/>
-          </a:bodyPr>
-          <a:p>
-            <a:pPr marL="432000" indent="-324000">
-              <a:lnSpc>
-                <a:spcPct val="90000"/>
-              </a:lnSpc>
+            <a:endParaRPr b="0" lang="de-DE" sz="3200" spc="-1" strike="noStrike">
+              <a:solidFill>
+                <a:srgbClr val="000000"/>
+              </a:solidFill>
+              <a:latin typeface="Arial"/>
+            </a:endParaRPr>
+          </a:p>
+          <a:p>
+            <a:pPr lvl="1" marL="864000" indent="-324000">
               <a:spcBef>
-                <a:spcPts val="1417"/>
+                <a:spcPts val="1134"/>
               </a:spcBef>
               <a:buClr>
                 <a:srgbClr val="000000"/>
               </a:buClr>
-              <a:buSzPct val="45000"/>
-              <a:buFont typeface="Wingdings" charset="2"/>
-              <a:buChar char=""/>
+              <a:buSzPct val="75000"/>
+              <a:buFont typeface="Symbol" charset="2"/>
+              <a:buChar char=""/>
             </a:pPr>
             <a:r>
               <a:rPr b="0" lang="de-DE" sz="2800" spc="-1" strike="noStrike">
@@ -13574,7 +13057,7 @@
                 </a:solidFill>
                 <a:latin typeface="Arial"/>
               </a:rPr>
-              <a:t>Format des Gliederungstextes durch Klicken bearbeiten</a:t>
+              <a:t>Zweite Gliederungsebene</a:t>
             </a:r>
             <a:endParaRPr b="0" lang="de-DE" sz="2800" spc="-1" strike="noStrike">
               <a:solidFill>
@@ -13584,12 +13067,37 @@
             </a:endParaRPr>
           </a:p>
           <a:p>
-            <a:pPr lvl="1" marL="864000" indent="-324000">
-              <a:lnSpc>
-                <a:spcPct val="90000"/>
-              </a:lnSpc>
+            <a:pPr lvl="2" marL="1296000" indent="-288000">
               <a:spcBef>
-                <a:spcPts val="1134"/>
+                <a:spcPts val="850"/>
+              </a:spcBef>
+              <a:buClr>
+                <a:srgbClr val="000000"/>
+              </a:buClr>
+              <a:buSzPct val="45000"/>
+              <a:buFont typeface="Wingdings" charset="2"/>
+              <a:buChar char=""/>
+            </a:pPr>
+            <a:r>
+              <a:rPr b="0" lang="de-DE" sz="2400" spc="-1" strike="noStrike">
+                <a:solidFill>
+                  <a:srgbClr val="000000"/>
+                </a:solidFill>
+                <a:latin typeface="Arial"/>
+              </a:rPr>
+              <a:t>Dritte Gliederungsebene</a:t>
+            </a:r>
+            <a:endParaRPr b="0" lang="de-DE" sz="2400" spc="-1" strike="noStrike">
+              <a:solidFill>
+                <a:srgbClr val="000000"/>
+              </a:solidFill>
+              <a:latin typeface="Arial"/>
+            </a:endParaRPr>
+          </a:p>
+          <a:p>
+            <a:pPr lvl="3" marL="1728000" indent="-216000">
+              <a:spcBef>
+                <a:spcPts val="567"/>
               </a:spcBef>
               <a:buClr>
                 <a:srgbClr val="000000"/>
@@ -13605,7 +13113,7 @@
                 </a:solidFill>
                 <a:latin typeface="Arial"/>
               </a:rPr>
-              <a:t>Zweite Gliederungsebene</a:t>
+              <a:t>Vierte Gliederungsebene</a:t>
             </a:r>
             <a:endParaRPr b="0" lang="de-DE" sz="2000" spc="-1" strike="noStrike">
               <a:solidFill>
@@ -13615,72 +13123,7 @@
             </a:endParaRPr>
           </a:p>
           <a:p>
-            <a:pPr lvl="2" marL="1296000" indent="-288000">
-              <a:lnSpc>
-                <a:spcPct val="90000"/>
-              </a:lnSpc>
-              <a:spcBef>
-                <a:spcPts val="850"/>
-              </a:spcBef>
-              <a:buClr>
-                <a:srgbClr val="000000"/>
-              </a:buClr>
-              <a:buSzPct val="45000"/>
-              <a:buFont typeface="Wingdings" charset="2"/>
-              <a:buChar char=""/>
-            </a:pPr>
-            <a:r>
-              <a:rPr b="0" lang="de-DE" sz="1800" spc="-1" strike="noStrike">
-                <a:solidFill>
-                  <a:srgbClr val="000000"/>
-                </a:solidFill>
-                <a:latin typeface="Arial"/>
-              </a:rPr>
-              <a:t>Dritte Gliederungsebene</a:t>
-            </a:r>
-            <a:endParaRPr b="0" lang="de-DE" sz="1800" spc="-1" strike="noStrike">
-              <a:solidFill>
-                <a:srgbClr val="000000"/>
-              </a:solidFill>
-              <a:latin typeface="Arial"/>
-            </a:endParaRPr>
-          </a:p>
-          <a:p>
-            <a:pPr lvl="3" marL="1728000" indent="-216000">
-              <a:lnSpc>
-                <a:spcPct val="90000"/>
-              </a:lnSpc>
-              <a:spcBef>
-                <a:spcPts val="567"/>
-              </a:spcBef>
-              <a:buClr>
-                <a:srgbClr val="000000"/>
-              </a:buClr>
-              <a:buSzPct val="75000"/>
-              <a:buFont typeface="Symbol" charset="2"/>
-              <a:buChar char=""/>
-            </a:pPr>
-            <a:r>
-              <a:rPr b="0" lang="de-DE" sz="1800" spc="-1" strike="noStrike">
-                <a:solidFill>
-                  <a:srgbClr val="000000"/>
-                </a:solidFill>
-                <a:latin typeface="Arial"/>
-              </a:rPr>
-              <a:t>Vierte Gliederungsebene</a:t>
-            </a:r>
-            <a:endParaRPr b="0" lang="de-DE" sz="1800" spc="-1" strike="noStrike">
-              <a:solidFill>
-                <a:srgbClr val="000000"/>
-              </a:solidFill>
-              <a:latin typeface="Arial"/>
-            </a:endParaRPr>
-          </a:p>
-          <a:p>
             <a:pPr lvl="4" marL="2160000" indent="-216000">
-              <a:lnSpc>
-                <a:spcPct val="90000"/>
-              </a:lnSpc>
               <a:spcBef>
                 <a:spcPts val="283"/>
               </a:spcBef>
@@ -13709,9 +13152,6 @@
           </a:p>
           <a:p>
             <a:pPr lvl="5" marL="2592000" indent="-216000">
-              <a:lnSpc>
-                <a:spcPct val="90000"/>
-              </a:lnSpc>
               <a:spcBef>
                 <a:spcPts val="283"/>
               </a:spcBef>
@@ -13740,9 +13180,6 @@
           </a:p>
           <a:p>
             <a:pPr lvl="6" marL="3024000" indent="-216000">
-              <a:lnSpc>
-                <a:spcPct val="90000"/>
-              </a:lnSpc>
               <a:spcBef>
                 <a:spcPts val="283"/>
               </a:spcBef>
@@ -13828,8 +13265,8 @@
         </p:blipFill>
         <p:spPr>
           <a:xfrm flipH="1">
-            <a:off x="596880" y="0"/>
-            <a:ext cx="11595240" cy="6857280"/>
+            <a:off x="597240" y="0"/>
+            <a:ext cx="11594880" cy="6856920"/>
           </a:xfrm>
           <a:prstGeom prst="rect">
             <a:avLst/>
@@ -13867,86 +13304,93 @@
             <a:noAutofit/>
           </a:bodyPr>
           <a:p>
-            <a:pPr indent="0">
+            <a:pPr indent="0" algn="ctr">
               <a:buNone/>
             </a:pPr>
             <a:r>
-              <a:rPr b="0" lang="de-DE" sz="1800" spc="-1" strike="noStrike">
+              <a:rPr b="0" lang="de-DE" sz="4400" spc="-1" strike="noStrike">
                 <a:solidFill>
                   <a:srgbClr val="000000"/>
                 </a:solidFill>
                 <a:latin typeface="Arial"/>
               </a:rPr>
-              <a:t>Format des </a:t>
+              <a:t>Format des Titeltextes durch Klicken bearbeiten</a:t>
             </a:r>
+            <a:endParaRPr b="0" lang="de-DE" sz="4400" spc="-1" strike="noStrike">
+              <a:solidFill>
+                <a:srgbClr val="000000"/>
+              </a:solidFill>
+              <a:latin typeface="Arial"/>
+            </a:endParaRPr>
+          </a:p>
+        </p:txBody>
+      </p:sp>
+      <p:sp>
+        <p:nvSpPr>
+          <p:cNvPr id="198" name="PlaceHolder 2"/>
+          <p:cNvSpPr>
+            <a:spLocks noGrp="1"/>
+          </p:cNvSpPr>
+          <p:nvPr>
+            <p:ph type="body"/>
+          </p:nvPr>
+        </p:nvSpPr>
+        <p:spPr>
+          <a:xfrm>
+            <a:off x="609480" y="1604520"/>
+            <a:ext cx="10972440" cy="3977280"/>
+          </a:xfrm>
+          <a:prstGeom prst="rect">
+            <a:avLst/>
+          </a:prstGeom>
+          <a:noFill/>
+          <a:ln w="0">
+            <a:noFill/>
+          </a:ln>
+        </p:spPr>
+        <p:txBody>
+          <a:bodyPr lIns="0" rIns="0" tIns="0" bIns="0" anchor="t">
+            <a:normAutofit/>
+          </a:bodyPr>
+          <a:p>
+            <a:pPr marL="432000" indent="-324000">
+              <a:spcBef>
+                <a:spcPts val="1417"/>
+              </a:spcBef>
+              <a:buClr>
+                <a:srgbClr val="000000"/>
+              </a:buClr>
+              <a:buSzPct val="45000"/>
+              <a:buFont typeface="Wingdings" charset="2"/>
+              <a:buChar char=""/>
+            </a:pPr>
             <a:r>
-              <a:rPr b="0" lang="de-DE" sz="1800" spc="-1" strike="noStrike">
+              <a:rPr b="0" lang="de-DE" sz="3200" spc="-1" strike="noStrike">
                 <a:solidFill>
                   <a:srgbClr val="000000"/>
                 </a:solidFill>
                 <a:latin typeface="Arial"/>
               </a:rPr>
-              <a:t>Titeltextes durch </a:t>
+              <a:t>Format des Gliederungstextes durch Klicken bearbeiten</a:t>
             </a:r>
-            <a:r>
-              <a:rPr b="0" lang="de-DE" sz="1800" spc="-1" strike="noStrike">
-                <a:solidFill>
-                  <a:srgbClr val="000000"/>
-                </a:solidFill>
-                <a:latin typeface="Arial"/>
-              </a:rPr>
-              <a:t>Klicken bearbeiten</a:t>
-            </a:r>
-            <a:endParaRPr b="0" lang="de-DE" sz="1800" spc="-1" strike="noStrike">
-              <a:solidFill>
-                <a:srgbClr val="000000"/>
-              </a:solidFill>
-              <a:latin typeface="Arial"/>
-            </a:endParaRPr>
-          </a:p>
-        </p:txBody>
-      </p:sp>
-      <p:sp>
-        <p:nvSpPr>
-          <p:cNvPr id="198" name="PlaceHolder 2"/>
-          <p:cNvSpPr>
-            <a:spLocks noGrp="1"/>
-          </p:cNvSpPr>
-          <p:nvPr>
-            <p:ph type="body"/>
-          </p:nvPr>
-        </p:nvSpPr>
-        <p:spPr>
-          <a:xfrm>
-            <a:off x="609480" y="1604520"/>
-            <a:ext cx="10972440" cy="3977280"/>
-          </a:xfrm>
-          <a:prstGeom prst="rect">
-            <a:avLst/>
-          </a:prstGeom>
-          <a:noFill/>
-          <a:ln w="0">
-            <a:noFill/>
-          </a:ln>
-        </p:spPr>
-        <p:txBody>
-          <a:bodyPr lIns="0" rIns="0" tIns="0" bIns="0" anchor="t">
-            <a:normAutofit/>
-          </a:bodyPr>
-          <a:p>
-            <a:pPr marL="432000" indent="-324000">
-              <a:lnSpc>
-                <a:spcPct val="90000"/>
-              </a:lnSpc>
+            <a:endParaRPr b="0" lang="de-DE" sz="3200" spc="-1" strike="noStrike">
+              <a:solidFill>
+                <a:srgbClr val="000000"/>
+              </a:solidFill>
+              <a:latin typeface="Arial"/>
+            </a:endParaRPr>
+          </a:p>
+          <a:p>
+            <a:pPr lvl="1" marL="864000" indent="-324000">
               <a:spcBef>
-                <a:spcPts val="1417"/>
+                <a:spcPts val="1134"/>
               </a:spcBef>
               <a:buClr>
                 <a:srgbClr val="000000"/>
               </a:buClr>
-              <a:buSzPct val="45000"/>
-              <a:buFont typeface="Wingdings" charset="2"/>
-              <a:buChar char=""/>
+              <a:buSzPct val="75000"/>
+              <a:buFont typeface="Symbol" charset="2"/>
+              <a:buChar char=""/>
             </a:pPr>
             <a:r>
               <a:rPr b="0" lang="de-DE" sz="2800" spc="-1" strike="noStrike">
@@ -13955,7 +13399,7 @@
                 </a:solidFill>
                 <a:latin typeface="Arial"/>
               </a:rPr>
-              <a:t>Format des Gliederungstextes durch Klicken bearbeiten</a:t>
+              <a:t>Zweite Gliederungsebene</a:t>
             </a:r>
             <a:endParaRPr b="0" lang="de-DE" sz="2800" spc="-1" strike="noStrike">
               <a:solidFill>
@@ -13965,12 +13409,37 @@
             </a:endParaRPr>
           </a:p>
           <a:p>
-            <a:pPr lvl="1" marL="864000" indent="-324000">
-              <a:lnSpc>
-                <a:spcPct val="90000"/>
-              </a:lnSpc>
+            <a:pPr lvl="2" marL="1296000" indent="-288000">
               <a:spcBef>
-                <a:spcPts val="1134"/>
+                <a:spcPts val="850"/>
+              </a:spcBef>
+              <a:buClr>
+                <a:srgbClr val="000000"/>
+              </a:buClr>
+              <a:buSzPct val="45000"/>
+              <a:buFont typeface="Wingdings" charset="2"/>
+              <a:buChar char=""/>
+            </a:pPr>
+            <a:r>
+              <a:rPr b="0" lang="de-DE" sz="2400" spc="-1" strike="noStrike">
+                <a:solidFill>
+                  <a:srgbClr val="000000"/>
+                </a:solidFill>
+                <a:latin typeface="Arial"/>
+              </a:rPr>
+              <a:t>Dritte Gliederungsebene</a:t>
+            </a:r>
+            <a:endParaRPr b="0" lang="de-DE" sz="2400" spc="-1" strike="noStrike">
+              <a:solidFill>
+                <a:srgbClr val="000000"/>
+              </a:solidFill>
+              <a:latin typeface="Arial"/>
+            </a:endParaRPr>
+          </a:p>
+          <a:p>
+            <a:pPr lvl="3" marL="1728000" indent="-216000">
+              <a:spcBef>
+                <a:spcPts val="567"/>
               </a:spcBef>
               <a:buClr>
                 <a:srgbClr val="000000"/>
@@ -13986,7 +13455,7 @@
                 </a:solidFill>
                 <a:latin typeface="Arial"/>
               </a:rPr>
-              <a:t>Zweite Gliederungsebene</a:t>
+              <a:t>Vierte Gliederungsebene</a:t>
             </a:r>
             <a:endParaRPr b="0" lang="de-DE" sz="2000" spc="-1" strike="noStrike">
               <a:solidFill>
@@ -13996,72 +13465,7 @@
             </a:endParaRPr>
           </a:p>
           <a:p>
-            <a:pPr lvl="2" marL="1296000" indent="-288000">
-              <a:lnSpc>
-                <a:spcPct val="90000"/>
-              </a:lnSpc>
-              <a:spcBef>
-                <a:spcPts val="850"/>
-              </a:spcBef>
-              <a:buClr>
-                <a:srgbClr val="000000"/>
-              </a:buClr>
-              <a:buSzPct val="45000"/>
-              <a:buFont typeface="Wingdings" charset="2"/>
-              <a:buChar char=""/>
-            </a:pPr>
-            <a:r>
-              <a:rPr b="0" lang="de-DE" sz="1800" spc="-1" strike="noStrike">
-                <a:solidFill>
-                  <a:srgbClr val="000000"/>
-                </a:solidFill>
-                <a:latin typeface="Arial"/>
-              </a:rPr>
-              <a:t>Dritte Gliederungsebene</a:t>
-            </a:r>
-            <a:endParaRPr b="0" lang="de-DE" sz="1800" spc="-1" strike="noStrike">
-              <a:solidFill>
-                <a:srgbClr val="000000"/>
-              </a:solidFill>
-              <a:latin typeface="Arial"/>
-            </a:endParaRPr>
-          </a:p>
-          <a:p>
-            <a:pPr lvl="3" marL="1728000" indent="-216000">
-              <a:lnSpc>
-                <a:spcPct val="90000"/>
-              </a:lnSpc>
-              <a:spcBef>
-                <a:spcPts val="567"/>
-              </a:spcBef>
-              <a:buClr>
-                <a:srgbClr val="000000"/>
-              </a:buClr>
-              <a:buSzPct val="75000"/>
-              <a:buFont typeface="Symbol" charset="2"/>
-              <a:buChar char=""/>
-            </a:pPr>
-            <a:r>
-              <a:rPr b="0" lang="de-DE" sz="1800" spc="-1" strike="noStrike">
-                <a:solidFill>
-                  <a:srgbClr val="000000"/>
-                </a:solidFill>
-                <a:latin typeface="Arial"/>
-              </a:rPr>
-              <a:t>Vierte Gliederungsebene</a:t>
-            </a:r>
-            <a:endParaRPr b="0" lang="de-DE" sz="1800" spc="-1" strike="noStrike">
-              <a:solidFill>
-                <a:srgbClr val="000000"/>
-              </a:solidFill>
-              <a:latin typeface="Arial"/>
-            </a:endParaRPr>
-          </a:p>
-          <a:p>
             <a:pPr lvl="4" marL="2160000" indent="-216000">
-              <a:lnSpc>
-                <a:spcPct val="90000"/>
-              </a:lnSpc>
               <a:spcBef>
                 <a:spcPts val="283"/>
               </a:spcBef>
@@ -14090,9 +13494,6 @@
           </a:p>
           <a:p>
             <a:pPr lvl="5" marL="2592000" indent="-216000">
-              <a:lnSpc>
-                <a:spcPct val="90000"/>
-              </a:lnSpc>
               <a:spcBef>
                 <a:spcPts val="283"/>
               </a:spcBef>
@@ -14121,9 +13522,6 @@
           </a:p>
           <a:p>
             <a:pPr lvl="6" marL="3024000" indent="-216000">
-              <a:lnSpc>
-                <a:spcPct val="90000"/>
-              </a:lnSpc>
               <a:spcBef>
                 <a:spcPts val="283"/>
               </a:spcBef>
@@ -14202,7 +13600,7 @@
         <p:spPr>
           <a:xfrm>
             <a:off x="0" y="360"/>
-            <a:ext cx="12191400" cy="6856920"/>
+            <a:ext cx="12191040" cy="6856560"/>
           </a:xfrm>
           <a:prstGeom prst="rect">
             <a:avLst/>
@@ -14221,7 +13619,7 @@
         <p:spPr>
           <a:xfrm>
             <a:off x="6877800" y="1430280"/>
-            <a:ext cx="4823640" cy="1918080"/>
+            <a:ext cx="4823280" cy="1918080"/>
           </a:xfrm>
           <a:prstGeom prst="rect">
             <a:avLst/>
@@ -14275,7 +13673,7 @@
         <p:spPr>
           <a:xfrm>
             <a:off x="7379640" y="3132720"/>
-            <a:ext cx="3820680" cy="3157920"/>
+            <a:ext cx="3820320" cy="3157920"/>
           </a:xfrm>
           <a:prstGeom prst="rect">
             <a:avLst/>
@@ -14507,7 +13905,7 @@
         <p:spPr>
           <a:xfrm>
             <a:off x="2063160" y="443520"/>
-            <a:ext cx="8065440" cy="645480"/>
+            <a:ext cx="8065080" cy="645120"/>
           </a:xfrm>
           <a:prstGeom prst="rect">
             <a:avLst/>
@@ -14567,7 +13965,7 @@
         <p:spPr>
           <a:xfrm>
             <a:off x="2352600" y="1267920"/>
-            <a:ext cx="7486200" cy="4850640"/>
+            <a:ext cx="7485840" cy="4850280"/>
           </a:xfrm>
           <a:prstGeom prst="rect">
             <a:avLst/>
@@ -14586,7 +13984,7 @@
         <p:spPr>
           <a:xfrm>
             <a:off x="637200" y="6230520"/>
-            <a:ext cx="9953280" cy="363960"/>
+            <a:ext cx="9952920" cy="363960"/>
           </a:xfrm>
           <a:prstGeom prst="rect">
             <a:avLst/>
@@ -14674,7 +14072,7 @@
         <p:spPr>
           <a:xfrm>
             <a:off x="2063160" y="443520"/>
-            <a:ext cx="8065440" cy="645480"/>
+            <a:ext cx="8065080" cy="645120"/>
           </a:xfrm>
           <a:prstGeom prst="rect">
             <a:avLst/>
@@ -14729,7 +14127,7 @@
         <p:spPr>
           <a:xfrm>
             <a:off x="628560" y="1512000"/>
-            <a:ext cx="9953280" cy="638280"/>
+            <a:ext cx="9952920" cy="638280"/>
           </a:xfrm>
           <a:prstGeom prst="rect">
             <a:avLst/>
@@ -14792,7 +14190,7 @@
         <p:spPr>
           <a:xfrm>
             <a:off x="1131840" y="2229120"/>
-            <a:ext cx="4473000" cy="4185000"/>
+            <a:ext cx="4472640" cy="4184640"/>
           </a:xfrm>
           <a:prstGeom prst="rect">
             <a:avLst/>
@@ -14845,7 +14243,7 @@
         <p:spPr>
           <a:xfrm>
             <a:off x="2063160" y="443520"/>
-            <a:ext cx="8065440" cy="645480"/>
+            <a:ext cx="8065080" cy="645120"/>
           </a:xfrm>
           <a:prstGeom prst="rect">
             <a:avLst/>
@@ -14900,7 +14298,7 @@
         <p:spPr>
           <a:xfrm>
             <a:off x="628560" y="1512000"/>
-            <a:ext cx="9953280" cy="912600"/>
+            <a:ext cx="9952920" cy="912600"/>
           </a:xfrm>
           <a:prstGeom prst="rect">
             <a:avLst/>
@@ -15055,7 +14453,7 @@
         <p:spPr>
           <a:xfrm>
             <a:off x="5686920" y="2698200"/>
-            <a:ext cx="6327720" cy="1460880"/>
+            <a:ext cx="6327360" cy="1460880"/>
           </a:xfrm>
           <a:prstGeom prst="rect">
             <a:avLst/>
@@ -15092,7 +14490,7 @@
                 <a:latin typeface="CMU Serif"/>
                 <a:ea typeface="CMU Serif"/>
               </a:rPr>
-              <a:t>2. Support Vector Machines</a:t>
+              <a:t>2. Support Vector Machine</a:t>
             </a:r>
             <a:endParaRPr b="0" lang="de-DE" sz="5500" spc="-1" strike="noStrike">
               <a:solidFill>
@@ -15112,15 +14510,15 @@
         <p:spPr>
           <a:xfrm>
             <a:off x="673920" y="1688040"/>
-            <a:ext cx="5086080" cy="3128040"/>
+            <a:ext cx="5085720" cy="3127680"/>
           </a:xfrm>
           <a:custGeom>
             <a:avLst/>
             <a:gdLst>
-              <a:gd name="textAreaLeft" fmla="*/ 0 w 5086080"/>
-              <a:gd name="textAreaRight" fmla="*/ 5086800 w 5086080"/>
-              <a:gd name="textAreaTop" fmla="*/ 0 h 3128040"/>
-              <a:gd name="textAreaBottom" fmla="*/ 3128760 h 3128040"/>
+              <a:gd name="textAreaLeft" fmla="*/ 0 w 5085720"/>
+              <a:gd name="textAreaRight" fmla="*/ 5086800 w 5085720"/>
+              <a:gd name="textAreaTop" fmla="*/ 0 h 3127680"/>
+              <a:gd name="textAreaBottom" fmla="*/ 3128760 h 3127680"/>
             </a:gdLst>
             <a:ahLst/>
             <a:rect l="textAreaLeft" t="textAreaTop" r="textAreaRight" b="textAreaBottom"/>
@@ -15426,7 +14824,7 @@
         <p:spPr>
           <a:xfrm>
             <a:off x="-39240" y="6496920"/>
-            <a:ext cx="12270240" cy="424440"/>
+            <a:ext cx="12269880" cy="424080"/>
           </a:xfrm>
           <a:prstGeom prst="rect">
             <a:avLst/>
@@ -15515,7 +14913,7 @@
         <p:spPr>
           <a:xfrm>
             <a:off x="2063160" y="443520"/>
-            <a:ext cx="8065440" cy="645480"/>
+            <a:ext cx="8065080" cy="645120"/>
           </a:xfrm>
           <a:prstGeom prst="rect">
             <a:avLst/>
@@ -15570,7 +14968,7 @@
         <p:spPr>
           <a:xfrm>
             <a:off x="628560" y="1512000"/>
-            <a:ext cx="9953280" cy="2558520"/>
+            <a:ext cx="9952920" cy="2558520"/>
           </a:xfrm>
           <a:prstGeom prst="rect">
             <a:avLst/>
@@ -15637,27 +15035,7 @@
                 <a:latin typeface="Bahnschrift SemiLight"/>
                 <a:ea typeface="Arial Unicode MS"/>
               </a:rPr>
-              <a:t>Erstes Ausführen mit Kreuzvalidierung war sehr langsam, weshalb wir </a:t>
-            </a:r>
-            <a:r>
-              <a:rPr b="0" lang="de-DE" sz="1800" spc="-1" strike="noStrike">
-                <a:solidFill>
-                  <a:srgbClr val="000000"/>
-                </a:solidFill>
-                <a:latin typeface="Bahnschrift SemiLight"/>
-                <a:ea typeface="Arial Unicode MS"/>
-              </a:rPr>
-              <a:t>eine andere Library verwendet haben, um Multithreading nutzen zu </a:t>
-            </a:r>
-            <a:r>
-              <a:rPr b="0" lang="de-DE" sz="1800" spc="-1" strike="noStrike">
-                <a:solidFill>
-                  <a:srgbClr val="000000"/>
-                </a:solidFill>
-                <a:latin typeface="Bahnschrift SemiLight"/>
-                <a:ea typeface="Arial Unicode MS"/>
-              </a:rPr>
-              <a:t>können</a:t>
+              <a:t>Erstes Ausführen mit Kreuzvalidierung war sehr langsam, weshalb wir eine andere Library verwendet haben, um Multithreading nutzen zu können</a:t>
             </a:r>
             <a:endParaRPr b="0" lang="de-DE" sz="1800" spc="-1" strike="noStrike">
               <a:solidFill>
@@ -15828,7 +15206,7 @@
                 <a:latin typeface="Bahnschrift SemiLight"/>
                 <a:ea typeface="Arial Unicode MS"/>
               </a:rPr>
-              <a:t>Deshalb wurde nochmals trainiert</a:t>
+              <a:t>Deshalb wurde nochmals trainiert mit angepasstem Tuning</a:t>
             </a:r>
             <a:endParaRPr b="0" lang="de-DE" sz="1800" spc="-1" strike="noStrike">
               <a:solidFill>
@@ -15877,8 +15255,8 @@
         </p:nvSpPr>
         <p:spPr>
           <a:xfrm>
-            <a:off x="5686920" y="3040920"/>
-            <a:ext cx="6327720" cy="775080"/>
+            <a:off x="5686920" y="2698560"/>
+            <a:ext cx="6327360" cy="1460880"/>
           </a:xfrm>
           <a:prstGeom prst="rect">
             <a:avLst/>
@@ -15915,7 +15293,7 @@
                 <a:latin typeface="CMU Serif"/>
                 <a:ea typeface="CMU Serif"/>
               </a:rPr>
-              <a:t>3. Decision Tree</a:t>
+              <a:t>3. Entscheidungs-Baum</a:t>
             </a:r>
             <a:endParaRPr b="0" lang="de-DE" sz="5500" spc="-1" strike="noStrike">
               <a:solidFill>
@@ -15935,15 +15313,15 @@
         <p:spPr>
           <a:xfrm>
             <a:off x="673920" y="1688040"/>
-            <a:ext cx="5086080" cy="3128040"/>
+            <a:ext cx="5085720" cy="3127680"/>
           </a:xfrm>
           <a:custGeom>
             <a:avLst/>
             <a:gdLst>
-              <a:gd name="textAreaLeft" fmla="*/ 0 w 5086080"/>
-              <a:gd name="textAreaRight" fmla="*/ 5086800 w 5086080"/>
-              <a:gd name="textAreaTop" fmla="*/ 0 h 3128040"/>
-              <a:gd name="textAreaBottom" fmla="*/ 3128760 h 3128040"/>
+              <a:gd name="textAreaLeft" fmla="*/ 0 w 5085720"/>
+              <a:gd name="textAreaRight" fmla="*/ 5086800 w 5085720"/>
+              <a:gd name="textAreaTop" fmla="*/ 0 h 3127680"/>
+              <a:gd name="textAreaBottom" fmla="*/ 3128760 h 3127680"/>
             </a:gdLst>
             <a:ahLst/>
             <a:rect l="textAreaLeft" t="textAreaTop" r="textAreaRight" b="textAreaBottom"/>
@@ -16249,7 +15627,7 @@
         <p:spPr>
           <a:xfrm>
             <a:off x="-39240" y="6496920"/>
-            <a:ext cx="12270240" cy="424440"/>
+            <a:ext cx="12269880" cy="424080"/>
           </a:xfrm>
           <a:prstGeom prst="rect">
             <a:avLst/>
@@ -16327,14 +15705,247 @@
       </p:grpSpPr>
       <p:sp>
         <p:nvSpPr>
-          <p:cNvPr id="279" name="TextBox 3"/>
+          <p:cNvPr id="279" name="PlaceHolder 1"/>
+          <p:cNvSpPr>
+            <a:spLocks noGrp="1"/>
+          </p:cNvSpPr>
+          <p:nvPr>
+            <p:ph/>
+          </p:nvPr>
+        </p:nvSpPr>
+        <p:spPr>
+          <a:xfrm>
+            <a:off x="2063160" y="443520"/>
+            <a:ext cx="8065080" cy="645120"/>
+          </a:xfrm>
+          <a:prstGeom prst="rect">
+            <a:avLst/>
+          </a:prstGeom>
+          <a:noFill/>
+          <a:ln w="0">
+            <a:noFill/>
+          </a:ln>
+        </p:spPr>
+        <p:txBody>
+          <a:bodyPr lIns="90000" rIns="90000" tIns="45000" bIns="45000" anchor="ctr">
+            <a:noAutofit/>
+          </a:bodyPr>
+          <a:p>
+            <a:pPr marL="228600" indent="0">
+              <a:lnSpc>
+                <a:spcPct val="90000"/>
+              </a:lnSpc>
+              <a:spcBef>
+                <a:spcPts val="1001"/>
+              </a:spcBef>
+              <a:buNone/>
+              <a:tabLst>
+                <a:tab algn="l" pos="0"/>
+              </a:tabLst>
+            </a:pPr>
+            <a:r>
+              <a:rPr b="1" lang="de-DE" sz="4000" spc="-1" strike="noStrike">
+                <a:solidFill>
+                  <a:srgbClr val="ffffff"/>
+                </a:solidFill>
+                <a:latin typeface="CMU Serif"/>
+                <a:ea typeface="CMU Serif"/>
+              </a:rPr>
+              <a:t>Entscheidungsbaum</a:t>
+            </a:r>
+            <a:endParaRPr b="0" lang="de-DE" sz="4000" spc="-1" strike="noStrike">
+              <a:solidFill>
+                <a:srgbClr val="000000"/>
+              </a:solidFill>
+              <a:latin typeface="Arial"/>
+            </a:endParaRPr>
+          </a:p>
+        </p:txBody>
+      </p:sp>
+      <p:sp>
+        <p:nvSpPr>
+          <p:cNvPr id="280" name="Textfeld 4"/>
           <p:cNvSpPr/>
           <p:nvPr/>
         </p:nvSpPr>
         <p:spPr>
           <a:xfrm>
+            <a:off x="628560" y="1512000"/>
+            <a:ext cx="9952920" cy="1186920"/>
+          </a:xfrm>
+          <a:prstGeom prst="rect">
+            <a:avLst/>
+          </a:prstGeom>
+          <a:noFill/>
+          <a:ln w="0">
+            <a:noFill/>
+          </a:ln>
+        </p:spPr>
+        <p:style>
+          <a:lnRef idx="0"/>
+          <a:fillRef idx="0"/>
+          <a:effectRef idx="0"/>
+          <a:fontRef idx="minor"/>
+        </p:style>
+        <p:txBody>
+          <a:bodyPr lIns="90000" rIns="90000" tIns="45000" bIns="45000" anchor="t">
+            <a:spAutoFit/>
+          </a:bodyPr>
+          <a:p>
+            <a:pPr marL="285840" indent="-285840">
+              <a:lnSpc>
+                <a:spcPct val="100000"/>
+              </a:lnSpc>
+              <a:buClr>
+                <a:srgbClr val="000000"/>
+              </a:buClr>
+              <a:buFont typeface="Arial"/>
+              <a:buChar char="•"/>
+            </a:pPr>
+            <a:r>
+              <a:rPr b="0" lang="de-DE" sz="1800" spc="-1" strike="noStrike">
+                <a:solidFill>
+                  <a:srgbClr val="000000"/>
+                </a:solidFill>
+                <a:latin typeface="Bahnschrift SemiLight"/>
+                <a:ea typeface="Arial Unicode MS"/>
+              </a:rPr>
+              <a:t>Training auf train_val-Datensatz</a:t>
+            </a:r>
+            <a:endParaRPr b="0" lang="de-DE" sz="1800" spc="-1" strike="noStrike">
+              <a:solidFill>
+                <a:srgbClr val="000000"/>
+              </a:solidFill>
+              <a:latin typeface="Arial"/>
+            </a:endParaRPr>
+          </a:p>
+          <a:p>
+            <a:pPr marL="285840" indent="-285840">
+              <a:lnSpc>
+                <a:spcPct val="100000"/>
+              </a:lnSpc>
+              <a:buClr>
+                <a:srgbClr val="000000"/>
+              </a:buClr>
+              <a:buFont typeface="Arial"/>
+              <a:buChar char="•"/>
+            </a:pPr>
+            <a:r>
+              <a:rPr b="0" lang="de-DE" sz="1800" spc="-1" strike="noStrike">
+                <a:solidFill>
+                  <a:srgbClr val="000000"/>
+                </a:solidFill>
+                <a:latin typeface="Bahnschrift SemiLight"/>
+                <a:ea typeface="Arial Unicode MS"/>
+              </a:rPr>
+              <a:t>Tuning mit Kreuzvalidierung auf Anzahl der Blätter (Endknoten) des Baums</a:t>
+            </a:r>
+            <a:endParaRPr b="0" lang="de-DE" sz="1800" spc="-1" strike="noStrike">
+              <a:solidFill>
+                <a:srgbClr val="000000"/>
+              </a:solidFill>
+              <a:latin typeface="Arial"/>
+            </a:endParaRPr>
+          </a:p>
+          <a:p>
+            <a:pPr marL="285840" indent="-285840">
+              <a:lnSpc>
+                <a:spcPct val="100000"/>
+              </a:lnSpc>
+              <a:buClr>
+                <a:srgbClr val="000000"/>
+              </a:buClr>
+              <a:buFont typeface="Arial"/>
+              <a:buChar char="•"/>
+            </a:pPr>
+            <a:r>
+              <a:rPr b="0" lang="de-DE" sz="1800" spc="-1" strike="noStrike">
+                <a:solidFill>
+                  <a:srgbClr val="000000"/>
+                </a:solidFill>
+                <a:latin typeface="Bahnschrift SemiLight"/>
+                <a:ea typeface="Arial Unicode MS"/>
+              </a:rPr>
+              <a:t>Ergebnis:</a:t>
+            </a:r>
+            <a:endParaRPr b="0" lang="de-DE" sz="1800" spc="-1" strike="noStrike">
+              <a:solidFill>
+                <a:srgbClr val="000000"/>
+              </a:solidFill>
+              <a:latin typeface="Arial"/>
+            </a:endParaRPr>
+          </a:p>
+          <a:p>
+            <a:pPr lvl="1" marL="432000" indent="-216000">
+              <a:lnSpc>
+                <a:spcPct val="100000"/>
+              </a:lnSpc>
+              <a:buClr>
+                <a:srgbClr val="000000"/>
+              </a:buClr>
+              <a:buSzPct val="45000"/>
+              <a:buFont typeface="Wingdings" charset="2"/>
+              <a:buChar char=""/>
+            </a:pPr>
+            <a:r>
+              <a:rPr b="0" lang="de-DE" sz="1800" spc="-1" strike="noStrike">
+                <a:solidFill>
+                  <a:srgbClr val="000000"/>
+                </a:solidFill>
+                <a:latin typeface="Bahnschrift SemiLight"/>
+                <a:ea typeface="Arial Unicode MS"/>
+              </a:rPr>
+              <a:t> </a:t>
+            </a:r>
+            <a:endParaRPr b="0" lang="de-DE" sz="1800" spc="-1" strike="noStrike">
+              <a:solidFill>
+                <a:srgbClr val="000000"/>
+              </a:solidFill>
+              <a:latin typeface="Arial"/>
+            </a:endParaRPr>
+          </a:p>
+        </p:txBody>
+      </p:sp>
+    </p:spTree>
+  </p:cSld>
+  <mc:AlternateContent>
+    <mc:Choice Requires="p14">
+      <p:transition spd="slow" p14:dur="2000"/>
+    </mc:Choice>
+    <mc:Fallback>
+      <p:transition spd="slow"/>
+    </mc:Fallback>
+  </mc:AlternateContent>
+</p:sld>
+</file>
+
+<file path=ppt/slides/slide17.xml><?xml version="1.0" encoding="utf-8"?>
+<p:sld xmlns:a="http://schemas.openxmlformats.org/drawingml/2006/main" xmlns:p="http://schemas.openxmlformats.org/presentationml/2006/main" xmlns:r="http://schemas.openxmlformats.org/officeDocument/2006/relationships" xmlns:p14="http://schemas.microsoft.com/office/powerpoint/2010/main" xmlns:p15="http://schemas.microsoft.com/office/powerpoint/2012/main" xmlns:mc="http://schemas.openxmlformats.org/markup-compatibility/2006">
+  <p:cSld>
+    <p:spTree>
+      <p:nvGrpSpPr>
+        <p:cNvPr id="1" name=""/>
+        <p:cNvGrpSpPr/>
+        <p:nvPr/>
+      </p:nvGrpSpPr>
+      <p:grpSpPr>
+        <a:xfrm>
+          <a:off x="0" y="0"/>
+          <a:ext cx="0" cy="0"/>
+          <a:chOff x="0" y="0"/>
+          <a:chExt cx="0" cy="0"/>
+        </a:xfrm>
+      </p:grpSpPr>
+      <p:sp>
+        <p:nvSpPr>
+          <p:cNvPr id="281" name="TextBox 3"/>
+          <p:cNvSpPr/>
+          <p:nvPr/>
+        </p:nvSpPr>
+        <p:spPr>
+          <a:xfrm>
             <a:off x="5686920" y="2698200"/>
-            <a:ext cx="6327720" cy="1460880"/>
+            <a:ext cx="6327360" cy="1460880"/>
           </a:xfrm>
           <a:prstGeom prst="rect">
             <a:avLst/>
@@ -16384,22 +15995,22 @@
       </p:sp>
       <p:sp>
         <p:nvSpPr>
-          <p:cNvPr id="280" name="Freeform: Shape 152"/>
+          <p:cNvPr id="282" name="Freeform: Shape 152"/>
           <p:cNvSpPr/>
           <p:nvPr/>
         </p:nvSpPr>
         <p:spPr>
           <a:xfrm>
             <a:off x="673920" y="1688040"/>
-            <a:ext cx="5086080" cy="3128040"/>
+            <a:ext cx="5085720" cy="3127680"/>
           </a:xfrm>
           <a:custGeom>
             <a:avLst/>
             <a:gdLst>
-              <a:gd name="textAreaLeft" fmla="*/ 0 w 5086080"/>
-              <a:gd name="textAreaRight" fmla="*/ 5086800 w 5086080"/>
-              <a:gd name="textAreaTop" fmla="*/ 0 h 3128040"/>
-              <a:gd name="textAreaBottom" fmla="*/ 3128760 h 3128040"/>
+              <a:gd name="textAreaLeft" fmla="*/ 0 w 5085720"/>
+              <a:gd name="textAreaRight" fmla="*/ 5086800 w 5085720"/>
+              <a:gd name="textAreaTop" fmla="*/ 0 h 3127680"/>
+              <a:gd name="textAreaBottom" fmla="*/ 3128760 h 3127680"/>
             </a:gdLst>
             <a:ahLst/>
             <a:rect l="textAreaLeft" t="textAreaTop" r="textAreaRight" b="textAreaBottom"/>
@@ -16698,14 +16309,14 @@
       </p:sp>
       <p:sp>
         <p:nvSpPr>
-          <p:cNvPr id="281" name="Rechteck 1"/>
+          <p:cNvPr id="283" name="Rechteck 1"/>
           <p:cNvSpPr/>
           <p:nvPr/>
         </p:nvSpPr>
         <p:spPr>
           <a:xfrm>
             <a:off x="-39240" y="6496920"/>
-            <a:ext cx="12270240" cy="424440"/>
+            <a:ext cx="12269880" cy="424080"/>
           </a:xfrm>
           <a:prstGeom prst="rect">
             <a:avLst/>
@@ -16764,7 +16375,7 @@
 </p:sld>
 </file>
 
-<file path=ppt/slides/slide17.xml><?xml version="1.0" encoding="utf-8"?>
+<file path=ppt/slides/slide18.xml><?xml version="1.0" encoding="utf-8"?>
 <p:sld xmlns:a="http://schemas.openxmlformats.org/drawingml/2006/main" xmlns:p="http://schemas.openxmlformats.org/presentationml/2006/main" xmlns:r="http://schemas.openxmlformats.org/officeDocument/2006/relationships" xmlns:p14="http://schemas.microsoft.com/office/powerpoint/2010/main" xmlns:p15="http://schemas.microsoft.com/office/powerpoint/2012/main" xmlns:mc="http://schemas.openxmlformats.org/markup-compatibility/2006" show="0">
   <p:cSld>
     <p:spTree>
@@ -16783,50 +16394,50 @@
       </p:grpSpPr>
       <p:grpSp>
         <p:nvGrpSpPr>
-          <p:cNvPr id="282" name="Group 32"/>
+          <p:cNvPr id="284" name="Group 32"/>
           <p:cNvGrpSpPr/>
           <p:nvPr/>
         </p:nvGrpSpPr>
         <p:grpSpPr>
           <a:xfrm>
             <a:off x="1313280" y="279720"/>
-            <a:ext cx="9401040" cy="3467880"/>
+            <a:ext cx="9400680" cy="3467520"/>
             <a:chOff x="1313280" y="279720"/>
-            <a:chExt cx="9401040" cy="3467880"/>
+            <a:chExt cx="9400680" cy="3467520"/>
           </a:xfrm>
         </p:grpSpPr>
         <p:grpSp>
           <p:nvGrpSpPr>
-            <p:cNvPr id="283" name="Group 36"/>
+            <p:cNvPr id="285" name="Group 36"/>
             <p:cNvGrpSpPr/>
             <p:nvPr/>
           </p:nvGrpSpPr>
           <p:grpSpPr>
             <a:xfrm>
               <a:off x="4695120" y="279720"/>
-              <a:ext cx="2626200" cy="3411720"/>
+              <a:ext cx="2625840" cy="3411360"/>
               <a:chOff x="4695120" y="279720"/>
-              <a:chExt cx="2626200" cy="3411720"/>
+              <a:chExt cx="2625840" cy="3411360"/>
             </a:xfrm>
           </p:grpSpPr>
           <p:sp>
             <p:nvSpPr>
-              <p:cNvPr id="284" name="Graphic 2"/>
+              <p:cNvPr id="286" name="Graphic 2"/>
               <p:cNvSpPr/>
               <p:nvPr/>
             </p:nvSpPr>
             <p:spPr>
               <a:xfrm>
                 <a:off x="4695120" y="279720"/>
-                <a:ext cx="2626200" cy="3411720"/>
+                <a:ext cx="2625840" cy="3411360"/>
               </a:xfrm>
               <a:custGeom>
                 <a:avLst/>
                 <a:gdLst>
-                  <a:gd name="textAreaLeft" fmla="*/ 0 w 2626200"/>
-                  <a:gd name="textAreaRight" fmla="*/ 2626920 w 2626200"/>
-                  <a:gd name="textAreaTop" fmla="*/ 0 h 3411720"/>
-                  <a:gd name="textAreaBottom" fmla="*/ 3412440 h 3411720"/>
+                  <a:gd name="textAreaLeft" fmla="*/ 0 w 2625840"/>
+                  <a:gd name="textAreaRight" fmla="*/ 2626920 w 2625840"/>
+                  <a:gd name="textAreaTop" fmla="*/ 0 h 3411360"/>
+                  <a:gd name="textAreaBottom" fmla="*/ 3412440 h 3411360"/>
                 </a:gdLst>
                 <a:ahLst/>
                 <a:rect l="textAreaLeft" t="textAreaTop" r="textAreaRight" b="textAreaBottom"/>
@@ -16959,36 +16570,36 @@
           </p:sp>
           <p:grpSp>
             <p:nvGrpSpPr>
-              <p:cNvPr id="285" name="Group 40"/>
+              <p:cNvPr id="287" name="Group 40"/>
               <p:cNvGrpSpPr/>
               <p:nvPr/>
             </p:nvGrpSpPr>
             <p:grpSpPr>
               <a:xfrm>
                 <a:off x="5502960" y="658080"/>
-                <a:ext cx="1326600" cy="1299960"/>
+                <a:ext cx="1326240" cy="1299600"/>
                 <a:chOff x="5502960" y="658080"/>
-                <a:chExt cx="1326600" cy="1299960"/>
+                <a:chExt cx="1326240" cy="1299600"/>
               </a:xfrm>
             </p:grpSpPr>
             <p:sp>
               <p:nvSpPr>
-                <p:cNvPr id="286" name="Graphic 4"/>
+                <p:cNvPr id="288" name="Graphic 4"/>
                 <p:cNvSpPr/>
                 <p:nvPr/>
               </p:nvSpPr>
               <p:spPr>
                 <a:xfrm>
                   <a:off x="5502960" y="658080"/>
-                  <a:ext cx="1326600" cy="1299960"/>
+                  <a:ext cx="1326240" cy="1299600"/>
                 </a:xfrm>
                 <a:custGeom>
                   <a:avLst/>
                   <a:gdLst>
-                    <a:gd name="textAreaLeft" fmla="*/ 0 w 1326600"/>
-                    <a:gd name="textAreaRight" fmla="*/ 1327320 w 1326600"/>
-                    <a:gd name="textAreaTop" fmla="*/ 0 h 1299960"/>
-                    <a:gd name="textAreaBottom" fmla="*/ 1300680 h 1299960"/>
+                    <a:gd name="textAreaLeft" fmla="*/ 0 w 1326240"/>
+                    <a:gd name="textAreaRight" fmla="*/ 1327320 w 1326240"/>
+                    <a:gd name="textAreaTop" fmla="*/ 0 h 1299600"/>
+                    <a:gd name="textAreaBottom" fmla="*/ 1300680 h 1299600"/>
                   </a:gdLst>
                   <a:ahLst/>
                   <a:rect l="textAreaLeft" t="textAreaTop" r="textAreaRight" b="textAreaBottom"/>
@@ -17508,22 +17119,22 @@
             </p:sp>
             <p:sp>
               <p:nvSpPr>
-                <p:cNvPr id="287" name="Freeform: Shape 42"/>
+                <p:cNvPr id="289" name="Freeform: Shape 42"/>
                 <p:cNvSpPr/>
                 <p:nvPr/>
               </p:nvSpPr>
               <p:spPr>
                 <a:xfrm>
                   <a:off x="5824800" y="1128600"/>
-                  <a:ext cx="623520" cy="411840"/>
+                  <a:ext cx="623160" cy="411480"/>
                 </a:xfrm>
                 <a:custGeom>
                   <a:avLst/>
                   <a:gdLst>
-                    <a:gd name="textAreaLeft" fmla="*/ 0 w 623520"/>
-                    <a:gd name="textAreaRight" fmla="*/ 624240 w 623520"/>
-                    <a:gd name="textAreaTop" fmla="*/ 0 h 411840"/>
-                    <a:gd name="textAreaBottom" fmla="*/ 412560 h 411840"/>
+                    <a:gd name="textAreaLeft" fmla="*/ 0 w 623160"/>
+                    <a:gd name="textAreaRight" fmla="*/ 624240 w 623160"/>
+                    <a:gd name="textAreaTop" fmla="*/ 0 h 411480"/>
+                    <a:gd name="textAreaBottom" fmla="*/ 412560 h 411480"/>
                   </a:gdLst>
                   <a:ahLst/>
                   <a:rect l="textAreaLeft" t="textAreaTop" r="textAreaRight" b="textAreaBottom"/>
@@ -17627,14 +17238,14 @@
         </p:grpSp>
         <p:sp>
           <p:nvSpPr>
-            <p:cNvPr id="288" name="Rectangle 38"/>
+            <p:cNvPr id="290" name="Rectangle 38"/>
             <p:cNvSpPr/>
             <p:nvPr/>
           </p:nvSpPr>
           <p:spPr>
             <a:xfrm>
               <a:off x="1313280" y="3684600"/>
-              <a:ext cx="9401040" cy="63000"/>
+              <a:ext cx="9400680" cy="62640"/>
             </a:xfrm>
             <a:prstGeom prst="rect">
               <a:avLst/>
@@ -17691,155 +17302,6 @@
 </p:sld>
 </file>
 
-<file path=ppt/slides/slide18.xml><?xml version="1.0" encoding="utf-8"?>
-<p:sld xmlns:a="http://schemas.openxmlformats.org/drawingml/2006/main" xmlns:p="http://schemas.openxmlformats.org/presentationml/2006/main" xmlns:r="http://schemas.openxmlformats.org/officeDocument/2006/relationships" xmlns:p14="http://schemas.microsoft.com/office/powerpoint/2010/main" xmlns:p15="http://schemas.microsoft.com/office/powerpoint/2012/main" xmlns:mc="http://schemas.openxmlformats.org/markup-compatibility/2006">
-  <p:cSld>
-    <p:spTree>
-      <p:nvGrpSpPr>
-        <p:cNvPr id="1" name=""/>
-        <p:cNvGrpSpPr/>
-        <p:nvPr/>
-      </p:nvGrpSpPr>
-      <p:grpSpPr>
-        <a:xfrm>
-          <a:off x="0" y="0"/>
-          <a:ext cx="0" cy="0"/>
-          <a:chOff x="0" y="0"/>
-          <a:chExt cx="0" cy="0"/>
-        </a:xfrm>
-      </p:grpSpPr>
-      <p:sp>
-        <p:nvSpPr>
-          <p:cNvPr id="289" name="PlaceHolder 1"/>
-          <p:cNvSpPr>
-            <a:spLocks noGrp="1"/>
-          </p:cNvSpPr>
-          <p:nvPr>
-            <p:ph/>
-          </p:nvPr>
-        </p:nvSpPr>
-        <p:spPr>
-          <a:xfrm>
-            <a:off x="690840" y="349200"/>
-            <a:ext cx="3407040" cy="792000"/>
-          </a:xfrm>
-          <a:prstGeom prst="rect">
-            <a:avLst/>
-          </a:prstGeom>
-          <a:noFill/>
-          <a:ln w="0">
-            <a:noFill/>
-          </a:ln>
-        </p:spPr>
-        <p:txBody>
-          <a:bodyPr lIns="90000" rIns="90000" tIns="45000" bIns="45000" anchor="ctr">
-            <a:noAutofit/>
-          </a:bodyPr>
-          <a:p>
-            <a:pPr marL="228600" indent="0" algn="ctr">
-              <a:lnSpc>
-                <a:spcPct val="100000"/>
-              </a:lnSpc>
-              <a:spcBef>
-                <a:spcPts val="1001"/>
-              </a:spcBef>
-              <a:buNone/>
-              <a:tabLst>
-                <a:tab algn="l" pos="0"/>
-              </a:tabLst>
-            </a:pPr>
-            <a:r>
-              <a:rPr b="1" lang="de-DE" sz="5400" spc="-1" strike="noStrike">
-                <a:solidFill>
-                  <a:srgbClr val="002060"/>
-                </a:solidFill>
-                <a:latin typeface="Bahnschrift SemiLight"/>
-                <a:ea typeface="Arial Unicode MS"/>
-              </a:rPr>
-              <a:t>Content</a:t>
-            </a:r>
-            <a:endParaRPr b="0" lang="de-DE" sz="5400" spc="-1" strike="noStrike">
-              <a:solidFill>
-                <a:srgbClr val="000000"/>
-              </a:solidFill>
-              <a:latin typeface="Arial"/>
-            </a:endParaRPr>
-          </a:p>
-        </p:txBody>
-      </p:sp>
-      <p:sp>
-        <p:nvSpPr>
-          <p:cNvPr id="290" name="Textplatzhalter 1"/>
-          <p:cNvSpPr/>
-          <p:nvPr/>
-        </p:nvSpPr>
-        <p:spPr>
-          <a:xfrm>
-            <a:off x="5390640" y="349200"/>
-            <a:ext cx="3407040" cy="792000"/>
-          </a:xfrm>
-          <a:prstGeom prst="rect">
-            <a:avLst/>
-          </a:prstGeom>
-          <a:noFill/>
-          <a:ln w="0">
-            <a:noFill/>
-          </a:ln>
-        </p:spPr>
-        <p:style>
-          <a:lnRef idx="0"/>
-          <a:fillRef idx="0"/>
-          <a:effectRef idx="0"/>
-          <a:fontRef idx="minor"/>
-        </p:style>
-        <p:txBody>
-          <a:bodyPr lIns="90000" rIns="90000" tIns="45000" bIns="45000" anchor="ctr">
-            <a:noAutofit/>
-          </a:bodyPr>
-          <a:p>
-            <a:pPr algn="ctr">
-              <a:lnSpc>
-                <a:spcPct val="100000"/>
-              </a:lnSpc>
-              <a:spcBef>
-                <a:spcPts val="1001"/>
-              </a:spcBef>
-              <a:tabLst>
-                <a:tab algn="l" pos="0"/>
-              </a:tabLst>
-            </a:pPr>
-            <a:r>
-              <a:rPr b="1" lang="de-DE" sz="5400" spc="-1" strike="noStrike">
-                <a:solidFill>
-                  <a:srgbClr val="002060"/>
-                </a:solidFill>
-                <a:latin typeface="CMU Serif"/>
-                <a:ea typeface="CMU Serif"/>
-              </a:rPr>
-              <a:t>Content</a:t>
-            </a:r>
-            <a:endParaRPr b="0" lang="de-DE" sz="5400" spc="-1" strike="noStrike">
-              <a:solidFill>
-                <a:srgbClr val="000000"/>
-              </a:solidFill>
-              <a:latin typeface="Arial"/>
-            </a:endParaRPr>
-          </a:p>
-        </p:txBody>
-      </p:sp>
-    </p:spTree>
-  </p:cSld>
-  <mc:AlternateContent>
-    <mc:Choice Requires="p14">
-      <p:transition spd="slow" p14:dur="2000"/>
-    </mc:Choice>
-    <mc:Fallback>
-      <p:transition spd="slow"/>
-    </mc:Fallback>
-  </mc:AlternateContent>
-</p:sld>
-</file>
-
 <file path=ppt/slides/slide19.xml><?xml version="1.0" encoding="utf-8"?>
 <p:sld xmlns:a="http://schemas.openxmlformats.org/drawingml/2006/main" xmlns:p="http://schemas.openxmlformats.org/presentationml/2006/main" xmlns:r="http://schemas.openxmlformats.org/officeDocument/2006/relationships" xmlns:p14="http://schemas.microsoft.com/office/powerpoint/2010/main" xmlns:p15="http://schemas.microsoft.com/office/powerpoint/2012/main" xmlns:mc="http://schemas.openxmlformats.org/markup-compatibility/2006">
   <p:cSld>
@@ -17869,8 +17331,8 @@
         </p:nvSpPr>
         <p:spPr>
           <a:xfrm>
-            <a:off x="1983960" y="380160"/>
-            <a:ext cx="8065440" cy="680400"/>
+            <a:off x="690840" y="349200"/>
+            <a:ext cx="3406680" cy="791640"/>
           </a:xfrm>
           <a:prstGeom prst="rect">
             <a:avLst/>
@@ -17882,12 +17344,12 @@
         </p:spPr>
         <p:txBody>
           <a:bodyPr lIns="90000" rIns="90000" tIns="45000" bIns="45000" anchor="ctr">
-            <a:normAutofit fontScale="79000"/>
-          </a:bodyPr>
-          <a:p>
-            <a:pPr marL="208440" indent="0" algn="ctr">
+            <a:noAutofit/>
+          </a:bodyPr>
+          <a:p>
+            <a:pPr marL="228600" indent="0" algn="ctr">
               <a:lnSpc>
-                <a:spcPct val="90000"/>
+                <a:spcPct val="100000"/>
               </a:lnSpc>
               <a:spcBef>
                 <a:spcPts val="1001"/>
@@ -17900,12 +17362,72 @@
             <a:r>
               <a:rPr b="1" lang="de-DE" sz="5400" spc="-1" strike="noStrike">
                 <a:solidFill>
-                  <a:srgbClr val="ffffff"/>
+                  <a:srgbClr val="002060"/>
+                </a:solidFill>
+                <a:latin typeface="Bahnschrift SemiLight"/>
+                <a:ea typeface="Arial Unicode MS"/>
+              </a:rPr>
+              <a:t>Content</a:t>
+            </a:r>
+            <a:endParaRPr b="0" lang="de-DE" sz="5400" spc="-1" strike="noStrike">
+              <a:solidFill>
+                <a:srgbClr val="000000"/>
+              </a:solidFill>
+              <a:latin typeface="Arial"/>
+            </a:endParaRPr>
+          </a:p>
+        </p:txBody>
+      </p:sp>
+      <p:sp>
+        <p:nvSpPr>
+          <p:cNvPr id="292" name="Textplatzhalter 1"/>
+          <p:cNvSpPr/>
+          <p:nvPr/>
+        </p:nvSpPr>
+        <p:spPr>
+          <a:xfrm>
+            <a:off x="5390640" y="349200"/>
+            <a:ext cx="3406680" cy="791640"/>
+          </a:xfrm>
+          <a:prstGeom prst="rect">
+            <a:avLst/>
+          </a:prstGeom>
+          <a:noFill/>
+          <a:ln w="0">
+            <a:noFill/>
+          </a:ln>
+        </p:spPr>
+        <p:style>
+          <a:lnRef idx="0"/>
+          <a:fillRef idx="0"/>
+          <a:effectRef idx="0"/>
+          <a:fontRef idx="minor"/>
+        </p:style>
+        <p:txBody>
+          <a:bodyPr lIns="90000" rIns="90000" tIns="45000" bIns="45000" anchor="ctr">
+            <a:noAutofit/>
+          </a:bodyPr>
+          <a:p>
+            <a:pPr algn="ctr">
+              <a:lnSpc>
+                <a:spcPct val="100000"/>
+              </a:lnSpc>
+              <a:spcBef>
+                <a:spcPts val="1001"/>
+              </a:spcBef>
+              <a:tabLst>
+                <a:tab algn="l" pos="0"/>
+              </a:tabLst>
+            </a:pPr>
+            <a:r>
+              <a:rPr b="1" lang="de-DE" sz="5400" spc="-1" strike="noStrike">
+                <a:solidFill>
+                  <a:srgbClr val="002060"/>
                 </a:solidFill>
                 <a:latin typeface="CMU Serif"/>
                 <a:ea typeface="CMU Serif"/>
               </a:rPr>
-              <a:t>Titel</a:t>
+              <a:t>Content</a:t>
             </a:r>
             <a:endParaRPr b="0" lang="de-DE" sz="5400" spc="-1" strike="noStrike">
               <a:solidFill>
@@ -17955,7 +17477,7 @@
         <p:spPr>
           <a:xfrm>
             <a:off x="0" y="477720"/>
-            <a:ext cx="5445720" cy="775080"/>
+            <a:ext cx="5445360" cy="775080"/>
           </a:xfrm>
           <a:prstGeom prst="rect">
             <a:avLst/>
@@ -18009,7 +17531,7 @@
         <p:spPr>
           <a:xfrm>
             <a:off x="762120" y="1355400"/>
-            <a:ext cx="8846640" cy="2284200"/>
+            <a:ext cx="8846280" cy="2284200"/>
           </a:xfrm>
           <a:prstGeom prst="rect">
             <a:avLst/>
@@ -18267,14 +17789,103 @@
       </p:grpSpPr>
       <p:sp>
         <p:nvSpPr>
-          <p:cNvPr id="292" name="TextBox 12"/>
+          <p:cNvPr id="293" name="PlaceHolder 1"/>
+          <p:cNvSpPr>
+            <a:spLocks noGrp="1"/>
+          </p:cNvSpPr>
+          <p:nvPr>
+            <p:ph/>
+          </p:nvPr>
+        </p:nvSpPr>
+        <p:spPr>
+          <a:xfrm>
+            <a:off x="1983960" y="380160"/>
+            <a:ext cx="8065080" cy="680040"/>
+          </a:xfrm>
+          <a:prstGeom prst="rect">
+            <a:avLst/>
+          </a:prstGeom>
+          <a:noFill/>
+          <a:ln w="0">
+            <a:noFill/>
+          </a:ln>
+        </p:spPr>
+        <p:txBody>
+          <a:bodyPr lIns="90000" rIns="90000" tIns="45000" bIns="45000" anchor="ctr">
+            <a:normAutofit fontScale="79000"/>
+          </a:bodyPr>
+          <a:p>
+            <a:pPr marL="208080" indent="0" algn="ctr">
+              <a:lnSpc>
+                <a:spcPct val="90000"/>
+              </a:lnSpc>
+              <a:spcBef>
+                <a:spcPts val="1001"/>
+              </a:spcBef>
+              <a:buNone/>
+              <a:tabLst>
+                <a:tab algn="l" pos="0"/>
+              </a:tabLst>
+            </a:pPr>
+            <a:r>
+              <a:rPr b="1" lang="de-DE" sz="5400" spc="-1" strike="noStrike">
+                <a:solidFill>
+                  <a:srgbClr val="ffffff"/>
+                </a:solidFill>
+                <a:latin typeface="CMU Serif"/>
+                <a:ea typeface="CMU Serif"/>
+              </a:rPr>
+              <a:t>Titel</a:t>
+            </a:r>
+            <a:endParaRPr b="0" lang="de-DE" sz="5400" spc="-1" strike="noStrike">
+              <a:solidFill>
+                <a:srgbClr val="000000"/>
+              </a:solidFill>
+              <a:latin typeface="Arial"/>
+            </a:endParaRPr>
+          </a:p>
+        </p:txBody>
+      </p:sp>
+    </p:spTree>
+  </p:cSld>
+  <mc:AlternateContent>
+    <mc:Choice Requires="p14">
+      <p:transition spd="slow" p14:dur="2000"/>
+    </mc:Choice>
+    <mc:Fallback>
+      <p:transition spd="slow"/>
+    </mc:Fallback>
+  </mc:AlternateContent>
+</p:sld>
+</file>
+
+<file path=ppt/slides/slide21.xml><?xml version="1.0" encoding="utf-8"?>
+<p:sld xmlns:a="http://schemas.openxmlformats.org/drawingml/2006/main" xmlns:p="http://schemas.openxmlformats.org/presentationml/2006/main" xmlns:r="http://schemas.openxmlformats.org/officeDocument/2006/relationships" xmlns:p14="http://schemas.microsoft.com/office/powerpoint/2010/main" xmlns:p15="http://schemas.microsoft.com/office/powerpoint/2012/main" xmlns:mc="http://schemas.openxmlformats.org/markup-compatibility/2006">
+  <p:cSld>
+    <p:spTree>
+      <p:nvGrpSpPr>
+        <p:cNvPr id="1" name=""/>
+        <p:cNvGrpSpPr/>
+        <p:nvPr/>
+      </p:nvGrpSpPr>
+      <p:grpSpPr>
+        <a:xfrm>
+          <a:off x="0" y="0"/>
+          <a:ext cx="0" cy="0"/>
+          <a:chOff x="0" y="0"/>
+          <a:chExt cx="0" cy="0"/>
+        </a:xfrm>
+      </p:grpSpPr>
+      <p:sp>
+        <p:nvSpPr>
+          <p:cNvPr id="294" name="TextBox 12"/>
           <p:cNvSpPr/>
           <p:nvPr/>
         </p:nvSpPr>
         <p:spPr>
           <a:xfrm>
             <a:off x="354600" y="4205520"/>
-            <a:ext cx="4794120" cy="1468080"/>
+            <a:ext cx="4793760" cy="1468080"/>
           </a:xfrm>
           <a:prstGeom prst="rect">
             <a:avLst/>
@@ -18398,7 +18009,7 @@
         <p:spPr>
           <a:xfrm>
             <a:off x="1590840" y="240480"/>
-            <a:ext cx="8065440" cy="1018080"/>
+            <a:ext cx="8065080" cy="1017720"/>
           </a:xfrm>
           <a:prstGeom prst="rect">
             <a:avLst/>
@@ -18453,7 +18064,7 @@
         <p:spPr>
           <a:xfrm>
             <a:off x="596160" y="1539000"/>
-            <a:ext cx="10999080" cy="5064120"/>
+            <a:ext cx="10998720" cy="5064120"/>
           </a:xfrm>
           <a:prstGeom prst="rect">
             <a:avLst/>
@@ -20734,7 +20345,7 @@
         <p:spPr>
           <a:xfrm>
             <a:off x="5959800" y="1899720"/>
-            <a:ext cx="5886720" cy="2832480"/>
+            <a:ext cx="5886360" cy="2832480"/>
           </a:xfrm>
           <a:prstGeom prst="rect">
             <a:avLst/>
@@ -20804,15 +20415,15 @@
         <p:spPr>
           <a:xfrm>
             <a:off x="673920" y="1688040"/>
-            <a:ext cx="5086080" cy="3128040"/>
+            <a:ext cx="5085720" cy="3127680"/>
           </a:xfrm>
           <a:custGeom>
             <a:avLst/>
             <a:gdLst>
-              <a:gd name="textAreaLeft" fmla="*/ 0 w 5086080"/>
-              <a:gd name="textAreaRight" fmla="*/ 5086800 w 5086080"/>
-              <a:gd name="textAreaTop" fmla="*/ 0 h 3128040"/>
-              <a:gd name="textAreaBottom" fmla="*/ 3128760 h 3128040"/>
+              <a:gd name="textAreaLeft" fmla="*/ 0 w 5085720"/>
+              <a:gd name="textAreaRight" fmla="*/ 5086800 w 5085720"/>
+              <a:gd name="textAreaTop" fmla="*/ 0 h 3127680"/>
+              <a:gd name="textAreaBottom" fmla="*/ 3128760 h 3127680"/>
             </a:gdLst>
             <a:ahLst/>
             <a:rect l="textAreaLeft" t="textAreaTop" r="textAreaRight" b="textAreaBottom"/>
@@ -21118,7 +20729,7 @@
         <p:spPr>
           <a:xfrm>
             <a:off x="-39240" y="6496920"/>
-            <a:ext cx="12270240" cy="424440"/>
+            <a:ext cx="12269880" cy="424080"/>
           </a:xfrm>
           <a:prstGeom prst="rect">
             <a:avLst/>
@@ -21207,7 +20818,7 @@
         <p:spPr>
           <a:xfrm>
             <a:off x="2063160" y="460440"/>
-            <a:ext cx="8065440" cy="645480"/>
+            <a:ext cx="8065080" cy="645120"/>
           </a:xfrm>
           <a:prstGeom prst="rect">
             <a:avLst/>
@@ -21222,7 +20833,7 @@
             <a:normAutofit fontScale="74000"/>
           </a:bodyPr>
           <a:p>
-            <a:pPr marL="207360" indent="0">
+            <a:pPr marL="207000" indent="0">
               <a:lnSpc>
                 <a:spcPct val="90000"/>
               </a:lnSpc>
@@ -21262,7 +20873,7 @@
         <p:spPr>
           <a:xfrm>
             <a:off x="585360" y="1788840"/>
-            <a:ext cx="9953280" cy="3655800"/>
+            <a:ext cx="9952920" cy="3655800"/>
           </a:xfrm>
           <a:prstGeom prst="rect">
             <a:avLst/>
@@ -21588,7 +21199,7 @@
         <p:spPr>
           <a:xfrm>
             <a:off x="2063160" y="460440"/>
-            <a:ext cx="8065440" cy="645480"/>
+            <a:ext cx="8065080" cy="645120"/>
           </a:xfrm>
           <a:prstGeom prst="rect">
             <a:avLst/>
@@ -21603,7 +21214,7 @@
             <a:normAutofit fontScale="74000"/>
           </a:bodyPr>
           <a:p>
-            <a:pPr marL="207360" indent="0">
+            <a:pPr marL="207000" indent="0">
               <a:lnSpc>
                 <a:spcPct val="90000"/>
               </a:lnSpc>
@@ -21643,7 +21254,7 @@
         <p:spPr>
           <a:xfrm>
             <a:off x="585360" y="1788840"/>
-            <a:ext cx="9953280" cy="5027400"/>
+            <a:ext cx="9952920" cy="5027400"/>
           </a:xfrm>
           <a:prstGeom prst="rect">
             <a:avLst/>
@@ -21982,7 +21593,7 @@
         <p:spPr>
           <a:xfrm>
             <a:off x="5248800" y="2556360"/>
-            <a:ext cx="3792600" cy="2627280"/>
+            <a:ext cx="3792240" cy="2626920"/>
           </a:xfrm>
           <a:prstGeom prst="rect">
             <a:avLst/>
@@ -22035,7 +21646,7 @@
         <p:spPr>
           <a:xfrm>
             <a:off x="2063160" y="443520"/>
-            <a:ext cx="8065440" cy="645480"/>
+            <a:ext cx="8065080" cy="645120"/>
           </a:xfrm>
           <a:prstGeom prst="rect">
             <a:avLst/>
@@ -22090,7 +21701,7 @@
         <p:spPr>
           <a:xfrm>
             <a:off x="585360" y="1507680"/>
-            <a:ext cx="9953280" cy="638280"/>
+            <a:ext cx="9952920" cy="638280"/>
           </a:xfrm>
           <a:prstGeom prst="rect">
             <a:avLst/>
@@ -22177,7 +21788,7 @@
         <p:spPr>
           <a:xfrm>
             <a:off x="585360" y="2443680"/>
-            <a:ext cx="3213360" cy="3843360"/>
+            <a:ext cx="3213000" cy="3843000"/>
           </a:xfrm>
           <a:prstGeom prst="rect">
             <a:avLst/>
@@ -22201,7 +21812,7 @@
         <p:spPr>
           <a:xfrm>
             <a:off x="6339240" y="2553840"/>
-            <a:ext cx="3252960" cy="3843360"/>
+            <a:ext cx="3252600" cy="3843000"/>
           </a:xfrm>
           <a:prstGeom prst="rect">
             <a:avLst/>
@@ -22220,7 +21831,7 @@
         <p:spPr>
           <a:xfrm>
             <a:off x="4048920" y="4169160"/>
-            <a:ext cx="2040120" cy="392400"/>
+            <a:ext cx="2039760" cy="392040"/>
           </a:xfrm>
           <a:prstGeom prst="rightArrow">
             <a:avLst>
@@ -22315,7 +21926,7 @@
         <p:spPr>
           <a:xfrm>
             <a:off x="1662480" y="2282400"/>
-            <a:ext cx="7799040" cy="4463280"/>
+            <a:ext cx="7798680" cy="4462920"/>
           </a:xfrm>
           <a:prstGeom prst="rect">
             <a:avLst/>
@@ -22338,7 +21949,7 @@
         <p:spPr>
           <a:xfrm>
             <a:off x="2063160" y="443520"/>
-            <a:ext cx="8065440" cy="645480"/>
+            <a:ext cx="8065080" cy="645120"/>
           </a:xfrm>
           <a:prstGeom prst="rect">
             <a:avLst/>
@@ -22393,7 +22004,7 @@
         <p:spPr>
           <a:xfrm>
             <a:off x="585360" y="1553040"/>
-            <a:ext cx="9953280" cy="912600"/>
+            <a:ext cx="9952920" cy="912600"/>
           </a:xfrm>
           <a:prstGeom prst="rect">
             <a:avLst/>
@@ -22509,7 +22120,7 @@
         <p:spPr>
           <a:xfrm>
             <a:off x="2063160" y="443520"/>
-            <a:ext cx="8065440" cy="645480"/>
+            <a:ext cx="8065080" cy="645120"/>
           </a:xfrm>
           <a:prstGeom prst="rect">
             <a:avLst/>
@@ -22564,7 +22175,7 @@
         <p:spPr>
           <a:xfrm>
             <a:off x="585360" y="1483920"/>
-            <a:ext cx="9953280" cy="363960"/>
+            <a:ext cx="9952920" cy="363960"/>
           </a:xfrm>
           <a:prstGeom prst="rect">
             <a:avLst/>
@@ -22623,7 +22234,7 @@
         <p:spPr>
           <a:xfrm>
             <a:off x="1903680" y="1923840"/>
-            <a:ext cx="7316640" cy="4733640"/>
+            <a:ext cx="7316280" cy="4733280"/>
           </a:xfrm>
           <a:prstGeom prst="rect">
             <a:avLst/>

--- a/Präsentation_Vorlage.pptx
+++ b/Präsentation_Vorlage.pptx
@@ -11032,7 +11032,7 @@
         <p:spPr>
           <a:xfrm>
             <a:off x="323640" y="6357240"/>
-            <a:ext cx="11867400" cy="338400"/>
+            <a:ext cx="11867040" cy="338040"/>
           </a:xfrm>
           <a:prstGeom prst="rect">
             <a:avLst/>
@@ -11087,15 +11087,15 @@
         <p:spPr>
           <a:xfrm>
             <a:off x="323640" y="6349320"/>
-            <a:ext cx="564120" cy="346680"/>
+            <a:ext cx="563760" cy="346320"/>
           </a:xfrm>
           <a:custGeom>
             <a:avLst/>
             <a:gdLst>
-              <a:gd name="textAreaLeft" fmla="*/ 0 w 564120"/>
-              <a:gd name="textAreaRight" fmla="*/ 565200 w 564120"/>
-              <a:gd name="textAreaTop" fmla="*/ 0 h 346680"/>
-              <a:gd name="textAreaBottom" fmla="*/ 347760 h 346680"/>
+              <a:gd name="textAreaLeft" fmla="*/ 0 w 563760"/>
+              <a:gd name="textAreaRight" fmla="*/ 565200 w 563760"/>
+              <a:gd name="textAreaTop" fmla="*/ 0 h 346320"/>
+              <a:gd name="textAreaBottom" fmla="*/ 347760 h 346320"/>
             </a:gdLst>
             <a:ahLst/>
             <a:rect l="textAreaLeft" t="textAreaTop" r="textAreaRight" b="textAreaBottom"/>
@@ -11487,16 +11487,7 @@
                 </a:solidFill>
                 <a:latin typeface="Arial"/>
               </a:rPr>
-              <a:t>Format des Gliederungstextes durch </a:t>
-            </a:r>
-            <a:r>
-              <a:rPr b="0" lang="de-DE" sz="3200" spc="-1" strike="noStrike">
-                <a:solidFill>
-                  <a:srgbClr val="000000"/>
-                </a:solidFill>
-                <a:latin typeface="Arial"/>
-              </a:rPr>
-              <a:t>Klicken bearbeiten</a:t>
+              <a:t>Format des Gliederungstextes durch Klicken bearbeiten</a:t>
             </a:r>
             <a:endParaRPr b="0" lang="de-DE" sz="3200" spc="-1" strike="noStrike">
               <a:solidFill>
@@ -11728,15 +11719,15 @@
         <p:spPr>
           <a:xfrm>
             <a:off x="0" y="161280"/>
-            <a:ext cx="11190240" cy="1024920"/>
+            <a:ext cx="11189880" cy="1024560"/>
           </a:xfrm>
           <a:custGeom>
             <a:avLst/>
             <a:gdLst>
-              <a:gd name="textAreaLeft" fmla="*/ 0 w 11190240"/>
-              <a:gd name="textAreaRight" fmla="*/ 11191320 w 11190240"/>
-              <a:gd name="textAreaTop" fmla="*/ 0 h 1024920"/>
-              <a:gd name="textAreaBottom" fmla="*/ 1026000 h 1024920"/>
+              <a:gd name="textAreaLeft" fmla="*/ 0 w 11189880"/>
+              <a:gd name="textAreaRight" fmla="*/ 11191320 w 11189880"/>
+              <a:gd name="textAreaTop" fmla="*/ 0 h 1024560"/>
+              <a:gd name="textAreaBottom" fmla="*/ 1026000 h 1024560"/>
             </a:gdLst>
             <a:ahLst/>
             <a:rect l="textAreaLeft" t="textAreaTop" r="textAreaRight" b="textAreaBottom"/>
@@ -11815,15 +11806,15 @@
         <p:spPr>
           <a:xfrm>
             <a:off x="0" y="161280"/>
-            <a:ext cx="1667160" cy="1024920"/>
+            <a:ext cx="1666800" cy="1024560"/>
           </a:xfrm>
           <a:custGeom>
             <a:avLst/>
             <a:gdLst>
-              <a:gd name="textAreaLeft" fmla="*/ 0 w 1667160"/>
-              <a:gd name="textAreaRight" fmla="*/ 1668240 w 1667160"/>
-              <a:gd name="textAreaTop" fmla="*/ 0 h 1024920"/>
-              <a:gd name="textAreaBottom" fmla="*/ 1026000 h 1024920"/>
+              <a:gd name="textAreaLeft" fmla="*/ 0 w 1666800"/>
+              <a:gd name="textAreaRight" fmla="*/ 1668240 w 1666800"/>
+              <a:gd name="textAreaTop" fmla="*/ 0 h 1024560"/>
+              <a:gd name="textAreaBottom" fmla="*/ 1026000 h 1024560"/>
             </a:gdLst>
             <a:ahLst/>
             <a:rect l="textAreaLeft" t="textAreaTop" r="textAreaRight" b="textAreaBottom"/>
@@ -12129,15 +12120,15 @@
         <p:spPr>
           <a:xfrm>
             <a:off x="11288880" y="161280"/>
-            <a:ext cx="901800" cy="1024920"/>
+            <a:ext cx="901440" cy="1024560"/>
           </a:xfrm>
           <a:custGeom>
             <a:avLst/>
             <a:gdLst>
-              <a:gd name="textAreaLeft" fmla="*/ 0 w 901800"/>
-              <a:gd name="textAreaRight" fmla="*/ 902880 w 901800"/>
-              <a:gd name="textAreaTop" fmla="*/ 0 h 1024920"/>
-              <a:gd name="textAreaBottom" fmla="*/ 1026000 h 1024920"/>
+              <a:gd name="textAreaLeft" fmla="*/ 0 w 901440"/>
+              <a:gd name="textAreaRight" fmla="*/ 902880 w 901440"/>
+              <a:gd name="textAreaTop" fmla="*/ 0 h 1024560"/>
+              <a:gd name="textAreaBottom" fmla="*/ 1026000 h 1024560"/>
             </a:gdLst>
             <a:ahLst/>
             <a:rect l="textAreaLeft" t="textAreaTop" r="textAreaRight" b="textAreaBottom"/>
@@ -12305,16 +12296,7 @@
                 </a:solidFill>
                 <a:latin typeface="Arial"/>
               </a:rPr>
-              <a:t>Format des Gliederungstextes durch </a:t>
-            </a:r>
-            <a:r>
-              <a:rPr b="0" lang="de-DE" sz="3200" spc="-1" strike="noStrike">
-                <a:solidFill>
-                  <a:srgbClr val="000000"/>
-                </a:solidFill>
-                <a:latin typeface="Arial"/>
-              </a:rPr>
-              <a:t>Klicken bearbeiten</a:t>
+              <a:t>Format des Gliederungstextes durch Klicken bearbeiten</a:t>
             </a:r>
             <a:endParaRPr b="0" lang="de-DE" sz="3200" spc="-1" strike="noStrike">
               <a:solidFill>
@@ -12865,7 +12847,7 @@
         <p:spPr>
           <a:xfrm>
             <a:off x="0" y="0"/>
-            <a:ext cx="12191040" cy="6856920"/>
+            <a:ext cx="12190680" cy="6856560"/>
           </a:xfrm>
           <a:prstGeom prst="rect">
             <a:avLst/>
@@ -13020,16 +13002,7 @@
                 </a:solidFill>
                 <a:latin typeface="Arial"/>
               </a:rPr>
-              <a:t>Format des Gliederungstextes durch </a:t>
-            </a:r>
-            <a:r>
-              <a:rPr b="0" lang="de-DE" sz="3200" spc="-1" strike="noStrike">
-                <a:solidFill>
-                  <a:srgbClr val="000000"/>
-                </a:solidFill>
-                <a:latin typeface="Arial"/>
-              </a:rPr>
-              <a:t>Klicken bearbeiten</a:t>
+              <a:t>Format des Gliederungstextes durch Klicken bearbeiten</a:t>
             </a:r>
             <a:endParaRPr b="0" lang="de-DE" sz="3200" spc="-1" strike="noStrike">
               <a:solidFill>
@@ -13265,8 +13238,8 @@
         </p:blipFill>
         <p:spPr>
           <a:xfrm flipH="1">
-            <a:off x="597240" y="0"/>
-            <a:ext cx="11594880" cy="6856920"/>
+            <a:off x="597600" y="0"/>
+            <a:ext cx="11594520" cy="6856560"/>
           </a:xfrm>
           <a:prstGeom prst="rect">
             <a:avLst/>
@@ -13600,7 +13573,7 @@
         <p:spPr>
           <a:xfrm>
             <a:off x="0" y="360"/>
-            <a:ext cx="12191040" cy="6856560"/>
+            <a:ext cx="12190680" cy="6856200"/>
           </a:xfrm>
           <a:prstGeom prst="rect">
             <a:avLst/>
@@ -13619,7 +13592,7 @@
         <p:spPr>
           <a:xfrm>
             <a:off x="6877800" y="1430280"/>
-            <a:ext cx="4823280" cy="1918080"/>
+            <a:ext cx="4822920" cy="1918080"/>
           </a:xfrm>
           <a:prstGeom prst="rect">
             <a:avLst/>
@@ -13673,7 +13646,7 @@
         <p:spPr>
           <a:xfrm>
             <a:off x="7379640" y="3132720"/>
-            <a:ext cx="3820320" cy="3157920"/>
+            <a:ext cx="3819960" cy="3157920"/>
           </a:xfrm>
           <a:prstGeom prst="rect">
             <a:avLst/>
@@ -13905,7 +13878,7 @@
         <p:spPr>
           <a:xfrm>
             <a:off x="2063160" y="443520"/>
-            <a:ext cx="8065080" cy="645120"/>
+            <a:ext cx="8064720" cy="644760"/>
           </a:xfrm>
           <a:prstGeom prst="rect">
             <a:avLst/>
@@ -13965,7 +13938,7 @@
         <p:spPr>
           <a:xfrm>
             <a:off x="2352600" y="1267920"/>
-            <a:ext cx="7485840" cy="4850280"/>
+            <a:ext cx="7485480" cy="4849920"/>
           </a:xfrm>
           <a:prstGeom prst="rect">
             <a:avLst/>
@@ -13984,7 +13957,7 @@
         <p:spPr>
           <a:xfrm>
             <a:off x="637200" y="6230520"/>
-            <a:ext cx="9952920" cy="363960"/>
+            <a:ext cx="9952560" cy="363960"/>
           </a:xfrm>
           <a:prstGeom prst="rect">
             <a:avLst/>
@@ -14072,7 +14045,7 @@
         <p:spPr>
           <a:xfrm>
             <a:off x="2063160" y="443520"/>
-            <a:ext cx="8065080" cy="645120"/>
+            <a:ext cx="8064720" cy="644760"/>
           </a:xfrm>
           <a:prstGeom prst="rect">
             <a:avLst/>
@@ -14127,7 +14100,7 @@
         <p:spPr>
           <a:xfrm>
             <a:off x="628560" y="1512000"/>
-            <a:ext cx="9952920" cy="638280"/>
+            <a:ext cx="9952560" cy="638280"/>
           </a:xfrm>
           <a:prstGeom prst="rect">
             <a:avLst/>
@@ -14190,7 +14163,7 @@
         <p:spPr>
           <a:xfrm>
             <a:off x="1131840" y="2229120"/>
-            <a:ext cx="4472640" cy="4184640"/>
+            <a:ext cx="4472280" cy="4184280"/>
           </a:xfrm>
           <a:prstGeom prst="rect">
             <a:avLst/>
@@ -14243,7 +14216,7 @@
         <p:spPr>
           <a:xfrm>
             <a:off x="2063160" y="443520"/>
-            <a:ext cx="8065080" cy="645120"/>
+            <a:ext cx="8064720" cy="644760"/>
           </a:xfrm>
           <a:prstGeom prst="rect">
             <a:avLst/>
@@ -14298,7 +14271,7 @@
         <p:spPr>
           <a:xfrm>
             <a:off x="628560" y="1512000"/>
-            <a:ext cx="9952920" cy="912600"/>
+            <a:ext cx="9952560" cy="912600"/>
           </a:xfrm>
           <a:prstGeom prst="rect">
             <a:avLst/>
@@ -14453,7 +14426,7 @@
         <p:spPr>
           <a:xfrm>
             <a:off x="5686920" y="2698200"/>
-            <a:ext cx="6327360" cy="1460880"/>
+            <a:ext cx="6327000" cy="1460880"/>
           </a:xfrm>
           <a:prstGeom prst="rect">
             <a:avLst/>
@@ -14510,15 +14483,15 @@
         <p:spPr>
           <a:xfrm>
             <a:off x="673920" y="1688040"/>
-            <a:ext cx="5085720" cy="3127680"/>
+            <a:ext cx="5085360" cy="3127320"/>
           </a:xfrm>
           <a:custGeom>
             <a:avLst/>
             <a:gdLst>
-              <a:gd name="textAreaLeft" fmla="*/ 0 w 5085720"/>
-              <a:gd name="textAreaRight" fmla="*/ 5086800 w 5085720"/>
-              <a:gd name="textAreaTop" fmla="*/ 0 h 3127680"/>
-              <a:gd name="textAreaBottom" fmla="*/ 3128760 h 3127680"/>
+              <a:gd name="textAreaLeft" fmla="*/ 0 w 5085360"/>
+              <a:gd name="textAreaRight" fmla="*/ 5086800 w 5085360"/>
+              <a:gd name="textAreaTop" fmla="*/ 0 h 3127320"/>
+              <a:gd name="textAreaBottom" fmla="*/ 3128760 h 3127320"/>
             </a:gdLst>
             <a:ahLst/>
             <a:rect l="textAreaLeft" t="textAreaTop" r="textAreaRight" b="textAreaBottom"/>
@@ -14824,7 +14797,7 @@
         <p:spPr>
           <a:xfrm>
             <a:off x="-39240" y="6496920"/>
-            <a:ext cx="12269880" cy="424080"/>
+            <a:ext cx="12269520" cy="423720"/>
           </a:xfrm>
           <a:prstGeom prst="rect">
             <a:avLst/>
@@ -14913,7 +14886,7 @@
         <p:spPr>
           <a:xfrm>
             <a:off x="2063160" y="443520"/>
-            <a:ext cx="8065080" cy="645120"/>
+            <a:ext cx="8064720" cy="644760"/>
           </a:xfrm>
           <a:prstGeom prst="rect">
             <a:avLst/>
@@ -14968,7 +14941,7 @@
         <p:spPr>
           <a:xfrm>
             <a:off x="628560" y="1512000"/>
-            <a:ext cx="9952920" cy="2558520"/>
+            <a:ext cx="9952560" cy="2558520"/>
           </a:xfrm>
           <a:prstGeom prst="rect">
             <a:avLst/>
@@ -15256,7 +15229,7 @@
         <p:spPr>
           <a:xfrm>
             <a:off x="5686920" y="2698560"/>
-            <a:ext cx="6327360" cy="1460880"/>
+            <a:ext cx="6327000" cy="1460880"/>
           </a:xfrm>
           <a:prstGeom prst="rect">
             <a:avLst/>
@@ -15313,15 +15286,15 @@
         <p:spPr>
           <a:xfrm>
             <a:off x="673920" y="1688040"/>
-            <a:ext cx="5085720" cy="3127680"/>
+            <a:ext cx="5085360" cy="3127320"/>
           </a:xfrm>
           <a:custGeom>
             <a:avLst/>
             <a:gdLst>
-              <a:gd name="textAreaLeft" fmla="*/ 0 w 5085720"/>
-              <a:gd name="textAreaRight" fmla="*/ 5086800 w 5085720"/>
-              <a:gd name="textAreaTop" fmla="*/ 0 h 3127680"/>
-              <a:gd name="textAreaBottom" fmla="*/ 3128760 h 3127680"/>
+              <a:gd name="textAreaLeft" fmla="*/ 0 w 5085360"/>
+              <a:gd name="textAreaRight" fmla="*/ 5086800 w 5085360"/>
+              <a:gd name="textAreaTop" fmla="*/ 0 h 3127320"/>
+              <a:gd name="textAreaBottom" fmla="*/ 3128760 h 3127320"/>
             </a:gdLst>
             <a:ahLst/>
             <a:rect l="textAreaLeft" t="textAreaTop" r="textAreaRight" b="textAreaBottom"/>
@@ -15627,7 +15600,7 @@
         <p:spPr>
           <a:xfrm>
             <a:off x="-39240" y="6496920"/>
-            <a:ext cx="12269880" cy="424080"/>
+            <a:ext cx="12269520" cy="423720"/>
           </a:xfrm>
           <a:prstGeom prst="rect">
             <a:avLst/>
@@ -15716,7 +15689,7 @@
         <p:spPr>
           <a:xfrm>
             <a:off x="2063160" y="443520"/>
-            <a:ext cx="8065080" cy="645120"/>
+            <a:ext cx="8064720" cy="644760"/>
           </a:xfrm>
           <a:prstGeom prst="rect">
             <a:avLst/>
@@ -15762,16 +15735,39 @@
           </a:p>
         </p:txBody>
       </p:sp>
-      <p:sp>
-        <p:nvSpPr>
-          <p:cNvPr id="280" name="Textfeld 4"/>
+      <p:pic>
+        <p:nvPicPr>
+          <p:cNvPr id="280" name="" descr=""/>
+          <p:cNvPicPr/>
+          <p:nvPr/>
+        </p:nvPicPr>
+        <p:blipFill>
+          <a:blip r:embed="rId1"/>
+          <a:stretch/>
+        </p:blipFill>
+        <p:spPr>
+          <a:xfrm>
+            <a:off x="4860000" y="2777040"/>
+            <a:ext cx="7382520" cy="3962520"/>
+          </a:xfrm>
+          <a:prstGeom prst="rect">
+            <a:avLst/>
+          </a:prstGeom>
+          <a:ln w="0">
+            <a:noFill/>
+          </a:ln>
+        </p:spPr>
+      </p:pic>
+      <p:sp>
+        <p:nvSpPr>
+          <p:cNvPr id="281" name="Textfeld 4"/>
           <p:cNvSpPr/>
           <p:nvPr/>
         </p:nvSpPr>
         <p:spPr>
           <a:xfrm>
             <a:off x="628560" y="1512000"/>
-            <a:ext cx="9952920" cy="1186920"/>
+            <a:ext cx="9952560" cy="1735560"/>
           </a:xfrm>
           <a:prstGeom prst="rect">
             <a:avLst/>
@@ -15895,8 +15891,55 @@
                 <a:latin typeface="Bahnschrift SemiLight"/>
                 <a:ea typeface="Arial Unicode MS"/>
               </a:rPr>
-              <a:t> </a:t>
+              <a:t>MAE: 4.898,059 €</a:t>
             </a:r>
+            <a:endParaRPr b="0" lang="de-DE" sz="1800" spc="-1" strike="noStrike">
+              <a:solidFill>
+                <a:srgbClr val="000000"/>
+              </a:solidFill>
+              <a:latin typeface="Arial"/>
+            </a:endParaRPr>
+          </a:p>
+          <a:p>
+            <a:pPr lvl="1" marL="432000" indent="-216000">
+              <a:lnSpc>
+                <a:spcPct val="100000"/>
+              </a:lnSpc>
+              <a:buClr>
+                <a:srgbClr val="000000"/>
+              </a:buClr>
+              <a:buSzPct val="45000"/>
+              <a:buFont typeface="Wingdings" charset="2"/>
+              <a:buChar char=""/>
+            </a:pPr>
+            <a:r>
+              <a:rPr b="0" lang="de-DE" sz="1800" spc="-1" strike="noStrike">
+                <a:solidFill>
+                  <a:srgbClr val="000000"/>
+                </a:solidFill>
+                <a:latin typeface="Bahnschrift SemiLight"/>
+                <a:ea typeface="Arial Unicode MS"/>
+              </a:rPr>
+              <a:t>Kreuzvalidierung unnötig, das Anzahl der Blätter bereits optimal ist</a:t>
+            </a:r>
+            <a:endParaRPr b="0" lang="de-DE" sz="1800" spc="-1" strike="noStrike">
+              <a:solidFill>
+                <a:srgbClr val="000000"/>
+              </a:solidFill>
+              <a:latin typeface="Arial"/>
+            </a:endParaRPr>
+          </a:p>
+          <a:p>
+            <a:pPr marL="285840" indent="-285840">
+              <a:lnSpc>
+                <a:spcPct val="100000"/>
+              </a:lnSpc>
+              <a:buClr>
+                <a:srgbClr val="000000"/>
+              </a:buClr>
+              <a:buFont typeface="Arial"/>
+              <a:buChar char="•"/>
+            </a:pPr>
             <a:endParaRPr b="0" lang="de-DE" sz="1800" spc="-1" strike="noStrike">
               <a:solidFill>
                 <a:srgbClr val="000000"/>
@@ -15938,14 +15981,14 @@
       </p:grpSpPr>
       <p:sp>
         <p:nvSpPr>
-          <p:cNvPr id="281" name="TextBox 3"/>
+          <p:cNvPr id="282" name="TextBox 3"/>
           <p:cNvSpPr/>
           <p:nvPr/>
         </p:nvSpPr>
         <p:spPr>
           <a:xfrm>
             <a:off x="5686920" y="2698200"/>
-            <a:ext cx="6327360" cy="1460880"/>
+            <a:ext cx="6327000" cy="1460880"/>
           </a:xfrm>
           <a:prstGeom prst="rect">
             <a:avLst/>
@@ -15995,22 +16038,22 @@
       </p:sp>
       <p:sp>
         <p:nvSpPr>
-          <p:cNvPr id="282" name="Freeform: Shape 152"/>
+          <p:cNvPr id="283" name="Freeform: Shape 152"/>
           <p:cNvSpPr/>
           <p:nvPr/>
         </p:nvSpPr>
         <p:spPr>
           <a:xfrm>
             <a:off x="673920" y="1688040"/>
-            <a:ext cx="5085720" cy="3127680"/>
+            <a:ext cx="5085360" cy="3127320"/>
           </a:xfrm>
           <a:custGeom>
             <a:avLst/>
             <a:gdLst>
-              <a:gd name="textAreaLeft" fmla="*/ 0 w 5085720"/>
-              <a:gd name="textAreaRight" fmla="*/ 5086800 w 5085720"/>
-              <a:gd name="textAreaTop" fmla="*/ 0 h 3127680"/>
-              <a:gd name="textAreaBottom" fmla="*/ 3128760 h 3127680"/>
+              <a:gd name="textAreaLeft" fmla="*/ 0 w 5085360"/>
+              <a:gd name="textAreaRight" fmla="*/ 5086800 w 5085360"/>
+              <a:gd name="textAreaTop" fmla="*/ 0 h 3127320"/>
+              <a:gd name="textAreaBottom" fmla="*/ 3128760 h 3127320"/>
             </a:gdLst>
             <a:ahLst/>
             <a:rect l="textAreaLeft" t="textAreaTop" r="textAreaRight" b="textAreaBottom"/>
@@ -16309,14 +16352,14 @@
       </p:sp>
       <p:sp>
         <p:nvSpPr>
-          <p:cNvPr id="283" name="Rechteck 1"/>
+          <p:cNvPr id="284" name="Rechteck 1"/>
           <p:cNvSpPr/>
           <p:nvPr/>
         </p:nvSpPr>
         <p:spPr>
           <a:xfrm>
             <a:off x="-39240" y="6496920"/>
-            <a:ext cx="12269880" cy="424080"/>
+            <a:ext cx="12269520" cy="423720"/>
           </a:xfrm>
           <a:prstGeom prst="rect">
             <a:avLst/>
@@ -16394,50 +16437,50 @@
       </p:grpSpPr>
       <p:grpSp>
         <p:nvGrpSpPr>
-          <p:cNvPr id="284" name="Group 32"/>
+          <p:cNvPr id="285" name="Group 32"/>
           <p:cNvGrpSpPr/>
           <p:nvPr/>
         </p:nvGrpSpPr>
         <p:grpSpPr>
           <a:xfrm>
             <a:off x="1313280" y="279720"/>
-            <a:ext cx="9400680" cy="3467520"/>
+            <a:ext cx="9400320" cy="3467160"/>
             <a:chOff x="1313280" y="279720"/>
-            <a:chExt cx="9400680" cy="3467520"/>
+            <a:chExt cx="9400320" cy="3467160"/>
           </a:xfrm>
         </p:grpSpPr>
         <p:grpSp>
           <p:nvGrpSpPr>
-            <p:cNvPr id="285" name="Group 36"/>
+            <p:cNvPr id="286" name="Group 36"/>
             <p:cNvGrpSpPr/>
             <p:nvPr/>
           </p:nvGrpSpPr>
           <p:grpSpPr>
             <a:xfrm>
               <a:off x="4695120" y="279720"/>
-              <a:ext cx="2625840" cy="3411360"/>
+              <a:ext cx="2625480" cy="3411000"/>
               <a:chOff x="4695120" y="279720"/>
-              <a:chExt cx="2625840" cy="3411360"/>
+              <a:chExt cx="2625480" cy="3411000"/>
             </a:xfrm>
           </p:grpSpPr>
           <p:sp>
             <p:nvSpPr>
-              <p:cNvPr id="286" name="Graphic 2"/>
+              <p:cNvPr id="287" name="Graphic 2"/>
               <p:cNvSpPr/>
               <p:nvPr/>
             </p:nvSpPr>
             <p:spPr>
               <a:xfrm>
                 <a:off x="4695120" y="279720"/>
-                <a:ext cx="2625840" cy="3411360"/>
+                <a:ext cx="2625480" cy="3411000"/>
               </a:xfrm>
               <a:custGeom>
                 <a:avLst/>
                 <a:gdLst>
-                  <a:gd name="textAreaLeft" fmla="*/ 0 w 2625840"/>
-                  <a:gd name="textAreaRight" fmla="*/ 2626920 w 2625840"/>
-                  <a:gd name="textAreaTop" fmla="*/ 0 h 3411360"/>
-                  <a:gd name="textAreaBottom" fmla="*/ 3412440 h 3411360"/>
+                  <a:gd name="textAreaLeft" fmla="*/ 0 w 2625480"/>
+                  <a:gd name="textAreaRight" fmla="*/ 2626920 w 2625480"/>
+                  <a:gd name="textAreaTop" fmla="*/ 0 h 3411000"/>
+                  <a:gd name="textAreaBottom" fmla="*/ 3412440 h 3411000"/>
                 </a:gdLst>
                 <a:ahLst/>
                 <a:rect l="textAreaLeft" t="textAreaTop" r="textAreaRight" b="textAreaBottom"/>
@@ -16570,36 +16613,36 @@
           </p:sp>
           <p:grpSp>
             <p:nvGrpSpPr>
-              <p:cNvPr id="287" name="Group 40"/>
+              <p:cNvPr id="288" name="Group 40"/>
               <p:cNvGrpSpPr/>
               <p:nvPr/>
             </p:nvGrpSpPr>
             <p:grpSpPr>
               <a:xfrm>
                 <a:off x="5502960" y="658080"/>
-                <a:ext cx="1326240" cy="1299600"/>
+                <a:ext cx="1325880" cy="1299240"/>
                 <a:chOff x="5502960" y="658080"/>
-                <a:chExt cx="1326240" cy="1299600"/>
+                <a:chExt cx="1325880" cy="1299240"/>
               </a:xfrm>
             </p:grpSpPr>
             <p:sp>
               <p:nvSpPr>
-                <p:cNvPr id="288" name="Graphic 4"/>
+                <p:cNvPr id="289" name="Graphic 4"/>
                 <p:cNvSpPr/>
                 <p:nvPr/>
               </p:nvSpPr>
               <p:spPr>
                 <a:xfrm>
                   <a:off x="5502960" y="658080"/>
-                  <a:ext cx="1326240" cy="1299600"/>
+                  <a:ext cx="1325880" cy="1299240"/>
                 </a:xfrm>
                 <a:custGeom>
                   <a:avLst/>
                   <a:gdLst>
-                    <a:gd name="textAreaLeft" fmla="*/ 0 w 1326240"/>
-                    <a:gd name="textAreaRight" fmla="*/ 1327320 w 1326240"/>
-                    <a:gd name="textAreaTop" fmla="*/ 0 h 1299600"/>
-                    <a:gd name="textAreaBottom" fmla="*/ 1300680 h 1299600"/>
+                    <a:gd name="textAreaLeft" fmla="*/ 0 w 1325880"/>
+                    <a:gd name="textAreaRight" fmla="*/ 1327320 w 1325880"/>
+                    <a:gd name="textAreaTop" fmla="*/ 0 h 1299240"/>
+                    <a:gd name="textAreaBottom" fmla="*/ 1300680 h 1299240"/>
                   </a:gdLst>
                   <a:ahLst/>
                   <a:rect l="textAreaLeft" t="textAreaTop" r="textAreaRight" b="textAreaBottom"/>
@@ -17119,22 +17162,22 @@
             </p:sp>
             <p:sp>
               <p:nvSpPr>
-                <p:cNvPr id="289" name="Freeform: Shape 42"/>
+                <p:cNvPr id="290" name="Freeform: Shape 42"/>
                 <p:cNvSpPr/>
                 <p:nvPr/>
               </p:nvSpPr>
               <p:spPr>
                 <a:xfrm>
                   <a:off x="5824800" y="1128600"/>
-                  <a:ext cx="623160" cy="411480"/>
+                  <a:ext cx="622800" cy="411120"/>
                 </a:xfrm>
                 <a:custGeom>
                   <a:avLst/>
                   <a:gdLst>
-                    <a:gd name="textAreaLeft" fmla="*/ 0 w 623160"/>
-                    <a:gd name="textAreaRight" fmla="*/ 624240 w 623160"/>
-                    <a:gd name="textAreaTop" fmla="*/ 0 h 411480"/>
-                    <a:gd name="textAreaBottom" fmla="*/ 412560 h 411480"/>
+                    <a:gd name="textAreaLeft" fmla="*/ 0 w 622800"/>
+                    <a:gd name="textAreaRight" fmla="*/ 624240 w 622800"/>
+                    <a:gd name="textAreaTop" fmla="*/ 0 h 411120"/>
+                    <a:gd name="textAreaBottom" fmla="*/ 412560 h 411120"/>
                   </a:gdLst>
                   <a:ahLst/>
                   <a:rect l="textAreaLeft" t="textAreaTop" r="textAreaRight" b="textAreaBottom"/>
@@ -17238,14 +17281,14 @@
         </p:grpSp>
         <p:sp>
           <p:nvSpPr>
-            <p:cNvPr id="290" name="Rectangle 38"/>
+            <p:cNvPr id="291" name="Rectangle 38"/>
             <p:cNvSpPr/>
             <p:nvPr/>
           </p:nvSpPr>
           <p:spPr>
             <a:xfrm>
               <a:off x="1313280" y="3684600"/>
-              <a:ext cx="9400680" cy="62640"/>
+              <a:ext cx="9400320" cy="62280"/>
             </a:xfrm>
             <a:prstGeom prst="rect">
               <a:avLst/>
@@ -17321,7 +17364,7 @@
       </p:grpSpPr>
       <p:sp>
         <p:nvSpPr>
-          <p:cNvPr id="291" name="PlaceHolder 1"/>
+          <p:cNvPr id="292" name="PlaceHolder 1"/>
           <p:cNvSpPr>
             <a:spLocks noGrp="1"/>
           </p:cNvSpPr>
@@ -17332,7 +17375,7 @@
         <p:spPr>
           <a:xfrm>
             <a:off x="690840" y="349200"/>
-            <a:ext cx="3406680" cy="791640"/>
+            <a:ext cx="3406320" cy="791280"/>
           </a:xfrm>
           <a:prstGeom prst="rect">
             <a:avLst/>
@@ -17380,14 +17423,14 @@
       </p:sp>
       <p:sp>
         <p:nvSpPr>
-          <p:cNvPr id="292" name="Textplatzhalter 1"/>
+          <p:cNvPr id="293" name="Textplatzhalter 1"/>
           <p:cNvSpPr/>
           <p:nvPr/>
         </p:nvSpPr>
         <p:spPr>
           <a:xfrm>
             <a:off x="5390640" y="349200"/>
-            <a:ext cx="3406680" cy="791640"/>
+            <a:ext cx="3406320" cy="791280"/>
           </a:xfrm>
           <a:prstGeom prst="rect">
             <a:avLst/>
@@ -17477,7 +17520,7 @@
         <p:spPr>
           <a:xfrm>
             <a:off x="0" y="477720"/>
-            <a:ext cx="5445360" cy="775080"/>
+            <a:ext cx="5445000" cy="775080"/>
           </a:xfrm>
           <a:prstGeom prst="rect">
             <a:avLst/>
@@ -17531,7 +17574,7 @@
         <p:spPr>
           <a:xfrm>
             <a:off x="762120" y="1355400"/>
-            <a:ext cx="8846280" cy="2284200"/>
+            <a:ext cx="8845920" cy="2284200"/>
           </a:xfrm>
           <a:prstGeom prst="rect">
             <a:avLst/>
@@ -17789,7 +17832,7 @@
       </p:grpSpPr>
       <p:sp>
         <p:nvSpPr>
-          <p:cNvPr id="293" name="PlaceHolder 1"/>
+          <p:cNvPr id="294" name="PlaceHolder 1"/>
           <p:cNvSpPr>
             <a:spLocks noGrp="1"/>
           </p:cNvSpPr>
@@ -17800,7 +17843,7 @@
         <p:spPr>
           <a:xfrm>
             <a:off x="1983960" y="380160"/>
-            <a:ext cx="8065080" cy="680040"/>
+            <a:ext cx="8064720" cy="679680"/>
           </a:xfrm>
           <a:prstGeom prst="rect">
             <a:avLst/>
@@ -17815,7 +17858,7 @@
             <a:normAutofit fontScale="79000"/>
           </a:bodyPr>
           <a:p>
-            <a:pPr marL="208080" indent="0" algn="ctr">
+            <a:pPr marL="207720" indent="0" algn="ctr">
               <a:lnSpc>
                 <a:spcPct val="90000"/>
               </a:lnSpc>
@@ -17878,14 +17921,14 @@
       </p:grpSpPr>
       <p:sp>
         <p:nvSpPr>
-          <p:cNvPr id="294" name="TextBox 12"/>
+          <p:cNvPr id="295" name="TextBox 12"/>
           <p:cNvSpPr/>
           <p:nvPr/>
         </p:nvSpPr>
         <p:spPr>
           <a:xfrm>
             <a:off x="354600" y="4205520"/>
-            <a:ext cx="4793760" cy="1468080"/>
+            <a:ext cx="4793400" cy="1468080"/>
           </a:xfrm>
           <a:prstGeom prst="rect">
             <a:avLst/>
@@ -18009,7 +18052,7 @@
         <p:spPr>
           <a:xfrm>
             <a:off x="1590840" y="240480"/>
-            <a:ext cx="8065080" cy="1017720"/>
+            <a:ext cx="8064720" cy="1017360"/>
           </a:xfrm>
           <a:prstGeom prst="rect">
             <a:avLst/>
@@ -18064,7 +18107,7 @@
         <p:spPr>
           <a:xfrm>
             <a:off x="596160" y="1539000"/>
-            <a:ext cx="10998720" cy="5064120"/>
+            <a:ext cx="10998360" cy="5064120"/>
           </a:xfrm>
           <a:prstGeom prst="rect">
             <a:avLst/>
@@ -20345,7 +20388,7 @@
         <p:spPr>
           <a:xfrm>
             <a:off x="5959800" y="1899720"/>
-            <a:ext cx="5886360" cy="2832480"/>
+            <a:ext cx="5886000" cy="2832480"/>
           </a:xfrm>
           <a:prstGeom prst="rect">
             <a:avLst/>
@@ -20415,15 +20458,15 @@
         <p:spPr>
           <a:xfrm>
             <a:off x="673920" y="1688040"/>
-            <a:ext cx="5085720" cy="3127680"/>
+            <a:ext cx="5085360" cy="3127320"/>
           </a:xfrm>
           <a:custGeom>
             <a:avLst/>
             <a:gdLst>
-              <a:gd name="textAreaLeft" fmla="*/ 0 w 5085720"/>
-              <a:gd name="textAreaRight" fmla="*/ 5086800 w 5085720"/>
-              <a:gd name="textAreaTop" fmla="*/ 0 h 3127680"/>
-              <a:gd name="textAreaBottom" fmla="*/ 3128760 h 3127680"/>
+              <a:gd name="textAreaLeft" fmla="*/ 0 w 5085360"/>
+              <a:gd name="textAreaRight" fmla="*/ 5086800 w 5085360"/>
+              <a:gd name="textAreaTop" fmla="*/ 0 h 3127320"/>
+              <a:gd name="textAreaBottom" fmla="*/ 3128760 h 3127320"/>
             </a:gdLst>
             <a:ahLst/>
             <a:rect l="textAreaLeft" t="textAreaTop" r="textAreaRight" b="textAreaBottom"/>
@@ -20729,7 +20772,7 @@
         <p:spPr>
           <a:xfrm>
             <a:off x="-39240" y="6496920"/>
-            <a:ext cx="12269880" cy="424080"/>
+            <a:ext cx="12269520" cy="423720"/>
           </a:xfrm>
           <a:prstGeom prst="rect">
             <a:avLst/>
@@ -20818,7 +20861,7 @@
         <p:spPr>
           <a:xfrm>
             <a:off x="2063160" y="460440"/>
-            <a:ext cx="8065080" cy="645120"/>
+            <a:ext cx="8064720" cy="644760"/>
           </a:xfrm>
           <a:prstGeom prst="rect">
             <a:avLst/>
@@ -20830,10 +20873,10 @@
         </p:spPr>
         <p:txBody>
           <a:bodyPr lIns="90000" rIns="90000" tIns="45000" bIns="45000" anchor="ctr">
-            <a:normAutofit fontScale="74000"/>
-          </a:bodyPr>
-          <a:p>
-            <a:pPr marL="207000" indent="0">
+            <a:normAutofit fontScale="73000"/>
+          </a:bodyPr>
+          <a:p>
+            <a:pPr marL="204120" indent="0">
               <a:lnSpc>
                 <a:spcPct val="90000"/>
               </a:lnSpc>
@@ -20873,7 +20916,7 @@
         <p:spPr>
           <a:xfrm>
             <a:off x="585360" y="1788840"/>
-            <a:ext cx="9952920" cy="3655800"/>
+            <a:ext cx="9952560" cy="3655800"/>
           </a:xfrm>
           <a:prstGeom prst="rect">
             <a:avLst/>
@@ -21199,7 +21242,7 @@
         <p:spPr>
           <a:xfrm>
             <a:off x="2063160" y="460440"/>
-            <a:ext cx="8065080" cy="645120"/>
+            <a:ext cx="8064720" cy="644760"/>
           </a:xfrm>
           <a:prstGeom prst="rect">
             <a:avLst/>
@@ -21211,10 +21254,10 @@
         </p:spPr>
         <p:txBody>
           <a:bodyPr lIns="90000" rIns="90000" tIns="45000" bIns="45000" anchor="ctr">
-            <a:normAutofit fontScale="74000"/>
-          </a:bodyPr>
-          <a:p>
-            <a:pPr marL="207000" indent="0">
+            <a:normAutofit fontScale="73000"/>
+          </a:bodyPr>
+          <a:p>
+            <a:pPr marL="204120" indent="0">
               <a:lnSpc>
                 <a:spcPct val="90000"/>
               </a:lnSpc>
@@ -21254,7 +21297,7 @@
         <p:spPr>
           <a:xfrm>
             <a:off x="585360" y="1788840"/>
-            <a:ext cx="9952920" cy="5027400"/>
+            <a:ext cx="9952560" cy="5027400"/>
           </a:xfrm>
           <a:prstGeom prst="rect">
             <a:avLst/>
@@ -21593,7 +21636,7 @@
         <p:spPr>
           <a:xfrm>
             <a:off x="5248800" y="2556360"/>
-            <a:ext cx="3792240" cy="2626920"/>
+            <a:ext cx="3791880" cy="2626560"/>
           </a:xfrm>
           <a:prstGeom prst="rect">
             <a:avLst/>
@@ -21646,7 +21689,7 @@
         <p:spPr>
           <a:xfrm>
             <a:off x="2063160" y="443520"/>
-            <a:ext cx="8065080" cy="645120"/>
+            <a:ext cx="8064720" cy="644760"/>
           </a:xfrm>
           <a:prstGeom prst="rect">
             <a:avLst/>
@@ -21701,7 +21744,7 @@
         <p:spPr>
           <a:xfrm>
             <a:off x="585360" y="1507680"/>
-            <a:ext cx="9952920" cy="638280"/>
+            <a:ext cx="9952560" cy="638280"/>
           </a:xfrm>
           <a:prstGeom prst="rect">
             <a:avLst/>
@@ -21788,7 +21831,7 @@
         <p:spPr>
           <a:xfrm>
             <a:off x="585360" y="2443680"/>
-            <a:ext cx="3213000" cy="3843000"/>
+            <a:ext cx="3212640" cy="3842640"/>
           </a:xfrm>
           <a:prstGeom prst="rect">
             <a:avLst/>
@@ -21812,7 +21855,7 @@
         <p:spPr>
           <a:xfrm>
             <a:off x="6339240" y="2553840"/>
-            <a:ext cx="3252600" cy="3843000"/>
+            <a:ext cx="3252240" cy="3842640"/>
           </a:xfrm>
           <a:prstGeom prst="rect">
             <a:avLst/>
@@ -21831,7 +21874,7 @@
         <p:spPr>
           <a:xfrm>
             <a:off x="4048920" y="4169160"/>
-            <a:ext cx="2039760" cy="392040"/>
+            <a:ext cx="2039400" cy="391680"/>
           </a:xfrm>
           <a:prstGeom prst="rightArrow">
             <a:avLst>
@@ -21926,7 +21969,7 @@
         <p:spPr>
           <a:xfrm>
             <a:off x="1662480" y="2282400"/>
-            <a:ext cx="7798680" cy="4462920"/>
+            <a:ext cx="7798320" cy="4462560"/>
           </a:xfrm>
           <a:prstGeom prst="rect">
             <a:avLst/>
@@ -21949,7 +21992,7 @@
         <p:spPr>
           <a:xfrm>
             <a:off x="2063160" y="443520"/>
-            <a:ext cx="8065080" cy="645120"/>
+            <a:ext cx="8064720" cy="644760"/>
           </a:xfrm>
           <a:prstGeom prst="rect">
             <a:avLst/>
@@ -22004,7 +22047,7 @@
         <p:spPr>
           <a:xfrm>
             <a:off x="585360" y="1553040"/>
-            <a:ext cx="9952920" cy="912600"/>
+            <a:ext cx="9952560" cy="912600"/>
           </a:xfrm>
           <a:prstGeom prst="rect">
             <a:avLst/>
@@ -22120,7 +22163,7 @@
         <p:spPr>
           <a:xfrm>
             <a:off x="2063160" y="443520"/>
-            <a:ext cx="8065080" cy="645120"/>
+            <a:ext cx="8064720" cy="644760"/>
           </a:xfrm>
           <a:prstGeom prst="rect">
             <a:avLst/>
@@ -22175,7 +22218,7 @@
         <p:spPr>
           <a:xfrm>
             <a:off x="585360" y="1483920"/>
-            <a:ext cx="9952920" cy="363960"/>
+            <a:ext cx="9952560" cy="363960"/>
           </a:xfrm>
           <a:prstGeom prst="rect">
             <a:avLst/>
@@ -22234,7 +22277,7 @@
         <p:spPr>
           <a:xfrm>
             <a:off x="1903680" y="1923840"/>
-            <a:ext cx="7316280" cy="4733280"/>
+            <a:ext cx="7315920" cy="4732920"/>
           </a:xfrm>
           <a:prstGeom prst="rect">
             <a:avLst/>

--- a/Präsentation_Vorlage.pptx
+++ b/Präsentation_Vorlage.pptx
@@ -104,13 +104,10 @@
             <a:noAutofit/>
           </a:bodyPr>
           <a:p>
-            <a:pPr indent="0" algn="ctr">
+            <a:pPr algn="ctr">
               <a:buNone/>
             </a:pPr>
             <a:endParaRPr b="0" lang="de-DE" sz="4400" spc="-1" strike="noStrike">
-              <a:solidFill>
-                <a:srgbClr val="000000"/>
-              </a:solidFill>
               <a:latin typeface="Arial"/>
             </a:endParaRPr>
           </a:p>
@@ -144,16 +141,7 @@
             <a:normAutofit/>
           </a:bodyPr>
           <a:p>
-            <a:pPr indent="0">
-              <a:spcBef>
-                <a:spcPts val="1417"/>
-              </a:spcBef>
-              <a:buNone/>
-            </a:pPr>
             <a:endParaRPr b="0" lang="de-DE" sz="3200" spc="-1" strike="noStrike">
-              <a:solidFill>
-                <a:srgbClr val="000000"/>
-              </a:solidFill>
               <a:latin typeface="Arial"/>
             </a:endParaRPr>
           </a:p>
@@ -187,16 +175,7 @@
             <a:normAutofit/>
           </a:bodyPr>
           <a:p>
-            <a:pPr indent="0">
-              <a:spcBef>
-                <a:spcPts val="1417"/>
-              </a:spcBef>
-              <a:buNone/>
-            </a:pPr>
             <a:endParaRPr b="0" lang="de-DE" sz="3200" spc="-1" strike="noStrike">
-              <a:solidFill>
-                <a:srgbClr val="000000"/>
-              </a:solidFill>
               <a:latin typeface="Arial"/>
             </a:endParaRPr>
           </a:p>
@@ -252,13 +231,10 @@
             <a:noAutofit/>
           </a:bodyPr>
           <a:p>
-            <a:pPr indent="0" algn="ctr">
+            <a:pPr algn="ctr">
               <a:buNone/>
             </a:pPr>
             <a:endParaRPr b="0" lang="de-DE" sz="4400" spc="-1" strike="noStrike">
-              <a:solidFill>
-                <a:srgbClr val="000000"/>
-              </a:solidFill>
               <a:latin typeface="Arial"/>
             </a:endParaRPr>
           </a:p>
@@ -292,16 +268,7 @@
             <a:normAutofit/>
           </a:bodyPr>
           <a:p>
-            <a:pPr indent="0">
-              <a:spcBef>
-                <a:spcPts val="1417"/>
-              </a:spcBef>
-              <a:buNone/>
-            </a:pPr>
             <a:endParaRPr b="0" lang="de-DE" sz="3200" spc="-1" strike="noStrike">
-              <a:solidFill>
-                <a:srgbClr val="000000"/>
-              </a:solidFill>
               <a:latin typeface="Arial"/>
             </a:endParaRPr>
           </a:p>
@@ -335,16 +302,7 @@
             <a:normAutofit/>
           </a:bodyPr>
           <a:p>
-            <a:pPr indent="0">
-              <a:spcBef>
-                <a:spcPts val="1417"/>
-              </a:spcBef>
-              <a:buNone/>
-            </a:pPr>
             <a:endParaRPr b="0" lang="de-DE" sz="3200" spc="-1" strike="noStrike">
-              <a:solidFill>
-                <a:srgbClr val="000000"/>
-              </a:solidFill>
               <a:latin typeface="Arial"/>
             </a:endParaRPr>
           </a:p>
@@ -378,16 +336,7 @@
             <a:normAutofit/>
           </a:bodyPr>
           <a:p>
-            <a:pPr indent="0">
-              <a:spcBef>
-                <a:spcPts val="1417"/>
-              </a:spcBef>
-              <a:buNone/>
-            </a:pPr>
             <a:endParaRPr b="0" lang="de-DE" sz="3200" spc="-1" strike="noStrike">
-              <a:solidFill>
-                <a:srgbClr val="000000"/>
-              </a:solidFill>
               <a:latin typeface="Arial"/>
             </a:endParaRPr>
           </a:p>
@@ -421,16 +370,7 @@
             <a:normAutofit/>
           </a:bodyPr>
           <a:p>
-            <a:pPr indent="0">
-              <a:spcBef>
-                <a:spcPts val="1417"/>
-              </a:spcBef>
-              <a:buNone/>
-            </a:pPr>
             <a:endParaRPr b="0" lang="de-DE" sz="3200" spc="-1" strike="noStrike">
-              <a:solidFill>
-                <a:srgbClr val="000000"/>
-              </a:solidFill>
               <a:latin typeface="Arial"/>
             </a:endParaRPr>
           </a:p>
@@ -486,13 +426,10 @@
             <a:noAutofit/>
           </a:bodyPr>
           <a:p>
-            <a:pPr indent="0" algn="ctr">
+            <a:pPr algn="ctr">
               <a:buNone/>
             </a:pPr>
             <a:endParaRPr b="0" lang="de-DE" sz="4400" spc="-1" strike="noStrike">
-              <a:solidFill>
-                <a:srgbClr val="000000"/>
-              </a:solidFill>
               <a:latin typeface="Arial"/>
             </a:endParaRPr>
           </a:p>
@@ -526,16 +463,7 @@
             <a:normAutofit/>
           </a:bodyPr>
           <a:p>
-            <a:pPr indent="0">
-              <a:spcBef>
-                <a:spcPts val="1417"/>
-              </a:spcBef>
-              <a:buNone/>
-            </a:pPr>
             <a:endParaRPr b="0" lang="de-DE" sz="3200" spc="-1" strike="noStrike">
-              <a:solidFill>
-                <a:srgbClr val="000000"/>
-              </a:solidFill>
               <a:latin typeface="Arial"/>
             </a:endParaRPr>
           </a:p>
@@ -569,16 +497,7 @@
             <a:normAutofit/>
           </a:bodyPr>
           <a:p>
-            <a:pPr indent="0">
-              <a:spcBef>
-                <a:spcPts val="1417"/>
-              </a:spcBef>
-              <a:buNone/>
-            </a:pPr>
             <a:endParaRPr b="0" lang="de-DE" sz="3200" spc="-1" strike="noStrike">
-              <a:solidFill>
-                <a:srgbClr val="000000"/>
-              </a:solidFill>
               <a:latin typeface="Arial"/>
             </a:endParaRPr>
           </a:p>
@@ -612,16 +531,7 @@
             <a:normAutofit/>
           </a:bodyPr>
           <a:p>
-            <a:pPr indent="0">
-              <a:spcBef>
-                <a:spcPts val="1417"/>
-              </a:spcBef>
-              <a:buNone/>
-            </a:pPr>
             <a:endParaRPr b="0" lang="de-DE" sz="3200" spc="-1" strike="noStrike">
-              <a:solidFill>
-                <a:srgbClr val="000000"/>
-              </a:solidFill>
               <a:latin typeface="Arial"/>
             </a:endParaRPr>
           </a:p>
@@ -655,16 +565,7 @@
             <a:normAutofit/>
           </a:bodyPr>
           <a:p>
-            <a:pPr indent="0">
-              <a:spcBef>
-                <a:spcPts val="1417"/>
-              </a:spcBef>
-              <a:buNone/>
-            </a:pPr>
             <a:endParaRPr b="0" lang="de-DE" sz="3200" spc="-1" strike="noStrike">
-              <a:solidFill>
-                <a:srgbClr val="000000"/>
-              </a:solidFill>
               <a:latin typeface="Arial"/>
             </a:endParaRPr>
           </a:p>
@@ -698,16 +599,7 @@
             <a:normAutofit/>
           </a:bodyPr>
           <a:p>
-            <a:pPr indent="0">
-              <a:spcBef>
-                <a:spcPts val="1417"/>
-              </a:spcBef>
-              <a:buNone/>
-            </a:pPr>
             <a:endParaRPr b="0" lang="de-DE" sz="3200" spc="-1" strike="noStrike">
-              <a:solidFill>
-                <a:srgbClr val="000000"/>
-              </a:solidFill>
               <a:latin typeface="Arial"/>
             </a:endParaRPr>
           </a:p>
@@ -741,16 +633,7 @@
             <a:normAutofit/>
           </a:bodyPr>
           <a:p>
-            <a:pPr indent="0">
-              <a:spcBef>
-                <a:spcPts val="1417"/>
-              </a:spcBef>
-              <a:buNone/>
-            </a:pPr>
             <a:endParaRPr b="0" lang="de-DE" sz="3200" spc="-1" strike="noStrike">
-              <a:solidFill>
-                <a:srgbClr val="000000"/>
-              </a:solidFill>
               <a:latin typeface="Arial"/>
             </a:endParaRPr>
           </a:p>
@@ -828,13 +711,10 @@
             <a:noAutofit/>
           </a:bodyPr>
           <a:p>
-            <a:pPr indent="0" algn="ctr">
+            <a:pPr algn="ctr">
               <a:buNone/>
             </a:pPr>
             <a:endParaRPr b="0" lang="de-DE" sz="4400" spc="-1" strike="noStrike">
-              <a:solidFill>
-                <a:srgbClr val="000000"/>
-              </a:solidFill>
               <a:latin typeface="Arial"/>
             </a:endParaRPr>
           </a:p>
@@ -868,13 +748,10 @@
             <a:noAutofit/>
           </a:bodyPr>
           <a:p>
-            <a:pPr indent="0" algn="ctr">
+            <a:pPr algn="ctr">
               <a:buNone/>
             </a:pPr>
             <a:endParaRPr b="0" lang="de-DE" sz="3200" spc="-1" strike="noStrike">
-              <a:solidFill>
-                <a:srgbClr val="000000"/>
-              </a:solidFill>
               <a:latin typeface="Arial"/>
             </a:endParaRPr>
           </a:p>
@@ -930,13 +807,10 @@
             <a:noAutofit/>
           </a:bodyPr>
           <a:p>
-            <a:pPr indent="0" algn="ctr">
+            <a:pPr algn="ctr">
               <a:buNone/>
             </a:pPr>
             <a:endParaRPr b="0" lang="de-DE" sz="4400" spc="-1" strike="noStrike">
-              <a:solidFill>
-                <a:srgbClr val="000000"/>
-              </a:solidFill>
               <a:latin typeface="Arial"/>
             </a:endParaRPr>
           </a:p>
@@ -970,16 +844,7 @@
             <a:normAutofit/>
           </a:bodyPr>
           <a:p>
-            <a:pPr indent="0">
-              <a:spcBef>
-                <a:spcPts val="1417"/>
-              </a:spcBef>
-              <a:buNone/>
-            </a:pPr>
             <a:endParaRPr b="0" lang="de-DE" sz="3200" spc="-1" strike="noStrike">
-              <a:solidFill>
-                <a:srgbClr val="000000"/>
-              </a:solidFill>
               <a:latin typeface="Arial"/>
             </a:endParaRPr>
           </a:p>
@@ -1035,13 +900,10 @@
             <a:noAutofit/>
           </a:bodyPr>
           <a:p>
-            <a:pPr indent="0" algn="ctr">
+            <a:pPr algn="ctr">
               <a:buNone/>
             </a:pPr>
             <a:endParaRPr b="0" lang="de-DE" sz="4400" spc="-1" strike="noStrike">
-              <a:solidFill>
-                <a:srgbClr val="000000"/>
-              </a:solidFill>
               <a:latin typeface="Arial"/>
             </a:endParaRPr>
           </a:p>
@@ -1075,16 +937,7 @@
             <a:normAutofit/>
           </a:bodyPr>
           <a:p>
-            <a:pPr indent="0">
-              <a:spcBef>
-                <a:spcPts val="1417"/>
-              </a:spcBef>
-              <a:buNone/>
-            </a:pPr>
             <a:endParaRPr b="0" lang="de-DE" sz="3200" spc="-1" strike="noStrike">
-              <a:solidFill>
-                <a:srgbClr val="000000"/>
-              </a:solidFill>
               <a:latin typeface="Arial"/>
             </a:endParaRPr>
           </a:p>
@@ -1118,16 +971,7 @@
             <a:normAutofit/>
           </a:bodyPr>
           <a:p>
-            <a:pPr indent="0">
-              <a:spcBef>
-                <a:spcPts val="1417"/>
-              </a:spcBef>
-              <a:buNone/>
-            </a:pPr>
             <a:endParaRPr b="0" lang="de-DE" sz="3200" spc="-1" strike="noStrike">
-              <a:solidFill>
-                <a:srgbClr val="000000"/>
-              </a:solidFill>
               <a:latin typeface="Arial"/>
             </a:endParaRPr>
           </a:p>
@@ -1183,13 +1027,10 @@
             <a:noAutofit/>
           </a:bodyPr>
           <a:p>
-            <a:pPr indent="0" algn="ctr">
+            <a:pPr algn="ctr">
               <a:buNone/>
             </a:pPr>
             <a:endParaRPr b="0" lang="de-DE" sz="4400" spc="-1" strike="noStrike">
-              <a:solidFill>
-                <a:srgbClr val="000000"/>
-              </a:solidFill>
               <a:latin typeface="Arial"/>
             </a:endParaRPr>
           </a:p>
@@ -1245,11 +1086,10 @@
             <a:noAutofit/>
           </a:bodyPr>
           <a:p>
-            <a:pPr algn="ctr"/>
+            <a:pPr algn="ctr">
+              <a:buNone/>
+            </a:pPr>
             <a:endParaRPr b="0" lang="de-DE" sz="3200" spc="-1" strike="noStrike">
-              <a:solidFill>
-                <a:srgbClr val="000000"/>
-              </a:solidFill>
               <a:latin typeface="Arial"/>
             </a:endParaRPr>
           </a:p>
@@ -1305,13 +1145,10 @@
             <a:noAutofit/>
           </a:bodyPr>
           <a:p>
-            <a:pPr indent="0" algn="ctr">
+            <a:pPr algn="ctr">
               <a:buNone/>
             </a:pPr>
             <a:endParaRPr b="0" lang="de-DE" sz="4400" spc="-1" strike="noStrike">
-              <a:solidFill>
-                <a:srgbClr val="000000"/>
-              </a:solidFill>
               <a:latin typeface="Arial"/>
             </a:endParaRPr>
           </a:p>
@@ -1345,16 +1182,7 @@
             <a:normAutofit/>
           </a:bodyPr>
           <a:p>
-            <a:pPr indent="0">
-              <a:spcBef>
-                <a:spcPts val="1417"/>
-              </a:spcBef>
-              <a:buNone/>
-            </a:pPr>
             <a:endParaRPr b="0" lang="de-DE" sz="3200" spc="-1" strike="noStrike">
-              <a:solidFill>
-                <a:srgbClr val="000000"/>
-              </a:solidFill>
               <a:latin typeface="Arial"/>
             </a:endParaRPr>
           </a:p>
@@ -1388,16 +1216,7 @@
             <a:normAutofit/>
           </a:bodyPr>
           <a:p>
-            <a:pPr indent="0">
-              <a:spcBef>
-                <a:spcPts val="1417"/>
-              </a:spcBef>
-              <a:buNone/>
-            </a:pPr>
             <a:endParaRPr b="0" lang="de-DE" sz="3200" spc="-1" strike="noStrike">
-              <a:solidFill>
-                <a:srgbClr val="000000"/>
-              </a:solidFill>
               <a:latin typeface="Arial"/>
             </a:endParaRPr>
           </a:p>
@@ -1431,16 +1250,7 @@
             <a:normAutofit/>
           </a:bodyPr>
           <a:p>
-            <a:pPr indent="0">
-              <a:spcBef>
-                <a:spcPts val="1417"/>
-              </a:spcBef>
-              <a:buNone/>
-            </a:pPr>
             <a:endParaRPr b="0" lang="de-DE" sz="3200" spc="-1" strike="noStrike">
-              <a:solidFill>
-                <a:srgbClr val="000000"/>
-              </a:solidFill>
               <a:latin typeface="Arial"/>
             </a:endParaRPr>
           </a:p>
@@ -1496,13 +1306,10 @@
             <a:noAutofit/>
           </a:bodyPr>
           <a:p>
-            <a:pPr indent="0" algn="ctr">
+            <a:pPr algn="ctr">
               <a:buNone/>
             </a:pPr>
             <a:endParaRPr b="0" lang="de-DE" sz="4400" spc="-1" strike="noStrike">
-              <a:solidFill>
-                <a:srgbClr val="000000"/>
-              </a:solidFill>
               <a:latin typeface="Arial"/>
             </a:endParaRPr>
           </a:p>
@@ -1536,13 +1343,10 @@
             <a:noAutofit/>
           </a:bodyPr>
           <a:p>
-            <a:pPr indent="0" algn="ctr">
+            <a:pPr algn="ctr">
               <a:buNone/>
             </a:pPr>
             <a:endParaRPr b="0" lang="de-DE" sz="3200" spc="-1" strike="noStrike">
-              <a:solidFill>
-                <a:srgbClr val="000000"/>
-              </a:solidFill>
               <a:latin typeface="Arial"/>
             </a:endParaRPr>
           </a:p>
@@ -1598,13 +1402,10 @@
             <a:noAutofit/>
           </a:bodyPr>
           <a:p>
-            <a:pPr indent="0" algn="ctr">
+            <a:pPr algn="ctr">
               <a:buNone/>
             </a:pPr>
             <a:endParaRPr b="0" lang="de-DE" sz="4400" spc="-1" strike="noStrike">
-              <a:solidFill>
-                <a:srgbClr val="000000"/>
-              </a:solidFill>
               <a:latin typeface="Arial"/>
             </a:endParaRPr>
           </a:p>
@@ -1638,16 +1439,7 @@
             <a:normAutofit/>
           </a:bodyPr>
           <a:p>
-            <a:pPr indent="0">
-              <a:spcBef>
-                <a:spcPts val="1417"/>
-              </a:spcBef>
-              <a:buNone/>
-            </a:pPr>
             <a:endParaRPr b="0" lang="de-DE" sz="3200" spc="-1" strike="noStrike">
-              <a:solidFill>
-                <a:srgbClr val="000000"/>
-              </a:solidFill>
               <a:latin typeface="Arial"/>
             </a:endParaRPr>
           </a:p>
@@ -1681,16 +1473,7 @@
             <a:normAutofit/>
           </a:bodyPr>
           <a:p>
-            <a:pPr indent="0">
-              <a:spcBef>
-                <a:spcPts val="1417"/>
-              </a:spcBef>
-              <a:buNone/>
-            </a:pPr>
             <a:endParaRPr b="0" lang="de-DE" sz="3200" spc="-1" strike="noStrike">
-              <a:solidFill>
-                <a:srgbClr val="000000"/>
-              </a:solidFill>
               <a:latin typeface="Arial"/>
             </a:endParaRPr>
           </a:p>
@@ -1724,16 +1507,7 @@
             <a:normAutofit/>
           </a:bodyPr>
           <a:p>
-            <a:pPr indent="0">
-              <a:spcBef>
-                <a:spcPts val="1417"/>
-              </a:spcBef>
-              <a:buNone/>
-            </a:pPr>
             <a:endParaRPr b="0" lang="de-DE" sz="3200" spc="-1" strike="noStrike">
-              <a:solidFill>
-                <a:srgbClr val="000000"/>
-              </a:solidFill>
               <a:latin typeface="Arial"/>
             </a:endParaRPr>
           </a:p>
@@ -1789,13 +1563,10 @@
             <a:noAutofit/>
           </a:bodyPr>
           <a:p>
-            <a:pPr indent="0" algn="ctr">
+            <a:pPr algn="ctr">
               <a:buNone/>
             </a:pPr>
             <a:endParaRPr b="0" lang="de-DE" sz="4400" spc="-1" strike="noStrike">
-              <a:solidFill>
-                <a:srgbClr val="000000"/>
-              </a:solidFill>
               <a:latin typeface="Arial"/>
             </a:endParaRPr>
           </a:p>
@@ -1829,16 +1600,7 @@
             <a:normAutofit/>
           </a:bodyPr>
           <a:p>
-            <a:pPr indent="0">
-              <a:spcBef>
-                <a:spcPts val="1417"/>
-              </a:spcBef>
-              <a:buNone/>
-            </a:pPr>
             <a:endParaRPr b="0" lang="de-DE" sz="3200" spc="-1" strike="noStrike">
-              <a:solidFill>
-                <a:srgbClr val="000000"/>
-              </a:solidFill>
               <a:latin typeface="Arial"/>
             </a:endParaRPr>
           </a:p>
@@ -1872,16 +1634,7 @@
             <a:normAutofit/>
           </a:bodyPr>
           <a:p>
-            <a:pPr indent="0">
-              <a:spcBef>
-                <a:spcPts val="1417"/>
-              </a:spcBef>
-              <a:buNone/>
-            </a:pPr>
             <a:endParaRPr b="0" lang="de-DE" sz="3200" spc="-1" strike="noStrike">
-              <a:solidFill>
-                <a:srgbClr val="000000"/>
-              </a:solidFill>
               <a:latin typeface="Arial"/>
             </a:endParaRPr>
           </a:p>
@@ -1915,16 +1668,7 @@
             <a:normAutofit/>
           </a:bodyPr>
           <a:p>
-            <a:pPr indent="0">
-              <a:spcBef>
-                <a:spcPts val="1417"/>
-              </a:spcBef>
-              <a:buNone/>
-            </a:pPr>
             <a:endParaRPr b="0" lang="de-DE" sz="3200" spc="-1" strike="noStrike">
-              <a:solidFill>
-                <a:srgbClr val="000000"/>
-              </a:solidFill>
               <a:latin typeface="Arial"/>
             </a:endParaRPr>
           </a:p>
@@ -1980,13 +1724,10 @@
             <a:noAutofit/>
           </a:bodyPr>
           <a:p>
-            <a:pPr indent="0" algn="ctr">
+            <a:pPr algn="ctr">
               <a:buNone/>
             </a:pPr>
             <a:endParaRPr b="0" lang="de-DE" sz="4400" spc="-1" strike="noStrike">
-              <a:solidFill>
-                <a:srgbClr val="000000"/>
-              </a:solidFill>
               <a:latin typeface="Arial"/>
             </a:endParaRPr>
           </a:p>
@@ -2020,16 +1761,7 @@
             <a:normAutofit/>
           </a:bodyPr>
           <a:p>
-            <a:pPr indent="0">
-              <a:spcBef>
-                <a:spcPts val="1417"/>
-              </a:spcBef>
-              <a:buNone/>
-            </a:pPr>
             <a:endParaRPr b="0" lang="de-DE" sz="3200" spc="-1" strike="noStrike">
-              <a:solidFill>
-                <a:srgbClr val="000000"/>
-              </a:solidFill>
               <a:latin typeface="Arial"/>
             </a:endParaRPr>
           </a:p>
@@ -2063,16 +1795,7 @@
             <a:normAutofit/>
           </a:bodyPr>
           <a:p>
-            <a:pPr indent="0">
-              <a:spcBef>
-                <a:spcPts val="1417"/>
-              </a:spcBef>
-              <a:buNone/>
-            </a:pPr>
             <a:endParaRPr b="0" lang="de-DE" sz="3200" spc="-1" strike="noStrike">
-              <a:solidFill>
-                <a:srgbClr val="000000"/>
-              </a:solidFill>
               <a:latin typeface="Arial"/>
             </a:endParaRPr>
           </a:p>
@@ -2128,13 +1851,10 @@
             <a:noAutofit/>
           </a:bodyPr>
           <a:p>
-            <a:pPr indent="0" algn="ctr">
+            <a:pPr algn="ctr">
               <a:buNone/>
             </a:pPr>
             <a:endParaRPr b="0" lang="de-DE" sz="4400" spc="-1" strike="noStrike">
-              <a:solidFill>
-                <a:srgbClr val="000000"/>
-              </a:solidFill>
               <a:latin typeface="Arial"/>
             </a:endParaRPr>
           </a:p>
@@ -2168,16 +1888,7 @@
             <a:normAutofit/>
           </a:bodyPr>
           <a:p>
-            <a:pPr indent="0">
-              <a:spcBef>
-                <a:spcPts val="1417"/>
-              </a:spcBef>
-              <a:buNone/>
-            </a:pPr>
             <a:endParaRPr b="0" lang="de-DE" sz="3200" spc="-1" strike="noStrike">
-              <a:solidFill>
-                <a:srgbClr val="000000"/>
-              </a:solidFill>
               <a:latin typeface="Arial"/>
             </a:endParaRPr>
           </a:p>
@@ -2211,16 +1922,7 @@
             <a:normAutofit/>
           </a:bodyPr>
           <a:p>
-            <a:pPr indent="0">
-              <a:spcBef>
-                <a:spcPts val="1417"/>
-              </a:spcBef>
-              <a:buNone/>
-            </a:pPr>
             <a:endParaRPr b="0" lang="de-DE" sz="3200" spc="-1" strike="noStrike">
-              <a:solidFill>
-                <a:srgbClr val="000000"/>
-              </a:solidFill>
               <a:latin typeface="Arial"/>
             </a:endParaRPr>
           </a:p>
@@ -2254,16 +1956,7 @@
             <a:normAutofit/>
           </a:bodyPr>
           <a:p>
-            <a:pPr indent="0">
-              <a:spcBef>
-                <a:spcPts val="1417"/>
-              </a:spcBef>
-              <a:buNone/>
-            </a:pPr>
             <a:endParaRPr b="0" lang="de-DE" sz="3200" spc="-1" strike="noStrike">
-              <a:solidFill>
-                <a:srgbClr val="000000"/>
-              </a:solidFill>
               <a:latin typeface="Arial"/>
             </a:endParaRPr>
           </a:p>
@@ -2297,16 +1990,7 @@
             <a:normAutofit/>
           </a:bodyPr>
           <a:p>
-            <a:pPr indent="0">
-              <a:spcBef>
-                <a:spcPts val="1417"/>
-              </a:spcBef>
-              <a:buNone/>
-            </a:pPr>
             <a:endParaRPr b="0" lang="de-DE" sz="3200" spc="-1" strike="noStrike">
-              <a:solidFill>
-                <a:srgbClr val="000000"/>
-              </a:solidFill>
               <a:latin typeface="Arial"/>
             </a:endParaRPr>
           </a:p>
@@ -2362,13 +2046,10 @@
             <a:noAutofit/>
           </a:bodyPr>
           <a:p>
-            <a:pPr indent="0" algn="ctr">
+            <a:pPr algn="ctr">
               <a:buNone/>
             </a:pPr>
             <a:endParaRPr b="0" lang="de-DE" sz="4400" spc="-1" strike="noStrike">
-              <a:solidFill>
-                <a:srgbClr val="000000"/>
-              </a:solidFill>
               <a:latin typeface="Arial"/>
             </a:endParaRPr>
           </a:p>
@@ -2402,16 +2083,7 @@
             <a:normAutofit/>
           </a:bodyPr>
           <a:p>
-            <a:pPr indent="0">
-              <a:spcBef>
-                <a:spcPts val="1417"/>
-              </a:spcBef>
-              <a:buNone/>
-            </a:pPr>
             <a:endParaRPr b="0" lang="de-DE" sz="3200" spc="-1" strike="noStrike">
-              <a:solidFill>
-                <a:srgbClr val="000000"/>
-              </a:solidFill>
               <a:latin typeface="Arial"/>
             </a:endParaRPr>
           </a:p>
@@ -2445,16 +2117,7 @@
             <a:normAutofit/>
           </a:bodyPr>
           <a:p>
-            <a:pPr indent="0">
-              <a:spcBef>
-                <a:spcPts val="1417"/>
-              </a:spcBef>
-              <a:buNone/>
-            </a:pPr>
             <a:endParaRPr b="0" lang="de-DE" sz="3200" spc="-1" strike="noStrike">
-              <a:solidFill>
-                <a:srgbClr val="000000"/>
-              </a:solidFill>
               <a:latin typeface="Arial"/>
             </a:endParaRPr>
           </a:p>
@@ -2488,16 +2151,7 @@
             <a:normAutofit/>
           </a:bodyPr>
           <a:p>
-            <a:pPr indent="0">
-              <a:spcBef>
-                <a:spcPts val="1417"/>
-              </a:spcBef>
-              <a:buNone/>
-            </a:pPr>
             <a:endParaRPr b="0" lang="de-DE" sz="3200" spc="-1" strike="noStrike">
-              <a:solidFill>
-                <a:srgbClr val="000000"/>
-              </a:solidFill>
               <a:latin typeface="Arial"/>
             </a:endParaRPr>
           </a:p>
@@ -2531,16 +2185,7 @@
             <a:normAutofit/>
           </a:bodyPr>
           <a:p>
-            <a:pPr indent="0">
-              <a:spcBef>
-                <a:spcPts val="1417"/>
-              </a:spcBef>
-              <a:buNone/>
-            </a:pPr>
             <a:endParaRPr b="0" lang="de-DE" sz="3200" spc="-1" strike="noStrike">
-              <a:solidFill>
-                <a:srgbClr val="000000"/>
-              </a:solidFill>
               <a:latin typeface="Arial"/>
             </a:endParaRPr>
           </a:p>
@@ -2574,16 +2219,7 @@
             <a:normAutofit/>
           </a:bodyPr>
           <a:p>
-            <a:pPr indent="0">
-              <a:spcBef>
-                <a:spcPts val="1417"/>
-              </a:spcBef>
-              <a:buNone/>
-            </a:pPr>
             <a:endParaRPr b="0" lang="de-DE" sz="3200" spc="-1" strike="noStrike">
-              <a:solidFill>
-                <a:srgbClr val="000000"/>
-              </a:solidFill>
               <a:latin typeface="Arial"/>
             </a:endParaRPr>
           </a:p>
@@ -2617,16 +2253,7 @@
             <a:normAutofit/>
           </a:bodyPr>
           <a:p>
-            <a:pPr indent="0">
-              <a:spcBef>
-                <a:spcPts val="1417"/>
-              </a:spcBef>
-              <a:buNone/>
-            </a:pPr>
             <a:endParaRPr b="0" lang="de-DE" sz="3200" spc="-1" strike="noStrike">
-              <a:solidFill>
-                <a:srgbClr val="000000"/>
-              </a:solidFill>
               <a:latin typeface="Arial"/>
             </a:endParaRPr>
           </a:p>
@@ -2704,13 +2331,10 @@
             <a:noAutofit/>
           </a:bodyPr>
           <a:p>
-            <a:pPr indent="0" algn="ctr">
+            <a:pPr algn="ctr">
               <a:buNone/>
             </a:pPr>
             <a:endParaRPr b="0" lang="de-DE" sz="4400" spc="-1" strike="noStrike">
-              <a:solidFill>
-                <a:srgbClr val="000000"/>
-              </a:solidFill>
               <a:latin typeface="Arial"/>
             </a:endParaRPr>
           </a:p>
@@ -2744,13 +2368,10 @@
             <a:noAutofit/>
           </a:bodyPr>
           <a:p>
-            <a:pPr indent="0" algn="ctr">
+            <a:pPr algn="ctr">
               <a:buNone/>
             </a:pPr>
             <a:endParaRPr b="0" lang="de-DE" sz="3200" spc="-1" strike="noStrike">
-              <a:solidFill>
-                <a:srgbClr val="000000"/>
-              </a:solidFill>
               <a:latin typeface="Arial"/>
             </a:endParaRPr>
           </a:p>
@@ -2806,13 +2427,10 @@
             <a:noAutofit/>
           </a:bodyPr>
           <a:p>
-            <a:pPr indent="0" algn="ctr">
+            <a:pPr algn="ctr">
               <a:buNone/>
             </a:pPr>
             <a:endParaRPr b="0" lang="de-DE" sz="4400" spc="-1" strike="noStrike">
-              <a:solidFill>
-                <a:srgbClr val="000000"/>
-              </a:solidFill>
               <a:latin typeface="Arial"/>
             </a:endParaRPr>
           </a:p>
@@ -2846,16 +2464,7 @@
             <a:normAutofit/>
           </a:bodyPr>
           <a:p>
-            <a:pPr indent="0">
-              <a:spcBef>
-                <a:spcPts val="1417"/>
-              </a:spcBef>
-              <a:buNone/>
-            </a:pPr>
             <a:endParaRPr b="0" lang="de-DE" sz="3200" spc="-1" strike="noStrike">
-              <a:solidFill>
-                <a:srgbClr val="000000"/>
-              </a:solidFill>
               <a:latin typeface="Arial"/>
             </a:endParaRPr>
           </a:p>
@@ -2911,13 +2520,10 @@
             <a:noAutofit/>
           </a:bodyPr>
           <a:p>
-            <a:pPr indent="0" algn="ctr">
+            <a:pPr algn="ctr">
               <a:buNone/>
             </a:pPr>
             <a:endParaRPr b="0" lang="de-DE" sz="4400" spc="-1" strike="noStrike">
-              <a:solidFill>
-                <a:srgbClr val="000000"/>
-              </a:solidFill>
               <a:latin typeface="Arial"/>
             </a:endParaRPr>
           </a:p>
@@ -2951,16 +2557,7 @@
             <a:normAutofit/>
           </a:bodyPr>
           <a:p>
-            <a:pPr indent="0">
-              <a:spcBef>
-                <a:spcPts val="1417"/>
-              </a:spcBef>
-              <a:buNone/>
-            </a:pPr>
             <a:endParaRPr b="0" lang="de-DE" sz="3200" spc="-1" strike="noStrike">
-              <a:solidFill>
-                <a:srgbClr val="000000"/>
-              </a:solidFill>
               <a:latin typeface="Arial"/>
             </a:endParaRPr>
           </a:p>
@@ -2994,16 +2591,7 @@
             <a:normAutofit/>
           </a:bodyPr>
           <a:p>
-            <a:pPr indent="0">
-              <a:spcBef>
-                <a:spcPts val="1417"/>
-              </a:spcBef>
-              <a:buNone/>
-            </a:pPr>
             <a:endParaRPr b="0" lang="de-DE" sz="3200" spc="-1" strike="noStrike">
-              <a:solidFill>
-                <a:srgbClr val="000000"/>
-              </a:solidFill>
               <a:latin typeface="Arial"/>
             </a:endParaRPr>
           </a:p>
@@ -3059,13 +2647,10 @@
             <a:noAutofit/>
           </a:bodyPr>
           <a:p>
-            <a:pPr indent="0" algn="ctr">
+            <a:pPr algn="ctr">
               <a:buNone/>
             </a:pPr>
             <a:endParaRPr b="0" lang="de-DE" sz="4400" spc="-1" strike="noStrike">
-              <a:solidFill>
-                <a:srgbClr val="000000"/>
-              </a:solidFill>
               <a:latin typeface="Arial"/>
             </a:endParaRPr>
           </a:p>
@@ -3121,13 +2706,10 @@
             <a:noAutofit/>
           </a:bodyPr>
           <a:p>
-            <a:pPr indent="0" algn="ctr">
+            <a:pPr algn="ctr">
               <a:buNone/>
             </a:pPr>
             <a:endParaRPr b="0" lang="de-DE" sz="4400" spc="-1" strike="noStrike">
-              <a:solidFill>
-                <a:srgbClr val="000000"/>
-              </a:solidFill>
               <a:latin typeface="Arial"/>
             </a:endParaRPr>
           </a:p>
@@ -3161,16 +2743,7 @@
             <a:normAutofit/>
           </a:bodyPr>
           <a:p>
-            <a:pPr indent="0">
-              <a:spcBef>
-                <a:spcPts val="1417"/>
-              </a:spcBef>
-              <a:buNone/>
-            </a:pPr>
             <a:endParaRPr b="0" lang="de-DE" sz="3200" spc="-1" strike="noStrike">
-              <a:solidFill>
-                <a:srgbClr val="000000"/>
-              </a:solidFill>
               <a:latin typeface="Arial"/>
             </a:endParaRPr>
           </a:p>
@@ -3226,11 +2799,10 @@
             <a:noAutofit/>
           </a:bodyPr>
           <a:p>
-            <a:pPr algn="ctr"/>
+            <a:pPr algn="ctr">
+              <a:buNone/>
+            </a:pPr>
             <a:endParaRPr b="0" lang="de-DE" sz="3200" spc="-1" strike="noStrike">
-              <a:solidFill>
-                <a:srgbClr val="000000"/>
-              </a:solidFill>
               <a:latin typeface="Arial"/>
             </a:endParaRPr>
           </a:p>
@@ -3286,13 +2858,10 @@
             <a:noAutofit/>
           </a:bodyPr>
           <a:p>
-            <a:pPr indent="0" algn="ctr">
+            <a:pPr algn="ctr">
               <a:buNone/>
             </a:pPr>
             <a:endParaRPr b="0" lang="de-DE" sz="4400" spc="-1" strike="noStrike">
-              <a:solidFill>
-                <a:srgbClr val="000000"/>
-              </a:solidFill>
               <a:latin typeface="Arial"/>
             </a:endParaRPr>
           </a:p>
@@ -3326,16 +2895,7 @@
             <a:normAutofit/>
           </a:bodyPr>
           <a:p>
-            <a:pPr indent="0">
-              <a:spcBef>
-                <a:spcPts val="1417"/>
-              </a:spcBef>
-              <a:buNone/>
-            </a:pPr>
             <a:endParaRPr b="0" lang="de-DE" sz="3200" spc="-1" strike="noStrike">
-              <a:solidFill>
-                <a:srgbClr val="000000"/>
-              </a:solidFill>
               <a:latin typeface="Arial"/>
             </a:endParaRPr>
           </a:p>
@@ -3369,16 +2929,7 @@
             <a:normAutofit/>
           </a:bodyPr>
           <a:p>
-            <a:pPr indent="0">
-              <a:spcBef>
-                <a:spcPts val="1417"/>
-              </a:spcBef>
-              <a:buNone/>
-            </a:pPr>
             <a:endParaRPr b="0" lang="de-DE" sz="3200" spc="-1" strike="noStrike">
-              <a:solidFill>
-                <a:srgbClr val="000000"/>
-              </a:solidFill>
               <a:latin typeface="Arial"/>
             </a:endParaRPr>
           </a:p>
@@ -3412,16 +2963,7 @@
             <a:normAutofit/>
           </a:bodyPr>
           <a:p>
-            <a:pPr indent="0">
-              <a:spcBef>
-                <a:spcPts val="1417"/>
-              </a:spcBef>
-              <a:buNone/>
-            </a:pPr>
             <a:endParaRPr b="0" lang="de-DE" sz="3200" spc="-1" strike="noStrike">
-              <a:solidFill>
-                <a:srgbClr val="000000"/>
-              </a:solidFill>
               <a:latin typeface="Arial"/>
             </a:endParaRPr>
           </a:p>
@@ -3477,13 +3019,10 @@
             <a:noAutofit/>
           </a:bodyPr>
           <a:p>
-            <a:pPr indent="0" algn="ctr">
+            <a:pPr algn="ctr">
               <a:buNone/>
             </a:pPr>
             <a:endParaRPr b="0" lang="de-DE" sz="4400" spc="-1" strike="noStrike">
-              <a:solidFill>
-                <a:srgbClr val="000000"/>
-              </a:solidFill>
               <a:latin typeface="Arial"/>
             </a:endParaRPr>
           </a:p>
@@ -3517,16 +3056,7 @@
             <a:normAutofit/>
           </a:bodyPr>
           <a:p>
-            <a:pPr indent="0">
-              <a:spcBef>
-                <a:spcPts val="1417"/>
-              </a:spcBef>
-              <a:buNone/>
-            </a:pPr>
             <a:endParaRPr b="0" lang="de-DE" sz="3200" spc="-1" strike="noStrike">
-              <a:solidFill>
-                <a:srgbClr val="000000"/>
-              </a:solidFill>
               <a:latin typeface="Arial"/>
             </a:endParaRPr>
           </a:p>
@@ -3560,16 +3090,7 @@
             <a:normAutofit/>
           </a:bodyPr>
           <a:p>
-            <a:pPr indent="0">
-              <a:spcBef>
-                <a:spcPts val="1417"/>
-              </a:spcBef>
-              <a:buNone/>
-            </a:pPr>
             <a:endParaRPr b="0" lang="de-DE" sz="3200" spc="-1" strike="noStrike">
-              <a:solidFill>
-                <a:srgbClr val="000000"/>
-              </a:solidFill>
               <a:latin typeface="Arial"/>
             </a:endParaRPr>
           </a:p>
@@ -3603,16 +3124,7 @@
             <a:normAutofit/>
           </a:bodyPr>
           <a:p>
-            <a:pPr indent="0">
-              <a:spcBef>
-                <a:spcPts val="1417"/>
-              </a:spcBef>
-              <a:buNone/>
-            </a:pPr>
             <a:endParaRPr b="0" lang="de-DE" sz="3200" spc="-1" strike="noStrike">
-              <a:solidFill>
-                <a:srgbClr val="000000"/>
-              </a:solidFill>
               <a:latin typeface="Arial"/>
             </a:endParaRPr>
           </a:p>
@@ -3668,13 +3180,10 @@
             <a:noAutofit/>
           </a:bodyPr>
           <a:p>
-            <a:pPr indent="0" algn="ctr">
+            <a:pPr algn="ctr">
               <a:buNone/>
             </a:pPr>
             <a:endParaRPr b="0" lang="de-DE" sz="4400" spc="-1" strike="noStrike">
-              <a:solidFill>
-                <a:srgbClr val="000000"/>
-              </a:solidFill>
               <a:latin typeface="Arial"/>
             </a:endParaRPr>
           </a:p>
@@ -3708,16 +3217,7 @@
             <a:normAutofit/>
           </a:bodyPr>
           <a:p>
-            <a:pPr indent="0">
-              <a:spcBef>
-                <a:spcPts val="1417"/>
-              </a:spcBef>
-              <a:buNone/>
-            </a:pPr>
             <a:endParaRPr b="0" lang="de-DE" sz="3200" spc="-1" strike="noStrike">
-              <a:solidFill>
-                <a:srgbClr val="000000"/>
-              </a:solidFill>
               <a:latin typeface="Arial"/>
             </a:endParaRPr>
           </a:p>
@@ -3751,16 +3251,7 @@
             <a:normAutofit/>
           </a:bodyPr>
           <a:p>
-            <a:pPr indent="0">
-              <a:spcBef>
-                <a:spcPts val="1417"/>
-              </a:spcBef>
-              <a:buNone/>
-            </a:pPr>
             <a:endParaRPr b="0" lang="de-DE" sz="3200" spc="-1" strike="noStrike">
-              <a:solidFill>
-                <a:srgbClr val="000000"/>
-              </a:solidFill>
               <a:latin typeface="Arial"/>
             </a:endParaRPr>
           </a:p>
@@ -3794,16 +3285,7 @@
             <a:normAutofit/>
           </a:bodyPr>
           <a:p>
-            <a:pPr indent="0">
-              <a:spcBef>
-                <a:spcPts val="1417"/>
-              </a:spcBef>
-              <a:buNone/>
-            </a:pPr>
             <a:endParaRPr b="0" lang="de-DE" sz="3200" spc="-1" strike="noStrike">
-              <a:solidFill>
-                <a:srgbClr val="000000"/>
-              </a:solidFill>
               <a:latin typeface="Arial"/>
             </a:endParaRPr>
           </a:p>
@@ -3859,13 +3341,10 @@
             <a:noAutofit/>
           </a:bodyPr>
           <a:p>
-            <a:pPr indent="0" algn="ctr">
+            <a:pPr algn="ctr">
               <a:buNone/>
             </a:pPr>
             <a:endParaRPr b="0" lang="de-DE" sz="4400" spc="-1" strike="noStrike">
-              <a:solidFill>
-                <a:srgbClr val="000000"/>
-              </a:solidFill>
               <a:latin typeface="Arial"/>
             </a:endParaRPr>
           </a:p>
@@ -3899,16 +3378,7 @@
             <a:normAutofit/>
           </a:bodyPr>
           <a:p>
-            <a:pPr indent="0">
-              <a:spcBef>
-                <a:spcPts val="1417"/>
-              </a:spcBef>
-              <a:buNone/>
-            </a:pPr>
             <a:endParaRPr b="0" lang="de-DE" sz="3200" spc="-1" strike="noStrike">
-              <a:solidFill>
-                <a:srgbClr val="000000"/>
-              </a:solidFill>
               <a:latin typeface="Arial"/>
             </a:endParaRPr>
           </a:p>
@@ -3942,16 +3412,7 @@
             <a:normAutofit/>
           </a:bodyPr>
           <a:p>
-            <a:pPr indent="0">
-              <a:spcBef>
-                <a:spcPts val="1417"/>
-              </a:spcBef>
-              <a:buNone/>
-            </a:pPr>
             <a:endParaRPr b="0" lang="de-DE" sz="3200" spc="-1" strike="noStrike">
-              <a:solidFill>
-                <a:srgbClr val="000000"/>
-              </a:solidFill>
               <a:latin typeface="Arial"/>
             </a:endParaRPr>
           </a:p>
@@ -4007,13 +3468,10 @@
             <a:noAutofit/>
           </a:bodyPr>
           <a:p>
-            <a:pPr indent="0" algn="ctr">
+            <a:pPr algn="ctr">
               <a:buNone/>
             </a:pPr>
             <a:endParaRPr b="0" lang="de-DE" sz="4400" spc="-1" strike="noStrike">
-              <a:solidFill>
-                <a:srgbClr val="000000"/>
-              </a:solidFill>
               <a:latin typeface="Arial"/>
             </a:endParaRPr>
           </a:p>
@@ -4047,16 +3505,7 @@
             <a:normAutofit/>
           </a:bodyPr>
           <a:p>
-            <a:pPr indent="0">
-              <a:spcBef>
-                <a:spcPts val="1417"/>
-              </a:spcBef>
-              <a:buNone/>
-            </a:pPr>
             <a:endParaRPr b="0" lang="de-DE" sz="3200" spc="-1" strike="noStrike">
-              <a:solidFill>
-                <a:srgbClr val="000000"/>
-              </a:solidFill>
               <a:latin typeface="Arial"/>
             </a:endParaRPr>
           </a:p>
@@ -4090,16 +3539,7 @@
             <a:normAutofit/>
           </a:bodyPr>
           <a:p>
-            <a:pPr indent="0">
-              <a:spcBef>
-                <a:spcPts val="1417"/>
-              </a:spcBef>
-              <a:buNone/>
-            </a:pPr>
             <a:endParaRPr b="0" lang="de-DE" sz="3200" spc="-1" strike="noStrike">
-              <a:solidFill>
-                <a:srgbClr val="000000"/>
-              </a:solidFill>
               <a:latin typeface="Arial"/>
             </a:endParaRPr>
           </a:p>
@@ -4133,16 +3573,7 @@
             <a:normAutofit/>
           </a:bodyPr>
           <a:p>
-            <a:pPr indent="0">
-              <a:spcBef>
-                <a:spcPts val="1417"/>
-              </a:spcBef>
-              <a:buNone/>
-            </a:pPr>
             <a:endParaRPr b="0" lang="de-DE" sz="3200" spc="-1" strike="noStrike">
-              <a:solidFill>
-                <a:srgbClr val="000000"/>
-              </a:solidFill>
               <a:latin typeface="Arial"/>
             </a:endParaRPr>
           </a:p>
@@ -4176,16 +3607,7 @@
             <a:normAutofit/>
           </a:bodyPr>
           <a:p>
-            <a:pPr indent="0">
-              <a:spcBef>
-                <a:spcPts val="1417"/>
-              </a:spcBef>
-              <a:buNone/>
-            </a:pPr>
             <a:endParaRPr b="0" lang="de-DE" sz="3200" spc="-1" strike="noStrike">
-              <a:solidFill>
-                <a:srgbClr val="000000"/>
-              </a:solidFill>
               <a:latin typeface="Arial"/>
             </a:endParaRPr>
           </a:p>
@@ -4241,13 +3663,10 @@
             <a:noAutofit/>
           </a:bodyPr>
           <a:p>
-            <a:pPr indent="0" algn="ctr">
+            <a:pPr algn="ctr">
               <a:buNone/>
             </a:pPr>
             <a:endParaRPr b="0" lang="de-DE" sz="4400" spc="-1" strike="noStrike">
-              <a:solidFill>
-                <a:srgbClr val="000000"/>
-              </a:solidFill>
               <a:latin typeface="Arial"/>
             </a:endParaRPr>
           </a:p>
@@ -4281,16 +3700,7 @@
             <a:normAutofit/>
           </a:bodyPr>
           <a:p>
-            <a:pPr indent="0">
-              <a:spcBef>
-                <a:spcPts val="1417"/>
-              </a:spcBef>
-              <a:buNone/>
-            </a:pPr>
             <a:endParaRPr b="0" lang="de-DE" sz="3200" spc="-1" strike="noStrike">
-              <a:solidFill>
-                <a:srgbClr val="000000"/>
-              </a:solidFill>
               <a:latin typeface="Arial"/>
             </a:endParaRPr>
           </a:p>
@@ -4324,16 +3734,7 @@
             <a:normAutofit/>
           </a:bodyPr>
           <a:p>
-            <a:pPr indent="0">
-              <a:spcBef>
-                <a:spcPts val="1417"/>
-              </a:spcBef>
-              <a:buNone/>
-            </a:pPr>
             <a:endParaRPr b="0" lang="de-DE" sz="3200" spc="-1" strike="noStrike">
-              <a:solidFill>
-                <a:srgbClr val="000000"/>
-              </a:solidFill>
               <a:latin typeface="Arial"/>
             </a:endParaRPr>
           </a:p>
@@ -4367,16 +3768,7 @@
             <a:normAutofit/>
           </a:bodyPr>
           <a:p>
-            <a:pPr indent="0">
-              <a:spcBef>
-                <a:spcPts val="1417"/>
-              </a:spcBef>
-              <a:buNone/>
-            </a:pPr>
             <a:endParaRPr b="0" lang="de-DE" sz="3200" spc="-1" strike="noStrike">
-              <a:solidFill>
-                <a:srgbClr val="000000"/>
-              </a:solidFill>
               <a:latin typeface="Arial"/>
             </a:endParaRPr>
           </a:p>
@@ -4410,16 +3802,7 @@
             <a:normAutofit/>
           </a:bodyPr>
           <a:p>
-            <a:pPr indent="0">
-              <a:spcBef>
-                <a:spcPts val="1417"/>
-              </a:spcBef>
-              <a:buNone/>
-            </a:pPr>
             <a:endParaRPr b="0" lang="de-DE" sz="3200" spc="-1" strike="noStrike">
-              <a:solidFill>
-                <a:srgbClr val="000000"/>
-              </a:solidFill>
               <a:latin typeface="Arial"/>
             </a:endParaRPr>
           </a:p>
@@ -4453,16 +3836,7 @@
             <a:normAutofit/>
           </a:bodyPr>
           <a:p>
-            <a:pPr indent="0">
-              <a:spcBef>
-                <a:spcPts val="1417"/>
-              </a:spcBef>
-              <a:buNone/>
-            </a:pPr>
             <a:endParaRPr b="0" lang="de-DE" sz="3200" spc="-1" strike="noStrike">
-              <a:solidFill>
-                <a:srgbClr val="000000"/>
-              </a:solidFill>
               <a:latin typeface="Arial"/>
             </a:endParaRPr>
           </a:p>
@@ -4496,16 +3870,7 @@
             <a:normAutofit/>
           </a:bodyPr>
           <a:p>
-            <a:pPr indent="0">
-              <a:spcBef>
-                <a:spcPts val="1417"/>
-              </a:spcBef>
-              <a:buNone/>
-            </a:pPr>
             <a:endParaRPr b="0" lang="de-DE" sz="3200" spc="-1" strike="noStrike">
-              <a:solidFill>
-                <a:srgbClr val="000000"/>
-              </a:solidFill>
               <a:latin typeface="Arial"/>
             </a:endParaRPr>
           </a:p>
@@ -4583,13 +3948,10 @@
             <a:noAutofit/>
           </a:bodyPr>
           <a:p>
-            <a:pPr indent="0" algn="ctr">
+            <a:pPr algn="ctr">
               <a:buNone/>
             </a:pPr>
             <a:endParaRPr b="0" lang="de-DE" sz="4400" spc="-1" strike="noStrike">
-              <a:solidFill>
-                <a:srgbClr val="000000"/>
-              </a:solidFill>
               <a:latin typeface="Arial"/>
             </a:endParaRPr>
           </a:p>
@@ -4623,13 +3985,10 @@
             <a:noAutofit/>
           </a:bodyPr>
           <a:p>
-            <a:pPr indent="0" algn="ctr">
+            <a:pPr algn="ctr">
               <a:buNone/>
             </a:pPr>
             <a:endParaRPr b="0" lang="de-DE" sz="3200" spc="-1" strike="noStrike">
-              <a:solidFill>
-                <a:srgbClr val="000000"/>
-              </a:solidFill>
               <a:latin typeface="Arial"/>
             </a:endParaRPr>
           </a:p>
@@ -4685,13 +4044,10 @@
             <a:noAutofit/>
           </a:bodyPr>
           <a:p>
-            <a:pPr indent="0" algn="ctr">
+            <a:pPr algn="ctr">
               <a:buNone/>
             </a:pPr>
             <a:endParaRPr b="0" lang="de-DE" sz="4400" spc="-1" strike="noStrike">
-              <a:solidFill>
-                <a:srgbClr val="000000"/>
-              </a:solidFill>
               <a:latin typeface="Arial"/>
             </a:endParaRPr>
           </a:p>
@@ -4725,16 +4081,7 @@
             <a:normAutofit/>
           </a:bodyPr>
           <a:p>
-            <a:pPr indent="0">
-              <a:spcBef>
-                <a:spcPts val="1417"/>
-              </a:spcBef>
-              <a:buNone/>
-            </a:pPr>
             <a:endParaRPr b="0" lang="de-DE" sz="3200" spc="-1" strike="noStrike">
-              <a:solidFill>
-                <a:srgbClr val="000000"/>
-              </a:solidFill>
               <a:latin typeface="Arial"/>
             </a:endParaRPr>
           </a:p>
@@ -4790,13 +4137,10 @@
             <a:noAutofit/>
           </a:bodyPr>
           <a:p>
-            <a:pPr indent="0" algn="ctr">
+            <a:pPr algn="ctr">
               <a:buNone/>
             </a:pPr>
             <a:endParaRPr b="0" lang="de-DE" sz="4400" spc="-1" strike="noStrike">
-              <a:solidFill>
-                <a:srgbClr val="000000"/>
-              </a:solidFill>
               <a:latin typeface="Arial"/>
             </a:endParaRPr>
           </a:p>
@@ -4830,16 +4174,7 @@
             <a:normAutofit/>
           </a:bodyPr>
           <a:p>
-            <a:pPr indent="0">
-              <a:spcBef>
-                <a:spcPts val="1417"/>
-              </a:spcBef>
-              <a:buNone/>
-            </a:pPr>
             <a:endParaRPr b="0" lang="de-DE" sz="3200" spc="-1" strike="noStrike">
-              <a:solidFill>
-                <a:srgbClr val="000000"/>
-              </a:solidFill>
               <a:latin typeface="Arial"/>
             </a:endParaRPr>
           </a:p>
@@ -4873,16 +4208,7 @@
             <a:normAutofit/>
           </a:bodyPr>
           <a:p>
-            <a:pPr indent="0">
-              <a:spcBef>
-                <a:spcPts val="1417"/>
-              </a:spcBef>
-              <a:buNone/>
-            </a:pPr>
             <a:endParaRPr b="0" lang="de-DE" sz="3200" spc="-1" strike="noStrike">
-              <a:solidFill>
-                <a:srgbClr val="000000"/>
-              </a:solidFill>
               <a:latin typeface="Arial"/>
             </a:endParaRPr>
           </a:p>
@@ -4938,13 +4264,10 @@
             <a:noAutofit/>
           </a:bodyPr>
           <a:p>
-            <a:pPr indent="0" algn="ctr">
+            <a:pPr algn="ctr">
               <a:buNone/>
             </a:pPr>
             <a:endParaRPr b="0" lang="de-DE" sz="4400" spc="-1" strike="noStrike">
-              <a:solidFill>
-                <a:srgbClr val="000000"/>
-              </a:solidFill>
               <a:latin typeface="Arial"/>
             </a:endParaRPr>
           </a:p>
@@ -4978,16 +4301,7 @@
             <a:normAutofit/>
           </a:bodyPr>
           <a:p>
-            <a:pPr indent="0">
-              <a:spcBef>
-                <a:spcPts val="1417"/>
-              </a:spcBef>
-              <a:buNone/>
-            </a:pPr>
             <a:endParaRPr b="0" lang="de-DE" sz="3200" spc="-1" strike="noStrike">
-              <a:solidFill>
-                <a:srgbClr val="000000"/>
-              </a:solidFill>
               <a:latin typeface="Arial"/>
             </a:endParaRPr>
           </a:p>
@@ -5021,16 +4335,7 @@
             <a:normAutofit/>
           </a:bodyPr>
           <a:p>
-            <a:pPr indent="0">
-              <a:spcBef>
-                <a:spcPts val="1417"/>
-              </a:spcBef>
-              <a:buNone/>
-            </a:pPr>
             <a:endParaRPr b="0" lang="de-DE" sz="3200" spc="-1" strike="noStrike">
-              <a:solidFill>
-                <a:srgbClr val="000000"/>
-              </a:solidFill>
               <a:latin typeface="Arial"/>
             </a:endParaRPr>
           </a:p>
@@ -5086,13 +4391,10 @@
             <a:noAutofit/>
           </a:bodyPr>
           <a:p>
-            <a:pPr indent="0" algn="ctr">
+            <a:pPr algn="ctr">
               <a:buNone/>
             </a:pPr>
             <a:endParaRPr b="0" lang="de-DE" sz="4400" spc="-1" strike="noStrike">
-              <a:solidFill>
-                <a:srgbClr val="000000"/>
-              </a:solidFill>
               <a:latin typeface="Arial"/>
             </a:endParaRPr>
           </a:p>
@@ -5148,11 +4450,10 @@
             <a:noAutofit/>
           </a:bodyPr>
           <a:p>
-            <a:pPr algn="ctr"/>
+            <a:pPr algn="ctr">
+              <a:buNone/>
+            </a:pPr>
             <a:endParaRPr b="0" lang="de-DE" sz="3200" spc="-1" strike="noStrike">
-              <a:solidFill>
-                <a:srgbClr val="000000"/>
-              </a:solidFill>
               <a:latin typeface="Arial"/>
             </a:endParaRPr>
           </a:p>
@@ -5208,13 +4509,10 @@
             <a:noAutofit/>
           </a:bodyPr>
           <a:p>
-            <a:pPr indent="0" algn="ctr">
+            <a:pPr algn="ctr">
               <a:buNone/>
             </a:pPr>
             <a:endParaRPr b="0" lang="de-DE" sz="4400" spc="-1" strike="noStrike">
-              <a:solidFill>
-                <a:srgbClr val="000000"/>
-              </a:solidFill>
               <a:latin typeface="Arial"/>
             </a:endParaRPr>
           </a:p>
@@ -5248,16 +4546,7 @@
             <a:normAutofit/>
           </a:bodyPr>
           <a:p>
-            <a:pPr indent="0">
-              <a:spcBef>
-                <a:spcPts val="1417"/>
-              </a:spcBef>
-              <a:buNone/>
-            </a:pPr>
             <a:endParaRPr b="0" lang="de-DE" sz="3200" spc="-1" strike="noStrike">
-              <a:solidFill>
-                <a:srgbClr val="000000"/>
-              </a:solidFill>
               <a:latin typeface="Arial"/>
             </a:endParaRPr>
           </a:p>
@@ -5291,16 +4580,7 @@
             <a:normAutofit/>
           </a:bodyPr>
           <a:p>
-            <a:pPr indent="0">
-              <a:spcBef>
-                <a:spcPts val="1417"/>
-              </a:spcBef>
-              <a:buNone/>
-            </a:pPr>
             <a:endParaRPr b="0" lang="de-DE" sz="3200" spc="-1" strike="noStrike">
-              <a:solidFill>
-                <a:srgbClr val="000000"/>
-              </a:solidFill>
               <a:latin typeface="Arial"/>
             </a:endParaRPr>
           </a:p>
@@ -5334,16 +4614,7 @@
             <a:normAutofit/>
           </a:bodyPr>
           <a:p>
-            <a:pPr indent="0">
-              <a:spcBef>
-                <a:spcPts val="1417"/>
-              </a:spcBef>
-              <a:buNone/>
-            </a:pPr>
             <a:endParaRPr b="0" lang="de-DE" sz="3200" spc="-1" strike="noStrike">
-              <a:solidFill>
-                <a:srgbClr val="000000"/>
-              </a:solidFill>
               <a:latin typeface="Arial"/>
             </a:endParaRPr>
           </a:p>
@@ -5399,13 +4670,10 @@
             <a:noAutofit/>
           </a:bodyPr>
           <a:p>
-            <a:pPr indent="0" algn="ctr">
+            <a:pPr algn="ctr">
               <a:buNone/>
             </a:pPr>
             <a:endParaRPr b="0" lang="de-DE" sz="4400" spc="-1" strike="noStrike">
-              <a:solidFill>
-                <a:srgbClr val="000000"/>
-              </a:solidFill>
               <a:latin typeface="Arial"/>
             </a:endParaRPr>
           </a:p>
@@ -5439,16 +4707,7 @@
             <a:normAutofit/>
           </a:bodyPr>
           <a:p>
-            <a:pPr indent="0">
-              <a:spcBef>
-                <a:spcPts val="1417"/>
-              </a:spcBef>
-              <a:buNone/>
-            </a:pPr>
             <a:endParaRPr b="0" lang="de-DE" sz="3200" spc="-1" strike="noStrike">
-              <a:solidFill>
-                <a:srgbClr val="000000"/>
-              </a:solidFill>
               <a:latin typeface="Arial"/>
             </a:endParaRPr>
           </a:p>
@@ -5482,16 +4741,7 @@
             <a:normAutofit/>
           </a:bodyPr>
           <a:p>
-            <a:pPr indent="0">
-              <a:spcBef>
-                <a:spcPts val="1417"/>
-              </a:spcBef>
-              <a:buNone/>
-            </a:pPr>
             <a:endParaRPr b="0" lang="de-DE" sz="3200" spc="-1" strike="noStrike">
-              <a:solidFill>
-                <a:srgbClr val="000000"/>
-              </a:solidFill>
               <a:latin typeface="Arial"/>
             </a:endParaRPr>
           </a:p>
@@ -5525,16 +4775,7 @@
             <a:normAutofit/>
           </a:bodyPr>
           <a:p>
-            <a:pPr indent="0">
-              <a:spcBef>
-                <a:spcPts val="1417"/>
-              </a:spcBef>
-              <a:buNone/>
-            </a:pPr>
             <a:endParaRPr b="0" lang="de-DE" sz="3200" spc="-1" strike="noStrike">
-              <a:solidFill>
-                <a:srgbClr val="000000"/>
-              </a:solidFill>
               <a:latin typeface="Arial"/>
             </a:endParaRPr>
           </a:p>
@@ -5590,13 +4831,10 @@
             <a:noAutofit/>
           </a:bodyPr>
           <a:p>
-            <a:pPr indent="0" algn="ctr">
+            <a:pPr algn="ctr">
               <a:buNone/>
             </a:pPr>
             <a:endParaRPr b="0" lang="de-DE" sz="4400" spc="-1" strike="noStrike">
-              <a:solidFill>
-                <a:srgbClr val="000000"/>
-              </a:solidFill>
               <a:latin typeface="Arial"/>
             </a:endParaRPr>
           </a:p>
@@ -5630,16 +4868,7 @@
             <a:normAutofit/>
           </a:bodyPr>
           <a:p>
-            <a:pPr indent="0">
-              <a:spcBef>
-                <a:spcPts val="1417"/>
-              </a:spcBef>
-              <a:buNone/>
-            </a:pPr>
             <a:endParaRPr b="0" lang="de-DE" sz="3200" spc="-1" strike="noStrike">
-              <a:solidFill>
-                <a:srgbClr val="000000"/>
-              </a:solidFill>
               <a:latin typeface="Arial"/>
             </a:endParaRPr>
           </a:p>
@@ -5673,16 +4902,7 @@
             <a:normAutofit/>
           </a:bodyPr>
           <a:p>
-            <a:pPr indent="0">
-              <a:spcBef>
-                <a:spcPts val="1417"/>
-              </a:spcBef>
-              <a:buNone/>
-            </a:pPr>
             <a:endParaRPr b="0" lang="de-DE" sz="3200" spc="-1" strike="noStrike">
-              <a:solidFill>
-                <a:srgbClr val="000000"/>
-              </a:solidFill>
               <a:latin typeface="Arial"/>
             </a:endParaRPr>
           </a:p>
@@ -5716,16 +4936,7 @@
             <a:normAutofit/>
           </a:bodyPr>
           <a:p>
-            <a:pPr indent="0">
-              <a:spcBef>
-                <a:spcPts val="1417"/>
-              </a:spcBef>
-              <a:buNone/>
-            </a:pPr>
             <a:endParaRPr b="0" lang="de-DE" sz="3200" spc="-1" strike="noStrike">
-              <a:solidFill>
-                <a:srgbClr val="000000"/>
-              </a:solidFill>
               <a:latin typeface="Arial"/>
             </a:endParaRPr>
           </a:p>
@@ -5781,13 +4992,10 @@
             <a:noAutofit/>
           </a:bodyPr>
           <a:p>
-            <a:pPr indent="0" algn="ctr">
+            <a:pPr algn="ctr">
               <a:buNone/>
             </a:pPr>
             <a:endParaRPr b="0" lang="de-DE" sz="4400" spc="-1" strike="noStrike">
-              <a:solidFill>
-                <a:srgbClr val="000000"/>
-              </a:solidFill>
               <a:latin typeface="Arial"/>
             </a:endParaRPr>
           </a:p>
@@ -5821,16 +5029,7 @@
             <a:normAutofit/>
           </a:bodyPr>
           <a:p>
-            <a:pPr indent="0">
-              <a:spcBef>
-                <a:spcPts val="1417"/>
-              </a:spcBef>
-              <a:buNone/>
-            </a:pPr>
             <a:endParaRPr b="0" lang="de-DE" sz="3200" spc="-1" strike="noStrike">
-              <a:solidFill>
-                <a:srgbClr val="000000"/>
-              </a:solidFill>
               <a:latin typeface="Arial"/>
             </a:endParaRPr>
           </a:p>
@@ -5864,16 +5063,7 @@
             <a:normAutofit/>
           </a:bodyPr>
           <a:p>
-            <a:pPr indent="0">
-              <a:spcBef>
-                <a:spcPts val="1417"/>
-              </a:spcBef>
-              <a:buNone/>
-            </a:pPr>
             <a:endParaRPr b="0" lang="de-DE" sz="3200" spc="-1" strike="noStrike">
-              <a:solidFill>
-                <a:srgbClr val="000000"/>
-              </a:solidFill>
               <a:latin typeface="Arial"/>
             </a:endParaRPr>
           </a:p>
@@ -5929,13 +5119,10 @@
             <a:noAutofit/>
           </a:bodyPr>
           <a:p>
-            <a:pPr indent="0" algn="ctr">
+            <a:pPr algn="ctr">
               <a:buNone/>
             </a:pPr>
             <a:endParaRPr b="0" lang="de-DE" sz="4400" spc="-1" strike="noStrike">
-              <a:solidFill>
-                <a:srgbClr val="000000"/>
-              </a:solidFill>
               <a:latin typeface="Arial"/>
             </a:endParaRPr>
           </a:p>
@@ -5969,16 +5156,7 @@
             <a:normAutofit/>
           </a:bodyPr>
           <a:p>
-            <a:pPr indent="0">
-              <a:spcBef>
-                <a:spcPts val="1417"/>
-              </a:spcBef>
-              <a:buNone/>
-            </a:pPr>
             <a:endParaRPr b="0" lang="de-DE" sz="3200" spc="-1" strike="noStrike">
-              <a:solidFill>
-                <a:srgbClr val="000000"/>
-              </a:solidFill>
               <a:latin typeface="Arial"/>
             </a:endParaRPr>
           </a:p>
@@ -6012,16 +5190,7 @@
             <a:normAutofit/>
           </a:bodyPr>
           <a:p>
-            <a:pPr indent="0">
-              <a:spcBef>
-                <a:spcPts val="1417"/>
-              </a:spcBef>
-              <a:buNone/>
-            </a:pPr>
             <a:endParaRPr b="0" lang="de-DE" sz="3200" spc="-1" strike="noStrike">
-              <a:solidFill>
-                <a:srgbClr val="000000"/>
-              </a:solidFill>
               <a:latin typeface="Arial"/>
             </a:endParaRPr>
           </a:p>
@@ -6055,16 +5224,7 @@
             <a:normAutofit/>
           </a:bodyPr>
           <a:p>
-            <a:pPr indent="0">
-              <a:spcBef>
-                <a:spcPts val="1417"/>
-              </a:spcBef>
-              <a:buNone/>
-            </a:pPr>
             <a:endParaRPr b="0" lang="de-DE" sz="3200" spc="-1" strike="noStrike">
-              <a:solidFill>
-                <a:srgbClr val="000000"/>
-              </a:solidFill>
               <a:latin typeface="Arial"/>
             </a:endParaRPr>
           </a:p>
@@ -6098,16 +5258,7 @@
             <a:normAutofit/>
           </a:bodyPr>
           <a:p>
-            <a:pPr indent="0">
-              <a:spcBef>
-                <a:spcPts val="1417"/>
-              </a:spcBef>
-              <a:buNone/>
-            </a:pPr>
             <a:endParaRPr b="0" lang="de-DE" sz="3200" spc="-1" strike="noStrike">
-              <a:solidFill>
-                <a:srgbClr val="000000"/>
-              </a:solidFill>
               <a:latin typeface="Arial"/>
             </a:endParaRPr>
           </a:p>
@@ -6163,13 +5314,10 @@
             <a:noAutofit/>
           </a:bodyPr>
           <a:p>
-            <a:pPr indent="0" algn="ctr">
+            <a:pPr algn="ctr">
               <a:buNone/>
             </a:pPr>
             <a:endParaRPr b="0" lang="de-DE" sz="4400" spc="-1" strike="noStrike">
-              <a:solidFill>
-                <a:srgbClr val="000000"/>
-              </a:solidFill>
               <a:latin typeface="Arial"/>
             </a:endParaRPr>
           </a:p>
@@ -6203,16 +5351,7 @@
             <a:normAutofit/>
           </a:bodyPr>
           <a:p>
-            <a:pPr indent="0">
-              <a:spcBef>
-                <a:spcPts val="1417"/>
-              </a:spcBef>
-              <a:buNone/>
-            </a:pPr>
             <a:endParaRPr b="0" lang="de-DE" sz="3200" spc="-1" strike="noStrike">
-              <a:solidFill>
-                <a:srgbClr val="000000"/>
-              </a:solidFill>
               <a:latin typeface="Arial"/>
             </a:endParaRPr>
           </a:p>
@@ -6246,16 +5385,7 @@
             <a:normAutofit/>
           </a:bodyPr>
           <a:p>
-            <a:pPr indent="0">
-              <a:spcBef>
-                <a:spcPts val="1417"/>
-              </a:spcBef>
-              <a:buNone/>
-            </a:pPr>
             <a:endParaRPr b="0" lang="de-DE" sz="3200" spc="-1" strike="noStrike">
-              <a:solidFill>
-                <a:srgbClr val="000000"/>
-              </a:solidFill>
               <a:latin typeface="Arial"/>
             </a:endParaRPr>
           </a:p>
@@ -6289,16 +5419,7 @@
             <a:normAutofit/>
           </a:bodyPr>
           <a:p>
-            <a:pPr indent="0">
-              <a:spcBef>
-                <a:spcPts val="1417"/>
-              </a:spcBef>
-              <a:buNone/>
-            </a:pPr>
             <a:endParaRPr b="0" lang="de-DE" sz="3200" spc="-1" strike="noStrike">
-              <a:solidFill>
-                <a:srgbClr val="000000"/>
-              </a:solidFill>
               <a:latin typeface="Arial"/>
             </a:endParaRPr>
           </a:p>
@@ -6332,16 +5453,7 @@
             <a:normAutofit/>
           </a:bodyPr>
           <a:p>
-            <a:pPr indent="0">
-              <a:spcBef>
-                <a:spcPts val="1417"/>
-              </a:spcBef>
-              <a:buNone/>
-            </a:pPr>
             <a:endParaRPr b="0" lang="de-DE" sz="3200" spc="-1" strike="noStrike">
-              <a:solidFill>
-                <a:srgbClr val="000000"/>
-              </a:solidFill>
               <a:latin typeface="Arial"/>
             </a:endParaRPr>
           </a:p>
@@ -6375,16 +5487,7 @@
             <a:normAutofit/>
           </a:bodyPr>
           <a:p>
-            <a:pPr indent="0">
-              <a:spcBef>
-                <a:spcPts val="1417"/>
-              </a:spcBef>
-              <a:buNone/>
-            </a:pPr>
             <a:endParaRPr b="0" lang="de-DE" sz="3200" spc="-1" strike="noStrike">
-              <a:solidFill>
-                <a:srgbClr val="000000"/>
-              </a:solidFill>
               <a:latin typeface="Arial"/>
             </a:endParaRPr>
           </a:p>
@@ -6418,16 +5521,7 @@
             <a:normAutofit/>
           </a:bodyPr>
           <a:p>
-            <a:pPr indent="0">
-              <a:spcBef>
-                <a:spcPts val="1417"/>
-              </a:spcBef>
-              <a:buNone/>
-            </a:pPr>
             <a:endParaRPr b="0" lang="de-DE" sz="3200" spc="-1" strike="noStrike">
-              <a:solidFill>
-                <a:srgbClr val="000000"/>
-              </a:solidFill>
               <a:latin typeface="Arial"/>
             </a:endParaRPr>
           </a:p>
@@ -6505,13 +5599,10 @@
             <a:noAutofit/>
           </a:bodyPr>
           <a:p>
-            <a:pPr indent="0" algn="ctr">
+            <a:pPr algn="ctr">
               <a:buNone/>
             </a:pPr>
             <a:endParaRPr b="0" lang="de-DE" sz="4400" spc="-1" strike="noStrike">
-              <a:solidFill>
-                <a:srgbClr val="000000"/>
-              </a:solidFill>
               <a:latin typeface="Arial"/>
             </a:endParaRPr>
           </a:p>
@@ -6567,13 +5658,10 @@
             <a:noAutofit/>
           </a:bodyPr>
           <a:p>
-            <a:pPr indent="0" algn="ctr">
+            <a:pPr algn="ctr">
               <a:buNone/>
             </a:pPr>
             <a:endParaRPr b="0" lang="de-DE" sz="4400" spc="-1" strike="noStrike">
-              <a:solidFill>
-                <a:srgbClr val="000000"/>
-              </a:solidFill>
               <a:latin typeface="Arial"/>
             </a:endParaRPr>
           </a:p>
@@ -6607,13 +5695,10 @@
             <a:noAutofit/>
           </a:bodyPr>
           <a:p>
-            <a:pPr indent="0" algn="ctr">
+            <a:pPr algn="ctr">
               <a:buNone/>
             </a:pPr>
             <a:endParaRPr b="0" lang="de-DE" sz="3200" spc="-1" strike="noStrike">
-              <a:solidFill>
-                <a:srgbClr val="000000"/>
-              </a:solidFill>
               <a:latin typeface="Arial"/>
             </a:endParaRPr>
           </a:p>
@@ -6669,13 +5754,10 @@
             <a:noAutofit/>
           </a:bodyPr>
           <a:p>
-            <a:pPr indent="0" algn="ctr">
+            <a:pPr algn="ctr">
               <a:buNone/>
             </a:pPr>
             <a:endParaRPr b="0" lang="de-DE" sz="4400" spc="-1" strike="noStrike">
-              <a:solidFill>
-                <a:srgbClr val="000000"/>
-              </a:solidFill>
               <a:latin typeface="Arial"/>
             </a:endParaRPr>
           </a:p>
@@ -6709,16 +5791,7 @@
             <a:normAutofit/>
           </a:bodyPr>
           <a:p>
-            <a:pPr indent="0">
-              <a:spcBef>
-                <a:spcPts val="1417"/>
-              </a:spcBef>
-              <a:buNone/>
-            </a:pPr>
             <a:endParaRPr b="0" lang="de-DE" sz="3200" spc="-1" strike="noStrike">
-              <a:solidFill>
-                <a:srgbClr val="000000"/>
-              </a:solidFill>
               <a:latin typeface="Arial"/>
             </a:endParaRPr>
           </a:p>
@@ -6774,13 +5847,10 @@
             <a:noAutofit/>
           </a:bodyPr>
           <a:p>
-            <a:pPr indent="0" algn="ctr">
+            <a:pPr algn="ctr">
               <a:buNone/>
             </a:pPr>
             <a:endParaRPr b="0" lang="de-DE" sz="4400" spc="-1" strike="noStrike">
-              <a:solidFill>
-                <a:srgbClr val="000000"/>
-              </a:solidFill>
               <a:latin typeface="Arial"/>
             </a:endParaRPr>
           </a:p>
@@ -6814,16 +5884,7 @@
             <a:normAutofit/>
           </a:bodyPr>
           <a:p>
-            <a:pPr indent="0">
-              <a:spcBef>
-                <a:spcPts val="1417"/>
-              </a:spcBef>
-              <a:buNone/>
-            </a:pPr>
             <a:endParaRPr b="0" lang="de-DE" sz="3200" spc="-1" strike="noStrike">
-              <a:solidFill>
-                <a:srgbClr val="000000"/>
-              </a:solidFill>
               <a:latin typeface="Arial"/>
             </a:endParaRPr>
           </a:p>
@@ -6857,16 +5918,7 @@
             <a:normAutofit/>
           </a:bodyPr>
           <a:p>
-            <a:pPr indent="0">
-              <a:spcBef>
-                <a:spcPts val="1417"/>
-              </a:spcBef>
-              <a:buNone/>
-            </a:pPr>
             <a:endParaRPr b="0" lang="de-DE" sz="3200" spc="-1" strike="noStrike">
-              <a:solidFill>
-                <a:srgbClr val="000000"/>
-              </a:solidFill>
               <a:latin typeface="Arial"/>
             </a:endParaRPr>
           </a:p>
@@ -6922,13 +5974,10 @@
             <a:noAutofit/>
           </a:bodyPr>
           <a:p>
-            <a:pPr indent="0" algn="ctr">
+            <a:pPr algn="ctr">
               <a:buNone/>
             </a:pPr>
             <a:endParaRPr b="0" lang="de-DE" sz="4400" spc="-1" strike="noStrike">
-              <a:solidFill>
-                <a:srgbClr val="000000"/>
-              </a:solidFill>
               <a:latin typeface="Arial"/>
             </a:endParaRPr>
           </a:p>
@@ -6984,11 +6033,10 @@
             <a:noAutofit/>
           </a:bodyPr>
           <a:p>
-            <a:pPr algn="ctr"/>
+            <a:pPr algn="ctr">
+              <a:buNone/>
+            </a:pPr>
             <a:endParaRPr b="0" lang="de-DE" sz="3200" spc="-1" strike="noStrike">
-              <a:solidFill>
-                <a:srgbClr val="000000"/>
-              </a:solidFill>
               <a:latin typeface="Arial"/>
             </a:endParaRPr>
           </a:p>
@@ -7044,13 +6092,10 @@
             <a:noAutofit/>
           </a:bodyPr>
           <a:p>
-            <a:pPr indent="0" algn="ctr">
+            <a:pPr algn="ctr">
               <a:buNone/>
             </a:pPr>
             <a:endParaRPr b="0" lang="de-DE" sz="4400" spc="-1" strike="noStrike">
-              <a:solidFill>
-                <a:srgbClr val="000000"/>
-              </a:solidFill>
               <a:latin typeface="Arial"/>
             </a:endParaRPr>
           </a:p>
@@ -7084,16 +6129,7 @@
             <a:normAutofit/>
           </a:bodyPr>
           <a:p>
-            <a:pPr indent="0">
-              <a:spcBef>
-                <a:spcPts val="1417"/>
-              </a:spcBef>
-              <a:buNone/>
-            </a:pPr>
             <a:endParaRPr b="0" lang="de-DE" sz="3200" spc="-1" strike="noStrike">
-              <a:solidFill>
-                <a:srgbClr val="000000"/>
-              </a:solidFill>
               <a:latin typeface="Arial"/>
             </a:endParaRPr>
           </a:p>
@@ -7127,16 +6163,7 @@
             <a:normAutofit/>
           </a:bodyPr>
           <a:p>
-            <a:pPr indent="0">
-              <a:spcBef>
-                <a:spcPts val="1417"/>
-              </a:spcBef>
-              <a:buNone/>
-            </a:pPr>
             <a:endParaRPr b="0" lang="de-DE" sz="3200" spc="-1" strike="noStrike">
-              <a:solidFill>
-                <a:srgbClr val="000000"/>
-              </a:solidFill>
               <a:latin typeface="Arial"/>
             </a:endParaRPr>
           </a:p>
@@ -7170,16 +6197,7 @@
             <a:normAutofit/>
           </a:bodyPr>
           <a:p>
-            <a:pPr indent="0">
-              <a:spcBef>
-                <a:spcPts val="1417"/>
-              </a:spcBef>
-              <a:buNone/>
-            </a:pPr>
             <a:endParaRPr b="0" lang="de-DE" sz="3200" spc="-1" strike="noStrike">
-              <a:solidFill>
-                <a:srgbClr val="000000"/>
-              </a:solidFill>
               <a:latin typeface="Arial"/>
             </a:endParaRPr>
           </a:p>
@@ -7235,13 +6253,10 @@
             <a:noAutofit/>
           </a:bodyPr>
           <a:p>
-            <a:pPr indent="0" algn="ctr">
+            <a:pPr algn="ctr">
               <a:buNone/>
             </a:pPr>
             <a:endParaRPr b="0" lang="de-DE" sz="4400" spc="-1" strike="noStrike">
-              <a:solidFill>
-                <a:srgbClr val="000000"/>
-              </a:solidFill>
               <a:latin typeface="Arial"/>
             </a:endParaRPr>
           </a:p>
@@ -7275,16 +6290,7 @@
             <a:normAutofit/>
           </a:bodyPr>
           <a:p>
-            <a:pPr indent="0">
-              <a:spcBef>
-                <a:spcPts val="1417"/>
-              </a:spcBef>
-              <a:buNone/>
-            </a:pPr>
             <a:endParaRPr b="0" lang="de-DE" sz="3200" spc="-1" strike="noStrike">
-              <a:solidFill>
-                <a:srgbClr val="000000"/>
-              </a:solidFill>
               <a:latin typeface="Arial"/>
             </a:endParaRPr>
           </a:p>
@@ -7318,16 +6324,7 @@
             <a:normAutofit/>
           </a:bodyPr>
           <a:p>
-            <a:pPr indent="0">
-              <a:spcBef>
-                <a:spcPts val="1417"/>
-              </a:spcBef>
-              <a:buNone/>
-            </a:pPr>
             <a:endParaRPr b="0" lang="de-DE" sz="3200" spc="-1" strike="noStrike">
-              <a:solidFill>
-                <a:srgbClr val="000000"/>
-              </a:solidFill>
               <a:latin typeface="Arial"/>
             </a:endParaRPr>
           </a:p>
@@ -7361,16 +6358,7 @@
             <a:normAutofit/>
           </a:bodyPr>
           <a:p>
-            <a:pPr indent="0">
-              <a:spcBef>
-                <a:spcPts val="1417"/>
-              </a:spcBef>
-              <a:buNone/>
-            </a:pPr>
             <a:endParaRPr b="0" lang="de-DE" sz="3200" spc="-1" strike="noStrike">
-              <a:solidFill>
-                <a:srgbClr val="000000"/>
-              </a:solidFill>
               <a:latin typeface="Arial"/>
             </a:endParaRPr>
           </a:p>
@@ -7426,13 +6414,10 @@
             <a:noAutofit/>
           </a:bodyPr>
           <a:p>
-            <a:pPr indent="0" algn="ctr">
+            <a:pPr algn="ctr">
               <a:buNone/>
             </a:pPr>
             <a:endParaRPr b="0" lang="de-DE" sz="4400" spc="-1" strike="noStrike">
-              <a:solidFill>
-                <a:srgbClr val="000000"/>
-              </a:solidFill>
               <a:latin typeface="Arial"/>
             </a:endParaRPr>
           </a:p>
@@ -7466,16 +6451,7 @@
             <a:normAutofit/>
           </a:bodyPr>
           <a:p>
-            <a:pPr indent="0">
-              <a:spcBef>
-                <a:spcPts val="1417"/>
-              </a:spcBef>
-              <a:buNone/>
-            </a:pPr>
             <a:endParaRPr b="0" lang="de-DE" sz="3200" spc="-1" strike="noStrike">
-              <a:solidFill>
-                <a:srgbClr val="000000"/>
-              </a:solidFill>
               <a:latin typeface="Arial"/>
             </a:endParaRPr>
           </a:p>
@@ -7509,16 +6485,7 @@
             <a:normAutofit/>
           </a:bodyPr>
           <a:p>
-            <a:pPr indent="0">
-              <a:spcBef>
-                <a:spcPts val="1417"/>
-              </a:spcBef>
-              <a:buNone/>
-            </a:pPr>
             <a:endParaRPr b="0" lang="de-DE" sz="3200" spc="-1" strike="noStrike">
-              <a:solidFill>
-                <a:srgbClr val="000000"/>
-              </a:solidFill>
               <a:latin typeface="Arial"/>
             </a:endParaRPr>
           </a:p>
@@ -7552,16 +6519,7 @@
             <a:normAutofit/>
           </a:bodyPr>
           <a:p>
-            <a:pPr indent="0">
-              <a:spcBef>
-                <a:spcPts val="1417"/>
-              </a:spcBef>
-              <a:buNone/>
-            </a:pPr>
             <a:endParaRPr b="0" lang="de-DE" sz="3200" spc="-1" strike="noStrike">
-              <a:solidFill>
-                <a:srgbClr val="000000"/>
-              </a:solidFill>
               <a:latin typeface="Arial"/>
             </a:endParaRPr>
           </a:p>
@@ -7617,13 +6575,10 @@
             <a:noAutofit/>
           </a:bodyPr>
           <a:p>
-            <a:pPr indent="0" algn="ctr">
+            <a:pPr algn="ctr">
               <a:buNone/>
             </a:pPr>
             <a:endParaRPr b="0" lang="de-DE" sz="4400" spc="-1" strike="noStrike">
-              <a:solidFill>
-                <a:srgbClr val="000000"/>
-              </a:solidFill>
               <a:latin typeface="Arial"/>
             </a:endParaRPr>
           </a:p>
@@ -7657,16 +6612,7 @@
             <a:normAutofit/>
           </a:bodyPr>
           <a:p>
-            <a:pPr indent="0">
-              <a:spcBef>
-                <a:spcPts val="1417"/>
-              </a:spcBef>
-              <a:buNone/>
-            </a:pPr>
             <a:endParaRPr b="0" lang="de-DE" sz="3200" spc="-1" strike="noStrike">
-              <a:solidFill>
-                <a:srgbClr val="000000"/>
-              </a:solidFill>
               <a:latin typeface="Arial"/>
             </a:endParaRPr>
           </a:p>
@@ -7700,16 +6646,7 @@
             <a:normAutofit/>
           </a:bodyPr>
           <a:p>
-            <a:pPr indent="0">
-              <a:spcBef>
-                <a:spcPts val="1417"/>
-              </a:spcBef>
-              <a:buNone/>
-            </a:pPr>
             <a:endParaRPr b="0" lang="de-DE" sz="3200" spc="-1" strike="noStrike">
-              <a:solidFill>
-                <a:srgbClr val="000000"/>
-              </a:solidFill>
               <a:latin typeface="Arial"/>
             </a:endParaRPr>
           </a:p>
@@ -7765,13 +6702,10 @@
             <a:noAutofit/>
           </a:bodyPr>
           <a:p>
-            <a:pPr indent="0" algn="ctr">
+            <a:pPr algn="ctr">
               <a:buNone/>
             </a:pPr>
             <a:endParaRPr b="0" lang="de-DE" sz="4400" spc="-1" strike="noStrike">
-              <a:solidFill>
-                <a:srgbClr val="000000"/>
-              </a:solidFill>
               <a:latin typeface="Arial"/>
             </a:endParaRPr>
           </a:p>
@@ -7805,16 +6739,7 @@
             <a:normAutofit/>
           </a:bodyPr>
           <a:p>
-            <a:pPr indent="0">
-              <a:spcBef>
-                <a:spcPts val="1417"/>
-              </a:spcBef>
-              <a:buNone/>
-            </a:pPr>
             <a:endParaRPr b="0" lang="de-DE" sz="3200" spc="-1" strike="noStrike">
-              <a:solidFill>
-                <a:srgbClr val="000000"/>
-              </a:solidFill>
               <a:latin typeface="Arial"/>
             </a:endParaRPr>
           </a:p>
@@ -7848,16 +6773,7 @@
             <a:normAutofit/>
           </a:bodyPr>
           <a:p>
-            <a:pPr indent="0">
-              <a:spcBef>
-                <a:spcPts val="1417"/>
-              </a:spcBef>
-              <a:buNone/>
-            </a:pPr>
             <a:endParaRPr b="0" lang="de-DE" sz="3200" spc="-1" strike="noStrike">
-              <a:solidFill>
-                <a:srgbClr val="000000"/>
-              </a:solidFill>
               <a:latin typeface="Arial"/>
             </a:endParaRPr>
           </a:p>
@@ -7891,16 +6807,7 @@
             <a:normAutofit/>
           </a:bodyPr>
           <a:p>
-            <a:pPr indent="0">
-              <a:spcBef>
-                <a:spcPts val="1417"/>
-              </a:spcBef>
-              <a:buNone/>
-            </a:pPr>
             <a:endParaRPr b="0" lang="de-DE" sz="3200" spc="-1" strike="noStrike">
-              <a:solidFill>
-                <a:srgbClr val="000000"/>
-              </a:solidFill>
               <a:latin typeface="Arial"/>
             </a:endParaRPr>
           </a:p>
@@ -7934,16 +6841,7 @@
             <a:normAutofit/>
           </a:bodyPr>
           <a:p>
-            <a:pPr indent="0">
-              <a:spcBef>
-                <a:spcPts val="1417"/>
-              </a:spcBef>
-              <a:buNone/>
-            </a:pPr>
             <a:endParaRPr b="0" lang="de-DE" sz="3200" spc="-1" strike="noStrike">
-              <a:solidFill>
-                <a:srgbClr val="000000"/>
-              </a:solidFill>
               <a:latin typeface="Arial"/>
             </a:endParaRPr>
           </a:p>
@@ -7999,11 +6897,10 @@
             <a:noAutofit/>
           </a:bodyPr>
           <a:p>
-            <a:pPr algn="ctr"/>
+            <a:pPr algn="ctr">
+              <a:buNone/>
+            </a:pPr>
             <a:endParaRPr b="0" lang="de-DE" sz="3200" spc="-1" strike="noStrike">
-              <a:solidFill>
-                <a:srgbClr val="000000"/>
-              </a:solidFill>
               <a:latin typeface="Arial"/>
             </a:endParaRPr>
           </a:p>
@@ -8059,13 +6956,10 @@
             <a:noAutofit/>
           </a:bodyPr>
           <a:p>
-            <a:pPr indent="0" algn="ctr">
+            <a:pPr algn="ctr">
               <a:buNone/>
             </a:pPr>
             <a:endParaRPr b="0" lang="de-DE" sz="4400" spc="-1" strike="noStrike">
-              <a:solidFill>
-                <a:srgbClr val="000000"/>
-              </a:solidFill>
               <a:latin typeface="Arial"/>
             </a:endParaRPr>
           </a:p>
@@ -8099,16 +6993,7 @@
             <a:normAutofit/>
           </a:bodyPr>
           <a:p>
-            <a:pPr indent="0">
-              <a:spcBef>
-                <a:spcPts val="1417"/>
-              </a:spcBef>
-              <a:buNone/>
-            </a:pPr>
             <a:endParaRPr b="0" lang="de-DE" sz="3200" spc="-1" strike="noStrike">
-              <a:solidFill>
-                <a:srgbClr val="000000"/>
-              </a:solidFill>
               <a:latin typeface="Arial"/>
             </a:endParaRPr>
           </a:p>
@@ -8142,16 +7027,7 @@
             <a:normAutofit/>
           </a:bodyPr>
           <a:p>
-            <a:pPr indent="0">
-              <a:spcBef>
-                <a:spcPts val="1417"/>
-              </a:spcBef>
-              <a:buNone/>
-            </a:pPr>
             <a:endParaRPr b="0" lang="de-DE" sz="3200" spc="-1" strike="noStrike">
-              <a:solidFill>
-                <a:srgbClr val="000000"/>
-              </a:solidFill>
               <a:latin typeface="Arial"/>
             </a:endParaRPr>
           </a:p>
@@ -8185,16 +7061,7 @@
             <a:normAutofit/>
           </a:bodyPr>
           <a:p>
-            <a:pPr indent="0">
-              <a:spcBef>
-                <a:spcPts val="1417"/>
-              </a:spcBef>
-              <a:buNone/>
-            </a:pPr>
             <a:endParaRPr b="0" lang="de-DE" sz="3200" spc="-1" strike="noStrike">
-              <a:solidFill>
-                <a:srgbClr val="000000"/>
-              </a:solidFill>
               <a:latin typeface="Arial"/>
             </a:endParaRPr>
           </a:p>
@@ -8228,16 +7095,7 @@
             <a:normAutofit/>
           </a:bodyPr>
           <a:p>
-            <a:pPr indent="0">
-              <a:spcBef>
-                <a:spcPts val="1417"/>
-              </a:spcBef>
-              <a:buNone/>
-            </a:pPr>
             <a:endParaRPr b="0" lang="de-DE" sz="3200" spc="-1" strike="noStrike">
-              <a:solidFill>
-                <a:srgbClr val="000000"/>
-              </a:solidFill>
               <a:latin typeface="Arial"/>
             </a:endParaRPr>
           </a:p>
@@ -8271,16 +7129,7 @@
             <a:normAutofit/>
           </a:bodyPr>
           <a:p>
-            <a:pPr indent="0">
-              <a:spcBef>
-                <a:spcPts val="1417"/>
-              </a:spcBef>
-              <a:buNone/>
-            </a:pPr>
             <a:endParaRPr b="0" lang="de-DE" sz="3200" spc="-1" strike="noStrike">
-              <a:solidFill>
-                <a:srgbClr val="000000"/>
-              </a:solidFill>
               <a:latin typeface="Arial"/>
             </a:endParaRPr>
           </a:p>
@@ -8314,16 +7163,7 @@
             <a:normAutofit/>
           </a:bodyPr>
           <a:p>
-            <a:pPr indent="0">
-              <a:spcBef>
-                <a:spcPts val="1417"/>
-              </a:spcBef>
-              <a:buNone/>
-            </a:pPr>
             <a:endParaRPr b="0" lang="de-DE" sz="3200" spc="-1" strike="noStrike">
-              <a:solidFill>
-                <a:srgbClr val="000000"/>
-              </a:solidFill>
               <a:latin typeface="Arial"/>
             </a:endParaRPr>
           </a:p>
@@ -8401,13 +7241,10 @@
             <a:noAutofit/>
           </a:bodyPr>
           <a:p>
-            <a:pPr indent="0" algn="ctr">
+            <a:pPr algn="ctr">
               <a:buNone/>
             </a:pPr>
             <a:endParaRPr b="0" lang="de-DE" sz="4400" spc="-1" strike="noStrike">
-              <a:solidFill>
-                <a:srgbClr val="000000"/>
-              </a:solidFill>
               <a:latin typeface="Arial"/>
             </a:endParaRPr>
           </a:p>
@@ -8441,13 +7278,10 @@
             <a:noAutofit/>
           </a:bodyPr>
           <a:p>
-            <a:pPr indent="0" algn="ctr">
+            <a:pPr algn="ctr">
               <a:buNone/>
             </a:pPr>
             <a:endParaRPr b="0" lang="de-DE" sz="3200" spc="-1" strike="noStrike">
-              <a:solidFill>
-                <a:srgbClr val="000000"/>
-              </a:solidFill>
               <a:latin typeface="Arial"/>
             </a:endParaRPr>
           </a:p>
@@ -8503,13 +7337,10 @@
             <a:noAutofit/>
           </a:bodyPr>
           <a:p>
-            <a:pPr indent="0" algn="ctr">
+            <a:pPr algn="ctr">
               <a:buNone/>
             </a:pPr>
             <a:endParaRPr b="0" lang="de-DE" sz="4400" spc="-1" strike="noStrike">
-              <a:solidFill>
-                <a:srgbClr val="000000"/>
-              </a:solidFill>
               <a:latin typeface="Arial"/>
             </a:endParaRPr>
           </a:p>
@@ -8543,16 +7374,7 @@
             <a:normAutofit/>
           </a:bodyPr>
           <a:p>
-            <a:pPr indent="0">
-              <a:spcBef>
-                <a:spcPts val="1417"/>
-              </a:spcBef>
-              <a:buNone/>
-            </a:pPr>
             <a:endParaRPr b="0" lang="de-DE" sz="3200" spc="-1" strike="noStrike">
-              <a:solidFill>
-                <a:srgbClr val="000000"/>
-              </a:solidFill>
               <a:latin typeface="Arial"/>
             </a:endParaRPr>
           </a:p>
@@ -8608,13 +7430,10 @@
             <a:noAutofit/>
           </a:bodyPr>
           <a:p>
-            <a:pPr indent="0" algn="ctr">
+            <a:pPr algn="ctr">
               <a:buNone/>
             </a:pPr>
             <a:endParaRPr b="0" lang="de-DE" sz="4400" spc="-1" strike="noStrike">
-              <a:solidFill>
-                <a:srgbClr val="000000"/>
-              </a:solidFill>
               <a:latin typeface="Arial"/>
             </a:endParaRPr>
           </a:p>
@@ -8648,16 +7467,7 @@
             <a:normAutofit/>
           </a:bodyPr>
           <a:p>
-            <a:pPr indent="0">
-              <a:spcBef>
-                <a:spcPts val="1417"/>
-              </a:spcBef>
-              <a:buNone/>
-            </a:pPr>
             <a:endParaRPr b="0" lang="de-DE" sz="3200" spc="-1" strike="noStrike">
-              <a:solidFill>
-                <a:srgbClr val="000000"/>
-              </a:solidFill>
               <a:latin typeface="Arial"/>
             </a:endParaRPr>
           </a:p>
@@ -8691,16 +7501,7 @@
             <a:normAutofit/>
           </a:bodyPr>
           <a:p>
-            <a:pPr indent="0">
-              <a:spcBef>
-                <a:spcPts val="1417"/>
-              </a:spcBef>
-              <a:buNone/>
-            </a:pPr>
             <a:endParaRPr b="0" lang="de-DE" sz="3200" spc="-1" strike="noStrike">
-              <a:solidFill>
-                <a:srgbClr val="000000"/>
-              </a:solidFill>
               <a:latin typeface="Arial"/>
             </a:endParaRPr>
           </a:p>
@@ -8756,13 +7557,10 @@
             <a:noAutofit/>
           </a:bodyPr>
           <a:p>
-            <a:pPr indent="0" algn="ctr">
+            <a:pPr algn="ctr">
               <a:buNone/>
             </a:pPr>
             <a:endParaRPr b="0" lang="de-DE" sz="4400" spc="-1" strike="noStrike">
-              <a:solidFill>
-                <a:srgbClr val="000000"/>
-              </a:solidFill>
               <a:latin typeface="Arial"/>
             </a:endParaRPr>
           </a:p>
@@ -8818,11 +7616,10 @@
             <a:noAutofit/>
           </a:bodyPr>
           <a:p>
-            <a:pPr algn="ctr"/>
+            <a:pPr algn="ctr">
+              <a:buNone/>
+            </a:pPr>
             <a:endParaRPr b="0" lang="de-DE" sz="3200" spc="-1" strike="noStrike">
-              <a:solidFill>
-                <a:srgbClr val="000000"/>
-              </a:solidFill>
               <a:latin typeface="Arial"/>
             </a:endParaRPr>
           </a:p>
@@ -8878,13 +7675,10 @@
             <a:noAutofit/>
           </a:bodyPr>
           <a:p>
-            <a:pPr indent="0" algn="ctr">
+            <a:pPr algn="ctr">
               <a:buNone/>
             </a:pPr>
             <a:endParaRPr b="0" lang="de-DE" sz="4400" spc="-1" strike="noStrike">
-              <a:solidFill>
-                <a:srgbClr val="000000"/>
-              </a:solidFill>
               <a:latin typeface="Arial"/>
             </a:endParaRPr>
           </a:p>
@@ -8918,16 +7712,7 @@
             <a:normAutofit/>
           </a:bodyPr>
           <a:p>
-            <a:pPr indent="0">
-              <a:spcBef>
-                <a:spcPts val="1417"/>
-              </a:spcBef>
-              <a:buNone/>
-            </a:pPr>
             <a:endParaRPr b="0" lang="de-DE" sz="3200" spc="-1" strike="noStrike">
-              <a:solidFill>
-                <a:srgbClr val="000000"/>
-              </a:solidFill>
               <a:latin typeface="Arial"/>
             </a:endParaRPr>
           </a:p>
@@ -8961,16 +7746,7 @@
             <a:normAutofit/>
           </a:bodyPr>
           <a:p>
-            <a:pPr indent="0">
-              <a:spcBef>
-                <a:spcPts val="1417"/>
-              </a:spcBef>
-              <a:buNone/>
-            </a:pPr>
             <a:endParaRPr b="0" lang="de-DE" sz="3200" spc="-1" strike="noStrike">
-              <a:solidFill>
-                <a:srgbClr val="000000"/>
-              </a:solidFill>
               <a:latin typeface="Arial"/>
             </a:endParaRPr>
           </a:p>
@@ -9004,16 +7780,7 @@
             <a:normAutofit/>
           </a:bodyPr>
           <a:p>
-            <a:pPr indent="0">
-              <a:spcBef>
-                <a:spcPts val="1417"/>
-              </a:spcBef>
-              <a:buNone/>
-            </a:pPr>
             <a:endParaRPr b="0" lang="de-DE" sz="3200" spc="-1" strike="noStrike">
-              <a:solidFill>
-                <a:srgbClr val="000000"/>
-              </a:solidFill>
               <a:latin typeface="Arial"/>
             </a:endParaRPr>
           </a:p>
@@ -9069,13 +7836,10 @@
             <a:noAutofit/>
           </a:bodyPr>
           <a:p>
-            <a:pPr indent="0" algn="ctr">
+            <a:pPr algn="ctr">
               <a:buNone/>
             </a:pPr>
             <a:endParaRPr b="0" lang="de-DE" sz="4400" spc="-1" strike="noStrike">
-              <a:solidFill>
-                <a:srgbClr val="000000"/>
-              </a:solidFill>
               <a:latin typeface="Arial"/>
             </a:endParaRPr>
           </a:p>
@@ -9109,16 +7873,7 @@
             <a:normAutofit/>
           </a:bodyPr>
           <a:p>
-            <a:pPr indent="0">
-              <a:spcBef>
-                <a:spcPts val="1417"/>
-              </a:spcBef>
-              <a:buNone/>
-            </a:pPr>
             <a:endParaRPr b="0" lang="de-DE" sz="3200" spc="-1" strike="noStrike">
-              <a:solidFill>
-                <a:srgbClr val="000000"/>
-              </a:solidFill>
               <a:latin typeface="Arial"/>
             </a:endParaRPr>
           </a:p>
@@ -9152,16 +7907,7 @@
             <a:normAutofit/>
           </a:bodyPr>
           <a:p>
-            <a:pPr indent="0">
-              <a:spcBef>
-                <a:spcPts val="1417"/>
-              </a:spcBef>
-              <a:buNone/>
-            </a:pPr>
             <a:endParaRPr b="0" lang="de-DE" sz="3200" spc="-1" strike="noStrike">
-              <a:solidFill>
-                <a:srgbClr val="000000"/>
-              </a:solidFill>
               <a:latin typeface="Arial"/>
             </a:endParaRPr>
           </a:p>
@@ -9195,16 +7941,7 @@
             <a:normAutofit/>
           </a:bodyPr>
           <a:p>
-            <a:pPr indent="0">
-              <a:spcBef>
-                <a:spcPts val="1417"/>
-              </a:spcBef>
-              <a:buNone/>
-            </a:pPr>
             <a:endParaRPr b="0" lang="de-DE" sz="3200" spc="-1" strike="noStrike">
-              <a:solidFill>
-                <a:srgbClr val="000000"/>
-              </a:solidFill>
               <a:latin typeface="Arial"/>
             </a:endParaRPr>
           </a:p>
@@ -9260,13 +7997,10 @@
             <a:noAutofit/>
           </a:bodyPr>
           <a:p>
-            <a:pPr indent="0" algn="ctr">
+            <a:pPr algn="ctr">
               <a:buNone/>
             </a:pPr>
             <a:endParaRPr b="0" lang="de-DE" sz="4400" spc="-1" strike="noStrike">
-              <a:solidFill>
-                <a:srgbClr val="000000"/>
-              </a:solidFill>
               <a:latin typeface="Arial"/>
             </a:endParaRPr>
           </a:p>
@@ -9300,16 +8034,7 @@
             <a:normAutofit/>
           </a:bodyPr>
           <a:p>
-            <a:pPr indent="0">
-              <a:spcBef>
-                <a:spcPts val="1417"/>
-              </a:spcBef>
-              <a:buNone/>
-            </a:pPr>
             <a:endParaRPr b="0" lang="de-DE" sz="3200" spc="-1" strike="noStrike">
-              <a:solidFill>
-                <a:srgbClr val="000000"/>
-              </a:solidFill>
               <a:latin typeface="Arial"/>
             </a:endParaRPr>
           </a:p>
@@ -9343,16 +8068,7 @@
             <a:normAutofit/>
           </a:bodyPr>
           <a:p>
-            <a:pPr indent="0">
-              <a:spcBef>
-                <a:spcPts val="1417"/>
-              </a:spcBef>
-              <a:buNone/>
-            </a:pPr>
             <a:endParaRPr b="0" lang="de-DE" sz="3200" spc="-1" strike="noStrike">
-              <a:solidFill>
-                <a:srgbClr val="000000"/>
-              </a:solidFill>
               <a:latin typeface="Arial"/>
             </a:endParaRPr>
           </a:p>
@@ -9386,16 +8102,7 @@
             <a:normAutofit/>
           </a:bodyPr>
           <a:p>
-            <a:pPr indent="0">
-              <a:spcBef>
-                <a:spcPts val="1417"/>
-              </a:spcBef>
-              <a:buNone/>
-            </a:pPr>
             <a:endParaRPr b="0" lang="de-DE" sz="3200" spc="-1" strike="noStrike">
-              <a:solidFill>
-                <a:srgbClr val="000000"/>
-              </a:solidFill>
               <a:latin typeface="Arial"/>
             </a:endParaRPr>
           </a:p>
@@ -9451,13 +8158,10 @@
             <a:noAutofit/>
           </a:bodyPr>
           <a:p>
-            <a:pPr indent="0" algn="ctr">
+            <a:pPr algn="ctr">
               <a:buNone/>
             </a:pPr>
             <a:endParaRPr b="0" lang="de-DE" sz="4400" spc="-1" strike="noStrike">
-              <a:solidFill>
-                <a:srgbClr val="000000"/>
-              </a:solidFill>
               <a:latin typeface="Arial"/>
             </a:endParaRPr>
           </a:p>
@@ -9491,16 +8195,7 @@
             <a:normAutofit/>
           </a:bodyPr>
           <a:p>
-            <a:pPr indent="0">
-              <a:spcBef>
-                <a:spcPts val="1417"/>
-              </a:spcBef>
-              <a:buNone/>
-            </a:pPr>
             <a:endParaRPr b="0" lang="de-DE" sz="3200" spc="-1" strike="noStrike">
-              <a:solidFill>
-                <a:srgbClr val="000000"/>
-              </a:solidFill>
               <a:latin typeface="Arial"/>
             </a:endParaRPr>
           </a:p>
@@ -9534,16 +8229,7 @@
             <a:normAutofit/>
           </a:bodyPr>
           <a:p>
-            <a:pPr indent="0">
-              <a:spcBef>
-                <a:spcPts val="1417"/>
-              </a:spcBef>
-              <a:buNone/>
-            </a:pPr>
             <a:endParaRPr b="0" lang="de-DE" sz="3200" spc="-1" strike="noStrike">
-              <a:solidFill>
-                <a:srgbClr val="000000"/>
-              </a:solidFill>
               <a:latin typeface="Arial"/>
             </a:endParaRPr>
           </a:p>
@@ -9577,16 +8263,7 @@
             <a:normAutofit/>
           </a:bodyPr>
           <a:p>
-            <a:pPr indent="0">
-              <a:spcBef>
-                <a:spcPts val="1417"/>
-              </a:spcBef>
-              <a:buNone/>
-            </a:pPr>
             <a:endParaRPr b="0" lang="de-DE" sz="3200" spc="-1" strike="noStrike">
-              <a:solidFill>
-                <a:srgbClr val="000000"/>
-              </a:solidFill>
               <a:latin typeface="Arial"/>
             </a:endParaRPr>
           </a:p>
@@ -9642,13 +8319,10 @@
             <a:noAutofit/>
           </a:bodyPr>
           <a:p>
-            <a:pPr indent="0" algn="ctr">
+            <a:pPr algn="ctr">
               <a:buNone/>
             </a:pPr>
             <a:endParaRPr b="0" lang="de-DE" sz="4400" spc="-1" strike="noStrike">
-              <a:solidFill>
-                <a:srgbClr val="000000"/>
-              </a:solidFill>
               <a:latin typeface="Arial"/>
             </a:endParaRPr>
           </a:p>
@@ -9682,16 +8356,7 @@
             <a:normAutofit/>
           </a:bodyPr>
           <a:p>
-            <a:pPr indent="0">
-              <a:spcBef>
-                <a:spcPts val="1417"/>
-              </a:spcBef>
-              <a:buNone/>
-            </a:pPr>
             <a:endParaRPr b="0" lang="de-DE" sz="3200" spc="-1" strike="noStrike">
-              <a:solidFill>
-                <a:srgbClr val="000000"/>
-              </a:solidFill>
               <a:latin typeface="Arial"/>
             </a:endParaRPr>
           </a:p>
@@ -9725,16 +8390,7 @@
             <a:normAutofit/>
           </a:bodyPr>
           <a:p>
-            <a:pPr indent="0">
-              <a:spcBef>
-                <a:spcPts val="1417"/>
-              </a:spcBef>
-              <a:buNone/>
-            </a:pPr>
             <a:endParaRPr b="0" lang="de-DE" sz="3200" spc="-1" strike="noStrike">
-              <a:solidFill>
-                <a:srgbClr val="000000"/>
-              </a:solidFill>
               <a:latin typeface="Arial"/>
             </a:endParaRPr>
           </a:p>
@@ -9790,13 +8446,10 @@
             <a:noAutofit/>
           </a:bodyPr>
           <a:p>
-            <a:pPr indent="0" algn="ctr">
+            <a:pPr algn="ctr">
               <a:buNone/>
             </a:pPr>
             <a:endParaRPr b="0" lang="de-DE" sz="4400" spc="-1" strike="noStrike">
-              <a:solidFill>
-                <a:srgbClr val="000000"/>
-              </a:solidFill>
               <a:latin typeface="Arial"/>
             </a:endParaRPr>
           </a:p>
@@ -9830,16 +8483,7 @@
             <a:normAutofit/>
           </a:bodyPr>
           <a:p>
-            <a:pPr indent="0">
-              <a:spcBef>
-                <a:spcPts val="1417"/>
-              </a:spcBef>
-              <a:buNone/>
-            </a:pPr>
             <a:endParaRPr b="0" lang="de-DE" sz="3200" spc="-1" strike="noStrike">
-              <a:solidFill>
-                <a:srgbClr val="000000"/>
-              </a:solidFill>
               <a:latin typeface="Arial"/>
             </a:endParaRPr>
           </a:p>
@@ -9873,16 +8517,7 @@
             <a:normAutofit/>
           </a:bodyPr>
           <a:p>
-            <a:pPr indent="0">
-              <a:spcBef>
-                <a:spcPts val="1417"/>
-              </a:spcBef>
-              <a:buNone/>
-            </a:pPr>
             <a:endParaRPr b="0" lang="de-DE" sz="3200" spc="-1" strike="noStrike">
-              <a:solidFill>
-                <a:srgbClr val="000000"/>
-              </a:solidFill>
               <a:latin typeface="Arial"/>
             </a:endParaRPr>
           </a:p>
@@ -9916,16 +8551,7 @@
             <a:normAutofit/>
           </a:bodyPr>
           <a:p>
-            <a:pPr indent="0">
-              <a:spcBef>
-                <a:spcPts val="1417"/>
-              </a:spcBef>
-              <a:buNone/>
-            </a:pPr>
             <a:endParaRPr b="0" lang="de-DE" sz="3200" spc="-1" strike="noStrike">
-              <a:solidFill>
-                <a:srgbClr val="000000"/>
-              </a:solidFill>
               <a:latin typeface="Arial"/>
             </a:endParaRPr>
           </a:p>
@@ -9959,16 +8585,7 @@
             <a:normAutofit/>
           </a:bodyPr>
           <a:p>
-            <a:pPr indent="0">
-              <a:spcBef>
-                <a:spcPts val="1417"/>
-              </a:spcBef>
-              <a:buNone/>
-            </a:pPr>
             <a:endParaRPr b="0" lang="de-DE" sz="3200" spc="-1" strike="noStrike">
-              <a:solidFill>
-                <a:srgbClr val="000000"/>
-              </a:solidFill>
               <a:latin typeface="Arial"/>
             </a:endParaRPr>
           </a:p>
@@ -10024,13 +8641,10 @@
             <a:noAutofit/>
           </a:bodyPr>
           <a:p>
-            <a:pPr indent="0" algn="ctr">
+            <a:pPr algn="ctr">
               <a:buNone/>
             </a:pPr>
             <a:endParaRPr b="0" lang="de-DE" sz="4400" spc="-1" strike="noStrike">
-              <a:solidFill>
-                <a:srgbClr val="000000"/>
-              </a:solidFill>
               <a:latin typeface="Arial"/>
             </a:endParaRPr>
           </a:p>
@@ -10064,16 +8678,7 @@
             <a:normAutofit/>
           </a:bodyPr>
           <a:p>
-            <a:pPr indent="0">
-              <a:spcBef>
-                <a:spcPts val="1417"/>
-              </a:spcBef>
-              <a:buNone/>
-            </a:pPr>
             <a:endParaRPr b="0" lang="de-DE" sz="3200" spc="-1" strike="noStrike">
-              <a:solidFill>
-                <a:srgbClr val="000000"/>
-              </a:solidFill>
               <a:latin typeface="Arial"/>
             </a:endParaRPr>
           </a:p>
@@ -10107,16 +8712,7 @@
             <a:normAutofit/>
           </a:bodyPr>
           <a:p>
-            <a:pPr indent="0">
-              <a:spcBef>
-                <a:spcPts val="1417"/>
-              </a:spcBef>
-              <a:buNone/>
-            </a:pPr>
             <a:endParaRPr b="0" lang="de-DE" sz="3200" spc="-1" strike="noStrike">
-              <a:solidFill>
-                <a:srgbClr val="000000"/>
-              </a:solidFill>
               <a:latin typeface="Arial"/>
             </a:endParaRPr>
           </a:p>
@@ -10150,16 +8746,7 @@
             <a:normAutofit/>
           </a:bodyPr>
           <a:p>
-            <a:pPr indent="0">
-              <a:spcBef>
-                <a:spcPts val="1417"/>
-              </a:spcBef>
-              <a:buNone/>
-            </a:pPr>
             <a:endParaRPr b="0" lang="de-DE" sz="3200" spc="-1" strike="noStrike">
-              <a:solidFill>
-                <a:srgbClr val="000000"/>
-              </a:solidFill>
               <a:latin typeface="Arial"/>
             </a:endParaRPr>
           </a:p>
@@ -10193,16 +8780,7 @@
             <a:normAutofit/>
           </a:bodyPr>
           <a:p>
-            <a:pPr indent="0">
-              <a:spcBef>
-                <a:spcPts val="1417"/>
-              </a:spcBef>
-              <a:buNone/>
-            </a:pPr>
             <a:endParaRPr b="0" lang="de-DE" sz="3200" spc="-1" strike="noStrike">
-              <a:solidFill>
-                <a:srgbClr val="000000"/>
-              </a:solidFill>
               <a:latin typeface="Arial"/>
             </a:endParaRPr>
           </a:p>
@@ -10236,16 +8814,7 @@
             <a:normAutofit/>
           </a:bodyPr>
           <a:p>
-            <a:pPr indent="0">
-              <a:spcBef>
-                <a:spcPts val="1417"/>
-              </a:spcBef>
-              <a:buNone/>
-            </a:pPr>
             <a:endParaRPr b="0" lang="de-DE" sz="3200" spc="-1" strike="noStrike">
-              <a:solidFill>
-                <a:srgbClr val="000000"/>
-              </a:solidFill>
               <a:latin typeface="Arial"/>
             </a:endParaRPr>
           </a:p>
@@ -10279,16 +8848,7 @@
             <a:normAutofit/>
           </a:bodyPr>
           <a:p>
-            <a:pPr indent="0">
-              <a:spcBef>
-                <a:spcPts val="1417"/>
-              </a:spcBef>
-              <a:buNone/>
-            </a:pPr>
             <a:endParaRPr b="0" lang="de-DE" sz="3200" spc="-1" strike="noStrike">
-              <a:solidFill>
-                <a:srgbClr val="000000"/>
-              </a:solidFill>
               <a:latin typeface="Arial"/>
             </a:endParaRPr>
           </a:p>
@@ -10344,13 +8904,10 @@
             <a:noAutofit/>
           </a:bodyPr>
           <a:p>
-            <a:pPr indent="0" algn="ctr">
+            <a:pPr algn="ctr">
               <a:buNone/>
             </a:pPr>
             <a:endParaRPr b="0" lang="de-DE" sz="4400" spc="-1" strike="noStrike">
-              <a:solidFill>
-                <a:srgbClr val="000000"/>
-              </a:solidFill>
               <a:latin typeface="Arial"/>
             </a:endParaRPr>
           </a:p>
@@ -10384,16 +8941,7 @@
             <a:normAutofit/>
           </a:bodyPr>
           <a:p>
-            <a:pPr indent="0">
-              <a:spcBef>
-                <a:spcPts val="1417"/>
-              </a:spcBef>
-              <a:buNone/>
-            </a:pPr>
             <a:endParaRPr b="0" lang="de-DE" sz="3200" spc="-1" strike="noStrike">
-              <a:solidFill>
-                <a:srgbClr val="000000"/>
-              </a:solidFill>
               <a:latin typeface="Arial"/>
             </a:endParaRPr>
           </a:p>
@@ -10427,16 +8975,7 @@
             <a:normAutofit/>
           </a:bodyPr>
           <a:p>
-            <a:pPr indent="0">
-              <a:spcBef>
-                <a:spcPts val="1417"/>
-              </a:spcBef>
-              <a:buNone/>
-            </a:pPr>
             <a:endParaRPr b="0" lang="de-DE" sz="3200" spc="-1" strike="noStrike">
-              <a:solidFill>
-                <a:srgbClr val="000000"/>
-              </a:solidFill>
               <a:latin typeface="Arial"/>
             </a:endParaRPr>
           </a:p>
@@ -10470,16 +9009,7 @@
             <a:normAutofit/>
           </a:bodyPr>
           <a:p>
-            <a:pPr indent="0">
-              <a:spcBef>
-                <a:spcPts val="1417"/>
-              </a:spcBef>
-              <a:buNone/>
-            </a:pPr>
             <a:endParaRPr b="0" lang="de-DE" sz="3200" spc="-1" strike="noStrike">
-              <a:solidFill>
-                <a:srgbClr val="000000"/>
-              </a:solidFill>
               <a:latin typeface="Arial"/>
             </a:endParaRPr>
           </a:p>
@@ -10535,13 +9065,10 @@
             <a:noAutofit/>
           </a:bodyPr>
           <a:p>
-            <a:pPr indent="0" algn="ctr">
+            <a:pPr algn="ctr">
               <a:buNone/>
             </a:pPr>
             <a:endParaRPr b="0" lang="de-DE" sz="4400" spc="-1" strike="noStrike">
-              <a:solidFill>
-                <a:srgbClr val="000000"/>
-              </a:solidFill>
               <a:latin typeface="Arial"/>
             </a:endParaRPr>
           </a:p>
@@ -10575,16 +9102,7 @@
             <a:normAutofit/>
           </a:bodyPr>
           <a:p>
-            <a:pPr indent="0">
-              <a:spcBef>
-                <a:spcPts val="1417"/>
-              </a:spcBef>
-              <a:buNone/>
-            </a:pPr>
             <a:endParaRPr b="0" lang="de-DE" sz="3200" spc="-1" strike="noStrike">
-              <a:solidFill>
-                <a:srgbClr val="000000"/>
-              </a:solidFill>
               <a:latin typeface="Arial"/>
             </a:endParaRPr>
           </a:p>
@@ -10618,16 +9136,7 @@
             <a:normAutofit/>
           </a:bodyPr>
           <a:p>
-            <a:pPr indent="0">
-              <a:spcBef>
-                <a:spcPts val="1417"/>
-              </a:spcBef>
-              <a:buNone/>
-            </a:pPr>
             <a:endParaRPr b="0" lang="de-DE" sz="3200" spc="-1" strike="noStrike">
-              <a:solidFill>
-                <a:srgbClr val="000000"/>
-              </a:solidFill>
               <a:latin typeface="Arial"/>
             </a:endParaRPr>
           </a:p>
@@ -10661,16 +9170,7 @@
             <a:normAutofit/>
           </a:bodyPr>
           <a:p>
-            <a:pPr indent="0">
-              <a:spcBef>
-                <a:spcPts val="1417"/>
-              </a:spcBef>
-              <a:buNone/>
-            </a:pPr>
             <a:endParaRPr b="0" lang="de-DE" sz="3200" spc="-1" strike="noStrike">
-              <a:solidFill>
-                <a:srgbClr val="000000"/>
-              </a:solidFill>
               <a:latin typeface="Arial"/>
             </a:endParaRPr>
           </a:p>
@@ -10733,22 +9233,40 @@
             <a:noAutofit/>
           </a:bodyPr>
           <a:p>
-            <a:pPr indent="0" algn="ctr">
+            <a:pPr algn="ctr">
               <a:buNone/>
             </a:pPr>
             <a:r>
               <a:rPr b="0" lang="de-DE" sz="4400" spc="-1" strike="noStrike">
-                <a:solidFill>
-                  <a:srgbClr val="000000"/>
-                </a:solidFill>
                 <a:latin typeface="Arial"/>
               </a:rPr>
-              <a:t>Format des Titeltextes durch Klicken bearbeiten</a:t>
+              <a:t>Format des </a:t>
+            </a:r>
+            <a:r>
+              <a:rPr b="0" lang="de-DE" sz="4400" spc="-1" strike="noStrike">
+                <a:latin typeface="Arial"/>
+              </a:rPr>
+              <a:t>Titeltextes </a:t>
+            </a:r>
+            <a:r>
+              <a:rPr b="0" lang="de-DE" sz="4400" spc="-1" strike="noStrike">
+                <a:latin typeface="Arial"/>
+              </a:rPr>
+              <a:t>durch </a:t>
+            </a:r>
+            <a:r>
+              <a:rPr b="0" lang="de-DE" sz="4400" spc="-1" strike="noStrike">
+                <a:latin typeface="Arial"/>
+              </a:rPr>
+              <a:t>Klicken </a:t>
+            </a:r>
+            <a:r>
+              <a:rPr b="0" lang="de-DE" sz="4400" spc="-1" strike="noStrike">
+                <a:latin typeface="Arial"/>
+              </a:rPr>
+              <a:t>bearbeiten</a:t>
             </a:r>
             <a:endParaRPr b="0" lang="de-DE" sz="4400" spc="-1" strike="noStrike">
-              <a:solidFill>
-                <a:srgbClr val="000000"/>
-              </a:solidFill>
               <a:latin typeface="Arial"/>
             </a:endParaRPr>
           </a:p>
@@ -10795,17 +9313,11 @@
             </a:pPr>
             <a:r>
               <a:rPr b="0" lang="de-DE" sz="3200" spc="-1" strike="noStrike">
-                <a:solidFill>
-                  <a:srgbClr val="000000"/>
-                </a:solidFill>
                 <a:latin typeface="Arial"/>
               </a:rPr>
               <a:t>Format des Gliederungstextes durch Klicken bearbeiten</a:t>
             </a:r>
             <a:endParaRPr b="0" lang="de-DE" sz="3200" spc="-1" strike="noStrike">
-              <a:solidFill>
-                <a:srgbClr val="000000"/>
-              </a:solidFill>
               <a:latin typeface="Arial"/>
             </a:endParaRPr>
           </a:p>
@@ -10823,17 +9335,11 @@
             </a:pPr>
             <a:r>
               <a:rPr b="0" lang="de-DE" sz="2800" spc="-1" strike="noStrike">
-                <a:solidFill>
-                  <a:srgbClr val="000000"/>
-                </a:solidFill>
                 <a:latin typeface="Arial"/>
               </a:rPr>
               <a:t>Zweite Gliederungsebene</a:t>
             </a:r>
             <a:endParaRPr b="0" lang="de-DE" sz="2800" spc="-1" strike="noStrike">
-              <a:solidFill>
-                <a:srgbClr val="000000"/>
-              </a:solidFill>
               <a:latin typeface="Arial"/>
             </a:endParaRPr>
           </a:p>
@@ -10851,17 +9357,11 @@
             </a:pPr>
             <a:r>
               <a:rPr b="0" lang="de-DE" sz="2400" spc="-1" strike="noStrike">
-                <a:solidFill>
-                  <a:srgbClr val="000000"/>
-                </a:solidFill>
                 <a:latin typeface="Arial"/>
               </a:rPr>
               <a:t>Dritte Gliederungsebene</a:t>
             </a:r>
             <a:endParaRPr b="0" lang="de-DE" sz="2400" spc="-1" strike="noStrike">
-              <a:solidFill>
-                <a:srgbClr val="000000"/>
-              </a:solidFill>
               <a:latin typeface="Arial"/>
             </a:endParaRPr>
           </a:p>
@@ -10879,17 +9379,11 @@
             </a:pPr>
             <a:r>
               <a:rPr b="0" lang="de-DE" sz="2000" spc="-1" strike="noStrike">
-                <a:solidFill>
-                  <a:srgbClr val="000000"/>
-                </a:solidFill>
                 <a:latin typeface="Arial"/>
               </a:rPr>
               <a:t>Vierte Gliederungsebene</a:t>
             </a:r>
             <a:endParaRPr b="0" lang="de-DE" sz="2000" spc="-1" strike="noStrike">
-              <a:solidFill>
-                <a:srgbClr val="000000"/>
-              </a:solidFill>
               <a:latin typeface="Arial"/>
             </a:endParaRPr>
           </a:p>
@@ -10907,17 +9401,11 @@
             </a:pPr>
             <a:r>
               <a:rPr b="0" lang="de-DE" sz="2000" spc="-1" strike="noStrike">
-                <a:solidFill>
-                  <a:srgbClr val="000000"/>
-                </a:solidFill>
                 <a:latin typeface="Arial"/>
               </a:rPr>
               <a:t>Fünfte Gliederungsebene</a:t>
             </a:r>
             <a:endParaRPr b="0" lang="de-DE" sz="2000" spc="-1" strike="noStrike">
-              <a:solidFill>
-                <a:srgbClr val="000000"/>
-              </a:solidFill>
               <a:latin typeface="Arial"/>
             </a:endParaRPr>
           </a:p>
@@ -10935,17 +9423,11 @@
             </a:pPr>
             <a:r>
               <a:rPr b="0" lang="de-DE" sz="2000" spc="-1" strike="noStrike">
-                <a:solidFill>
-                  <a:srgbClr val="000000"/>
-                </a:solidFill>
                 <a:latin typeface="Arial"/>
               </a:rPr>
               <a:t>Sechste Gliederungsebene</a:t>
             </a:r>
             <a:endParaRPr b="0" lang="de-DE" sz="2000" spc="-1" strike="noStrike">
-              <a:solidFill>
-                <a:srgbClr val="000000"/>
-              </a:solidFill>
               <a:latin typeface="Arial"/>
             </a:endParaRPr>
           </a:p>
@@ -10963,17 +9445,11 @@
             </a:pPr>
             <a:r>
               <a:rPr b="0" lang="de-DE" sz="2000" spc="-1" strike="noStrike">
-                <a:solidFill>
-                  <a:srgbClr val="000000"/>
-                </a:solidFill>
                 <a:latin typeface="Arial"/>
               </a:rPr>
               <a:t>Siebte Gliederungsebene</a:t>
             </a:r>
             <a:endParaRPr b="0" lang="de-DE" sz="2000" spc="-1" strike="noStrike">
-              <a:solidFill>
-                <a:srgbClr val="000000"/>
-              </a:solidFill>
               <a:latin typeface="Arial"/>
             </a:endParaRPr>
           </a:p>
@@ -11032,7 +9508,7 @@
         <p:spPr>
           <a:xfrm>
             <a:off x="323640" y="6357240"/>
-            <a:ext cx="11867040" cy="338040"/>
+            <a:ext cx="11866680" cy="337680"/>
           </a:xfrm>
           <a:prstGeom prst="rect">
             <a:avLst/>
@@ -11058,25 +9534,6 @@
           </a:effectRef>
           <a:fontRef idx="minor"/>
         </p:style>
-        <p:txBody>
-          <a:bodyPr lIns="90000" rIns="90000" tIns="45000" bIns="45000" anchor="ctr">
-            <a:noAutofit/>
-          </a:bodyPr>
-          <a:p>
-            <a:pPr algn="ctr">
-              <a:lnSpc>
-                <a:spcPct val="100000"/>
-              </a:lnSpc>
-            </a:pPr>
-            <a:endParaRPr b="0" lang="en-US" sz="1800" spc="-1" strike="noStrike">
-              <a:solidFill>
-                <a:schemeClr val="lt1"/>
-              </a:solidFill>
-              <a:latin typeface="CMU Serif"/>
-              <a:ea typeface="Arial Unicode MS"/>
-            </a:endParaRPr>
-          </a:p>
-        </p:txBody>
       </p:sp>
       <p:sp>
         <p:nvSpPr>
@@ -11087,18 +9544,13 @@
         <p:spPr>
           <a:xfrm>
             <a:off x="323640" y="6349320"/>
-            <a:ext cx="563760" cy="346320"/>
+            <a:ext cx="563400" cy="345960"/>
           </a:xfrm>
           <a:custGeom>
             <a:avLst/>
-            <a:gdLst>
-              <a:gd name="textAreaLeft" fmla="*/ 0 w 563760"/>
-              <a:gd name="textAreaRight" fmla="*/ 565200 w 563760"/>
-              <a:gd name="textAreaTop" fmla="*/ 0 h 346320"/>
-              <a:gd name="textAreaBottom" fmla="*/ 347760 h 346320"/>
-            </a:gdLst>
+            <a:gdLst/>
             <a:ahLst/>
-            <a:rect l="textAreaLeft" t="textAreaTop" r="textAreaRight" b="textAreaBottom"/>
+            <a:rect l="l" t="t" r="r" b="b"/>
             <a:pathLst>
               <a:path w="5086770" h="3128874">
                 <a:moveTo>
@@ -11372,25 +9824,6 @@
           </a:effectRef>
           <a:fontRef idx="minor"/>
         </p:style>
-        <p:txBody>
-          <a:bodyPr lIns="90000" rIns="90000" tIns="45000" bIns="45000" anchor="ctr">
-            <a:noAutofit/>
-          </a:bodyPr>
-          <a:p>
-            <a:pPr algn="ctr">
-              <a:lnSpc>
-                <a:spcPct val="100000"/>
-              </a:lnSpc>
-            </a:pPr>
-            <a:endParaRPr b="0" lang="en-US" sz="1800" spc="-1" strike="noStrike">
-              <a:solidFill>
-                <a:schemeClr val="lt1"/>
-              </a:solidFill>
-              <a:latin typeface="CMU Serif"/>
-              <a:ea typeface="Arial Unicode MS"/>
-            </a:endParaRPr>
-          </a:p>
-        </p:txBody>
       </p:sp>
       <p:sp>
         <p:nvSpPr>
@@ -11420,22 +9853,40 @@
             <a:noAutofit/>
           </a:bodyPr>
           <a:p>
-            <a:pPr indent="0" algn="ctr">
+            <a:pPr algn="ctr">
               <a:buNone/>
             </a:pPr>
             <a:r>
               <a:rPr b="0" lang="de-DE" sz="4400" spc="-1" strike="noStrike">
-                <a:solidFill>
-                  <a:srgbClr val="000000"/>
-                </a:solidFill>
                 <a:latin typeface="Arial"/>
               </a:rPr>
-              <a:t>Format des Titeltextes durch Klicken bearbeiten</a:t>
+              <a:t>Format des </a:t>
+            </a:r>
+            <a:r>
+              <a:rPr b="0" lang="de-DE" sz="4400" spc="-1" strike="noStrike">
+                <a:latin typeface="Arial"/>
+              </a:rPr>
+              <a:t>Titeltextes </a:t>
+            </a:r>
+            <a:r>
+              <a:rPr b="0" lang="de-DE" sz="4400" spc="-1" strike="noStrike">
+                <a:latin typeface="Arial"/>
+              </a:rPr>
+              <a:t>durch </a:t>
+            </a:r>
+            <a:r>
+              <a:rPr b="0" lang="de-DE" sz="4400" spc="-1" strike="noStrike">
+                <a:latin typeface="Arial"/>
+              </a:rPr>
+              <a:t>Klicken </a:t>
+            </a:r>
+            <a:r>
+              <a:rPr b="0" lang="de-DE" sz="4400" spc="-1" strike="noStrike">
+                <a:latin typeface="Arial"/>
+              </a:rPr>
+              <a:t>bearbeiten</a:t>
             </a:r>
             <a:endParaRPr b="0" lang="de-DE" sz="4400" spc="-1" strike="noStrike">
-              <a:solidFill>
-                <a:srgbClr val="000000"/>
-              </a:solidFill>
               <a:latin typeface="Arial"/>
             </a:endParaRPr>
           </a:p>
@@ -11482,17 +9933,11 @@
             </a:pPr>
             <a:r>
               <a:rPr b="0" lang="de-DE" sz="3200" spc="-1" strike="noStrike">
-                <a:solidFill>
-                  <a:srgbClr val="000000"/>
-                </a:solidFill>
                 <a:latin typeface="Arial"/>
               </a:rPr>
               <a:t>Format des Gliederungstextes durch Klicken bearbeiten</a:t>
             </a:r>
             <a:endParaRPr b="0" lang="de-DE" sz="3200" spc="-1" strike="noStrike">
-              <a:solidFill>
-                <a:srgbClr val="000000"/>
-              </a:solidFill>
               <a:latin typeface="Arial"/>
             </a:endParaRPr>
           </a:p>
@@ -11510,17 +9955,11 @@
             </a:pPr>
             <a:r>
               <a:rPr b="0" lang="de-DE" sz="2800" spc="-1" strike="noStrike">
-                <a:solidFill>
-                  <a:srgbClr val="000000"/>
-                </a:solidFill>
                 <a:latin typeface="Arial"/>
               </a:rPr>
               <a:t>Zweite Gliederungsebene</a:t>
             </a:r>
             <a:endParaRPr b="0" lang="de-DE" sz="2800" spc="-1" strike="noStrike">
-              <a:solidFill>
-                <a:srgbClr val="000000"/>
-              </a:solidFill>
               <a:latin typeface="Arial"/>
             </a:endParaRPr>
           </a:p>
@@ -11538,17 +9977,11 @@
             </a:pPr>
             <a:r>
               <a:rPr b="0" lang="de-DE" sz="2400" spc="-1" strike="noStrike">
-                <a:solidFill>
-                  <a:srgbClr val="000000"/>
-                </a:solidFill>
                 <a:latin typeface="Arial"/>
               </a:rPr>
               <a:t>Dritte Gliederungsebene</a:t>
             </a:r>
             <a:endParaRPr b="0" lang="de-DE" sz="2400" spc="-1" strike="noStrike">
-              <a:solidFill>
-                <a:srgbClr val="000000"/>
-              </a:solidFill>
               <a:latin typeface="Arial"/>
             </a:endParaRPr>
           </a:p>
@@ -11566,17 +9999,11 @@
             </a:pPr>
             <a:r>
               <a:rPr b="0" lang="de-DE" sz="2000" spc="-1" strike="noStrike">
-                <a:solidFill>
-                  <a:srgbClr val="000000"/>
-                </a:solidFill>
                 <a:latin typeface="Arial"/>
               </a:rPr>
               <a:t>Vierte Gliederungsebene</a:t>
             </a:r>
             <a:endParaRPr b="0" lang="de-DE" sz="2000" spc="-1" strike="noStrike">
-              <a:solidFill>
-                <a:srgbClr val="000000"/>
-              </a:solidFill>
               <a:latin typeface="Arial"/>
             </a:endParaRPr>
           </a:p>
@@ -11594,17 +10021,11 @@
             </a:pPr>
             <a:r>
               <a:rPr b="0" lang="de-DE" sz="2000" spc="-1" strike="noStrike">
-                <a:solidFill>
-                  <a:srgbClr val="000000"/>
-                </a:solidFill>
                 <a:latin typeface="Arial"/>
               </a:rPr>
               <a:t>Fünfte Gliederungsebene</a:t>
             </a:r>
             <a:endParaRPr b="0" lang="de-DE" sz="2000" spc="-1" strike="noStrike">
-              <a:solidFill>
-                <a:srgbClr val="000000"/>
-              </a:solidFill>
               <a:latin typeface="Arial"/>
             </a:endParaRPr>
           </a:p>
@@ -11622,17 +10043,11 @@
             </a:pPr>
             <a:r>
               <a:rPr b="0" lang="de-DE" sz="2000" spc="-1" strike="noStrike">
-                <a:solidFill>
-                  <a:srgbClr val="000000"/>
-                </a:solidFill>
                 <a:latin typeface="Arial"/>
               </a:rPr>
               <a:t>Sechste Gliederungsebene</a:t>
             </a:r>
             <a:endParaRPr b="0" lang="de-DE" sz="2000" spc="-1" strike="noStrike">
-              <a:solidFill>
-                <a:srgbClr val="000000"/>
-              </a:solidFill>
               <a:latin typeface="Arial"/>
             </a:endParaRPr>
           </a:p>
@@ -11650,17 +10065,11 @@
             </a:pPr>
             <a:r>
               <a:rPr b="0" lang="de-DE" sz="2000" spc="-1" strike="noStrike">
-                <a:solidFill>
-                  <a:srgbClr val="000000"/>
-                </a:solidFill>
                 <a:latin typeface="Arial"/>
               </a:rPr>
               <a:t>Siebte Gliederungsebene</a:t>
             </a:r>
             <a:endParaRPr b="0" lang="de-DE" sz="2000" spc="-1" strike="noStrike">
-              <a:solidFill>
-                <a:srgbClr val="000000"/>
-              </a:solidFill>
               <a:latin typeface="Arial"/>
             </a:endParaRPr>
           </a:p>
@@ -11719,18 +10128,13 @@
         <p:spPr>
           <a:xfrm>
             <a:off x="0" y="161280"/>
-            <a:ext cx="11189880" cy="1024560"/>
+            <a:ext cx="11189520" cy="1024200"/>
           </a:xfrm>
           <a:custGeom>
             <a:avLst/>
-            <a:gdLst>
-              <a:gd name="textAreaLeft" fmla="*/ 0 w 11189880"/>
-              <a:gd name="textAreaRight" fmla="*/ 11191320 w 11189880"/>
-              <a:gd name="textAreaTop" fmla="*/ 0 h 1024560"/>
-              <a:gd name="textAreaBottom" fmla="*/ 1026000 h 1024560"/>
-            </a:gdLst>
+            <a:gdLst/>
             <a:ahLst/>
-            <a:rect l="textAreaLeft" t="textAreaTop" r="textAreaRight" b="textAreaBottom"/>
+            <a:rect l="l" t="t" r="r" b="b"/>
             <a:pathLst>
               <a:path w="11191164" h="1026038">
                 <a:moveTo>
@@ -11777,25 +10181,6 @@
           </a:effectRef>
           <a:fontRef idx="minor"/>
         </p:style>
-        <p:txBody>
-          <a:bodyPr lIns="90000" rIns="90000" tIns="45000" bIns="45000" anchor="ctr">
-            <a:noAutofit/>
-          </a:bodyPr>
-          <a:p>
-            <a:pPr algn="ctr">
-              <a:lnSpc>
-                <a:spcPct val="100000"/>
-              </a:lnSpc>
-            </a:pPr>
-            <a:endParaRPr b="0" lang="en-US" sz="1800" spc="-1" strike="noStrike">
-              <a:solidFill>
-                <a:schemeClr val="lt1"/>
-              </a:solidFill>
-              <a:latin typeface="CMU Serif"/>
-              <a:ea typeface="Arial Unicode MS"/>
-            </a:endParaRPr>
-          </a:p>
-        </p:txBody>
       </p:sp>
       <p:sp>
         <p:nvSpPr>
@@ -11806,18 +10191,13 @@
         <p:spPr>
           <a:xfrm>
             <a:off x="0" y="161280"/>
-            <a:ext cx="1666800" cy="1024560"/>
+            <a:ext cx="1666440" cy="1024200"/>
           </a:xfrm>
           <a:custGeom>
             <a:avLst/>
-            <a:gdLst>
-              <a:gd name="textAreaLeft" fmla="*/ 0 w 1666800"/>
-              <a:gd name="textAreaRight" fmla="*/ 1668240 w 1666800"/>
-              <a:gd name="textAreaTop" fmla="*/ 0 h 1024560"/>
-              <a:gd name="textAreaBottom" fmla="*/ 1026000 h 1024560"/>
-            </a:gdLst>
+            <a:gdLst/>
             <a:ahLst/>
-            <a:rect l="textAreaLeft" t="textAreaTop" r="textAreaRight" b="textAreaBottom"/>
+            <a:rect l="l" t="t" r="r" b="b"/>
             <a:pathLst>
               <a:path w="5086770" h="3128874">
                 <a:moveTo>
@@ -12091,25 +10471,6 @@
           </a:effectRef>
           <a:fontRef idx="minor"/>
         </p:style>
-        <p:txBody>
-          <a:bodyPr lIns="90000" rIns="90000" tIns="45000" bIns="45000" anchor="ctr">
-            <a:noAutofit/>
-          </a:bodyPr>
-          <a:p>
-            <a:pPr algn="ctr">
-              <a:lnSpc>
-                <a:spcPct val="100000"/>
-              </a:lnSpc>
-            </a:pPr>
-            <a:endParaRPr b="0" lang="en-US" sz="1800" spc="-1" strike="noStrike">
-              <a:solidFill>
-                <a:schemeClr val="lt1"/>
-              </a:solidFill>
-              <a:latin typeface="CMU Serif"/>
-              <a:ea typeface="Arial Unicode MS"/>
-            </a:endParaRPr>
-          </a:p>
-        </p:txBody>
       </p:sp>
       <p:sp>
         <p:nvSpPr>
@@ -12120,18 +10481,13 @@
         <p:spPr>
           <a:xfrm>
             <a:off x="11288880" y="161280"/>
-            <a:ext cx="901440" cy="1024560"/>
+            <a:ext cx="901080" cy="1024200"/>
           </a:xfrm>
           <a:custGeom>
             <a:avLst/>
-            <a:gdLst>
-              <a:gd name="textAreaLeft" fmla="*/ 0 w 901440"/>
-              <a:gd name="textAreaRight" fmla="*/ 902880 w 901440"/>
-              <a:gd name="textAreaTop" fmla="*/ 0 h 1024560"/>
-              <a:gd name="textAreaBottom" fmla="*/ 1026000 h 1024560"/>
-            </a:gdLst>
+            <a:gdLst/>
             <a:ahLst/>
-            <a:rect l="textAreaLeft" t="textAreaTop" r="textAreaRight" b="textAreaBottom"/>
+            <a:rect l="l" t="t" r="r" b="b"/>
             <a:pathLst>
               <a:path w="903029" h="1026038">
                 <a:moveTo>
@@ -12181,25 +10537,6 @@
           </a:effectRef>
           <a:fontRef idx="minor"/>
         </p:style>
-        <p:txBody>
-          <a:bodyPr lIns="90000" rIns="90000" tIns="45000" bIns="45000" anchor="ctr">
-            <a:noAutofit/>
-          </a:bodyPr>
-          <a:p>
-            <a:pPr algn="ctr">
-              <a:lnSpc>
-                <a:spcPct val="100000"/>
-              </a:lnSpc>
-            </a:pPr>
-            <a:endParaRPr b="0" lang="en-US" sz="1800" spc="-1" strike="noStrike">
-              <a:solidFill>
-                <a:schemeClr val="lt1"/>
-              </a:solidFill>
-              <a:latin typeface="CMU Serif"/>
-              <a:ea typeface="Arial Unicode MS"/>
-            </a:endParaRPr>
-          </a:p>
-        </p:txBody>
       </p:sp>
       <p:sp>
         <p:nvSpPr>
@@ -12229,22 +10566,40 @@
             <a:noAutofit/>
           </a:bodyPr>
           <a:p>
-            <a:pPr indent="0" algn="ctr">
+            <a:pPr algn="ctr">
               <a:buNone/>
             </a:pPr>
             <a:r>
               <a:rPr b="0" lang="de-DE" sz="4400" spc="-1" strike="noStrike">
-                <a:solidFill>
-                  <a:srgbClr val="000000"/>
-                </a:solidFill>
                 <a:latin typeface="Arial"/>
               </a:rPr>
-              <a:t>Format des Titeltextes durch Klicken bearbeiten</a:t>
+              <a:t>Format des </a:t>
+            </a:r>
+            <a:r>
+              <a:rPr b="0" lang="de-DE" sz="4400" spc="-1" strike="noStrike">
+                <a:latin typeface="Arial"/>
+              </a:rPr>
+              <a:t>Titeltextes </a:t>
+            </a:r>
+            <a:r>
+              <a:rPr b="0" lang="de-DE" sz="4400" spc="-1" strike="noStrike">
+                <a:latin typeface="Arial"/>
+              </a:rPr>
+              <a:t>durch </a:t>
+            </a:r>
+            <a:r>
+              <a:rPr b="0" lang="de-DE" sz="4400" spc="-1" strike="noStrike">
+                <a:latin typeface="Arial"/>
+              </a:rPr>
+              <a:t>Klicken </a:t>
+            </a:r>
+            <a:r>
+              <a:rPr b="0" lang="de-DE" sz="4400" spc="-1" strike="noStrike">
+                <a:latin typeface="Arial"/>
+              </a:rPr>
+              <a:t>bearbeiten</a:t>
             </a:r>
             <a:endParaRPr b="0" lang="de-DE" sz="4400" spc="-1" strike="noStrike">
-              <a:solidFill>
-                <a:srgbClr val="000000"/>
-              </a:solidFill>
               <a:latin typeface="Arial"/>
             </a:endParaRPr>
           </a:p>
@@ -12291,17 +10646,11 @@
             </a:pPr>
             <a:r>
               <a:rPr b="0" lang="de-DE" sz="3200" spc="-1" strike="noStrike">
-                <a:solidFill>
-                  <a:srgbClr val="000000"/>
-                </a:solidFill>
                 <a:latin typeface="Arial"/>
               </a:rPr>
               <a:t>Format des Gliederungstextes durch Klicken bearbeiten</a:t>
             </a:r>
             <a:endParaRPr b="0" lang="de-DE" sz="3200" spc="-1" strike="noStrike">
-              <a:solidFill>
-                <a:srgbClr val="000000"/>
-              </a:solidFill>
               <a:latin typeface="Arial"/>
             </a:endParaRPr>
           </a:p>
@@ -12319,17 +10668,11 @@
             </a:pPr>
             <a:r>
               <a:rPr b="0" lang="de-DE" sz="2800" spc="-1" strike="noStrike">
-                <a:solidFill>
-                  <a:srgbClr val="000000"/>
-                </a:solidFill>
                 <a:latin typeface="Arial"/>
               </a:rPr>
               <a:t>Zweite Gliederungsebene</a:t>
             </a:r>
             <a:endParaRPr b="0" lang="de-DE" sz="2800" spc="-1" strike="noStrike">
-              <a:solidFill>
-                <a:srgbClr val="000000"/>
-              </a:solidFill>
               <a:latin typeface="Arial"/>
             </a:endParaRPr>
           </a:p>
@@ -12347,17 +10690,11 @@
             </a:pPr>
             <a:r>
               <a:rPr b="0" lang="de-DE" sz="2400" spc="-1" strike="noStrike">
-                <a:solidFill>
-                  <a:srgbClr val="000000"/>
-                </a:solidFill>
                 <a:latin typeface="Arial"/>
               </a:rPr>
               <a:t>Dritte Gliederungsebene</a:t>
             </a:r>
             <a:endParaRPr b="0" lang="de-DE" sz="2400" spc="-1" strike="noStrike">
-              <a:solidFill>
-                <a:srgbClr val="000000"/>
-              </a:solidFill>
               <a:latin typeface="Arial"/>
             </a:endParaRPr>
           </a:p>
@@ -12375,17 +10712,11 @@
             </a:pPr>
             <a:r>
               <a:rPr b="0" lang="de-DE" sz="2000" spc="-1" strike="noStrike">
-                <a:solidFill>
-                  <a:srgbClr val="000000"/>
-                </a:solidFill>
                 <a:latin typeface="Arial"/>
               </a:rPr>
               <a:t>Vierte Gliederungsebene</a:t>
             </a:r>
             <a:endParaRPr b="0" lang="de-DE" sz="2000" spc="-1" strike="noStrike">
-              <a:solidFill>
-                <a:srgbClr val="000000"/>
-              </a:solidFill>
               <a:latin typeface="Arial"/>
             </a:endParaRPr>
           </a:p>
@@ -12403,17 +10734,11 @@
             </a:pPr>
             <a:r>
               <a:rPr b="0" lang="de-DE" sz="2000" spc="-1" strike="noStrike">
-                <a:solidFill>
-                  <a:srgbClr val="000000"/>
-                </a:solidFill>
                 <a:latin typeface="Arial"/>
               </a:rPr>
               <a:t>Fünfte Gliederungsebene</a:t>
             </a:r>
             <a:endParaRPr b="0" lang="de-DE" sz="2000" spc="-1" strike="noStrike">
-              <a:solidFill>
-                <a:srgbClr val="000000"/>
-              </a:solidFill>
               <a:latin typeface="Arial"/>
             </a:endParaRPr>
           </a:p>
@@ -12431,17 +10756,11 @@
             </a:pPr>
             <a:r>
               <a:rPr b="0" lang="de-DE" sz="2000" spc="-1" strike="noStrike">
-                <a:solidFill>
-                  <a:srgbClr val="000000"/>
-                </a:solidFill>
                 <a:latin typeface="Arial"/>
               </a:rPr>
               <a:t>Sechste Gliederungsebene</a:t>
             </a:r>
             <a:endParaRPr b="0" lang="de-DE" sz="2000" spc="-1" strike="noStrike">
-              <a:solidFill>
-                <a:srgbClr val="000000"/>
-              </a:solidFill>
               <a:latin typeface="Arial"/>
             </a:endParaRPr>
           </a:p>
@@ -12459,17 +10778,11 @@
             </a:pPr>
             <a:r>
               <a:rPr b="0" lang="de-DE" sz="2000" spc="-1" strike="noStrike">
-                <a:solidFill>
-                  <a:srgbClr val="000000"/>
-                </a:solidFill>
                 <a:latin typeface="Arial"/>
               </a:rPr>
               <a:t>Siebte Gliederungsebene</a:t>
             </a:r>
             <a:endParaRPr b="0" lang="de-DE" sz="2000" spc="-1" strike="noStrike">
-              <a:solidFill>
-                <a:srgbClr val="000000"/>
-              </a:solidFill>
               <a:latin typeface="Arial"/>
             </a:endParaRPr>
           </a:p>
@@ -12547,22 +10860,40 @@
             <a:noAutofit/>
           </a:bodyPr>
           <a:p>
-            <a:pPr indent="0" algn="ctr">
+            <a:pPr algn="ctr">
               <a:buNone/>
             </a:pPr>
             <a:r>
               <a:rPr b="0" lang="de-DE" sz="4400" spc="-1" strike="noStrike">
-                <a:solidFill>
-                  <a:srgbClr val="000000"/>
-                </a:solidFill>
                 <a:latin typeface="Arial"/>
               </a:rPr>
-              <a:t>Format des Titeltextes durch Klicken bearbeiten</a:t>
+              <a:t>Format des </a:t>
+            </a:r>
+            <a:r>
+              <a:rPr b="0" lang="de-DE" sz="4400" spc="-1" strike="noStrike">
+                <a:latin typeface="Arial"/>
+              </a:rPr>
+              <a:t>Titeltextes </a:t>
+            </a:r>
+            <a:r>
+              <a:rPr b="0" lang="de-DE" sz="4400" spc="-1" strike="noStrike">
+                <a:latin typeface="Arial"/>
+              </a:rPr>
+              <a:t>durch </a:t>
+            </a:r>
+            <a:r>
+              <a:rPr b="0" lang="de-DE" sz="4400" spc="-1" strike="noStrike">
+                <a:latin typeface="Arial"/>
+              </a:rPr>
+              <a:t>Klicken </a:t>
+            </a:r>
+            <a:r>
+              <a:rPr b="0" lang="de-DE" sz="4400" spc="-1" strike="noStrike">
+                <a:latin typeface="Arial"/>
+              </a:rPr>
+              <a:t>bearbeiten</a:t>
             </a:r>
             <a:endParaRPr b="0" lang="de-DE" sz="4400" spc="-1" strike="noStrike">
-              <a:solidFill>
-                <a:srgbClr val="000000"/>
-              </a:solidFill>
               <a:latin typeface="Arial"/>
             </a:endParaRPr>
           </a:p>
@@ -12609,17 +10940,11 @@
             </a:pPr>
             <a:r>
               <a:rPr b="0" lang="de-DE" sz="3200" spc="-1" strike="noStrike">
-                <a:solidFill>
-                  <a:srgbClr val="000000"/>
-                </a:solidFill>
                 <a:latin typeface="Arial"/>
               </a:rPr>
               <a:t>Format des Gliederungstextes durch Klicken bearbeiten</a:t>
             </a:r>
             <a:endParaRPr b="0" lang="de-DE" sz="3200" spc="-1" strike="noStrike">
-              <a:solidFill>
-                <a:srgbClr val="000000"/>
-              </a:solidFill>
               <a:latin typeface="Arial"/>
             </a:endParaRPr>
           </a:p>
@@ -12637,17 +10962,11 @@
             </a:pPr>
             <a:r>
               <a:rPr b="0" lang="de-DE" sz="2800" spc="-1" strike="noStrike">
-                <a:solidFill>
-                  <a:srgbClr val="000000"/>
-                </a:solidFill>
                 <a:latin typeface="Arial"/>
               </a:rPr>
               <a:t>Zweite Gliederungsebene</a:t>
             </a:r>
             <a:endParaRPr b="0" lang="de-DE" sz="2800" spc="-1" strike="noStrike">
-              <a:solidFill>
-                <a:srgbClr val="000000"/>
-              </a:solidFill>
               <a:latin typeface="Arial"/>
             </a:endParaRPr>
           </a:p>
@@ -12665,17 +10984,11 @@
             </a:pPr>
             <a:r>
               <a:rPr b="0" lang="de-DE" sz="2400" spc="-1" strike="noStrike">
-                <a:solidFill>
-                  <a:srgbClr val="000000"/>
-                </a:solidFill>
                 <a:latin typeface="Arial"/>
               </a:rPr>
               <a:t>Dritte Gliederungsebene</a:t>
             </a:r>
             <a:endParaRPr b="0" lang="de-DE" sz="2400" spc="-1" strike="noStrike">
-              <a:solidFill>
-                <a:srgbClr val="000000"/>
-              </a:solidFill>
               <a:latin typeface="Arial"/>
             </a:endParaRPr>
           </a:p>
@@ -12693,17 +11006,11 @@
             </a:pPr>
             <a:r>
               <a:rPr b="0" lang="de-DE" sz="2000" spc="-1" strike="noStrike">
-                <a:solidFill>
-                  <a:srgbClr val="000000"/>
-                </a:solidFill>
                 <a:latin typeface="Arial"/>
               </a:rPr>
               <a:t>Vierte Gliederungsebene</a:t>
             </a:r>
             <a:endParaRPr b="0" lang="de-DE" sz="2000" spc="-1" strike="noStrike">
-              <a:solidFill>
-                <a:srgbClr val="000000"/>
-              </a:solidFill>
               <a:latin typeface="Arial"/>
             </a:endParaRPr>
           </a:p>
@@ -12721,17 +11028,11 @@
             </a:pPr>
             <a:r>
               <a:rPr b="0" lang="de-DE" sz="2000" spc="-1" strike="noStrike">
-                <a:solidFill>
-                  <a:srgbClr val="000000"/>
-                </a:solidFill>
                 <a:latin typeface="Arial"/>
               </a:rPr>
               <a:t>Fünfte Gliederungsebene</a:t>
             </a:r>
             <a:endParaRPr b="0" lang="de-DE" sz="2000" spc="-1" strike="noStrike">
-              <a:solidFill>
-                <a:srgbClr val="000000"/>
-              </a:solidFill>
               <a:latin typeface="Arial"/>
             </a:endParaRPr>
           </a:p>
@@ -12749,17 +11050,11 @@
             </a:pPr>
             <a:r>
               <a:rPr b="0" lang="de-DE" sz="2000" spc="-1" strike="noStrike">
-                <a:solidFill>
-                  <a:srgbClr val="000000"/>
-                </a:solidFill>
                 <a:latin typeface="Arial"/>
               </a:rPr>
               <a:t>Sechste Gliederungsebene</a:t>
             </a:r>
             <a:endParaRPr b="0" lang="de-DE" sz="2000" spc="-1" strike="noStrike">
-              <a:solidFill>
-                <a:srgbClr val="000000"/>
-              </a:solidFill>
               <a:latin typeface="Arial"/>
             </a:endParaRPr>
           </a:p>
@@ -12777,17 +11072,11 @@
             </a:pPr>
             <a:r>
               <a:rPr b="0" lang="de-DE" sz="2000" spc="-1" strike="noStrike">
-                <a:solidFill>
-                  <a:srgbClr val="000000"/>
-                </a:solidFill>
                 <a:latin typeface="Arial"/>
               </a:rPr>
               <a:t>Siebte Gliederungsebene</a:t>
             </a:r>
             <a:endParaRPr b="0" lang="de-DE" sz="2000" spc="-1" strike="noStrike">
-              <a:solidFill>
-                <a:srgbClr val="000000"/>
-              </a:solidFill>
               <a:latin typeface="Arial"/>
             </a:endParaRPr>
           </a:p>
@@ -12847,7 +11136,7 @@
         <p:spPr>
           <a:xfrm>
             <a:off x="0" y="0"/>
-            <a:ext cx="12190680" cy="6856560"/>
+            <a:ext cx="12190320" cy="6856200"/>
           </a:xfrm>
           <a:prstGeom prst="rect">
             <a:avLst/>
@@ -12887,25 +11176,6 @@
           </a:effectRef>
           <a:fontRef idx="minor"/>
         </p:style>
-        <p:txBody>
-          <a:bodyPr lIns="90000" rIns="90000" tIns="45000" bIns="45000" anchor="ctr">
-            <a:noAutofit/>
-          </a:bodyPr>
-          <a:p>
-            <a:pPr algn="ctr">
-              <a:lnSpc>
-                <a:spcPct val="100000"/>
-              </a:lnSpc>
-            </a:pPr>
-            <a:endParaRPr b="0" lang="en-US" sz="1800" spc="-1" strike="noStrike">
-              <a:solidFill>
-                <a:schemeClr val="lt1"/>
-              </a:solidFill>
-              <a:latin typeface="CMU Serif"/>
-              <a:ea typeface="Arial Unicode MS"/>
-            </a:endParaRPr>
-          </a:p>
-        </p:txBody>
       </p:sp>
       <p:sp>
         <p:nvSpPr>
@@ -12935,22 +11205,40 @@
             <a:noAutofit/>
           </a:bodyPr>
           <a:p>
-            <a:pPr indent="0" algn="ctr">
+            <a:pPr algn="ctr">
               <a:buNone/>
             </a:pPr>
             <a:r>
               <a:rPr b="0" lang="de-DE" sz="4400" spc="-1" strike="noStrike">
-                <a:solidFill>
-                  <a:srgbClr val="000000"/>
-                </a:solidFill>
                 <a:latin typeface="Arial"/>
               </a:rPr>
-              <a:t>Format des Titeltextes durch Klicken bearbeiten</a:t>
+              <a:t>Format des </a:t>
+            </a:r>
+            <a:r>
+              <a:rPr b="0" lang="de-DE" sz="4400" spc="-1" strike="noStrike">
+                <a:latin typeface="Arial"/>
+              </a:rPr>
+              <a:t>Titeltextes </a:t>
+            </a:r>
+            <a:r>
+              <a:rPr b="0" lang="de-DE" sz="4400" spc="-1" strike="noStrike">
+                <a:latin typeface="Arial"/>
+              </a:rPr>
+              <a:t>durch </a:t>
+            </a:r>
+            <a:r>
+              <a:rPr b="0" lang="de-DE" sz="4400" spc="-1" strike="noStrike">
+                <a:latin typeface="Arial"/>
+              </a:rPr>
+              <a:t>Klicken </a:t>
+            </a:r>
+            <a:r>
+              <a:rPr b="0" lang="de-DE" sz="4400" spc="-1" strike="noStrike">
+                <a:latin typeface="Arial"/>
+              </a:rPr>
+              <a:t>bearbeiten</a:t>
             </a:r>
             <a:endParaRPr b="0" lang="de-DE" sz="4400" spc="-1" strike="noStrike">
-              <a:solidFill>
-                <a:srgbClr val="000000"/>
-              </a:solidFill>
               <a:latin typeface="Arial"/>
             </a:endParaRPr>
           </a:p>
@@ -12997,17 +11285,11 @@
             </a:pPr>
             <a:r>
               <a:rPr b="0" lang="de-DE" sz="3200" spc="-1" strike="noStrike">
-                <a:solidFill>
-                  <a:srgbClr val="000000"/>
-                </a:solidFill>
                 <a:latin typeface="Arial"/>
               </a:rPr>
               <a:t>Format des Gliederungstextes durch Klicken bearbeiten</a:t>
             </a:r>
             <a:endParaRPr b="0" lang="de-DE" sz="3200" spc="-1" strike="noStrike">
-              <a:solidFill>
-                <a:srgbClr val="000000"/>
-              </a:solidFill>
               <a:latin typeface="Arial"/>
             </a:endParaRPr>
           </a:p>
@@ -13025,17 +11307,11 @@
             </a:pPr>
             <a:r>
               <a:rPr b="0" lang="de-DE" sz="2800" spc="-1" strike="noStrike">
-                <a:solidFill>
-                  <a:srgbClr val="000000"/>
-                </a:solidFill>
                 <a:latin typeface="Arial"/>
               </a:rPr>
               <a:t>Zweite Gliederungsebene</a:t>
             </a:r>
             <a:endParaRPr b="0" lang="de-DE" sz="2800" spc="-1" strike="noStrike">
-              <a:solidFill>
-                <a:srgbClr val="000000"/>
-              </a:solidFill>
               <a:latin typeface="Arial"/>
             </a:endParaRPr>
           </a:p>
@@ -13053,17 +11329,11 @@
             </a:pPr>
             <a:r>
               <a:rPr b="0" lang="de-DE" sz="2400" spc="-1" strike="noStrike">
-                <a:solidFill>
-                  <a:srgbClr val="000000"/>
-                </a:solidFill>
                 <a:latin typeface="Arial"/>
               </a:rPr>
               <a:t>Dritte Gliederungsebene</a:t>
             </a:r>
             <a:endParaRPr b="0" lang="de-DE" sz="2400" spc="-1" strike="noStrike">
-              <a:solidFill>
-                <a:srgbClr val="000000"/>
-              </a:solidFill>
               <a:latin typeface="Arial"/>
             </a:endParaRPr>
           </a:p>
@@ -13081,17 +11351,11 @@
             </a:pPr>
             <a:r>
               <a:rPr b="0" lang="de-DE" sz="2000" spc="-1" strike="noStrike">
-                <a:solidFill>
-                  <a:srgbClr val="000000"/>
-                </a:solidFill>
                 <a:latin typeface="Arial"/>
               </a:rPr>
               <a:t>Vierte Gliederungsebene</a:t>
             </a:r>
             <a:endParaRPr b="0" lang="de-DE" sz="2000" spc="-1" strike="noStrike">
-              <a:solidFill>
-                <a:srgbClr val="000000"/>
-              </a:solidFill>
               <a:latin typeface="Arial"/>
             </a:endParaRPr>
           </a:p>
@@ -13109,17 +11373,11 @@
             </a:pPr>
             <a:r>
               <a:rPr b="0" lang="de-DE" sz="2000" spc="-1" strike="noStrike">
-                <a:solidFill>
-                  <a:srgbClr val="000000"/>
-                </a:solidFill>
                 <a:latin typeface="Arial"/>
               </a:rPr>
               <a:t>Fünfte Gliederungsebene</a:t>
             </a:r>
             <a:endParaRPr b="0" lang="de-DE" sz="2000" spc="-1" strike="noStrike">
-              <a:solidFill>
-                <a:srgbClr val="000000"/>
-              </a:solidFill>
               <a:latin typeface="Arial"/>
             </a:endParaRPr>
           </a:p>
@@ -13137,17 +11395,11 @@
             </a:pPr>
             <a:r>
               <a:rPr b="0" lang="de-DE" sz="2000" spc="-1" strike="noStrike">
-                <a:solidFill>
-                  <a:srgbClr val="000000"/>
-                </a:solidFill>
                 <a:latin typeface="Arial"/>
               </a:rPr>
               <a:t>Sechste Gliederungsebene</a:t>
             </a:r>
             <a:endParaRPr b="0" lang="de-DE" sz="2000" spc="-1" strike="noStrike">
-              <a:solidFill>
-                <a:srgbClr val="000000"/>
-              </a:solidFill>
               <a:latin typeface="Arial"/>
             </a:endParaRPr>
           </a:p>
@@ -13165,17 +11417,11 @@
             </a:pPr>
             <a:r>
               <a:rPr b="0" lang="de-DE" sz="2000" spc="-1" strike="noStrike">
-                <a:solidFill>
-                  <a:srgbClr val="000000"/>
-                </a:solidFill>
                 <a:latin typeface="Arial"/>
               </a:rPr>
               <a:t>Siebte Gliederungsebene</a:t>
             </a:r>
             <a:endParaRPr b="0" lang="de-DE" sz="2000" spc="-1" strike="noStrike">
-              <a:solidFill>
-                <a:srgbClr val="000000"/>
-              </a:solidFill>
               <a:latin typeface="Arial"/>
             </a:endParaRPr>
           </a:p>
@@ -13238,8 +11484,8 @@
         </p:blipFill>
         <p:spPr>
           <a:xfrm flipH="1">
-            <a:off x="597600" y="0"/>
-            <a:ext cx="11594520" cy="6856560"/>
+            <a:off x="597960" y="0"/>
+            <a:ext cx="11594160" cy="6856200"/>
           </a:xfrm>
           <a:prstGeom prst="rect">
             <a:avLst/>
@@ -13277,22 +11523,40 @@
             <a:noAutofit/>
           </a:bodyPr>
           <a:p>
-            <a:pPr indent="0" algn="ctr">
+            <a:pPr algn="ctr">
               <a:buNone/>
             </a:pPr>
             <a:r>
               <a:rPr b="0" lang="de-DE" sz="4400" spc="-1" strike="noStrike">
-                <a:solidFill>
-                  <a:srgbClr val="000000"/>
-                </a:solidFill>
                 <a:latin typeface="Arial"/>
               </a:rPr>
-              <a:t>Format des Titeltextes durch Klicken bearbeiten</a:t>
+              <a:t>Format des </a:t>
+            </a:r>
+            <a:r>
+              <a:rPr b="0" lang="de-DE" sz="4400" spc="-1" strike="noStrike">
+                <a:latin typeface="Arial"/>
+              </a:rPr>
+              <a:t>Titeltextes </a:t>
+            </a:r>
+            <a:r>
+              <a:rPr b="0" lang="de-DE" sz="4400" spc="-1" strike="noStrike">
+                <a:latin typeface="Arial"/>
+              </a:rPr>
+              <a:t>durch </a:t>
+            </a:r>
+            <a:r>
+              <a:rPr b="0" lang="de-DE" sz="4400" spc="-1" strike="noStrike">
+                <a:latin typeface="Arial"/>
+              </a:rPr>
+              <a:t>Klicken </a:t>
+            </a:r>
+            <a:r>
+              <a:rPr b="0" lang="de-DE" sz="4400" spc="-1" strike="noStrike">
+                <a:latin typeface="Arial"/>
+              </a:rPr>
+              <a:t>bearbeiten</a:t>
             </a:r>
             <a:endParaRPr b="0" lang="de-DE" sz="4400" spc="-1" strike="noStrike">
-              <a:solidFill>
-                <a:srgbClr val="000000"/>
-              </a:solidFill>
               <a:latin typeface="Arial"/>
             </a:endParaRPr>
           </a:p>
@@ -13339,17 +11603,11 @@
             </a:pPr>
             <a:r>
               <a:rPr b="0" lang="de-DE" sz="3200" spc="-1" strike="noStrike">
-                <a:solidFill>
-                  <a:srgbClr val="000000"/>
-                </a:solidFill>
                 <a:latin typeface="Arial"/>
               </a:rPr>
               <a:t>Format des Gliederungstextes durch Klicken bearbeiten</a:t>
             </a:r>
             <a:endParaRPr b="0" lang="de-DE" sz="3200" spc="-1" strike="noStrike">
-              <a:solidFill>
-                <a:srgbClr val="000000"/>
-              </a:solidFill>
               <a:latin typeface="Arial"/>
             </a:endParaRPr>
           </a:p>
@@ -13367,17 +11625,11 @@
             </a:pPr>
             <a:r>
               <a:rPr b="0" lang="de-DE" sz="2800" spc="-1" strike="noStrike">
-                <a:solidFill>
-                  <a:srgbClr val="000000"/>
-                </a:solidFill>
                 <a:latin typeface="Arial"/>
               </a:rPr>
               <a:t>Zweite Gliederungsebene</a:t>
             </a:r>
             <a:endParaRPr b="0" lang="de-DE" sz="2800" spc="-1" strike="noStrike">
-              <a:solidFill>
-                <a:srgbClr val="000000"/>
-              </a:solidFill>
               <a:latin typeface="Arial"/>
             </a:endParaRPr>
           </a:p>
@@ -13395,17 +11647,11 @@
             </a:pPr>
             <a:r>
               <a:rPr b="0" lang="de-DE" sz="2400" spc="-1" strike="noStrike">
-                <a:solidFill>
-                  <a:srgbClr val="000000"/>
-                </a:solidFill>
                 <a:latin typeface="Arial"/>
               </a:rPr>
               <a:t>Dritte Gliederungsebene</a:t>
             </a:r>
             <a:endParaRPr b="0" lang="de-DE" sz="2400" spc="-1" strike="noStrike">
-              <a:solidFill>
-                <a:srgbClr val="000000"/>
-              </a:solidFill>
               <a:latin typeface="Arial"/>
             </a:endParaRPr>
           </a:p>
@@ -13423,17 +11669,11 @@
             </a:pPr>
             <a:r>
               <a:rPr b="0" lang="de-DE" sz="2000" spc="-1" strike="noStrike">
-                <a:solidFill>
-                  <a:srgbClr val="000000"/>
-                </a:solidFill>
                 <a:latin typeface="Arial"/>
               </a:rPr>
               <a:t>Vierte Gliederungsebene</a:t>
             </a:r>
             <a:endParaRPr b="0" lang="de-DE" sz="2000" spc="-1" strike="noStrike">
-              <a:solidFill>
-                <a:srgbClr val="000000"/>
-              </a:solidFill>
               <a:latin typeface="Arial"/>
             </a:endParaRPr>
           </a:p>
@@ -13451,17 +11691,11 @@
             </a:pPr>
             <a:r>
               <a:rPr b="0" lang="de-DE" sz="2000" spc="-1" strike="noStrike">
-                <a:solidFill>
-                  <a:srgbClr val="000000"/>
-                </a:solidFill>
                 <a:latin typeface="Arial"/>
               </a:rPr>
               <a:t>Fünfte Gliederungsebene</a:t>
             </a:r>
             <a:endParaRPr b="0" lang="de-DE" sz="2000" spc="-1" strike="noStrike">
-              <a:solidFill>
-                <a:srgbClr val="000000"/>
-              </a:solidFill>
               <a:latin typeface="Arial"/>
             </a:endParaRPr>
           </a:p>
@@ -13479,17 +11713,11 @@
             </a:pPr>
             <a:r>
               <a:rPr b="0" lang="de-DE" sz="2000" spc="-1" strike="noStrike">
-                <a:solidFill>
-                  <a:srgbClr val="000000"/>
-                </a:solidFill>
                 <a:latin typeface="Arial"/>
               </a:rPr>
               <a:t>Sechste Gliederungsebene</a:t>
             </a:r>
             <a:endParaRPr b="0" lang="de-DE" sz="2000" spc="-1" strike="noStrike">
-              <a:solidFill>
-                <a:srgbClr val="000000"/>
-              </a:solidFill>
               <a:latin typeface="Arial"/>
             </a:endParaRPr>
           </a:p>
@@ -13507,17 +11735,11 @@
             </a:pPr>
             <a:r>
               <a:rPr b="0" lang="de-DE" sz="2000" spc="-1" strike="noStrike">
-                <a:solidFill>
-                  <a:srgbClr val="000000"/>
-                </a:solidFill>
                 <a:latin typeface="Arial"/>
               </a:rPr>
               <a:t>Siebte Gliederungsebene</a:t>
             </a:r>
             <a:endParaRPr b="0" lang="de-DE" sz="2000" spc="-1" strike="noStrike">
-              <a:solidFill>
-                <a:srgbClr val="000000"/>
-              </a:solidFill>
               <a:latin typeface="Arial"/>
             </a:endParaRPr>
           </a:p>
@@ -13573,7 +11795,7 @@
         <p:spPr>
           <a:xfrm>
             <a:off x="0" y="360"/>
-            <a:ext cx="12190680" cy="6856200"/>
+            <a:ext cx="12190320" cy="6855840"/>
           </a:xfrm>
           <a:prstGeom prst="rect">
             <a:avLst/>
@@ -13592,7 +11814,7 @@
         <p:spPr>
           <a:xfrm>
             <a:off x="6877800" y="1430280"/>
-            <a:ext cx="4822920" cy="1918080"/>
+            <a:ext cx="4822560" cy="1918080"/>
           </a:xfrm>
           <a:prstGeom prst="rect">
             <a:avLst/>
@@ -13617,6 +11839,7 @@
               <a:lnSpc>
                 <a:spcPct val="100000"/>
               </a:lnSpc>
+              <a:buNone/>
             </a:pPr>
             <a:r>
               <a:rPr b="1" lang="de-DE" sz="6000" spc="-1" strike="noStrike">
@@ -13629,9 +11852,6 @@
               <a:t>Machine Learning</a:t>
             </a:r>
             <a:endParaRPr b="0" lang="de-DE" sz="6000" spc="-1" strike="noStrike">
-              <a:solidFill>
-                <a:srgbClr val="000000"/>
-              </a:solidFill>
               <a:latin typeface="Arial"/>
             </a:endParaRPr>
           </a:p>
@@ -13646,7 +11866,7 @@
         <p:spPr>
           <a:xfrm>
             <a:off x="7379640" y="3132720"/>
-            <a:ext cx="3819960" cy="3157920"/>
+            <a:ext cx="3819600" cy="3157920"/>
           </a:xfrm>
           <a:prstGeom prst="rect">
             <a:avLst/>
@@ -13671,6 +11891,7 @@
               <a:lnSpc>
                 <a:spcPct val="100000"/>
               </a:lnSpc>
+              <a:buNone/>
             </a:pPr>
             <a:r>
               <a:rPr b="0" lang="de-DE" sz="1900" spc="-1" strike="noStrike">
@@ -13683,9 +11904,6 @@
               <a:t>Analyse der Gebrauchtwagen und deren Preise in Deutschland</a:t>
             </a:r>
             <a:endParaRPr b="0" lang="de-DE" sz="1900" spc="-1" strike="noStrike">
-              <a:solidFill>
-                <a:srgbClr val="000000"/>
-              </a:solidFill>
               <a:latin typeface="Arial"/>
             </a:endParaRPr>
           </a:p>
@@ -13694,11 +11912,9 @@
               <a:lnSpc>
                 <a:spcPct val="100000"/>
               </a:lnSpc>
+              <a:buNone/>
             </a:pPr>
             <a:endParaRPr b="0" lang="de-DE" sz="1870" spc="-1" strike="noStrike">
-              <a:solidFill>
-                <a:srgbClr val="000000"/>
-              </a:solidFill>
               <a:latin typeface="Arial"/>
             </a:endParaRPr>
           </a:p>
@@ -13707,11 +11923,9 @@
               <a:lnSpc>
                 <a:spcPct val="100000"/>
               </a:lnSpc>
+              <a:buNone/>
             </a:pPr>
             <a:endParaRPr b="0" lang="de-DE" sz="1870" spc="-1" strike="noStrike">
-              <a:solidFill>
-                <a:srgbClr val="000000"/>
-              </a:solidFill>
               <a:latin typeface="Arial"/>
             </a:endParaRPr>
           </a:p>
@@ -13720,6 +11934,7 @@
               <a:lnSpc>
                 <a:spcPct val="100000"/>
               </a:lnSpc>
+              <a:buNone/>
             </a:pPr>
             <a:r>
               <a:rPr b="0" lang="de-DE" sz="2400" spc="-1" strike="noStrike">
@@ -13732,9 +11947,6 @@
               <a:t>Vorgestellt von</a:t>
             </a:r>
             <a:endParaRPr b="0" lang="de-DE" sz="2400" spc="-1" strike="noStrike">
-              <a:solidFill>
-                <a:srgbClr val="000000"/>
-              </a:solidFill>
               <a:latin typeface="Arial"/>
             </a:endParaRPr>
           </a:p>
@@ -13743,11 +11955,9 @@
               <a:lnSpc>
                 <a:spcPct val="100000"/>
               </a:lnSpc>
+              <a:buNone/>
             </a:pPr>
             <a:endParaRPr b="0" lang="de-DE" sz="700" spc="-1" strike="noStrike">
-              <a:solidFill>
-                <a:srgbClr val="000000"/>
-              </a:solidFill>
               <a:latin typeface="Arial"/>
             </a:endParaRPr>
           </a:p>
@@ -13756,6 +11966,7 @@
               <a:lnSpc>
                 <a:spcPct val="100000"/>
               </a:lnSpc>
+              <a:buNone/>
             </a:pPr>
             <a:r>
               <a:rPr b="0" lang="de-DE" sz="1900" spc="-1" strike="noStrike">
@@ -13768,9 +11979,6 @@
               <a:t>Peter Okruhlica</a:t>
             </a:r>
             <a:endParaRPr b="0" lang="de-DE" sz="1900" spc="-1" strike="noStrike">
-              <a:solidFill>
-                <a:srgbClr val="000000"/>
-              </a:solidFill>
               <a:latin typeface="Arial"/>
             </a:endParaRPr>
           </a:p>
@@ -13779,6 +11987,7 @@
               <a:lnSpc>
                 <a:spcPct val="100000"/>
               </a:lnSpc>
+              <a:buNone/>
             </a:pPr>
             <a:r>
               <a:rPr b="0" lang="de-DE" sz="1900" spc="-1" strike="noStrike">
@@ -13791,9 +12000,6 @@
               <a:t>Nico Dilger</a:t>
             </a:r>
             <a:endParaRPr b="0" lang="de-DE" sz="1900" spc="-1" strike="noStrike">
-              <a:solidFill>
-                <a:srgbClr val="000000"/>
-              </a:solidFill>
               <a:latin typeface="Arial"/>
             </a:endParaRPr>
           </a:p>
@@ -13802,6 +12008,7 @@
               <a:lnSpc>
                 <a:spcPct val="100000"/>
               </a:lnSpc>
+              <a:buNone/>
             </a:pPr>
             <a:r>
               <a:rPr b="0" lang="de-DE" sz="1900" spc="-1" strike="noStrike">
@@ -13814,9 +12021,6 @@
               <a:t>am xx.xx.2025</a:t>
             </a:r>
             <a:endParaRPr b="0" lang="de-DE" sz="1900" spc="-1" strike="noStrike">
-              <a:solidFill>
-                <a:srgbClr val="000000"/>
-              </a:solidFill>
               <a:latin typeface="Arial"/>
             </a:endParaRPr>
           </a:p>
@@ -13825,11 +12029,9 @@
               <a:lnSpc>
                 <a:spcPct val="100000"/>
               </a:lnSpc>
+              <a:buNone/>
             </a:pPr>
             <a:endParaRPr b="0" lang="de-DE" sz="1900" spc="-1" strike="noStrike">
-              <a:solidFill>
-                <a:srgbClr val="000000"/>
-              </a:solidFill>
               <a:latin typeface="Arial"/>
             </a:endParaRPr>
           </a:p>
@@ -13878,7 +12080,7 @@
         <p:spPr>
           <a:xfrm>
             <a:off x="2063160" y="443520"/>
-            <a:ext cx="8064720" cy="644760"/>
+            <a:ext cx="8064360" cy="644400"/>
           </a:xfrm>
           <a:prstGeom prst="rect">
             <a:avLst/>
@@ -13893,7 +12095,7 @@
             <a:noAutofit/>
           </a:bodyPr>
           <a:p>
-            <a:pPr marL="228600" indent="0">
+            <a:pPr marL="228600">
               <a:lnSpc>
                 <a:spcPct val="90000"/>
               </a:lnSpc>
@@ -13916,9 +12118,6 @@
               <a:t>Bereinigung der Daten 5</a:t>
             </a:r>
             <a:endParaRPr b="0" lang="de-DE" sz="4000" spc="-1" strike="noStrike">
-              <a:solidFill>
-                <a:srgbClr val="000000"/>
-              </a:solidFill>
               <a:latin typeface="Arial"/>
             </a:endParaRPr>
           </a:p>
@@ -13938,7 +12137,7 @@
         <p:spPr>
           <a:xfrm>
             <a:off x="2352600" y="1267920"/>
-            <a:ext cx="7485480" cy="4849920"/>
+            <a:ext cx="7485120" cy="4849560"/>
           </a:xfrm>
           <a:prstGeom prst="rect">
             <a:avLst/>
@@ -13957,7 +12156,7 @@
         <p:spPr>
           <a:xfrm>
             <a:off x="637200" y="6230520"/>
-            <a:ext cx="9952560" cy="363960"/>
+            <a:ext cx="9952200" cy="363960"/>
           </a:xfrm>
           <a:prstGeom prst="rect">
             <a:avLst/>
@@ -13982,6 +12181,7 @@
               <a:lnSpc>
                 <a:spcPct val="100000"/>
               </a:lnSpc>
+              <a:buNone/>
             </a:pPr>
             <a:r>
               <a:rPr b="1" lang="de-DE" sz="1800" spc="-1" strike="noStrike">
@@ -13994,9 +12194,6 @@
               <a:t>Der Sprung beträgt ca. 7000 €</a:t>
             </a:r>
             <a:endParaRPr b="0" lang="de-DE" sz="1800" spc="-1" strike="noStrike">
-              <a:solidFill>
-                <a:srgbClr val="000000"/>
-              </a:solidFill>
               <a:latin typeface="Arial"/>
             </a:endParaRPr>
           </a:p>
@@ -14045,7 +12242,7 @@
         <p:spPr>
           <a:xfrm>
             <a:off x="2063160" y="443520"/>
-            <a:ext cx="8064720" cy="644760"/>
+            <a:ext cx="8064360" cy="644400"/>
           </a:xfrm>
           <a:prstGeom prst="rect">
             <a:avLst/>
@@ -14060,7 +12257,7 @@
             <a:noAutofit/>
           </a:bodyPr>
           <a:p>
-            <a:pPr marL="228600" indent="0">
+            <a:pPr marL="228600">
               <a:lnSpc>
                 <a:spcPct val="90000"/>
               </a:lnSpc>
@@ -14083,9 +12280,6 @@
               <a:t>Bereinigung der Daten 5</a:t>
             </a:r>
             <a:endParaRPr b="0" lang="de-DE" sz="4000" spc="-1" strike="noStrike">
-              <a:solidFill>
-                <a:srgbClr val="000000"/>
-              </a:solidFill>
               <a:latin typeface="Arial"/>
             </a:endParaRPr>
           </a:p>
@@ -14100,7 +12294,7 @@
         <p:spPr>
           <a:xfrm>
             <a:off x="628560" y="1512000"/>
-            <a:ext cx="9952560" cy="638280"/>
+            <a:ext cx="9952200" cy="638280"/>
           </a:xfrm>
           <a:prstGeom prst="rect">
             <a:avLst/>
@@ -14142,9 +12336,6 @@
               <a:t>Klassifiziert man die Autos anhand dieses Sprungs, wird nochmal deutlich, wie wichtig die neue Variable brand_type ist.</a:t>
             </a:r>
             <a:endParaRPr b="0" lang="de-DE" sz="1800" spc="-1" strike="noStrike">
-              <a:solidFill>
-                <a:srgbClr val="000000"/>
-              </a:solidFill>
               <a:latin typeface="Arial"/>
             </a:endParaRPr>
           </a:p>
@@ -14163,7 +12354,7 @@
         <p:spPr>
           <a:xfrm>
             <a:off x="1131840" y="2229120"/>
-            <a:ext cx="4472280" cy="4184280"/>
+            <a:ext cx="4471920" cy="4183920"/>
           </a:xfrm>
           <a:prstGeom prst="rect">
             <a:avLst/>
@@ -14216,7 +12407,7 @@
         <p:spPr>
           <a:xfrm>
             <a:off x="2063160" y="443520"/>
-            <a:ext cx="8064720" cy="644760"/>
+            <a:ext cx="8064360" cy="644400"/>
           </a:xfrm>
           <a:prstGeom prst="rect">
             <a:avLst/>
@@ -14231,7 +12422,7 @@
             <a:noAutofit/>
           </a:bodyPr>
           <a:p>
-            <a:pPr marL="228600" indent="0">
+            <a:pPr marL="228600">
               <a:lnSpc>
                 <a:spcPct val="90000"/>
               </a:lnSpc>
@@ -14254,9 +12445,6 @@
               <a:t>Ergebnis</a:t>
             </a:r>
             <a:endParaRPr b="0" lang="de-DE" sz="4000" spc="-1" strike="noStrike">
-              <a:solidFill>
-                <a:srgbClr val="000000"/>
-              </a:solidFill>
               <a:latin typeface="Arial"/>
             </a:endParaRPr>
           </a:p>
@@ -14271,7 +12459,7 @@
         <p:spPr>
           <a:xfrm>
             <a:off x="628560" y="1512000"/>
-            <a:ext cx="9952560" cy="912600"/>
+            <a:ext cx="9952200" cy="912600"/>
           </a:xfrm>
           <a:prstGeom prst="rect">
             <a:avLst/>
@@ -14313,9 +12501,6 @@
               <a:t>Durch unsere Analyse und Bereinigung haben wir:</a:t>
             </a:r>
             <a:endParaRPr b="0" lang="de-DE" sz="1800" spc="-1" strike="noStrike">
-              <a:solidFill>
-                <a:srgbClr val="000000"/>
-              </a:solidFill>
               <a:latin typeface="Arial"/>
             </a:endParaRPr>
           </a:p>
@@ -14324,6 +12509,7 @@
               <a:lnSpc>
                 <a:spcPct val="100000"/>
               </a:lnSpc>
+              <a:buNone/>
             </a:pPr>
             <a:r>
               <a:rPr b="0" lang="de-DE" sz="1800" spc="-1" strike="noStrike">
@@ -14346,9 +12532,6 @@
               <a:t>- die Anzahl der Variablen reduziert von 15 -&gt; 8</a:t>
             </a:r>
             <a:endParaRPr b="0" lang="de-DE" sz="1800" spc="-1" strike="noStrike">
-              <a:solidFill>
-                <a:srgbClr val="000000"/>
-              </a:solidFill>
               <a:latin typeface="Arial"/>
             </a:endParaRPr>
           </a:p>
@@ -14357,6 +12540,7 @@
               <a:lnSpc>
                 <a:spcPct val="100000"/>
               </a:lnSpc>
+              <a:buNone/>
             </a:pPr>
             <a:r>
               <a:rPr b="0" lang="de-DE" sz="1800" spc="-1" strike="noStrike">
@@ -14379,9 +12563,6 @@
               <a:t>- die Anzahl der Einträge reduzieret von 100.000 -&gt; 88.507</a:t>
             </a:r>
             <a:endParaRPr b="0" lang="de-DE" sz="1800" spc="-1" strike="noStrike">
-              <a:solidFill>
-                <a:srgbClr val="000000"/>
-              </a:solidFill>
               <a:latin typeface="Arial"/>
             </a:endParaRPr>
           </a:p>
@@ -14426,7 +12607,7 @@
         <p:spPr>
           <a:xfrm>
             <a:off x="5686920" y="2698200"/>
-            <a:ext cx="6327000" cy="1460880"/>
+            <a:ext cx="6326640" cy="1460880"/>
           </a:xfrm>
           <a:prstGeom prst="rect">
             <a:avLst/>
@@ -14454,6 +12635,7 @@
               <a:spcAft>
                 <a:spcPts val="601"/>
               </a:spcAft>
+              <a:buNone/>
             </a:pPr>
             <a:r>
               <a:rPr b="1" lang="de-DE" sz="5500" spc="-1" strike="noStrike">
@@ -14466,9 +12648,6 @@
               <a:t>2. Support Vector Machine</a:t>
             </a:r>
             <a:endParaRPr b="0" lang="de-DE" sz="5500" spc="-1" strike="noStrike">
-              <a:solidFill>
-                <a:srgbClr val="000000"/>
-              </a:solidFill>
               <a:latin typeface="Arial"/>
             </a:endParaRPr>
           </a:p>
@@ -14483,18 +12662,13 @@
         <p:spPr>
           <a:xfrm>
             <a:off x="673920" y="1688040"/>
-            <a:ext cx="5085360" cy="3127320"/>
+            <a:ext cx="5085000" cy="3126960"/>
           </a:xfrm>
           <a:custGeom>
             <a:avLst/>
-            <a:gdLst>
-              <a:gd name="textAreaLeft" fmla="*/ 0 w 5085360"/>
-              <a:gd name="textAreaRight" fmla="*/ 5086800 w 5085360"/>
-              <a:gd name="textAreaTop" fmla="*/ 0 h 3127320"/>
-              <a:gd name="textAreaBottom" fmla="*/ 3128760 h 3127320"/>
-            </a:gdLst>
+            <a:gdLst/>
             <a:ahLst/>
-            <a:rect l="textAreaLeft" t="textAreaTop" r="textAreaRight" b="textAreaBottom"/>
+            <a:rect l="l" t="t" r="r" b="b"/>
             <a:pathLst>
               <a:path w="5086770" h="3128874">
                 <a:moveTo>
@@ -14768,25 +12942,6 @@
           </a:effectRef>
           <a:fontRef idx="minor"/>
         </p:style>
-        <p:txBody>
-          <a:bodyPr lIns="90000" rIns="90000" tIns="45000" bIns="45000" anchor="ctr">
-            <a:noAutofit/>
-          </a:bodyPr>
-          <a:p>
-            <a:pPr algn="ctr">
-              <a:lnSpc>
-                <a:spcPct val="100000"/>
-              </a:lnSpc>
-            </a:pPr>
-            <a:endParaRPr b="0" lang="en-US" sz="1800" spc="-1" strike="noStrike">
-              <a:solidFill>
-                <a:schemeClr val="lt1"/>
-              </a:solidFill>
-              <a:latin typeface="CMU Serif"/>
-              <a:ea typeface="Arial Unicode MS"/>
-            </a:endParaRPr>
-          </a:p>
-        </p:txBody>
       </p:sp>
       <p:sp>
         <p:nvSpPr>
@@ -14797,7 +12952,7 @@
         <p:spPr>
           <a:xfrm>
             <a:off x="-39240" y="6496920"/>
-            <a:ext cx="12269520" cy="423720"/>
+            <a:ext cx="12269160" cy="423360"/>
           </a:xfrm>
           <a:prstGeom prst="rect">
             <a:avLst/>
@@ -14823,25 +12978,6 @@
           </a:effectRef>
           <a:fontRef idx="minor"/>
         </p:style>
-        <p:txBody>
-          <a:bodyPr lIns="90000" rIns="90000" tIns="45000" bIns="45000" anchor="ctr">
-            <a:noAutofit/>
-          </a:bodyPr>
-          <a:p>
-            <a:pPr algn="ctr">
-              <a:lnSpc>
-                <a:spcPct val="100000"/>
-              </a:lnSpc>
-            </a:pPr>
-            <a:endParaRPr b="0" lang="de-DE" sz="1800" spc="-1" strike="noStrike">
-              <a:solidFill>
-                <a:schemeClr val="lt1"/>
-              </a:solidFill>
-              <a:latin typeface="CMU Serif"/>
-              <a:ea typeface="Arial Unicode MS"/>
-            </a:endParaRPr>
-          </a:p>
-        </p:txBody>
       </p:sp>
     </p:spTree>
   </p:cSld>
@@ -14886,7 +13022,7 @@
         <p:spPr>
           <a:xfrm>
             <a:off x="2063160" y="443520"/>
-            <a:ext cx="8064720" cy="644760"/>
+            <a:ext cx="8064360" cy="644400"/>
           </a:xfrm>
           <a:prstGeom prst="rect">
             <a:avLst/>
@@ -14901,7 +13037,7 @@
             <a:noAutofit/>
           </a:bodyPr>
           <a:p>
-            <a:pPr marL="228600" indent="0">
+            <a:pPr marL="228600">
               <a:lnSpc>
                 <a:spcPct val="90000"/>
               </a:lnSpc>
@@ -14924,9 +13060,6 @@
               <a:t>Support Vector Machines</a:t>
             </a:r>
             <a:endParaRPr b="0" lang="de-DE" sz="4000" spc="-1" strike="noStrike">
-              <a:solidFill>
-                <a:srgbClr val="000000"/>
-              </a:solidFill>
               <a:latin typeface="Arial"/>
             </a:endParaRPr>
           </a:p>
@@ -14941,7 +13074,7 @@
         <p:spPr>
           <a:xfrm>
             <a:off x="628560" y="1512000"/>
-            <a:ext cx="9952560" cy="2558520"/>
+            <a:ext cx="9952200" cy="3655800"/>
           </a:xfrm>
           <a:prstGeom prst="rect">
             <a:avLst/>
@@ -14983,9 +13116,6 @@
               <a:t>Training der SVM auf train_val-Datensatz</a:t>
             </a:r>
             <a:endParaRPr b="0" lang="de-DE" sz="1800" spc="-1" strike="noStrike">
-              <a:solidFill>
-                <a:srgbClr val="000000"/>
-              </a:solidFill>
               <a:latin typeface="Arial"/>
             </a:endParaRPr>
           </a:p>
@@ -15011,9 +13141,6 @@
               <a:t>Erstes Ausführen mit Kreuzvalidierung war sehr langsam, weshalb wir eine andere Library verwendet haben, um Multithreading nutzen zu können</a:t>
             </a:r>
             <a:endParaRPr b="0" lang="de-DE" sz="1800" spc="-1" strike="noStrike">
-              <a:solidFill>
-                <a:srgbClr val="000000"/>
-              </a:solidFill>
               <a:latin typeface="Arial"/>
             </a:endParaRPr>
           </a:p>
@@ -15039,9 +13166,6 @@
               <a:t>Nach einigen Stunden Training, kamen als die optimalen Parameter:</a:t>
             </a:r>
             <a:endParaRPr b="0" lang="de-DE" sz="1800" spc="-1" strike="noStrike">
-              <a:solidFill>
-                <a:srgbClr val="000000"/>
-              </a:solidFill>
               <a:latin typeface="Arial"/>
             </a:endParaRPr>
           </a:p>
@@ -15068,9 +13192,6 @@
               <a:t>Sigma: 5</a:t>
             </a:r>
             <a:endParaRPr b="0" lang="de-DE" sz="1800" spc="-1" strike="noStrike">
-              <a:solidFill>
-                <a:srgbClr val="000000"/>
-              </a:solidFill>
               <a:latin typeface="Arial"/>
             </a:endParaRPr>
           </a:p>
@@ -15097,9 +13218,6 @@
               <a:t>C: 2</a:t>
             </a:r>
             <a:endParaRPr b="0" lang="de-DE" sz="1800" spc="-1" strike="noStrike">
-              <a:solidFill>
-                <a:srgbClr val="000000"/>
-              </a:solidFill>
               <a:latin typeface="Arial"/>
             </a:endParaRPr>
           </a:p>
@@ -15125,9 +13243,6 @@
               <a:t>==&gt; C ist in der mittleren Range, aber Sigma (hat mehr Potential TODO)</a:t>
             </a:r>
             <a:endParaRPr b="0" lang="de-DE" sz="1800" spc="-1" strike="noStrike">
-              <a:solidFill>
-                <a:srgbClr val="000000"/>
-              </a:solidFill>
               <a:latin typeface="Arial"/>
             </a:endParaRPr>
           </a:p>
@@ -15154,9 +13269,22 @@
               <a:t>Mit MAE: 3082.514</a:t>
             </a:r>
             <a:endParaRPr b="0" lang="de-DE" sz="1800" spc="-1" strike="noStrike">
-              <a:solidFill>
+              <a:latin typeface="Arial"/>
+            </a:endParaRPr>
+          </a:p>
+          <a:p>
+            <a:pPr lvl="1" marL="432000" indent="-216000">
+              <a:lnSpc>
+                <a:spcPct val="100000"/>
+              </a:lnSpc>
+              <a:buClr>
                 <a:srgbClr val="000000"/>
-              </a:solidFill>
+              </a:buClr>
+              <a:buSzPct val="45000"/>
+              <a:buFont typeface="Wingdings" charset="2"/>
+              <a:buChar char=""/>
+            </a:pPr>
+            <a:endParaRPr b="0" lang="de-DE" sz="1800" spc="-1" strike="noStrike">
               <a:latin typeface="Arial"/>
             </a:endParaRPr>
           </a:p>
@@ -15182,9 +13310,83 @@
               <a:t>Deshalb wurde nochmals trainiert mit angepasstem Tuning</a:t>
             </a:r>
             <a:endParaRPr b="0" lang="de-DE" sz="1800" spc="-1" strike="noStrike">
-              <a:solidFill>
+              <a:latin typeface="Arial"/>
+            </a:endParaRPr>
+          </a:p>
+          <a:p>
+            <a:pPr marL="285840" indent="-285840">
+              <a:lnSpc>
+                <a:spcPct val="100000"/>
+              </a:lnSpc>
+              <a:buClr>
                 <a:srgbClr val="000000"/>
-              </a:solidFill>
+              </a:buClr>
+              <a:buFont typeface="Arial"/>
+              <a:buChar char="•"/>
+            </a:pPr>
+            <a:r>
+              <a:rPr b="0" lang="de-DE" sz="1800" spc="-1" strike="noStrike">
+                <a:solidFill>
+                  <a:srgbClr val="000000"/>
+                </a:solidFill>
+                <a:latin typeface="Bahnschrift SemiLight"/>
+                <a:ea typeface="Arial Unicode MS"/>
+              </a:rPr>
+              <a:t>Ergebnis:</a:t>
+            </a:r>
+            <a:endParaRPr b="0" lang="de-DE" sz="1800" spc="-1" strike="noStrike">
+              <a:latin typeface="Arial"/>
+            </a:endParaRPr>
+          </a:p>
+          <a:p>
+            <a:pPr lvl="1" marL="432000" indent="-216000">
+              <a:lnSpc>
+                <a:spcPct val="100000"/>
+              </a:lnSpc>
+              <a:buClr>
+                <a:srgbClr val="000000"/>
+              </a:buClr>
+              <a:buSzPct val="45000"/>
+              <a:buFont typeface="Wingdings" charset="2"/>
+              <a:buChar char=""/>
+            </a:pPr>
+            <a:r>
+              <a:rPr b="0" lang="de-DE" sz="1800" spc="-1" strike="noStrike">
+                <a:solidFill>
+                  <a:srgbClr val="000000"/>
+                </a:solidFill>
+                <a:latin typeface="Bahnschrift SemiLight"/>
+                <a:ea typeface="Arial Unicode MS"/>
+              </a:rPr>
+              <a:t>Tuning nur minimale Auswirkungen auf MAE: 3076.228 </a:t>
+            </a:r>
+            <a:endParaRPr b="0" lang="de-DE" sz="1800" spc="-1" strike="noStrike">
+              <a:latin typeface="Arial"/>
+            </a:endParaRPr>
+          </a:p>
+          <a:p>
+            <a:pPr lvl="1" marL="432000" indent="-216000">
+              <a:lnSpc>
+                <a:spcPct val="100000"/>
+              </a:lnSpc>
+              <a:buClr>
+                <a:srgbClr val="000000"/>
+              </a:buClr>
+              <a:buSzPct val="45000"/>
+              <a:buFont typeface="Wingdings" charset="2"/>
+              <a:buChar char=""/>
+            </a:pPr>
+            <a:r>
+              <a:rPr b="0" lang="de-DE" sz="1800" spc="-1" strike="noStrike">
+                <a:solidFill>
+                  <a:srgbClr val="000000"/>
+                </a:solidFill>
+                <a:latin typeface="Bahnschrift SemiLight"/>
+                <a:ea typeface="Arial Unicode MS"/>
+              </a:rPr>
+              <a:t> </a:t>
+            </a:r>
+            <a:endParaRPr b="0" lang="de-DE" sz="1800" spc="-1" strike="noStrike">
               <a:latin typeface="Arial"/>
             </a:endParaRPr>
           </a:p>
@@ -15228,8 +13430,8 @@
         </p:nvSpPr>
         <p:spPr>
           <a:xfrm>
-            <a:off x="5686920" y="2698560"/>
-            <a:ext cx="6327000" cy="1460880"/>
+            <a:off x="5686920" y="2355480"/>
+            <a:ext cx="6326640" cy="2146680"/>
           </a:xfrm>
           <a:prstGeom prst="rect">
             <a:avLst/>
@@ -15257,6 +13459,7 @@
               <a:spcAft>
                 <a:spcPts val="601"/>
               </a:spcAft>
+              <a:buNone/>
             </a:pPr>
             <a:r>
               <a:rPr b="1" lang="de-DE" sz="5500" spc="-1" strike="noStrike">
@@ -15269,9 +13472,6 @@
               <a:t>3. Entscheidungs-Baum</a:t>
             </a:r>
             <a:endParaRPr b="0" lang="de-DE" sz="5500" spc="-1" strike="noStrike">
-              <a:solidFill>
-                <a:srgbClr val="000000"/>
-              </a:solidFill>
               <a:latin typeface="Arial"/>
             </a:endParaRPr>
           </a:p>
@@ -15286,18 +13486,13 @@
         <p:spPr>
           <a:xfrm>
             <a:off x="673920" y="1688040"/>
-            <a:ext cx="5085360" cy="3127320"/>
+            <a:ext cx="5085000" cy="3126960"/>
           </a:xfrm>
           <a:custGeom>
             <a:avLst/>
-            <a:gdLst>
-              <a:gd name="textAreaLeft" fmla="*/ 0 w 5085360"/>
-              <a:gd name="textAreaRight" fmla="*/ 5086800 w 5085360"/>
-              <a:gd name="textAreaTop" fmla="*/ 0 h 3127320"/>
-              <a:gd name="textAreaBottom" fmla="*/ 3128760 h 3127320"/>
-            </a:gdLst>
+            <a:gdLst/>
             <a:ahLst/>
-            <a:rect l="textAreaLeft" t="textAreaTop" r="textAreaRight" b="textAreaBottom"/>
+            <a:rect l="l" t="t" r="r" b="b"/>
             <a:pathLst>
               <a:path w="5086770" h="3128874">
                 <a:moveTo>
@@ -15571,25 +13766,6 @@
           </a:effectRef>
           <a:fontRef idx="minor"/>
         </p:style>
-        <p:txBody>
-          <a:bodyPr lIns="90000" rIns="90000" tIns="45000" bIns="45000" anchor="ctr">
-            <a:noAutofit/>
-          </a:bodyPr>
-          <a:p>
-            <a:pPr algn="ctr">
-              <a:lnSpc>
-                <a:spcPct val="100000"/>
-              </a:lnSpc>
-            </a:pPr>
-            <a:endParaRPr b="0" lang="en-US" sz="1800" spc="-1" strike="noStrike">
-              <a:solidFill>
-                <a:schemeClr val="lt1"/>
-              </a:solidFill>
-              <a:latin typeface="CMU Serif"/>
-              <a:ea typeface="Arial Unicode MS"/>
-            </a:endParaRPr>
-          </a:p>
-        </p:txBody>
       </p:sp>
       <p:sp>
         <p:nvSpPr>
@@ -15600,7 +13776,7 @@
         <p:spPr>
           <a:xfrm>
             <a:off x="-39240" y="6496920"/>
-            <a:ext cx="12269520" cy="423720"/>
+            <a:ext cx="12269160" cy="423360"/>
           </a:xfrm>
           <a:prstGeom prst="rect">
             <a:avLst/>
@@ -15626,25 +13802,6 @@
           </a:effectRef>
           <a:fontRef idx="minor"/>
         </p:style>
-        <p:txBody>
-          <a:bodyPr lIns="90000" rIns="90000" tIns="45000" bIns="45000" anchor="ctr">
-            <a:noAutofit/>
-          </a:bodyPr>
-          <a:p>
-            <a:pPr algn="ctr">
-              <a:lnSpc>
-                <a:spcPct val="100000"/>
-              </a:lnSpc>
-            </a:pPr>
-            <a:endParaRPr b="0" lang="de-DE" sz="1800" spc="-1" strike="noStrike">
-              <a:solidFill>
-                <a:schemeClr val="lt1"/>
-              </a:solidFill>
-              <a:latin typeface="CMU Serif"/>
-              <a:ea typeface="Arial Unicode MS"/>
-            </a:endParaRPr>
-          </a:p>
-        </p:txBody>
       </p:sp>
     </p:spTree>
   </p:cSld>
@@ -15689,7 +13846,7 @@
         <p:spPr>
           <a:xfrm>
             <a:off x="2063160" y="443520"/>
-            <a:ext cx="8064720" cy="644760"/>
+            <a:ext cx="8064360" cy="644400"/>
           </a:xfrm>
           <a:prstGeom prst="rect">
             <a:avLst/>
@@ -15704,7 +13861,7 @@
             <a:noAutofit/>
           </a:bodyPr>
           <a:p>
-            <a:pPr marL="228600" indent="0">
+            <a:pPr marL="228600">
               <a:lnSpc>
                 <a:spcPct val="90000"/>
               </a:lnSpc>
@@ -15727,9 +13884,6 @@
               <a:t>Entscheidungsbaum</a:t>
             </a:r>
             <a:endParaRPr b="0" lang="de-DE" sz="4000" spc="-1" strike="noStrike">
-              <a:solidFill>
-                <a:srgbClr val="000000"/>
-              </a:solidFill>
               <a:latin typeface="Arial"/>
             </a:endParaRPr>
           </a:p>
@@ -15748,7 +13902,7 @@
         <p:spPr>
           <a:xfrm>
             <a:off x="4860000" y="2777040"/>
-            <a:ext cx="7382520" cy="3962520"/>
+            <a:ext cx="7382160" cy="3962160"/>
           </a:xfrm>
           <a:prstGeom prst="rect">
             <a:avLst/>
@@ -15767,7 +13921,7 @@
         <p:spPr>
           <a:xfrm>
             <a:off x="628560" y="1512000"/>
-            <a:ext cx="9952560" cy="1735560"/>
+            <a:ext cx="9952200" cy="1735560"/>
           </a:xfrm>
           <a:prstGeom prst="rect">
             <a:avLst/>
@@ -15809,9 +13963,6 @@
               <a:t>Training auf train_val-Datensatz</a:t>
             </a:r>
             <a:endParaRPr b="0" lang="de-DE" sz="1800" spc="-1" strike="noStrike">
-              <a:solidFill>
-                <a:srgbClr val="000000"/>
-              </a:solidFill>
               <a:latin typeface="Arial"/>
             </a:endParaRPr>
           </a:p>
@@ -15837,9 +13988,6 @@
               <a:t>Tuning mit Kreuzvalidierung auf Anzahl der Blätter (Endknoten) des Baums</a:t>
             </a:r>
             <a:endParaRPr b="0" lang="de-DE" sz="1800" spc="-1" strike="noStrike">
-              <a:solidFill>
-                <a:srgbClr val="000000"/>
-              </a:solidFill>
               <a:latin typeface="Arial"/>
             </a:endParaRPr>
           </a:p>
@@ -15865,9 +14013,6 @@
               <a:t>Ergebnis:</a:t>
             </a:r>
             <a:endParaRPr b="0" lang="de-DE" sz="1800" spc="-1" strike="noStrike">
-              <a:solidFill>
-                <a:srgbClr val="000000"/>
-              </a:solidFill>
               <a:latin typeface="Arial"/>
             </a:endParaRPr>
           </a:p>
@@ -15894,9 +14039,6 @@
               <a:t>MAE: 4.898,059 €</a:t>
             </a:r>
             <a:endParaRPr b="0" lang="de-DE" sz="1800" spc="-1" strike="noStrike">
-              <a:solidFill>
-                <a:srgbClr val="000000"/>
-              </a:solidFill>
               <a:latin typeface="Arial"/>
             </a:endParaRPr>
           </a:p>
@@ -15923,27 +14065,17 @@
               <a:t>Kreuzvalidierung unnötig, das Anzahl der Blätter bereits optimal ist</a:t>
             </a:r>
             <a:endParaRPr b="0" lang="de-DE" sz="1800" spc="-1" strike="noStrike">
-              <a:solidFill>
-                <a:srgbClr val="000000"/>
-              </a:solidFill>
-              <a:latin typeface="Arial"/>
-            </a:endParaRPr>
-          </a:p>
-          <a:p>
-            <a:pPr marL="285840" indent="-285840">
+              <a:latin typeface="Arial"/>
+            </a:endParaRPr>
+          </a:p>
+          <a:p>
+            <a:pPr>
               <a:lnSpc>
                 <a:spcPct val="100000"/>
               </a:lnSpc>
-              <a:buClr>
-                <a:srgbClr val="000000"/>
-              </a:buClr>
-              <a:buFont typeface="Arial"/>
-              <a:buChar char="•"/>
+              <a:buNone/>
             </a:pPr>
             <a:endParaRPr b="0" lang="de-DE" sz="1800" spc="-1" strike="noStrike">
-              <a:solidFill>
-                <a:srgbClr val="000000"/>
-              </a:solidFill>
               <a:latin typeface="Arial"/>
             </a:endParaRPr>
           </a:p>
@@ -15988,7 +14120,7 @@
         <p:spPr>
           <a:xfrm>
             <a:off x="5686920" y="2698200"/>
-            <a:ext cx="6327000" cy="1460880"/>
+            <a:ext cx="6326640" cy="1460880"/>
           </a:xfrm>
           <a:prstGeom prst="rect">
             <a:avLst/>
@@ -16016,6 +14148,7 @@
               <a:spcAft>
                 <a:spcPts val="601"/>
               </a:spcAft>
+              <a:buNone/>
             </a:pPr>
             <a:r>
               <a:rPr b="1" lang="de-DE" sz="5500" spc="-1" strike="noStrike">
@@ -16028,9 +14161,6 @@
               <a:t>4. Neuronal Network</a:t>
             </a:r>
             <a:endParaRPr b="0" lang="de-DE" sz="5500" spc="-1" strike="noStrike">
-              <a:solidFill>
-                <a:srgbClr val="000000"/>
-              </a:solidFill>
               <a:latin typeface="Arial"/>
             </a:endParaRPr>
           </a:p>
@@ -16045,18 +14175,13 @@
         <p:spPr>
           <a:xfrm>
             <a:off x="673920" y="1688040"/>
-            <a:ext cx="5085360" cy="3127320"/>
+            <a:ext cx="5085000" cy="3126960"/>
           </a:xfrm>
           <a:custGeom>
             <a:avLst/>
-            <a:gdLst>
-              <a:gd name="textAreaLeft" fmla="*/ 0 w 5085360"/>
-              <a:gd name="textAreaRight" fmla="*/ 5086800 w 5085360"/>
-              <a:gd name="textAreaTop" fmla="*/ 0 h 3127320"/>
-              <a:gd name="textAreaBottom" fmla="*/ 3128760 h 3127320"/>
-            </a:gdLst>
+            <a:gdLst/>
             <a:ahLst/>
-            <a:rect l="textAreaLeft" t="textAreaTop" r="textAreaRight" b="textAreaBottom"/>
+            <a:rect l="l" t="t" r="r" b="b"/>
             <a:pathLst>
               <a:path w="5086770" h="3128874">
                 <a:moveTo>
@@ -16330,25 +14455,6 @@
           </a:effectRef>
           <a:fontRef idx="minor"/>
         </p:style>
-        <p:txBody>
-          <a:bodyPr lIns="90000" rIns="90000" tIns="45000" bIns="45000" anchor="ctr">
-            <a:noAutofit/>
-          </a:bodyPr>
-          <a:p>
-            <a:pPr algn="ctr">
-              <a:lnSpc>
-                <a:spcPct val="100000"/>
-              </a:lnSpc>
-            </a:pPr>
-            <a:endParaRPr b="0" lang="en-US" sz="1800" spc="-1" strike="noStrike">
-              <a:solidFill>
-                <a:schemeClr val="lt1"/>
-              </a:solidFill>
-              <a:latin typeface="CMU Serif"/>
-              <a:ea typeface="Arial Unicode MS"/>
-            </a:endParaRPr>
-          </a:p>
-        </p:txBody>
       </p:sp>
       <p:sp>
         <p:nvSpPr>
@@ -16359,7 +14465,7 @@
         <p:spPr>
           <a:xfrm>
             <a:off x="-39240" y="6496920"/>
-            <a:ext cx="12269520" cy="423720"/>
+            <a:ext cx="12269160" cy="423360"/>
           </a:xfrm>
           <a:prstGeom prst="rect">
             <a:avLst/>
@@ -16385,25 +14491,6 @@
           </a:effectRef>
           <a:fontRef idx="minor"/>
         </p:style>
-        <p:txBody>
-          <a:bodyPr lIns="90000" rIns="90000" tIns="45000" bIns="45000" anchor="ctr">
-            <a:noAutofit/>
-          </a:bodyPr>
-          <a:p>
-            <a:pPr algn="ctr">
-              <a:lnSpc>
-                <a:spcPct val="100000"/>
-              </a:lnSpc>
-            </a:pPr>
-            <a:endParaRPr b="0" lang="de-DE" sz="1800" spc="-1" strike="noStrike">
-              <a:solidFill>
-                <a:schemeClr val="lt1"/>
-              </a:solidFill>
-              <a:latin typeface="CMU Serif"/>
-              <a:ea typeface="Arial Unicode MS"/>
-            </a:endParaRPr>
-          </a:p>
-        </p:txBody>
       </p:sp>
     </p:spTree>
   </p:cSld>
@@ -16444,9 +14531,9 @@
         <p:grpSpPr>
           <a:xfrm>
             <a:off x="1313280" y="279720"/>
-            <a:ext cx="9400320" cy="3467160"/>
+            <a:ext cx="9399960" cy="3466800"/>
             <a:chOff x="1313280" y="279720"/>
-            <a:chExt cx="9400320" cy="3467160"/>
+            <a:chExt cx="9399960" cy="3466800"/>
           </a:xfrm>
         </p:grpSpPr>
         <p:grpSp>
@@ -16458,9 +14545,9 @@
           <p:grpSpPr>
             <a:xfrm>
               <a:off x="4695120" y="279720"/>
-              <a:ext cx="2625480" cy="3411000"/>
+              <a:ext cx="2625120" cy="3410640"/>
               <a:chOff x="4695120" y="279720"/>
-              <a:chExt cx="2625480" cy="3411000"/>
+              <a:chExt cx="2625120" cy="3410640"/>
             </a:xfrm>
           </p:grpSpPr>
           <p:sp>
@@ -16472,18 +14559,13 @@
             <p:spPr>
               <a:xfrm>
                 <a:off x="4695120" y="279720"/>
-                <a:ext cx="2625480" cy="3411000"/>
+                <a:ext cx="2625120" cy="3410640"/>
               </a:xfrm>
               <a:custGeom>
                 <a:avLst/>
-                <a:gdLst>
-                  <a:gd name="textAreaLeft" fmla="*/ 0 w 2625480"/>
-                  <a:gd name="textAreaRight" fmla="*/ 2626920 w 2625480"/>
-                  <a:gd name="textAreaTop" fmla="*/ 0 h 3411000"/>
-                  <a:gd name="textAreaBottom" fmla="*/ 3412440 h 3411000"/>
-                </a:gdLst>
+                <a:gdLst/>
                 <a:ahLst/>
-                <a:rect l="textAreaLeft" t="textAreaTop" r="textAreaRight" b="textAreaBottom"/>
+                <a:rect l="l" t="t" r="r" b="b"/>
                 <a:pathLst>
                   <a:path w="788240" h="1023975">
                     <a:moveTo>
@@ -16591,25 +14673,6 @@
               <a:effectRef idx="0"/>
               <a:fontRef idx="minor"/>
             </p:style>
-            <p:txBody>
-              <a:bodyPr lIns="90000" rIns="90000" tIns="45000" bIns="45000" anchor="ctr">
-                <a:noAutofit/>
-              </a:bodyPr>
-              <a:p>
-                <a:pPr>
-                  <a:lnSpc>
-                    <a:spcPct val="100000"/>
-                  </a:lnSpc>
-                </a:pPr>
-                <a:endParaRPr b="0" lang="en-US" sz="1800" spc="-1" strike="noStrike">
-                  <a:solidFill>
-                    <a:srgbClr val="000000"/>
-                  </a:solidFill>
-                  <a:latin typeface="CMU Serif"/>
-                  <a:ea typeface="Arial Unicode MS"/>
-                </a:endParaRPr>
-              </a:p>
-            </p:txBody>
           </p:sp>
           <p:grpSp>
             <p:nvGrpSpPr>
@@ -16620,9 +14683,9 @@
             <p:grpSpPr>
               <a:xfrm>
                 <a:off x="5502960" y="658080"/>
-                <a:ext cx="1325880" cy="1299240"/>
+                <a:ext cx="1325520" cy="1298880"/>
                 <a:chOff x="5502960" y="658080"/>
-                <a:chExt cx="1325880" cy="1299240"/>
+                <a:chExt cx="1325520" cy="1298880"/>
               </a:xfrm>
             </p:grpSpPr>
             <p:sp>
@@ -16634,18 +14697,13 @@
               <p:spPr>
                 <a:xfrm>
                   <a:off x="5502960" y="658080"/>
-                  <a:ext cx="1325880" cy="1299240"/>
+                  <a:ext cx="1325520" cy="1298880"/>
                 </a:xfrm>
                 <a:custGeom>
                   <a:avLst/>
-                  <a:gdLst>
-                    <a:gd name="textAreaLeft" fmla="*/ 0 w 1325880"/>
-                    <a:gd name="textAreaRight" fmla="*/ 1327320 w 1325880"/>
-                    <a:gd name="textAreaTop" fmla="*/ 0 h 1299240"/>
-                    <a:gd name="textAreaBottom" fmla="*/ 1300680 h 1299240"/>
-                  </a:gdLst>
+                  <a:gdLst/>
                   <a:ahLst/>
-                  <a:rect l="textAreaLeft" t="textAreaTop" r="textAreaRight" b="textAreaBottom"/>
+                  <a:rect l="l" t="t" r="r" b="b"/>
                   <a:pathLst>
                     <a:path w="476250" h="466725">
                       <a:moveTo>
@@ -17140,25 +15198,6 @@
                 <a:effectRef idx="0"/>
                 <a:fontRef idx="minor"/>
               </p:style>
-              <p:txBody>
-                <a:bodyPr lIns="90000" rIns="90000" tIns="45000" bIns="45000" anchor="ctr">
-                  <a:noAutofit/>
-                </a:bodyPr>
-                <a:p>
-                  <a:pPr>
-                    <a:lnSpc>
-                      <a:spcPct val="100000"/>
-                    </a:lnSpc>
-                  </a:pPr>
-                  <a:endParaRPr b="0" lang="en-US" sz="1800" spc="-1" strike="noStrike">
-                    <a:solidFill>
-                      <a:srgbClr val="000000"/>
-                    </a:solidFill>
-                    <a:latin typeface="CMU Serif"/>
-                    <a:ea typeface="Arial Unicode MS"/>
-                  </a:endParaRPr>
-                </a:p>
-              </p:txBody>
             </p:sp>
             <p:sp>
               <p:nvSpPr>
@@ -17169,18 +15208,13 @@
               <p:spPr>
                 <a:xfrm>
                   <a:off x="5824800" y="1128600"/>
-                  <a:ext cx="622800" cy="411120"/>
+                  <a:ext cx="622440" cy="410760"/>
                 </a:xfrm>
                 <a:custGeom>
                   <a:avLst/>
-                  <a:gdLst>
-                    <a:gd name="textAreaLeft" fmla="*/ 0 w 622800"/>
-                    <a:gd name="textAreaRight" fmla="*/ 624240 w 622800"/>
-                    <a:gd name="textAreaTop" fmla="*/ 0 h 411120"/>
-                    <a:gd name="textAreaBottom" fmla="*/ 412560 h 411120"/>
-                  </a:gdLst>
+                  <a:gdLst/>
                   <a:ahLst/>
-                  <a:rect l="textAreaLeft" t="textAreaTop" r="textAreaRight" b="textAreaBottom"/>
+                  <a:rect l="l" t="t" r="r" b="b"/>
                   <a:pathLst>
                     <a:path w="330249" h="218182">
                       <a:moveTo>
@@ -17257,25 +15291,6 @@
                 </a:effectRef>
                 <a:fontRef idx="minor"/>
               </p:style>
-              <p:txBody>
-                <a:bodyPr lIns="90000" rIns="90000" tIns="45000" bIns="45000" anchor="ctr">
-                  <a:noAutofit/>
-                </a:bodyPr>
-                <a:p>
-                  <a:pPr algn="ctr">
-                    <a:lnSpc>
-                      <a:spcPct val="100000"/>
-                    </a:lnSpc>
-                  </a:pPr>
-                  <a:endParaRPr b="0" lang="en-US" sz="1800" spc="-1" strike="noStrike">
-                    <a:solidFill>
-                      <a:schemeClr val="lt1"/>
-                    </a:solidFill>
-                    <a:latin typeface="CMU Serif"/>
-                    <a:ea typeface="Arial Unicode MS"/>
-                  </a:endParaRPr>
-                </a:p>
-              </p:txBody>
             </p:sp>
           </p:grpSp>
         </p:grpSp>
@@ -17288,7 +15303,7 @@
           <p:spPr>
             <a:xfrm>
               <a:off x="1313280" y="3684600"/>
-              <a:ext cx="9400320" cy="62280"/>
+              <a:ext cx="9399960" cy="61920"/>
             </a:xfrm>
             <a:prstGeom prst="rect">
               <a:avLst/>
@@ -17316,25 +15331,6 @@
             </a:effectRef>
             <a:fontRef idx="minor"/>
           </p:style>
-          <p:txBody>
-            <a:bodyPr lIns="90000" rIns="90000" tIns="18720" bIns="18720" anchor="ctr">
-              <a:noAutofit/>
-            </a:bodyPr>
-            <a:p>
-              <a:pPr algn="ctr">
-                <a:lnSpc>
-                  <a:spcPct val="100000"/>
-                </a:lnSpc>
-              </a:pPr>
-              <a:endParaRPr b="0" lang="en-US" sz="1800" spc="-1" strike="noStrike">
-                <a:solidFill>
-                  <a:schemeClr val="lt1"/>
-                </a:solidFill>
-                <a:latin typeface="CMU Serif"/>
-                <a:ea typeface="Arial Unicode MS"/>
-              </a:endParaRPr>
-            </a:p>
-          </p:txBody>
         </p:sp>
       </p:grpSp>
     </p:spTree>
@@ -17375,7 +15371,7 @@
         <p:spPr>
           <a:xfrm>
             <a:off x="690840" y="349200"/>
-            <a:ext cx="3406320" cy="791280"/>
+            <a:ext cx="3405960" cy="790920"/>
           </a:xfrm>
           <a:prstGeom prst="rect">
             <a:avLst/>
@@ -17390,7 +15386,7 @@
             <a:noAutofit/>
           </a:bodyPr>
           <a:p>
-            <a:pPr marL="228600" indent="0" algn="ctr">
+            <a:pPr marL="228600" algn="ctr">
               <a:lnSpc>
                 <a:spcPct val="100000"/>
               </a:lnSpc>
@@ -17413,9 +15409,6 @@
               <a:t>Content</a:t>
             </a:r>
             <a:endParaRPr b="0" lang="de-DE" sz="5400" spc="-1" strike="noStrike">
-              <a:solidFill>
-                <a:srgbClr val="000000"/>
-              </a:solidFill>
               <a:latin typeface="Arial"/>
             </a:endParaRPr>
           </a:p>
@@ -17430,7 +15423,7 @@
         <p:spPr>
           <a:xfrm>
             <a:off x="5390640" y="349200"/>
-            <a:ext cx="3406320" cy="791280"/>
+            <a:ext cx="3405960" cy="790920"/>
           </a:xfrm>
           <a:prstGeom prst="rect">
             <a:avLst/>
@@ -17458,6 +15451,7 @@
               <a:spcBef>
                 <a:spcPts val="1001"/>
               </a:spcBef>
+              <a:buNone/>
               <a:tabLst>
                 <a:tab algn="l" pos="0"/>
               </a:tabLst>
@@ -17473,9 +15467,6 @@
               <a:t>Content</a:t>
             </a:r>
             <a:endParaRPr b="0" lang="de-DE" sz="5400" spc="-1" strike="noStrike">
-              <a:solidFill>
-                <a:srgbClr val="000000"/>
-              </a:solidFill>
               <a:latin typeface="Arial"/>
             </a:endParaRPr>
           </a:p>
@@ -17520,7 +15511,7 @@
         <p:spPr>
           <a:xfrm>
             <a:off x="0" y="477720"/>
-            <a:ext cx="5445000" cy="775080"/>
+            <a:ext cx="5444640" cy="775080"/>
           </a:xfrm>
           <a:prstGeom prst="rect">
             <a:avLst/>
@@ -17545,6 +15536,7 @@
               <a:lnSpc>
                 <a:spcPts val="5400"/>
               </a:lnSpc>
+              <a:buNone/>
             </a:pPr>
             <a:r>
               <a:rPr b="1" lang="de-DE" sz="6000" spc="-1" strike="noStrike">
@@ -17557,9 +15549,6 @@
               <a:t>Gliederung</a:t>
             </a:r>
             <a:endParaRPr b="0" lang="de-DE" sz="6000" spc="-1" strike="noStrike">
-              <a:solidFill>
-                <a:srgbClr val="000000"/>
-              </a:solidFill>
               <a:latin typeface="Arial"/>
             </a:endParaRPr>
           </a:p>
@@ -17574,7 +15563,7 @@
         <p:spPr>
           <a:xfrm>
             <a:off x="762120" y="1355400"/>
-            <a:ext cx="8845920" cy="2284200"/>
+            <a:ext cx="8845560" cy="2284200"/>
           </a:xfrm>
           <a:prstGeom prst="rect">
             <a:avLst/>
@@ -17599,6 +15588,7 @@
               <a:lnSpc>
                 <a:spcPct val="100000"/>
               </a:lnSpc>
+              <a:buNone/>
             </a:pPr>
             <a:r>
               <a:rPr b="0" lang="de-DE" sz="1800" spc="-1" strike="noStrike">
@@ -17611,9 +15601,6 @@
               <a:t>Vorstellung des Datensatzes und Zweck der Analyse</a:t>
             </a:r>
             <a:endParaRPr b="0" lang="de-DE" sz="1800" spc="-1" strike="noStrike">
-              <a:solidFill>
-                <a:srgbClr val="000000"/>
-              </a:solidFill>
               <a:latin typeface="Arial"/>
             </a:endParaRPr>
           </a:p>
@@ -17622,6 +15609,7 @@
               <a:lnSpc>
                 <a:spcPct val="100000"/>
               </a:lnSpc>
+              <a:buNone/>
             </a:pPr>
             <a:r>
               <a:rPr b="0" lang="de-DE" sz="1800" spc="-1" strike="noStrike">
@@ -17634,9 +15622,6 @@
               <a:t>Bereinigung des Datensatzes</a:t>
             </a:r>
             <a:endParaRPr b="0" lang="de-DE" sz="1800" spc="-1" strike="noStrike">
-              <a:solidFill>
-                <a:srgbClr val="000000"/>
-              </a:solidFill>
               <a:latin typeface="Arial"/>
             </a:endParaRPr>
           </a:p>
@@ -17645,6 +15630,7 @@
               <a:lnSpc>
                 <a:spcPct val="100000"/>
               </a:lnSpc>
+              <a:buNone/>
             </a:pPr>
             <a:r>
               <a:rPr b="0" lang="de-DE" sz="1800" spc="-1" strike="noStrike">
@@ -17657,9 +15643,6 @@
               <a:t>Deskriptive Datenanalyse</a:t>
             </a:r>
             <a:endParaRPr b="0" lang="de-DE" sz="1800" spc="-1" strike="noStrike">
-              <a:solidFill>
-                <a:srgbClr val="000000"/>
-              </a:solidFill>
               <a:latin typeface="Arial"/>
             </a:endParaRPr>
           </a:p>
@@ -17668,6 +15651,7 @@
               <a:lnSpc>
                 <a:spcPct val="100000"/>
               </a:lnSpc>
+              <a:buNone/>
             </a:pPr>
             <a:r>
               <a:rPr b="0" lang="de-DE" sz="1800" spc="-1" strike="noStrike">
@@ -17680,9 +15664,6 @@
               <a:t>3 Maschinelle Lernverfahren:</a:t>
             </a:r>
             <a:endParaRPr b="0" lang="de-DE" sz="1800" spc="-1" strike="noStrike">
-              <a:solidFill>
-                <a:srgbClr val="000000"/>
-              </a:solidFill>
               <a:latin typeface="Arial"/>
             </a:endParaRPr>
           </a:p>
@@ -17691,6 +15672,7 @@
               <a:lnSpc>
                 <a:spcPct val="100000"/>
               </a:lnSpc>
+              <a:buNone/>
             </a:pPr>
             <a:r>
               <a:rPr b="0" lang="de-DE" sz="1800" spc="-1" strike="noStrike">
@@ -17713,9 +15695,6 @@
               <a:t>Maschinelles Lernverfahren 1</a:t>
             </a:r>
             <a:endParaRPr b="0" lang="de-DE" sz="1800" spc="-1" strike="noStrike">
-              <a:solidFill>
-                <a:srgbClr val="000000"/>
-              </a:solidFill>
               <a:latin typeface="Arial"/>
             </a:endParaRPr>
           </a:p>
@@ -17724,6 +15703,7 @@
               <a:lnSpc>
                 <a:spcPct val="100000"/>
               </a:lnSpc>
+              <a:buNone/>
             </a:pPr>
             <a:r>
               <a:rPr b="0" lang="de-DE" sz="1800" spc="-1" strike="noStrike">
@@ -17746,9 +15726,6 @@
               <a:t>Maschinelles Lernverfahren 2</a:t>
             </a:r>
             <a:endParaRPr b="0" lang="de-DE" sz="1800" spc="-1" strike="noStrike">
-              <a:solidFill>
-                <a:srgbClr val="000000"/>
-              </a:solidFill>
               <a:latin typeface="Arial"/>
             </a:endParaRPr>
           </a:p>
@@ -17757,6 +15734,7 @@
               <a:lnSpc>
                 <a:spcPct val="100000"/>
               </a:lnSpc>
+              <a:buNone/>
             </a:pPr>
             <a:r>
               <a:rPr b="0" lang="de-DE" sz="1800" spc="-1" strike="noStrike">
@@ -17779,9 +15757,6 @@
               <a:t>Maschinelles Lernverfahren 3</a:t>
             </a:r>
             <a:endParaRPr b="0" lang="de-DE" sz="1800" spc="-1" strike="noStrike">
-              <a:solidFill>
-                <a:srgbClr val="000000"/>
-              </a:solidFill>
               <a:latin typeface="Arial"/>
             </a:endParaRPr>
           </a:p>
@@ -17790,11 +15765,9 @@
               <a:lnSpc>
                 <a:spcPct val="100000"/>
               </a:lnSpc>
+              <a:buNone/>
             </a:pPr>
             <a:endParaRPr b="0" lang="de-DE" sz="1800" spc="-1" strike="noStrike">
-              <a:solidFill>
-                <a:srgbClr val="000000"/>
-              </a:solidFill>
               <a:latin typeface="Arial"/>
             </a:endParaRPr>
           </a:p>
@@ -17843,7 +15816,7 @@
         <p:spPr>
           <a:xfrm>
             <a:off x="1983960" y="380160"/>
-            <a:ext cx="8064720" cy="679680"/>
+            <a:ext cx="8064360" cy="679320"/>
           </a:xfrm>
           <a:prstGeom prst="rect">
             <a:avLst/>
@@ -17858,7 +15831,7 @@
             <a:normAutofit fontScale="79000"/>
           </a:bodyPr>
           <a:p>
-            <a:pPr marL="207720" indent="0" algn="ctr">
+            <a:pPr marL="207720" algn="ctr">
               <a:lnSpc>
                 <a:spcPct val="90000"/>
               </a:lnSpc>
@@ -17881,9 +15854,6 @@
               <a:t>Titel</a:t>
             </a:r>
             <a:endParaRPr b="0" lang="de-DE" sz="5400" spc="-1" strike="noStrike">
-              <a:solidFill>
-                <a:srgbClr val="000000"/>
-              </a:solidFill>
               <a:latin typeface="Arial"/>
             </a:endParaRPr>
           </a:p>
@@ -17927,8 +15897,8 @@
         </p:nvSpPr>
         <p:spPr>
           <a:xfrm>
-            <a:off x="354600" y="4205520"/>
-            <a:ext cx="4793400" cy="1468080"/>
+            <a:off x="354600" y="3900600"/>
+            <a:ext cx="4793040" cy="2077560"/>
           </a:xfrm>
           <a:prstGeom prst="rect">
             <a:avLst/>
@@ -17953,11 +15923,9 @@
               <a:lnSpc>
                 <a:spcPct val="100000"/>
               </a:lnSpc>
+              <a:buNone/>
             </a:pPr>
             <a:endParaRPr b="0" lang="de-DE" sz="1050" spc="-1" strike="noStrike">
-              <a:solidFill>
-                <a:srgbClr val="000000"/>
-              </a:solidFill>
               <a:latin typeface="Arial"/>
             </a:endParaRPr>
           </a:p>
@@ -17966,6 +15934,7 @@
               <a:lnSpc>
                 <a:spcPct val="100000"/>
               </a:lnSpc>
+              <a:buNone/>
             </a:pPr>
             <a:r>
               <a:rPr b="1" lang="de-DE" sz="4000" spc="-1" strike="noStrike">
@@ -17978,9 +15947,6 @@
               <a:t>Vielen Dank für </a:t>
             </a:r>
             <a:endParaRPr b="0" lang="de-DE" sz="4000" spc="-1" strike="noStrike">
-              <a:solidFill>
-                <a:srgbClr val="000000"/>
-              </a:solidFill>
               <a:latin typeface="Arial"/>
             </a:endParaRPr>
           </a:p>
@@ -17989,6 +15955,7 @@
               <a:lnSpc>
                 <a:spcPct val="100000"/>
               </a:lnSpc>
+              <a:buNone/>
             </a:pPr>
             <a:r>
               <a:rPr b="1" lang="de-DE" sz="4000" spc="-1" strike="noStrike">
@@ -18001,9 +15968,6 @@
               <a:t>Aufmerksamkeit</a:t>
             </a:r>
             <a:endParaRPr b="0" lang="de-DE" sz="4000" spc="-1" strike="noStrike">
-              <a:solidFill>
-                <a:srgbClr val="000000"/>
-              </a:solidFill>
               <a:latin typeface="Arial"/>
             </a:endParaRPr>
           </a:p>
@@ -18052,7 +16016,7 @@
         <p:spPr>
           <a:xfrm>
             <a:off x="1590840" y="240480"/>
-            <a:ext cx="8064720" cy="1017360"/>
+            <a:ext cx="8064360" cy="1017000"/>
           </a:xfrm>
           <a:prstGeom prst="rect">
             <a:avLst/>
@@ -18067,7 +16031,7 @@
             <a:normAutofit/>
           </a:bodyPr>
           <a:p>
-            <a:pPr marL="228600" indent="0" algn="ctr">
+            <a:pPr marL="228600" algn="ctr">
               <a:lnSpc>
                 <a:spcPct val="90000"/>
               </a:lnSpc>
@@ -18090,9 +16054,6 @@
               <a:t>Datensatz</a:t>
             </a:r>
             <a:endParaRPr b="0" lang="de-DE" sz="4600" spc="-1" strike="noStrike">
-              <a:solidFill>
-                <a:srgbClr val="000000"/>
-              </a:solidFill>
               <a:latin typeface="Arial"/>
             </a:endParaRPr>
           </a:p>
@@ -18107,7 +16068,7 @@
         <p:spPr>
           <a:xfrm>
             <a:off x="596160" y="1539000"/>
-            <a:ext cx="10998360" cy="5064120"/>
+            <a:ext cx="10998000" cy="5027400"/>
           </a:xfrm>
           <a:prstGeom prst="rect">
             <a:avLst/>
@@ -18171,9 +16132,6 @@
               <a:t> heruntergeladen.</a:t>
             </a:r>
             <a:endParaRPr b="0" lang="de-DE" sz="1800" spc="-1" strike="noStrike">
-              <a:solidFill>
-                <a:srgbClr val="000000"/>
-              </a:solidFill>
               <a:latin typeface="Arial"/>
             </a:endParaRPr>
           </a:p>
@@ -18199,9 +16157,6 @@
               <a:t>Beinhaltet 100.000 Einträge zu Gebrauchtwagen auf dem deutschen Markt zwischen den Jahren    1995-2023</a:t>
             </a:r>
             <a:endParaRPr b="0" lang="de-DE" sz="1800" spc="-1" strike="noStrike">
-              <a:solidFill>
-                <a:srgbClr val="000000"/>
-              </a:solidFill>
               <a:latin typeface="Arial"/>
             </a:endParaRPr>
           </a:p>
@@ -18210,11 +16165,9 @@
               <a:lnSpc>
                 <a:spcPct val="100000"/>
               </a:lnSpc>
+              <a:buNone/>
             </a:pPr>
             <a:endParaRPr b="0" lang="de-DE" sz="1800" spc="-1" strike="noStrike">
-              <a:solidFill>
-                <a:srgbClr val="000000"/>
-              </a:solidFill>
               <a:latin typeface="Arial"/>
             </a:endParaRPr>
           </a:p>
@@ -18223,11 +16176,9 @@
               <a:lnSpc>
                 <a:spcPct val="100000"/>
               </a:lnSpc>
+              <a:buNone/>
             </a:pPr>
             <a:endParaRPr b="0" lang="de-DE" sz="1800" spc="-1" strike="noStrike">
-              <a:solidFill>
-                <a:srgbClr val="000000"/>
-              </a:solidFill>
               <a:latin typeface="Arial"/>
             </a:endParaRPr>
           </a:p>
@@ -18236,11 +16187,9 @@
               <a:lnSpc>
                 <a:spcPct val="100000"/>
               </a:lnSpc>
+              <a:buNone/>
             </a:pPr>
             <a:endParaRPr b="0" lang="de-DE" sz="1800" spc="-1" strike="noStrike">
-              <a:solidFill>
-                <a:srgbClr val="000000"/>
-              </a:solidFill>
               <a:latin typeface="Arial"/>
             </a:endParaRPr>
           </a:p>
@@ -18249,11 +16198,9 @@
               <a:lnSpc>
                 <a:spcPct val="100000"/>
               </a:lnSpc>
+              <a:buNone/>
             </a:pPr>
             <a:endParaRPr b="0" lang="de-DE" sz="1800" spc="-1" strike="noStrike">
-              <a:solidFill>
-                <a:srgbClr val="000000"/>
-              </a:solidFill>
               <a:latin typeface="Arial"/>
             </a:endParaRPr>
           </a:p>
@@ -18262,11 +16209,9 @@
               <a:lnSpc>
                 <a:spcPct val="100000"/>
               </a:lnSpc>
+              <a:buNone/>
             </a:pPr>
             <a:endParaRPr b="0" lang="de-DE" sz="1800" spc="-1" strike="noStrike">
-              <a:solidFill>
-                <a:srgbClr val="000000"/>
-              </a:solidFill>
               <a:latin typeface="Arial"/>
             </a:endParaRPr>
           </a:p>
@@ -18275,11 +16220,9 @@
               <a:lnSpc>
                 <a:spcPct val="100000"/>
               </a:lnSpc>
+              <a:buNone/>
             </a:pPr>
             <a:endParaRPr b="0" lang="de-DE" sz="1800" spc="-1" strike="noStrike">
-              <a:solidFill>
-                <a:srgbClr val="000000"/>
-              </a:solidFill>
               <a:latin typeface="Arial"/>
             </a:endParaRPr>
           </a:p>
@@ -18288,11 +16231,9 @@
               <a:lnSpc>
                 <a:spcPct val="100000"/>
               </a:lnSpc>
+              <a:buNone/>
             </a:pPr>
             <a:endParaRPr b="0" lang="de-DE" sz="1800" spc="-1" strike="noStrike">
-              <a:solidFill>
-                <a:srgbClr val="000000"/>
-              </a:solidFill>
               <a:latin typeface="Arial"/>
             </a:endParaRPr>
           </a:p>
@@ -18301,11 +16242,9 @@
               <a:lnSpc>
                 <a:spcPct val="100000"/>
               </a:lnSpc>
+              <a:buNone/>
             </a:pPr>
             <a:endParaRPr b="0" lang="de-DE" sz="1800" spc="-1" strike="noStrike">
-              <a:solidFill>
-                <a:srgbClr val="000000"/>
-              </a:solidFill>
               <a:latin typeface="Arial"/>
             </a:endParaRPr>
           </a:p>
@@ -18314,11 +16253,9 @@
               <a:lnSpc>
                 <a:spcPct val="100000"/>
               </a:lnSpc>
+              <a:buNone/>
             </a:pPr>
             <a:endParaRPr b="0" lang="de-DE" sz="1800" spc="-1" strike="noStrike">
-              <a:solidFill>
-                <a:srgbClr val="000000"/>
-              </a:solidFill>
               <a:latin typeface="Arial"/>
             </a:endParaRPr>
           </a:p>
@@ -18327,11 +16264,9 @@
               <a:lnSpc>
                 <a:spcPct val="100000"/>
               </a:lnSpc>
+              <a:buNone/>
             </a:pPr>
             <a:endParaRPr b="0" lang="de-DE" sz="1800" spc="-1" strike="noStrike">
-              <a:solidFill>
-                <a:srgbClr val="000000"/>
-              </a:solidFill>
               <a:latin typeface="Arial"/>
             </a:endParaRPr>
           </a:p>
@@ -18340,11 +16275,9 @@
               <a:lnSpc>
                 <a:spcPct val="100000"/>
               </a:lnSpc>
+              <a:buNone/>
             </a:pPr>
             <a:endParaRPr b="0" lang="de-DE" sz="1800" spc="-1" strike="noStrike">
-              <a:solidFill>
-                <a:srgbClr val="000000"/>
-              </a:solidFill>
               <a:latin typeface="Arial"/>
             </a:endParaRPr>
           </a:p>
@@ -18353,11 +16286,9 @@
               <a:lnSpc>
                 <a:spcPct val="100000"/>
               </a:lnSpc>
+              <a:buNone/>
             </a:pPr>
             <a:endParaRPr b="0" lang="de-DE" sz="1800" spc="-1" strike="noStrike">
-              <a:solidFill>
-                <a:srgbClr val="000000"/>
-              </a:solidFill>
               <a:latin typeface="Arial"/>
             </a:endParaRPr>
           </a:p>
@@ -18393,9 +16324,6 @@
               <a:t>Trendanalyse der Automobilindustrie, Realistische Preiseinschätzung eines Gebrauchtwagens</a:t>
             </a:r>
             <a:endParaRPr b="0" lang="de-DE" sz="1800" spc="-1" strike="noStrike">
-              <a:solidFill>
-                <a:srgbClr val="000000"/>
-              </a:solidFill>
               <a:latin typeface="Arial"/>
             </a:endParaRPr>
           </a:p>
@@ -18409,7 +16337,7 @@
         </p:nvGraphicFramePr>
         <p:xfrm>
           <a:off x="935640" y="2885760"/>
-          <a:ext cx="4406040" cy="2972160"/>
+          <a:ext cx="4406040" cy="2971800"/>
         </p:xfrm>
         <a:graphic>
           <a:graphicData uri="http://schemas.openxmlformats.org/drawingml/2006/table">
@@ -18430,11 +16358,12 @@
                         <a:lnSpc>
                           <a:spcPct val="100000"/>
                         </a:lnSpc>
+                        <a:buNone/>
                       </a:pPr>
                       <a:r>
                         <a:rPr b="1" lang="de-DE" sz="1800" spc="-1" strike="noStrike">
                           <a:solidFill>
-                            <a:schemeClr val="lt1"/>
+                            <a:srgbClr val="ffffff"/>
                           </a:solidFill>
                           <a:latin typeface="CMU Serif"/>
                           <a:ea typeface="Arial Unicode MS"/>
@@ -18442,9 +16371,6 @@
                         <a:t>Variable</a:t>
                       </a:r>
                       <a:endParaRPr b="0" lang="de-DE" sz="1800" spc="-1" strike="noStrike">
-                        <a:solidFill>
-                          <a:srgbClr val="ffffff"/>
-                        </a:solidFill>
                         <a:latin typeface="Arial"/>
                       </a:endParaRPr>
                     </a:p>
@@ -18471,7 +16397,7 @@
                       </a:solidFill>
                     </a:lnB>
                     <a:solidFill>
-                      <a:schemeClr val="accent1"/>
+                      <a:srgbClr val="002060"/>
                     </a:solidFill>
                   </a:tcPr>
                 </a:tc>
@@ -18485,11 +16411,12 @@
                         <a:lnSpc>
                           <a:spcPct val="100000"/>
                         </a:lnSpc>
+                        <a:buNone/>
                       </a:pPr>
                       <a:r>
                         <a:rPr b="1" lang="de-DE" sz="1800" spc="-1" strike="noStrike">
                           <a:solidFill>
-                            <a:schemeClr val="lt1"/>
+                            <a:srgbClr val="ffffff"/>
                           </a:solidFill>
                           <a:latin typeface="CMU Serif"/>
                           <a:ea typeface="Arial Unicode MS"/>
@@ -18497,9 +16424,6 @@
                         <a:t>Typ</a:t>
                       </a:r>
                       <a:endParaRPr b="0" lang="de-DE" sz="1800" spc="-1" strike="noStrike">
-                        <a:solidFill>
-                          <a:srgbClr val="ffffff"/>
-                        </a:solidFill>
                         <a:latin typeface="Arial"/>
                       </a:endParaRPr>
                     </a:p>
@@ -18526,7 +16450,7 @@
                       </a:solidFill>
                     </a:lnB>
                     <a:solidFill>
-                      <a:schemeClr val="accent1"/>
+                      <a:srgbClr val="002060"/>
                     </a:solidFill>
                   </a:tcPr>
                 </a:tc>
@@ -18542,11 +16466,12 @@
                         <a:lnSpc>
                           <a:spcPct val="100000"/>
                         </a:lnSpc>
+                        <a:buNone/>
                       </a:pPr>
                       <a:r>
                         <a:rPr b="0" lang="de-DE" sz="1800" spc="-1" strike="noStrike">
                           <a:solidFill>
-                            <a:schemeClr val="dk1"/>
+                            <a:srgbClr val="000000"/>
                           </a:solidFill>
                           <a:latin typeface="CMU Serif"/>
                           <a:ea typeface="Arial Unicode MS"/>
@@ -18554,9 +16479,6 @@
                         <a:t>Unnamed: 0</a:t>
                       </a:r>
                       <a:endParaRPr b="0" lang="de-DE" sz="1800" spc="-1" strike="noStrike">
-                        <a:solidFill>
-                          <a:srgbClr val="000000"/>
-                        </a:solidFill>
                         <a:latin typeface="Arial"/>
                       </a:endParaRPr>
                     </a:p>
@@ -18597,11 +16519,12 @@
                         <a:lnSpc>
                           <a:spcPct val="100000"/>
                         </a:lnSpc>
+                        <a:buNone/>
                       </a:pPr>
                       <a:r>
                         <a:rPr b="0" lang="de-DE" sz="1800" spc="-1" strike="noStrike">
                           <a:solidFill>
-                            <a:schemeClr val="dk1"/>
+                            <a:srgbClr val="000000"/>
                           </a:solidFill>
                           <a:latin typeface="CMU Serif"/>
                           <a:ea typeface="Arial Unicode MS"/>
@@ -18609,9 +16532,6 @@
                         <a:t>Int</a:t>
                       </a:r>
                       <a:endParaRPr b="0" lang="de-DE" sz="1800" spc="-1" strike="noStrike">
-                        <a:solidFill>
-                          <a:srgbClr val="000000"/>
-                        </a:solidFill>
                         <a:latin typeface="Arial"/>
                       </a:endParaRPr>
                     </a:p>
@@ -18654,11 +16574,12 @@
                         <a:lnSpc>
                           <a:spcPct val="100000"/>
                         </a:lnSpc>
+                        <a:buNone/>
                       </a:pPr>
                       <a:r>
                         <a:rPr b="0" lang="de-DE" sz="1800" spc="-1" strike="noStrike">
                           <a:solidFill>
-                            <a:schemeClr val="dk1"/>
+                            <a:srgbClr val="000000"/>
                           </a:solidFill>
                           <a:latin typeface="CMU Serif"/>
                           <a:ea typeface="Arial Unicode MS"/>
@@ -18666,9 +16587,6 @@
                         <a:t>Brand</a:t>
                       </a:r>
                       <a:endParaRPr b="0" lang="de-DE" sz="1800" spc="-1" strike="noStrike">
-                        <a:solidFill>
-                          <a:srgbClr val="000000"/>
-                        </a:solidFill>
                         <a:latin typeface="Arial"/>
                       </a:endParaRPr>
                     </a:p>
@@ -18709,11 +16627,12 @@
                         <a:lnSpc>
                           <a:spcPct val="100000"/>
                         </a:lnSpc>
+                        <a:buNone/>
                       </a:pPr>
                       <a:r>
                         <a:rPr b="0" lang="de-DE" sz="1800" spc="-1" strike="noStrike">
                           <a:solidFill>
-                            <a:schemeClr val="dk1"/>
+                            <a:srgbClr val="000000"/>
                           </a:solidFill>
                           <a:latin typeface="CMU Serif"/>
                           <a:ea typeface="Arial Unicode MS"/>
@@ -18721,9 +16640,6 @@
                         <a:t>Factor</a:t>
                       </a:r>
                       <a:endParaRPr b="0" lang="de-DE" sz="1800" spc="-1" strike="noStrike">
-                        <a:solidFill>
-                          <a:srgbClr val="000000"/>
-                        </a:solidFill>
                         <a:latin typeface="Arial"/>
                       </a:endParaRPr>
                     </a:p>
@@ -18766,11 +16682,12 @@
                         <a:lnSpc>
                           <a:spcPct val="100000"/>
                         </a:lnSpc>
+                        <a:buNone/>
                       </a:pPr>
                       <a:r>
                         <a:rPr b="0" lang="de-DE" sz="1800" spc="-1" strike="noStrike">
                           <a:solidFill>
-                            <a:schemeClr val="dk1"/>
+                            <a:srgbClr val="000000"/>
                           </a:solidFill>
                           <a:latin typeface="CMU Serif"/>
                           <a:ea typeface="Arial Unicode MS"/>
@@ -18778,9 +16695,6 @@
                         <a:t>Model</a:t>
                       </a:r>
                       <a:endParaRPr b="0" lang="de-DE" sz="1800" spc="-1" strike="noStrike">
-                        <a:solidFill>
-                          <a:srgbClr val="000000"/>
-                        </a:solidFill>
                         <a:latin typeface="Arial"/>
                       </a:endParaRPr>
                     </a:p>
@@ -18821,11 +16735,12 @@
                         <a:lnSpc>
                           <a:spcPct val="100000"/>
                         </a:lnSpc>
+                        <a:buNone/>
                       </a:pPr>
                       <a:r>
                         <a:rPr b="0" lang="de-DE" sz="1800" spc="-1" strike="noStrike">
                           <a:solidFill>
-                            <a:schemeClr val="dk1"/>
+                            <a:srgbClr val="000000"/>
                           </a:solidFill>
                           <a:latin typeface="CMU Serif"/>
                           <a:ea typeface="Arial Unicode MS"/>
@@ -18833,9 +16748,6 @@
                         <a:t>Factor</a:t>
                       </a:r>
                       <a:endParaRPr b="0" lang="de-DE" sz="1800" spc="-1" strike="noStrike">
-                        <a:solidFill>
-                          <a:srgbClr val="000000"/>
-                        </a:solidFill>
                         <a:latin typeface="Arial"/>
                       </a:endParaRPr>
                     </a:p>
@@ -18878,11 +16790,12 @@
                         <a:lnSpc>
                           <a:spcPct val="100000"/>
                         </a:lnSpc>
+                        <a:buNone/>
                       </a:pPr>
                       <a:r>
                         <a:rPr b="0" lang="de-DE" sz="1800" spc="-1" strike="noStrike">
                           <a:solidFill>
-                            <a:schemeClr val="dk1"/>
+                            <a:srgbClr val="000000"/>
                           </a:solidFill>
                           <a:latin typeface="CMU Serif"/>
                           <a:ea typeface="Arial Unicode MS"/>
@@ -18890,9 +16803,6 @@
                         <a:t>Color</a:t>
                       </a:r>
                       <a:endParaRPr b="0" lang="de-DE" sz="1800" spc="-1" strike="noStrike">
-                        <a:solidFill>
-                          <a:srgbClr val="000000"/>
-                        </a:solidFill>
                         <a:latin typeface="Arial"/>
                       </a:endParaRPr>
                     </a:p>
@@ -18933,11 +16843,12 @@
                         <a:lnSpc>
                           <a:spcPct val="100000"/>
                         </a:lnSpc>
+                        <a:buNone/>
                       </a:pPr>
                       <a:r>
                         <a:rPr b="0" lang="de-DE" sz="1800" spc="-1" strike="noStrike">
                           <a:solidFill>
-                            <a:schemeClr val="dk1"/>
+                            <a:srgbClr val="000000"/>
                           </a:solidFill>
                           <a:latin typeface="CMU Serif"/>
                           <a:ea typeface="Arial Unicode MS"/>
@@ -18945,9 +16856,6 @@
                         <a:t>Factor</a:t>
                       </a:r>
                       <a:endParaRPr b="0" lang="de-DE" sz="1800" spc="-1" strike="noStrike">
-                        <a:solidFill>
-                          <a:srgbClr val="000000"/>
-                        </a:solidFill>
                         <a:latin typeface="Arial"/>
                       </a:endParaRPr>
                     </a:p>
@@ -18990,11 +16898,12 @@
                         <a:lnSpc>
                           <a:spcPct val="100000"/>
                         </a:lnSpc>
+                        <a:buNone/>
                       </a:pPr>
                       <a:r>
                         <a:rPr b="0" lang="de-DE" sz="1800" spc="-1" strike="noStrike">
                           <a:solidFill>
-                            <a:schemeClr val="dk1"/>
+                            <a:srgbClr val="000000"/>
                           </a:solidFill>
                           <a:latin typeface="CMU Serif"/>
                           <a:ea typeface="Arial Unicode MS"/>
@@ -19002,9 +16911,6 @@
                         <a:t>Registration_date</a:t>
                       </a:r>
                       <a:endParaRPr b="0" lang="de-DE" sz="1800" spc="-1" strike="noStrike">
-                        <a:solidFill>
-                          <a:srgbClr val="000000"/>
-                        </a:solidFill>
                         <a:latin typeface="Arial"/>
                       </a:endParaRPr>
                     </a:p>
@@ -19045,11 +16951,12 @@
                         <a:lnSpc>
                           <a:spcPct val="100000"/>
                         </a:lnSpc>
+                        <a:buNone/>
                       </a:pPr>
                       <a:r>
                         <a:rPr b="0" lang="de-DE" sz="1800" spc="-1" strike="noStrike">
                           <a:solidFill>
-                            <a:schemeClr val="dk1"/>
+                            <a:srgbClr val="000000"/>
                           </a:solidFill>
                           <a:latin typeface="CMU Serif"/>
                           <a:ea typeface="Arial Unicode MS"/>
@@ -19057,9 +16964,6 @@
                         <a:t>String</a:t>
                       </a:r>
                       <a:endParaRPr b="0" lang="de-DE" sz="1800" spc="-1" strike="noStrike">
-                        <a:solidFill>
-                          <a:srgbClr val="000000"/>
-                        </a:solidFill>
                         <a:latin typeface="Arial"/>
                       </a:endParaRPr>
                     </a:p>
@@ -19102,11 +17006,12 @@
                         <a:lnSpc>
                           <a:spcPct val="100000"/>
                         </a:lnSpc>
+                        <a:buNone/>
                       </a:pPr>
                       <a:r>
                         <a:rPr b="0" lang="de-DE" sz="1800" spc="-1" strike="noStrike">
                           <a:solidFill>
-                            <a:schemeClr val="dk1"/>
+                            <a:srgbClr val="000000"/>
                           </a:solidFill>
                           <a:latin typeface="CMU Serif"/>
                           <a:ea typeface="Arial Unicode MS"/>
@@ -19114,9 +17019,6 @@
                         <a:t>Year</a:t>
                       </a:r>
                       <a:endParaRPr b="0" lang="de-DE" sz="1800" spc="-1" strike="noStrike">
-                        <a:solidFill>
-                          <a:srgbClr val="000000"/>
-                        </a:solidFill>
                         <a:latin typeface="Arial"/>
                       </a:endParaRPr>
                     </a:p>
@@ -19157,11 +17059,12 @@
                         <a:lnSpc>
                           <a:spcPct val="100000"/>
                         </a:lnSpc>
+                        <a:buNone/>
                       </a:pPr>
                       <a:r>
                         <a:rPr b="0" lang="de-DE" sz="1800" spc="-1" strike="noStrike">
                           <a:solidFill>
-                            <a:schemeClr val="dk1"/>
+                            <a:srgbClr val="000000"/>
                           </a:solidFill>
                           <a:latin typeface="CMU Serif"/>
                           <a:ea typeface="Arial Unicode MS"/>
@@ -19169,9 +17072,6 @@
                         <a:t>Int</a:t>
                       </a:r>
                       <a:endParaRPr b="0" lang="de-DE" sz="1800" spc="-1" strike="noStrike">
-                        <a:solidFill>
-                          <a:srgbClr val="000000"/>
-                        </a:solidFill>
                         <a:latin typeface="Arial"/>
                       </a:endParaRPr>
                     </a:p>
@@ -19214,11 +17114,12 @@
                         <a:lnSpc>
                           <a:spcPct val="100000"/>
                         </a:lnSpc>
+                        <a:buNone/>
                       </a:pPr>
                       <a:r>
                         <a:rPr b="0" lang="de-DE" sz="1800" spc="-1" strike="noStrike">
                           <a:solidFill>
-                            <a:schemeClr val="dk1"/>
+                            <a:srgbClr val="000000"/>
                           </a:solidFill>
                           <a:latin typeface="CMU Serif"/>
                           <a:ea typeface="Arial Unicode MS"/>
@@ -19226,9 +17127,6 @@
                         <a:t>Price_in_euro</a:t>
                       </a:r>
                       <a:endParaRPr b="0" lang="de-DE" sz="1800" spc="-1" strike="noStrike">
-                        <a:solidFill>
-                          <a:srgbClr val="000000"/>
-                        </a:solidFill>
                         <a:latin typeface="Arial"/>
                       </a:endParaRPr>
                     </a:p>
@@ -19269,11 +17167,12 @@
                         <a:lnSpc>
                           <a:spcPct val="100000"/>
                         </a:lnSpc>
+                        <a:buNone/>
                       </a:pPr>
                       <a:r>
                         <a:rPr b="0" lang="de-DE" sz="1800" spc="-1" strike="noStrike">
                           <a:solidFill>
-                            <a:schemeClr val="dk1"/>
+                            <a:srgbClr val="000000"/>
                           </a:solidFill>
                           <a:latin typeface="CMU Serif"/>
                           <a:ea typeface="Arial Unicode MS"/>
@@ -19281,9 +17180,6 @@
                         <a:t>Int</a:t>
                       </a:r>
                       <a:endParaRPr b="0" lang="de-DE" sz="1800" spc="-1" strike="noStrike">
-                        <a:solidFill>
-                          <a:srgbClr val="000000"/>
-                        </a:solidFill>
                         <a:latin typeface="Arial"/>
                       </a:endParaRPr>
                     </a:p>
@@ -19327,7 +17223,7 @@
         </p:nvGraphicFramePr>
         <p:xfrm>
           <a:off x="6058440" y="2520720"/>
-          <a:ext cx="4820040" cy="3337200"/>
+          <a:ext cx="4820040" cy="3336840"/>
         </p:xfrm>
         <a:graphic>
           <a:graphicData uri="http://schemas.openxmlformats.org/drawingml/2006/table">
@@ -19348,11 +17244,12 @@
                         <a:lnSpc>
                           <a:spcPct val="100000"/>
                         </a:lnSpc>
+                        <a:buNone/>
                       </a:pPr>
                       <a:r>
                         <a:rPr b="1" lang="de-DE" sz="1800" spc="-1" strike="noStrike">
                           <a:solidFill>
-                            <a:schemeClr val="lt1"/>
+                            <a:srgbClr val="ffffff"/>
                           </a:solidFill>
                           <a:latin typeface="CMU Serif"/>
                           <a:ea typeface="Arial Unicode MS"/>
@@ -19360,9 +17257,6 @@
                         <a:t>Variable</a:t>
                       </a:r>
                       <a:endParaRPr b="0" lang="de-DE" sz="1800" spc="-1" strike="noStrike">
-                        <a:solidFill>
-                          <a:srgbClr val="ffffff"/>
-                        </a:solidFill>
                         <a:latin typeface="Arial"/>
                       </a:endParaRPr>
                     </a:p>
@@ -19389,7 +17283,7 @@
                       </a:solidFill>
                     </a:lnB>
                     <a:solidFill>
-                      <a:schemeClr val="accent1"/>
+                      <a:srgbClr val="002060"/>
                     </a:solidFill>
                   </a:tcPr>
                 </a:tc>
@@ -19403,11 +17297,12 @@
                         <a:lnSpc>
                           <a:spcPct val="100000"/>
                         </a:lnSpc>
+                        <a:buNone/>
                       </a:pPr>
                       <a:r>
                         <a:rPr b="1" lang="de-DE" sz="1800" spc="-1" strike="noStrike">
                           <a:solidFill>
-                            <a:schemeClr val="lt1"/>
+                            <a:srgbClr val="ffffff"/>
                           </a:solidFill>
                           <a:latin typeface="CMU Serif"/>
                           <a:ea typeface="Arial Unicode MS"/>
@@ -19415,9 +17310,6 @@
                         <a:t>Typ</a:t>
                       </a:r>
                       <a:endParaRPr b="0" lang="de-DE" sz="1800" spc="-1" strike="noStrike">
-                        <a:solidFill>
-                          <a:srgbClr val="ffffff"/>
-                        </a:solidFill>
                         <a:latin typeface="Arial"/>
                       </a:endParaRPr>
                     </a:p>
@@ -19444,7 +17336,7 @@
                       </a:solidFill>
                     </a:lnB>
                     <a:solidFill>
-                      <a:schemeClr val="accent1"/>
+                      <a:srgbClr val="002060"/>
                     </a:solidFill>
                   </a:tcPr>
                 </a:tc>
@@ -19460,11 +17352,12 @@
                         <a:lnSpc>
                           <a:spcPct val="100000"/>
                         </a:lnSpc>
+                        <a:buNone/>
                       </a:pPr>
                       <a:r>
                         <a:rPr b="0" lang="de-DE" sz="1800" spc="-1" strike="noStrike">
                           <a:solidFill>
-                            <a:schemeClr val="dk1"/>
+                            <a:srgbClr val="000000"/>
                           </a:solidFill>
                           <a:latin typeface="CMU Serif"/>
                           <a:ea typeface="Arial Unicode MS"/>
@@ -19472,9 +17365,6 @@
                         <a:t>Power_kw</a:t>
                       </a:r>
                       <a:endParaRPr b="0" lang="de-DE" sz="1800" spc="-1" strike="noStrike">
-                        <a:solidFill>
-                          <a:srgbClr val="000000"/>
-                        </a:solidFill>
                         <a:latin typeface="Arial"/>
                       </a:endParaRPr>
                     </a:p>
@@ -19515,11 +17405,12 @@
                         <a:lnSpc>
                           <a:spcPct val="100000"/>
                         </a:lnSpc>
+                        <a:buNone/>
                       </a:pPr>
                       <a:r>
                         <a:rPr b="0" lang="de-DE" sz="1800" spc="-1" strike="noStrike">
                           <a:solidFill>
-                            <a:schemeClr val="dk1"/>
+                            <a:srgbClr val="000000"/>
                           </a:solidFill>
                           <a:latin typeface="CMU Serif"/>
                           <a:ea typeface="Arial Unicode MS"/>
@@ -19527,9 +17418,6 @@
                         <a:t>Int</a:t>
                       </a:r>
                       <a:endParaRPr b="0" lang="de-DE" sz="1800" spc="-1" strike="noStrike">
-                        <a:solidFill>
-                          <a:srgbClr val="000000"/>
-                        </a:solidFill>
                         <a:latin typeface="Arial"/>
                       </a:endParaRPr>
                     </a:p>
@@ -19572,11 +17460,12 @@
                         <a:lnSpc>
                           <a:spcPct val="100000"/>
                         </a:lnSpc>
+                        <a:buNone/>
                       </a:pPr>
                       <a:r>
                         <a:rPr b="0" lang="de-DE" sz="1800" spc="-1" strike="noStrike">
                           <a:solidFill>
-                            <a:schemeClr val="dk1"/>
+                            <a:srgbClr val="000000"/>
                           </a:solidFill>
                           <a:latin typeface="CMU Serif"/>
                           <a:ea typeface="Arial Unicode MS"/>
@@ -19584,9 +17473,6 @@
                         <a:t>Power_ps</a:t>
                       </a:r>
                       <a:endParaRPr b="0" lang="de-DE" sz="1800" spc="-1" strike="noStrike">
-                        <a:solidFill>
-                          <a:srgbClr val="000000"/>
-                        </a:solidFill>
                         <a:latin typeface="Arial"/>
                       </a:endParaRPr>
                     </a:p>
@@ -19627,11 +17513,12 @@
                         <a:lnSpc>
                           <a:spcPct val="100000"/>
                         </a:lnSpc>
+                        <a:buNone/>
                       </a:pPr>
                       <a:r>
                         <a:rPr b="0" lang="de-DE" sz="1800" spc="-1" strike="noStrike">
                           <a:solidFill>
-                            <a:schemeClr val="dk1"/>
+                            <a:srgbClr val="000000"/>
                           </a:solidFill>
                           <a:latin typeface="CMU Serif"/>
                           <a:ea typeface="Arial Unicode MS"/>
@@ -19639,9 +17526,6 @@
                         <a:t>Int</a:t>
                       </a:r>
                       <a:endParaRPr b="0" lang="de-DE" sz="1800" spc="-1" strike="noStrike">
-                        <a:solidFill>
-                          <a:srgbClr val="000000"/>
-                        </a:solidFill>
                         <a:latin typeface="Arial"/>
                       </a:endParaRPr>
                     </a:p>
@@ -19684,11 +17568,12 @@
                         <a:lnSpc>
                           <a:spcPct val="100000"/>
                         </a:lnSpc>
+                        <a:buNone/>
                       </a:pPr>
                       <a:r>
                         <a:rPr b="0" lang="de-DE" sz="1800" spc="-1" strike="noStrike">
                           <a:solidFill>
-                            <a:schemeClr val="dk1"/>
+                            <a:srgbClr val="000000"/>
                           </a:solidFill>
                           <a:latin typeface="CMU Serif"/>
                           <a:ea typeface="Arial Unicode MS"/>
@@ -19696,9 +17581,6 @@
                         <a:t>Transmission_type</a:t>
                       </a:r>
                       <a:endParaRPr b="0" lang="de-DE" sz="1800" spc="-1" strike="noStrike">
-                        <a:solidFill>
-                          <a:srgbClr val="000000"/>
-                        </a:solidFill>
                         <a:latin typeface="Arial"/>
                       </a:endParaRPr>
                     </a:p>
@@ -19739,11 +17621,12 @@
                         <a:lnSpc>
                           <a:spcPct val="100000"/>
                         </a:lnSpc>
+                        <a:buNone/>
                       </a:pPr>
                       <a:r>
                         <a:rPr b="0" lang="de-DE" sz="1800" spc="-1" strike="noStrike">
                           <a:solidFill>
-                            <a:schemeClr val="dk1"/>
+                            <a:srgbClr val="000000"/>
                           </a:solidFill>
                           <a:latin typeface="CMU Serif"/>
                           <a:ea typeface="Arial Unicode MS"/>
@@ -19751,9 +17634,6 @@
                         <a:t>Factor</a:t>
                       </a:r>
                       <a:endParaRPr b="0" lang="de-DE" sz="1800" spc="-1" strike="noStrike">
-                        <a:solidFill>
-                          <a:srgbClr val="000000"/>
-                        </a:solidFill>
                         <a:latin typeface="Arial"/>
                       </a:endParaRPr>
                     </a:p>
@@ -19796,11 +17676,12 @@
                         <a:lnSpc>
                           <a:spcPct val="100000"/>
                         </a:lnSpc>
+                        <a:buNone/>
                       </a:pPr>
                       <a:r>
                         <a:rPr b="0" lang="de-DE" sz="1800" spc="-1" strike="noStrike">
                           <a:solidFill>
-                            <a:schemeClr val="dk1"/>
+                            <a:srgbClr val="000000"/>
                           </a:solidFill>
                           <a:latin typeface="CMU Serif"/>
                           <a:ea typeface="Arial Unicode MS"/>
@@ -19808,9 +17689,6 @@
                         <a:t>Fuel_type</a:t>
                       </a:r>
                       <a:endParaRPr b="0" lang="de-DE" sz="1800" spc="-1" strike="noStrike">
-                        <a:solidFill>
-                          <a:srgbClr val="000000"/>
-                        </a:solidFill>
                         <a:latin typeface="Arial"/>
                       </a:endParaRPr>
                     </a:p>
@@ -19851,11 +17729,12 @@
                         <a:lnSpc>
                           <a:spcPct val="100000"/>
                         </a:lnSpc>
+                        <a:buNone/>
                       </a:pPr>
                       <a:r>
                         <a:rPr b="0" lang="de-DE" sz="1800" spc="-1" strike="noStrike">
                           <a:solidFill>
-                            <a:schemeClr val="dk1"/>
+                            <a:srgbClr val="000000"/>
                           </a:solidFill>
                           <a:latin typeface="CMU Serif"/>
                           <a:ea typeface="Arial Unicode MS"/>
@@ -19863,9 +17742,6 @@
                         <a:t>Factor</a:t>
                       </a:r>
                       <a:endParaRPr b="0" lang="de-DE" sz="1800" spc="-1" strike="noStrike">
-                        <a:solidFill>
-                          <a:srgbClr val="000000"/>
-                        </a:solidFill>
                         <a:latin typeface="Arial"/>
                       </a:endParaRPr>
                     </a:p>
@@ -19908,11 +17784,12 @@
                         <a:lnSpc>
                           <a:spcPct val="100000"/>
                         </a:lnSpc>
+                        <a:buNone/>
                       </a:pPr>
                       <a:r>
                         <a:rPr b="0" lang="de-DE" sz="1800" spc="-1" strike="noStrike">
                           <a:solidFill>
-                            <a:schemeClr val="dk1"/>
+                            <a:srgbClr val="000000"/>
                           </a:solidFill>
                           <a:latin typeface="CMU Serif"/>
                           <a:ea typeface="Arial Unicode MS"/>
@@ -19920,9 +17797,6 @@
                         <a:t>Fuel_consumption_l_100km</a:t>
                       </a:r>
                       <a:endParaRPr b="0" lang="de-DE" sz="1800" spc="-1" strike="noStrike">
-                        <a:solidFill>
-                          <a:srgbClr val="000000"/>
-                        </a:solidFill>
                         <a:latin typeface="Arial"/>
                       </a:endParaRPr>
                     </a:p>
@@ -19963,11 +17837,12 @@
                         <a:lnSpc>
                           <a:spcPct val="100000"/>
                         </a:lnSpc>
+                        <a:buNone/>
                       </a:pPr>
                       <a:r>
                         <a:rPr b="0" lang="de-DE" sz="1800" spc="-1" strike="noStrike">
                           <a:solidFill>
-                            <a:schemeClr val="dk1"/>
+                            <a:srgbClr val="000000"/>
                           </a:solidFill>
                           <a:latin typeface="CMU Serif"/>
                           <a:ea typeface="Arial Unicode MS"/>
@@ -19975,9 +17850,6 @@
                         <a:t>String</a:t>
                       </a:r>
                       <a:endParaRPr b="0" lang="de-DE" sz="1800" spc="-1" strike="noStrike">
-                        <a:solidFill>
-                          <a:srgbClr val="000000"/>
-                        </a:solidFill>
                         <a:latin typeface="Arial"/>
                       </a:endParaRPr>
                     </a:p>
@@ -20020,11 +17892,12 @@
                         <a:lnSpc>
                           <a:spcPct val="100000"/>
                         </a:lnSpc>
+                        <a:buNone/>
                       </a:pPr>
                       <a:r>
                         <a:rPr b="0" lang="de-DE" sz="1800" spc="-1" strike="noStrike">
                           <a:solidFill>
-                            <a:schemeClr val="dk1"/>
+                            <a:srgbClr val="000000"/>
                           </a:solidFill>
                           <a:latin typeface="CMU Serif"/>
                           <a:ea typeface="Arial Unicode MS"/>
@@ -20032,9 +17905,6 @@
                         <a:t>Fuel_consumption_g_km</a:t>
                       </a:r>
                       <a:endParaRPr b="0" lang="de-DE" sz="1800" spc="-1" strike="noStrike">
-                        <a:solidFill>
-                          <a:srgbClr val="000000"/>
-                        </a:solidFill>
                         <a:latin typeface="Arial"/>
                       </a:endParaRPr>
                     </a:p>
@@ -20075,11 +17945,12 @@
                         <a:lnSpc>
                           <a:spcPct val="100000"/>
                         </a:lnSpc>
+                        <a:buNone/>
                       </a:pPr>
                       <a:r>
                         <a:rPr b="0" lang="de-DE" sz="1800" spc="-1" strike="noStrike">
                           <a:solidFill>
-                            <a:schemeClr val="dk1"/>
+                            <a:srgbClr val="000000"/>
                           </a:solidFill>
                           <a:latin typeface="CMU Serif"/>
                           <a:ea typeface="Arial Unicode MS"/>
@@ -20087,9 +17958,6 @@
                         <a:t>String</a:t>
                       </a:r>
                       <a:endParaRPr b="0" lang="de-DE" sz="1800" spc="-1" strike="noStrike">
-                        <a:solidFill>
-                          <a:srgbClr val="000000"/>
-                        </a:solidFill>
                         <a:latin typeface="Arial"/>
                       </a:endParaRPr>
                     </a:p>
@@ -20132,11 +18000,12 @@
                         <a:lnSpc>
                           <a:spcPct val="100000"/>
                         </a:lnSpc>
+                        <a:buNone/>
                       </a:pPr>
                       <a:r>
                         <a:rPr b="0" lang="de-DE" sz="1800" spc="-1" strike="noStrike">
                           <a:solidFill>
-                            <a:schemeClr val="dk1"/>
+                            <a:srgbClr val="000000"/>
                           </a:solidFill>
                           <a:latin typeface="CMU Serif"/>
                           <a:ea typeface="Arial Unicode MS"/>
@@ -20144,9 +18013,6 @@
                         <a:t>Mileage_in_km</a:t>
                       </a:r>
                       <a:endParaRPr b="0" lang="de-DE" sz="1800" spc="-1" strike="noStrike">
-                        <a:solidFill>
-                          <a:srgbClr val="000000"/>
-                        </a:solidFill>
                         <a:latin typeface="Arial"/>
                       </a:endParaRPr>
                     </a:p>
@@ -20187,11 +18053,12 @@
                         <a:lnSpc>
                           <a:spcPct val="100000"/>
                         </a:lnSpc>
+                        <a:buNone/>
                       </a:pPr>
                       <a:r>
                         <a:rPr b="0" lang="de-DE" sz="1800" spc="-1" strike="noStrike">
                           <a:solidFill>
-                            <a:schemeClr val="dk1"/>
+                            <a:srgbClr val="000000"/>
                           </a:solidFill>
                           <a:latin typeface="CMU Serif"/>
                           <a:ea typeface="Arial Unicode MS"/>
@@ -20199,9 +18066,6 @@
                         <a:t>Int</a:t>
                       </a:r>
                       <a:endParaRPr b="0" lang="de-DE" sz="1800" spc="-1" strike="noStrike">
-                        <a:solidFill>
-                          <a:srgbClr val="000000"/>
-                        </a:solidFill>
                         <a:latin typeface="Arial"/>
                       </a:endParaRPr>
                     </a:p>
@@ -20244,11 +18108,12 @@
                         <a:lnSpc>
                           <a:spcPct val="100000"/>
                         </a:lnSpc>
+                        <a:buNone/>
                       </a:pPr>
                       <a:r>
                         <a:rPr b="0" lang="de-DE" sz="1800" spc="-1" strike="noStrike">
                           <a:solidFill>
-                            <a:schemeClr val="dk1"/>
+                            <a:srgbClr val="000000"/>
                           </a:solidFill>
                           <a:latin typeface="CMU Serif"/>
                           <a:ea typeface="Arial Unicode MS"/>
@@ -20256,9 +18121,6 @@
                         <a:t>Offer_description</a:t>
                       </a:r>
                       <a:endParaRPr b="0" lang="de-DE" sz="1800" spc="-1" strike="noStrike">
-                        <a:solidFill>
-                          <a:srgbClr val="000000"/>
-                        </a:solidFill>
                         <a:latin typeface="Arial"/>
                       </a:endParaRPr>
                     </a:p>
@@ -20299,11 +18161,12 @@
                         <a:lnSpc>
                           <a:spcPct val="100000"/>
                         </a:lnSpc>
+                        <a:buNone/>
                       </a:pPr>
                       <a:r>
                         <a:rPr b="0" lang="de-DE" sz="1800" spc="-1" strike="noStrike">
                           <a:solidFill>
-                            <a:schemeClr val="dk1"/>
+                            <a:srgbClr val="000000"/>
                           </a:solidFill>
                           <a:latin typeface="CMU Serif"/>
                           <a:ea typeface="Arial Unicode MS"/>
@@ -20311,9 +18174,6 @@
                         <a:t>String</a:t>
                       </a:r>
                       <a:endParaRPr b="0" lang="de-DE" sz="1800" spc="-1" strike="noStrike">
-                        <a:solidFill>
-                          <a:srgbClr val="000000"/>
-                        </a:solidFill>
                         <a:latin typeface="Arial"/>
                       </a:endParaRPr>
                     </a:p>
@@ -20387,8 +18247,8 @@
         </p:nvSpPr>
         <p:spPr>
           <a:xfrm>
-            <a:off x="5959800" y="1899720"/>
-            <a:ext cx="5886000" cy="2832480"/>
+            <a:off x="5959800" y="1213920"/>
+            <a:ext cx="5885640" cy="4204080"/>
           </a:xfrm>
           <a:prstGeom prst="rect">
             <a:avLst/>
@@ -20416,6 +18276,7 @@
               <a:spcAft>
                 <a:spcPts val="601"/>
               </a:spcAft>
+              <a:buNone/>
             </a:pPr>
             <a:r>
               <a:rPr b="1" lang="de-DE" sz="6000" spc="-1" strike="noStrike">
@@ -20441,9 +18302,6 @@
               <a:t>Datenanalyse</a:t>
             </a:r>
             <a:endParaRPr b="0" lang="de-DE" sz="6000" spc="-1" strike="noStrike">
-              <a:solidFill>
-                <a:srgbClr val="000000"/>
-              </a:solidFill>
               <a:latin typeface="Arial"/>
             </a:endParaRPr>
           </a:p>
@@ -20458,18 +18316,13 @@
         <p:spPr>
           <a:xfrm>
             <a:off x="673920" y="1688040"/>
-            <a:ext cx="5085360" cy="3127320"/>
+            <a:ext cx="5085000" cy="3126960"/>
           </a:xfrm>
           <a:custGeom>
             <a:avLst/>
-            <a:gdLst>
-              <a:gd name="textAreaLeft" fmla="*/ 0 w 5085360"/>
-              <a:gd name="textAreaRight" fmla="*/ 5086800 w 5085360"/>
-              <a:gd name="textAreaTop" fmla="*/ 0 h 3127320"/>
-              <a:gd name="textAreaBottom" fmla="*/ 3128760 h 3127320"/>
-            </a:gdLst>
+            <a:gdLst/>
             <a:ahLst/>
-            <a:rect l="textAreaLeft" t="textAreaTop" r="textAreaRight" b="textAreaBottom"/>
+            <a:rect l="l" t="t" r="r" b="b"/>
             <a:pathLst>
               <a:path w="5086770" h="3128874">
                 <a:moveTo>
@@ -20743,25 +18596,6 @@
           </a:effectRef>
           <a:fontRef idx="minor"/>
         </p:style>
-        <p:txBody>
-          <a:bodyPr lIns="90000" rIns="90000" tIns="45000" bIns="45000" anchor="ctr">
-            <a:noAutofit/>
-          </a:bodyPr>
-          <a:p>
-            <a:pPr algn="ctr">
-              <a:lnSpc>
-                <a:spcPct val="100000"/>
-              </a:lnSpc>
-            </a:pPr>
-            <a:endParaRPr b="0" lang="en-US" sz="1800" spc="-1" strike="noStrike">
-              <a:solidFill>
-                <a:schemeClr val="lt1"/>
-              </a:solidFill>
-              <a:latin typeface="CMU Serif"/>
-              <a:ea typeface="Arial Unicode MS"/>
-            </a:endParaRPr>
-          </a:p>
-        </p:txBody>
       </p:sp>
       <p:sp>
         <p:nvSpPr>
@@ -20772,7 +18606,7 @@
         <p:spPr>
           <a:xfrm>
             <a:off x="-39240" y="6496920"/>
-            <a:ext cx="12269520" cy="423720"/>
+            <a:ext cx="12269160" cy="423360"/>
           </a:xfrm>
           <a:prstGeom prst="rect">
             <a:avLst/>
@@ -20798,25 +18632,6 @@
           </a:effectRef>
           <a:fontRef idx="minor"/>
         </p:style>
-        <p:txBody>
-          <a:bodyPr lIns="90000" rIns="90000" tIns="45000" bIns="45000" anchor="ctr">
-            <a:noAutofit/>
-          </a:bodyPr>
-          <a:p>
-            <a:pPr algn="ctr">
-              <a:lnSpc>
-                <a:spcPct val="100000"/>
-              </a:lnSpc>
-            </a:pPr>
-            <a:endParaRPr b="0" lang="de-DE" sz="1800" spc="-1" strike="noStrike">
-              <a:solidFill>
-                <a:schemeClr val="lt1"/>
-              </a:solidFill>
-              <a:latin typeface="CMU Serif"/>
-              <a:ea typeface="Arial Unicode MS"/>
-            </a:endParaRPr>
-          </a:p>
-        </p:txBody>
       </p:sp>
     </p:spTree>
   </p:cSld>
@@ -20861,7 +18676,7 @@
         <p:spPr>
           <a:xfrm>
             <a:off x="2063160" y="460440"/>
-            <a:ext cx="8064720" cy="644760"/>
+            <a:ext cx="8064360" cy="644400"/>
           </a:xfrm>
           <a:prstGeom prst="rect">
             <a:avLst/>
@@ -20876,7 +18691,7 @@
             <a:normAutofit fontScale="73000"/>
           </a:bodyPr>
           <a:p>
-            <a:pPr marL="204120" indent="0">
+            <a:pPr marL="204120">
               <a:lnSpc>
                 <a:spcPct val="90000"/>
               </a:lnSpc>
@@ -20899,9 +18714,6 @@
               <a:t>Bereinigung der Daten 1</a:t>
             </a:r>
             <a:endParaRPr b="0" lang="de-DE" sz="5400" spc="-1" strike="noStrike">
-              <a:solidFill>
-                <a:srgbClr val="000000"/>
-              </a:solidFill>
               <a:latin typeface="Arial"/>
             </a:endParaRPr>
           </a:p>
@@ -20916,7 +18728,7 @@
         <p:spPr>
           <a:xfrm>
             <a:off x="585360" y="1788840"/>
-            <a:ext cx="9952560" cy="3655800"/>
+            <a:ext cx="9952200" cy="3930120"/>
           </a:xfrm>
           <a:prstGeom prst="rect">
             <a:avLst/>
@@ -20941,6 +18753,7 @@
               <a:lnSpc>
                 <a:spcPct val="100000"/>
               </a:lnSpc>
+              <a:buNone/>
             </a:pPr>
             <a:r>
               <a:rPr b="1" lang="de-DE" sz="1800" spc="-1" strike="noStrike">
@@ -20953,9 +18766,6 @@
               <a:t>Entfernung der Spalte „Unnamed..0“</a:t>
             </a:r>
             <a:endParaRPr b="0" lang="de-DE" sz="1800" spc="-1" strike="noStrike">
-              <a:solidFill>
-                <a:srgbClr val="000000"/>
-              </a:solidFill>
               <a:latin typeface="Arial"/>
             </a:endParaRPr>
           </a:p>
@@ -20981,9 +18791,6 @@
               <a:t>Spalte hat keine Relevanz, sie ist reine Nummerierung der Zeilen.</a:t>
             </a:r>
             <a:endParaRPr b="0" lang="de-DE" sz="1800" spc="-1" strike="noStrike">
-              <a:solidFill>
-                <a:srgbClr val="000000"/>
-              </a:solidFill>
               <a:latin typeface="Arial"/>
             </a:endParaRPr>
           </a:p>
@@ -20992,11 +18799,9 @@
               <a:lnSpc>
                 <a:spcPct val="100000"/>
               </a:lnSpc>
+              <a:buNone/>
             </a:pPr>
             <a:endParaRPr b="0" lang="de-DE" sz="1800" spc="-1" strike="noStrike">
-              <a:solidFill>
-                <a:srgbClr val="000000"/>
-              </a:solidFill>
               <a:latin typeface="Arial"/>
             </a:endParaRPr>
           </a:p>
@@ -21005,6 +18810,7 @@
               <a:lnSpc>
                 <a:spcPct val="100000"/>
               </a:lnSpc>
+              <a:buNone/>
             </a:pPr>
             <a:r>
               <a:rPr b="1" lang="de-DE" sz="1800" spc="-1" strike="noStrike">
@@ -21017,9 +18823,6 @@
               <a:t>Entfernung der Spalte „offer_description“</a:t>
             </a:r>
             <a:endParaRPr b="0" lang="de-DE" sz="1800" spc="-1" strike="noStrike">
-              <a:solidFill>
-                <a:srgbClr val="000000"/>
-              </a:solidFill>
               <a:latin typeface="Arial"/>
             </a:endParaRPr>
           </a:p>
@@ -21045,9 +18848,6 @@
               <a:t>Z.B.: wurde geschaut, ob in der Spalte offer_description Wort unfallfrei, sport, 4x4 usw. steht.</a:t>
             </a:r>
             <a:endParaRPr b="0" lang="de-DE" sz="1800" spc="-1" strike="noStrike">
-              <a:solidFill>
-                <a:srgbClr val="000000"/>
-              </a:solidFill>
               <a:latin typeface="Arial"/>
             </a:endParaRPr>
           </a:p>
@@ -21073,9 +18873,6 @@
               <a:t>Dies war auch der Fall bei sport bzw. 4x4 -&gt; neue Spalte erzeugt.</a:t>
             </a:r>
             <a:endParaRPr b="0" lang="de-DE" sz="1800" spc="-1" strike="noStrike">
-              <a:solidFill>
-                <a:srgbClr val="000000"/>
-              </a:solidFill>
               <a:latin typeface="Arial"/>
             </a:endParaRPr>
           </a:p>
@@ -21084,11 +18881,9 @@
               <a:lnSpc>
                 <a:spcPct val="100000"/>
               </a:lnSpc>
+              <a:buNone/>
             </a:pPr>
             <a:endParaRPr b="0" lang="de-DE" sz="1800" spc="-1" strike="noStrike">
-              <a:solidFill>
-                <a:srgbClr val="000000"/>
-              </a:solidFill>
               <a:latin typeface="Arial"/>
             </a:endParaRPr>
           </a:p>
@@ -21097,6 +18892,7 @@
               <a:lnSpc>
                 <a:spcPct val="100000"/>
               </a:lnSpc>
+              <a:buNone/>
             </a:pPr>
             <a:r>
               <a:rPr b="1" lang="de-DE" sz="1800" spc="-1" strike="noStrike">
@@ -21109,9 +18905,6 @@
               <a:t>Entfernung der Spalte „power_ps“</a:t>
             </a:r>
             <a:endParaRPr b="0" lang="de-DE" sz="1800" spc="-1" strike="noStrike">
-              <a:solidFill>
-                <a:srgbClr val="000000"/>
-              </a:solidFill>
               <a:latin typeface="Arial"/>
             </a:endParaRPr>
           </a:p>
@@ -21137,9 +18930,6 @@
               <a:t>Die Pferdestärke kann auch aus „power_kw“ durch Umwandlung gewonnen werden.</a:t>
             </a:r>
             <a:endParaRPr b="0" lang="de-DE" sz="1800" spc="-1" strike="noStrike">
-              <a:solidFill>
-                <a:srgbClr val="000000"/>
-              </a:solidFill>
               <a:latin typeface="Arial"/>
             </a:endParaRPr>
           </a:p>
@@ -21165,9 +18955,6 @@
               <a:t>Spalte ist daher überflüssig für die weitere Analyse.</a:t>
             </a:r>
             <a:endParaRPr b="0" lang="de-DE" sz="1800" spc="-1" strike="noStrike">
-              <a:solidFill>
-                <a:srgbClr val="000000"/>
-              </a:solidFill>
               <a:latin typeface="Arial"/>
             </a:endParaRPr>
           </a:p>
@@ -21176,11 +18963,9 @@
               <a:lnSpc>
                 <a:spcPct val="100000"/>
               </a:lnSpc>
+              <a:buNone/>
             </a:pPr>
             <a:endParaRPr b="0" lang="de-DE" sz="1800" spc="-1" strike="noStrike">
-              <a:solidFill>
-                <a:srgbClr val="000000"/>
-              </a:solidFill>
               <a:latin typeface="Arial"/>
             </a:endParaRPr>
           </a:p>
@@ -21189,11 +18974,9 @@
               <a:lnSpc>
                 <a:spcPct val="100000"/>
               </a:lnSpc>
+              <a:buNone/>
             </a:pPr>
             <a:endParaRPr b="0" lang="de-DE" sz="1800" spc="-1" strike="noStrike">
-              <a:solidFill>
-                <a:srgbClr val="000000"/>
-              </a:solidFill>
               <a:latin typeface="Arial"/>
             </a:endParaRPr>
           </a:p>
@@ -21242,7 +19025,7 @@
         <p:spPr>
           <a:xfrm>
             <a:off x="2063160" y="460440"/>
-            <a:ext cx="8064720" cy="644760"/>
+            <a:ext cx="8064360" cy="644400"/>
           </a:xfrm>
           <a:prstGeom prst="rect">
             <a:avLst/>
@@ -21257,7 +19040,7 @@
             <a:normAutofit fontScale="73000"/>
           </a:bodyPr>
           <a:p>
-            <a:pPr marL="204120" indent="0">
+            <a:pPr marL="204120">
               <a:lnSpc>
                 <a:spcPct val="90000"/>
               </a:lnSpc>
@@ -21280,9 +19063,6 @@
               <a:t>Bereinigung der Daten 2</a:t>
             </a:r>
             <a:endParaRPr b="0" lang="de-DE" sz="5400" spc="-1" strike="noStrike">
-              <a:solidFill>
-                <a:srgbClr val="000000"/>
-              </a:solidFill>
               <a:latin typeface="Arial"/>
             </a:endParaRPr>
           </a:p>
@@ -21297,7 +19077,7 @@
         <p:spPr>
           <a:xfrm>
             <a:off x="585360" y="1788840"/>
-            <a:ext cx="9952560" cy="5027400"/>
+            <a:ext cx="9952200" cy="5576040"/>
           </a:xfrm>
           <a:prstGeom prst="rect">
             <a:avLst/>
@@ -21322,6 +19102,7 @@
               <a:lnSpc>
                 <a:spcPct val="100000"/>
               </a:lnSpc>
+              <a:buNone/>
             </a:pPr>
             <a:r>
               <a:rPr b="1" lang="de-DE" sz="1800" spc="-1" strike="noStrike">
@@ -21334,9 +19115,6 @@
               <a:t>Entfernung der Spalte „fuel_consumption_g_km“</a:t>
             </a:r>
             <a:endParaRPr b="0" lang="de-DE" sz="1800" spc="-1" strike="noStrike">
-              <a:solidFill>
-                <a:srgbClr val="000000"/>
-              </a:solidFill>
               <a:latin typeface="Arial"/>
             </a:endParaRPr>
           </a:p>
@@ -21362,9 +19140,6 @@
               <a:t>nur sinnvoll befüllt für fuel_type Diesel oder Benzin, nicht für alternative Antriebsarten</a:t>
             </a:r>
             <a:endParaRPr b="0" lang="de-DE" sz="1800" spc="-1" strike="noStrike">
-              <a:solidFill>
-                <a:srgbClr val="000000"/>
-              </a:solidFill>
               <a:latin typeface="Arial"/>
             </a:endParaRPr>
           </a:p>
@@ -21390,9 +19165,6 @@
               <a:t>fuel_type zu wichtig für Zielvariable</a:t>
             </a:r>
             <a:endParaRPr b="0" lang="de-DE" sz="1800" spc="-1" strike="noStrike">
-              <a:solidFill>
-                <a:srgbClr val="000000"/>
-              </a:solidFill>
               <a:latin typeface="Arial"/>
             </a:endParaRPr>
           </a:p>
@@ -21401,11 +19173,9 @@
               <a:lnSpc>
                 <a:spcPct val="100000"/>
               </a:lnSpc>
+              <a:buNone/>
             </a:pPr>
             <a:endParaRPr b="0" lang="de-DE" sz="1800" spc="-1" strike="noStrike">
-              <a:solidFill>
-                <a:srgbClr val="000000"/>
-              </a:solidFill>
               <a:latin typeface="Arial"/>
             </a:endParaRPr>
           </a:p>
@@ -21414,11 +19184,9 @@
               <a:lnSpc>
                 <a:spcPct val="100000"/>
               </a:lnSpc>
+              <a:buNone/>
             </a:pPr>
             <a:endParaRPr b="0" lang="de-DE" sz="1800" spc="-1" strike="noStrike">
-              <a:solidFill>
-                <a:srgbClr val="000000"/>
-              </a:solidFill>
               <a:latin typeface="Arial"/>
             </a:endParaRPr>
           </a:p>
@@ -21427,11 +19195,9 @@
               <a:lnSpc>
                 <a:spcPct val="100000"/>
               </a:lnSpc>
+              <a:buNone/>
             </a:pPr>
             <a:endParaRPr b="0" lang="de-DE" sz="1800" spc="-1" strike="noStrike">
-              <a:solidFill>
-                <a:srgbClr val="000000"/>
-              </a:solidFill>
               <a:latin typeface="Arial"/>
             </a:endParaRPr>
           </a:p>
@@ -21440,11 +19206,9 @@
               <a:lnSpc>
                 <a:spcPct val="100000"/>
               </a:lnSpc>
+              <a:buNone/>
             </a:pPr>
             <a:endParaRPr b="0" lang="de-DE" sz="1800" spc="-1" strike="noStrike">
-              <a:solidFill>
-                <a:srgbClr val="000000"/>
-              </a:solidFill>
               <a:latin typeface="Arial"/>
             </a:endParaRPr>
           </a:p>
@@ -21453,11 +19217,9 @@
               <a:lnSpc>
                 <a:spcPct val="100000"/>
               </a:lnSpc>
+              <a:buNone/>
             </a:pPr>
             <a:endParaRPr b="0" lang="de-DE" sz="1800" spc="-1" strike="noStrike">
-              <a:solidFill>
-                <a:srgbClr val="000000"/>
-              </a:solidFill>
               <a:latin typeface="Arial"/>
             </a:endParaRPr>
           </a:p>
@@ -21466,11 +19228,9 @@
               <a:lnSpc>
                 <a:spcPct val="100000"/>
               </a:lnSpc>
+              <a:buNone/>
             </a:pPr>
             <a:endParaRPr b="0" lang="de-DE" sz="1800" spc="-1" strike="noStrike">
-              <a:solidFill>
-                <a:srgbClr val="000000"/>
-              </a:solidFill>
               <a:latin typeface="Arial"/>
             </a:endParaRPr>
           </a:p>
@@ -21479,11 +19239,9 @@
               <a:lnSpc>
                 <a:spcPct val="100000"/>
               </a:lnSpc>
+              <a:buNone/>
             </a:pPr>
             <a:endParaRPr b="0" lang="de-DE" sz="1800" spc="-1" strike="noStrike">
-              <a:solidFill>
-                <a:srgbClr val="000000"/>
-              </a:solidFill>
               <a:latin typeface="Arial"/>
             </a:endParaRPr>
           </a:p>
@@ -21492,11 +19250,9 @@
               <a:lnSpc>
                 <a:spcPct val="100000"/>
               </a:lnSpc>
+              <a:buNone/>
             </a:pPr>
             <a:endParaRPr b="0" lang="de-DE" sz="1800" spc="-1" strike="noStrike">
-              <a:solidFill>
-                <a:srgbClr val="000000"/>
-              </a:solidFill>
               <a:latin typeface="Arial"/>
             </a:endParaRPr>
           </a:p>
@@ -21505,11 +19261,9 @@
               <a:lnSpc>
                 <a:spcPct val="100000"/>
               </a:lnSpc>
+              <a:buNone/>
             </a:pPr>
             <a:endParaRPr b="0" lang="de-DE" sz="1800" spc="-1" strike="noStrike">
-              <a:solidFill>
-                <a:srgbClr val="000000"/>
-              </a:solidFill>
               <a:latin typeface="Arial"/>
             </a:endParaRPr>
           </a:p>
@@ -21518,11 +19272,9 @@
               <a:lnSpc>
                 <a:spcPct val="100000"/>
               </a:lnSpc>
+              <a:buNone/>
             </a:pPr>
             <a:endParaRPr b="0" lang="de-DE" sz="1800" spc="-1" strike="noStrike">
-              <a:solidFill>
-                <a:srgbClr val="000000"/>
-              </a:solidFill>
               <a:latin typeface="Arial"/>
             </a:endParaRPr>
           </a:p>
@@ -21531,11 +19283,9 @@
               <a:lnSpc>
                 <a:spcPct val="100000"/>
               </a:lnSpc>
+              <a:buNone/>
             </a:pPr>
             <a:endParaRPr b="0" lang="de-DE" sz="1800" spc="-1" strike="noStrike">
-              <a:solidFill>
-                <a:srgbClr val="000000"/>
-              </a:solidFill>
               <a:latin typeface="Arial"/>
             </a:endParaRPr>
           </a:p>
@@ -21561,9 +19311,6 @@
               <a:t>Entfernung der Gebrauchtwagen älter als 2003</a:t>
             </a:r>
             <a:endParaRPr b="0" lang="de-DE" sz="1800" spc="-1" strike="noStrike">
-              <a:solidFill>
-                <a:srgbClr val="000000"/>
-              </a:solidFill>
               <a:latin typeface="Arial"/>
             </a:endParaRPr>
           </a:p>
@@ -21572,11 +19319,9 @@
               <a:lnSpc>
                 <a:spcPct val="100000"/>
               </a:lnSpc>
+              <a:buNone/>
             </a:pPr>
             <a:endParaRPr b="0" lang="de-DE" sz="1800" spc="-1" strike="noStrike">
-              <a:solidFill>
-                <a:srgbClr val="000000"/>
-              </a:solidFill>
               <a:latin typeface="Arial"/>
             </a:endParaRPr>
           </a:p>
@@ -21602,9 +19347,6 @@
               <a:t>Entfernung der Gebrauchtwagen deren Kilometerstand über 500.000 km liegt</a:t>
             </a:r>
             <a:endParaRPr b="0" lang="de-DE" sz="1800" spc="-1" strike="noStrike">
-              <a:solidFill>
-                <a:srgbClr val="000000"/>
-              </a:solidFill>
               <a:latin typeface="Arial"/>
             </a:endParaRPr>
           </a:p>
@@ -21613,11 +19355,9 @@
               <a:lnSpc>
                 <a:spcPct val="100000"/>
               </a:lnSpc>
+              <a:buNone/>
             </a:pPr>
             <a:endParaRPr b="0" lang="de-DE" sz="1800" spc="-1" strike="noStrike">
-              <a:solidFill>
-                <a:srgbClr val="000000"/>
-              </a:solidFill>
               <a:latin typeface="Arial"/>
             </a:endParaRPr>
           </a:p>
@@ -21636,7 +19376,7 @@
         <p:spPr>
           <a:xfrm>
             <a:off x="5248800" y="2556360"/>
-            <a:ext cx="3791880" cy="2626560"/>
+            <a:ext cx="3791520" cy="2626200"/>
           </a:xfrm>
           <a:prstGeom prst="rect">
             <a:avLst/>
@@ -21689,7 +19429,7 @@
         <p:spPr>
           <a:xfrm>
             <a:off x="2063160" y="443520"/>
-            <a:ext cx="8064720" cy="644760"/>
+            <a:ext cx="8064360" cy="644400"/>
           </a:xfrm>
           <a:prstGeom prst="rect">
             <a:avLst/>
@@ -21704,7 +19444,7 @@
             <a:noAutofit/>
           </a:bodyPr>
           <a:p>
-            <a:pPr marL="228600" indent="0">
+            <a:pPr marL="228600">
               <a:lnSpc>
                 <a:spcPct val="90000"/>
               </a:lnSpc>
@@ -21727,9 +19467,6 @@
               <a:t>Bereinigung der Daten 3</a:t>
             </a:r>
             <a:endParaRPr b="0" lang="de-DE" sz="4000" spc="-1" strike="noStrike">
-              <a:solidFill>
-                <a:srgbClr val="000000"/>
-              </a:solidFill>
               <a:latin typeface="Arial"/>
             </a:endParaRPr>
           </a:p>
@@ -21744,7 +19481,7 @@
         <p:spPr>
           <a:xfrm>
             <a:off x="585360" y="1507680"/>
-            <a:ext cx="9952560" cy="638280"/>
+            <a:ext cx="9952200" cy="638280"/>
           </a:xfrm>
           <a:prstGeom prst="rect">
             <a:avLst/>
@@ -21769,6 +19506,7 @@
               <a:lnSpc>
                 <a:spcPct val="100000"/>
               </a:lnSpc>
+              <a:buNone/>
             </a:pPr>
             <a:r>
               <a:rPr b="1" lang="de-DE" sz="1800" spc="-1" strike="noStrike">
@@ -21781,9 +19519,6 @@
               <a:t>Entfernung der Ausreißer in „price_in_euro“</a:t>
             </a:r>
             <a:endParaRPr b="0" lang="de-DE" sz="1800" spc="-1" strike="noStrike">
-              <a:solidFill>
-                <a:srgbClr val="000000"/>
-              </a:solidFill>
               <a:latin typeface="Arial"/>
             </a:endParaRPr>
           </a:p>
@@ -21809,9 +19544,6 @@
               <a:t>Setzen eines vernünftigen Höchstpreises für ein Gebrauchtwagen (60.000 €) </a:t>
             </a:r>
             <a:endParaRPr b="0" lang="de-DE" sz="1800" spc="-1" strike="noStrike">
-              <a:solidFill>
-                <a:srgbClr val="000000"/>
-              </a:solidFill>
               <a:latin typeface="Arial"/>
             </a:endParaRPr>
           </a:p>
@@ -21831,7 +19563,7 @@
         <p:spPr>
           <a:xfrm>
             <a:off x="585360" y="2443680"/>
-            <a:ext cx="3212640" cy="3842640"/>
+            <a:ext cx="3212280" cy="3842280"/>
           </a:xfrm>
           <a:prstGeom prst="rect">
             <a:avLst/>
@@ -21855,7 +19587,7 @@
         <p:spPr>
           <a:xfrm>
             <a:off x="6339240" y="2553840"/>
-            <a:ext cx="3252240" cy="3842640"/>
+            <a:ext cx="3251880" cy="3842280"/>
           </a:xfrm>
           <a:prstGeom prst="rect">
             <a:avLst/>
@@ -21874,7 +19606,7 @@
         <p:spPr>
           <a:xfrm>
             <a:off x="4048920" y="4169160"/>
-            <a:ext cx="2039400" cy="391680"/>
+            <a:ext cx="2039040" cy="391320"/>
           </a:xfrm>
           <a:prstGeom prst="rightArrow">
             <a:avLst>
@@ -21905,25 +19637,6 @@
           </a:effectRef>
           <a:fontRef idx="minor"/>
         </p:style>
-        <p:txBody>
-          <a:bodyPr lIns="90000" rIns="90000" tIns="45000" bIns="45000" anchor="ctr">
-            <a:noAutofit/>
-          </a:bodyPr>
-          <a:p>
-            <a:pPr algn="ctr">
-              <a:lnSpc>
-                <a:spcPct val="100000"/>
-              </a:lnSpc>
-            </a:pPr>
-            <a:endParaRPr b="0" lang="de-DE" sz="1800" spc="-1" strike="noStrike">
-              <a:solidFill>
-                <a:schemeClr val="lt1"/>
-              </a:solidFill>
-              <a:latin typeface="Arial"/>
-              <a:ea typeface="DejaVu Sans"/>
-            </a:endParaRPr>
-          </a:p>
-        </p:txBody>
       </p:sp>
     </p:spTree>
   </p:cSld>
@@ -21969,7 +19682,7 @@
         <p:spPr>
           <a:xfrm>
             <a:off x="1662480" y="2282400"/>
-            <a:ext cx="7798320" cy="4462560"/>
+            <a:ext cx="7797960" cy="4462200"/>
           </a:xfrm>
           <a:prstGeom prst="rect">
             <a:avLst/>
@@ -21992,7 +19705,7 @@
         <p:spPr>
           <a:xfrm>
             <a:off x="2063160" y="443520"/>
-            <a:ext cx="8064720" cy="644760"/>
+            <a:ext cx="8064360" cy="644400"/>
           </a:xfrm>
           <a:prstGeom prst="rect">
             <a:avLst/>
@@ -22007,7 +19720,7 @@
             <a:noAutofit/>
           </a:bodyPr>
           <a:p>
-            <a:pPr marL="228600" indent="0">
+            <a:pPr marL="228600">
               <a:lnSpc>
                 <a:spcPct val="90000"/>
               </a:lnSpc>
@@ -22030,9 +19743,6 @@
               <a:t>Bereinigung der Daten 4</a:t>
             </a:r>
             <a:endParaRPr b="0" lang="de-DE" sz="4000" spc="-1" strike="noStrike">
-              <a:solidFill>
-                <a:srgbClr val="000000"/>
-              </a:solidFill>
               <a:latin typeface="Arial"/>
             </a:endParaRPr>
           </a:p>
@@ -22047,7 +19757,7 @@
         <p:spPr>
           <a:xfrm>
             <a:off x="585360" y="1553040"/>
-            <a:ext cx="9952560" cy="912600"/>
+            <a:ext cx="9952200" cy="912600"/>
           </a:xfrm>
           <a:prstGeom prst="rect">
             <a:avLst/>
@@ -22072,6 +19782,7 @@
               <a:lnSpc>
                 <a:spcPct val="100000"/>
               </a:lnSpc>
+              <a:buNone/>
             </a:pPr>
             <a:r>
               <a:rPr b="1" lang="de-DE" sz="1800" spc="-1" strike="noStrike">
@@ -22084,9 +19795,6 @@
               <a:t>Entfernung der Spalte „Color“</a:t>
             </a:r>
             <a:endParaRPr b="0" lang="de-DE" sz="1800" spc="-1" strike="noStrike">
-              <a:solidFill>
-                <a:srgbClr val="000000"/>
-              </a:solidFill>
               <a:latin typeface="Arial"/>
             </a:endParaRPr>
           </a:p>
@@ -22112,9 +19820,6 @@
               <a:t>Die Farbe hat fast keinen Einfluss auf den Preis, Farben wie gold, green etc. wenig vertreten</a:t>
             </a:r>
             <a:endParaRPr b="0" lang="de-DE" sz="1800" spc="-1" strike="noStrike">
-              <a:solidFill>
-                <a:srgbClr val="000000"/>
-              </a:solidFill>
               <a:latin typeface="Arial"/>
             </a:endParaRPr>
           </a:p>
@@ -22163,7 +19868,7 @@
         <p:spPr>
           <a:xfrm>
             <a:off x="2063160" y="443520"/>
-            <a:ext cx="8064720" cy="644760"/>
+            <a:ext cx="8064360" cy="644400"/>
           </a:xfrm>
           <a:prstGeom prst="rect">
             <a:avLst/>
@@ -22178,7 +19883,7 @@
             <a:noAutofit/>
           </a:bodyPr>
           <a:p>
-            <a:pPr marL="228600" indent="0">
+            <a:pPr marL="228600">
               <a:lnSpc>
                 <a:spcPct val="90000"/>
               </a:lnSpc>
@@ -22201,9 +19906,6 @@
               <a:t>Bereinigung der Daten 5</a:t>
             </a:r>
             <a:endParaRPr b="0" lang="de-DE" sz="4000" spc="-1" strike="noStrike">
-              <a:solidFill>
-                <a:srgbClr val="000000"/>
-              </a:solidFill>
               <a:latin typeface="Arial"/>
             </a:endParaRPr>
           </a:p>
@@ -22218,7 +19920,7 @@
         <p:spPr>
           <a:xfrm>
             <a:off x="585360" y="1483920"/>
-            <a:ext cx="9952560" cy="363960"/>
+            <a:ext cx="9952200" cy="363960"/>
           </a:xfrm>
           <a:prstGeom prst="rect">
             <a:avLst/>
@@ -22243,6 +19945,7 @@
               <a:lnSpc>
                 <a:spcPct val="100000"/>
               </a:lnSpc>
+              <a:buNone/>
             </a:pPr>
             <a:r>
               <a:rPr b="1" lang="de-DE" sz="1800" spc="-1" strike="noStrike">
@@ -22255,9 +19958,6 @@
               <a:t>Zusammenfassung der Spalte Brand in 2 Kategorien</a:t>
             </a:r>
             <a:endParaRPr b="0" lang="de-DE" sz="1800" spc="-1" strike="noStrike">
-              <a:solidFill>
-                <a:srgbClr val="000000"/>
-              </a:solidFill>
               <a:latin typeface="Arial"/>
             </a:endParaRPr>
           </a:p>
@@ -22277,7 +19977,7 @@
         <p:spPr>
           <a:xfrm>
             <a:off x="1903680" y="1923840"/>
-            <a:ext cx="7315920" cy="4732920"/>
+            <a:ext cx="7315560" cy="4732560"/>
           </a:xfrm>
           <a:prstGeom prst="rect">
             <a:avLst/>
@@ -22301,14 +20001,14 @@
 </file>
 
 <file path=ppt/theme/theme1.xml><?xml version="1.0" encoding="utf-8"?>
-<a:theme xmlns:a="http://schemas.openxmlformats.org/drawingml/2006/main" name="Contents Slide Master">
+<a:theme xmlns:a="http://schemas.openxmlformats.org/drawingml/2006/main" name="Office Theme">
   <a:themeElements>
-    <a:clrScheme name="Benutzerdefiniert 1">
+    <a:clrScheme name="Office">
       <a:dk1>
-        <a:srgbClr val="000000"/>
+        <a:sysClr val="windowText" lastClr="000000"/>
       </a:dk1>
       <a:lt1>
-        <a:srgbClr val="ffffff"/>
+        <a:sysClr val="window" lastClr="FFFFFF"/>
       </a:lt1>
       <a:dk2>
         <a:srgbClr val="002060"/>
@@ -22406,7 +20106,7 @@
         </a:gradFill>
       </a:fillStyleLst>
       <a:lnStyleLst>
-        <a:ln w="6350" cap="flat" cmpd="sng" algn="ctr">
+        <a:ln w="9525" cap="flat" cmpd="sng" algn="ctr">
           <a:solidFill>
             <a:schemeClr val="phClr">
               <a:shade val="95000"/>
@@ -22416,14 +20116,14 @@
           <a:prstDash val="solid"/>
           <a:miter/>
         </a:ln>
-        <a:ln w="12700" cap="flat" cmpd="sng" algn="ctr">
+        <a:ln w="25400" cap="flat" cmpd="sng" algn="ctr">
           <a:solidFill>
             <a:schemeClr val="phClr"/>
           </a:solidFill>
           <a:prstDash val="solid"/>
           <a:miter/>
         </a:ln>
-        <a:ln w="19050" cap="flat" cmpd="sng" algn="ctr">
+        <a:ln w="38100" cap="flat" cmpd="sng" algn="ctr">
           <a:solidFill>
             <a:schemeClr val="phClr"/>
           </a:solidFill>
@@ -22433,10 +20133,22 @@
       </a:lnStyleLst>
       <a:effectStyleLst>
         <a:effectStyle>
-          <a:effectLst/>
+          <a:effectLst>
+            <a:outerShdw blurRad="40000" dist="20000" dir="5400000" rotWithShape="0">
+              <a:srgbClr val="000000">
+                <a:alpha val="38000"/>
+              </a:srgbClr>
+            </a:outerShdw>
+          </a:effectLst>
         </a:effectStyle>
         <a:effectStyle>
-          <a:effectLst/>
+          <a:effectLst>
+            <a:outerShdw blurRad="40000" dist="23000" dir="5400000" rotWithShape="0">
+              <a:srgbClr val="000000">
+                <a:alpha val="35000"/>
+              </a:srgbClr>
+            </a:outerShdw>
+          </a:effectLst>
         </a:effectStyle>
         <a:effectStyle>
           <a:effectLst>
@@ -22515,14 +20227,14 @@
 </file>
 
 <file path=ppt/theme/theme2.xml><?xml version="1.0" encoding="utf-8"?>
-<a:theme xmlns:a="http://schemas.openxmlformats.org/drawingml/2006/main" name="Contents Slide Master">
+<a:theme xmlns:a="http://schemas.openxmlformats.org/drawingml/2006/main" name="Office Theme">
   <a:themeElements>
-    <a:clrScheme name="Benutzerdefiniert 1">
+    <a:clrScheme name="Office">
       <a:dk1>
-        <a:srgbClr val="000000"/>
+        <a:sysClr val="windowText" lastClr="000000"/>
       </a:dk1>
       <a:lt1>
-        <a:srgbClr val="ffffff"/>
+        <a:sysClr val="window" lastClr="FFFFFF"/>
       </a:lt1>
       <a:dk2>
         <a:srgbClr val="002060"/>
@@ -22620,7 +20332,7 @@
         </a:gradFill>
       </a:fillStyleLst>
       <a:lnStyleLst>
-        <a:ln w="6350" cap="flat" cmpd="sng" algn="ctr">
+        <a:ln w="9525" cap="flat" cmpd="sng" algn="ctr">
           <a:solidFill>
             <a:schemeClr val="phClr">
               <a:shade val="95000"/>
@@ -22630,14 +20342,14 @@
           <a:prstDash val="solid"/>
           <a:miter/>
         </a:ln>
-        <a:ln w="12700" cap="flat" cmpd="sng" algn="ctr">
+        <a:ln w="25400" cap="flat" cmpd="sng" algn="ctr">
           <a:solidFill>
             <a:schemeClr val="phClr"/>
           </a:solidFill>
           <a:prstDash val="solid"/>
           <a:miter/>
         </a:ln>
-        <a:ln w="19050" cap="flat" cmpd="sng" algn="ctr">
+        <a:ln w="38100" cap="flat" cmpd="sng" algn="ctr">
           <a:solidFill>
             <a:schemeClr val="phClr"/>
           </a:solidFill>
@@ -22647,10 +20359,22 @@
       </a:lnStyleLst>
       <a:effectStyleLst>
         <a:effectStyle>
-          <a:effectLst/>
+          <a:effectLst>
+            <a:outerShdw blurRad="40000" dist="20000" dir="5400000" rotWithShape="0">
+              <a:srgbClr val="000000">
+                <a:alpha val="38000"/>
+              </a:srgbClr>
+            </a:outerShdw>
+          </a:effectLst>
         </a:effectStyle>
         <a:effectStyle>
-          <a:effectLst/>
+          <a:effectLst>
+            <a:outerShdw blurRad="40000" dist="23000" dir="5400000" rotWithShape="0">
+              <a:srgbClr val="000000">
+                <a:alpha val="35000"/>
+              </a:srgbClr>
+            </a:outerShdw>
+          </a:effectLst>
         </a:effectStyle>
         <a:effectStyle>
           <a:effectLst>
@@ -22729,14 +20453,14 @@
 </file>
 
 <file path=ppt/theme/theme3.xml><?xml version="1.0" encoding="utf-8"?>
-<a:theme xmlns:a="http://schemas.openxmlformats.org/drawingml/2006/main" name="Contents Slide Master">
+<a:theme xmlns:a="http://schemas.openxmlformats.org/drawingml/2006/main" name="Office Theme">
   <a:themeElements>
-    <a:clrScheme name="Benutzerdefiniert 1">
+    <a:clrScheme name="Office">
       <a:dk1>
-        <a:srgbClr val="000000"/>
+        <a:sysClr val="windowText" lastClr="000000"/>
       </a:dk1>
       <a:lt1>
-        <a:srgbClr val="ffffff"/>
+        <a:sysClr val="window" lastClr="FFFFFF"/>
       </a:lt1>
       <a:dk2>
         <a:srgbClr val="002060"/>
@@ -22834,7 +20558,7 @@
         </a:gradFill>
       </a:fillStyleLst>
       <a:lnStyleLst>
-        <a:ln w="6350" cap="flat" cmpd="sng" algn="ctr">
+        <a:ln w="9525" cap="flat" cmpd="sng" algn="ctr">
           <a:solidFill>
             <a:schemeClr val="phClr">
               <a:shade val="95000"/>
@@ -22844,14 +20568,14 @@
           <a:prstDash val="solid"/>
           <a:miter/>
         </a:ln>
-        <a:ln w="12700" cap="flat" cmpd="sng" algn="ctr">
+        <a:ln w="25400" cap="flat" cmpd="sng" algn="ctr">
           <a:solidFill>
             <a:schemeClr val="phClr"/>
           </a:solidFill>
           <a:prstDash val="solid"/>
           <a:miter/>
         </a:ln>
-        <a:ln w="19050" cap="flat" cmpd="sng" algn="ctr">
+        <a:ln w="38100" cap="flat" cmpd="sng" algn="ctr">
           <a:solidFill>
             <a:schemeClr val="phClr"/>
           </a:solidFill>
@@ -22861,10 +20585,22 @@
       </a:lnStyleLst>
       <a:effectStyleLst>
         <a:effectStyle>
-          <a:effectLst/>
+          <a:effectLst>
+            <a:outerShdw blurRad="40000" dist="20000" dir="5400000" rotWithShape="0">
+              <a:srgbClr val="000000">
+                <a:alpha val="38000"/>
+              </a:srgbClr>
+            </a:outerShdw>
+          </a:effectLst>
         </a:effectStyle>
         <a:effectStyle>
-          <a:effectLst/>
+          <a:effectLst>
+            <a:outerShdw blurRad="40000" dist="23000" dir="5400000" rotWithShape="0">
+              <a:srgbClr val="000000">
+                <a:alpha val="35000"/>
+              </a:srgbClr>
+            </a:outerShdw>
+          </a:effectLst>
         </a:effectStyle>
         <a:effectStyle>
           <a:effectLst>
@@ -22943,14 +20679,14 @@
 </file>
 
 <file path=ppt/theme/theme4.xml><?xml version="1.0" encoding="utf-8"?>
-<a:theme xmlns:a="http://schemas.openxmlformats.org/drawingml/2006/main" name="Contents Slide Master">
+<a:theme xmlns:a="http://schemas.openxmlformats.org/drawingml/2006/main" name="Office Theme">
   <a:themeElements>
-    <a:clrScheme name="Benutzerdefiniert 1">
+    <a:clrScheme name="Office">
       <a:dk1>
-        <a:srgbClr val="000000"/>
+        <a:sysClr val="windowText" lastClr="000000"/>
       </a:dk1>
       <a:lt1>
-        <a:srgbClr val="ffffff"/>
+        <a:sysClr val="window" lastClr="FFFFFF"/>
       </a:lt1>
       <a:dk2>
         <a:srgbClr val="002060"/>
@@ -23048,7 +20784,7 @@
         </a:gradFill>
       </a:fillStyleLst>
       <a:lnStyleLst>
-        <a:ln w="6350" cap="flat" cmpd="sng" algn="ctr">
+        <a:ln w="9525" cap="flat" cmpd="sng" algn="ctr">
           <a:solidFill>
             <a:schemeClr val="phClr">
               <a:shade val="95000"/>
@@ -23058,14 +20794,14 @@
           <a:prstDash val="solid"/>
           <a:miter/>
         </a:ln>
-        <a:ln w="12700" cap="flat" cmpd="sng" algn="ctr">
+        <a:ln w="25400" cap="flat" cmpd="sng" algn="ctr">
           <a:solidFill>
             <a:schemeClr val="phClr"/>
           </a:solidFill>
           <a:prstDash val="solid"/>
           <a:miter/>
         </a:ln>
-        <a:ln w="19050" cap="flat" cmpd="sng" algn="ctr">
+        <a:ln w="38100" cap="flat" cmpd="sng" algn="ctr">
           <a:solidFill>
             <a:schemeClr val="phClr"/>
           </a:solidFill>
@@ -23075,10 +20811,22 @@
       </a:lnStyleLst>
       <a:effectStyleLst>
         <a:effectStyle>
-          <a:effectLst/>
+          <a:effectLst>
+            <a:outerShdw blurRad="40000" dist="20000" dir="5400000" rotWithShape="0">
+              <a:srgbClr val="000000">
+                <a:alpha val="38000"/>
+              </a:srgbClr>
+            </a:outerShdw>
+          </a:effectLst>
         </a:effectStyle>
         <a:effectStyle>
-          <a:effectLst/>
+          <a:effectLst>
+            <a:outerShdw blurRad="40000" dist="23000" dir="5400000" rotWithShape="0">
+              <a:srgbClr val="000000">
+                <a:alpha val="35000"/>
+              </a:srgbClr>
+            </a:outerShdw>
+          </a:effectLst>
         </a:effectStyle>
         <a:effectStyle>
           <a:effectLst>
@@ -23157,14 +20905,14 @@
 </file>
 
 <file path=ppt/theme/theme5.xml><?xml version="1.0" encoding="utf-8"?>
-<a:theme xmlns:a="http://schemas.openxmlformats.org/drawingml/2006/main" name="Contents Slide Master">
+<a:theme xmlns:a="http://schemas.openxmlformats.org/drawingml/2006/main" name="Office Theme">
   <a:themeElements>
-    <a:clrScheme name="Benutzerdefiniert 1">
+    <a:clrScheme name="Office">
       <a:dk1>
-        <a:srgbClr val="000000"/>
+        <a:sysClr val="windowText" lastClr="000000"/>
       </a:dk1>
       <a:lt1>
-        <a:srgbClr val="ffffff"/>
+        <a:sysClr val="window" lastClr="FFFFFF"/>
       </a:lt1>
       <a:dk2>
         <a:srgbClr val="002060"/>
@@ -23262,7 +21010,7 @@
         </a:gradFill>
       </a:fillStyleLst>
       <a:lnStyleLst>
-        <a:ln w="6350" cap="flat" cmpd="sng" algn="ctr">
+        <a:ln w="9525" cap="flat" cmpd="sng" algn="ctr">
           <a:solidFill>
             <a:schemeClr val="phClr">
               <a:shade val="95000"/>
@@ -23272,14 +21020,14 @@
           <a:prstDash val="solid"/>
           <a:miter/>
         </a:ln>
-        <a:ln w="12700" cap="flat" cmpd="sng" algn="ctr">
+        <a:ln w="25400" cap="flat" cmpd="sng" algn="ctr">
           <a:solidFill>
             <a:schemeClr val="phClr"/>
           </a:solidFill>
           <a:prstDash val="solid"/>
           <a:miter/>
         </a:ln>
-        <a:ln w="19050" cap="flat" cmpd="sng" algn="ctr">
+        <a:ln w="38100" cap="flat" cmpd="sng" algn="ctr">
           <a:solidFill>
             <a:schemeClr val="phClr"/>
           </a:solidFill>
@@ -23289,10 +21037,22 @@
       </a:lnStyleLst>
       <a:effectStyleLst>
         <a:effectStyle>
-          <a:effectLst/>
+          <a:effectLst>
+            <a:outerShdw blurRad="40000" dist="20000" dir="5400000" rotWithShape="0">
+              <a:srgbClr val="000000">
+                <a:alpha val="38000"/>
+              </a:srgbClr>
+            </a:outerShdw>
+          </a:effectLst>
         </a:effectStyle>
         <a:effectStyle>
-          <a:effectLst/>
+          <a:effectLst>
+            <a:outerShdw blurRad="40000" dist="23000" dir="5400000" rotWithShape="0">
+              <a:srgbClr val="000000">
+                <a:alpha val="35000"/>
+              </a:srgbClr>
+            </a:outerShdw>
+          </a:effectLst>
         </a:effectStyle>
         <a:effectStyle>
           <a:effectLst>
@@ -23371,14 +21131,14 @@
 </file>
 
 <file path=ppt/theme/theme6.xml><?xml version="1.0" encoding="utf-8"?>
-<a:theme xmlns:a="http://schemas.openxmlformats.org/drawingml/2006/main" name="Anfang/Ende">
+<a:theme xmlns:a="http://schemas.openxmlformats.org/drawingml/2006/main" name="Office Theme">
   <a:themeElements>
     <a:clrScheme name="Office">
       <a:dk1>
-        <a:srgbClr val="000000"/>
+        <a:sysClr val="windowText" lastClr="000000"/>
       </a:dk1>
       <a:lt1>
-        <a:srgbClr val="ffffff"/>
+        <a:sysClr val="window" lastClr="FFFFFF"/>
       </a:lt1>
       <a:dk2>
         <a:srgbClr val="0e2841"/>
@@ -23476,7 +21236,7 @@
         </a:gradFill>
       </a:fillStyleLst>
       <a:lnStyleLst>
-        <a:ln w="6350" cap="flat" cmpd="sng" algn="ctr">
+        <a:ln w="9525" cap="flat" cmpd="sng" algn="ctr">
           <a:solidFill>
             <a:schemeClr val="phClr">
               <a:shade val="95000"/>
@@ -23486,14 +21246,14 @@
           <a:prstDash val="solid"/>
           <a:miter/>
         </a:ln>
-        <a:ln w="12700" cap="flat" cmpd="sng" algn="ctr">
+        <a:ln w="25400" cap="flat" cmpd="sng" algn="ctr">
           <a:solidFill>
             <a:schemeClr val="phClr"/>
           </a:solidFill>
           <a:prstDash val="solid"/>
           <a:miter/>
         </a:ln>
-        <a:ln w="19050" cap="flat" cmpd="sng" algn="ctr">
+        <a:ln w="38100" cap="flat" cmpd="sng" algn="ctr">
           <a:solidFill>
             <a:schemeClr val="phClr"/>
           </a:solidFill>
@@ -23503,10 +21263,22 @@
       </a:lnStyleLst>
       <a:effectStyleLst>
         <a:effectStyle>
-          <a:effectLst/>
+          <a:effectLst>
+            <a:outerShdw blurRad="40000" dist="20000" dir="5400000" rotWithShape="0">
+              <a:srgbClr val="000000">
+                <a:alpha val="38000"/>
+              </a:srgbClr>
+            </a:outerShdw>
+          </a:effectLst>
         </a:effectStyle>
         <a:effectStyle>
-          <a:effectLst/>
+          <a:effectLst>
+            <a:outerShdw blurRad="40000" dist="23000" dir="5400000" rotWithShape="0">
+              <a:srgbClr val="000000">
+                <a:alpha val="35000"/>
+              </a:srgbClr>
+            </a:outerShdw>
+          </a:effectLst>
         </a:effectStyle>
         <a:effectStyle>
           <a:effectLst>

--- a/Präsentation_Vorlage.pptx
+++ b/Präsentation_Vorlage.pptx
@@ -14,23 +14,27 @@
     <p:sldId id="257" r:id="rId8"/>
     <p:sldId id="258" r:id="rId9"/>
     <p:sldId id="259" r:id="rId10"/>
-    <p:sldId id="260" r:id="rId11"/>
-    <p:sldId id="261" r:id="rId12"/>
-    <p:sldId id="262" r:id="rId13"/>
-    <p:sldId id="263" r:id="rId14"/>
-    <p:sldId id="264" r:id="rId15"/>
-    <p:sldId id="265" r:id="rId16"/>
-    <p:sldId id="266" r:id="rId17"/>
-    <p:sldId id="267" r:id="rId18"/>
-    <p:sldId id="268" r:id="rId19"/>
-    <p:sldId id="269" r:id="rId20"/>
-    <p:sldId id="270" r:id="rId21"/>
-    <p:sldId id="271" r:id="rId22"/>
-    <p:sldId id="272" r:id="rId23"/>
-    <p:sldId id="273" r:id="rId24"/>
-    <p:sldId id="274" r:id="rId25"/>
-    <p:sldId id="275" r:id="rId26"/>
-    <p:sldId id="276" r:id="rId27"/>
+    <p:sldId id="279" r:id="rId11"/>
+    <p:sldId id="280" r:id="rId12"/>
+    <p:sldId id="281" r:id="rId13"/>
+    <p:sldId id="277" r:id="rId14"/>
+    <p:sldId id="260" r:id="rId15"/>
+    <p:sldId id="261" r:id="rId16"/>
+    <p:sldId id="262" r:id="rId17"/>
+    <p:sldId id="263" r:id="rId18"/>
+    <p:sldId id="264" r:id="rId19"/>
+    <p:sldId id="265" r:id="rId20"/>
+    <p:sldId id="266" r:id="rId21"/>
+    <p:sldId id="267" r:id="rId22"/>
+    <p:sldId id="268" r:id="rId23"/>
+    <p:sldId id="269" r:id="rId24"/>
+    <p:sldId id="270" r:id="rId25"/>
+    <p:sldId id="271" r:id="rId26"/>
+    <p:sldId id="272" r:id="rId27"/>
+    <p:sldId id="273" r:id="rId28"/>
+    <p:sldId id="274" r:id="rId29"/>
+    <p:sldId id="275" r:id="rId30"/>
+    <p:sldId id="276" r:id="rId31"/>
   </p:sldIdLst>
   <p:sldSz cx="12192000" cy="6858000"/>
   <p:notesSz cx="7559675" cy="10691813"/>
@@ -129,6 +133,11 @@
       </a:defRPr>
     </a:lvl9pPr>
   </p:defaultTextStyle>
+  <p:extLst>
+    <p:ext uri="{EFAFB233-063F-42B5-8137-9DF3F51BA10A}">
+      <p15:sldGuideLst xmlns:p15="http://schemas.microsoft.com/office/powerpoint/2012/main"/>
+    </p:ext>
+  </p:extLst>
 </p:presentation>
 </file>
 
@@ -14019,7 +14028,7 @@
       </p:grpSpPr>
       <p:sp>
         <p:nvSpPr>
-          <p:cNvPr id="263" name="PlaceHolder 1"/>
+          <p:cNvPr id="249" name="PlaceHolder 1"/>
           <p:cNvSpPr>
             <a:spLocks noGrp="1"/>
           </p:cNvSpPr>
@@ -14029,7 +14038,7 @@
         </p:nvSpPr>
         <p:spPr>
           <a:xfrm>
-            <a:off x="2063160" y="443520"/>
+            <a:off x="2063160" y="460440"/>
             <a:ext cx="8064360" cy="644400"/>
           </a:xfrm>
           <a:prstGeom prst="rect">
@@ -14042,11 +14051,11 @@
         </p:spPr>
         <p:txBody>
           <a:bodyPr lIns="90000" tIns="45000" rIns="90000" bIns="45000" anchor="ctr">
-            <a:noAutofit/>
-          </a:bodyPr>
-          <a:lstStyle/>
-          <a:p>
-            <a:pPr marL="228600">
+            <a:normAutofit fontScale="80500" lnSpcReduction="20000"/>
+          </a:bodyPr>
+          <a:lstStyle/>
+          <a:p>
+            <a:pPr marL="204120">
               <a:lnSpc>
                 <a:spcPct val="90000"/>
               </a:lnSpc>
@@ -14059,55 +14068,31 @@
               </a:tabLst>
             </a:pPr>
             <a:r>
-              <a:rPr lang="de-DE" sz="4000" b="1" strike="noStrike" spc="-1">
+              <a:rPr lang="de-DE" sz="5400" b="1" strike="noStrike" spc="-1">
                 <a:solidFill>
                   <a:srgbClr val="FFFFFF"/>
                 </a:solidFill>
                 <a:latin typeface="CMU Serif"/>
                 <a:ea typeface="CMU Serif"/>
               </a:rPr>
-              <a:t>Bereinigung der Daten 5</a:t>
+              <a:t>Bereinigung der Daten 2</a:t>
             </a:r>
-            <a:endParaRPr lang="de-DE" sz="4000" b="0" strike="noStrike" spc="-1">
-              <a:latin typeface="Arial"/>
-            </a:endParaRPr>
-          </a:p>
-        </p:txBody>
-      </p:sp>
-      <p:pic>
-        <p:nvPicPr>
-          <p:cNvPr id="264" name="Grafik 3" descr="Ein Bild, das Text, Diagramm, Reihe, parallel enthält.&#10;&#10;KI-generierte Inhalte können fehlerhaft sein."/>
-          <p:cNvPicPr/>
-          <p:nvPr/>
-        </p:nvPicPr>
-        <p:blipFill>
-          <a:blip r:embed="rId2"/>
-          <a:srcRect t="3595"/>
-          <a:stretch/>
-        </p:blipFill>
-        <p:spPr>
-          <a:xfrm>
-            <a:off x="2352600" y="1267920"/>
-            <a:ext cx="7485120" cy="4849560"/>
-          </a:xfrm>
-          <a:prstGeom prst="rect">
-            <a:avLst/>
-          </a:prstGeom>
-          <a:ln w="0">
-            <a:noFill/>
-          </a:ln>
-        </p:spPr>
-      </p:pic>
-      <p:sp>
-        <p:nvSpPr>
-          <p:cNvPr id="265" name="Textfeld 2"/>
+            <a:endParaRPr lang="de-DE" sz="5400" b="0" strike="noStrike" spc="-1">
+              <a:latin typeface="Arial"/>
+            </a:endParaRPr>
+          </a:p>
+        </p:txBody>
+      </p:sp>
+      <p:sp>
+        <p:nvSpPr>
+          <p:cNvPr id="250" name="Textfeld 2"/>
           <p:cNvSpPr/>
           <p:nvPr/>
         </p:nvSpPr>
         <p:spPr>
           <a:xfrm>
-            <a:off x="637200" y="6230520"/>
-            <a:ext cx="9952200" cy="363960"/>
+            <a:off x="550854" y="1538674"/>
+            <a:ext cx="9952200" cy="5353858"/>
           </a:xfrm>
           <a:prstGeom prst="rect">
             <a:avLst/>
@@ -14142,21 +14127,348 @@
               <a:buNone/>
             </a:pPr>
             <a:r>
-              <a:rPr lang="de-DE" sz="1800" b="1" strike="noStrike" spc="-1">
+              <a:rPr lang="de-DE" sz="1800" b="1" strike="noStrike" spc="-1" dirty="0">
                 <a:solidFill>
                   <a:srgbClr val="000000"/>
                 </a:solidFill>
                 <a:latin typeface="Bahnschrift SemiLight"/>
                 <a:ea typeface="Arial Unicode MS"/>
               </a:rPr>
-              <a:t>Der Sprung beträgt ca. 7000 €</a:t>
+              <a:t>Entfernung der Spalte „</a:t>
             </a:r>
-            <a:endParaRPr lang="de-DE" sz="1800" b="0" strike="noStrike" spc="-1">
-              <a:latin typeface="Arial"/>
-            </a:endParaRPr>
-          </a:p>
-        </p:txBody>
-      </p:sp>
+            <a:r>
+              <a:rPr lang="de-DE" sz="1800" b="1" strike="noStrike" spc="-1" dirty="0" err="1">
+                <a:solidFill>
+                  <a:srgbClr val="000000"/>
+                </a:solidFill>
+                <a:latin typeface="Bahnschrift SemiLight"/>
+                <a:ea typeface="Arial Unicode MS"/>
+              </a:rPr>
+              <a:t>fuel_consumption_g_km</a:t>
+            </a:r>
+            <a:r>
+              <a:rPr lang="de-DE" sz="1800" b="1" strike="noStrike" spc="-1" dirty="0">
+                <a:solidFill>
+                  <a:srgbClr val="000000"/>
+                </a:solidFill>
+                <a:latin typeface="Bahnschrift SemiLight"/>
+                <a:ea typeface="Arial Unicode MS"/>
+              </a:rPr>
+              <a:t>“</a:t>
+            </a:r>
+            <a:endParaRPr lang="de-DE" sz="1800" b="0" strike="noStrike" spc="-1" dirty="0">
+              <a:latin typeface="Arial"/>
+            </a:endParaRPr>
+          </a:p>
+          <a:p>
+            <a:pPr marL="285840" indent="-285840">
+              <a:lnSpc>
+                <a:spcPct val="100000"/>
+              </a:lnSpc>
+              <a:buClr>
+                <a:srgbClr val="000000"/>
+              </a:buClr>
+              <a:buFont typeface="Arial"/>
+              <a:buChar char="•"/>
+            </a:pPr>
+            <a:r>
+              <a:rPr lang="de-DE" sz="1800" b="0" strike="noStrike" spc="-1" dirty="0">
+                <a:solidFill>
+                  <a:srgbClr val="000000"/>
+                </a:solidFill>
+                <a:latin typeface="Bahnschrift SemiLight"/>
+                <a:ea typeface="Arial Unicode MS"/>
+              </a:rPr>
+              <a:t>nur sinnvoll befüllt für </a:t>
+            </a:r>
+            <a:r>
+              <a:rPr lang="de-DE" sz="1800" b="0" strike="noStrike" spc="-1" dirty="0" err="1">
+                <a:solidFill>
+                  <a:srgbClr val="000000"/>
+                </a:solidFill>
+                <a:latin typeface="Bahnschrift SemiLight"/>
+                <a:ea typeface="Arial Unicode MS"/>
+              </a:rPr>
+              <a:t>fuel_type</a:t>
+            </a:r>
+            <a:r>
+              <a:rPr lang="de-DE" sz="1800" b="0" strike="noStrike" spc="-1" dirty="0">
+                <a:solidFill>
+                  <a:srgbClr val="000000"/>
+                </a:solidFill>
+                <a:latin typeface="Bahnschrift SemiLight"/>
+                <a:ea typeface="Arial Unicode MS"/>
+              </a:rPr>
+              <a:t> Diesel oder Benzin, nicht für alternative Antriebsarten</a:t>
+            </a:r>
+            <a:endParaRPr lang="de-DE" sz="1800" b="0" strike="noStrike" spc="-1" dirty="0">
+              <a:latin typeface="Arial"/>
+            </a:endParaRPr>
+          </a:p>
+          <a:p>
+            <a:pPr marL="285840" indent="-285840">
+              <a:lnSpc>
+                <a:spcPct val="100000"/>
+              </a:lnSpc>
+              <a:buClr>
+                <a:srgbClr val="000000"/>
+              </a:buClr>
+              <a:buFont typeface="Arial"/>
+              <a:buChar char="•"/>
+            </a:pPr>
+            <a:r>
+              <a:rPr lang="de-DE" sz="1800" b="0" strike="noStrike" spc="-1" dirty="0" err="1">
+                <a:solidFill>
+                  <a:srgbClr val="000000"/>
+                </a:solidFill>
+                <a:latin typeface="Bahnschrift SemiLight"/>
+                <a:ea typeface="Arial Unicode MS"/>
+              </a:rPr>
+              <a:t>fuel_type</a:t>
+            </a:r>
+            <a:r>
+              <a:rPr lang="de-DE" sz="1800" b="0" strike="noStrike" spc="-1" dirty="0">
+                <a:solidFill>
+                  <a:srgbClr val="000000"/>
+                </a:solidFill>
+                <a:latin typeface="Bahnschrift SemiLight"/>
+                <a:ea typeface="Arial Unicode MS"/>
+              </a:rPr>
+              <a:t> zu wichtig für Zielvariable</a:t>
+            </a:r>
+            <a:endParaRPr lang="de-DE" sz="1800" b="0" strike="noStrike" spc="-1" dirty="0">
+              <a:latin typeface="Arial"/>
+            </a:endParaRPr>
+          </a:p>
+          <a:p>
+            <a:pPr>
+              <a:lnSpc>
+                <a:spcPct val="100000"/>
+              </a:lnSpc>
+              <a:buNone/>
+            </a:pPr>
+            <a:endParaRPr lang="de-DE" sz="1800" b="0" strike="noStrike" spc="-1" dirty="0">
+              <a:latin typeface="Arial"/>
+            </a:endParaRPr>
+          </a:p>
+          <a:p>
+            <a:pPr>
+              <a:lnSpc>
+                <a:spcPct val="100000"/>
+              </a:lnSpc>
+              <a:buNone/>
+            </a:pPr>
+            <a:endParaRPr lang="de-DE" sz="1800" b="0" strike="noStrike" spc="-1" dirty="0">
+              <a:latin typeface="Arial"/>
+            </a:endParaRPr>
+          </a:p>
+          <a:p>
+            <a:pPr>
+              <a:lnSpc>
+                <a:spcPct val="100000"/>
+              </a:lnSpc>
+              <a:buNone/>
+            </a:pPr>
+            <a:endParaRPr lang="de-DE" sz="1800" b="0" strike="noStrike" spc="-1" dirty="0">
+              <a:latin typeface="Arial"/>
+            </a:endParaRPr>
+          </a:p>
+          <a:p>
+            <a:pPr>
+              <a:lnSpc>
+                <a:spcPct val="100000"/>
+              </a:lnSpc>
+              <a:buNone/>
+            </a:pPr>
+            <a:endParaRPr lang="de-DE" sz="1800" b="0" strike="noStrike" spc="-1" dirty="0">
+              <a:latin typeface="Arial"/>
+            </a:endParaRPr>
+          </a:p>
+          <a:p>
+            <a:pPr>
+              <a:lnSpc>
+                <a:spcPct val="100000"/>
+              </a:lnSpc>
+              <a:buNone/>
+            </a:pPr>
+            <a:endParaRPr lang="de-DE" sz="1800" b="0" strike="noStrike" spc="-1" dirty="0">
+              <a:latin typeface="Arial"/>
+            </a:endParaRPr>
+          </a:p>
+          <a:p>
+            <a:pPr>
+              <a:lnSpc>
+                <a:spcPct val="100000"/>
+              </a:lnSpc>
+              <a:buNone/>
+            </a:pPr>
+            <a:endParaRPr lang="de-DE" sz="1800" b="0" strike="noStrike" spc="-1" dirty="0">
+              <a:latin typeface="Arial"/>
+            </a:endParaRPr>
+          </a:p>
+          <a:p>
+            <a:pPr>
+              <a:lnSpc>
+                <a:spcPct val="100000"/>
+              </a:lnSpc>
+              <a:buNone/>
+            </a:pPr>
+            <a:endParaRPr lang="de-DE" sz="1800" b="0" strike="noStrike" spc="-1" dirty="0">
+              <a:latin typeface="Arial"/>
+            </a:endParaRPr>
+          </a:p>
+          <a:p>
+            <a:pPr>
+              <a:lnSpc>
+                <a:spcPct val="100000"/>
+              </a:lnSpc>
+              <a:buNone/>
+            </a:pPr>
+            <a:endParaRPr lang="de-DE" sz="1800" b="0" strike="noStrike" spc="-1" dirty="0">
+              <a:latin typeface="Arial"/>
+            </a:endParaRPr>
+          </a:p>
+          <a:p>
+            <a:pPr>
+              <a:lnSpc>
+                <a:spcPct val="100000"/>
+              </a:lnSpc>
+              <a:buNone/>
+            </a:pPr>
+            <a:endParaRPr lang="de-DE" sz="1800" b="0" strike="noStrike" spc="-1" dirty="0">
+              <a:latin typeface="Arial"/>
+            </a:endParaRPr>
+          </a:p>
+          <a:p>
+            <a:pPr>
+              <a:lnSpc>
+                <a:spcPct val="100000"/>
+              </a:lnSpc>
+              <a:buNone/>
+            </a:pPr>
+            <a:endParaRPr lang="de-DE" sz="1800" b="0" strike="noStrike" spc="-1" dirty="0">
+              <a:latin typeface="Arial"/>
+            </a:endParaRPr>
+          </a:p>
+          <a:p>
+            <a:pPr>
+              <a:lnSpc>
+                <a:spcPct val="100000"/>
+              </a:lnSpc>
+              <a:buNone/>
+            </a:pPr>
+            <a:endParaRPr lang="de-DE" sz="1800" b="0" strike="noStrike" spc="-1" dirty="0">
+              <a:latin typeface="Arial"/>
+            </a:endParaRPr>
+          </a:p>
+          <a:p>
+            <a:pPr>
+              <a:lnSpc>
+                <a:spcPct val="100000"/>
+              </a:lnSpc>
+              <a:buNone/>
+            </a:pPr>
+            <a:endParaRPr lang="de-DE" sz="1800" b="0" strike="noStrike" spc="-1" dirty="0">
+              <a:latin typeface="Arial"/>
+            </a:endParaRPr>
+          </a:p>
+          <a:p>
+            <a:pPr marL="285840" indent="-285840">
+              <a:lnSpc>
+                <a:spcPct val="100000"/>
+              </a:lnSpc>
+              <a:buClr>
+                <a:srgbClr val="000000"/>
+              </a:buClr>
+              <a:buFont typeface="Arial"/>
+              <a:buChar char="•"/>
+            </a:pPr>
+            <a:r>
+              <a:rPr lang="de-DE" sz="1800" b="1" strike="noStrike" spc="-1" dirty="0">
+                <a:solidFill>
+                  <a:srgbClr val="000000"/>
+                </a:solidFill>
+                <a:latin typeface="Bahnschrift SemiLight"/>
+                <a:ea typeface="DejaVu Sans"/>
+              </a:rPr>
+              <a:t>Entfernung der Gebrauchtwagen älter als 2003</a:t>
+            </a:r>
+            <a:endParaRPr lang="de-DE" sz="1800" b="0" strike="noStrike" spc="-1" dirty="0">
+              <a:latin typeface="Arial"/>
+            </a:endParaRPr>
+          </a:p>
+          <a:p>
+            <a:pPr>
+              <a:lnSpc>
+                <a:spcPct val="100000"/>
+              </a:lnSpc>
+              <a:buNone/>
+            </a:pPr>
+            <a:endParaRPr lang="de-DE" sz="1800" b="0" strike="noStrike" spc="-1" dirty="0">
+              <a:latin typeface="Arial"/>
+            </a:endParaRPr>
+          </a:p>
+          <a:p>
+            <a:pPr marL="285840" indent="-285840">
+              <a:lnSpc>
+                <a:spcPct val="100000"/>
+              </a:lnSpc>
+              <a:buClr>
+                <a:srgbClr val="000000"/>
+              </a:buClr>
+              <a:buFont typeface="Arial"/>
+              <a:buChar char="•"/>
+            </a:pPr>
+            <a:r>
+              <a:rPr lang="de-DE" sz="1800" b="1" strike="noStrike" spc="-1" dirty="0">
+                <a:solidFill>
+                  <a:srgbClr val="000000"/>
+                </a:solidFill>
+                <a:latin typeface="Bahnschrift SemiLight"/>
+                <a:ea typeface="DejaVu Sans"/>
+              </a:rPr>
+              <a:t>Entfernung der Gebrauchtwagen deren Kilometerstand über 500.000 km liegt</a:t>
+            </a:r>
+            <a:endParaRPr lang="de-DE" sz="1800" b="0" strike="noStrike" spc="-1" dirty="0">
+              <a:latin typeface="Arial"/>
+            </a:endParaRPr>
+          </a:p>
+          <a:p>
+            <a:pPr>
+              <a:lnSpc>
+                <a:spcPct val="100000"/>
+              </a:lnSpc>
+              <a:buNone/>
+            </a:pPr>
+            <a:endParaRPr lang="de-DE" sz="1800" b="0" strike="noStrike" spc="-1" dirty="0">
+              <a:latin typeface="Arial"/>
+            </a:endParaRPr>
+          </a:p>
+        </p:txBody>
+      </p:sp>
+      <p:pic>
+        <p:nvPicPr>
+          <p:cNvPr id="251" name="Grafik 247"/>
+          <p:cNvPicPr/>
+          <p:nvPr/>
+        </p:nvPicPr>
+        <p:blipFill>
+          <a:blip r:embed="rId2"/>
+          <a:stretch/>
+        </p:blipFill>
+        <p:spPr>
+          <a:xfrm>
+            <a:off x="6390937" y="2452842"/>
+            <a:ext cx="4593939" cy="3085316"/>
+          </a:xfrm>
+          <a:prstGeom prst="rect">
+            <a:avLst/>
+          </a:prstGeom>
+          <a:ln w="0">
+            <a:noFill/>
+          </a:ln>
+        </p:spPr>
+      </p:pic>
     </p:spTree>
   </p:cSld>
   <p:clrMapOvr>
@@ -14184,7 +14496,7 @@
       </p:grpSpPr>
       <p:sp>
         <p:nvSpPr>
-          <p:cNvPr id="266" name="PlaceHolder 1"/>
+          <p:cNvPr id="252" name="PlaceHolder 1"/>
           <p:cNvSpPr>
             <a:spLocks noGrp="1"/>
           </p:cNvSpPr>
@@ -14231,7 +14543,7 @@
                 <a:latin typeface="CMU Serif"/>
                 <a:ea typeface="CMU Serif"/>
               </a:rPr>
-              <a:t>Bereinigung der Daten 5</a:t>
+              <a:t>Bereinigung der Daten 3</a:t>
             </a:r>
             <a:endParaRPr lang="de-DE" sz="4000" b="0" strike="noStrike" spc="-1">
               <a:latin typeface="Arial"/>
@@ -14241,14 +14553,14 @@
       </p:sp>
       <p:sp>
         <p:nvSpPr>
-          <p:cNvPr id="267" name="Textfeld 2"/>
+          <p:cNvPr id="253" name="Textfeld 2"/>
           <p:cNvSpPr/>
           <p:nvPr/>
         </p:nvSpPr>
         <p:spPr>
           <a:xfrm>
-            <a:off x="628560" y="1512000"/>
-            <a:ext cx="9952200" cy="644877"/>
+            <a:off x="585360" y="1507680"/>
+            <a:ext cx="9952200" cy="638280"/>
           </a:xfrm>
           <a:prstGeom prst="rect">
             <a:avLst/>
@@ -14276,6 +14588,27 @@
           </a:bodyPr>
           <a:lstStyle/>
           <a:p>
+            <a:pPr>
+              <a:lnSpc>
+                <a:spcPct val="100000"/>
+              </a:lnSpc>
+              <a:buNone/>
+            </a:pPr>
+            <a:r>
+              <a:rPr lang="de-DE" sz="1800" b="1" strike="noStrike" spc="-1">
+                <a:solidFill>
+                  <a:srgbClr val="000000"/>
+                </a:solidFill>
+                <a:latin typeface="Bahnschrift SemiLight"/>
+                <a:ea typeface="Arial Unicode MS"/>
+              </a:rPr>
+              <a:t>Entfernung der Ausreißer in „price_in_euro“</a:t>
+            </a:r>
+            <a:endParaRPr lang="de-DE" sz="1800" b="0" strike="noStrike" spc="-1">
+              <a:latin typeface="Arial"/>
+            </a:endParaRPr>
+          </a:p>
+          <a:p>
             <a:pPr marL="285840" indent="-285840">
               <a:lnSpc>
                 <a:spcPct val="100000"/>
@@ -14287,16 +14620,16 @@
               <a:buChar char="•"/>
             </a:pPr>
             <a:r>
-              <a:rPr lang="de-DE" sz="1800" b="0" strike="noStrike" spc="-1" dirty="0">
+              <a:rPr lang="de-DE" sz="1800" b="0" strike="noStrike" spc="-1">
                 <a:solidFill>
                   <a:srgbClr val="000000"/>
                 </a:solidFill>
                 <a:latin typeface="Bahnschrift SemiLight"/>
-                <a:ea typeface="Arial Unicode MS"/>
+                <a:ea typeface="DejaVu Sans"/>
               </a:rPr>
-              <a:t>Klassifiziert man die Autos anhand dieses Sprungs, wird nochmal der Preisunterschied deutlich.</a:t>
+              <a:t>Setzen eines vernünftigen Höchstpreises für ein Gebrauchtwagen (60.000 €) </a:t>
             </a:r>
-            <a:endParaRPr lang="de-DE" sz="1800" b="0" strike="noStrike" spc="-1" dirty="0">
+            <a:endParaRPr lang="de-DE" sz="1800" b="0" strike="noStrike" spc="-1">
               <a:latin typeface="Arial"/>
             </a:endParaRPr>
           </a:p>
@@ -14304,18 +14637,19 @@
       </p:sp>
       <p:pic>
         <p:nvPicPr>
-          <p:cNvPr id="268" name="Grafik 2" descr="Ein Bild, das Text, Screenshot, Diagramm, Rechteck enthält.&#10;&#10;KI-generierte Inhalte können fehlerhaft sein."/>
+          <p:cNvPr id="254" name="Grafik 4"/>
           <p:cNvPicPr/>
           <p:nvPr/>
         </p:nvPicPr>
         <p:blipFill>
           <a:blip r:embed="rId2"/>
+          <a:srcRect l="3454" t="3588" r="53067" b="14613"/>
           <a:stretch/>
         </p:blipFill>
         <p:spPr>
           <a:xfrm>
-            <a:off x="1131840" y="2229120"/>
-            <a:ext cx="4471920" cy="4183920"/>
+            <a:off x="585360" y="2443680"/>
+            <a:ext cx="3212280" cy="3842280"/>
           </a:xfrm>
           <a:prstGeom prst="rect">
             <a:avLst/>
@@ -14325,6 +14659,78 @@
           </a:ln>
         </p:spPr>
       </p:pic>
+      <p:pic>
+        <p:nvPicPr>
+          <p:cNvPr id="255" name="Grafik 7"/>
+          <p:cNvPicPr/>
+          <p:nvPr/>
+        </p:nvPicPr>
+        <p:blipFill>
+          <a:blip r:embed="rId3"/>
+          <a:srcRect l="3476" t="4038" r="52240" b="13659"/>
+          <a:stretch/>
+        </p:blipFill>
+        <p:spPr>
+          <a:xfrm>
+            <a:off x="6339240" y="2553840"/>
+            <a:ext cx="3251880" cy="3842280"/>
+          </a:xfrm>
+          <a:prstGeom prst="rect">
+            <a:avLst/>
+          </a:prstGeom>
+          <a:ln w="0">
+            <a:noFill/>
+          </a:ln>
+        </p:spPr>
+      </p:pic>
+      <p:sp>
+        <p:nvSpPr>
+          <p:cNvPr id="256" name="Pfeil: nach rechts 8"/>
+          <p:cNvSpPr/>
+          <p:nvPr/>
+        </p:nvSpPr>
+        <p:spPr>
+          <a:xfrm>
+            <a:off x="4048920" y="4169160"/>
+            <a:ext cx="2039040" cy="391320"/>
+          </a:xfrm>
+          <a:prstGeom prst="rightArrow">
+            <a:avLst>
+              <a:gd name="adj1" fmla="val 50000"/>
+              <a:gd name="adj2" fmla="val 50000"/>
+            </a:avLst>
+          </a:prstGeom>
+          <a:solidFill>
+            <a:srgbClr val="002060"/>
+          </a:solidFill>
+          <a:ln>
+            <a:solidFill>
+              <a:srgbClr val="001747"/>
+            </a:solidFill>
+          </a:ln>
+        </p:spPr>
+        <p:style>
+          <a:lnRef idx="2">
+            <a:schemeClr val="accent1">
+              <a:shade val="50000"/>
+            </a:schemeClr>
+          </a:lnRef>
+          <a:fillRef idx="1">
+            <a:schemeClr val="accent1"/>
+          </a:fillRef>
+          <a:effectRef idx="0">
+            <a:schemeClr val="accent1"/>
+          </a:effectRef>
+          <a:fontRef idx="minor"/>
+        </p:style>
+        <p:txBody>
+          <a:bodyPr/>
+          <a:lstStyle/>
+          <a:p>
+            <a:endParaRPr lang="de-DE"/>
+          </a:p>
+        </p:txBody>
+      </p:sp>
     </p:spTree>
   </p:cSld>
   <p:clrMapOvr>
@@ -14350,9 +14756,33 @@
           <a:chExt cx="0" cy="0"/>
         </a:xfrm>
       </p:grpSpPr>
-      <p:sp>
-        <p:nvSpPr>
-          <p:cNvPr id="269" name="PlaceHolder 1"/>
+      <p:pic>
+        <p:nvPicPr>
+          <p:cNvPr id="257" name="Grafik 5"/>
+          <p:cNvPicPr/>
+          <p:nvPr/>
+        </p:nvPicPr>
+        <p:blipFill>
+          <a:blip r:embed="rId2"/>
+          <a:srcRect t="2445" b="2101"/>
+          <a:stretch/>
+        </p:blipFill>
+        <p:spPr>
+          <a:xfrm>
+            <a:off x="1662480" y="2282400"/>
+            <a:ext cx="7797960" cy="4462200"/>
+          </a:xfrm>
+          <a:prstGeom prst="rect">
+            <a:avLst/>
+          </a:prstGeom>
+          <a:ln w="0">
+            <a:noFill/>
+          </a:ln>
+        </p:spPr>
+      </p:pic>
+      <p:sp>
+        <p:nvSpPr>
+          <p:cNvPr id="258" name="PlaceHolder 1"/>
           <p:cNvSpPr>
             <a:spLocks noGrp="1"/>
           </p:cNvSpPr>
@@ -14399,7 +14829,7 @@
                 <a:latin typeface="CMU Serif"/>
                 <a:ea typeface="CMU Serif"/>
               </a:rPr>
-              <a:t>Ergebnis</a:t>
+              <a:t>Bereinigung der Daten 4</a:t>
             </a:r>
             <a:endParaRPr lang="de-DE" sz="4000" b="0" strike="noStrike" spc="-1">
               <a:latin typeface="Arial"/>
@@ -14409,13 +14839,13 @@
       </p:sp>
       <p:sp>
         <p:nvSpPr>
-          <p:cNvPr id="270" name="Textfeld 2"/>
+          <p:cNvPr id="259" name="Textfeld 2"/>
           <p:cNvSpPr/>
           <p:nvPr/>
         </p:nvSpPr>
         <p:spPr>
           <a:xfrm>
-            <a:off x="628560" y="1512000"/>
+            <a:off x="585360" y="1553040"/>
             <a:ext cx="9952200" cy="912600"/>
           </a:xfrm>
           <a:prstGeom prst="rect">
@@ -14443,6 +14873,27 @@
             <a:spAutoFit/>
           </a:bodyPr>
           <a:lstStyle/>
+          <a:p>
+            <a:pPr>
+              <a:lnSpc>
+                <a:spcPct val="100000"/>
+              </a:lnSpc>
+              <a:buNone/>
+            </a:pPr>
+            <a:r>
+              <a:rPr lang="de-DE" sz="1800" b="1" strike="noStrike" spc="-1">
+                <a:solidFill>
+                  <a:srgbClr val="000000"/>
+                </a:solidFill>
+                <a:latin typeface="Bahnschrift SemiLight"/>
+                <a:ea typeface="Arial Unicode MS"/>
+              </a:rPr>
+              <a:t>Entfernung der Spalte „Color“</a:t>
+            </a:r>
+            <a:endParaRPr lang="de-DE" sz="1800" b="0" strike="noStrike" spc="-1">
+              <a:latin typeface="Arial"/>
+            </a:endParaRPr>
+          </a:p>
           <a:p>
             <a:pPr marL="285840" indent="-285840">
               <a:lnSpc>
@@ -14460,51 +14911,9 @@
                   <a:srgbClr val="000000"/>
                 </a:solidFill>
                 <a:latin typeface="Bahnschrift SemiLight"/>
-                <a:ea typeface="Arial Unicode MS"/>
+                <a:ea typeface="DejaVu Sans"/>
               </a:rPr>
-              <a:t>Durch unsere Analyse und Bereinigung haben wir:</a:t>
-            </a:r>
-            <a:endParaRPr lang="de-DE" sz="1800" b="0" strike="noStrike" spc="-1">
-              <a:latin typeface="Arial"/>
-            </a:endParaRPr>
-          </a:p>
-          <a:p>
-            <a:pPr>
-              <a:lnSpc>
-                <a:spcPct val="100000"/>
-              </a:lnSpc>
-              <a:buNone/>
-            </a:pPr>
-            <a:r>
-              <a:rPr lang="de-DE" sz="1800" b="0" strike="noStrike" spc="-1">
-                <a:solidFill>
-                  <a:srgbClr val="000000"/>
-                </a:solidFill>
-                <a:latin typeface="Bahnschrift SemiLight"/>
-                <a:ea typeface="Arial Unicode MS"/>
-              </a:rPr>
-              <a:t>	- die Anzahl der Variablen reduziert von 15 -&gt; 8</a:t>
-            </a:r>
-            <a:endParaRPr lang="de-DE" sz="1800" b="0" strike="noStrike" spc="-1">
-              <a:latin typeface="Arial"/>
-            </a:endParaRPr>
-          </a:p>
-          <a:p>
-            <a:pPr>
-              <a:lnSpc>
-                <a:spcPct val="100000"/>
-              </a:lnSpc>
-              <a:buNone/>
-            </a:pPr>
-            <a:r>
-              <a:rPr lang="de-DE" sz="1800" b="0" strike="noStrike" spc="-1">
-                <a:solidFill>
-                  <a:srgbClr val="000000"/>
-                </a:solidFill>
-                <a:latin typeface="Bahnschrift SemiLight"/>
-                <a:ea typeface="Arial Unicode MS"/>
-              </a:rPr>
-              <a:t>	- die Anzahl der Einträge reduzieret von 100.000 -&gt; 88.507</a:t>
+              <a:t>Die Farbe hat fast keinen Einfluss auf den Preis, Farben wie gold, green etc. wenig vertreten</a:t>
             </a:r>
             <a:endParaRPr lang="de-DE" sz="1800" b="0" strike="noStrike" spc="-1">
               <a:latin typeface="Arial"/>
@@ -14539,14 +14948,71 @@
       </p:grpSpPr>
       <p:sp>
         <p:nvSpPr>
-          <p:cNvPr id="271" name="TextBox 3"/>
+          <p:cNvPr id="260" name="PlaceHolder 1"/>
+          <p:cNvSpPr>
+            <a:spLocks noGrp="1"/>
+          </p:cNvSpPr>
+          <p:nvPr>
+            <p:ph/>
+          </p:nvPr>
+        </p:nvSpPr>
+        <p:spPr>
+          <a:xfrm>
+            <a:off x="2063160" y="443520"/>
+            <a:ext cx="8064360" cy="644400"/>
+          </a:xfrm>
+          <a:prstGeom prst="rect">
+            <a:avLst/>
+          </a:prstGeom>
+          <a:noFill/>
+          <a:ln w="0">
+            <a:noFill/>
+          </a:ln>
+        </p:spPr>
+        <p:txBody>
+          <a:bodyPr lIns="90000" tIns="45000" rIns="90000" bIns="45000" anchor="ctr">
+            <a:noAutofit/>
+          </a:bodyPr>
+          <a:lstStyle/>
+          <a:p>
+            <a:pPr marL="228600">
+              <a:lnSpc>
+                <a:spcPct val="90000"/>
+              </a:lnSpc>
+              <a:spcBef>
+                <a:spcPts val="1001"/>
+              </a:spcBef>
+              <a:buNone/>
+              <a:tabLst>
+                <a:tab pos="0" algn="l"/>
+              </a:tabLst>
+            </a:pPr>
+            <a:r>
+              <a:rPr lang="de-DE" sz="4000" b="1" strike="noStrike" spc="-1">
+                <a:solidFill>
+                  <a:srgbClr val="FFFFFF"/>
+                </a:solidFill>
+                <a:latin typeface="CMU Serif"/>
+                <a:ea typeface="CMU Serif"/>
+              </a:rPr>
+              <a:t>Bereinigung der Daten 5</a:t>
+            </a:r>
+            <a:endParaRPr lang="de-DE" sz="4000" b="0" strike="noStrike" spc="-1">
+              <a:latin typeface="Arial"/>
+            </a:endParaRPr>
+          </a:p>
+        </p:txBody>
+      </p:sp>
+      <p:sp>
+        <p:nvSpPr>
+          <p:cNvPr id="261" name="Textfeld 2"/>
           <p:cNvSpPr/>
           <p:nvPr/>
         </p:nvSpPr>
         <p:spPr>
           <a:xfrm>
-            <a:off x="5686920" y="2698200"/>
-            <a:ext cx="6326640" cy="1460880"/>
+            <a:off x="585360" y="1483920"/>
+            <a:ext cx="9952200" cy="363960"/>
           </a:xfrm>
           <a:prstGeom prst="rect">
             <a:avLst/>
@@ -14569,6 +15035,634 @@
           <a:fontRef idx="minor"/>
         </p:style>
         <p:txBody>
+          <a:bodyPr lIns="90000" tIns="45000" rIns="90000" bIns="45000" anchor="t">
+            <a:spAutoFit/>
+          </a:bodyPr>
+          <a:lstStyle/>
+          <a:p>
+            <a:pPr>
+              <a:lnSpc>
+                <a:spcPct val="100000"/>
+              </a:lnSpc>
+              <a:buNone/>
+            </a:pPr>
+            <a:r>
+              <a:rPr lang="de-DE" sz="1800" b="1" strike="noStrike" spc="-1">
+                <a:solidFill>
+                  <a:srgbClr val="000000"/>
+                </a:solidFill>
+                <a:latin typeface="Bahnschrift SemiLight"/>
+                <a:ea typeface="Arial Unicode MS"/>
+              </a:rPr>
+              <a:t>Zusammenfassung der Spalte Brand in 2 Kategorien</a:t>
+            </a:r>
+            <a:endParaRPr lang="de-DE" sz="1800" b="0" strike="noStrike" spc="-1">
+              <a:latin typeface="Arial"/>
+            </a:endParaRPr>
+          </a:p>
+        </p:txBody>
+      </p:sp>
+      <p:pic>
+        <p:nvPicPr>
+          <p:cNvPr id="262" name="Grafik 2" descr="Ein Bild, das Text, Diagramm, Screenshot, Reihe enthält.&#10;&#10;KI-generierte Inhalte können fehlerhaft sein."/>
+          <p:cNvPicPr/>
+          <p:nvPr/>
+        </p:nvPicPr>
+        <p:blipFill>
+          <a:blip r:embed="rId2"/>
+          <a:srcRect t="3740"/>
+          <a:stretch/>
+        </p:blipFill>
+        <p:spPr>
+          <a:xfrm>
+            <a:off x="1903680" y="1923840"/>
+            <a:ext cx="7315560" cy="4732560"/>
+          </a:xfrm>
+          <a:prstGeom prst="rect">
+            <a:avLst/>
+          </a:prstGeom>
+          <a:ln w="0">
+            <a:noFill/>
+          </a:ln>
+        </p:spPr>
+      </p:pic>
+    </p:spTree>
+  </p:cSld>
+  <p:clrMapOvr>
+    <a:masterClrMapping/>
+  </p:clrMapOvr>
+</p:sld>
+</file>
+
+<file path=ppt/slides/slide14.xml><?xml version="1.0" encoding="utf-8"?>
+<p:sld xmlns:a="http://schemas.openxmlformats.org/drawingml/2006/main" xmlns:r="http://schemas.openxmlformats.org/officeDocument/2006/relationships" xmlns:p="http://schemas.openxmlformats.org/presentationml/2006/main">
+  <p:cSld>
+    <p:spTree>
+      <p:nvGrpSpPr>
+        <p:cNvPr id="1" name=""/>
+        <p:cNvGrpSpPr/>
+        <p:nvPr/>
+      </p:nvGrpSpPr>
+      <p:grpSpPr>
+        <a:xfrm>
+          <a:off x="0" y="0"/>
+          <a:ext cx="0" cy="0"/>
+          <a:chOff x="0" y="0"/>
+          <a:chExt cx="0" cy="0"/>
+        </a:xfrm>
+      </p:grpSpPr>
+      <p:sp>
+        <p:nvSpPr>
+          <p:cNvPr id="263" name="PlaceHolder 1"/>
+          <p:cNvSpPr>
+            <a:spLocks noGrp="1"/>
+          </p:cNvSpPr>
+          <p:nvPr>
+            <p:ph/>
+          </p:nvPr>
+        </p:nvSpPr>
+        <p:spPr>
+          <a:xfrm>
+            <a:off x="2063160" y="443520"/>
+            <a:ext cx="8064360" cy="644400"/>
+          </a:xfrm>
+          <a:prstGeom prst="rect">
+            <a:avLst/>
+          </a:prstGeom>
+          <a:noFill/>
+          <a:ln w="0">
+            <a:noFill/>
+          </a:ln>
+        </p:spPr>
+        <p:txBody>
+          <a:bodyPr lIns="90000" tIns="45000" rIns="90000" bIns="45000" anchor="ctr">
+            <a:noAutofit/>
+          </a:bodyPr>
+          <a:lstStyle/>
+          <a:p>
+            <a:pPr marL="228600">
+              <a:lnSpc>
+                <a:spcPct val="90000"/>
+              </a:lnSpc>
+              <a:spcBef>
+                <a:spcPts val="1001"/>
+              </a:spcBef>
+              <a:buNone/>
+              <a:tabLst>
+                <a:tab pos="0" algn="l"/>
+              </a:tabLst>
+            </a:pPr>
+            <a:r>
+              <a:rPr lang="de-DE" sz="4000" b="1" strike="noStrike" spc="-1">
+                <a:solidFill>
+                  <a:srgbClr val="FFFFFF"/>
+                </a:solidFill>
+                <a:latin typeface="CMU Serif"/>
+                <a:ea typeface="CMU Serif"/>
+              </a:rPr>
+              <a:t>Bereinigung der Daten 5</a:t>
+            </a:r>
+            <a:endParaRPr lang="de-DE" sz="4000" b="0" strike="noStrike" spc="-1">
+              <a:latin typeface="Arial"/>
+            </a:endParaRPr>
+          </a:p>
+        </p:txBody>
+      </p:sp>
+      <p:pic>
+        <p:nvPicPr>
+          <p:cNvPr id="264" name="Grafik 3" descr="Ein Bild, das Text, Diagramm, Reihe, parallel enthält.&#10;&#10;KI-generierte Inhalte können fehlerhaft sein."/>
+          <p:cNvPicPr/>
+          <p:nvPr/>
+        </p:nvPicPr>
+        <p:blipFill>
+          <a:blip r:embed="rId2"/>
+          <a:srcRect t="3595"/>
+          <a:stretch/>
+        </p:blipFill>
+        <p:spPr>
+          <a:xfrm>
+            <a:off x="2352600" y="1267920"/>
+            <a:ext cx="7485120" cy="4849560"/>
+          </a:xfrm>
+          <a:prstGeom prst="rect">
+            <a:avLst/>
+          </a:prstGeom>
+          <a:ln w="0">
+            <a:noFill/>
+          </a:ln>
+        </p:spPr>
+      </p:pic>
+      <p:sp>
+        <p:nvSpPr>
+          <p:cNvPr id="265" name="Textfeld 2"/>
+          <p:cNvSpPr/>
+          <p:nvPr/>
+        </p:nvSpPr>
+        <p:spPr>
+          <a:xfrm>
+            <a:off x="637200" y="6230520"/>
+            <a:ext cx="9952200" cy="363960"/>
+          </a:xfrm>
+          <a:prstGeom prst="rect">
+            <a:avLst/>
+          </a:prstGeom>
+          <a:noFill/>
+          <a:ln w="0">
+            <a:noFill/>
+          </a:ln>
+        </p:spPr>
+        <p:style>
+          <a:lnRef idx="0">
+            <a:scrgbClr r="0" g="0" b="0"/>
+          </a:lnRef>
+          <a:fillRef idx="0">
+            <a:scrgbClr r="0" g="0" b="0"/>
+          </a:fillRef>
+          <a:effectRef idx="0">
+            <a:scrgbClr r="0" g="0" b="0"/>
+          </a:effectRef>
+          <a:fontRef idx="minor"/>
+        </p:style>
+        <p:txBody>
+          <a:bodyPr lIns="90000" tIns="45000" rIns="90000" bIns="45000" anchor="t">
+            <a:spAutoFit/>
+          </a:bodyPr>
+          <a:lstStyle/>
+          <a:p>
+            <a:pPr>
+              <a:lnSpc>
+                <a:spcPct val="100000"/>
+              </a:lnSpc>
+              <a:buNone/>
+            </a:pPr>
+            <a:r>
+              <a:rPr lang="de-DE" sz="1800" b="1" strike="noStrike" spc="-1" dirty="0">
+                <a:solidFill>
+                  <a:srgbClr val="000000"/>
+                </a:solidFill>
+                <a:latin typeface="Bahnschrift SemiLight"/>
+                <a:ea typeface="Arial Unicode MS"/>
+              </a:rPr>
+              <a:t>Der Sprung beträgt ca. 7000 €</a:t>
+            </a:r>
+            <a:endParaRPr lang="de-DE" sz="1800" b="0" strike="noStrike" spc="-1" dirty="0">
+              <a:latin typeface="Arial"/>
+            </a:endParaRPr>
+          </a:p>
+        </p:txBody>
+      </p:sp>
+    </p:spTree>
+  </p:cSld>
+  <p:clrMapOvr>
+    <a:masterClrMapping/>
+  </p:clrMapOvr>
+</p:sld>
+</file>
+
+<file path=ppt/slides/slide15.xml><?xml version="1.0" encoding="utf-8"?>
+<p:sld xmlns:a="http://schemas.openxmlformats.org/drawingml/2006/main" xmlns:r="http://schemas.openxmlformats.org/officeDocument/2006/relationships" xmlns:p="http://schemas.openxmlformats.org/presentationml/2006/main">
+  <p:cSld>
+    <p:spTree>
+      <p:nvGrpSpPr>
+        <p:cNvPr id="1" name=""/>
+        <p:cNvGrpSpPr/>
+        <p:nvPr/>
+      </p:nvGrpSpPr>
+      <p:grpSpPr>
+        <a:xfrm>
+          <a:off x="0" y="0"/>
+          <a:ext cx="0" cy="0"/>
+          <a:chOff x="0" y="0"/>
+          <a:chExt cx="0" cy="0"/>
+        </a:xfrm>
+      </p:grpSpPr>
+      <p:sp>
+        <p:nvSpPr>
+          <p:cNvPr id="266" name="PlaceHolder 1"/>
+          <p:cNvSpPr>
+            <a:spLocks noGrp="1"/>
+          </p:cNvSpPr>
+          <p:nvPr>
+            <p:ph/>
+          </p:nvPr>
+        </p:nvSpPr>
+        <p:spPr>
+          <a:xfrm>
+            <a:off x="2063160" y="443520"/>
+            <a:ext cx="8064360" cy="644400"/>
+          </a:xfrm>
+          <a:prstGeom prst="rect">
+            <a:avLst/>
+          </a:prstGeom>
+          <a:noFill/>
+          <a:ln w="0">
+            <a:noFill/>
+          </a:ln>
+        </p:spPr>
+        <p:txBody>
+          <a:bodyPr lIns="90000" tIns="45000" rIns="90000" bIns="45000" anchor="ctr">
+            <a:noAutofit/>
+          </a:bodyPr>
+          <a:lstStyle/>
+          <a:p>
+            <a:pPr marL="228600">
+              <a:lnSpc>
+                <a:spcPct val="90000"/>
+              </a:lnSpc>
+              <a:spcBef>
+                <a:spcPts val="1001"/>
+              </a:spcBef>
+              <a:buNone/>
+              <a:tabLst>
+                <a:tab pos="0" algn="l"/>
+              </a:tabLst>
+            </a:pPr>
+            <a:r>
+              <a:rPr lang="de-DE" sz="4000" b="1" strike="noStrike" spc="-1">
+                <a:solidFill>
+                  <a:srgbClr val="FFFFFF"/>
+                </a:solidFill>
+                <a:latin typeface="CMU Serif"/>
+                <a:ea typeface="CMU Serif"/>
+              </a:rPr>
+              <a:t>Bereinigung der Daten 5</a:t>
+            </a:r>
+            <a:endParaRPr lang="de-DE" sz="4000" b="0" strike="noStrike" spc="-1">
+              <a:latin typeface="Arial"/>
+            </a:endParaRPr>
+          </a:p>
+        </p:txBody>
+      </p:sp>
+      <p:sp>
+        <p:nvSpPr>
+          <p:cNvPr id="267" name="Textfeld 2"/>
+          <p:cNvSpPr/>
+          <p:nvPr/>
+        </p:nvSpPr>
+        <p:spPr>
+          <a:xfrm>
+            <a:off x="628560" y="1512000"/>
+            <a:ext cx="9952200" cy="644877"/>
+          </a:xfrm>
+          <a:prstGeom prst="rect">
+            <a:avLst/>
+          </a:prstGeom>
+          <a:noFill/>
+          <a:ln w="0">
+            <a:noFill/>
+          </a:ln>
+        </p:spPr>
+        <p:style>
+          <a:lnRef idx="0">
+            <a:scrgbClr r="0" g="0" b="0"/>
+          </a:lnRef>
+          <a:fillRef idx="0">
+            <a:scrgbClr r="0" g="0" b="0"/>
+          </a:fillRef>
+          <a:effectRef idx="0">
+            <a:scrgbClr r="0" g="0" b="0"/>
+          </a:effectRef>
+          <a:fontRef idx="minor"/>
+        </p:style>
+        <p:txBody>
+          <a:bodyPr lIns="90000" tIns="45000" rIns="90000" bIns="45000" anchor="t">
+            <a:spAutoFit/>
+          </a:bodyPr>
+          <a:lstStyle/>
+          <a:p>
+            <a:pPr marL="285840" indent="-285840">
+              <a:lnSpc>
+                <a:spcPct val="100000"/>
+              </a:lnSpc>
+              <a:buClr>
+                <a:srgbClr val="000000"/>
+              </a:buClr>
+              <a:buFont typeface="Arial"/>
+              <a:buChar char="•"/>
+            </a:pPr>
+            <a:r>
+              <a:rPr lang="de-DE" sz="1800" b="0" strike="noStrike" spc="-1" dirty="0">
+                <a:solidFill>
+                  <a:srgbClr val="000000"/>
+                </a:solidFill>
+                <a:latin typeface="Bahnschrift SemiLight"/>
+                <a:ea typeface="Arial Unicode MS"/>
+              </a:rPr>
+              <a:t>Klassifiziert man die Autos anhand dieses Sprungs, wird nochmal der Preisunterschied deutlich.</a:t>
+            </a:r>
+            <a:endParaRPr lang="de-DE" sz="1800" b="0" strike="noStrike" spc="-1" dirty="0">
+              <a:latin typeface="Arial"/>
+            </a:endParaRPr>
+          </a:p>
+        </p:txBody>
+      </p:sp>
+      <p:pic>
+        <p:nvPicPr>
+          <p:cNvPr id="268" name="Grafik 2" descr="Ein Bild, das Text, Screenshot, Diagramm, Rechteck enthält.&#10;&#10;KI-generierte Inhalte können fehlerhaft sein."/>
+          <p:cNvPicPr/>
+          <p:nvPr/>
+        </p:nvPicPr>
+        <p:blipFill>
+          <a:blip r:embed="rId2"/>
+          <a:stretch/>
+        </p:blipFill>
+        <p:spPr>
+          <a:xfrm>
+            <a:off x="1131840" y="2229120"/>
+            <a:ext cx="4471920" cy="4183920"/>
+          </a:xfrm>
+          <a:prstGeom prst="rect">
+            <a:avLst/>
+          </a:prstGeom>
+          <a:ln w="0">
+            <a:noFill/>
+          </a:ln>
+        </p:spPr>
+      </p:pic>
+    </p:spTree>
+  </p:cSld>
+  <p:clrMapOvr>
+    <a:masterClrMapping/>
+  </p:clrMapOvr>
+</p:sld>
+</file>
+
+<file path=ppt/slides/slide16.xml><?xml version="1.0" encoding="utf-8"?>
+<p:sld xmlns:a="http://schemas.openxmlformats.org/drawingml/2006/main" xmlns:r="http://schemas.openxmlformats.org/officeDocument/2006/relationships" xmlns:p="http://schemas.openxmlformats.org/presentationml/2006/main">
+  <p:cSld>
+    <p:spTree>
+      <p:nvGrpSpPr>
+        <p:cNvPr id="1" name=""/>
+        <p:cNvGrpSpPr/>
+        <p:nvPr/>
+      </p:nvGrpSpPr>
+      <p:grpSpPr>
+        <a:xfrm>
+          <a:off x="0" y="0"/>
+          <a:ext cx="0" cy="0"/>
+          <a:chOff x="0" y="0"/>
+          <a:chExt cx="0" cy="0"/>
+        </a:xfrm>
+      </p:grpSpPr>
+      <p:sp>
+        <p:nvSpPr>
+          <p:cNvPr id="269" name="PlaceHolder 1"/>
+          <p:cNvSpPr>
+            <a:spLocks noGrp="1"/>
+          </p:cNvSpPr>
+          <p:nvPr>
+            <p:ph/>
+          </p:nvPr>
+        </p:nvSpPr>
+        <p:spPr>
+          <a:xfrm>
+            <a:off x="2063160" y="443520"/>
+            <a:ext cx="8064360" cy="644400"/>
+          </a:xfrm>
+          <a:prstGeom prst="rect">
+            <a:avLst/>
+          </a:prstGeom>
+          <a:noFill/>
+          <a:ln w="0">
+            <a:noFill/>
+          </a:ln>
+        </p:spPr>
+        <p:txBody>
+          <a:bodyPr lIns="90000" tIns="45000" rIns="90000" bIns="45000" anchor="ctr">
+            <a:noAutofit/>
+          </a:bodyPr>
+          <a:lstStyle/>
+          <a:p>
+            <a:pPr marL="228600">
+              <a:lnSpc>
+                <a:spcPct val="90000"/>
+              </a:lnSpc>
+              <a:spcBef>
+                <a:spcPts val="1001"/>
+              </a:spcBef>
+              <a:buNone/>
+              <a:tabLst>
+                <a:tab pos="0" algn="l"/>
+              </a:tabLst>
+            </a:pPr>
+            <a:r>
+              <a:rPr lang="de-DE" sz="4000" b="1" strike="noStrike" spc="-1">
+                <a:solidFill>
+                  <a:srgbClr val="FFFFFF"/>
+                </a:solidFill>
+                <a:latin typeface="CMU Serif"/>
+                <a:ea typeface="CMU Serif"/>
+              </a:rPr>
+              <a:t>Ergebnis</a:t>
+            </a:r>
+            <a:endParaRPr lang="de-DE" sz="4000" b="0" strike="noStrike" spc="-1">
+              <a:latin typeface="Arial"/>
+            </a:endParaRPr>
+          </a:p>
+        </p:txBody>
+      </p:sp>
+      <p:sp>
+        <p:nvSpPr>
+          <p:cNvPr id="270" name="Textfeld 2"/>
+          <p:cNvSpPr/>
+          <p:nvPr/>
+        </p:nvSpPr>
+        <p:spPr>
+          <a:xfrm>
+            <a:off x="628560" y="1512000"/>
+            <a:ext cx="9952200" cy="912600"/>
+          </a:xfrm>
+          <a:prstGeom prst="rect">
+            <a:avLst/>
+          </a:prstGeom>
+          <a:noFill/>
+          <a:ln w="0">
+            <a:noFill/>
+          </a:ln>
+        </p:spPr>
+        <p:style>
+          <a:lnRef idx="0">
+            <a:scrgbClr r="0" g="0" b="0"/>
+          </a:lnRef>
+          <a:fillRef idx="0">
+            <a:scrgbClr r="0" g="0" b="0"/>
+          </a:fillRef>
+          <a:effectRef idx="0">
+            <a:scrgbClr r="0" g="0" b="0"/>
+          </a:effectRef>
+          <a:fontRef idx="minor"/>
+        </p:style>
+        <p:txBody>
+          <a:bodyPr lIns="90000" tIns="45000" rIns="90000" bIns="45000" anchor="t">
+            <a:spAutoFit/>
+          </a:bodyPr>
+          <a:lstStyle/>
+          <a:p>
+            <a:pPr marL="285840" indent="-285840">
+              <a:lnSpc>
+                <a:spcPct val="100000"/>
+              </a:lnSpc>
+              <a:buClr>
+                <a:srgbClr val="000000"/>
+              </a:buClr>
+              <a:buFont typeface="Arial"/>
+              <a:buChar char="•"/>
+            </a:pPr>
+            <a:r>
+              <a:rPr lang="de-DE" sz="1800" b="0" strike="noStrike" spc="-1" dirty="0">
+                <a:solidFill>
+                  <a:srgbClr val="000000"/>
+                </a:solidFill>
+                <a:latin typeface="Bahnschrift SemiLight"/>
+                <a:ea typeface="Arial Unicode MS"/>
+              </a:rPr>
+              <a:t>Durch unsere Analyse und Bereinigung haben wir:</a:t>
+            </a:r>
+            <a:endParaRPr lang="de-DE" sz="1800" b="0" strike="noStrike" spc="-1" dirty="0">
+              <a:latin typeface="Arial"/>
+            </a:endParaRPr>
+          </a:p>
+          <a:p>
+            <a:pPr>
+              <a:lnSpc>
+                <a:spcPct val="100000"/>
+              </a:lnSpc>
+              <a:buNone/>
+            </a:pPr>
+            <a:r>
+              <a:rPr lang="de-DE" sz="1800" b="0" strike="noStrike" spc="-1" dirty="0">
+                <a:solidFill>
+                  <a:srgbClr val="000000"/>
+                </a:solidFill>
+                <a:latin typeface="Bahnschrift SemiLight"/>
+                <a:ea typeface="Arial Unicode MS"/>
+              </a:rPr>
+              <a:t>	- die Anzahl der Variablen reduziert von 15 -&gt; 8</a:t>
+            </a:r>
+            <a:endParaRPr lang="de-DE" sz="1800" b="0" strike="noStrike" spc="-1" dirty="0">
+              <a:latin typeface="Arial"/>
+            </a:endParaRPr>
+          </a:p>
+          <a:p>
+            <a:pPr>
+              <a:lnSpc>
+                <a:spcPct val="100000"/>
+              </a:lnSpc>
+              <a:buNone/>
+            </a:pPr>
+            <a:r>
+              <a:rPr lang="de-DE" sz="1800" b="0" strike="noStrike" spc="-1" dirty="0">
+                <a:solidFill>
+                  <a:srgbClr val="000000"/>
+                </a:solidFill>
+                <a:latin typeface="Bahnschrift SemiLight"/>
+                <a:ea typeface="Arial Unicode MS"/>
+              </a:rPr>
+              <a:t>	- die Anzahl der Einträge reduzieret von 100.000 -&gt; 88.507</a:t>
+            </a:r>
+            <a:endParaRPr lang="de-DE" sz="1800" b="0" strike="noStrike" spc="-1" dirty="0">
+              <a:latin typeface="Arial"/>
+            </a:endParaRPr>
+          </a:p>
+        </p:txBody>
+      </p:sp>
+    </p:spTree>
+  </p:cSld>
+  <p:clrMapOvr>
+    <a:masterClrMapping/>
+  </p:clrMapOvr>
+</p:sld>
+</file>
+
+<file path=ppt/slides/slide17.xml><?xml version="1.0" encoding="utf-8"?>
+<p:sld xmlns:a="http://schemas.openxmlformats.org/drawingml/2006/main" xmlns:r="http://schemas.openxmlformats.org/officeDocument/2006/relationships" xmlns:p="http://schemas.openxmlformats.org/presentationml/2006/main">
+  <p:cSld>
+    <p:spTree>
+      <p:nvGrpSpPr>
+        <p:cNvPr id="1" name=""/>
+        <p:cNvGrpSpPr/>
+        <p:nvPr/>
+      </p:nvGrpSpPr>
+      <p:grpSpPr>
+        <a:xfrm>
+          <a:off x="0" y="0"/>
+          <a:ext cx="0" cy="0"/>
+          <a:chOff x="0" y="0"/>
+          <a:chExt cx="0" cy="0"/>
+        </a:xfrm>
+      </p:grpSpPr>
+      <p:sp>
+        <p:nvSpPr>
+          <p:cNvPr id="271" name="TextBox 3"/>
+          <p:cNvSpPr/>
+          <p:nvPr/>
+        </p:nvSpPr>
+        <p:spPr>
+          <a:xfrm>
+            <a:off x="5686920" y="2671467"/>
+            <a:ext cx="6326640" cy="1514346"/>
+          </a:xfrm>
+          <a:prstGeom prst="rect">
+            <a:avLst/>
+          </a:prstGeom>
+          <a:noFill/>
+          <a:ln w="0">
+            <a:noFill/>
+          </a:ln>
+        </p:spPr>
+        <p:style>
+          <a:lnRef idx="0">
+            <a:scrgbClr r="0" g="0" b="0"/>
+          </a:lnRef>
+          <a:fillRef idx="0">
+            <a:scrgbClr r="0" g="0" b="0"/>
+          </a:fillRef>
+          <a:effectRef idx="0">
+            <a:scrgbClr r="0" g="0" b="0"/>
+          </a:effectRef>
+          <a:fontRef idx="minor"/>
+        </p:style>
+        <p:txBody>
           <a:bodyPr lIns="90000" tIns="45000" rIns="90000" bIns="45000" anchor="ctr">
             <a:spAutoFit/>
           </a:bodyPr>
@@ -14584,16 +15678,26 @@
               <a:buNone/>
             </a:pPr>
             <a:r>
-              <a:rPr lang="de-DE" sz="5500" b="1" strike="noStrike" spc="-1">
+              <a:rPr lang="de-DE" sz="5500" b="1" strike="noStrike" spc="-1" dirty="0">
                 <a:solidFill>
                   <a:srgbClr val="002060"/>
                 </a:solidFill>
                 <a:latin typeface="CMU Serif"/>
                 <a:ea typeface="CMU Serif"/>
               </a:rPr>
-              <a:t>2. Support Vector Machine</a:t>
+              <a:t>3. Support Vector </a:t>
             </a:r>
-            <a:endParaRPr lang="de-DE" sz="5500" b="0" strike="noStrike" spc="-1">
+            <a:r>
+              <a:rPr lang="de-DE" sz="5500" b="1" strike="noStrike" spc="-1" dirty="0" err="1">
+                <a:solidFill>
+                  <a:srgbClr val="002060"/>
+                </a:solidFill>
+                <a:latin typeface="CMU Serif"/>
+                <a:ea typeface="CMU Serif"/>
+              </a:rPr>
+              <a:t>Machine</a:t>
+            </a:r>
+            <a:endParaRPr lang="de-DE" sz="5500" b="0" strike="noStrike" spc="-1" dirty="0">
               <a:latin typeface="Arial"/>
             </a:endParaRPr>
           </a:p>
@@ -14889,6 +15993,13 @@
           </a:effectRef>
           <a:fontRef idx="minor"/>
         </p:style>
+        <p:txBody>
+          <a:bodyPr/>
+          <a:lstStyle/>
+          <a:p>
+            <a:endParaRPr lang="de-DE"/>
+          </a:p>
+        </p:txBody>
       </p:sp>
       <p:sp>
         <p:nvSpPr>
@@ -14925,6 +16036,13 @@
           </a:effectRef>
           <a:fontRef idx="minor"/>
         </p:style>
+        <p:txBody>
+          <a:bodyPr/>
+          <a:lstStyle/>
+          <a:p>
+            <a:endParaRPr lang="de-DE"/>
+          </a:p>
+        </p:txBody>
       </p:sp>
     </p:spTree>
   </p:cSld>
@@ -14934,7 +16052,7 @@
 </p:sld>
 </file>
 
-<file path=ppt/slides/slide14.xml><?xml version="1.0" encoding="utf-8"?>
+<file path=ppt/slides/slide18.xml><?xml version="1.0" encoding="utf-8"?>
 <p:sld xmlns:a="http://schemas.openxmlformats.org/drawingml/2006/main" xmlns:r="http://schemas.openxmlformats.org/officeDocument/2006/relationships" xmlns:p="http://schemas.openxmlformats.org/presentationml/2006/main">
   <p:cSld>
     <p:spTree>
@@ -15350,7 +16468,7 @@
 </p:sld>
 </file>
 
-<file path=ppt/slides/slide15.xml><?xml version="1.0" encoding="utf-8"?>
+<file path=ppt/slides/slide19.xml><?xml version="1.0" encoding="utf-8"?>
 <p:sld xmlns:a="http://schemas.openxmlformats.org/drawingml/2006/main" xmlns:r="http://schemas.openxmlformats.org/officeDocument/2006/relationships" xmlns:p="http://schemas.openxmlformats.org/presentationml/2006/main">
   <p:cSld>
     <p:spTree>
@@ -15375,8 +16493,8 @@
         </p:nvSpPr>
         <p:spPr>
           <a:xfrm>
-            <a:off x="5686920" y="2355480"/>
-            <a:ext cx="6326640" cy="2146680"/>
+            <a:off x="5686920" y="2325399"/>
+            <a:ext cx="6326640" cy="2206843"/>
           </a:xfrm>
           <a:prstGeom prst="rect">
             <a:avLst/>
@@ -15414,16 +16532,16 @@
               <a:buNone/>
             </a:pPr>
             <a:r>
-              <a:rPr lang="de-DE" sz="5500" b="1" strike="noStrike" spc="-1">
+              <a:rPr lang="de-DE" sz="5500" b="1" strike="noStrike" spc="-1" dirty="0">
                 <a:solidFill>
                   <a:srgbClr val="002060"/>
                 </a:solidFill>
                 <a:latin typeface="CMU Serif"/>
                 <a:ea typeface="CMU Serif"/>
               </a:rPr>
-              <a:t>3. Entscheidungs-Baum</a:t>
+              <a:t>4. Entscheidungs-Baum</a:t>
             </a:r>
-            <a:endParaRPr lang="de-DE" sz="5500" b="0" strike="noStrike" spc="-1">
+            <a:endParaRPr lang="de-DE" sz="5500" b="0" strike="noStrike" spc="-1" dirty="0">
               <a:latin typeface="Arial"/>
             </a:endParaRPr>
           </a:p>
@@ -15719,6 +16837,13 @@
           </a:effectRef>
           <a:fontRef idx="minor"/>
         </p:style>
+        <p:txBody>
+          <a:bodyPr/>
+          <a:lstStyle/>
+          <a:p>
+            <a:endParaRPr lang="de-DE"/>
+          </a:p>
+        </p:txBody>
       </p:sp>
       <p:sp>
         <p:nvSpPr>
@@ -15755,6 +16880,13 @@
           </a:effectRef>
           <a:fontRef idx="minor"/>
         </p:style>
+        <p:txBody>
+          <a:bodyPr/>
+          <a:lstStyle/>
+          <a:p>
+            <a:endParaRPr lang="de-DE"/>
+          </a:p>
+        </p:txBody>
       </p:sp>
     </p:spTree>
   </p:cSld>
@@ -15764,7 +16896,287 @@
 </p:sld>
 </file>
 
-<file path=ppt/slides/slide16.xml><?xml version="1.0" encoding="utf-8"?>
+<file path=ppt/slides/slide2.xml><?xml version="1.0" encoding="utf-8"?>
+<p:sld xmlns:a="http://schemas.openxmlformats.org/drawingml/2006/main" xmlns:r="http://schemas.openxmlformats.org/officeDocument/2006/relationships" xmlns:p="http://schemas.openxmlformats.org/presentationml/2006/main">
+  <p:cSld>
+    <p:spTree>
+      <p:nvGrpSpPr>
+        <p:cNvPr id="1" name=""/>
+        <p:cNvGrpSpPr/>
+        <p:nvPr/>
+      </p:nvGrpSpPr>
+      <p:grpSpPr>
+        <a:xfrm>
+          <a:off x="0" y="0"/>
+          <a:ext cx="0" cy="0"/>
+          <a:chOff x="0" y="0"/>
+          <a:chExt cx="0" cy="0"/>
+        </a:xfrm>
+      </p:grpSpPr>
+      <p:sp>
+        <p:nvSpPr>
+          <p:cNvPr id="238" name="TextBox 3"/>
+          <p:cNvSpPr/>
+          <p:nvPr/>
+        </p:nvSpPr>
+        <p:spPr>
+          <a:xfrm>
+            <a:off x="0" y="477720"/>
+            <a:ext cx="5444640" cy="775080"/>
+          </a:xfrm>
+          <a:prstGeom prst="rect">
+            <a:avLst/>
+          </a:prstGeom>
+          <a:noFill/>
+          <a:ln w="0">
+            <a:noFill/>
+          </a:ln>
+        </p:spPr>
+        <p:style>
+          <a:lnRef idx="0">
+            <a:scrgbClr r="0" g="0" b="0"/>
+          </a:lnRef>
+          <a:fillRef idx="0">
+            <a:scrgbClr r="0" g="0" b="0"/>
+          </a:fillRef>
+          <a:effectRef idx="0">
+            <a:scrgbClr r="0" g="0" b="0"/>
+          </a:effectRef>
+          <a:fontRef idx="minor"/>
+        </p:style>
+        <p:txBody>
+          <a:bodyPr lIns="90000" tIns="45000" rIns="90000" bIns="45000" anchor="ctr">
+            <a:spAutoFit/>
+          </a:bodyPr>
+          <a:lstStyle/>
+          <a:p>
+            <a:pPr algn="ctr">
+              <a:lnSpc>
+                <a:spcPts val="5400"/>
+              </a:lnSpc>
+              <a:buNone/>
+            </a:pPr>
+            <a:r>
+              <a:rPr lang="de-DE" sz="6000" b="1" strike="noStrike" spc="-1">
+                <a:solidFill>
+                  <a:srgbClr val="002060"/>
+                </a:solidFill>
+                <a:latin typeface="CMU Serif"/>
+                <a:ea typeface="CMU Serif"/>
+              </a:rPr>
+              <a:t>Gliederung</a:t>
+            </a:r>
+            <a:endParaRPr lang="de-DE" sz="6000" b="0" strike="noStrike" spc="-1">
+              <a:latin typeface="Arial"/>
+            </a:endParaRPr>
+          </a:p>
+        </p:txBody>
+      </p:sp>
+      <p:sp>
+        <p:nvSpPr>
+          <p:cNvPr id="239" name="Textfeld 1"/>
+          <p:cNvSpPr/>
+          <p:nvPr/>
+        </p:nvSpPr>
+        <p:spPr>
+          <a:xfrm>
+            <a:off x="762120" y="1355400"/>
+            <a:ext cx="8845560" cy="2284200"/>
+          </a:xfrm>
+          <a:prstGeom prst="rect">
+            <a:avLst/>
+          </a:prstGeom>
+          <a:noFill/>
+          <a:ln w="0">
+            <a:noFill/>
+          </a:ln>
+        </p:spPr>
+        <p:style>
+          <a:lnRef idx="0">
+            <a:scrgbClr r="0" g="0" b="0"/>
+          </a:lnRef>
+          <a:fillRef idx="0">
+            <a:scrgbClr r="0" g="0" b="0"/>
+          </a:fillRef>
+          <a:effectRef idx="0">
+            <a:scrgbClr r="0" g="0" b="0"/>
+          </a:effectRef>
+          <a:fontRef idx="minor"/>
+        </p:style>
+        <p:txBody>
+          <a:bodyPr lIns="90000" tIns="45000" rIns="90000" bIns="45000" anchor="t">
+            <a:spAutoFit/>
+          </a:bodyPr>
+          <a:lstStyle/>
+          <a:p>
+            <a:pPr>
+              <a:lnSpc>
+                <a:spcPct val="100000"/>
+              </a:lnSpc>
+              <a:buNone/>
+            </a:pPr>
+            <a:r>
+              <a:rPr lang="de-DE" sz="1800" b="0" strike="noStrike" spc="-1">
+                <a:solidFill>
+                  <a:srgbClr val="000000"/>
+                </a:solidFill>
+                <a:latin typeface="Bahnschrift SemiLight"/>
+                <a:ea typeface="Arial Unicode MS"/>
+              </a:rPr>
+              <a:t>Vorstellung des Datensatzes und Zweck der Analyse</a:t>
+            </a:r>
+            <a:endParaRPr lang="de-DE" sz="1800" b="0" strike="noStrike" spc="-1">
+              <a:latin typeface="Arial"/>
+            </a:endParaRPr>
+          </a:p>
+          <a:p>
+            <a:pPr>
+              <a:lnSpc>
+                <a:spcPct val="100000"/>
+              </a:lnSpc>
+              <a:buNone/>
+            </a:pPr>
+            <a:r>
+              <a:rPr lang="de-DE" sz="1800" b="0" strike="noStrike" spc="-1">
+                <a:solidFill>
+                  <a:srgbClr val="000000"/>
+                </a:solidFill>
+                <a:latin typeface="Bahnschrift SemiLight"/>
+                <a:ea typeface="Arial Unicode MS"/>
+              </a:rPr>
+              <a:t>Bereinigung des Datensatzes</a:t>
+            </a:r>
+            <a:endParaRPr lang="de-DE" sz="1800" b="0" strike="noStrike" spc="-1">
+              <a:latin typeface="Arial"/>
+            </a:endParaRPr>
+          </a:p>
+          <a:p>
+            <a:pPr>
+              <a:lnSpc>
+                <a:spcPct val="100000"/>
+              </a:lnSpc>
+              <a:buNone/>
+            </a:pPr>
+            <a:r>
+              <a:rPr lang="de-DE" sz="1800" b="0" strike="noStrike" spc="-1">
+                <a:solidFill>
+                  <a:srgbClr val="000000"/>
+                </a:solidFill>
+                <a:latin typeface="Bahnschrift SemiLight"/>
+                <a:ea typeface="Arial Unicode MS"/>
+              </a:rPr>
+              <a:t>Deskriptive Datenanalyse</a:t>
+            </a:r>
+            <a:endParaRPr lang="de-DE" sz="1800" b="0" strike="noStrike" spc="-1">
+              <a:latin typeface="Arial"/>
+            </a:endParaRPr>
+          </a:p>
+          <a:p>
+            <a:pPr>
+              <a:lnSpc>
+                <a:spcPct val="100000"/>
+              </a:lnSpc>
+              <a:buNone/>
+            </a:pPr>
+            <a:r>
+              <a:rPr lang="de-DE" sz="1800" b="0" strike="noStrike" spc="-1">
+                <a:solidFill>
+                  <a:srgbClr val="000000"/>
+                </a:solidFill>
+                <a:latin typeface="Bahnschrift SemiLight"/>
+                <a:ea typeface="Arial Unicode MS"/>
+              </a:rPr>
+              <a:t>3 Maschinelle Lernverfahren:</a:t>
+            </a:r>
+            <a:endParaRPr lang="de-DE" sz="1800" b="0" strike="noStrike" spc="-1">
+              <a:latin typeface="Arial"/>
+            </a:endParaRPr>
+          </a:p>
+          <a:p>
+            <a:pPr>
+              <a:lnSpc>
+                <a:spcPct val="100000"/>
+              </a:lnSpc>
+              <a:buNone/>
+            </a:pPr>
+            <a:r>
+              <a:rPr lang="de-DE" sz="1800" b="0" strike="noStrike" spc="-1">
+                <a:solidFill>
+                  <a:srgbClr val="000000"/>
+                </a:solidFill>
+                <a:latin typeface="Bahnschrift SemiLight"/>
+                <a:ea typeface="Arial Unicode MS"/>
+              </a:rPr>
+              <a:t>	Maschinelles Lernverfahren 1</a:t>
+            </a:r>
+            <a:endParaRPr lang="de-DE" sz="1800" b="0" strike="noStrike" spc="-1">
+              <a:latin typeface="Arial"/>
+            </a:endParaRPr>
+          </a:p>
+          <a:p>
+            <a:pPr>
+              <a:lnSpc>
+                <a:spcPct val="100000"/>
+              </a:lnSpc>
+              <a:buNone/>
+            </a:pPr>
+            <a:r>
+              <a:rPr lang="de-DE" sz="1800" b="0" strike="noStrike" spc="-1">
+                <a:solidFill>
+                  <a:srgbClr val="000000"/>
+                </a:solidFill>
+                <a:latin typeface="Bahnschrift SemiLight"/>
+                <a:ea typeface="Arial Unicode MS"/>
+              </a:rPr>
+              <a:t>	Maschinelles Lernverfahren 2</a:t>
+            </a:r>
+            <a:endParaRPr lang="de-DE" sz="1800" b="0" strike="noStrike" spc="-1">
+              <a:latin typeface="Arial"/>
+            </a:endParaRPr>
+          </a:p>
+          <a:p>
+            <a:pPr>
+              <a:lnSpc>
+                <a:spcPct val="100000"/>
+              </a:lnSpc>
+              <a:buNone/>
+            </a:pPr>
+            <a:r>
+              <a:rPr lang="de-DE" sz="1800" b="0" strike="noStrike" spc="-1">
+                <a:solidFill>
+                  <a:srgbClr val="000000"/>
+                </a:solidFill>
+                <a:latin typeface="Bahnschrift SemiLight"/>
+                <a:ea typeface="Arial Unicode MS"/>
+              </a:rPr>
+              <a:t>	Maschinelles Lernverfahren 3</a:t>
+            </a:r>
+            <a:endParaRPr lang="de-DE" sz="1800" b="0" strike="noStrike" spc="-1">
+              <a:latin typeface="Arial"/>
+            </a:endParaRPr>
+          </a:p>
+          <a:p>
+            <a:pPr>
+              <a:lnSpc>
+                <a:spcPct val="100000"/>
+              </a:lnSpc>
+              <a:buNone/>
+            </a:pPr>
+            <a:endParaRPr lang="de-DE" sz="1800" b="0" strike="noStrike" spc="-1">
+              <a:latin typeface="Arial"/>
+            </a:endParaRPr>
+          </a:p>
+        </p:txBody>
+      </p:sp>
+    </p:spTree>
+  </p:cSld>
+  <p:clrMapOvr>
+    <a:masterClrMapping/>
+  </p:clrMapOvr>
+</p:sld>
+</file>
+
+<file path=ppt/slides/slide20.xml><?xml version="1.0" encoding="utf-8"?>
 <p:sld xmlns:a="http://schemas.openxmlformats.org/drawingml/2006/main" xmlns:r="http://schemas.openxmlformats.org/officeDocument/2006/relationships" xmlns:p="http://schemas.openxmlformats.org/presentationml/2006/main">
   <p:cSld>
     <p:spTree>
@@ -16065,7 +17477,7 @@
 </p:sld>
 </file>
 
-<file path=ppt/slides/slide17.xml><?xml version="1.0" encoding="utf-8"?>
+<file path=ppt/slides/slide21.xml><?xml version="1.0" encoding="utf-8"?>
 <p:sld xmlns:a="http://schemas.openxmlformats.org/drawingml/2006/main" xmlns:r="http://schemas.openxmlformats.org/officeDocument/2006/relationships" xmlns:p="http://schemas.openxmlformats.org/presentationml/2006/main">
   <p:cSld>
     <p:spTree>
@@ -16129,6 +17541,16 @@
               <a:buNone/>
             </a:pPr>
             <a:r>
+              <a:rPr lang="de-DE" sz="5500" b="1" spc="-1" dirty="0">
+                <a:solidFill>
+                  <a:srgbClr val="002060"/>
+                </a:solidFill>
+                <a:latin typeface="CMU Serif"/>
+                <a:ea typeface="CMU Serif"/>
+              </a:rPr>
+              <a:t>5</a:t>
+            </a:r>
+            <a:r>
               <a:rPr lang="de-DE" sz="5500" b="1" strike="noStrike" spc="-1" dirty="0">
                 <a:solidFill>
                   <a:srgbClr val="002060"/>
@@ -16136,7 +17558,7 @@
                 <a:latin typeface="CMU Serif"/>
                 <a:ea typeface="CMU Serif"/>
               </a:rPr>
-              <a:t>4. Neuronales </a:t>
+              <a:t>. Neuronales </a:t>
             </a:r>
           </a:p>
           <a:p>
@@ -16455,6 +17877,13 @@
           </a:effectRef>
           <a:fontRef idx="minor"/>
         </p:style>
+        <p:txBody>
+          <a:bodyPr/>
+          <a:lstStyle/>
+          <a:p>
+            <a:endParaRPr lang="de-DE"/>
+          </a:p>
+        </p:txBody>
       </p:sp>
       <p:sp>
         <p:nvSpPr>
@@ -16491,6 +17920,13 @@
           </a:effectRef>
           <a:fontRef idx="minor"/>
         </p:style>
+        <p:txBody>
+          <a:bodyPr/>
+          <a:lstStyle/>
+          <a:p>
+            <a:endParaRPr lang="de-DE"/>
+          </a:p>
+        </p:txBody>
       </p:sp>
     </p:spTree>
   </p:cSld>
@@ -16500,7 +17936,7 @@
 </p:sld>
 </file>
 
-<file path=ppt/slides/slide18.xml><?xml version="1.0" encoding="utf-8"?>
+<file path=ppt/slides/slide22.xml><?xml version="1.0" encoding="utf-8"?>
 <p:sld xmlns:a="http://schemas.openxmlformats.org/drawingml/2006/main" xmlns:r="http://schemas.openxmlformats.org/officeDocument/2006/relationships" xmlns:p="http://schemas.openxmlformats.org/presentationml/2006/main" show="0">
   <p:cSld>
     <p:spTree>
@@ -16675,6 +18111,13 @@
               </a:effectRef>
               <a:fontRef idx="minor"/>
             </p:style>
+            <p:txBody>
+              <a:bodyPr/>
+              <a:lstStyle/>
+              <a:p>
+                <a:endParaRPr lang="de-DE"/>
+              </a:p>
+            </p:txBody>
           </p:sp>
           <p:grpSp>
             <p:nvGrpSpPr>
@@ -17207,6 +18650,13 @@
                 </a:effectRef>
                 <a:fontRef idx="minor"/>
               </p:style>
+              <p:txBody>
+                <a:bodyPr/>
+                <a:lstStyle/>
+                <a:p>
+                  <a:endParaRPr lang="de-DE"/>
+                </a:p>
+              </p:txBody>
             </p:sp>
             <p:sp>
               <p:nvSpPr>
@@ -17301,6 +18751,13 @@
                 </a:effectRef>
                 <a:fontRef idx="minor"/>
               </p:style>
+              <p:txBody>
+                <a:bodyPr/>
+                <a:lstStyle/>
+                <a:p>
+                  <a:endParaRPr lang="de-DE"/>
+                </a:p>
+              </p:txBody>
             </p:sp>
           </p:grpSp>
         </p:grpSp>
@@ -17341,6 +18798,13 @@
             </a:effectRef>
             <a:fontRef idx="minor"/>
           </p:style>
+          <p:txBody>
+            <a:bodyPr/>
+            <a:lstStyle/>
+            <a:p>
+              <a:endParaRPr lang="de-DE"/>
+            </a:p>
+          </p:txBody>
         </p:sp>
       </p:grpSp>
     </p:spTree>
@@ -17354,7 +18818,7 @@
 </p:sld>
 </file>
 
-<file path=ppt/slides/slide19.xml><?xml version="1.0" encoding="utf-8"?>
+<file path=ppt/slides/slide23.xml><?xml version="1.0" encoding="utf-8"?>
 <p:sld xmlns:a="http://schemas.openxmlformats.org/drawingml/2006/main" xmlns:r="http://schemas.openxmlformats.org/officeDocument/2006/relationships" xmlns:p="http://schemas.openxmlformats.org/presentationml/2006/main">
   <p:cSld>
     <p:spTree>
@@ -17501,7 +18965,7 @@
 </p:sld>
 </file>
 
-<file path=ppt/slides/slide2.xml><?xml version="1.0" encoding="utf-8"?>
+<file path=ppt/slides/slide24.xml><?xml version="1.0" encoding="utf-8"?>
 <p:sld xmlns:a="http://schemas.openxmlformats.org/drawingml/2006/main" xmlns:r="http://schemas.openxmlformats.org/officeDocument/2006/relationships" xmlns:p="http://schemas.openxmlformats.org/presentationml/2006/main">
   <p:cSld>
     <p:spTree>
@@ -17520,286 +18984,6 @@
       </p:grpSpPr>
       <p:sp>
         <p:nvSpPr>
-          <p:cNvPr id="238" name="TextBox 3"/>
-          <p:cNvSpPr/>
-          <p:nvPr/>
-        </p:nvSpPr>
-        <p:spPr>
-          <a:xfrm>
-            <a:off x="0" y="477720"/>
-            <a:ext cx="5444640" cy="775080"/>
-          </a:xfrm>
-          <a:prstGeom prst="rect">
-            <a:avLst/>
-          </a:prstGeom>
-          <a:noFill/>
-          <a:ln w="0">
-            <a:noFill/>
-          </a:ln>
-        </p:spPr>
-        <p:style>
-          <a:lnRef idx="0">
-            <a:scrgbClr r="0" g="0" b="0"/>
-          </a:lnRef>
-          <a:fillRef idx="0">
-            <a:scrgbClr r="0" g="0" b="0"/>
-          </a:fillRef>
-          <a:effectRef idx="0">
-            <a:scrgbClr r="0" g="0" b="0"/>
-          </a:effectRef>
-          <a:fontRef idx="minor"/>
-        </p:style>
-        <p:txBody>
-          <a:bodyPr lIns="90000" tIns="45000" rIns="90000" bIns="45000" anchor="ctr">
-            <a:spAutoFit/>
-          </a:bodyPr>
-          <a:lstStyle/>
-          <a:p>
-            <a:pPr algn="ctr">
-              <a:lnSpc>
-                <a:spcPts val="5400"/>
-              </a:lnSpc>
-              <a:buNone/>
-            </a:pPr>
-            <a:r>
-              <a:rPr lang="de-DE" sz="6000" b="1" strike="noStrike" spc="-1">
-                <a:solidFill>
-                  <a:srgbClr val="002060"/>
-                </a:solidFill>
-                <a:latin typeface="CMU Serif"/>
-                <a:ea typeface="CMU Serif"/>
-              </a:rPr>
-              <a:t>Gliederung</a:t>
-            </a:r>
-            <a:endParaRPr lang="de-DE" sz="6000" b="0" strike="noStrike" spc="-1">
-              <a:latin typeface="Arial"/>
-            </a:endParaRPr>
-          </a:p>
-        </p:txBody>
-      </p:sp>
-      <p:sp>
-        <p:nvSpPr>
-          <p:cNvPr id="239" name="Textfeld 1"/>
-          <p:cNvSpPr/>
-          <p:nvPr/>
-        </p:nvSpPr>
-        <p:spPr>
-          <a:xfrm>
-            <a:off x="762120" y="1355400"/>
-            <a:ext cx="8845560" cy="2284200"/>
-          </a:xfrm>
-          <a:prstGeom prst="rect">
-            <a:avLst/>
-          </a:prstGeom>
-          <a:noFill/>
-          <a:ln w="0">
-            <a:noFill/>
-          </a:ln>
-        </p:spPr>
-        <p:style>
-          <a:lnRef idx="0">
-            <a:scrgbClr r="0" g="0" b="0"/>
-          </a:lnRef>
-          <a:fillRef idx="0">
-            <a:scrgbClr r="0" g="0" b="0"/>
-          </a:fillRef>
-          <a:effectRef idx="0">
-            <a:scrgbClr r="0" g="0" b="0"/>
-          </a:effectRef>
-          <a:fontRef idx="minor"/>
-        </p:style>
-        <p:txBody>
-          <a:bodyPr lIns="90000" tIns="45000" rIns="90000" bIns="45000" anchor="t">
-            <a:spAutoFit/>
-          </a:bodyPr>
-          <a:lstStyle/>
-          <a:p>
-            <a:pPr>
-              <a:lnSpc>
-                <a:spcPct val="100000"/>
-              </a:lnSpc>
-              <a:buNone/>
-            </a:pPr>
-            <a:r>
-              <a:rPr lang="de-DE" sz="1800" b="0" strike="noStrike" spc="-1">
-                <a:solidFill>
-                  <a:srgbClr val="000000"/>
-                </a:solidFill>
-                <a:latin typeface="Bahnschrift SemiLight"/>
-                <a:ea typeface="Arial Unicode MS"/>
-              </a:rPr>
-              <a:t>Vorstellung des Datensatzes und Zweck der Analyse</a:t>
-            </a:r>
-            <a:endParaRPr lang="de-DE" sz="1800" b="0" strike="noStrike" spc="-1">
-              <a:latin typeface="Arial"/>
-            </a:endParaRPr>
-          </a:p>
-          <a:p>
-            <a:pPr>
-              <a:lnSpc>
-                <a:spcPct val="100000"/>
-              </a:lnSpc>
-              <a:buNone/>
-            </a:pPr>
-            <a:r>
-              <a:rPr lang="de-DE" sz="1800" b="0" strike="noStrike" spc="-1">
-                <a:solidFill>
-                  <a:srgbClr val="000000"/>
-                </a:solidFill>
-                <a:latin typeface="Bahnschrift SemiLight"/>
-                <a:ea typeface="Arial Unicode MS"/>
-              </a:rPr>
-              <a:t>Bereinigung des Datensatzes</a:t>
-            </a:r>
-            <a:endParaRPr lang="de-DE" sz="1800" b="0" strike="noStrike" spc="-1">
-              <a:latin typeface="Arial"/>
-            </a:endParaRPr>
-          </a:p>
-          <a:p>
-            <a:pPr>
-              <a:lnSpc>
-                <a:spcPct val="100000"/>
-              </a:lnSpc>
-              <a:buNone/>
-            </a:pPr>
-            <a:r>
-              <a:rPr lang="de-DE" sz="1800" b="0" strike="noStrike" spc="-1">
-                <a:solidFill>
-                  <a:srgbClr val="000000"/>
-                </a:solidFill>
-                <a:latin typeface="Bahnschrift SemiLight"/>
-                <a:ea typeface="Arial Unicode MS"/>
-              </a:rPr>
-              <a:t>Deskriptive Datenanalyse</a:t>
-            </a:r>
-            <a:endParaRPr lang="de-DE" sz="1800" b="0" strike="noStrike" spc="-1">
-              <a:latin typeface="Arial"/>
-            </a:endParaRPr>
-          </a:p>
-          <a:p>
-            <a:pPr>
-              <a:lnSpc>
-                <a:spcPct val="100000"/>
-              </a:lnSpc>
-              <a:buNone/>
-            </a:pPr>
-            <a:r>
-              <a:rPr lang="de-DE" sz="1800" b="0" strike="noStrike" spc="-1">
-                <a:solidFill>
-                  <a:srgbClr val="000000"/>
-                </a:solidFill>
-                <a:latin typeface="Bahnschrift SemiLight"/>
-                <a:ea typeface="Arial Unicode MS"/>
-              </a:rPr>
-              <a:t>3 Maschinelle Lernverfahren:</a:t>
-            </a:r>
-            <a:endParaRPr lang="de-DE" sz="1800" b="0" strike="noStrike" spc="-1">
-              <a:latin typeface="Arial"/>
-            </a:endParaRPr>
-          </a:p>
-          <a:p>
-            <a:pPr>
-              <a:lnSpc>
-                <a:spcPct val="100000"/>
-              </a:lnSpc>
-              <a:buNone/>
-            </a:pPr>
-            <a:r>
-              <a:rPr lang="de-DE" sz="1800" b="0" strike="noStrike" spc="-1">
-                <a:solidFill>
-                  <a:srgbClr val="000000"/>
-                </a:solidFill>
-                <a:latin typeface="Bahnschrift SemiLight"/>
-                <a:ea typeface="Arial Unicode MS"/>
-              </a:rPr>
-              <a:t>	Maschinelles Lernverfahren 1</a:t>
-            </a:r>
-            <a:endParaRPr lang="de-DE" sz="1800" b="0" strike="noStrike" spc="-1">
-              <a:latin typeface="Arial"/>
-            </a:endParaRPr>
-          </a:p>
-          <a:p>
-            <a:pPr>
-              <a:lnSpc>
-                <a:spcPct val="100000"/>
-              </a:lnSpc>
-              <a:buNone/>
-            </a:pPr>
-            <a:r>
-              <a:rPr lang="de-DE" sz="1800" b="0" strike="noStrike" spc="-1">
-                <a:solidFill>
-                  <a:srgbClr val="000000"/>
-                </a:solidFill>
-                <a:latin typeface="Bahnschrift SemiLight"/>
-                <a:ea typeface="Arial Unicode MS"/>
-              </a:rPr>
-              <a:t>	Maschinelles Lernverfahren 2</a:t>
-            </a:r>
-            <a:endParaRPr lang="de-DE" sz="1800" b="0" strike="noStrike" spc="-1">
-              <a:latin typeface="Arial"/>
-            </a:endParaRPr>
-          </a:p>
-          <a:p>
-            <a:pPr>
-              <a:lnSpc>
-                <a:spcPct val="100000"/>
-              </a:lnSpc>
-              <a:buNone/>
-            </a:pPr>
-            <a:r>
-              <a:rPr lang="de-DE" sz="1800" b="0" strike="noStrike" spc="-1">
-                <a:solidFill>
-                  <a:srgbClr val="000000"/>
-                </a:solidFill>
-                <a:latin typeface="Bahnschrift SemiLight"/>
-                <a:ea typeface="Arial Unicode MS"/>
-              </a:rPr>
-              <a:t>	Maschinelles Lernverfahren 3</a:t>
-            </a:r>
-            <a:endParaRPr lang="de-DE" sz="1800" b="0" strike="noStrike" spc="-1">
-              <a:latin typeface="Arial"/>
-            </a:endParaRPr>
-          </a:p>
-          <a:p>
-            <a:pPr>
-              <a:lnSpc>
-                <a:spcPct val="100000"/>
-              </a:lnSpc>
-              <a:buNone/>
-            </a:pPr>
-            <a:endParaRPr lang="de-DE" sz="1800" b="0" strike="noStrike" spc="-1">
-              <a:latin typeface="Arial"/>
-            </a:endParaRPr>
-          </a:p>
-        </p:txBody>
-      </p:sp>
-    </p:spTree>
-  </p:cSld>
-  <p:clrMapOvr>
-    <a:masterClrMapping/>
-  </p:clrMapOvr>
-</p:sld>
-</file>
-
-<file path=ppt/slides/slide20.xml><?xml version="1.0" encoding="utf-8"?>
-<p:sld xmlns:a="http://schemas.openxmlformats.org/drawingml/2006/main" xmlns:r="http://schemas.openxmlformats.org/officeDocument/2006/relationships" xmlns:p="http://schemas.openxmlformats.org/presentationml/2006/main">
-  <p:cSld>
-    <p:spTree>
-      <p:nvGrpSpPr>
-        <p:cNvPr id="1" name=""/>
-        <p:cNvGrpSpPr/>
-        <p:nvPr/>
-      </p:nvGrpSpPr>
-      <p:grpSpPr>
-        <a:xfrm>
-          <a:off x="0" y="0"/>
-          <a:ext cx="0" cy="0"/>
-          <a:chOff x="0" y="0"/>
-          <a:chExt cx="0" cy="0"/>
-        </a:xfrm>
-      </p:grpSpPr>
-      <p:sp>
-        <p:nvSpPr>
           <p:cNvPr id="294" name="PlaceHolder 1"/>
           <p:cNvSpPr>
             <a:spLocks noGrp="1"/>
@@ -17823,7 +19007,7 @@
         </p:spPr>
         <p:txBody>
           <a:bodyPr lIns="90000" tIns="45000" rIns="90000" bIns="45000" anchor="ctr">
-            <a:normAutofit fontScale="79000"/>
+            <a:normAutofit fontScale="86500" lnSpcReduction="20000"/>
           </a:bodyPr>
           <a:lstStyle/>
           <a:p>
@@ -17863,7 +19047,7 @@
 </p:sld>
 </file>
 
-<file path=ppt/slides/slide21.xml><?xml version="1.0" encoding="utf-8"?>
+<file path=ppt/slides/slide25.xml><?xml version="1.0" encoding="utf-8"?>
 <p:sld xmlns:a="http://schemas.openxmlformats.org/drawingml/2006/main" xmlns:r="http://schemas.openxmlformats.org/officeDocument/2006/relationships" xmlns:p="http://schemas.openxmlformats.org/presentationml/2006/main">
   <p:cSld>
     <p:spTree>
@@ -18008,7 +19192,7 @@
         </p:nvSpPr>
         <p:spPr>
           <a:xfrm>
-            <a:off x="1590840" y="240480"/>
+            <a:off x="1961776" y="214255"/>
             <a:ext cx="8064360" cy="1017000"/>
           </a:xfrm>
           <a:prstGeom prst="rect">
@@ -18025,7 +19209,7 @@
           </a:bodyPr>
           <a:lstStyle/>
           <a:p>
-            <a:pPr marL="228600" algn="ctr">
+            <a:pPr marL="228600">
               <a:lnSpc>
                 <a:spcPct val="90000"/>
               </a:lnSpc>
@@ -18038,7 +19222,7 @@
               </a:tabLst>
             </a:pPr>
             <a:r>
-              <a:rPr lang="de-DE" sz="4600" b="1" strike="noStrike" spc="-1">
+              <a:rPr lang="de-DE" sz="4600" b="1" strike="noStrike" spc="-1" dirty="0">
                 <a:solidFill>
                   <a:srgbClr val="FFFFFF"/>
                 </a:solidFill>
@@ -18047,7 +19231,7 @@
               </a:rPr>
               <a:t>Datensatz</a:t>
             </a:r>
-            <a:endParaRPr lang="de-DE" sz="4600" b="0" strike="noStrike" spc="-1">
+            <a:endParaRPr lang="de-DE" sz="4600" b="0" strike="noStrike" spc="-1" dirty="0">
               <a:latin typeface="Arial"/>
             </a:endParaRPr>
           </a:p>
@@ -18061,8 +19245,8 @@
         </p:nvSpPr>
         <p:spPr>
           <a:xfrm>
-            <a:off x="596160" y="1539000"/>
-            <a:ext cx="10998000" cy="5027400"/>
+            <a:off x="597000" y="1383373"/>
+            <a:ext cx="10998000" cy="5353858"/>
           </a:xfrm>
           <a:prstGeom prst="rect">
             <a:avLst/>
@@ -18101,7 +19285,7 @@
               <a:buChar char="•"/>
             </a:pPr>
             <a:r>
-              <a:rPr lang="de-DE" sz="1800" b="0" strike="noStrike" spc="-1">
+              <a:rPr lang="de-DE" sz="1800" b="0" strike="noStrike" spc="-1" dirty="0">
                 <a:solidFill>
                   <a:srgbClr val="000000"/>
                 </a:solidFill>
@@ -18111,7 +19295,7 @@
               <a:t>Der Datensatz wurde unter </a:t>
             </a:r>
             <a:r>
-              <a:rPr lang="de-DE" sz="1800" b="0" u="sng" strike="noStrike" spc="-1">
+              <a:rPr lang="de-DE" sz="1800" b="0" u="sng" strike="noStrike" spc="-1" dirty="0">
                 <a:solidFill>
                   <a:srgbClr val="D8D8D8"/>
                 </a:solidFill>
@@ -18123,7 +19307,7 @@
               <a:t>https://www.kaggle.com/datasets/yaminh/german-car-insights</a:t>
             </a:r>
             <a:r>
-              <a:rPr lang="de-DE" sz="1800" b="0" strike="noStrike" spc="-1">
+              <a:rPr lang="de-DE" sz="1800" b="0" strike="noStrike" spc="-1" dirty="0">
                 <a:solidFill>
                   <a:srgbClr val="000000"/>
                 </a:solidFill>
@@ -18132,7 +19316,7 @@
               </a:rPr>
               <a:t> heruntergeladen.</a:t>
             </a:r>
-            <a:endParaRPr lang="de-DE" sz="1800" b="0" strike="noStrike" spc="-1">
+            <a:endParaRPr lang="de-DE" sz="1800" b="0" strike="noStrike" spc="-1" dirty="0">
               <a:latin typeface="Arial"/>
             </a:endParaRPr>
           </a:p>
@@ -18148,16 +19332,16 @@
               <a:buChar char="•"/>
             </a:pPr>
             <a:r>
-              <a:rPr lang="de-DE" sz="1800" b="0" strike="noStrike" spc="-1">
+              <a:rPr lang="de-DE" sz="1800" b="0" strike="noStrike" spc="-1" dirty="0">
                 <a:solidFill>
                   <a:srgbClr val="000000"/>
                 </a:solidFill>
                 <a:latin typeface="Bahnschrift SemiLight"/>
                 <a:ea typeface="Arial Unicode MS"/>
               </a:rPr>
-              <a:t>Beinhaltet 100.000 Einträge zu Gebrauchtwagen auf dem deutschen Markt zwischen den Jahren    1995-2023</a:t>
+              <a:t>Beinhaltet 100.000 Einträge zu Gebrauchtwagen auf dem deutschen Markt zwischen den Jahren 1995-2023</a:t>
             </a:r>
-            <a:endParaRPr lang="de-DE" sz="1800" b="0" strike="noStrike" spc="-1">
+            <a:endParaRPr lang="de-DE" sz="1800" b="0" strike="noStrike" spc="-1" dirty="0">
               <a:latin typeface="Arial"/>
             </a:endParaRPr>
           </a:p>
@@ -18168,7 +19352,7 @@
               </a:lnSpc>
               <a:buNone/>
             </a:pPr>
-            <a:endParaRPr lang="de-DE" sz="1800" b="0" strike="noStrike" spc="-1">
+            <a:endParaRPr lang="de-DE" sz="1800" b="0" strike="noStrike" spc="-1" dirty="0">
               <a:latin typeface="Arial"/>
             </a:endParaRPr>
           </a:p>
@@ -18179,7 +19363,7 @@
               </a:lnSpc>
               <a:buNone/>
             </a:pPr>
-            <a:endParaRPr lang="de-DE" sz="1800" b="0" strike="noStrike" spc="-1">
+            <a:endParaRPr lang="de-DE" sz="1800" b="0" strike="noStrike" spc="-1" dirty="0">
               <a:latin typeface="Arial"/>
             </a:endParaRPr>
           </a:p>
@@ -18190,7 +19374,7 @@
               </a:lnSpc>
               <a:buNone/>
             </a:pPr>
-            <a:endParaRPr lang="de-DE" sz="1800" b="0" strike="noStrike" spc="-1">
+            <a:endParaRPr lang="de-DE" sz="1800" b="0" strike="noStrike" spc="-1" dirty="0">
               <a:latin typeface="Arial"/>
             </a:endParaRPr>
           </a:p>
@@ -18201,7 +19385,7 @@
               </a:lnSpc>
               <a:buNone/>
             </a:pPr>
-            <a:endParaRPr lang="de-DE" sz="1800" b="0" strike="noStrike" spc="-1">
+            <a:endParaRPr lang="de-DE" sz="1800" b="0" strike="noStrike" spc="-1" dirty="0">
               <a:latin typeface="Arial"/>
             </a:endParaRPr>
           </a:p>
@@ -18212,7 +19396,7 @@
               </a:lnSpc>
               <a:buNone/>
             </a:pPr>
-            <a:endParaRPr lang="de-DE" sz="1800" b="0" strike="noStrike" spc="-1">
+            <a:endParaRPr lang="de-DE" sz="1800" b="0" strike="noStrike" spc="-1" dirty="0">
               <a:latin typeface="Arial"/>
             </a:endParaRPr>
           </a:p>
@@ -18223,7 +19407,7 @@
               </a:lnSpc>
               <a:buNone/>
             </a:pPr>
-            <a:endParaRPr lang="de-DE" sz="1800" b="0" strike="noStrike" spc="-1">
+            <a:endParaRPr lang="de-DE" sz="1800" b="0" strike="noStrike" spc="-1" dirty="0">
               <a:latin typeface="Arial"/>
             </a:endParaRPr>
           </a:p>
@@ -18234,7 +19418,7 @@
               </a:lnSpc>
               <a:buNone/>
             </a:pPr>
-            <a:endParaRPr lang="de-DE" sz="1800" b="0" strike="noStrike" spc="-1">
+            <a:endParaRPr lang="de-DE" sz="1800" b="0" strike="noStrike" spc="-1" dirty="0">
               <a:latin typeface="Arial"/>
             </a:endParaRPr>
           </a:p>
@@ -18245,7 +19429,7 @@
               </a:lnSpc>
               <a:buNone/>
             </a:pPr>
-            <a:endParaRPr lang="de-DE" sz="1800" b="0" strike="noStrike" spc="-1">
+            <a:endParaRPr lang="de-DE" sz="1800" b="0" strike="noStrike" spc="-1" dirty="0">
               <a:latin typeface="Arial"/>
             </a:endParaRPr>
           </a:p>
@@ -18256,7 +19440,7 @@
               </a:lnSpc>
               <a:buNone/>
             </a:pPr>
-            <a:endParaRPr lang="de-DE" sz="1800" b="0" strike="noStrike" spc="-1">
+            <a:endParaRPr lang="de-DE" sz="1800" b="0" strike="noStrike" spc="-1" dirty="0">
               <a:latin typeface="Arial"/>
             </a:endParaRPr>
           </a:p>
@@ -18267,7 +19451,7 @@
               </a:lnSpc>
               <a:buNone/>
             </a:pPr>
-            <a:endParaRPr lang="de-DE" sz="1800" b="0" strike="noStrike" spc="-1">
+            <a:endParaRPr lang="de-DE" sz="1800" b="0" strike="noStrike" spc="-1" dirty="0">
               <a:latin typeface="Arial"/>
             </a:endParaRPr>
           </a:p>
@@ -18278,7 +19462,7 @@
               </a:lnSpc>
               <a:buNone/>
             </a:pPr>
-            <a:endParaRPr lang="de-DE" sz="1800" b="0" strike="noStrike" spc="-1">
+            <a:endParaRPr lang="de-DE" sz="1800" b="0" strike="noStrike" spc="-1" dirty="0">
               <a:latin typeface="Arial"/>
             </a:endParaRPr>
           </a:p>
@@ -18289,7 +19473,18 @@
               </a:lnSpc>
               <a:buNone/>
             </a:pPr>
-            <a:endParaRPr lang="de-DE" sz="1800" b="0" strike="noStrike" spc="-1">
+            <a:endParaRPr lang="de-DE" spc="-1" dirty="0">
+              <a:latin typeface="Arial"/>
+            </a:endParaRPr>
+          </a:p>
+          <a:p>
+            <a:pPr>
+              <a:lnSpc>
+                <a:spcPct val="100000"/>
+              </a:lnSpc>
+              <a:buNone/>
+            </a:pPr>
+            <a:endParaRPr lang="de-DE" sz="1800" b="0" strike="noStrike" spc="-1" dirty="0">
               <a:latin typeface="Arial"/>
             </a:endParaRPr>
           </a:p>
@@ -18305,7 +19500,7 @@
               <a:buChar char="•"/>
             </a:pPr>
             <a:r>
-              <a:rPr lang="de-DE" sz="1800" b="1" strike="noStrike" spc="-1">
+              <a:rPr lang="de-DE" sz="1800" b="1" strike="noStrike" spc="-1" dirty="0">
                 <a:solidFill>
                   <a:srgbClr val="000000"/>
                 </a:solidFill>
@@ -18315,16 +19510,16 @@
               <a:t>Use Cases: </a:t>
             </a:r>
             <a:r>
-              <a:rPr lang="de-DE" sz="1800" b="0" strike="noStrike" spc="-1">
+              <a:rPr lang="de-DE" sz="1800" b="0" strike="noStrike" spc="-1" dirty="0">
                 <a:solidFill>
                   <a:srgbClr val="000000"/>
                 </a:solidFill>
                 <a:latin typeface="Bahnschrift SemiLight"/>
                 <a:ea typeface="Arial Unicode MS"/>
               </a:rPr>
-              <a:t>Trendanalyse der Automobilindustrie, Realistische Preiseinschätzung eines Gebrauchtwagens</a:t>
+              <a:t>Trendanalyse der Automobilindustrie, Realistische Preiseinschätzung eines Gebrauchtwagens auf dem deutschen Markt</a:t>
             </a:r>
-            <a:endParaRPr lang="de-DE" sz="1800" b="0" strike="noStrike" spc="-1">
+            <a:endParaRPr lang="de-DE" sz="1800" b="0" strike="noStrike" spc="-1" dirty="0">
               <a:latin typeface="Arial"/>
             </a:endParaRPr>
           </a:p>
@@ -18334,10 +19529,16 @@
         <p:nvGraphicFramePr>
           <p:cNvPr id="242" name="Tabelle 4"/>
           <p:cNvGraphicFramePr/>
-          <p:nvPr/>
+          <p:nvPr>
+            <p:extLst>
+              <p:ext uri="{D42A27DB-BD31-4B8C-83A1-F6EECF244321}">
+                <p14:modId xmlns:p14="http://schemas.microsoft.com/office/powerpoint/2010/main" val="2839761654"/>
+              </p:ext>
+            </p:extLst>
+          </p:nvPr>
         </p:nvGraphicFramePr>
         <p:xfrm>
-          <a:off x="935640" y="2885760"/>
+          <a:off x="935880" y="2790870"/>
           <a:ext cx="4406400" cy="2972160"/>
         </p:xfrm>
         <a:graphic>
@@ -18345,14 +19546,14 @@
             <a:tbl>
               <a:tblPr/>
               <a:tblGrid>
-                <a:gridCol w="2203200">
+                <a:gridCol w="2342158">
                   <a:extLst>
                     <a:ext uri="{9D8B030D-6E8A-4147-A177-3AD203B41FA5}">
                       <a16:colId xmlns:a16="http://schemas.microsoft.com/office/drawing/2014/main" val="20000"/>
                     </a:ext>
                   </a:extLst>
                 </a:gridCol>
-                <a:gridCol w="2203200">
+                <a:gridCol w="2064242">
                   <a:extLst>
                     <a:ext uri="{9D8B030D-6E8A-4147-A177-3AD203B41FA5}">
                       <a16:colId xmlns:a16="http://schemas.microsoft.com/office/drawing/2014/main" val="20001"/>
@@ -18425,7 +19626,7 @@
                         <a:buNone/>
                       </a:pPr>
                       <a:r>
-                        <a:rPr lang="de-DE" sz="1800" b="1" strike="noStrike" spc="-1">
+                        <a:rPr lang="de-DE" sz="1800" b="1" strike="noStrike" spc="-1" dirty="0">
                           <a:solidFill>
                             <a:srgbClr val="FFFFFF"/>
                           </a:solidFill>
@@ -18434,7 +19635,7 @@
                         </a:rPr>
                         <a:t>Typ</a:t>
                       </a:r>
-                      <a:endParaRPr lang="de-DE" sz="1800" b="0" strike="noStrike" spc="-1">
+                      <a:endParaRPr lang="de-DE" sz="1800" b="0" strike="noStrike" spc="-1" dirty="0">
                         <a:latin typeface="Arial"/>
                       </a:endParaRPr>
                     </a:p>
@@ -18928,7 +20129,7 @@
                         <a:buNone/>
                       </a:pPr>
                       <a:r>
-                        <a:rPr lang="de-DE" sz="1800" b="0" strike="noStrike" spc="-1">
+                        <a:rPr lang="de-DE" sz="1800" b="0" strike="noStrike" spc="-1" dirty="0" err="1">
                           <a:solidFill>
                             <a:srgbClr val="000000"/>
                           </a:solidFill>
@@ -18937,7 +20138,7 @@
                         </a:rPr>
                         <a:t>Registration_date</a:t>
                       </a:r>
-                      <a:endParaRPr lang="de-DE" sz="1800" b="0" strike="noStrike" spc="-1">
+                      <a:endParaRPr lang="de-DE" sz="1800" b="0" strike="noStrike" spc="-1" dirty="0">
                         <a:latin typeface="Arial"/>
                       </a:endParaRPr>
                     </a:p>
@@ -19202,7 +20403,7 @@
                         <a:buNone/>
                       </a:pPr>
                       <a:r>
-                        <a:rPr lang="de-DE" sz="1800" b="0" strike="noStrike" spc="-1">
+                        <a:rPr lang="de-DE" sz="1800" b="0" strike="noStrike" spc="-1" dirty="0" err="1">
                           <a:solidFill>
                             <a:srgbClr val="000000"/>
                           </a:solidFill>
@@ -19211,7 +20412,7 @@
                         </a:rPr>
                         <a:t>Int</a:t>
                       </a:r>
-                      <a:endParaRPr lang="de-DE" sz="1800" b="0" strike="noStrike" spc="-1">
+                      <a:endParaRPr lang="de-DE" sz="1800" b="0" strike="noStrike" spc="-1" dirty="0">
                         <a:latin typeface="Arial"/>
                       </a:endParaRPr>
                     </a:p>
@@ -19256,7 +20457,13 @@
         <p:nvGraphicFramePr>
           <p:cNvPr id="243" name="Tabelle 5"/>
           <p:cNvGraphicFramePr/>
-          <p:nvPr/>
+          <p:nvPr>
+            <p:extLst>
+              <p:ext uri="{D42A27DB-BD31-4B8C-83A1-F6EECF244321}">
+                <p14:modId xmlns:p14="http://schemas.microsoft.com/office/powerpoint/2010/main" val="192421907"/>
+              </p:ext>
+            </p:extLst>
+          </p:nvPr>
         </p:nvGraphicFramePr>
         <p:xfrm>
           <a:off x="6058440" y="2520720"/>
@@ -19267,14 +20474,14 @@
             <a:tbl>
               <a:tblPr/>
               <a:tblGrid>
-                <a:gridCol w="3368520">
+                <a:gridCol w="3654903">
                   <a:extLst>
                     <a:ext uri="{9D8B030D-6E8A-4147-A177-3AD203B41FA5}">
                       <a16:colId xmlns:a16="http://schemas.microsoft.com/office/drawing/2014/main" val="20000"/>
                     </a:ext>
                   </a:extLst>
                 </a:gridCol>
-                <a:gridCol w="1451880">
+                <a:gridCol w="1165497">
                   <a:extLst>
                     <a:ext uri="{9D8B030D-6E8A-4147-A177-3AD203B41FA5}">
                       <a16:colId xmlns:a16="http://schemas.microsoft.com/office/drawing/2014/main" val="20001"/>
@@ -20235,7 +21442,7 @@
                         <a:buNone/>
                       </a:pPr>
                       <a:r>
-                        <a:rPr lang="de-DE" sz="1800" b="0" strike="noStrike" spc="-1">
+                        <a:rPr lang="de-DE" sz="1800" b="0" strike="noStrike" spc="-1" dirty="0">
                           <a:solidFill>
                             <a:srgbClr val="000000"/>
                           </a:solidFill>
@@ -20244,7 +21451,7 @@
                         </a:rPr>
                         <a:t>String</a:t>
                       </a:r>
-                      <a:endParaRPr lang="de-DE" sz="1800" b="0" strike="noStrike" spc="-1">
+                      <a:endParaRPr lang="de-DE" sz="1800" b="0" strike="noStrike" spc="-1" dirty="0">
                         <a:latin typeface="Arial"/>
                       </a:endParaRPr>
                     </a:p>
@@ -20318,8 +21525,8 @@
         </p:nvSpPr>
         <p:spPr>
           <a:xfrm>
-            <a:off x="5959800" y="1213920"/>
-            <a:ext cx="5885640" cy="4204080"/>
+            <a:off x="5959800" y="2549169"/>
+            <a:ext cx="5885640" cy="1533582"/>
           </a:xfrm>
           <a:prstGeom prst="rect">
             <a:avLst/>
@@ -20357,20 +21564,20 @@
               <a:buNone/>
             </a:pPr>
             <a:r>
-              <a:rPr lang="de-DE" sz="6000" b="1" strike="noStrike" spc="-1">
+              <a:rPr lang="de-DE" sz="6000" b="1" strike="noStrike" spc="-1" dirty="0">
                 <a:solidFill>
                   <a:srgbClr val="002060"/>
                 </a:solidFill>
                 <a:latin typeface="CMU Serif"/>
                 <a:ea typeface="CMU Serif"/>
               </a:rPr>
-              <a:t>1. Bereinigung und deskriptive</a:t>
+              <a:t>1. Deskriptive</a:t>
             </a:r>
             <a:br>
-              <a:rPr sz="6000"/>
+              <a:rPr sz="6000" dirty="0"/>
             </a:br>
             <a:r>
-              <a:rPr lang="de-DE" sz="6000" b="1" strike="noStrike" spc="-1">
+              <a:rPr lang="de-DE" sz="6000" b="1" strike="noStrike" spc="-1" dirty="0">
                 <a:solidFill>
                   <a:srgbClr val="002060"/>
                 </a:solidFill>
@@ -20379,7 +21586,7 @@
               </a:rPr>
               <a:t>Datenanalyse</a:t>
             </a:r>
-            <a:endParaRPr lang="de-DE" sz="6000" b="0" strike="noStrike" spc="-1">
+            <a:endParaRPr lang="de-DE" sz="6000" b="0" strike="noStrike" spc="-1" dirty="0">
               <a:latin typeface="Arial"/>
             </a:endParaRPr>
           </a:p>
@@ -20675,6 +21882,13 @@
           </a:effectRef>
           <a:fontRef idx="minor"/>
         </p:style>
+        <p:txBody>
+          <a:bodyPr/>
+          <a:lstStyle/>
+          <a:p>
+            <a:endParaRPr lang="de-DE"/>
+          </a:p>
+        </p:txBody>
       </p:sp>
       <p:sp>
         <p:nvSpPr>
@@ -20711,6 +21925,13 @@
           </a:effectRef>
           <a:fontRef idx="minor"/>
         </p:style>
+        <p:txBody>
+          <a:bodyPr/>
+          <a:lstStyle/>
+          <a:p>
+            <a:endParaRPr lang="de-DE"/>
+          </a:p>
+        </p:txBody>
       </p:sp>
     </p:spTree>
   </p:cSld>
@@ -20725,7 +21946,13 @@
   <p:cSld>
     <p:spTree>
       <p:nvGrpSpPr>
-        <p:cNvPr id="1" name=""/>
+        <p:cNvPr id="1" name="">
+          <a:extLst>
+            <a:ext uri="{FF2B5EF4-FFF2-40B4-BE49-F238E27FC236}">
+              <a16:creationId xmlns:a16="http://schemas.microsoft.com/office/drawing/2014/main" id="{E7ABB7C4-C88D-4FD6-0FE9-9E6F9412BFBE}"/>
+            </a:ext>
+          </a:extLst>
+        </p:cNvPr>
         <p:cNvGrpSpPr/>
         <p:nvPr/>
       </p:nvGrpSpPr>
@@ -20739,7 +21966,13 @@
       </p:grpSpPr>
       <p:sp>
         <p:nvSpPr>
-          <p:cNvPr id="247" name="PlaceHolder 1"/>
+          <p:cNvPr id="269" name="PlaceHolder 1">
+            <a:extLst>
+              <a:ext uri="{FF2B5EF4-FFF2-40B4-BE49-F238E27FC236}">
+                <a16:creationId xmlns:a16="http://schemas.microsoft.com/office/drawing/2014/main" id="{16DD2A96-C3CB-D262-11D6-CEFA130FCF0B}"/>
+              </a:ext>
+            </a:extLst>
+          </p:cNvPr>
           <p:cNvSpPr>
             <a:spLocks noGrp="1"/>
           </p:cNvSpPr>
@@ -20749,766 +21982,7 @@
         </p:nvSpPr>
         <p:spPr>
           <a:xfrm>
-            <a:off x="2063160" y="460440"/>
-            <a:ext cx="8064360" cy="644400"/>
-          </a:xfrm>
-          <a:prstGeom prst="rect">
-            <a:avLst/>
-          </a:prstGeom>
-          <a:noFill/>
-          <a:ln w="0">
-            <a:noFill/>
-          </a:ln>
-        </p:spPr>
-        <p:txBody>
-          <a:bodyPr lIns="90000" tIns="45000" rIns="90000" bIns="45000" anchor="ctr">
-            <a:normAutofit fontScale="73000"/>
-          </a:bodyPr>
-          <a:lstStyle/>
-          <a:p>
-            <a:pPr marL="204120">
-              <a:lnSpc>
-                <a:spcPct val="90000"/>
-              </a:lnSpc>
-              <a:spcBef>
-                <a:spcPts val="1001"/>
-              </a:spcBef>
-              <a:buNone/>
-              <a:tabLst>
-                <a:tab pos="0" algn="l"/>
-              </a:tabLst>
-            </a:pPr>
-            <a:r>
-              <a:rPr lang="de-DE" sz="5400" b="1" strike="noStrike" spc="-1">
-                <a:solidFill>
-                  <a:srgbClr val="FFFFFF"/>
-                </a:solidFill>
-                <a:latin typeface="CMU Serif"/>
-                <a:ea typeface="CMU Serif"/>
-              </a:rPr>
-              <a:t>Bereinigung der Daten 1</a:t>
-            </a:r>
-            <a:endParaRPr lang="de-DE" sz="5400" b="0" strike="noStrike" spc="-1">
-              <a:latin typeface="Arial"/>
-            </a:endParaRPr>
-          </a:p>
-        </p:txBody>
-      </p:sp>
-      <p:sp>
-        <p:nvSpPr>
-          <p:cNvPr id="248" name="Textfeld 2"/>
-          <p:cNvSpPr/>
-          <p:nvPr/>
-        </p:nvSpPr>
-        <p:spPr>
-          <a:xfrm>
-            <a:off x="585360" y="1788840"/>
-            <a:ext cx="9952200" cy="3930120"/>
-          </a:xfrm>
-          <a:prstGeom prst="rect">
-            <a:avLst/>
-          </a:prstGeom>
-          <a:noFill/>
-          <a:ln w="0">
-            <a:noFill/>
-          </a:ln>
-        </p:spPr>
-        <p:style>
-          <a:lnRef idx="0">
-            <a:scrgbClr r="0" g="0" b="0"/>
-          </a:lnRef>
-          <a:fillRef idx="0">
-            <a:scrgbClr r="0" g="0" b="0"/>
-          </a:fillRef>
-          <a:effectRef idx="0">
-            <a:scrgbClr r="0" g="0" b="0"/>
-          </a:effectRef>
-          <a:fontRef idx="minor"/>
-        </p:style>
-        <p:txBody>
-          <a:bodyPr lIns="90000" tIns="45000" rIns="90000" bIns="45000" anchor="t">
-            <a:spAutoFit/>
-          </a:bodyPr>
-          <a:lstStyle/>
-          <a:p>
-            <a:pPr>
-              <a:lnSpc>
-                <a:spcPct val="100000"/>
-              </a:lnSpc>
-              <a:buNone/>
-            </a:pPr>
-            <a:r>
-              <a:rPr lang="de-DE" sz="1800" b="1" strike="noStrike" spc="-1">
-                <a:solidFill>
-                  <a:srgbClr val="000000"/>
-                </a:solidFill>
-                <a:latin typeface="Bahnschrift SemiLight"/>
-                <a:ea typeface="Arial Unicode MS"/>
-              </a:rPr>
-              <a:t>Entfernung der Spalte „Unnamed..0“</a:t>
-            </a:r>
-            <a:endParaRPr lang="de-DE" sz="1800" b="0" strike="noStrike" spc="-1">
-              <a:latin typeface="Arial"/>
-            </a:endParaRPr>
-          </a:p>
-          <a:p>
-            <a:pPr marL="285840" indent="-285840">
-              <a:lnSpc>
-                <a:spcPct val="100000"/>
-              </a:lnSpc>
-              <a:buClr>
-                <a:srgbClr val="000000"/>
-              </a:buClr>
-              <a:buFont typeface="Arial"/>
-              <a:buChar char="•"/>
-            </a:pPr>
-            <a:r>
-              <a:rPr lang="de-DE" sz="1800" b="0" strike="noStrike" spc="-1">
-                <a:solidFill>
-                  <a:srgbClr val="000000"/>
-                </a:solidFill>
-                <a:latin typeface="Bahnschrift SemiLight"/>
-                <a:ea typeface="Arial Unicode MS"/>
-              </a:rPr>
-              <a:t>Spalte hat keine Relevanz, sie ist reine Nummerierung der Zeilen.</a:t>
-            </a:r>
-            <a:endParaRPr lang="de-DE" sz="1800" b="0" strike="noStrike" spc="-1">
-              <a:latin typeface="Arial"/>
-            </a:endParaRPr>
-          </a:p>
-          <a:p>
-            <a:pPr>
-              <a:lnSpc>
-                <a:spcPct val="100000"/>
-              </a:lnSpc>
-              <a:buNone/>
-            </a:pPr>
-            <a:endParaRPr lang="de-DE" sz="1800" b="0" strike="noStrike" spc="-1">
-              <a:latin typeface="Arial"/>
-            </a:endParaRPr>
-          </a:p>
-          <a:p>
-            <a:pPr>
-              <a:lnSpc>
-                <a:spcPct val="100000"/>
-              </a:lnSpc>
-              <a:buNone/>
-            </a:pPr>
-            <a:r>
-              <a:rPr lang="de-DE" sz="1800" b="1" strike="noStrike" spc="-1">
-                <a:solidFill>
-                  <a:srgbClr val="000000"/>
-                </a:solidFill>
-                <a:latin typeface="Bahnschrift SemiLight"/>
-                <a:ea typeface="Arial Unicode MS"/>
-              </a:rPr>
-              <a:t>Entfernung der Spalte „offer_description“</a:t>
-            </a:r>
-            <a:endParaRPr lang="de-DE" sz="1800" b="0" strike="noStrike" spc="-1">
-              <a:latin typeface="Arial"/>
-            </a:endParaRPr>
-          </a:p>
-          <a:p>
-            <a:pPr marL="285840" indent="-285840">
-              <a:lnSpc>
-                <a:spcPct val="100000"/>
-              </a:lnSpc>
-              <a:buClr>
-                <a:srgbClr val="000000"/>
-              </a:buClr>
-              <a:buFont typeface="Arial"/>
-              <a:buChar char="•"/>
-            </a:pPr>
-            <a:r>
-              <a:rPr lang="de-DE" sz="1800" b="0" strike="noStrike" spc="-1">
-                <a:solidFill>
-                  <a:srgbClr val="000000"/>
-                </a:solidFill>
-                <a:latin typeface="Bahnschrift SemiLight"/>
-                <a:ea typeface="Arial Unicode MS"/>
-              </a:rPr>
-              <a:t>Z.B.: wurde geschaut, ob in der Spalte offer_description Wort unfallfrei, sport, 4x4 usw. steht.</a:t>
-            </a:r>
-            <a:endParaRPr lang="de-DE" sz="1800" b="0" strike="noStrike" spc="-1">
-              <a:latin typeface="Arial"/>
-            </a:endParaRPr>
-          </a:p>
-          <a:p>
-            <a:pPr marL="285840" indent="-285840">
-              <a:lnSpc>
-                <a:spcPct val="100000"/>
-              </a:lnSpc>
-              <a:buClr>
-                <a:srgbClr val="000000"/>
-              </a:buClr>
-              <a:buFont typeface="Arial"/>
-              <a:buChar char="•"/>
-            </a:pPr>
-            <a:r>
-              <a:rPr lang="de-DE" sz="1800" b="0" strike="noStrike" spc="-1">
-                <a:solidFill>
-                  <a:srgbClr val="000000"/>
-                </a:solidFill>
-                <a:latin typeface="Bahnschrift SemiLight"/>
-                <a:ea typeface="Arial Unicode MS"/>
-              </a:rPr>
-              <a:t>Dies war auch der Fall bei sport bzw. 4x4 -&gt; neue Spalte erzeugt.</a:t>
-            </a:r>
-            <a:endParaRPr lang="de-DE" sz="1800" b="0" strike="noStrike" spc="-1">
-              <a:latin typeface="Arial"/>
-            </a:endParaRPr>
-          </a:p>
-          <a:p>
-            <a:pPr>
-              <a:lnSpc>
-                <a:spcPct val="100000"/>
-              </a:lnSpc>
-              <a:buNone/>
-            </a:pPr>
-            <a:endParaRPr lang="de-DE" sz="1800" b="0" strike="noStrike" spc="-1">
-              <a:latin typeface="Arial"/>
-            </a:endParaRPr>
-          </a:p>
-          <a:p>
-            <a:pPr>
-              <a:lnSpc>
-                <a:spcPct val="100000"/>
-              </a:lnSpc>
-              <a:buNone/>
-            </a:pPr>
-            <a:r>
-              <a:rPr lang="de-DE" sz="1800" b="1" strike="noStrike" spc="-1">
-                <a:solidFill>
-                  <a:srgbClr val="000000"/>
-                </a:solidFill>
-                <a:latin typeface="Bahnschrift SemiLight"/>
-                <a:ea typeface="Arial Unicode MS"/>
-              </a:rPr>
-              <a:t>Entfernung der Spalte „power_ps“</a:t>
-            </a:r>
-            <a:endParaRPr lang="de-DE" sz="1800" b="0" strike="noStrike" spc="-1">
-              <a:latin typeface="Arial"/>
-            </a:endParaRPr>
-          </a:p>
-          <a:p>
-            <a:pPr marL="285840" indent="-285840">
-              <a:lnSpc>
-                <a:spcPct val="100000"/>
-              </a:lnSpc>
-              <a:buClr>
-                <a:srgbClr val="000000"/>
-              </a:buClr>
-              <a:buFont typeface="Arial"/>
-              <a:buChar char="•"/>
-            </a:pPr>
-            <a:r>
-              <a:rPr lang="de-DE" sz="1800" b="0" strike="noStrike" spc="-1">
-                <a:solidFill>
-                  <a:srgbClr val="000000"/>
-                </a:solidFill>
-                <a:latin typeface="Bahnschrift SemiLight"/>
-                <a:ea typeface="Arial Unicode MS"/>
-              </a:rPr>
-              <a:t>Die Pferdestärke kann auch aus „power_kw“ durch Umwandlung gewonnen werden.</a:t>
-            </a:r>
-            <a:endParaRPr lang="de-DE" sz="1800" b="0" strike="noStrike" spc="-1">
-              <a:latin typeface="Arial"/>
-            </a:endParaRPr>
-          </a:p>
-          <a:p>
-            <a:pPr marL="285840" indent="-285840">
-              <a:lnSpc>
-                <a:spcPct val="100000"/>
-              </a:lnSpc>
-              <a:buClr>
-                <a:srgbClr val="000000"/>
-              </a:buClr>
-              <a:buFont typeface="Arial"/>
-              <a:buChar char="•"/>
-            </a:pPr>
-            <a:r>
-              <a:rPr lang="de-DE" sz="1800" b="0" strike="noStrike" spc="-1">
-                <a:solidFill>
-                  <a:srgbClr val="000000"/>
-                </a:solidFill>
-                <a:latin typeface="Bahnschrift SemiLight"/>
-                <a:ea typeface="Arial Unicode MS"/>
-              </a:rPr>
-              <a:t>Spalte ist daher überflüssig für die weitere Analyse.</a:t>
-            </a:r>
-            <a:endParaRPr lang="de-DE" sz="1800" b="0" strike="noStrike" spc="-1">
-              <a:latin typeface="Arial"/>
-            </a:endParaRPr>
-          </a:p>
-          <a:p>
-            <a:pPr>
-              <a:lnSpc>
-                <a:spcPct val="100000"/>
-              </a:lnSpc>
-              <a:buNone/>
-            </a:pPr>
-            <a:endParaRPr lang="de-DE" sz="1800" b="0" strike="noStrike" spc="-1">
-              <a:latin typeface="Arial"/>
-            </a:endParaRPr>
-          </a:p>
-          <a:p>
-            <a:pPr>
-              <a:lnSpc>
-                <a:spcPct val="100000"/>
-              </a:lnSpc>
-              <a:buNone/>
-            </a:pPr>
-            <a:endParaRPr lang="de-DE" sz="1800" b="0" strike="noStrike" spc="-1">
-              <a:latin typeface="Arial"/>
-            </a:endParaRPr>
-          </a:p>
-        </p:txBody>
-      </p:sp>
-    </p:spTree>
-  </p:cSld>
-  <p:clrMapOvr>
-    <a:masterClrMapping/>
-  </p:clrMapOvr>
-</p:sld>
-</file>
-
-<file path=ppt/slides/slide6.xml><?xml version="1.0" encoding="utf-8"?>
-<p:sld xmlns:a="http://schemas.openxmlformats.org/drawingml/2006/main" xmlns:r="http://schemas.openxmlformats.org/officeDocument/2006/relationships" xmlns:p="http://schemas.openxmlformats.org/presentationml/2006/main">
-  <p:cSld>
-    <p:spTree>
-      <p:nvGrpSpPr>
-        <p:cNvPr id="1" name=""/>
-        <p:cNvGrpSpPr/>
-        <p:nvPr/>
-      </p:nvGrpSpPr>
-      <p:grpSpPr>
-        <a:xfrm>
-          <a:off x="0" y="0"/>
-          <a:ext cx="0" cy="0"/>
-          <a:chOff x="0" y="0"/>
-          <a:chExt cx="0" cy="0"/>
-        </a:xfrm>
-      </p:grpSpPr>
-      <p:sp>
-        <p:nvSpPr>
-          <p:cNvPr id="249" name="PlaceHolder 1"/>
-          <p:cNvSpPr>
-            <a:spLocks noGrp="1"/>
-          </p:cNvSpPr>
-          <p:nvPr>
-            <p:ph/>
-          </p:nvPr>
-        </p:nvSpPr>
-        <p:spPr>
-          <a:xfrm>
-            <a:off x="2063160" y="460440"/>
-            <a:ext cx="8064360" cy="644400"/>
-          </a:xfrm>
-          <a:prstGeom prst="rect">
-            <a:avLst/>
-          </a:prstGeom>
-          <a:noFill/>
-          <a:ln w="0">
-            <a:noFill/>
-          </a:ln>
-        </p:spPr>
-        <p:txBody>
-          <a:bodyPr lIns="90000" tIns="45000" rIns="90000" bIns="45000" anchor="ctr">
-            <a:normAutofit fontScale="73000"/>
-          </a:bodyPr>
-          <a:lstStyle/>
-          <a:p>
-            <a:pPr marL="204120">
-              <a:lnSpc>
-                <a:spcPct val="90000"/>
-              </a:lnSpc>
-              <a:spcBef>
-                <a:spcPts val="1001"/>
-              </a:spcBef>
-              <a:buNone/>
-              <a:tabLst>
-                <a:tab pos="0" algn="l"/>
-              </a:tabLst>
-            </a:pPr>
-            <a:r>
-              <a:rPr lang="de-DE" sz="5400" b="1" strike="noStrike" spc="-1">
-                <a:solidFill>
-                  <a:srgbClr val="FFFFFF"/>
-                </a:solidFill>
-                <a:latin typeface="CMU Serif"/>
-                <a:ea typeface="CMU Serif"/>
-              </a:rPr>
-              <a:t>Bereinigung der Daten 2</a:t>
-            </a:r>
-            <a:endParaRPr lang="de-DE" sz="5400" b="0" strike="noStrike" spc="-1">
-              <a:latin typeface="Arial"/>
-            </a:endParaRPr>
-          </a:p>
-        </p:txBody>
-      </p:sp>
-      <p:sp>
-        <p:nvSpPr>
-          <p:cNvPr id="250" name="Textfeld 2"/>
-          <p:cNvSpPr/>
-          <p:nvPr/>
-        </p:nvSpPr>
-        <p:spPr>
-          <a:xfrm>
-            <a:off x="585360" y="1788840"/>
-            <a:ext cx="9952200" cy="5576040"/>
-          </a:xfrm>
-          <a:prstGeom prst="rect">
-            <a:avLst/>
-          </a:prstGeom>
-          <a:noFill/>
-          <a:ln w="0">
-            <a:noFill/>
-          </a:ln>
-        </p:spPr>
-        <p:style>
-          <a:lnRef idx="0">
-            <a:scrgbClr r="0" g="0" b="0"/>
-          </a:lnRef>
-          <a:fillRef idx="0">
-            <a:scrgbClr r="0" g="0" b="0"/>
-          </a:fillRef>
-          <a:effectRef idx="0">
-            <a:scrgbClr r="0" g="0" b="0"/>
-          </a:effectRef>
-          <a:fontRef idx="minor"/>
-        </p:style>
-        <p:txBody>
-          <a:bodyPr lIns="90000" tIns="45000" rIns="90000" bIns="45000" anchor="t">
-            <a:spAutoFit/>
-          </a:bodyPr>
-          <a:lstStyle/>
-          <a:p>
-            <a:pPr>
-              <a:lnSpc>
-                <a:spcPct val="100000"/>
-              </a:lnSpc>
-              <a:buNone/>
-            </a:pPr>
-            <a:r>
-              <a:rPr lang="de-DE" sz="1800" b="1" strike="noStrike" spc="-1">
-                <a:solidFill>
-                  <a:srgbClr val="000000"/>
-                </a:solidFill>
-                <a:latin typeface="Bahnschrift SemiLight"/>
-                <a:ea typeface="Arial Unicode MS"/>
-              </a:rPr>
-              <a:t>Entfernung der Spalte „fuel_consumption_g_km“</a:t>
-            </a:r>
-            <a:endParaRPr lang="de-DE" sz="1800" b="0" strike="noStrike" spc="-1">
-              <a:latin typeface="Arial"/>
-            </a:endParaRPr>
-          </a:p>
-          <a:p>
-            <a:pPr marL="285840" indent="-285840">
-              <a:lnSpc>
-                <a:spcPct val="100000"/>
-              </a:lnSpc>
-              <a:buClr>
-                <a:srgbClr val="000000"/>
-              </a:buClr>
-              <a:buFont typeface="Arial"/>
-              <a:buChar char="•"/>
-            </a:pPr>
-            <a:r>
-              <a:rPr lang="de-DE" sz="1800" b="0" strike="noStrike" spc="-1">
-                <a:solidFill>
-                  <a:srgbClr val="000000"/>
-                </a:solidFill>
-                <a:latin typeface="Bahnschrift SemiLight"/>
-                <a:ea typeface="Arial Unicode MS"/>
-              </a:rPr>
-              <a:t>nur sinnvoll befüllt für fuel_type Diesel oder Benzin, nicht für alternative Antriebsarten</a:t>
-            </a:r>
-            <a:endParaRPr lang="de-DE" sz="1800" b="0" strike="noStrike" spc="-1">
-              <a:latin typeface="Arial"/>
-            </a:endParaRPr>
-          </a:p>
-          <a:p>
-            <a:pPr marL="285840" indent="-285840">
-              <a:lnSpc>
-                <a:spcPct val="100000"/>
-              </a:lnSpc>
-              <a:buClr>
-                <a:srgbClr val="000000"/>
-              </a:buClr>
-              <a:buFont typeface="Arial"/>
-              <a:buChar char="•"/>
-            </a:pPr>
-            <a:r>
-              <a:rPr lang="de-DE" sz="1800" b="0" strike="noStrike" spc="-1">
-                <a:solidFill>
-                  <a:srgbClr val="000000"/>
-                </a:solidFill>
-                <a:latin typeface="Bahnschrift SemiLight"/>
-                <a:ea typeface="Arial Unicode MS"/>
-              </a:rPr>
-              <a:t>fuel_type zu wichtig für Zielvariable</a:t>
-            </a:r>
-            <a:endParaRPr lang="de-DE" sz="1800" b="0" strike="noStrike" spc="-1">
-              <a:latin typeface="Arial"/>
-            </a:endParaRPr>
-          </a:p>
-          <a:p>
-            <a:pPr>
-              <a:lnSpc>
-                <a:spcPct val="100000"/>
-              </a:lnSpc>
-              <a:buNone/>
-            </a:pPr>
-            <a:endParaRPr lang="de-DE" sz="1800" b="0" strike="noStrike" spc="-1">
-              <a:latin typeface="Arial"/>
-            </a:endParaRPr>
-          </a:p>
-          <a:p>
-            <a:pPr>
-              <a:lnSpc>
-                <a:spcPct val="100000"/>
-              </a:lnSpc>
-              <a:buNone/>
-            </a:pPr>
-            <a:endParaRPr lang="de-DE" sz="1800" b="0" strike="noStrike" spc="-1">
-              <a:latin typeface="Arial"/>
-            </a:endParaRPr>
-          </a:p>
-          <a:p>
-            <a:pPr>
-              <a:lnSpc>
-                <a:spcPct val="100000"/>
-              </a:lnSpc>
-              <a:buNone/>
-            </a:pPr>
-            <a:endParaRPr lang="de-DE" sz="1800" b="0" strike="noStrike" spc="-1">
-              <a:latin typeface="Arial"/>
-            </a:endParaRPr>
-          </a:p>
-          <a:p>
-            <a:pPr>
-              <a:lnSpc>
-                <a:spcPct val="100000"/>
-              </a:lnSpc>
-              <a:buNone/>
-            </a:pPr>
-            <a:endParaRPr lang="de-DE" sz="1800" b="0" strike="noStrike" spc="-1">
-              <a:latin typeface="Arial"/>
-            </a:endParaRPr>
-          </a:p>
-          <a:p>
-            <a:pPr>
-              <a:lnSpc>
-                <a:spcPct val="100000"/>
-              </a:lnSpc>
-              <a:buNone/>
-            </a:pPr>
-            <a:endParaRPr lang="de-DE" sz="1800" b="0" strike="noStrike" spc="-1">
-              <a:latin typeface="Arial"/>
-            </a:endParaRPr>
-          </a:p>
-          <a:p>
-            <a:pPr>
-              <a:lnSpc>
-                <a:spcPct val="100000"/>
-              </a:lnSpc>
-              <a:buNone/>
-            </a:pPr>
-            <a:endParaRPr lang="de-DE" sz="1800" b="0" strike="noStrike" spc="-1">
-              <a:latin typeface="Arial"/>
-            </a:endParaRPr>
-          </a:p>
-          <a:p>
-            <a:pPr>
-              <a:lnSpc>
-                <a:spcPct val="100000"/>
-              </a:lnSpc>
-              <a:buNone/>
-            </a:pPr>
-            <a:endParaRPr lang="de-DE" sz="1800" b="0" strike="noStrike" spc="-1">
-              <a:latin typeface="Arial"/>
-            </a:endParaRPr>
-          </a:p>
-          <a:p>
-            <a:pPr>
-              <a:lnSpc>
-                <a:spcPct val="100000"/>
-              </a:lnSpc>
-              <a:buNone/>
-            </a:pPr>
-            <a:endParaRPr lang="de-DE" sz="1800" b="0" strike="noStrike" spc="-1">
-              <a:latin typeface="Arial"/>
-            </a:endParaRPr>
-          </a:p>
-          <a:p>
-            <a:pPr>
-              <a:lnSpc>
-                <a:spcPct val="100000"/>
-              </a:lnSpc>
-              <a:buNone/>
-            </a:pPr>
-            <a:endParaRPr lang="de-DE" sz="1800" b="0" strike="noStrike" spc="-1">
-              <a:latin typeface="Arial"/>
-            </a:endParaRPr>
-          </a:p>
-          <a:p>
-            <a:pPr>
-              <a:lnSpc>
-                <a:spcPct val="100000"/>
-              </a:lnSpc>
-              <a:buNone/>
-            </a:pPr>
-            <a:endParaRPr lang="de-DE" sz="1800" b="0" strike="noStrike" spc="-1">
-              <a:latin typeface="Arial"/>
-            </a:endParaRPr>
-          </a:p>
-          <a:p>
-            <a:pPr>
-              <a:lnSpc>
-                <a:spcPct val="100000"/>
-              </a:lnSpc>
-              <a:buNone/>
-            </a:pPr>
-            <a:endParaRPr lang="de-DE" sz="1800" b="0" strike="noStrike" spc="-1">
-              <a:latin typeface="Arial"/>
-            </a:endParaRPr>
-          </a:p>
-          <a:p>
-            <a:pPr marL="285840" indent="-285840">
-              <a:lnSpc>
-                <a:spcPct val="100000"/>
-              </a:lnSpc>
-              <a:buClr>
-                <a:srgbClr val="000000"/>
-              </a:buClr>
-              <a:buFont typeface="Arial"/>
-              <a:buChar char="•"/>
-            </a:pPr>
-            <a:r>
-              <a:rPr lang="de-DE" sz="1800" b="1" strike="noStrike" spc="-1">
-                <a:solidFill>
-                  <a:srgbClr val="000000"/>
-                </a:solidFill>
-                <a:latin typeface="Bahnschrift SemiLight"/>
-                <a:ea typeface="DejaVu Sans"/>
-              </a:rPr>
-              <a:t>Entfernung der Gebrauchtwagen älter als 2003</a:t>
-            </a:r>
-            <a:endParaRPr lang="de-DE" sz="1800" b="0" strike="noStrike" spc="-1">
-              <a:latin typeface="Arial"/>
-            </a:endParaRPr>
-          </a:p>
-          <a:p>
-            <a:pPr>
-              <a:lnSpc>
-                <a:spcPct val="100000"/>
-              </a:lnSpc>
-              <a:buNone/>
-            </a:pPr>
-            <a:endParaRPr lang="de-DE" sz="1800" b="0" strike="noStrike" spc="-1">
-              <a:latin typeface="Arial"/>
-            </a:endParaRPr>
-          </a:p>
-          <a:p>
-            <a:pPr marL="285840" indent="-285840">
-              <a:lnSpc>
-                <a:spcPct val="100000"/>
-              </a:lnSpc>
-              <a:buClr>
-                <a:srgbClr val="000000"/>
-              </a:buClr>
-              <a:buFont typeface="Arial"/>
-              <a:buChar char="•"/>
-            </a:pPr>
-            <a:r>
-              <a:rPr lang="de-DE" sz="1800" b="1" strike="noStrike" spc="-1">
-                <a:solidFill>
-                  <a:srgbClr val="000000"/>
-                </a:solidFill>
-                <a:latin typeface="Bahnschrift SemiLight"/>
-                <a:ea typeface="DejaVu Sans"/>
-              </a:rPr>
-              <a:t>Entfernung der Gebrauchtwagen deren Kilometerstand über 500.000 km liegt</a:t>
-            </a:r>
-            <a:endParaRPr lang="de-DE" sz="1800" b="0" strike="noStrike" spc="-1">
-              <a:latin typeface="Arial"/>
-            </a:endParaRPr>
-          </a:p>
-          <a:p>
-            <a:pPr>
-              <a:lnSpc>
-                <a:spcPct val="100000"/>
-              </a:lnSpc>
-              <a:buNone/>
-            </a:pPr>
-            <a:endParaRPr lang="de-DE" sz="1800" b="0" strike="noStrike" spc="-1">
-              <a:latin typeface="Arial"/>
-            </a:endParaRPr>
-          </a:p>
-        </p:txBody>
-      </p:sp>
-      <p:pic>
-        <p:nvPicPr>
-          <p:cNvPr id="251" name="Grafik 247"/>
-          <p:cNvPicPr/>
-          <p:nvPr/>
-        </p:nvPicPr>
-        <p:blipFill>
-          <a:blip r:embed="rId2"/>
-          <a:stretch/>
-        </p:blipFill>
-        <p:spPr>
-          <a:xfrm>
-            <a:off x="5248800" y="2556360"/>
-            <a:ext cx="3791520" cy="2626200"/>
-          </a:xfrm>
-          <a:prstGeom prst="rect">
-            <a:avLst/>
-          </a:prstGeom>
-          <a:ln w="0">
-            <a:noFill/>
-          </a:ln>
-        </p:spPr>
-      </p:pic>
-    </p:spTree>
-  </p:cSld>
-  <p:clrMapOvr>
-    <a:masterClrMapping/>
-  </p:clrMapOvr>
-</p:sld>
-</file>
-
-<file path=ppt/slides/slide7.xml><?xml version="1.0" encoding="utf-8"?>
-<p:sld xmlns:a="http://schemas.openxmlformats.org/drawingml/2006/main" xmlns:r="http://schemas.openxmlformats.org/officeDocument/2006/relationships" xmlns:p="http://schemas.openxmlformats.org/presentationml/2006/main">
-  <p:cSld>
-    <p:spTree>
-      <p:nvGrpSpPr>
-        <p:cNvPr id="1" name=""/>
-        <p:cNvGrpSpPr/>
-        <p:nvPr/>
-      </p:nvGrpSpPr>
-      <p:grpSpPr>
-        <a:xfrm>
-          <a:off x="0" y="0"/>
-          <a:ext cx="0" cy="0"/>
-          <a:chOff x="0" y="0"/>
-          <a:chExt cx="0" cy="0"/>
-        </a:xfrm>
-      </p:grpSpPr>
-      <p:sp>
-        <p:nvSpPr>
-          <p:cNvPr id="252" name="PlaceHolder 1"/>
-          <p:cNvSpPr>
-            <a:spLocks noGrp="1"/>
-          </p:cNvSpPr>
-          <p:nvPr>
-            <p:ph/>
-          </p:nvPr>
-        </p:nvSpPr>
-        <p:spPr>
-          <a:xfrm>
-            <a:off x="2063160" y="443520"/>
+            <a:off x="2063820" y="374509"/>
             <a:ext cx="8064360" cy="644400"/>
           </a:xfrm>
           <a:prstGeom prst="rect">
@@ -21538,31 +22012,57 @@
               </a:tabLst>
             </a:pPr>
             <a:r>
-              <a:rPr lang="de-DE" sz="4000" b="1" strike="noStrike" spc="-1">
+              <a:rPr lang="de-DE" sz="4600" b="1" spc="-1" dirty="0">
                 <a:solidFill>
                   <a:srgbClr val="FFFFFF"/>
                 </a:solidFill>
                 <a:latin typeface="CMU Serif"/>
                 <a:ea typeface="CMU Serif"/>
               </a:rPr>
-              <a:t>Bereinigung der Daten 3</a:t>
+              <a:t>Analyse</a:t>
             </a:r>
-            <a:endParaRPr lang="de-DE" sz="4000" b="0" strike="noStrike" spc="-1">
-              <a:latin typeface="Arial"/>
-            </a:endParaRPr>
-          </a:p>
-        </p:txBody>
-      </p:sp>
-      <p:sp>
-        <p:nvSpPr>
-          <p:cNvPr id="253" name="Textfeld 2"/>
+            <a:r>
+              <a:rPr lang="de-DE" sz="4000" b="1" spc="-1" dirty="0">
+                <a:solidFill>
+                  <a:srgbClr val="FFFFFF"/>
+                </a:solidFill>
+                <a:latin typeface="CMU Serif"/>
+                <a:ea typeface="CMU Serif"/>
+              </a:rPr>
+              <a:t> </a:t>
+            </a:r>
+            <a:r>
+              <a:rPr lang="de-DE" sz="4600" b="1" spc="-1" dirty="0">
+                <a:solidFill>
+                  <a:srgbClr val="FFFFFF"/>
+                </a:solidFill>
+                <a:latin typeface="CMU Serif"/>
+                <a:ea typeface="CMU Serif"/>
+              </a:rPr>
+              <a:t>1</a:t>
+            </a:r>
+            <a:endParaRPr lang="de-DE" sz="4600" b="0" strike="noStrike" spc="-1" dirty="0">
+              <a:latin typeface="Arial"/>
+            </a:endParaRPr>
+          </a:p>
+        </p:txBody>
+      </p:sp>
+      <p:sp>
+        <p:nvSpPr>
+          <p:cNvPr id="270" name="Textfeld 2">
+            <a:extLst>
+              <a:ext uri="{FF2B5EF4-FFF2-40B4-BE49-F238E27FC236}">
+                <a16:creationId xmlns:a16="http://schemas.microsoft.com/office/drawing/2014/main" id="{245822FB-2109-A7D7-AF7D-9E2C1C41DFED}"/>
+              </a:ext>
+            </a:extLst>
+          </p:cNvPr>
           <p:cNvSpPr/>
           <p:nvPr/>
         </p:nvSpPr>
         <p:spPr>
           <a:xfrm>
-            <a:off x="585360" y="1507680"/>
-            <a:ext cx="9952200" cy="638280"/>
+            <a:off x="237495" y="5839090"/>
+            <a:ext cx="11494429" cy="644877"/>
           </a:xfrm>
           <a:prstGeom prst="rect">
             <a:avLst/>
@@ -21585,31 +22085,10 @@
           <a:fontRef idx="minor"/>
         </p:style>
         <p:txBody>
-          <a:bodyPr lIns="90000" tIns="45000" rIns="90000" bIns="45000" anchor="t">
+          <a:bodyPr wrap="square" lIns="90000" tIns="45000" rIns="90000" bIns="45000" anchor="t">
             <a:spAutoFit/>
           </a:bodyPr>
           <a:lstStyle/>
-          <a:p>
-            <a:pPr>
-              <a:lnSpc>
-                <a:spcPct val="100000"/>
-              </a:lnSpc>
-              <a:buNone/>
-            </a:pPr>
-            <a:r>
-              <a:rPr lang="de-DE" sz="1800" b="1" strike="noStrike" spc="-1">
-                <a:solidFill>
-                  <a:srgbClr val="000000"/>
-                </a:solidFill>
-                <a:latin typeface="Bahnschrift SemiLight"/>
-                <a:ea typeface="Arial Unicode MS"/>
-              </a:rPr>
-              <a:t>Entfernung der Ausreißer in „price_in_euro“</a:t>
-            </a:r>
-            <a:endParaRPr lang="de-DE" sz="1800" b="0" strike="noStrike" spc="-1">
-              <a:latin typeface="Arial"/>
-            </a:endParaRPr>
-          </a:p>
           <a:p>
             <a:pPr marL="285840" indent="-285840">
               <a:lnSpc>
@@ -21622,93 +22101,949 @@
               <a:buChar char="•"/>
             </a:pPr>
             <a:r>
-              <a:rPr lang="de-DE" sz="1800" b="0" strike="noStrike" spc="-1">
-                <a:solidFill>
-                  <a:srgbClr val="000000"/>
-                </a:solidFill>
-                <a:latin typeface="Bahnschrift SemiLight"/>
-                <a:ea typeface="DejaVu Sans"/>
+              <a:rPr lang="de-DE" dirty="0">
+                <a:latin typeface="Bahnschrift SemiLight" panose="020B0502040204020203" pitchFamily="34" charset="0"/>
               </a:rPr>
-              <a:t>Setzen eines vernünftigen Höchstpreises für ein Gebrauchtwagen (60.000 €) </a:t>
+              <a:t>Auffällig ist die deutliche Überrepräsentation der Marken Audi, BMW und Ford, während andere große Hersteller wie Volkswagen oder Skoda überhaupt nicht vertreten sind.</a:t>
             </a:r>
-            <a:endParaRPr lang="de-DE" sz="1800" b="0" strike="noStrike" spc="-1">
-              <a:latin typeface="Arial"/>
+            <a:endParaRPr lang="de-DE" sz="1800" b="0" strike="noStrike" spc="-1" dirty="0">
+              <a:latin typeface="Bahnschrift SemiLight" panose="020B0502040204020203" pitchFamily="34" charset="0"/>
             </a:endParaRPr>
           </a:p>
         </p:txBody>
       </p:sp>
       <p:pic>
         <p:nvPicPr>
-          <p:cNvPr id="254" name="Grafik 4"/>
-          <p:cNvPicPr/>
+          <p:cNvPr id="6" name="Grafik 5" descr="Ein Bild, das Text, Screenshot, Diagramm, Reihe enthält.&#10;&#10;KI-generierte Inhalte können fehlerhaft sein.">
+            <a:extLst>
+              <a:ext uri="{FF2B5EF4-FFF2-40B4-BE49-F238E27FC236}">
+                <a16:creationId xmlns:a16="http://schemas.microsoft.com/office/drawing/2014/main" id="{77C7BCF6-159A-D8A5-CC89-057A1DAB1C88}"/>
+              </a:ext>
+            </a:extLst>
+          </p:cNvPr>
+          <p:cNvPicPr>
+            <a:picLocks noChangeAspect="1"/>
+          </p:cNvPicPr>
+          <p:nvPr/>
+        </p:nvPicPr>
+        <p:blipFill>
+          <a:blip r:embed="rId2">
+            <a:extLst>
+              <a:ext uri="{28A0092B-C50C-407E-A947-70E740481C1C}">
+                <a14:useLocalDpi xmlns:a14="http://schemas.microsoft.com/office/drawing/2010/main" val="0"/>
+              </a:ext>
+            </a:extLst>
+          </a:blip>
+          <a:stretch>
+            <a:fillRect/>
+          </a:stretch>
+        </p:blipFill>
+        <p:spPr>
+          <a:xfrm>
+            <a:off x="2194968" y="1190312"/>
+            <a:ext cx="7802064" cy="4477375"/>
+          </a:xfrm>
+          <a:prstGeom prst="rect">
+            <a:avLst/>
+          </a:prstGeom>
+        </p:spPr>
+      </p:pic>
+    </p:spTree>
+    <p:extLst>
+      <p:ext uri="{BB962C8B-B14F-4D97-AF65-F5344CB8AC3E}">
+        <p14:creationId xmlns:p14="http://schemas.microsoft.com/office/powerpoint/2010/main" val="352095885"/>
+      </p:ext>
+    </p:extLst>
+  </p:cSld>
+  <p:clrMapOvr>
+    <a:masterClrMapping/>
+  </p:clrMapOvr>
+</p:sld>
+</file>
+
+<file path=ppt/slides/slide6.xml><?xml version="1.0" encoding="utf-8"?>
+<p:sld xmlns:a="http://schemas.openxmlformats.org/drawingml/2006/main" xmlns:r="http://schemas.openxmlformats.org/officeDocument/2006/relationships" xmlns:p="http://schemas.openxmlformats.org/presentationml/2006/main">
+  <p:cSld>
+    <p:spTree>
+      <p:nvGrpSpPr>
+        <p:cNvPr id="1" name="">
+          <a:extLst>
+            <a:ext uri="{FF2B5EF4-FFF2-40B4-BE49-F238E27FC236}">
+              <a16:creationId xmlns:a16="http://schemas.microsoft.com/office/drawing/2014/main" id="{53ACC186-5694-2B84-C632-F05D26607AA4}"/>
+            </a:ext>
+          </a:extLst>
+        </p:cNvPr>
+        <p:cNvGrpSpPr/>
+        <p:nvPr/>
+      </p:nvGrpSpPr>
+      <p:grpSpPr>
+        <a:xfrm>
+          <a:off x="0" y="0"/>
+          <a:ext cx="0" cy="0"/>
+          <a:chOff x="0" y="0"/>
+          <a:chExt cx="0" cy="0"/>
+        </a:xfrm>
+      </p:grpSpPr>
+      <p:sp>
+        <p:nvSpPr>
+          <p:cNvPr id="269" name="PlaceHolder 1">
+            <a:extLst>
+              <a:ext uri="{FF2B5EF4-FFF2-40B4-BE49-F238E27FC236}">
+                <a16:creationId xmlns:a16="http://schemas.microsoft.com/office/drawing/2014/main" id="{701EC2CD-582B-E84B-8992-21355A073C4A}"/>
+              </a:ext>
+            </a:extLst>
+          </p:cNvPr>
+          <p:cNvSpPr>
+            <a:spLocks noGrp="1"/>
+          </p:cNvSpPr>
+          <p:nvPr>
+            <p:ph/>
+          </p:nvPr>
+        </p:nvSpPr>
+        <p:spPr>
+          <a:xfrm>
+            <a:off x="2063820" y="374509"/>
+            <a:ext cx="8064360" cy="644400"/>
+          </a:xfrm>
+          <a:prstGeom prst="rect">
+            <a:avLst/>
+          </a:prstGeom>
+          <a:noFill/>
+          <a:ln w="0">
+            <a:noFill/>
+          </a:ln>
+        </p:spPr>
+        <p:txBody>
+          <a:bodyPr lIns="90000" tIns="45000" rIns="90000" bIns="45000" anchor="ctr">
+            <a:noAutofit/>
+          </a:bodyPr>
+          <a:lstStyle/>
+          <a:p>
+            <a:pPr marL="228600">
+              <a:lnSpc>
+                <a:spcPct val="90000"/>
+              </a:lnSpc>
+              <a:spcBef>
+                <a:spcPts val="1001"/>
+              </a:spcBef>
+              <a:buNone/>
+              <a:tabLst>
+                <a:tab pos="0" algn="l"/>
+              </a:tabLst>
+            </a:pPr>
+            <a:r>
+              <a:rPr lang="de-DE" sz="4600" b="1" spc="-1" dirty="0">
+                <a:solidFill>
+                  <a:srgbClr val="FFFFFF"/>
+                </a:solidFill>
+                <a:latin typeface="CMU Serif"/>
+                <a:ea typeface="CMU Serif"/>
+              </a:rPr>
+              <a:t>Analyse</a:t>
+            </a:r>
+            <a:r>
+              <a:rPr lang="de-DE" sz="4000" b="1" spc="-1" dirty="0">
+                <a:solidFill>
+                  <a:srgbClr val="FFFFFF"/>
+                </a:solidFill>
+                <a:latin typeface="CMU Serif"/>
+                <a:ea typeface="CMU Serif"/>
+              </a:rPr>
+              <a:t> </a:t>
+            </a:r>
+            <a:r>
+              <a:rPr lang="de-DE" sz="4600" b="1" spc="-1" dirty="0">
+                <a:solidFill>
+                  <a:srgbClr val="FFFFFF"/>
+                </a:solidFill>
+                <a:latin typeface="CMU Serif"/>
+                <a:ea typeface="CMU Serif"/>
+              </a:rPr>
+              <a:t>2</a:t>
+            </a:r>
+            <a:endParaRPr lang="de-DE" sz="4600" b="0" strike="noStrike" spc="-1" dirty="0">
+              <a:latin typeface="Arial"/>
+            </a:endParaRPr>
+          </a:p>
+        </p:txBody>
+      </p:sp>
+      <p:pic>
+        <p:nvPicPr>
+          <p:cNvPr id="3" name="Grafik 2" descr="Ein Bild, das Text, Screenshot, Diagramm, Reihe enthält.&#10;&#10;KI-generierte Inhalte können fehlerhaft sein.">
+            <a:extLst>
+              <a:ext uri="{FF2B5EF4-FFF2-40B4-BE49-F238E27FC236}">
+                <a16:creationId xmlns:a16="http://schemas.microsoft.com/office/drawing/2014/main" id="{44F0F895-7B8F-B36B-4FFD-1121CAB3CFB1}"/>
+              </a:ext>
+            </a:extLst>
+          </p:cNvPr>
+          <p:cNvPicPr>
+            <a:picLocks noChangeAspect="1"/>
+          </p:cNvPicPr>
+          <p:nvPr/>
+        </p:nvPicPr>
+        <p:blipFill>
+          <a:blip r:embed="rId2">
+            <a:extLst>
+              <a:ext uri="{28A0092B-C50C-407E-A947-70E740481C1C}">
+                <a14:useLocalDpi xmlns:a14="http://schemas.microsoft.com/office/drawing/2010/main" val="0"/>
+              </a:ext>
+            </a:extLst>
+          </a:blip>
+          <a:stretch>
+            <a:fillRect/>
+          </a:stretch>
+        </p:blipFill>
+        <p:spPr>
+          <a:xfrm>
+            <a:off x="2194968" y="1192225"/>
+            <a:ext cx="7802064" cy="4143953"/>
+          </a:xfrm>
+          <a:prstGeom prst="rect">
+            <a:avLst/>
+          </a:prstGeom>
+        </p:spPr>
+      </p:pic>
+      <p:sp>
+        <p:nvSpPr>
+          <p:cNvPr id="4" name="Textfeld 2">
+            <a:extLst>
+              <a:ext uri="{FF2B5EF4-FFF2-40B4-BE49-F238E27FC236}">
+                <a16:creationId xmlns:a16="http://schemas.microsoft.com/office/drawing/2014/main" id="{A2E554E5-4DED-0A00-6163-4DB923C77D7E}"/>
+              </a:ext>
+            </a:extLst>
+          </p:cNvPr>
+          <p:cNvSpPr/>
+          <p:nvPr/>
+        </p:nvSpPr>
+        <p:spPr>
+          <a:xfrm>
+            <a:off x="348785" y="5665775"/>
+            <a:ext cx="11494429" cy="644877"/>
+          </a:xfrm>
+          <a:prstGeom prst="rect">
+            <a:avLst/>
+          </a:prstGeom>
+          <a:noFill/>
+          <a:ln w="0">
+            <a:noFill/>
+          </a:ln>
+        </p:spPr>
+        <p:style>
+          <a:lnRef idx="0">
+            <a:scrgbClr r="0" g="0" b="0"/>
+          </a:lnRef>
+          <a:fillRef idx="0">
+            <a:scrgbClr r="0" g="0" b="0"/>
+          </a:fillRef>
+          <a:effectRef idx="0">
+            <a:scrgbClr r="0" g="0" b="0"/>
+          </a:effectRef>
+          <a:fontRef idx="minor"/>
+        </p:style>
+        <p:txBody>
+          <a:bodyPr wrap="square" lIns="90000" tIns="45000" rIns="90000" bIns="45000" anchor="t">
+            <a:spAutoFit/>
+          </a:bodyPr>
+          <a:lstStyle/>
+          <a:p>
+            <a:pPr marL="285840" indent="-285840">
+              <a:lnSpc>
+                <a:spcPct val="100000"/>
+              </a:lnSpc>
+              <a:buClr>
+                <a:srgbClr val="000000"/>
+              </a:buClr>
+              <a:buFont typeface="Arial"/>
+              <a:buChar char="•"/>
+            </a:pPr>
+            <a:r>
+              <a:rPr lang="de-DE" sz="1800" b="0" strike="noStrike" spc="-1" dirty="0">
+                <a:latin typeface="Bahnschrift SemiLight" panose="020B0502040204020203" pitchFamily="34" charset="0"/>
+              </a:rPr>
+              <a:t>Klassische Farben wie Schwarz, Weiß oder Grau  häufiger vertreten wobei, Wunschlackierungen wie Gelb oder Grün weniger vertreten sind.</a:t>
+            </a:r>
+          </a:p>
+        </p:txBody>
+      </p:sp>
+    </p:spTree>
+    <p:extLst>
+      <p:ext uri="{BB962C8B-B14F-4D97-AF65-F5344CB8AC3E}">
+        <p14:creationId xmlns:p14="http://schemas.microsoft.com/office/powerpoint/2010/main" val="276850147"/>
+      </p:ext>
+    </p:extLst>
+  </p:cSld>
+  <p:clrMapOvr>
+    <a:masterClrMapping/>
+  </p:clrMapOvr>
+</p:sld>
+</file>
+
+<file path=ppt/slides/slide7.xml><?xml version="1.0" encoding="utf-8"?>
+<p:sld xmlns:a="http://schemas.openxmlformats.org/drawingml/2006/main" xmlns:r="http://schemas.openxmlformats.org/officeDocument/2006/relationships" xmlns:p="http://schemas.openxmlformats.org/presentationml/2006/main">
+  <p:cSld>
+    <p:spTree>
+      <p:nvGrpSpPr>
+        <p:cNvPr id="1" name="">
+          <a:extLst>
+            <a:ext uri="{FF2B5EF4-FFF2-40B4-BE49-F238E27FC236}">
+              <a16:creationId xmlns:a16="http://schemas.microsoft.com/office/drawing/2014/main" id="{BB4BA2ED-0359-A522-28C6-39E368A2C658}"/>
+            </a:ext>
+          </a:extLst>
+        </p:cNvPr>
+        <p:cNvGrpSpPr/>
+        <p:nvPr/>
+      </p:nvGrpSpPr>
+      <p:grpSpPr>
+        <a:xfrm>
+          <a:off x="0" y="0"/>
+          <a:ext cx="0" cy="0"/>
+          <a:chOff x="0" y="0"/>
+          <a:chExt cx="0" cy="0"/>
+        </a:xfrm>
+      </p:grpSpPr>
+      <p:sp>
+        <p:nvSpPr>
+          <p:cNvPr id="269" name="PlaceHolder 1">
+            <a:extLst>
+              <a:ext uri="{FF2B5EF4-FFF2-40B4-BE49-F238E27FC236}">
+                <a16:creationId xmlns:a16="http://schemas.microsoft.com/office/drawing/2014/main" id="{70CC06CD-D6A4-89AD-48EE-24F3B8765B1A}"/>
+              </a:ext>
+            </a:extLst>
+          </p:cNvPr>
+          <p:cNvSpPr>
+            <a:spLocks noGrp="1"/>
+          </p:cNvSpPr>
+          <p:nvPr>
+            <p:ph/>
+          </p:nvPr>
+        </p:nvSpPr>
+        <p:spPr>
+          <a:xfrm>
+            <a:off x="2063820" y="374509"/>
+            <a:ext cx="8064360" cy="644400"/>
+          </a:xfrm>
+          <a:prstGeom prst="rect">
+            <a:avLst/>
+          </a:prstGeom>
+          <a:noFill/>
+          <a:ln w="0">
+            <a:noFill/>
+          </a:ln>
+        </p:spPr>
+        <p:txBody>
+          <a:bodyPr lIns="90000" tIns="45000" rIns="90000" bIns="45000" anchor="ctr">
+            <a:noAutofit/>
+          </a:bodyPr>
+          <a:lstStyle/>
+          <a:p>
+            <a:pPr marL="228600">
+              <a:lnSpc>
+                <a:spcPct val="90000"/>
+              </a:lnSpc>
+              <a:spcBef>
+                <a:spcPts val="1001"/>
+              </a:spcBef>
+              <a:buNone/>
+              <a:tabLst>
+                <a:tab pos="0" algn="l"/>
+              </a:tabLst>
+            </a:pPr>
+            <a:r>
+              <a:rPr lang="de-DE" sz="4600" b="1" spc="-1" dirty="0">
+                <a:solidFill>
+                  <a:srgbClr val="FFFFFF"/>
+                </a:solidFill>
+                <a:latin typeface="CMU Serif"/>
+                <a:ea typeface="CMU Serif"/>
+              </a:rPr>
+              <a:t>Analyse</a:t>
+            </a:r>
+            <a:r>
+              <a:rPr lang="de-DE" sz="4000" b="1" spc="-1" dirty="0">
+                <a:solidFill>
+                  <a:srgbClr val="FFFFFF"/>
+                </a:solidFill>
+                <a:latin typeface="CMU Serif"/>
+                <a:ea typeface="CMU Serif"/>
+              </a:rPr>
+              <a:t> </a:t>
+            </a:r>
+            <a:r>
+              <a:rPr lang="de-DE" sz="4600" b="1" spc="-1" dirty="0">
+                <a:solidFill>
+                  <a:srgbClr val="FFFFFF"/>
+                </a:solidFill>
+                <a:latin typeface="CMU Serif"/>
+                <a:ea typeface="CMU Serif"/>
+              </a:rPr>
+              <a:t>3</a:t>
+            </a:r>
+            <a:endParaRPr lang="de-DE" sz="4600" b="0" strike="noStrike" spc="-1" dirty="0">
+              <a:latin typeface="Arial"/>
+            </a:endParaRPr>
+          </a:p>
+        </p:txBody>
+      </p:sp>
+      <p:pic>
+        <p:nvPicPr>
+          <p:cNvPr id="5" name="Grafik 4">
+            <a:extLst>
+              <a:ext uri="{FF2B5EF4-FFF2-40B4-BE49-F238E27FC236}">
+                <a16:creationId xmlns:a16="http://schemas.microsoft.com/office/drawing/2014/main" id="{D7B362B8-F10E-2A86-0F19-FA6149DECB1A}"/>
+              </a:ext>
+            </a:extLst>
+          </p:cNvPr>
+          <p:cNvPicPr>
+            <a:picLocks noChangeAspect="1"/>
+          </p:cNvPicPr>
           <p:nvPr/>
         </p:nvPicPr>
         <p:blipFill>
           <a:blip r:embed="rId2"/>
-          <a:srcRect l="3454" t="3588" r="53067" b="14613"/>
-          <a:stretch/>
+          <a:srcRect l="2340"/>
+          <a:stretch>
+            <a:fillRect/>
+          </a:stretch>
         </p:blipFill>
         <p:spPr>
           <a:xfrm>
-            <a:off x="585360" y="2443680"/>
-            <a:ext cx="3212280" cy="3842280"/>
-          </a:xfrm>
-          <a:prstGeom prst="rect">
-            <a:avLst/>
-          </a:prstGeom>
-          <a:ln w="0">
-            <a:noFill/>
-          </a:ln>
+            <a:off x="560715" y="1641014"/>
+            <a:ext cx="1759790" cy="1787986"/>
+          </a:xfrm>
+          <a:prstGeom prst="rect">
+            <a:avLst/>
+          </a:prstGeom>
         </p:spPr>
       </p:pic>
-      <p:pic>
-        <p:nvPicPr>
-          <p:cNvPr id="255" name="Grafik 7"/>
-          <p:cNvPicPr/>
-          <p:nvPr/>
-        </p:nvPicPr>
-        <p:blipFill>
-          <a:blip r:embed="rId3"/>
-          <a:srcRect l="3476" t="4038" r="52240" b="13659"/>
-          <a:stretch/>
-        </p:blipFill>
-        <p:spPr>
-          <a:xfrm>
-            <a:off x="6339240" y="2553840"/>
-            <a:ext cx="3251880" cy="3842280"/>
-          </a:xfrm>
-          <a:prstGeom prst="rect">
-            <a:avLst/>
-          </a:prstGeom>
-          <a:ln w="0">
-            <a:noFill/>
-          </a:ln>
-        </p:spPr>
-      </p:pic>
-      <p:sp>
-        <p:nvSpPr>
-          <p:cNvPr id="256" name="Pfeil: nach rechts 8"/>
+      <p:sp>
+        <p:nvSpPr>
+          <p:cNvPr id="6" name="Textfeld 2">
+            <a:extLst>
+              <a:ext uri="{FF2B5EF4-FFF2-40B4-BE49-F238E27FC236}">
+                <a16:creationId xmlns:a16="http://schemas.microsoft.com/office/drawing/2014/main" id="{A849BCE9-4C10-FDCD-0009-B5F28299FCC3}"/>
+              </a:ext>
+            </a:extLst>
+          </p:cNvPr>
           <p:cNvSpPr/>
           <p:nvPr/>
         </p:nvSpPr>
         <p:spPr>
           <a:xfrm>
-            <a:off x="4048920" y="4169160"/>
-            <a:ext cx="2039040" cy="391320"/>
-          </a:xfrm>
-          <a:prstGeom prst="rightArrow">
-            <a:avLst>
-              <a:gd name="adj1" fmla="val 50000"/>
-              <a:gd name="adj2" fmla="val 50000"/>
-            </a:avLst>
-          </a:prstGeom>
+            <a:off x="2528391" y="2533799"/>
+            <a:ext cx="6003134" cy="644877"/>
+          </a:xfrm>
+          <a:prstGeom prst="rect">
+            <a:avLst/>
+          </a:prstGeom>
+          <a:noFill/>
+          <a:ln w="0">
+            <a:noFill/>
+          </a:ln>
+        </p:spPr>
+        <p:style>
+          <a:lnRef idx="0">
+            <a:scrgbClr r="0" g="0" b="0"/>
+          </a:lnRef>
+          <a:fillRef idx="0">
+            <a:scrgbClr r="0" g="0" b="0"/>
+          </a:fillRef>
+          <a:effectRef idx="0">
+            <a:scrgbClr r="0" g="0" b="0"/>
+          </a:effectRef>
+          <a:fontRef idx="minor"/>
+        </p:style>
+        <p:txBody>
+          <a:bodyPr wrap="square" lIns="90000" tIns="45000" rIns="90000" bIns="45000" anchor="t">
+            <a:spAutoFit/>
+          </a:bodyPr>
+          <a:lstStyle/>
+          <a:p>
+            <a:pPr marL="285840" indent="-285840">
+              <a:lnSpc>
+                <a:spcPct val="100000"/>
+              </a:lnSpc>
+              <a:buClr>
+                <a:srgbClr val="000000"/>
+              </a:buClr>
+              <a:buFont typeface="Arial"/>
+              <a:buChar char="•"/>
+            </a:pPr>
+            <a:r>
+              <a:rPr lang="de-DE" sz="1800" b="0" strike="noStrike" spc="-1" dirty="0">
+                <a:latin typeface="Bahnschrift SemiLight" panose="020B0502040204020203" pitchFamily="34" charset="0"/>
+              </a:rPr>
+              <a:t>Auffällig hohes Jahr 3700, es handelte sich um eine einzige Zeile -&gt; falsche Formatierung der Zeile</a:t>
+            </a:r>
+          </a:p>
+        </p:txBody>
+      </p:sp>
+      <p:sp>
+        <p:nvSpPr>
+          <p:cNvPr id="7" name="Textfeld 2">
+            <a:extLst>
+              <a:ext uri="{FF2B5EF4-FFF2-40B4-BE49-F238E27FC236}">
+                <a16:creationId xmlns:a16="http://schemas.microsoft.com/office/drawing/2014/main" id="{C6678212-D4C0-FC79-B9ED-61DA4C57C7DA}"/>
+              </a:ext>
+            </a:extLst>
+          </p:cNvPr>
+          <p:cNvSpPr/>
+          <p:nvPr/>
+        </p:nvSpPr>
+        <p:spPr>
+          <a:xfrm>
+            <a:off x="2528391" y="1839416"/>
+            <a:ext cx="5094483" cy="644877"/>
+          </a:xfrm>
+          <a:prstGeom prst="rect">
+            <a:avLst/>
+          </a:prstGeom>
+          <a:noFill/>
+          <a:ln w="0">
+            <a:noFill/>
+          </a:ln>
+        </p:spPr>
+        <p:style>
+          <a:lnRef idx="0">
+            <a:scrgbClr r="0" g="0" b="0"/>
+          </a:lnRef>
+          <a:fillRef idx="0">
+            <a:scrgbClr r="0" g="0" b="0"/>
+          </a:fillRef>
+          <a:effectRef idx="0">
+            <a:scrgbClr r="0" g="0" b="0"/>
+          </a:effectRef>
+          <a:fontRef idx="minor"/>
+        </p:style>
+        <p:txBody>
+          <a:bodyPr wrap="square" lIns="90000" tIns="45000" rIns="90000" bIns="45000" anchor="t">
+            <a:spAutoFit/>
+          </a:bodyPr>
+          <a:lstStyle/>
+          <a:p>
+            <a:pPr marL="285840" indent="-285840">
+              <a:lnSpc>
+                <a:spcPct val="100000"/>
+              </a:lnSpc>
+              <a:buClr>
+                <a:srgbClr val="000000"/>
+              </a:buClr>
+              <a:buFont typeface="Arial"/>
+              <a:buChar char="•"/>
+            </a:pPr>
+            <a:r>
+              <a:rPr lang="de-DE" sz="1800" b="0" strike="noStrike" spc="-1" dirty="0">
+                <a:latin typeface="Bahnschrift SemiLight" panose="020B0502040204020203" pitchFamily="34" charset="0"/>
+              </a:rPr>
+              <a:t>Median: 2018</a:t>
+            </a:r>
+          </a:p>
+          <a:p>
+            <a:pPr marL="285840" indent="-285840">
+              <a:lnSpc>
+                <a:spcPct val="100000"/>
+              </a:lnSpc>
+              <a:buClr>
+                <a:srgbClr val="000000"/>
+              </a:buClr>
+              <a:buFont typeface="Arial"/>
+              <a:buChar char="•"/>
+            </a:pPr>
+            <a:r>
+              <a:rPr lang="de-DE" spc="-1" dirty="0">
+                <a:latin typeface="Bahnschrift SemiLight" panose="020B0502040204020203" pitchFamily="34" charset="0"/>
+              </a:rPr>
+              <a:t>Mittelwert: 2016,439</a:t>
+            </a:r>
+            <a:endParaRPr lang="de-DE" sz="1800" b="0" strike="noStrike" spc="-1" dirty="0">
+              <a:latin typeface="Bahnschrift SemiLight" panose="020B0502040204020203" pitchFamily="34" charset="0"/>
+            </a:endParaRPr>
+          </a:p>
+        </p:txBody>
+      </p:sp>
+    </p:spTree>
+    <p:extLst>
+      <p:ext uri="{BB962C8B-B14F-4D97-AF65-F5344CB8AC3E}">
+        <p14:creationId xmlns:p14="http://schemas.microsoft.com/office/powerpoint/2010/main" val="416698385"/>
+      </p:ext>
+    </p:extLst>
+  </p:cSld>
+  <p:clrMapOvr>
+    <a:masterClrMapping/>
+  </p:clrMapOvr>
+</p:sld>
+</file>
+
+<file path=ppt/slides/slide8.xml><?xml version="1.0" encoding="utf-8"?>
+<p:sld xmlns:a="http://schemas.openxmlformats.org/drawingml/2006/main" xmlns:r="http://schemas.openxmlformats.org/officeDocument/2006/relationships" xmlns:p="http://schemas.openxmlformats.org/presentationml/2006/main">
+  <p:cSld>
+    <p:spTree>
+      <p:nvGrpSpPr>
+        <p:cNvPr id="1" name="">
+          <a:extLst>
+            <a:ext uri="{FF2B5EF4-FFF2-40B4-BE49-F238E27FC236}">
+              <a16:creationId xmlns:a16="http://schemas.microsoft.com/office/drawing/2014/main" id="{632B4441-D37B-3CFA-07BE-6D76F5C70A43}"/>
+            </a:ext>
+          </a:extLst>
+        </p:cNvPr>
+        <p:cNvGrpSpPr/>
+        <p:nvPr/>
+      </p:nvGrpSpPr>
+      <p:grpSpPr>
+        <a:xfrm>
+          <a:off x="0" y="0"/>
+          <a:ext cx="0" cy="0"/>
+          <a:chOff x="0" y="0"/>
+          <a:chExt cx="0" cy="0"/>
+        </a:xfrm>
+      </p:grpSpPr>
+      <p:sp>
+        <p:nvSpPr>
+          <p:cNvPr id="244" name="TextBox 3">
+            <a:extLst>
+              <a:ext uri="{FF2B5EF4-FFF2-40B4-BE49-F238E27FC236}">
+                <a16:creationId xmlns:a16="http://schemas.microsoft.com/office/drawing/2014/main" id="{E774332A-5A79-1AFA-F0C8-37687AA1A1C0}"/>
+              </a:ext>
+            </a:extLst>
+          </p:cNvPr>
+          <p:cNvSpPr/>
+          <p:nvPr/>
+        </p:nvSpPr>
+        <p:spPr>
+          <a:xfrm>
+            <a:off x="5959800" y="2549169"/>
+            <a:ext cx="5885640" cy="1533582"/>
+          </a:xfrm>
+          <a:prstGeom prst="rect">
+            <a:avLst/>
+          </a:prstGeom>
+          <a:noFill/>
+          <a:ln w="0">
+            <a:noFill/>
+          </a:ln>
+        </p:spPr>
+        <p:style>
+          <a:lnRef idx="0">
+            <a:scrgbClr r="0" g="0" b="0"/>
+          </a:lnRef>
+          <a:fillRef idx="0">
+            <a:scrgbClr r="0" g="0" b="0"/>
+          </a:fillRef>
+          <a:effectRef idx="0">
+            <a:scrgbClr r="0" g="0" b="0"/>
+          </a:effectRef>
+          <a:fontRef idx="minor"/>
+        </p:style>
+        <p:txBody>
+          <a:bodyPr lIns="90000" tIns="45000" rIns="90000" bIns="45000" anchor="ctr">
+            <a:spAutoFit/>
+          </a:bodyPr>
+          <a:lstStyle/>
+          <a:p>
+            <a:pPr algn="ctr">
+              <a:lnSpc>
+                <a:spcPts val="5400"/>
+              </a:lnSpc>
+              <a:spcAft>
+                <a:spcPts val="601"/>
+              </a:spcAft>
+              <a:buNone/>
+            </a:pPr>
+            <a:r>
+              <a:rPr lang="de-DE" sz="6000" b="1" strike="noStrike" spc="-1" dirty="0">
+                <a:solidFill>
+                  <a:srgbClr val="002060"/>
+                </a:solidFill>
+                <a:latin typeface="CMU Serif"/>
+                <a:ea typeface="CMU Serif"/>
+              </a:rPr>
+              <a:t>2. Bereinigung der Daten</a:t>
+            </a:r>
+            <a:endParaRPr lang="de-DE" sz="6000" b="0" strike="noStrike" spc="-1" dirty="0">
+              <a:latin typeface="Arial"/>
+            </a:endParaRPr>
+          </a:p>
+        </p:txBody>
+      </p:sp>
+      <p:sp>
+        <p:nvSpPr>
+          <p:cNvPr id="245" name="Freeform: Shape 152">
+            <a:extLst>
+              <a:ext uri="{FF2B5EF4-FFF2-40B4-BE49-F238E27FC236}">
+                <a16:creationId xmlns:a16="http://schemas.microsoft.com/office/drawing/2014/main" id="{DB08D057-1708-3884-2122-158C0D98D49E}"/>
+              </a:ext>
+            </a:extLst>
+          </p:cNvPr>
+          <p:cNvSpPr/>
+          <p:nvPr/>
+        </p:nvSpPr>
+        <p:spPr>
+          <a:xfrm>
+            <a:off x="673920" y="1688040"/>
+            <a:ext cx="5085000" cy="3126960"/>
+          </a:xfrm>
+          <a:custGeom>
+            <a:avLst/>
+            <a:gdLst/>
+            <a:ahLst/>
+            <a:cxnLst/>
+            <a:rect l="l" t="t" r="r" b="b"/>
+            <a:pathLst>
+              <a:path w="5086770" h="3128874">
+                <a:moveTo>
+                  <a:pt x="5086770" y="1174706"/>
+                </a:moveTo>
+                <a:lnTo>
+                  <a:pt x="5086770" y="1184663"/>
+                </a:lnTo>
+                <a:lnTo>
+                  <a:pt x="5079830" y="1185820"/>
+                </a:lnTo>
+                <a:cubicBezTo>
+                  <a:pt x="5079829" y="1184277"/>
+                  <a:pt x="5078289" y="1184277"/>
+                  <a:pt x="5078289" y="1182737"/>
+                </a:cubicBezTo>
+                <a:lnTo>
+                  <a:pt x="5078289" y="1179654"/>
+                </a:lnTo>
+                <a:close/>
+                <a:moveTo>
+                  <a:pt x="1690658" y="810655"/>
+                </a:moveTo>
+                <a:lnTo>
+                  <a:pt x="1349061" y="1934928"/>
+                </a:lnTo>
+                <a:lnTo>
+                  <a:pt x="2035854" y="1934928"/>
+                </a:lnTo>
+                <a:close/>
+                <a:moveTo>
+                  <a:pt x="3765314" y="0"/>
+                </a:moveTo>
+                <a:lnTo>
+                  <a:pt x="4465138" y="0"/>
+                </a:lnTo>
+                <a:lnTo>
+                  <a:pt x="4675955" y="0"/>
+                </a:lnTo>
+                <a:lnTo>
+                  <a:pt x="4659036" y="34412"/>
+                </a:lnTo>
+                <a:cubicBezTo>
+                  <a:pt x="4655952" y="37496"/>
+                  <a:pt x="4652870" y="40578"/>
+                  <a:pt x="4651327" y="45203"/>
+                </a:cubicBezTo>
+                <a:cubicBezTo>
+                  <a:pt x="4649787" y="48285"/>
+                  <a:pt x="4649788" y="49827"/>
+                  <a:pt x="4648245" y="51368"/>
+                </a:cubicBezTo>
+                <a:cubicBezTo>
+                  <a:pt x="4632831" y="72947"/>
+                  <a:pt x="4528018" y="224002"/>
+                  <a:pt x="4483319" y="361184"/>
+                </a:cubicBezTo>
+                <a:cubicBezTo>
+                  <a:pt x="4481777" y="365808"/>
+                  <a:pt x="4480236" y="368891"/>
+                  <a:pt x="4480236" y="373515"/>
+                </a:cubicBezTo>
+                <a:cubicBezTo>
+                  <a:pt x="4478694" y="381223"/>
+                  <a:pt x="4475612" y="390471"/>
+                  <a:pt x="4474071" y="398176"/>
+                </a:cubicBezTo>
+                <a:cubicBezTo>
+                  <a:pt x="4466362" y="432087"/>
+                  <a:pt x="4458657" y="465997"/>
+                  <a:pt x="4450950" y="498367"/>
+                </a:cubicBezTo>
+                <a:cubicBezTo>
+                  <a:pt x="4444783" y="506073"/>
+                  <a:pt x="4440160" y="516863"/>
+                  <a:pt x="4440161" y="527652"/>
+                </a:cubicBezTo>
+                <a:cubicBezTo>
+                  <a:pt x="4440160" y="532277"/>
+                  <a:pt x="4440160" y="535360"/>
+                  <a:pt x="4441700" y="539983"/>
+                </a:cubicBezTo>
+                <a:cubicBezTo>
+                  <a:pt x="4440161" y="547691"/>
+                  <a:pt x="4438618" y="555397"/>
+                  <a:pt x="4437078" y="561562"/>
+                </a:cubicBezTo>
+                <a:cubicBezTo>
+                  <a:pt x="4435535" y="566187"/>
+                  <a:pt x="4433995" y="570810"/>
+                  <a:pt x="4433995" y="576976"/>
+                </a:cubicBezTo>
+                <a:cubicBezTo>
+                  <a:pt x="4433995" y="576976"/>
+                  <a:pt x="4433994" y="578519"/>
+                  <a:pt x="4433994" y="578519"/>
+                </a:cubicBezTo>
+                <a:cubicBezTo>
+                  <a:pt x="4417039" y="674083"/>
+                  <a:pt x="4407790" y="755776"/>
+                  <a:pt x="4413956" y="797393"/>
+                </a:cubicBezTo>
+                <a:cubicBezTo>
+                  <a:pt x="4421664" y="846717"/>
+                  <a:pt x="4440160" y="929951"/>
+                  <a:pt x="4438619" y="996230"/>
+                </a:cubicBezTo>
+                <a:cubicBezTo>
+                  <a:pt x="4435535" y="1002395"/>
+                  <a:pt x="4433995" y="1008560"/>
+                  <a:pt x="4433995" y="1016268"/>
+                </a:cubicBezTo>
+                <a:cubicBezTo>
+                  <a:pt x="4433995" y="1019351"/>
+                  <a:pt x="4435536" y="1022434"/>
+                  <a:pt x="4435536" y="1025517"/>
+                </a:cubicBezTo>
+                <a:cubicBezTo>
+                  <a:pt x="4435536" y="1025517"/>
+                  <a:pt x="4435535" y="1027057"/>
+                  <a:pt x="4437078" y="1027057"/>
+                </a:cubicBezTo>
+                <a:cubicBezTo>
+                  <a:pt x="4435536" y="1034764"/>
+                  <a:pt x="4433994" y="1042471"/>
+                  <a:pt x="4432452" y="1048636"/>
+                </a:cubicBezTo>
+                <a:lnTo>
+                  <a:pt x="4413956" y="1085630"/>
+                </a:lnTo>
+                <a:cubicBezTo>
+                  <a:pt x="4369257" y="1164240"/>
+                  <a:pt x="4258278" y="1339957"/>
+                  <a:pt x="4196623" y="1389280"/>
+                </a:cubicBezTo>
+                <a:cubicBezTo>
+                  <a:pt x="4128802" y="1441687"/>
+                  <a:pt x="4062523" y="1538793"/>
+                  <a:pt x="4085645" y="1597365"/>
+                </a:cubicBezTo>
+                <a:cubicBezTo>
+                  <a:pt x="4119555" y="1660562"/>
+                  <a:pt x="4181210" y="1688307"/>
+                  <a:pt x="4216661" y="1697556"/>
+                </a:cubicBezTo>
+                <a:cubicBezTo>
+                  <a:pt x="4252112" y="1706804"/>
+                  <a:pt x="4275233" y="1779247"/>
+                  <a:pt x="4250571" y="1811617"/>
+                </a:cubicBezTo>
+                <a:cubicBezTo>
+                  <a:pt x="4225909" y="1843985"/>
+                  <a:pt x="4187375" y="1853233"/>
+                  <a:pt x="4173502" y="1888685"/>
+                </a:cubicBezTo>
+                <a:cubicBezTo>
+                  <a:pt x="4159630" y="1924137"/>
+                  <a:pt x="4153465" y="1998123"/>
+                  <a:pt x="4213578" y="2022784"/>
+                </a:cubicBezTo>
+                <a:cubicBezTo>
+                  <a:pt x="4259818" y="2041281"/>
+                  <a:pt x="4349219" y="2081356"/>
+                  <a:pt x="4347678" y="2090605"/>
+                </a:cubicBezTo>
+                <a:cubicBezTo>
+                  <a:pt x="4346136" y="2099853"/>
+                  <a:pt x="4250570" y="2107561"/>
+                  <a:pt x="4233616" y="2138388"/>
+                </a:cubicBezTo>
+                <a:cubicBezTo>
+                  <a:pt x="4216660" y="2169216"/>
+                  <a:pt x="4204330" y="2220080"/>
+                  <a:pt x="4227451" y="2258616"/>
+                </a:cubicBezTo>
+                <a:cubicBezTo>
+                  <a:pt x="4250571" y="2297149"/>
+                  <a:pt x="4332264" y="2292526"/>
+                  <a:pt x="4350761" y="2320270"/>
+                </a:cubicBezTo>
+                <a:cubicBezTo>
+                  <a:pt x="4381588" y="2371135"/>
+                  <a:pt x="4358466" y="2378843"/>
+                  <a:pt x="4333805" y="2462077"/>
+                </a:cubicBezTo>
+                <a:cubicBezTo>
+                  <a:pt x="4306060" y="2551476"/>
+                  <a:pt x="4302977" y="2650125"/>
+                  <a:pt x="4467905" y="2719486"/>
+                </a:cubicBezTo>
+                <a:cubicBezTo>
+                  <a:pt x="4562314" y="2758983"/>
+                  <a:pt x="4694054" y="2758743"/>
+                  <a:pt x="4800655" y="2748491"/>
+                </a:cubicBezTo>
+                <a:lnTo>
+                  <a:pt x="4838191" y="2744074"/>
+                </a:lnTo>
+                <a:lnTo>
+                  <a:pt x="4863823" y="2765476"/>
+                </a:lnTo>
+                <a:cubicBezTo>
+                  <a:pt x="4895578" y="2799449"/>
+                  <a:pt x="4917344" y="2847230"/>
+                  <a:pt x="4934321" y="2911083"/>
+                </a:cubicBezTo>
+                <a:cubicBezTo>
+                  <a:pt x="4945640" y="2953651"/>
+                  <a:pt x="4957371" y="3013267"/>
+                  <a:pt x="4964162" y="3074402"/>
+                </a:cubicBezTo>
+                <a:lnTo>
+                  <a:pt x="4967647" y="3128874"/>
+                </a:lnTo>
+                <a:lnTo>
+                  <a:pt x="4465138" y="3128874"/>
+                </a:lnTo>
+                <a:lnTo>
+                  <a:pt x="4465138" y="3127460"/>
+                </a:lnTo>
+                <a:lnTo>
+                  <a:pt x="3765314" y="3127460"/>
+                </a:lnTo>
+                <a:close/>
+                <a:moveTo>
+                  <a:pt x="1175459" y="0"/>
+                </a:moveTo>
+                <a:lnTo>
+                  <a:pt x="2229594" y="0"/>
+                </a:lnTo>
+                <a:lnTo>
+                  <a:pt x="3404781" y="3127460"/>
+                </a:lnTo>
+                <a:lnTo>
+                  <a:pt x="2392789" y="3127460"/>
+                </a:lnTo>
+                <a:lnTo>
+                  <a:pt x="2236317" y="2611186"/>
+                </a:lnTo>
+                <a:lnTo>
+                  <a:pt x="1139165" y="2611186"/>
+                </a:lnTo>
+                <a:lnTo>
+                  <a:pt x="986721" y="3127460"/>
+                </a:lnTo>
+                <a:lnTo>
+                  <a:pt x="0" y="3127460"/>
+                </a:lnTo>
+                <a:close/>
+              </a:path>
+            </a:pathLst>
+          </a:custGeom>
           <a:solidFill>
             <a:srgbClr val="002060"/>
           </a:solidFill>
           <a:ln>
-            <a:solidFill>
-              <a:srgbClr val="001747"/>
-            </a:solidFill>
+            <a:noFill/>
           </a:ln>
         </p:spPr>
         <p:style>
@@ -21725,198 +23060,69 @@
           </a:effectRef>
           <a:fontRef idx="minor"/>
         </p:style>
-      </p:sp>
-    </p:spTree>
-  </p:cSld>
-  <p:clrMapOvr>
-    <a:masterClrMapping/>
-  </p:clrMapOvr>
-</p:sld>
-</file>
-
-<file path=ppt/slides/slide8.xml><?xml version="1.0" encoding="utf-8"?>
-<p:sld xmlns:a="http://schemas.openxmlformats.org/drawingml/2006/main" xmlns:r="http://schemas.openxmlformats.org/officeDocument/2006/relationships" xmlns:p="http://schemas.openxmlformats.org/presentationml/2006/main">
-  <p:cSld>
-    <p:spTree>
-      <p:nvGrpSpPr>
-        <p:cNvPr id="1" name=""/>
-        <p:cNvGrpSpPr/>
-        <p:nvPr/>
-      </p:nvGrpSpPr>
-      <p:grpSpPr>
-        <a:xfrm>
-          <a:off x="0" y="0"/>
-          <a:ext cx="0" cy="0"/>
-          <a:chOff x="0" y="0"/>
-          <a:chExt cx="0" cy="0"/>
-        </a:xfrm>
-      </p:grpSpPr>
-      <p:pic>
-        <p:nvPicPr>
-          <p:cNvPr id="257" name="Grafik 5"/>
-          <p:cNvPicPr/>
-          <p:nvPr/>
-        </p:nvPicPr>
-        <p:blipFill>
-          <a:blip r:embed="rId2"/>
-          <a:srcRect t="2445" b="2101"/>
-          <a:stretch/>
-        </p:blipFill>
-        <p:spPr>
-          <a:xfrm>
-            <a:off x="1662480" y="2282400"/>
-            <a:ext cx="7797960" cy="4462200"/>
-          </a:xfrm>
-          <a:prstGeom prst="rect">
-            <a:avLst/>
-          </a:prstGeom>
-          <a:ln w="0">
-            <a:noFill/>
-          </a:ln>
-        </p:spPr>
-      </p:pic>
-      <p:sp>
-        <p:nvSpPr>
-          <p:cNvPr id="258" name="PlaceHolder 1"/>
-          <p:cNvSpPr>
-            <a:spLocks noGrp="1"/>
-          </p:cNvSpPr>
-          <p:nvPr>
-            <p:ph/>
-          </p:nvPr>
-        </p:nvSpPr>
-        <p:spPr>
-          <a:xfrm>
-            <a:off x="2063160" y="443520"/>
-            <a:ext cx="8064360" cy="644400"/>
-          </a:xfrm>
-          <a:prstGeom prst="rect">
-            <a:avLst/>
-          </a:prstGeom>
-          <a:noFill/>
-          <a:ln w="0">
-            <a:noFill/>
-          </a:ln>
-        </p:spPr>
-        <p:txBody>
-          <a:bodyPr lIns="90000" tIns="45000" rIns="90000" bIns="45000" anchor="ctr">
-            <a:noAutofit/>
-          </a:bodyPr>
-          <a:lstStyle/>
-          <a:p>
-            <a:pPr marL="228600">
-              <a:lnSpc>
-                <a:spcPct val="90000"/>
-              </a:lnSpc>
-              <a:spcBef>
-                <a:spcPts val="1001"/>
-              </a:spcBef>
-              <a:buNone/>
-              <a:tabLst>
-                <a:tab pos="0" algn="l"/>
-              </a:tabLst>
-            </a:pPr>
-            <a:r>
-              <a:rPr lang="de-DE" sz="4000" b="1" strike="noStrike" spc="-1">
-                <a:solidFill>
-                  <a:srgbClr val="FFFFFF"/>
-                </a:solidFill>
-                <a:latin typeface="CMU Serif"/>
-                <a:ea typeface="CMU Serif"/>
-              </a:rPr>
-              <a:t>Bereinigung der Daten 4</a:t>
-            </a:r>
-            <a:endParaRPr lang="de-DE" sz="4000" b="0" strike="noStrike" spc="-1">
-              <a:latin typeface="Arial"/>
-            </a:endParaRPr>
-          </a:p>
-        </p:txBody>
-      </p:sp>
-      <p:sp>
-        <p:nvSpPr>
-          <p:cNvPr id="259" name="Textfeld 2"/>
+        <p:txBody>
+          <a:bodyPr/>
+          <a:lstStyle/>
+          <a:p>
+            <a:endParaRPr lang="de-DE"/>
+          </a:p>
+        </p:txBody>
+      </p:sp>
+      <p:sp>
+        <p:nvSpPr>
+          <p:cNvPr id="246" name="Rechteck 1">
+            <a:extLst>
+              <a:ext uri="{FF2B5EF4-FFF2-40B4-BE49-F238E27FC236}">
+                <a16:creationId xmlns:a16="http://schemas.microsoft.com/office/drawing/2014/main" id="{A2176E1D-6373-5712-D970-F31004AC5C36}"/>
+              </a:ext>
+            </a:extLst>
+          </p:cNvPr>
           <p:cNvSpPr/>
           <p:nvPr/>
         </p:nvSpPr>
         <p:spPr>
           <a:xfrm>
-            <a:off x="585360" y="1553040"/>
-            <a:ext cx="9952200" cy="912600"/>
-          </a:xfrm>
-          <a:prstGeom prst="rect">
-            <a:avLst/>
-          </a:prstGeom>
-          <a:noFill/>
-          <a:ln w="0">
+            <a:off x="-39240" y="6496920"/>
+            <a:ext cx="12269160" cy="423360"/>
+          </a:xfrm>
+          <a:prstGeom prst="rect">
+            <a:avLst/>
+          </a:prstGeom>
+          <a:solidFill>
+            <a:srgbClr val="AA313F"/>
+          </a:solidFill>
+          <a:ln>
             <a:noFill/>
           </a:ln>
         </p:spPr>
         <p:style>
-          <a:lnRef idx="0">
-            <a:scrgbClr r="0" g="0" b="0"/>
+          <a:lnRef idx="2">
+            <a:schemeClr val="accent1">
+              <a:shade val="50000"/>
+            </a:schemeClr>
           </a:lnRef>
-          <a:fillRef idx="0">
-            <a:scrgbClr r="0" g="0" b="0"/>
+          <a:fillRef idx="1">
+            <a:schemeClr val="accent1"/>
           </a:fillRef>
           <a:effectRef idx="0">
-            <a:scrgbClr r="0" g="0" b="0"/>
+            <a:schemeClr val="accent1"/>
           </a:effectRef>
           <a:fontRef idx="minor"/>
         </p:style>
         <p:txBody>
-          <a:bodyPr lIns="90000" tIns="45000" rIns="90000" bIns="45000" anchor="t">
-            <a:spAutoFit/>
-          </a:bodyPr>
-          <a:lstStyle/>
-          <a:p>
-            <a:pPr>
-              <a:lnSpc>
-                <a:spcPct val="100000"/>
-              </a:lnSpc>
-              <a:buNone/>
-            </a:pPr>
-            <a:r>
-              <a:rPr lang="de-DE" sz="1800" b="1" strike="noStrike" spc="-1">
-                <a:solidFill>
-                  <a:srgbClr val="000000"/>
-                </a:solidFill>
-                <a:latin typeface="Bahnschrift SemiLight"/>
-                <a:ea typeface="Arial Unicode MS"/>
-              </a:rPr>
-              <a:t>Entfernung der Spalte „Color“</a:t>
-            </a:r>
-            <a:endParaRPr lang="de-DE" sz="1800" b="0" strike="noStrike" spc="-1">
-              <a:latin typeface="Arial"/>
-            </a:endParaRPr>
-          </a:p>
-          <a:p>
-            <a:pPr marL="285840" indent="-285840">
-              <a:lnSpc>
-                <a:spcPct val="100000"/>
-              </a:lnSpc>
-              <a:buClr>
-                <a:srgbClr val="000000"/>
-              </a:buClr>
-              <a:buFont typeface="Arial"/>
-              <a:buChar char="•"/>
-            </a:pPr>
-            <a:r>
-              <a:rPr lang="de-DE" sz="1800" b="0" strike="noStrike" spc="-1">
-                <a:solidFill>
-                  <a:srgbClr val="000000"/>
-                </a:solidFill>
-                <a:latin typeface="Bahnschrift SemiLight"/>
-                <a:ea typeface="DejaVu Sans"/>
-              </a:rPr>
-              <a:t>Die Farbe hat fast keinen Einfluss auf den Preis, Farben wie gold, green etc. wenig vertreten</a:t>
-            </a:r>
-            <a:endParaRPr lang="de-DE" sz="1800" b="0" strike="noStrike" spc="-1">
-              <a:latin typeface="Arial"/>
-            </a:endParaRPr>
+          <a:bodyPr/>
+          <a:lstStyle/>
+          <a:p>
+            <a:endParaRPr lang="de-DE"/>
           </a:p>
         </p:txBody>
       </p:sp>
     </p:spTree>
+    <p:extLst>
+      <p:ext uri="{BB962C8B-B14F-4D97-AF65-F5344CB8AC3E}">
+        <p14:creationId xmlns:p14="http://schemas.microsoft.com/office/powerpoint/2010/main" val="3830844993"/>
+      </p:ext>
+    </p:extLst>
   </p:cSld>
   <p:clrMapOvr>
     <a:masterClrMapping/>
@@ -21943,7 +23149,7 @@
       </p:grpSpPr>
       <p:sp>
         <p:nvSpPr>
-          <p:cNvPr id="260" name="PlaceHolder 1"/>
+          <p:cNvPr id="247" name="PlaceHolder 1"/>
           <p:cNvSpPr>
             <a:spLocks noGrp="1"/>
           </p:cNvSpPr>
@@ -21953,7 +23159,7 @@
         </p:nvSpPr>
         <p:spPr>
           <a:xfrm>
-            <a:off x="2063160" y="443520"/>
+            <a:off x="2063160" y="460440"/>
             <a:ext cx="8064360" cy="644400"/>
           </a:xfrm>
           <a:prstGeom prst="rect">
@@ -21966,11 +23172,11 @@
         </p:spPr>
         <p:txBody>
           <a:bodyPr lIns="90000" tIns="45000" rIns="90000" bIns="45000" anchor="ctr">
-            <a:noAutofit/>
-          </a:bodyPr>
-          <a:lstStyle/>
-          <a:p>
-            <a:pPr marL="228600">
+            <a:normAutofit fontScale="80500" lnSpcReduction="20000"/>
+          </a:bodyPr>
+          <a:lstStyle/>
+          <a:p>
+            <a:pPr marL="204120">
               <a:lnSpc>
                 <a:spcPct val="90000"/>
               </a:lnSpc>
@@ -21983,31 +23189,31 @@
               </a:tabLst>
             </a:pPr>
             <a:r>
-              <a:rPr lang="de-DE" sz="4000" b="1" strike="noStrike" spc="-1">
+              <a:rPr lang="de-DE" sz="5400" b="1" strike="noStrike" spc="-1" dirty="0">
                 <a:solidFill>
                   <a:srgbClr val="FFFFFF"/>
                 </a:solidFill>
                 <a:latin typeface="CMU Serif"/>
                 <a:ea typeface="CMU Serif"/>
               </a:rPr>
-              <a:t>Bereinigung der Daten 5</a:t>
+              <a:t>Bereinigung der Daten 1</a:t>
             </a:r>
-            <a:endParaRPr lang="de-DE" sz="4000" b="0" strike="noStrike" spc="-1">
-              <a:latin typeface="Arial"/>
-            </a:endParaRPr>
-          </a:p>
-        </p:txBody>
-      </p:sp>
-      <p:sp>
-        <p:nvSpPr>
-          <p:cNvPr id="261" name="Textfeld 2"/>
+            <a:endParaRPr lang="de-DE" sz="5400" b="0" strike="noStrike" spc="-1" dirty="0">
+              <a:latin typeface="Arial"/>
+            </a:endParaRPr>
+          </a:p>
+        </p:txBody>
+      </p:sp>
+      <p:sp>
+        <p:nvSpPr>
+          <p:cNvPr id="248" name="Textfeld 2"/>
           <p:cNvSpPr/>
           <p:nvPr/>
         </p:nvSpPr>
         <p:spPr>
           <a:xfrm>
-            <a:off x="585360" y="1483920"/>
-            <a:ext cx="9952200" cy="363960"/>
+            <a:off x="585360" y="1788840"/>
+            <a:ext cx="9952200" cy="3930120"/>
           </a:xfrm>
           <a:prstGeom prst="rect">
             <a:avLst/>
@@ -22042,45 +23248,352 @@
               <a:buNone/>
             </a:pPr>
             <a:r>
-              <a:rPr lang="de-DE" sz="1800" b="1" strike="noStrike" spc="-1">
+              <a:rPr lang="de-DE" sz="1800" b="1" strike="noStrike" spc="-1" dirty="0">
                 <a:solidFill>
                   <a:srgbClr val="000000"/>
                 </a:solidFill>
                 <a:latin typeface="Bahnschrift SemiLight"/>
                 <a:ea typeface="Arial Unicode MS"/>
               </a:rPr>
-              <a:t>Zusammenfassung der Spalte Brand in 2 Kategorien</a:t>
+              <a:t>Entfernung der Spalte „Unnamed..0“</a:t>
             </a:r>
-            <a:endParaRPr lang="de-DE" sz="1800" b="0" strike="noStrike" spc="-1">
-              <a:latin typeface="Arial"/>
-            </a:endParaRPr>
-          </a:p>
-        </p:txBody>
-      </p:sp>
-      <p:pic>
-        <p:nvPicPr>
-          <p:cNvPr id="262" name="Grafik 2" descr="Ein Bild, das Text, Diagramm, Screenshot, Reihe enthält.&#10;&#10;KI-generierte Inhalte können fehlerhaft sein."/>
-          <p:cNvPicPr/>
-          <p:nvPr/>
-        </p:nvPicPr>
-        <p:blipFill>
-          <a:blip r:embed="rId2"/>
-          <a:srcRect t="3740"/>
-          <a:stretch/>
-        </p:blipFill>
-        <p:spPr>
-          <a:xfrm>
-            <a:off x="1903680" y="1923840"/>
-            <a:ext cx="7315560" cy="4732560"/>
-          </a:xfrm>
-          <a:prstGeom prst="rect">
-            <a:avLst/>
-          </a:prstGeom>
-          <a:ln w="0">
-            <a:noFill/>
-          </a:ln>
-        </p:spPr>
-      </p:pic>
+            <a:endParaRPr lang="de-DE" sz="1800" b="0" strike="noStrike" spc="-1" dirty="0">
+              <a:latin typeface="Arial"/>
+            </a:endParaRPr>
+          </a:p>
+          <a:p>
+            <a:pPr marL="285840" indent="-285840">
+              <a:lnSpc>
+                <a:spcPct val="100000"/>
+              </a:lnSpc>
+              <a:buClr>
+                <a:srgbClr val="000000"/>
+              </a:buClr>
+              <a:buFont typeface="Arial"/>
+              <a:buChar char="•"/>
+            </a:pPr>
+            <a:r>
+              <a:rPr lang="de-DE" sz="1800" b="0" strike="noStrike" spc="-1" dirty="0">
+                <a:solidFill>
+                  <a:srgbClr val="000000"/>
+                </a:solidFill>
+                <a:latin typeface="Bahnschrift SemiLight"/>
+                <a:ea typeface="Arial Unicode MS"/>
+              </a:rPr>
+              <a:t>Spalte hat keine Relevanz, sie ist reine Nummerierung der Zeilen.</a:t>
+            </a:r>
+            <a:endParaRPr lang="de-DE" sz="1800" b="0" strike="noStrike" spc="-1" dirty="0">
+              <a:latin typeface="Arial"/>
+            </a:endParaRPr>
+          </a:p>
+          <a:p>
+            <a:pPr>
+              <a:lnSpc>
+                <a:spcPct val="100000"/>
+              </a:lnSpc>
+              <a:buNone/>
+            </a:pPr>
+            <a:endParaRPr lang="de-DE" sz="1800" b="0" strike="noStrike" spc="-1" dirty="0">
+              <a:latin typeface="Arial"/>
+            </a:endParaRPr>
+          </a:p>
+          <a:p>
+            <a:pPr>
+              <a:lnSpc>
+                <a:spcPct val="100000"/>
+              </a:lnSpc>
+              <a:buNone/>
+            </a:pPr>
+            <a:r>
+              <a:rPr lang="de-DE" sz="1800" b="1" strike="noStrike" spc="-1" dirty="0">
+                <a:solidFill>
+                  <a:srgbClr val="000000"/>
+                </a:solidFill>
+                <a:latin typeface="Bahnschrift SemiLight"/>
+                <a:ea typeface="Arial Unicode MS"/>
+              </a:rPr>
+              <a:t>Entfernung der Spalte „</a:t>
+            </a:r>
+            <a:r>
+              <a:rPr lang="de-DE" sz="1800" b="1" strike="noStrike" spc="-1" dirty="0" err="1">
+                <a:solidFill>
+                  <a:srgbClr val="000000"/>
+                </a:solidFill>
+                <a:latin typeface="Bahnschrift SemiLight"/>
+                <a:ea typeface="Arial Unicode MS"/>
+              </a:rPr>
+              <a:t>offer_description</a:t>
+            </a:r>
+            <a:r>
+              <a:rPr lang="de-DE" sz="1800" b="1" strike="noStrike" spc="-1" dirty="0">
+                <a:solidFill>
+                  <a:srgbClr val="000000"/>
+                </a:solidFill>
+                <a:latin typeface="Bahnschrift SemiLight"/>
+                <a:ea typeface="Arial Unicode MS"/>
+              </a:rPr>
+              <a:t>“</a:t>
+            </a:r>
+            <a:endParaRPr lang="de-DE" sz="1800" b="0" strike="noStrike" spc="-1" dirty="0">
+              <a:latin typeface="Arial"/>
+            </a:endParaRPr>
+          </a:p>
+          <a:p>
+            <a:pPr marL="285840" indent="-285840">
+              <a:lnSpc>
+                <a:spcPct val="100000"/>
+              </a:lnSpc>
+              <a:buClr>
+                <a:srgbClr val="000000"/>
+              </a:buClr>
+              <a:buFont typeface="Arial"/>
+              <a:buChar char="•"/>
+            </a:pPr>
+            <a:r>
+              <a:rPr lang="de-DE" sz="1800" b="0" strike="noStrike" spc="-1" dirty="0">
+                <a:solidFill>
+                  <a:srgbClr val="000000"/>
+                </a:solidFill>
+                <a:latin typeface="Bahnschrift SemiLight"/>
+                <a:ea typeface="Arial Unicode MS"/>
+              </a:rPr>
+              <a:t>Z.B.: wurde geschaut, ob in der Spalte </a:t>
+            </a:r>
+            <a:r>
+              <a:rPr lang="de-DE" sz="1800" b="0" strike="noStrike" spc="-1" dirty="0" err="1">
+                <a:solidFill>
+                  <a:srgbClr val="000000"/>
+                </a:solidFill>
+                <a:latin typeface="Bahnschrift SemiLight"/>
+                <a:ea typeface="Arial Unicode MS"/>
+              </a:rPr>
+              <a:t>offer_description</a:t>
+            </a:r>
+            <a:r>
+              <a:rPr lang="de-DE" sz="1800" b="0" strike="noStrike" spc="-1" dirty="0">
+                <a:solidFill>
+                  <a:srgbClr val="000000"/>
+                </a:solidFill>
+                <a:latin typeface="Bahnschrift SemiLight"/>
+                <a:ea typeface="Arial Unicode MS"/>
+              </a:rPr>
+              <a:t> Wort unfallfrei, </a:t>
+            </a:r>
+            <a:r>
+              <a:rPr lang="de-DE" sz="1800" b="0" strike="noStrike" spc="-1" dirty="0" err="1">
+                <a:solidFill>
+                  <a:srgbClr val="000000"/>
+                </a:solidFill>
+                <a:latin typeface="Bahnschrift SemiLight"/>
+                <a:ea typeface="Arial Unicode MS"/>
+              </a:rPr>
+              <a:t>sport</a:t>
+            </a:r>
+            <a:r>
+              <a:rPr lang="de-DE" sz="1800" b="0" strike="noStrike" spc="-1" dirty="0">
+                <a:solidFill>
+                  <a:srgbClr val="000000"/>
+                </a:solidFill>
+                <a:latin typeface="Bahnschrift SemiLight"/>
+                <a:ea typeface="Arial Unicode MS"/>
+              </a:rPr>
+              <a:t>, 4x4 usw. steht.</a:t>
+            </a:r>
+            <a:endParaRPr lang="de-DE" sz="1800" b="0" strike="noStrike" spc="-1" dirty="0">
+              <a:latin typeface="Arial"/>
+            </a:endParaRPr>
+          </a:p>
+          <a:p>
+            <a:pPr marL="285840" indent="-285840">
+              <a:lnSpc>
+                <a:spcPct val="100000"/>
+              </a:lnSpc>
+              <a:buClr>
+                <a:srgbClr val="000000"/>
+              </a:buClr>
+              <a:buFont typeface="Arial"/>
+              <a:buChar char="•"/>
+            </a:pPr>
+            <a:r>
+              <a:rPr lang="de-DE" sz="1800" b="0" strike="noStrike" spc="-1" dirty="0">
+                <a:solidFill>
+                  <a:srgbClr val="000000"/>
+                </a:solidFill>
+                <a:latin typeface="Bahnschrift SemiLight"/>
+                <a:ea typeface="Arial Unicode MS"/>
+              </a:rPr>
+              <a:t>Dies war auch der Fall bei </a:t>
+            </a:r>
+            <a:r>
+              <a:rPr lang="de-DE" sz="1800" b="0" strike="noStrike" spc="-1" dirty="0" err="1">
+                <a:solidFill>
+                  <a:srgbClr val="000000"/>
+                </a:solidFill>
+                <a:latin typeface="Bahnschrift SemiLight"/>
+                <a:ea typeface="Arial Unicode MS"/>
+              </a:rPr>
+              <a:t>sport</a:t>
+            </a:r>
+            <a:r>
+              <a:rPr lang="de-DE" sz="1800" b="0" strike="noStrike" spc="-1" dirty="0">
+                <a:solidFill>
+                  <a:srgbClr val="000000"/>
+                </a:solidFill>
+                <a:latin typeface="Bahnschrift SemiLight"/>
+                <a:ea typeface="Arial Unicode MS"/>
+              </a:rPr>
+              <a:t> bzw. 4x4 -&gt; neue Spalte erzeugt.</a:t>
+            </a:r>
+            <a:endParaRPr lang="de-DE" sz="1800" b="0" strike="noStrike" spc="-1" dirty="0">
+              <a:latin typeface="Arial"/>
+            </a:endParaRPr>
+          </a:p>
+          <a:p>
+            <a:pPr>
+              <a:lnSpc>
+                <a:spcPct val="100000"/>
+              </a:lnSpc>
+              <a:buNone/>
+            </a:pPr>
+            <a:endParaRPr lang="de-DE" sz="1800" b="0" strike="noStrike" spc="-1" dirty="0">
+              <a:latin typeface="Arial"/>
+            </a:endParaRPr>
+          </a:p>
+          <a:p>
+            <a:pPr>
+              <a:lnSpc>
+                <a:spcPct val="100000"/>
+              </a:lnSpc>
+              <a:buNone/>
+            </a:pPr>
+            <a:r>
+              <a:rPr lang="de-DE" sz="1800" b="1" strike="noStrike" spc="-1" dirty="0">
+                <a:solidFill>
+                  <a:srgbClr val="000000"/>
+                </a:solidFill>
+                <a:latin typeface="Bahnschrift SemiLight"/>
+                <a:ea typeface="Arial Unicode MS"/>
+              </a:rPr>
+              <a:t>Entfernung der Spalte „</a:t>
+            </a:r>
+            <a:r>
+              <a:rPr lang="de-DE" sz="1800" b="1" strike="noStrike" spc="-1" dirty="0" err="1">
+                <a:solidFill>
+                  <a:srgbClr val="000000"/>
+                </a:solidFill>
+                <a:latin typeface="Bahnschrift SemiLight"/>
+                <a:ea typeface="Arial Unicode MS"/>
+              </a:rPr>
+              <a:t>power_ps</a:t>
+            </a:r>
+            <a:r>
+              <a:rPr lang="de-DE" sz="1800" b="1" strike="noStrike" spc="-1" dirty="0">
+                <a:solidFill>
+                  <a:srgbClr val="000000"/>
+                </a:solidFill>
+                <a:latin typeface="Bahnschrift SemiLight"/>
+                <a:ea typeface="Arial Unicode MS"/>
+              </a:rPr>
+              <a:t>“</a:t>
+            </a:r>
+            <a:endParaRPr lang="de-DE" sz="1800" b="0" strike="noStrike" spc="-1" dirty="0">
+              <a:latin typeface="Arial"/>
+            </a:endParaRPr>
+          </a:p>
+          <a:p>
+            <a:pPr marL="285840" indent="-285840">
+              <a:lnSpc>
+                <a:spcPct val="100000"/>
+              </a:lnSpc>
+              <a:buClr>
+                <a:srgbClr val="000000"/>
+              </a:buClr>
+              <a:buFont typeface="Arial"/>
+              <a:buChar char="•"/>
+            </a:pPr>
+            <a:r>
+              <a:rPr lang="de-DE" sz="1800" b="0" strike="noStrike" spc="-1" dirty="0">
+                <a:solidFill>
+                  <a:srgbClr val="000000"/>
+                </a:solidFill>
+                <a:latin typeface="Bahnschrift SemiLight"/>
+                <a:ea typeface="Arial Unicode MS"/>
+              </a:rPr>
+              <a:t>Die Pferdestärke kann auch aus „</a:t>
+            </a:r>
+            <a:r>
+              <a:rPr lang="de-DE" sz="1800" b="0" strike="noStrike" spc="-1" dirty="0" err="1">
+                <a:solidFill>
+                  <a:srgbClr val="000000"/>
+                </a:solidFill>
+                <a:latin typeface="Bahnschrift SemiLight"/>
+                <a:ea typeface="Arial Unicode MS"/>
+              </a:rPr>
+              <a:t>power_kw</a:t>
+            </a:r>
+            <a:r>
+              <a:rPr lang="de-DE" sz="1800" b="0" strike="noStrike" spc="-1" dirty="0">
+                <a:solidFill>
+                  <a:srgbClr val="000000"/>
+                </a:solidFill>
+                <a:latin typeface="Bahnschrift SemiLight"/>
+                <a:ea typeface="Arial Unicode MS"/>
+              </a:rPr>
+              <a:t>“ durch Umwandlung gewonnen werden.</a:t>
+            </a:r>
+            <a:endParaRPr lang="de-DE" sz="1800" b="0" strike="noStrike" spc="-1" dirty="0">
+              <a:latin typeface="Arial"/>
+            </a:endParaRPr>
+          </a:p>
+          <a:p>
+            <a:pPr marL="285840" indent="-285840">
+              <a:lnSpc>
+                <a:spcPct val="100000"/>
+              </a:lnSpc>
+              <a:buClr>
+                <a:srgbClr val="000000"/>
+              </a:buClr>
+              <a:buFont typeface="Arial"/>
+              <a:buChar char="•"/>
+            </a:pPr>
+            <a:r>
+              <a:rPr lang="de-DE" sz="1800" b="0" strike="noStrike" spc="-1" dirty="0">
+                <a:solidFill>
+                  <a:srgbClr val="000000"/>
+                </a:solidFill>
+                <a:latin typeface="Bahnschrift SemiLight"/>
+                <a:ea typeface="Arial Unicode MS"/>
+              </a:rPr>
+              <a:t>Spalte ist daher überflüssig für die weitere Analyse.</a:t>
+            </a:r>
+            <a:endParaRPr lang="de-DE" sz="1800" b="0" strike="noStrike" spc="-1" dirty="0">
+              <a:latin typeface="Arial"/>
+            </a:endParaRPr>
+          </a:p>
+          <a:p>
+            <a:pPr>
+              <a:lnSpc>
+                <a:spcPct val="100000"/>
+              </a:lnSpc>
+              <a:buNone/>
+            </a:pPr>
+            <a:endParaRPr lang="de-DE" sz="1800" b="0" strike="noStrike" spc="-1" dirty="0">
+              <a:latin typeface="Arial"/>
+            </a:endParaRPr>
+          </a:p>
+          <a:p>
+            <a:pPr>
+              <a:lnSpc>
+                <a:spcPct val="100000"/>
+              </a:lnSpc>
+              <a:buNone/>
+            </a:pPr>
+            <a:endParaRPr lang="de-DE" sz="1800" b="0" strike="noStrike" spc="-1" dirty="0">
+              <a:latin typeface="Arial"/>
+            </a:endParaRPr>
+          </a:p>
+        </p:txBody>
+      </p:sp>
     </p:spTree>
   </p:cSld>
   <p:clrMapOvr>

--- a/Präsentation_Vorlage.pptx
+++ b/Präsentation_Vorlage.pptx
@@ -17,24 +17,25 @@
     <p:sldId id="279" r:id="rId11"/>
     <p:sldId id="280" r:id="rId12"/>
     <p:sldId id="281" r:id="rId13"/>
-    <p:sldId id="277" r:id="rId14"/>
-    <p:sldId id="260" r:id="rId15"/>
-    <p:sldId id="261" r:id="rId16"/>
-    <p:sldId id="262" r:id="rId17"/>
-    <p:sldId id="263" r:id="rId18"/>
-    <p:sldId id="264" r:id="rId19"/>
-    <p:sldId id="265" r:id="rId20"/>
-    <p:sldId id="266" r:id="rId21"/>
-    <p:sldId id="267" r:id="rId22"/>
-    <p:sldId id="268" r:id="rId23"/>
-    <p:sldId id="269" r:id="rId24"/>
-    <p:sldId id="270" r:id="rId25"/>
-    <p:sldId id="271" r:id="rId26"/>
-    <p:sldId id="272" r:id="rId27"/>
-    <p:sldId id="273" r:id="rId28"/>
-    <p:sldId id="274" r:id="rId29"/>
-    <p:sldId id="275" r:id="rId30"/>
-    <p:sldId id="276" r:id="rId31"/>
+    <p:sldId id="282" r:id="rId14"/>
+    <p:sldId id="277" r:id="rId15"/>
+    <p:sldId id="260" r:id="rId16"/>
+    <p:sldId id="261" r:id="rId17"/>
+    <p:sldId id="262" r:id="rId18"/>
+    <p:sldId id="263" r:id="rId19"/>
+    <p:sldId id="264" r:id="rId20"/>
+    <p:sldId id="265" r:id="rId21"/>
+    <p:sldId id="266" r:id="rId22"/>
+    <p:sldId id="267" r:id="rId23"/>
+    <p:sldId id="268" r:id="rId24"/>
+    <p:sldId id="269" r:id="rId25"/>
+    <p:sldId id="270" r:id="rId26"/>
+    <p:sldId id="271" r:id="rId27"/>
+    <p:sldId id="272" r:id="rId28"/>
+    <p:sldId id="273" r:id="rId29"/>
+    <p:sldId id="274" r:id="rId30"/>
+    <p:sldId id="275" r:id="rId31"/>
+    <p:sldId id="276" r:id="rId32"/>
   </p:sldIdLst>
   <p:sldSz cx="12192000" cy="6858000"/>
   <p:notesSz cx="7559675" cy="10691813"/>
@@ -14028,6 +14029,478 @@
       </p:grpSpPr>
       <p:sp>
         <p:nvSpPr>
+          <p:cNvPr id="247" name="PlaceHolder 1"/>
+          <p:cNvSpPr>
+            <a:spLocks noGrp="1"/>
+          </p:cNvSpPr>
+          <p:nvPr>
+            <p:ph/>
+          </p:nvPr>
+        </p:nvSpPr>
+        <p:spPr>
+          <a:xfrm>
+            <a:off x="2063160" y="460440"/>
+            <a:ext cx="8064360" cy="644400"/>
+          </a:xfrm>
+          <a:prstGeom prst="rect">
+            <a:avLst/>
+          </a:prstGeom>
+          <a:noFill/>
+          <a:ln w="0">
+            <a:noFill/>
+          </a:ln>
+        </p:spPr>
+        <p:txBody>
+          <a:bodyPr lIns="90000" tIns="45000" rIns="90000" bIns="45000" anchor="ctr">
+            <a:normAutofit fontScale="80500" lnSpcReduction="20000"/>
+          </a:bodyPr>
+          <a:lstStyle/>
+          <a:p>
+            <a:pPr marL="204120">
+              <a:lnSpc>
+                <a:spcPct val="90000"/>
+              </a:lnSpc>
+              <a:spcBef>
+                <a:spcPts val="1001"/>
+              </a:spcBef>
+              <a:buNone/>
+              <a:tabLst>
+                <a:tab pos="0" algn="l"/>
+              </a:tabLst>
+            </a:pPr>
+            <a:r>
+              <a:rPr lang="de-DE" sz="5400" b="1" strike="noStrike" spc="-1" dirty="0">
+                <a:solidFill>
+                  <a:srgbClr val="FFFFFF"/>
+                </a:solidFill>
+                <a:latin typeface="CMU Serif"/>
+                <a:ea typeface="CMU Serif"/>
+              </a:rPr>
+              <a:t>Bereinigung der Daten 1</a:t>
+            </a:r>
+            <a:endParaRPr lang="de-DE" sz="5400" b="0" strike="noStrike" spc="-1" dirty="0">
+              <a:latin typeface="Arial"/>
+            </a:endParaRPr>
+          </a:p>
+        </p:txBody>
+      </p:sp>
+      <p:sp>
+        <p:nvSpPr>
+          <p:cNvPr id="248" name="Textfeld 2"/>
+          <p:cNvSpPr/>
+          <p:nvPr/>
+        </p:nvSpPr>
+        <p:spPr>
+          <a:xfrm>
+            <a:off x="585360" y="1788840"/>
+            <a:ext cx="9952200" cy="3930120"/>
+          </a:xfrm>
+          <a:prstGeom prst="rect">
+            <a:avLst/>
+          </a:prstGeom>
+          <a:noFill/>
+          <a:ln w="0">
+            <a:noFill/>
+          </a:ln>
+        </p:spPr>
+        <p:style>
+          <a:lnRef idx="0">
+            <a:scrgbClr r="0" g="0" b="0"/>
+          </a:lnRef>
+          <a:fillRef idx="0">
+            <a:scrgbClr r="0" g="0" b="0"/>
+          </a:fillRef>
+          <a:effectRef idx="0">
+            <a:scrgbClr r="0" g="0" b="0"/>
+          </a:effectRef>
+          <a:fontRef idx="minor"/>
+        </p:style>
+        <p:txBody>
+          <a:bodyPr lIns="90000" tIns="45000" rIns="90000" bIns="45000" anchor="t">
+            <a:spAutoFit/>
+          </a:bodyPr>
+          <a:lstStyle/>
+          <a:p>
+            <a:pPr>
+              <a:lnSpc>
+                <a:spcPct val="100000"/>
+              </a:lnSpc>
+              <a:buNone/>
+            </a:pPr>
+            <a:r>
+              <a:rPr lang="de-DE" sz="1800" b="1" strike="noStrike" spc="-1" dirty="0">
+                <a:solidFill>
+                  <a:srgbClr val="000000"/>
+                </a:solidFill>
+                <a:latin typeface="Bahnschrift SemiLight"/>
+                <a:ea typeface="Arial Unicode MS"/>
+              </a:rPr>
+              <a:t>Entfernung der Spalte „Unnamed..0“</a:t>
+            </a:r>
+            <a:endParaRPr lang="de-DE" sz="1800" b="0" strike="noStrike" spc="-1" dirty="0">
+              <a:latin typeface="Arial"/>
+            </a:endParaRPr>
+          </a:p>
+          <a:p>
+            <a:pPr marL="285840" indent="-285840">
+              <a:lnSpc>
+                <a:spcPct val="100000"/>
+              </a:lnSpc>
+              <a:buClr>
+                <a:srgbClr val="000000"/>
+              </a:buClr>
+              <a:buFont typeface="Arial"/>
+              <a:buChar char="•"/>
+            </a:pPr>
+            <a:r>
+              <a:rPr lang="de-DE" sz="1800" b="0" strike="noStrike" spc="-1" dirty="0">
+                <a:solidFill>
+                  <a:srgbClr val="000000"/>
+                </a:solidFill>
+                <a:latin typeface="Bahnschrift SemiLight"/>
+                <a:ea typeface="Arial Unicode MS"/>
+              </a:rPr>
+              <a:t>Spalte hat keine Relevanz, sie ist reine Nummerierung der Zeilen.</a:t>
+            </a:r>
+            <a:endParaRPr lang="de-DE" sz="1800" b="0" strike="noStrike" spc="-1" dirty="0">
+              <a:latin typeface="Arial"/>
+            </a:endParaRPr>
+          </a:p>
+          <a:p>
+            <a:pPr>
+              <a:lnSpc>
+                <a:spcPct val="100000"/>
+              </a:lnSpc>
+              <a:buNone/>
+            </a:pPr>
+            <a:endParaRPr lang="de-DE" sz="1800" b="0" strike="noStrike" spc="-1" dirty="0">
+              <a:latin typeface="Arial"/>
+            </a:endParaRPr>
+          </a:p>
+          <a:p>
+            <a:pPr>
+              <a:lnSpc>
+                <a:spcPct val="100000"/>
+              </a:lnSpc>
+              <a:buNone/>
+            </a:pPr>
+            <a:r>
+              <a:rPr lang="de-DE" sz="1800" b="1" strike="noStrike" spc="-1" dirty="0">
+                <a:solidFill>
+                  <a:srgbClr val="000000"/>
+                </a:solidFill>
+                <a:latin typeface="Bahnschrift SemiLight"/>
+                <a:ea typeface="Arial Unicode MS"/>
+              </a:rPr>
+              <a:t>Entfernung der Spalte „</a:t>
+            </a:r>
+            <a:r>
+              <a:rPr lang="de-DE" sz="1800" b="1" strike="noStrike" spc="-1" dirty="0" err="1">
+                <a:solidFill>
+                  <a:srgbClr val="000000"/>
+                </a:solidFill>
+                <a:latin typeface="Bahnschrift SemiLight"/>
+                <a:ea typeface="Arial Unicode MS"/>
+              </a:rPr>
+              <a:t>offer_description</a:t>
+            </a:r>
+            <a:r>
+              <a:rPr lang="de-DE" sz="1800" b="1" strike="noStrike" spc="-1" dirty="0">
+                <a:solidFill>
+                  <a:srgbClr val="000000"/>
+                </a:solidFill>
+                <a:latin typeface="Bahnschrift SemiLight"/>
+                <a:ea typeface="Arial Unicode MS"/>
+              </a:rPr>
+              <a:t>“</a:t>
+            </a:r>
+            <a:endParaRPr lang="de-DE" sz="1800" b="0" strike="noStrike" spc="-1" dirty="0">
+              <a:latin typeface="Arial"/>
+            </a:endParaRPr>
+          </a:p>
+          <a:p>
+            <a:pPr marL="285840" indent="-285840">
+              <a:lnSpc>
+                <a:spcPct val="100000"/>
+              </a:lnSpc>
+              <a:buClr>
+                <a:srgbClr val="000000"/>
+              </a:buClr>
+              <a:buFont typeface="Arial"/>
+              <a:buChar char="•"/>
+            </a:pPr>
+            <a:r>
+              <a:rPr lang="de-DE" sz="1800" b="0" strike="noStrike" spc="-1" dirty="0">
+                <a:solidFill>
+                  <a:srgbClr val="000000"/>
+                </a:solidFill>
+                <a:latin typeface="Bahnschrift SemiLight"/>
+                <a:ea typeface="Arial Unicode MS"/>
+              </a:rPr>
+              <a:t>Z.B.: wurde geschaut, ob in der Spalte </a:t>
+            </a:r>
+            <a:r>
+              <a:rPr lang="de-DE" sz="1800" b="0" strike="noStrike" spc="-1" dirty="0" err="1">
+                <a:solidFill>
+                  <a:srgbClr val="000000"/>
+                </a:solidFill>
+                <a:latin typeface="Bahnschrift SemiLight"/>
+                <a:ea typeface="Arial Unicode MS"/>
+              </a:rPr>
+              <a:t>offer_description</a:t>
+            </a:r>
+            <a:r>
+              <a:rPr lang="de-DE" sz="1800" b="0" strike="noStrike" spc="-1" dirty="0">
+                <a:solidFill>
+                  <a:srgbClr val="000000"/>
+                </a:solidFill>
+                <a:latin typeface="Bahnschrift SemiLight"/>
+                <a:ea typeface="Arial Unicode MS"/>
+              </a:rPr>
+              <a:t> Wort unfallfrei, </a:t>
+            </a:r>
+            <a:r>
+              <a:rPr lang="de-DE" sz="1800" b="0" strike="noStrike" spc="-1" dirty="0" err="1">
+                <a:solidFill>
+                  <a:srgbClr val="000000"/>
+                </a:solidFill>
+                <a:latin typeface="Bahnschrift SemiLight"/>
+                <a:ea typeface="Arial Unicode MS"/>
+              </a:rPr>
+              <a:t>sport</a:t>
+            </a:r>
+            <a:r>
+              <a:rPr lang="de-DE" sz="1800" b="0" strike="noStrike" spc="-1" dirty="0">
+                <a:solidFill>
+                  <a:srgbClr val="000000"/>
+                </a:solidFill>
+                <a:latin typeface="Bahnschrift SemiLight"/>
+                <a:ea typeface="Arial Unicode MS"/>
+              </a:rPr>
+              <a:t>, 4x4 usw. steht.</a:t>
+            </a:r>
+            <a:endParaRPr lang="de-DE" sz="1800" b="0" strike="noStrike" spc="-1" dirty="0">
+              <a:latin typeface="Arial"/>
+            </a:endParaRPr>
+          </a:p>
+          <a:p>
+            <a:pPr marL="285840" indent="-285840">
+              <a:lnSpc>
+                <a:spcPct val="100000"/>
+              </a:lnSpc>
+              <a:buClr>
+                <a:srgbClr val="000000"/>
+              </a:buClr>
+              <a:buFont typeface="Arial"/>
+              <a:buChar char="•"/>
+            </a:pPr>
+            <a:r>
+              <a:rPr lang="de-DE" sz="1800" b="0" strike="noStrike" spc="-1" dirty="0">
+                <a:solidFill>
+                  <a:srgbClr val="000000"/>
+                </a:solidFill>
+                <a:latin typeface="Bahnschrift SemiLight"/>
+                <a:ea typeface="Arial Unicode MS"/>
+              </a:rPr>
+              <a:t>Dies war auch der Fall bei </a:t>
+            </a:r>
+            <a:r>
+              <a:rPr lang="de-DE" sz="1800" b="0" strike="noStrike" spc="-1" dirty="0" err="1">
+                <a:solidFill>
+                  <a:srgbClr val="000000"/>
+                </a:solidFill>
+                <a:latin typeface="Bahnschrift SemiLight"/>
+                <a:ea typeface="Arial Unicode MS"/>
+              </a:rPr>
+              <a:t>sport</a:t>
+            </a:r>
+            <a:r>
+              <a:rPr lang="de-DE" sz="1800" b="0" strike="noStrike" spc="-1" dirty="0">
+                <a:solidFill>
+                  <a:srgbClr val="000000"/>
+                </a:solidFill>
+                <a:latin typeface="Bahnschrift SemiLight"/>
+                <a:ea typeface="Arial Unicode MS"/>
+              </a:rPr>
+              <a:t> bzw. 4x4 -&gt; neue Spalte erzeugt.</a:t>
+            </a:r>
+            <a:endParaRPr lang="de-DE" sz="1800" b="0" strike="noStrike" spc="-1" dirty="0">
+              <a:latin typeface="Arial"/>
+            </a:endParaRPr>
+          </a:p>
+          <a:p>
+            <a:pPr>
+              <a:lnSpc>
+                <a:spcPct val="100000"/>
+              </a:lnSpc>
+              <a:buNone/>
+            </a:pPr>
+            <a:endParaRPr lang="de-DE" sz="1800" b="0" strike="noStrike" spc="-1" dirty="0">
+              <a:latin typeface="Arial"/>
+            </a:endParaRPr>
+          </a:p>
+          <a:p>
+            <a:pPr>
+              <a:lnSpc>
+                <a:spcPct val="100000"/>
+              </a:lnSpc>
+              <a:buNone/>
+            </a:pPr>
+            <a:r>
+              <a:rPr lang="de-DE" sz="1800" b="1" strike="noStrike" spc="-1" dirty="0">
+                <a:solidFill>
+                  <a:srgbClr val="000000"/>
+                </a:solidFill>
+                <a:latin typeface="Bahnschrift SemiLight"/>
+                <a:ea typeface="Arial Unicode MS"/>
+              </a:rPr>
+              <a:t>Entfernung der Spalte „</a:t>
+            </a:r>
+            <a:r>
+              <a:rPr lang="de-DE" sz="1800" b="1" strike="noStrike" spc="-1" dirty="0" err="1">
+                <a:solidFill>
+                  <a:srgbClr val="000000"/>
+                </a:solidFill>
+                <a:latin typeface="Bahnschrift SemiLight"/>
+                <a:ea typeface="Arial Unicode MS"/>
+              </a:rPr>
+              <a:t>power_ps</a:t>
+            </a:r>
+            <a:r>
+              <a:rPr lang="de-DE" sz="1800" b="1" strike="noStrike" spc="-1" dirty="0">
+                <a:solidFill>
+                  <a:srgbClr val="000000"/>
+                </a:solidFill>
+                <a:latin typeface="Bahnschrift SemiLight"/>
+                <a:ea typeface="Arial Unicode MS"/>
+              </a:rPr>
+              <a:t>“</a:t>
+            </a:r>
+            <a:endParaRPr lang="de-DE" sz="1800" b="0" strike="noStrike" spc="-1" dirty="0">
+              <a:latin typeface="Arial"/>
+            </a:endParaRPr>
+          </a:p>
+          <a:p>
+            <a:pPr marL="285840" indent="-285840">
+              <a:lnSpc>
+                <a:spcPct val="100000"/>
+              </a:lnSpc>
+              <a:buClr>
+                <a:srgbClr val="000000"/>
+              </a:buClr>
+              <a:buFont typeface="Arial"/>
+              <a:buChar char="•"/>
+            </a:pPr>
+            <a:r>
+              <a:rPr lang="de-DE" sz="1800" b="0" strike="noStrike" spc="-1" dirty="0">
+                <a:solidFill>
+                  <a:srgbClr val="000000"/>
+                </a:solidFill>
+                <a:latin typeface="Bahnschrift SemiLight"/>
+                <a:ea typeface="Arial Unicode MS"/>
+              </a:rPr>
+              <a:t>Die Pferdestärke kann auch aus „</a:t>
+            </a:r>
+            <a:r>
+              <a:rPr lang="de-DE" sz="1800" b="0" strike="noStrike" spc="-1" dirty="0" err="1">
+                <a:solidFill>
+                  <a:srgbClr val="000000"/>
+                </a:solidFill>
+                <a:latin typeface="Bahnschrift SemiLight"/>
+                <a:ea typeface="Arial Unicode MS"/>
+              </a:rPr>
+              <a:t>power_kw</a:t>
+            </a:r>
+            <a:r>
+              <a:rPr lang="de-DE" sz="1800" b="0" strike="noStrike" spc="-1" dirty="0">
+                <a:solidFill>
+                  <a:srgbClr val="000000"/>
+                </a:solidFill>
+                <a:latin typeface="Bahnschrift SemiLight"/>
+                <a:ea typeface="Arial Unicode MS"/>
+              </a:rPr>
+              <a:t>“ durch Umwandlung gewonnen werden.</a:t>
+            </a:r>
+            <a:endParaRPr lang="de-DE" sz="1800" b="0" strike="noStrike" spc="-1" dirty="0">
+              <a:latin typeface="Arial"/>
+            </a:endParaRPr>
+          </a:p>
+          <a:p>
+            <a:pPr marL="285840" indent="-285840">
+              <a:lnSpc>
+                <a:spcPct val="100000"/>
+              </a:lnSpc>
+              <a:buClr>
+                <a:srgbClr val="000000"/>
+              </a:buClr>
+              <a:buFont typeface="Arial"/>
+              <a:buChar char="•"/>
+            </a:pPr>
+            <a:r>
+              <a:rPr lang="de-DE" sz="1800" b="0" strike="noStrike" spc="-1" dirty="0">
+                <a:solidFill>
+                  <a:srgbClr val="000000"/>
+                </a:solidFill>
+                <a:latin typeface="Bahnschrift SemiLight"/>
+                <a:ea typeface="Arial Unicode MS"/>
+              </a:rPr>
+              <a:t>Spalte ist daher überflüssig für die weitere Analyse.</a:t>
+            </a:r>
+            <a:endParaRPr lang="de-DE" sz="1800" b="0" strike="noStrike" spc="-1" dirty="0">
+              <a:latin typeface="Arial"/>
+            </a:endParaRPr>
+          </a:p>
+          <a:p>
+            <a:pPr>
+              <a:lnSpc>
+                <a:spcPct val="100000"/>
+              </a:lnSpc>
+              <a:buNone/>
+            </a:pPr>
+            <a:endParaRPr lang="de-DE" sz="1800" b="0" strike="noStrike" spc="-1" dirty="0">
+              <a:latin typeface="Arial"/>
+            </a:endParaRPr>
+          </a:p>
+          <a:p>
+            <a:pPr>
+              <a:lnSpc>
+                <a:spcPct val="100000"/>
+              </a:lnSpc>
+              <a:buNone/>
+            </a:pPr>
+            <a:endParaRPr lang="de-DE" sz="1800" b="0" strike="noStrike" spc="-1" dirty="0">
+              <a:latin typeface="Arial"/>
+            </a:endParaRPr>
+          </a:p>
+        </p:txBody>
+      </p:sp>
+    </p:spTree>
+  </p:cSld>
+  <p:clrMapOvr>
+    <a:masterClrMapping/>
+  </p:clrMapOvr>
+</p:sld>
+</file>
+
+<file path=ppt/slides/slide11.xml><?xml version="1.0" encoding="utf-8"?>
+<p:sld xmlns:a="http://schemas.openxmlformats.org/drawingml/2006/main" xmlns:r="http://schemas.openxmlformats.org/officeDocument/2006/relationships" xmlns:p="http://schemas.openxmlformats.org/presentationml/2006/main">
+  <p:cSld>
+    <p:spTree>
+      <p:nvGrpSpPr>
+        <p:cNvPr id="1" name=""/>
+        <p:cNvGrpSpPr/>
+        <p:nvPr/>
+      </p:nvGrpSpPr>
+      <p:grpSpPr>
+        <a:xfrm>
+          <a:off x="0" y="0"/>
+          <a:ext cx="0" cy="0"/>
+          <a:chOff x="0" y="0"/>
+          <a:chExt cx="0" cy="0"/>
+        </a:xfrm>
+      </p:grpSpPr>
+      <p:sp>
+        <p:nvSpPr>
           <p:cNvPr id="249" name="PlaceHolder 1"/>
           <p:cNvSpPr>
             <a:spLocks noGrp="1"/>
@@ -14477,7 +14950,7 @@
 </p:sld>
 </file>
 
-<file path=ppt/slides/slide11.xml><?xml version="1.0" encoding="utf-8"?>
+<file path=ppt/slides/slide12.xml><?xml version="1.0" encoding="utf-8"?>
 <p:sld xmlns:a="http://schemas.openxmlformats.org/drawingml/2006/main" xmlns:r="http://schemas.openxmlformats.org/officeDocument/2006/relationships" xmlns:p="http://schemas.openxmlformats.org/presentationml/2006/main">
   <p:cSld>
     <p:spTree>
@@ -14559,7 +15032,7 @@
         </p:nvSpPr>
         <p:spPr>
           <a:xfrm>
-            <a:off x="585360" y="1507680"/>
+            <a:off x="585360" y="1371960"/>
             <a:ext cx="9952200" cy="638280"/>
           </a:xfrm>
           <a:prstGeom prst="rect">
@@ -14595,16 +15068,36 @@
               <a:buNone/>
             </a:pPr>
             <a:r>
-              <a:rPr lang="de-DE" sz="1800" b="1" strike="noStrike" spc="-1">
+              <a:rPr lang="de-DE" sz="1800" b="1" strike="noStrike" spc="-1" dirty="0">
                 <a:solidFill>
                   <a:srgbClr val="000000"/>
                 </a:solidFill>
                 <a:latin typeface="Bahnschrift SemiLight"/>
                 <a:ea typeface="Arial Unicode MS"/>
               </a:rPr>
-              <a:t>Entfernung der Ausreißer in „price_in_euro“</a:t>
+              <a:t>Entfernung der Ausreißer in „</a:t>
             </a:r>
-            <a:endParaRPr lang="de-DE" sz="1800" b="0" strike="noStrike" spc="-1">
+            <a:r>
+              <a:rPr lang="de-DE" sz="1800" b="1" strike="noStrike" spc="-1" dirty="0" err="1">
+                <a:solidFill>
+                  <a:srgbClr val="000000"/>
+                </a:solidFill>
+                <a:latin typeface="Bahnschrift SemiLight"/>
+                <a:ea typeface="Arial Unicode MS"/>
+              </a:rPr>
+              <a:t>price_in_euro</a:t>
+            </a:r>
+            <a:r>
+              <a:rPr lang="de-DE" sz="1800" b="1" strike="noStrike" spc="-1" dirty="0">
+                <a:solidFill>
+                  <a:srgbClr val="000000"/>
+                </a:solidFill>
+                <a:latin typeface="Bahnschrift SemiLight"/>
+                <a:ea typeface="Arial Unicode MS"/>
+              </a:rPr>
+              <a:t>“</a:t>
+            </a:r>
+            <a:endParaRPr lang="de-DE" sz="1800" b="0" strike="noStrike" spc="-1" dirty="0">
               <a:latin typeface="Arial"/>
             </a:endParaRPr>
           </a:p>
@@ -14620,7 +15113,7 @@
               <a:buChar char="•"/>
             </a:pPr>
             <a:r>
-              <a:rPr lang="de-DE" sz="1800" b="0" strike="noStrike" spc="-1">
+              <a:rPr lang="de-DE" sz="1800" b="0" strike="noStrike" spc="-1" dirty="0">
                 <a:solidFill>
                   <a:srgbClr val="000000"/>
                 </a:solidFill>
@@ -14629,7 +15122,7 @@
               </a:rPr>
               <a:t>Setzen eines vernünftigen Höchstpreises für ein Gebrauchtwagen (60.000 €) </a:t>
             </a:r>
-            <a:endParaRPr lang="de-DE" sz="1800" b="0" strike="noStrike" spc="-1">
+            <a:endParaRPr lang="de-DE" sz="1800" b="0" strike="noStrike" spc="-1" dirty="0">
               <a:latin typeface="Arial"/>
             </a:endParaRPr>
           </a:p>
@@ -14648,7 +15141,7 @@
         </p:blipFill>
         <p:spPr>
           <a:xfrm>
-            <a:off x="585360" y="2443680"/>
+            <a:off x="585360" y="2098627"/>
             <a:ext cx="3212280" cy="3842280"/>
           </a:xfrm>
           <a:prstGeom prst="rect">
@@ -14672,7 +15165,7 @@
         </p:blipFill>
         <p:spPr>
           <a:xfrm>
-            <a:off x="6339240" y="2553840"/>
+            <a:off x="6339240" y="2208787"/>
             <a:ext cx="3251880" cy="3842280"/>
           </a:xfrm>
           <a:prstGeom prst="rect">
@@ -14691,7 +15184,7 @@
         </p:nvSpPr>
         <p:spPr>
           <a:xfrm>
-            <a:off x="4048920" y="4169160"/>
+            <a:off x="4048920" y="3824107"/>
             <a:ext cx="2039040" cy="391320"/>
           </a:xfrm>
           <a:prstGeom prst="rightArrow">
@@ -14731,6 +15224,192 @@
           </a:p>
         </p:txBody>
       </p:sp>
+      <p:graphicFrame>
+        <p:nvGraphicFramePr>
+          <p:cNvPr id="2" name="Tabelle 1">
+            <a:extLst>
+              <a:ext uri="{FF2B5EF4-FFF2-40B4-BE49-F238E27FC236}">
+                <a16:creationId xmlns:a16="http://schemas.microsoft.com/office/drawing/2014/main" id="{60626FF4-B8DA-C91B-8159-137DD1C2ADF3}"/>
+              </a:ext>
+            </a:extLst>
+          </p:cNvPr>
+          <p:cNvGraphicFramePr>
+            <a:graphicFrameLocks noGrp="1"/>
+          </p:cNvGraphicFramePr>
+          <p:nvPr>
+            <p:extLst>
+              <p:ext uri="{D42A27DB-BD31-4B8C-83A1-F6EECF244321}">
+                <p14:modId xmlns:p14="http://schemas.microsoft.com/office/powerpoint/2010/main" val="1270084066"/>
+              </p:ext>
+            </p:extLst>
+          </p:nvPr>
+        </p:nvGraphicFramePr>
+        <p:xfrm>
+          <a:off x="1026544" y="6051067"/>
+          <a:ext cx="2579297" cy="640080"/>
+        </p:xfrm>
+        <a:graphic>
+          <a:graphicData uri="http://schemas.openxmlformats.org/drawingml/2006/table">
+            <a:tbl>
+              <a:tblPr firstRow="1" bandRow="1">
+                <a:tableStyleId>{5C22544A-7EE6-4342-B048-85BDC9FD1C3A}</a:tableStyleId>
+              </a:tblPr>
+              <a:tblGrid>
+                <a:gridCol w="2579297">
+                  <a:extLst>
+                    <a:ext uri="{9D8B030D-6E8A-4147-A177-3AD203B41FA5}">
+                      <a16:colId xmlns:a16="http://schemas.microsoft.com/office/drawing/2014/main" val="2206608546"/>
+                    </a:ext>
+                  </a:extLst>
+                </a:gridCol>
+              </a:tblGrid>
+              <a:tr h="393141">
+                <a:tc>
+                  <a:txBody>
+                    <a:bodyPr/>
+                    <a:lstStyle/>
+                    <a:p>
+                      <a:pPr marL="0" indent="0" algn="ctr">
+                        <a:lnSpc>
+                          <a:spcPct val="100000"/>
+                        </a:lnSpc>
+                        <a:buClr>
+                          <a:srgbClr val="000000"/>
+                        </a:buClr>
+                        <a:buFont typeface="Arial"/>
+                        <a:buNone/>
+                      </a:pPr>
+                      <a:r>
+                        <a:rPr lang="de-DE" sz="1800" b="0" strike="noStrike" spc="-1" dirty="0">
+                          <a:latin typeface="Bahnschrift SemiLight" panose="020B0502040204020203" pitchFamily="34" charset="0"/>
+                        </a:rPr>
+                        <a:t>Median: 20.490</a:t>
+                      </a:r>
+                    </a:p>
+                    <a:p>
+                      <a:pPr marL="0" indent="0" algn="ctr">
+                        <a:lnSpc>
+                          <a:spcPct val="100000"/>
+                        </a:lnSpc>
+                        <a:buClr>
+                          <a:srgbClr val="000000"/>
+                        </a:buClr>
+                        <a:buFont typeface="Arial"/>
+                        <a:buNone/>
+                      </a:pPr>
+                      <a:r>
+                        <a:rPr lang="de-DE" b="0" spc="-1" dirty="0">
+                          <a:latin typeface="Bahnschrift SemiLight" panose="020B0502040204020203" pitchFamily="34" charset="0"/>
+                        </a:rPr>
+                        <a:t>Mittelwert: 29.416</a:t>
+                      </a:r>
+                    </a:p>
+                  </a:txBody>
+                  <a:tcPr anchor="ctr"/>
+                </a:tc>
+                <a:extLst>
+                  <a:ext uri="{0D108BD9-81ED-4DB2-BD59-A6C34878D82A}">
+                    <a16:rowId xmlns:a16="http://schemas.microsoft.com/office/drawing/2014/main" val="4287616049"/>
+                  </a:ext>
+                </a:extLst>
+              </a:tr>
+            </a:tbl>
+          </a:graphicData>
+        </a:graphic>
+      </p:graphicFrame>
+      <p:graphicFrame>
+        <p:nvGraphicFramePr>
+          <p:cNvPr id="3" name="Tabelle 2">
+            <a:extLst>
+              <a:ext uri="{FF2B5EF4-FFF2-40B4-BE49-F238E27FC236}">
+                <a16:creationId xmlns:a16="http://schemas.microsoft.com/office/drawing/2014/main" id="{69780583-94D6-C228-12B8-906A3EB9DC57}"/>
+              </a:ext>
+            </a:extLst>
+          </p:cNvPr>
+          <p:cNvGraphicFramePr>
+            <a:graphicFrameLocks noGrp="1"/>
+          </p:cNvGraphicFramePr>
+          <p:nvPr>
+            <p:extLst>
+              <p:ext uri="{D42A27DB-BD31-4B8C-83A1-F6EECF244321}">
+                <p14:modId xmlns:p14="http://schemas.microsoft.com/office/powerpoint/2010/main" val="3605190779"/>
+              </p:ext>
+            </p:extLst>
+          </p:nvPr>
+        </p:nvGraphicFramePr>
+        <p:xfrm>
+          <a:off x="6803367" y="6051067"/>
+          <a:ext cx="2579298" cy="640080"/>
+        </p:xfrm>
+        <a:graphic>
+          <a:graphicData uri="http://schemas.openxmlformats.org/drawingml/2006/table">
+            <a:tbl>
+              <a:tblPr firstRow="1" bandRow="1">
+                <a:tableStyleId>{5C22544A-7EE6-4342-B048-85BDC9FD1C3A}</a:tableStyleId>
+              </a:tblPr>
+              <a:tblGrid>
+                <a:gridCol w="2579298">
+                  <a:extLst>
+                    <a:ext uri="{9D8B030D-6E8A-4147-A177-3AD203B41FA5}">
+                      <a16:colId xmlns:a16="http://schemas.microsoft.com/office/drawing/2014/main" val="2731824057"/>
+                    </a:ext>
+                  </a:extLst>
+                </a:gridCol>
+              </a:tblGrid>
+              <a:tr h="393141">
+                <a:tc>
+                  <a:txBody>
+                    <a:bodyPr/>
+                    <a:lstStyle/>
+                    <a:p>
+                      <a:pPr marL="0" indent="0" algn="ctr">
+                        <a:lnSpc>
+                          <a:spcPct val="100000"/>
+                        </a:lnSpc>
+                        <a:buClr>
+                          <a:srgbClr val="000000"/>
+                        </a:buClr>
+                        <a:buFont typeface="Arial"/>
+                        <a:buNone/>
+                      </a:pPr>
+                      <a:r>
+                        <a:rPr lang="de-DE" sz="1800" b="0" strike="noStrike" spc="-1" dirty="0">
+                          <a:latin typeface="Bahnschrift SemiLight" panose="020B0502040204020203" pitchFamily="34" charset="0"/>
+                        </a:rPr>
+                        <a:t>Median: 19.488</a:t>
+                      </a:r>
+                    </a:p>
+                    <a:p>
+                      <a:pPr marL="0" indent="0" algn="ctr">
+                        <a:lnSpc>
+                          <a:spcPct val="100000"/>
+                        </a:lnSpc>
+                        <a:buClr>
+                          <a:srgbClr val="000000"/>
+                        </a:buClr>
+                        <a:buFont typeface="Arial"/>
+                        <a:buNone/>
+                      </a:pPr>
+                      <a:r>
+                        <a:rPr lang="de-DE" b="0" spc="-1" dirty="0">
+                          <a:latin typeface="Bahnschrift SemiLight" panose="020B0502040204020203" pitchFamily="34" charset="0"/>
+                        </a:rPr>
+                        <a:t>Mittelwert: 21.659</a:t>
+                      </a:r>
+                    </a:p>
+                  </a:txBody>
+                  <a:tcPr anchor="ctr"/>
+                </a:tc>
+                <a:extLst>
+                  <a:ext uri="{0D108BD9-81ED-4DB2-BD59-A6C34878D82A}">
+                    <a16:rowId xmlns:a16="http://schemas.microsoft.com/office/drawing/2014/main" val="4287616049"/>
+                  </a:ext>
+                </a:extLst>
+              </a:tr>
+            </a:tbl>
+          </a:graphicData>
+        </a:graphic>
+      </p:graphicFrame>
     </p:spTree>
   </p:cSld>
   <p:clrMapOvr>
@@ -14739,7 +15418,7 @@
 </p:sld>
 </file>
 
-<file path=ppt/slides/slide12.xml><?xml version="1.0" encoding="utf-8"?>
+<file path=ppt/slides/slide13.xml><?xml version="1.0" encoding="utf-8"?>
 <p:sld xmlns:a="http://schemas.openxmlformats.org/drawingml/2006/main" xmlns:r="http://schemas.openxmlformats.org/officeDocument/2006/relationships" xmlns:p="http://schemas.openxmlformats.org/presentationml/2006/main">
   <p:cSld>
     <p:spTree>
@@ -14929,7 +15608,7 @@
 </p:sld>
 </file>
 
-<file path=ppt/slides/slide13.xml><?xml version="1.0" encoding="utf-8"?>
+<file path=ppt/slides/slide14.xml><?xml version="1.0" encoding="utf-8"?>
 <p:sld xmlns:a="http://schemas.openxmlformats.org/drawingml/2006/main" xmlns:r="http://schemas.openxmlformats.org/officeDocument/2006/relationships" xmlns:p="http://schemas.openxmlformats.org/presentationml/2006/main">
   <p:cSld>
     <p:spTree>
@@ -15086,171 +15765,6 @@
           </a:ln>
         </p:spPr>
       </p:pic>
-    </p:spTree>
-  </p:cSld>
-  <p:clrMapOvr>
-    <a:masterClrMapping/>
-  </p:clrMapOvr>
-</p:sld>
-</file>
-
-<file path=ppt/slides/slide14.xml><?xml version="1.0" encoding="utf-8"?>
-<p:sld xmlns:a="http://schemas.openxmlformats.org/drawingml/2006/main" xmlns:r="http://schemas.openxmlformats.org/officeDocument/2006/relationships" xmlns:p="http://schemas.openxmlformats.org/presentationml/2006/main">
-  <p:cSld>
-    <p:spTree>
-      <p:nvGrpSpPr>
-        <p:cNvPr id="1" name=""/>
-        <p:cNvGrpSpPr/>
-        <p:nvPr/>
-      </p:nvGrpSpPr>
-      <p:grpSpPr>
-        <a:xfrm>
-          <a:off x="0" y="0"/>
-          <a:ext cx="0" cy="0"/>
-          <a:chOff x="0" y="0"/>
-          <a:chExt cx="0" cy="0"/>
-        </a:xfrm>
-      </p:grpSpPr>
-      <p:sp>
-        <p:nvSpPr>
-          <p:cNvPr id="263" name="PlaceHolder 1"/>
-          <p:cNvSpPr>
-            <a:spLocks noGrp="1"/>
-          </p:cNvSpPr>
-          <p:nvPr>
-            <p:ph/>
-          </p:nvPr>
-        </p:nvSpPr>
-        <p:spPr>
-          <a:xfrm>
-            <a:off x="2063160" y="443520"/>
-            <a:ext cx="8064360" cy="644400"/>
-          </a:xfrm>
-          <a:prstGeom prst="rect">
-            <a:avLst/>
-          </a:prstGeom>
-          <a:noFill/>
-          <a:ln w="0">
-            <a:noFill/>
-          </a:ln>
-        </p:spPr>
-        <p:txBody>
-          <a:bodyPr lIns="90000" tIns="45000" rIns="90000" bIns="45000" anchor="ctr">
-            <a:noAutofit/>
-          </a:bodyPr>
-          <a:lstStyle/>
-          <a:p>
-            <a:pPr marL="228600">
-              <a:lnSpc>
-                <a:spcPct val="90000"/>
-              </a:lnSpc>
-              <a:spcBef>
-                <a:spcPts val="1001"/>
-              </a:spcBef>
-              <a:buNone/>
-              <a:tabLst>
-                <a:tab pos="0" algn="l"/>
-              </a:tabLst>
-            </a:pPr>
-            <a:r>
-              <a:rPr lang="de-DE" sz="4000" b="1" strike="noStrike" spc="-1">
-                <a:solidFill>
-                  <a:srgbClr val="FFFFFF"/>
-                </a:solidFill>
-                <a:latin typeface="CMU Serif"/>
-                <a:ea typeface="CMU Serif"/>
-              </a:rPr>
-              <a:t>Bereinigung der Daten 5</a:t>
-            </a:r>
-            <a:endParaRPr lang="de-DE" sz="4000" b="0" strike="noStrike" spc="-1">
-              <a:latin typeface="Arial"/>
-            </a:endParaRPr>
-          </a:p>
-        </p:txBody>
-      </p:sp>
-      <p:pic>
-        <p:nvPicPr>
-          <p:cNvPr id="264" name="Grafik 3" descr="Ein Bild, das Text, Diagramm, Reihe, parallel enthält.&#10;&#10;KI-generierte Inhalte können fehlerhaft sein."/>
-          <p:cNvPicPr/>
-          <p:nvPr/>
-        </p:nvPicPr>
-        <p:blipFill>
-          <a:blip r:embed="rId2"/>
-          <a:srcRect t="3595"/>
-          <a:stretch/>
-        </p:blipFill>
-        <p:spPr>
-          <a:xfrm>
-            <a:off x="2352600" y="1267920"/>
-            <a:ext cx="7485120" cy="4849560"/>
-          </a:xfrm>
-          <a:prstGeom prst="rect">
-            <a:avLst/>
-          </a:prstGeom>
-          <a:ln w="0">
-            <a:noFill/>
-          </a:ln>
-        </p:spPr>
-      </p:pic>
-      <p:sp>
-        <p:nvSpPr>
-          <p:cNvPr id="265" name="Textfeld 2"/>
-          <p:cNvSpPr/>
-          <p:nvPr/>
-        </p:nvSpPr>
-        <p:spPr>
-          <a:xfrm>
-            <a:off x="637200" y="6230520"/>
-            <a:ext cx="9952200" cy="363960"/>
-          </a:xfrm>
-          <a:prstGeom prst="rect">
-            <a:avLst/>
-          </a:prstGeom>
-          <a:noFill/>
-          <a:ln w="0">
-            <a:noFill/>
-          </a:ln>
-        </p:spPr>
-        <p:style>
-          <a:lnRef idx="0">
-            <a:scrgbClr r="0" g="0" b="0"/>
-          </a:lnRef>
-          <a:fillRef idx="0">
-            <a:scrgbClr r="0" g="0" b="0"/>
-          </a:fillRef>
-          <a:effectRef idx="0">
-            <a:scrgbClr r="0" g="0" b="0"/>
-          </a:effectRef>
-          <a:fontRef idx="minor"/>
-        </p:style>
-        <p:txBody>
-          <a:bodyPr lIns="90000" tIns="45000" rIns="90000" bIns="45000" anchor="t">
-            <a:spAutoFit/>
-          </a:bodyPr>
-          <a:lstStyle/>
-          <a:p>
-            <a:pPr>
-              <a:lnSpc>
-                <a:spcPct val="100000"/>
-              </a:lnSpc>
-              <a:buNone/>
-            </a:pPr>
-            <a:r>
-              <a:rPr lang="de-DE" sz="1800" b="1" strike="noStrike" spc="-1" dirty="0">
-                <a:solidFill>
-                  <a:srgbClr val="000000"/>
-                </a:solidFill>
-                <a:latin typeface="Bahnschrift SemiLight"/>
-                <a:ea typeface="Arial Unicode MS"/>
-              </a:rPr>
-              <a:t>Der Sprung beträgt ca. 7000 €</a:t>
-            </a:r>
-            <a:endParaRPr lang="de-DE" sz="1800" b="0" strike="noStrike" spc="-1" dirty="0">
-              <a:latin typeface="Arial"/>
-            </a:endParaRPr>
-          </a:p>
-        </p:txBody>
-      </p:sp>
     </p:spTree>
   </p:cSld>
   <p:clrMapOvr>
@@ -15278,7 +15792,7 @@
       </p:grpSpPr>
       <p:sp>
         <p:nvSpPr>
-          <p:cNvPr id="266" name="PlaceHolder 1"/>
+          <p:cNvPr id="263" name="PlaceHolder 1"/>
           <p:cNvSpPr>
             <a:spLocks noGrp="1"/>
           </p:cNvSpPr>
@@ -15333,16 +15847,40 @@
           </a:p>
         </p:txBody>
       </p:sp>
-      <p:sp>
-        <p:nvSpPr>
-          <p:cNvPr id="267" name="Textfeld 2"/>
+      <p:pic>
+        <p:nvPicPr>
+          <p:cNvPr id="264" name="Grafik 3" descr="Ein Bild, das Text, Diagramm, Reihe, parallel enthält.&#10;&#10;KI-generierte Inhalte können fehlerhaft sein."/>
+          <p:cNvPicPr/>
+          <p:nvPr/>
+        </p:nvPicPr>
+        <p:blipFill>
+          <a:blip r:embed="rId2"/>
+          <a:srcRect t="3595"/>
+          <a:stretch/>
+        </p:blipFill>
+        <p:spPr>
+          <a:xfrm>
+            <a:off x="2352600" y="1267920"/>
+            <a:ext cx="7485120" cy="4849560"/>
+          </a:xfrm>
+          <a:prstGeom prst="rect">
+            <a:avLst/>
+          </a:prstGeom>
+          <a:ln w="0">
+            <a:noFill/>
+          </a:ln>
+        </p:spPr>
+      </p:pic>
+      <p:sp>
+        <p:nvSpPr>
+          <p:cNvPr id="265" name="Textfeld 2"/>
           <p:cNvSpPr/>
           <p:nvPr/>
         </p:nvSpPr>
         <p:spPr>
           <a:xfrm>
-            <a:off x="628560" y="1512000"/>
-            <a:ext cx="9952200" cy="644877"/>
+            <a:off x="637200" y="6230520"/>
+            <a:ext cx="9952200" cy="363960"/>
           </a:xfrm>
           <a:prstGeom prst="rect">
             <a:avLst/>
@@ -15370,25 +15908,21 @@
           </a:bodyPr>
           <a:lstStyle/>
           <a:p>
-            <a:pPr marL="285840" indent="-285840">
+            <a:pPr>
               <a:lnSpc>
                 <a:spcPct val="100000"/>
               </a:lnSpc>
-              <a:buClr>
-                <a:srgbClr val="000000"/>
-              </a:buClr>
-              <a:buFont typeface="Arial"/>
-              <a:buChar char="•"/>
+              <a:buNone/>
             </a:pPr>
             <a:r>
-              <a:rPr lang="de-DE" sz="1800" b="0" strike="noStrike" spc="-1" dirty="0">
+              <a:rPr lang="de-DE" sz="1800" b="1" strike="noStrike" spc="-1" dirty="0">
                 <a:solidFill>
                   <a:srgbClr val="000000"/>
                 </a:solidFill>
                 <a:latin typeface="Bahnschrift SemiLight"/>
                 <a:ea typeface="Arial Unicode MS"/>
               </a:rPr>
-              <a:t>Klassifiziert man die Autos anhand dieses Sprungs, wird nochmal der Preisunterschied deutlich.</a:t>
+              <a:t>Der Sprung beträgt ca. 7000 €</a:t>
             </a:r>
             <a:endParaRPr lang="de-DE" sz="1800" b="0" strike="noStrike" spc="-1" dirty="0">
               <a:latin typeface="Arial"/>
@@ -15396,29 +15930,6 @@
           </a:p>
         </p:txBody>
       </p:sp>
-      <p:pic>
-        <p:nvPicPr>
-          <p:cNvPr id="268" name="Grafik 2" descr="Ein Bild, das Text, Screenshot, Diagramm, Rechteck enthält.&#10;&#10;KI-generierte Inhalte können fehlerhaft sein."/>
-          <p:cNvPicPr/>
-          <p:nvPr/>
-        </p:nvPicPr>
-        <p:blipFill>
-          <a:blip r:embed="rId2"/>
-          <a:stretch/>
-        </p:blipFill>
-        <p:spPr>
-          <a:xfrm>
-            <a:off x="1131840" y="2229120"/>
-            <a:ext cx="4471920" cy="4183920"/>
-          </a:xfrm>
-          <a:prstGeom prst="rect">
-            <a:avLst/>
-          </a:prstGeom>
-          <a:ln w="0">
-            <a:noFill/>
-          </a:ln>
-        </p:spPr>
-      </p:pic>
     </p:spTree>
   </p:cSld>
   <p:clrMapOvr>
@@ -15446,6 +15957,174 @@
       </p:grpSpPr>
       <p:sp>
         <p:nvSpPr>
+          <p:cNvPr id="266" name="PlaceHolder 1"/>
+          <p:cNvSpPr>
+            <a:spLocks noGrp="1"/>
+          </p:cNvSpPr>
+          <p:nvPr>
+            <p:ph/>
+          </p:nvPr>
+        </p:nvSpPr>
+        <p:spPr>
+          <a:xfrm>
+            <a:off x="2063160" y="443520"/>
+            <a:ext cx="8064360" cy="644400"/>
+          </a:xfrm>
+          <a:prstGeom prst="rect">
+            <a:avLst/>
+          </a:prstGeom>
+          <a:noFill/>
+          <a:ln w="0">
+            <a:noFill/>
+          </a:ln>
+        </p:spPr>
+        <p:txBody>
+          <a:bodyPr lIns="90000" tIns="45000" rIns="90000" bIns="45000" anchor="ctr">
+            <a:noAutofit/>
+          </a:bodyPr>
+          <a:lstStyle/>
+          <a:p>
+            <a:pPr marL="228600">
+              <a:lnSpc>
+                <a:spcPct val="90000"/>
+              </a:lnSpc>
+              <a:spcBef>
+                <a:spcPts val="1001"/>
+              </a:spcBef>
+              <a:buNone/>
+              <a:tabLst>
+                <a:tab pos="0" algn="l"/>
+              </a:tabLst>
+            </a:pPr>
+            <a:r>
+              <a:rPr lang="de-DE" sz="4000" b="1" strike="noStrike" spc="-1">
+                <a:solidFill>
+                  <a:srgbClr val="FFFFFF"/>
+                </a:solidFill>
+                <a:latin typeface="CMU Serif"/>
+                <a:ea typeface="CMU Serif"/>
+              </a:rPr>
+              <a:t>Bereinigung der Daten 5</a:t>
+            </a:r>
+            <a:endParaRPr lang="de-DE" sz="4000" b="0" strike="noStrike" spc="-1">
+              <a:latin typeface="Arial"/>
+            </a:endParaRPr>
+          </a:p>
+        </p:txBody>
+      </p:sp>
+      <p:sp>
+        <p:nvSpPr>
+          <p:cNvPr id="267" name="Textfeld 2"/>
+          <p:cNvSpPr/>
+          <p:nvPr/>
+        </p:nvSpPr>
+        <p:spPr>
+          <a:xfrm>
+            <a:off x="628560" y="1512000"/>
+            <a:ext cx="9952200" cy="644877"/>
+          </a:xfrm>
+          <a:prstGeom prst="rect">
+            <a:avLst/>
+          </a:prstGeom>
+          <a:noFill/>
+          <a:ln w="0">
+            <a:noFill/>
+          </a:ln>
+        </p:spPr>
+        <p:style>
+          <a:lnRef idx="0">
+            <a:scrgbClr r="0" g="0" b="0"/>
+          </a:lnRef>
+          <a:fillRef idx="0">
+            <a:scrgbClr r="0" g="0" b="0"/>
+          </a:fillRef>
+          <a:effectRef idx="0">
+            <a:scrgbClr r="0" g="0" b="0"/>
+          </a:effectRef>
+          <a:fontRef idx="minor"/>
+        </p:style>
+        <p:txBody>
+          <a:bodyPr lIns="90000" tIns="45000" rIns="90000" bIns="45000" anchor="t">
+            <a:spAutoFit/>
+          </a:bodyPr>
+          <a:lstStyle/>
+          <a:p>
+            <a:pPr marL="285840" indent="-285840">
+              <a:lnSpc>
+                <a:spcPct val="100000"/>
+              </a:lnSpc>
+              <a:buClr>
+                <a:srgbClr val="000000"/>
+              </a:buClr>
+              <a:buFont typeface="Arial"/>
+              <a:buChar char="•"/>
+            </a:pPr>
+            <a:r>
+              <a:rPr lang="de-DE" sz="1800" b="0" strike="noStrike" spc="-1" dirty="0">
+                <a:solidFill>
+                  <a:srgbClr val="000000"/>
+                </a:solidFill>
+                <a:latin typeface="Bahnschrift SemiLight"/>
+                <a:ea typeface="Arial Unicode MS"/>
+              </a:rPr>
+              <a:t>Klassifiziert man die Autos anhand dieses Sprungs, wird nochmal der Preisunterschied deutlich.</a:t>
+            </a:r>
+            <a:endParaRPr lang="de-DE" sz="1800" b="0" strike="noStrike" spc="-1" dirty="0">
+              <a:latin typeface="Arial"/>
+            </a:endParaRPr>
+          </a:p>
+        </p:txBody>
+      </p:sp>
+      <p:pic>
+        <p:nvPicPr>
+          <p:cNvPr id="268" name="Grafik 2" descr="Ein Bild, das Text, Screenshot, Diagramm, Rechteck enthält.&#10;&#10;KI-generierte Inhalte können fehlerhaft sein."/>
+          <p:cNvPicPr/>
+          <p:nvPr/>
+        </p:nvPicPr>
+        <p:blipFill>
+          <a:blip r:embed="rId2"/>
+          <a:stretch/>
+        </p:blipFill>
+        <p:spPr>
+          <a:xfrm>
+            <a:off x="3859380" y="2156877"/>
+            <a:ext cx="4471920" cy="4183920"/>
+          </a:xfrm>
+          <a:prstGeom prst="rect">
+            <a:avLst/>
+          </a:prstGeom>
+          <a:ln w="0">
+            <a:noFill/>
+          </a:ln>
+        </p:spPr>
+      </p:pic>
+    </p:spTree>
+  </p:cSld>
+  <p:clrMapOvr>
+    <a:masterClrMapping/>
+  </p:clrMapOvr>
+</p:sld>
+</file>
+
+<file path=ppt/slides/slide17.xml><?xml version="1.0" encoding="utf-8"?>
+<p:sld xmlns:a="http://schemas.openxmlformats.org/drawingml/2006/main" xmlns:r="http://schemas.openxmlformats.org/officeDocument/2006/relationships" xmlns:p="http://schemas.openxmlformats.org/presentationml/2006/main">
+  <p:cSld>
+    <p:spTree>
+      <p:nvGrpSpPr>
+        <p:cNvPr id="1" name=""/>
+        <p:cNvGrpSpPr/>
+        <p:nvPr/>
+      </p:nvGrpSpPr>
+      <p:grpSpPr>
+        <a:xfrm>
+          <a:off x="0" y="0"/>
+          <a:ext cx="0" cy="0"/>
+          <a:chOff x="0" y="0"/>
+          <a:chExt cx="0" cy="0"/>
+        </a:xfrm>
+      </p:grpSpPr>
+      <p:sp>
+        <p:nvSpPr>
           <p:cNvPr id="269" name="PlaceHolder 1"/>
           <p:cNvSpPr>
             <a:spLocks noGrp="1"/>
@@ -15509,7 +16188,7 @@
         </p:nvSpPr>
         <p:spPr>
           <a:xfrm>
-            <a:off x="628560" y="1512000"/>
+            <a:off x="628560" y="1451615"/>
             <a:ext cx="9952200" cy="912600"/>
           </a:xfrm>
           <a:prstGeom prst="rect">
@@ -15614,7 +16293,7 @@
 </p:sld>
 </file>
 
-<file path=ppt/slides/slide17.xml><?xml version="1.0" encoding="utf-8"?>
+<file path=ppt/slides/slide18.xml><?xml version="1.0" encoding="utf-8"?>
 <p:sld xmlns:a="http://schemas.openxmlformats.org/drawingml/2006/main" xmlns:r="http://schemas.openxmlformats.org/officeDocument/2006/relationships" xmlns:p="http://schemas.openxmlformats.org/presentationml/2006/main">
   <p:cSld>
     <p:spTree>
@@ -16052,7 +16731,7 @@
 </p:sld>
 </file>
 
-<file path=ppt/slides/slide18.xml><?xml version="1.0" encoding="utf-8"?>
+<file path=ppt/slides/slide19.xml><?xml version="1.0" encoding="utf-8"?>
 <p:sld xmlns:a="http://schemas.openxmlformats.org/drawingml/2006/main" xmlns:r="http://schemas.openxmlformats.org/officeDocument/2006/relationships" xmlns:p="http://schemas.openxmlformats.org/presentationml/2006/main">
   <p:cSld>
     <p:spTree>
@@ -16468,7 +17147,287 @@
 </p:sld>
 </file>
 
-<file path=ppt/slides/slide19.xml><?xml version="1.0" encoding="utf-8"?>
+<file path=ppt/slides/slide2.xml><?xml version="1.0" encoding="utf-8"?>
+<p:sld xmlns:a="http://schemas.openxmlformats.org/drawingml/2006/main" xmlns:r="http://schemas.openxmlformats.org/officeDocument/2006/relationships" xmlns:p="http://schemas.openxmlformats.org/presentationml/2006/main">
+  <p:cSld>
+    <p:spTree>
+      <p:nvGrpSpPr>
+        <p:cNvPr id="1" name=""/>
+        <p:cNvGrpSpPr/>
+        <p:nvPr/>
+      </p:nvGrpSpPr>
+      <p:grpSpPr>
+        <a:xfrm>
+          <a:off x="0" y="0"/>
+          <a:ext cx="0" cy="0"/>
+          <a:chOff x="0" y="0"/>
+          <a:chExt cx="0" cy="0"/>
+        </a:xfrm>
+      </p:grpSpPr>
+      <p:sp>
+        <p:nvSpPr>
+          <p:cNvPr id="238" name="TextBox 3"/>
+          <p:cNvSpPr/>
+          <p:nvPr/>
+        </p:nvSpPr>
+        <p:spPr>
+          <a:xfrm>
+            <a:off x="0" y="477720"/>
+            <a:ext cx="5444640" cy="775080"/>
+          </a:xfrm>
+          <a:prstGeom prst="rect">
+            <a:avLst/>
+          </a:prstGeom>
+          <a:noFill/>
+          <a:ln w="0">
+            <a:noFill/>
+          </a:ln>
+        </p:spPr>
+        <p:style>
+          <a:lnRef idx="0">
+            <a:scrgbClr r="0" g="0" b="0"/>
+          </a:lnRef>
+          <a:fillRef idx="0">
+            <a:scrgbClr r="0" g="0" b="0"/>
+          </a:fillRef>
+          <a:effectRef idx="0">
+            <a:scrgbClr r="0" g="0" b="0"/>
+          </a:effectRef>
+          <a:fontRef idx="minor"/>
+        </p:style>
+        <p:txBody>
+          <a:bodyPr lIns="90000" tIns="45000" rIns="90000" bIns="45000" anchor="ctr">
+            <a:spAutoFit/>
+          </a:bodyPr>
+          <a:lstStyle/>
+          <a:p>
+            <a:pPr algn="ctr">
+              <a:lnSpc>
+                <a:spcPts val="5400"/>
+              </a:lnSpc>
+              <a:buNone/>
+            </a:pPr>
+            <a:r>
+              <a:rPr lang="de-DE" sz="6000" b="1" strike="noStrike" spc="-1">
+                <a:solidFill>
+                  <a:srgbClr val="002060"/>
+                </a:solidFill>
+                <a:latin typeface="CMU Serif"/>
+                <a:ea typeface="CMU Serif"/>
+              </a:rPr>
+              <a:t>Gliederung</a:t>
+            </a:r>
+            <a:endParaRPr lang="de-DE" sz="6000" b="0" strike="noStrike" spc="-1">
+              <a:latin typeface="Arial"/>
+            </a:endParaRPr>
+          </a:p>
+        </p:txBody>
+      </p:sp>
+      <p:sp>
+        <p:nvSpPr>
+          <p:cNvPr id="239" name="Textfeld 1"/>
+          <p:cNvSpPr/>
+          <p:nvPr/>
+        </p:nvSpPr>
+        <p:spPr>
+          <a:xfrm>
+            <a:off x="762120" y="1355400"/>
+            <a:ext cx="8845560" cy="2284200"/>
+          </a:xfrm>
+          <a:prstGeom prst="rect">
+            <a:avLst/>
+          </a:prstGeom>
+          <a:noFill/>
+          <a:ln w="0">
+            <a:noFill/>
+          </a:ln>
+        </p:spPr>
+        <p:style>
+          <a:lnRef idx="0">
+            <a:scrgbClr r="0" g="0" b="0"/>
+          </a:lnRef>
+          <a:fillRef idx="0">
+            <a:scrgbClr r="0" g="0" b="0"/>
+          </a:fillRef>
+          <a:effectRef idx="0">
+            <a:scrgbClr r="0" g="0" b="0"/>
+          </a:effectRef>
+          <a:fontRef idx="minor"/>
+        </p:style>
+        <p:txBody>
+          <a:bodyPr lIns="90000" tIns="45000" rIns="90000" bIns="45000" anchor="t">
+            <a:spAutoFit/>
+          </a:bodyPr>
+          <a:lstStyle/>
+          <a:p>
+            <a:pPr>
+              <a:lnSpc>
+                <a:spcPct val="100000"/>
+              </a:lnSpc>
+              <a:buNone/>
+            </a:pPr>
+            <a:r>
+              <a:rPr lang="de-DE" sz="1800" b="0" strike="noStrike" spc="-1">
+                <a:solidFill>
+                  <a:srgbClr val="000000"/>
+                </a:solidFill>
+                <a:latin typeface="Bahnschrift SemiLight"/>
+                <a:ea typeface="Arial Unicode MS"/>
+              </a:rPr>
+              <a:t>Vorstellung des Datensatzes und Zweck der Analyse</a:t>
+            </a:r>
+            <a:endParaRPr lang="de-DE" sz="1800" b="0" strike="noStrike" spc="-1">
+              <a:latin typeface="Arial"/>
+            </a:endParaRPr>
+          </a:p>
+          <a:p>
+            <a:pPr>
+              <a:lnSpc>
+                <a:spcPct val="100000"/>
+              </a:lnSpc>
+              <a:buNone/>
+            </a:pPr>
+            <a:r>
+              <a:rPr lang="de-DE" sz="1800" b="0" strike="noStrike" spc="-1">
+                <a:solidFill>
+                  <a:srgbClr val="000000"/>
+                </a:solidFill>
+                <a:latin typeface="Bahnschrift SemiLight"/>
+                <a:ea typeface="Arial Unicode MS"/>
+              </a:rPr>
+              <a:t>Bereinigung des Datensatzes</a:t>
+            </a:r>
+            <a:endParaRPr lang="de-DE" sz="1800" b="0" strike="noStrike" spc="-1">
+              <a:latin typeface="Arial"/>
+            </a:endParaRPr>
+          </a:p>
+          <a:p>
+            <a:pPr>
+              <a:lnSpc>
+                <a:spcPct val="100000"/>
+              </a:lnSpc>
+              <a:buNone/>
+            </a:pPr>
+            <a:r>
+              <a:rPr lang="de-DE" sz="1800" b="0" strike="noStrike" spc="-1">
+                <a:solidFill>
+                  <a:srgbClr val="000000"/>
+                </a:solidFill>
+                <a:latin typeface="Bahnschrift SemiLight"/>
+                <a:ea typeface="Arial Unicode MS"/>
+              </a:rPr>
+              <a:t>Deskriptive Datenanalyse</a:t>
+            </a:r>
+            <a:endParaRPr lang="de-DE" sz="1800" b="0" strike="noStrike" spc="-1">
+              <a:latin typeface="Arial"/>
+            </a:endParaRPr>
+          </a:p>
+          <a:p>
+            <a:pPr>
+              <a:lnSpc>
+                <a:spcPct val="100000"/>
+              </a:lnSpc>
+              <a:buNone/>
+            </a:pPr>
+            <a:r>
+              <a:rPr lang="de-DE" sz="1800" b="0" strike="noStrike" spc="-1">
+                <a:solidFill>
+                  <a:srgbClr val="000000"/>
+                </a:solidFill>
+                <a:latin typeface="Bahnschrift SemiLight"/>
+                <a:ea typeface="Arial Unicode MS"/>
+              </a:rPr>
+              <a:t>3 Maschinelle Lernverfahren:</a:t>
+            </a:r>
+            <a:endParaRPr lang="de-DE" sz="1800" b="0" strike="noStrike" spc="-1">
+              <a:latin typeface="Arial"/>
+            </a:endParaRPr>
+          </a:p>
+          <a:p>
+            <a:pPr>
+              <a:lnSpc>
+                <a:spcPct val="100000"/>
+              </a:lnSpc>
+              <a:buNone/>
+            </a:pPr>
+            <a:r>
+              <a:rPr lang="de-DE" sz="1800" b="0" strike="noStrike" spc="-1">
+                <a:solidFill>
+                  <a:srgbClr val="000000"/>
+                </a:solidFill>
+                <a:latin typeface="Bahnschrift SemiLight"/>
+                <a:ea typeface="Arial Unicode MS"/>
+              </a:rPr>
+              <a:t>	Maschinelles Lernverfahren 1</a:t>
+            </a:r>
+            <a:endParaRPr lang="de-DE" sz="1800" b="0" strike="noStrike" spc="-1">
+              <a:latin typeface="Arial"/>
+            </a:endParaRPr>
+          </a:p>
+          <a:p>
+            <a:pPr>
+              <a:lnSpc>
+                <a:spcPct val="100000"/>
+              </a:lnSpc>
+              <a:buNone/>
+            </a:pPr>
+            <a:r>
+              <a:rPr lang="de-DE" sz="1800" b="0" strike="noStrike" spc="-1">
+                <a:solidFill>
+                  <a:srgbClr val="000000"/>
+                </a:solidFill>
+                <a:latin typeface="Bahnschrift SemiLight"/>
+                <a:ea typeface="Arial Unicode MS"/>
+              </a:rPr>
+              <a:t>	Maschinelles Lernverfahren 2</a:t>
+            </a:r>
+            <a:endParaRPr lang="de-DE" sz="1800" b="0" strike="noStrike" spc="-1">
+              <a:latin typeface="Arial"/>
+            </a:endParaRPr>
+          </a:p>
+          <a:p>
+            <a:pPr>
+              <a:lnSpc>
+                <a:spcPct val="100000"/>
+              </a:lnSpc>
+              <a:buNone/>
+            </a:pPr>
+            <a:r>
+              <a:rPr lang="de-DE" sz="1800" b="0" strike="noStrike" spc="-1">
+                <a:solidFill>
+                  <a:srgbClr val="000000"/>
+                </a:solidFill>
+                <a:latin typeface="Bahnschrift SemiLight"/>
+                <a:ea typeface="Arial Unicode MS"/>
+              </a:rPr>
+              <a:t>	Maschinelles Lernverfahren 3</a:t>
+            </a:r>
+            <a:endParaRPr lang="de-DE" sz="1800" b="0" strike="noStrike" spc="-1">
+              <a:latin typeface="Arial"/>
+            </a:endParaRPr>
+          </a:p>
+          <a:p>
+            <a:pPr>
+              <a:lnSpc>
+                <a:spcPct val="100000"/>
+              </a:lnSpc>
+              <a:buNone/>
+            </a:pPr>
+            <a:endParaRPr lang="de-DE" sz="1800" b="0" strike="noStrike" spc="-1">
+              <a:latin typeface="Arial"/>
+            </a:endParaRPr>
+          </a:p>
+        </p:txBody>
+      </p:sp>
+    </p:spTree>
+  </p:cSld>
+  <p:clrMapOvr>
+    <a:masterClrMapping/>
+  </p:clrMapOvr>
+</p:sld>
+</file>
+
+<file path=ppt/slides/slide20.xml><?xml version="1.0" encoding="utf-8"?>
 <p:sld xmlns:a="http://schemas.openxmlformats.org/drawingml/2006/main" xmlns:r="http://schemas.openxmlformats.org/officeDocument/2006/relationships" xmlns:p="http://schemas.openxmlformats.org/presentationml/2006/main">
   <p:cSld>
     <p:spTree>
@@ -16896,287 +17855,7 @@
 </p:sld>
 </file>
 
-<file path=ppt/slides/slide2.xml><?xml version="1.0" encoding="utf-8"?>
-<p:sld xmlns:a="http://schemas.openxmlformats.org/drawingml/2006/main" xmlns:r="http://schemas.openxmlformats.org/officeDocument/2006/relationships" xmlns:p="http://schemas.openxmlformats.org/presentationml/2006/main">
-  <p:cSld>
-    <p:spTree>
-      <p:nvGrpSpPr>
-        <p:cNvPr id="1" name=""/>
-        <p:cNvGrpSpPr/>
-        <p:nvPr/>
-      </p:nvGrpSpPr>
-      <p:grpSpPr>
-        <a:xfrm>
-          <a:off x="0" y="0"/>
-          <a:ext cx="0" cy="0"/>
-          <a:chOff x="0" y="0"/>
-          <a:chExt cx="0" cy="0"/>
-        </a:xfrm>
-      </p:grpSpPr>
-      <p:sp>
-        <p:nvSpPr>
-          <p:cNvPr id="238" name="TextBox 3"/>
-          <p:cNvSpPr/>
-          <p:nvPr/>
-        </p:nvSpPr>
-        <p:spPr>
-          <a:xfrm>
-            <a:off x="0" y="477720"/>
-            <a:ext cx="5444640" cy="775080"/>
-          </a:xfrm>
-          <a:prstGeom prst="rect">
-            <a:avLst/>
-          </a:prstGeom>
-          <a:noFill/>
-          <a:ln w="0">
-            <a:noFill/>
-          </a:ln>
-        </p:spPr>
-        <p:style>
-          <a:lnRef idx="0">
-            <a:scrgbClr r="0" g="0" b="0"/>
-          </a:lnRef>
-          <a:fillRef idx="0">
-            <a:scrgbClr r="0" g="0" b="0"/>
-          </a:fillRef>
-          <a:effectRef idx="0">
-            <a:scrgbClr r="0" g="0" b="0"/>
-          </a:effectRef>
-          <a:fontRef idx="minor"/>
-        </p:style>
-        <p:txBody>
-          <a:bodyPr lIns="90000" tIns="45000" rIns="90000" bIns="45000" anchor="ctr">
-            <a:spAutoFit/>
-          </a:bodyPr>
-          <a:lstStyle/>
-          <a:p>
-            <a:pPr algn="ctr">
-              <a:lnSpc>
-                <a:spcPts val="5400"/>
-              </a:lnSpc>
-              <a:buNone/>
-            </a:pPr>
-            <a:r>
-              <a:rPr lang="de-DE" sz="6000" b="1" strike="noStrike" spc="-1">
-                <a:solidFill>
-                  <a:srgbClr val="002060"/>
-                </a:solidFill>
-                <a:latin typeface="CMU Serif"/>
-                <a:ea typeface="CMU Serif"/>
-              </a:rPr>
-              <a:t>Gliederung</a:t>
-            </a:r>
-            <a:endParaRPr lang="de-DE" sz="6000" b="0" strike="noStrike" spc="-1">
-              <a:latin typeface="Arial"/>
-            </a:endParaRPr>
-          </a:p>
-        </p:txBody>
-      </p:sp>
-      <p:sp>
-        <p:nvSpPr>
-          <p:cNvPr id="239" name="Textfeld 1"/>
-          <p:cNvSpPr/>
-          <p:nvPr/>
-        </p:nvSpPr>
-        <p:spPr>
-          <a:xfrm>
-            <a:off x="762120" y="1355400"/>
-            <a:ext cx="8845560" cy="2284200"/>
-          </a:xfrm>
-          <a:prstGeom prst="rect">
-            <a:avLst/>
-          </a:prstGeom>
-          <a:noFill/>
-          <a:ln w="0">
-            <a:noFill/>
-          </a:ln>
-        </p:spPr>
-        <p:style>
-          <a:lnRef idx="0">
-            <a:scrgbClr r="0" g="0" b="0"/>
-          </a:lnRef>
-          <a:fillRef idx="0">
-            <a:scrgbClr r="0" g="0" b="0"/>
-          </a:fillRef>
-          <a:effectRef idx="0">
-            <a:scrgbClr r="0" g="0" b="0"/>
-          </a:effectRef>
-          <a:fontRef idx="minor"/>
-        </p:style>
-        <p:txBody>
-          <a:bodyPr lIns="90000" tIns="45000" rIns="90000" bIns="45000" anchor="t">
-            <a:spAutoFit/>
-          </a:bodyPr>
-          <a:lstStyle/>
-          <a:p>
-            <a:pPr>
-              <a:lnSpc>
-                <a:spcPct val="100000"/>
-              </a:lnSpc>
-              <a:buNone/>
-            </a:pPr>
-            <a:r>
-              <a:rPr lang="de-DE" sz="1800" b="0" strike="noStrike" spc="-1">
-                <a:solidFill>
-                  <a:srgbClr val="000000"/>
-                </a:solidFill>
-                <a:latin typeface="Bahnschrift SemiLight"/>
-                <a:ea typeface="Arial Unicode MS"/>
-              </a:rPr>
-              <a:t>Vorstellung des Datensatzes und Zweck der Analyse</a:t>
-            </a:r>
-            <a:endParaRPr lang="de-DE" sz="1800" b="0" strike="noStrike" spc="-1">
-              <a:latin typeface="Arial"/>
-            </a:endParaRPr>
-          </a:p>
-          <a:p>
-            <a:pPr>
-              <a:lnSpc>
-                <a:spcPct val="100000"/>
-              </a:lnSpc>
-              <a:buNone/>
-            </a:pPr>
-            <a:r>
-              <a:rPr lang="de-DE" sz="1800" b="0" strike="noStrike" spc="-1">
-                <a:solidFill>
-                  <a:srgbClr val="000000"/>
-                </a:solidFill>
-                <a:latin typeface="Bahnschrift SemiLight"/>
-                <a:ea typeface="Arial Unicode MS"/>
-              </a:rPr>
-              <a:t>Bereinigung des Datensatzes</a:t>
-            </a:r>
-            <a:endParaRPr lang="de-DE" sz="1800" b="0" strike="noStrike" spc="-1">
-              <a:latin typeface="Arial"/>
-            </a:endParaRPr>
-          </a:p>
-          <a:p>
-            <a:pPr>
-              <a:lnSpc>
-                <a:spcPct val="100000"/>
-              </a:lnSpc>
-              <a:buNone/>
-            </a:pPr>
-            <a:r>
-              <a:rPr lang="de-DE" sz="1800" b="0" strike="noStrike" spc="-1">
-                <a:solidFill>
-                  <a:srgbClr val="000000"/>
-                </a:solidFill>
-                <a:latin typeface="Bahnschrift SemiLight"/>
-                <a:ea typeface="Arial Unicode MS"/>
-              </a:rPr>
-              <a:t>Deskriptive Datenanalyse</a:t>
-            </a:r>
-            <a:endParaRPr lang="de-DE" sz="1800" b="0" strike="noStrike" spc="-1">
-              <a:latin typeface="Arial"/>
-            </a:endParaRPr>
-          </a:p>
-          <a:p>
-            <a:pPr>
-              <a:lnSpc>
-                <a:spcPct val="100000"/>
-              </a:lnSpc>
-              <a:buNone/>
-            </a:pPr>
-            <a:r>
-              <a:rPr lang="de-DE" sz="1800" b="0" strike="noStrike" spc="-1">
-                <a:solidFill>
-                  <a:srgbClr val="000000"/>
-                </a:solidFill>
-                <a:latin typeface="Bahnschrift SemiLight"/>
-                <a:ea typeface="Arial Unicode MS"/>
-              </a:rPr>
-              <a:t>3 Maschinelle Lernverfahren:</a:t>
-            </a:r>
-            <a:endParaRPr lang="de-DE" sz="1800" b="0" strike="noStrike" spc="-1">
-              <a:latin typeface="Arial"/>
-            </a:endParaRPr>
-          </a:p>
-          <a:p>
-            <a:pPr>
-              <a:lnSpc>
-                <a:spcPct val="100000"/>
-              </a:lnSpc>
-              <a:buNone/>
-            </a:pPr>
-            <a:r>
-              <a:rPr lang="de-DE" sz="1800" b="0" strike="noStrike" spc="-1">
-                <a:solidFill>
-                  <a:srgbClr val="000000"/>
-                </a:solidFill>
-                <a:latin typeface="Bahnschrift SemiLight"/>
-                <a:ea typeface="Arial Unicode MS"/>
-              </a:rPr>
-              <a:t>	Maschinelles Lernverfahren 1</a:t>
-            </a:r>
-            <a:endParaRPr lang="de-DE" sz="1800" b="0" strike="noStrike" spc="-1">
-              <a:latin typeface="Arial"/>
-            </a:endParaRPr>
-          </a:p>
-          <a:p>
-            <a:pPr>
-              <a:lnSpc>
-                <a:spcPct val="100000"/>
-              </a:lnSpc>
-              <a:buNone/>
-            </a:pPr>
-            <a:r>
-              <a:rPr lang="de-DE" sz="1800" b="0" strike="noStrike" spc="-1">
-                <a:solidFill>
-                  <a:srgbClr val="000000"/>
-                </a:solidFill>
-                <a:latin typeface="Bahnschrift SemiLight"/>
-                <a:ea typeface="Arial Unicode MS"/>
-              </a:rPr>
-              <a:t>	Maschinelles Lernverfahren 2</a:t>
-            </a:r>
-            <a:endParaRPr lang="de-DE" sz="1800" b="0" strike="noStrike" spc="-1">
-              <a:latin typeface="Arial"/>
-            </a:endParaRPr>
-          </a:p>
-          <a:p>
-            <a:pPr>
-              <a:lnSpc>
-                <a:spcPct val="100000"/>
-              </a:lnSpc>
-              <a:buNone/>
-            </a:pPr>
-            <a:r>
-              <a:rPr lang="de-DE" sz="1800" b="0" strike="noStrike" spc="-1">
-                <a:solidFill>
-                  <a:srgbClr val="000000"/>
-                </a:solidFill>
-                <a:latin typeface="Bahnschrift SemiLight"/>
-                <a:ea typeface="Arial Unicode MS"/>
-              </a:rPr>
-              <a:t>	Maschinelles Lernverfahren 3</a:t>
-            </a:r>
-            <a:endParaRPr lang="de-DE" sz="1800" b="0" strike="noStrike" spc="-1">
-              <a:latin typeface="Arial"/>
-            </a:endParaRPr>
-          </a:p>
-          <a:p>
-            <a:pPr>
-              <a:lnSpc>
-                <a:spcPct val="100000"/>
-              </a:lnSpc>
-              <a:buNone/>
-            </a:pPr>
-            <a:endParaRPr lang="de-DE" sz="1800" b="0" strike="noStrike" spc="-1">
-              <a:latin typeface="Arial"/>
-            </a:endParaRPr>
-          </a:p>
-        </p:txBody>
-      </p:sp>
-    </p:spTree>
-  </p:cSld>
-  <p:clrMapOvr>
-    <a:masterClrMapping/>
-  </p:clrMapOvr>
-</p:sld>
-</file>
-
-<file path=ppt/slides/slide20.xml><?xml version="1.0" encoding="utf-8"?>
+<file path=ppt/slides/slide21.xml><?xml version="1.0" encoding="utf-8"?>
 <p:sld xmlns:a="http://schemas.openxmlformats.org/drawingml/2006/main" xmlns:r="http://schemas.openxmlformats.org/officeDocument/2006/relationships" xmlns:p="http://schemas.openxmlformats.org/presentationml/2006/main">
   <p:cSld>
     <p:spTree>
@@ -17477,7 +18156,7 @@
 </p:sld>
 </file>
 
-<file path=ppt/slides/slide21.xml><?xml version="1.0" encoding="utf-8"?>
+<file path=ppt/slides/slide22.xml><?xml version="1.0" encoding="utf-8"?>
 <p:sld xmlns:a="http://schemas.openxmlformats.org/drawingml/2006/main" xmlns:r="http://schemas.openxmlformats.org/officeDocument/2006/relationships" xmlns:p="http://schemas.openxmlformats.org/presentationml/2006/main">
   <p:cSld>
     <p:spTree>
@@ -17936,7 +18615,7 @@
 </p:sld>
 </file>
 
-<file path=ppt/slides/slide22.xml><?xml version="1.0" encoding="utf-8"?>
+<file path=ppt/slides/slide23.xml><?xml version="1.0" encoding="utf-8"?>
 <p:sld xmlns:a="http://schemas.openxmlformats.org/drawingml/2006/main" xmlns:r="http://schemas.openxmlformats.org/officeDocument/2006/relationships" xmlns:p="http://schemas.openxmlformats.org/presentationml/2006/main" show="0">
   <p:cSld>
     <p:spTree>
@@ -18818,7 +19497,7 @@
 </p:sld>
 </file>
 
-<file path=ppt/slides/slide23.xml><?xml version="1.0" encoding="utf-8"?>
+<file path=ppt/slides/slide24.xml><?xml version="1.0" encoding="utf-8"?>
 <p:sld xmlns:a="http://schemas.openxmlformats.org/drawingml/2006/main" xmlns:r="http://schemas.openxmlformats.org/officeDocument/2006/relationships" xmlns:p="http://schemas.openxmlformats.org/presentationml/2006/main">
   <p:cSld>
     <p:spTree>
@@ -18965,7 +19644,7 @@
 </p:sld>
 </file>
 
-<file path=ppt/slides/slide24.xml><?xml version="1.0" encoding="utf-8"?>
+<file path=ppt/slides/slide25.xml><?xml version="1.0" encoding="utf-8"?>
 <p:sld xmlns:a="http://schemas.openxmlformats.org/drawingml/2006/main" xmlns:r="http://schemas.openxmlformats.org/officeDocument/2006/relationships" xmlns:p="http://schemas.openxmlformats.org/presentationml/2006/main">
   <p:cSld>
     <p:spTree>
@@ -19047,7 +19726,7 @@
 </p:sld>
 </file>
 
-<file path=ppt/slides/slide25.xml><?xml version="1.0" encoding="utf-8"?>
+<file path=ppt/slides/slide26.xml><?xml version="1.0" encoding="utf-8"?>
 <p:sld xmlns:a="http://schemas.openxmlformats.org/drawingml/2006/main" xmlns:r="http://schemas.openxmlformats.org/officeDocument/2006/relationships" xmlns:p="http://schemas.openxmlformats.org/presentationml/2006/main">
   <p:cSld>
     <p:spTree>
@@ -22529,7 +23208,7 @@
         </p:nvSpPr>
         <p:spPr>
           <a:xfrm>
-            <a:off x="2528391" y="2533799"/>
+            <a:off x="2528391" y="2784123"/>
             <a:ext cx="6003134" cy="644877"/>
           </a:xfrm>
           <a:prstGeom prst="rect">
@@ -22660,6 +23339,194 @@
           </a:p>
         </p:txBody>
       </p:sp>
+      <p:pic>
+        <p:nvPicPr>
+          <p:cNvPr id="3" name="Grafik 2">
+            <a:extLst>
+              <a:ext uri="{FF2B5EF4-FFF2-40B4-BE49-F238E27FC236}">
+                <a16:creationId xmlns:a16="http://schemas.microsoft.com/office/drawing/2014/main" id="{228409C9-D617-8B42-0B3C-774379C5D760}"/>
+              </a:ext>
+            </a:extLst>
+          </p:cNvPr>
+          <p:cNvPicPr>
+            <a:picLocks noChangeAspect="1"/>
+          </p:cNvPicPr>
+          <p:nvPr/>
+        </p:nvPicPr>
+        <p:blipFill>
+          <a:blip r:embed="rId3"/>
+          <a:stretch>
+            <a:fillRect/>
+          </a:stretch>
+        </p:blipFill>
+        <p:spPr>
+          <a:xfrm>
+            <a:off x="545199" y="3920591"/>
+            <a:ext cx="1775306" cy="1787986"/>
+          </a:xfrm>
+          <a:prstGeom prst="rect">
+            <a:avLst/>
+          </a:prstGeom>
+        </p:spPr>
+      </p:pic>
+      <p:sp>
+        <p:nvSpPr>
+          <p:cNvPr id="4" name="Textfeld 2">
+            <a:extLst>
+              <a:ext uri="{FF2B5EF4-FFF2-40B4-BE49-F238E27FC236}">
+                <a16:creationId xmlns:a16="http://schemas.microsoft.com/office/drawing/2014/main" id="{C7114ABC-B61A-3700-C197-677DB4C72E80}"/>
+              </a:ext>
+            </a:extLst>
+          </p:cNvPr>
+          <p:cNvSpPr/>
+          <p:nvPr/>
+        </p:nvSpPr>
+        <p:spPr>
+          <a:xfrm>
+            <a:off x="2528391" y="3920591"/>
+            <a:ext cx="5094483" cy="921876"/>
+          </a:xfrm>
+          <a:prstGeom prst="rect">
+            <a:avLst/>
+          </a:prstGeom>
+          <a:noFill/>
+          <a:ln w="0">
+            <a:noFill/>
+          </a:ln>
+        </p:spPr>
+        <p:style>
+          <a:lnRef idx="0">
+            <a:scrgbClr r="0" g="0" b="0"/>
+          </a:lnRef>
+          <a:fillRef idx="0">
+            <a:scrgbClr r="0" g="0" b="0"/>
+          </a:fillRef>
+          <a:effectRef idx="0">
+            <a:scrgbClr r="0" g="0" b="0"/>
+          </a:effectRef>
+          <a:fontRef idx="minor"/>
+        </p:style>
+        <p:txBody>
+          <a:bodyPr wrap="square" lIns="90000" tIns="45000" rIns="90000" bIns="45000" anchor="t">
+            <a:spAutoFit/>
+          </a:bodyPr>
+          <a:lstStyle/>
+          <a:p>
+            <a:pPr marL="285840" indent="-285840">
+              <a:lnSpc>
+                <a:spcPct val="100000"/>
+              </a:lnSpc>
+              <a:buClr>
+                <a:srgbClr val="000000"/>
+              </a:buClr>
+              <a:buFont typeface="Arial"/>
+              <a:buChar char="•"/>
+            </a:pPr>
+            <a:r>
+              <a:rPr lang="de-DE" sz="1800" b="0" strike="noStrike" spc="-1" dirty="0">
+                <a:latin typeface="Bahnschrift SemiLight" panose="020B0502040204020203" pitchFamily="34" charset="0"/>
+              </a:rPr>
+              <a:t>Median: 20.490</a:t>
+            </a:r>
+          </a:p>
+          <a:p>
+            <a:pPr marL="285840" indent="-285840">
+              <a:lnSpc>
+                <a:spcPct val="100000"/>
+              </a:lnSpc>
+              <a:buClr>
+                <a:srgbClr val="000000"/>
+              </a:buClr>
+              <a:buFont typeface="Arial"/>
+              <a:buChar char="•"/>
+            </a:pPr>
+            <a:r>
+              <a:rPr lang="de-DE" spc="-1" dirty="0">
+                <a:latin typeface="Bahnschrift SemiLight" panose="020B0502040204020203" pitchFamily="34" charset="0"/>
+              </a:rPr>
+              <a:t>Mittelwert: 29.416,2</a:t>
+            </a:r>
+          </a:p>
+          <a:p>
+            <a:pPr>
+              <a:lnSpc>
+                <a:spcPct val="100000"/>
+              </a:lnSpc>
+              <a:buClr>
+                <a:srgbClr val="000000"/>
+              </a:buClr>
+            </a:pPr>
+            <a:r>
+              <a:rPr lang="de-DE" spc="-1" dirty="0">
+                <a:latin typeface="Bahnschrift SemiLight" panose="020B0502040204020203" pitchFamily="34" charset="0"/>
+              </a:rPr>
+              <a:t>= schiefe Verteilung der Zielvariable</a:t>
+            </a:r>
+          </a:p>
+        </p:txBody>
+      </p:sp>
+      <p:sp>
+        <p:nvSpPr>
+          <p:cNvPr id="8" name="Textfeld 2">
+            <a:extLst>
+              <a:ext uri="{FF2B5EF4-FFF2-40B4-BE49-F238E27FC236}">
+                <a16:creationId xmlns:a16="http://schemas.microsoft.com/office/drawing/2014/main" id="{53250606-170C-3CC9-EB74-E1FF43CB1D17}"/>
+              </a:ext>
+            </a:extLst>
+          </p:cNvPr>
+          <p:cNvSpPr/>
+          <p:nvPr/>
+        </p:nvSpPr>
+        <p:spPr>
+          <a:xfrm>
+            <a:off x="2528391" y="5150119"/>
+            <a:ext cx="8358145" cy="367878"/>
+          </a:xfrm>
+          <a:prstGeom prst="rect">
+            <a:avLst/>
+          </a:prstGeom>
+          <a:noFill/>
+          <a:ln w="0">
+            <a:noFill/>
+          </a:ln>
+        </p:spPr>
+        <p:style>
+          <a:lnRef idx="0">
+            <a:scrgbClr r="0" g="0" b="0"/>
+          </a:lnRef>
+          <a:fillRef idx="0">
+            <a:scrgbClr r="0" g="0" b="0"/>
+          </a:fillRef>
+          <a:effectRef idx="0">
+            <a:scrgbClr r="0" g="0" b="0"/>
+          </a:effectRef>
+          <a:fontRef idx="minor"/>
+        </p:style>
+        <p:txBody>
+          <a:bodyPr wrap="square" lIns="90000" tIns="45000" rIns="90000" bIns="45000" anchor="t">
+            <a:spAutoFit/>
+          </a:bodyPr>
+          <a:lstStyle/>
+          <a:p>
+            <a:pPr marL="285840" indent="-285840">
+              <a:lnSpc>
+                <a:spcPct val="100000"/>
+              </a:lnSpc>
+              <a:buClr>
+                <a:srgbClr val="000000"/>
+              </a:buClr>
+              <a:buFont typeface="Arial"/>
+              <a:buChar char="•"/>
+            </a:pPr>
+            <a:r>
+              <a:rPr lang="de-DE" sz="1800" b="0" strike="noStrike" spc="-1" dirty="0">
+                <a:latin typeface="Bahnschrift SemiLight" panose="020B0502040204020203" pitchFamily="34" charset="0"/>
+              </a:rPr>
+              <a:t>Extreme Ausreißer wegen Exklusivmarken wie Lamborghini, Ferrari usw.</a:t>
+            </a:r>
+          </a:p>
+        </p:txBody>
+      </p:sp>
     </p:spTree>
     <p:extLst>
       <p:ext uri="{BB962C8B-B14F-4D97-AF65-F5344CB8AC3E}">
@@ -22674,6 +23541,289 @@
 </file>
 
 <file path=ppt/slides/slide8.xml><?xml version="1.0" encoding="utf-8"?>
+<p:sld xmlns:a="http://schemas.openxmlformats.org/drawingml/2006/main" xmlns:r="http://schemas.openxmlformats.org/officeDocument/2006/relationships" xmlns:p="http://schemas.openxmlformats.org/presentationml/2006/main">
+  <p:cSld>
+    <p:spTree>
+      <p:nvGrpSpPr>
+        <p:cNvPr id="1" name="">
+          <a:extLst>
+            <a:ext uri="{FF2B5EF4-FFF2-40B4-BE49-F238E27FC236}">
+              <a16:creationId xmlns:a16="http://schemas.microsoft.com/office/drawing/2014/main" id="{8DE1D933-9628-78B2-79A8-E026F8A86FBF}"/>
+            </a:ext>
+          </a:extLst>
+        </p:cNvPr>
+        <p:cNvGrpSpPr/>
+        <p:nvPr/>
+      </p:nvGrpSpPr>
+      <p:grpSpPr>
+        <a:xfrm>
+          <a:off x="0" y="0"/>
+          <a:ext cx="0" cy="0"/>
+          <a:chOff x="0" y="0"/>
+          <a:chExt cx="0" cy="0"/>
+        </a:xfrm>
+      </p:grpSpPr>
+      <p:sp>
+        <p:nvSpPr>
+          <p:cNvPr id="269" name="PlaceHolder 1">
+            <a:extLst>
+              <a:ext uri="{FF2B5EF4-FFF2-40B4-BE49-F238E27FC236}">
+                <a16:creationId xmlns:a16="http://schemas.microsoft.com/office/drawing/2014/main" id="{B8E62134-62AD-6E7F-8A20-DA37C38F2BAF}"/>
+              </a:ext>
+            </a:extLst>
+          </p:cNvPr>
+          <p:cNvSpPr>
+            <a:spLocks noGrp="1"/>
+          </p:cNvSpPr>
+          <p:nvPr>
+            <p:ph/>
+          </p:nvPr>
+        </p:nvSpPr>
+        <p:spPr>
+          <a:xfrm>
+            <a:off x="2063820" y="383135"/>
+            <a:ext cx="8064360" cy="644400"/>
+          </a:xfrm>
+          <a:prstGeom prst="rect">
+            <a:avLst/>
+          </a:prstGeom>
+          <a:noFill/>
+          <a:ln w="0">
+            <a:noFill/>
+          </a:ln>
+        </p:spPr>
+        <p:txBody>
+          <a:bodyPr lIns="90000" tIns="45000" rIns="90000" bIns="45000" anchor="ctr">
+            <a:noAutofit/>
+          </a:bodyPr>
+          <a:lstStyle/>
+          <a:p>
+            <a:pPr marL="228600">
+              <a:lnSpc>
+                <a:spcPct val="90000"/>
+              </a:lnSpc>
+              <a:spcBef>
+                <a:spcPts val="1001"/>
+              </a:spcBef>
+              <a:buNone/>
+              <a:tabLst>
+                <a:tab pos="0" algn="l"/>
+              </a:tabLst>
+            </a:pPr>
+            <a:r>
+              <a:rPr lang="de-DE" sz="4600" b="1" spc="-1" dirty="0">
+                <a:solidFill>
+                  <a:srgbClr val="FFFFFF"/>
+                </a:solidFill>
+                <a:latin typeface="CMU Serif"/>
+                <a:ea typeface="CMU Serif"/>
+              </a:rPr>
+              <a:t>Analyse</a:t>
+            </a:r>
+            <a:r>
+              <a:rPr lang="de-DE" sz="4000" b="1" spc="-1" dirty="0">
+                <a:solidFill>
+                  <a:srgbClr val="FFFFFF"/>
+                </a:solidFill>
+                <a:latin typeface="CMU Serif"/>
+                <a:ea typeface="CMU Serif"/>
+              </a:rPr>
+              <a:t> </a:t>
+            </a:r>
+            <a:r>
+              <a:rPr lang="de-DE" sz="4600" b="1" spc="-1" dirty="0">
+                <a:solidFill>
+                  <a:srgbClr val="FFFFFF"/>
+                </a:solidFill>
+                <a:latin typeface="CMU Serif"/>
+                <a:ea typeface="CMU Serif"/>
+              </a:rPr>
+              <a:t>4</a:t>
+            </a:r>
+            <a:endParaRPr lang="de-DE" sz="4600" b="0" strike="noStrike" spc="-1" dirty="0">
+              <a:latin typeface="Arial"/>
+            </a:endParaRPr>
+          </a:p>
+        </p:txBody>
+      </p:sp>
+      <p:sp>
+        <p:nvSpPr>
+          <p:cNvPr id="8" name="Textfeld 2">
+            <a:extLst>
+              <a:ext uri="{FF2B5EF4-FFF2-40B4-BE49-F238E27FC236}">
+                <a16:creationId xmlns:a16="http://schemas.microsoft.com/office/drawing/2014/main" id="{D15D60DC-5607-AAE5-86F6-DD1A78C7BA8B}"/>
+              </a:ext>
+            </a:extLst>
+          </p:cNvPr>
+          <p:cNvSpPr/>
+          <p:nvPr/>
+        </p:nvSpPr>
+        <p:spPr>
+          <a:xfrm>
+            <a:off x="6521570" y="2137065"/>
+            <a:ext cx="3847382" cy="2583869"/>
+          </a:xfrm>
+          <a:prstGeom prst="rect">
+            <a:avLst/>
+          </a:prstGeom>
+          <a:noFill/>
+          <a:ln w="0">
+            <a:noFill/>
+          </a:ln>
+        </p:spPr>
+        <p:style>
+          <a:lnRef idx="0">
+            <a:scrgbClr r="0" g="0" b="0"/>
+          </a:lnRef>
+          <a:fillRef idx="0">
+            <a:scrgbClr r="0" g="0" b="0"/>
+          </a:fillRef>
+          <a:effectRef idx="0">
+            <a:scrgbClr r="0" g="0" b="0"/>
+          </a:effectRef>
+          <a:fontRef idx="minor"/>
+        </p:style>
+        <p:txBody>
+          <a:bodyPr wrap="square" lIns="90000" tIns="45000" rIns="90000" bIns="45000" anchor="t">
+            <a:spAutoFit/>
+          </a:bodyPr>
+          <a:lstStyle/>
+          <a:p>
+            <a:pPr marL="285840" indent="-285840">
+              <a:lnSpc>
+                <a:spcPct val="100000"/>
+              </a:lnSpc>
+              <a:buClr>
+                <a:srgbClr val="000000"/>
+              </a:buClr>
+              <a:buFont typeface="Arial"/>
+              <a:buChar char="•"/>
+            </a:pPr>
+            <a:r>
+              <a:rPr lang="de-DE" spc="-1" dirty="0">
+                <a:latin typeface="Bahnschrift SemiLight" panose="020B0502040204020203" pitchFamily="34" charset="0"/>
+              </a:rPr>
+              <a:t>Beim untersuchen der Beziehung zwischen Preis und Kilometerstand stellt man fest, dass nicht nur der Preis extreme Ausreißer enthält, sondern das dies auch der Fall beim Kilometerstand ist und daher ist die Interpretation dieses Plots unmöglich</a:t>
+            </a:r>
+            <a:endParaRPr lang="de-DE" sz="1800" b="0" strike="noStrike" spc="-1" dirty="0">
+              <a:latin typeface="Bahnschrift SemiLight" panose="020B0502040204020203" pitchFamily="34" charset="0"/>
+            </a:endParaRPr>
+          </a:p>
+        </p:txBody>
+      </p:sp>
+      <p:pic>
+        <p:nvPicPr>
+          <p:cNvPr id="9" name="Grafik 8" descr="Ein Bild, das Text, Screenshot, Diagramm, Reihe enthält.&#10;&#10;KI-generierte Inhalte können fehlerhaft sein.">
+            <a:extLst>
+              <a:ext uri="{FF2B5EF4-FFF2-40B4-BE49-F238E27FC236}">
+                <a16:creationId xmlns:a16="http://schemas.microsoft.com/office/drawing/2014/main" id="{DDC69535-3B0E-DB8B-492E-1F4E750ACBF6}"/>
+              </a:ext>
+            </a:extLst>
+          </p:cNvPr>
+          <p:cNvPicPr>
+            <a:picLocks noChangeAspect="1"/>
+          </p:cNvPicPr>
+          <p:nvPr/>
+        </p:nvPicPr>
+        <p:blipFill>
+          <a:blip r:embed="rId2">
+            <a:extLst>
+              <a:ext uri="{28A0092B-C50C-407E-A947-70E740481C1C}">
+                <a14:useLocalDpi xmlns:a14="http://schemas.microsoft.com/office/drawing/2010/main" val="0"/>
+              </a:ext>
+            </a:extLst>
+          </a:blip>
+          <a:stretch>
+            <a:fillRect/>
+          </a:stretch>
+        </p:blipFill>
+        <p:spPr>
+          <a:xfrm>
+            <a:off x="515876" y="1564058"/>
+            <a:ext cx="5580124" cy="3985802"/>
+          </a:xfrm>
+          <a:prstGeom prst="rect">
+            <a:avLst/>
+          </a:prstGeom>
+        </p:spPr>
+      </p:pic>
+      <p:sp>
+        <p:nvSpPr>
+          <p:cNvPr id="2" name="Textfeld 2">
+            <a:extLst>
+              <a:ext uri="{FF2B5EF4-FFF2-40B4-BE49-F238E27FC236}">
+                <a16:creationId xmlns:a16="http://schemas.microsoft.com/office/drawing/2014/main" id="{59FA23B5-26D8-9BFF-6655-1FCE9A3FD171}"/>
+              </a:ext>
+            </a:extLst>
+          </p:cNvPr>
+          <p:cNvSpPr/>
+          <p:nvPr/>
+        </p:nvSpPr>
+        <p:spPr>
+          <a:xfrm>
+            <a:off x="411193" y="5763944"/>
+            <a:ext cx="11105070" cy="644877"/>
+          </a:xfrm>
+          <a:prstGeom prst="rect">
+            <a:avLst/>
+          </a:prstGeom>
+          <a:noFill/>
+          <a:ln w="0">
+            <a:noFill/>
+          </a:ln>
+        </p:spPr>
+        <p:style>
+          <a:lnRef idx="0">
+            <a:scrgbClr r="0" g="0" b="0"/>
+          </a:lnRef>
+          <a:fillRef idx="0">
+            <a:scrgbClr r="0" g="0" b="0"/>
+          </a:fillRef>
+          <a:effectRef idx="0">
+            <a:scrgbClr r="0" g="0" b="0"/>
+          </a:effectRef>
+          <a:fontRef idx="minor"/>
+        </p:style>
+        <p:txBody>
+          <a:bodyPr wrap="square" lIns="90000" tIns="45000" rIns="90000" bIns="45000" anchor="t">
+            <a:spAutoFit/>
+          </a:bodyPr>
+          <a:lstStyle/>
+          <a:p>
+            <a:pPr>
+              <a:lnSpc>
+                <a:spcPct val="100000"/>
+              </a:lnSpc>
+              <a:buClr>
+                <a:srgbClr val="000000"/>
+              </a:buClr>
+            </a:pPr>
+            <a:r>
+              <a:rPr lang="de-DE" dirty="0">
+                <a:latin typeface="Bahnschrift SemiLight" panose="020B0502040204020203" pitchFamily="34" charset="0"/>
+              </a:rPr>
+              <a:t>=&gt; Da die ursprüngliche Datenstruktur keine direkte Durchführung einer deskriptiven Analyse zuließ, wurden erste Analyse-Schritte in den Prozess der Datenbereinigung integriert.</a:t>
+            </a:r>
+            <a:endParaRPr lang="de-DE" sz="1800" b="0" strike="noStrike" spc="-1" dirty="0">
+              <a:latin typeface="Bahnschrift SemiLight" panose="020B0502040204020203" pitchFamily="34" charset="0"/>
+            </a:endParaRPr>
+          </a:p>
+        </p:txBody>
+      </p:sp>
+    </p:spTree>
+    <p:extLst>
+      <p:ext uri="{BB962C8B-B14F-4D97-AF65-F5344CB8AC3E}">
+        <p14:creationId xmlns:p14="http://schemas.microsoft.com/office/powerpoint/2010/main" val="954076536"/>
+      </p:ext>
+    </p:extLst>
+  </p:cSld>
+  <p:clrMapOvr>
+    <a:masterClrMapping/>
+  </p:clrMapOvr>
+</p:sld>
+</file>
+
+<file path=ppt/slides/slide9.xml><?xml version="1.0" encoding="utf-8"?>
 <p:sld xmlns:a="http://schemas.openxmlformats.org/drawingml/2006/main" xmlns:r="http://schemas.openxmlformats.org/officeDocument/2006/relationships" xmlns:p="http://schemas.openxmlformats.org/presentationml/2006/main">
   <p:cSld>
     <p:spTree>
@@ -23123,478 +24273,6 @@
         <p14:creationId xmlns:p14="http://schemas.microsoft.com/office/powerpoint/2010/main" val="3830844993"/>
       </p:ext>
     </p:extLst>
-  </p:cSld>
-  <p:clrMapOvr>
-    <a:masterClrMapping/>
-  </p:clrMapOvr>
-</p:sld>
-</file>
-
-<file path=ppt/slides/slide9.xml><?xml version="1.0" encoding="utf-8"?>
-<p:sld xmlns:a="http://schemas.openxmlformats.org/drawingml/2006/main" xmlns:r="http://schemas.openxmlformats.org/officeDocument/2006/relationships" xmlns:p="http://schemas.openxmlformats.org/presentationml/2006/main">
-  <p:cSld>
-    <p:spTree>
-      <p:nvGrpSpPr>
-        <p:cNvPr id="1" name=""/>
-        <p:cNvGrpSpPr/>
-        <p:nvPr/>
-      </p:nvGrpSpPr>
-      <p:grpSpPr>
-        <a:xfrm>
-          <a:off x="0" y="0"/>
-          <a:ext cx="0" cy="0"/>
-          <a:chOff x="0" y="0"/>
-          <a:chExt cx="0" cy="0"/>
-        </a:xfrm>
-      </p:grpSpPr>
-      <p:sp>
-        <p:nvSpPr>
-          <p:cNvPr id="247" name="PlaceHolder 1"/>
-          <p:cNvSpPr>
-            <a:spLocks noGrp="1"/>
-          </p:cNvSpPr>
-          <p:nvPr>
-            <p:ph/>
-          </p:nvPr>
-        </p:nvSpPr>
-        <p:spPr>
-          <a:xfrm>
-            <a:off x="2063160" y="460440"/>
-            <a:ext cx="8064360" cy="644400"/>
-          </a:xfrm>
-          <a:prstGeom prst="rect">
-            <a:avLst/>
-          </a:prstGeom>
-          <a:noFill/>
-          <a:ln w="0">
-            <a:noFill/>
-          </a:ln>
-        </p:spPr>
-        <p:txBody>
-          <a:bodyPr lIns="90000" tIns="45000" rIns="90000" bIns="45000" anchor="ctr">
-            <a:normAutofit fontScale="80500" lnSpcReduction="20000"/>
-          </a:bodyPr>
-          <a:lstStyle/>
-          <a:p>
-            <a:pPr marL="204120">
-              <a:lnSpc>
-                <a:spcPct val="90000"/>
-              </a:lnSpc>
-              <a:spcBef>
-                <a:spcPts val="1001"/>
-              </a:spcBef>
-              <a:buNone/>
-              <a:tabLst>
-                <a:tab pos="0" algn="l"/>
-              </a:tabLst>
-            </a:pPr>
-            <a:r>
-              <a:rPr lang="de-DE" sz="5400" b="1" strike="noStrike" spc="-1" dirty="0">
-                <a:solidFill>
-                  <a:srgbClr val="FFFFFF"/>
-                </a:solidFill>
-                <a:latin typeface="CMU Serif"/>
-                <a:ea typeface="CMU Serif"/>
-              </a:rPr>
-              <a:t>Bereinigung der Daten 1</a:t>
-            </a:r>
-            <a:endParaRPr lang="de-DE" sz="5400" b="0" strike="noStrike" spc="-1" dirty="0">
-              <a:latin typeface="Arial"/>
-            </a:endParaRPr>
-          </a:p>
-        </p:txBody>
-      </p:sp>
-      <p:sp>
-        <p:nvSpPr>
-          <p:cNvPr id="248" name="Textfeld 2"/>
-          <p:cNvSpPr/>
-          <p:nvPr/>
-        </p:nvSpPr>
-        <p:spPr>
-          <a:xfrm>
-            <a:off x="585360" y="1788840"/>
-            <a:ext cx="9952200" cy="3930120"/>
-          </a:xfrm>
-          <a:prstGeom prst="rect">
-            <a:avLst/>
-          </a:prstGeom>
-          <a:noFill/>
-          <a:ln w="0">
-            <a:noFill/>
-          </a:ln>
-        </p:spPr>
-        <p:style>
-          <a:lnRef idx="0">
-            <a:scrgbClr r="0" g="0" b="0"/>
-          </a:lnRef>
-          <a:fillRef idx="0">
-            <a:scrgbClr r="0" g="0" b="0"/>
-          </a:fillRef>
-          <a:effectRef idx="0">
-            <a:scrgbClr r="0" g="0" b="0"/>
-          </a:effectRef>
-          <a:fontRef idx="minor"/>
-        </p:style>
-        <p:txBody>
-          <a:bodyPr lIns="90000" tIns="45000" rIns="90000" bIns="45000" anchor="t">
-            <a:spAutoFit/>
-          </a:bodyPr>
-          <a:lstStyle/>
-          <a:p>
-            <a:pPr>
-              <a:lnSpc>
-                <a:spcPct val="100000"/>
-              </a:lnSpc>
-              <a:buNone/>
-            </a:pPr>
-            <a:r>
-              <a:rPr lang="de-DE" sz="1800" b="1" strike="noStrike" spc="-1" dirty="0">
-                <a:solidFill>
-                  <a:srgbClr val="000000"/>
-                </a:solidFill>
-                <a:latin typeface="Bahnschrift SemiLight"/>
-                <a:ea typeface="Arial Unicode MS"/>
-              </a:rPr>
-              <a:t>Entfernung der Spalte „Unnamed..0“</a:t>
-            </a:r>
-            <a:endParaRPr lang="de-DE" sz="1800" b="0" strike="noStrike" spc="-1" dirty="0">
-              <a:latin typeface="Arial"/>
-            </a:endParaRPr>
-          </a:p>
-          <a:p>
-            <a:pPr marL="285840" indent="-285840">
-              <a:lnSpc>
-                <a:spcPct val="100000"/>
-              </a:lnSpc>
-              <a:buClr>
-                <a:srgbClr val="000000"/>
-              </a:buClr>
-              <a:buFont typeface="Arial"/>
-              <a:buChar char="•"/>
-            </a:pPr>
-            <a:r>
-              <a:rPr lang="de-DE" sz="1800" b="0" strike="noStrike" spc="-1" dirty="0">
-                <a:solidFill>
-                  <a:srgbClr val="000000"/>
-                </a:solidFill>
-                <a:latin typeface="Bahnschrift SemiLight"/>
-                <a:ea typeface="Arial Unicode MS"/>
-              </a:rPr>
-              <a:t>Spalte hat keine Relevanz, sie ist reine Nummerierung der Zeilen.</a:t>
-            </a:r>
-            <a:endParaRPr lang="de-DE" sz="1800" b="0" strike="noStrike" spc="-1" dirty="0">
-              <a:latin typeface="Arial"/>
-            </a:endParaRPr>
-          </a:p>
-          <a:p>
-            <a:pPr>
-              <a:lnSpc>
-                <a:spcPct val="100000"/>
-              </a:lnSpc>
-              <a:buNone/>
-            </a:pPr>
-            <a:endParaRPr lang="de-DE" sz="1800" b="0" strike="noStrike" spc="-1" dirty="0">
-              <a:latin typeface="Arial"/>
-            </a:endParaRPr>
-          </a:p>
-          <a:p>
-            <a:pPr>
-              <a:lnSpc>
-                <a:spcPct val="100000"/>
-              </a:lnSpc>
-              <a:buNone/>
-            </a:pPr>
-            <a:r>
-              <a:rPr lang="de-DE" sz="1800" b="1" strike="noStrike" spc="-1" dirty="0">
-                <a:solidFill>
-                  <a:srgbClr val="000000"/>
-                </a:solidFill>
-                <a:latin typeface="Bahnschrift SemiLight"/>
-                <a:ea typeface="Arial Unicode MS"/>
-              </a:rPr>
-              <a:t>Entfernung der Spalte „</a:t>
-            </a:r>
-            <a:r>
-              <a:rPr lang="de-DE" sz="1800" b="1" strike="noStrike" spc="-1" dirty="0" err="1">
-                <a:solidFill>
-                  <a:srgbClr val="000000"/>
-                </a:solidFill>
-                <a:latin typeface="Bahnschrift SemiLight"/>
-                <a:ea typeface="Arial Unicode MS"/>
-              </a:rPr>
-              <a:t>offer_description</a:t>
-            </a:r>
-            <a:r>
-              <a:rPr lang="de-DE" sz="1800" b="1" strike="noStrike" spc="-1" dirty="0">
-                <a:solidFill>
-                  <a:srgbClr val="000000"/>
-                </a:solidFill>
-                <a:latin typeface="Bahnschrift SemiLight"/>
-                <a:ea typeface="Arial Unicode MS"/>
-              </a:rPr>
-              <a:t>“</a:t>
-            </a:r>
-            <a:endParaRPr lang="de-DE" sz="1800" b="0" strike="noStrike" spc="-1" dirty="0">
-              <a:latin typeface="Arial"/>
-            </a:endParaRPr>
-          </a:p>
-          <a:p>
-            <a:pPr marL="285840" indent="-285840">
-              <a:lnSpc>
-                <a:spcPct val="100000"/>
-              </a:lnSpc>
-              <a:buClr>
-                <a:srgbClr val="000000"/>
-              </a:buClr>
-              <a:buFont typeface="Arial"/>
-              <a:buChar char="•"/>
-            </a:pPr>
-            <a:r>
-              <a:rPr lang="de-DE" sz="1800" b="0" strike="noStrike" spc="-1" dirty="0">
-                <a:solidFill>
-                  <a:srgbClr val="000000"/>
-                </a:solidFill>
-                <a:latin typeface="Bahnschrift SemiLight"/>
-                <a:ea typeface="Arial Unicode MS"/>
-              </a:rPr>
-              <a:t>Z.B.: wurde geschaut, ob in der Spalte </a:t>
-            </a:r>
-            <a:r>
-              <a:rPr lang="de-DE" sz="1800" b="0" strike="noStrike" spc="-1" dirty="0" err="1">
-                <a:solidFill>
-                  <a:srgbClr val="000000"/>
-                </a:solidFill>
-                <a:latin typeface="Bahnschrift SemiLight"/>
-                <a:ea typeface="Arial Unicode MS"/>
-              </a:rPr>
-              <a:t>offer_description</a:t>
-            </a:r>
-            <a:r>
-              <a:rPr lang="de-DE" sz="1800" b="0" strike="noStrike" spc="-1" dirty="0">
-                <a:solidFill>
-                  <a:srgbClr val="000000"/>
-                </a:solidFill>
-                <a:latin typeface="Bahnschrift SemiLight"/>
-                <a:ea typeface="Arial Unicode MS"/>
-              </a:rPr>
-              <a:t> Wort unfallfrei, </a:t>
-            </a:r>
-            <a:r>
-              <a:rPr lang="de-DE" sz="1800" b="0" strike="noStrike" spc="-1" dirty="0" err="1">
-                <a:solidFill>
-                  <a:srgbClr val="000000"/>
-                </a:solidFill>
-                <a:latin typeface="Bahnschrift SemiLight"/>
-                <a:ea typeface="Arial Unicode MS"/>
-              </a:rPr>
-              <a:t>sport</a:t>
-            </a:r>
-            <a:r>
-              <a:rPr lang="de-DE" sz="1800" b="0" strike="noStrike" spc="-1" dirty="0">
-                <a:solidFill>
-                  <a:srgbClr val="000000"/>
-                </a:solidFill>
-                <a:latin typeface="Bahnschrift SemiLight"/>
-                <a:ea typeface="Arial Unicode MS"/>
-              </a:rPr>
-              <a:t>, 4x4 usw. steht.</a:t>
-            </a:r>
-            <a:endParaRPr lang="de-DE" sz="1800" b="0" strike="noStrike" spc="-1" dirty="0">
-              <a:latin typeface="Arial"/>
-            </a:endParaRPr>
-          </a:p>
-          <a:p>
-            <a:pPr marL="285840" indent="-285840">
-              <a:lnSpc>
-                <a:spcPct val="100000"/>
-              </a:lnSpc>
-              <a:buClr>
-                <a:srgbClr val="000000"/>
-              </a:buClr>
-              <a:buFont typeface="Arial"/>
-              <a:buChar char="•"/>
-            </a:pPr>
-            <a:r>
-              <a:rPr lang="de-DE" sz="1800" b="0" strike="noStrike" spc="-1" dirty="0">
-                <a:solidFill>
-                  <a:srgbClr val="000000"/>
-                </a:solidFill>
-                <a:latin typeface="Bahnschrift SemiLight"/>
-                <a:ea typeface="Arial Unicode MS"/>
-              </a:rPr>
-              <a:t>Dies war auch der Fall bei </a:t>
-            </a:r>
-            <a:r>
-              <a:rPr lang="de-DE" sz="1800" b="0" strike="noStrike" spc="-1" dirty="0" err="1">
-                <a:solidFill>
-                  <a:srgbClr val="000000"/>
-                </a:solidFill>
-                <a:latin typeface="Bahnschrift SemiLight"/>
-                <a:ea typeface="Arial Unicode MS"/>
-              </a:rPr>
-              <a:t>sport</a:t>
-            </a:r>
-            <a:r>
-              <a:rPr lang="de-DE" sz="1800" b="0" strike="noStrike" spc="-1" dirty="0">
-                <a:solidFill>
-                  <a:srgbClr val="000000"/>
-                </a:solidFill>
-                <a:latin typeface="Bahnschrift SemiLight"/>
-                <a:ea typeface="Arial Unicode MS"/>
-              </a:rPr>
-              <a:t> bzw. 4x4 -&gt; neue Spalte erzeugt.</a:t>
-            </a:r>
-            <a:endParaRPr lang="de-DE" sz="1800" b="0" strike="noStrike" spc="-1" dirty="0">
-              <a:latin typeface="Arial"/>
-            </a:endParaRPr>
-          </a:p>
-          <a:p>
-            <a:pPr>
-              <a:lnSpc>
-                <a:spcPct val="100000"/>
-              </a:lnSpc>
-              <a:buNone/>
-            </a:pPr>
-            <a:endParaRPr lang="de-DE" sz="1800" b="0" strike="noStrike" spc="-1" dirty="0">
-              <a:latin typeface="Arial"/>
-            </a:endParaRPr>
-          </a:p>
-          <a:p>
-            <a:pPr>
-              <a:lnSpc>
-                <a:spcPct val="100000"/>
-              </a:lnSpc>
-              <a:buNone/>
-            </a:pPr>
-            <a:r>
-              <a:rPr lang="de-DE" sz="1800" b="1" strike="noStrike" spc="-1" dirty="0">
-                <a:solidFill>
-                  <a:srgbClr val="000000"/>
-                </a:solidFill>
-                <a:latin typeface="Bahnschrift SemiLight"/>
-                <a:ea typeface="Arial Unicode MS"/>
-              </a:rPr>
-              <a:t>Entfernung der Spalte „</a:t>
-            </a:r>
-            <a:r>
-              <a:rPr lang="de-DE" sz="1800" b="1" strike="noStrike" spc="-1" dirty="0" err="1">
-                <a:solidFill>
-                  <a:srgbClr val="000000"/>
-                </a:solidFill>
-                <a:latin typeface="Bahnschrift SemiLight"/>
-                <a:ea typeface="Arial Unicode MS"/>
-              </a:rPr>
-              <a:t>power_ps</a:t>
-            </a:r>
-            <a:r>
-              <a:rPr lang="de-DE" sz="1800" b="1" strike="noStrike" spc="-1" dirty="0">
-                <a:solidFill>
-                  <a:srgbClr val="000000"/>
-                </a:solidFill>
-                <a:latin typeface="Bahnschrift SemiLight"/>
-                <a:ea typeface="Arial Unicode MS"/>
-              </a:rPr>
-              <a:t>“</a:t>
-            </a:r>
-            <a:endParaRPr lang="de-DE" sz="1800" b="0" strike="noStrike" spc="-1" dirty="0">
-              <a:latin typeface="Arial"/>
-            </a:endParaRPr>
-          </a:p>
-          <a:p>
-            <a:pPr marL="285840" indent="-285840">
-              <a:lnSpc>
-                <a:spcPct val="100000"/>
-              </a:lnSpc>
-              <a:buClr>
-                <a:srgbClr val="000000"/>
-              </a:buClr>
-              <a:buFont typeface="Arial"/>
-              <a:buChar char="•"/>
-            </a:pPr>
-            <a:r>
-              <a:rPr lang="de-DE" sz="1800" b="0" strike="noStrike" spc="-1" dirty="0">
-                <a:solidFill>
-                  <a:srgbClr val="000000"/>
-                </a:solidFill>
-                <a:latin typeface="Bahnschrift SemiLight"/>
-                <a:ea typeface="Arial Unicode MS"/>
-              </a:rPr>
-              <a:t>Die Pferdestärke kann auch aus „</a:t>
-            </a:r>
-            <a:r>
-              <a:rPr lang="de-DE" sz="1800" b="0" strike="noStrike" spc="-1" dirty="0" err="1">
-                <a:solidFill>
-                  <a:srgbClr val="000000"/>
-                </a:solidFill>
-                <a:latin typeface="Bahnschrift SemiLight"/>
-                <a:ea typeface="Arial Unicode MS"/>
-              </a:rPr>
-              <a:t>power_kw</a:t>
-            </a:r>
-            <a:r>
-              <a:rPr lang="de-DE" sz="1800" b="0" strike="noStrike" spc="-1" dirty="0">
-                <a:solidFill>
-                  <a:srgbClr val="000000"/>
-                </a:solidFill>
-                <a:latin typeface="Bahnschrift SemiLight"/>
-                <a:ea typeface="Arial Unicode MS"/>
-              </a:rPr>
-              <a:t>“ durch Umwandlung gewonnen werden.</a:t>
-            </a:r>
-            <a:endParaRPr lang="de-DE" sz="1800" b="0" strike="noStrike" spc="-1" dirty="0">
-              <a:latin typeface="Arial"/>
-            </a:endParaRPr>
-          </a:p>
-          <a:p>
-            <a:pPr marL="285840" indent="-285840">
-              <a:lnSpc>
-                <a:spcPct val="100000"/>
-              </a:lnSpc>
-              <a:buClr>
-                <a:srgbClr val="000000"/>
-              </a:buClr>
-              <a:buFont typeface="Arial"/>
-              <a:buChar char="•"/>
-            </a:pPr>
-            <a:r>
-              <a:rPr lang="de-DE" sz="1800" b="0" strike="noStrike" spc="-1" dirty="0">
-                <a:solidFill>
-                  <a:srgbClr val="000000"/>
-                </a:solidFill>
-                <a:latin typeface="Bahnschrift SemiLight"/>
-                <a:ea typeface="Arial Unicode MS"/>
-              </a:rPr>
-              <a:t>Spalte ist daher überflüssig für die weitere Analyse.</a:t>
-            </a:r>
-            <a:endParaRPr lang="de-DE" sz="1800" b="0" strike="noStrike" spc="-1" dirty="0">
-              <a:latin typeface="Arial"/>
-            </a:endParaRPr>
-          </a:p>
-          <a:p>
-            <a:pPr>
-              <a:lnSpc>
-                <a:spcPct val="100000"/>
-              </a:lnSpc>
-              <a:buNone/>
-            </a:pPr>
-            <a:endParaRPr lang="de-DE" sz="1800" b="0" strike="noStrike" spc="-1" dirty="0">
-              <a:latin typeface="Arial"/>
-            </a:endParaRPr>
-          </a:p>
-          <a:p>
-            <a:pPr>
-              <a:lnSpc>
-                <a:spcPct val="100000"/>
-              </a:lnSpc>
-              <a:buNone/>
-            </a:pPr>
-            <a:endParaRPr lang="de-DE" sz="1800" b="0" strike="noStrike" spc="-1" dirty="0">
-              <a:latin typeface="Arial"/>
-            </a:endParaRPr>
-          </a:p>
-        </p:txBody>
-      </p:sp>
-    </p:spTree>
   </p:cSld>
   <p:clrMapOvr>
     <a:masterClrMapping/>

--- a/Präsentation_Vorlage.pptx
+++ b/Präsentation_Vorlage.pptx
@@ -21,21 +21,22 @@
     <p:sldId id="277" r:id="rId15"/>
     <p:sldId id="260" r:id="rId16"/>
     <p:sldId id="261" r:id="rId17"/>
-    <p:sldId id="262" r:id="rId18"/>
-    <p:sldId id="263" r:id="rId19"/>
-    <p:sldId id="264" r:id="rId20"/>
-    <p:sldId id="265" r:id="rId21"/>
-    <p:sldId id="266" r:id="rId22"/>
-    <p:sldId id="267" r:id="rId23"/>
-    <p:sldId id="268" r:id="rId24"/>
-    <p:sldId id="269" r:id="rId25"/>
-    <p:sldId id="270" r:id="rId26"/>
-    <p:sldId id="271" r:id="rId27"/>
-    <p:sldId id="272" r:id="rId28"/>
-    <p:sldId id="273" r:id="rId29"/>
-    <p:sldId id="274" r:id="rId30"/>
-    <p:sldId id="275" r:id="rId31"/>
-    <p:sldId id="276" r:id="rId32"/>
+    <p:sldId id="283" r:id="rId18"/>
+    <p:sldId id="262" r:id="rId19"/>
+    <p:sldId id="263" r:id="rId20"/>
+    <p:sldId id="264" r:id="rId21"/>
+    <p:sldId id="265" r:id="rId22"/>
+    <p:sldId id="266" r:id="rId23"/>
+    <p:sldId id="267" r:id="rId24"/>
+    <p:sldId id="268" r:id="rId25"/>
+    <p:sldId id="269" r:id="rId26"/>
+    <p:sldId id="270" r:id="rId27"/>
+    <p:sldId id="271" r:id="rId28"/>
+    <p:sldId id="272" r:id="rId29"/>
+    <p:sldId id="273" r:id="rId30"/>
+    <p:sldId id="274" r:id="rId31"/>
+    <p:sldId id="275" r:id="rId32"/>
+    <p:sldId id="276" r:id="rId33"/>
   </p:sldIdLst>
   <p:sldSz cx="12192000" cy="6858000"/>
   <p:notesSz cx="7559675" cy="10691813"/>
@@ -14969,6 +14970,393 @@
       </p:grpSpPr>
       <p:sp>
         <p:nvSpPr>
+          <p:cNvPr id="249" name="PlaceHolder 1"/>
+          <p:cNvSpPr>
+            <a:spLocks noGrp="1"/>
+          </p:cNvSpPr>
+          <p:nvPr>
+            <p:ph/>
+          </p:nvPr>
+        </p:nvSpPr>
+        <p:spPr>
+          <a:xfrm>
+            <a:off x="2063160" y="460440"/>
+            <a:ext cx="8064360" cy="644400"/>
+          </a:xfrm>
+          <a:prstGeom prst="rect">
+            <a:avLst/>
+          </a:prstGeom>
+          <a:noFill/>
+          <a:ln w="0">
+            <a:noFill/>
+          </a:ln>
+        </p:spPr>
+        <p:txBody>
+          <a:bodyPr lIns="90000" tIns="45000" rIns="90000" bIns="45000" anchor="ctr">
+            <a:normAutofit fontScale="80500" lnSpcReduction="20000"/>
+          </a:bodyPr>
+          <a:lstStyle/>
+          <a:p>
+            <a:pPr marL="204120">
+              <a:lnSpc>
+                <a:spcPct val="90000"/>
+              </a:lnSpc>
+              <a:spcBef>
+                <a:spcPts val="1001"/>
+              </a:spcBef>
+              <a:buNone/>
+              <a:tabLst>
+                <a:tab pos="0" algn="l"/>
+              </a:tabLst>
+            </a:pPr>
+            <a:r>
+              <a:rPr lang="de-DE" sz="5400" b="1" strike="noStrike" spc="-1">
+                <a:solidFill>
+                  <a:srgbClr val="FFFFFF"/>
+                </a:solidFill>
+                <a:latin typeface="CMU Serif"/>
+                <a:ea typeface="CMU Serif"/>
+              </a:rPr>
+              <a:t>Bereinigung der Daten 2</a:t>
+            </a:r>
+            <a:endParaRPr lang="de-DE" sz="5400" b="0" strike="noStrike" spc="-1">
+              <a:latin typeface="Arial"/>
+            </a:endParaRPr>
+          </a:p>
+        </p:txBody>
+      </p:sp>
+      <p:sp>
+        <p:nvSpPr>
+          <p:cNvPr id="250" name="Textfeld 2"/>
+          <p:cNvSpPr/>
+          <p:nvPr/>
+        </p:nvSpPr>
+        <p:spPr>
+          <a:xfrm>
+            <a:off x="550854" y="1538674"/>
+            <a:ext cx="9952200" cy="5076859"/>
+          </a:xfrm>
+          <a:prstGeom prst="rect">
+            <a:avLst/>
+          </a:prstGeom>
+          <a:noFill/>
+          <a:ln w="0">
+            <a:noFill/>
+          </a:ln>
+        </p:spPr>
+        <p:style>
+          <a:lnRef idx="0">
+            <a:scrgbClr r="0" g="0" b="0"/>
+          </a:lnRef>
+          <a:fillRef idx="0">
+            <a:scrgbClr r="0" g="0" b="0"/>
+          </a:fillRef>
+          <a:effectRef idx="0">
+            <a:scrgbClr r="0" g="0" b="0"/>
+          </a:effectRef>
+          <a:fontRef idx="minor"/>
+        </p:style>
+        <p:txBody>
+          <a:bodyPr lIns="90000" tIns="45000" rIns="90000" bIns="45000" anchor="t">
+            <a:spAutoFit/>
+          </a:bodyPr>
+          <a:lstStyle/>
+          <a:p>
+            <a:pPr marL="285840" indent="-285840">
+              <a:lnSpc>
+                <a:spcPct val="100000"/>
+              </a:lnSpc>
+              <a:buClr>
+                <a:srgbClr val="000000"/>
+              </a:buClr>
+              <a:buFont typeface="Arial"/>
+              <a:buChar char="•"/>
+            </a:pPr>
+            <a:r>
+              <a:rPr lang="de-DE" sz="1800" b="1" strike="noStrike" spc="-1" dirty="0">
+                <a:solidFill>
+                  <a:srgbClr val="000000"/>
+                </a:solidFill>
+                <a:latin typeface="Bahnschrift SemiLight"/>
+                <a:ea typeface="DejaVu Sans"/>
+              </a:rPr>
+              <a:t>Entfernung der Gebrauchtwagen älter als 2003</a:t>
+            </a:r>
+            <a:endParaRPr lang="de-DE" sz="1800" b="0" strike="noStrike" spc="-1" dirty="0">
+              <a:latin typeface="Arial"/>
+            </a:endParaRPr>
+          </a:p>
+          <a:p>
+            <a:pPr>
+              <a:lnSpc>
+                <a:spcPct val="100000"/>
+              </a:lnSpc>
+              <a:buNone/>
+            </a:pPr>
+            <a:endParaRPr lang="de-DE" sz="1800" b="0" strike="noStrike" spc="-1" dirty="0">
+              <a:latin typeface="Arial"/>
+            </a:endParaRPr>
+          </a:p>
+          <a:p>
+            <a:pPr>
+              <a:lnSpc>
+                <a:spcPct val="100000"/>
+              </a:lnSpc>
+              <a:buNone/>
+            </a:pPr>
+            <a:endParaRPr lang="de-DE" spc="-1" dirty="0">
+              <a:latin typeface="Arial"/>
+            </a:endParaRPr>
+          </a:p>
+          <a:p>
+            <a:pPr>
+              <a:lnSpc>
+                <a:spcPct val="100000"/>
+              </a:lnSpc>
+              <a:buNone/>
+            </a:pPr>
+            <a:endParaRPr lang="de-DE" sz="1800" b="0" strike="noStrike" spc="-1" dirty="0">
+              <a:latin typeface="Arial"/>
+            </a:endParaRPr>
+          </a:p>
+          <a:p>
+            <a:pPr>
+              <a:lnSpc>
+                <a:spcPct val="100000"/>
+              </a:lnSpc>
+              <a:buNone/>
+            </a:pPr>
+            <a:endParaRPr lang="de-DE" spc="-1" dirty="0">
+              <a:latin typeface="Arial"/>
+            </a:endParaRPr>
+          </a:p>
+          <a:p>
+            <a:pPr>
+              <a:lnSpc>
+                <a:spcPct val="100000"/>
+              </a:lnSpc>
+              <a:buNone/>
+            </a:pPr>
+            <a:endParaRPr lang="de-DE" sz="1800" b="0" strike="noStrike" spc="-1" dirty="0">
+              <a:latin typeface="Arial"/>
+            </a:endParaRPr>
+          </a:p>
+          <a:p>
+            <a:pPr>
+              <a:lnSpc>
+                <a:spcPct val="100000"/>
+              </a:lnSpc>
+              <a:buNone/>
+            </a:pPr>
+            <a:endParaRPr lang="de-DE" spc="-1" dirty="0">
+              <a:latin typeface="Arial"/>
+            </a:endParaRPr>
+          </a:p>
+          <a:p>
+            <a:pPr>
+              <a:lnSpc>
+                <a:spcPct val="100000"/>
+              </a:lnSpc>
+              <a:buNone/>
+            </a:pPr>
+            <a:endParaRPr lang="de-DE" sz="1800" b="0" strike="noStrike" spc="-1" dirty="0">
+              <a:latin typeface="Arial"/>
+            </a:endParaRPr>
+          </a:p>
+          <a:p>
+            <a:pPr>
+              <a:lnSpc>
+                <a:spcPct val="100000"/>
+              </a:lnSpc>
+              <a:buNone/>
+            </a:pPr>
+            <a:endParaRPr lang="de-DE" spc="-1" dirty="0">
+              <a:latin typeface="Arial"/>
+            </a:endParaRPr>
+          </a:p>
+          <a:p>
+            <a:pPr>
+              <a:lnSpc>
+                <a:spcPct val="100000"/>
+              </a:lnSpc>
+              <a:buNone/>
+            </a:pPr>
+            <a:endParaRPr lang="de-DE" sz="1800" b="0" strike="noStrike" spc="-1" dirty="0">
+              <a:latin typeface="Arial"/>
+            </a:endParaRPr>
+          </a:p>
+          <a:p>
+            <a:pPr>
+              <a:lnSpc>
+                <a:spcPct val="100000"/>
+              </a:lnSpc>
+              <a:buNone/>
+            </a:pPr>
+            <a:endParaRPr lang="de-DE" spc="-1" dirty="0">
+              <a:latin typeface="Arial"/>
+            </a:endParaRPr>
+          </a:p>
+          <a:p>
+            <a:pPr>
+              <a:lnSpc>
+                <a:spcPct val="100000"/>
+              </a:lnSpc>
+              <a:buNone/>
+            </a:pPr>
+            <a:endParaRPr lang="de-DE" sz="1800" b="0" strike="noStrike" spc="-1" dirty="0">
+              <a:latin typeface="Arial"/>
+            </a:endParaRPr>
+          </a:p>
+          <a:p>
+            <a:pPr>
+              <a:lnSpc>
+                <a:spcPct val="100000"/>
+              </a:lnSpc>
+              <a:buNone/>
+            </a:pPr>
+            <a:endParaRPr lang="de-DE" spc="-1" dirty="0">
+              <a:latin typeface="Arial"/>
+            </a:endParaRPr>
+          </a:p>
+          <a:p>
+            <a:pPr>
+              <a:lnSpc>
+                <a:spcPct val="100000"/>
+              </a:lnSpc>
+              <a:buNone/>
+            </a:pPr>
+            <a:endParaRPr lang="de-DE" spc="-1" dirty="0">
+              <a:latin typeface="Arial"/>
+            </a:endParaRPr>
+          </a:p>
+          <a:p>
+            <a:pPr>
+              <a:lnSpc>
+                <a:spcPct val="100000"/>
+              </a:lnSpc>
+              <a:buNone/>
+            </a:pPr>
+            <a:endParaRPr lang="de-DE" spc="-1" dirty="0">
+              <a:latin typeface="Arial"/>
+            </a:endParaRPr>
+          </a:p>
+          <a:p>
+            <a:pPr>
+              <a:lnSpc>
+                <a:spcPct val="100000"/>
+              </a:lnSpc>
+              <a:buNone/>
+            </a:pPr>
+            <a:endParaRPr lang="de-DE" sz="1800" b="0" strike="noStrike" spc="-1" dirty="0">
+              <a:latin typeface="Arial"/>
+            </a:endParaRPr>
+          </a:p>
+          <a:p>
+            <a:pPr marL="285840" indent="-285840">
+              <a:lnSpc>
+                <a:spcPct val="100000"/>
+              </a:lnSpc>
+              <a:buClr>
+                <a:srgbClr val="000000"/>
+              </a:buClr>
+              <a:buFont typeface="Arial"/>
+              <a:buChar char="•"/>
+            </a:pPr>
+            <a:r>
+              <a:rPr lang="de-DE" sz="1800" b="1" strike="noStrike" spc="-1" dirty="0">
+                <a:solidFill>
+                  <a:srgbClr val="000000"/>
+                </a:solidFill>
+                <a:latin typeface="Bahnschrift SemiLight"/>
+                <a:ea typeface="DejaVu Sans"/>
+              </a:rPr>
+              <a:t>Entfernung der Gebrauchtwagen deren Kilometerstand über 500.000 km liegt</a:t>
+            </a:r>
+            <a:endParaRPr lang="de-DE" sz="1800" b="0" strike="noStrike" spc="-1" dirty="0">
+              <a:latin typeface="Arial"/>
+            </a:endParaRPr>
+          </a:p>
+          <a:p>
+            <a:pPr>
+              <a:lnSpc>
+                <a:spcPct val="100000"/>
+              </a:lnSpc>
+              <a:buNone/>
+            </a:pPr>
+            <a:endParaRPr lang="de-DE" sz="1800" b="0" strike="noStrike" spc="-1" dirty="0">
+              <a:latin typeface="Arial"/>
+            </a:endParaRPr>
+          </a:p>
+        </p:txBody>
+      </p:sp>
+      <p:pic>
+        <p:nvPicPr>
+          <p:cNvPr id="10" name="Grafik 9">
+            <a:extLst>
+              <a:ext uri="{FF2B5EF4-FFF2-40B4-BE49-F238E27FC236}">
+                <a16:creationId xmlns:a16="http://schemas.microsoft.com/office/drawing/2014/main" id="{AA6A758B-574D-4198-8EE2-7B115F551652}"/>
+              </a:ext>
+            </a:extLst>
+          </p:cNvPr>
+          <p:cNvPicPr>
+            <a:picLocks noChangeAspect="1"/>
+          </p:cNvPicPr>
+          <p:nvPr/>
+        </p:nvPicPr>
+        <p:blipFill>
+          <a:blip r:embed="rId2">
+            <a:extLst>
+              <a:ext uri="{28A0092B-C50C-407E-A947-70E740481C1C}">
+                <a14:useLocalDpi xmlns:a14="http://schemas.microsoft.com/office/drawing/2010/main" val="0"/>
+              </a:ext>
+            </a:extLst>
+          </a:blip>
+          <a:stretch>
+            <a:fillRect/>
+          </a:stretch>
+        </p:blipFill>
+        <p:spPr>
+          <a:xfrm>
+            <a:off x="817588" y="2196787"/>
+            <a:ext cx="5813175" cy="3619813"/>
+          </a:xfrm>
+          <a:prstGeom prst="rect">
+            <a:avLst/>
+          </a:prstGeom>
+        </p:spPr>
+      </p:pic>
+    </p:spTree>
+    <p:extLst>
+      <p:ext uri="{BB962C8B-B14F-4D97-AF65-F5344CB8AC3E}">
+        <p14:creationId xmlns:p14="http://schemas.microsoft.com/office/powerpoint/2010/main" val="3453371363"/>
+      </p:ext>
+    </p:extLst>
+  </p:cSld>
+  <p:clrMapOvr>
+    <a:masterClrMapping/>
+  </p:clrMapOvr>
+</p:sld>
+</file>
+
+<file path=ppt/slides/slide13.xml><?xml version="1.0" encoding="utf-8"?>
+<p:sld xmlns:a="http://schemas.openxmlformats.org/drawingml/2006/main" xmlns:r="http://schemas.openxmlformats.org/officeDocument/2006/relationships" xmlns:p="http://schemas.openxmlformats.org/presentationml/2006/main">
+  <p:cSld>
+    <p:spTree>
+      <p:nvGrpSpPr>
+        <p:cNvPr id="1" name=""/>
+        <p:cNvGrpSpPr/>
+        <p:nvPr/>
+      </p:nvGrpSpPr>
+      <p:grpSpPr>
+        <a:xfrm>
+          <a:off x="0" y="0"/>
+          <a:ext cx="0" cy="0"/>
+          <a:chOff x="0" y="0"/>
+          <a:chExt cx="0" cy="0"/>
+        </a:xfrm>
+      </p:grpSpPr>
+      <p:sp>
+        <p:nvSpPr>
           <p:cNvPr id="252" name="PlaceHolder 1"/>
           <p:cNvSpPr>
             <a:spLocks noGrp="1"/>
@@ -15418,7 +15806,7 @@
 </p:sld>
 </file>
 
-<file path=ppt/slides/slide13.xml><?xml version="1.0" encoding="utf-8"?>
+<file path=ppt/slides/slide14.xml><?xml version="1.0" encoding="utf-8"?>
 <p:sld xmlns:a="http://schemas.openxmlformats.org/drawingml/2006/main" xmlns:r="http://schemas.openxmlformats.org/officeDocument/2006/relationships" xmlns:p="http://schemas.openxmlformats.org/presentationml/2006/main">
   <p:cSld>
     <p:spTree>
@@ -15608,171 +15996,6 @@
 </p:sld>
 </file>
 
-<file path=ppt/slides/slide14.xml><?xml version="1.0" encoding="utf-8"?>
-<p:sld xmlns:a="http://schemas.openxmlformats.org/drawingml/2006/main" xmlns:r="http://schemas.openxmlformats.org/officeDocument/2006/relationships" xmlns:p="http://schemas.openxmlformats.org/presentationml/2006/main">
-  <p:cSld>
-    <p:spTree>
-      <p:nvGrpSpPr>
-        <p:cNvPr id="1" name=""/>
-        <p:cNvGrpSpPr/>
-        <p:nvPr/>
-      </p:nvGrpSpPr>
-      <p:grpSpPr>
-        <a:xfrm>
-          <a:off x="0" y="0"/>
-          <a:ext cx="0" cy="0"/>
-          <a:chOff x="0" y="0"/>
-          <a:chExt cx="0" cy="0"/>
-        </a:xfrm>
-      </p:grpSpPr>
-      <p:sp>
-        <p:nvSpPr>
-          <p:cNvPr id="260" name="PlaceHolder 1"/>
-          <p:cNvSpPr>
-            <a:spLocks noGrp="1"/>
-          </p:cNvSpPr>
-          <p:nvPr>
-            <p:ph/>
-          </p:nvPr>
-        </p:nvSpPr>
-        <p:spPr>
-          <a:xfrm>
-            <a:off x="2063160" y="443520"/>
-            <a:ext cx="8064360" cy="644400"/>
-          </a:xfrm>
-          <a:prstGeom prst="rect">
-            <a:avLst/>
-          </a:prstGeom>
-          <a:noFill/>
-          <a:ln w="0">
-            <a:noFill/>
-          </a:ln>
-        </p:spPr>
-        <p:txBody>
-          <a:bodyPr lIns="90000" tIns="45000" rIns="90000" bIns="45000" anchor="ctr">
-            <a:noAutofit/>
-          </a:bodyPr>
-          <a:lstStyle/>
-          <a:p>
-            <a:pPr marL="228600">
-              <a:lnSpc>
-                <a:spcPct val="90000"/>
-              </a:lnSpc>
-              <a:spcBef>
-                <a:spcPts val="1001"/>
-              </a:spcBef>
-              <a:buNone/>
-              <a:tabLst>
-                <a:tab pos="0" algn="l"/>
-              </a:tabLst>
-            </a:pPr>
-            <a:r>
-              <a:rPr lang="de-DE" sz="4000" b="1" strike="noStrike" spc="-1">
-                <a:solidFill>
-                  <a:srgbClr val="FFFFFF"/>
-                </a:solidFill>
-                <a:latin typeface="CMU Serif"/>
-                <a:ea typeface="CMU Serif"/>
-              </a:rPr>
-              <a:t>Bereinigung der Daten 5</a:t>
-            </a:r>
-            <a:endParaRPr lang="de-DE" sz="4000" b="0" strike="noStrike" spc="-1">
-              <a:latin typeface="Arial"/>
-            </a:endParaRPr>
-          </a:p>
-        </p:txBody>
-      </p:sp>
-      <p:sp>
-        <p:nvSpPr>
-          <p:cNvPr id="261" name="Textfeld 2"/>
-          <p:cNvSpPr/>
-          <p:nvPr/>
-        </p:nvSpPr>
-        <p:spPr>
-          <a:xfrm>
-            <a:off x="585360" y="1483920"/>
-            <a:ext cx="9952200" cy="363960"/>
-          </a:xfrm>
-          <a:prstGeom prst="rect">
-            <a:avLst/>
-          </a:prstGeom>
-          <a:noFill/>
-          <a:ln w="0">
-            <a:noFill/>
-          </a:ln>
-        </p:spPr>
-        <p:style>
-          <a:lnRef idx="0">
-            <a:scrgbClr r="0" g="0" b="0"/>
-          </a:lnRef>
-          <a:fillRef idx="0">
-            <a:scrgbClr r="0" g="0" b="0"/>
-          </a:fillRef>
-          <a:effectRef idx="0">
-            <a:scrgbClr r="0" g="0" b="0"/>
-          </a:effectRef>
-          <a:fontRef idx="minor"/>
-        </p:style>
-        <p:txBody>
-          <a:bodyPr lIns="90000" tIns="45000" rIns="90000" bIns="45000" anchor="t">
-            <a:spAutoFit/>
-          </a:bodyPr>
-          <a:lstStyle/>
-          <a:p>
-            <a:pPr>
-              <a:lnSpc>
-                <a:spcPct val="100000"/>
-              </a:lnSpc>
-              <a:buNone/>
-            </a:pPr>
-            <a:r>
-              <a:rPr lang="de-DE" sz="1800" b="1" strike="noStrike" spc="-1">
-                <a:solidFill>
-                  <a:srgbClr val="000000"/>
-                </a:solidFill>
-                <a:latin typeface="Bahnschrift SemiLight"/>
-                <a:ea typeface="Arial Unicode MS"/>
-              </a:rPr>
-              <a:t>Zusammenfassung der Spalte Brand in 2 Kategorien</a:t>
-            </a:r>
-            <a:endParaRPr lang="de-DE" sz="1800" b="0" strike="noStrike" spc="-1">
-              <a:latin typeface="Arial"/>
-            </a:endParaRPr>
-          </a:p>
-        </p:txBody>
-      </p:sp>
-      <p:pic>
-        <p:nvPicPr>
-          <p:cNvPr id="262" name="Grafik 2" descr="Ein Bild, das Text, Diagramm, Screenshot, Reihe enthält.&#10;&#10;KI-generierte Inhalte können fehlerhaft sein."/>
-          <p:cNvPicPr/>
-          <p:nvPr/>
-        </p:nvPicPr>
-        <p:blipFill>
-          <a:blip r:embed="rId2"/>
-          <a:srcRect t="3740"/>
-          <a:stretch/>
-        </p:blipFill>
-        <p:spPr>
-          <a:xfrm>
-            <a:off x="1903680" y="1923840"/>
-            <a:ext cx="7315560" cy="4732560"/>
-          </a:xfrm>
-          <a:prstGeom prst="rect">
-            <a:avLst/>
-          </a:prstGeom>
-          <a:ln w="0">
-            <a:noFill/>
-          </a:ln>
-        </p:spPr>
-      </p:pic>
-    </p:spTree>
-  </p:cSld>
-  <p:clrMapOvr>
-    <a:masterClrMapping/>
-  </p:clrMapOvr>
-</p:sld>
-</file>
-
 <file path=ppt/slides/slide15.xml><?xml version="1.0" encoding="utf-8"?>
 <p:sld xmlns:a="http://schemas.openxmlformats.org/drawingml/2006/main" xmlns:r="http://schemas.openxmlformats.org/officeDocument/2006/relationships" xmlns:p="http://schemas.openxmlformats.org/presentationml/2006/main">
   <p:cSld>
@@ -15792,7 +16015,7 @@
       </p:grpSpPr>
       <p:sp>
         <p:nvSpPr>
-          <p:cNvPr id="263" name="PlaceHolder 1"/>
+          <p:cNvPr id="260" name="PlaceHolder 1"/>
           <p:cNvSpPr>
             <a:spLocks noGrp="1"/>
           </p:cNvSpPr>
@@ -15847,39 +16070,15 @@
           </a:p>
         </p:txBody>
       </p:sp>
-      <p:pic>
-        <p:nvPicPr>
-          <p:cNvPr id="264" name="Grafik 3" descr="Ein Bild, das Text, Diagramm, Reihe, parallel enthält.&#10;&#10;KI-generierte Inhalte können fehlerhaft sein."/>
-          <p:cNvPicPr/>
-          <p:nvPr/>
-        </p:nvPicPr>
-        <p:blipFill>
-          <a:blip r:embed="rId2"/>
-          <a:srcRect t="3595"/>
-          <a:stretch/>
-        </p:blipFill>
-        <p:spPr>
-          <a:xfrm>
-            <a:off x="2352600" y="1267920"/>
-            <a:ext cx="7485120" cy="4849560"/>
-          </a:xfrm>
-          <a:prstGeom prst="rect">
-            <a:avLst/>
-          </a:prstGeom>
-          <a:ln w="0">
-            <a:noFill/>
-          </a:ln>
-        </p:spPr>
-      </p:pic>
-      <p:sp>
-        <p:nvSpPr>
-          <p:cNvPr id="265" name="Textfeld 2"/>
+      <p:sp>
+        <p:nvSpPr>
+          <p:cNvPr id="261" name="Textfeld 2"/>
           <p:cNvSpPr/>
           <p:nvPr/>
         </p:nvSpPr>
         <p:spPr>
           <a:xfrm>
-            <a:off x="637200" y="6230520"/>
+            <a:off x="585360" y="1483920"/>
             <a:ext cx="9952200" cy="363960"/>
           </a:xfrm>
           <a:prstGeom prst="rect">
@@ -15915,21 +16114,45 @@
               <a:buNone/>
             </a:pPr>
             <a:r>
-              <a:rPr lang="de-DE" sz="1800" b="1" strike="noStrike" spc="-1" dirty="0">
+              <a:rPr lang="de-DE" sz="1800" b="1" strike="noStrike" spc="-1">
                 <a:solidFill>
                   <a:srgbClr val="000000"/>
                 </a:solidFill>
                 <a:latin typeface="Bahnschrift SemiLight"/>
                 <a:ea typeface="Arial Unicode MS"/>
               </a:rPr>
-              <a:t>Der Sprung beträgt ca. 7000 €</a:t>
+              <a:t>Zusammenfassung der Spalte Brand in 2 Kategorien</a:t>
             </a:r>
-            <a:endParaRPr lang="de-DE" sz="1800" b="0" strike="noStrike" spc="-1" dirty="0">
-              <a:latin typeface="Arial"/>
-            </a:endParaRPr>
-          </a:p>
-        </p:txBody>
-      </p:sp>
+            <a:endParaRPr lang="de-DE" sz="1800" b="0" strike="noStrike" spc="-1">
+              <a:latin typeface="Arial"/>
+            </a:endParaRPr>
+          </a:p>
+        </p:txBody>
+      </p:sp>
+      <p:pic>
+        <p:nvPicPr>
+          <p:cNvPr id="262" name="Grafik 2" descr="Ein Bild, das Text, Diagramm, Screenshot, Reihe enthält.&#10;&#10;KI-generierte Inhalte können fehlerhaft sein."/>
+          <p:cNvPicPr/>
+          <p:nvPr/>
+        </p:nvPicPr>
+        <p:blipFill>
+          <a:blip r:embed="rId2"/>
+          <a:srcRect t="3740"/>
+          <a:stretch/>
+        </p:blipFill>
+        <p:spPr>
+          <a:xfrm>
+            <a:off x="1903680" y="1923840"/>
+            <a:ext cx="7315560" cy="4732560"/>
+          </a:xfrm>
+          <a:prstGeom prst="rect">
+            <a:avLst/>
+          </a:prstGeom>
+          <a:ln w="0">
+            <a:noFill/>
+          </a:ln>
+        </p:spPr>
+      </p:pic>
     </p:spTree>
   </p:cSld>
   <p:clrMapOvr>
@@ -15957,7 +16180,7 @@
       </p:grpSpPr>
       <p:sp>
         <p:nvSpPr>
-          <p:cNvPr id="266" name="PlaceHolder 1"/>
+          <p:cNvPr id="263" name="PlaceHolder 1"/>
           <p:cNvSpPr>
             <a:spLocks noGrp="1"/>
           </p:cNvSpPr>
@@ -16012,16 +16235,40 @@
           </a:p>
         </p:txBody>
       </p:sp>
-      <p:sp>
-        <p:nvSpPr>
-          <p:cNvPr id="267" name="Textfeld 2"/>
+      <p:pic>
+        <p:nvPicPr>
+          <p:cNvPr id="264" name="Grafik 3" descr="Ein Bild, das Text, Diagramm, Reihe, parallel enthält.&#10;&#10;KI-generierte Inhalte können fehlerhaft sein."/>
+          <p:cNvPicPr/>
+          <p:nvPr/>
+        </p:nvPicPr>
+        <p:blipFill>
+          <a:blip r:embed="rId2"/>
+          <a:srcRect t="3595"/>
+          <a:stretch/>
+        </p:blipFill>
+        <p:spPr>
+          <a:xfrm>
+            <a:off x="2352600" y="1267920"/>
+            <a:ext cx="7485120" cy="4849560"/>
+          </a:xfrm>
+          <a:prstGeom prst="rect">
+            <a:avLst/>
+          </a:prstGeom>
+          <a:ln w="0">
+            <a:noFill/>
+          </a:ln>
+        </p:spPr>
+      </p:pic>
+      <p:sp>
+        <p:nvSpPr>
+          <p:cNvPr id="265" name="Textfeld 2"/>
           <p:cNvSpPr/>
           <p:nvPr/>
         </p:nvSpPr>
         <p:spPr>
           <a:xfrm>
-            <a:off x="628560" y="1512000"/>
-            <a:ext cx="9952200" cy="644877"/>
+            <a:off x="637200" y="6230520"/>
+            <a:ext cx="9952200" cy="363960"/>
           </a:xfrm>
           <a:prstGeom prst="rect">
             <a:avLst/>
@@ -16049,25 +16296,21 @@
           </a:bodyPr>
           <a:lstStyle/>
           <a:p>
-            <a:pPr marL="285840" indent="-285840">
+            <a:pPr>
               <a:lnSpc>
                 <a:spcPct val="100000"/>
               </a:lnSpc>
-              <a:buClr>
-                <a:srgbClr val="000000"/>
-              </a:buClr>
-              <a:buFont typeface="Arial"/>
-              <a:buChar char="•"/>
+              <a:buNone/>
             </a:pPr>
             <a:r>
-              <a:rPr lang="de-DE" sz="1800" b="0" strike="noStrike" spc="-1" dirty="0">
+              <a:rPr lang="de-DE" sz="1800" b="1" strike="noStrike" spc="-1" dirty="0">
                 <a:solidFill>
                   <a:srgbClr val="000000"/>
                 </a:solidFill>
                 <a:latin typeface="Bahnschrift SemiLight"/>
                 <a:ea typeface="Arial Unicode MS"/>
               </a:rPr>
-              <a:t>Klassifiziert man die Autos anhand dieses Sprungs, wird nochmal der Preisunterschied deutlich.</a:t>
+              <a:t>Der Sprung beträgt ca. 7000 €</a:t>
             </a:r>
             <a:endParaRPr lang="de-DE" sz="1800" b="0" strike="noStrike" spc="-1" dirty="0">
               <a:latin typeface="Arial"/>
@@ -16075,29 +16318,6 @@
           </a:p>
         </p:txBody>
       </p:sp>
-      <p:pic>
-        <p:nvPicPr>
-          <p:cNvPr id="268" name="Grafik 2" descr="Ein Bild, das Text, Screenshot, Diagramm, Rechteck enthält.&#10;&#10;KI-generierte Inhalte können fehlerhaft sein."/>
-          <p:cNvPicPr/>
-          <p:nvPr/>
-        </p:nvPicPr>
-        <p:blipFill>
-          <a:blip r:embed="rId2"/>
-          <a:stretch/>
-        </p:blipFill>
-        <p:spPr>
-          <a:xfrm>
-            <a:off x="3859380" y="2156877"/>
-            <a:ext cx="4471920" cy="4183920"/>
-          </a:xfrm>
-          <a:prstGeom prst="rect">
-            <a:avLst/>
-          </a:prstGeom>
-          <a:ln w="0">
-            <a:noFill/>
-          </a:ln>
-        </p:spPr>
-      </p:pic>
     </p:spTree>
   </p:cSld>
   <p:clrMapOvr>
@@ -16125,7 +16345,7 @@
       </p:grpSpPr>
       <p:sp>
         <p:nvSpPr>
-          <p:cNvPr id="269" name="PlaceHolder 1"/>
+          <p:cNvPr id="266" name="PlaceHolder 1"/>
           <p:cNvSpPr>
             <a:spLocks noGrp="1"/>
           </p:cNvSpPr>
@@ -16172,7 +16392,7 @@
                 <a:latin typeface="CMU Serif"/>
                 <a:ea typeface="CMU Serif"/>
               </a:rPr>
-              <a:t>Ergebnis</a:t>
+              <a:t>Bereinigung der Daten 5</a:t>
             </a:r>
             <a:endParaRPr lang="de-DE" sz="4000" b="0" strike="noStrike" spc="-1">
               <a:latin typeface="Arial"/>
@@ -16182,14 +16402,14 @@
       </p:sp>
       <p:sp>
         <p:nvSpPr>
-          <p:cNvPr id="270" name="Textfeld 2"/>
+          <p:cNvPr id="267" name="Textfeld 2"/>
           <p:cNvSpPr/>
           <p:nvPr/>
         </p:nvSpPr>
         <p:spPr>
           <a:xfrm>
-            <a:off x="628560" y="1451615"/>
-            <a:ext cx="9952200" cy="912600"/>
+            <a:off x="628560" y="1512000"/>
+            <a:ext cx="9952200" cy="644877"/>
           </a:xfrm>
           <a:prstGeom prst="rect">
             <a:avLst/>
@@ -16235,6 +16455,174 @@
                 <a:latin typeface="Bahnschrift SemiLight"/>
                 <a:ea typeface="Arial Unicode MS"/>
               </a:rPr>
+              <a:t>Klassifiziert man die Autos anhand dieses Sprungs, wird nochmal der Preisunterschied deutlich.</a:t>
+            </a:r>
+            <a:endParaRPr lang="de-DE" sz="1800" b="0" strike="noStrike" spc="-1" dirty="0">
+              <a:latin typeface="Arial"/>
+            </a:endParaRPr>
+          </a:p>
+        </p:txBody>
+      </p:sp>
+      <p:pic>
+        <p:nvPicPr>
+          <p:cNvPr id="268" name="Grafik 2" descr="Ein Bild, das Text, Screenshot, Diagramm, Rechteck enthält.&#10;&#10;KI-generierte Inhalte können fehlerhaft sein."/>
+          <p:cNvPicPr/>
+          <p:nvPr/>
+        </p:nvPicPr>
+        <p:blipFill>
+          <a:blip r:embed="rId2"/>
+          <a:stretch/>
+        </p:blipFill>
+        <p:spPr>
+          <a:xfrm>
+            <a:off x="3859380" y="2156877"/>
+            <a:ext cx="4471920" cy="4183920"/>
+          </a:xfrm>
+          <a:prstGeom prst="rect">
+            <a:avLst/>
+          </a:prstGeom>
+          <a:ln w="0">
+            <a:noFill/>
+          </a:ln>
+        </p:spPr>
+      </p:pic>
+    </p:spTree>
+  </p:cSld>
+  <p:clrMapOvr>
+    <a:masterClrMapping/>
+  </p:clrMapOvr>
+</p:sld>
+</file>
+
+<file path=ppt/slides/slide18.xml><?xml version="1.0" encoding="utf-8"?>
+<p:sld xmlns:a="http://schemas.openxmlformats.org/drawingml/2006/main" xmlns:r="http://schemas.openxmlformats.org/officeDocument/2006/relationships" xmlns:p="http://schemas.openxmlformats.org/presentationml/2006/main">
+  <p:cSld>
+    <p:spTree>
+      <p:nvGrpSpPr>
+        <p:cNvPr id="1" name=""/>
+        <p:cNvGrpSpPr/>
+        <p:nvPr/>
+      </p:nvGrpSpPr>
+      <p:grpSpPr>
+        <a:xfrm>
+          <a:off x="0" y="0"/>
+          <a:ext cx="0" cy="0"/>
+          <a:chOff x="0" y="0"/>
+          <a:chExt cx="0" cy="0"/>
+        </a:xfrm>
+      </p:grpSpPr>
+      <p:sp>
+        <p:nvSpPr>
+          <p:cNvPr id="269" name="PlaceHolder 1"/>
+          <p:cNvSpPr>
+            <a:spLocks noGrp="1"/>
+          </p:cNvSpPr>
+          <p:nvPr>
+            <p:ph/>
+          </p:nvPr>
+        </p:nvSpPr>
+        <p:spPr>
+          <a:xfrm>
+            <a:off x="2063160" y="443520"/>
+            <a:ext cx="8064360" cy="644400"/>
+          </a:xfrm>
+          <a:prstGeom prst="rect">
+            <a:avLst/>
+          </a:prstGeom>
+          <a:noFill/>
+          <a:ln w="0">
+            <a:noFill/>
+          </a:ln>
+        </p:spPr>
+        <p:txBody>
+          <a:bodyPr lIns="90000" tIns="45000" rIns="90000" bIns="45000" anchor="ctr">
+            <a:noAutofit/>
+          </a:bodyPr>
+          <a:lstStyle/>
+          <a:p>
+            <a:pPr marL="228600">
+              <a:lnSpc>
+                <a:spcPct val="90000"/>
+              </a:lnSpc>
+              <a:spcBef>
+                <a:spcPts val="1001"/>
+              </a:spcBef>
+              <a:buNone/>
+              <a:tabLst>
+                <a:tab pos="0" algn="l"/>
+              </a:tabLst>
+            </a:pPr>
+            <a:r>
+              <a:rPr lang="de-DE" sz="4000" b="1" strike="noStrike" spc="-1">
+                <a:solidFill>
+                  <a:srgbClr val="FFFFFF"/>
+                </a:solidFill>
+                <a:latin typeface="CMU Serif"/>
+                <a:ea typeface="CMU Serif"/>
+              </a:rPr>
+              <a:t>Ergebnis</a:t>
+            </a:r>
+            <a:endParaRPr lang="de-DE" sz="4000" b="0" strike="noStrike" spc="-1">
+              <a:latin typeface="Arial"/>
+            </a:endParaRPr>
+          </a:p>
+        </p:txBody>
+      </p:sp>
+      <p:sp>
+        <p:nvSpPr>
+          <p:cNvPr id="270" name="Textfeld 2"/>
+          <p:cNvSpPr/>
+          <p:nvPr/>
+        </p:nvSpPr>
+        <p:spPr>
+          <a:xfrm>
+            <a:off x="628560" y="1451615"/>
+            <a:ext cx="9952200" cy="912600"/>
+          </a:xfrm>
+          <a:prstGeom prst="rect">
+            <a:avLst/>
+          </a:prstGeom>
+          <a:noFill/>
+          <a:ln w="0">
+            <a:noFill/>
+          </a:ln>
+        </p:spPr>
+        <p:style>
+          <a:lnRef idx="0">
+            <a:scrgbClr r="0" g="0" b="0"/>
+          </a:lnRef>
+          <a:fillRef idx="0">
+            <a:scrgbClr r="0" g="0" b="0"/>
+          </a:fillRef>
+          <a:effectRef idx="0">
+            <a:scrgbClr r="0" g="0" b="0"/>
+          </a:effectRef>
+          <a:fontRef idx="minor"/>
+        </p:style>
+        <p:txBody>
+          <a:bodyPr lIns="90000" tIns="45000" rIns="90000" bIns="45000" anchor="t">
+            <a:spAutoFit/>
+          </a:bodyPr>
+          <a:lstStyle/>
+          <a:p>
+            <a:pPr marL="285840" indent="-285840">
+              <a:lnSpc>
+                <a:spcPct val="100000"/>
+              </a:lnSpc>
+              <a:buClr>
+                <a:srgbClr val="000000"/>
+              </a:buClr>
+              <a:buFont typeface="Arial"/>
+              <a:buChar char="•"/>
+            </a:pPr>
+            <a:r>
+              <a:rPr lang="de-DE" sz="1800" b="0" strike="noStrike" spc="-1" dirty="0">
+                <a:solidFill>
+                  <a:srgbClr val="000000"/>
+                </a:solidFill>
+                <a:latin typeface="Bahnschrift SemiLight"/>
+                <a:ea typeface="Arial Unicode MS"/>
+              </a:rPr>
               <a:t>Durch unsere Analyse und Bereinigung haben wir:</a:t>
             </a:r>
             <a:endParaRPr lang="de-DE" sz="1800" b="0" strike="noStrike" spc="-1" dirty="0">
@@ -16293,7 +16681,7 @@
 </p:sld>
 </file>
 
-<file path=ppt/slides/slide18.xml><?xml version="1.0" encoding="utf-8"?>
+<file path=ppt/slides/slide19.xml><?xml version="1.0" encoding="utf-8"?>
 <p:sld xmlns:a="http://schemas.openxmlformats.org/drawingml/2006/main" xmlns:r="http://schemas.openxmlformats.org/officeDocument/2006/relationships" xmlns:p="http://schemas.openxmlformats.org/presentationml/2006/main">
   <p:cSld>
     <p:spTree>
@@ -16731,422 +17119,6 @@
 </p:sld>
 </file>
 
-<file path=ppt/slides/slide19.xml><?xml version="1.0" encoding="utf-8"?>
-<p:sld xmlns:a="http://schemas.openxmlformats.org/drawingml/2006/main" xmlns:r="http://schemas.openxmlformats.org/officeDocument/2006/relationships" xmlns:p="http://schemas.openxmlformats.org/presentationml/2006/main">
-  <p:cSld>
-    <p:spTree>
-      <p:nvGrpSpPr>
-        <p:cNvPr id="1" name=""/>
-        <p:cNvGrpSpPr/>
-        <p:nvPr/>
-      </p:nvGrpSpPr>
-      <p:grpSpPr>
-        <a:xfrm>
-          <a:off x="0" y="0"/>
-          <a:ext cx="0" cy="0"/>
-          <a:chOff x="0" y="0"/>
-          <a:chExt cx="0" cy="0"/>
-        </a:xfrm>
-      </p:grpSpPr>
-      <p:sp>
-        <p:nvSpPr>
-          <p:cNvPr id="274" name="PlaceHolder 1"/>
-          <p:cNvSpPr>
-            <a:spLocks noGrp="1"/>
-          </p:cNvSpPr>
-          <p:nvPr>
-            <p:ph/>
-          </p:nvPr>
-        </p:nvSpPr>
-        <p:spPr>
-          <a:xfrm>
-            <a:off x="2063160" y="443520"/>
-            <a:ext cx="8064360" cy="644400"/>
-          </a:xfrm>
-          <a:prstGeom prst="rect">
-            <a:avLst/>
-          </a:prstGeom>
-          <a:noFill/>
-          <a:ln w="0">
-            <a:noFill/>
-          </a:ln>
-        </p:spPr>
-        <p:txBody>
-          <a:bodyPr lIns="90000" tIns="45000" rIns="90000" bIns="45000" anchor="ctr">
-            <a:noAutofit/>
-          </a:bodyPr>
-          <a:lstStyle/>
-          <a:p>
-            <a:pPr marL="228600">
-              <a:lnSpc>
-                <a:spcPct val="90000"/>
-              </a:lnSpc>
-              <a:spcBef>
-                <a:spcPts val="1001"/>
-              </a:spcBef>
-              <a:buNone/>
-              <a:tabLst>
-                <a:tab pos="0" algn="l"/>
-              </a:tabLst>
-            </a:pPr>
-            <a:r>
-              <a:rPr lang="de-DE" sz="4000" b="1" strike="noStrike" spc="-1">
-                <a:solidFill>
-                  <a:srgbClr val="FFFFFF"/>
-                </a:solidFill>
-                <a:latin typeface="CMU Serif"/>
-                <a:ea typeface="CMU Serif"/>
-              </a:rPr>
-              <a:t>Support Vector Machines</a:t>
-            </a:r>
-            <a:endParaRPr lang="de-DE" sz="4000" b="0" strike="noStrike" spc="-1">
-              <a:latin typeface="Arial"/>
-            </a:endParaRPr>
-          </a:p>
-        </p:txBody>
-      </p:sp>
-      <p:sp>
-        <p:nvSpPr>
-          <p:cNvPr id="275" name="Textfeld 3"/>
-          <p:cNvSpPr/>
-          <p:nvPr/>
-        </p:nvSpPr>
-        <p:spPr>
-          <a:xfrm>
-            <a:off x="628560" y="1512000"/>
-            <a:ext cx="9952200" cy="3655800"/>
-          </a:xfrm>
-          <a:prstGeom prst="rect">
-            <a:avLst/>
-          </a:prstGeom>
-          <a:noFill/>
-          <a:ln w="0">
-            <a:noFill/>
-          </a:ln>
-        </p:spPr>
-        <p:style>
-          <a:lnRef idx="0">
-            <a:scrgbClr r="0" g="0" b="0"/>
-          </a:lnRef>
-          <a:fillRef idx="0">
-            <a:scrgbClr r="0" g="0" b="0"/>
-          </a:fillRef>
-          <a:effectRef idx="0">
-            <a:scrgbClr r="0" g="0" b="0"/>
-          </a:effectRef>
-          <a:fontRef idx="minor"/>
-        </p:style>
-        <p:txBody>
-          <a:bodyPr lIns="90000" tIns="45000" rIns="90000" bIns="45000" anchor="t">
-            <a:spAutoFit/>
-          </a:bodyPr>
-          <a:lstStyle/>
-          <a:p>
-            <a:pPr marL="285840" indent="-285840">
-              <a:lnSpc>
-                <a:spcPct val="100000"/>
-              </a:lnSpc>
-              <a:buClr>
-                <a:srgbClr val="000000"/>
-              </a:buClr>
-              <a:buFont typeface="Arial"/>
-              <a:buChar char="•"/>
-            </a:pPr>
-            <a:r>
-              <a:rPr lang="de-DE" sz="1800" b="0" strike="noStrike" spc="-1">
-                <a:solidFill>
-                  <a:srgbClr val="000000"/>
-                </a:solidFill>
-                <a:latin typeface="Bahnschrift SemiLight"/>
-                <a:ea typeface="Arial Unicode MS"/>
-              </a:rPr>
-              <a:t>Training der SVM auf train_val-Datensatz</a:t>
-            </a:r>
-            <a:endParaRPr lang="de-DE" sz="1800" b="0" strike="noStrike" spc="-1">
-              <a:latin typeface="Arial"/>
-            </a:endParaRPr>
-          </a:p>
-          <a:p>
-            <a:pPr marL="285840" indent="-285840">
-              <a:lnSpc>
-                <a:spcPct val="100000"/>
-              </a:lnSpc>
-              <a:buClr>
-                <a:srgbClr val="000000"/>
-              </a:buClr>
-              <a:buFont typeface="Arial"/>
-              <a:buChar char="•"/>
-            </a:pPr>
-            <a:r>
-              <a:rPr lang="de-DE" sz="1800" b="0" strike="noStrike" spc="-1">
-                <a:solidFill>
-                  <a:srgbClr val="000000"/>
-                </a:solidFill>
-                <a:latin typeface="Bahnschrift SemiLight"/>
-                <a:ea typeface="Arial Unicode MS"/>
-              </a:rPr>
-              <a:t>Erstes Ausführen mit Kreuzvalidierung war sehr langsam, weshalb wir eine andere Library verwendet haben, um Multithreading nutzen zu können</a:t>
-            </a:r>
-            <a:endParaRPr lang="de-DE" sz="1800" b="0" strike="noStrike" spc="-1">
-              <a:latin typeface="Arial"/>
-            </a:endParaRPr>
-          </a:p>
-          <a:p>
-            <a:pPr marL="285840" indent="-285840">
-              <a:lnSpc>
-                <a:spcPct val="100000"/>
-              </a:lnSpc>
-              <a:buClr>
-                <a:srgbClr val="000000"/>
-              </a:buClr>
-              <a:buFont typeface="Arial"/>
-              <a:buChar char="•"/>
-            </a:pPr>
-            <a:r>
-              <a:rPr lang="de-DE" sz="1800" b="0" strike="noStrike" spc="-1">
-                <a:solidFill>
-                  <a:srgbClr val="000000"/>
-                </a:solidFill>
-                <a:latin typeface="Bahnschrift SemiLight"/>
-                <a:ea typeface="Arial Unicode MS"/>
-              </a:rPr>
-              <a:t>Nach einigen Stunden Training, kamen als die optimalen Parameter:</a:t>
-            </a:r>
-            <a:endParaRPr lang="de-DE" sz="1800" b="0" strike="noStrike" spc="-1">
-              <a:latin typeface="Arial"/>
-            </a:endParaRPr>
-          </a:p>
-          <a:p>
-            <a:pPr marL="432000" lvl="1" indent="-216000">
-              <a:lnSpc>
-                <a:spcPct val="100000"/>
-              </a:lnSpc>
-              <a:buClr>
-                <a:srgbClr val="000000"/>
-              </a:buClr>
-              <a:buSzPct val="45000"/>
-              <a:buFont typeface="Wingdings" charset="2"/>
-              <a:buChar char=""/>
-            </a:pPr>
-            <a:r>
-              <a:rPr lang="de-DE" sz="1800" b="0" strike="noStrike" spc="-1">
-                <a:solidFill>
-                  <a:srgbClr val="000000"/>
-                </a:solidFill>
-                <a:latin typeface="Bahnschrift SemiLight"/>
-                <a:ea typeface="Arial Unicode MS"/>
-              </a:rPr>
-              <a:t>Sigma: 5</a:t>
-            </a:r>
-            <a:endParaRPr lang="de-DE" sz="1800" b="0" strike="noStrike" spc="-1">
-              <a:latin typeface="Arial"/>
-            </a:endParaRPr>
-          </a:p>
-          <a:p>
-            <a:pPr marL="432000" lvl="1" indent="-216000">
-              <a:lnSpc>
-                <a:spcPct val="100000"/>
-              </a:lnSpc>
-              <a:buClr>
-                <a:srgbClr val="000000"/>
-              </a:buClr>
-              <a:buSzPct val="45000"/>
-              <a:buFont typeface="Wingdings" charset="2"/>
-              <a:buChar char=""/>
-            </a:pPr>
-            <a:r>
-              <a:rPr lang="de-DE" sz="1800" b="0" strike="noStrike" spc="-1">
-                <a:solidFill>
-                  <a:srgbClr val="000000"/>
-                </a:solidFill>
-                <a:latin typeface="Bahnschrift SemiLight"/>
-                <a:ea typeface="Arial Unicode MS"/>
-              </a:rPr>
-              <a:t>C: 2</a:t>
-            </a:r>
-            <a:endParaRPr lang="de-DE" sz="1800" b="0" strike="noStrike" spc="-1">
-              <a:latin typeface="Arial"/>
-            </a:endParaRPr>
-          </a:p>
-          <a:p>
-            <a:pPr marL="285840" indent="-285840">
-              <a:lnSpc>
-                <a:spcPct val="100000"/>
-              </a:lnSpc>
-              <a:buClr>
-                <a:srgbClr val="000000"/>
-              </a:buClr>
-              <a:buFont typeface="Arial"/>
-              <a:buChar char="•"/>
-            </a:pPr>
-            <a:r>
-              <a:rPr lang="de-DE" sz="1800" b="0" strike="noStrike" spc="-1">
-                <a:solidFill>
-                  <a:srgbClr val="000000"/>
-                </a:solidFill>
-                <a:latin typeface="Bahnschrift SemiLight"/>
-                <a:ea typeface="Arial Unicode MS"/>
-              </a:rPr>
-              <a:t>==&gt; C ist in der mittleren Range, aber Sigma (hat mehr Potential TODO)</a:t>
-            </a:r>
-            <a:endParaRPr lang="de-DE" sz="1800" b="0" strike="noStrike" spc="-1">
-              <a:latin typeface="Arial"/>
-            </a:endParaRPr>
-          </a:p>
-          <a:p>
-            <a:pPr marL="432000" lvl="1" indent="-216000">
-              <a:lnSpc>
-                <a:spcPct val="100000"/>
-              </a:lnSpc>
-              <a:buClr>
-                <a:srgbClr val="000000"/>
-              </a:buClr>
-              <a:buSzPct val="45000"/>
-              <a:buFont typeface="Wingdings" charset="2"/>
-              <a:buChar char=""/>
-            </a:pPr>
-            <a:r>
-              <a:rPr lang="de-DE" sz="1800" b="0" strike="noStrike" spc="-1">
-                <a:solidFill>
-                  <a:srgbClr val="000000"/>
-                </a:solidFill>
-                <a:latin typeface="Bahnschrift SemiLight"/>
-                <a:ea typeface="Arial Unicode MS"/>
-              </a:rPr>
-              <a:t>Mit MAE: 3082.514</a:t>
-            </a:r>
-            <a:endParaRPr lang="de-DE" sz="1800" b="0" strike="noStrike" spc="-1">
-              <a:latin typeface="Arial"/>
-            </a:endParaRPr>
-          </a:p>
-          <a:p>
-            <a:pPr marL="432000" lvl="1" indent="-216000">
-              <a:lnSpc>
-                <a:spcPct val="100000"/>
-              </a:lnSpc>
-              <a:buClr>
-                <a:srgbClr val="000000"/>
-              </a:buClr>
-              <a:buSzPct val="45000"/>
-              <a:buFont typeface="Wingdings" charset="2"/>
-              <a:buChar char=""/>
-            </a:pPr>
-            <a:endParaRPr lang="de-DE" sz="1800" b="0" strike="noStrike" spc="-1">
-              <a:latin typeface="Arial"/>
-            </a:endParaRPr>
-          </a:p>
-          <a:p>
-            <a:pPr marL="285840" indent="-285840">
-              <a:lnSpc>
-                <a:spcPct val="100000"/>
-              </a:lnSpc>
-              <a:buClr>
-                <a:srgbClr val="000000"/>
-              </a:buClr>
-              <a:buFont typeface="Arial"/>
-              <a:buChar char="•"/>
-            </a:pPr>
-            <a:r>
-              <a:rPr lang="de-DE" sz="1800" b="0" strike="noStrike" spc="-1">
-                <a:solidFill>
-                  <a:srgbClr val="000000"/>
-                </a:solidFill>
-                <a:latin typeface="Bahnschrift SemiLight"/>
-                <a:ea typeface="Arial Unicode MS"/>
-              </a:rPr>
-              <a:t>Deshalb wurde nochmals trainiert mit angepasstem Tuning</a:t>
-            </a:r>
-            <a:endParaRPr lang="de-DE" sz="1800" b="0" strike="noStrike" spc="-1">
-              <a:latin typeface="Arial"/>
-            </a:endParaRPr>
-          </a:p>
-          <a:p>
-            <a:pPr marL="285840" indent="-285840">
-              <a:lnSpc>
-                <a:spcPct val="100000"/>
-              </a:lnSpc>
-              <a:buClr>
-                <a:srgbClr val="000000"/>
-              </a:buClr>
-              <a:buFont typeface="Arial"/>
-              <a:buChar char="•"/>
-            </a:pPr>
-            <a:r>
-              <a:rPr lang="de-DE" sz="1800" b="0" strike="noStrike" spc="-1">
-                <a:solidFill>
-                  <a:srgbClr val="000000"/>
-                </a:solidFill>
-                <a:latin typeface="Bahnschrift SemiLight"/>
-                <a:ea typeface="Arial Unicode MS"/>
-              </a:rPr>
-              <a:t>Ergebnis:</a:t>
-            </a:r>
-            <a:endParaRPr lang="de-DE" sz="1800" b="0" strike="noStrike" spc="-1">
-              <a:latin typeface="Arial"/>
-            </a:endParaRPr>
-          </a:p>
-          <a:p>
-            <a:pPr marL="432000" lvl="1" indent="-216000">
-              <a:lnSpc>
-                <a:spcPct val="100000"/>
-              </a:lnSpc>
-              <a:buClr>
-                <a:srgbClr val="000000"/>
-              </a:buClr>
-              <a:buSzPct val="45000"/>
-              <a:buFont typeface="Wingdings" charset="2"/>
-              <a:buChar char=""/>
-            </a:pPr>
-            <a:r>
-              <a:rPr lang="de-DE" sz="1800" b="0" strike="noStrike" spc="-1">
-                <a:solidFill>
-                  <a:srgbClr val="000000"/>
-                </a:solidFill>
-                <a:latin typeface="Bahnschrift SemiLight"/>
-                <a:ea typeface="Arial Unicode MS"/>
-              </a:rPr>
-              <a:t>Tuning nur minimale Auswirkungen auf MAE: 3076.228 </a:t>
-            </a:r>
-            <a:endParaRPr lang="de-DE" sz="1800" b="0" strike="noStrike" spc="-1">
-              <a:latin typeface="Arial"/>
-            </a:endParaRPr>
-          </a:p>
-          <a:p>
-            <a:pPr marL="432000" lvl="1" indent="-216000">
-              <a:lnSpc>
-                <a:spcPct val="100000"/>
-              </a:lnSpc>
-              <a:buClr>
-                <a:srgbClr val="000000"/>
-              </a:buClr>
-              <a:buSzPct val="45000"/>
-              <a:buFont typeface="Wingdings" charset="2"/>
-              <a:buChar char=""/>
-            </a:pPr>
-            <a:r>
-              <a:rPr lang="de-DE" sz="1800" b="0" strike="noStrike" spc="-1">
-                <a:solidFill>
-                  <a:srgbClr val="000000"/>
-                </a:solidFill>
-                <a:latin typeface="Bahnschrift SemiLight"/>
-                <a:ea typeface="Arial Unicode MS"/>
-              </a:rPr>
-              <a:t> </a:t>
-            </a:r>
-            <a:endParaRPr lang="de-DE" sz="1800" b="0" strike="noStrike" spc="-1">
-              <a:latin typeface="Arial"/>
-            </a:endParaRPr>
-          </a:p>
-        </p:txBody>
-      </p:sp>
-    </p:spTree>
-  </p:cSld>
-  <p:clrMapOvr>
-    <a:masterClrMapping/>
-  </p:clrMapOvr>
-</p:sld>
-</file>
-
 <file path=ppt/slides/slide2.xml><?xml version="1.0" encoding="utf-8"?>
 <p:sld xmlns:a="http://schemas.openxmlformats.org/drawingml/2006/main" xmlns:r="http://schemas.openxmlformats.org/officeDocument/2006/relationships" xmlns:p="http://schemas.openxmlformats.org/presentationml/2006/main">
   <p:cSld>
@@ -17428,6 +17400,422 @@
 </file>
 
 <file path=ppt/slides/slide20.xml><?xml version="1.0" encoding="utf-8"?>
+<p:sld xmlns:a="http://schemas.openxmlformats.org/drawingml/2006/main" xmlns:r="http://schemas.openxmlformats.org/officeDocument/2006/relationships" xmlns:p="http://schemas.openxmlformats.org/presentationml/2006/main">
+  <p:cSld>
+    <p:spTree>
+      <p:nvGrpSpPr>
+        <p:cNvPr id="1" name=""/>
+        <p:cNvGrpSpPr/>
+        <p:nvPr/>
+      </p:nvGrpSpPr>
+      <p:grpSpPr>
+        <a:xfrm>
+          <a:off x="0" y="0"/>
+          <a:ext cx="0" cy="0"/>
+          <a:chOff x="0" y="0"/>
+          <a:chExt cx="0" cy="0"/>
+        </a:xfrm>
+      </p:grpSpPr>
+      <p:sp>
+        <p:nvSpPr>
+          <p:cNvPr id="274" name="PlaceHolder 1"/>
+          <p:cNvSpPr>
+            <a:spLocks noGrp="1"/>
+          </p:cNvSpPr>
+          <p:nvPr>
+            <p:ph/>
+          </p:nvPr>
+        </p:nvSpPr>
+        <p:spPr>
+          <a:xfrm>
+            <a:off x="2063160" y="443520"/>
+            <a:ext cx="8064360" cy="644400"/>
+          </a:xfrm>
+          <a:prstGeom prst="rect">
+            <a:avLst/>
+          </a:prstGeom>
+          <a:noFill/>
+          <a:ln w="0">
+            <a:noFill/>
+          </a:ln>
+        </p:spPr>
+        <p:txBody>
+          <a:bodyPr lIns="90000" tIns="45000" rIns="90000" bIns="45000" anchor="ctr">
+            <a:noAutofit/>
+          </a:bodyPr>
+          <a:lstStyle/>
+          <a:p>
+            <a:pPr marL="228600">
+              <a:lnSpc>
+                <a:spcPct val="90000"/>
+              </a:lnSpc>
+              <a:spcBef>
+                <a:spcPts val="1001"/>
+              </a:spcBef>
+              <a:buNone/>
+              <a:tabLst>
+                <a:tab pos="0" algn="l"/>
+              </a:tabLst>
+            </a:pPr>
+            <a:r>
+              <a:rPr lang="de-DE" sz="4000" b="1" strike="noStrike" spc="-1">
+                <a:solidFill>
+                  <a:srgbClr val="FFFFFF"/>
+                </a:solidFill>
+                <a:latin typeface="CMU Serif"/>
+                <a:ea typeface="CMU Serif"/>
+              </a:rPr>
+              <a:t>Support Vector Machines</a:t>
+            </a:r>
+            <a:endParaRPr lang="de-DE" sz="4000" b="0" strike="noStrike" spc="-1">
+              <a:latin typeface="Arial"/>
+            </a:endParaRPr>
+          </a:p>
+        </p:txBody>
+      </p:sp>
+      <p:sp>
+        <p:nvSpPr>
+          <p:cNvPr id="275" name="Textfeld 3"/>
+          <p:cNvSpPr/>
+          <p:nvPr/>
+        </p:nvSpPr>
+        <p:spPr>
+          <a:xfrm>
+            <a:off x="628560" y="1512000"/>
+            <a:ext cx="9952200" cy="3655800"/>
+          </a:xfrm>
+          <a:prstGeom prst="rect">
+            <a:avLst/>
+          </a:prstGeom>
+          <a:noFill/>
+          <a:ln w="0">
+            <a:noFill/>
+          </a:ln>
+        </p:spPr>
+        <p:style>
+          <a:lnRef idx="0">
+            <a:scrgbClr r="0" g="0" b="0"/>
+          </a:lnRef>
+          <a:fillRef idx="0">
+            <a:scrgbClr r="0" g="0" b="0"/>
+          </a:fillRef>
+          <a:effectRef idx="0">
+            <a:scrgbClr r="0" g="0" b="0"/>
+          </a:effectRef>
+          <a:fontRef idx="minor"/>
+        </p:style>
+        <p:txBody>
+          <a:bodyPr lIns="90000" tIns="45000" rIns="90000" bIns="45000" anchor="t">
+            <a:spAutoFit/>
+          </a:bodyPr>
+          <a:lstStyle/>
+          <a:p>
+            <a:pPr marL="285840" indent="-285840">
+              <a:lnSpc>
+                <a:spcPct val="100000"/>
+              </a:lnSpc>
+              <a:buClr>
+                <a:srgbClr val="000000"/>
+              </a:buClr>
+              <a:buFont typeface="Arial"/>
+              <a:buChar char="•"/>
+            </a:pPr>
+            <a:r>
+              <a:rPr lang="de-DE" sz="1800" b="0" strike="noStrike" spc="-1">
+                <a:solidFill>
+                  <a:srgbClr val="000000"/>
+                </a:solidFill>
+                <a:latin typeface="Bahnschrift SemiLight"/>
+                <a:ea typeface="Arial Unicode MS"/>
+              </a:rPr>
+              <a:t>Training der SVM auf train_val-Datensatz</a:t>
+            </a:r>
+            <a:endParaRPr lang="de-DE" sz="1800" b="0" strike="noStrike" spc="-1">
+              <a:latin typeface="Arial"/>
+            </a:endParaRPr>
+          </a:p>
+          <a:p>
+            <a:pPr marL="285840" indent="-285840">
+              <a:lnSpc>
+                <a:spcPct val="100000"/>
+              </a:lnSpc>
+              <a:buClr>
+                <a:srgbClr val="000000"/>
+              </a:buClr>
+              <a:buFont typeface="Arial"/>
+              <a:buChar char="•"/>
+            </a:pPr>
+            <a:r>
+              <a:rPr lang="de-DE" sz="1800" b="0" strike="noStrike" spc="-1">
+                <a:solidFill>
+                  <a:srgbClr val="000000"/>
+                </a:solidFill>
+                <a:latin typeface="Bahnschrift SemiLight"/>
+                <a:ea typeface="Arial Unicode MS"/>
+              </a:rPr>
+              <a:t>Erstes Ausführen mit Kreuzvalidierung war sehr langsam, weshalb wir eine andere Library verwendet haben, um Multithreading nutzen zu können</a:t>
+            </a:r>
+            <a:endParaRPr lang="de-DE" sz="1800" b="0" strike="noStrike" spc="-1">
+              <a:latin typeface="Arial"/>
+            </a:endParaRPr>
+          </a:p>
+          <a:p>
+            <a:pPr marL="285840" indent="-285840">
+              <a:lnSpc>
+                <a:spcPct val="100000"/>
+              </a:lnSpc>
+              <a:buClr>
+                <a:srgbClr val="000000"/>
+              </a:buClr>
+              <a:buFont typeface="Arial"/>
+              <a:buChar char="•"/>
+            </a:pPr>
+            <a:r>
+              <a:rPr lang="de-DE" sz="1800" b="0" strike="noStrike" spc="-1">
+                <a:solidFill>
+                  <a:srgbClr val="000000"/>
+                </a:solidFill>
+                <a:latin typeface="Bahnschrift SemiLight"/>
+                <a:ea typeface="Arial Unicode MS"/>
+              </a:rPr>
+              <a:t>Nach einigen Stunden Training, kamen als die optimalen Parameter:</a:t>
+            </a:r>
+            <a:endParaRPr lang="de-DE" sz="1800" b="0" strike="noStrike" spc="-1">
+              <a:latin typeface="Arial"/>
+            </a:endParaRPr>
+          </a:p>
+          <a:p>
+            <a:pPr marL="432000" lvl="1" indent="-216000">
+              <a:lnSpc>
+                <a:spcPct val="100000"/>
+              </a:lnSpc>
+              <a:buClr>
+                <a:srgbClr val="000000"/>
+              </a:buClr>
+              <a:buSzPct val="45000"/>
+              <a:buFont typeface="Wingdings" charset="2"/>
+              <a:buChar char=""/>
+            </a:pPr>
+            <a:r>
+              <a:rPr lang="de-DE" sz="1800" b="0" strike="noStrike" spc="-1">
+                <a:solidFill>
+                  <a:srgbClr val="000000"/>
+                </a:solidFill>
+                <a:latin typeface="Bahnschrift SemiLight"/>
+                <a:ea typeface="Arial Unicode MS"/>
+              </a:rPr>
+              <a:t>Sigma: 5</a:t>
+            </a:r>
+            <a:endParaRPr lang="de-DE" sz="1800" b="0" strike="noStrike" spc="-1">
+              <a:latin typeface="Arial"/>
+            </a:endParaRPr>
+          </a:p>
+          <a:p>
+            <a:pPr marL="432000" lvl="1" indent="-216000">
+              <a:lnSpc>
+                <a:spcPct val="100000"/>
+              </a:lnSpc>
+              <a:buClr>
+                <a:srgbClr val="000000"/>
+              </a:buClr>
+              <a:buSzPct val="45000"/>
+              <a:buFont typeface="Wingdings" charset="2"/>
+              <a:buChar char=""/>
+            </a:pPr>
+            <a:r>
+              <a:rPr lang="de-DE" sz="1800" b="0" strike="noStrike" spc="-1">
+                <a:solidFill>
+                  <a:srgbClr val="000000"/>
+                </a:solidFill>
+                <a:latin typeface="Bahnschrift SemiLight"/>
+                <a:ea typeface="Arial Unicode MS"/>
+              </a:rPr>
+              <a:t>C: 2</a:t>
+            </a:r>
+            <a:endParaRPr lang="de-DE" sz="1800" b="0" strike="noStrike" spc="-1">
+              <a:latin typeface="Arial"/>
+            </a:endParaRPr>
+          </a:p>
+          <a:p>
+            <a:pPr marL="285840" indent="-285840">
+              <a:lnSpc>
+                <a:spcPct val="100000"/>
+              </a:lnSpc>
+              <a:buClr>
+                <a:srgbClr val="000000"/>
+              </a:buClr>
+              <a:buFont typeface="Arial"/>
+              <a:buChar char="•"/>
+            </a:pPr>
+            <a:r>
+              <a:rPr lang="de-DE" sz="1800" b="0" strike="noStrike" spc="-1">
+                <a:solidFill>
+                  <a:srgbClr val="000000"/>
+                </a:solidFill>
+                <a:latin typeface="Bahnschrift SemiLight"/>
+                <a:ea typeface="Arial Unicode MS"/>
+              </a:rPr>
+              <a:t>==&gt; C ist in der mittleren Range, aber Sigma (hat mehr Potential TODO)</a:t>
+            </a:r>
+            <a:endParaRPr lang="de-DE" sz="1800" b="0" strike="noStrike" spc="-1">
+              <a:latin typeface="Arial"/>
+            </a:endParaRPr>
+          </a:p>
+          <a:p>
+            <a:pPr marL="432000" lvl="1" indent="-216000">
+              <a:lnSpc>
+                <a:spcPct val="100000"/>
+              </a:lnSpc>
+              <a:buClr>
+                <a:srgbClr val="000000"/>
+              </a:buClr>
+              <a:buSzPct val="45000"/>
+              <a:buFont typeface="Wingdings" charset="2"/>
+              <a:buChar char=""/>
+            </a:pPr>
+            <a:r>
+              <a:rPr lang="de-DE" sz="1800" b="0" strike="noStrike" spc="-1">
+                <a:solidFill>
+                  <a:srgbClr val="000000"/>
+                </a:solidFill>
+                <a:latin typeface="Bahnschrift SemiLight"/>
+                <a:ea typeface="Arial Unicode MS"/>
+              </a:rPr>
+              <a:t>Mit MAE: 3082.514</a:t>
+            </a:r>
+            <a:endParaRPr lang="de-DE" sz="1800" b="0" strike="noStrike" spc="-1">
+              <a:latin typeface="Arial"/>
+            </a:endParaRPr>
+          </a:p>
+          <a:p>
+            <a:pPr marL="432000" lvl="1" indent="-216000">
+              <a:lnSpc>
+                <a:spcPct val="100000"/>
+              </a:lnSpc>
+              <a:buClr>
+                <a:srgbClr val="000000"/>
+              </a:buClr>
+              <a:buSzPct val="45000"/>
+              <a:buFont typeface="Wingdings" charset="2"/>
+              <a:buChar char=""/>
+            </a:pPr>
+            <a:endParaRPr lang="de-DE" sz="1800" b="0" strike="noStrike" spc="-1">
+              <a:latin typeface="Arial"/>
+            </a:endParaRPr>
+          </a:p>
+          <a:p>
+            <a:pPr marL="285840" indent="-285840">
+              <a:lnSpc>
+                <a:spcPct val="100000"/>
+              </a:lnSpc>
+              <a:buClr>
+                <a:srgbClr val="000000"/>
+              </a:buClr>
+              <a:buFont typeface="Arial"/>
+              <a:buChar char="•"/>
+            </a:pPr>
+            <a:r>
+              <a:rPr lang="de-DE" sz="1800" b="0" strike="noStrike" spc="-1">
+                <a:solidFill>
+                  <a:srgbClr val="000000"/>
+                </a:solidFill>
+                <a:latin typeface="Bahnschrift SemiLight"/>
+                <a:ea typeface="Arial Unicode MS"/>
+              </a:rPr>
+              <a:t>Deshalb wurde nochmals trainiert mit angepasstem Tuning</a:t>
+            </a:r>
+            <a:endParaRPr lang="de-DE" sz="1800" b="0" strike="noStrike" spc="-1">
+              <a:latin typeface="Arial"/>
+            </a:endParaRPr>
+          </a:p>
+          <a:p>
+            <a:pPr marL="285840" indent="-285840">
+              <a:lnSpc>
+                <a:spcPct val="100000"/>
+              </a:lnSpc>
+              <a:buClr>
+                <a:srgbClr val="000000"/>
+              </a:buClr>
+              <a:buFont typeface="Arial"/>
+              <a:buChar char="•"/>
+            </a:pPr>
+            <a:r>
+              <a:rPr lang="de-DE" sz="1800" b="0" strike="noStrike" spc="-1">
+                <a:solidFill>
+                  <a:srgbClr val="000000"/>
+                </a:solidFill>
+                <a:latin typeface="Bahnschrift SemiLight"/>
+                <a:ea typeface="Arial Unicode MS"/>
+              </a:rPr>
+              <a:t>Ergebnis:</a:t>
+            </a:r>
+            <a:endParaRPr lang="de-DE" sz="1800" b="0" strike="noStrike" spc="-1">
+              <a:latin typeface="Arial"/>
+            </a:endParaRPr>
+          </a:p>
+          <a:p>
+            <a:pPr marL="432000" lvl="1" indent="-216000">
+              <a:lnSpc>
+                <a:spcPct val="100000"/>
+              </a:lnSpc>
+              <a:buClr>
+                <a:srgbClr val="000000"/>
+              </a:buClr>
+              <a:buSzPct val="45000"/>
+              <a:buFont typeface="Wingdings" charset="2"/>
+              <a:buChar char=""/>
+            </a:pPr>
+            <a:r>
+              <a:rPr lang="de-DE" sz="1800" b="0" strike="noStrike" spc="-1">
+                <a:solidFill>
+                  <a:srgbClr val="000000"/>
+                </a:solidFill>
+                <a:latin typeface="Bahnschrift SemiLight"/>
+                <a:ea typeface="Arial Unicode MS"/>
+              </a:rPr>
+              <a:t>Tuning nur minimale Auswirkungen auf MAE: 3076.228 </a:t>
+            </a:r>
+            <a:endParaRPr lang="de-DE" sz="1800" b="0" strike="noStrike" spc="-1">
+              <a:latin typeface="Arial"/>
+            </a:endParaRPr>
+          </a:p>
+          <a:p>
+            <a:pPr marL="432000" lvl="1" indent="-216000">
+              <a:lnSpc>
+                <a:spcPct val="100000"/>
+              </a:lnSpc>
+              <a:buClr>
+                <a:srgbClr val="000000"/>
+              </a:buClr>
+              <a:buSzPct val="45000"/>
+              <a:buFont typeface="Wingdings" charset="2"/>
+              <a:buChar char=""/>
+            </a:pPr>
+            <a:r>
+              <a:rPr lang="de-DE" sz="1800" b="0" strike="noStrike" spc="-1">
+                <a:solidFill>
+                  <a:srgbClr val="000000"/>
+                </a:solidFill>
+                <a:latin typeface="Bahnschrift SemiLight"/>
+                <a:ea typeface="Arial Unicode MS"/>
+              </a:rPr>
+              <a:t> </a:t>
+            </a:r>
+            <a:endParaRPr lang="de-DE" sz="1800" b="0" strike="noStrike" spc="-1">
+              <a:latin typeface="Arial"/>
+            </a:endParaRPr>
+          </a:p>
+        </p:txBody>
+      </p:sp>
+    </p:spTree>
+  </p:cSld>
+  <p:clrMapOvr>
+    <a:masterClrMapping/>
+  </p:clrMapOvr>
+</p:sld>
+</file>
+
+<file path=ppt/slides/slide21.xml><?xml version="1.0" encoding="utf-8"?>
 <p:sld xmlns:a="http://schemas.openxmlformats.org/drawingml/2006/main" xmlns:r="http://schemas.openxmlformats.org/officeDocument/2006/relationships" xmlns:p="http://schemas.openxmlformats.org/presentationml/2006/main">
   <p:cSld>
     <p:spTree>
@@ -17855,7 +18243,7 @@
 </p:sld>
 </file>
 
-<file path=ppt/slides/slide21.xml><?xml version="1.0" encoding="utf-8"?>
+<file path=ppt/slides/slide22.xml><?xml version="1.0" encoding="utf-8"?>
 <p:sld xmlns:a="http://schemas.openxmlformats.org/drawingml/2006/main" xmlns:r="http://schemas.openxmlformats.org/officeDocument/2006/relationships" xmlns:p="http://schemas.openxmlformats.org/presentationml/2006/main">
   <p:cSld>
     <p:spTree>
@@ -18156,7 +18544,7 @@
 </p:sld>
 </file>
 
-<file path=ppt/slides/slide22.xml><?xml version="1.0" encoding="utf-8"?>
+<file path=ppt/slides/slide23.xml><?xml version="1.0" encoding="utf-8"?>
 <p:sld xmlns:a="http://schemas.openxmlformats.org/drawingml/2006/main" xmlns:r="http://schemas.openxmlformats.org/officeDocument/2006/relationships" xmlns:p="http://schemas.openxmlformats.org/presentationml/2006/main">
   <p:cSld>
     <p:spTree>
@@ -18615,7 +19003,7 @@
 </p:sld>
 </file>
 
-<file path=ppt/slides/slide23.xml><?xml version="1.0" encoding="utf-8"?>
+<file path=ppt/slides/slide24.xml><?xml version="1.0" encoding="utf-8"?>
 <p:sld xmlns:a="http://schemas.openxmlformats.org/drawingml/2006/main" xmlns:r="http://schemas.openxmlformats.org/officeDocument/2006/relationships" xmlns:p="http://schemas.openxmlformats.org/presentationml/2006/main" show="0">
   <p:cSld>
     <p:spTree>
@@ -19497,153 +19885,6 @@
 </p:sld>
 </file>
 
-<file path=ppt/slides/slide24.xml><?xml version="1.0" encoding="utf-8"?>
-<p:sld xmlns:a="http://schemas.openxmlformats.org/drawingml/2006/main" xmlns:r="http://schemas.openxmlformats.org/officeDocument/2006/relationships" xmlns:p="http://schemas.openxmlformats.org/presentationml/2006/main">
-  <p:cSld>
-    <p:spTree>
-      <p:nvGrpSpPr>
-        <p:cNvPr id="1" name=""/>
-        <p:cNvGrpSpPr/>
-        <p:nvPr/>
-      </p:nvGrpSpPr>
-      <p:grpSpPr>
-        <a:xfrm>
-          <a:off x="0" y="0"/>
-          <a:ext cx="0" cy="0"/>
-          <a:chOff x="0" y="0"/>
-          <a:chExt cx="0" cy="0"/>
-        </a:xfrm>
-      </p:grpSpPr>
-      <p:sp>
-        <p:nvSpPr>
-          <p:cNvPr id="292" name="PlaceHolder 1"/>
-          <p:cNvSpPr>
-            <a:spLocks noGrp="1"/>
-          </p:cNvSpPr>
-          <p:nvPr>
-            <p:ph/>
-          </p:nvPr>
-        </p:nvSpPr>
-        <p:spPr>
-          <a:xfrm>
-            <a:off x="690840" y="349200"/>
-            <a:ext cx="3405960" cy="790920"/>
-          </a:xfrm>
-          <a:prstGeom prst="rect">
-            <a:avLst/>
-          </a:prstGeom>
-          <a:noFill/>
-          <a:ln w="0">
-            <a:noFill/>
-          </a:ln>
-        </p:spPr>
-        <p:txBody>
-          <a:bodyPr lIns="90000" tIns="45000" rIns="90000" bIns="45000" anchor="ctr">
-            <a:noAutofit/>
-          </a:bodyPr>
-          <a:lstStyle/>
-          <a:p>
-            <a:pPr marL="228600" algn="ctr">
-              <a:lnSpc>
-                <a:spcPct val="100000"/>
-              </a:lnSpc>
-              <a:spcBef>
-                <a:spcPts val="1001"/>
-              </a:spcBef>
-              <a:buNone/>
-              <a:tabLst>
-                <a:tab pos="0" algn="l"/>
-              </a:tabLst>
-            </a:pPr>
-            <a:r>
-              <a:rPr lang="de-DE" sz="5400" b="1" strike="noStrike" spc="-1">
-                <a:solidFill>
-                  <a:srgbClr val="002060"/>
-                </a:solidFill>
-                <a:latin typeface="Bahnschrift SemiLight"/>
-                <a:ea typeface="Arial Unicode MS"/>
-              </a:rPr>
-              <a:t>Content</a:t>
-            </a:r>
-            <a:endParaRPr lang="de-DE" sz="5400" b="0" strike="noStrike" spc="-1">
-              <a:latin typeface="Arial"/>
-            </a:endParaRPr>
-          </a:p>
-        </p:txBody>
-      </p:sp>
-      <p:sp>
-        <p:nvSpPr>
-          <p:cNvPr id="293" name="Textplatzhalter 1"/>
-          <p:cNvSpPr/>
-          <p:nvPr/>
-        </p:nvSpPr>
-        <p:spPr>
-          <a:xfrm>
-            <a:off x="5390640" y="349200"/>
-            <a:ext cx="3405960" cy="790920"/>
-          </a:xfrm>
-          <a:prstGeom prst="rect">
-            <a:avLst/>
-          </a:prstGeom>
-          <a:noFill/>
-          <a:ln w="0">
-            <a:noFill/>
-          </a:ln>
-        </p:spPr>
-        <p:style>
-          <a:lnRef idx="0">
-            <a:scrgbClr r="0" g="0" b="0"/>
-          </a:lnRef>
-          <a:fillRef idx="0">
-            <a:scrgbClr r="0" g="0" b="0"/>
-          </a:fillRef>
-          <a:effectRef idx="0">
-            <a:scrgbClr r="0" g="0" b="0"/>
-          </a:effectRef>
-          <a:fontRef idx="minor"/>
-        </p:style>
-        <p:txBody>
-          <a:bodyPr lIns="90000" tIns="45000" rIns="90000" bIns="45000" anchor="ctr">
-            <a:noAutofit/>
-          </a:bodyPr>
-          <a:lstStyle/>
-          <a:p>
-            <a:pPr algn="ctr">
-              <a:lnSpc>
-                <a:spcPct val="100000"/>
-              </a:lnSpc>
-              <a:spcBef>
-                <a:spcPts val="1001"/>
-              </a:spcBef>
-              <a:buNone/>
-              <a:tabLst>
-                <a:tab pos="0" algn="l"/>
-              </a:tabLst>
-            </a:pPr>
-            <a:r>
-              <a:rPr lang="de-DE" sz="5400" b="1" strike="noStrike" spc="-1">
-                <a:solidFill>
-                  <a:srgbClr val="002060"/>
-                </a:solidFill>
-                <a:latin typeface="CMU Serif"/>
-                <a:ea typeface="CMU Serif"/>
-              </a:rPr>
-              <a:t>Content</a:t>
-            </a:r>
-            <a:endParaRPr lang="de-DE" sz="5400" b="0" strike="noStrike" spc="-1">
-              <a:latin typeface="Arial"/>
-            </a:endParaRPr>
-          </a:p>
-        </p:txBody>
-      </p:sp>
-    </p:spTree>
-  </p:cSld>
-  <p:clrMapOvr>
-    <a:masterClrMapping/>
-  </p:clrMapOvr>
-</p:sld>
-</file>
-
 <file path=ppt/slides/slide25.xml><?xml version="1.0" encoding="utf-8"?>
 <p:sld xmlns:a="http://schemas.openxmlformats.org/drawingml/2006/main" xmlns:r="http://schemas.openxmlformats.org/officeDocument/2006/relationships" xmlns:p="http://schemas.openxmlformats.org/presentationml/2006/main">
   <p:cSld>
@@ -19663,6 +19904,153 @@
       </p:grpSpPr>
       <p:sp>
         <p:nvSpPr>
+          <p:cNvPr id="292" name="PlaceHolder 1"/>
+          <p:cNvSpPr>
+            <a:spLocks noGrp="1"/>
+          </p:cNvSpPr>
+          <p:nvPr>
+            <p:ph/>
+          </p:nvPr>
+        </p:nvSpPr>
+        <p:spPr>
+          <a:xfrm>
+            <a:off x="690840" y="349200"/>
+            <a:ext cx="3405960" cy="790920"/>
+          </a:xfrm>
+          <a:prstGeom prst="rect">
+            <a:avLst/>
+          </a:prstGeom>
+          <a:noFill/>
+          <a:ln w="0">
+            <a:noFill/>
+          </a:ln>
+        </p:spPr>
+        <p:txBody>
+          <a:bodyPr lIns="90000" tIns="45000" rIns="90000" bIns="45000" anchor="ctr">
+            <a:noAutofit/>
+          </a:bodyPr>
+          <a:lstStyle/>
+          <a:p>
+            <a:pPr marL="228600" algn="ctr">
+              <a:lnSpc>
+                <a:spcPct val="100000"/>
+              </a:lnSpc>
+              <a:spcBef>
+                <a:spcPts val="1001"/>
+              </a:spcBef>
+              <a:buNone/>
+              <a:tabLst>
+                <a:tab pos="0" algn="l"/>
+              </a:tabLst>
+            </a:pPr>
+            <a:r>
+              <a:rPr lang="de-DE" sz="5400" b="1" strike="noStrike" spc="-1">
+                <a:solidFill>
+                  <a:srgbClr val="002060"/>
+                </a:solidFill>
+                <a:latin typeface="Bahnschrift SemiLight"/>
+                <a:ea typeface="Arial Unicode MS"/>
+              </a:rPr>
+              <a:t>Content</a:t>
+            </a:r>
+            <a:endParaRPr lang="de-DE" sz="5400" b="0" strike="noStrike" spc="-1">
+              <a:latin typeface="Arial"/>
+            </a:endParaRPr>
+          </a:p>
+        </p:txBody>
+      </p:sp>
+      <p:sp>
+        <p:nvSpPr>
+          <p:cNvPr id="293" name="Textplatzhalter 1"/>
+          <p:cNvSpPr/>
+          <p:nvPr/>
+        </p:nvSpPr>
+        <p:spPr>
+          <a:xfrm>
+            <a:off x="5390640" y="349200"/>
+            <a:ext cx="3405960" cy="790920"/>
+          </a:xfrm>
+          <a:prstGeom prst="rect">
+            <a:avLst/>
+          </a:prstGeom>
+          <a:noFill/>
+          <a:ln w="0">
+            <a:noFill/>
+          </a:ln>
+        </p:spPr>
+        <p:style>
+          <a:lnRef idx="0">
+            <a:scrgbClr r="0" g="0" b="0"/>
+          </a:lnRef>
+          <a:fillRef idx="0">
+            <a:scrgbClr r="0" g="0" b="0"/>
+          </a:fillRef>
+          <a:effectRef idx="0">
+            <a:scrgbClr r="0" g="0" b="0"/>
+          </a:effectRef>
+          <a:fontRef idx="minor"/>
+        </p:style>
+        <p:txBody>
+          <a:bodyPr lIns="90000" tIns="45000" rIns="90000" bIns="45000" anchor="ctr">
+            <a:noAutofit/>
+          </a:bodyPr>
+          <a:lstStyle/>
+          <a:p>
+            <a:pPr algn="ctr">
+              <a:lnSpc>
+                <a:spcPct val="100000"/>
+              </a:lnSpc>
+              <a:spcBef>
+                <a:spcPts val="1001"/>
+              </a:spcBef>
+              <a:buNone/>
+              <a:tabLst>
+                <a:tab pos="0" algn="l"/>
+              </a:tabLst>
+            </a:pPr>
+            <a:r>
+              <a:rPr lang="de-DE" sz="5400" b="1" strike="noStrike" spc="-1">
+                <a:solidFill>
+                  <a:srgbClr val="002060"/>
+                </a:solidFill>
+                <a:latin typeface="CMU Serif"/>
+                <a:ea typeface="CMU Serif"/>
+              </a:rPr>
+              <a:t>Content</a:t>
+            </a:r>
+            <a:endParaRPr lang="de-DE" sz="5400" b="0" strike="noStrike" spc="-1">
+              <a:latin typeface="Arial"/>
+            </a:endParaRPr>
+          </a:p>
+        </p:txBody>
+      </p:sp>
+    </p:spTree>
+  </p:cSld>
+  <p:clrMapOvr>
+    <a:masterClrMapping/>
+  </p:clrMapOvr>
+</p:sld>
+</file>
+
+<file path=ppt/slides/slide26.xml><?xml version="1.0" encoding="utf-8"?>
+<p:sld xmlns:a="http://schemas.openxmlformats.org/drawingml/2006/main" xmlns:r="http://schemas.openxmlformats.org/officeDocument/2006/relationships" xmlns:p="http://schemas.openxmlformats.org/presentationml/2006/main">
+  <p:cSld>
+    <p:spTree>
+      <p:nvGrpSpPr>
+        <p:cNvPr id="1" name=""/>
+        <p:cNvGrpSpPr/>
+        <p:nvPr/>
+      </p:nvGrpSpPr>
+      <p:grpSpPr>
+        <a:xfrm>
+          <a:off x="0" y="0"/>
+          <a:ext cx="0" cy="0"/>
+          <a:chOff x="0" y="0"/>
+          <a:chExt cx="0" cy="0"/>
+        </a:xfrm>
+      </p:grpSpPr>
+      <p:sp>
+        <p:nvSpPr>
           <p:cNvPr id="294" name="PlaceHolder 1"/>
           <p:cNvSpPr>
             <a:spLocks noGrp="1"/>
@@ -19726,7 +20114,7 @@
 </p:sld>
 </file>
 
-<file path=ppt/slides/slide26.xml><?xml version="1.0" encoding="utf-8"?>
+<file path=ppt/slides/slide27.xml><?xml version="1.0" encoding="utf-8"?>
 <p:sld xmlns:a="http://schemas.openxmlformats.org/drawingml/2006/main" xmlns:r="http://schemas.openxmlformats.org/officeDocument/2006/relationships" xmlns:p="http://schemas.openxmlformats.org/presentationml/2006/main">
   <p:cSld>
     <p:spTree>
@@ -20211,7 +20599,7 @@
           <p:nvPr>
             <p:extLst>
               <p:ext uri="{D42A27DB-BD31-4B8C-83A1-F6EECF244321}">
-                <p14:modId xmlns:p14="http://schemas.microsoft.com/office/powerpoint/2010/main" val="2839761654"/>
+                <p14:modId xmlns:p14="http://schemas.microsoft.com/office/powerpoint/2010/main" val="1251089205"/>
               </p:ext>
             </p:extLst>
           </p:nvPr>
@@ -21030,7 +21418,7 @@
                         <a:buNone/>
                       </a:pPr>
                       <a:r>
-                        <a:rPr lang="de-DE" sz="1800" b="0" strike="noStrike" spc="-1">
+                        <a:rPr lang="de-DE" sz="1800" b="1" strike="noStrike" spc="-1" dirty="0" err="1">
                           <a:solidFill>
                             <a:srgbClr val="000000"/>
                           </a:solidFill>
@@ -21039,7 +21427,7 @@
                         </a:rPr>
                         <a:t>Price_in_euro</a:t>
                       </a:r>
-                      <a:endParaRPr lang="de-DE" sz="1800" b="0" strike="noStrike" spc="-1">
+                      <a:endParaRPr lang="de-DE" sz="1800" b="1" strike="noStrike" spc="-1" dirty="0">
                         <a:latin typeface="Arial"/>
                       </a:endParaRPr>
                     </a:p>

--- a/Präsentation_Vorlage.pptx
+++ b/Präsentation_Vorlage.pptx
@@ -6,37 +6,34 @@
     <p:sldMasterId id="2147483661" r:id="rId2"/>
     <p:sldMasterId id="2147483674" r:id="rId3"/>
     <p:sldMasterId id="2147483687" r:id="rId4"/>
-    <p:sldMasterId id="2147483700" r:id="rId5"/>
-    <p:sldMasterId id="2147483713" r:id="rId6"/>
   </p:sldMasterIdLst>
   <p:sldIdLst>
-    <p:sldId id="256" r:id="rId7"/>
-    <p:sldId id="257" r:id="rId8"/>
-    <p:sldId id="258" r:id="rId9"/>
-    <p:sldId id="259" r:id="rId10"/>
-    <p:sldId id="279" r:id="rId11"/>
-    <p:sldId id="280" r:id="rId12"/>
-    <p:sldId id="281" r:id="rId13"/>
-    <p:sldId id="282" r:id="rId14"/>
-    <p:sldId id="277" r:id="rId15"/>
-    <p:sldId id="260" r:id="rId16"/>
-    <p:sldId id="261" r:id="rId17"/>
-    <p:sldId id="283" r:id="rId18"/>
-    <p:sldId id="262" r:id="rId19"/>
-    <p:sldId id="263" r:id="rId20"/>
-    <p:sldId id="264" r:id="rId21"/>
-    <p:sldId id="265" r:id="rId22"/>
-    <p:sldId id="266" r:id="rId23"/>
-    <p:sldId id="267" r:id="rId24"/>
-    <p:sldId id="268" r:id="rId25"/>
-    <p:sldId id="269" r:id="rId26"/>
-    <p:sldId id="270" r:id="rId27"/>
-    <p:sldId id="271" r:id="rId28"/>
-    <p:sldId id="272" r:id="rId29"/>
-    <p:sldId id="273" r:id="rId30"/>
-    <p:sldId id="274" r:id="rId31"/>
-    <p:sldId id="275" r:id="rId32"/>
-    <p:sldId id="276" r:id="rId33"/>
+    <p:sldId id="256" r:id="rId5"/>
+    <p:sldId id="257" r:id="rId6"/>
+    <p:sldId id="258" r:id="rId7"/>
+    <p:sldId id="259" r:id="rId8"/>
+    <p:sldId id="279" r:id="rId9"/>
+    <p:sldId id="280" r:id="rId10"/>
+    <p:sldId id="281" r:id="rId11"/>
+    <p:sldId id="282" r:id="rId12"/>
+    <p:sldId id="277" r:id="rId13"/>
+    <p:sldId id="260" r:id="rId14"/>
+    <p:sldId id="261" r:id="rId15"/>
+    <p:sldId id="283" r:id="rId16"/>
+    <p:sldId id="262" r:id="rId17"/>
+    <p:sldId id="263" r:id="rId18"/>
+    <p:sldId id="264" r:id="rId19"/>
+    <p:sldId id="265" r:id="rId20"/>
+    <p:sldId id="266" r:id="rId21"/>
+    <p:sldId id="267" r:id="rId22"/>
+    <p:sldId id="268" r:id="rId23"/>
+    <p:sldId id="269" r:id="rId24"/>
+    <p:sldId id="270" r:id="rId25"/>
+    <p:sldId id="271" r:id="rId26"/>
+    <p:sldId id="272" r:id="rId27"/>
+    <p:sldId id="284" r:id="rId28"/>
+    <p:sldId id="285" r:id="rId29"/>
+    <p:sldId id="286" r:id="rId30"/>
   </p:sldIdLst>
   <p:sldSz cx="12192000" cy="6858000"/>
   <p:notesSz cx="7559675" cy="10691813"/>
@@ -5897,31 +5894,6 @@
 </p:sldLayout>
 </file>
 
-<file path=ppt/slideLayouts/slideLayout49.xml><?xml version="1.0" encoding="utf-8"?>
-<p:sldLayout xmlns:a="http://schemas.openxmlformats.org/drawingml/2006/main" xmlns:r="http://schemas.openxmlformats.org/officeDocument/2006/relationships" xmlns:p="http://schemas.openxmlformats.org/presentationml/2006/main" type="blank" preserve="1">
-  <p:cSld name="Blank Slide">
-    <p:spTree>
-      <p:nvGrpSpPr>
-        <p:cNvPr id="1" name=""/>
-        <p:cNvGrpSpPr/>
-        <p:nvPr/>
-      </p:nvGrpSpPr>
-      <p:grpSpPr>
-        <a:xfrm>
-          <a:off x="0" y="0"/>
-          <a:ext cx="0" cy="0"/>
-          <a:chOff x="0" y="0"/>
-          <a:chExt cx="0" cy="0"/>
-        </a:xfrm>
-      </p:grpSpPr>
-    </p:spTree>
-  </p:cSld>
-  <p:clrMapOvr>
-    <a:masterClrMapping/>
-  </p:clrMapOvr>
-</p:sldLayout>
-</file>
-
 <file path=ppt/slideLayouts/slideLayout5.xml><?xml version="1.0" encoding="utf-8"?>
 <p:sldLayout xmlns:a="http://schemas.openxmlformats.org/drawingml/2006/main" xmlns:r="http://schemas.openxmlformats.org/officeDocument/2006/relationships" xmlns:p="http://schemas.openxmlformats.org/presentationml/2006/main" type="titleOnly" preserve="1">
   <p:cSld name="Title Only">
@@ -5972,1304 +5944,6 @@
               <a:buNone/>
             </a:pPr>
             <a:endParaRPr lang="de-DE" sz="4400" b="0" strike="noStrike" spc="-1">
-              <a:latin typeface="Arial"/>
-            </a:endParaRPr>
-          </a:p>
-        </p:txBody>
-      </p:sp>
-    </p:spTree>
-  </p:cSld>
-  <p:clrMapOvr>
-    <a:masterClrMapping/>
-  </p:clrMapOvr>
-</p:sldLayout>
-</file>
-
-<file path=ppt/slideLayouts/slideLayout50.xml><?xml version="1.0" encoding="utf-8"?>
-<p:sldLayout xmlns:a="http://schemas.openxmlformats.org/drawingml/2006/main" xmlns:r="http://schemas.openxmlformats.org/officeDocument/2006/relationships" xmlns:p="http://schemas.openxmlformats.org/presentationml/2006/main" type="tx" preserve="1">
-  <p:cSld name="Title Slide">
-    <p:spTree>
-      <p:nvGrpSpPr>
-        <p:cNvPr id="1" name=""/>
-        <p:cNvGrpSpPr/>
-        <p:nvPr/>
-      </p:nvGrpSpPr>
-      <p:grpSpPr>
-        <a:xfrm>
-          <a:off x="0" y="0"/>
-          <a:ext cx="0" cy="0"/>
-          <a:chOff x="0" y="0"/>
-          <a:chExt cx="0" cy="0"/>
-        </a:xfrm>
-      </p:grpSpPr>
-      <p:sp>
-        <p:nvSpPr>
-          <p:cNvPr id="160" name="PlaceHolder 1"/>
-          <p:cNvSpPr>
-            <a:spLocks noGrp="1"/>
-          </p:cNvSpPr>
-          <p:nvPr>
-            <p:ph type="title"/>
-          </p:nvPr>
-        </p:nvSpPr>
-        <p:spPr>
-          <a:xfrm>
-            <a:off x="609480" y="273600"/>
-            <a:ext cx="10972440" cy="1144800"/>
-          </a:xfrm>
-          <a:prstGeom prst="rect">
-            <a:avLst/>
-          </a:prstGeom>
-          <a:noFill/>
-          <a:ln w="0">
-            <a:noFill/>
-          </a:ln>
-        </p:spPr>
-        <p:txBody>
-          <a:bodyPr lIns="0" tIns="0" rIns="0" bIns="0" anchor="ctr">
-            <a:noAutofit/>
-          </a:bodyPr>
-          <a:lstStyle/>
-          <a:p>
-            <a:pPr algn="ctr">
-              <a:buNone/>
-            </a:pPr>
-            <a:endParaRPr lang="de-DE" sz="4400" b="0" strike="noStrike" spc="-1">
-              <a:latin typeface="Arial"/>
-            </a:endParaRPr>
-          </a:p>
-        </p:txBody>
-      </p:sp>
-      <p:sp>
-        <p:nvSpPr>
-          <p:cNvPr id="161" name="PlaceHolder 2"/>
-          <p:cNvSpPr>
-            <a:spLocks noGrp="1"/>
-          </p:cNvSpPr>
-          <p:nvPr>
-            <p:ph type="subTitle"/>
-          </p:nvPr>
-        </p:nvSpPr>
-        <p:spPr>
-          <a:xfrm>
-            <a:off x="609480" y="1604520"/>
-            <a:ext cx="10972440" cy="3977280"/>
-          </a:xfrm>
-          <a:prstGeom prst="rect">
-            <a:avLst/>
-          </a:prstGeom>
-          <a:noFill/>
-          <a:ln w="0">
-            <a:noFill/>
-          </a:ln>
-        </p:spPr>
-        <p:txBody>
-          <a:bodyPr lIns="0" tIns="0" rIns="0" bIns="0" anchor="ctr">
-            <a:noAutofit/>
-          </a:bodyPr>
-          <a:lstStyle/>
-          <a:p>
-            <a:pPr algn="ctr">
-              <a:buNone/>
-            </a:pPr>
-            <a:endParaRPr lang="de-DE" sz="3200" b="0" strike="noStrike" spc="-1">
-              <a:latin typeface="Arial"/>
-            </a:endParaRPr>
-          </a:p>
-        </p:txBody>
-      </p:sp>
-    </p:spTree>
-  </p:cSld>
-  <p:clrMapOvr>
-    <a:masterClrMapping/>
-  </p:clrMapOvr>
-</p:sldLayout>
-</file>
-
-<file path=ppt/slideLayouts/slideLayout51.xml><?xml version="1.0" encoding="utf-8"?>
-<p:sldLayout xmlns:a="http://schemas.openxmlformats.org/drawingml/2006/main" xmlns:r="http://schemas.openxmlformats.org/officeDocument/2006/relationships" xmlns:p="http://schemas.openxmlformats.org/presentationml/2006/main" type="obj" preserve="1">
-  <p:cSld name="Title, Content">
-    <p:spTree>
-      <p:nvGrpSpPr>
-        <p:cNvPr id="1" name=""/>
-        <p:cNvGrpSpPr/>
-        <p:nvPr/>
-      </p:nvGrpSpPr>
-      <p:grpSpPr>
-        <a:xfrm>
-          <a:off x="0" y="0"/>
-          <a:ext cx="0" cy="0"/>
-          <a:chOff x="0" y="0"/>
-          <a:chExt cx="0" cy="0"/>
-        </a:xfrm>
-      </p:grpSpPr>
-      <p:sp>
-        <p:nvSpPr>
-          <p:cNvPr id="162" name="PlaceHolder 1"/>
-          <p:cNvSpPr>
-            <a:spLocks noGrp="1"/>
-          </p:cNvSpPr>
-          <p:nvPr>
-            <p:ph type="title"/>
-          </p:nvPr>
-        </p:nvSpPr>
-        <p:spPr>
-          <a:xfrm>
-            <a:off x="609480" y="273600"/>
-            <a:ext cx="10972440" cy="1144800"/>
-          </a:xfrm>
-          <a:prstGeom prst="rect">
-            <a:avLst/>
-          </a:prstGeom>
-          <a:noFill/>
-          <a:ln w="0">
-            <a:noFill/>
-          </a:ln>
-        </p:spPr>
-        <p:txBody>
-          <a:bodyPr lIns="0" tIns="0" rIns="0" bIns="0" anchor="ctr">
-            <a:noAutofit/>
-          </a:bodyPr>
-          <a:lstStyle/>
-          <a:p>
-            <a:pPr algn="ctr">
-              <a:buNone/>
-            </a:pPr>
-            <a:endParaRPr lang="de-DE" sz="4400" b="0" strike="noStrike" spc="-1">
-              <a:latin typeface="Arial"/>
-            </a:endParaRPr>
-          </a:p>
-        </p:txBody>
-      </p:sp>
-      <p:sp>
-        <p:nvSpPr>
-          <p:cNvPr id="163" name="PlaceHolder 2"/>
-          <p:cNvSpPr>
-            <a:spLocks noGrp="1"/>
-          </p:cNvSpPr>
-          <p:nvPr>
-            <p:ph/>
-          </p:nvPr>
-        </p:nvSpPr>
-        <p:spPr>
-          <a:xfrm>
-            <a:off x="609480" y="1604520"/>
-            <a:ext cx="10972440" cy="3977280"/>
-          </a:xfrm>
-          <a:prstGeom prst="rect">
-            <a:avLst/>
-          </a:prstGeom>
-          <a:noFill/>
-          <a:ln w="0">
-            <a:noFill/>
-          </a:ln>
-        </p:spPr>
-        <p:txBody>
-          <a:bodyPr lIns="0" tIns="0" rIns="0" bIns="0" anchor="t">
-            <a:normAutofit/>
-          </a:bodyPr>
-          <a:lstStyle/>
-          <a:p>
-            <a:endParaRPr lang="de-DE" sz="3200" b="0" strike="noStrike" spc="-1">
-              <a:latin typeface="Arial"/>
-            </a:endParaRPr>
-          </a:p>
-        </p:txBody>
-      </p:sp>
-    </p:spTree>
-  </p:cSld>
-  <p:clrMapOvr>
-    <a:masterClrMapping/>
-  </p:clrMapOvr>
-</p:sldLayout>
-</file>
-
-<file path=ppt/slideLayouts/slideLayout52.xml><?xml version="1.0" encoding="utf-8"?>
-<p:sldLayout xmlns:a="http://schemas.openxmlformats.org/drawingml/2006/main" xmlns:r="http://schemas.openxmlformats.org/officeDocument/2006/relationships" xmlns:p="http://schemas.openxmlformats.org/presentationml/2006/main" type="twoObj" preserve="1">
-  <p:cSld name="Title, 2 Content">
-    <p:spTree>
-      <p:nvGrpSpPr>
-        <p:cNvPr id="1" name=""/>
-        <p:cNvGrpSpPr/>
-        <p:nvPr/>
-      </p:nvGrpSpPr>
-      <p:grpSpPr>
-        <a:xfrm>
-          <a:off x="0" y="0"/>
-          <a:ext cx="0" cy="0"/>
-          <a:chOff x="0" y="0"/>
-          <a:chExt cx="0" cy="0"/>
-        </a:xfrm>
-      </p:grpSpPr>
-      <p:sp>
-        <p:nvSpPr>
-          <p:cNvPr id="164" name="PlaceHolder 1"/>
-          <p:cNvSpPr>
-            <a:spLocks noGrp="1"/>
-          </p:cNvSpPr>
-          <p:nvPr>
-            <p:ph type="title"/>
-          </p:nvPr>
-        </p:nvSpPr>
-        <p:spPr>
-          <a:xfrm>
-            <a:off x="609480" y="273600"/>
-            <a:ext cx="10972440" cy="1144800"/>
-          </a:xfrm>
-          <a:prstGeom prst="rect">
-            <a:avLst/>
-          </a:prstGeom>
-          <a:noFill/>
-          <a:ln w="0">
-            <a:noFill/>
-          </a:ln>
-        </p:spPr>
-        <p:txBody>
-          <a:bodyPr lIns="0" tIns="0" rIns="0" bIns="0" anchor="ctr">
-            <a:noAutofit/>
-          </a:bodyPr>
-          <a:lstStyle/>
-          <a:p>
-            <a:pPr algn="ctr">
-              <a:buNone/>
-            </a:pPr>
-            <a:endParaRPr lang="de-DE" sz="4400" b="0" strike="noStrike" spc="-1">
-              <a:latin typeface="Arial"/>
-            </a:endParaRPr>
-          </a:p>
-        </p:txBody>
-      </p:sp>
-      <p:sp>
-        <p:nvSpPr>
-          <p:cNvPr id="165" name="PlaceHolder 2"/>
-          <p:cNvSpPr>
-            <a:spLocks noGrp="1"/>
-          </p:cNvSpPr>
-          <p:nvPr>
-            <p:ph/>
-          </p:nvPr>
-        </p:nvSpPr>
-        <p:spPr>
-          <a:xfrm>
-            <a:off x="609480" y="1604520"/>
-            <a:ext cx="5354280" cy="3977280"/>
-          </a:xfrm>
-          <a:prstGeom prst="rect">
-            <a:avLst/>
-          </a:prstGeom>
-          <a:noFill/>
-          <a:ln w="0">
-            <a:noFill/>
-          </a:ln>
-        </p:spPr>
-        <p:txBody>
-          <a:bodyPr lIns="0" tIns="0" rIns="0" bIns="0" anchor="t">
-            <a:normAutofit/>
-          </a:bodyPr>
-          <a:lstStyle/>
-          <a:p>
-            <a:endParaRPr lang="de-DE" sz="3200" b="0" strike="noStrike" spc="-1">
-              <a:latin typeface="Arial"/>
-            </a:endParaRPr>
-          </a:p>
-        </p:txBody>
-      </p:sp>
-      <p:sp>
-        <p:nvSpPr>
-          <p:cNvPr id="166" name="PlaceHolder 3"/>
-          <p:cNvSpPr>
-            <a:spLocks noGrp="1"/>
-          </p:cNvSpPr>
-          <p:nvPr>
-            <p:ph/>
-          </p:nvPr>
-        </p:nvSpPr>
-        <p:spPr>
-          <a:xfrm>
-            <a:off x="6231960" y="1604520"/>
-            <a:ext cx="5354280" cy="3977280"/>
-          </a:xfrm>
-          <a:prstGeom prst="rect">
-            <a:avLst/>
-          </a:prstGeom>
-          <a:noFill/>
-          <a:ln w="0">
-            <a:noFill/>
-          </a:ln>
-        </p:spPr>
-        <p:txBody>
-          <a:bodyPr lIns="0" tIns="0" rIns="0" bIns="0" anchor="t">
-            <a:normAutofit/>
-          </a:bodyPr>
-          <a:lstStyle/>
-          <a:p>
-            <a:endParaRPr lang="de-DE" sz="3200" b="0" strike="noStrike" spc="-1">
-              <a:latin typeface="Arial"/>
-            </a:endParaRPr>
-          </a:p>
-        </p:txBody>
-      </p:sp>
-    </p:spTree>
-  </p:cSld>
-  <p:clrMapOvr>
-    <a:masterClrMapping/>
-  </p:clrMapOvr>
-</p:sldLayout>
-</file>
-
-<file path=ppt/slideLayouts/slideLayout53.xml><?xml version="1.0" encoding="utf-8"?>
-<p:sldLayout xmlns:a="http://schemas.openxmlformats.org/drawingml/2006/main" xmlns:r="http://schemas.openxmlformats.org/officeDocument/2006/relationships" xmlns:p="http://schemas.openxmlformats.org/presentationml/2006/main" type="titleOnly" preserve="1">
-  <p:cSld name="Title Only">
-    <p:spTree>
-      <p:nvGrpSpPr>
-        <p:cNvPr id="1" name=""/>
-        <p:cNvGrpSpPr/>
-        <p:nvPr/>
-      </p:nvGrpSpPr>
-      <p:grpSpPr>
-        <a:xfrm>
-          <a:off x="0" y="0"/>
-          <a:ext cx="0" cy="0"/>
-          <a:chOff x="0" y="0"/>
-          <a:chExt cx="0" cy="0"/>
-        </a:xfrm>
-      </p:grpSpPr>
-      <p:sp>
-        <p:nvSpPr>
-          <p:cNvPr id="167" name="PlaceHolder 1"/>
-          <p:cNvSpPr>
-            <a:spLocks noGrp="1"/>
-          </p:cNvSpPr>
-          <p:nvPr>
-            <p:ph type="title"/>
-          </p:nvPr>
-        </p:nvSpPr>
-        <p:spPr>
-          <a:xfrm>
-            <a:off x="609480" y="273600"/>
-            <a:ext cx="10972440" cy="1144800"/>
-          </a:xfrm>
-          <a:prstGeom prst="rect">
-            <a:avLst/>
-          </a:prstGeom>
-          <a:noFill/>
-          <a:ln w="0">
-            <a:noFill/>
-          </a:ln>
-        </p:spPr>
-        <p:txBody>
-          <a:bodyPr lIns="0" tIns="0" rIns="0" bIns="0" anchor="ctr">
-            <a:noAutofit/>
-          </a:bodyPr>
-          <a:lstStyle/>
-          <a:p>
-            <a:pPr algn="ctr">
-              <a:buNone/>
-            </a:pPr>
-            <a:endParaRPr lang="de-DE" sz="4400" b="0" strike="noStrike" spc="-1">
-              <a:latin typeface="Arial"/>
-            </a:endParaRPr>
-          </a:p>
-        </p:txBody>
-      </p:sp>
-    </p:spTree>
-  </p:cSld>
-  <p:clrMapOvr>
-    <a:masterClrMapping/>
-  </p:clrMapOvr>
-</p:sldLayout>
-</file>
-
-<file path=ppt/slideLayouts/slideLayout54.xml><?xml version="1.0" encoding="utf-8"?>
-<p:sldLayout xmlns:a="http://schemas.openxmlformats.org/drawingml/2006/main" xmlns:r="http://schemas.openxmlformats.org/officeDocument/2006/relationships" xmlns:p="http://schemas.openxmlformats.org/presentationml/2006/main" type="objOnly" preserve="1">
-  <p:cSld name="Centered Text">
-    <p:spTree>
-      <p:nvGrpSpPr>
-        <p:cNvPr id="1" name=""/>
-        <p:cNvGrpSpPr/>
-        <p:nvPr/>
-      </p:nvGrpSpPr>
-      <p:grpSpPr>
-        <a:xfrm>
-          <a:off x="0" y="0"/>
-          <a:ext cx="0" cy="0"/>
-          <a:chOff x="0" y="0"/>
-          <a:chExt cx="0" cy="0"/>
-        </a:xfrm>
-      </p:grpSpPr>
-      <p:sp>
-        <p:nvSpPr>
-          <p:cNvPr id="168" name="PlaceHolder 1"/>
-          <p:cNvSpPr>
-            <a:spLocks noGrp="1"/>
-          </p:cNvSpPr>
-          <p:nvPr>
-            <p:ph type="subTitle"/>
-          </p:nvPr>
-        </p:nvSpPr>
-        <p:spPr>
-          <a:xfrm>
-            <a:off x="609480" y="273600"/>
-            <a:ext cx="10972440" cy="5307840"/>
-          </a:xfrm>
-          <a:prstGeom prst="rect">
-            <a:avLst/>
-          </a:prstGeom>
-          <a:noFill/>
-          <a:ln w="0">
-            <a:noFill/>
-          </a:ln>
-        </p:spPr>
-        <p:txBody>
-          <a:bodyPr lIns="0" tIns="0" rIns="0" bIns="0" anchor="ctr">
-            <a:noAutofit/>
-          </a:bodyPr>
-          <a:lstStyle/>
-          <a:p>
-            <a:pPr algn="ctr">
-              <a:buNone/>
-            </a:pPr>
-            <a:endParaRPr lang="de-DE" sz="3200" b="0" strike="noStrike" spc="-1">
-              <a:latin typeface="Arial"/>
-            </a:endParaRPr>
-          </a:p>
-        </p:txBody>
-      </p:sp>
-    </p:spTree>
-  </p:cSld>
-  <p:clrMapOvr>
-    <a:masterClrMapping/>
-  </p:clrMapOvr>
-</p:sldLayout>
-</file>
-
-<file path=ppt/slideLayouts/slideLayout55.xml><?xml version="1.0" encoding="utf-8"?>
-<p:sldLayout xmlns:a="http://schemas.openxmlformats.org/drawingml/2006/main" xmlns:r="http://schemas.openxmlformats.org/officeDocument/2006/relationships" xmlns:p="http://schemas.openxmlformats.org/presentationml/2006/main" type="twoObjAndObj" preserve="1">
-  <p:cSld name="Title, 2 Content and Content">
-    <p:spTree>
-      <p:nvGrpSpPr>
-        <p:cNvPr id="1" name=""/>
-        <p:cNvGrpSpPr/>
-        <p:nvPr/>
-      </p:nvGrpSpPr>
-      <p:grpSpPr>
-        <a:xfrm>
-          <a:off x="0" y="0"/>
-          <a:ext cx="0" cy="0"/>
-          <a:chOff x="0" y="0"/>
-          <a:chExt cx="0" cy="0"/>
-        </a:xfrm>
-      </p:grpSpPr>
-      <p:sp>
-        <p:nvSpPr>
-          <p:cNvPr id="169" name="PlaceHolder 1"/>
-          <p:cNvSpPr>
-            <a:spLocks noGrp="1"/>
-          </p:cNvSpPr>
-          <p:nvPr>
-            <p:ph type="title"/>
-          </p:nvPr>
-        </p:nvSpPr>
-        <p:spPr>
-          <a:xfrm>
-            <a:off x="609480" y="273600"/>
-            <a:ext cx="10972440" cy="1144800"/>
-          </a:xfrm>
-          <a:prstGeom prst="rect">
-            <a:avLst/>
-          </a:prstGeom>
-          <a:noFill/>
-          <a:ln w="0">
-            <a:noFill/>
-          </a:ln>
-        </p:spPr>
-        <p:txBody>
-          <a:bodyPr lIns="0" tIns="0" rIns="0" bIns="0" anchor="ctr">
-            <a:noAutofit/>
-          </a:bodyPr>
-          <a:lstStyle/>
-          <a:p>
-            <a:pPr algn="ctr">
-              <a:buNone/>
-            </a:pPr>
-            <a:endParaRPr lang="de-DE" sz="4400" b="0" strike="noStrike" spc="-1">
-              <a:latin typeface="Arial"/>
-            </a:endParaRPr>
-          </a:p>
-        </p:txBody>
-      </p:sp>
-      <p:sp>
-        <p:nvSpPr>
-          <p:cNvPr id="170" name="PlaceHolder 2"/>
-          <p:cNvSpPr>
-            <a:spLocks noGrp="1"/>
-          </p:cNvSpPr>
-          <p:nvPr>
-            <p:ph/>
-          </p:nvPr>
-        </p:nvSpPr>
-        <p:spPr>
-          <a:xfrm>
-            <a:off x="609480" y="1604520"/>
-            <a:ext cx="5354280" cy="1896840"/>
-          </a:xfrm>
-          <a:prstGeom prst="rect">
-            <a:avLst/>
-          </a:prstGeom>
-          <a:noFill/>
-          <a:ln w="0">
-            <a:noFill/>
-          </a:ln>
-        </p:spPr>
-        <p:txBody>
-          <a:bodyPr lIns="0" tIns="0" rIns="0" bIns="0" anchor="t">
-            <a:normAutofit/>
-          </a:bodyPr>
-          <a:lstStyle/>
-          <a:p>
-            <a:endParaRPr lang="de-DE" sz="3200" b="0" strike="noStrike" spc="-1">
-              <a:latin typeface="Arial"/>
-            </a:endParaRPr>
-          </a:p>
-        </p:txBody>
-      </p:sp>
-      <p:sp>
-        <p:nvSpPr>
-          <p:cNvPr id="171" name="PlaceHolder 3"/>
-          <p:cNvSpPr>
-            <a:spLocks noGrp="1"/>
-          </p:cNvSpPr>
-          <p:nvPr>
-            <p:ph/>
-          </p:nvPr>
-        </p:nvSpPr>
-        <p:spPr>
-          <a:xfrm>
-            <a:off x="6231960" y="1604520"/>
-            <a:ext cx="5354280" cy="3977280"/>
-          </a:xfrm>
-          <a:prstGeom prst="rect">
-            <a:avLst/>
-          </a:prstGeom>
-          <a:noFill/>
-          <a:ln w="0">
-            <a:noFill/>
-          </a:ln>
-        </p:spPr>
-        <p:txBody>
-          <a:bodyPr lIns="0" tIns="0" rIns="0" bIns="0" anchor="t">
-            <a:normAutofit/>
-          </a:bodyPr>
-          <a:lstStyle/>
-          <a:p>
-            <a:endParaRPr lang="de-DE" sz="3200" b="0" strike="noStrike" spc="-1">
-              <a:latin typeface="Arial"/>
-            </a:endParaRPr>
-          </a:p>
-        </p:txBody>
-      </p:sp>
-      <p:sp>
-        <p:nvSpPr>
-          <p:cNvPr id="172" name="PlaceHolder 4"/>
-          <p:cNvSpPr>
-            <a:spLocks noGrp="1"/>
-          </p:cNvSpPr>
-          <p:nvPr>
-            <p:ph/>
-          </p:nvPr>
-        </p:nvSpPr>
-        <p:spPr>
-          <a:xfrm>
-            <a:off x="609480" y="3682080"/>
-            <a:ext cx="5354280" cy="1896840"/>
-          </a:xfrm>
-          <a:prstGeom prst="rect">
-            <a:avLst/>
-          </a:prstGeom>
-          <a:noFill/>
-          <a:ln w="0">
-            <a:noFill/>
-          </a:ln>
-        </p:spPr>
-        <p:txBody>
-          <a:bodyPr lIns="0" tIns="0" rIns="0" bIns="0" anchor="t">
-            <a:normAutofit/>
-          </a:bodyPr>
-          <a:lstStyle/>
-          <a:p>
-            <a:endParaRPr lang="de-DE" sz="3200" b="0" strike="noStrike" spc="-1">
-              <a:latin typeface="Arial"/>
-            </a:endParaRPr>
-          </a:p>
-        </p:txBody>
-      </p:sp>
-    </p:spTree>
-  </p:cSld>
-  <p:clrMapOvr>
-    <a:masterClrMapping/>
-  </p:clrMapOvr>
-</p:sldLayout>
-</file>
-
-<file path=ppt/slideLayouts/slideLayout56.xml><?xml version="1.0" encoding="utf-8"?>
-<p:sldLayout xmlns:a="http://schemas.openxmlformats.org/drawingml/2006/main" xmlns:r="http://schemas.openxmlformats.org/officeDocument/2006/relationships" xmlns:p="http://schemas.openxmlformats.org/presentationml/2006/main" type="objAndTwoObj" preserve="1">
-  <p:cSld name="Title Content and 2 Content">
-    <p:spTree>
-      <p:nvGrpSpPr>
-        <p:cNvPr id="1" name=""/>
-        <p:cNvGrpSpPr/>
-        <p:nvPr/>
-      </p:nvGrpSpPr>
-      <p:grpSpPr>
-        <a:xfrm>
-          <a:off x="0" y="0"/>
-          <a:ext cx="0" cy="0"/>
-          <a:chOff x="0" y="0"/>
-          <a:chExt cx="0" cy="0"/>
-        </a:xfrm>
-      </p:grpSpPr>
-      <p:sp>
-        <p:nvSpPr>
-          <p:cNvPr id="173" name="PlaceHolder 1"/>
-          <p:cNvSpPr>
-            <a:spLocks noGrp="1"/>
-          </p:cNvSpPr>
-          <p:nvPr>
-            <p:ph type="title"/>
-          </p:nvPr>
-        </p:nvSpPr>
-        <p:spPr>
-          <a:xfrm>
-            <a:off x="609480" y="273600"/>
-            <a:ext cx="10972440" cy="1144800"/>
-          </a:xfrm>
-          <a:prstGeom prst="rect">
-            <a:avLst/>
-          </a:prstGeom>
-          <a:noFill/>
-          <a:ln w="0">
-            <a:noFill/>
-          </a:ln>
-        </p:spPr>
-        <p:txBody>
-          <a:bodyPr lIns="0" tIns="0" rIns="0" bIns="0" anchor="ctr">
-            <a:noAutofit/>
-          </a:bodyPr>
-          <a:lstStyle/>
-          <a:p>
-            <a:pPr algn="ctr">
-              <a:buNone/>
-            </a:pPr>
-            <a:endParaRPr lang="de-DE" sz="4400" b="0" strike="noStrike" spc="-1">
-              <a:latin typeface="Arial"/>
-            </a:endParaRPr>
-          </a:p>
-        </p:txBody>
-      </p:sp>
-      <p:sp>
-        <p:nvSpPr>
-          <p:cNvPr id="174" name="PlaceHolder 2"/>
-          <p:cNvSpPr>
-            <a:spLocks noGrp="1"/>
-          </p:cNvSpPr>
-          <p:nvPr>
-            <p:ph/>
-          </p:nvPr>
-        </p:nvSpPr>
-        <p:spPr>
-          <a:xfrm>
-            <a:off x="609480" y="1604520"/>
-            <a:ext cx="5354280" cy="3977280"/>
-          </a:xfrm>
-          <a:prstGeom prst="rect">
-            <a:avLst/>
-          </a:prstGeom>
-          <a:noFill/>
-          <a:ln w="0">
-            <a:noFill/>
-          </a:ln>
-        </p:spPr>
-        <p:txBody>
-          <a:bodyPr lIns="0" tIns="0" rIns="0" bIns="0" anchor="t">
-            <a:normAutofit/>
-          </a:bodyPr>
-          <a:lstStyle/>
-          <a:p>
-            <a:endParaRPr lang="de-DE" sz="3200" b="0" strike="noStrike" spc="-1">
-              <a:latin typeface="Arial"/>
-            </a:endParaRPr>
-          </a:p>
-        </p:txBody>
-      </p:sp>
-      <p:sp>
-        <p:nvSpPr>
-          <p:cNvPr id="175" name="PlaceHolder 3"/>
-          <p:cNvSpPr>
-            <a:spLocks noGrp="1"/>
-          </p:cNvSpPr>
-          <p:nvPr>
-            <p:ph/>
-          </p:nvPr>
-        </p:nvSpPr>
-        <p:spPr>
-          <a:xfrm>
-            <a:off x="6231960" y="1604520"/>
-            <a:ext cx="5354280" cy="1896840"/>
-          </a:xfrm>
-          <a:prstGeom prst="rect">
-            <a:avLst/>
-          </a:prstGeom>
-          <a:noFill/>
-          <a:ln w="0">
-            <a:noFill/>
-          </a:ln>
-        </p:spPr>
-        <p:txBody>
-          <a:bodyPr lIns="0" tIns="0" rIns="0" bIns="0" anchor="t">
-            <a:normAutofit/>
-          </a:bodyPr>
-          <a:lstStyle/>
-          <a:p>
-            <a:endParaRPr lang="de-DE" sz="3200" b="0" strike="noStrike" spc="-1">
-              <a:latin typeface="Arial"/>
-            </a:endParaRPr>
-          </a:p>
-        </p:txBody>
-      </p:sp>
-      <p:sp>
-        <p:nvSpPr>
-          <p:cNvPr id="176" name="PlaceHolder 4"/>
-          <p:cNvSpPr>
-            <a:spLocks noGrp="1"/>
-          </p:cNvSpPr>
-          <p:nvPr>
-            <p:ph/>
-          </p:nvPr>
-        </p:nvSpPr>
-        <p:spPr>
-          <a:xfrm>
-            <a:off x="6231960" y="3682080"/>
-            <a:ext cx="5354280" cy="1896840"/>
-          </a:xfrm>
-          <a:prstGeom prst="rect">
-            <a:avLst/>
-          </a:prstGeom>
-          <a:noFill/>
-          <a:ln w="0">
-            <a:noFill/>
-          </a:ln>
-        </p:spPr>
-        <p:txBody>
-          <a:bodyPr lIns="0" tIns="0" rIns="0" bIns="0" anchor="t">
-            <a:normAutofit/>
-          </a:bodyPr>
-          <a:lstStyle/>
-          <a:p>
-            <a:endParaRPr lang="de-DE" sz="3200" b="0" strike="noStrike" spc="-1">
-              <a:latin typeface="Arial"/>
-            </a:endParaRPr>
-          </a:p>
-        </p:txBody>
-      </p:sp>
-    </p:spTree>
-  </p:cSld>
-  <p:clrMapOvr>
-    <a:masterClrMapping/>
-  </p:clrMapOvr>
-</p:sldLayout>
-</file>
-
-<file path=ppt/slideLayouts/slideLayout57.xml><?xml version="1.0" encoding="utf-8"?>
-<p:sldLayout xmlns:a="http://schemas.openxmlformats.org/drawingml/2006/main" xmlns:r="http://schemas.openxmlformats.org/officeDocument/2006/relationships" xmlns:p="http://schemas.openxmlformats.org/presentationml/2006/main" type="twoObjOverTx" preserve="1">
-  <p:cSld name="Title, 2 Content over Content">
-    <p:spTree>
-      <p:nvGrpSpPr>
-        <p:cNvPr id="1" name=""/>
-        <p:cNvGrpSpPr/>
-        <p:nvPr/>
-      </p:nvGrpSpPr>
-      <p:grpSpPr>
-        <a:xfrm>
-          <a:off x="0" y="0"/>
-          <a:ext cx="0" cy="0"/>
-          <a:chOff x="0" y="0"/>
-          <a:chExt cx="0" cy="0"/>
-        </a:xfrm>
-      </p:grpSpPr>
-      <p:sp>
-        <p:nvSpPr>
-          <p:cNvPr id="177" name="PlaceHolder 1"/>
-          <p:cNvSpPr>
-            <a:spLocks noGrp="1"/>
-          </p:cNvSpPr>
-          <p:nvPr>
-            <p:ph type="title"/>
-          </p:nvPr>
-        </p:nvSpPr>
-        <p:spPr>
-          <a:xfrm>
-            <a:off x="609480" y="273600"/>
-            <a:ext cx="10972440" cy="1144800"/>
-          </a:xfrm>
-          <a:prstGeom prst="rect">
-            <a:avLst/>
-          </a:prstGeom>
-          <a:noFill/>
-          <a:ln w="0">
-            <a:noFill/>
-          </a:ln>
-        </p:spPr>
-        <p:txBody>
-          <a:bodyPr lIns="0" tIns="0" rIns="0" bIns="0" anchor="ctr">
-            <a:noAutofit/>
-          </a:bodyPr>
-          <a:lstStyle/>
-          <a:p>
-            <a:pPr algn="ctr">
-              <a:buNone/>
-            </a:pPr>
-            <a:endParaRPr lang="de-DE" sz="4400" b="0" strike="noStrike" spc="-1">
-              <a:latin typeface="Arial"/>
-            </a:endParaRPr>
-          </a:p>
-        </p:txBody>
-      </p:sp>
-      <p:sp>
-        <p:nvSpPr>
-          <p:cNvPr id="178" name="PlaceHolder 2"/>
-          <p:cNvSpPr>
-            <a:spLocks noGrp="1"/>
-          </p:cNvSpPr>
-          <p:nvPr>
-            <p:ph/>
-          </p:nvPr>
-        </p:nvSpPr>
-        <p:spPr>
-          <a:xfrm>
-            <a:off x="609480" y="1604520"/>
-            <a:ext cx="5354280" cy="1896840"/>
-          </a:xfrm>
-          <a:prstGeom prst="rect">
-            <a:avLst/>
-          </a:prstGeom>
-          <a:noFill/>
-          <a:ln w="0">
-            <a:noFill/>
-          </a:ln>
-        </p:spPr>
-        <p:txBody>
-          <a:bodyPr lIns="0" tIns="0" rIns="0" bIns="0" anchor="t">
-            <a:normAutofit/>
-          </a:bodyPr>
-          <a:lstStyle/>
-          <a:p>
-            <a:endParaRPr lang="de-DE" sz="3200" b="0" strike="noStrike" spc="-1">
-              <a:latin typeface="Arial"/>
-            </a:endParaRPr>
-          </a:p>
-        </p:txBody>
-      </p:sp>
-      <p:sp>
-        <p:nvSpPr>
-          <p:cNvPr id="179" name="PlaceHolder 3"/>
-          <p:cNvSpPr>
-            <a:spLocks noGrp="1"/>
-          </p:cNvSpPr>
-          <p:nvPr>
-            <p:ph/>
-          </p:nvPr>
-        </p:nvSpPr>
-        <p:spPr>
-          <a:xfrm>
-            <a:off x="6231960" y="1604520"/>
-            <a:ext cx="5354280" cy="1896840"/>
-          </a:xfrm>
-          <a:prstGeom prst="rect">
-            <a:avLst/>
-          </a:prstGeom>
-          <a:noFill/>
-          <a:ln w="0">
-            <a:noFill/>
-          </a:ln>
-        </p:spPr>
-        <p:txBody>
-          <a:bodyPr lIns="0" tIns="0" rIns="0" bIns="0" anchor="t">
-            <a:normAutofit/>
-          </a:bodyPr>
-          <a:lstStyle/>
-          <a:p>
-            <a:endParaRPr lang="de-DE" sz="3200" b="0" strike="noStrike" spc="-1">
-              <a:latin typeface="Arial"/>
-            </a:endParaRPr>
-          </a:p>
-        </p:txBody>
-      </p:sp>
-      <p:sp>
-        <p:nvSpPr>
-          <p:cNvPr id="180" name="PlaceHolder 4"/>
-          <p:cNvSpPr>
-            <a:spLocks noGrp="1"/>
-          </p:cNvSpPr>
-          <p:nvPr>
-            <p:ph/>
-          </p:nvPr>
-        </p:nvSpPr>
-        <p:spPr>
-          <a:xfrm>
-            <a:off x="609480" y="3682080"/>
-            <a:ext cx="10972440" cy="1896840"/>
-          </a:xfrm>
-          <a:prstGeom prst="rect">
-            <a:avLst/>
-          </a:prstGeom>
-          <a:noFill/>
-          <a:ln w="0">
-            <a:noFill/>
-          </a:ln>
-        </p:spPr>
-        <p:txBody>
-          <a:bodyPr lIns="0" tIns="0" rIns="0" bIns="0" anchor="t">
-            <a:normAutofit/>
-          </a:bodyPr>
-          <a:lstStyle/>
-          <a:p>
-            <a:endParaRPr lang="de-DE" sz="3200" b="0" strike="noStrike" spc="-1">
-              <a:latin typeface="Arial"/>
-            </a:endParaRPr>
-          </a:p>
-        </p:txBody>
-      </p:sp>
-    </p:spTree>
-  </p:cSld>
-  <p:clrMapOvr>
-    <a:masterClrMapping/>
-  </p:clrMapOvr>
-</p:sldLayout>
-</file>
-
-<file path=ppt/slideLayouts/slideLayout58.xml><?xml version="1.0" encoding="utf-8"?>
-<p:sldLayout xmlns:a="http://schemas.openxmlformats.org/drawingml/2006/main" xmlns:r="http://schemas.openxmlformats.org/officeDocument/2006/relationships" xmlns:p="http://schemas.openxmlformats.org/presentationml/2006/main" type="objOverTx" preserve="1">
-  <p:cSld name="Title, Content over Content">
-    <p:spTree>
-      <p:nvGrpSpPr>
-        <p:cNvPr id="1" name=""/>
-        <p:cNvGrpSpPr/>
-        <p:nvPr/>
-      </p:nvGrpSpPr>
-      <p:grpSpPr>
-        <a:xfrm>
-          <a:off x="0" y="0"/>
-          <a:ext cx="0" cy="0"/>
-          <a:chOff x="0" y="0"/>
-          <a:chExt cx="0" cy="0"/>
-        </a:xfrm>
-      </p:grpSpPr>
-      <p:sp>
-        <p:nvSpPr>
-          <p:cNvPr id="181" name="PlaceHolder 1"/>
-          <p:cNvSpPr>
-            <a:spLocks noGrp="1"/>
-          </p:cNvSpPr>
-          <p:nvPr>
-            <p:ph type="title"/>
-          </p:nvPr>
-        </p:nvSpPr>
-        <p:spPr>
-          <a:xfrm>
-            <a:off x="609480" y="273600"/>
-            <a:ext cx="10972440" cy="1144800"/>
-          </a:xfrm>
-          <a:prstGeom prst="rect">
-            <a:avLst/>
-          </a:prstGeom>
-          <a:noFill/>
-          <a:ln w="0">
-            <a:noFill/>
-          </a:ln>
-        </p:spPr>
-        <p:txBody>
-          <a:bodyPr lIns="0" tIns="0" rIns="0" bIns="0" anchor="ctr">
-            <a:noAutofit/>
-          </a:bodyPr>
-          <a:lstStyle/>
-          <a:p>
-            <a:pPr algn="ctr">
-              <a:buNone/>
-            </a:pPr>
-            <a:endParaRPr lang="de-DE" sz="4400" b="0" strike="noStrike" spc="-1">
-              <a:latin typeface="Arial"/>
-            </a:endParaRPr>
-          </a:p>
-        </p:txBody>
-      </p:sp>
-      <p:sp>
-        <p:nvSpPr>
-          <p:cNvPr id="182" name="PlaceHolder 2"/>
-          <p:cNvSpPr>
-            <a:spLocks noGrp="1"/>
-          </p:cNvSpPr>
-          <p:nvPr>
-            <p:ph/>
-          </p:nvPr>
-        </p:nvSpPr>
-        <p:spPr>
-          <a:xfrm>
-            <a:off x="609480" y="1604520"/>
-            <a:ext cx="10972440" cy="1896840"/>
-          </a:xfrm>
-          <a:prstGeom prst="rect">
-            <a:avLst/>
-          </a:prstGeom>
-          <a:noFill/>
-          <a:ln w="0">
-            <a:noFill/>
-          </a:ln>
-        </p:spPr>
-        <p:txBody>
-          <a:bodyPr lIns="0" tIns="0" rIns="0" bIns="0" anchor="t">
-            <a:normAutofit/>
-          </a:bodyPr>
-          <a:lstStyle/>
-          <a:p>
-            <a:endParaRPr lang="de-DE" sz="3200" b="0" strike="noStrike" spc="-1">
-              <a:latin typeface="Arial"/>
-            </a:endParaRPr>
-          </a:p>
-        </p:txBody>
-      </p:sp>
-      <p:sp>
-        <p:nvSpPr>
-          <p:cNvPr id="183" name="PlaceHolder 3"/>
-          <p:cNvSpPr>
-            <a:spLocks noGrp="1"/>
-          </p:cNvSpPr>
-          <p:nvPr>
-            <p:ph/>
-          </p:nvPr>
-        </p:nvSpPr>
-        <p:spPr>
-          <a:xfrm>
-            <a:off x="609480" y="3682080"/>
-            <a:ext cx="10972440" cy="1896840"/>
-          </a:xfrm>
-          <a:prstGeom prst="rect">
-            <a:avLst/>
-          </a:prstGeom>
-          <a:noFill/>
-          <a:ln w="0">
-            <a:noFill/>
-          </a:ln>
-        </p:spPr>
-        <p:txBody>
-          <a:bodyPr lIns="0" tIns="0" rIns="0" bIns="0" anchor="t">
-            <a:normAutofit/>
-          </a:bodyPr>
-          <a:lstStyle/>
-          <a:p>
-            <a:endParaRPr lang="de-DE" sz="3200" b="0" strike="noStrike" spc="-1">
-              <a:latin typeface="Arial"/>
-            </a:endParaRPr>
-          </a:p>
-        </p:txBody>
-      </p:sp>
-    </p:spTree>
-  </p:cSld>
-  <p:clrMapOvr>
-    <a:masterClrMapping/>
-  </p:clrMapOvr>
-</p:sldLayout>
-</file>
-
-<file path=ppt/slideLayouts/slideLayout59.xml><?xml version="1.0" encoding="utf-8"?>
-<p:sldLayout xmlns:a="http://schemas.openxmlformats.org/drawingml/2006/main" xmlns:r="http://schemas.openxmlformats.org/officeDocument/2006/relationships" xmlns:p="http://schemas.openxmlformats.org/presentationml/2006/main" type="fourObj" preserve="1">
-  <p:cSld name="Title, 4 Content">
-    <p:spTree>
-      <p:nvGrpSpPr>
-        <p:cNvPr id="1" name=""/>
-        <p:cNvGrpSpPr/>
-        <p:nvPr/>
-      </p:nvGrpSpPr>
-      <p:grpSpPr>
-        <a:xfrm>
-          <a:off x="0" y="0"/>
-          <a:ext cx="0" cy="0"/>
-          <a:chOff x="0" y="0"/>
-          <a:chExt cx="0" cy="0"/>
-        </a:xfrm>
-      </p:grpSpPr>
-      <p:sp>
-        <p:nvSpPr>
-          <p:cNvPr id="184" name="PlaceHolder 1"/>
-          <p:cNvSpPr>
-            <a:spLocks noGrp="1"/>
-          </p:cNvSpPr>
-          <p:nvPr>
-            <p:ph type="title"/>
-          </p:nvPr>
-        </p:nvSpPr>
-        <p:spPr>
-          <a:xfrm>
-            <a:off x="609480" y="273600"/>
-            <a:ext cx="10972440" cy="1144800"/>
-          </a:xfrm>
-          <a:prstGeom prst="rect">
-            <a:avLst/>
-          </a:prstGeom>
-          <a:noFill/>
-          <a:ln w="0">
-            <a:noFill/>
-          </a:ln>
-        </p:spPr>
-        <p:txBody>
-          <a:bodyPr lIns="0" tIns="0" rIns="0" bIns="0" anchor="ctr">
-            <a:noAutofit/>
-          </a:bodyPr>
-          <a:lstStyle/>
-          <a:p>
-            <a:pPr algn="ctr">
-              <a:buNone/>
-            </a:pPr>
-            <a:endParaRPr lang="de-DE" sz="4400" b="0" strike="noStrike" spc="-1">
-              <a:latin typeface="Arial"/>
-            </a:endParaRPr>
-          </a:p>
-        </p:txBody>
-      </p:sp>
-      <p:sp>
-        <p:nvSpPr>
-          <p:cNvPr id="185" name="PlaceHolder 2"/>
-          <p:cNvSpPr>
-            <a:spLocks noGrp="1"/>
-          </p:cNvSpPr>
-          <p:nvPr>
-            <p:ph/>
-          </p:nvPr>
-        </p:nvSpPr>
-        <p:spPr>
-          <a:xfrm>
-            <a:off x="609480" y="1604520"/>
-            <a:ext cx="5354280" cy="1896840"/>
-          </a:xfrm>
-          <a:prstGeom prst="rect">
-            <a:avLst/>
-          </a:prstGeom>
-          <a:noFill/>
-          <a:ln w="0">
-            <a:noFill/>
-          </a:ln>
-        </p:spPr>
-        <p:txBody>
-          <a:bodyPr lIns="0" tIns="0" rIns="0" bIns="0" anchor="t">
-            <a:normAutofit/>
-          </a:bodyPr>
-          <a:lstStyle/>
-          <a:p>
-            <a:endParaRPr lang="de-DE" sz="3200" b="0" strike="noStrike" spc="-1">
-              <a:latin typeface="Arial"/>
-            </a:endParaRPr>
-          </a:p>
-        </p:txBody>
-      </p:sp>
-      <p:sp>
-        <p:nvSpPr>
-          <p:cNvPr id="186" name="PlaceHolder 3"/>
-          <p:cNvSpPr>
-            <a:spLocks noGrp="1"/>
-          </p:cNvSpPr>
-          <p:nvPr>
-            <p:ph/>
-          </p:nvPr>
-        </p:nvSpPr>
-        <p:spPr>
-          <a:xfrm>
-            <a:off x="6231960" y="1604520"/>
-            <a:ext cx="5354280" cy="1896840"/>
-          </a:xfrm>
-          <a:prstGeom prst="rect">
-            <a:avLst/>
-          </a:prstGeom>
-          <a:noFill/>
-          <a:ln w="0">
-            <a:noFill/>
-          </a:ln>
-        </p:spPr>
-        <p:txBody>
-          <a:bodyPr lIns="0" tIns="0" rIns="0" bIns="0" anchor="t">
-            <a:normAutofit/>
-          </a:bodyPr>
-          <a:lstStyle/>
-          <a:p>
-            <a:endParaRPr lang="de-DE" sz="3200" b="0" strike="noStrike" spc="-1">
-              <a:latin typeface="Arial"/>
-            </a:endParaRPr>
-          </a:p>
-        </p:txBody>
-      </p:sp>
-      <p:sp>
-        <p:nvSpPr>
-          <p:cNvPr id="187" name="PlaceHolder 4"/>
-          <p:cNvSpPr>
-            <a:spLocks noGrp="1"/>
-          </p:cNvSpPr>
-          <p:nvPr>
-            <p:ph/>
-          </p:nvPr>
-        </p:nvSpPr>
-        <p:spPr>
-          <a:xfrm>
-            <a:off x="609480" y="3682080"/>
-            <a:ext cx="5354280" cy="1896840"/>
-          </a:xfrm>
-          <a:prstGeom prst="rect">
-            <a:avLst/>
-          </a:prstGeom>
-          <a:noFill/>
-          <a:ln w="0">
-            <a:noFill/>
-          </a:ln>
-        </p:spPr>
-        <p:txBody>
-          <a:bodyPr lIns="0" tIns="0" rIns="0" bIns="0" anchor="t">
-            <a:normAutofit/>
-          </a:bodyPr>
-          <a:lstStyle/>
-          <a:p>
-            <a:endParaRPr lang="de-DE" sz="3200" b="0" strike="noStrike" spc="-1">
-              <a:latin typeface="Arial"/>
-            </a:endParaRPr>
-          </a:p>
-        </p:txBody>
-      </p:sp>
-      <p:sp>
-        <p:nvSpPr>
-          <p:cNvPr id="188" name="PlaceHolder 5"/>
-          <p:cNvSpPr>
-            <a:spLocks noGrp="1"/>
-          </p:cNvSpPr>
-          <p:nvPr>
-            <p:ph/>
-          </p:nvPr>
-        </p:nvSpPr>
-        <p:spPr>
-          <a:xfrm>
-            <a:off x="6231960" y="3682080"/>
-            <a:ext cx="5354280" cy="1896840"/>
-          </a:xfrm>
-          <a:prstGeom prst="rect">
-            <a:avLst/>
-          </a:prstGeom>
-          <a:noFill/>
-          <a:ln w="0">
-            <a:noFill/>
-          </a:ln>
-        </p:spPr>
-        <p:txBody>
-          <a:bodyPr lIns="0" tIns="0" rIns="0" bIns="0" anchor="t">
-            <a:normAutofit/>
-          </a:bodyPr>
-          <a:lstStyle/>
-          <a:p>
-            <a:endParaRPr lang="de-DE" sz="3200" b="0" strike="noStrike" spc="-1">
               <a:latin typeface="Arial"/>
             </a:endParaRPr>
           </a:p>
@@ -7346,1266 +6020,6 @@
 </p:sldLayout>
 </file>
 
-<file path=ppt/slideLayouts/slideLayout60.xml><?xml version="1.0" encoding="utf-8"?>
-<p:sldLayout xmlns:a="http://schemas.openxmlformats.org/drawingml/2006/main" xmlns:r="http://schemas.openxmlformats.org/officeDocument/2006/relationships" xmlns:p="http://schemas.openxmlformats.org/presentationml/2006/main" type="blank" preserve="1">
-  <p:cSld name="Title, 6 Content">
-    <p:spTree>
-      <p:nvGrpSpPr>
-        <p:cNvPr id="1" name=""/>
-        <p:cNvGrpSpPr/>
-        <p:nvPr/>
-      </p:nvGrpSpPr>
-      <p:grpSpPr>
-        <a:xfrm>
-          <a:off x="0" y="0"/>
-          <a:ext cx="0" cy="0"/>
-          <a:chOff x="0" y="0"/>
-          <a:chExt cx="0" cy="0"/>
-        </a:xfrm>
-      </p:grpSpPr>
-      <p:sp>
-        <p:nvSpPr>
-          <p:cNvPr id="189" name="PlaceHolder 1"/>
-          <p:cNvSpPr>
-            <a:spLocks noGrp="1"/>
-          </p:cNvSpPr>
-          <p:nvPr>
-            <p:ph type="title"/>
-          </p:nvPr>
-        </p:nvSpPr>
-        <p:spPr>
-          <a:xfrm>
-            <a:off x="609480" y="273600"/>
-            <a:ext cx="10972440" cy="1144800"/>
-          </a:xfrm>
-          <a:prstGeom prst="rect">
-            <a:avLst/>
-          </a:prstGeom>
-          <a:noFill/>
-          <a:ln w="0">
-            <a:noFill/>
-          </a:ln>
-        </p:spPr>
-        <p:txBody>
-          <a:bodyPr lIns="0" tIns="0" rIns="0" bIns="0" anchor="ctr">
-            <a:noAutofit/>
-          </a:bodyPr>
-          <a:lstStyle/>
-          <a:p>
-            <a:pPr algn="ctr">
-              <a:buNone/>
-            </a:pPr>
-            <a:endParaRPr lang="de-DE" sz="4400" b="0" strike="noStrike" spc="-1">
-              <a:latin typeface="Arial"/>
-            </a:endParaRPr>
-          </a:p>
-        </p:txBody>
-      </p:sp>
-      <p:sp>
-        <p:nvSpPr>
-          <p:cNvPr id="190" name="PlaceHolder 2"/>
-          <p:cNvSpPr>
-            <a:spLocks noGrp="1"/>
-          </p:cNvSpPr>
-          <p:nvPr>
-            <p:ph/>
-          </p:nvPr>
-        </p:nvSpPr>
-        <p:spPr>
-          <a:xfrm>
-            <a:off x="609480" y="1604520"/>
-            <a:ext cx="3533040" cy="1896840"/>
-          </a:xfrm>
-          <a:prstGeom prst="rect">
-            <a:avLst/>
-          </a:prstGeom>
-          <a:noFill/>
-          <a:ln w="0">
-            <a:noFill/>
-          </a:ln>
-        </p:spPr>
-        <p:txBody>
-          <a:bodyPr lIns="0" tIns="0" rIns="0" bIns="0" anchor="t">
-            <a:normAutofit/>
-          </a:bodyPr>
-          <a:lstStyle/>
-          <a:p>
-            <a:endParaRPr lang="de-DE" sz="3200" b="0" strike="noStrike" spc="-1">
-              <a:latin typeface="Arial"/>
-            </a:endParaRPr>
-          </a:p>
-        </p:txBody>
-      </p:sp>
-      <p:sp>
-        <p:nvSpPr>
-          <p:cNvPr id="191" name="PlaceHolder 3"/>
-          <p:cNvSpPr>
-            <a:spLocks noGrp="1"/>
-          </p:cNvSpPr>
-          <p:nvPr>
-            <p:ph/>
-          </p:nvPr>
-        </p:nvSpPr>
-        <p:spPr>
-          <a:xfrm>
-            <a:off x="4319640" y="1604520"/>
-            <a:ext cx="3533040" cy="1896840"/>
-          </a:xfrm>
-          <a:prstGeom prst="rect">
-            <a:avLst/>
-          </a:prstGeom>
-          <a:noFill/>
-          <a:ln w="0">
-            <a:noFill/>
-          </a:ln>
-        </p:spPr>
-        <p:txBody>
-          <a:bodyPr lIns="0" tIns="0" rIns="0" bIns="0" anchor="t">
-            <a:normAutofit/>
-          </a:bodyPr>
-          <a:lstStyle/>
-          <a:p>
-            <a:endParaRPr lang="de-DE" sz="3200" b="0" strike="noStrike" spc="-1">
-              <a:latin typeface="Arial"/>
-            </a:endParaRPr>
-          </a:p>
-        </p:txBody>
-      </p:sp>
-      <p:sp>
-        <p:nvSpPr>
-          <p:cNvPr id="192" name="PlaceHolder 4"/>
-          <p:cNvSpPr>
-            <a:spLocks noGrp="1"/>
-          </p:cNvSpPr>
-          <p:nvPr>
-            <p:ph/>
-          </p:nvPr>
-        </p:nvSpPr>
-        <p:spPr>
-          <a:xfrm>
-            <a:off x="8029800" y="1604520"/>
-            <a:ext cx="3533040" cy="1896840"/>
-          </a:xfrm>
-          <a:prstGeom prst="rect">
-            <a:avLst/>
-          </a:prstGeom>
-          <a:noFill/>
-          <a:ln w="0">
-            <a:noFill/>
-          </a:ln>
-        </p:spPr>
-        <p:txBody>
-          <a:bodyPr lIns="0" tIns="0" rIns="0" bIns="0" anchor="t">
-            <a:normAutofit/>
-          </a:bodyPr>
-          <a:lstStyle/>
-          <a:p>
-            <a:endParaRPr lang="de-DE" sz="3200" b="0" strike="noStrike" spc="-1">
-              <a:latin typeface="Arial"/>
-            </a:endParaRPr>
-          </a:p>
-        </p:txBody>
-      </p:sp>
-      <p:sp>
-        <p:nvSpPr>
-          <p:cNvPr id="193" name="PlaceHolder 5"/>
-          <p:cNvSpPr>
-            <a:spLocks noGrp="1"/>
-          </p:cNvSpPr>
-          <p:nvPr>
-            <p:ph/>
-          </p:nvPr>
-        </p:nvSpPr>
-        <p:spPr>
-          <a:xfrm>
-            <a:off x="609480" y="3682080"/>
-            <a:ext cx="3533040" cy="1896840"/>
-          </a:xfrm>
-          <a:prstGeom prst="rect">
-            <a:avLst/>
-          </a:prstGeom>
-          <a:noFill/>
-          <a:ln w="0">
-            <a:noFill/>
-          </a:ln>
-        </p:spPr>
-        <p:txBody>
-          <a:bodyPr lIns="0" tIns="0" rIns="0" bIns="0" anchor="t">
-            <a:normAutofit/>
-          </a:bodyPr>
-          <a:lstStyle/>
-          <a:p>
-            <a:endParaRPr lang="de-DE" sz="3200" b="0" strike="noStrike" spc="-1">
-              <a:latin typeface="Arial"/>
-            </a:endParaRPr>
-          </a:p>
-        </p:txBody>
-      </p:sp>
-      <p:sp>
-        <p:nvSpPr>
-          <p:cNvPr id="194" name="PlaceHolder 6"/>
-          <p:cNvSpPr>
-            <a:spLocks noGrp="1"/>
-          </p:cNvSpPr>
-          <p:nvPr>
-            <p:ph/>
-          </p:nvPr>
-        </p:nvSpPr>
-        <p:spPr>
-          <a:xfrm>
-            <a:off x="4319640" y="3682080"/>
-            <a:ext cx="3533040" cy="1896840"/>
-          </a:xfrm>
-          <a:prstGeom prst="rect">
-            <a:avLst/>
-          </a:prstGeom>
-          <a:noFill/>
-          <a:ln w="0">
-            <a:noFill/>
-          </a:ln>
-        </p:spPr>
-        <p:txBody>
-          <a:bodyPr lIns="0" tIns="0" rIns="0" bIns="0" anchor="t">
-            <a:normAutofit/>
-          </a:bodyPr>
-          <a:lstStyle/>
-          <a:p>
-            <a:endParaRPr lang="de-DE" sz="3200" b="0" strike="noStrike" spc="-1">
-              <a:latin typeface="Arial"/>
-            </a:endParaRPr>
-          </a:p>
-        </p:txBody>
-      </p:sp>
-      <p:sp>
-        <p:nvSpPr>
-          <p:cNvPr id="195" name="PlaceHolder 7"/>
-          <p:cNvSpPr>
-            <a:spLocks noGrp="1"/>
-          </p:cNvSpPr>
-          <p:nvPr>
-            <p:ph/>
-          </p:nvPr>
-        </p:nvSpPr>
-        <p:spPr>
-          <a:xfrm>
-            <a:off x="8029800" y="3682080"/>
-            <a:ext cx="3533040" cy="1896840"/>
-          </a:xfrm>
-          <a:prstGeom prst="rect">
-            <a:avLst/>
-          </a:prstGeom>
-          <a:noFill/>
-          <a:ln w="0">
-            <a:noFill/>
-          </a:ln>
-        </p:spPr>
-        <p:txBody>
-          <a:bodyPr lIns="0" tIns="0" rIns="0" bIns="0" anchor="t">
-            <a:normAutofit/>
-          </a:bodyPr>
-          <a:lstStyle/>
-          <a:p>
-            <a:endParaRPr lang="de-DE" sz="3200" b="0" strike="noStrike" spc="-1">
-              <a:latin typeface="Arial"/>
-            </a:endParaRPr>
-          </a:p>
-        </p:txBody>
-      </p:sp>
-    </p:spTree>
-  </p:cSld>
-  <p:clrMapOvr>
-    <a:masterClrMapping/>
-  </p:clrMapOvr>
-</p:sldLayout>
-</file>
-
-<file path=ppt/slideLayouts/slideLayout61.xml><?xml version="1.0" encoding="utf-8"?>
-<p:sldLayout xmlns:a="http://schemas.openxmlformats.org/drawingml/2006/main" xmlns:r="http://schemas.openxmlformats.org/officeDocument/2006/relationships" xmlns:p="http://schemas.openxmlformats.org/presentationml/2006/main" type="blank" preserve="1">
-  <p:cSld name="Blank Slide">
-    <p:spTree>
-      <p:nvGrpSpPr>
-        <p:cNvPr id="1" name=""/>
-        <p:cNvGrpSpPr/>
-        <p:nvPr/>
-      </p:nvGrpSpPr>
-      <p:grpSpPr>
-        <a:xfrm>
-          <a:off x="0" y="0"/>
-          <a:ext cx="0" cy="0"/>
-          <a:chOff x="0" y="0"/>
-          <a:chExt cx="0" cy="0"/>
-        </a:xfrm>
-      </p:grpSpPr>
-    </p:spTree>
-  </p:cSld>
-  <p:clrMapOvr>
-    <a:masterClrMapping/>
-  </p:clrMapOvr>
-</p:sldLayout>
-</file>
-
-<file path=ppt/slideLayouts/slideLayout62.xml><?xml version="1.0" encoding="utf-8"?>
-<p:sldLayout xmlns:a="http://schemas.openxmlformats.org/drawingml/2006/main" xmlns:r="http://schemas.openxmlformats.org/officeDocument/2006/relationships" xmlns:p="http://schemas.openxmlformats.org/presentationml/2006/main" type="tx" preserve="1">
-  <p:cSld name="Title Slide">
-    <p:spTree>
-      <p:nvGrpSpPr>
-        <p:cNvPr id="1" name=""/>
-        <p:cNvGrpSpPr/>
-        <p:nvPr/>
-      </p:nvGrpSpPr>
-      <p:grpSpPr>
-        <a:xfrm>
-          <a:off x="0" y="0"/>
-          <a:ext cx="0" cy="0"/>
-          <a:chOff x="0" y="0"/>
-          <a:chExt cx="0" cy="0"/>
-        </a:xfrm>
-      </p:grpSpPr>
-      <p:sp>
-        <p:nvSpPr>
-          <p:cNvPr id="199" name="PlaceHolder 1"/>
-          <p:cNvSpPr>
-            <a:spLocks noGrp="1"/>
-          </p:cNvSpPr>
-          <p:nvPr>
-            <p:ph type="title"/>
-          </p:nvPr>
-        </p:nvSpPr>
-        <p:spPr>
-          <a:xfrm>
-            <a:off x="609480" y="273600"/>
-            <a:ext cx="10972440" cy="1144800"/>
-          </a:xfrm>
-          <a:prstGeom prst="rect">
-            <a:avLst/>
-          </a:prstGeom>
-          <a:noFill/>
-          <a:ln w="0">
-            <a:noFill/>
-          </a:ln>
-        </p:spPr>
-        <p:txBody>
-          <a:bodyPr lIns="0" tIns="0" rIns="0" bIns="0" anchor="ctr">
-            <a:noAutofit/>
-          </a:bodyPr>
-          <a:lstStyle/>
-          <a:p>
-            <a:pPr algn="ctr">
-              <a:buNone/>
-            </a:pPr>
-            <a:endParaRPr lang="de-DE" sz="4400" b="0" strike="noStrike" spc="-1">
-              <a:latin typeface="Arial"/>
-            </a:endParaRPr>
-          </a:p>
-        </p:txBody>
-      </p:sp>
-      <p:sp>
-        <p:nvSpPr>
-          <p:cNvPr id="200" name="PlaceHolder 2"/>
-          <p:cNvSpPr>
-            <a:spLocks noGrp="1"/>
-          </p:cNvSpPr>
-          <p:nvPr>
-            <p:ph type="subTitle"/>
-          </p:nvPr>
-        </p:nvSpPr>
-        <p:spPr>
-          <a:xfrm>
-            <a:off x="609480" y="1604520"/>
-            <a:ext cx="10972440" cy="3977280"/>
-          </a:xfrm>
-          <a:prstGeom prst="rect">
-            <a:avLst/>
-          </a:prstGeom>
-          <a:noFill/>
-          <a:ln w="0">
-            <a:noFill/>
-          </a:ln>
-        </p:spPr>
-        <p:txBody>
-          <a:bodyPr lIns="0" tIns="0" rIns="0" bIns="0" anchor="ctr">
-            <a:noAutofit/>
-          </a:bodyPr>
-          <a:lstStyle/>
-          <a:p>
-            <a:pPr algn="ctr">
-              <a:buNone/>
-            </a:pPr>
-            <a:endParaRPr lang="de-DE" sz="3200" b="0" strike="noStrike" spc="-1">
-              <a:latin typeface="Arial"/>
-            </a:endParaRPr>
-          </a:p>
-        </p:txBody>
-      </p:sp>
-    </p:spTree>
-  </p:cSld>
-  <p:clrMapOvr>
-    <a:masterClrMapping/>
-  </p:clrMapOvr>
-</p:sldLayout>
-</file>
-
-<file path=ppt/slideLayouts/slideLayout63.xml><?xml version="1.0" encoding="utf-8"?>
-<p:sldLayout xmlns:a="http://schemas.openxmlformats.org/drawingml/2006/main" xmlns:r="http://schemas.openxmlformats.org/officeDocument/2006/relationships" xmlns:p="http://schemas.openxmlformats.org/presentationml/2006/main" type="obj" preserve="1">
-  <p:cSld name="Title, Content">
-    <p:spTree>
-      <p:nvGrpSpPr>
-        <p:cNvPr id="1" name=""/>
-        <p:cNvGrpSpPr/>
-        <p:nvPr/>
-      </p:nvGrpSpPr>
-      <p:grpSpPr>
-        <a:xfrm>
-          <a:off x="0" y="0"/>
-          <a:ext cx="0" cy="0"/>
-          <a:chOff x="0" y="0"/>
-          <a:chExt cx="0" cy="0"/>
-        </a:xfrm>
-      </p:grpSpPr>
-      <p:sp>
-        <p:nvSpPr>
-          <p:cNvPr id="201" name="PlaceHolder 1"/>
-          <p:cNvSpPr>
-            <a:spLocks noGrp="1"/>
-          </p:cNvSpPr>
-          <p:nvPr>
-            <p:ph type="title"/>
-          </p:nvPr>
-        </p:nvSpPr>
-        <p:spPr>
-          <a:xfrm>
-            <a:off x="609480" y="273600"/>
-            <a:ext cx="10972440" cy="1144800"/>
-          </a:xfrm>
-          <a:prstGeom prst="rect">
-            <a:avLst/>
-          </a:prstGeom>
-          <a:noFill/>
-          <a:ln w="0">
-            <a:noFill/>
-          </a:ln>
-        </p:spPr>
-        <p:txBody>
-          <a:bodyPr lIns="0" tIns="0" rIns="0" bIns="0" anchor="ctr">
-            <a:noAutofit/>
-          </a:bodyPr>
-          <a:lstStyle/>
-          <a:p>
-            <a:pPr algn="ctr">
-              <a:buNone/>
-            </a:pPr>
-            <a:endParaRPr lang="de-DE" sz="4400" b="0" strike="noStrike" spc="-1">
-              <a:latin typeface="Arial"/>
-            </a:endParaRPr>
-          </a:p>
-        </p:txBody>
-      </p:sp>
-      <p:sp>
-        <p:nvSpPr>
-          <p:cNvPr id="202" name="PlaceHolder 2"/>
-          <p:cNvSpPr>
-            <a:spLocks noGrp="1"/>
-          </p:cNvSpPr>
-          <p:nvPr>
-            <p:ph/>
-          </p:nvPr>
-        </p:nvSpPr>
-        <p:spPr>
-          <a:xfrm>
-            <a:off x="609480" y="1604520"/>
-            <a:ext cx="10972440" cy="3977280"/>
-          </a:xfrm>
-          <a:prstGeom prst="rect">
-            <a:avLst/>
-          </a:prstGeom>
-          <a:noFill/>
-          <a:ln w="0">
-            <a:noFill/>
-          </a:ln>
-        </p:spPr>
-        <p:txBody>
-          <a:bodyPr lIns="0" tIns="0" rIns="0" bIns="0" anchor="t">
-            <a:normAutofit/>
-          </a:bodyPr>
-          <a:lstStyle/>
-          <a:p>
-            <a:endParaRPr lang="de-DE" sz="3200" b="0" strike="noStrike" spc="-1">
-              <a:latin typeface="Arial"/>
-            </a:endParaRPr>
-          </a:p>
-        </p:txBody>
-      </p:sp>
-    </p:spTree>
-  </p:cSld>
-  <p:clrMapOvr>
-    <a:masterClrMapping/>
-  </p:clrMapOvr>
-</p:sldLayout>
-</file>
-
-<file path=ppt/slideLayouts/slideLayout64.xml><?xml version="1.0" encoding="utf-8"?>
-<p:sldLayout xmlns:a="http://schemas.openxmlformats.org/drawingml/2006/main" xmlns:r="http://schemas.openxmlformats.org/officeDocument/2006/relationships" xmlns:p="http://schemas.openxmlformats.org/presentationml/2006/main" type="twoObj" preserve="1">
-  <p:cSld name="Title, 2 Content">
-    <p:spTree>
-      <p:nvGrpSpPr>
-        <p:cNvPr id="1" name=""/>
-        <p:cNvGrpSpPr/>
-        <p:nvPr/>
-      </p:nvGrpSpPr>
-      <p:grpSpPr>
-        <a:xfrm>
-          <a:off x="0" y="0"/>
-          <a:ext cx="0" cy="0"/>
-          <a:chOff x="0" y="0"/>
-          <a:chExt cx="0" cy="0"/>
-        </a:xfrm>
-      </p:grpSpPr>
-      <p:sp>
-        <p:nvSpPr>
-          <p:cNvPr id="203" name="PlaceHolder 1"/>
-          <p:cNvSpPr>
-            <a:spLocks noGrp="1"/>
-          </p:cNvSpPr>
-          <p:nvPr>
-            <p:ph type="title"/>
-          </p:nvPr>
-        </p:nvSpPr>
-        <p:spPr>
-          <a:xfrm>
-            <a:off x="609480" y="273600"/>
-            <a:ext cx="10972440" cy="1144800"/>
-          </a:xfrm>
-          <a:prstGeom prst="rect">
-            <a:avLst/>
-          </a:prstGeom>
-          <a:noFill/>
-          <a:ln w="0">
-            <a:noFill/>
-          </a:ln>
-        </p:spPr>
-        <p:txBody>
-          <a:bodyPr lIns="0" tIns="0" rIns="0" bIns="0" anchor="ctr">
-            <a:noAutofit/>
-          </a:bodyPr>
-          <a:lstStyle/>
-          <a:p>
-            <a:pPr algn="ctr">
-              <a:buNone/>
-            </a:pPr>
-            <a:endParaRPr lang="de-DE" sz="4400" b="0" strike="noStrike" spc="-1">
-              <a:latin typeface="Arial"/>
-            </a:endParaRPr>
-          </a:p>
-        </p:txBody>
-      </p:sp>
-      <p:sp>
-        <p:nvSpPr>
-          <p:cNvPr id="204" name="PlaceHolder 2"/>
-          <p:cNvSpPr>
-            <a:spLocks noGrp="1"/>
-          </p:cNvSpPr>
-          <p:nvPr>
-            <p:ph/>
-          </p:nvPr>
-        </p:nvSpPr>
-        <p:spPr>
-          <a:xfrm>
-            <a:off x="609480" y="1604520"/>
-            <a:ext cx="5354280" cy="3977280"/>
-          </a:xfrm>
-          <a:prstGeom prst="rect">
-            <a:avLst/>
-          </a:prstGeom>
-          <a:noFill/>
-          <a:ln w="0">
-            <a:noFill/>
-          </a:ln>
-        </p:spPr>
-        <p:txBody>
-          <a:bodyPr lIns="0" tIns="0" rIns="0" bIns="0" anchor="t">
-            <a:normAutofit/>
-          </a:bodyPr>
-          <a:lstStyle/>
-          <a:p>
-            <a:endParaRPr lang="de-DE" sz="3200" b="0" strike="noStrike" spc="-1">
-              <a:latin typeface="Arial"/>
-            </a:endParaRPr>
-          </a:p>
-        </p:txBody>
-      </p:sp>
-      <p:sp>
-        <p:nvSpPr>
-          <p:cNvPr id="205" name="PlaceHolder 3"/>
-          <p:cNvSpPr>
-            <a:spLocks noGrp="1"/>
-          </p:cNvSpPr>
-          <p:nvPr>
-            <p:ph/>
-          </p:nvPr>
-        </p:nvSpPr>
-        <p:spPr>
-          <a:xfrm>
-            <a:off x="6231960" y="1604520"/>
-            <a:ext cx="5354280" cy="3977280"/>
-          </a:xfrm>
-          <a:prstGeom prst="rect">
-            <a:avLst/>
-          </a:prstGeom>
-          <a:noFill/>
-          <a:ln w="0">
-            <a:noFill/>
-          </a:ln>
-        </p:spPr>
-        <p:txBody>
-          <a:bodyPr lIns="0" tIns="0" rIns="0" bIns="0" anchor="t">
-            <a:normAutofit/>
-          </a:bodyPr>
-          <a:lstStyle/>
-          <a:p>
-            <a:endParaRPr lang="de-DE" sz="3200" b="0" strike="noStrike" spc="-1">
-              <a:latin typeface="Arial"/>
-            </a:endParaRPr>
-          </a:p>
-        </p:txBody>
-      </p:sp>
-    </p:spTree>
-  </p:cSld>
-  <p:clrMapOvr>
-    <a:masterClrMapping/>
-  </p:clrMapOvr>
-</p:sldLayout>
-</file>
-
-<file path=ppt/slideLayouts/slideLayout65.xml><?xml version="1.0" encoding="utf-8"?>
-<p:sldLayout xmlns:a="http://schemas.openxmlformats.org/drawingml/2006/main" xmlns:r="http://schemas.openxmlformats.org/officeDocument/2006/relationships" xmlns:p="http://schemas.openxmlformats.org/presentationml/2006/main" type="titleOnly" preserve="1">
-  <p:cSld name="Title Only">
-    <p:spTree>
-      <p:nvGrpSpPr>
-        <p:cNvPr id="1" name=""/>
-        <p:cNvGrpSpPr/>
-        <p:nvPr/>
-      </p:nvGrpSpPr>
-      <p:grpSpPr>
-        <a:xfrm>
-          <a:off x="0" y="0"/>
-          <a:ext cx="0" cy="0"/>
-          <a:chOff x="0" y="0"/>
-          <a:chExt cx="0" cy="0"/>
-        </a:xfrm>
-      </p:grpSpPr>
-      <p:sp>
-        <p:nvSpPr>
-          <p:cNvPr id="206" name="PlaceHolder 1"/>
-          <p:cNvSpPr>
-            <a:spLocks noGrp="1"/>
-          </p:cNvSpPr>
-          <p:nvPr>
-            <p:ph type="title"/>
-          </p:nvPr>
-        </p:nvSpPr>
-        <p:spPr>
-          <a:xfrm>
-            <a:off x="609480" y="273600"/>
-            <a:ext cx="10972440" cy="1144800"/>
-          </a:xfrm>
-          <a:prstGeom prst="rect">
-            <a:avLst/>
-          </a:prstGeom>
-          <a:noFill/>
-          <a:ln w="0">
-            <a:noFill/>
-          </a:ln>
-        </p:spPr>
-        <p:txBody>
-          <a:bodyPr lIns="0" tIns="0" rIns="0" bIns="0" anchor="ctr">
-            <a:noAutofit/>
-          </a:bodyPr>
-          <a:lstStyle/>
-          <a:p>
-            <a:pPr algn="ctr">
-              <a:buNone/>
-            </a:pPr>
-            <a:endParaRPr lang="de-DE" sz="4400" b="0" strike="noStrike" spc="-1">
-              <a:latin typeface="Arial"/>
-            </a:endParaRPr>
-          </a:p>
-        </p:txBody>
-      </p:sp>
-    </p:spTree>
-  </p:cSld>
-  <p:clrMapOvr>
-    <a:masterClrMapping/>
-  </p:clrMapOvr>
-</p:sldLayout>
-</file>
-
-<file path=ppt/slideLayouts/slideLayout66.xml><?xml version="1.0" encoding="utf-8"?>
-<p:sldLayout xmlns:a="http://schemas.openxmlformats.org/drawingml/2006/main" xmlns:r="http://schemas.openxmlformats.org/officeDocument/2006/relationships" xmlns:p="http://schemas.openxmlformats.org/presentationml/2006/main" type="objOnly" preserve="1">
-  <p:cSld name="Centered Text">
-    <p:spTree>
-      <p:nvGrpSpPr>
-        <p:cNvPr id="1" name=""/>
-        <p:cNvGrpSpPr/>
-        <p:nvPr/>
-      </p:nvGrpSpPr>
-      <p:grpSpPr>
-        <a:xfrm>
-          <a:off x="0" y="0"/>
-          <a:ext cx="0" cy="0"/>
-          <a:chOff x="0" y="0"/>
-          <a:chExt cx="0" cy="0"/>
-        </a:xfrm>
-      </p:grpSpPr>
-      <p:sp>
-        <p:nvSpPr>
-          <p:cNvPr id="207" name="PlaceHolder 1"/>
-          <p:cNvSpPr>
-            <a:spLocks noGrp="1"/>
-          </p:cNvSpPr>
-          <p:nvPr>
-            <p:ph type="subTitle"/>
-          </p:nvPr>
-        </p:nvSpPr>
-        <p:spPr>
-          <a:xfrm>
-            <a:off x="609480" y="273600"/>
-            <a:ext cx="10972440" cy="5307840"/>
-          </a:xfrm>
-          <a:prstGeom prst="rect">
-            <a:avLst/>
-          </a:prstGeom>
-          <a:noFill/>
-          <a:ln w="0">
-            <a:noFill/>
-          </a:ln>
-        </p:spPr>
-        <p:txBody>
-          <a:bodyPr lIns="0" tIns="0" rIns="0" bIns="0" anchor="ctr">
-            <a:noAutofit/>
-          </a:bodyPr>
-          <a:lstStyle/>
-          <a:p>
-            <a:pPr algn="ctr">
-              <a:buNone/>
-            </a:pPr>
-            <a:endParaRPr lang="de-DE" sz="3200" b="0" strike="noStrike" spc="-1">
-              <a:latin typeface="Arial"/>
-            </a:endParaRPr>
-          </a:p>
-        </p:txBody>
-      </p:sp>
-    </p:spTree>
-  </p:cSld>
-  <p:clrMapOvr>
-    <a:masterClrMapping/>
-  </p:clrMapOvr>
-</p:sldLayout>
-</file>
-
-<file path=ppt/slideLayouts/slideLayout67.xml><?xml version="1.0" encoding="utf-8"?>
-<p:sldLayout xmlns:a="http://schemas.openxmlformats.org/drawingml/2006/main" xmlns:r="http://schemas.openxmlformats.org/officeDocument/2006/relationships" xmlns:p="http://schemas.openxmlformats.org/presentationml/2006/main" type="twoObjAndObj" preserve="1">
-  <p:cSld name="Title, 2 Content and Content">
-    <p:spTree>
-      <p:nvGrpSpPr>
-        <p:cNvPr id="1" name=""/>
-        <p:cNvGrpSpPr/>
-        <p:nvPr/>
-      </p:nvGrpSpPr>
-      <p:grpSpPr>
-        <a:xfrm>
-          <a:off x="0" y="0"/>
-          <a:ext cx="0" cy="0"/>
-          <a:chOff x="0" y="0"/>
-          <a:chExt cx="0" cy="0"/>
-        </a:xfrm>
-      </p:grpSpPr>
-      <p:sp>
-        <p:nvSpPr>
-          <p:cNvPr id="208" name="PlaceHolder 1"/>
-          <p:cNvSpPr>
-            <a:spLocks noGrp="1"/>
-          </p:cNvSpPr>
-          <p:nvPr>
-            <p:ph type="title"/>
-          </p:nvPr>
-        </p:nvSpPr>
-        <p:spPr>
-          <a:xfrm>
-            <a:off x="609480" y="273600"/>
-            <a:ext cx="10972440" cy="1144800"/>
-          </a:xfrm>
-          <a:prstGeom prst="rect">
-            <a:avLst/>
-          </a:prstGeom>
-          <a:noFill/>
-          <a:ln w="0">
-            <a:noFill/>
-          </a:ln>
-        </p:spPr>
-        <p:txBody>
-          <a:bodyPr lIns="0" tIns="0" rIns="0" bIns="0" anchor="ctr">
-            <a:noAutofit/>
-          </a:bodyPr>
-          <a:lstStyle/>
-          <a:p>
-            <a:pPr algn="ctr">
-              <a:buNone/>
-            </a:pPr>
-            <a:endParaRPr lang="de-DE" sz="4400" b="0" strike="noStrike" spc="-1">
-              <a:latin typeface="Arial"/>
-            </a:endParaRPr>
-          </a:p>
-        </p:txBody>
-      </p:sp>
-      <p:sp>
-        <p:nvSpPr>
-          <p:cNvPr id="209" name="PlaceHolder 2"/>
-          <p:cNvSpPr>
-            <a:spLocks noGrp="1"/>
-          </p:cNvSpPr>
-          <p:nvPr>
-            <p:ph/>
-          </p:nvPr>
-        </p:nvSpPr>
-        <p:spPr>
-          <a:xfrm>
-            <a:off x="609480" y="1604520"/>
-            <a:ext cx="5354280" cy="1896840"/>
-          </a:xfrm>
-          <a:prstGeom prst="rect">
-            <a:avLst/>
-          </a:prstGeom>
-          <a:noFill/>
-          <a:ln w="0">
-            <a:noFill/>
-          </a:ln>
-        </p:spPr>
-        <p:txBody>
-          <a:bodyPr lIns="0" tIns="0" rIns="0" bIns="0" anchor="t">
-            <a:normAutofit/>
-          </a:bodyPr>
-          <a:lstStyle/>
-          <a:p>
-            <a:endParaRPr lang="de-DE" sz="3200" b="0" strike="noStrike" spc="-1">
-              <a:latin typeface="Arial"/>
-            </a:endParaRPr>
-          </a:p>
-        </p:txBody>
-      </p:sp>
-      <p:sp>
-        <p:nvSpPr>
-          <p:cNvPr id="210" name="PlaceHolder 3"/>
-          <p:cNvSpPr>
-            <a:spLocks noGrp="1"/>
-          </p:cNvSpPr>
-          <p:nvPr>
-            <p:ph/>
-          </p:nvPr>
-        </p:nvSpPr>
-        <p:spPr>
-          <a:xfrm>
-            <a:off x="6231960" y="1604520"/>
-            <a:ext cx="5354280" cy="3977280"/>
-          </a:xfrm>
-          <a:prstGeom prst="rect">
-            <a:avLst/>
-          </a:prstGeom>
-          <a:noFill/>
-          <a:ln w="0">
-            <a:noFill/>
-          </a:ln>
-        </p:spPr>
-        <p:txBody>
-          <a:bodyPr lIns="0" tIns="0" rIns="0" bIns="0" anchor="t">
-            <a:normAutofit/>
-          </a:bodyPr>
-          <a:lstStyle/>
-          <a:p>
-            <a:endParaRPr lang="de-DE" sz="3200" b="0" strike="noStrike" spc="-1">
-              <a:latin typeface="Arial"/>
-            </a:endParaRPr>
-          </a:p>
-        </p:txBody>
-      </p:sp>
-      <p:sp>
-        <p:nvSpPr>
-          <p:cNvPr id="211" name="PlaceHolder 4"/>
-          <p:cNvSpPr>
-            <a:spLocks noGrp="1"/>
-          </p:cNvSpPr>
-          <p:nvPr>
-            <p:ph/>
-          </p:nvPr>
-        </p:nvSpPr>
-        <p:spPr>
-          <a:xfrm>
-            <a:off x="609480" y="3682080"/>
-            <a:ext cx="5354280" cy="1896840"/>
-          </a:xfrm>
-          <a:prstGeom prst="rect">
-            <a:avLst/>
-          </a:prstGeom>
-          <a:noFill/>
-          <a:ln w="0">
-            <a:noFill/>
-          </a:ln>
-        </p:spPr>
-        <p:txBody>
-          <a:bodyPr lIns="0" tIns="0" rIns="0" bIns="0" anchor="t">
-            <a:normAutofit/>
-          </a:bodyPr>
-          <a:lstStyle/>
-          <a:p>
-            <a:endParaRPr lang="de-DE" sz="3200" b="0" strike="noStrike" spc="-1">
-              <a:latin typeface="Arial"/>
-            </a:endParaRPr>
-          </a:p>
-        </p:txBody>
-      </p:sp>
-    </p:spTree>
-  </p:cSld>
-  <p:clrMapOvr>
-    <a:masterClrMapping/>
-  </p:clrMapOvr>
-</p:sldLayout>
-</file>
-
-<file path=ppt/slideLayouts/slideLayout68.xml><?xml version="1.0" encoding="utf-8"?>
-<p:sldLayout xmlns:a="http://schemas.openxmlformats.org/drawingml/2006/main" xmlns:r="http://schemas.openxmlformats.org/officeDocument/2006/relationships" xmlns:p="http://schemas.openxmlformats.org/presentationml/2006/main" type="objAndTwoObj" preserve="1">
-  <p:cSld name="Title Content and 2 Content">
-    <p:spTree>
-      <p:nvGrpSpPr>
-        <p:cNvPr id="1" name=""/>
-        <p:cNvGrpSpPr/>
-        <p:nvPr/>
-      </p:nvGrpSpPr>
-      <p:grpSpPr>
-        <a:xfrm>
-          <a:off x="0" y="0"/>
-          <a:ext cx="0" cy="0"/>
-          <a:chOff x="0" y="0"/>
-          <a:chExt cx="0" cy="0"/>
-        </a:xfrm>
-      </p:grpSpPr>
-      <p:sp>
-        <p:nvSpPr>
-          <p:cNvPr id="212" name="PlaceHolder 1"/>
-          <p:cNvSpPr>
-            <a:spLocks noGrp="1"/>
-          </p:cNvSpPr>
-          <p:nvPr>
-            <p:ph type="title"/>
-          </p:nvPr>
-        </p:nvSpPr>
-        <p:spPr>
-          <a:xfrm>
-            <a:off x="609480" y="273600"/>
-            <a:ext cx="10972440" cy="1144800"/>
-          </a:xfrm>
-          <a:prstGeom prst="rect">
-            <a:avLst/>
-          </a:prstGeom>
-          <a:noFill/>
-          <a:ln w="0">
-            <a:noFill/>
-          </a:ln>
-        </p:spPr>
-        <p:txBody>
-          <a:bodyPr lIns="0" tIns="0" rIns="0" bIns="0" anchor="ctr">
-            <a:noAutofit/>
-          </a:bodyPr>
-          <a:lstStyle/>
-          <a:p>
-            <a:pPr algn="ctr">
-              <a:buNone/>
-            </a:pPr>
-            <a:endParaRPr lang="de-DE" sz="4400" b="0" strike="noStrike" spc="-1">
-              <a:latin typeface="Arial"/>
-            </a:endParaRPr>
-          </a:p>
-        </p:txBody>
-      </p:sp>
-      <p:sp>
-        <p:nvSpPr>
-          <p:cNvPr id="213" name="PlaceHolder 2"/>
-          <p:cNvSpPr>
-            <a:spLocks noGrp="1"/>
-          </p:cNvSpPr>
-          <p:nvPr>
-            <p:ph/>
-          </p:nvPr>
-        </p:nvSpPr>
-        <p:spPr>
-          <a:xfrm>
-            <a:off x="609480" y="1604520"/>
-            <a:ext cx="5354280" cy="3977280"/>
-          </a:xfrm>
-          <a:prstGeom prst="rect">
-            <a:avLst/>
-          </a:prstGeom>
-          <a:noFill/>
-          <a:ln w="0">
-            <a:noFill/>
-          </a:ln>
-        </p:spPr>
-        <p:txBody>
-          <a:bodyPr lIns="0" tIns="0" rIns="0" bIns="0" anchor="t">
-            <a:normAutofit/>
-          </a:bodyPr>
-          <a:lstStyle/>
-          <a:p>
-            <a:endParaRPr lang="de-DE" sz="3200" b="0" strike="noStrike" spc="-1">
-              <a:latin typeface="Arial"/>
-            </a:endParaRPr>
-          </a:p>
-        </p:txBody>
-      </p:sp>
-      <p:sp>
-        <p:nvSpPr>
-          <p:cNvPr id="214" name="PlaceHolder 3"/>
-          <p:cNvSpPr>
-            <a:spLocks noGrp="1"/>
-          </p:cNvSpPr>
-          <p:nvPr>
-            <p:ph/>
-          </p:nvPr>
-        </p:nvSpPr>
-        <p:spPr>
-          <a:xfrm>
-            <a:off x="6231960" y="1604520"/>
-            <a:ext cx="5354280" cy="1896840"/>
-          </a:xfrm>
-          <a:prstGeom prst="rect">
-            <a:avLst/>
-          </a:prstGeom>
-          <a:noFill/>
-          <a:ln w="0">
-            <a:noFill/>
-          </a:ln>
-        </p:spPr>
-        <p:txBody>
-          <a:bodyPr lIns="0" tIns="0" rIns="0" bIns="0" anchor="t">
-            <a:normAutofit/>
-          </a:bodyPr>
-          <a:lstStyle/>
-          <a:p>
-            <a:endParaRPr lang="de-DE" sz="3200" b="0" strike="noStrike" spc="-1">
-              <a:latin typeface="Arial"/>
-            </a:endParaRPr>
-          </a:p>
-        </p:txBody>
-      </p:sp>
-      <p:sp>
-        <p:nvSpPr>
-          <p:cNvPr id="215" name="PlaceHolder 4"/>
-          <p:cNvSpPr>
-            <a:spLocks noGrp="1"/>
-          </p:cNvSpPr>
-          <p:nvPr>
-            <p:ph/>
-          </p:nvPr>
-        </p:nvSpPr>
-        <p:spPr>
-          <a:xfrm>
-            <a:off x="6231960" y="3682080"/>
-            <a:ext cx="5354280" cy="1896840"/>
-          </a:xfrm>
-          <a:prstGeom prst="rect">
-            <a:avLst/>
-          </a:prstGeom>
-          <a:noFill/>
-          <a:ln w="0">
-            <a:noFill/>
-          </a:ln>
-        </p:spPr>
-        <p:txBody>
-          <a:bodyPr lIns="0" tIns="0" rIns="0" bIns="0" anchor="t">
-            <a:normAutofit/>
-          </a:bodyPr>
-          <a:lstStyle/>
-          <a:p>
-            <a:endParaRPr lang="de-DE" sz="3200" b="0" strike="noStrike" spc="-1">
-              <a:latin typeface="Arial"/>
-            </a:endParaRPr>
-          </a:p>
-        </p:txBody>
-      </p:sp>
-    </p:spTree>
-  </p:cSld>
-  <p:clrMapOvr>
-    <a:masterClrMapping/>
-  </p:clrMapOvr>
-</p:sldLayout>
-</file>
-
-<file path=ppt/slideLayouts/slideLayout69.xml><?xml version="1.0" encoding="utf-8"?>
-<p:sldLayout xmlns:a="http://schemas.openxmlformats.org/drawingml/2006/main" xmlns:r="http://schemas.openxmlformats.org/officeDocument/2006/relationships" xmlns:p="http://schemas.openxmlformats.org/presentationml/2006/main" type="twoObjOverTx" preserve="1">
-  <p:cSld name="Title, 2 Content over Content">
-    <p:spTree>
-      <p:nvGrpSpPr>
-        <p:cNvPr id="1" name=""/>
-        <p:cNvGrpSpPr/>
-        <p:nvPr/>
-      </p:nvGrpSpPr>
-      <p:grpSpPr>
-        <a:xfrm>
-          <a:off x="0" y="0"/>
-          <a:ext cx="0" cy="0"/>
-          <a:chOff x="0" y="0"/>
-          <a:chExt cx="0" cy="0"/>
-        </a:xfrm>
-      </p:grpSpPr>
-      <p:sp>
-        <p:nvSpPr>
-          <p:cNvPr id="216" name="PlaceHolder 1"/>
-          <p:cNvSpPr>
-            <a:spLocks noGrp="1"/>
-          </p:cNvSpPr>
-          <p:nvPr>
-            <p:ph type="title"/>
-          </p:nvPr>
-        </p:nvSpPr>
-        <p:spPr>
-          <a:xfrm>
-            <a:off x="609480" y="273600"/>
-            <a:ext cx="10972440" cy="1144800"/>
-          </a:xfrm>
-          <a:prstGeom prst="rect">
-            <a:avLst/>
-          </a:prstGeom>
-          <a:noFill/>
-          <a:ln w="0">
-            <a:noFill/>
-          </a:ln>
-        </p:spPr>
-        <p:txBody>
-          <a:bodyPr lIns="0" tIns="0" rIns="0" bIns="0" anchor="ctr">
-            <a:noAutofit/>
-          </a:bodyPr>
-          <a:lstStyle/>
-          <a:p>
-            <a:pPr algn="ctr">
-              <a:buNone/>
-            </a:pPr>
-            <a:endParaRPr lang="de-DE" sz="4400" b="0" strike="noStrike" spc="-1">
-              <a:latin typeface="Arial"/>
-            </a:endParaRPr>
-          </a:p>
-        </p:txBody>
-      </p:sp>
-      <p:sp>
-        <p:nvSpPr>
-          <p:cNvPr id="217" name="PlaceHolder 2"/>
-          <p:cNvSpPr>
-            <a:spLocks noGrp="1"/>
-          </p:cNvSpPr>
-          <p:nvPr>
-            <p:ph/>
-          </p:nvPr>
-        </p:nvSpPr>
-        <p:spPr>
-          <a:xfrm>
-            <a:off x="609480" y="1604520"/>
-            <a:ext cx="5354280" cy="1896840"/>
-          </a:xfrm>
-          <a:prstGeom prst="rect">
-            <a:avLst/>
-          </a:prstGeom>
-          <a:noFill/>
-          <a:ln w="0">
-            <a:noFill/>
-          </a:ln>
-        </p:spPr>
-        <p:txBody>
-          <a:bodyPr lIns="0" tIns="0" rIns="0" bIns="0" anchor="t">
-            <a:normAutofit/>
-          </a:bodyPr>
-          <a:lstStyle/>
-          <a:p>
-            <a:endParaRPr lang="de-DE" sz="3200" b="0" strike="noStrike" spc="-1">
-              <a:latin typeface="Arial"/>
-            </a:endParaRPr>
-          </a:p>
-        </p:txBody>
-      </p:sp>
-      <p:sp>
-        <p:nvSpPr>
-          <p:cNvPr id="218" name="PlaceHolder 3"/>
-          <p:cNvSpPr>
-            <a:spLocks noGrp="1"/>
-          </p:cNvSpPr>
-          <p:nvPr>
-            <p:ph/>
-          </p:nvPr>
-        </p:nvSpPr>
-        <p:spPr>
-          <a:xfrm>
-            <a:off x="6231960" y="1604520"/>
-            <a:ext cx="5354280" cy="1896840"/>
-          </a:xfrm>
-          <a:prstGeom prst="rect">
-            <a:avLst/>
-          </a:prstGeom>
-          <a:noFill/>
-          <a:ln w="0">
-            <a:noFill/>
-          </a:ln>
-        </p:spPr>
-        <p:txBody>
-          <a:bodyPr lIns="0" tIns="0" rIns="0" bIns="0" anchor="t">
-            <a:normAutofit/>
-          </a:bodyPr>
-          <a:lstStyle/>
-          <a:p>
-            <a:endParaRPr lang="de-DE" sz="3200" b="0" strike="noStrike" spc="-1">
-              <a:latin typeface="Arial"/>
-            </a:endParaRPr>
-          </a:p>
-        </p:txBody>
-      </p:sp>
-      <p:sp>
-        <p:nvSpPr>
-          <p:cNvPr id="219" name="PlaceHolder 4"/>
-          <p:cNvSpPr>
-            <a:spLocks noGrp="1"/>
-          </p:cNvSpPr>
-          <p:nvPr>
-            <p:ph/>
-          </p:nvPr>
-        </p:nvSpPr>
-        <p:spPr>
-          <a:xfrm>
-            <a:off x="609480" y="3682080"/>
-            <a:ext cx="10972440" cy="1896840"/>
-          </a:xfrm>
-          <a:prstGeom prst="rect">
-            <a:avLst/>
-          </a:prstGeom>
-          <a:noFill/>
-          <a:ln w="0">
-            <a:noFill/>
-          </a:ln>
-        </p:spPr>
-        <p:txBody>
-          <a:bodyPr lIns="0" tIns="0" rIns="0" bIns="0" anchor="t">
-            <a:normAutofit/>
-          </a:bodyPr>
-          <a:lstStyle/>
-          <a:p>
-            <a:endParaRPr lang="de-DE" sz="3200" b="0" strike="noStrike" spc="-1">
-              <a:latin typeface="Arial"/>
-            </a:endParaRPr>
-          </a:p>
-        </p:txBody>
-      </p:sp>
-    </p:spTree>
-  </p:cSld>
-  <p:clrMapOvr>
-    <a:masterClrMapping/>
-  </p:clrMapOvr>
-</p:sldLayout>
-</file>
-
 <file path=ppt/slideLayouts/slideLayout7.xml><?xml version="1.0" encoding="utf-8"?>
 <p:sldLayout xmlns:a="http://schemas.openxmlformats.org/drawingml/2006/main" xmlns:r="http://schemas.openxmlformats.org/officeDocument/2006/relationships" xmlns:p="http://schemas.openxmlformats.org/presentationml/2006/main" type="twoObjAndObj" preserve="1">
   <p:cSld name="Title, 2 Content and Content">
@@ -8745,615 +6159,6 @@
           <a:xfrm>
             <a:off x="609480" y="3682080"/>
             <a:ext cx="5354280" cy="1896840"/>
-          </a:xfrm>
-          <a:prstGeom prst="rect">
-            <a:avLst/>
-          </a:prstGeom>
-          <a:noFill/>
-          <a:ln w="0">
-            <a:noFill/>
-          </a:ln>
-        </p:spPr>
-        <p:txBody>
-          <a:bodyPr lIns="0" tIns="0" rIns="0" bIns="0" anchor="t">
-            <a:normAutofit/>
-          </a:bodyPr>
-          <a:lstStyle/>
-          <a:p>
-            <a:endParaRPr lang="de-DE" sz="3200" b="0" strike="noStrike" spc="-1">
-              <a:latin typeface="Arial"/>
-            </a:endParaRPr>
-          </a:p>
-        </p:txBody>
-      </p:sp>
-    </p:spTree>
-  </p:cSld>
-  <p:clrMapOvr>
-    <a:masterClrMapping/>
-  </p:clrMapOvr>
-</p:sldLayout>
-</file>
-
-<file path=ppt/slideLayouts/slideLayout70.xml><?xml version="1.0" encoding="utf-8"?>
-<p:sldLayout xmlns:a="http://schemas.openxmlformats.org/drawingml/2006/main" xmlns:r="http://schemas.openxmlformats.org/officeDocument/2006/relationships" xmlns:p="http://schemas.openxmlformats.org/presentationml/2006/main" type="objOverTx" preserve="1">
-  <p:cSld name="Title, Content over Content">
-    <p:spTree>
-      <p:nvGrpSpPr>
-        <p:cNvPr id="1" name=""/>
-        <p:cNvGrpSpPr/>
-        <p:nvPr/>
-      </p:nvGrpSpPr>
-      <p:grpSpPr>
-        <a:xfrm>
-          <a:off x="0" y="0"/>
-          <a:ext cx="0" cy="0"/>
-          <a:chOff x="0" y="0"/>
-          <a:chExt cx="0" cy="0"/>
-        </a:xfrm>
-      </p:grpSpPr>
-      <p:sp>
-        <p:nvSpPr>
-          <p:cNvPr id="220" name="PlaceHolder 1"/>
-          <p:cNvSpPr>
-            <a:spLocks noGrp="1"/>
-          </p:cNvSpPr>
-          <p:nvPr>
-            <p:ph type="title"/>
-          </p:nvPr>
-        </p:nvSpPr>
-        <p:spPr>
-          <a:xfrm>
-            <a:off x="609480" y="273600"/>
-            <a:ext cx="10972440" cy="1144800"/>
-          </a:xfrm>
-          <a:prstGeom prst="rect">
-            <a:avLst/>
-          </a:prstGeom>
-          <a:noFill/>
-          <a:ln w="0">
-            <a:noFill/>
-          </a:ln>
-        </p:spPr>
-        <p:txBody>
-          <a:bodyPr lIns="0" tIns="0" rIns="0" bIns="0" anchor="ctr">
-            <a:noAutofit/>
-          </a:bodyPr>
-          <a:lstStyle/>
-          <a:p>
-            <a:pPr algn="ctr">
-              <a:buNone/>
-            </a:pPr>
-            <a:endParaRPr lang="de-DE" sz="4400" b="0" strike="noStrike" spc="-1">
-              <a:latin typeface="Arial"/>
-            </a:endParaRPr>
-          </a:p>
-        </p:txBody>
-      </p:sp>
-      <p:sp>
-        <p:nvSpPr>
-          <p:cNvPr id="221" name="PlaceHolder 2"/>
-          <p:cNvSpPr>
-            <a:spLocks noGrp="1"/>
-          </p:cNvSpPr>
-          <p:nvPr>
-            <p:ph/>
-          </p:nvPr>
-        </p:nvSpPr>
-        <p:spPr>
-          <a:xfrm>
-            <a:off x="609480" y="1604520"/>
-            <a:ext cx="10972440" cy="1896840"/>
-          </a:xfrm>
-          <a:prstGeom prst="rect">
-            <a:avLst/>
-          </a:prstGeom>
-          <a:noFill/>
-          <a:ln w="0">
-            <a:noFill/>
-          </a:ln>
-        </p:spPr>
-        <p:txBody>
-          <a:bodyPr lIns="0" tIns="0" rIns="0" bIns="0" anchor="t">
-            <a:normAutofit/>
-          </a:bodyPr>
-          <a:lstStyle/>
-          <a:p>
-            <a:endParaRPr lang="de-DE" sz="3200" b="0" strike="noStrike" spc="-1">
-              <a:latin typeface="Arial"/>
-            </a:endParaRPr>
-          </a:p>
-        </p:txBody>
-      </p:sp>
-      <p:sp>
-        <p:nvSpPr>
-          <p:cNvPr id="222" name="PlaceHolder 3"/>
-          <p:cNvSpPr>
-            <a:spLocks noGrp="1"/>
-          </p:cNvSpPr>
-          <p:nvPr>
-            <p:ph/>
-          </p:nvPr>
-        </p:nvSpPr>
-        <p:spPr>
-          <a:xfrm>
-            <a:off x="609480" y="3682080"/>
-            <a:ext cx="10972440" cy="1896840"/>
-          </a:xfrm>
-          <a:prstGeom prst="rect">
-            <a:avLst/>
-          </a:prstGeom>
-          <a:noFill/>
-          <a:ln w="0">
-            <a:noFill/>
-          </a:ln>
-        </p:spPr>
-        <p:txBody>
-          <a:bodyPr lIns="0" tIns="0" rIns="0" bIns="0" anchor="t">
-            <a:normAutofit/>
-          </a:bodyPr>
-          <a:lstStyle/>
-          <a:p>
-            <a:endParaRPr lang="de-DE" sz="3200" b="0" strike="noStrike" spc="-1">
-              <a:latin typeface="Arial"/>
-            </a:endParaRPr>
-          </a:p>
-        </p:txBody>
-      </p:sp>
-    </p:spTree>
-  </p:cSld>
-  <p:clrMapOvr>
-    <a:masterClrMapping/>
-  </p:clrMapOvr>
-</p:sldLayout>
-</file>
-
-<file path=ppt/slideLayouts/slideLayout71.xml><?xml version="1.0" encoding="utf-8"?>
-<p:sldLayout xmlns:a="http://schemas.openxmlformats.org/drawingml/2006/main" xmlns:r="http://schemas.openxmlformats.org/officeDocument/2006/relationships" xmlns:p="http://schemas.openxmlformats.org/presentationml/2006/main" type="fourObj" preserve="1">
-  <p:cSld name="Title, 4 Content">
-    <p:spTree>
-      <p:nvGrpSpPr>
-        <p:cNvPr id="1" name=""/>
-        <p:cNvGrpSpPr/>
-        <p:nvPr/>
-      </p:nvGrpSpPr>
-      <p:grpSpPr>
-        <a:xfrm>
-          <a:off x="0" y="0"/>
-          <a:ext cx="0" cy="0"/>
-          <a:chOff x="0" y="0"/>
-          <a:chExt cx="0" cy="0"/>
-        </a:xfrm>
-      </p:grpSpPr>
-      <p:sp>
-        <p:nvSpPr>
-          <p:cNvPr id="223" name="PlaceHolder 1"/>
-          <p:cNvSpPr>
-            <a:spLocks noGrp="1"/>
-          </p:cNvSpPr>
-          <p:nvPr>
-            <p:ph type="title"/>
-          </p:nvPr>
-        </p:nvSpPr>
-        <p:spPr>
-          <a:xfrm>
-            <a:off x="609480" y="273600"/>
-            <a:ext cx="10972440" cy="1144800"/>
-          </a:xfrm>
-          <a:prstGeom prst="rect">
-            <a:avLst/>
-          </a:prstGeom>
-          <a:noFill/>
-          <a:ln w="0">
-            <a:noFill/>
-          </a:ln>
-        </p:spPr>
-        <p:txBody>
-          <a:bodyPr lIns="0" tIns="0" rIns="0" bIns="0" anchor="ctr">
-            <a:noAutofit/>
-          </a:bodyPr>
-          <a:lstStyle/>
-          <a:p>
-            <a:pPr algn="ctr">
-              <a:buNone/>
-            </a:pPr>
-            <a:endParaRPr lang="de-DE" sz="4400" b="0" strike="noStrike" spc="-1">
-              <a:latin typeface="Arial"/>
-            </a:endParaRPr>
-          </a:p>
-        </p:txBody>
-      </p:sp>
-      <p:sp>
-        <p:nvSpPr>
-          <p:cNvPr id="224" name="PlaceHolder 2"/>
-          <p:cNvSpPr>
-            <a:spLocks noGrp="1"/>
-          </p:cNvSpPr>
-          <p:nvPr>
-            <p:ph/>
-          </p:nvPr>
-        </p:nvSpPr>
-        <p:spPr>
-          <a:xfrm>
-            <a:off x="609480" y="1604520"/>
-            <a:ext cx="5354280" cy="1896840"/>
-          </a:xfrm>
-          <a:prstGeom prst="rect">
-            <a:avLst/>
-          </a:prstGeom>
-          <a:noFill/>
-          <a:ln w="0">
-            <a:noFill/>
-          </a:ln>
-        </p:spPr>
-        <p:txBody>
-          <a:bodyPr lIns="0" tIns="0" rIns="0" bIns="0" anchor="t">
-            <a:normAutofit/>
-          </a:bodyPr>
-          <a:lstStyle/>
-          <a:p>
-            <a:endParaRPr lang="de-DE" sz="3200" b="0" strike="noStrike" spc="-1">
-              <a:latin typeface="Arial"/>
-            </a:endParaRPr>
-          </a:p>
-        </p:txBody>
-      </p:sp>
-      <p:sp>
-        <p:nvSpPr>
-          <p:cNvPr id="225" name="PlaceHolder 3"/>
-          <p:cNvSpPr>
-            <a:spLocks noGrp="1"/>
-          </p:cNvSpPr>
-          <p:nvPr>
-            <p:ph/>
-          </p:nvPr>
-        </p:nvSpPr>
-        <p:spPr>
-          <a:xfrm>
-            <a:off x="6231960" y="1604520"/>
-            <a:ext cx="5354280" cy="1896840"/>
-          </a:xfrm>
-          <a:prstGeom prst="rect">
-            <a:avLst/>
-          </a:prstGeom>
-          <a:noFill/>
-          <a:ln w="0">
-            <a:noFill/>
-          </a:ln>
-        </p:spPr>
-        <p:txBody>
-          <a:bodyPr lIns="0" tIns="0" rIns="0" bIns="0" anchor="t">
-            <a:normAutofit/>
-          </a:bodyPr>
-          <a:lstStyle/>
-          <a:p>
-            <a:endParaRPr lang="de-DE" sz="3200" b="0" strike="noStrike" spc="-1">
-              <a:latin typeface="Arial"/>
-            </a:endParaRPr>
-          </a:p>
-        </p:txBody>
-      </p:sp>
-      <p:sp>
-        <p:nvSpPr>
-          <p:cNvPr id="226" name="PlaceHolder 4"/>
-          <p:cNvSpPr>
-            <a:spLocks noGrp="1"/>
-          </p:cNvSpPr>
-          <p:nvPr>
-            <p:ph/>
-          </p:nvPr>
-        </p:nvSpPr>
-        <p:spPr>
-          <a:xfrm>
-            <a:off x="609480" y="3682080"/>
-            <a:ext cx="5354280" cy="1896840"/>
-          </a:xfrm>
-          <a:prstGeom prst="rect">
-            <a:avLst/>
-          </a:prstGeom>
-          <a:noFill/>
-          <a:ln w="0">
-            <a:noFill/>
-          </a:ln>
-        </p:spPr>
-        <p:txBody>
-          <a:bodyPr lIns="0" tIns="0" rIns="0" bIns="0" anchor="t">
-            <a:normAutofit/>
-          </a:bodyPr>
-          <a:lstStyle/>
-          <a:p>
-            <a:endParaRPr lang="de-DE" sz="3200" b="0" strike="noStrike" spc="-1">
-              <a:latin typeface="Arial"/>
-            </a:endParaRPr>
-          </a:p>
-        </p:txBody>
-      </p:sp>
-      <p:sp>
-        <p:nvSpPr>
-          <p:cNvPr id="227" name="PlaceHolder 5"/>
-          <p:cNvSpPr>
-            <a:spLocks noGrp="1"/>
-          </p:cNvSpPr>
-          <p:nvPr>
-            <p:ph/>
-          </p:nvPr>
-        </p:nvSpPr>
-        <p:spPr>
-          <a:xfrm>
-            <a:off x="6231960" y="3682080"/>
-            <a:ext cx="5354280" cy="1896840"/>
-          </a:xfrm>
-          <a:prstGeom prst="rect">
-            <a:avLst/>
-          </a:prstGeom>
-          <a:noFill/>
-          <a:ln w="0">
-            <a:noFill/>
-          </a:ln>
-        </p:spPr>
-        <p:txBody>
-          <a:bodyPr lIns="0" tIns="0" rIns="0" bIns="0" anchor="t">
-            <a:normAutofit/>
-          </a:bodyPr>
-          <a:lstStyle/>
-          <a:p>
-            <a:endParaRPr lang="de-DE" sz="3200" b="0" strike="noStrike" spc="-1">
-              <a:latin typeface="Arial"/>
-            </a:endParaRPr>
-          </a:p>
-        </p:txBody>
-      </p:sp>
-    </p:spTree>
-  </p:cSld>
-  <p:clrMapOvr>
-    <a:masterClrMapping/>
-  </p:clrMapOvr>
-</p:sldLayout>
-</file>
-
-<file path=ppt/slideLayouts/slideLayout72.xml><?xml version="1.0" encoding="utf-8"?>
-<p:sldLayout xmlns:a="http://schemas.openxmlformats.org/drawingml/2006/main" xmlns:r="http://schemas.openxmlformats.org/officeDocument/2006/relationships" xmlns:p="http://schemas.openxmlformats.org/presentationml/2006/main" type="blank" preserve="1">
-  <p:cSld name="Title, 6 Content">
-    <p:spTree>
-      <p:nvGrpSpPr>
-        <p:cNvPr id="1" name=""/>
-        <p:cNvGrpSpPr/>
-        <p:nvPr/>
-      </p:nvGrpSpPr>
-      <p:grpSpPr>
-        <a:xfrm>
-          <a:off x="0" y="0"/>
-          <a:ext cx="0" cy="0"/>
-          <a:chOff x="0" y="0"/>
-          <a:chExt cx="0" cy="0"/>
-        </a:xfrm>
-      </p:grpSpPr>
-      <p:sp>
-        <p:nvSpPr>
-          <p:cNvPr id="228" name="PlaceHolder 1"/>
-          <p:cNvSpPr>
-            <a:spLocks noGrp="1"/>
-          </p:cNvSpPr>
-          <p:nvPr>
-            <p:ph type="title"/>
-          </p:nvPr>
-        </p:nvSpPr>
-        <p:spPr>
-          <a:xfrm>
-            <a:off x="609480" y="273600"/>
-            <a:ext cx="10972440" cy="1144800"/>
-          </a:xfrm>
-          <a:prstGeom prst="rect">
-            <a:avLst/>
-          </a:prstGeom>
-          <a:noFill/>
-          <a:ln w="0">
-            <a:noFill/>
-          </a:ln>
-        </p:spPr>
-        <p:txBody>
-          <a:bodyPr lIns="0" tIns="0" rIns="0" bIns="0" anchor="ctr">
-            <a:noAutofit/>
-          </a:bodyPr>
-          <a:lstStyle/>
-          <a:p>
-            <a:pPr algn="ctr">
-              <a:buNone/>
-            </a:pPr>
-            <a:endParaRPr lang="de-DE" sz="4400" b="0" strike="noStrike" spc="-1">
-              <a:latin typeface="Arial"/>
-            </a:endParaRPr>
-          </a:p>
-        </p:txBody>
-      </p:sp>
-      <p:sp>
-        <p:nvSpPr>
-          <p:cNvPr id="229" name="PlaceHolder 2"/>
-          <p:cNvSpPr>
-            <a:spLocks noGrp="1"/>
-          </p:cNvSpPr>
-          <p:nvPr>
-            <p:ph/>
-          </p:nvPr>
-        </p:nvSpPr>
-        <p:spPr>
-          <a:xfrm>
-            <a:off x="609480" y="1604520"/>
-            <a:ext cx="3533040" cy="1896840"/>
-          </a:xfrm>
-          <a:prstGeom prst="rect">
-            <a:avLst/>
-          </a:prstGeom>
-          <a:noFill/>
-          <a:ln w="0">
-            <a:noFill/>
-          </a:ln>
-        </p:spPr>
-        <p:txBody>
-          <a:bodyPr lIns="0" tIns="0" rIns="0" bIns="0" anchor="t">
-            <a:normAutofit/>
-          </a:bodyPr>
-          <a:lstStyle/>
-          <a:p>
-            <a:endParaRPr lang="de-DE" sz="3200" b="0" strike="noStrike" spc="-1">
-              <a:latin typeface="Arial"/>
-            </a:endParaRPr>
-          </a:p>
-        </p:txBody>
-      </p:sp>
-      <p:sp>
-        <p:nvSpPr>
-          <p:cNvPr id="230" name="PlaceHolder 3"/>
-          <p:cNvSpPr>
-            <a:spLocks noGrp="1"/>
-          </p:cNvSpPr>
-          <p:nvPr>
-            <p:ph/>
-          </p:nvPr>
-        </p:nvSpPr>
-        <p:spPr>
-          <a:xfrm>
-            <a:off x="4319640" y="1604520"/>
-            <a:ext cx="3533040" cy="1896840"/>
-          </a:xfrm>
-          <a:prstGeom prst="rect">
-            <a:avLst/>
-          </a:prstGeom>
-          <a:noFill/>
-          <a:ln w="0">
-            <a:noFill/>
-          </a:ln>
-        </p:spPr>
-        <p:txBody>
-          <a:bodyPr lIns="0" tIns="0" rIns="0" bIns="0" anchor="t">
-            <a:normAutofit/>
-          </a:bodyPr>
-          <a:lstStyle/>
-          <a:p>
-            <a:endParaRPr lang="de-DE" sz="3200" b="0" strike="noStrike" spc="-1">
-              <a:latin typeface="Arial"/>
-            </a:endParaRPr>
-          </a:p>
-        </p:txBody>
-      </p:sp>
-      <p:sp>
-        <p:nvSpPr>
-          <p:cNvPr id="231" name="PlaceHolder 4"/>
-          <p:cNvSpPr>
-            <a:spLocks noGrp="1"/>
-          </p:cNvSpPr>
-          <p:nvPr>
-            <p:ph/>
-          </p:nvPr>
-        </p:nvSpPr>
-        <p:spPr>
-          <a:xfrm>
-            <a:off x="8029800" y="1604520"/>
-            <a:ext cx="3533040" cy="1896840"/>
-          </a:xfrm>
-          <a:prstGeom prst="rect">
-            <a:avLst/>
-          </a:prstGeom>
-          <a:noFill/>
-          <a:ln w="0">
-            <a:noFill/>
-          </a:ln>
-        </p:spPr>
-        <p:txBody>
-          <a:bodyPr lIns="0" tIns="0" rIns="0" bIns="0" anchor="t">
-            <a:normAutofit/>
-          </a:bodyPr>
-          <a:lstStyle/>
-          <a:p>
-            <a:endParaRPr lang="de-DE" sz="3200" b="0" strike="noStrike" spc="-1">
-              <a:latin typeface="Arial"/>
-            </a:endParaRPr>
-          </a:p>
-        </p:txBody>
-      </p:sp>
-      <p:sp>
-        <p:nvSpPr>
-          <p:cNvPr id="232" name="PlaceHolder 5"/>
-          <p:cNvSpPr>
-            <a:spLocks noGrp="1"/>
-          </p:cNvSpPr>
-          <p:nvPr>
-            <p:ph/>
-          </p:nvPr>
-        </p:nvSpPr>
-        <p:spPr>
-          <a:xfrm>
-            <a:off x="609480" y="3682080"/>
-            <a:ext cx="3533040" cy="1896840"/>
-          </a:xfrm>
-          <a:prstGeom prst="rect">
-            <a:avLst/>
-          </a:prstGeom>
-          <a:noFill/>
-          <a:ln w="0">
-            <a:noFill/>
-          </a:ln>
-        </p:spPr>
-        <p:txBody>
-          <a:bodyPr lIns="0" tIns="0" rIns="0" bIns="0" anchor="t">
-            <a:normAutofit/>
-          </a:bodyPr>
-          <a:lstStyle/>
-          <a:p>
-            <a:endParaRPr lang="de-DE" sz="3200" b="0" strike="noStrike" spc="-1">
-              <a:latin typeface="Arial"/>
-            </a:endParaRPr>
-          </a:p>
-        </p:txBody>
-      </p:sp>
-      <p:sp>
-        <p:nvSpPr>
-          <p:cNvPr id="233" name="PlaceHolder 6"/>
-          <p:cNvSpPr>
-            <a:spLocks noGrp="1"/>
-          </p:cNvSpPr>
-          <p:nvPr>
-            <p:ph/>
-          </p:nvPr>
-        </p:nvSpPr>
-        <p:spPr>
-          <a:xfrm>
-            <a:off x="4319640" y="3682080"/>
-            <a:ext cx="3533040" cy="1896840"/>
-          </a:xfrm>
-          <a:prstGeom prst="rect">
-            <a:avLst/>
-          </a:prstGeom>
-          <a:noFill/>
-          <a:ln w="0">
-            <a:noFill/>
-          </a:ln>
-        </p:spPr>
-        <p:txBody>
-          <a:bodyPr lIns="0" tIns="0" rIns="0" bIns="0" anchor="t">
-            <a:normAutofit/>
-          </a:bodyPr>
-          <a:lstStyle/>
-          <a:p>
-            <a:endParaRPr lang="de-DE" sz="3200" b="0" strike="noStrike" spc="-1">
-              <a:latin typeface="Arial"/>
-            </a:endParaRPr>
-          </a:p>
-        </p:txBody>
-      </p:sp>
-      <p:sp>
-        <p:nvSpPr>
-          <p:cNvPr id="234" name="PlaceHolder 7"/>
-          <p:cNvSpPr>
-            <a:spLocks noGrp="1"/>
-          </p:cNvSpPr>
-          <p:nvPr>
-            <p:ph/>
-          </p:nvPr>
-        </p:nvSpPr>
-        <p:spPr>
-          <a:xfrm>
-            <a:off x="8029800" y="3682080"/>
-            <a:ext cx="3533040" cy="1896840"/>
           </a:xfrm>
           <a:prstGeom prst="rect">
             <a:avLst/>
@@ -12584,1139 +9389,6 @@
 </p:sldMaster>
 </file>
 
-<file path=ppt/slideMasters/slideMaster5.xml><?xml version="1.0" encoding="utf-8"?>
-<p:sldMaster xmlns:a="http://schemas.openxmlformats.org/drawingml/2006/main" xmlns:r="http://schemas.openxmlformats.org/officeDocument/2006/relationships" xmlns:p="http://schemas.openxmlformats.org/presentationml/2006/main">
-  <p:cSld>
-    <p:bg>
-      <p:bgPr>
-        <a:blipFill rotWithShape="0">
-          <a:blip r:embed="rId14"/>
-          <a:stretch/>
-        </a:blipFill>
-        <a:effectLst/>
-      </p:bgPr>
-    </p:bg>
-    <p:spTree>
-      <p:nvGrpSpPr>
-        <p:cNvPr id="1" name=""/>
-        <p:cNvGrpSpPr/>
-        <p:nvPr/>
-      </p:nvGrpSpPr>
-      <p:grpSpPr>
-        <a:xfrm>
-          <a:off x="0" y="0"/>
-          <a:ext cx="0" cy="0"/>
-          <a:chOff x="0" y="0"/>
-          <a:chExt cx="0" cy="0"/>
-        </a:xfrm>
-      </p:grpSpPr>
-      <p:sp>
-        <p:nvSpPr>
-          <p:cNvPr id="157" name="Rectangle 1"/>
-          <p:cNvSpPr/>
-          <p:nvPr/>
-        </p:nvSpPr>
-        <p:spPr>
-          <a:xfrm>
-            <a:off x="0" y="0"/>
-            <a:ext cx="12190320" cy="6856200"/>
-          </a:xfrm>
-          <a:prstGeom prst="rect">
-            <a:avLst/>
-          </a:prstGeom>
-          <a:gradFill rotWithShape="0">
-            <a:gsLst>
-              <a:gs pos="0">
-                <a:srgbClr val="EAF1FF">
-                  <a:alpha val="0"/>
-                </a:srgbClr>
-              </a:gs>
-              <a:gs pos="100000">
-                <a:srgbClr val="002060">
-                  <a:alpha val="61176"/>
-                </a:srgbClr>
-              </a:gs>
-            </a:gsLst>
-            <a:path path="circle">
-              <a:fillToRect l="50000" t="50000" r="50000" b="50000"/>
-            </a:path>
-          </a:gradFill>
-          <a:ln>
-            <a:noFill/>
-          </a:ln>
-        </p:spPr>
-        <p:style>
-          <a:lnRef idx="2">
-            <a:schemeClr val="accent1">
-              <a:shade val="50000"/>
-            </a:schemeClr>
-          </a:lnRef>
-          <a:fillRef idx="1">
-            <a:schemeClr val="accent1"/>
-          </a:fillRef>
-          <a:effectRef idx="0">
-            <a:schemeClr val="accent1"/>
-          </a:effectRef>
-          <a:fontRef idx="minor"/>
-        </p:style>
-      </p:sp>
-      <p:sp>
-        <p:nvSpPr>
-          <p:cNvPr id="158" name="PlaceHolder 1"/>
-          <p:cNvSpPr>
-            <a:spLocks noGrp="1"/>
-          </p:cNvSpPr>
-          <p:nvPr>
-            <p:ph type="title"/>
-          </p:nvPr>
-        </p:nvSpPr>
-        <p:spPr>
-          <a:xfrm>
-            <a:off x="609480" y="273600"/>
-            <a:ext cx="10972440" cy="1144800"/>
-          </a:xfrm>
-          <a:prstGeom prst="rect">
-            <a:avLst/>
-          </a:prstGeom>
-          <a:noFill/>
-          <a:ln w="0">
-            <a:noFill/>
-          </a:ln>
-        </p:spPr>
-        <p:txBody>
-          <a:bodyPr lIns="0" tIns="0" rIns="0" bIns="0" anchor="ctr">
-            <a:noAutofit/>
-          </a:bodyPr>
-          <a:lstStyle/>
-          <a:p>
-            <a:pPr algn="ctr">
-              <a:buNone/>
-            </a:pPr>
-            <a:r>
-              <a:rPr lang="de-DE" sz="4400" b="0" strike="noStrike" spc="-1">
-                <a:latin typeface="Arial"/>
-              </a:rPr>
-              <a:t>Format des Titeltextes durch Klicken bearbeiten</a:t>
-            </a:r>
-          </a:p>
-        </p:txBody>
-      </p:sp>
-      <p:sp>
-        <p:nvSpPr>
-          <p:cNvPr id="159" name="PlaceHolder 2"/>
-          <p:cNvSpPr>
-            <a:spLocks noGrp="1"/>
-          </p:cNvSpPr>
-          <p:nvPr>
-            <p:ph type="body"/>
-          </p:nvPr>
-        </p:nvSpPr>
-        <p:spPr>
-          <a:xfrm>
-            <a:off x="609480" y="1604520"/>
-            <a:ext cx="10972440" cy="3977280"/>
-          </a:xfrm>
-          <a:prstGeom prst="rect">
-            <a:avLst/>
-          </a:prstGeom>
-          <a:noFill/>
-          <a:ln w="0">
-            <a:noFill/>
-          </a:ln>
-        </p:spPr>
-        <p:txBody>
-          <a:bodyPr lIns="0" tIns="0" rIns="0" bIns="0" anchor="t">
-            <a:normAutofit/>
-          </a:bodyPr>
-          <a:lstStyle/>
-          <a:p>
-            <a:pPr marL="432000" indent="-324000">
-              <a:spcBef>
-                <a:spcPts val="1417"/>
-              </a:spcBef>
-              <a:buClr>
-                <a:srgbClr val="000000"/>
-              </a:buClr>
-              <a:buSzPct val="45000"/>
-              <a:buFont typeface="Wingdings" charset="2"/>
-              <a:buChar char=""/>
-            </a:pPr>
-            <a:r>
-              <a:rPr lang="de-DE" sz="3200" b="0" strike="noStrike" spc="-1">
-                <a:latin typeface="Arial"/>
-              </a:rPr>
-              <a:t>Format des Gliederungstextes durch Klicken bearbeiten</a:t>
-            </a:r>
-          </a:p>
-          <a:p>
-            <a:pPr marL="864000" lvl="1" indent="-324000">
-              <a:spcBef>
-                <a:spcPts val="1134"/>
-              </a:spcBef>
-              <a:buClr>
-                <a:srgbClr val="000000"/>
-              </a:buClr>
-              <a:buSzPct val="75000"/>
-              <a:buFont typeface="Symbol" charset="2"/>
-              <a:buChar char=""/>
-            </a:pPr>
-            <a:r>
-              <a:rPr lang="de-DE" sz="2800" b="0" strike="noStrike" spc="-1">
-                <a:latin typeface="Arial"/>
-              </a:rPr>
-              <a:t>Zweite Gliederungsebene</a:t>
-            </a:r>
-          </a:p>
-          <a:p>
-            <a:pPr marL="1296000" lvl="2" indent="-288000">
-              <a:spcBef>
-                <a:spcPts val="850"/>
-              </a:spcBef>
-              <a:buClr>
-                <a:srgbClr val="000000"/>
-              </a:buClr>
-              <a:buSzPct val="45000"/>
-              <a:buFont typeface="Wingdings" charset="2"/>
-              <a:buChar char=""/>
-            </a:pPr>
-            <a:r>
-              <a:rPr lang="de-DE" sz="2400" b="0" strike="noStrike" spc="-1">
-                <a:latin typeface="Arial"/>
-              </a:rPr>
-              <a:t>Dritte Gliederungsebene</a:t>
-            </a:r>
-          </a:p>
-          <a:p>
-            <a:pPr marL="1728000" lvl="3" indent="-216000">
-              <a:spcBef>
-                <a:spcPts val="567"/>
-              </a:spcBef>
-              <a:buClr>
-                <a:srgbClr val="000000"/>
-              </a:buClr>
-              <a:buSzPct val="75000"/>
-              <a:buFont typeface="Symbol" charset="2"/>
-              <a:buChar char=""/>
-            </a:pPr>
-            <a:r>
-              <a:rPr lang="de-DE" sz="2000" b="0" strike="noStrike" spc="-1">
-                <a:latin typeface="Arial"/>
-              </a:rPr>
-              <a:t>Vierte Gliederungsebene</a:t>
-            </a:r>
-          </a:p>
-          <a:p>
-            <a:pPr marL="2160000" lvl="4" indent="-216000">
-              <a:spcBef>
-                <a:spcPts val="283"/>
-              </a:spcBef>
-              <a:buClr>
-                <a:srgbClr val="000000"/>
-              </a:buClr>
-              <a:buSzPct val="45000"/>
-              <a:buFont typeface="Wingdings" charset="2"/>
-              <a:buChar char=""/>
-            </a:pPr>
-            <a:r>
-              <a:rPr lang="de-DE" sz="2000" b="0" strike="noStrike" spc="-1">
-                <a:latin typeface="Arial"/>
-              </a:rPr>
-              <a:t>Fünfte Gliederungsebene</a:t>
-            </a:r>
-          </a:p>
-          <a:p>
-            <a:pPr marL="2592000" lvl="5" indent="-216000">
-              <a:spcBef>
-                <a:spcPts val="283"/>
-              </a:spcBef>
-              <a:buClr>
-                <a:srgbClr val="000000"/>
-              </a:buClr>
-              <a:buSzPct val="45000"/>
-              <a:buFont typeface="Wingdings" charset="2"/>
-              <a:buChar char=""/>
-            </a:pPr>
-            <a:r>
-              <a:rPr lang="de-DE" sz="2000" b="0" strike="noStrike" spc="-1">
-                <a:latin typeface="Arial"/>
-              </a:rPr>
-              <a:t>Sechste Gliederungsebene</a:t>
-            </a:r>
-          </a:p>
-          <a:p>
-            <a:pPr marL="3024000" lvl="6" indent="-216000">
-              <a:spcBef>
-                <a:spcPts val="283"/>
-              </a:spcBef>
-              <a:buClr>
-                <a:srgbClr val="000000"/>
-              </a:buClr>
-              <a:buSzPct val="45000"/>
-              <a:buFont typeface="Wingdings" charset="2"/>
-              <a:buChar char=""/>
-            </a:pPr>
-            <a:r>
-              <a:rPr lang="de-DE" sz="2000" b="0" strike="noStrike" spc="-1">
-                <a:latin typeface="Arial"/>
-              </a:rPr>
-              <a:t>Siebte Gliederungsebene</a:t>
-            </a:r>
-          </a:p>
-        </p:txBody>
-      </p:sp>
-    </p:spTree>
-  </p:cSld>
-  <p:clrMap bg1="lt1" tx1="dk1" bg2="lt2" tx2="dk2" accent1="accent1" accent2="accent2" accent3="accent3" accent4="accent4" accent5="accent5" accent6="accent6" hlink="hlink" folHlink="folHlink"/>
-  <p:sldLayoutIdLst>
-    <p:sldLayoutId id="2147483701" r:id="rId1"/>
-    <p:sldLayoutId id="2147483702" r:id="rId2"/>
-    <p:sldLayoutId id="2147483703" r:id="rId3"/>
-    <p:sldLayoutId id="2147483704" r:id="rId4"/>
-    <p:sldLayoutId id="2147483705" r:id="rId5"/>
-    <p:sldLayoutId id="2147483706" r:id="rId6"/>
-    <p:sldLayoutId id="2147483707" r:id="rId7"/>
-    <p:sldLayoutId id="2147483708" r:id="rId8"/>
-    <p:sldLayoutId id="2147483709" r:id="rId9"/>
-    <p:sldLayoutId id="2147483710" r:id="rId10"/>
-    <p:sldLayoutId id="2147483711" r:id="rId11"/>
-    <p:sldLayoutId id="2147483712" r:id="rId12"/>
-  </p:sldLayoutIdLst>
-  <p:txStyles>
-    <p:titleStyle>
-      <a:lvl1pPr algn="l" defTabSz="914400" rtl="0" eaLnBrk="1" latinLnBrk="0" hangingPunct="1">
-        <a:lnSpc>
-          <a:spcPct val="90000"/>
-        </a:lnSpc>
-        <a:spcBef>
-          <a:spcPct val="0"/>
-        </a:spcBef>
-        <a:buNone/>
-        <a:defRPr sz="4400" kern="1200">
-          <a:solidFill>
-            <a:schemeClr val="tx1"/>
-          </a:solidFill>
-          <a:latin typeface="+mj-lt"/>
-          <a:ea typeface="+mj-ea"/>
-          <a:cs typeface="+mj-cs"/>
-        </a:defRPr>
-      </a:lvl1pPr>
-    </p:titleStyle>
-    <p:bodyStyle>
-      <a:lvl1pPr marL="228600" indent="-228600" algn="l" defTabSz="914400" rtl="0" eaLnBrk="1" latinLnBrk="0" hangingPunct="1">
-        <a:lnSpc>
-          <a:spcPct val="90000"/>
-        </a:lnSpc>
-        <a:spcBef>
-          <a:spcPts val="1000"/>
-        </a:spcBef>
-        <a:buFont typeface="Arial" panose="020B0604020202020204" pitchFamily="34" charset="0"/>
-        <a:buChar char="•"/>
-        <a:defRPr sz="2800" kern="1200">
-          <a:solidFill>
-            <a:schemeClr val="tx1"/>
-          </a:solidFill>
-          <a:latin typeface="+mn-lt"/>
-          <a:ea typeface="+mn-ea"/>
-          <a:cs typeface="+mn-cs"/>
-        </a:defRPr>
-      </a:lvl1pPr>
-      <a:lvl2pPr marL="685800" indent="-228600" algn="l" defTabSz="914400" rtl="0" eaLnBrk="1" latinLnBrk="0" hangingPunct="1">
-        <a:lnSpc>
-          <a:spcPct val="90000"/>
-        </a:lnSpc>
-        <a:spcBef>
-          <a:spcPts val="500"/>
-        </a:spcBef>
-        <a:buFont typeface="Arial" panose="020B0604020202020204" pitchFamily="34" charset="0"/>
-        <a:buChar char="•"/>
-        <a:defRPr sz="2400" kern="1200">
-          <a:solidFill>
-            <a:schemeClr val="tx1"/>
-          </a:solidFill>
-          <a:latin typeface="+mn-lt"/>
-          <a:ea typeface="+mn-ea"/>
-          <a:cs typeface="+mn-cs"/>
-        </a:defRPr>
-      </a:lvl2pPr>
-      <a:lvl3pPr marL="1143000" indent="-228600" algn="l" defTabSz="914400" rtl="0" eaLnBrk="1" latinLnBrk="0" hangingPunct="1">
-        <a:lnSpc>
-          <a:spcPct val="90000"/>
-        </a:lnSpc>
-        <a:spcBef>
-          <a:spcPts val="500"/>
-        </a:spcBef>
-        <a:buFont typeface="Arial" panose="020B0604020202020204" pitchFamily="34" charset="0"/>
-        <a:buChar char="•"/>
-        <a:defRPr sz="2000" kern="1200">
-          <a:solidFill>
-            <a:schemeClr val="tx1"/>
-          </a:solidFill>
-          <a:latin typeface="+mn-lt"/>
-          <a:ea typeface="+mn-ea"/>
-          <a:cs typeface="+mn-cs"/>
-        </a:defRPr>
-      </a:lvl3pPr>
-      <a:lvl4pPr marL="1600200" indent="-228600" algn="l" defTabSz="914400" rtl="0" eaLnBrk="1" latinLnBrk="0" hangingPunct="1">
-        <a:lnSpc>
-          <a:spcPct val="90000"/>
-        </a:lnSpc>
-        <a:spcBef>
-          <a:spcPts val="500"/>
-        </a:spcBef>
-        <a:buFont typeface="Arial" panose="020B0604020202020204" pitchFamily="34" charset="0"/>
-        <a:buChar char="•"/>
-        <a:defRPr sz="1800" kern="1200">
-          <a:solidFill>
-            <a:schemeClr val="tx1"/>
-          </a:solidFill>
-          <a:latin typeface="+mn-lt"/>
-          <a:ea typeface="+mn-ea"/>
-          <a:cs typeface="+mn-cs"/>
-        </a:defRPr>
-      </a:lvl4pPr>
-      <a:lvl5pPr marL="2057400" indent="-228600" algn="l" defTabSz="914400" rtl="0" eaLnBrk="1" latinLnBrk="0" hangingPunct="1">
-        <a:lnSpc>
-          <a:spcPct val="90000"/>
-        </a:lnSpc>
-        <a:spcBef>
-          <a:spcPts val="500"/>
-        </a:spcBef>
-        <a:buFont typeface="Arial" panose="020B0604020202020204" pitchFamily="34" charset="0"/>
-        <a:buChar char="•"/>
-        <a:defRPr sz="1800" kern="1200">
-          <a:solidFill>
-            <a:schemeClr val="tx1"/>
-          </a:solidFill>
-          <a:latin typeface="+mn-lt"/>
-          <a:ea typeface="+mn-ea"/>
-          <a:cs typeface="+mn-cs"/>
-        </a:defRPr>
-      </a:lvl5pPr>
-      <a:lvl6pPr marL="2514600" indent="-228600" algn="l" defTabSz="914400" rtl="0" eaLnBrk="1" latinLnBrk="0" hangingPunct="1">
-        <a:lnSpc>
-          <a:spcPct val="90000"/>
-        </a:lnSpc>
-        <a:spcBef>
-          <a:spcPts val="500"/>
-        </a:spcBef>
-        <a:buFont typeface="Arial" panose="020B0604020202020204" pitchFamily="34" charset="0"/>
-        <a:buChar char="•"/>
-        <a:defRPr sz="1800" kern="1200">
-          <a:solidFill>
-            <a:schemeClr val="tx1"/>
-          </a:solidFill>
-          <a:latin typeface="+mn-lt"/>
-          <a:ea typeface="+mn-ea"/>
-          <a:cs typeface="+mn-cs"/>
-        </a:defRPr>
-      </a:lvl6pPr>
-      <a:lvl7pPr marL="2971800" indent="-228600" algn="l" defTabSz="914400" rtl="0" eaLnBrk="1" latinLnBrk="0" hangingPunct="1">
-        <a:lnSpc>
-          <a:spcPct val="90000"/>
-        </a:lnSpc>
-        <a:spcBef>
-          <a:spcPts val="500"/>
-        </a:spcBef>
-        <a:buFont typeface="Arial" panose="020B0604020202020204" pitchFamily="34" charset="0"/>
-        <a:buChar char="•"/>
-        <a:defRPr sz="1800" kern="1200">
-          <a:solidFill>
-            <a:schemeClr val="tx1"/>
-          </a:solidFill>
-          <a:latin typeface="+mn-lt"/>
-          <a:ea typeface="+mn-ea"/>
-          <a:cs typeface="+mn-cs"/>
-        </a:defRPr>
-      </a:lvl7pPr>
-      <a:lvl8pPr marL="3429000" indent="-228600" algn="l" defTabSz="914400" rtl="0" eaLnBrk="1" latinLnBrk="0" hangingPunct="1">
-        <a:lnSpc>
-          <a:spcPct val="90000"/>
-        </a:lnSpc>
-        <a:spcBef>
-          <a:spcPts val="500"/>
-        </a:spcBef>
-        <a:buFont typeface="Arial" panose="020B0604020202020204" pitchFamily="34" charset="0"/>
-        <a:buChar char="•"/>
-        <a:defRPr sz="1800" kern="1200">
-          <a:solidFill>
-            <a:schemeClr val="tx1"/>
-          </a:solidFill>
-          <a:latin typeface="+mn-lt"/>
-          <a:ea typeface="+mn-ea"/>
-          <a:cs typeface="+mn-cs"/>
-        </a:defRPr>
-      </a:lvl8pPr>
-      <a:lvl9pPr marL="3886200" indent="-228600" algn="l" defTabSz="914400" rtl="0" eaLnBrk="1" latinLnBrk="0" hangingPunct="1">
-        <a:lnSpc>
-          <a:spcPct val="90000"/>
-        </a:lnSpc>
-        <a:spcBef>
-          <a:spcPts val="500"/>
-        </a:spcBef>
-        <a:buFont typeface="Arial" panose="020B0604020202020204" pitchFamily="34" charset="0"/>
-        <a:buChar char="•"/>
-        <a:defRPr sz="1800" kern="1200">
-          <a:solidFill>
-            <a:schemeClr val="tx1"/>
-          </a:solidFill>
-          <a:latin typeface="+mn-lt"/>
-          <a:ea typeface="+mn-ea"/>
-          <a:cs typeface="+mn-cs"/>
-        </a:defRPr>
-      </a:lvl9pPr>
-    </p:bodyStyle>
-    <p:otherStyle>
-      <a:defPPr>
-        <a:defRPr lang="de-DE"/>
-      </a:defPPr>
-      <a:lvl1pPr marL="0" algn="l" defTabSz="914400" rtl="0" eaLnBrk="1" latinLnBrk="0" hangingPunct="1">
-        <a:defRPr sz="1800" kern="1200">
-          <a:solidFill>
-            <a:schemeClr val="tx1"/>
-          </a:solidFill>
-          <a:latin typeface="+mn-lt"/>
-          <a:ea typeface="+mn-ea"/>
-          <a:cs typeface="+mn-cs"/>
-        </a:defRPr>
-      </a:lvl1pPr>
-      <a:lvl2pPr marL="457200" algn="l" defTabSz="914400" rtl="0" eaLnBrk="1" latinLnBrk="0" hangingPunct="1">
-        <a:defRPr sz="1800" kern="1200">
-          <a:solidFill>
-            <a:schemeClr val="tx1"/>
-          </a:solidFill>
-          <a:latin typeface="+mn-lt"/>
-          <a:ea typeface="+mn-ea"/>
-          <a:cs typeface="+mn-cs"/>
-        </a:defRPr>
-      </a:lvl2pPr>
-      <a:lvl3pPr marL="914400" algn="l" defTabSz="914400" rtl="0" eaLnBrk="1" latinLnBrk="0" hangingPunct="1">
-        <a:defRPr sz="1800" kern="1200">
-          <a:solidFill>
-            <a:schemeClr val="tx1"/>
-          </a:solidFill>
-          <a:latin typeface="+mn-lt"/>
-          <a:ea typeface="+mn-ea"/>
-          <a:cs typeface="+mn-cs"/>
-        </a:defRPr>
-      </a:lvl3pPr>
-      <a:lvl4pPr marL="1371600" algn="l" defTabSz="914400" rtl="0" eaLnBrk="1" latinLnBrk="0" hangingPunct="1">
-        <a:defRPr sz="1800" kern="1200">
-          <a:solidFill>
-            <a:schemeClr val="tx1"/>
-          </a:solidFill>
-          <a:latin typeface="+mn-lt"/>
-          <a:ea typeface="+mn-ea"/>
-          <a:cs typeface="+mn-cs"/>
-        </a:defRPr>
-      </a:lvl4pPr>
-      <a:lvl5pPr marL="1828800" algn="l" defTabSz="914400" rtl="0" eaLnBrk="1" latinLnBrk="0" hangingPunct="1">
-        <a:defRPr sz="1800" kern="1200">
-          <a:solidFill>
-            <a:schemeClr val="tx1"/>
-          </a:solidFill>
-          <a:latin typeface="+mn-lt"/>
-          <a:ea typeface="+mn-ea"/>
-          <a:cs typeface="+mn-cs"/>
-        </a:defRPr>
-      </a:lvl5pPr>
-      <a:lvl6pPr marL="2286000" algn="l" defTabSz="914400" rtl="0" eaLnBrk="1" latinLnBrk="0" hangingPunct="1">
-        <a:defRPr sz="1800" kern="1200">
-          <a:solidFill>
-            <a:schemeClr val="tx1"/>
-          </a:solidFill>
-          <a:latin typeface="+mn-lt"/>
-          <a:ea typeface="+mn-ea"/>
-          <a:cs typeface="+mn-cs"/>
-        </a:defRPr>
-      </a:lvl6pPr>
-      <a:lvl7pPr marL="2743200" algn="l" defTabSz="914400" rtl="0" eaLnBrk="1" latinLnBrk="0" hangingPunct="1">
-        <a:defRPr sz="1800" kern="1200">
-          <a:solidFill>
-            <a:schemeClr val="tx1"/>
-          </a:solidFill>
-          <a:latin typeface="+mn-lt"/>
-          <a:ea typeface="+mn-ea"/>
-          <a:cs typeface="+mn-cs"/>
-        </a:defRPr>
-      </a:lvl7pPr>
-      <a:lvl8pPr marL="3200400" algn="l" defTabSz="914400" rtl="0" eaLnBrk="1" latinLnBrk="0" hangingPunct="1">
-        <a:defRPr sz="1800" kern="1200">
-          <a:solidFill>
-            <a:schemeClr val="tx1"/>
-          </a:solidFill>
-          <a:latin typeface="+mn-lt"/>
-          <a:ea typeface="+mn-ea"/>
-          <a:cs typeface="+mn-cs"/>
-        </a:defRPr>
-      </a:lvl8pPr>
-      <a:lvl9pPr marL="3657600" algn="l" defTabSz="914400" rtl="0" eaLnBrk="1" latinLnBrk="0" hangingPunct="1">
-        <a:defRPr sz="1800" kern="1200">
-          <a:solidFill>
-            <a:schemeClr val="tx1"/>
-          </a:solidFill>
-          <a:latin typeface="+mn-lt"/>
-          <a:ea typeface="+mn-ea"/>
-          <a:cs typeface="+mn-cs"/>
-        </a:defRPr>
-      </a:lvl9pPr>
-    </p:otherStyle>
-  </p:txStyles>
-</p:sldMaster>
-</file>
-
-<file path=ppt/slideMasters/slideMaster6.xml><?xml version="1.0" encoding="utf-8"?>
-<p:sldMaster xmlns:a="http://schemas.openxmlformats.org/drawingml/2006/main" xmlns:r="http://schemas.openxmlformats.org/officeDocument/2006/relationships" xmlns:p="http://schemas.openxmlformats.org/presentationml/2006/main">
-  <p:cSld>
-    <p:bg>
-      <p:bgPr>
-        <a:solidFill>
-          <a:srgbClr val="FFFFFF"/>
-        </a:solidFill>
-        <a:effectLst/>
-      </p:bgPr>
-    </p:bg>
-    <p:spTree>
-      <p:nvGrpSpPr>
-        <p:cNvPr id="1" name=""/>
-        <p:cNvGrpSpPr/>
-        <p:nvPr/>
-      </p:nvGrpSpPr>
-      <p:grpSpPr>
-        <a:xfrm>
-          <a:off x="0" y="0"/>
-          <a:ext cx="0" cy="0"/>
-          <a:chOff x="0" y="0"/>
-          <a:chExt cx="0" cy="0"/>
-        </a:xfrm>
-      </p:grpSpPr>
-      <p:pic>
-        <p:nvPicPr>
-          <p:cNvPr id="196" name="Grafik 4" descr="Ein Bild, das Menschliches Gesicht, Person, Licht, Kunst enthält.&#10;&#10;Automatisch generierte Beschreibung"/>
-          <p:cNvPicPr/>
-          <p:nvPr/>
-        </p:nvPicPr>
-        <p:blipFill>
-          <a:blip r:embed="rId14"/>
-          <a:srcRect l="4890"/>
-          <a:stretch/>
-        </p:blipFill>
-        <p:spPr>
-          <a:xfrm flipH="1">
-            <a:off x="597960" y="0"/>
-            <a:ext cx="11594160" cy="6856200"/>
-          </a:xfrm>
-          <a:prstGeom prst="rect">
-            <a:avLst/>
-          </a:prstGeom>
-          <a:ln w="0">
-            <a:noFill/>
-          </a:ln>
-        </p:spPr>
-      </p:pic>
-      <p:sp>
-        <p:nvSpPr>
-          <p:cNvPr id="197" name="PlaceHolder 1"/>
-          <p:cNvSpPr>
-            <a:spLocks noGrp="1"/>
-          </p:cNvSpPr>
-          <p:nvPr>
-            <p:ph type="title"/>
-          </p:nvPr>
-        </p:nvSpPr>
-        <p:spPr>
-          <a:xfrm>
-            <a:off x="609480" y="273600"/>
-            <a:ext cx="10972440" cy="1144800"/>
-          </a:xfrm>
-          <a:prstGeom prst="rect">
-            <a:avLst/>
-          </a:prstGeom>
-          <a:noFill/>
-          <a:ln w="0">
-            <a:noFill/>
-          </a:ln>
-        </p:spPr>
-        <p:txBody>
-          <a:bodyPr lIns="0" tIns="0" rIns="0" bIns="0" anchor="ctr">
-            <a:noAutofit/>
-          </a:bodyPr>
-          <a:lstStyle/>
-          <a:p>
-            <a:pPr algn="ctr">
-              <a:buNone/>
-            </a:pPr>
-            <a:r>
-              <a:rPr lang="de-DE" sz="4400" b="0" strike="noStrike" spc="-1">
-                <a:latin typeface="Arial"/>
-              </a:rPr>
-              <a:t>Format des Titeltextes durch Klicken bearbeiten</a:t>
-            </a:r>
-          </a:p>
-        </p:txBody>
-      </p:sp>
-      <p:sp>
-        <p:nvSpPr>
-          <p:cNvPr id="198" name="PlaceHolder 2"/>
-          <p:cNvSpPr>
-            <a:spLocks noGrp="1"/>
-          </p:cNvSpPr>
-          <p:nvPr>
-            <p:ph type="body"/>
-          </p:nvPr>
-        </p:nvSpPr>
-        <p:spPr>
-          <a:xfrm>
-            <a:off x="609480" y="1604520"/>
-            <a:ext cx="10972440" cy="3977280"/>
-          </a:xfrm>
-          <a:prstGeom prst="rect">
-            <a:avLst/>
-          </a:prstGeom>
-          <a:noFill/>
-          <a:ln w="0">
-            <a:noFill/>
-          </a:ln>
-        </p:spPr>
-        <p:txBody>
-          <a:bodyPr lIns="0" tIns="0" rIns="0" bIns="0" anchor="t">
-            <a:normAutofit/>
-          </a:bodyPr>
-          <a:lstStyle/>
-          <a:p>
-            <a:pPr marL="432000" indent="-324000">
-              <a:spcBef>
-                <a:spcPts val="1417"/>
-              </a:spcBef>
-              <a:buClr>
-                <a:srgbClr val="000000"/>
-              </a:buClr>
-              <a:buSzPct val="45000"/>
-              <a:buFont typeface="Wingdings" charset="2"/>
-              <a:buChar char=""/>
-            </a:pPr>
-            <a:r>
-              <a:rPr lang="de-DE" sz="3200" b="0" strike="noStrike" spc="-1">
-                <a:latin typeface="Arial"/>
-              </a:rPr>
-              <a:t>Format des Gliederungstextes durch Klicken bearbeiten</a:t>
-            </a:r>
-          </a:p>
-          <a:p>
-            <a:pPr marL="864000" lvl="1" indent="-324000">
-              <a:spcBef>
-                <a:spcPts val="1134"/>
-              </a:spcBef>
-              <a:buClr>
-                <a:srgbClr val="000000"/>
-              </a:buClr>
-              <a:buSzPct val="75000"/>
-              <a:buFont typeface="Symbol" charset="2"/>
-              <a:buChar char=""/>
-            </a:pPr>
-            <a:r>
-              <a:rPr lang="de-DE" sz="2800" b="0" strike="noStrike" spc="-1">
-                <a:latin typeface="Arial"/>
-              </a:rPr>
-              <a:t>Zweite Gliederungsebene</a:t>
-            </a:r>
-          </a:p>
-          <a:p>
-            <a:pPr marL="1296000" lvl="2" indent="-288000">
-              <a:spcBef>
-                <a:spcPts val="850"/>
-              </a:spcBef>
-              <a:buClr>
-                <a:srgbClr val="000000"/>
-              </a:buClr>
-              <a:buSzPct val="45000"/>
-              <a:buFont typeface="Wingdings" charset="2"/>
-              <a:buChar char=""/>
-            </a:pPr>
-            <a:r>
-              <a:rPr lang="de-DE" sz="2400" b="0" strike="noStrike" spc="-1">
-                <a:latin typeface="Arial"/>
-              </a:rPr>
-              <a:t>Dritte Gliederungsebene</a:t>
-            </a:r>
-          </a:p>
-          <a:p>
-            <a:pPr marL="1728000" lvl="3" indent="-216000">
-              <a:spcBef>
-                <a:spcPts val="567"/>
-              </a:spcBef>
-              <a:buClr>
-                <a:srgbClr val="000000"/>
-              </a:buClr>
-              <a:buSzPct val="75000"/>
-              <a:buFont typeface="Symbol" charset="2"/>
-              <a:buChar char=""/>
-            </a:pPr>
-            <a:r>
-              <a:rPr lang="de-DE" sz="2000" b="0" strike="noStrike" spc="-1">
-                <a:latin typeface="Arial"/>
-              </a:rPr>
-              <a:t>Vierte Gliederungsebene</a:t>
-            </a:r>
-          </a:p>
-          <a:p>
-            <a:pPr marL="2160000" lvl="4" indent="-216000">
-              <a:spcBef>
-                <a:spcPts val="283"/>
-              </a:spcBef>
-              <a:buClr>
-                <a:srgbClr val="000000"/>
-              </a:buClr>
-              <a:buSzPct val="45000"/>
-              <a:buFont typeface="Wingdings" charset="2"/>
-              <a:buChar char=""/>
-            </a:pPr>
-            <a:r>
-              <a:rPr lang="de-DE" sz="2000" b="0" strike="noStrike" spc="-1">
-                <a:latin typeface="Arial"/>
-              </a:rPr>
-              <a:t>Fünfte Gliederungsebene</a:t>
-            </a:r>
-          </a:p>
-          <a:p>
-            <a:pPr marL="2592000" lvl="5" indent="-216000">
-              <a:spcBef>
-                <a:spcPts val="283"/>
-              </a:spcBef>
-              <a:buClr>
-                <a:srgbClr val="000000"/>
-              </a:buClr>
-              <a:buSzPct val="45000"/>
-              <a:buFont typeface="Wingdings" charset="2"/>
-              <a:buChar char=""/>
-            </a:pPr>
-            <a:r>
-              <a:rPr lang="de-DE" sz="2000" b="0" strike="noStrike" spc="-1">
-                <a:latin typeface="Arial"/>
-              </a:rPr>
-              <a:t>Sechste Gliederungsebene</a:t>
-            </a:r>
-          </a:p>
-          <a:p>
-            <a:pPr marL="3024000" lvl="6" indent="-216000">
-              <a:spcBef>
-                <a:spcPts val="283"/>
-              </a:spcBef>
-              <a:buClr>
-                <a:srgbClr val="000000"/>
-              </a:buClr>
-              <a:buSzPct val="45000"/>
-              <a:buFont typeface="Wingdings" charset="2"/>
-              <a:buChar char=""/>
-            </a:pPr>
-            <a:r>
-              <a:rPr lang="de-DE" sz="2000" b="0" strike="noStrike" spc="-1">
-                <a:latin typeface="Arial"/>
-              </a:rPr>
-              <a:t>Siebte Gliederungsebene</a:t>
-            </a:r>
-          </a:p>
-        </p:txBody>
-      </p:sp>
-    </p:spTree>
-  </p:cSld>
-  <p:clrMap bg1="lt1" tx1="dk1" bg2="lt2" tx2="dk2" accent1="accent1" accent2="accent2" accent3="accent3" accent4="accent4" accent5="accent5" accent6="accent6" hlink="hlink" folHlink="folHlink"/>
-  <p:sldLayoutIdLst>
-    <p:sldLayoutId id="2147483714" r:id="rId1"/>
-    <p:sldLayoutId id="2147483715" r:id="rId2"/>
-    <p:sldLayoutId id="2147483716" r:id="rId3"/>
-    <p:sldLayoutId id="2147483717" r:id="rId4"/>
-    <p:sldLayoutId id="2147483718" r:id="rId5"/>
-    <p:sldLayoutId id="2147483719" r:id="rId6"/>
-    <p:sldLayoutId id="2147483720" r:id="rId7"/>
-    <p:sldLayoutId id="2147483721" r:id="rId8"/>
-    <p:sldLayoutId id="2147483722" r:id="rId9"/>
-    <p:sldLayoutId id="2147483723" r:id="rId10"/>
-    <p:sldLayoutId id="2147483724" r:id="rId11"/>
-    <p:sldLayoutId id="2147483725" r:id="rId12"/>
-  </p:sldLayoutIdLst>
-  <p:txStyles>
-    <p:titleStyle>
-      <a:lvl1pPr algn="l" defTabSz="914400" rtl="0" eaLnBrk="1" latinLnBrk="0" hangingPunct="1">
-        <a:lnSpc>
-          <a:spcPct val="90000"/>
-        </a:lnSpc>
-        <a:spcBef>
-          <a:spcPct val="0"/>
-        </a:spcBef>
-        <a:buNone/>
-        <a:defRPr sz="4400" kern="1200">
-          <a:solidFill>
-            <a:schemeClr val="tx1"/>
-          </a:solidFill>
-          <a:latin typeface="+mj-lt"/>
-          <a:ea typeface="+mj-ea"/>
-          <a:cs typeface="+mj-cs"/>
-        </a:defRPr>
-      </a:lvl1pPr>
-    </p:titleStyle>
-    <p:bodyStyle>
-      <a:lvl1pPr marL="228600" indent="-228600" algn="l" defTabSz="914400" rtl="0" eaLnBrk="1" latinLnBrk="0" hangingPunct="1">
-        <a:lnSpc>
-          <a:spcPct val="90000"/>
-        </a:lnSpc>
-        <a:spcBef>
-          <a:spcPts val="1000"/>
-        </a:spcBef>
-        <a:buFont typeface="Arial" panose="020B0604020202020204" pitchFamily="34" charset="0"/>
-        <a:buChar char="•"/>
-        <a:defRPr sz="2800" kern="1200">
-          <a:solidFill>
-            <a:schemeClr val="tx1"/>
-          </a:solidFill>
-          <a:latin typeface="+mn-lt"/>
-          <a:ea typeface="+mn-ea"/>
-          <a:cs typeface="+mn-cs"/>
-        </a:defRPr>
-      </a:lvl1pPr>
-      <a:lvl2pPr marL="685800" indent="-228600" algn="l" defTabSz="914400" rtl="0" eaLnBrk="1" latinLnBrk="0" hangingPunct="1">
-        <a:lnSpc>
-          <a:spcPct val="90000"/>
-        </a:lnSpc>
-        <a:spcBef>
-          <a:spcPts val="500"/>
-        </a:spcBef>
-        <a:buFont typeface="Arial" panose="020B0604020202020204" pitchFamily="34" charset="0"/>
-        <a:buChar char="•"/>
-        <a:defRPr sz="2400" kern="1200">
-          <a:solidFill>
-            <a:schemeClr val="tx1"/>
-          </a:solidFill>
-          <a:latin typeface="+mn-lt"/>
-          <a:ea typeface="+mn-ea"/>
-          <a:cs typeface="+mn-cs"/>
-        </a:defRPr>
-      </a:lvl2pPr>
-      <a:lvl3pPr marL="1143000" indent="-228600" algn="l" defTabSz="914400" rtl="0" eaLnBrk="1" latinLnBrk="0" hangingPunct="1">
-        <a:lnSpc>
-          <a:spcPct val="90000"/>
-        </a:lnSpc>
-        <a:spcBef>
-          <a:spcPts val="500"/>
-        </a:spcBef>
-        <a:buFont typeface="Arial" panose="020B0604020202020204" pitchFamily="34" charset="0"/>
-        <a:buChar char="•"/>
-        <a:defRPr sz="2000" kern="1200">
-          <a:solidFill>
-            <a:schemeClr val="tx1"/>
-          </a:solidFill>
-          <a:latin typeface="+mn-lt"/>
-          <a:ea typeface="+mn-ea"/>
-          <a:cs typeface="+mn-cs"/>
-        </a:defRPr>
-      </a:lvl3pPr>
-      <a:lvl4pPr marL="1600200" indent="-228600" algn="l" defTabSz="914400" rtl="0" eaLnBrk="1" latinLnBrk="0" hangingPunct="1">
-        <a:lnSpc>
-          <a:spcPct val="90000"/>
-        </a:lnSpc>
-        <a:spcBef>
-          <a:spcPts val="500"/>
-        </a:spcBef>
-        <a:buFont typeface="Arial" panose="020B0604020202020204" pitchFamily="34" charset="0"/>
-        <a:buChar char="•"/>
-        <a:defRPr sz="1800" kern="1200">
-          <a:solidFill>
-            <a:schemeClr val="tx1"/>
-          </a:solidFill>
-          <a:latin typeface="+mn-lt"/>
-          <a:ea typeface="+mn-ea"/>
-          <a:cs typeface="+mn-cs"/>
-        </a:defRPr>
-      </a:lvl4pPr>
-      <a:lvl5pPr marL="2057400" indent="-228600" algn="l" defTabSz="914400" rtl="0" eaLnBrk="1" latinLnBrk="0" hangingPunct="1">
-        <a:lnSpc>
-          <a:spcPct val="90000"/>
-        </a:lnSpc>
-        <a:spcBef>
-          <a:spcPts val="500"/>
-        </a:spcBef>
-        <a:buFont typeface="Arial" panose="020B0604020202020204" pitchFamily="34" charset="0"/>
-        <a:buChar char="•"/>
-        <a:defRPr sz="1800" kern="1200">
-          <a:solidFill>
-            <a:schemeClr val="tx1"/>
-          </a:solidFill>
-          <a:latin typeface="+mn-lt"/>
-          <a:ea typeface="+mn-ea"/>
-          <a:cs typeface="+mn-cs"/>
-        </a:defRPr>
-      </a:lvl5pPr>
-      <a:lvl6pPr marL="2514600" indent="-228600" algn="l" defTabSz="914400" rtl="0" eaLnBrk="1" latinLnBrk="0" hangingPunct="1">
-        <a:lnSpc>
-          <a:spcPct val="90000"/>
-        </a:lnSpc>
-        <a:spcBef>
-          <a:spcPts val="500"/>
-        </a:spcBef>
-        <a:buFont typeface="Arial" panose="020B0604020202020204" pitchFamily="34" charset="0"/>
-        <a:buChar char="•"/>
-        <a:defRPr sz="1800" kern="1200">
-          <a:solidFill>
-            <a:schemeClr val="tx1"/>
-          </a:solidFill>
-          <a:latin typeface="+mn-lt"/>
-          <a:ea typeface="+mn-ea"/>
-          <a:cs typeface="+mn-cs"/>
-        </a:defRPr>
-      </a:lvl6pPr>
-      <a:lvl7pPr marL="2971800" indent="-228600" algn="l" defTabSz="914400" rtl="0" eaLnBrk="1" latinLnBrk="0" hangingPunct="1">
-        <a:lnSpc>
-          <a:spcPct val="90000"/>
-        </a:lnSpc>
-        <a:spcBef>
-          <a:spcPts val="500"/>
-        </a:spcBef>
-        <a:buFont typeface="Arial" panose="020B0604020202020204" pitchFamily="34" charset="0"/>
-        <a:buChar char="•"/>
-        <a:defRPr sz="1800" kern="1200">
-          <a:solidFill>
-            <a:schemeClr val="tx1"/>
-          </a:solidFill>
-          <a:latin typeface="+mn-lt"/>
-          <a:ea typeface="+mn-ea"/>
-          <a:cs typeface="+mn-cs"/>
-        </a:defRPr>
-      </a:lvl7pPr>
-      <a:lvl8pPr marL="3429000" indent="-228600" algn="l" defTabSz="914400" rtl="0" eaLnBrk="1" latinLnBrk="0" hangingPunct="1">
-        <a:lnSpc>
-          <a:spcPct val="90000"/>
-        </a:lnSpc>
-        <a:spcBef>
-          <a:spcPts val="500"/>
-        </a:spcBef>
-        <a:buFont typeface="Arial" panose="020B0604020202020204" pitchFamily="34" charset="0"/>
-        <a:buChar char="•"/>
-        <a:defRPr sz="1800" kern="1200">
-          <a:solidFill>
-            <a:schemeClr val="tx1"/>
-          </a:solidFill>
-          <a:latin typeface="+mn-lt"/>
-          <a:ea typeface="+mn-ea"/>
-          <a:cs typeface="+mn-cs"/>
-        </a:defRPr>
-      </a:lvl8pPr>
-      <a:lvl9pPr marL="3886200" indent="-228600" algn="l" defTabSz="914400" rtl="0" eaLnBrk="1" latinLnBrk="0" hangingPunct="1">
-        <a:lnSpc>
-          <a:spcPct val="90000"/>
-        </a:lnSpc>
-        <a:spcBef>
-          <a:spcPts val="500"/>
-        </a:spcBef>
-        <a:buFont typeface="Arial" panose="020B0604020202020204" pitchFamily="34" charset="0"/>
-        <a:buChar char="•"/>
-        <a:defRPr sz="1800" kern="1200">
-          <a:solidFill>
-            <a:schemeClr val="tx1"/>
-          </a:solidFill>
-          <a:latin typeface="+mn-lt"/>
-          <a:ea typeface="+mn-ea"/>
-          <a:cs typeface="+mn-cs"/>
-        </a:defRPr>
-      </a:lvl9pPr>
-    </p:bodyStyle>
-    <p:otherStyle>
-      <a:defPPr>
-        <a:defRPr lang="de-DE"/>
-      </a:defPPr>
-      <a:lvl1pPr marL="0" algn="l" defTabSz="914400" rtl="0" eaLnBrk="1" latinLnBrk="0" hangingPunct="1">
-        <a:defRPr sz="1800" kern="1200">
-          <a:solidFill>
-            <a:schemeClr val="tx1"/>
-          </a:solidFill>
-          <a:latin typeface="+mn-lt"/>
-          <a:ea typeface="+mn-ea"/>
-          <a:cs typeface="+mn-cs"/>
-        </a:defRPr>
-      </a:lvl1pPr>
-      <a:lvl2pPr marL="457200" algn="l" defTabSz="914400" rtl="0" eaLnBrk="1" latinLnBrk="0" hangingPunct="1">
-        <a:defRPr sz="1800" kern="1200">
-          <a:solidFill>
-            <a:schemeClr val="tx1"/>
-          </a:solidFill>
-          <a:latin typeface="+mn-lt"/>
-          <a:ea typeface="+mn-ea"/>
-          <a:cs typeface="+mn-cs"/>
-        </a:defRPr>
-      </a:lvl2pPr>
-      <a:lvl3pPr marL="914400" algn="l" defTabSz="914400" rtl="0" eaLnBrk="1" latinLnBrk="0" hangingPunct="1">
-        <a:defRPr sz="1800" kern="1200">
-          <a:solidFill>
-            <a:schemeClr val="tx1"/>
-          </a:solidFill>
-          <a:latin typeface="+mn-lt"/>
-          <a:ea typeface="+mn-ea"/>
-          <a:cs typeface="+mn-cs"/>
-        </a:defRPr>
-      </a:lvl3pPr>
-      <a:lvl4pPr marL="1371600" algn="l" defTabSz="914400" rtl="0" eaLnBrk="1" latinLnBrk="0" hangingPunct="1">
-        <a:defRPr sz="1800" kern="1200">
-          <a:solidFill>
-            <a:schemeClr val="tx1"/>
-          </a:solidFill>
-          <a:latin typeface="+mn-lt"/>
-          <a:ea typeface="+mn-ea"/>
-          <a:cs typeface="+mn-cs"/>
-        </a:defRPr>
-      </a:lvl4pPr>
-      <a:lvl5pPr marL="1828800" algn="l" defTabSz="914400" rtl="0" eaLnBrk="1" latinLnBrk="0" hangingPunct="1">
-        <a:defRPr sz="1800" kern="1200">
-          <a:solidFill>
-            <a:schemeClr val="tx1"/>
-          </a:solidFill>
-          <a:latin typeface="+mn-lt"/>
-          <a:ea typeface="+mn-ea"/>
-          <a:cs typeface="+mn-cs"/>
-        </a:defRPr>
-      </a:lvl5pPr>
-      <a:lvl6pPr marL="2286000" algn="l" defTabSz="914400" rtl="0" eaLnBrk="1" latinLnBrk="0" hangingPunct="1">
-        <a:defRPr sz="1800" kern="1200">
-          <a:solidFill>
-            <a:schemeClr val="tx1"/>
-          </a:solidFill>
-          <a:latin typeface="+mn-lt"/>
-          <a:ea typeface="+mn-ea"/>
-          <a:cs typeface="+mn-cs"/>
-        </a:defRPr>
-      </a:lvl6pPr>
-      <a:lvl7pPr marL="2743200" algn="l" defTabSz="914400" rtl="0" eaLnBrk="1" latinLnBrk="0" hangingPunct="1">
-        <a:defRPr sz="1800" kern="1200">
-          <a:solidFill>
-            <a:schemeClr val="tx1"/>
-          </a:solidFill>
-          <a:latin typeface="+mn-lt"/>
-          <a:ea typeface="+mn-ea"/>
-          <a:cs typeface="+mn-cs"/>
-        </a:defRPr>
-      </a:lvl7pPr>
-      <a:lvl8pPr marL="3200400" algn="l" defTabSz="914400" rtl="0" eaLnBrk="1" latinLnBrk="0" hangingPunct="1">
-        <a:defRPr sz="1800" kern="1200">
-          <a:solidFill>
-            <a:schemeClr val="tx1"/>
-          </a:solidFill>
-          <a:latin typeface="+mn-lt"/>
-          <a:ea typeface="+mn-ea"/>
-          <a:cs typeface="+mn-cs"/>
-        </a:defRPr>
-      </a:lvl8pPr>
-      <a:lvl9pPr marL="3657600" algn="l" defTabSz="914400" rtl="0" eaLnBrk="1" latinLnBrk="0" hangingPunct="1">
-        <a:defRPr sz="1800" kern="1200">
-          <a:solidFill>
-            <a:schemeClr val="tx1"/>
-          </a:solidFill>
-          <a:latin typeface="+mn-lt"/>
-          <a:ea typeface="+mn-ea"/>
-          <a:cs typeface="+mn-cs"/>
-        </a:defRPr>
-      </a:lvl9pPr>
-    </p:otherStyle>
-  </p:txStyles>
-</p:sldMaster>
-</file>
-
 <file path=ppt/slides/slide1.xml><?xml version="1.0" encoding="utf-8"?>
 <p:sld xmlns:a="http://schemas.openxmlformats.org/drawingml/2006/main" xmlns:r="http://schemas.openxmlformats.org/officeDocument/2006/relationships" xmlns:p="http://schemas.openxmlformats.org/presentationml/2006/main">
   <p:cSld>
@@ -16673,6 +12345,135 @@
           </a:p>
         </p:txBody>
       </p:sp>
+      <p:sp>
+        <p:nvSpPr>
+          <p:cNvPr id="4" name="Textfeld 2">
+            <a:extLst>
+              <a:ext uri="{FF2B5EF4-FFF2-40B4-BE49-F238E27FC236}">
+                <a16:creationId xmlns:a16="http://schemas.microsoft.com/office/drawing/2014/main" id="{72D6E507-4A12-49D3-82BC-FBA42044654C}"/>
+              </a:ext>
+            </a:extLst>
+          </p:cNvPr>
+          <p:cNvSpPr/>
+          <p:nvPr/>
+        </p:nvSpPr>
+        <p:spPr>
+          <a:xfrm>
+            <a:off x="628559" y="2806281"/>
+            <a:ext cx="11190907" cy="2029871"/>
+          </a:xfrm>
+          <a:prstGeom prst="rect">
+            <a:avLst/>
+          </a:prstGeom>
+          <a:noFill/>
+          <a:ln w="0">
+            <a:noFill/>
+          </a:ln>
+        </p:spPr>
+        <p:style>
+          <a:lnRef idx="0">
+            <a:scrgbClr r="0" g="0" b="0"/>
+          </a:lnRef>
+          <a:fillRef idx="0">
+            <a:scrgbClr r="0" g="0" b="0"/>
+          </a:fillRef>
+          <a:effectRef idx="0">
+            <a:scrgbClr r="0" g="0" b="0"/>
+          </a:effectRef>
+          <a:fontRef idx="minor"/>
+        </p:style>
+        <p:txBody>
+          <a:bodyPr wrap="square" lIns="90000" tIns="45000" rIns="90000" bIns="45000" anchor="t">
+            <a:spAutoFit/>
+          </a:bodyPr>
+          <a:lstStyle/>
+          <a:p>
+            <a:pPr marL="285750" indent="-285750">
+              <a:lnSpc>
+                <a:spcPct val="100000"/>
+              </a:lnSpc>
+              <a:buClr>
+                <a:srgbClr val="000000"/>
+              </a:buClr>
+              <a:buFont typeface="Arial" panose="020B0604020202020204" pitchFamily="34" charset="0"/>
+              <a:buChar char="•"/>
+            </a:pPr>
+            <a:r>
+              <a:rPr lang="de-DE" sz="1800" b="0" strike="noStrike" spc="-1" dirty="0">
+                <a:solidFill>
+                  <a:srgbClr val="000000"/>
+                </a:solidFill>
+                <a:latin typeface="Bahnschrift SemiLight"/>
+              </a:rPr>
+              <a:t>Zusätzli</a:t>
+            </a:r>
+            <a:r>
+              <a:rPr lang="de-DE" spc="-1" dirty="0">
+                <a:solidFill>
+                  <a:srgbClr val="000000"/>
+                </a:solidFill>
+                <a:latin typeface="Bahnschrift SemiLight"/>
+              </a:rPr>
+              <a:t>che Prüfung der Variablen auf Multikollinearität:</a:t>
+            </a:r>
+          </a:p>
+          <a:p>
+            <a:pPr>
+              <a:lnSpc>
+                <a:spcPct val="100000"/>
+              </a:lnSpc>
+              <a:buClr>
+                <a:srgbClr val="000000"/>
+              </a:buClr>
+            </a:pPr>
+            <a:r>
+              <a:rPr lang="de-DE" spc="-1" dirty="0">
+                <a:solidFill>
+                  <a:srgbClr val="000000"/>
+                </a:solidFill>
+                <a:latin typeface="Bahnschrift SemiLight"/>
+              </a:rPr>
+              <a:t>	</a:t>
+            </a:r>
+            <a:r>
+              <a:rPr lang="de-DE" dirty="0">
+                <a:latin typeface="Bahnschrift SemiLight" panose="020B0502040204020203" pitchFamily="34" charset="0"/>
+              </a:rPr>
+              <a:t>Auch wenn wir in unserem Projekt keine linearen Modelle verwenden, haben wir trotzdem die VIF-	Werte berechnet, um mögliche Multikollinearität zwischen den Merkmalen zu erkennen.</a:t>
+            </a:r>
+            <a:br>
+              <a:rPr lang="de-DE" dirty="0">
+                <a:latin typeface="Bahnschrift SemiLight" panose="020B0502040204020203" pitchFamily="34" charset="0"/>
+              </a:rPr>
+            </a:br>
+            <a:r>
+              <a:rPr lang="de-DE" dirty="0">
+                <a:latin typeface="Bahnschrift SemiLight" panose="020B0502040204020203" pitchFamily="34" charset="0"/>
+              </a:rPr>
+              <a:t>	Das hilft uns dabei, stark korrelierte Features frühzeitig zu identifizieren und ggf. zu entfernen, 	was vor allem bei Modellen wie SVMs oder neuronalen Netzen die Trainingsstabilität und 	Generalisierbarkeit verbessern kann.</a:t>
+            </a:r>
+          </a:p>
+          <a:p>
+            <a:pPr>
+              <a:lnSpc>
+                <a:spcPct val="100000"/>
+              </a:lnSpc>
+              <a:buClr>
+                <a:srgbClr val="000000"/>
+              </a:buClr>
+            </a:pPr>
+            <a:r>
+              <a:rPr lang="de-DE" spc="-1" dirty="0">
+                <a:latin typeface="Bahnschrift SemiLight" panose="020B0502040204020203" pitchFamily="34" charset="0"/>
+              </a:rPr>
+              <a:t>=&gt; Keine gravierende Multikollinearität festgestellt.</a:t>
+            </a:r>
+            <a:endParaRPr lang="de-DE" sz="1800" strike="noStrike" spc="-1" dirty="0">
+              <a:latin typeface="Bahnschrift SemiLight" panose="020B0502040204020203" pitchFamily="34" charset="0"/>
+            </a:endParaRPr>
+          </a:p>
+        </p:txBody>
+      </p:sp>
     </p:spTree>
   </p:cSld>
   <p:clrMapOvr>
@@ -16752,17 +12553,7 @@
                 <a:latin typeface="CMU Serif"/>
                 <a:ea typeface="CMU Serif"/>
               </a:rPr>
-              <a:t>3. Support Vector </a:t>
-            </a:r>
-            <a:r>
-              <a:rPr lang="de-DE" sz="5500" b="1" strike="noStrike" spc="-1" dirty="0" err="1">
-                <a:solidFill>
-                  <a:srgbClr val="002060"/>
-                </a:solidFill>
-                <a:latin typeface="CMU Serif"/>
-                <a:ea typeface="CMU Serif"/>
-              </a:rPr>
-              <a:t>Machine</a:t>
+              <a:t>3. Support Vector Machines</a:t>
             </a:r>
             <a:endParaRPr lang="de-DE" sz="5500" b="0" strike="noStrike" spc="-1" dirty="0">
               <a:latin typeface="Arial"/>
@@ -17204,7 +12995,7 @@
         <p:spPr>
           <a:xfrm>
             <a:off x="762120" y="1355400"/>
-            <a:ext cx="8845560" cy="2284200"/>
+            <a:ext cx="8845560" cy="3137867"/>
           </a:xfrm>
           <a:prstGeom prst="rect">
             <a:avLst/>
@@ -17236,19 +13027,25 @@
               <a:lnSpc>
                 <a:spcPct val="100000"/>
               </a:lnSpc>
-              <a:buNone/>
             </a:pPr>
             <a:r>
-              <a:rPr lang="de-DE" sz="1800" b="0" strike="noStrike" spc="-1">
+              <a:rPr lang="de-DE" sz="1800" b="0" strike="noStrike" spc="-1" dirty="0">
                 <a:solidFill>
                   <a:srgbClr val="000000"/>
                 </a:solidFill>
                 <a:latin typeface="Bahnschrift SemiLight"/>
                 <a:ea typeface="Arial Unicode MS"/>
               </a:rPr>
-              <a:t>Vorstellung des Datensatzes und Zweck der Analyse</a:t>
+              <a:t>1. Vorstellung des Datensatzes und Zweck der Analyse</a:t>
             </a:r>
-            <a:endParaRPr lang="de-DE" sz="1800" b="0" strike="noStrike" spc="-1">
+          </a:p>
+          <a:p>
+            <a:pPr>
+              <a:lnSpc>
+                <a:spcPct val="100000"/>
+              </a:lnSpc>
+            </a:pPr>
+            <a:endParaRPr lang="de-DE" sz="1800" b="0" strike="noStrike" spc="-1" dirty="0">
               <a:latin typeface="Arial"/>
             </a:endParaRPr>
           </a:p>
@@ -17260,18 +13057,15 @@
               <a:buNone/>
             </a:pPr>
             <a:r>
-              <a:rPr lang="de-DE" sz="1800" b="0" strike="noStrike" spc="-1">
+              <a:rPr lang="de-DE" sz="1800" b="0" strike="noStrike" spc="-1" dirty="0">
                 <a:solidFill>
                   <a:srgbClr val="000000"/>
                 </a:solidFill>
                 <a:latin typeface="Bahnschrift SemiLight"/>
                 <a:ea typeface="Arial Unicode MS"/>
               </a:rPr>
-              <a:t>Bereinigung des Datensatzes</a:t>
+              <a:t>2. Deskriptive Analyse</a:t>
             </a:r>
-            <a:endParaRPr lang="de-DE" sz="1800" b="0" strike="noStrike" spc="-1">
-              <a:latin typeface="Arial"/>
-            </a:endParaRPr>
           </a:p>
           <a:p>
             <a:pPr>
@@ -17280,19 +13074,27 @@
               </a:lnSpc>
               <a:buNone/>
             </a:pPr>
+            <a:endParaRPr lang="de-DE" sz="1800" b="0" strike="noStrike" spc="-1" dirty="0">
+              <a:latin typeface="Arial"/>
+            </a:endParaRPr>
+          </a:p>
+          <a:p>
+            <a:pPr>
+              <a:lnSpc>
+                <a:spcPct val="100000"/>
+              </a:lnSpc>
+              <a:buNone/>
+            </a:pPr>
             <a:r>
-              <a:rPr lang="de-DE" sz="1800" b="0" strike="noStrike" spc="-1">
+              <a:rPr lang="de-DE" sz="1800" b="0" strike="noStrike" spc="-1" dirty="0">
                 <a:solidFill>
                   <a:srgbClr val="000000"/>
                 </a:solidFill>
                 <a:latin typeface="Bahnschrift SemiLight"/>
                 <a:ea typeface="Arial Unicode MS"/>
               </a:rPr>
-              <a:t>Deskriptive Datenanalyse</a:t>
+              <a:t>3. Bereinigung des Datensatzes</a:t>
             </a:r>
-            <a:endParaRPr lang="de-DE" sz="1800" b="0" strike="noStrike" spc="-1">
-              <a:latin typeface="Arial"/>
-            </a:endParaRPr>
           </a:p>
           <a:p>
             <a:pPr>
@@ -17301,17 +13103,28 @@
               </a:lnSpc>
               <a:buNone/>
             </a:pPr>
+            <a:endParaRPr lang="de-DE" sz="1800" b="0" strike="noStrike" spc="-1" dirty="0">
+              <a:latin typeface="Arial"/>
+            </a:endParaRPr>
+          </a:p>
+          <a:p>
+            <a:pPr>
+              <a:lnSpc>
+                <a:spcPct val="100000"/>
+              </a:lnSpc>
+              <a:buNone/>
+            </a:pPr>
             <a:r>
-              <a:rPr lang="de-DE" sz="1800" b="0" strike="noStrike" spc="-1">
+              <a:rPr lang="de-DE" sz="1800" b="0" strike="noStrike" spc="-1" dirty="0">
                 <a:solidFill>
                   <a:srgbClr val="000000"/>
                 </a:solidFill>
                 <a:latin typeface="Bahnschrift SemiLight"/>
                 <a:ea typeface="Arial Unicode MS"/>
               </a:rPr>
-              <a:t>3 Maschinelle Lernverfahren:</a:t>
+              <a:t>4. 3 Maschinelle Lernverfahren:</a:t>
             </a:r>
-            <a:endParaRPr lang="de-DE" sz="1800" b="0" strike="noStrike" spc="-1">
+            <a:endParaRPr lang="de-DE" sz="1800" b="0" strike="noStrike" spc="-1" dirty="0">
               <a:latin typeface="Arial"/>
             </a:endParaRPr>
           </a:p>
@@ -17323,16 +13136,16 @@
               <a:buNone/>
             </a:pPr>
             <a:r>
-              <a:rPr lang="de-DE" sz="1800" b="0" strike="noStrike" spc="-1">
+              <a:rPr lang="de-DE" sz="1800" b="0" strike="noStrike" spc="-1" dirty="0">
                 <a:solidFill>
                   <a:srgbClr val="000000"/>
                 </a:solidFill>
                 <a:latin typeface="Bahnschrift SemiLight"/>
                 <a:ea typeface="Arial Unicode MS"/>
               </a:rPr>
-              <a:t>	Maschinelles Lernverfahren 1</a:t>
+              <a:t>	- SVMs</a:t>
             </a:r>
-            <a:endParaRPr lang="de-DE" sz="1800" b="0" strike="noStrike" spc="-1">
+            <a:endParaRPr lang="de-DE" sz="1800" b="0" strike="noStrike" spc="-1" dirty="0">
               <a:latin typeface="Arial"/>
             </a:endParaRPr>
           </a:p>
@@ -17344,16 +13157,16 @@
               <a:buNone/>
             </a:pPr>
             <a:r>
-              <a:rPr lang="de-DE" sz="1800" b="0" strike="noStrike" spc="-1">
+              <a:rPr lang="de-DE" sz="1800" b="0" strike="noStrike" spc="-1" dirty="0">
                 <a:solidFill>
                   <a:srgbClr val="000000"/>
                 </a:solidFill>
                 <a:latin typeface="Bahnschrift SemiLight"/>
                 <a:ea typeface="Arial Unicode MS"/>
               </a:rPr>
-              <a:t>	Maschinelles Lernverfahren 2</a:t>
+              <a:t>	- Entscheidungsbaum</a:t>
             </a:r>
-            <a:endParaRPr lang="de-DE" sz="1800" b="0" strike="noStrike" spc="-1">
+            <a:endParaRPr lang="de-DE" sz="1800" b="0" strike="noStrike" spc="-1" dirty="0">
               <a:latin typeface="Arial"/>
             </a:endParaRPr>
           </a:p>
@@ -17365,16 +13178,16 @@
               <a:buNone/>
             </a:pPr>
             <a:r>
-              <a:rPr lang="de-DE" sz="1800" b="0" strike="noStrike" spc="-1">
+              <a:rPr lang="de-DE" sz="1800" b="0" strike="noStrike" spc="-1" dirty="0">
                 <a:solidFill>
                   <a:srgbClr val="000000"/>
                 </a:solidFill>
                 <a:latin typeface="Bahnschrift SemiLight"/>
                 <a:ea typeface="Arial Unicode MS"/>
               </a:rPr>
-              <a:t>	Maschinelles Lernverfahren 3</a:t>
+              <a:t>	- Neuronales Netz</a:t>
             </a:r>
-            <a:endParaRPr lang="de-DE" sz="1800" b="0" strike="noStrike" spc="-1">
+            <a:endParaRPr lang="de-DE" sz="1800" b="0" strike="noStrike" spc="-1" dirty="0">
               <a:latin typeface="Arial"/>
             </a:endParaRPr>
           </a:p>
@@ -17385,7 +13198,7 @@
               </a:lnSpc>
               <a:buNone/>
             </a:pPr>
-            <a:endParaRPr lang="de-DE" sz="1800" b="0" strike="noStrike" spc="-1">
+            <a:endParaRPr lang="de-DE" sz="1800" b="0" strike="noStrike" spc="-1" dirty="0">
               <a:latin typeface="Arial"/>
             </a:endParaRPr>
           </a:p>
@@ -17521,16 +13334,36 @@
               <a:buChar char="•"/>
             </a:pPr>
             <a:r>
-              <a:rPr lang="de-DE" sz="1800" b="0" strike="noStrike" spc="-1">
+              <a:rPr lang="de-DE" sz="1800" b="0" strike="noStrike" spc="-1" dirty="0">
                 <a:solidFill>
                   <a:srgbClr val="000000"/>
                 </a:solidFill>
                 <a:latin typeface="Bahnschrift SemiLight"/>
                 <a:ea typeface="Arial Unicode MS"/>
               </a:rPr>
-              <a:t>Training der SVM auf train_val-Datensatz</a:t>
+              <a:t>Training der SVM auf </a:t>
             </a:r>
-            <a:endParaRPr lang="de-DE" sz="1800" b="0" strike="noStrike" spc="-1">
+            <a:r>
+              <a:rPr lang="de-DE" sz="1800" b="0" strike="noStrike" spc="-1" dirty="0" err="1">
+                <a:solidFill>
+                  <a:srgbClr val="000000"/>
+                </a:solidFill>
+                <a:latin typeface="Bahnschrift SemiLight"/>
+                <a:ea typeface="Arial Unicode MS"/>
+              </a:rPr>
+              <a:t>train_val</a:t>
+            </a:r>
+            <a:r>
+              <a:rPr lang="de-DE" sz="1800" b="0" strike="noStrike" spc="-1" dirty="0">
+                <a:solidFill>
+                  <a:srgbClr val="000000"/>
+                </a:solidFill>
+                <a:latin typeface="Bahnschrift SemiLight"/>
+                <a:ea typeface="Arial Unicode MS"/>
+              </a:rPr>
+              <a:t>-Datensatz</a:t>
+            </a:r>
+            <a:endParaRPr lang="de-DE" sz="1800" b="0" strike="noStrike" spc="-1" dirty="0">
               <a:latin typeface="Arial"/>
             </a:endParaRPr>
           </a:p>
@@ -17546,7 +13379,7 @@
               <a:buChar char="•"/>
             </a:pPr>
             <a:r>
-              <a:rPr lang="de-DE" sz="1800" b="0" strike="noStrike" spc="-1">
+              <a:rPr lang="de-DE" sz="1800" b="0" strike="noStrike" spc="-1" dirty="0">
                 <a:solidFill>
                   <a:srgbClr val="000000"/>
                 </a:solidFill>
@@ -17555,7 +13388,7 @@
               </a:rPr>
               <a:t>Erstes Ausführen mit Kreuzvalidierung war sehr langsam, weshalb wir eine andere Library verwendet haben, um Multithreading nutzen zu können</a:t>
             </a:r>
-            <a:endParaRPr lang="de-DE" sz="1800" b="0" strike="noStrike" spc="-1">
+            <a:endParaRPr lang="de-DE" sz="1800" b="0" strike="noStrike" spc="-1" dirty="0">
               <a:latin typeface="Arial"/>
             </a:endParaRPr>
           </a:p>
@@ -17571,7 +13404,7 @@
               <a:buChar char="•"/>
             </a:pPr>
             <a:r>
-              <a:rPr lang="de-DE" sz="1800" b="0" strike="noStrike" spc="-1">
+              <a:rPr lang="de-DE" sz="1800" b="0" strike="noStrike" spc="-1" dirty="0">
                 <a:solidFill>
                   <a:srgbClr val="000000"/>
                 </a:solidFill>
@@ -17580,7 +13413,7 @@
               </a:rPr>
               <a:t>Nach einigen Stunden Training, kamen als die optimalen Parameter:</a:t>
             </a:r>
-            <a:endParaRPr lang="de-DE" sz="1800" b="0" strike="noStrike" spc="-1">
+            <a:endParaRPr lang="de-DE" sz="1800" b="0" strike="noStrike" spc="-1" dirty="0">
               <a:latin typeface="Arial"/>
             </a:endParaRPr>
           </a:p>
@@ -17597,7 +13430,7 @@
               <a:buChar char=""/>
             </a:pPr>
             <a:r>
-              <a:rPr lang="de-DE" sz="1800" b="0" strike="noStrike" spc="-1">
+              <a:rPr lang="de-DE" sz="1800" b="0" strike="noStrike" spc="-1" dirty="0">
                 <a:solidFill>
                   <a:srgbClr val="000000"/>
                 </a:solidFill>
@@ -17606,7 +13439,7 @@
               </a:rPr>
               <a:t>Sigma: 5</a:t>
             </a:r>
-            <a:endParaRPr lang="de-DE" sz="1800" b="0" strike="noStrike" spc="-1">
+            <a:endParaRPr lang="de-DE" sz="1800" b="0" strike="noStrike" spc="-1" dirty="0">
               <a:latin typeface="Arial"/>
             </a:endParaRPr>
           </a:p>
@@ -17623,7 +13456,7 @@
               <a:buChar char=""/>
             </a:pPr>
             <a:r>
-              <a:rPr lang="de-DE" sz="1800" b="0" strike="noStrike" spc="-1">
+              <a:rPr lang="de-DE" sz="1800" b="0" strike="noStrike" spc="-1" dirty="0">
                 <a:solidFill>
                   <a:srgbClr val="000000"/>
                 </a:solidFill>
@@ -17632,7 +13465,7 @@
               </a:rPr>
               <a:t>C: 2</a:t>
             </a:r>
-            <a:endParaRPr lang="de-DE" sz="1800" b="0" strike="noStrike" spc="-1">
+            <a:endParaRPr lang="de-DE" sz="1800" b="0" strike="noStrike" spc="-1" dirty="0">
               <a:latin typeface="Arial"/>
             </a:endParaRPr>
           </a:p>
@@ -17648,7 +13481,7 @@
               <a:buChar char="•"/>
             </a:pPr>
             <a:r>
-              <a:rPr lang="de-DE" sz="1800" b="0" strike="noStrike" spc="-1">
+              <a:rPr lang="de-DE" sz="1800" b="0" strike="noStrike" spc="-1" dirty="0">
                 <a:solidFill>
                   <a:srgbClr val="000000"/>
                 </a:solidFill>
@@ -17657,7 +13490,7 @@
               </a:rPr>
               <a:t>==&gt; C ist in der mittleren Range, aber Sigma (hat mehr Potential TODO)</a:t>
             </a:r>
-            <a:endParaRPr lang="de-DE" sz="1800" b="0" strike="noStrike" spc="-1">
+            <a:endParaRPr lang="de-DE" sz="1800" b="0" strike="noStrike" spc="-1" dirty="0">
               <a:latin typeface="Arial"/>
             </a:endParaRPr>
           </a:p>
@@ -17674,7 +13507,7 @@
               <a:buChar char=""/>
             </a:pPr>
             <a:r>
-              <a:rPr lang="de-DE" sz="1800" b="0" strike="noStrike" spc="-1">
+              <a:rPr lang="de-DE" sz="1800" b="0" strike="noStrike" spc="-1" dirty="0">
                 <a:solidFill>
                   <a:srgbClr val="000000"/>
                 </a:solidFill>
@@ -17683,7 +13516,7 @@
               </a:rPr>
               <a:t>Mit MAE: 3082.514</a:t>
             </a:r>
-            <a:endParaRPr lang="de-DE" sz="1800" b="0" strike="noStrike" spc="-1">
+            <a:endParaRPr lang="de-DE" sz="1800" b="0" strike="noStrike" spc="-1" dirty="0">
               <a:latin typeface="Arial"/>
             </a:endParaRPr>
           </a:p>
@@ -17699,7 +13532,7 @@
               <a:buFont typeface="Wingdings" charset="2"/>
               <a:buChar char=""/>
             </a:pPr>
-            <a:endParaRPr lang="de-DE" sz="1800" b="0" strike="noStrike" spc="-1">
+            <a:endParaRPr lang="de-DE" sz="1800" b="0" strike="noStrike" spc="-1" dirty="0">
               <a:latin typeface="Arial"/>
             </a:endParaRPr>
           </a:p>
@@ -17715,7 +13548,7 @@
               <a:buChar char="•"/>
             </a:pPr>
             <a:r>
-              <a:rPr lang="de-DE" sz="1800" b="0" strike="noStrike" spc="-1">
+              <a:rPr lang="de-DE" sz="1800" b="0" strike="noStrike" spc="-1" dirty="0">
                 <a:solidFill>
                   <a:srgbClr val="000000"/>
                 </a:solidFill>
@@ -17724,7 +13557,7 @@
               </a:rPr>
               <a:t>Deshalb wurde nochmals trainiert mit angepasstem Tuning</a:t>
             </a:r>
-            <a:endParaRPr lang="de-DE" sz="1800" b="0" strike="noStrike" spc="-1">
+            <a:endParaRPr lang="de-DE" sz="1800" b="0" strike="noStrike" spc="-1" dirty="0">
               <a:latin typeface="Arial"/>
             </a:endParaRPr>
           </a:p>
@@ -17740,7 +13573,7 @@
               <a:buChar char="•"/>
             </a:pPr>
             <a:r>
-              <a:rPr lang="de-DE" sz="1800" b="0" strike="noStrike" spc="-1">
+              <a:rPr lang="de-DE" sz="1800" b="0" strike="noStrike" spc="-1" dirty="0">
                 <a:solidFill>
                   <a:srgbClr val="000000"/>
                 </a:solidFill>
@@ -17749,7 +13582,7 @@
               </a:rPr>
               <a:t>Ergebnis:</a:t>
             </a:r>
-            <a:endParaRPr lang="de-DE" sz="1800" b="0" strike="noStrike" spc="-1">
+            <a:endParaRPr lang="de-DE" sz="1800" b="0" strike="noStrike" spc="-1" dirty="0">
               <a:latin typeface="Arial"/>
             </a:endParaRPr>
           </a:p>
@@ -17766,7 +13599,7 @@
               <a:buChar char=""/>
             </a:pPr>
             <a:r>
-              <a:rPr lang="de-DE" sz="1800" b="0" strike="noStrike" spc="-1">
+              <a:rPr lang="de-DE" sz="1800" b="0" strike="noStrike" spc="-1" dirty="0">
                 <a:solidFill>
                   <a:srgbClr val="000000"/>
                 </a:solidFill>
@@ -17775,7 +13608,7 @@
               </a:rPr>
               <a:t>Tuning nur minimale Auswirkungen auf MAE: 3076.228 </a:t>
             </a:r>
-            <a:endParaRPr lang="de-DE" sz="1800" b="0" strike="noStrike" spc="-1">
+            <a:endParaRPr lang="de-DE" sz="1800" b="0" strike="noStrike" spc="-1" dirty="0">
               <a:latin typeface="Arial"/>
             </a:endParaRPr>
           </a:p>
@@ -17792,7 +13625,7 @@
               <a:buChar char=""/>
             </a:pPr>
             <a:r>
-              <a:rPr lang="de-DE" sz="1800" b="0" strike="noStrike" spc="-1">
+              <a:rPr lang="de-DE" sz="1800" b="0" strike="noStrike" spc="-1" dirty="0">
                 <a:solidFill>
                   <a:srgbClr val="000000"/>
                 </a:solidFill>
@@ -17801,7 +13634,7 @@
               </a:rPr>
               <a:t> </a:t>
             </a:r>
-            <a:endParaRPr lang="de-DE" sz="1800" b="0" strike="noStrike" spc="-1">
+            <a:endParaRPr lang="de-DE" sz="1800" b="0" strike="noStrike" spc="-1" dirty="0">
               <a:latin typeface="Arial"/>
             </a:endParaRPr>
           </a:p>
@@ -19004,7 +14837,7 @@
 </file>
 
 <file path=ppt/slides/slide24.xml><?xml version="1.0" encoding="utf-8"?>
-<p:sld xmlns:a="http://schemas.openxmlformats.org/drawingml/2006/main" xmlns:r="http://schemas.openxmlformats.org/officeDocument/2006/relationships" xmlns:p="http://schemas.openxmlformats.org/presentationml/2006/main" show="0">
+<p:sld xmlns:a="http://schemas.openxmlformats.org/drawingml/2006/main" xmlns:r="http://schemas.openxmlformats.org/officeDocument/2006/relationships" xmlns:p="http://schemas.openxmlformats.org/presentationml/2006/main">
   <p:cSld>
     <p:spTree>
       <p:nvGrpSpPr>
@@ -19020,868 +14853,290 @@
           <a:chExt cx="0" cy="0"/>
         </a:xfrm>
       </p:grpSpPr>
-      <p:grpSp>
-        <p:nvGrpSpPr>
-          <p:cNvPr id="285" name="Group 32"/>
-          <p:cNvGrpSpPr/>
+      <p:sp>
+        <p:nvSpPr>
+          <p:cNvPr id="279" name="PlaceHolder 1"/>
+          <p:cNvSpPr>
+            <a:spLocks noGrp="1"/>
+          </p:cNvSpPr>
+          <p:nvPr>
+            <p:ph/>
+          </p:nvPr>
+        </p:nvSpPr>
+        <p:spPr>
+          <a:xfrm>
+            <a:off x="2063160" y="443520"/>
+            <a:ext cx="8064360" cy="644400"/>
+          </a:xfrm>
+          <a:prstGeom prst="rect">
+            <a:avLst/>
+          </a:prstGeom>
+          <a:noFill/>
+          <a:ln w="0">
+            <a:noFill/>
+          </a:ln>
+        </p:spPr>
+        <p:txBody>
+          <a:bodyPr lIns="90000" tIns="45000" rIns="90000" bIns="45000" anchor="ctr">
+            <a:noAutofit/>
+          </a:bodyPr>
+          <a:lstStyle/>
+          <a:p>
+            <a:pPr marL="228600">
+              <a:lnSpc>
+                <a:spcPct val="90000"/>
+              </a:lnSpc>
+              <a:spcBef>
+                <a:spcPts val="1001"/>
+              </a:spcBef>
+              <a:buNone/>
+              <a:tabLst>
+                <a:tab pos="0" algn="l"/>
+              </a:tabLst>
+            </a:pPr>
+            <a:r>
+              <a:rPr lang="de-DE" sz="4000" b="1" strike="noStrike" spc="-1" dirty="0">
+                <a:solidFill>
+                  <a:srgbClr val="FFFFFF"/>
+                </a:solidFill>
+                <a:latin typeface="CMU Serif"/>
+                <a:ea typeface="CMU Serif"/>
+              </a:rPr>
+              <a:t>Neuronales Netz 1</a:t>
+            </a:r>
+            <a:endParaRPr lang="de-DE" sz="4000" b="0" strike="noStrike" spc="-1" dirty="0">
+              <a:latin typeface="Arial"/>
+            </a:endParaRPr>
+          </a:p>
+        </p:txBody>
+      </p:sp>
+      <p:sp>
+        <p:nvSpPr>
+          <p:cNvPr id="281" name="Textfeld 4"/>
+          <p:cNvSpPr/>
           <p:nvPr/>
-        </p:nvGrpSpPr>
-        <p:grpSpPr>
-          <a:xfrm>
-            <a:off x="1313280" y="279720"/>
-            <a:ext cx="9399960" cy="3466800"/>
-            <a:chOff x="1313280" y="279720"/>
-            <a:chExt cx="9399960" cy="3466800"/>
-          </a:xfrm>
-        </p:grpSpPr>
-        <p:grpSp>
-          <p:nvGrpSpPr>
-            <p:cNvPr id="286" name="Group 36"/>
-            <p:cNvGrpSpPr/>
-            <p:nvPr/>
-          </p:nvGrpSpPr>
-          <p:grpSpPr>
-            <a:xfrm>
-              <a:off x="4695120" y="279720"/>
-              <a:ext cx="2625120" cy="3410640"/>
-              <a:chOff x="4695120" y="279720"/>
-              <a:chExt cx="2625120" cy="3410640"/>
-            </a:xfrm>
-          </p:grpSpPr>
-          <p:sp>
-            <p:nvSpPr>
-              <p:cNvPr id="287" name="Graphic 2"/>
-              <p:cNvSpPr/>
-              <p:nvPr/>
-            </p:nvSpPr>
-            <p:spPr>
-              <a:xfrm>
-                <a:off x="4695120" y="279720"/>
-                <a:ext cx="2625120" cy="3410640"/>
-              </a:xfrm>
-              <a:custGeom>
-                <a:avLst/>
-                <a:gdLst/>
-                <a:ahLst/>
-                <a:cxnLst/>
-                <a:rect l="l" t="t" r="r" b="b"/>
-                <a:pathLst>
-                  <a:path w="788240" h="1023975">
-                    <a:moveTo>
-                      <a:pt x="173835" y="1023975"/>
-                    </a:moveTo>
-                    <a:lnTo>
-                      <a:pt x="679481" y="1021495"/>
-                    </a:lnTo>
-                    <a:cubicBezTo>
-                      <a:pt x="666146" y="995778"/>
-                      <a:pt x="612193" y="896458"/>
-                      <a:pt x="603620" y="878360"/>
-                    </a:cubicBezTo>
-                    <a:cubicBezTo>
-                      <a:pt x="579808" y="822163"/>
-                      <a:pt x="596953" y="699290"/>
-                      <a:pt x="679820" y="618328"/>
-                    </a:cubicBezTo>
-                    <a:cubicBezTo>
-                      <a:pt x="758878" y="541175"/>
-                      <a:pt x="810313" y="391633"/>
-                      <a:pt x="778880" y="276380"/>
-                    </a:cubicBezTo>
-                    <a:cubicBezTo>
-                      <a:pt x="727445" y="85880"/>
-                      <a:pt x="555995" y="-32230"/>
-                      <a:pt x="352160" y="7775"/>
-                    </a:cubicBezTo>
-                    <a:cubicBezTo>
-                      <a:pt x="352160" y="7775"/>
-                      <a:pt x="175948" y="29683"/>
-                      <a:pt x="116893" y="203990"/>
-                    </a:cubicBezTo>
-                    <a:cubicBezTo>
-                      <a:pt x="116893" y="203990"/>
-                      <a:pt x="107368" y="229708"/>
-                      <a:pt x="109273" y="263045"/>
-                    </a:cubicBezTo>
-                    <a:cubicBezTo>
-                      <a:pt x="114035" y="316385"/>
-                      <a:pt x="75935" y="347818"/>
-                      <a:pt x="52123" y="360200"/>
-                    </a:cubicBezTo>
-                    <a:cubicBezTo>
-                      <a:pt x="27358" y="373535"/>
-                      <a:pt x="-16457" y="395443"/>
-                      <a:pt x="6403" y="420208"/>
-                    </a:cubicBezTo>
-                    <a:cubicBezTo>
-                      <a:pt x="34025" y="450688"/>
-                      <a:pt x="32120" y="489740"/>
-                      <a:pt x="16880" y="508790"/>
-                    </a:cubicBezTo>
-                    <a:cubicBezTo>
-                      <a:pt x="-2170" y="531650"/>
-                      <a:pt x="53075" y="532603"/>
-                      <a:pt x="55933" y="544985"/>
-                    </a:cubicBezTo>
-                    <a:cubicBezTo>
-                      <a:pt x="58790" y="558320"/>
-                      <a:pt x="14975" y="547843"/>
-                      <a:pt x="11165" y="563083"/>
-                    </a:cubicBezTo>
-                    <a:cubicBezTo>
-                      <a:pt x="7355" y="579275"/>
-                      <a:pt x="19738" y="583085"/>
-                      <a:pt x="23548" y="602135"/>
-                    </a:cubicBezTo>
-                    <a:cubicBezTo>
-                      <a:pt x="27358" y="621185"/>
-                      <a:pt x="24500" y="656428"/>
-                      <a:pt x="22595" y="665953"/>
-                    </a:cubicBezTo>
-                    <a:cubicBezTo>
-                      <a:pt x="20690" y="675478"/>
-                      <a:pt x="26405" y="732628"/>
-                      <a:pt x="78793" y="737390"/>
-                    </a:cubicBezTo>
-                    <a:cubicBezTo>
-                      <a:pt x="131180" y="742153"/>
-                      <a:pt x="196903" y="731675"/>
-                      <a:pt x="217858" y="757393"/>
-                    </a:cubicBezTo>
-                    <a:cubicBezTo>
-                      <a:pt x="236908" y="783110"/>
-                      <a:pt x="197647" y="952538"/>
-                      <a:pt x="173835" y="1023975"/>
-                    </a:cubicBezTo>
-                    <a:close/>
-                  </a:path>
-                </a:pathLst>
-              </a:custGeom>
-              <a:solidFill>
-                <a:schemeClr val="accent1">
-                  <a:lumMod val="50000"/>
-                </a:schemeClr>
-              </a:solidFill>
-              <a:ln w="9525">
-                <a:noFill/>
-              </a:ln>
-            </p:spPr>
-            <p:style>
-              <a:lnRef idx="0">
-                <a:scrgbClr r="0" g="0" b="0"/>
-              </a:lnRef>
-              <a:fillRef idx="0">
-                <a:scrgbClr r="0" g="0" b="0"/>
-              </a:fillRef>
-              <a:effectRef idx="0">
-                <a:scrgbClr r="0" g="0" b="0"/>
-              </a:effectRef>
-              <a:fontRef idx="minor"/>
-            </p:style>
-            <p:txBody>
-              <a:bodyPr/>
-              <a:lstStyle/>
-              <a:p>
-                <a:endParaRPr lang="de-DE"/>
-              </a:p>
-            </p:txBody>
-          </p:sp>
-          <p:grpSp>
-            <p:nvGrpSpPr>
-              <p:cNvPr id="288" name="Group 40"/>
-              <p:cNvGrpSpPr/>
-              <p:nvPr/>
-            </p:nvGrpSpPr>
-            <p:grpSpPr>
-              <a:xfrm>
-                <a:off x="5502960" y="658080"/>
-                <a:ext cx="1325520" cy="1298880"/>
-                <a:chOff x="5502960" y="658080"/>
-                <a:chExt cx="1325520" cy="1298880"/>
-              </a:xfrm>
-            </p:grpSpPr>
-            <p:sp>
-              <p:nvSpPr>
-                <p:cNvPr id="289" name="Graphic 4"/>
-                <p:cNvSpPr/>
-                <p:nvPr/>
-              </p:nvSpPr>
-              <p:spPr>
-                <a:xfrm>
-                  <a:off x="5502960" y="658080"/>
-                  <a:ext cx="1325520" cy="1298880"/>
-                </a:xfrm>
-                <a:custGeom>
-                  <a:avLst/>
-                  <a:gdLst/>
-                  <a:ahLst/>
-                  <a:cxnLst/>
-                  <a:rect l="l" t="t" r="r" b="b"/>
-                  <a:pathLst>
-                    <a:path w="476250" h="466725">
-                      <a:moveTo>
-                        <a:pt x="462439" y="160496"/>
-                      </a:moveTo>
-                      <a:cubicBezTo>
-                        <a:pt x="466249" y="160496"/>
-                        <a:pt x="469106" y="157639"/>
-                        <a:pt x="469106" y="153829"/>
-                      </a:cubicBezTo>
-                      <a:lnTo>
-                        <a:pt x="469106" y="149066"/>
-                      </a:lnTo>
-                      <a:cubicBezTo>
-                        <a:pt x="469106" y="145256"/>
-                        <a:pt x="466249" y="142399"/>
-                        <a:pt x="462439" y="142399"/>
-                      </a:cubicBezTo>
-                      <a:lnTo>
-                        <a:pt x="415766" y="142399"/>
-                      </a:lnTo>
-                      <a:lnTo>
-                        <a:pt x="415766" y="93821"/>
-                      </a:lnTo>
-                      <a:cubicBezTo>
-                        <a:pt x="415766" y="80486"/>
-                        <a:pt x="405289" y="70009"/>
-                        <a:pt x="391954" y="70009"/>
-                      </a:cubicBezTo>
-                      <a:lnTo>
-                        <a:pt x="333851" y="70009"/>
-                      </a:lnTo>
-                      <a:lnTo>
-                        <a:pt x="333851" y="13811"/>
-                      </a:lnTo>
-                      <a:cubicBezTo>
-                        <a:pt x="333851" y="10001"/>
-                        <a:pt x="330994" y="7144"/>
-                        <a:pt x="327184" y="7144"/>
-                      </a:cubicBezTo>
-                      <a:lnTo>
-                        <a:pt x="322421" y="7144"/>
-                      </a:lnTo>
-                      <a:cubicBezTo>
-                        <a:pt x="318611" y="7144"/>
-                        <a:pt x="315754" y="10001"/>
-                        <a:pt x="315754" y="13811"/>
-                      </a:cubicBezTo>
-                      <a:lnTo>
-                        <a:pt x="315754" y="70009"/>
-                      </a:lnTo>
-                      <a:lnTo>
-                        <a:pt x="290989" y="70009"/>
-                      </a:lnTo>
-                      <a:lnTo>
-                        <a:pt x="290989" y="13811"/>
-                      </a:lnTo>
-                      <a:cubicBezTo>
-                        <a:pt x="290989" y="10001"/>
-                        <a:pt x="287179" y="7144"/>
-                        <a:pt x="283369" y="7144"/>
-                      </a:cubicBezTo>
-                      <a:lnTo>
-                        <a:pt x="278606" y="7144"/>
-                      </a:lnTo>
-                      <a:cubicBezTo>
-                        <a:pt x="274796" y="7144"/>
-                        <a:pt x="271939" y="10001"/>
-                        <a:pt x="271939" y="13811"/>
-                      </a:cubicBezTo>
-                      <a:lnTo>
-                        <a:pt x="271939" y="70009"/>
-                      </a:lnTo>
-                      <a:lnTo>
-                        <a:pt x="247174" y="70009"/>
-                      </a:lnTo>
-                      <a:lnTo>
-                        <a:pt x="247174" y="13811"/>
-                      </a:lnTo>
-                      <a:cubicBezTo>
-                        <a:pt x="247174" y="10001"/>
-                        <a:pt x="244316" y="7144"/>
-                        <a:pt x="240506" y="7144"/>
-                      </a:cubicBezTo>
-                      <a:lnTo>
-                        <a:pt x="235744" y="7144"/>
-                      </a:lnTo>
-                      <a:cubicBezTo>
-                        <a:pt x="231934" y="7144"/>
-                        <a:pt x="229076" y="10001"/>
-                        <a:pt x="229076" y="13811"/>
-                      </a:cubicBezTo>
-                      <a:lnTo>
-                        <a:pt x="229076" y="70009"/>
-                      </a:lnTo>
-                      <a:lnTo>
-                        <a:pt x="204311" y="70009"/>
-                      </a:lnTo>
-                      <a:lnTo>
-                        <a:pt x="204311" y="13811"/>
-                      </a:lnTo>
-                      <a:cubicBezTo>
-                        <a:pt x="204311" y="10001"/>
-                        <a:pt x="201454" y="7144"/>
-                        <a:pt x="197644" y="7144"/>
-                      </a:cubicBezTo>
-                      <a:lnTo>
-                        <a:pt x="192881" y="7144"/>
-                      </a:lnTo>
-                      <a:cubicBezTo>
-                        <a:pt x="189071" y="7144"/>
-                        <a:pt x="186214" y="10001"/>
-                        <a:pt x="186214" y="13811"/>
-                      </a:cubicBezTo>
-                      <a:lnTo>
-                        <a:pt x="186214" y="70009"/>
-                      </a:lnTo>
-                      <a:lnTo>
-                        <a:pt x="161449" y="70009"/>
-                      </a:lnTo>
-                      <a:lnTo>
-                        <a:pt x="161449" y="13811"/>
-                      </a:lnTo>
-                      <a:cubicBezTo>
-                        <a:pt x="161449" y="10001"/>
-                        <a:pt x="158591" y="7144"/>
-                        <a:pt x="154781" y="7144"/>
-                      </a:cubicBezTo>
-                      <a:lnTo>
-                        <a:pt x="150019" y="7144"/>
-                      </a:lnTo>
-                      <a:cubicBezTo>
-                        <a:pt x="146209" y="7144"/>
-                        <a:pt x="143351" y="10001"/>
-                        <a:pt x="143351" y="13811"/>
-                      </a:cubicBezTo>
-                      <a:lnTo>
-                        <a:pt x="143351" y="70009"/>
-                      </a:lnTo>
-                      <a:lnTo>
-                        <a:pt x="88106" y="70009"/>
-                      </a:lnTo>
-                      <a:cubicBezTo>
-                        <a:pt x="74771" y="70009"/>
-                        <a:pt x="64294" y="81439"/>
-                        <a:pt x="64294" y="93821"/>
-                      </a:cubicBezTo>
-                      <a:lnTo>
-                        <a:pt x="64294" y="142399"/>
-                      </a:lnTo>
-                      <a:lnTo>
-                        <a:pt x="13811" y="142399"/>
-                      </a:lnTo>
-                      <a:cubicBezTo>
-                        <a:pt x="10001" y="142399"/>
-                        <a:pt x="7144" y="145256"/>
-                        <a:pt x="7144" y="149066"/>
-                      </a:cubicBezTo>
-                      <a:lnTo>
-                        <a:pt x="7144" y="153829"/>
-                      </a:lnTo>
-                      <a:cubicBezTo>
-                        <a:pt x="7144" y="157639"/>
-                        <a:pt x="10001" y="160496"/>
-                        <a:pt x="13811" y="160496"/>
-                      </a:cubicBezTo>
-                      <a:lnTo>
-                        <a:pt x="64294" y="160496"/>
-                      </a:lnTo>
-                      <a:lnTo>
-                        <a:pt x="64294" y="185261"/>
-                      </a:lnTo>
-                      <a:lnTo>
-                        <a:pt x="13811" y="185261"/>
-                      </a:lnTo>
-                      <a:cubicBezTo>
-                        <a:pt x="10001" y="185261"/>
-                        <a:pt x="7144" y="188119"/>
-                        <a:pt x="7144" y="191929"/>
-                      </a:cubicBezTo>
-                      <a:lnTo>
-                        <a:pt x="7144" y="196691"/>
-                      </a:lnTo>
-                      <a:cubicBezTo>
-                        <a:pt x="7144" y="200501"/>
-                        <a:pt x="10001" y="203359"/>
-                        <a:pt x="13811" y="203359"/>
-                      </a:cubicBezTo>
-                      <a:lnTo>
-                        <a:pt x="64294" y="203359"/>
-                      </a:lnTo>
-                      <a:lnTo>
-                        <a:pt x="64294" y="228124"/>
-                      </a:lnTo>
-                      <a:lnTo>
-                        <a:pt x="13811" y="228124"/>
-                      </a:lnTo>
-                      <a:cubicBezTo>
-                        <a:pt x="10001" y="229076"/>
-                        <a:pt x="7144" y="231934"/>
-                        <a:pt x="7144" y="235744"/>
-                      </a:cubicBezTo>
-                      <a:lnTo>
-                        <a:pt x="7144" y="240506"/>
-                      </a:lnTo>
-                      <a:cubicBezTo>
-                        <a:pt x="7144" y="244316"/>
-                        <a:pt x="10001" y="247174"/>
-                        <a:pt x="13811" y="247174"/>
-                      </a:cubicBezTo>
-                      <a:lnTo>
-                        <a:pt x="64294" y="247174"/>
-                      </a:lnTo>
-                      <a:lnTo>
-                        <a:pt x="64294" y="271939"/>
-                      </a:lnTo>
-                      <a:lnTo>
-                        <a:pt x="13811" y="271939"/>
-                      </a:lnTo>
-                      <a:cubicBezTo>
-                        <a:pt x="10001" y="271939"/>
-                        <a:pt x="7144" y="274796"/>
-                        <a:pt x="7144" y="278606"/>
-                      </a:cubicBezTo>
-                      <a:lnTo>
-                        <a:pt x="7144" y="283369"/>
-                      </a:lnTo>
-                      <a:cubicBezTo>
-                        <a:pt x="7144" y="287179"/>
-                        <a:pt x="10001" y="290036"/>
-                        <a:pt x="13811" y="290036"/>
-                      </a:cubicBezTo>
-                      <a:lnTo>
-                        <a:pt x="64294" y="290036"/>
-                      </a:lnTo>
-                      <a:lnTo>
-                        <a:pt x="64294" y="314801"/>
-                      </a:lnTo>
-                      <a:lnTo>
-                        <a:pt x="13811" y="314801"/>
-                      </a:lnTo>
-                      <a:cubicBezTo>
-                        <a:pt x="10001" y="314801"/>
-                        <a:pt x="7144" y="317659"/>
-                        <a:pt x="7144" y="321469"/>
-                      </a:cubicBezTo>
-                      <a:lnTo>
-                        <a:pt x="7144" y="326231"/>
-                      </a:lnTo>
-                      <a:cubicBezTo>
-                        <a:pt x="7144" y="330041"/>
-                        <a:pt x="10001" y="332899"/>
-                        <a:pt x="13811" y="332899"/>
-                      </a:cubicBezTo>
-                      <a:lnTo>
-                        <a:pt x="64294" y="332899"/>
-                      </a:lnTo>
-                      <a:lnTo>
-                        <a:pt x="64294" y="380524"/>
-                      </a:lnTo>
-                      <a:cubicBezTo>
-                        <a:pt x="64294" y="393859"/>
-                        <a:pt x="74771" y="404336"/>
-                        <a:pt x="88106" y="404336"/>
-                      </a:cubicBezTo>
-                      <a:lnTo>
-                        <a:pt x="142399" y="404336"/>
-                      </a:lnTo>
-                      <a:lnTo>
-                        <a:pt x="142399" y="461486"/>
-                      </a:lnTo>
-                      <a:cubicBezTo>
-                        <a:pt x="142399" y="465296"/>
-                        <a:pt x="145256" y="468154"/>
-                        <a:pt x="149066" y="468154"/>
-                      </a:cubicBezTo>
-                      <a:lnTo>
-                        <a:pt x="153829" y="468154"/>
-                      </a:lnTo>
-                      <a:cubicBezTo>
-                        <a:pt x="157639" y="468154"/>
-                        <a:pt x="160496" y="465296"/>
-                        <a:pt x="160496" y="461486"/>
-                      </a:cubicBezTo>
-                      <a:lnTo>
-                        <a:pt x="160496" y="404336"/>
-                      </a:lnTo>
-                      <a:lnTo>
-                        <a:pt x="185261" y="404336"/>
-                      </a:lnTo>
-                      <a:lnTo>
-                        <a:pt x="185261" y="461486"/>
-                      </a:lnTo>
-                      <a:cubicBezTo>
-                        <a:pt x="185261" y="465296"/>
-                        <a:pt x="188119" y="468154"/>
-                        <a:pt x="191929" y="468154"/>
-                      </a:cubicBezTo>
-                      <a:lnTo>
-                        <a:pt x="196691" y="468154"/>
-                      </a:lnTo>
-                      <a:cubicBezTo>
-                        <a:pt x="200501" y="468154"/>
-                        <a:pt x="203359" y="465296"/>
-                        <a:pt x="203359" y="461486"/>
-                      </a:cubicBezTo>
-                      <a:lnTo>
-                        <a:pt x="203359" y="404336"/>
-                      </a:lnTo>
-                      <a:lnTo>
-                        <a:pt x="228124" y="404336"/>
-                      </a:lnTo>
-                      <a:lnTo>
-                        <a:pt x="228124" y="461486"/>
-                      </a:lnTo>
-                      <a:cubicBezTo>
-                        <a:pt x="228124" y="465296"/>
-                        <a:pt x="230981" y="468154"/>
-                        <a:pt x="234791" y="468154"/>
-                      </a:cubicBezTo>
-                      <a:lnTo>
-                        <a:pt x="239554" y="468154"/>
-                      </a:lnTo>
-                      <a:cubicBezTo>
-                        <a:pt x="243364" y="468154"/>
-                        <a:pt x="246221" y="465296"/>
-                        <a:pt x="246221" y="461486"/>
-                      </a:cubicBezTo>
-                      <a:lnTo>
-                        <a:pt x="246221" y="404336"/>
-                      </a:lnTo>
-                      <a:lnTo>
-                        <a:pt x="270986" y="404336"/>
-                      </a:lnTo>
-                      <a:lnTo>
-                        <a:pt x="270986" y="461486"/>
-                      </a:lnTo>
-                      <a:cubicBezTo>
-                        <a:pt x="270986" y="465296"/>
-                        <a:pt x="273844" y="468154"/>
-                        <a:pt x="277654" y="468154"/>
-                      </a:cubicBezTo>
-                      <a:lnTo>
-                        <a:pt x="283369" y="468154"/>
-                      </a:lnTo>
-                      <a:cubicBezTo>
-                        <a:pt x="287179" y="468154"/>
-                        <a:pt x="290036" y="465296"/>
-                        <a:pt x="290036" y="461486"/>
-                      </a:cubicBezTo>
-                      <a:lnTo>
-                        <a:pt x="290036" y="404336"/>
-                      </a:lnTo>
-                      <a:lnTo>
-                        <a:pt x="314801" y="404336"/>
-                      </a:lnTo>
-                      <a:lnTo>
-                        <a:pt x="314801" y="461486"/>
-                      </a:lnTo>
-                      <a:cubicBezTo>
-                        <a:pt x="314801" y="465296"/>
-                        <a:pt x="317659" y="468154"/>
-                        <a:pt x="321469" y="468154"/>
-                      </a:cubicBezTo>
-                      <a:lnTo>
-                        <a:pt x="326231" y="468154"/>
-                      </a:lnTo>
-                      <a:cubicBezTo>
-                        <a:pt x="330041" y="468154"/>
-                        <a:pt x="332899" y="465296"/>
-                        <a:pt x="332899" y="461486"/>
-                      </a:cubicBezTo>
-                      <a:lnTo>
-                        <a:pt x="332899" y="404336"/>
-                      </a:lnTo>
-                      <a:lnTo>
-                        <a:pt x="391001" y="404336"/>
-                      </a:lnTo>
-                      <a:cubicBezTo>
-                        <a:pt x="404336" y="404336"/>
-                        <a:pt x="414814" y="393859"/>
-                        <a:pt x="414814" y="380524"/>
-                      </a:cubicBezTo>
-                      <a:lnTo>
-                        <a:pt x="414814" y="332899"/>
-                      </a:lnTo>
-                      <a:lnTo>
-                        <a:pt x="461486" y="332899"/>
-                      </a:lnTo>
-                      <a:cubicBezTo>
-                        <a:pt x="465296" y="332899"/>
-                        <a:pt x="468154" y="330041"/>
-                        <a:pt x="468154" y="326231"/>
-                      </a:cubicBezTo>
-                      <a:lnTo>
-                        <a:pt x="468154" y="321469"/>
-                      </a:lnTo>
-                      <a:cubicBezTo>
-                        <a:pt x="468154" y="317659"/>
-                        <a:pt x="465296" y="314801"/>
-                        <a:pt x="461486" y="314801"/>
-                      </a:cubicBezTo>
-                      <a:lnTo>
-                        <a:pt x="414814" y="314801"/>
-                      </a:lnTo>
-                      <a:lnTo>
-                        <a:pt x="414814" y="290036"/>
-                      </a:lnTo>
-                      <a:lnTo>
-                        <a:pt x="461486" y="290036"/>
-                      </a:lnTo>
-                      <a:cubicBezTo>
-                        <a:pt x="465296" y="290036"/>
-                        <a:pt x="468154" y="287179"/>
-                        <a:pt x="468154" y="283369"/>
-                      </a:cubicBezTo>
-                      <a:lnTo>
-                        <a:pt x="468154" y="278606"/>
-                      </a:lnTo>
-                      <a:cubicBezTo>
-                        <a:pt x="468154" y="274796"/>
-                        <a:pt x="465296" y="271939"/>
-                        <a:pt x="461486" y="271939"/>
-                      </a:cubicBezTo>
-                      <a:lnTo>
-                        <a:pt x="414814" y="271939"/>
-                      </a:lnTo>
-                      <a:lnTo>
-                        <a:pt x="414814" y="247174"/>
-                      </a:lnTo>
-                      <a:lnTo>
-                        <a:pt x="461486" y="247174"/>
-                      </a:lnTo>
-                      <a:cubicBezTo>
-                        <a:pt x="465296" y="247174"/>
-                        <a:pt x="468154" y="244316"/>
-                        <a:pt x="468154" y="240506"/>
-                      </a:cubicBezTo>
-                      <a:lnTo>
-                        <a:pt x="468154" y="235744"/>
-                      </a:lnTo>
-                      <a:cubicBezTo>
-                        <a:pt x="468154" y="231934"/>
-                        <a:pt x="465296" y="229076"/>
-                        <a:pt x="461486" y="229076"/>
-                      </a:cubicBezTo>
-                      <a:lnTo>
-                        <a:pt x="414814" y="229076"/>
-                      </a:lnTo>
-                      <a:lnTo>
-                        <a:pt x="414814" y="204311"/>
-                      </a:lnTo>
-                      <a:lnTo>
-                        <a:pt x="461486" y="204311"/>
-                      </a:lnTo>
-                      <a:cubicBezTo>
-                        <a:pt x="465296" y="204311"/>
-                        <a:pt x="468154" y="201454"/>
-                        <a:pt x="468154" y="197644"/>
-                      </a:cubicBezTo>
-                      <a:lnTo>
-                        <a:pt x="468154" y="192881"/>
-                      </a:lnTo>
-                      <a:cubicBezTo>
-                        <a:pt x="468154" y="189071"/>
-                        <a:pt x="465296" y="186214"/>
-                        <a:pt x="461486" y="186214"/>
-                      </a:cubicBezTo>
-                      <a:lnTo>
-                        <a:pt x="414814" y="186214"/>
-                      </a:lnTo>
-                      <a:lnTo>
-                        <a:pt x="414814" y="161449"/>
-                      </a:lnTo>
-                      <a:lnTo>
-                        <a:pt x="462439" y="161449"/>
-                      </a:lnTo>
-                      <a:close/>
-                    </a:path>
-                  </a:pathLst>
-                </a:custGeom>
+        </p:nvSpPr>
+        <p:spPr>
+          <a:xfrm>
+            <a:off x="628560" y="1512000"/>
+            <a:ext cx="9952200" cy="1198875"/>
+          </a:xfrm>
+          <a:prstGeom prst="rect">
+            <a:avLst/>
+          </a:prstGeom>
+          <a:noFill/>
+          <a:ln w="0">
+            <a:noFill/>
+          </a:ln>
+        </p:spPr>
+        <p:style>
+          <a:lnRef idx="0">
+            <a:scrgbClr r="0" g="0" b="0"/>
+          </a:lnRef>
+          <a:fillRef idx="0">
+            <a:scrgbClr r="0" g="0" b="0"/>
+          </a:fillRef>
+          <a:effectRef idx="0">
+            <a:scrgbClr r="0" g="0" b="0"/>
+          </a:effectRef>
+          <a:fontRef idx="minor"/>
+        </p:style>
+        <p:txBody>
+          <a:bodyPr lIns="90000" tIns="45000" rIns="90000" bIns="45000" anchor="t">
+            <a:spAutoFit/>
+          </a:bodyPr>
+          <a:lstStyle/>
+          <a:p>
+            <a:pPr marL="285840" indent="-285840">
+              <a:lnSpc>
+                <a:spcPct val="100000"/>
+              </a:lnSpc>
+              <a:buClr>
+                <a:srgbClr val="000000"/>
+              </a:buClr>
+              <a:buFont typeface="Arial"/>
+              <a:buChar char="•"/>
+            </a:pPr>
+            <a:r>
+              <a:rPr lang="de-DE" sz="1800" b="0" strike="noStrike" spc="-1" dirty="0">
                 <a:solidFill>
-                  <a:schemeClr val="bg1"/>
+                  <a:srgbClr val="000000"/>
                 </a:solidFill>
-                <a:ln w="9525">
-                  <a:noFill/>
-                </a:ln>
-              </p:spPr>
-              <p:style>
-                <a:lnRef idx="0">
-                  <a:scrgbClr r="0" g="0" b="0"/>
-                </a:lnRef>
-                <a:fillRef idx="0">
-                  <a:scrgbClr r="0" g="0" b="0"/>
-                </a:fillRef>
-                <a:effectRef idx="0">
-                  <a:scrgbClr r="0" g="0" b="0"/>
-                </a:effectRef>
-                <a:fontRef idx="minor"/>
-              </p:style>
-              <p:txBody>
-                <a:bodyPr/>
-                <a:lstStyle/>
-                <a:p>
-                  <a:endParaRPr lang="de-DE"/>
-                </a:p>
-              </p:txBody>
-            </p:sp>
-            <p:sp>
-              <p:nvSpPr>
-                <p:cNvPr id="290" name="Freeform: Shape 42"/>
-                <p:cNvSpPr/>
-                <p:nvPr/>
-              </p:nvSpPr>
-              <p:spPr>
-                <a:xfrm>
-                  <a:off x="5824800" y="1128600"/>
-                  <a:ext cx="622440" cy="410760"/>
-                </a:xfrm>
-                <a:custGeom>
-                  <a:avLst/>
-                  <a:gdLst/>
-                  <a:ahLst/>
-                  <a:cxnLst/>
-                  <a:rect l="l" t="t" r="r" b="b"/>
-                  <a:pathLst>
-                    <a:path w="330249" h="218182">
-                      <a:moveTo>
-                        <a:pt x="117946" y="56554"/>
-                      </a:moveTo>
-                      <a:lnTo>
-                        <a:pt x="94115" y="134987"/>
-                      </a:lnTo>
-                      <a:lnTo>
-                        <a:pt x="142028" y="134987"/>
-                      </a:lnTo>
-                      <a:close/>
-                      <a:moveTo>
-                        <a:pt x="262681" y="0"/>
-                      </a:moveTo>
-                      <a:lnTo>
-                        <a:pt x="330249" y="0"/>
-                      </a:lnTo>
-                      <a:lnTo>
-                        <a:pt x="330249" y="218182"/>
-                      </a:lnTo>
-                      <a:lnTo>
-                        <a:pt x="262681" y="218182"/>
-                      </a:lnTo>
-                      <a:close/>
-                      <a:moveTo>
-                        <a:pt x="82004" y="0"/>
-                      </a:moveTo>
-                      <a:lnTo>
-                        <a:pt x="155544" y="0"/>
-                      </a:lnTo>
-                      <a:lnTo>
-                        <a:pt x="237529" y="218182"/>
-                      </a:lnTo>
-                      <a:lnTo>
-                        <a:pt x="166929" y="218182"/>
-                      </a:lnTo>
-                      <a:lnTo>
-                        <a:pt x="156013" y="182165"/>
-                      </a:lnTo>
-                      <a:lnTo>
-                        <a:pt x="79472" y="182165"/>
-                      </a:lnTo>
-                      <a:lnTo>
-                        <a:pt x="68837" y="218182"/>
-                      </a:lnTo>
-                      <a:lnTo>
-                        <a:pt x="0" y="218182"/>
-                      </a:lnTo>
-                      <a:close/>
-                    </a:path>
-                  </a:pathLst>
-                </a:custGeom>
-                <a:solidFill>
-                  <a:schemeClr val="accent1">
-                    <a:lumMod val="50000"/>
-                  </a:schemeClr>
-                </a:solidFill>
-                <a:ln>
-                  <a:noFill/>
-                </a:ln>
-              </p:spPr>
-              <p:style>
-                <a:lnRef idx="2">
-                  <a:schemeClr val="accent1">
-                    <a:shade val="50000"/>
-                  </a:schemeClr>
-                </a:lnRef>
-                <a:fillRef idx="1">
-                  <a:schemeClr val="accent1"/>
-                </a:fillRef>
-                <a:effectRef idx="0">
-                  <a:schemeClr val="accent1"/>
-                </a:effectRef>
-                <a:fontRef idx="minor"/>
-              </p:style>
-              <p:txBody>
-                <a:bodyPr/>
-                <a:lstStyle/>
-                <a:p>
-                  <a:endParaRPr lang="de-DE"/>
-                </a:p>
-              </p:txBody>
-            </p:sp>
-          </p:grpSp>
-        </p:grpSp>
-        <p:sp>
-          <p:nvSpPr>
-            <p:cNvPr id="291" name="Rectangle 38"/>
-            <p:cNvSpPr/>
-            <p:nvPr/>
-          </p:nvSpPr>
-          <p:spPr>
-            <a:xfrm>
-              <a:off x="1313280" y="3684600"/>
-              <a:ext cx="9399960" cy="61920"/>
-            </a:xfrm>
-            <a:prstGeom prst="rect">
-              <a:avLst/>
-            </a:prstGeom>
-            <a:solidFill>
-              <a:schemeClr val="accent1">
-                <a:lumMod val="50000"/>
-              </a:schemeClr>
-            </a:solidFill>
-            <a:ln>
-              <a:noFill/>
-            </a:ln>
-          </p:spPr>
-          <p:style>
-            <a:lnRef idx="2">
-              <a:schemeClr val="accent1">
-                <a:shade val="50000"/>
-              </a:schemeClr>
-            </a:lnRef>
-            <a:fillRef idx="1">
-              <a:schemeClr val="accent1"/>
-            </a:fillRef>
-            <a:effectRef idx="0">
-              <a:schemeClr val="accent1"/>
-            </a:effectRef>
-            <a:fontRef idx="minor"/>
-          </p:style>
-          <p:txBody>
-            <a:bodyPr/>
-            <a:lstStyle/>
-            <a:p>
-              <a:endParaRPr lang="de-DE"/>
-            </a:p>
-          </p:txBody>
-        </p:sp>
-      </p:grpSp>
+                <a:latin typeface="Bahnschrift SemiLight"/>
+                <a:ea typeface="Arial Unicode MS"/>
+              </a:rPr>
+              <a:t>Es wurde ein einfaches neuronales Netz definiert mit:</a:t>
+            </a:r>
+          </a:p>
+          <a:p>
+            <a:pPr>
+              <a:lnSpc>
+                <a:spcPct val="100000"/>
+              </a:lnSpc>
+              <a:buClr>
+                <a:srgbClr val="000000"/>
+    